--- a/2021_Summer/jp.hong/Project_BnC_jph.pptx
+++ b/2021_Summer/jp.hong/Project_BnC_jph.pptx
@@ -2,7 +2,7 @@
 <file path=ppt/presentation.xml><?xml version="1.0" encoding="utf-8"?>
 <p:presentation xmlns:r="http://schemas.openxmlformats.org/officeDocument/2006/relationships" xmlns:c="http://schemas.openxmlformats.org/drawingml/2006/chart" xmlns:a="http://schemas.openxmlformats.org/drawingml/2006/main" xmlns:dgm="http://schemas.openxmlformats.org/drawingml/2006/diagram" xmlns:dsp="http://schemas.microsoft.com/office/drawing/2008/diagram" xmlns:p="http://schemas.openxmlformats.org/presentationml/2006/main">
   <p:sldMasterIdLst>
-    <p:sldMasterId id="2147483671" r:id="rId1"/>
+    <p:sldMasterId id="2147483674" r:id="rId1"/>
   </p:sldMasterIdLst>
   <p:sldIdLst>
     <p:sldId id="261" r:id="rId2"/>
@@ -9838,6 +9838,26 @@
             </a:pPr>
             <a:r>
               <a:rPr lang="ko-KR" altLang="en-US"/>
+              <a:t>부품별 교환 시기 자료</a:t>
+            </a:r>
+            <a:endParaRPr lang="ko-KR" altLang="en-US"/>
+          </a:p>
+          <a:p>
+            <a:pPr>
+              <a:defRPr/>
+            </a:pPr>
+            <a:r>
+              <a:rPr lang="en-US" altLang="ko-KR"/>
+              <a:t>https://m.post.naver.com/viewer/postView.nhn?volumeNo=6571874&amp;memberNo=28455927</a:t>
+            </a:r>
+            <a:endParaRPr lang="en-US" altLang="ko-KR"/>
+          </a:p>
+          <a:p>
+            <a:pPr>
+              <a:defRPr/>
+            </a:pPr>
+            <a:r>
+              <a:rPr lang="ko-KR" altLang="en-US"/>
               <a:t>한계점</a:t>
             </a:r>
             <a:endParaRPr lang="ko-KR" altLang="en-US"/>

--- a/2021_Summer/jp.hong/Project_BnC_jph.pptx
+++ b/2021_Summer/jp.hong/Project_BnC_jph.pptx
@@ -2,7 +2,7 @@
 <file path=ppt/presentation.xml><?xml version="1.0" encoding="utf-8"?>
 <p:presentation xmlns:r="http://schemas.openxmlformats.org/officeDocument/2006/relationships" xmlns:c="http://schemas.openxmlformats.org/drawingml/2006/chart" xmlns:a="http://schemas.openxmlformats.org/drawingml/2006/main" xmlns:dgm="http://schemas.openxmlformats.org/drawingml/2006/diagram" xmlns:dsp="http://schemas.microsoft.com/office/drawing/2008/diagram" xmlns:p="http://schemas.openxmlformats.org/presentationml/2006/main">
   <p:sldMasterIdLst>
-    <p:sldMasterId id="2147483674" r:id="rId1"/>
+    <p:sldMasterId id="2147483716" r:id="rId1"/>
   </p:sldMasterIdLst>
   <p:sldIdLst>
     <p:sldId id="261" r:id="rId2"/>
@@ -11,21 +11,27 @@
     <p:sldId id="305" r:id="rId5"/>
     <p:sldId id="308" r:id="rId6"/>
     <p:sldId id="309" r:id="rId7"/>
-    <p:sldId id="310" r:id="rId8"/>
-    <p:sldId id="288" r:id="rId9"/>
-    <p:sldId id="296" r:id="rId10"/>
-    <p:sldId id="289" r:id="rId11"/>
-    <p:sldId id="297" r:id="rId12"/>
-    <p:sldId id="290" r:id="rId13"/>
-    <p:sldId id="298" r:id="rId14"/>
-    <p:sldId id="291" r:id="rId15"/>
-    <p:sldId id="299" r:id="rId16"/>
-    <p:sldId id="292" r:id="rId17"/>
-    <p:sldId id="300" r:id="rId18"/>
-    <p:sldId id="306" r:id="rId19"/>
-    <p:sldId id="307" r:id="rId20"/>
-    <p:sldId id="294" r:id="rId21"/>
-    <p:sldId id="302" r:id="rId22"/>
+    <p:sldId id="311" r:id="rId8"/>
+    <p:sldId id="312" r:id="rId9"/>
+    <p:sldId id="313" r:id="rId10"/>
+    <p:sldId id="310" r:id="rId11"/>
+    <p:sldId id="314" r:id="rId12"/>
+    <p:sldId id="315" r:id="rId13"/>
+    <p:sldId id="288" r:id="rId14"/>
+    <p:sldId id="296" r:id="rId15"/>
+    <p:sldId id="316" r:id="rId16"/>
+    <p:sldId id="289" r:id="rId17"/>
+    <p:sldId id="297" r:id="rId18"/>
+    <p:sldId id="290" r:id="rId19"/>
+    <p:sldId id="298" r:id="rId20"/>
+    <p:sldId id="291" r:id="rId21"/>
+    <p:sldId id="299" r:id="rId22"/>
+    <p:sldId id="292" r:id="rId23"/>
+    <p:sldId id="300" r:id="rId24"/>
+    <p:sldId id="306" r:id="rId25"/>
+    <p:sldId id="307" r:id="rId26"/>
+    <p:sldId id="294" r:id="rId27"/>
+    <p:sldId id="302" r:id="rId28"/>
   </p:sldIdLst>
   <p:sldSz cx="12192000" cy="6858000"/>
   <p:notesSz cx="7104063" cy="10234613"/>
@@ -4183,7 +4189,736 @@
 </file>
 
 <file path=ppt/slides/slide10.xml><?xml version="1.0" encoding="utf-8"?>
-<p:sld xmlns:a="http://schemas.openxmlformats.org/drawingml/2006/main" xmlns:r="http://schemas.openxmlformats.org/officeDocument/2006/relationships" xmlns:p="http://schemas.openxmlformats.org/presentationml/2006/main">
+<p:sld xmlns:r="http://schemas.openxmlformats.org/officeDocument/2006/relationships" xmlns:c="http://schemas.openxmlformats.org/drawingml/2006/chart" xmlns:a="http://schemas.openxmlformats.org/drawingml/2006/main" xmlns:dgm="http://schemas.openxmlformats.org/drawingml/2006/diagram" xmlns:dsp="http://schemas.microsoft.com/office/drawing/2008/diagram" xmlns:p="http://schemas.openxmlformats.org/presentationml/2006/main">
+  <p:cSld>
+    <p:spTree>
+      <p:nvGrpSpPr>
+        <p:cNvPr id="1" name=""/>
+        <p:cNvGrpSpPr/>
+        <p:nvPr/>
+      </p:nvGrpSpPr>
+      <p:grpSpPr>
+        <a:xfrm>
+          <a:off x="0" y="0"/>
+          <a:ext cx="0" cy="0"/>
+          <a:chOff x="0" y="0"/>
+          <a:chExt cx="0" cy="0"/>
+        </a:xfrm>
+      </p:grpSpPr>
+      <p:sp>
+        <p:nvSpPr>
+          <p:cNvPr id="2" name="제목 1"/>
+          <p:cNvSpPr>
+            <a:spLocks noGrp="1"/>
+          </p:cNvSpPr>
+          <p:nvPr>
+            <p:ph type="title" idx="0"/>
+          </p:nvPr>
+        </p:nvSpPr>
+        <p:spPr>
+          <a:xfrm>
+            <a:off x="838200" y="420342"/>
+            <a:ext cx="10515600" cy="1325563"/>
+          </a:xfrm>
+        </p:spPr>
+        <p:txBody>
+          <a:bodyPr/>
+          <a:lstStyle/>
+          <a:p>
+            <a:pPr>
+              <a:defRPr/>
+            </a:pPr>
+            <a:r>
+              <a:rPr lang="en-US" altLang="ko-KR"/>
+              <a:t>5.</a:t>
+            </a:r>
+            <a:r>
+              <a:rPr lang="ko-KR" altLang="en-US"/>
+              <a:t> 차량 관리 어플</a:t>
+            </a:r>
+            <a:r>
+              <a:rPr lang="en-US" altLang="ko-KR"/>
+              <a:t> &lt;- </a:t>
+            </a:r>
+            <a:r>
+              <a:rPr lang="ko-KR" altLang="en-US"/>
+              <a:t>최종결정</a:t>
+            </a:r>
+            <a:endParaRPr lang="ko-KR" altLang="en-US"/>
+          </a:p>
+        </p:txBody>
+      </p:sp>
+      <p:sp>
+        <p:nvSpPr>
+          <p:cNvPr id="3" name="내용 개체 틀 2"/>
+          <p:cNvSpPr>
+            <a:spLocks noGrp="1"/>
+          </p:cNvSpPr>
+          <p:nvPr>
+            <p:ph idx="1"/>
+          </p:nvPr>
+        </p:nvSpPr>
+        <p:spPr>
+          <a:xfrm>
+            <a:off x="838199" y="1790347"/>
+            <a:ext cx="10515600" cy="4351338"/>
+          </a:xfrm>
+        </p:spPr>
+        <p:txBody>
+          <a:bodyPr>
+            <a:normAutofit lnSpcReduction="10000"/>
+          </a:bodyPr>
+          <a:lstStyle/>
+          <a:p>
+            <a:pPr>
+              <a:defRPr/>
+            </a:pPr>
+            <a:r>
+              <a:rPr lang="ko-KR" altLang="en-US"/>
+              <a:t>차량의 부품 별 정비 받아야 할 시점이 다름</a:t>
+            </a:r>
+            <a:endParaRPr lang="ko-KR" altLang="en-US"/>
+          </a:p>
+          <a:p>
+            <a:pPr>
+              <a:defRPr/>
+            </a:pPr>
+            <a:r>
+              <a:rPr lang="ko-KR" altLang="en-US"/>
+              <a:t>부품별</a:t>
+            </a:r>
+            <a:r>
+              <a:rPr lang="en-US" altLang="ko-KR"/>
+              <a:t>(ex :</a:t>
+            </a:r>
+            <a:r>
+              <a:rPr lang="ko-KR" altLang="en-US"/>
+              <a:t> 엔진</a:t>
+            </a:r>
+            <a:r>
+              <a:rPr lang="en-US" altLang="ko-KR"/>
+              <a:t>,</a:t>
+            </a:r>
+            <a:r>
+              <a:rPr lang="ko-KR" altLang="en-US"/>
+              <a:t> 타이어</a:t>
+            </a:r>
+            <a:r>
+              <a:rPr lang="en-US" altLang="ko-KR"/>
+              <a:t>,</a:t>
+            </a:r>
+            <a:r>
+              <a:rPr lang="ko-KR" altLang="en-US"/>
+              <a:t> 냉각수 등</a:t>
+            </a:r>
+            <a:r>
+              <a:rPr lang="en-US" altLang="ko-KR"/>
+              <a:t>)</a:t>
+            </a:r>
+            <a:r>
+              <a:rPr lang="ko-KR" altLang="en-US"/>
+              <a:t> 정비 시점을 알림</a:t>
+            </a:r>
+            <a:endParaRPr lang="ko-KR" altLang="en-US"/>
+          </a:p>
+          <a:p>
+            <a:pPr>
+              <a:defRPr/>
+            </a:pPr>
+            <a:r>
+              <a:rPr lang="ko-KR" altLang="en-US"/>
+              <a:t>부품 교체 예상 비용</a:t>
+            </a:r>
+            <a:endParaRPr lang="ko-KR" altLang="en-US"/>
+          </a:p>
+          <a:p>
+            <a:pPr>
+              <a:defRPr/>
+            </a:pPr>
+            <a:endParaRPr lang="ko-KR" altLang="en-US"/>
+          </a:p>
+          <a:p>
+            <a:pPr>
+              <a:defRPr/>
+            </a:pPr>
+            <a:endParaRPr lang="en-US" altLang="ko-KR"/>
+          </a:p>
+          <a:p>
+            <a:pPr>
+              <a:defRPr/>
+            </a:pPr>
+            <a:r>
+              <a:rPr lang="ko-KR" altLang="en-US"/>
+              <a:t>한계점</a:t>
+            </a:r>
+            <a:endParaRPr lang="ko-KR" altLang="en-US"/>
+          </a:p>
+          <a:p>
+            <a:pPr>
+              <a:defRPr/>
+            </a:pPr>
+            <a:r>
+              <a:rPr lang="ko-KR" altLang="en-US"/>
+              <a:t>관련 어플 다수 존재</a:t>
+            </a:r>
+            <a:endParaRPr lang="ko-KR" altLang="en-US"/>
+          </a:p>
+          <a:p>
+            <a:pPr>
+              <a:defRPr/>
+            </a:pPr>
+            <a:r>
+              <a:rPr lang="ko-KR" altLang="en-US"/>
+              <a:t>운전자의 운전 습관에 따라 부품의 마모 상태 달라짐</a:t>
+            </a:r>
+            <a:endParaRPr lang="ko-KR" altLang="en-US"/>
+          </a:p>
+          <a:p>
+            <a:pPr>
+              <a:defRPr/>
+            </a:pPr>
+            <a:r>
+              <a:rPr lang="ko-KR" altLang="en-US"/>
+              <a:t>외제차는 수리가 불가한 경우가 있나</a:t>
+            </a:r>
+            <a:r>
+              <a:rPr lang="en-US" altLang="ko-KR"/>
+              <a:t>?</a:t>
+            </a:r>
+            <a:endParaRPr lang="en-US" altLang="ko-KR"/>
+          </a:p>
+          <a:p>
+            <a:pPr>
+              <a:defRPr/>
+            </a:pPr>
+            <a:endParaRPr lang="ko-KR" altLang="en-US"/>
+          </a:p>
+          <a:p>
+            <a:pPr>
+              <a:defRPr/>
+            </a:pPr>
+            <a:endParaRPr lang="ko-KR" altLang="en-US"/>
+          </a:p>
+        </p:txBody>
+      </p:sp>
+    </p:spTree>
+  </p:cSld>
+  <p:clrMapOvr>
+    <a:masterClrMapping/>
+  </p:clrMapOvr>
+  <mc:AlternateContent xmlns:mc="http://schemas.openxmlformats.org/markup-compatibility/2006">
+    <mc:Choice xmlns:p14="http://schemas.microsoft.com/office/powerpoint/2010/main" Requires="p14">
+      <p:transition xmlns:mc="http://schemas.openxmlformats.org/markup-compatibility/2006" xmlns:p14="http://schemas.microsoft.com/office/powerpoint/2010/main" mc:Ignorable="p14" p14:dur="500"/>
+    </mc:Choice>
+    <mc:Fallback>
+      <p:transition/>
+    </mc:Fallback>
+  </mc:AlternateContent>
+</p:sld>
+</file>
+
+<file path=ppt/slides/slide11.xml><?xml version="1.0" encoding="utf-8"?>
+<p:sld xmlns:r="http://schemas.openxmlformats.org/officeDocument/2006/relationships" xmlns:c="http://schemas.openxmlformats.org/drawingml/2006/chart" xmlns:a="http://schemas.openxmlformats.org/drawingml/2006/main" xmlns:dgm="http://schemas.openxmlformats.org/drawingml/2006/diagram" xmlns:dsp="http://schemas.microsoft.com/office/drawing/2008/diagram" xmlns:p="http://schemas.openxmlformats.org/presentationml/2006/main">
+  <p:cSld>
+    <p:spTree>
+      <p:nvGrpSpPr>
+        <p:cNvPr id="1" name=""/>
+        <p:cNvGrpSpPr/>
+        <p:nvPr/>
+      </p:nvGrpSpPr>
+      <p:grpSpPr>
+        <a:xfrm>
+          <a:off x="0" y="0"/>
+          <a:ext cx="0" cy="0"/>
+          <a:chOff x="0" y="0"/>
+          <a:chExt cx="0" cy="0"/>
+        </a:xfrm>
+      </p:grpSpPr>
+      <p:sp>
+        <p:nvSpPr>
+          <p:cNvPr id="3" name="내용 개체 틀 2"/>
+          <p:cNvSpPr>
+            <a:spLocks noGrp="1"/>
+          </p:cNvSpPr>
+          <p:nvPr>
+            <p:ph idx="1"/>
+          </p:nvPr>
+        </p:nvSpPr>
+        <p:spPr>
+          <a:xfrm>
+            <a:off x="838200" y="311727"/>
+            <a:ext cx="10515600" cy="5865236"/>
+          </a:xfrm>
+        </p:spPr>
+        <p:txBody>
+          <a:bodyPr>
+            <a:normAutofit fontScale="85000" lnSpcReduction="20000"/>
+          </a:bodyPr>
+          <a:lstStyle/>
+          <a:p>
+            <a:pPr>
+              <a:defRPr/>
+            </a:pPr>
+            <a:r>
+              <a:rPr lang="ko-KR" altLang="en-US"/>
+              <a:t>부품별 교환 시기 자료</a:t>
+            </a:r>
+            <a:endParaRPr lang="ko-KR" altLang="en-US"/>
+          </a:p>
+          <a:p>
+            <a:pPr>
+              <a:defRPr/>
+            </a:pPr>
+            <a:r>
+              <a:rPr lang="en-US" altLang="ko-KR">
+                <a:hlinkClick r:id="rId2"/>
+              </a:rPr>
+              <a:t>https://m.post.naver.com/viewer/postView.nhn?volumeNo=6571874&amp;memberNo=28455927</a:t>
+            </a:r>
+            <a:endParaRPr lang="en-US" altLang="ko-KR"/>
+          </a:p>
+          <a:p>
+            <a:pPr>
+              <a:defRPr/>
+            </a:pPr>
+            <a:r>
+              <a:rPr lang="en-US" altLang="ko-KR">
+                <a:hlinkClick r:id="rId3"/>
+              </a:rPr>
+              <a:t>https://blog.naver.com/trust846/222391591566</a:t>
+            </a:r>
+            <a:endParaRPr lang="en-US" altLang="ko-KR"/>
+          </a:p>
+          <a:p>
+            <a:pPr>
+              <a:defRPr/>
+            </a:pPr>
+            <a:r>
+              <a:rPr lang="en-US" altLang="ko-KR">
+                <a:hlinkClick r:id="rId4"/>
+              </a:rPr>
+              <a:t>https://blog.naver.com/amazoncarrent/222213676649</a:t>
+            </a:r>
+            <a:endParaRPr lang="en-US" altLang="ko-KR"/>
+          </a:p>
+          <a:p>
+            <a:pPr>
+              <a:defRPr/>
+            </a:pPr>
+            <a:r>
+              <a:rPr lang="en-US" altLang="ko-KR">
+                <a:hlinkClick r:id="rId5"/>
+              </a:rPr>
+              <a:t>https://blog.naver.com/rexgarageic/222346030033</a:t>
+            </a:r>
+            <a:endParaRPr lang="en-US" altLang="ko-KR"/>
+          </a:p>
+          <a:p>
+            <a:pPr>
+              <a:defRPr/>
+            </a:pPr>
+            <a:endParaRPr lang="en-US" altLang="ko-KR"/>
+          </a:p>
+          <a:p>
+            <a:pPr>
+              <a:defRPr/>
+            </a:pPr>
+            <a:r>
+              <a:rPr lang="ko-KR" altLang="en-US"/>
+              <a:t>추가 기능</a:t>
+            </a:r>
+            <a:endParaRPr lang="ko-KR" altLang="en-US"/>
+          </a:p>
+          <a:p>
+            <a:pPr>
+              <a:defRPr/>
+            </a:pPr>
+            <a:r>
+              <a:rPr lang="ko-KR" altLang="en-US"/>
+              <a:t>부품별 관리 </a:t>
+            </a:r>
+            <a:r>
+              <a:rPr lang="en-US" altLang="ko-KR"/>
+              <a:t>tip</a:t>
+            </a:r>
+            <a:endParaRPr lang="en-US" altLang="ko-KR"/>
+          </a:p>
+          <a:p>
+            <a:pPr>
+              <a:defRPr/>
+            </a:pPr>
+            <a:endParaRPr lang="en-US" altLang="ko-KR"/>
+          </a:p>
+          <a:p>
+            <a:pPr>
+              <a:defRPr/>
+            </a:pPr>
+            <a:r>
+              <a:rPr lang="ko-KR" altLang="en-US"/>
+              <a:t>가까운 정비소 위치</a:t>
+            </a:r>
+            <a:endParaRPr lang="ko-KR" altLang="en-US"/>
+          </a:p>
+          <a:p>
+            <a:pPr>
+              <a:defRPr/>
+            </a:pPr>
+            <a:r>
+              <a:rPr lang="ko-KR" altLang="en-US"/>
+              <a:t>정비소 위치 정보 </a:t>
+            </a:r>
+            <a:r>
+              <a:rPr lang="en-US" altLang="ko-KR"/>
+              <a:t>:</a:t>
+            </a:r>
+            <a:r>
+              <a:rPr lang="ko-KR" altLang="en-US"/>
+              <a:t> </a:t>
+            </a:r>
+            <a:r>
+              <a:rPr lang="en-US" altLang="ko-KR">
+                <a:hlinkClick r:id="rId6"/>
+              </a:rPr>
+              <a:t>https://www.localdata.go.kr/data/allDataView.do?menuNo=1000</a:t>
+            </a:r>
+            <a:endParaRPr lang="en-US" altLang="ko-KR"/>
+          </a:p>
+          <a:p>
+            <a:pPr>
+              <a:defRPr/>
+            </a:pPr>
+            <a:r>
+              <a:rPr lang="ko-KR" altLang="en-US"/>
+              <a:t>정비소 위치 정보 </a:t>
+            </a:r>
+            <a:r>
+              <a:rPr lang="en-US" altLang="ko-KR"/>
+              <a:t>-&gt;</a:t>
+            </a:r>
+            <a:r>
+              <a:rPr lang="ko-KR" altLang="en-US"/>
+              <a:t> 잘 안찾아짐</a:t>
+            </a:r>
+            <a:endParaRPr lang="ko-KR" altLang="en-US"/>
+          </a:p>
+          <a:p>
+            <a:pPr>
+              <a:defRPr/>
+            </a:pPr>
+            <a:endParaRPr lang="en-US" altLang="ko-KR"/>
+          </a:p>
+          <a:p>
+            <a:pPr>
+              <a:defRPr/>
+            </a:pPr>
+            <a:r>
+              <a:rPr lang="ko-KR" altLang="en-US"/>
+              <a:t>자동차 관련 소식</a:t>
+            </a:r>
+            <a:r>
+              <a:rPr lang="en-US" altLang="ko-KR"/>
+              <a:t>(</a:t>
+            </a:r>
+            <a:r>
+              <a:rPr lang="ko-KR" altLang="en-US"/>
+              <a:t>신차 출시 예정 등</a:t>
+            </a:r>
+            <a:r>
+              <a:rPr lang="en-US" altLang="ko-KR"/>
+              <a:t>)</a:t>
+            </a:r>
+            <a:endParaRPr lang="en-US" altLang="ko-KR"/>
+          </a:p>
+          <a:p>
+            <a:pPr>
+              <a:defRPr/>
+            </a:pPr>
+            <a:endParaRPr lang="ko-KR" altLang="en-US"/>
+          </a:p>
+          <a:p>
+            <a:pPr>
+              <a:defRPr/>
+            </a:pPr>
+            <a:endParaRPr lang="ko-KR" altLang="en-US"/>
+          </a:p>
+        </p:txBody>
+      </p:sp>
+    </p:spTree>
+  </p:cSld>
+  <p:clrMapOvr>
+    <a:masterClrMapping/>
+  </p:clrMapOvr>
+  <mc:AlternateContent xmlns:mc="http://schemas.openxmlformats.org/markup-compatibility/2006">
+    <mc:Choice xmlns:p14="http://schemas.microsoft.com/office/powerpoint/2010/main" Requires="p14">
+      <p:transition xmlns:mc="http://schemas.openxmlformats.org/markup-compatibility/2006" xmlns:p14="http://schemas.microsoft.com/office/powerpoint/2010/main" mc:Ignorable="p14" p14:dur="500"/>
+    </mc:Choice>
+    <mc:Fallback>
+      <p:transition/>
+    </mc:Fallback>
+  </mc:AlternateContent>
+</p:sld>
+</file>
+
+<file path=ppt/slides/slide12.xml><?xml version="1.0" encoding="utf-8"?>
+<p:sld xmlns:r="http://schemas.openxmlformats.org/officeDocument/2006/relationships" xmlns:c="http://schemas.openxmlformats.org/drawingml/2006/chart" xmlns:a="http://schemas.openxmlformats.org/drawingml/2006/main" xmlns:dgm="http://schemas.openxmlformats.org/drawingml/2006/diagram" xmlns:dsp="http://schemas.microsoft.com/office/drawing/2008/diagram" xmlns:p="http://schemas.openxmlformats.org/presentationml/2006/main">
+  <p:cSld>
+    <p:spTree>
+      <p:nvGrpSpPr>
+        <p:cNvPr id="1" name=""/>
+        <p:cNvGrpSpPr/>
+        <p:nvPr/>
+      </p:nvGrpSpPr>
+      <p:grpSpPr>
+        <a:xfrm>
+          <a:off x="0" y="0"/>
+          <a:ext cx="0" cy="0"/>
+          <a:chOff x="0" y="0"/>
+          <a:chExt cx="0" cy="0"/>
+        </a:xfrm>
+      </p:grpSpPr>
+      <p:sp>
+        <p:nvSpPr>
+          <p:cNvPr id="3" name="내용 개체 틀 2"/>
+          <p:cNvSpPr>
+            <a:spLocks noGrp="1"/>
+          </p:cNvSpPr>
+          <p:nvPr>
+            <p:ph idx="1"/>
+          </p:nvPr>
+        </p:nvSpPr>
+        <p:spPr>
+          <a:xfrm>
+            <a:off x="838200" y="336261"/>
+            <a:ext cx="10515600" cy="5840701"/>
+          </a:xfrm>
+        </p:spPr>
+        <p:txBody>
+          <a:bodyPr/>
+          <a:lstStyle/>
+          <a:p>
+            <a:pPr>
+              <a:defRPr/>
+            </a:pPr>
+            <a:r>
+              <a:rPr lang="ko-KR" altLang="en-US"/>
+              <a:t>참고자료</a:t>
+            </a:r>
+            <a:endParaRPr lang="ko-KR" altLang="en-US"/>
+          </a:p>
+          <a:p>
+            <a:pPr>
+              <a:defRPr/>
+            </a:pPr>
+            <a:r>
+              <a:rPr lang="ko-KR" altLang="en-US"/>
+              <a:t>관리 </a:t>
+            </a:r>
+            <a:r>
+              <a:rPr lang="en-US" altLang="ko-KR"/>
+              <a:t>tip</a:t>
+            </a:r>
+            <a:r>
+              <a:rPr lang="ko-KR" altLang="en-US"/>
+              <a:t> </a:t>
+            </a:r>
+            <a:r>
+              <a:rPr lang="en-US" altLang="ko-KR"/>
+              <a:t>(</a:t>
+            </a:r>
+            <a:r>
+              <a:rPr lang="ko-KR" altLang="en-US"/>
+              <a:t>상황별 분류 </a:t>
+            </a:r>
+            <a:r>
+              <a:rPr lang="en-US" altLang="ko-KR"/>
+              <a:t>:</a:t>
+            </a:r>
+            <a:r>
+              <a:rPr lang="ko-KR" altLang="en-US"/>
+              <a:t> 눈</a:t>
+            </a:r>
+            <a:r>
+              <a:rPr lang="en-US" altLang="ko-KR"/>
+              <a:t>,</a:t>
+            </a:r>
+            <a:r>
+              <a:rPr lang="ko-KR" altLang="en-US"/>
+              <a:t> 비</a:t>
+            </a:r>
+            <a:r>
+              <a:rPr lang="en-US" altLang="ko-KR"/>
+              <a:t>,</a:t>
+            </a:r>
+            <a:r>
+              <a:rPr lang="ko-KR" altLang="en-US"/>
+              <a:t> 폭염 등</a:t>
+            </a:r>
+            <a:r>
+              <a:rPr lang="en-US" altLang="ko-KR"/>
+              <a:t>)</a:t>
+            </a:r>
+            <a:endParaRPr lang="en-US" altLang="ko-KR"/>
+          </a:p>
+          <a:p>
+            <a:pPr>
+              <a:defRPr/>
+            </a:pPr>
+            <a:r>
+              <a:rPr lang="ko-KR" altLang="en-US"/>
+              <a:t>폭염 및 장마 </a:t>
+            </a:r>
+            <a:r>
+              <a:rPr lang="en-US" altLang="ko-KR"/>
+              <a:t>:</a:t>
+            </a:r>
+            <a:r>
+              <a:rPr lang="ko-KR" altLang="en-US"/>
+              <a:t> </a:t>
+            </a:r>
+            <a:r>
+              <a:rPr lang="en-US" altLang="ko-KR">
+                <a:hlinkClick r:id="rId2"/>
+              </a:rPr>
+              <a:t>https://blog.naver.com/sbdnjfemqlwjs/222056053328</a:t>
+            </a:r>
+            <a:endParaRPr lang="en-US" altLang="ko-KR"/>
+          </a:p>
+          <a:p>
+            <a:pPr>
+              <a:defRPr/>
+            </a:pPr>
+            <a:r>
+              <a:rPr lang="ko-KR" altLang="en-US"/>
+              <a:t>겨울철 </a:t>
+            </a:r>
+            <a:r>
+              <a:rPr lang="en-US" altLang="ko-KR"/>
+              <a:t>:</a:t>
+            </a:r>
+            <a:r>
+              <a:rPr lang="ko-KR" altLang="en-US"/>
+              <a:t> </a:t>
+            </a:r>
+            <a:r>
+              <a:rPr lang="en-US" altLang="ko-KR">
+                <a:hlinkClick r:id="rId3"/>
+              </a:rPr>
+              <a:t>https://blog.naver.com/hanclover/222166807306</a:t>
+            </a:r>
+            <a:endParaRPr lang="en-US" altLang="ko-KR"/>
+          </a:p>
+          <a:p>
+            <a:pPr>
+              <a:defRPr/>
+            </a:pPr>
+            <a:endParaRPr lang="en-US" altLang="ko-KR"/>
+          </a:p>
+          <a:p>
+            <a:pPr>
+              <a:defRPr/>
+            </a:pPr>
+            <a:r>
+              <a:rPr lang="ko-KR" altLang="en-US"/>
+              <a:t>주행거리별 </a:t>
+            </a:r>
+            <a:r>
+              <a:rPr lang="en-US" altLang="ko-KR"/>
+              <a:t>check list</a:t>
+            </a:r>
+            <a:endParaRPr lang="en-US" altLang="ko-KR"/>
+          </a:p>
+          <a:p>
+            <a:pPr>
+              <a:defRPr/>
+            </a:pPr>
+            <a:r>
+              <a:rPr lang="en-US" altLang="ko-KR">
+                <a:hlinkClick r:id="rId4"/>
+              </a:rPr>
+              <a:t>https://blog.daum.net/pspiel/12879385</a:t>
+            </a:r>
+            <a:endParaRPr lang="en-US" altLang="ko-KR"/>
+          </a:p>
+          <a:p>
+            <a:pPr>
+              <a:defRPr/>
+            </a:pPr>
+            <a:endParaRPr lang="en-US" altLang="ko-KR"/>
+          </a:p>
+          <a:p>
+            <a:pPr lvl="0">
+              <a:defRPr/>
+            </a:pPr>
+            <a:r>
+              <a:rPr lang="ko-KR" altLang="en-US"/>
+              <a:t>아이콘 </a:t>
+            </a:r>
+            <a:r>
+              <a:rPr lang="en-US" altLang="ko-KR"/>
+              <a:t>-</a:t>
+            </a:r>
+            <a:r>
+              <a:rPr lang="ko-KR" altLang="en-US"/>
+              <a:t> </a:t>
+            </a:r>
+            <a:r>
+              <a:rPr lang="en-US" altLang="ko-KR"/>
+              <a:t>flaticon.com</a:t>
+            </a:r>
+            <a:endParaRPr lang="en-US" altLang="ko-KR"/>
+          </a:p>
+          <a:p>
+            <a:pPr lvl="0">
+              <a:defRPr/>
+            </a:pPr>
+            <a:r>
+              <a:rPr lang="en-US" altLang="ko-KR"/>
+              <a:t>flow chart </a:t>
+            </a:r>
+            <a:r>
+              <a:rPr lang="ko-KR" altLang="en-US"/>
+              <a:t>구성 </a:t>
+            </a:r>
+            <a:r>
+              <a:rPr lang="en-US" altLang="ko-KR"/>
+              <a:t>-</a:t>
+            </a:r>
+            <a:r>
+              <a:rPr lang="ko-KR" altLang="en-US"/>
+              <a:t> </a:t>
+            </a:r>
+            <a:r>
+              <a:rPr lang="en-US" altLang="ko-KR"/>
+              <a:t>draw.io</a:t>
+            </a:r>
+            <a:endParaRPr lang="en-US" altLang="ko-KR"/>
+          </a:p>
+          <a:p>
+            <a:pPr>
+              <a:defRPr/>
+            </a:pPr>
+            <a:endParaRPr lang="en-US" altLang="ko-KR"/>
+          </a:p>
+        </p:txBody>
+      </p:sp>
+    </p:spTree>
+  </p:cSld>
+  <p:clrMapOvr>
+    <a:masterClrMapping/>
+  </p:clrMapOvr>
+  <mc:AlternateContent xmlns:mc="http://schemas.openxmlformats.org/markup-compatibility/2006">
+    <mc:Choice xmlns:p14="http://schemas.microsoft.com/office/powerpoint/2010/main" Requires="p14">
+      <p:transition xmlns:mc="http://schemas.openxmlformats.org/markup-compatibility/2006" xmlns:p14="http://schemas.microsoft.com/office/powerpoint/2010/main" mc:Ignorable="p14" p14:dur="500"/>
+    </mc:Choice>
+    <mc:Fallback>
+      <p:transition/>
+    </mc:Fallback>
+  </mc:AlternateContent>
+</p:sld>
+</file>
+
+<file path=ppt/slides/slide13.xml><?xml version="1.0" encoding="utf-8"?>
+<p:sld xmlns:r="http://schemas.openxmlformats.org/officeDocument/2006/relationships" xmlns:c="http://schemas.openxmlformats.org/drawingml/2006/chart" xmlns:a="http://schemas.openxmlformats.org/drawingml/2006/main" xmlns:dgm="http://schemas.openxmlformats.org/drawingml/2006/diagram" xmlns:dsp="http://schemas.microsoft.com/office/drawing/2008/diagram" xmlns:p="http://schemas.openxmlformats.org/presentationml/2006/main">
   <p:cSld>
     <p:spTree>
       <p:nvGrpSpPr>
@@ -4239,20 +4974,20 @@
           </a:fontRef>
         </p:style>
         <p:txBody>
-          <a:bodyPr rtlCol="0" anchor="ctr"/>
+          <a:bodyPr anchor="ctr"/>
           <a:lstStyle/>
           <a:p>
-            <a:pPr algn="ctr"/>
-            <a:endParaRPr kumimoji="1" lang="ko-KR" altLang="en-US" dirty="0"/>
+            <a:pPr algn="ctr">
+              <a:defRPr/>
+            </a:pPr>
+            <a:endParaRPr kumimoji="1" lang="ko-KR" altLang="en-US"/>
           </a:p>
         </p:txBody>
       </p:sp>
       <p:sp>
         <p:nvSpPr>
           <p:cNvPr id="12" name="부제목 2"/>
-          <p:cNvSpPr txBox="1">
-            <a:spLocks/>
-          </p:cNvSpPr>
+          <p:cNvSpPr txBox="1"/>
           <p:nvPr/>
         </p:nvSpPr>
         <p:spPr>
@@ -4265,7 +5000,7 @@
           </a:prstGeom>
         </p:spPr>
         <p:txBody>
-          <a:bodyPr vert="horz" lIns="91440" tIns="45720" rIns="91440" bIns="45720" rtlCol="0" anchor="ctr">
+          <a:bodyPr vert="horz" lIns="91440" tIns="45720" rIns="91440" bIns="45720" anchor="ctr">
             <a:noAutofit/>
           </a:bodyPr>
           <a:lstStyle>
@@ -4433,35 +5168,49 @@
             </a:lvl9pPr>
           </a:lstStyle>
           <a:p>
-            <a:r>
-              <a:rPr lang="ko-KR" altLang="en-US" sz="4800" dirty="0">
+            <a:pPr lvl="0">
+              <a:defRPr/>
+            </a:pPr>
+            <a:r>
+              <a:rPr lang="ko-KR" altLang="en-US" sz="4800">
                 <a:solidFill>
                   <a:schemeClr val="bg1"/>
                 </a:solidFill>
                 <a:latin typeface="+mj-lt"/>
-                <a:ea typeface="맑은 고딕" charset="-127"/>
-                <a:cs typeface="맑은 고딕" charset="-127"/>
+                <a:ea typeface="맑은 고딕"/>
+                <a:cs typeface="맑은 고딕"/>
               </a:rPr>
-              <a:t>계획 및 일정 수립</a:t>
-            </a:r>
+              <a:t>요구사항 정의</a:t>
+            </a:r>
+            <a:endParaRPr lang="ko-KR" altLang="en-US" sz="4800">
+              <a:solidFill>
+                <a:schemeClr val="bg1"/>
+              </a:solidFill>
+              <a:latin typeface="+mj-lt"/>
+              <a:ea typeface="맑은 고딕"/>
+              <a:cs typeface="맑은 고딕"/>
+            </a:endParaRPr>
           </a:p>
         </p:txBody>
       </p:sp>
     </p:spTree>
-    <p:extLst>
-      <p:ext uri="{BB962C8B-B14F-4D97-AF65-F5344CB8AC3E}">
-        <p14:creationId xmlns:p14="http://schemas.microsoft.com/office/powerpoint/2010/main" val="641642769"/>
-      </p:ext>
-    </p:extLst>
   </p:cSld>
   <p:clrMapOvr>
     <a:masterClrMapping/>
   </p:clrMapOvr>
+  <mc:AlternateContent xmlns:mc="http://schemas.openxmlformats.org/markup-compatibility/2006">
+    <mc:Choice xmlns:p14="http://schemas.microsoft.com/office/powerpoint/2010/main" Requires="p14">
+      <p:transition xmlns:mc="http://schemas.openxmlformats.org/markup-compatibility/2006" xmlns:p14="http://schemas.microsoft.com/office/powerpoint/2010/main" mc:Ignorable="p14" p14:dur="500"/>
+    </mc:Choice>
+    <mc:Fallback>
+      <p:transition/>
+    </mc:Fallback>
+  </mc:AlternateContent>
 </p:sld>
 </file>
 
-<file path=ppt/slides/slide11.xml><?xml version="1.0" encoding="utf-8"?>
-<p:sld xmlns:a="http://schemas.openxmlformats.org/drawingml/2006/main" xmlns:r="http://schemas.openxmlformats.org/officeDocument/2006/relationships" xmlns:p="http://schemas.openxmlformats.org/presentationml/2006/main">
+<file path=ppt/slides/slide14.xml><?xml version="1.0" encoding="utf-8"?>
+<p:sld xmlns:r="http://schemas.openxmlformats.org/officeDocument/2006/relationships" xmlns:c="http://schemas.openxmlformats.org/drawingml/2006/chart" xmlns:a="http://schemas.openxmlformats.org/drawingml/2006/main" xmlns:dgm="http://schemas.openxmlformats.org/drawingml/2006/diagram" xmlns:dsp="http://schemas.microsoft.com/office/drawing/2008/diagram" xmlns:p="http://schemas.openxmlformats.org/presentationml/2006/main">
   <p:cSld>
     <p:spTree>
       <p:nvGrpSpPr>
@@ -4479,38 +5228,46 @@
       </p:grpSpPr>
       <p:sp>
         <p:nvSpPr>
-          <p:cNvPr id="2" name="제목 1">
-            <a:extLst>
-              <a:ext uri="{FF2B5EF4-FFF2-40B4-BE49-F238E27FC236}">
-                <a16:creationId xmlns:a16="http://schemas.microsoft.com/office/drawing/2014/main" id="{B3C97AF6-84B1-4A4B-A5CC-C59F1C40885A}"/>
-              </a:ext>
-            </a:extLst>
-          </p:cNvPr>
+          <p:cNvPr id="2" name="제목 1"/>
           <p:cNvSpPr>
             <a:spLocks noGrp="1"/>
           </p:cNvSpPr>
           <p:nvPr>
-            <p:ph type="title"/>
+            <p:ph type="title" idx="0"/>
           </p:nvPr>
         </p:nvSpPr>
-        <p:spPr/>
+        <p:spPr>
+          <a:xfrm>
+            <a:off x="9525" y="187324"/>
+            <a:ext cx="11061700" cy="1325563"/>
+          </a:xfrm>
+          <a:solidFill>
+            <a:schemeClr val="lt1"/>
+          </a:solidFill>
+          <a:ln>
+            <a:solidFill>
+              <a:schemeClr val="lt1"/>
+            </a:solidFill>
+          </a:ln>
+        </p:spPr>
         <p:txBody>
           <a:bodyPr/>
           <a:lstStyle/>
           <a:p>
-            <a:endParaRPr lang="ko-KR" altLang="en-US"/>
+            <a:pPr lvl="0">
+              <a:defRPr/>
+            </a:pPr>
+            <a:r>
+              <a:rPr lang="ko-KR" altLang="en-US" sz="4000"/>
+              <a:t>요구사항 수집 및 분석</a:t>
+            </a:r>
+            <a:endParaRPr lang="ko-KR" altLang="en-US" sz="4000"/>
           </a:p>
         </p:txBody>
       </p:sp>
       <p:sp>
         <p:nvSpPr>
-          <p:cNvPr id="3" name="내용 개체 틀 2">
-            <a:extLst>
-              <a:ext uri="{FF2B5EF4-FFF2-40B4-BE49-F238E27FC236}">
-                <a16:creationId xmlns:a16="http://schemas.microsoft.com/office/drawing/2014/main" id="{7F0CB4B4-7523-4ABB-B81F-4F4FF0F88316}"/>
-              </a:ext>
-            </a:extLst>
-          </p:cNvPr>
+          <p:cNvPr id="3" name="내용 개체 틀 2"/>
           <p:cNvSpPr>
             <a:spLocks noGrp="1"/>
           </p:cNvSpPr>
@@ -4518,38 +5275,496 @@
             <p:ph idx="1"/>
           </p:nvPr>
         </p:nvSpPr>
-        <p:spPr/>
+        <p:spPr>
+          <a:xfrm>
+            <a:off x="0" y="1622425"/>
+            <a:ext cx="12192000" cy="5235575"/>
+          </a:xfrm>
+        </p:spPr>
         <p:txBody>
           <a:bodyPr/>
           <a:lstStyle/>
           <a:p>
-            <a:r>
-              <a:rPr lang="ko-KR" altLang="en-US" dirty="0"/>
-              <a:t>계획과 일정을 수립한다</a:t>
-            </a:r>
-            <a:r>
-              <a:rPr lang="en-US" altLang="ko-KR" dirty="0"/>
-              <a:t>.</a:t>
-            </a:r>
-            <a:endParaRPr lang="ko-KR" altLang="en-US" dirty="0"/>
+            <a:pPr lvl="0">
+              <a:defRPr/>
+            </a:pPr>
+            <a:r>
+              <a:rPr lang="ko-KR" altLang="en-US" sz="2000"/>
+              <a:t>회원 정보를 담은 </a:t>
+            </a:r>
+            <a:r>
+              <a:rPr lang="en-US" altLang="ko-KR" sz="2000"/>
+              <a:t>DB</a:t>
+            </a:r>
+            <a:endParaRPr lang="ko-KR" altLang="en-US" sz="2000"/>
+          </a:p>
+          <a:p>
+            <a:pPr marL="0" lvl="0" indent="0">
+              <a:buNone/>
+              <a:defRPr/>
+            </a:pPr>
+            <a:r>
+              <a:rPr lang="ko-KR" altLang="en-US" sz="2000">
+                <a:solidFill>
+                  <a:srgbClr val="ff843a"/>
+                </a:solidFill>
+              </a:rPr>
+              <a:t> </a:t>
+            </a:r>
+            <a:r>
+              <a:rPr lang="en-US" altLang="ko-KR" sz="2000">
+                <a:solidFill>
+                  <a:srgbClr val="ff843a"/>
+                </a:solidFill>
+              </a:rPr>
+              <a:t>-</a:t>
+            </a:r>
+            <a:r>
+              <a:rPr lang="ko-KR" altLang="en-US" sz="2000">
+                <a:solidFill>
+                  <a:srgbClr val="ff843a"/>
+                </a:solidFill>
+              </a:rPr>
+              <a:t> 회원가입을 하게 되면 회원의 차종</a:t>
+            </a:r>
+            <a:r>
+              <a:rPr lang="en-US" altLang="ko-KR" sz="2000">
+                <a:solidFill>
+                  <a:srgbClr val="ff843a"/>
+                </a:solidFill>
+              </a:rPr>
+              <a:t>,</a:t>
+            </a:r>
+            <a:r>
+              <a:rPr lang="ko-KR" altLang="en-US" sz="2000">
+                <a:solidFill>
+                  <a:srgbClr val="ff843a"/>
+                </a:solidFill>
+              </a:rPr>
+              <a:t> 각각의 차량에 대한 정보</a:t>
+            </a:r>
+            <a:r>
+              <a:rPr lang="en-US" altLang="ko-KR" sz="2000">
+                <a:solidFill>
+                  <a:srgbClr val="ff843a"/>
+                </a:solidFill>
+              </a:rPr>
+              <a:t>(</a:t>
+            </a:r>
+            <a:r>
+              <a:rPr lang="ko-KR" altLang="en-US" sz="2000">
+                <a:solidFill>
+                  <a:srgbClr val="ff843a"/>
+                </a:solidFill>
+              </a:rPr>
+              <a:t>주행거리</a:t>
+            </a:r>
+            <a:r>
+              <a:rPr lang="en-US" altLang="ko-KR" sz="2000">
+                <a:solidFill>
+                  <a:srgbClr val="ff843a"/>
+                </a:solidFill>
+              </a:rPr>
+              <a:t>,</a:t>
+            </a:r>
+            <a:r>
+              <a:rPr lang="ko-KR" altLang="en-US" sz="2000">
+                <a:solidFill>
+                  <a:srgbClr val="ff843a"/>
+                </a:solidFill>
+              </a:rPr>
+              <a:t> 연식 등</a:t>
+            </a:r>
+            <a:r>
+              <a:rPr lang="en-US" altLang="ko-KR" sz="2000">
+                <a:solidFill>
+                  <a:srgbClr val="ff843a"/>
+                </a:solidFill>
+              </a:rPr>
+              <a:t>)</a:t>
+            </a:r>
+            <a:r>
+              <a:rPr lang="ko-KR" altLang="en-US" sz="2000">
+                <a:solidFill>
+                  <a:srgbClr val="ff843a"/>
+                </a:solidFill>
+              </a:rPr>
+              <a:t>가 저장되어야 함</a:t>
+            </a:r>
+            <a:endParaRPr lang="ko-KR" altLang="en-US" sz="2000">
+              <a:solidFill>
+                <a:srgbClr val="ff843a"/>
+              </a:solidFill>
+            </a:endParaRPr>
+          </a:p>
+          <a:p>
+            <a:pPr marL="0" lvl="0" indent="0">
+              <a:buNone/>
+              <a:defRPr/>
+            </a:pPr>
+            <a:r>
+              <a:rPr lang="ko-KR" altLang="en-US" sz="2000">
+                <a:solidFill>
+                  <a:srgbClr val="ff843a"/>
+                </a:solidFill>
+              </a:rPr>
+              <a:t> </a:t>
+            </a:r>
+            <a:r>
+              <a:rPr lang="en-US" altLang="ko-KR" sz="2000">
+                <a:solidFill>
+                  <a:srgbClr val="ff843a"/>
+                </a:solidFill>
+              </a:rPr>
+              <a:t>-</a:t>
+            </a:r>
+            <a:r>
+              <a:rPr lang="ko-KR" altLang="en-US" sz="2000">
+                <a:solidFill>
+                  <a:srgbClr val="ff843a"/>
+                </a:solidFill>
+              </a:rPr>
+              <a:t> 회원 가입시 필요한 정보 </a:t>
+            </a:r>
+            <a:r>
+              <a:rPr lang="en-US" altLang="ko-KR" sz="2000">
+                <a:solidFill>
+                  <a:srgbClr val="ff843a"/>
+                </a:solidFill>
+              </a:rPr>
+              <a:t>(</a:t>
+            </a:r>
+            <a:r>
+              <a:rPr lang="ko-KR" altLang="en-US" sz="2000">
+                <a:solidFill>
+                  <a:srgbClr val="ff843a"/>
+                </a:solidFill>
+              </a:rPr>
+              <a:t>아이디</a:t>
+            </a:r>
+            <a:r>
+              <a:rPr lang="en-US" altLang="ko-KR" sz="2000">
+                <a:solidFill>
+                  <a:srgbClr val="ff843a"/>
+                </a:solidFill>
+              </a:rPr>
+              <a:t>,</a:t>
+            </a:r>
+            <a:r>
+              <a:rPr lang="ko-KR" altLang="en-US" sz="2000">
+                <a:solidFill>
+                  <a:srgbClr val="ff843a"/>
+                </a:solidFill>
+              </a:rPr>
+              <a:t> 비밀번호</a:t>
+            </a:r>
+            <a:r>
+              <a:rPr lang="en-US" altLang="ko-KR" sz="2000">
+                <a:solidFill>
+                  <a:srgbClr val="ff843a"/>
+                </a:solidFill>
+              </a:rPr>
+              <a:t>,</a:t>
+            </a:r>
+            <a:r>
+              <a:rPr lang="ko-KR" altLang="en-US" sz="2000">
+                <a:solidFill>
+                  <a:srgbClr val="ff843a"/>
+                </a:solidFill>
+              </a:rPr>
+              <a:t> 이름</a:t>
+            </a:r>
+            <a:r>
+              <a:rPr lang="en-US" altLang="ko-KR" sz="2000">
+                <a:solidFill>
+                  <a:srgbClr val="ff843a"/>
+                </a:solidFill>
+              </a:rPr>
+              <a:t>,</a:t>
+            </a:r>
+            <a:r>
+              <a:rPr lang="ko-KR" altLang="en-US" sz="2000">
+                <a:solidFill>
+                  <a:srgbClr val="ff843a"/>
+                </a:solidFill>
+              </a:rPr>
+              <a:t> 생년월일</a:t>
+            </a:r>
+            <a:r>
+              <a:rPr lang="en-US" altLang="ko-KR" sz="2000">
+                <a:solidFill>
+                  <a:srgbClr val="ff843a"/>
+                </a:solidFill>
+              </a:rPr>
+              <a:t>,</a:t>
+            </a:r>
+            <a:r>
+              <a:rPr lang="ko-KR" altLang="en-US" sz="2000">
+                <a:solidFill>
+                  <a:srgbClr val="ff843a"/>
+                </a:solidFill>
+              </a:rPr>
+              <a:t> 전화번호</a:t>
+            </a:r>
+            <a:r>
+              <a:rPr lang="en-US" altLang="ko-KR" sz="2000">
+                <a:solidFill>
+                  <a:srgbClr val="ff843a"/>
+                </a:solidFill>
+              </a:rPr>
+              <a:t>,</a:t>
+            </a:r>
+            <a:r>
+              <a:rPr lang="ko-KR" altLang="en-US" sz="2000">
+                <a:solidFill>
+                  <a:srgbClr val="ff843a"/>
+                </a:solidFill>
+              </a:rPr>
+              <a:t> 차량에 대한 정보</a:t>
+            </a:r>
+            <a:r>
+              <a:rPr lang="en-US" altLang="ko-KR" sz="2000">
+                <a:solidFill>
+                  <a:srgbClr val="ff843a"/>
+                </a:solidFill>
+              </a:rPr>
+              <a:t>)</a:t>
+            </a:r>
+            <a:r>
+              <a:rPr lang="ko-KR" altLang="en-US" sz="2000">
+                <a:solidFill>
+                  <a:srgbClr val="ff843a"/>
+                </a:solidFill>
+              </a:rPr>
+              <a:t>를 포함해야 함</a:t>
+            </a:r>
+            <a:endParaRPr lang="ko-KR" altLang="en-US" sz="2000"/>
+          </a:p>
+          <a:p>
+            <a:pPr lvl="0">
+              <a:defRPr/>
+            </a:pPr>
+            <a:r>
+              <a:rPr lang="ko-KR" altLang="en-US" sz="2000"/>
+              <a:t>차종 별 다른 데이터 제공</a:t>
+            </a:r>
+            <a:endParaRPr lang="ko-KR" altLang="en-US" sz="2000"/>
+          </a:p>
+          <a:p>
+            <a:pPr marL="0" lvl="0" indent="0">
+              <a:buNone/>
+              <a:defRPr/>
+            </a:pPr>
+            <a:r>
+              <a:rPr lang="ko-KR" altLang="en-US" sz="2000">
+                <a:solidFill>
+                  <a:srgbClr val="ff843a"/>
+                </a:solidFill>
+              </a:rPr>
+              <a:t> </a:t>
+            </a:r>
+            <a:r>
+              <a:rPr lang="en-US" altLang="ko-KR" sz="2000">
+                <a:solidFill>
+                  <a:srgbClr val="ff843a"/>
+                </a:solidFill>
+              </a:rPr>
+              <a:t>-</a:t>
+            </a:r>
+            <a:r>
+              <a:rPr lang="ko-KR" altLang="en-US" sz="2000">
+                <a:solidFill>
+                  <a:srgbClr val="ff843a"/>
+                </a:solidFill>
+              </a:rPr>
+              <a:t> </a:t>
+            </a:r>
+            <a:r>
+              <a:rPr lang="en-US" altLang="ko-KR" sz="2000">
+                <a:solidFill>
+                  <a:srgbClr val="ff843a"/>
+                </a:solidFill>
+              </a:rPr>
+              <a:t>SUV, </a:t>
+            </a:r>
+            <a:r>
+              <a:rPr lang="ko-KR" altLang="en-US" sz="2000">
+                <a:solidFill>
+                  <a:srgbClr val="ff843a"/>
+                </a:solidFill>
+              </a:rPr>
+              <a:t>승용차 등등 각 차종의 부품의 가격</a:t>
+            </a:r>
+            <a:r>
+              <a:rPr lang="en-US" altLang="ko-KR" sz="2000">
+                <a:solidFill>
+                  <a:srgbClr val="ff843a"/>
+                </a:solidFill>
+              </a:rPr>
+              <a:t>,</a:t>
+            </a:r>
+            <a:r>
+              <a:rPr lang="ko-KR" altLang="en-US" sz="2000">
+                <a:solidFill>
+                  <a:srgbClr val="ff843a"/>
+                </a:solidFill>
+              </a:rPr>
+              <a:t> 종류 다름</a:t>
+            </a:r>
+            <a:endParaRPr lang="ko-KR" altLang="en-US" sz="2000">
+              <a:solidFill>
+                <a:srgbClr val="ff843a"/>
+              </a:solidFill>
+            </a:endParaRPr>
+          </a:p>
+          <a:p>
+            <a:pPr marL="0" lvl="0" indent="0">
+              <a:buNone/>
+              <a:defRPr/>
+            </a:pPr>
+            <a:r>
+              <a:rPr lang="ko-KR" altLang="en-US" sz="2000">
+                <a:solidFill>
+                  <a:srgbClr val="ff843a"/>
+                </a:solidFill>
+              </a:rPr>
+              <a:t> </a:t>
+            </a:r>
+            <a:r>
+              <a:rPr lang="en-US" altLang="ko-KR" sz="2000">
+                <a:solidFill>
+                  <a:srgbClr val="ff843a"/>
+                </a:solidFill>
+              </a:rPr>
+              <a:t>-</a:t>
+            </a:r>
+            <a:r>
+              <a:rPr lang="ko-KR" altLang="en-US" sz="2000">
+                <a:solidFill>
+                  <a:srgbClr val="ff843a"/>
+                </a:solidFill>
+              </a:rPr>
+              <a:t> </a:t>
+            </a:r>
+            <a:endParaRPr lang="ko-KR" altLang="en-US" sz="2000"/>
+          </a:p>
+          <a:p>
+            <a:pPr lvl="0">
+              <a:defRPr/>
+            </a:pPr>
+            <a:endParaRPr lang="ko-KR" altLang="en-US" sz="2000"/>
+          </a:p>
+          <a:p>
+            <a:pPr lvl="0">
+              <a:defRPr/>
+            </a:pPr>
+            <a:r>
+              <a:rPr lang="ko-KR" altLang="en-US" sz="2000"/>
+              <a:t>가까운 정비소 지도 자료 제공</a:t>
+            </a:r>
+            <a:endParaRPr lang="ko-KR" altLang="en-US" sz="2000"/>
+          </a:p>
+          <a:p>
+            <a:pPr marL="0" lvl="0" indent="0">
+              <a:buNone/>
+              <a:defRPr/>
+            </a:pPr>
+            <a:r>
+              <a:rPr lang="ko-KR" altLang="en-US" sz="2000">
+                <a:solidFill>
+                  <a:srgbClr val="ff843a"/>
+                </a:solidFill>
+              </a:rPr>
+              <a:t> </a:t>
+            </a:r>
+            <a:r>
+              <a:rPr lang="en-US" altLang="ko-KR" sz="2000">
+                <a:solidFill>
+                  <a:srgbClr val="ff843a"/>
+                </a:solidFill>
+              </a:rPr>
+              <a:t>-</a:t>
+            </a:r>
+            <a:r>
+              <a:rPr lang="ko-KR" altLang="en-US" sz="2000">
+                <a:solidFill>
+                  <a:srgbClr val="ff843a"/>
+                </a:solidFill>
+              </a:rPr>
+              <a:t> 정비소 위치에 대한 데이터 아직 못 찾음</a:t>
+            </a:r>
+            <a:endParaRPr lang="ko-KR" altLang="en-US" sz="2000">
+              <a:solidFill>
+                <a:srgbClr val="ff843a"/>
+              </a:solidFill>
+            </a:endParaRPr>
+          </a:p>
+          <a:p>
+            <a:pPr marL="0" lvl="0" indent="0">
+              <a:buNone/>
+              <a:defRPr/>
+            </a:pPr>
+            <a:r>
+              <a:rPr lang="ko-KR" altLang="en-US" sz="2000">
+                <a:solidFill>
+                  <a:srgbClr val="ff843a"/>
+                </a:solidFill>
+              </a:rPr>
+              <a:t>  └ </a:t>
+            </a:r>
+            <a:r>
+              <a:rPr lang="en-US" altLang="ko-KR" sz="2000">
+                <a:solidFill>
+                  <a:srgbClr val="ff843a"/>
+                </a:solidFill>
+              </a:rPr>
+              <a:t>Google map</a:t>
+            </a:r>
+            <a:r>
+              <a:rPr lang="ko-KR" altLang="en-US" sz="2000">
+                <a:solidFill>
+                  <a:srgbClr val="ff843a"/>
+                </a:solidFill>
+              </a:rPr>
+              <a:t>을 이용해서 연동 가능한지</a:t>
+            </a:r>
+            <a:r>
+              <a:rPr lang="en-US" altLang="ko-KR" sz="2000">
+                <a:solidFill>
+                  <a:srgbClr val="ff843a"/>
+                </a:solidFill>
+              </a:rPr>
+              <a:t>?</a:t>
+            </a:r>
+            <a:endParaRPr lang="en-US" altLang="ko-KR" sz="2000"/>
+          </a:p>
+          <a:p>
+            <a:pPr marL="0" lvl="0" indent="0">
+              <a:buNone/>
+              <a:defRPr/>
+            </a:pPr>
+            <a:endParaRPr lang="en-US" altLang="ko-KR" sz="2000"/>
           </a:p>
         </p:txBody>
       </p:sp>
     </p:spTree>
-    <p:extLst>
-      <p:ext uri="{BB962C8B-B14F-4D97-AF65-F5344CB8AC3E}">
-        <p14:creationId xmlns:p14="http://schemas.microsoft.com/office/powerpoint/2010/main" val="3260802283"/>
-      </p:ext>
-    </p:extLst>
   </p:cSld>
   <p:clrMapOvr>
     <a:masterClrMapping/>
   </p:clrMapOvr>
+  <mc:AlternateContent xmlns:mc="http://schemas.openxmlformats.org/markup-compatibility/2006">
+    <mc:Choice xmlns:p14="http://schemas.microsoft.com/office/powerpoint/2010/main" Requires="p14">
+      <p:transition xmlns:mc="http://schemas.openxmlformats.org/markup-compatibility/2006" xmlns:p14="http://schemas.microsoft.com/office/powerpoint/2010/main" mc:Ignorable="p14" p14:dur="500"/>
+    </mc:Choice>
+    <mc:Fallback>
+      <p:transition/>
+    </mc:Fallback>
+  </mc:AlternateContent>
 </p:sld>
 </file>
 
-<file path=ppt/slides/slide12.xml><?xml version="1.0" encoding="utf-8"?>
-<p:sld xmlns:a="http://schemas.openxmlformats.org/drawingml/2006/main" xmlns:r="http://schemas.openxmlformats.org/officeDocument/2006/relationships" xmlns:p="http://schemas.openxmlformats.org/presentationml/2006/main">
+<file path=ppt/slides/slide15.xml><?xml version="1.0" encoding="utf-8"?>
+<p:sld xmlns:r="http://schemas.openxmlformats.org/officeDocument/2006/relationships" xmlns:c="http://schemas.openxmlformats.org/drawingml/2006/chart" xmlns:a="http://schemas.openxmlformats.org/drawingml/2006/main" xmlns:dgm="http://schemas.openxmlformats.org/drawingml/2006/diagram" xmlns:dsp="http://schemas.microsoft.com/office/drawing/2008/diagram" xmlns:p="http://schemas.openxmlformats.org/presentationml/2006/main">
   <p:cSld>
     <p:spTree>
       <p:nvGrpSpPr>
@@ -4567,316 +5782,46 @@
       </p:grpSpPr>
       <p:sp>
         <p:nvSpPr>
-          <p:cNvPr id="10" name="직사각형 9"/>
-          <p:cNvSpPr/>
-          <p:nvPr/>
+          <p:cNvPr id="2" name="제목 1"/>
+          <p:cNvSpPr>
+            <a:spLocks noGrp="1"/>
+          </p:cNvSpPr>
+          <p:nvPr>
+            <p:ph type="title" idx="0"/>
+          </p:nvPr>
         </p:nvSpPr>
         <p:spPr>
           <a:xfrm>
-            <a:off x="-1" y="2398426"/>
-            <a:ext cx="12192001" cy="1338109"/>
+            <a:off x="9525" y="187324"/>
+            <a:ext cx="11061700" cy="1325563"/>
           </a:xfrm>
-          <a:prstGeom prst="rect">
-            <a:avLst/>
-          </a:prstGeom>
           <a:solidFill>
-            <a:schemeClr val="accent1">
-              <a:lumMod val="75000"/>
-            </a:schemeClr>
+            <a:schemeClr val="lt1"/>
           </a:solidFill>
           <a:ln>
-            <a:noFill/>
+            <a:solidFill>
+              <a:schemeClr val="lt1"/>
+            </a:solidFill>
           </a:ln>
         </p:spPr>
-        <p:style>
-          <a:lnRef idx="2">
-            <a:schemeClr val="accent1">
-              <a:shade val="50000"/>
-            </a:schemeClr>
-          </a:lnRef>
-          <a:fillRef idx="1">
-            <a:schemeClr val="accent1"/>
-          </a:fillRef>
-          <a:effectRef idx="0">
-            <a:schemeClr val="accent1"/>
-          </a:effectRef>
-          <a:fontRef idx="minor">
-            <a:schemeClr val="lt1"/>
-          </a:fontRef>
-        </p:style>
         <p:txBody>
-          <a:bodyPr rtlCol="0" anchor="ctr"/>
+          <a:bodyPr/>
           <a:lstStyle/>
           <a:p>
-            <a:pPr algn="ctr"/>
-            <a:endParaRPr kumimoji="1" lang="ko-KR" altLang="en-US" dirty="0"/>
+            <a:pPr lvl="0">
+              <a:defRPr/>
+            </a:pPr>
+            <a:r>
+              <a:rPr lang="ko-KR" altLang="en-US" sz="4000"/>
+              <a:t>요구사항 수집 및 분석</a:t>
+            </a:r>
+            <a:endParaRPr lang="ko-KR" altLang="en-US" sz="4000"/>
           </a:p>
         </p:txBody>
       </p:sp>
       <p:sp>
         <p:nvSpPr>
-          <p:cNvPr id="12" name="부제목 2"/>
-          <p:cNvSpPr txBox="1">
-            <a:spLocks/>
-          </p:cNvSpPr>
-          <p:nvPr/>
-        </p:nvSpPr>
-        <p:spPr>
-          <a:xfrm>
-            <a:off x="1" y="2608234"/>
-            <a:ext cx="12192000" cy="754314"/>
-          </a:xfrm>
-          <a:prstGeom prst="rect">
-            <a:avLst/>
-          </a:prstGeom>
-        </p:spPr>
-        <p:txBody>
-          <a:bodyPr vert="horz" lIns="91440" tIns="45720" rIns="91440" bIns="45720" rtlCol="0" anchor="ctr">
-            <a:noAutofit/>
-          </a:bodyPr>
-          <a:lstStyle>
-            <a:lvl1pPr marL="0" indent="0" algn="ctr" defTabSz="914423" rtl="0" eaLnBrk="1" latinLnBrk="1" hangingPunct="1">
-              <a:lnSpc>
-                <a:spcPct val="90000"/>
-              </a:lnSpc>
-              <a:spcBef>
-                <a:spcPts val="1001"/>
-              </a:spcBef>
-              <a:buFont typeface="Arial"/>
-              <a:buNone/>
-              <a:defRPr sz="2400" kern="1200">
-                <a:solidFill>
-                  <a:schemeClr val="tx1"/>
-                </a:solidFill>
-                <a:latin typeface="+mn-lt"/>
-                <a:ea typeface="+mn-ea"/>
-                <a:cs typeface="+mn-cs"/>
-              </a:defRPr>
-            </a:lvl1pPr>
-            <a:lvl2pPr marL="457211" indent="0" algn="ctr" defTabSz="914423" rtl="0" eaLnBrk="1" latinLnBrk="1" hangingPunct="1">
-              <a:lnSpc>
-                <a:spcPct val="90000"/>
-              </a:lnSpc>
-              <a:spcBef>
-                <a:spcPts val="500"/>
-              </a:spcBef>
-              <a:buFont typeface="Arial"/>
-              <a:buNone/>
-              <a:defRPr sz="2000" kern="1200">
-                <a:solidFill>
-                  <a:schemeClr val="tx1"/>
-                </a:solidFill>
-                <a:latin typeface="+mn-lt"/>
-                <a:ea typeface="+mn-ea"/>
-                <a:cs typeface="+mn-cs"/>
-              </a:defRPr>
-            </a:lvl2pPr>
-            <a:lvl3pPr marL="914423" indent="0" algn="ctr" defTabSz="914423" rtl="0" eaLnBrk="1" latinLnBrk="1" hangingPunct="1">
-              <a:lnSpc>
-                <a:spcPct val="90000"/>
-              </a:lnSpc>
-              <a:spcBef>
-                <a:spcPts val="500"/>
-              </a:spcBef>
-              <a:buFont typeface="Arial"/>
-              <a:buNone/>
-              <a:defRPr sz="1801" kern="1200">
-                <a:solidFill>
-                  <a:schemeClr val="tx1"/>
-                </a:solidFill>
-                <a:latin typeface="+mn-lt"/>
-                <a:ea typeface="+mn-ea"/>
-                <a:cs typeface="+mn-cs"/>
-              </a:defRPr>
-            </a:lvl3pPr>
-            <a:lvl4pPr marL="1371634" indent="0" algn="ctr" defTabSz="914423" rtl="0" eaLnBrk="1" latinLnBrk="1" hangingPunct="1">
-              <a:lnSpc>
-                <a:spcPct val="90000"/>
-              </a:lnSpc>
-              <a:spcBef>
-                <a:spcPts val="500"/>
-              </a:spcBef>
-              <a:buFont typeface="Arial"/>
-              <a:buNone/>
-              <a:defRPr sz="1600" kern="1200">
-                <a:solidFill>
-                  <a:schemeClr val="tx1"/>
-                </a:solidFill>
-                <a:latin typeface="+mn-lt"/>
-                <a:ea typeface="+mn-ea"/>
-                <a:cs typeface="+mn-cs"/>
-              </a:defRPr>
-            </a:lvl4pPr>
-            <a:lvl5pPr marL="1828846" indent="0" algn="ctr" defTabSz="914423" rtl="0" eaLnBrk="1" latinLnBrk="1" hangingPunct="1">
-              <a:lnSpc>
-                <a:spcPct val="90000"/>
-              </a:lnSpc>
-              <a:spcBef>
-                <a:spcPts val="500"/>
-              </a:spcBef>
-              <a:buFont typeface="Arial"/>
-              <a:buNone/>
-              <a:defRPr sz="1600" kern="1200">
-                <a:solidFill>
-                  <a:schemeClr val="tx1"/>
-                </a:solidFill>
-                <a:latin typeface="+mn-lt"/>
-                <a:ea typeface="+mn-ea"/>
-                <a:cs typeface="+mn-cs"/>
-              </a:defRPr>
-            </a:lvl5pPr>
-            <a:lvl6pPr marL="2286057" indent="0" algn="ctr" defTabSz="914423" rtl="0" eaLnBrk="1" latinLnBrk="1" hangingPunct="1">
-              <a:lnSpc>
-                <a:spcPct val="90000"/>
-              </a:lnSpc>
-              <a:spcBef>
-                <a:spcPts val="500"/>
-              </a:spcBef>
-              <a:buFont typeface="Arial"/>
-              <a:buNone/>
-              <a:defRPr sz="1600" kern="1200">
-                <a:solidFill>
-                  <a:schemeClr val="tx1"/>
-                </a:solidFill>
-                <a:latin typeface="+mn-lt"/>
-                <a:ea typeface="+mn-ea"/>
-                <a:cs typeface="+mn-cs"/>
-              </a:defRPr>
-            </a:lvl6pPr>
-            <a:lvl7pPr marL="2743269" indent="0" algn="ctr" defTabSz="914423" rtl="0" eaLnBrk="1" latinLnBrk="1" hangingPunct="1">
-              <a:lnSpc>
-                <a:spcPct val="90000"/>
-              </a:lnSpc>
-              <a:spcBef>
-                <a:spcPts val="500"/>
-              </a:spcBef>
-              <a:buFont typeface="Arial"/>
-              <a:buNone/>
-              <a:defRPr sz="1600" kern="1200">
-                <a:solidFill>
-                  <a:schemeClr val="tx1"/>
-                </a:solidFill>
-                <a:latin typeface="+mn-lt"/>
-                <a:ea typeface="+mn-ea"/>
-                <a:cs typeface="+mn-cs"/>
-              </a:defRPr>
-            </a:lvl7pPr>
-            <a:lvl8pPr marL="3200480" indent="0" algn="ctr" defTabSz="914423" rtl="0" eaLnBrk="1" latinLnBrk="1" hangingPunct="1">
-              <a:lnSpc>
-                <a:spcPct val="90000"/>
-              </a:lnSpc>
-              <a:spcBef>
-                <a:spcPts val="500"/>
-              </a:spcBef>
-              <a:buFont typeface="Arial"/>
-              <a:buNone/>
-              <a:defRPr sz="1600" kern="1200">
-                <a:solidFill>
-                  <a:schemeClr val="tx1"/>
-                </a:solidFill>
-                <a:latin typeface="+mn-lt"/>
-                <a:ea typeface="+mn-ea"/>
-                <a:cs typeface="+mn-cs"/>
-              </a:defRPr>
-            </a:lvl8pPr>
-            <a:lvl9pPr marL="3657691" indent="0" algn="ctr" defTabSz="914423" rtl="0" eaLnBrk="1" latinLnBrk="1" hangingPunct="1">
-              <a:lnSpc>
-                <a:spcPct val="90000"/>
-              </a:lnSpc>
-              <a:spcBef>
-                <a:spcPts val="500"/>
-              </a:spcBef>
-              <a:buFont typeface="Arial"/>
-              <a:buNone/>
-              <a:defRPr sz="1600" kern="1200">
-                <a:solidFill>
-                  <a:schemeClr val="tx1"/>
-                </a:solidFill>
-                <a:latin typeface="+mn-lt"/>
-                <a:ea typeface="+mn-ea"/>
-                <a:cs typeface="+mn-cs"/>
-              </a:defRPr>
-            </a:lvl9pPr>
-          </a:lstStyle>
-          <a:p>
-            <a:r>
-              <a:rPr lang="ko-KR" altLang="en-US" sz="4800" dirty="0">
-                <a:solidFill>
-                  <a:schemeClr val="bg1"/>
-                </a:solidFill>
-                <a:latin typeface="+mj-lt"/>
-                <a:ea typeface="맑은 고딕" charset="-127"/>
-                <a:cs typeface="맑은 고딕" charset="-127"/>
-              </a:rPr>
-              <a:t>기능 모듈 설계</a:t>
-            </a:r>
-          </a:p>
-        </p:txBody>
-      </p:sp>
-    </p:spTree>
-    <p:extLst>
-      <p:ext uri="{BB962C8B-B14F-4D97-AF65-F5344CB8AC3E}">
-        <p14:creationId xmlns:p14="http://schemas.microsoft.com/office/powerpoint/2010/main" val="3636615241"/>
-      </p:ext>
-    </p:extLst>
-  </p:cSld>
-  <p:clrMapOvr>
-    <a:masterClrMapping/>
-  </p:clrMapOvr>
-</p:sld>
-</file>
-
-<file path=ppt/slides/slide13.xml><?xml version="1.0" encoding="utf-8"?>
-<p:sld xmlns:a="http://schemas.openxmlformats.org/drawingml/2006/main" xmlns:r="http://schemas.openxmlformats.org/officeDocument/2006/relationships" xmlns:p="http://schemas.openxmlformats.org/presentationml/2006/main">
-  <p:cSld>
-    <p:spTree>
-      <p:nvGrpSpPr>
-        <p:cNvPr id="1" name=""/>
-        <p:cNvGrpSpPr/>
-        <p:nvPr/>
-      </p:nvGrpSpPr>
-      <p:grpSpPr>
-        <a:xfrm>
-          <a:off x="0" y="0"/>
-          <a:ext cx="0" cy="0"/>
-          <a:chOff x="0" y="0"/>
-          <a:chExt cx="0" cy="0"/>
-        </a:xfrm>
-      </p:grpSpPr>
-      <p:sp>
-        <p:nvSpPr>
-          <p:cNvPr id="2" name="제목 1">
-            <a:extLst>
-              <a:ext uri="{FF2B5EF4-FFF2-40B4-BE49-F238E27FC236}">
-                <a16:creationId xmlns:a16="http://schemas.microsoft.com/office/drawing/2014/main" id="{9A1A2E3C-2FD9-439C-87BD-8AE3B27F8C97}"/>
-              </a:ext>
-            </a:extLst>
-          </p:cNvPr>
-          <p:cNvSpPr>
-            <a:spLocks noGrp="1"/>
-          </p:cNvSpPr>
-          <p:nvPr>
-            <p:ph type="title"/>
-          </p:nvPr>
-        </p:nvSpPr>
-        <p:spPr/>
-        <p:txBody>
-          <a:bodyPr/>
-          <a:lstStyle/>
-          <a:p>
-            <a:endParaRPr lang="ko-KR" altLang="en-US"/>
-          </a:p>
-        </p:txBody>
-      </p:sp>
-      <p:sp>
-        <p:nvSpPr>
-          <p:cNvPr id="3" name="내용 개체 틀 2">
-            <a:extLst>
-              <a:ext uri="{FF2B5EF4-FFF2-40B4-BE49-F238E27FC236}">
-                <a16:creationId xmlns:a16="http://schemas.microsoft.com/office/drawing/2014/main" id="{58DC695E-BF5C-4F1A-860C-8BD272E977AA}"/>
-              </a:ext>
-            </a:extLst>
-          </p:cNvPr>
+          <p:cNvPr id="3" name="내용 개체 틀 2"/>
           <p:cNvSpPr>
             <a:spLocks noGrp="1"/>
           </p:cNvSpPr>
@@ -4884,465 +5829,122 @@
             <p:ph idx="1"/>
           </p:nvPr>
         </p:nvSpPr>
-        <p:spPr/>
+        <p:spPr>
+          <a:xfrm>
+            <a:off x="0" y="1622425"/>
+            <a:ext cx="12192000" cy="5235575"/>
+          </a:xfrm>
+        </p:spPr>
         <p:txBody>
           <a:bodyPr/>
           <a:lstStyle/>
           <a:p>
-            <a:r>
-              <a:rPr lang="ko-KR" altLang="en-US" dirty="0"/>
-              <a:t>기능정의를 한다</a:t>
-            </a:r>
-            <a:endParaRPr lang="en-US" altLang="ko-KR" dirty="0"/>
-          </a:p>
-          <a:p>
-            <a:r>
-              <a:rPr lang="ko-KR" altLang="en-US" dirty="0"/>
-              <a:t>정의 한 기능에 대해 </a:t>
-            </a:r>
-            <a:r>
-              <a:rPr lang="en-US" altLang="ko-KR" dirty="0"/>
-              <a:t>Flow</a:t>
-            </a:r>
-            <a:r>
-              <a:rPr lang="ko-KR" altLang="en-US" dirty="0"/>
-              <a:t>를 작성한다</a:t>
-            </a:r>
-            <a:r>
-              <a:rPr lang="en-US" altLang="ko-KR" dirty="0"/>
-              <a:t>.</a:t>
-            </a:r>
-            <a:endParaRPr lang="ko-KR" altLang="en-US" dirty="0"/>
+            <a:pPr lvl="0">
+              <a:defRPr/>
+            </a:pPr>
+            <a:r>
+              <a:rPr lang="ko-KR" altLang="en-US" sz="2000"/>
+              <a:t>지속적 피드백</a:t>
+            </a:r>
+            <a:endParaRPr lang="ko-KR" altLang="en-US" sz="2000"/>
+          </a:p>
+          <a:p>
+            <a:pPr marL="0" lvl="0" indent="0">
+              <a:buNone/>
+              <a:defRPr/>
+            </a:pPr>
+            <a:r>
+              <a:rPr lang="ko-KR" altLang="en-US" sz="2000">
+                <a:solidFill>
+                  <a:srgbClr val="ff843a"/>
+                </a:solidFill>
+              </a:rPr>
+              <a:t> </a:t>
+            </a:r>
+            <a:r>
+              <a:rPr lang="en-US" altLang="ko-KR" sz="2000">
+                <a:solidFill>
+                  <a:srgbClr val="ff843a"/>
+                </a:solidFill>
+              </a:rPr>
+              <a:t>-</a:t>
+            </a:r>
+            <a:r>
+              <a:rPr lang="ko-KR" altLang="en-US" sz="2000">
+                <a:solidFill>
+                  <a:srgbClr val="ff843a"/>
+                </a:solidFill>
+              </a:rPr>
+              <a:t> </a:t>
+            </a:r>
+            <a:r>
+              <a:rPr lang="en-US" altLang="ko-KR" sz="2000">
+                <a:solidFill>
+                  <a:srgbClr val="ff843a"/>
+                </a:solidFill>
+              </a:rPr>
+              <a:t>Google Playstore</a:t>
+            </a:r>
+            <a:r>
+              <a:rPr lang="ko-KR" altLang="en-US" sz="2000">
+                <a:solidFill>
+                  <a:srgbClr val="ff843a"/>
+                </a:solidFill>
+              </a:rPr>
+              <a:t>의 댓글 이용</a:t>
+            </a:r>
+            <a:endParaRPr lang="ko-KR" altLang="en-US" sz="2000">
+              <a:solidFill>
+                <a:srgbClr val="ff843a"/>
+              </a:solidFill>
+            </a:endParaRPr>
+          </a:p>
+          <a:p>
+            <a:pPr marL="0" lvl="0" indent="0">
+              <a:buNone/>
+              <a:defRPr/>
+            </a:pPr>
+            <a:r>
+              <a:rPr lang="ko-KR" altLang="en-US" sz="2000">
+                <a:solidFill>
+                  <a:srgbClr val="ff843a"/>
+                </a:solidFill>
+              </a:rPr>
+              <a:t> </a:t>
+            </a:r>
+            <a:r>
+              <a:rPr lang="en-US" altLang="ko-KR" sz="2000">
+                <a:solidFill>
+                  <a:srgbClr val="ff843a"/>
+                </a:solidFill>
+              </a:rPr>
+              <a:t>-</a:t>
+            </a:r>
+            <a:r>
+              <a:rPr lang="ko-KR" altLang="en-US" sz="2000">
+                <a:solidFill>
+                  <a:srgbClr val="ff843a"/>
+                </a:solidFill>
+              </a:rPr>
+              <a:t> </a:t>
+            </a:r>
+            <a:endParaRPr lang="en-US" altLang="ko-KR" sz="2000"/>
           </a:p>
         </p:txBody>
       </p:sp>
     </p:spTree>
-    <p:extLst>
-      <p:ext uri="{BB962C8B-B14F-4D97-AF65-F5344CB8AC3E}">
-        <p14:creationId xmlns:p14="http://schemas.microsoft.com/office/powerpoint/2010/main" val="3772914977"/>
-      </p:ext>
-    </p:extLst>
   </p:cSld>
   <p:clrMapOvr>
     <a:masterClrMapping/>
   </p:clrMapOvr>
-</p:sld>
-</file>
-
-<file path=ppt/slides/slide14.xml><?xml version="1.0" encoding="utf-8"?>
-<p:sld xmlns:a="http://schemas.openxmlformats.org/drawingml/2006/main" xmlns:r="http://schemas.openxmlformats.org/officeDocument/2006/relationships" xmlns:p="http://schemas.openxmlformats.org/presentationml/2006/main">
-  <p:cSld>
-    <p:spTree>
-      <p:nvGrpSpPr>
-        <p:cNvPr id="1" name=""/>
-        <p:cNvGrpSpPr/>
-        <p:nvPr/>
-      </p:nvGrpSpPr>
-      <p:grpSpPr>
-        <a:xfrm>
-          <a:off x="0" y="0"/>
-          <a:ext cx="0" cy="0"/>
-          <a:chOff x="0" y="0"/>
-          <a:chExt cx="0" cy="0"/>
-        </a:xfrm>
-      </p:grpSpPr>
-      <p:sp>
-        <p:nvSpPr>
-          <p:cNvPr id="10" name="직사각형 9"/>
-          <p:cNvSpPr/>
-          <p:nvPr/>
-        </p:nvSpPr>
-        <p:spPr>
-          <a:xfrm>
-            <a:off x="-1" y="2398426"/>
-            <a:ext cx="12192001" cy="1338109"/>
-          </a:xfrm>
-          <a:prstGeom prst="rect">
-            <a:avLst/>
-          </a:prstGeom>
-          <a:solidFill>
-            <a:schemeClr val="accent1">
-              <a:lumMod val="75000"/>
-            </a:schemeClr>
-          </a:solidFill>
-          <a:ln>
-            <a:noFill/>
-          </a:ln>
-        </p:spPr>
-        <p:style>
-          <a:lnRef idx="2">
-            <a:schemeClr val="accent1">
-              <a:shade val="50000"/>
-            </a:schemeClr>
-          </a:lnRef>
-          <a:fillRef idx="1">
-            <a:schemeClr val="accent1"/>
-          </a:fillRef>
-          <a:effectRef idx="0">
-            <a:schemeClr val="accent1"/>
-          </a:effectRef>
-          <a:fontRef idx="minor">
-            <a:schemeClr val="lt1"/>
-          </a:fontRef>
-        </p:style>
-        <p:txBody>
-          <a:bodyPr rtlCol="0" anchor="ctr"/>
-          <a:lstStyle/>
-          <a:p>
-            <a:pPr algn="ctr"/>
-            <a:endParaRPr kumimoji="1" lang="ko-KR" altLang="en-US" dirty="0"/>
-          </a:p>
-        </p:txBody>
-      </p:sp>
-      <p:sp>
-        <p:nvSpPr>
-          <p:cNvPr id="12" name="부제목 2"/>
-          <p:cNvSpPr txBox="1">
-            <a:spLocks/>
-          </p:cNvSpPr>
-          <p:nvPr/>
-        </p:nvSpPr>
-        <p:spPr>
-          <a:xfrm>
-            <a:off x="1" y="2608234"/>
-            <a:ext cx="12192000" cy="754314"/>
-          </a:xfrm>
-          <a:prstGeom prst="rect">
-            <a:avLst/>
-          </a:prstGeom>
-        </p:spPr>
-        <p:txBody>
-          <a:bodyPr vert="horz" lIns="91440" tIns="45720" rIns="91440" bIns="45720" rtlCol="0" anchor="ctr">
-            <a:noAutofit/>
-          </a:bodyPr>
-          <a:lstStyle>
-            <a:lvl1pPr marL="0" indent="0" algn="ctr" defTabSz="914423" rtl="0" eaLnBrk="1" latinLnBrk="1" hangingPunct="1">
-              <a:lnSpc>
-                <a:spcPct val="90000"/>
-              </a:lnSpc>
-              <a:spcBef>
-                <a:spcPts val="1001"/>
-              </a:spcBef>
-              <a:buFont typeface="Arial"/>
-              <a:buNone/>
-              <a:defRPr sz="2400" kern="1200">
-                <a:solidFill>
-                  <a:schemeClr val="tx1"/>
-                </a:solidFill>
-                <a:latin typeface="+mn-lt"/>
-                <a:ea typeface="+mn-ea"/>
-                <a:cs typeface="+mn-cs"/>
-              </a:defRPr>
-            </a:lvl1pPr>
-            <a:lvl2pPr marL="457211" indent="0" algn="ctr" defTabSz="914423" rtl="0" eaLnBrk="1" latinLnBrk="1" hangingPunct="1">
-              <a:lnSpc>
-                <a:spcPct val="90000"/>
-              </a:lnSpc>
-              <a:spcBef>
-                <a:spcPts val="500"/>
-              </a:spcBef>
-              <a:buFont typeface="Arial"/>
-              <a:buNone/>
-              <a:defRPr sz="2000" kern="1200">
-                <a:solidFill>
-                  <a:schemeClr val="tx1"/>
-                </a:solidFill>
-                <a:latin typeface="+mn-lt"/>
-                <a:ea typeface="+mn-ea"/>
-                <a:cs typeface="+mn-cs"/>
-              </a:defRPr>
-            </a:lvl2pPr>
-            <a:lvl3pPr marL="914423" indent="0" algn="ctr" defTabSz="914423" rtl="0" eaLnBrk="1" latinLnBrk="1" hangingPunct="1">
-              <a:lnSpc>
-                <a:spcPct val="90000"/>
-              </a:lnSpc>
-              <a:spcBef>
-                <a:spcPts val="500"/>
-              </a:spcBef>
-              <a:buFont typeface="Arial"/>
-              <a:buNone/>
-              <a:defRPr sz="1801" kern="1200">
-                <a:solidFill>
-                  <a:schemeClr val="tx1"/>
-                </a:solidFill>
-                <a:latin typeface="+mn-lt"/>
-                <a:ea typeface="+mn-ea"/>
-                <a:cs typeface="+mn-cs"/>
-              </a:defRPr>
-            </a:lvl3pPr>
-            <a:lvl4pPr marL="1371634" indent="0" algn="ctr" defTabSz="914423" rtl="0" eaLnBrk="1" latinLnBrk="1" hangingPunct="1">
-              <a:lnSpc>
-                <a:spcPct val="90000"/>
-              </a:lnSpc>
-              <a:spcBef>
-                <a:spcPts val="500"/>
-              </a:spcBef>
-              <a:buFont typeface="Arial"/>
-              <a:buNone/>
-              <a:defRPr sz="1600" kern="1200">
-                <a:solidFill>
-                  <a:schemeClr val="tx1"/>
-                </a:solidFill>
-                <a:latin typeface="+mn-lt"/>
-                <a:ea typeface="+mn-ea"/>
-                <a:cs typeface="+mn-cs"/>
-              </a:defRPr>
-            </a:lvl4pPr>
-            <a:lvl5pPr marL="1828846" indent="0" algn="ctr" defTabSz="914423" rtl="0" eaLnBrk="1" latinLnBrk="1" hangingPunct="1">
-              <a:lnSpc>
-                <a:spcPct val="90000"/>
-              </a:lnSpc>
-              <a:spcBef>
-                <a:spcPts val="500"/>
-              </a:spcBef>
-              <a:buFont typeface="Arial"/>
-              <a:buNone/>
-              <a:defRPr sz="1600" kern="1200">
-                <a:solidFill>
-                  <a:schemeClr val="tx1"/>
-                </a:solidFill>
-                <a:latin typeface="+mn-lt"/>
-                <a:ea typeface="+mn-ea"/>
-                <a:cs typeface="+mn-cs"/>
-              </a:defRPr>
-            </a:lvl5pPr>
-            <a:lvl6pPr marL="2286057" indent="0" algn="ctr" defTabSz="914423" rtl="0" eaLnBrk="1" latinLnBrk="1" hangingPunct="1">
-              <a:lnSpc>
-                <a:spcPct val="90000"/>
-              </a:lnSpc>
-              <a:spcBef>
-                <a:spcPts val="500"/>
-              </a:spcBef>
-              <a:buFont typeface="Arial"/>
-              <a:buNone/>
-              <a:defRPr sz="1600" kern="1200">
-                <a:solidFill>
-                  <a:schemeClr val="tx1"/>
-                </a:solidFill>
-                <a:latin typeface="+mn-lt"/>
-                <a:ea typeface="+mn-ea"/>
-                <a:cs typeface="+mn-cs"/>
-              </a:defRPr>
-            </a:lvl6pPr>
-            <a:lvl7pPr marL="2743269" indent="0" algn="ctr" defTabSz="914423" rtl="0" eaLnBrk="1" latinLnBrk="1" hangingPunct="1">
-              <a:lnSpc>
-                <a:spcPct val="90000"/>
-              </a:lnSpc>
-              <a:spcBef>
-                <a:spcPts val="500"/>
-              </a:spcBef>
-              <a:buFont typeface="Arial"/>
-              <a:buNone/>
-              <a:defRPr sz="1600" kern="1200">
-                <a:solidFill>
-                  <a:schemeClr val="tx1"/>
-                </a:solidFill>
-                <a:latin typeface="+mn-lt"/>
-                <a:ea typeface="+mn-ea"/>
-                <a:cs typeface="+mn-cs"/>
-              </a:defRPr>
-            </a:lvl7pPr>
-            <a:lvl8pPr marL="3200480" indent="0" algn="ctr" defTabSz="914423" rtl="0" eaLnBrk="1" latinLnBrk="1" hangingPunct="1">
-              <a:lnSpc>
-                <a:spcPct val="90000"/>
-              </a:lnSpc>
-              <a:spcBef>
-                <a:spcPts val="500"/>
-              </a:spcBef>
-              <a:buFont typeface="Arial"/>
-              <a:buNone/>
-              <a:defRPr sz="1600" kern="1200">
-                <a:solidFill>
-                  <a:schemeClr val="tx1"/>
-                </a:solidFill>
-                <a:latin typeface="+mn-lt"/>
-                <a:ea typeface="+mn-ea"/>
-                <a:cs typeface="+mn-cs"/>
-              </a:defRPr>
-            </a:lvl8pPr>
-            <a:lvl9pPr marL="3657691" indent="0" algn="ctr" defTabSz="914423" rtl="0" eaLnBrk="1" latinLnBrk="1" hangingPunct="1">
-              <a:lnSpc>
-                <a:spcPct val="90000"/>
-              </a:lnSpc>
-              <a:spcBef>
-                <a:spcPts val="500"/>
-              </a:spcBef>
-              <a:buFont typeface="Arial"/>
-              <a:buNone/>
-              <a:defRPr sz="1600" kern="1200">
-                <a:solidFill>
-                  <a:schemeClr val="tx1"/>
-                </a:solidFill>
-                <a:latin typeface="+mn-lt"/>
-                <a:ea typeface="+mn-ea"/>
-                <a:cs typeface="+mn-cs"/>
-              </a:defRPr>
-            </a:lvl9pPr>
-          </a:lstStyle>
-          <a:p>
-            <a:r>
-              <a:rPr lang="ko-KR" altLang="en-US" sz="4800" dirty="0">
-                <a:solidFill>
-                  <a:schemeClr val="bg1"/>
-                </a:solidFill>
-                <a:latin typeface="+mj-lt"/>
-                <a:ea typeface="맑은 고딕" charset="-127"/>
-                <a:cs typeface="맑은 고딕" charset="-127"/>
-              </a:rPr>
-              <a:t>기능 검토 </a:t>
-            </a:r>
-            <a:r>
-              <a:rPr lang="en-US" altLang="ko-KR" sz="4800" dirty="0">
-                <a:solidFill>
-                  <a:schemeClr val="bg1"/>
-                </a:solidFill>
-                <a:latin typeface="+mj-lt"/>
-                <a:ea typeface="맑은 고딕" charset="-127"/>
-                <a:cs typeface="맑은 고딕" charset="-127"/>
-              </a:rPr>
-              <a:t>(</a:t>
-            </a:r>
-            <a:r>
-              <a:rPr lang="ko-KR" altLang="en-US" sz="4800" dirty="0">
-                <a:solidFill>
-                  <a:schemeClr val="bg1"/>
-                </a:solidFill>
-                <a:latin typeface="+mj-lt"/>
-                <a:ea typeface="맑은 고딕" charset="-127"/>
-                <a:cs typeface="맑은 고딕" charset="-127"/>
-              </a:rPr>
-              <a:t>근거자료 및 샘플코드</a:t>
-            </a:r>
-            <a:r>
-              <a:rPr lang="en-US" altLang="ko-KR" sz="4800" dirty="0">
-                <a:solidFill>
-                  <a:schemeClr val="bg1"/>
-                </a:solidFill>
-                <a:latin typeface="+mj-lt"/>
-                <a:ea typeface="맑은 고딕" charset="-127"/>
-                <a:cs typeface="맑은 고딕" charset="-127"/>
-              </a:rPr>
-              <a:t>)</a:t>
-            </a:r>
-            <a:endParaRPr lang="ko-KR" altLang="en-US" sz="4800" dirty="0">
-              <a:solidFill>
-                <a:schemeClr val="bg1"/>
-              </a:solidFill>
-              <a:latin typeface="+mj-lt"/>
-              <a:ea typeface="맑은 고딕" charset="-127"/>
-              <a:cs typeface="맑은 고딕" charset="-127"/>
-            </a:endParaRPr>
-          </a:p>
-        </p:txBody>
-      </p:sp>
-    </p:spTree>
-    <p:extLst>
-      <p:ext uri="{BB962C8B-B14F-4D97-AF65-F5344CB8AC3E}">
-        <p14:creationId xmlns:p14="http://schemas.microsoft.com/office/powerpoint/2010/main" val="2800779971"/>
-      </p:ext>
-    </p:extLst>
-  </p:cSld>
-  <p:clrMapOvr>
-    <a:masterClrMapping/>
-  </p:clrMapOvr>
-</p:sld>
-</file>
-
-<file path=ppt/slides/slide15.xml><?xml version="1.0" encoding="utf-8"?>
-<p:sld xmlns:a="http://schemas.openxmlformats.org/drawingml/2006/main" xmlns:r="http://schemas.openxmlformats.org/officeDocument/2006/relationships" xmlns:p="http://schemas.openxmlformats.org/presentationml/2006/main">
-  <p:cSld>
-    <p:spTree>
-      <p:nvGrpSpPr>
-        <p:cNvPr id="1" name=""/>
-        <p:cNvGrpSpPr/>
-        <p:nvPr/>
-      </p:nvGrpSpPr>
-      <p:grpSpPr>
-        <a:xfrm>
-          <a:off x="0" y="0"/>
-          <a:ext cx="0" cy="0"/>
-          <a:chOff x="0" y="0"/>
-          <a:chExt cx="0" cy="0"/>
-        </a:xfrm>
-      </p:grpSpPr>
-      <p:sp>
-        <p:nvSpPr>
-          <p:cNvPr id="2" name="제목 1">
-            <a:extLst>
-              <a:ext uri="{FF2B5EF4-FFF2-40B4-BE49-F238E27FC236}">
-                <a16:creationId xmlns:a16="http://schemas.microsoft.com/office/drawing/2014/main" id="{CD32A4A8-C5FD-473F-A41F-A660400BC448}"/>
-              </a:ext>
-            </a:extLst>
-          </p:cNvPr>
-          <p:cNvSpPr>
-            <a:spLocks noGrp="1"/>
-          </p:cNvSpPr>
-          <p:nvPr>
-            <p:ph type="title"/>
-          </p:nvPr>
-        </p:nvSpPr>
-        <p:spPr/>
-        <p:txBody>
-          <a:bodyPr/>
-          <a:lstStyle/>
-          <a:p>
-            <a:endParaRPr lang="ko-KR" altLang="en-US"/>
-          </a:p>
-        </p:txBody>
-      </p:sp>
-      <p:sp>
-        <p:nvSpPr>
-          <p:cNvPr id="3" name="내용 개체 틀 2">
-            <a:extLst>
-              <a:ext uri="{FF2B5EF4-FFF2-40B4-BE49-F238E27FC236}">
-                <a16:creationId xmlns:a16="http://schemas.microsoft.com/office/drawing/2014/main" id="{FC688E77-0112-474B-BD84-18F7FC4240C7}"/>
-              </a:ext>
-            </a:extLst>
-          </p:cNvPr>
-          <p:cNvSpPr>
-            <a:spLocks noGrp="1"/>
-          </p:cNvSpPr>
-          <p:nvPr>
-            <p:ph idx="1"/>
-          </p:nvPr>
-        </p:nvSpPr>
-        <p:spPr/>
-        <p:txBody>
-          <a:bodyPr/>
-          <a:lstStyle/>
-          <a:p>
-            <a:r>
-              <a:rPr lang="ko-KR" altLang="en-US" dirty="0"/>
-              <a:t>기능 구현에 필요한 기술을 알아본다</a:t>
-            </a:r>
-            <a:endParaRPr lang="en-US" altLang="ko-KR" dirty="0"/>
-          </a:p>
-          <a:p>
-            <a:endParaRPr lang="en-US" altLang="ko-KR" dirty="0"/>
-          </a:p>
-          <a:p>
-            <a:r>
-              <a:rPr lang="ko-KR" altLang="en-US" dirty="0"/>
-              <a:t>샘플 코드를 수집한다</a:t>
-            </a:r>
-            <a:r>
-              <a:rPr lang="en-US" altLang="ko-KR" dirty="0"/>
-              <a:t>.</a:t>
-            </a:r>
-            <a:endParaRPr lang="ko-KR" altLang="en-US" dirty="0"/>
-          </a:p>
-        </p:txBody>
-      </p:sp>
-    </p:spTree>
-    <p:extLst>
-      <p:ext uri="{BB962C8B-B14F-4D97-AF65-F5344CB8AC3E}">
-        <p14:creationId xmlns:p14="http://schemas.microsoft.com/office/powerpoint/2010/main" val="414149680"/>
-      </p:ext>
-    </p:extLst>
-  </p:cSld>
-  <p:clrMapOvr>
-    <a:masterClrMapping/>
-  </p:clrMapOvr>
+  <mc:AlternateContent xmlns:mc="http://schemas.openxmlformats.org/markup-compatibility/2006">
+    <mc:Choice xmlns:p14="http://schemas.microsoft.com/office/powerpoint/2010/main" Requires="p14">
+      <p:transition xmlns:mc="http://schemas.openxmlformats.org/markup-compatibility/2006" xmlns:p14="http://schemas.microsoft.com/office/powerpoint/2010/main" mc:Ignorable="p14" p14:dur="500"/>
+    </mc:Choice>
+    <mc:Fallback>
+      <p:transition/>
+    </mc:Fallback>
+  </mc:AlternateContent>
 </p:sld>
 </file>
 
@@ -5606,7 +6208,7 @@
                 <a:ea typeface="맑은 고딕" charset="-127"/>
                 <a:cs typeface="맑은 고딕" charset="-127"/>
               </a:rPr>
-              <a:t>스토리보드 제작</a:t>
+              <a:t>계획 및 일정 수립</a:t>
             </a:r>
           </a:p>
         </p:txBody>
@@ -5614,7 +6216,7 @@
     </p:spTree>
     <p:extLst>
       <p:ext uri="{BB962C8B-B14F-4D97-AF65-F5344CB8AC3E}">
-        <p14:creationId xmlns:p14="http://schemas.microsoft.com/office/powerpoint/2010/main" val="4131486605"/>
+        <p14:creationId xmlns:p14="http://schemas.microsoft.com/office/powerpoint/2010/main" val="641642769"/>
       </p:ext>
     </p:extLst>
   </p:cSld>
@@ -5625,7 +6227,7 @@
 </file>
 
 <file path=ppt/slides/slide17.xml><?xml version="1.0" encoding="utf-8"?>
-<p:sld xmlns:a="http://schemas.openxmlformats.org/drawingml/2006/main" xmlns:r="http://schemas.openxmlformats.org/officeDocument/2006/relationships" xmlns:p="http://schemas.openxmlformats.org/presentationml/2006/main">
+<p:sld xmlns:r="http://schemas.openxmlformats.org/officeDocument/2006/relationships" xmlns:c="http://schemas.openxmlformats.org/drawingml/2006/chart" xmlns:a="http://schemas.openxmlformats.org/drawingml/2006/main" xmlns:dgm="http://schemas.openxmlformats.org/drawingml/2006/diagram" xmlns:dsp="http://schemas.microsoft.com/office/drawing/2008/diagram" xmlns:p="http://schemas.openxmlformats.org/presentationml/2006/main">
   <p:cSld>
     <p:spTree>
       <p:nvGrpSpPr>
@@ -5641,84 +6243,43 @@
           <a:chExt cx="0" cy="0"/>
         </a:xfrm>
       </p:grpSpPr>
-      <p:sp>
-        <p:nvSpPr>
-          <p:cNvPr id="2" name="제목 1">
-            <a:extLst>
-              <a:ext uri="{FF2B5EF4-FFF2-40B4-BE49-F238E27FC236}">
-                <a16:creationId xmlns:a16="http://schemas.microsoft.com/office/drawing/2014/main" id="{FEF97B69-9031-4A28-901F-246C46549083}"/>
-              </a:ext>
-            </a:extLst>
-          </p:cNvPr>
-          <p:cNvSpPr>
-            <a:spLocks noGrp="1"/>
-          </p:cNvSpPr>
-          <p:nvPr>
-            <p:ph type="title"/>
-          </p:nvPr>
-        </p:nvSpPr>
-        <p:spPr/>
-        <p:txBody>
-          <a:bodyPr/>
-          <a:lstStyle/>
-          <a:p>
-            <a:endParaRPr lang="ko-KR" altLang="en-US"/>
-          </a:p>
-        </p:txBody>
-      </p:sp>
-      <p:sp>
-        <p:nvSpPr>
-          <p:cNvPr id="3" name="내용 개체 틀 2">
-            <a:extLst>
-              <a:ext uri="{FF2B5EF4-FFF2-40B4-BE49-F238E27FC236}">
-                <a16:creationId xmlns:a16="http://schemas.microsoft.com/office/drawing/2014/main" id="{7B537D8F-5982-4653-B96A-BB8B9CAB7064}"/>
-              </a:ext>
-            </a:extLst>
-          </p:cNvPr>
-          <p:cNvSpPr>
-            <a:spLocks noGrp="1"/>
-          </p:cNvSpPr>
-          <p:nvPr>
-            <p:ph idx="1"/>
-          </p:nvPr>
-        </p:nvSpPr>
-        <p:spPr/>
-        <p:txBody>
-          <a:bodyPr/>
-          <a:lstStyle/>
-          <a:p>
-            <a:r>
-              <a:rPr lang="ko-KR" altLang="en-US" dirty="0"/>
-              <a:t>기능 구현에 대한 디자인 구상</a:t>
-            </a:r>
-            <a:endParaRPr lang="en-US" altLang="ko-KR" dirty="0"/>
-          </a:p>
-          <a:p>
-            <a:endParaRPr lang="en-US" altLang="ko-KR" dirty="0"/>
-          </a:p>
-          <a:p>
-            <a:r>
-              <a:rPr lang="ko-KR" altLang="en-US" dirty="0"/>
-              <a:t>디자인에 따른 동작을 기술하고 연계 한다</a:t>
-            </a:r>
-            <a:r>
-              <a:rPr lang="en-US" altLang="ko-KR" dirty="0"/>
-              <a:t>.</a:t>
-            </a:r>
-            <a:endParaRPr lang="ko-KR" altLang="en-US" dirty="0"/>
-          </a:p>
-        </p:txBody>
-      </p:sp>
+      <p:pic>
+        <p:nvPicPr>
+          <p:cNvPr id="6" name=""/>
+          <p:cNvPicPr>
+            <a:picLocks noChangeAspect="1"/>
+          </p:cNvPicPr>
+          <p:nvPr/>
+        </p:nvPicPr>
+        <p:blipFill rotWithShape="1">
+          <a:blip r:embed="rId2"/>
+          <a:stretch>
+            <a:fillRect/>
+          </a:stretch>
+        </p:blipFill>
+        <p:spPr>
+          <a:xfrm>
+            <a:off x="510194" y="819150"/>
+            <a:ext cx="8054340" cy="5219700"/>
+          </a:xfrm>
+          <a:prstGeom prst="rect">
+            <a:avLst/>
+          </a:prstGeom>
+        </p:spPr>
+      </p:pic>
     </p:spTree>
-    <p:extLst>
-      <p:ext uri="{BB962C8B-B14F-4D97-AF65-F5344CB8AC3E}">
-        <p14:creationId xmlns:p14="http://schemas.microsoft.com/office/powerpoint/2010/main" val="1723942396"/>
-      </p:ext>
-    </p:extLst>
   </p:cSld>
   <p:clrMapOvr>
     <a:masterClrMapping/>
   </p:clrMapOvr>
+  <mc:AlternateContent xmlns:mc="http://schemas.openxmlformats.org/markup-compatibility/2006">
+    <mc:Choice xmlns:p14="http://schemas.microsoft.com/office/powerpoint/2010/main" Requires="p14">
+      <p:transition xmlns:mc="http://schemas.openxmlformats.org/markup-compatibility/2006" xmlns:p14="http://schemas.microsoft.com/office/powerpoint/2010/main" mc:Ignorable="p14" p14:dur="500"/>
+    </mc:Choice>
+    <mc:Fallback>
+      <p:transition/>
+    </mc:Fallback>
+  </mc:AlternateContent>
 </p:sld>
 </file>
 
@@ -5982,7 +6543,7 @@
                 <a:ea typeface="맑은 고딕" charset="-127"/>
                 <a:cs typeface="맑은 고딕" charset="-127"/>
               </a:rPr>
-              <a:t>구현</a:t>
+              <a:t>기능 모듈 설계</a:t>
             </a:r>
           </a:p>
         </p:txBody>
@@ -5990,7 +6551,7 @@
     </p:spTree>
     <p:extLst>
       <p:ext uri="{BB962C8B-B14F-4D97-AF65-F5344CB8AC3E}">
-        <p14:creationId xmlns:p14="http://schemas.microsoft.com/office/powerpoint/2010/main" val="1697315730"/>
+        <p14:creationId xmlns:p14="http://schemas.microsoft.com/office/powerpoint/2010/main" val="3636615241"/>
       </p:ext>
     </p:extLst>
   </p:cSld>
@@ -6022,7 +6583,7 @@
           <p:cNvPr id="2" name="제목 1">
             <a:extLst>
               <a:ext uri="{FF2B5EF4-FFF2-40B4-BE49-F238E27FC236}">
-                <a16:creationId xmlns:a16="http://schemas.microsoft.com/office/drawing/2014/main" id="{2135F92A-65F5-4C7A-8C04-BF5F199039F2}"/>
+                <a16:creationId xmlns:a16="http://schemas.microsoft.com/office/drawing/2014/main" id="{9A1A2E3C-2FD9-439C-87BD-8AE3B27F8C97}"/>
               </a:ext>
             </a:extLst>
           </p:cNvPr>
@@ -6047,7 +6608,7 @@
           <p:cNvPr id="3" name="내용 개체 틀 2">
             <a:extLst>
               <a:ext uri="{FF2B5EF4-FFF2-40B4-BE49-F238E27FC236}">
-                <a16:creationId xmlns:a16="http://schemas.microsoft.com/office/drawing/2014/main" id="{FB21A4AE-E1C2-4042-9B9E-43F419C42235}"/>
+                <a16:creationId xmlns:a16="http://schemas.microsoft.com/office/drawing/2014/main" id="{58DC695E-BF5C-4F1A-860C-8BD272E977AA}"/>
               </a:ext>
             </a:extLst>
           </p:cNvPr>
@@ -6065,7 +6626,22 @@
           <a:p>
             <a:r>
               <a:rPr lang="ko-KR" altLang="en-US" dirty="0"/>
-              <a:t>코드를 작성하고 버그를 수정한다</a:t>
+              <a:t>기능정의를 한다</a:t>
+            </a:r>
+            <a:endParaRPr lang="en-US" altLang="ko-KR" dirty="0"/>
+          </a:p>
+          <a:p>
+            <a:r>
+              <a:rPr lang="ko-KR" altLang="en-US" dirty="0"/>
+              <a:t>정의 한 기능에 대해 </a:t>
+            </a:r>
+            <a:r>
+              <a:rPr lang="en-US" altLang="ko-KR" dirty="0"/>
+              <a:t>Flow</a:t>
+            </a:r>
+            <a:r>
+              <a:rPr lang="ko-KR" altLang="en-US" dirty="0"/>
+              <a:t>를 작성한다</a:t>
             </a:r>
             <a:r>
               <a:rPr lang="en-US" altLang="ko-KR" dirty="0"/>
@@ -6078,7 +6654,7 @@
     </p:spTree>
     <p:extLst>
       <p:ext uri="{BB962C8B-B14F-4D97-AF65-F5344CB8AC3E}">
-        <p14:creationId xmlns:p14="http://schemas.microsoft.com/office/powerpoint/2010/main" val="1303733429"/>
+        <p14:creationId xmlns:p14="http://schemas.microsoft.com/office/powerpoint/2010/main" val="3772914977"/>
       </p:ext>
     </p:extLst>
   </p:cSld>
@@ -8747,6 +9323,1165 @@
                 <a:ea typeface="맑은 고딕" charset="-127"/>
                 <a:cs typeface="맑은 고딕" charset="-127"/>
               </a:rPr>
+              <a:t>기능 검토 </a:t>
+            </a:r>
+            <a:r>
+              <a:rPr lang="en-US" altLang="ko-KR" sz="4800" dirty="0">
+                <a:solidFill>
+                  <a:schemeClr val="bg1"/>
+                </a:solidFill>
+                <a:latin typeface="+mj-lt"/>
+                <a:ea typeface="맑은 고딕" charset="-127"/>
+                <a:cs typeface="맑은 고딕" charset="-127"/>
+              </a:rPr>
+              <a:t>(</a:t>
+            </a:r>
+            <a:r>
+              <a:rPr lang="ko-KR" altLang="en-US" sz="4800" dirty="0">
+                <a:solidFill>
+                  <a:schemeClr val="bg1"/>
+                </a:solidFill>
+                <a:latin typeface="+mj-lt"/>
+                <a:ea typeface="맑은 고딕" charset="-127"/>
+                <a:cs typeface="맑은 고딕" charset="-127"/>
+              </a:rPr>
+              <a:t>근거자료 및 샘플코드</a:t>
+            </a:r>
+            <a:r>
+              <a:rPr lang="en-US" altLang="ko-KR" sz="4800" dirty="0">
+                <a:solidFill>
+                  <a:schemeClr val="bg1"/>
+                </a:solidFill>
+                <a:latin typeface="+mj-lt"/>
+                <a:ea typeface="맑은 고딕" charset="-127"/>
+                <a:cs typeface="맑은 고딕" charset="-127"/>
+              </a:rPr>
+              <a:t>)</a:t>
+            </a:r>
+            <a:endParaRPr lang="ko-KR" altLang="en-US" sz="4800" dirty="0">
+              <a:solidFill>
+                <a:schemeClr val="bg1"/>
+              </a:solidFill>
+              <a:latin typeface="+mj-lt"/>
+              <a:ea typeface="맑은 고딕" charset="-127"/>
+              <a:cs typeface="맑은 고딕" charset="-127"/>
+            </a:endParaRPr>
+          </a:p>
+        </p:txBody>
+      </p:sp>
+    </p:spTree>
+    <p:extLst>
+      <p:ext uri="{BB962C8B-B14F-4D97-AF65-F5344CB8AC3E}">
+        <p14:creationId xmlns:p14="http://schemas.microsoft.com/office/powerpoint/2010/main" val="2800779971"/>
+      </p:ext>
+    </p:extLst>
+  </p:cSld>
+  <p:clrMapOvr>
+    <a:masterClrMapping/>
+  </p:clrMapOvr>
+</p:sld>
+</file>
+
+<file path=ppt/slides/slide21.xml><?xml version="1.0" encoding="utf-8"?>
+<p:sld xmlns:a="http://schemas.openxmlformats.org/drawingml/2006/main" xmlns:r="http://schemas.openxmlformats.org/officeDocument/2006/relationships" xmlns:p="http://schemas.openxmlformats.org/presentationml/2006/main">
+  <p:cSld>
+    <p:spTree>
+      <p:nvGrpSpPr>
+        <p:cNvPr id="1" name=""/>
+        <p:cNvGrpSpPr/>
+        <p:nvPr/>
+      </p:nvGrpSpPr>
+      <p:grpSpPr>
+        <a:xfrm>
+          <a:off x="0" y="0"/>
+          <a:ext cx="0" cy="0"/>
+          <a:chOff x="0" y="0"/>
+          <a:chExt cx="0" cy="0"/>
+        </a:xfrm>
+      </p:grpSpPr>
+      <p:sp>
+        <p:nvSpPr>
+          <p:cNvPr id="2" name="제목 1">
+            <a:extLst>
+              <a:ext uri="{FF2B5EF4-FFF2-40B4-BE49-F238E27FC236}">
+                <a16:creationId xmlns:a16="http://schemas.microsoft.com/office/drawing/2014/main" id="{CD32A4A8-C5FD-473F-A41F-A660400BC448}"/>
+              </a:ext>
+            </a:extLst>
+          </p:cNvPr>
+          <p:cNvSpPr>
+            <a:spLocks noGrp="1"/>
+          </p:cNvSpPr>
+          <p:nvPr>
+            <p:ph type="title"/>
+          </p:nvPr>
+        </p:nvSpPr>
+        <p:spPr/>
+        <p:txBody>
+          <a:bodyPr/>
+          <a:lstStyle/>
+          <a:p>
+            <a:endParaRPr lang="ko-KR" altLang="en-US"/>
+          </a:p>
+        </p:txBody>
+      </p:sp>
+      <p:sp>
+        <p:nvSpPr>
+          <p:cNvPr id="3" name="내용 개체 틀 2">
+            <a:extLst>
+              <a:ext uri="{FF2B5EF4-FFF2-40B4-BE49-F238E27FC236}">
+                <a16:creationId xmlns:a16="http://schemas.microsoft.com/office/drawing/2014/main" id="{FC688E77-0112-474B-BD84-18F7FC4240C7}"/>
+              </a:ext>
+            </a:extLst>
+          </p:cNvPr>
+          <p:cNvSpPr>
+            <a:spLocks noGrp="1"/>
+          </p:cNvSpPr>
+          <p:nvPr>
+            <p:ph idx="1"/>
+          </p:nvPr>
+        </p:nvSpPr>
+        <p:spPr/>
+        <p:txBody>
+          <a:bodyPr/>
+          <a:lstStyle/>
+          <a:p>
+            <a:r>
+              <a:rPr lang="ko-KR" altLang="en-US" dirty="0"/>
+              <a:t>기능 구현에 필요한 기술을 알아본다</a:t>
+            </a:r>
+            <a:endParaRPr lang="en-US" altLang="ko-KR" dirty="0"/>
+          </a:p>
+          <a:p>
+            <a:endParaRPr lang="en-US" altLang="ko-KR" dirty="0"/>
+          </a:p>
+          <a:p>
+            <a:r>
+              <a:rPr lang="ko-KR" altLang="en-US" dirty="0"/>
+              <a:t>샘플 코드를 수집한다</a:t>
+            </a:r>
+            <a:r>
+              <a:rPr lang="en-US" altLang="ko-KR" dirty="0"/>
+              <a:t>.</a:t>
+            </a:r>
+            <a:endParaRPr lang="ko-KR" altLang="en-US" dirty="0"/>
+          </a:p>
+        </p:txBody>
+      </p:sp>
+    </p:spTree>
+    <p:extLst>
+      <p:ext uri="{BB962C8B-B14F-4D97-AF65-F5344CB8AC3E}">
+        <p14:creationId xmlns:p14="http://schemas.microsoft.com/office/powerpoint/2010/main" val="414149680"/>
+      </p:ext>
+    </p:extLst>
+  </p:cSld>
+  <p:clrMapOvr>
+    <a:masterClrMapping/>
+  </p:clrMapOvr>
+</p:sld>
+</file>
+
+<file path=ppt/slides/slide22.xml><?xml version="1.0" encoding="utf-8"?>
+<p:sld xmlns:a="http://schemas.openxmlformats.org/drawingml/2006/main" xmlns:r="http://schemas.openxmlformats.org/officeDocument/2006/relationships" xmlns:p="http://schemas.openxmlformats.org/presentationml/2006/main">
+  <p:cSld>
+    <p:spTree>
+      <p:nvGrpSpPr>
+        <p:cNvPr id="1" name=""/>
+        <p:cNvGrpSpPr/>
+        <p:nvPr/>
+      </p:nvGrpSpPr>
+      <p:grpSpPr>
+        <a:xfrm>
+          <a:off x="0" y="0"/>
+          <a:ext cx="0" cy="0"/>
+          <a:chOff x="0" y="0"/>
+          <a:chExt cx="0" cy="0"/>
+        </a:xfrm>
+      </p:grpSpPr>
+      <p:sp>
+        <p:nvSpPr>
+          <p:cNvPr id="10" name="직사각형 9"/>
+          <p:cNvSpPr/>
+          <p:nvPr/>
+        </p:nvSpPr>
+        <p:spPr>
+          <a:xfrm>
+            <a:off x="-1" y="2398426"/>
+            <a:ext cx="12192001" cy="1338109"/>
+          </a:xfrm>
+          <a:prstGeom prst="rect">
+            <a:avLst/>
+          </a:prstGeom>
+          <a:solidFill>
+            <a:schemeClr val="accent1">
+              <a:lumMod val="75000"/>
+            </a:schemeClr>
+          </a:solidFill>
+          <a:ln>
+            <a:noFill/>
+          </a:ln>
+        </p:spPr>
+        <p:style>
+          <a:lnRef idx="2">
+            <a:schemeClr val="accent1">
+              <a:shade val="50000"/>
+            </a:schemeClr>
+          </a:lnRef>
+          <a:fillRef idx="1">
+            <a:schemeClr val="accent1"/>
+          </a:fillRef>
+          <a:effectRef idx="0">
+            <a:schemeClr val="accent1"/>
+          </a:effectRef>
+          <a:fontRef idx="minor">
+            <a:schemeClr val="lt1"/>
+          </a:fontRef>
+        </p:style>
+        <p:txBody>
+          <a:bodyPr rtlCol="0" anchor="ctr"/>
+          <a:lstStyle/>
+          <a:p>
+            <a:pPr algn="ctr"/>
+            <a:endParaRPr kumimoji="1" lang="ko-KR" altLang="en-US" dirty="0"/>
+          </a:p>
+        </p:txBody>
+      </p:sp>
+      <p:sp>
+        <p:nvSpPr>
+          <p:cNvPr id="12" name="부제목 2"/>
+          <p:cNvSpPr txBox="1">
+            <a:spLocks/>
+          </p:cNvSpPr>
+          <p:nvPr/>
+        </p:nvSpPr>
+        <p:spPr>
+          <a:xfrm>
+            <a:off x="1" y="2608234"/>
+            <a:ext cx="12192000" cy="754314"/>
+          </a:xfrm>
+          <a:prstGeom prst="rect">
+            <a:avLst/>
+          </a:prstGeom>
+        </p:spPr>
+        <p:txBody>
+          <a:bodyPr vert="horz" lIns="91440" tIns="45720" rIns="91440" bIns="45720" rtlCol="0" anchor="ctr">
+            <a:noAutofit/>
+          </a:bodyPr>
+          <a:lstStyle>
+            <a:lvl1pPr marL="0" indent="0" algn="ctr" defTabSz="914423" rtl="0" eaLnBrk="1" latinLnBrk="1" hangingPunct="1">
+              <a:lnSpc>
+                <a:spcPct val="90000"/>
+              </a:lnSpc>
+              <a:spcBef>
+                <a:spcPts val="1001"/>
+              </a:spcBef>
+              <a:buFont typeface="Arial"/>
+              <a:buNone/>
+              <a:defRPr sz="2400" kern="1200">
+                <a:solidFill>
+                  <a:schemeClr val="tx1"/>
+                </a:solidFill>
+                <a:latin typeface="+mn-lt"/>
+                <a:ea typeface="+mn-ea"/>
+                <a:cs typeface="+mn-cs"/>
+              </a:defRPr>
+            </a:lvl1pPr>
+            <a:lvl2pPr marL="457211" indent="0" algn="ctr" defTabSz="914423" rtl="0" eaLnBrk="1" latinLnBrk="1" hangingPunct="1">
+              <a:lnSpc>
+                <a:spcPct val="90000"/>
+              </a:lnSpc>
+              <a:spcBef>
+                <a:spcPts val="500"/>
+              </a:spcBef>
+              <a:buFont typeface="Arial"/>
+              <a:buNone/>
+              <a:defRPr sz="2000" kern="1200">
+                <a:solidFill>
+                  <a:schemeClr val="tx1"/>
+                </a:solidFill>
+                <a:latin typeface="+mn-lt"/>
+                <a:ea typeface="+mn-ea"/>
+                <a:cs typeface="+mn-cs"/>
+              </a:defRPr>
+            </a:lvl2pPr>
+            <a:lvl3pPr marL="914423" indent="0" algn="ctr" defTabSz="914423" rtl="0" eaLnBrk="1" latinLnBrk="1" hangingPunct="1">
+              <a:lnSpc>
+                <a:spcPct val="90000"/>
+              </a:lnSpc>
+              <a:spcBef>
+                <a:spcPts val="500"/>
+              </a:spcBef>
+              <a:buFont typeface="Arial"/>
+              <a:buNone/>
+              <a:defRPr sz="1801" kern="1200">
+                <a:solidFill>
+                  <a:schemeClr val="tx1"/>
+                </a:solidFill>
+                <a:latin typeface="+mn-lt"/>
+                <a:ea typeface="+mn-ea"/>
+                <a:cs typeface="+mn-cs"/>
+              </a:defRPr>
+            </a:lvl3pPr>
+            <a:lvl4pPr marL="1371634" indent="0" algn="ctr" defTabSz="914423" rtl="0" eaLnBrk="1" latinLnBrk="1" hangingPunct="1">
+              <a:lnSpc>
+                <a:spcPct val="90000"/>
+              </a:lnSpc>
+              <a:spcBef>
+                <a:spcPts val="500"/>
+              </a:spcBef>
+              <a:buFont typeface="Arial"/>
+              <a:buNone/>
+              <a:defRPr sz="1600" kern="1200">
+                <a:solidFill>
+                  <a:schemeClr val="tx1"/>
+                </a:solidFill>
+                <a:latin typeface="+mn-lt"/>
+                <a:ea typeface="+mn-ea"/>
+                <a:cs typeface="+mn-cs"/>
+              </a:defRPr>
+            </a:lvl4pPr>
+            <a:lvl5pPr marL="1828846" indent="0" algn="ctr" defTabSz="914423" rtl="0" eaLnBrk="1" latinLnBrk="1" hangingPunct="1">
+              <a:lnSpc>
+                <a:spcPct val="90000"/>
+              </a:lnSpc>
+              <a:spcBef>
+                <a:spcPts val="500"/>
+              </a:spcBef>
+              <a:buFont typeface="Arial"/>
+              <a:buNone/>
+              <a:defRPr sz="1600" kern="1200">
+                <a:solidFill>
+                  <a:schemeClr val="tx1"/>
+                </a:solidFill>
+                <a:latin typeface="+mn-lt"/>
+                <a:ea typeface="+mn-ea"/>
+                <a:cs typeface="+mn-cs"/>
+              </a:defRPr>
+            </a:lvl5pPr>
+            <a:lvl6pPr marL="2286057" indent="0" algn="ctr" defTabSz="914423" rtl="0" eaLnBrk="1" latinLnBrk="1" hangingPunct="1">
+              <a:lnSpc>
+                <a:spcPct val="90000"/>
+              </a:lnSpc>
+              <a:spcBef>
+                <a:spcPts val="500"/>
+              </a:spcBef>
+              <a:buFont typeface="Arial"/>
+              <a:buNone/>
+              <a:defRPr sz="1600" kern="1200">
+                <a:solidFill>
+                  <a:schemeClr val="tx1"/>
+                </a:solidFill>
+                <a:latin typeface="+mn-lt"/>
+                <a:ea typeface="+mn-ea"/>
+                <a:cs typeface="+mn-cs"/>
+              </a:defRPr>
+            </a:lvl6pPr>
+            <a:lvl7pPr marL="2743269" indent="0" algn="ctr" defTabSz="914423" rtl="0" eaLnBrk="1" latinLnBrk="1" hangingPunct="1">
+              <a:lnSpc>
+                <a:spcPct val="90000"/>
+              </a:lnSpc>
+              <a:spcBef>
+                <a:spcPts val="500"/>
+              </a:spcBef>
+              <a:buFont typeface="Arial"/>
+              <a:buNone/>
+              <a:defRPr sz="1600" kern="1200">
+                <a:solidFill>
+                  <a:schemeClr val="tx1"/>
+                </a:solidFill>
+                <a:latin typeface="+mn-lt"/>
+                <a:ea typeface="+mn-ea"/>
+                <a:cs typeface="+mn-cs"/>
+              </a:defRPr>
+            </a:lvl7pPr>
+            <a:lvl8pPr marL="3200480" indent="0" algn="ctr" defTabSz="914423" rtl="0" eaLnBrk="1" latinLnBrk="1" hangingPunct="1">
+              <a:lnSpc>
+                <a:spcPct val="90000"/>
+              </a:lnSpc>
+              <a:spcBef>
+                <a:spcPts val="500"/>
+              </a:spcBef>
+              <a:buFont typeface="Arial"/>
+              <a:buNone/>
+              <a:defRPr sz="1600" kern="1200">
+                <a:solidFill>
+                  <a:schemeClr val="tx1"/>
+                </a:solidFill>
+                <a:latin typeface="+mn-lt"/>
+                <a:ea typeface="+mn-ea"/>
+                <a:cs typeface="+mn-cs"/>
+              </a:defRPr>
+            </a:lvl8pPr>
+            <a:lvl9pPr marL="3657691" indent="0" algn="ctr" defTabSz="914423" rtl="0" eaLnBrk="1" latinLnBrk="1" hangingPunct="1">
+              <a:lnSpc>
+                <a:spcPct val="90000"/>
+              </a:lnSpc>
+              <a:spcBef>
+                <a:spcPts val="500"/>
+              </a:spcBef>
+              <a:buFont typeface="Arial"/>
+              <a:buNone/>
+              <a:defRPr sz="1600" kern="1200">
+                <a:solidFill>
+                  <a:schemeClr val="tx1"/>
+                </a:solidFill>
+                <a:latin typeface="+mn-lt"/>
+                <a:ea typeface="+mn-ea"/>
+                <a:cs typeface="+mn-cs"/>
+              </a:defRPr>
+            </a:lvl9pPr>
+          </a:lstStyle>
+          <a:p>
+            <a:r>
+              <a:rPr lang="ko-KR" altLang="en-US" sz="4800" dirty="0">
+                <a:solidFill>
+                  <a:schemeClr val="bg1"/>
+                </a:solidFill>
+                <a:latin typeface="+mj-lt"/>
+                <a:ea typeface="맑은 고딕" charset="-127"/>
+                <a:cs typeface="맑은 고딕" charset="-127"/>
+              </a:rPr>
+              <a:t>스토리보드 제작</a:t>
+            </a:r>
+          </a:p>
+        </p:txBody>
+      </p:sp>
+    </p:spTree>
+    <p:extLst>
+      <p:ext uri="{BB962C8B-B14F-4D97-AF65-F5344CB8AC3E}">
+        <p14:creationId xmlns:p14="http://schemas.microsoft.com/office/powerpoint/2010/main" val="4131486605"/>
+      </p:ext>
+    </p:extLst>
+  </p:cSld>
+  <p:clrMapOvr>
+    <a:masterClrMapping/>
+  </p:clrMapOvr>
+</p:sld>
+</file>
+
+<file path=ppt/slides/slide23.xml><?xml version="1.0" encoding="utf-8"?>
+<p:sld xmlns:a="http://schemas.openxmlformats.org/drawingml/2006/main" xmlns:r="http://schemas.openxmlformats.org/officeDocument/2006/relationships" xmlns:p="http://schemas.openxmlformats.org/presentationml/2006/main">
+  <p:cSld>
+    <p:spTree>
+      <p:nvGrpSpPr>
+        <p:cNvPr id="1" name=""/>
+        <p:cNvGrpSpPr/>
+        <p:nvPr/>
+      </p:nvGrpSpPr>
+      <p:grpSpPr>
+        <a:xfrm>
+          <a:off x="0" y="0"/>
+          <a:ext cx="0" cy="0"/>
+          <a:chOff x="0" y="0"/>
+          <a:chExt cx="0" cy="0"/>
+        </a:xfrm>
+      </p:grpSpPr>
+      <p:sp>
+        <p:nvSpPr>
+          <p:cNvPr id="2" name="제목 1">
+            <a:extLst>
+              <a:ext uri="{FF2B5EF4-FFF2-40B4-BE49-F238E27FC236}">
+                <a16:creationId xmlns:a16="http://schemas.microsoft.com/office/drawing/2014/main" id="{FEF97B69-9031-4A28-901F-246C46549083}"/>
+              </a:ext>
+            </a:extLst>
+          </p:cNvPr>
+          <p:cNvSpPr>
+            <a:spLocks noGrp="1"/>
+          </p:cNvSpPr>
+          <p:nvPr>
+            <p:ph type="title"/>
+          </p:nvPr>
+        </p:nvSpPr>
+        <p:spPr/>
+        <p:txBody>
+          <a:bodyPr/>
+          <a:lstStyle/>
+          <a:p>
+            <a:endParaRPr lang="ko-KR" altLang="en-US"/>
+          </a:p>
+        </p:txBody>
+      </p:sp>
+      <p:sp>
+        <p:nvSpPr>
+          <p:cNvPr id="3" name="내용 개체 틀 2">
+            <a:extLst>
+              <a:ext uri="{FF2B5EF4-FFF2-40B4-BE49-F238E27FC236}">
+                <a16:creationId xmlns:a16="http://schemas.microsoft.com/office/drawing/2014/main" id="{7B537D8F-5982-4653-B96A-BB8B9CAB7064}"/>
+              </a:ext>
+            </a:extLst>
+          </p:cNvPr>
+          <p:cNvSpPr>
+            <a:spLocks noGrp="1"/>
+          </p:cNvSpPr>
+          <p:nvPr>
+            <p:ph idx="1"/>
+          </p:nvPr>
+        </p:nvSpPr>
+        <p:spPr/>
+        <p:txBody>
+          <a:bodyPr/>
+          <a:lstStyle/>
+          <a:p>
+            <a:r>
+              <a:rPr lang="ko-KR" altLang="en-US" dirty="0"/>
+              <a:t>기능 구현에 대한 디자인 구상</a:t>
+            </a:r>
+            <a:endParaRPr lang="en-US" altLang="ko-KR" dirty="0"/>
+          </a:p>
+          <a:p>
+            <a:endParaRPr lang="en-US" altLang="ko-KR" dirty="0"/>
+          </a:p>
+          <a:p>
+            <a:r>
+              <a:rPr lang="ko-KR" altLang="en-US" dirty="0"/>
+              <a:t>디자인에 따른 동작을 기술하고 연계 한다</a:t>
+            </a:r>
+            <a:r>
+              <a:rPr lang="en-US" altLang="ko-KR" dirty="0"/>
+              <a:t>.</a:t>
+            </a:r>
+            <a:endParaRPr lang="ko-KR" altLang="en-US" dirty="0"/>
+          </a:p>
+        </p:txBody>
+      </p:sp>
+    </p:spTree>
+    <p:extLst>
+      <p:ext uri="{BB962C8B-B14F-4D97-AF65-F5344CB8AC3E}">
+        <p14:creationId xmlns:p14="http://schemas.microsoft.com/office/powerpoint/2010/main" val="1723942396"/>
+      </p:ext>
+    </p:extLst>
+  </p:cSld>
+  <p:clrMapOvr>
+    <a:masterClrMapping/>
+  </p:clrMapOvr>
+</p:sld>
+</file>
+
+<file path=ppt/slides/slide24.xml><?xml version="1.0" encoding="utf-8"?>
+<p:sld xmlns:a="http://schemas.openxmlformats.org/drawingml/2006/main" xmlns:r="http://schemas.openxmlformats.org/officeDocument/2006/relationships" xmlns:p="http://schemas.openxmlformats.org/presentationml/2006/main">
+  <p:cSld>
+    <p:spTree>
+      <p:nvGrpSpPr>
+        <p:cNvPr id="1" name=""/>
+        <p:cNvGrpSpPr/>
+        <p:nvPr/>
+      </p:nvGrpSpPr>
+      <p:grpSpPr>
+        <a:xfrm>
+          <a:off x="0" y="0"/>
+          <a:ext cx="0" cy="0"/>
+          <a:chOff x="0" y="0"/>
+          <a:chExt cx="0" cy="0"/>
+        </a:xfrm>
+      </p:grpSpPr>
+      <p:sp>
+        <p:nvSpPr>
+          <p:cNvPr id="10" name="직사각형 9"/>
+          <p:cNvSpPr/>
+          <p:nvPr/>
+        </p:nvSpPr>
+        <p:spPr>
+          <a:xfrm>
+            <a:off x="-1" y="2398426"/>
+            <a:ext cx="12192001" cy="1338109"/>
+          </a:xfrm>
+          <a:prstGeom prst="rect">
+            <a:avLst/>
+          </a:prstGeom>
+          <a:solidFill>
+            <a:schemeClr val="accent1">
+              <a:lumMod val="75000"/>
+            </a:schemeClr>
+          </a:solidFill>
+          <a:ln>
+            <a:noFill/>
+          </a:ln>
+        </p:spPr>
+        <p:style>
+          <a:lnRef idx="2">
+            <a:schemeClr val="accent1">
+              <a:shade val="50000"/>
+            </a:schemeClr>
+          </a:lnRef>
+          <a:fillRef idx="1">
+            <a:schemeClr val="accent1"/>
+          </a:fillRef>
+          <a:effectRef idx="0">
+            <a:schemeClr val="accent1"/>
+          </a:effectRef>
+          <a:fontRef idx="minor">
+            <a:schemeClr val="lt1"/>
+          </a:fontRef>
+        </p:style>
+        <p:txBody>
+          <a:bodyPr rtlCol="0" anchor="ctr"/>
+          <a:lstStyle/>
+          <a:p>
+            <a:pPr algn="ctr"/>
+            <a:endParaRPr kumimoji="1" lang="ko-KR" altLang="en-US" dirty="0"/>
+          </a:p>
+        </p:txBody>
+      </p:sp>
+      <p:sp>
+        <p:nvSpPr>
+          <p:cNvPr id="12" name="부제목 2"/>
+          <p:cNvSpPr txBox="1">
+            <a:spLocks/>
+          </p:cNvSpPr>
+          <p:nvPr/>
+        </p:nvSpPr>
+        <p:spPr>
+          <a:xfrm>
+            <a:off x="1" y="2608234"/>
+            <a:ext cx="12192000" cy="754314"/>
+          </a:xfrm>
+          <a:prstGeom prst="rect">
+            <a:avLst/>
+          </a:prstGeom>
+        </p:spPr>
+        <p:txBody>
+          <a:bodyPr vert="horz" lIns="91440" tIns="45720" rIns="91440" bIns="45720" rtlCol="0" anchor="ctr">
+            <a:noAutofit/>
+          </a:bodyPr>
+          <a:lstStyle>
+            <a:lvl1pPr marL="0" indent="0" algn="ctr" defTabSz="914423" rtl="0" eaLnBrk="1" latinLnBrk="1" hangingPunct="1">
+              <a:lnSpc>
+                <a:spcPct val="90000"/>
+              </a:lnSpc>
+              <a:spcBef>
+                <a:spcPts val="1001"/>
+              </a:spcBef>
+              <a:buFont typeface="Arial"/>
+              <a:buNone/>
+              <a:defRPr sz="2400" kern="1200">
+                <a:solidFill>
+                  <a:schemeClr val="tx1"/>
+                </a:solidFill>
+                <a:latin typeface="+mn-lt"/>
+                <a:ea typeface="+mn-ea"/>
+                <a:cs typeface="+mn-cs"/>
+              </a:defRPr>
+            </a:lvl1pPr>
+            <a:lvl2pPr marL="457211" indent="0" algn="ctr" defTabSz="914423" rtl="0" eaLnBrk="1" latinLnBrk="1" hangingPunct="1">
+              <a:lnSpc>
+                <a:spcPct val="90000"/>
+              </a:lnSpc>
+              <a:spcBef>
+                <a:spcPts val="500"/>
+              </a:spcBef>
+              <a:buFont typeface="Arial"/>
+              <a:buNone/>
+              <a:defRPr sz="2000" kern="1200">
+                <a:solidFill>
+                  <a:schemeClr val="tx1"/>
+                </a:solidFill>
+                <a:latin typeface="+mn-lt"/>
+                <a:ea typeface="+mn-ea"/>
+                <a:cs typeface="+mn-cs"/>
+              </a:defRPr>
+            </a:lvl2pPr>
+            <a:lvl3pPr marL="914423" indent="0" algn="ctr" defTabSz="914423" rtl="0" eaLnBrk="1" latinLnBrk="1" hangingPunct="1">
+              <a:lnSpc>
+                <a:spcPct val="90000"/>
+              </a:lnSpc>
+              <a:spcBef>
+                <a:spcPts val="500"/>
+              </a:spcBef>
+              <a:buFont typeface="Arial"/>
+              <a:buNone/>
+              <a:defRPr sz="1801" kern="1200">
+                <a:solidFill>
+                  <a:schemeClr val="tx1"/>
+                </a:solidFill>
+                <a:latin typeface="+mn-lt"/>
+                <a:ea typeface="+mn-ea"/>
+                <a:cs typeface="+mn-cs"/>
+              </a:defRPr>
+            </a:lvl3pPr>
+            <a:lvl4pPr marL="1371634" indent="0" algn="ctr" defTabSz="914423" rtl="0" eaLnBrk="1" latinLnBrk="1" hangingPunct="1">
+              <a:lnSpc>
+                <a:spcPct val="90000"/>
+              </a:lnSpc>
+              <a:spcBef>
+                <a:spcPts val="500"/>
+              </a:spcBef>
+              <a:buFont typeface="Arial"/>
+              <a:buNone/>
+              <a:defRPr sz="1600" kern="1200">
+                <a:solidFill>
+                  <a:schemeClr val="tx1"/>
+                </a:solidFill>
+                <a:latin typeface="+mn-lt"/>
+                <a:ea typeface="+mn-ea"/>
+                <a:cs typeface="+mn-cs"/>
+              </a:defRPr>
+            </a:lvl4pPr>
+            <a:lvl5pPr marL="1828846" indent="0" algn="ctr" defTabSz="914423" rtl="0" eaLnBrk="1" latinLnBrk="1" hangingPunct="1">
+              <a:lnSpc>
+                <a:spcPct val="90000"/>
+              </a:lnSpc>
+              <a:spcBef>
+                <a:spcPts val="500"/>
+              </a:spcBef>
+              <a:buFont typeface="Arial"/>
+              <a:buNone/>
+              <a:defRPr sz="1600" kern="1200">
+                <a:solidFill>
+                  <a:schemeClr val="tx1"/>
+                </a:solidFill>
+                <a:latin typeface="+mn-lt"/>
+                <a:ea typeface="+mn-ea"/>
+                <a:cs typeface="+mn-cs"/>
+              </a:defRPr>
+            </a:lvl5pPr>
+            <a:lvl6pPr marL="2286057" indent="0" algn="ctr" defTabSz="914423" rtl="0" eaLnBrk="1" latinLnBrk="1" hangingPunct="1">
+              <a:lnSpc>
+                <a:spcPct val="90000"/>
+              </a:lnSpc>
+              <a:spcBef>
+                <a:spcPts val="500"/>
+              </a:spcBef>
+              <a:buFont typeface="Arial"/>
+              <a:buNone/>
+              <a:defRPr sz="1600" kern="1200">
+                <a:solidFill>
+                  <a:schemeClr val="tx1"/>
+                </a:solidFill>
+                <a:latin typeface="+mn-lt"/>
+                <a:ea typeface="+mn-ea"/>
+                <a:cs typeface="+mn-cs"/>
+              </a:defRPr>
+            </a:lvl6pPr>
+            <a:lvl7pPr marL="2743269" indent="0" algn="ctr" defTabSz="914423" rtl="0" eaLnBrk="1" latinLnBrk="1" hangingPunct="1">
+              <a:lnSpc>
+                <a:spcPct val="90000"/>
+              </a:lnSpc>
+              <a:spcBef>
+                <a:spcPts val="500"/>
+              </a:spcBef>
+              <a:buFont typeface="Arial"/>
+              <a:buNone/>
+              <a:defRPr sz="1600" kern="1200">
+                <a:solidFill>
+                  <a:schemeClr val="tx1"/>
+                </a:solidFill>
+                <a:latin typeface="+mn-lt"/>
+                <a:ea typeface="+mn-ea"/>
+                <a:cs typeface="+mn-cs"/>
+              </a:defRPr>
+            </a:lvl7pPr>
+            <a:lvl8pPr marL="3200480" indent="0" algn="ctr" defTabSz="914423" rtl="0" eaLnBrk="1" latinLnBrk="1" hangingPunct="1">
+              <a:lnSpc>
+                <a:spcPct val="90000"/>
+              </a:lnSpc>
+              <a:spcBef>
+                <a:spcPts val="500"/>
+              </a:spcBef>
+              <a:buFont typeface="Arial"/>
+              <a:buNone/>
+              <a:defRPr sz="1600" kern="1200">
+                <a:solidFill>
+                  <a:schemeClr val="tx1"/>
+                </a:solidFill>
+                <a:latin typeface="+mn-lt"/>
+                <a:ea typeface="+mn-ea"/>
+                <a:cs typeface="+mn-cs"/>
+              </a:defRPr>
+            </a:lvl8pPr>
+            <a:lvl9pPr marL="3657691" indent="0" algn="ctr" defTabSz="914423" rtl="0" eaLnBrk="1" latinLnBrk="1" hangingPunct="1">
+              <a:lnSpc>
+                <a:spcPct val="90000"/>
+              </a:lnSpc>
+              <a:spcBef>
+                <a:spcPts val="500"/>
+              </a:spcBef>
+              <a:buFont typeface="Arial"/>
+              <a:buNone/>
+              <a:defRPr sz="1600" kern="1200">
+                <a:solidFill>
+                  <a:schemeClr val="tx1"/>
+                </a:solidFill>
+                <a:latin typeface="+mn-lt"/>
+                <a:ea typeface="+mn-ea"/>
+                <a:cs typeface="+mn-cs"/>
+              </a:defRPr>
+            </a:lvl9pPr>
+          </a:lstStyle>
+          <a:p>
+            <a:r>
+              <a:rPr lang="ko-KR" altLang="en-US" sz="4800" dirty="0">
+                <a:solidFill>
+                  <a:schemeClr val="bg1"/>
+                </a:solidFill>
+                <a:latin typeface="+mj-lt"/>
+                <a:ea typeface="맑은 고딕" charset="-127"/>
+                <a:cs typeface="맑은 고딕" charset="-127"/>
+              </a:rPr>
+              <a:t>구현</a:t>
+            </a:r>
+          </a:p>
+        </p:txBody>
+      </p:sp>
+    </p:spTree>
+    <p:extLst>
+      <p:ext uri="{BB962C8B-B14F-4D97-AF65-F5344CB8AC3E}">
+        <p14:creationId xmlns:p14="http://schemas.microsoft.com/office/powerpoint/2010/main" val="1697315730"/>
+      </p:ext>
+    </p:extLst>
+  </p:cSld>
+  <p:clrMapOvr>
+    <a:masterClrMapping/>
+  </p:clrMapOvr>
+</p:sld>
+</file>
+
+<file path=ppt/slides/slide25.xml><?xml version="1.0" encoding="utf-8"?>
+<p:sld xmlns:a="http://schemas.openxmlformats.org/drawingml/2006/main" xmlns:r="http://schemas.openxmlformats.org/officeDocument/2006/relationships" xmlns:p="http://schemas.openxmlformats.org/presentationml/2006/main">
+  <p:cSld>
+    <p:spTree>
+      <p:nvGrpSpPr>
+        <p:cNvPr id="1" name=""/>
+        <p:cNvGrpSpPr/>
+        <p:nvPr/>
+      </p:nvGrpSpPr>
+      <p:grpSpPr>
+        <a:xfrm>
+          <a:off x="0" y="0"/>
+          <a:ext cx="0" cy="0"/>
+          <a:chOff x="0" y="0"/>
+          <a:chExt cx="0" cy="0"/>
+        </a:xfrm>
+      </p:grpSpPr>
+      <p:sp>
+        <p:nvSpPr>
+          <p:cNvPr id="2" name="제목 1">
+            <a:extLst>
+              <a:ext uri="{FF2B5EF4-FFF2-40B4-BE49-F238E27FC236}">
+                <a16:creationId xmlns:a16="http://schemas.microsoft.com/office/drawing/2014/main" id="{2135F92A-65F5-4C7A-8C04-BF5F199039F2}"/>
+              </a:ext>
+            </a:extLst>
+          </p:cNvPr>
+          <p:cNvSpPr>
+            <a:spLocks noGrp="1"/>
+          </p:cNvSpPr>
+          <p:nvPr>
+            <p:ph type="title"/>
+          </p:nvPr>
+        </p:nvSpPr>
+        <p:spPr/>
+        <p:txBody>
+          <a:bodyPr/>
+          <a:lstStyle/>
+          <a:p>
+            <a:endParaRPr lang="ko-KR" altLang="en-US"/>
+          </a:p>
+        </p:txBody>
+      </p:sp>
+      <p:sp>
+        <p:nvSpPr>
+          <p:cNvPr id="3" name="내용 개체 틀 2">
+            <a:extLst>
+              <a:ext uri="{FF2B5EF4-FFF2-40B4-BE49-F238E27FC236}">
+                <a16:creationId xmlns:a16="http://schemas.microsoft.com/office/drawing/2014/main" id="{FB21A4AE-E1C2-4042-9B9E-43F419C42235}"/>
+              </a:ext>
+            </a:extLst>
+          </p:cNvPr>
+          <p:cNvSpPr>
+            <a:spLocks noGrp="1"/>
+          </p:cNvSpPr>
+          <p:nvPr>
+            <p:ph idx="1"/>
+          </p:nvPr>
+        </p:nvSpPr>
+        <p:spPr/>
+        <p:txBody>
+          <a:bodyPr/>
+          <a:lstStyle/>
+          <a:p>
+            <a:r>
+              <a:rPr lang="ko-KR" altLang="en-US" dirty="0"/>
+              <a:t>코드를 작성하고 버그를 수정한다</a:t>
+            </a:r>
+            <a:r>
+              <a:rPr lang="en-US" altLang="ko-KR" dirty="0"/>
+              <a:t>.</a:t>
+            </a:r>
+            <a:endParaRPr lang="ko-KR" altLang="en-US" dirty="0"/>
+          </a:p>
+        </p:txBody>
+      </p:sp>
+    </p:spTree>
+    <p:extLst>
+      <p:ext uri="{BB962C8B-B14F-4D97-AF65-F5344CB8AC3E}">
+        <p14:creationId xmlns:p14="http://schemas.microsoft.com/office/powerpoint/2010/main" val="1303733429"/>
+      </p:ext>
+    </p:extLst>
+  </p:cSld>
+  <p:clrMapOvr>
+    <a:masterClrMapping/>
+  </p:clrMapOvr>
+</p:sld>
+</file>
+
+<file path=ppt/slides/slide26.xml><?xml version="1.0" encoding="utf-8"?>
+<p:sld xmlns:a="http://schemas.openxmlformats.org/drawingml/2006/main" xmlns:r="http://schemas.openxmlformats.org/officeDocument/2006/relationships" xmlns:p="http://schemas.openxmlformats.org/presentationml/2006/main">
+  <p:cSld>
+    <p:spTree>
+      <p:nvGrpSpPr>
+        <p:cNvPr id="1" name=""/>
+        <p:cNvGrpSpPr/>
+        <p:nvPr/>
+      </p:nvGrpSpPr>
+      <p:grpSpPr>
+        <a:xfrm>
+          <a:off x="0" y="0"/>
+          <a:ext cx="0" cy="0"/>
+          <a:chOff x="0" y="0"/>
+          <a:chExt cx="0" cy="0"/>
+        </a:xfrm>
+      </p:grpSpPr>
+      <p:sp>
+        <p:nvSpPr>
+          <p:cNvPr id="10" name="직사각형 9"/>
+          <p:cNvSpPr/>
+          <p:nvPr/>
+        </p:nvSpPr>
+        <p:spPr>
+          <a:xfrm>
+            <a:off x="-1" y="2398426"/>
+            <a:ext cx="12192001" cy="1338109"/>
+          </a:xfrm>
+          <a:prstGeom prst="rect">
+            <a:avLst/>
+          </a:prstGeom>
+          <a:solidFill>
+            <a:schemeClr val="accent1">
+              <a:lumMod val="75000"/>
+            </a:schemeClr>
+          </a:solidFill>
+          <a:ln>
+            <a:noFill/>
+          </a:ln>
+        </p:spPr>
+        <p:style>
+          <a:lnRef idx="2">
+            <a:schemeClr val="accent1">
+              <a:shade val="50000"/>
+            </a:schemeClr>
+          </a:lnRef>
+          <a:fillRef idx="1">
+            <a:schemeClr val="accent1"/>
+          </a:fillRef>
+          <a:effectRef idx="0">
+            <a:schemeClr val="accent1"/>
+          </a:effectRef>
+          <a:fontRef idx="minor">
+            <a:schemeClr val="lt1"/>
+          </a:fontRef>
+        </p:style>
+        <p:txBody>
+          <a:bodyPr rtlCol="0" anchor="ctr"/>
+          <a:lstStyle/>
+          <a:p>
+            <a:pPr algn="ctr"/>
+            <a:endParaRPr kumimoji="1" lang="ko-KR" altLang="en-US" dirty="0"/>
+          </a:p>
+        </p:txBody>
+      </p:sp>
+      <p:sp>
+        <p:nvSpPr>
+          <p:cNvPr id="12" name="부제목 2"/>
+          <p:cNvSpPr txBox="1">
+            <a:spLocks/>
+          </p:cNvSpPr>
+          <p:nvPr/>
+        </p:nvSpPr>
+        <p:spPr>
+          <a:xfrm>
+            <a:off x="1" y="2608234"/>
+            <a:ext cx="12192000" cy="754314"/>
+          </a:xfrm>
+          <a:prstGeom prst="rect">
+            <a:avLst/>
+          </a:prstGeom>
+        </p:spPr>
+        <p:txBody>
+          <a:bodyPr vert="horz" lIns="91440" tIns="45720" rIns="91440" bIns="45720" rtlCol="0" anchor="ctr">
+            <a:noAutofit/>
+          </a:bodyPr>
+          <a:lstStyle>
+            <a:lvl1pPr marL="0" indent="0" algn="ctr" defTabSz="914423" rtl="0" eaLnBrk="1" latinLnBrk="1" hangingPunct="1">
+              <a:lnSpc>
+                <a:spcPct val="90000"/>
+              </a:lnSpc>
+              <a:spcBef>
+                <a:spcPts val="1001"/>
+              </a:spcBef>
+              <a:buFont typeface="Arial"/>
+              <a:buNone/>
+              <a:defRPr sz="2400" kern="1200">
+                <a:solidFill>
+                  <a:schemeClr val="tx1"/>
+                </a:solidFill>
+                <a:latin typeface="+mn-lt"/>
+                <a:ea typeface="+mn-ea"/>
+                <a:cs typeface="+mn-cs"/>
+              </a:defRPr>
+            </a:lvl1pPr>
+            <a:lvl2pPr marL="457211" indent="0" algn="ctr" defTabSz="914423" rtl="0" eaLnBrk="1" latinLnBrk="1" hangingPunct="1">
+              <a:lnSpc>
+                <a:spcPct val="90000"/>
+              </a:lnSpc>
+              <a:spcBef>
+                <a:spcPts val="500"/>
+              </a:spcBef>
+              <a:buFont typeface="Arial"/>
+              <a:buNone/>
+              <a:defRPr sz="2000" kern="1200">
+                <a:solidFill>
+                  <a:schemeClr val="tx1"/>
+                </a:solidFill>
+                <a:latin typeface="+mn-lt"/>
+                <a:ea typeface="+mn-ea"/>
+                <a:cs typeface="+mn-cs"/>
+              </a:defRPr>
+            </a:lvl2pPr>
+            <a:lvl3pPr marL="914423" indent="0" algn="ctr" defTabSz="914423" rtl="0" eaLnBrk="1" latinLnBrk="1" hangingPunct="1">
+              <a:lnSpc>
+                <a:spcPct val="90000"/>
+              </a:lnSpc>
+              <a:spcBef>
+                <a:spcPts val="500"/>
+              </a:spcBef>
+              <a:buFont typeface="Arial"/>
+              <a:buNone/>
+              <a:defRPr sz="1801" kern="1200">
+                <a:solidFill>
+                  <a:schemeClr val="tx1"/>
+                </a:solidFill>
+                <a:latin typeface="+mn-lt"/>
+                <a:ea typeface="+mn-ea"/>
+                <a:cs typeface="+mn-cs"/>
+              </a:defRPr>
+            </a:lvl3pPr>
+            <a:lvl4pPr marL="1371634" indent="0" algn="ctr" defTabSz="914423" rtl="0" eaLnBrk="1" latinLnBrk="1" hangingPunct="1">
+              <a:lnSpc>
+                <a:spcPct val="90000"/>
+              </a:lnSpc>
+              <a:spcBef>
+                <a:spcPts val="500"/>
+              </a:spcBef>
+              <a:buFont typeface="Arial"/>
+              <a:buNone/>
+              <a:defRPr sz="1600" kern="1200">
+                <a:solidFill>
+                  <a:schemeClr val="tx1"/>
+                </a:solidFill>
+                <a:latin typeface="+mn-lt"/>
+                <a:ea typeface="+mn-ea"/>
+                <a:cs typeface="+mn-cs"/>
+              </a:defRPr>
+            </a:lvl4pPr>
+            <a:lvl5pPr marL="1828846" indent="0" algn="ctr" defTabSz="914423" rtl="0" eaLnBrk="1" latinLnBrk="1" hangingPunct="1">
+              <a:lnSpc>
+                <a:spcPct val="90000"/>
+              </a:lnSpc>
+              <a:spcBef>
+                <a:spcPts val="500"/>
+              </a:spcBef>
+              <a:buFont typeface="Arial"/>
+              <a:buNone/>
+              <a:defRPr sz="1600" kern="1200">
+                <a:solidFill>
+                  <a:schemeClr val="tx1"/>
+                </a:solidFill>
+                <a:latin typeface="+mn-lt"/>
+                <a:ea typeface="+mn-ea"/>
+                <a:cs typeface="+mn-cs"/>
+              </a:defRPr>
+            </a:lvl5pPr>
+            <a:lvl6pPr marL="2286057" indent="0" algn="ctr" defTabSz="914423" rtl="0" eaLnBrk="1" latinLnBrk="1" hangingPunct="1">
+              <a:lnSpc>
+                <a:spcPct val="90000"/>
+              </a:lnSpc>
+              <a:spcBef>
+                <a:spcPts val="500"/>
+              </a:spcBef>
+              <a:buFont typeface="Arial"/>
+              <a:buNone/>
+              <a:defRPr sz="1600" kern="1200">
+                <a:solidFill>
+                  <a:schemeClr val="tx1"/>
+                </a:solidFill>
+                <a:latin typeface="+mn-lt"/>
+                <a:ea typeface="+mn-ea"/>
+                <a:cs typeface="+mn-cs"/>
+              </a:defRPr>
+            </a:lvl6pPr>
+            <a:lvl7pPr marL="2743269" indent="0" algn="ctr" defTabSz="914423" rtl="0" eaLnBrk="1" latinLnBrk="1" hangingPunct="1">
+              <a:lnSpc>
+                <a:spcPct val="90000"/>
+              </a:lnSpc>
+              <a:spcBef>
+                <a:spcPts val="500"/>
+              </a:spcBef>
+              <a:buFont typeface="Arial"/>
+              <a:buNone/>
+              <a:defRPr sz="1600" kern="1200">
+                <a:solidFill>
+                  <a:schemeClr val="tx1"/>
+                </a:solidFill>
+                <a:latin typeface="+mn-lt"/>
+                <a:ea typeface="+mn-ea"/>
+                <a:cs typeface="+mn-cs"/>
+              </a:defRPr>
+            </a:lvl7pPr>
+            <a:lvl8pPr marL="3200480" indent="0" algn="ctr" defTabSz="914423" rtl="0" eaLnBrk="1" latinLnBrk="1" hangingPunct="1">
+              <a:lnSpc>
+                <a:spcPct val="90000"/>
+              </a:lnSpc>
+              <a:spcBef>
+                <a:spcPts val="500"/>
+              </a:spcBef>
+              <a:buFont typeface="Arial"/>
+              <a:buNone/>
+              <a:defRPr sz="1600" kern="1200">
+                <a:solidFill>
+                  <a:schemeClr val="tx1"/>
+                </a:solidFill>
+                <a:latin typeface="+mn-lt"/>
+                <a:ea typeface="+mn-ea"/>
+                <a:cs typeface="+mn-cs"/>
+              </a:defRPr>
+            </a:lvl8pPr>
+            <a:lvl9pPr marL="3657691" indent="0" algn="ctr" defTabSz="914423" rtl="0" eaLnBrk="1" latinLnBrk="1" hangingPunct="1">
+              <a:lnSpc>
+                <a:spcPct val="90000"/>
+              </a:lnSpc>
+              <a:spcBef>
+                <a:spcPts val="500"/>
+              </a:spcBef>
+              <a:buFont typeface="Arial"/>
+              <a:buNone/>
+              <a:defRPr sz="1600" kern="1200">
+                <a:solidFill>
+                  <a:schemeClr val="tx1"/>
+                </a:solidFill>
+                <a:latin typeface="+mn-lt"/>
+                <a:ea typeface="+mn-ea"/>
+                <a:cs typeface="+mn-cs"/>
+              </a:defRPr>
+            </a:lvl9pPr>
+          </a:lstStyle>
+          <a:p>
+            <a:r>
+              <a:rPr lang="ko-KR" altLang="en-US" sz="4800" dirty="0">
+                <a:solidFill>
+                  <a:schemeClr val="bg1"/>
+                </a:solidFill>
+                <a:latin typeface="+mj-lt"/>
+                <a:ea typeface="맑은 고딕" charset="-127"/>
+                <a:cs typeface="맑은 고딕" charset="-127"/>
+              </a:rPr>
               <a:t>제품 </a:t>
             </a:r>
             <a:r>
@@ -8784,7 +10519,7 @@
 </p:sld>
 </file>
 
-<file path=ppt/slides/slide21.xml><?xml version="1.0" encoding="utf-8"?>
+<file path=ppt/slides/slide27.xml><?xml version="1.0" encoding="utf-8"?>
 <p:sld xmlns:a="http://schemas.openxmlformats.org/drawingml/2006/main" xmlns:r="http://schemas.openxmlformats.org/officeDocument/2006/relationships" xmlns:p="http://schemas.openxmlformats.org/presentationml/2006/main">
   <p:cSld>
     <p:spTree>
@@ -9608,30 +11343,6 @@
               <a:buNone/>
               <a:defRPr/>
             </a:pPr>
-            <a:endParaRPr lang="ko-KR" altLang="en-US"/>
-          </a:p>
-          <a:p>
-            <a:pPr>
-              <a:defRPr/>
-            </a:pPr>
-            <a:r>
-              <a:rPr lang="ko-KR" altLang="en-US"/>
-              <a:t>기대효과</a:t>
-            </a:r>
-            <a:endParaRPr lang="ko-KR" altLang="en-US"/>
-          </a:p>
-          <a:p>
-            <a:pPr>
-              <a:defRPr/>
-            </a:pPr>
-            <a:r>
-              <a:rPr lang="ko-KR" altLang="en-US"/>
-              <a:t>납치등을 당해 휴대폰을 사용할 수 없을때</a:t>
-            </a:r>
-            <a:r>
-              <a:rPr lang="en-US" altLang="ko-KR"/>
-              <a:t>...????</a:t>
-            </a:r>
             <a:endParaRPr lang="en-US" altLang="ko-KR"/>
           </a:p>
           <a:p>
@@ -9672,13 +11383,53 @@
             </a:pPr>
             <a:r>
               <a:rPr lang="ko-KR" altLang="en-US"/>
-              <a:t>고작 이거 하나 때문에 설치</a:t>
+              <a:t>구현 할 기능들이 너무 단순함</a:t>
+            </a:r>
+            <a:endParaRPr lang="ko-KR" altLang="en-US"/>
+          </a:p>
+          <a:p>
+            <a:pPr>
+              <a:defRPr/>
+            </a:pPr>
+            <a:r>
+              <a:rPr lang="ko-KR" altLang="en-US"/>
+              <a:t>아이폰의 경우 벨소리</a:t>
             </a:r>
             <a:r>
               <a:rPr lang="en-US" altLang="ko-KR"/>
-              <a:t>..?</a:t>
-            </a:r>
-            <a:endParaRPr lang="en-US" altLang="ko-KR"/>
+              <a:t>/</a:t>
+            </a:r>
+            <a:r>
+              <a:rPr lang="ko-KR" altLang="en-US"/>
+              <a:t>진동모드 변경을 외부 </a:t>
+            </a:r>
+            <a:r>
+              <a:rPr lang="en-US" altLang="ko-KR"/>
+              <a:t>ON/OFF</a:t>
+            </a:r>
+            <a:r>
+              <a:rPr lang="ko-KR" altLang="en-US"/>
+              <a:t>버튼으로 함</a:t>
+            </a:r>
+            <a:endParaRPr lang="ko-KR" altLang="en-US"/>
+          </a:p>
+          <a:p>
+            <a:pPr>
+              <a:defRPr/>
+            </a:pPr>
+            <a:r>
+              <a:rPr lang="ko-KR" altLang="en-US"/>
+              <a:t> </a:t>
+            </a:r>
+            <a:r>
+              <a:rPr lang="en-US" altLang="ko-KR"/>
+              <a:t>-&gt;</a:t>
+            </a:r>
+            <a:r>
+              <a:rPr lang="ko-KR" altLang="en-US"/>
+              <a:t> 해결방안 생각해야 됨</a:t>
+            </a:r>
+            <a:endParaRPr lang="ko-KR" altLang="en-US"/>
           </a:p>
         </p:txBody>
       </p:sp>
@@ -9739,7 +11490,7 @@
             </a:r>
             <a:r>
               <a:rPr lang="ko-KR" altLang="en-US"/>
-              <a:t> 차량 관리 어플</a:t>
+              <a:t> 컴퓨터 견적 추천</a:t>
             </a:r>
             <a:endParaRPr lang="ko-KR" altLang="en-US"/>
           </a:p>
@@ -9755,12 +11506,7 @@
             <p:ph idx="1"/>
           </p:nvPr>
         </p:nvSpPr>
-        <p:spPr>
-          <a:xfrm>
-            <a:off x="838199" y="1790347"/>
-            <a:ext cx="10515600" cy="4351338"/>
-          </a:xfrm>
-        </p:spPr>
+        <p:spPr/>
         <p:txBody>
           <a:bodyPr/>
           <a:lstStyle/>
@@ -9770,7 +11516,39 @@
             </a:pPr>
             <a:r>
               <a:rPr lang="ko-KR" altLang="en-US"/>
-              <a:t>차량의 부품 별 정비 받아야 할 시점이 다름</a:t>
+              <a:t>사용자에게 사용목적</a:t>
+            </a:r>
+            <a:r>
+              <a:rPr lang="en-US" altLang="ko-KR"/>
+              <a:t>(</a:t>
+            </a:r>
+            <a:r>
+              <a:rPr lang="ko-KR" altLang="en-US"/>
+              <a:t>게임용</a:t>
+            </a:r>
+            <a:r>
+              <a:rPr lang="en-US" altLang="ko-KR"/>
+              <a:t>,</a:t>
+            </a:r>
+            <a:r>
+              <a:rPr lang="ko-KR" altLang="en-US"/>
+              <a:t> 사무용</a:t>
+            </a:r>
+            <a:r>
+              <a:rPr lang="en-US" altLang="ko-KR"/>
+              <a:t>,</a:t>
+            </a:r>
+            <a:r>
+              <a:rPr lang="ko-KR" altLang="en-US"/>
+              <a:t> 그래픽작업용 등</a:t>
+            </a:r>
+            <a:r>
+              <a:rPr lang="en-US" altLang="ko-KR"/>
+              <a:t>)</a:t>
+            </a:r>
+            <a:r>
+              <a:rPr lang="ko-KR" altLang="en-US"/>
+              <a:t>을 물어봄</a:t>
             </a:r>
             <a:endParaRPr lang="ko-KR" altLang="en-US"/>
           </a:p>
@@ -9780,7 +11558,7 @@
             </a:pPr>
             <a:r>
               <a:rPr lang="ko-KR" altLang="en-US"/>
-              <a:t>부품별</a:t>
+              <a:t>목적에 따른 사용 프로그램을 물어봄</a:t>
             </a:r>
             <a:r>
               <a:rPr lang="en-US" altLang="ko-KR"/>
@@ -9788,33 +11566,45 @@
             </a:r>
             <a:r>
               <a:rPr lang="ko-KR" altLang="en-US"/>
-              <a:t> 엔진</a:t>
+              <a:t> 게임용 </a:t>
             </a:r>
             <a:r>
               <a:rPr lang="en-US" altLang="ko-KR"/>
-              <a:t>,</a:t>
-            </a:r>
-            <a:r>
-              <a:rPr lang="ko-KR" altLang="en-US"/>
-              <a:t> 타이어</a:t>
+              <a:t>-</a:t>
+            </a:r>
+            <a:r>
+              <a:rPr lang="ko-KR" altLang="en-US"/>
+              <a:t> 어떤게임</a:t>
             </a:r>
             <a:r>
               <a:rPr lang="en-US" altLang="ko-KR"/>
-              <a:t>,</a:t>
-            </a:r>
-            <a:r>
-              <a:rPr lang="ko-KR" altLang="en-US"/>
-              <a:t> 냉각수 등</a:t>
+              <a:t>?,</a:t>
+            </a:r>
+            <a:r>
+              <a:rPr lang="ko-KR" altLang="en-US"/>
+              <a:t> 코드 작업용 </a:t>
+            </a:r>
+            <a:r>
+              <a:rPr lang="en-US" altLang="ko-KR"/>
+              <a:t>-</a:t>
+            </a:r>
+            <a:r>
+              <a:rPr lang="ko-KR" altLang="en-US"/>
+              <a:t> 어떤 프로그램을 사용</a:t>
+            </a:r>
+            <a:r>
+              <a:rPr lang="en-US" altLang="ko-KR"/>
+              <a:t>? dev-c++</a:t>
+            </a:r>
+            <a:r>
+              <a:rPr lang="ko-KR" altLang="en-US"/>
+              <a:t>등</a:t>
             </a:r>
             <a:r>
               <a:rPr lang="en-US" altLang="ko-KR"/>
               <a:t>)</a:t>
             </a:r>
-            <a:r>
-              <a:rPr lang="ko-KR" altLang="en-US"/>
-              <a:t> 정비 시점을 알림</a:t>
-            </a:r>
-            <a:endParaRPr lang="ko-KR" altLang="en-US"/>
+            <a:endParaRPr lang="en-US" altLang="ko-KR"/>
           </a:p>
           <a:p>
             <a:pPr>
@@ -9822,7 +11612,15 @@
             </a:pPr>
             <a:r>
               <a:rPr lang="ko-KR" altLang="en-US"/>
-              <a:t>부품 교체 예상 비용</a:t>
+              <a:t>물어본 프로그램에 적합한 </a:t>
+            </a:r>
+            <a:r>
+              <a:rPr lang="en-US" altLang="ko-KR"/>
+              <a:t>PC</a:t>
+            </a:r>
+            <a:r>
+              <a:rPr lang="ko-KR" altLang="en-US"/>
+              <a:t> 가격대 별 추천</a:t>
             </a:r>
             <a:endParaRPr lang="ko-KR" altLang="en-US"/>
           </a:p>
@@ -9830,36 +11628,16 @@
             <a:pPr>
               <a:defRPr/>
             </a:pPr>
+            <a:r>
+              <a:rPr lang="ko-KR" altLang="en-US"/>
+              <a:t>부품별 최저가 추천</a:t>
+            </a:r>
             <a:endParaRPr lang="ko-KR" altLang="en-US"/>
           </a:p>
           <a:p>
             <a:pPr>
               <a:defRPr/>
             </a:pPr>
-            <a:r>
-              <a:rPr lang="ko-KR" altLang="en-US"/>
-              <a:t>부품별 교환 시기 자료</a:t>
-            </a:r>
-            <a:endParaRPr lang="ko-KR" altLang="en-US"/>
-          </a:p>
-          <a:p>
-            <a:pPr>
-              <a:defRPr/>
-            </a:pPr>
-            <a:r>
-              <a:rPr lang="en-US" altLang="ko-KR"/>
-              <a:t>https://m.post.naver.com/viewer/postView.nhn?volumeNo=6571874&amp;memberNo=28455927</a:t>
-            </a:r>
-            <a:endParaRPr lang="en-US" altLang="ko-KR"/>
-          </a:p>
-          <a:p>
-            <a:pPr>
-              <a:defRPr/>
-            </a:pPr>
-            <a:r>
-              <a:rPr lang="ko-KR" altLang="en-US"/>
-              <a:t>한계점</a:t>
-            </a:r>
             <a:endParaRPr lang="ko-KR" altLang="en-US"/>
           </a:p>
           <a:p>
@@ -9905,260 +11683,135 @@
       </p:grpSpPr>
       <p:sp>
         <p:nvSpPr>
-          <p:cNvPr id="10" name="직사각형 9"/>
-          <p:cNvSpPr/>
-          <p:nvPr/>
+          <p:cNvPr id="2" name="제목 1"/>
+          <p:cNvSpPr>
+            <a:spLocks noGrp="1"/>
+          </p:cNvSpPr>
+          <p:nvPr>
+            <p:ph type="title" idx="0"/>
+          </p:nvPr>
         </p:nvSpPr>
-        <p:spPr>
-          <a:xfrm>
-            <a:off x="-1" y="2398426"/>
-            <a:ext cx="12192001" cy="1338109"/>
-          </a:xfrm>
-          <a:prstGeom prst="rect">
-            <a:avLst/>
-          </a:prstGeom>
-          <a:solidFill>
-            <a:schemeClr val="accent1">
-              <a:lumMod val="75000"/>
-            </a:schemeClr>
-          </a:solidFill>
-          <a:ln>
-            <a:noFill/>
-          </a:ln>
-        </p:spPr>
-        <p:style>
-          <a:lnRef idx="2">
-            <a:schemeClr val="accent1">
-              <a:shade val="50000"/>
-            </a:schemeClr>
-          </a:lnRef>
-          <a:fillRef idx="1">
-            <a:schemeClr val="accent1"/>
-          </a:fillRef>
-          <a:effectRef idx="0">
-            <a:schemeClr val="accent1"/>
-          </a:effectRef>
-          <a:fontRef idx="minor">
-            <a:schemeClr val="lt1"/>
-          </a:fontRef>
-        </p:style>
+        <p:spPr/>
         <p:txBody>
-          <a:bodyPr anchor="ctr"/>
+          <a:bodyPr/>
           <a:lstStyle/>
           <a:p>
-            <a:pPr algn="ctr">
+            <a:pPr>
               <a:defRPr/>
             </a:pPr>
-            <a:endParaRPr kumimoji="1" lang="ko-KR" altLang="en-US"/>
+            <a:r>
+              <a:rPr lang="en-US" altLang="ko-KR"/>
+              <a:t>4.</a:t>
+            </a:r>
+            <a:r>
+              <a:rPr lang="ko-KR" altLang="en-US"/>
+              <a:t> 주차시 사고발생 알림</a:t>
+            </a:r>
+            <a:endParaRPr lang="ko-KR" altLang="en-US"/>
           </a:p>
         </p:txBody>
       </p:sp>
       <p:sp>
         <p:nvSpPr>
-          <p:cNvPr id="12" name="부제목 2"/>
-          <p:cNvSpPr txBox="1"/>
-          <p:nvPr/>
+          <p:cNvPr id="3" name="내용 개체 틀 2"/>
+          <p:cNvSpPr>
+            <a:spLocks noGrp="1"/>
+          </p:cNvSpPr>
+          <p:nvPr>
+            <p:ph idx="1"/>
+          </p:nvPr>
         </p:nvSpPr>
-        <p:spPr>
-          <a:xfrm>
-            <a:off x="1" y="2608234"/>
-            <a:ext cx="12192000" cy="754314"/>
-          </a:xfrm>
-          <a:prstGeom prst="rect">
-            <a:avLst/>
-          </a:prstGeom>
-        </p:spPr>
+        <p:spPr/>
         <p:txBody>
-          <a:bodyPr vert="horz" lIns="91440" tIns="45720" rIns="91440" bIns="45720" anchor="ctr">
-            <a:noAutofit/>
+          <a:bodyPr>
+            <a:normAutofit lnSpcReduction="10000"/>
           </a:bodyPr>
-          <a:lstStyle>
-            <a:lvl1pPr marL="0" indent="0" algn="ctr" defTabSz="914423" rtl="0" eaLnBrk="1" latinLnBrk="1" hangingPunct="1">
-              <a:lnSpc>
-                <a:spcPct val="90000"/>
-              </a:lnSpc>
-              <a:spcBef>
-                <a:spcPts val="1001"/>
-              </a:spcBef>
-              <a:buFont typeface="Arial"/>
-              <a:buNone/>
-              <a:defRPr sz="2400" kern="1200">
-                <a:solidFill>
-                  <a:schemeClr val="tx1"/>
-                </a:solidFill>
-                <a:latin typeface="+mn-lt"/>
-                <a:ea typeface="+mn-ea"/>
-                <a:cs typeface="+mn-cs"/>
-              </a:defRPr>
-            </a:lvl1pPr>
-            <a:lvl2pPr marL="457211" indent="0" algn="ctr" defTabSz="914423" rtl="0" eaLnBrk="1" latinLnBrk="1" hangingPunct="1">
-              <a:lnSpc>
-                <a:spcPct val="90000"/>
-              </a:lnSpc>
-              <a:spcBef>
-                <a:spcPts val="500"/>
-              </a:spcBef>
-              <a:buFont typeface="Arial"/>
-              <a:buNone/>
-              <a:defRPr sz="2000" kern="1200">
-                <a:solidFill>
-                  <a:schemeClr val="tx1"/>
-                </a:solidFill>
-                <a:latin typeface="+mn-lt"/>
-                <a:ea typeface="+mn-ea"/>
-                <a:cs typeface="+mn-cs"/>
-              </a:defRPr>
-            </a:lvl2pPr>
-            <a:lvl3pPr marL="914423" indent="0" algn="ctr" defTabSz="914423" rtl="0" eaLnBrk="1" latinLnBrk="1" hangingPunct="1">
-              <a:lnSpc>
-                <a:spcPct val="90000"/>
-              </a:lnSpc>
-              <a:spcBef>
-                <a:spcPts val="500"/>
-              </a:spcBef>
-              <a:buFont typeface="Arial"/>
-              <a:buNone/>
-              <a:defRPr sz="1801" kern="1200">
-                <a:solidFill>
-                  <a:schemeClr val="tx1"/>
-                </a:solidFill>
-                <a:latin typeface="+mn-lt"/>
-                <a:ea typeface="+mn-ea"/>
-                <a:cs typeface="+mn-cs"/>
-              </a:defRPr>
-            </a:lvl3pPr>
-            <a:lvl4pPr marL="1371634" indent="0" algn="ctr" defTabSz="914423" rtl="0" eaLnBrk="1" latinLnBrk="1" hangingPunct="1">
-              <a:lnSpc>
-                <a:spcPct val="90000"/>
-              </a:lnSpc>
-              <a:spcBef>
-                <a:spcPts val="500"/>
-              </a:spcBef>
-              <a:buFont typeface="Arial"/>
-              <a:buNone/>
-              <a:defRPr sz="1600" kern="1200">
-                <a:solidFill>
-                  <a:schemeClr val="tx1"/>
-                </a:solidFill>
-                <a:latin typeface="+mn-lt"/>
-                <a:ea typeface="+mn-ea"/>
-                <a:cs typeface="+mn-cs"/>
-              </a:defRPr>
-            </a:lvl4pPr>
-            <a:lvl5pPr marL="1828846" indent="0" algn="ctr" defTabSz="914423" rtl="0" eaLnBrk="1" latinLnBrk="1" hangingPunct="1">
-              <a:lnSpc>
-                <a:spcPct val="90000"/>
-              </a:lnSpc>
-              <a:spcBef>
-                <a:spcPts val="500"/>
-              </a:spcBef>
-              <a:buFont typeface="Arial"/>
-              <a:buNone/>
-              <a:defRPr sz="1600" kern="1200">
-                <a:solidFill>
-                  <a:schemeClr val="tx1"/>
-                </a:solidFill>
-                <a:latin typeface="+mn-lt"/>
-                <a:ea typeface="+mn-ea"/>
-                <a:cs typeface="+mn-cs"/>
-              </a:defRPr>
-            </a:lvl5pPr>
-            <a:lvl6pPr marL="2286057" indent="0" algn="ctr" defTabSz="914423" rtl="0" eaLnBrk="1" latinLnBrk="1" hangingPunct="1">
-              <a:lnSpc>
-                <a:spcPct val="90000"/>
-              </a:lnSpc>
-              <a:spcBef>
-                <a:spcPts val="500"/>
-              </a:spcBef>
-              <a:buFont typeface="Arial"/>
-              <a:buNone/>
-              <a:defRPr sz="1600" kern="1200">
-                <a:solidFill>
-                  <a:schemeClr val="tx1"/>
-                </a:solidFill>
-                <a:latin typeface="+mn-lt"/>
-                <a:ea typeface="+mn-ea"/>
-                <a:cs typeface="+mn-cs"/>
-              </a:defRPr>
-            </a:lvl6pPr>
-            <a:lvl7pPr marL="2743269" indent="0" algn="ctr" defTabSz="914423" rtl="0" eaLnBrk="1" latinLnBrk="1" hangingPunct="1">
-              <a:lnSpc>
-                <a:spcPct val="90000"/>
-              </a:lnSpc>
-              <a:spcBef>
-                <a:spcPts val="500"/>
-              </a:spcBef>
-              <a:buFont typeface="Arial"/>
-              <a:buNone/>
-              <a:defRPr sz="1600" kern="1200">
-                <a:solidFill>
-                  <a:schemeClr val="tx1"/>
-                </a:solidFill>
-                <a:latin typeface="+mn-lt"/>
-                <a:ea typeface="+mn-ea"/>
-                <a:cs typeface="+mn-cs"/>
-              </a:defRPr>
-            </a:lvl7pPr>
-            <a:lvl8pPr marL="3200480" indent="0" algn="ctr" defTabSz="914423" rtl="0" eaLnBrk="1" latinLnBrk="1" hangingPunct="1">
-              <a:lnSpc>
-                <a:spcPct val="90000"/>
-              </a:lnSpc>
-              <a:spcBef>
-                <a:spcPts val="500"/>
-              </a:spcBef>
-              <a:buFont typeface="Arial"/>
-              <a:buNone/>
-              <a:defRPr sz="1600" kern="1200">
-                <a:solidFill>
-                  <a:schemeClr val="tx1"/>
-                </a:solidFill>
-                <a:latin typeface="+mn-lt"/>
-                <a:ea typeface="+mn-ea"/>
-                <a:cs typeface="+mn-cs"/>
-              </a:defRPr>
-            </a:lvl8pPr>
-            <a:lvl9pPr marL="3657691" indent="0" algn="ctr" defTabSz="914423" rtl="0" eaLnBrk="1" latinLnBrk="1" hangingPunct="1">
-              <a:lnSpc>
-                <a:spcPct val="90000"/>
-              </a:lnSpc>
-              <a:spcBef>
-                <a:spcPts val="500"/>
-              </a:spcBef>
-              <a:buFont typeface="Arial"/>
-              <a:buNone/>
-              <a:defRPr sz="1600" kern="1200">
-                <a:solidFill>
-                  <a:schemeClr val="tx1"/>
-                </a:solidFill>
-                <a:latin typeface="+mn-lt"/>
-                <a:ea typeface="+mn-ea"/>
-                <a:cs typeface="+mn-cs"/>
-              </a:defRPr>
-            </a:lvl9pPr>
-          </a:lstStyle>
-          <a:p>
-            <a:pPr lvl="0">
+          <a:lstStyle/>
+          <a:p>
+            <a:pPr>
               <a:defRPr/>
             </a:pPr>
             <a:r>
-              <a:rPr lang="ko-KR" altLang="en-US" sz="4800">
-                <a:solidFill>
-                  <a:schemeClr val="bg1"/>
-                </a:solidFill>
-                <a:latin typeface="+mj-lt"/>
-                <a:ea typeface="맑은 고딕"/>
-                <a:cs typeface="맑은 고딕"/>
-              </a:rPr>
-              <a:t>요구사항 정의</a:t>
-            </a:r>
-            <a:endParaRPr lang="ko-KR" altLang="en-US" sz="4800">
-              <a:solidFill>
-                <a:schemeClr val="bg1"/>
-              </a:solidFill>
-              <a:latin typeface="+mj-lt"/>
-              <a:ea typeface="맑은 고딕"/>
-              <a:cs typeface="맑은 고딕"/>
-            </a:endParaRPr>
+              <a:rPr lang="ko-KR" altLang="en-US"/>
+              <a:t>주차를 해둔 뒤 충격 발생시 </a:t>
+            </a:r>
+            <a:r>
+              <a:rPr lang="en-US" altLang="ko-KR"/>
+              <a:t>-&gt;</a:t>
+            </a:r>
+            <a:r>
+              <a:rPr lang="ko-KR" altLang="en-US"/>
+              <a:t> 블랙박스 촬영</a:t>
+            </a:r>
+            <a:endParaRPr lang="ko-KR" altLang="en-US"/>
+          </a:p>
+          <a:p>
+            <a:pPr>
+              <a:defRPr/>
+            </a:pPr>
+            <a:r>
+              <a:rPr lang="ko-KR" altLang="en-US"/>
+              <a:t>촬영 외에도 핸드폰으로 연동시 알림</a:t>
+            </a:r>
+            <a:endParaRPr lang="ko-KR" altLang="en-US"/>
+          </a:p>
+          <a:p>
+            <a:pPr>
+              <a:defRPr/>
+            </a:pPr>
+            <a:r>
+              <a:rPr lang="ko-KR" altLang="en-US"/>
+              <a:t>알림 기능 외 블랙박스와 연동하여 주차 위치를 잊은 경우 사진촬영으로 주차 위치 확인 및 지도로 확인 가능</a:t>
+            </a:r>
+            <a:endParaRPr lang="ko-KR" altLang="en-US"/>
+          </a:p>
+          <a:p>
+            <a:pPr>
+              <a:defRPr/>
+            </a:pPr>
+            <a:endParaRPr lang="ko-KR" altLang="en-US"/>
+          </a:p>
+          <a:p>
+            <a:pPr>
+              <a:defRPr/>
+            </a:pPr>
+            <a:r>
+              <a:rPr lang="ko-KR" altLang="en-US"/>
+              <a:t>기대 효과</a:t>
+            </a:r>
+            <a:endParaRPr lang="ko-KR" altLang="en-US"/>
+          </a:p>
+          <a:p>
+            <a:pPr>
+              <a:defRPr/>
+            </a:pPr>
+            <a:r>
+              <a:rPr lang="ko-KR" altLang="en-US"/>
+              <a:t>뺑소니 사고시 서버의 알림 목록등을 확인해 역추적 가능</a:t>
+            </a:r>
+            <a:endParaRPr lang="ko-KR" altLang="en-US"/>
+          </a:p>
+          <a:p>
+            <a:pPr>
+              <a:defRPr/>
+            </a:pPr>
+            <a:endParaRPr lang="en-US" altLang="ko-KR"/>
+          </a:p>
+          <a:p>
+            <a:pPr>
+              <a:defRPr/>
+            </a:pPr>
+            <a:r>
+              <a:rPr lang="ko-KR" altLang="en-US"/>
+              <a:t>주차 차량의 사고 발생시 즉각 대응 가능</a:t>
+            </a:r>
+            <a:endParaRPr lang="ko-KR" altLang="en-US"/>
+          </a:p>
+          <a:p>
+            <a:pPr>
+              <a:defRPr/>
+            </a:pPr>
+            <a:endParaRPr lang="ko-KR" altLang="en-US"/>
           </a:p>
         </p:txBody>
       </p:sp>
@@ -10179,7 +11832,7 @@
 </file>
 
 <file path=ppt/slides/slide9.xml><?xml version="1.0" encoding="utf-8"?>
-<p:sld xmlns:a="http://schemas.openxmlformats.org/drawingml/2006/main" xmlns:r="http://schemas.openxmlformats.org/officeDocument/2006/relationships" xmlns:p="http://schemas.openxmlformats.org/presentationml/2006/main">
+<p:sld xmlns:r="http://schemas.openxmlformats.org/officeDocument/2006/relationships" xmlns:c="http://schemas.openxmlformats.org/drawingml/2006/chart" xmlns:a="http://schemas.openxmlformats.org/drawingml/2006/main" xmlns:dgm="http://schemas.openxmlformats.org/drawingml/2006/diagram" xmlns:dsp="http://schemas.microsoft.com/office/drawing/2008/diagram" xmlns:p="http://schemas.openxmlformats.org/presentationml/2006/main">
   <p:cSld>
     <p:spTree>
       <p:nvGrpSpPr>
@@ -10197,38 +11850,7 @@
       </p:grpSpPr>
       <p:sp>
         <p:nvSpPr>
-          <p:cNvPr id="2" name="제목 1">
-            <a:extLst>
-              <a:ext uri="{FF2B5EF4-FFF2-40B4-BE49-F238E27FC236}">
-                <a16:creationId xmlns:a16="http://schemas.microsoft.com/office/drawing/2014/main" id="{10D8F4DE-BDA8-4E82-B0E1-CB2362CD6602}"/>
-              </a:ext>
-            </a:extLst>
-          </p:cNvPr>
-          <p:cNvSpPr>
-            <a:spLocks noGrp="1"/>
-          </p:cNvSpPr>
-          <p:nvPr>
-            <p:ph type="title"/>
-          </p:nvPr>
-        </p:nvSpPr>
-        <p:spPr/>
-        <p:txBody>
-          <a:bodyPr/>
-          <a:lstStyle/>
-          <a:p>
-            <a:endParaRPr lang="ko-KR" altLang="en-US"/>
-          </a:p>
-        </p:txBody>
-      </p:sp>
-      <p:sp>
-        <p:nvSpPr>
-          <p:cNvPr id="3" name="내용 개체 틀 2">
-            <a:extLst>
-              <a:ext uri="{FF2B5EF4-FFF2-40B4-BE49-F238E27FC236}">
-                <a16:creationId xmlns:a16="http://schemas.microsoft.com/office/drawing/2014/main" id="{1763B084-A25C-4CA8-B695-973990AE3F62}"/>
-              </a:ext>
-            </a:extLst>
-          </p:cNvPr>
+          <p:cNvPr id="3" name="내용 개체 틀 2"/>
           <p:cNvSpPr>
             <a:spLocks noGrp="1"/>
           </p:cNvSpPr>
@@ -10236,28 +11858,102 @@
             <p:ph idx="1"/>
           </p:nvPr>
         </p:nvSpPr>
-        <p:spPr/>
+        <p:spPr>
+          <a:xfrm>
+            <a:off x="838200" y="699943"/>
+            <a:ext cx="10515600" cy="5477020"/>
+          </a:xfrm>
+        </p:spPr>
         <p:txBody>
           <a:bodyPr/>
           <a:lstStyle/>
           <a:p>
-            <a:r>
-              <a:rPr lang="ko-KR" altLang="en-US" dirty="0"/>
-              <a:t>아이디어를 어떤 제품으로 만들지에 대해 기술한다</a:t>
-            </a:r>
+            <a:pPr>
+              <a:defRPr/>
+            </a:pPr>
+            <a:r>
+              <a:rPr lang="ko-KR" altLang="en-US"/>
+              <a:t>유사 제품</a:t>
+            </a:r>
+            <a:endParaRPr lang="ko-KR" altLang="en-US">
+              <a:hlinkClick r:id="rId2"/>
+            </a:endParaRPr>
+          </a:p>
+          <a:p>
+            <a:pPr>
+              <a:defRPr/>
+            </a:pPr>
+            <a:r>
+              <a:rPr lang="en-US" altLang="ko-KR">
+                <a:hlinkClick r:id="rId2"/>
+              </a:rPr>
+              <a:t>https://100.daum.net/encyclopedia/view/61XX79800029</a:t>
+            </a:r>
+            <a:endParaRPr lang="en-US" altLang="ko-KR"/>
+          </a:p>
+          <a:p>
+            <a:pPr>
+              <a:defRPr/>
+            </a:pPr>
+            <a:r>
+              <a:rPr lang="en-US" altLang="ko-KR"/>
+              <a:t>-</a:t>
+            </a:r>
+            <a:r>
+              <a:rPr lang="ko-KR" altLang="en-US"/>
+              <a:t> 커넥티드 카</a:t>
+            </a:r>
+            <a:endParaRPr lang="ko-KR" altLang="en-US"/>
+          </a:p>
+          <a:p>
+            <a:pPr>
+              <a:defRPr/>
+            </a:pPr>
+            <a:endParaRPr lang="en-US" altLang="ko-KR"/>
+          </a:p>
+          <a:p>
+            <a:pPr>
+              <a:defRPr/>
+            </a:pPr>
+            <a:r>
+              <a:rPr lang="ko-KR" altLang="en-US"/>
+              <a:t>필요 기술</a:t>
+            </a:r>
+            <a:endParaRPr lang="ko-KR" altLang="en-US"/>
+          </a:p>
+          <a:p>
+            <a:pPr>
+              <a:defRPr/>
+            </a:pPr>
+            <a:r>
+              <a:rPr lang="ko-KR" altLang="en-US"/>
+              <a:t>휴대폰 </a:t>
+            </a:r>
+            <a:r>
+              <a:rPr lang="en-US" altLang="ko-KR"/>
+              <a:t>&lt;-&gt;</a:t>
+            </a:r>
+            <a:r>
+              <a:rPr lang="ko-KR" altLang="en-US"/>
+              <a:t> 블랙박스 연결하여 영상 전송</a:t>
+            </a:r>
+            <a:endParaRPr lang="ko-KR" altLang="en-US"/>
           </a:p>
         </p:txBody>
       </p:sp>
     </p:spTree>
-    <p:extLst>
-      <p:ext uri="{BB962C8B-B14F-4D97-AF65-F5344CB8AC3E}">
-        <p14:creationId xmlns:p14="http://schemas.microsoft.com/office/powerpoint/2010/main" val="1673457262"/>
-      </p:ext>
-    </p:extLst>
   </p:cSld>
   <p:clrMapOvr>
     <a:masterClrMapping/>
   </p:clrMapOvr>
+  <mc:AlternateContent xmlns:mc="http://schemas.openxmlformats.org/markup-compatibility/2006">
+    <mc:Choice xmlns:p14="http://schemas.microsoft.com/office/powerpoint/2010/main" Requires="p14">
+      <p:transition xmlns:mc="http://schemas.openxmlformats.org/markup-compatibility/2006" xmlns:p14="http://schemas.microsoft.com/office/powerpoint/2010/main" mc:Ignorable="p14" p14:dur="500"/>
+    </mc:Choice>
+    <mc:Fallback>
+      <p:transition/>
+    </mc:Fallback>
+  </mc:AlternateContent>
 </p:sld>
 </file>
 

--- a/2021_Summer/jp.hong/Project_BnC_jph.pptx
+++ b/2021_Summer/jp.hong/Project_BnC_jph.pptx
@@ -2,7 +2,7 @@
 <file path=ppt/presentation.xml><?xml version="1.0" encoding="utf-8"?>
 <p:presentation xmlns:r="http://schemas.openxmlformats.org/officeDocument/2006/relationships" xmlns:c="http://schemas.openxmlformats.org/drawingml/2006/chart" xmlns:a="http://schemas.openxmlformats.org/drawingml/2006/main" xmlns:dgm="http://schemas.openxmlformats.org/drawingml/2006/diagram" xmlns:dsp="http://schemas.microsoft.com/office/drawing/2008/diagram" xmlns:p="http://schemas.openxmlformats.org/presentationml/2006/main">
   <p:sldMasterIdLst>
-    <p:sldMasterId id="2147483716" r:id="rId1"/>
+    <p:sldMasterId id="2147483661" r:id="rId1"/>
   </p:sldMasterIdLst>
   <p:sldIdLst>
     <p:sldId id="261" r:id="rId2"/>

--- a/2021_Summer/jp.hong/Project_BnC_jph.pptx
+++ b/2021_Summer/jp.hong/Project_BnC_jph.pptx
@@ -2,7 +2,7 @@
 <file path=ppt/presentation.xml><?xml version="1.0" encoding="utf-8"?>
 <p:presentation xmlns:r="http://schemas.openxmlformats.org/officeDocument/2006/relationships" xmlns:c="http://schemas.openxmlformats.org/drawingml/2006/chart" xmlns:a="http://schemas.openxmlformats.org/drawingml/2006/main" xmlns:dgm="http://schemas.openxmlformats.org/drawingml/2006/diagram" xmlns:dsp="http://schemas.microsoft.com/office/drawing/2008/diagram" xmlns:p="http://schemas.openxmlformats.org/presentationml/2006/main">
   <p:sldMasterIdLst>
-    <p:sldMasterId id="2147483661" r:id="rId1"/>
+    <p:sldMasterId id="2147483677" r:id="rId1"/>
   </p:sldMasterIdLst>
   <p:sldIdLst>
     <p:sldId id="261" r:id="rId2"/>
@@ -13,25 +13,26 @@
     <p:sldId id="309" r:id="rId7"/>
     <p:sldId id="311" r:id="rId8"/>
     <p:sldId id="312" r:id="rId9"/>
-    <p:sldId id="313" r:id="rId10"/>
-    <p:sldId id="310" r:id="rId11"/>
-    <p:sldId id="314" r:id="rId12"/>
-    <p:sldId id="315" r:id="rId13"/>
-    <p:sldId id="288" r:id="rId14"/>
-    <p:sldId id="296" r:id="rId15"/>
-    <p:sldId id="316" r:id="rId16"/>
-    <p:sldId id="289" r:id="rId17"/>
-    <p:sldId id="297" r:id="rId18"/>
-    <p:sldId id="290" r:id="rId19"/>
-    <p:sldId id="298" r:id="rId20"/>
-    <p:sldId id="291" r:id="rId21"/>
-    <p:sldId id="299" r:id="rId22"/>
-    <p:sldId id="292" r:id="rId23"/>
-    <p:sldId id="300" r:id="rId24"/>
-    <p:sldId id="306" r:id="rId25"/>
-    <p:sldId id="307" r:id="rId26"/>
-    <p:sldId id="294" r:id="rId27"/>
-    <p:sldId id="302" r:id="rId28"/>
+    <p:sldId id="310" r:id="rId10"/>
+    <p:sldId id="314" r:id="rId11"/>
+    <p:sldId id="315" r:id="rId12"/>
+    <p:sldId id="317" r:id="rId13"/>
+    <p:sldId id="318" r:id="rId14"/>
+    <p:sldId id="288" r:id="rId15"/>
+    <p:sldId id="296" r:id="rId16"/>
+    <p:sldId id="316" r:id="rId17"/>
+    <p:sldId id="289" r:id="rId18"/>
+    <p:sldId id="297" r:id="rId19"/>
+    <p:sldId id="290" r:id="rId20"/>
+    <p:sldId id="298" r:id="rId21"/>
+    <p:sldId id="291" r:id="rId22"/>
+    <p:sldId id="299" r:id="rId23"/>
+    <p:sldId id="292" r:id="rId24"/>
+    <p:sldId id="300" r:id="rId25"/>
+    <p:sldId id="306" r:id="rId26"/>
+    <p:sldId id="307" r:id="rId27"/>
+    <p:sldId id="294" r:id="rId28"/>
+    <p:sldId id="302" r:id="rId29"/>
   </p:sldIdLst>
   <p:sldSz cx="12192000" cy="6858000"/>
   <p:notesSz cx="7104063" cy="10234613"/>
@@ -4207,49 +4208,6 @@
       </p:grpSpPr>
       <p:sp>
         <p:nvSpPr>
-          <p:cNvPr id="2" name="제목 1"/>
-          <p:cNvSpPr>
-            <a:spLocks noGrp="1"/>
-          </p:cNvSpPr>
-          <p:nvPr>
-            <p:ph type="title" idx="0"/>
-          </p:nvPr>
-        </p:nvSpPr>
-        <p:spPr>
-          <a:xfrm>
-            <a:off x="838200" y="420342"/>
-            <a:ext cx="10515600" cy="1325563"/>
-          </a:xfrm>
-        </p:spPr>
-        <p:txBody>
-          <a:bodyPr/>
-          <a:lstStyle/>
-          <a:p>
-            <a:pPr>
-              <a:defRPr/>
-            </a:pPr>
-            <a:r>
-              <a:rPr lang="en-US" altLang="ko-KR"/>
-              <a:t>5.</a:t>
-            </a:r>
-            <a:r>
-              <a:rPr lang="ko-KR" altLang="en-US"/>
-              <a:t> 차량 관리 어플</a:t>
-            </a:r>
-            <a:r>
-              <a:rPr lang="en-US" altLang="ko-KR"/>
-              <a:t> &lt;- </a:t>
-            </a:r>
-            <a:r>
-              <a:rPr lang="ko-KR" altLang="en-US"/>
-              <a:t>최종결정</a:t>
-            </a:r>
-            <a:endParaRPr lang="ko-KR" altLang="en-US"/>
-          </a:p>
-        </p:txBody>
-      </p:sp>
-      <p:sp>
-        <p:nvSpPr>
           <p:cNvPr id="3" name="내용 개체 틀 2"/>
           <p:cNvSpPr>
             <a:spLocks noGrp="1"/>
@@ -4260,13 +4218,13 @@
         </p:nvSpPr>
         <p:spPr>
           <a:xfrm>
-            <a:off x="838199" y="1790347"/>
-            <a:ext cx="10515600" cy="4351338"/>
+            <a:off x="838200" y="311727"/>
+            <a:ext cx="10515600" cy="5865236"/>
           </a:xfrm>
         </p:spPr>
         <p:txBody>
           <a:bodyPr>
-            <a:normAutofit lnSpcReduction="10000"/>
+            <a:normAutofit fontScale="85000" lnSpcReduction="20000"/>
           </a:bodyPr>
           <a:lstStyle/>
           <a:p>
@@ -4275,7 +4233,7 @@
             </a:pPr>
             <a:r>
               <a:rPr lang="ko-KR" altLang="en-US"/>
-              <a:t>차량의 부품 별 정비 받아야 할 시점이 다름</a:t>
+              <a:t>부품별 교환 시기 자료</a:t>
             </a:r>
             <a:endParaRPr lang="ko-KR" altLang="en-US"/>
           </a:p>
@@ -4284,58 +4242,48 @@
               <a:defRPr/>
             </a:pPr>
             <a:r>
-              <a:rPr lang="ko-KR" altLang="en-US"/>
-              <a:t>부품별</a:t>
-            </a:r>
-            <a:r>
-              <a:rPr lang="en-US" altLang="ko-KR"/>
-              <a:t>(ex :</a:t>
-            </a:r>
-            <a:r>
-              <a:rPr lang="ko-KR" altLang="en-US"/>
-              <a:t> 엔진</a:t>
-            </a:r>
-            <a:r>
-              <a:rPr lang="en-US" altLang="ko-KR"/>
-              <a:t>,</a:t>
-            </a:r>
-            <a:r>
-              <a:rPr lang="ko-KR" altLang="en-US"/>
-              <a:t> 타이어</a:t>
-            </a:r>
-            <a:r>
-              <a:rPr lang="en-US" altLang="ko-KR"/>
-              <a:t>,</a:t>
-            </a:r>
-            <a:r>
-              <a:rPr lang="ko-KR" altLang="en-US"/>
-              <a:t> 냉각수 등</a:t>
-            </a:r>
-            <a:r>
-              <a:rPr lang="en-US" altLang="ko-KR"/>
-              <a:t>)</a:t>
-            </a:r>
-            <a:r>
-              <a:rPr lang="ko-KR" altLang="en-US"/>
-              <a:t> 정비 시점을 알림</a:t>
-            </a:r>
-            <a:endParaRPr lang="ko-KR" altLang="en-US"/>
+              <a:rPr lang="en-US" altLang="ko-KR">
+                <a:hlinkClick r:id="rId2"/>
+              </a:rPr>
+              <a:t>https://m.post.naver.com/viewer/postView.nhn?volumeNo=6571874&amp;memberNo=28455927</a:t>
+            </a:r>
+            <a:endParaRPr lang="en-US" altLang="ko-KR"/>
           </a:p>
           <a:p>
             <a:pPr>
               <a:defRPr/>
             </a:pPr>
             <a:r>
-              <a:rPr lang="ko-KR" altLang="en-US"/>
-              <a:t>부품 교체 예상 비용</a:t>
-            </a:r>
-            <a:endParaRPr lang="ko-KR" altLang="en-US"/>
+              <a:rPr lang="en-US" altLang="ko-KR">
+                <a:hlinkClick r:id="rId3"/>
+              </a:rPr>
+              <a:t>https://blog.naver.com/trust846/222391591566</a:t>
+            </a:r>
+            <a:endParaRPr lang="en-US" altLang="ko-KR"/>
           </a:p>
           <a:p>
             <a:pPr>
               <a:defRPr/>
             </a:pPr>
-            <a:endParaRPr lang="ko-KR" altLang="en-US"/>
+            <a:r>
+              <a:rPr lang="en-US" altLang="ko-KR">
+                <a:hlinkClick r:id="rId4"/>
+              </a:rPr>
+              <a:t>https://blog.naver.com/amazoncarrent/222213676649</a:t>
+            </a:r>
+            <a:endParaRPr lang="en-US" altLang="ko-KR"/>
+          </a:p>
+          <a:p>
+            <a:pPr>
+              <a:defRPr/>
+            </a:pPr>
+            <a:r>
+              <a:rPr lang="en-US" altLang="ko-KR">
+                <a:hlinkClick r:id="rId5"/>
+              </a:rPr>
+              <a:t>https://blog.naver.com/rexgarageic/222346030033</a:t>
+            </a:r>
+            <a:endParaRPr lang="en-US" altLang="ko-KR"/>
           </a:p>
           <a:p>
             <a:pPr>
@@ -4349,7 +4297,7 @@
             </a:pPr>
             <a:r>
               <a:rPr lang="ko-KR" altLang="en-US"/>
-              <a:t>한계점</a:t>
+              <a:t>추가 기능</a:t>
             </a:r>
             <a:endParaRPr lang="ko-KR" altLang="en-US"/>
           </a:p>
@@ -4359,19 +4307,19 @@
             </a:pPr>
             <a:r>
               <a:rPr lang="ko-KR" altLang="en-US"/>
-              <a:t>관련 어플 다수 존재</a:t>
-            </a:r>
-            <a:endParaRPr lang="ko-KR" altLang="en-US"/>
+              <a:t>부품별 관리 </a:t>
+            </a:r>
+            <a:r>
+              <a:rPr lang="en-US" altLang="ko-KR"/>
+              <a:t>tip</a:t>
+            </a:r>
+            <a:endParaRPr lang="en-US" altLang="ko-KR"/>
           </a:p>
           <a:p>
             <a:pPr>
               <a:defRPr/>
             </a:pPr>
-            <a:r>
-              <a:rPr lang="ko-KR" altLang="en-US"/>
-              <a:t>운전자의 운전 습관에 따라 부품의 마모 상태 달라짐</a:t>
-            </a:r>
-            <a:endParaRPr lang="ko-KR" altLang="en-US"/>
+            <a:endParaRPr lang="en-US" altLang="ko-KR"/>
           </a:p>
           <a:p>
             <a:pPr>
@@ -4379,11 +4327,77 @@
             </a:pPr>
             <a:r>
               <a:rPr lang="ko-KR" altLang="en-US"/>
-              <a:t>외제차는 수리가 불가한 경우가 있나</a:t>
+              <a:t>가까운 정비소 위치</a:t>
+            </a:r>
+            <a:endParaRPr lang="ko-KR" altLang="en-US"/>
+          </a:p>
+          <a:p>
+            <a:pPr>
+              <a:defRPr/>
+            </a:pPr>
+            <a:r>
+              <a:rPr lang="ko-KR" altLang="en-US"/>
+              <a:t>정비소 위치 정보 </a:t>
             </a:r>
             <a:r>
               <a:rPr lang="en-US" altLang="ko-KR"/>
-              <a:t>?</a:t>
+              <a:t>:</a:t>
+            </a:r>
+            <a:r>
+              <a:rPr lang="ko-KR" altLang="en-US"/>
+              <a:t> </a:t>
+            </a:r>
+            <a:r>
+              <a:rPr lang="en-US" altLang="ko-KR">
+                <a:hlinkClick r:id="rId6"/>
+              </a:rPr>
+              <a:t>https://www.localdata.go.kr/data/allDataView.do?menuNo=1000</a:t>
+            </a:r>
+            <a:endParaRPr lang="en-US" altLang="ko-KR"/>
+          </a:p>
+          <a:p>
+            <a:pPr>
+              <a:defRPr/>
+            </a:pPr>
+            <a:r>
+              <a:rPr lang="ko-KR" altLang="en-US"/>
+              <a:t>정비소 위치 정보 </a:t>
+            </a:r>
+            <a:r>
+              <a:rPr lang="en-US" altLang="ko-KR"/>
+              <a:t>-&gt;</a:t>
+            </a:r>
+            <a:r>
+              <a:rPr lang="ko-KR" altLang="en-US"/>
+              <a:t> 잘 안찾아짐</a:t>
+            </a:r>
+            <a:endParaRPr lang="ko-KR" altLang="en-US"/>
+          </a:p>
+          <a:p>
+            <a:pPr>
+              <a:defRPr/>
+            </a:pPr>
+            <a:endParaRPr lang="en-US" altLang="ko-KR"/>
+          </a:p>
+          <a:p>
+            <a:pPr>
+              <a:defRPr/>
+            </a:pPr>
+            <a:r>
+              <a:rPr lang="ko-KR" altLang="en-US"/>
+              <a:t>자동차 관련 소식</a:t>
+            </a:r>
+            <a:r>
+              <a:rPr lang="en-US" altLang="ko-KR"/>
+              <a:t>(</a:t>
+            </a:r>
+            <a:r>
+              <a:rPr lang="ko-KR" altLang="en-US"/>
+              <a:t>신차 출시 예정 등</a:t>
+            </a:r>
+            <a:r>
+              <a:rPr lang="en-US" altLang="ko-KR"/>
+              <a:t>)</a:t>
             </a:r>
             <a:endParaRPr lang="en-US" altLang="ko-KR"/>
           </a:p>
@@ -4446,14 +4460,12 @@
         </p:nvSpPr>
         <p:spPr>
           <a:xfrm>
-            <a:off x="838200" y="311727"/>
-            <a:ext cx="10515600" cy="5865236"/>
+            <a:off x="838200" y="336261"/>
+            <a:ext cx="10515600" cy="5840701"/>
           </a:xfrm>
         </p:spPr>
         <p:txBody>
-          <a:bodyPr>
-            <a:normAutofit fontScale="85000" lnSpcReduction="20000"/>
-          </a:bodyPr>
+          <a:bodyPr/>
           <a:lstStyle/>
           <a:p>
             <a:pPr>
@@ -4461,7 +4473,7 @@
             </a:pPr>
             <a:r>
               <a:rPr lang="ko-KR" altLang="en-US"/>
-              <a:t>부품별 교환 시기 자료</a:t>
+              <a:t>참고자료</a:t>
             </a:r>
             <a:endParaRPr lang="ko-KR" altLang="en-US"/>
           </a:p>
@@ -4470,10 +4482,76 @@
               <a:defRPr/>
             </a:pPr>
             <a:r>
+              <a:rPr lang="ko-KR" altLang="en-US"/>
+              <a:t>관리 </a:t>
+            </a:r>
+            <a:r>
+              <a:rPr lang="en-US" altLang="ko-KR"/>
+              <a:t>tip</a:t>
+            </a:r>
+            <a:r>
+              <a:rPr lang="ko-KR" altLang="en-US"/>
+              <a:t> </a:t>
+            </a:r>
+            <a:r>
+              <a:rPr lang="en-US" altLang="ko-KR"/>
+              <a:t>(</a:t>
+            </a:r>
+            <a:r>
+              <a:rPr lang="ko-KR" altLang="en-US"/>
+              <a:t>상황별 분류 </a:t>
+            </a:r>
+            <a:r>
+              <a:rPr lang="en-US" altLang="ko-KR"/>
+              <a:t>:</a:t>
+            </a:r>
+            <a:r>
+              <a:rPr lang="ko-KR" altLang="en-US"/>
+              <a:t> 눈</a:t>
+            </a:r>
+            <a:r>
+              <a:rPr lang="en-US" altLang="ko-KR"/>
+              <a:t>,</a:t>
+            </a:r>
+            <a:r>
+              <a:rPr lang="ko-KR" altLang="en-US"/>
+              <a:t> 비</a:t>
+            </a:r>
+            <a:r>
+              <a:rPr lang="en-US" altLang="ko-KR"/>
+              <a:t>,</a:t>
+            </a:r>
+            <a:r>
+              <a:rPr lang="ko-KR" altLang="en-US"/>
+              <a:t> 폭염 등</a:t>
+            </a:r>
+            <a:r>
+              <a:rPr lang="en-US" altLang="ko-KR"/>
+              <a:t>)</a:t>
+            </a:r>
+            <a:endParaRPr lang="en-US" altLang="ko-KR"/>
+          </a:p>
+          <a:p>
+            <a:pPr>
+              <a:defRPr/>
+            </a:pPr>
+            <a:r>
+              <a:rPr lang="ko-KR" altLang="en-US"/>
+              <a:t>폭염 및 장마 </a:t>
+            </a:r>
+            <a:r>
+              <a:rPr lang="en-US" altLang="ko-KR"/>
+              <a:t>:</a:t>
+            </a:r>
+            <a:r>
+              <a:rPr lang="ko-KR" altLang="en-US"/>
+              <a:t> </a:t>
+            </a:r>
+            <a:r>
               <a:rPr lang="en-US" altLang="ko-KR">
                 <a:hlinkClick r:id="rId2"/>
               </a:rPr>
-              <a:t>https://m.post.naver.com/viewer/postView.nhn?volumeNo=6571874&amp;memberNo=28455927</a:t>
+              <a:t>https://blog.naver.com/sbdnjfemqlwjs/222056053328</a:t>
             </a:r>
             <a:endParaRPr lang="en-US" altLang="ko-KR"/>
           </a:p>
@@ -4482,34 +4560,22 @@
               <a:defRPr/>
             </a:pPr>
             <a:r>
+              <a:rPr lang="ko-KR" altLang="en-US"/>
+              <a:t>겨울철 </a:t>
+            </a:r>
+            <a:r>
+              <a:rPr lang="en-US" altLang="ko-KR"/>
+              <a:t>:</a:t>
+            </a:r>
+            <a:r>
+              <a:rPr lang="ko-KR" altLang="en-US"/>
+              <a:t> </a:t>
+            </a:r>
+            <a:r>
               <a:rPr lang="en-US" altLang="ko-KR">
                 <a:hlinkClick r:id="rId3"/>
               </a:rPr>
-              <a:t>https://blog.naver.com/trust846/222391591566</a:t>
-            </a:r>
-            <a:endParaRPr lang="en-US" altLang="ko-KR"/>
-          </a:p>
-          <a:p>
-            <a:pPr>
-              <a:defRPr/>
-            </a:pPr>
-            <a:r>
-              <a:rPr lang="en-US" altLang="ko-KR">
-                <a:hlinkClick r:id="rId4"/>
-              </a:rPr>
-              <a:t>https://blog.naver.com/amazoncarrent/222213676649</a:t>
-            </a:r>
-            <a:endParaRPr lang="en-US" altLang="ko-KR"/>
-          </a:p>
-          <a:p>
-            <a:pPr>
-              <a:defRPr/>
-            </a:pPr>
-            <a:r>
-              <a:rPr lang="en-US" altLang="ko-KR">
-                <a:hlinkClick r:id="rId5"/>
-              </a:rPr>
-              <a:t>https://blog.naver.com/rexgarageic/222346030033</a:t>
+              <a:t>https://blog.naver.com/hanclover/222166807306</a:t>
             </a:r>
             <a:endParaRPr lang="en-US" altLang="ko-KR"/>
           </a:p>
@@ -4525,21 +4591,23 @@
             </a:pPr>
             <a:r>
               <a:rPr lang="ko-KR" altLang="en-US"/>
-              <a:t>추가 기능</a:t>
-            </a:r>
-            <a:endParaRPr lang="ko-KR" altLang="en-US"/>
+              <a:t>주행거리별 </a:t>
+            </a:r>
+            <a:r>
+              <a:rPr lang="en-US" altLang="ko-KR"/>
+              <a:t>check list</a:t>
+            </a:r>
+            <a:endParaRPr lang="en-US" altLang="ko-KR"/>
           </a:p>
           <a:p>
             <a:pPr>
               <a:defRPr/>
             </a:pPr>
             <a:r>
-              <a:rPr lang="ko-KR" altLang="en-US"/>
-              <a:t>부품별 관리 </a:t>
-            </a:r>
-            <a:r>
-              <a:rPr lang="en-US" altLang="ko-KR"/>
-              <a:t>tip</a:t>
+              <a:rPr lang="en-US" altLang="ko-KR">
+                <a:hlinkClick r:id="rId4"/>
+              </a:rPr>
+              <a:t>https://blog.daum.net/pspiel/12879385</a:t>
             </a:r>
             <a:endParaRPr lang="en-US" altLang="ko-KR"/>
           </a:p>
@@ -4550,96 +4618,58 @@
             <a:endParaRPr lang="en-US" altLang="ko-KR"/>
           </a:p>
           <a:p>
-            <a:pPr>
+            <a:pPr lvl="0">
               <a:defRPr/>
             </a:pPr>
             <a:r>
               <a:rPr lang="ko-KR" altLang="en-US"/>
-              <a:t>가까운 정비소 위치</a:t>
-            </a:r>
-            <a:endParaRPr lang="ko-KR" altLang="en-US"/>
-          </a:p>
-          <a:p>
-            <a:pPr>
+              <a:t>아이콘 </a:t>
+            </a:r>
+            <a:r>
+              <a:rPr lang="en-US" altLang="ko-KR"/>
+              <a:t>-</a:t>
+            </a:r>
+            <a:r>
+              <a:rPr lang="ko-KR" altLang="en-US"/>
+              <a:t> </a:t>
+            </a:r>
+            <a:r>
+              <a:rPr lang="en-US" altLang="ko-KR"/>
+              <a:t>flaticon.com</a:t>
+            </a:r>
+            <a:endParaRPr lang="en-US" altLang="ko-KR"/>
+          </a:p>
+          <a:p>
+            <a:pPr lvl="0">
               <a:defRPr/>
             </a:pPr>
             <a:r>
+              <a:rPr lang="en-US" altLang="ko-KR"/>
+              <a:t>flow chart </a:t>
+            </a:r>
+            <a:r>
               <a:rPr lang="ko-KR" altLang="en-US"/>
-              <a:t>정비소 위치 정보 </a:t>
+              <a:t>구성 </a:t>
             </a:r>
             <a:r>
               <a:rPr lang="en-US" altLang="ko-KR"/>
-              <a:t>:</a:t>
+              <a:t>-</a:t>
             </a:r>
             <a:r>
               <a:rPr lang="ko-KR" altLang="en-US"/>
               <a:t> </a:t>
             </a:r>
             <a:r>
-              <a:rPr lang="en-US" altLang="ko-KR">
-                <a:hlinkClick r:id="rId6"/>
-              </a:rPr>
-              <a:t>https://www.localdata.go.kr/data/allDataView.do?menuNo=1000</a:t>
+              <a:rPr lang="en-US" altLang="ko-KR"/>
+              <a:t>draw.io</a:t>
             </a:r>
             <a:endParaRPr lang="en-US" altLang="ko-KR"/>
-          </a:p>
-          <a:p>
-            <a:pPr>
-              <a:defRPr/>
-            </a:pPr>
-            <a:r>
-              <a:rPr lang="ko-KR" altLang="en-US"/>
-              <a:t>정비소 위치 정보 </a:t>
-            </a:r>
-            <a:r>
-              <a:rPr lang="en-US" altLang="ko-KR"/>
-              <a:t>-&gt;</a:t>
-            </a:r>
-            <a:r>
-              <a:rPr lang="ko-KR" altLang="en-US"/>
-              <a:t> 잘 안찾아짐</a:t>
-            </a:r>
-            <a:endParaRPr lang="ko-KR" altLang="en-US"/>
           </a:p>
           <a:p>
             <a:pPr>
               <a:defRPr/>
             </a:pPr>
             <a:endParaRPr lang="en-US" altLang="ko-KR"/>
-          </a:p>
-          <a:p>
-            <a:pPr>
-              <a:defRPr/>
-            </a:pPr>
-            <a:r>
-              <a:rPr lang="ko-KR" altLang="en-US"/>
-              <a:t>자동차 관련 소식</a:t>
-            </a:r>
-            <a:r>
-              <a:rPr lang="en-US" altLang="ko-KR"/>
-              <a:t>(</a:t>
-            </a:r>
-            <a:r>
-              <a:rPr lang="ko-KR" altLang="en-US"/>
-              <a:t>신차 출시 예정 등</a:t>
-            </a:r>
-            <a:r>
-              <a:rPr lang="en-US" altLang="ko-KR"/>
-              <a:t>)</a:t>
-            </a:r>
-            <a:endParaRPr lang="en-US" altLang="ko-KR"/>
-          </a:p>
-          <a:p>
-            <a:pPr>
-              <a:defRPr/>
-            </a:pPr>
-            <a:endParaRPr lang="ko-KR" altLang="en-US"/>
-          </a:p>
-          <a:p>
-            <a:pPr>
-              <a:defRPr/>
-            </a:pPr>
-            <a:endParaRPr lang="ko-KR" altLang="en-US"/>
           </a:p>
         </p:txBody>
       </p:sp>
@@ -4676,227 +4706,213 @@
           <a:chExt cx="0" cy="0"/>
         </a:xfrm>
       </p:grpSpPr>
+      <p:pic>
+        <p:nvPicPr>
+          <p:cNvPr id="5" name=""/>
+          <p:cNvPicPr>
+            <a:picLocks noChangeAspect="1"/>
+          </p:cNvPicPr>
+          <p:nvPr/>
+        </p:nvPicPr>
+        <p:blipFill rotWithShape="1">
+          <a:blip r:embed="rId2"/>
+          <a:stretch>
+            <a:fillRect/>
+          </a:stretch>
+        </p:blipFill>
+        <p:spPr>
+          <a:xfrm>
+            <a:off x="0" y="714375"/>
+            <a:ext cx="6953250" cy="4305300"/>
+          </a:xfrm>
+          <a:prstGeom prst="rect">
+            <a:avLst/>
+          </a:prstGeom>
+        </p:spPr>
+      </p:pic>
       <p:sp>
         <p:nvSpPr>
-          <p:cNvPr id="3" name="내용 개체 틀 2"/>
-          <p:cNvSpPr>
-            <a:spLocks noGrp="1"/>
-          </p:cNvSpPr>
-          <p:nvPr>
-            <p:ph idx="1"/>
-          </p:nvPr>
+          <p:cNvPr id="6" name=""/>
+          <p:cNvSpPr/>
+          <p:nvPr/>
         </p:nvSpPr>
         <p:spPr>
           <a:xfrm>
-            <a:off x="838200" y="336261"/>
-            <a:ext cx="10515600" cy="5840701"/>
+            <a:off x="1" y="5279048"/>
+            <a:ext cx="12191999" cy="1578952"/>
           </a:xfrm>
+          <a:prstGeom prst="rect">
+            <a:avLst/>
+          </a:prstGeom>
+          <a:noFill/>
+          <a:ln w="12700" cap="flat" cmpd="sng" algn="ctr">
+            <a:noFill/>
+            <a:prstDash val="solid"/>
+            <a:miter/>
+            <a:headEnd w="med" len="med"/>
+            <a:tailEnd w="med" len="med"/>
+          </a:ln>
         </p:spPr>
+        <p:style>
+          <a:lnRef idx="2">
+            <a:schemeClr val="accent1">
+              <a:shade val="20000"/>
+            </a:schemeClr>
+          </a:lnRef>
+          <a:fillRef idx="1">
+            <a:schemeClr val="accent1"/>
+          </a:fillRef>
+          <a:effectRef idx="0">
+            <a:schemeClr val="accent1"/>
+          </a:effectRef>
+          <a:fontRef idx="minor">
+            <a:schemeClr val="lt1"/>
+          </a:fontRef>
+        </p:style>
         <p:txBody>
-          <a:bodyPr/>
-          <a:lstStyle/>
+          <a:bodyPr anchor="ctr"/>
           <a:p>
             <a:pPr>
               <a:defRPr/>
             </a:pPr>
             <a:r>
-              <a:rPr lang="ko-KR" altLang="en-US"/>
-              <a:t>참고자료</a:t>
-            </a:r>
-            <a:endParaRPr lang="ko-KR" altLang="en-US"/>
+              <a:rPr lang="ko-KR" altLang="en-US">
+                <a:solidFill>
+                  <a:schemeClr val="dk1"/>
+                </a:solidFill>
+              </a:rPr>
+              <a:t> </a:t>
+            </a:r>
+            <a:r>
+              <a:rPr lang="en-US" altLang="ko-KR">
+                <a:solidFill>
+                  <a:schemeClr val="dk1"/>
+                </a:solidFill>
+              </a:rPr>
+              <a:t>-</a:t>
+            </a:r>
+            <a:r>
+              <a:rPr lang="ko-KR" altLang="en-US">
+                <a:solidFill>
+                  <a:schemeClr val="dk1"/>
+                </a:solidFill>
+              </a:rPr>
+              <a:t> 통계에 의한 교통사고의 차량원인은 전체 사고에 비해 극히 미미하지만 차량의 구조적 결함이나 정비불량에 기인된 사고는 충돌사고에 겹쳐지면서 묻혀 버리는 경우가 많다</a:t>
+            </a:r>
+            <a:r>
+              <a:rPr lang="en-US" altLang="ko-KR">
+                <a:solidFill>
+                  <a:schemeClr val="dk1"/>
+                </a:solidFill>
+              </a:rPr>
+              <a:t>.</a:t>
+            </a:r>
+            <a:r>
+              <a:rPr lang="ko-KR" altLang="en-US">
+                <a:solidFill>
+                  <a:schemeClr val="dk1"/>
+                </a:solidFill>
+              </a:rPr>
+              <a:t> </a:t>
+            </a:r>
+            <a:endParaRPr lang="ko-KR" altLang="en-US">
+              <a:solidFill>
+                <a:schemeClr val="dk1"/>
+              </a:solidFill>
+            </a:endParaRPr>
           </a:p>
           <a:p>
             <a:pPr>
               <a:defRPr/>
             </a:pPr>
             <a:r>
+              <a:rPr lang="ko-KR" altLang="en-US">
+                <a:solidFill>
+                  <a:schemeClr val="dk1"/>
+                </a:solidFill>
+              </a:rPr>
+              <a:t> </a:t>
+            </a:r>
+            <a:r>
+              <a:rPr lang="en-US" altLang="ko-KR">
+                <a:solidFill>
+                  <a:schemeClr val="dk1"/>
+                </a:solidFill>
+              </a:rPr>
+              <a:t>-</a:t>
+            </a:r>
+            <a:r>
+              <a:rPr lang="ko-KR" altLang="en-US">
+                <a:solidFill>
+                  <a:schemeClr val="dk1"/>
+                </a:solidFill>
+              </a:rPr>
+              <a:t> 차량요인에 있어 큰 비중을 차지하는 것은 타이어 결함, 브레이크의 결함, 정비불량, 차량화재, 엔진결함 등이 존재</a:t>
+            </a:r>
+            <a:endParaRPr lang="ko-KR" altLang="en-US">
+              <a:solidFill>
+                <a:schemeClr val="dk1"/>
+              </a:solidFill>
+            </a:endParaRPr>
+          </a:p>
+        </p:txBody>
+      </p:sp>
+      <p:sp>
+        <p:nvSpPr>
+          <p:cNvPr id="9" name=""/>
+          <p:cNvSpPr/>
+          <p:nvPr/>
+        </p:nvSpPr>
+        <p:spPr>
+          <a:xfrm>
+            <a:off x="7616150" y="898621"/>
+            <a:ext cx="4031288" cy="3742651"/>
+          </a:xfrm>
+          <a:prstGeom prst="rect">
+            <a:avLst/>
+          </a:prstGeom>
+        </p:spPr>
+        <p:style>
+          <a:lnRef idx="2">
+            <a:schemeClr val="accent1">
+              <a:shade val="20000"/>
+            </a:schemeClr>
+          </a:lnRef>
+          <a:fillRef idx="1">
+            <a:schemeClr val="accent1"/>
+          </a:fillRef>
+          <a:effectRef idx="0">
+            <a:schemeClr val="accent1"/>
+          </a:effectRef>
+          <a:fontRef idx="minor">
+            <a:schemeClr val="lt1"/>
+          </a:fontRef>
+        </p:style>
+        <p:txBody>
+          <a:bodyPr anchor="ctr"/>
+          <a:p>
+            <a:pPr algn="ctr">
+              <a:defRPr/>
+            </a:pPr>
+            <a:r>
               <a:rPr lang="ko-KR" altLang="en-US"/>
-              <a:t>관리 </a:t>
-            </a:r>
-            <a:r>
-              <a:rPr lang="en-US" altLang="ko-KR"/>
-              <a:t>tip</a:t>
-            </a:r>
-            <a:r>
+              <a:t>기능 고장으로 인한 교통사고 그래프</a:t>
+            </a:r>
+            <a:br>
               <a:rPr lang="ko-KR" altLang="en-US"/>
-              <a:t> </a:t>
-            </a:r>
+            </a:br>
             <a:r>
               <a:rPr lang="en-US" altLang="ko-KR"/>
               <a:t>(</a:t>
             </a:r>
             <a:r>
               <a:rPr lang="ko-KR" altLang="en-US"/>
-              <a:t>상황별 분류 </a:t>
-            </a:r>
-            <a:r>
-              <a:rPr lang="en-US" altLang="ko-KR"/>
-              <a:t>:</a:t>
-            </a:r>
-            <a:r>
-              <a:rPr lang="ko-KR" altLang="en-US"/>
-              <a:t> 눈</a:t>
-            </a:r>
-            <a:r>
-              <a:rPr lang="en-US" altLang="ko-KR"/>
-              <a:t>,</a:t>
-            </a:r>
-            <a:r>
-              <a:rPr lang="ko-KR" altLang="en-US"/>
-              <a:t> 비</a:t>
-            </a:r>
-            <a:r>
-              <a:rPr lang="en-US" altLang="ko-KR"/>
-              <a:t>,</a:t>
-            </a:r>
-            <a:r>
-              <a:rPr lang="ko-KR" altLang="en-US"/>
-              <a:t> 폭염 등</a:t>
+              <a:t>예정</a:t>
             </a:r>
             <a:r>
               <a:rPr lang="en-US" altLang="ko-KR"/>
               <a:t>)</a:t>
             </a:r>
-            <a:endParaRPr lang="en-US" altLang="ko-KR"/>
-          </a:p>
-          <a:p>
-            <a:pPr>
-              <a:defRPr/>
-            </a:pPr>
-            <a:r>
-              <a:rPr lang="ko-KR" altLang="en-US"/>
-              <a:t>폭염 및 장마 </a:t>
-            </a:r>
-            <a:r>
-              <a:rPr lang="en-US" altLang="ko-KR"/>
-              <a:t>:</a:t>
-            </a:r>
-            <a:r>
-              <a:rPr lang="ko-KR" altLang="en-US"/>
-              <a:t> </a:t>
-            </a:r>
-            <a:r>
-              <a:rPr lang="en-US" altLang="ko-KR">
-                <a:hlinkClick r:id="rId2"/>
-              </a:rPr>
-              <a:t>https://blog.naver.com/sbdnjfemqlwjs/222056053328</a:t>
-            </a:r>
-            <a:endParaRPr lang="en-US" altLang="ko-KR"/>
-          </a:p>
-          <a:p>
-            <a:pPr>
-              <a:defRPr/>
-            </a:pPr>
-            <a:r>
-              <a:rPr lang="ko-KR" altLang="en-US"/>
-              <a:t>겨울철 </a:t>
-            </a:r>
-            <a:r>
-              <a:rPr lang="en-US" altLang="ko-KR"/>
-              <a:t>:</a:t>
-            </a:r>
-            <a:r>
-              <a:rPr lang="ko-KR" altLang="en-US"/>
-              <a:t> </a:t>
-            </a:r>
-            <a:r>
-              <a:rPr lang="en-US" altLang="ko-KR">
-                <a:hlinkClick r:id="rId3"/>
-              </a:rPr>
-              <a:t>https://blog.naver.com/hanclover/222166807306</a:t>
-            </a:r>
-            <a:endParaRPr lang="en-US" altLang="ko-KR"/>
-          </a:p>
-          <a:p>
-            <a:pPr>
-              <a:defRPr/>
-            </a:pPr>
-            <a:endParaRPr lang="en-US" altLang="ko-KR"/>
-          </a:p>
-          <a:p>
-            <a:pPr>
-              <a:defRPr/>
-            </a:pPr>
-            <a:r>
-              <a:rPr lang="ko-KR" altLang="en-US"/>
-              <a:t>주행거리별 </a:t>
-            </a:r>
-            <a:r>
-              <a:rPr lang="en-US" altLang="ko-KR"/>
-              <a:t>check list</a:t>
-            </a:r>
-            <a:endParaRPr lang="en-US" altLang="ko-KR"/>
-          </a:p>
-          <a:p>
-            <a:pPr>
-              <a:defRPr/>
-            </a:pPr>
-            <a:r>
-              <a:rPr lang="en-US" altLang="ko-KR">
-                <a:hlinkClick r:id="rId4"/>
-              </a:rPr>
-              <a:t>https://blog.daum.net/pspiel/12879385</a:t>
-            </a:r>
-            <a:endParaRPr lang="en-US" altLang="ko-KR"/>
-          </a:p>
-          <a:p>
-            <a:pPr>
-              <a:defRPr/>
-            </a:pPr>
-            <a:endParaRPr lang="en-US" altLang="ko-KR"/>
-          </a:p>
-          <a:p>
-            <a:pPr lvl="0">
-              <a:defRPr/>
-            </a:pPr>
-            <a:r>
-              <a:rPr lang="ko-KR" altLang="en-US"/>
-              <a:t>아이콘 </a:t>
-            </a:r>
-            <a:r>
-              <a:rPr lang="en-US" altLang="ko-KR"/>
-              <a:t>-</a:t>
-            </a:r>
-            <a:r>
-              <a:rPr lang="ko-KR" altLang="en-US"/>
-              <a:t> </a:t>
-            </a:r>
-            <a:r>
-              <a:rPr lang="en-US" altLang="ko-KR"/>
-              <a:t>flaticon.com</a:t>
-            </a:r>
-            <a:endParaRPr lang="en-US" altLang="ko-KR"/>
-          </a:p>
-          <a:p>
-            <a:pPr lvl="0">
-              <a:defRPr/>
-            </a:pPr>
-            <a:r>
-              <a:rPr lang="en-US" altLang="ko-KR"/>
-              <a:t>flow chart </a:t>
-            </a:r>
-            <a:r>
-              <a:rPr lang="ko-KR" altLang="en-US"/>
-              <a:t>구성 </a:t>
-            </a:r>
-            <a:r>
-              <a:rPr lang="en-US" altLang="ko-KR"/>
-              <a:t>-</a:t>
-            </a:r>
-            <a:r>
-              <a:rPr lang="ko-KR" altLang="en-US"/>
-              <a:t> </a:t>
-            </a:r>
-            <a:r>
-              <a:rPr lang="en-US" altLang="ko-KR"/>
-              <a:t>draw.io</a:t>
-            </a:r>
-            <a:endParaRPr lang="en-US" altLang="ko-KR"/>
-          </a:p>
-          <a:p>
-            <a:pPr>
-              <a:defRPr/>
-            </a:pPr>
             <a:endParaRPr lang="en-US" altLang="ko-KR"/>
           </a:p>
         </p:txBody>
@@ -4918,6 +4934,688 @@
 </file>
 
 <file path=ppt/slides/slide13.xml><?xml version="1.0" encoding="utf-8"?>
+<p:sld xmlns:r="http://schemas.openxmlformats.org/officeDocument/2006/relationships" xmlns:c="http://schemas.openxmlformats.org/drawingml/2006/chart" xmlns:a="http://schemas.openxmlformats.org/drawingml/2006/main" xmlns:dgm="http://schemas.openxmlformats.org/drawingml/2006/diagram" xmlns:dsp="http://schemas.microsoft.com/office/drawing/2008/diagram" xmlns:p="http://schemas.openxmlformats.org/presentationml/2006/main">
+  <p:cSld>
+    <p:spTree>
+      <p:nvGrpSpPr>
+        <p:cNvPr id="1" name=""/>
+        <p:cNvGrpSpPr/>
+        <p:nvPr/>
+      </p:nvGrpSpPr>
+      <p:grpSpPr>
+        <a:xfrm>
+          <a:off x="0" y="0"/>
+          <a:ext cx="0" cy="0"/>
+          <a:chOff x="0" y="0"/>
+          <a:chExt cx="0" cy="0"/>
+        </a:xfrm>
+      </p:grpSpPr>
+      <p:sp>
+        <p:nvSpPr>
+          <p:cNvPr id="2" name="제목 1"/>
+          <p:cNvSpPr>
+            <a:spLocks noGrp="1"/>
+          </p:cNvSpPr>
+          <p:nvPr>
+            <p:ph type="title" idx="0"/>
+          </p:nvPr>
+        </p:nvSpPr>
+        <p:spPr/>
+        <p:txBody>
+          <a:bodyPr/>
+          <a:lstStyle/>
+          <a:p>
+            <a:pPr lvl="0">
+              <a:defRPr/>
+            </a:pPr>
+            <a:r>
+              <a:rPr lang="ko-KR" altLang="en-US"/>
+              <a:t>제목 </a:t>
+            </a:r>
+            <a:r>
+              <a:rPr lang="en-US" altLang="ko-KR"/>
+              <a:t>: </a:t>
+            </a:r>
+            <a:r>
+              <a:rPr lang="ko-KR" altLang="en-US">
+                <a:solidFill>
+                  <a:schemeClr val="bg1">
+                    <a:lumMod val="85000"/>
+                  </a:schemeClr>
+                </a:solidFill>
+              </a:rPr>
+              <a:t>프로젝트 이름</a:t>
+            </a:r>
+            <a:endParaRPr lang="ko-KR" altLang="en-US">
+              <a:solidFill>
+                <a:schemeClr val="bg1">
+                  <a:lumMod val="85000"/>
+                </a:schemeClr>
+              </a:solidFill>
+            </a:endParaRPr>
+          </a:p>
+        </p:txBody>
+      </p:sp>
+      <p:sp>
+        <p:nvSpPr>
+          <p:cNvPr id="4" name="직사각형 3"/>
+          <p:cNvSpPr/>
+          <p:nvPr/>
+        </p:nvSpPr>
+        <p:spPr>
+          <a:xfrm>
+            <a:off x="176981" y="135685"/>
+            <a:ext cx="11749976" cy="6444019"/>
+          </a:xfrm>
+          <a:prstGeom prst="rect">
+            <a:avLst/>
+          </a:prstGeom>
+          <a:noFill/>
+          <a:ln w="3175">
+            <a:solidFill>
+              <a:srgbClr val="ff0000"/>
+            </a:solidFill>
+          </a:ln>
+        </p:spPr>
+        <p:style>
+          <a:lnRef idx="2">
+            <a:schemeClr val="accent1">
+              <a:shade val="50000"/>
+            </a:schemeClr>
+          </a:lnRef>
+          <a:fillRef idx="1">
+            <a:schemeClr val="accent1"/>
+          </a:fillRef>
+          <a:effectRef idx="0">
+            <a:schemeClr val="accent1"/>
+          </a:effectRef>
+          <a:fontRef idx="minor">
+            <a:schemeClr val="lt1"/>
+          </a:fontRef>
+        </p:style>
+        <p:txBody>
+          <a:bodyPr anchor="ctr"/>
+          <a:lstStyle/>
+          <a:p>
+            <a:pPr algn="ctr">
+              <a:defRPr/>
+            </a:pPr>
+            <a:endParaRPr lang="ko-KR" altLang="en-US"/>
+          </a:p>
+        </p:txBody>
+      </p:sp>
+      <p:sp>
+        <p:nvSpPr>
+          <p:cNvPr id="5" name="직사각형 4"/>
+          <p:cNvSpPr/>
+          <p:nvPr/>
+        </p:nvSpPr>
+        <p:spPr>
+          <a:xfrm>
+            <a:off x="655983" y="1742661"/>
+            <a:ext cx="3385930" cy="1219200"/>
+          </a:xfrm>
+          <a:prstGeom prst="rect">
+            <a:avLst/>
+          </a:prstGeom>
+        </p:spPr>
+        <p:style>
+          <a:lnRef idx="2">
+            <a:schemeClr val="accent1">
+              <a:shade val="50000"/>
+            </a:schemeClr>
+          </a:lnRef>
+          <a:fillRef idx="1">
+            <a:schemeClr val="accent1"/>
+          </a:fillRef>
+          <a:effectRef idx="0">
+            <a:schemeClr val="accent1"/>
+          </a:effectRef>
+          <a:fontRef idx="minor">
+            <a:schemeClr val="lt1"/>
+          </a:fontRef>
+        </p:style>
+        <p:txBody>
+          <a:bodyPr anchor="ctr"/>
+          <a:lstStyle/>
+          <a:p>
+            <a:pPr algn="ctr">
+              <a:defRPr/>
+            </a:pPr>
+            <a:r>
+              <a:rPr lang="ko-KR" altLang="en-US"/>
+              <a:t>목적 </a:t>
+            </a:r>
+            <a:r>
+              <a:rPr lang="en-US" altLang="ko-KR"/>
+              <a:t>or</a:t>
+            </a:r>
+            <a:r>
+              <a:rPr lang="ko-KR" altLang="en-US"/>
+              <a:t> 목표</a:t>
+            </a:r>
+            <a:endParaRPr lang="ko-KR" altLang="en-US"/>
+          </a:p>
+        </p:txBody>
+      </p:sp>
+      <p:sp>
+        <p:nvSpPr>
+          <p:cNvPr id="6" name="직사각형 5"/>
+          <p:cNvSpPr/>
+          <p:nvPr/>
+        </p:nvSpPr>
+        <p:spPr>
+          <a:xfrm>
+            <a:off x="655983" y="3329759"/>
+            <a:ext cx="3385930" cy="1219200"/>
+          </a:xfrm>
+          <a:prstGeom prst="rect">
+            <a:avLst/>
+          </a:prstGeom>
+        </p:spPr>
+        <p:style>
+          <a:lnRef idx="2">
+            <a:schemeClr val="accent1">
+              <a:shade val="50000"/>
+            </a:schemeClr>
+          </a:lnRef>
+          <a:fillRef idx="1">
+            <a:schemeClr val="accent1"/>
+          </a:fillRef>
+          <a:effectRef idx="0">
+            <a:schemeClr val="accent1"/>
+          </a:effectRef>
+          <a:fontRef idx="minor">
+            <a:schemeClr val="lt1"/>
+          </a:fontRef>
+        </p:style>
+        <p:txBody>
+          <a:bodyPr anchor="ctr"/>
+          <a:lstStyle/>
+          <a:p>
+            <a:pPr algn="ctr">
+              <a:defRPr/>
+            </a:pPr>
+            <a:r>
+              <a:rPr lang="ko-KR" altLang="en-US"/>
+              <a:t>기능 </a:t>
+            </a:r>
+            <a:r>
+              <a:rPr lang="en-US" altLang="ko-KR"/>
+              <a:t>or </a:t>
+            </a:r>
+            <a:r>
+              <a:rPr lang="ko-KR" altLang="en-US"/>
+              <a:t>제공할 서비스</a:t>
+            </a:r>
+            <a:endParaRPr lang="ko-KR" altLang="en-US"/>
+          </a:p>
+        </p:txBody>
+      </p:sp>
+      <p:sp>
+        <p:nvSpPr>
+          <p:cNvPr id="7" name="직사각형 6"/>
+          <p:cNvSpPr/>
+          <p:nvPr/>
+        </p:nvSpPr>
+        <p:spPr>
+          <a:xfrm>
+            <a:off x="7149548" y="1742661"/>
+            <a:ext cx="3385930" cy="1219200"/>
+          </a:xfrm>
+          <a:prstGeom prst="rect">
+            <a:avLst/>
+          </a:prstGeom>
+        </p:spPr>
+        <p:style>
+          <a:lnRef idx="2">
+            <a:schemeClr val="accent1">
+              <a:shade val="50000"/>
+            </a:schemeClr>
+          </a:lnRef>
+          <a:fillRef idx="1">
+            <a:schemeClr val="accent1"/>
+          </a:fillRef>
+          <a:effectRef idx="0">
+            <a:schemeClr val="accent1"/>
+          </a:effectRef>
+          <a:fontRef idx="minor">
+            <a:schemeClr val="lt1"/>
+          </a:fontRef>
+        </p:style>
+        <p:txBody>
+          <a:bodyPr anchor="ctr"/>
+          <a:lstStyle/>
+          <a:p>
+            <a:pPr algn="ctr">
+              <a:defRPr/>
+            </a:pPr>
+            <a:r>
+              <a:rPr lang="ko-KR" altLang="en-US"/>
+              <a:t>장점 및 단점</a:t>
+            </a:r>
+            <a:endParaRPr lang="ko-KR" altLang="en-US"/>
+          </a:p>
+        </p:txBody>
+      </p:sp>
+      <p:sp>
+        <p:nvSpPr>
+          <p:cNvPr id="8" name="직사각형 7"/>
+          <p:cNvSpPr/>
+          <p:nvPr/>
+        </p:nvSpPr>
+        <p:spPr>
+          <a:xfrm>
+            <a:off x="7149548" y="3351068"/>
+            <a:ext cx="3385930" cy="1219200"/>
+          </a:xfrm>
+          <a:prstGeom prst="rect">
+            <a:avLst/>
+          </a:prstGeom>
+        </p:spPr>
+        <p:style>
+          <a:lnRef idx="2">
+            <a:schemeClr val="accent1">
+              <a:shade val="50000"/>
+            </a:schemeClr>
+          </a:lnRef>
+          <a:fillRef idx="1">
+            <a:schemeClr val="accent1"/>
+          </a:fillRef>
+          <a:effectRef idx="0">
+            <a:schemeClr val="accent1"/>
+          </a:effectRef>
+          <a:fontRef idx="minor">
+            <a:schemeClr val="lt1"/>
+          </a:fontRef>
+        </p:style>
+        <p:txBody>
+          <a:bodyPr anchor="ctr"/>
+          <a:lstStyle/>
+          <a:p>
+            <a:pPr algn="ctr">
+              <a:defRPr/>
+            </a:pPr>
+            <a:r>
+              <a:rPr lang="ko-KR" altLang="en-US"/>
+              <a:t>다른 앱</a:t>
+            </a:r>
+            <a:r>
+              <a:rPr lang="en-US" altLang="ko-KR"/>
+              <a:t>(?)</a:t>
+            </a:r>
+            <a:r>
+              <a:rPr lang="ko-KR" altLang="en-US"/>
+              <a:t> 비교</a:t>
+            </a:r>
+            <a:endParaRPr lang="ko-KR" altLang="en-US"/>
+          </a:p>
+        </p:txBody>
+      </p:sp>
+      <p:graphicFrame>
+        <p:nvGraphicFramePr>
+          <p:cNvPr id="9" name="표 9"/>
+          <p:cNvGraphicFramePr>
+            <a:graphicFrameLocks noGrp="1"/>
+          </p:cNvGraphicFramePr>
+          <p:nvPr/>
+        </p:nvGraphicFramePr>
+        <p:xfrm>
+          <a:off x="6553199" y="4896678"/>
+          <a:ext cx="5071165" cy="1149513"/>
+        </p:xfrm>
+        <a:graphic>
+          <a:graphicData uri="http://schemas.openxmlformats.org/drawingml/2006/table">
+            <a:tbl>
+              <a:tblPr firstRow="1" bandRow="1">
+                <a:tableStyleId>{5C22544A-7EE6-4342-B048-85BDC9FD1C3A}</a:tableStyleId>
+              </a:tblPr>
+              <a:tblGrid>
+                <a:gridCol w="1014233"/>
+                <a:gridCol w="1014233"/>
+                <a:gridCol w="1014233"/>
+                <a:gridCol w="1014233"/>
+                <a:gridCol w="1014233"/>
+              </a:tblGrid>
+              <a:tr h="383171">
+                <a:tc>
+                  <a:txBody>
+                    <a:bodyPr vert="horz" lIns="91440" tIns="45720" rIns="91440" bIns="45720" anchor="ctr" anchorCtr="0"/>
+                    <a:p>
+                      <a:pPr algn="ctr" latinLnBrk="1">
+                        <a:defRPr/>
+                      </a:pPr>
+                      <a:endParaRPr lang="ko-KR" altLang="en-US" sz="1000"/>
+                    </a:p>
+                  </a:txBody>
+                  <a:tcPr marL="91440" marR="91440" anchor="ctr"/>
+                </a:tc>
+                <a:tc>
+                  <a:txBody>
+                    <a:bodyPr vert="horz" lIns="91440" tIns="45720" rIns="91440" bIns="45720" anchor="ctr" anchorCtr="0"/>
+                    <a:p>
+                      <a:pPr algn="ctr" latinLnBrk="1">
+                        <a:defRPr/>
+                      </a:pPr>
+                      <a:r>
+                        <a:rPr lang="ko-KR" altLang="en-US" sz="1000"/>
+                        <a:t>만들 앱</a:t>
+                      </a:r>
+                      <a:endParaRPr lang="ko-KR" altLang="en-US" sz="1000"/>
+                    </a:p>
+                  </a:txBody>
+                  <a:tcPr marL="91440" marR="91440" anchor="ctr"/>
+                </a:tc>
+                <a:tc>
+                  <a:txBody>
+                    <a:bodyPr vert="horz" lIns="91440" tIns="45720" rIns="91440" bIns="45720" anchor="ctr" anchorCtr="0"/>
+                    <a:p>
+                      <a:pPr algn="ctr" latinLnBrk="1">
+                        <a:defRPr/>
+                      </a:pPr>
+                      <a:r>
+                        <a:rPr lang="ko-KR" altLang="en-US" sz="1000"/>
+                        <a:t>앱 </a:t>
+                      </a:r>
+                      <a:r>
+                        <a:rPr lang="en-US" altLang="ko-KR" sz="1000"/>
+                        <a:t>A</a:t>
+                      </a:r>
+                      <a:endParaRPr lang="ko-KR" altLang="en-US" sz="1000"/>
+                    </a:p>
+                  </a:txBody>
+                  <a:tcPr marL="91440" marR="91440" anchor="ctr"/>
+                </a:tc>
+                <a:tc>
+                  <a:txBody>
+                    <a:bodyPr vert="horz" lIns="91440" tIns="45720" rIns="91440" bIns="45720" anchor="ctr" anchorCtr="0"/>
+                    <a:p>
+                      <a:pPr algn="ctr" latinLnBrk="1">
+                        <a:defRPr/>
+                      </a:pPr>
+                      <a:r>
+                        <a:rPr lang="ko-KR" altLang="en-US" sz="1000"/>
+                        <a:t>앱 </a:t>
+                      </a:r>
+                      <a:r>
+                        <a:rPr lang="en-US" altLang="ko-KR" sz="1000"/>
+                        <a:t>B</a:t>
+                      </a:r>
+                      <a:endParaRPr lang="ko-KR" altLang="en-US" sz="1000"/>
+                    </a:p>
+                  </a:txBody>
+                  <a:tcPr marL="91440" marR="91440" anchor="ctr"/>
+                </a:tc>
+                <a:tc>
+                  <a:txBody>
+                    <a:bodyPr vert="horz" lIns="91440" tIns="45720" rIns="91440" bIns="45720" anchor="ctr" anchorCtr="0"/>
+                    <a:p>
+                      <a:pPr algn="ctr" latinLnBrk="1">
+                        <a:defRPr/>
+                      </a:pPr>
+                      <a:r>
+                        <a:rPr lang="ko-KR" altLang="en-US" sz="1000"/>
+                        <a:t>앱 </a:t>
+                      </a:r>
+                      <a:r>
+                        <a:rPr lang="en-US" altLang="ko-KR" sz="1000"/>
+                        <a:t>C</a:t>
+                      </a:r>
+                      <a:endParaRPr lang="ko-KR" altLang="en-US" sz="1000"/>
+                    </a:p>
+                  </a:txBody>
+                  <a:tcPr marL="91440" marR="91440" anchor="ctr"/>
+                </a:tc>
+              </a:tr>
+              <a:tr h="383171">
+                <a:tc>
+                  <a:txBody>
+                    <a:bodyPr vert="horz" lIns="91440" tIns="45720" rIns="91440" bIns="45720" anchor="ctr" anchorCtr="0"/>
+                    <a:p>
+                      <a:pPr algn="ctr" latinLnBrk="1">
+                        <a:defRPr/>
+                      </a:pPr>
+                      <a:r>
+                        <a:rPr lang="ko-KR" altLang="en-US" sz="1000"/>
+                        <a:t>기능 </a:t>
+                      </a:r>
+                      <a:r>
+                        <a:rPr lang="en-US" altLang="ko-KR" sz="1000"/>
+                        <a:t>1</a:t>
+                      </a:r>
+                      <a:endParaRPr lang="ko-KR" altLang="en-US" sz="1000"/>
+                    </a:p>
+                  </a:txBody>
+                  <a:tcPr marL="91440" marR="91440" anchor="ctr"/>
+                </a:tc>
+                <a:tc>
+                  <a:txBody>
+                    <a:bodyPr vert="horz" lIns="91440" tIns="45720" rIns="91440" bIns="45720" anchor="ctr" anchorCtr="0"/>
+                    <a:p>
+                      <a:pPr algn="ctr" latinLnBrk="1">
+                        <a:defRPr/>
+                      </a:pPr>
+                      <a:endParaRPr lang="ko-KR" altLang="en-US" sz="1000"/>
+                    </a:p>
+                  </a:txBody>
+                  <a:tcPr marL="91440" marR="91440" anchor="ctr">
+                    <a:pattFill prst="wdUpDiag">
+                      <a:fgClr>
+                        <a:schemeClr val="accent1">
+                          <a:tint val="40000"/>
+                        </a:schemeClr>
+                      </a:fgClr>
+                      <a:bgClr>
+                        <a:schemeClr val="bg1"/>
+                      </a:bgClr>
+                    </a:pattFill>
+                  </a:tcPr>
+                </a:tc>
+                <a:tc>
+                  <a:txBody>
+                    <a:bodyPr vert="horz" lIns="91440" tIns="45720" rIns="91440" bIns="45720" anchor="ctr" anchorCtr="0"/>
+                    <a:p>
+                      <a:pPr algn="ctr" latinLnBrk="1">
+                        <a:defRPr/>
+                      </a:pPr>
+                      <a:endParaRPr lang="ko-KR" altLang="en-US" sz="1000"/>
+                    </a:p>
+                  </a:txBody>
+                  <a:tcPr marL="91440" marR="91440" anchor="ctr">
+                    <a:pattFill prst="wdUpDiag">
+                      <a:fgClr>
+                        <a:schemeClr val="accent1">
+                          <a:tint val="40000"/>
+                        </a:schemeClr>
+                      </a:fgClr>
+                      <a:bgClr>
+                        <a:schemeClr val="bg1"/>
+                      </a:bgClr>
+                    </a:pattFill>
+                  </a:tcPr>
+                </a:tc>
+                <a:tc>
+                  <a:txBody>
+                    <a:bodyPr vert="horz" lIns="91440" tIns="45720" rIns="91440" bIns="45720" anchor="ctr" anchorCtr="0"/>
+                    <a:p>
+                      <a:pPr algn="ctr" latinLnBrk="1">
+                        <a:defRPr/>
+                      </a:pPr>
+                      <a:endParaRPr lang="ko-KR" altLang="en-US" sz="1000"/>
+                    </a:p>
+                  </a:txBody>
+                  <a:tcPr marL="91440" marR="91440" anchor="ctr">
+                    <a:pattFill prst="wdUpDiag">
+                      <a:fgClr>
+                        <a:schemeClr val="accent1">
+                          <a:tint val="40000"/>
+                        </a:schemeClr>
+                      </a:fgClr>
+                      <a:bgClr>
+                        <a:schemeClr val="bg1"/>
+                      </a:bgClr>
+                    </a:pattFill>
+                  </a:tcPr>
+                </a:tc>
+                <a:tc>
+                  <a:txBody>
+                    <a:bodyPr vert="horz" lIns="91440" tIns="45720" rIns="91440" bIns="45720" anchor="ctr" anchorCtr="0"/>
+                    <a:p>
+                      <a:pPr algn="ctr" latinLnBrk="1">
+                        <a:defRPr/>
+                      </a:pPr>
+                      <a:endParaRPr lang="ko-KR" altLang="en-US" sz="1000"/>
+                    </a:p>
+                  </a:txBody>
+                  <a:tcPr marL="91440" marR="91440" anchor="ctr">
+                    <a:pattFill prst="wdUpDiag">
+                      <a:fgClr>
+                        <a:schemeClr val="accent1">
+                          <a:tint val="40000"/>
+                        </a:schemeClr>
+                      </a:fgClr>
+                      <a:bgClr>
+                        <a:schemeClr val="bg1"/>
+                      </a:bgClr>
+                    </a:pattFill>
+                  </a:tcPr>
+                </a:tc>
+              </a:tr>
+              <a:tr h="383171">
+                <a:tc>
+                  <a:txBody>
+                    <a:bodyPr vert="horz" lIns="91440" tIns="45720" rIns="91440" bIns="45720" anchor="ctr" anchorCtr="0"/>
+                    <a:p>
+                      <a:pPr algn="ctr" latinLnBrk="1">
+                        <a:defRPr/>
+                      </a:pPr>
+                      <a:r>
+                        <a:rPr lang="ko-KR" altLang="en-US" sz="1000"/>
+                        <a:t>기능 </a:t>
+                      </a:r>
+                      <a:r>
+                        <a:rPr lang="en-US" altLang="ko-KR" sz="1000"/>
+                        <a:t>2</a:t>
+                      </a:r>
+                      <a:endParaRPr lang="ko-KR" altLang="en-US" sz="1000"/>
+                    </a:p>
+                  </a:txBody>
+                  <a:tcPr marL="91440" marR="91440" anchor="ctr"/>
+                </a:tc>
+                <a:tc>
+                  <a:txBody>
+                    <a:bodyPr vert="horz" lIns="91440" tIns="45720" rIns="91440" bIns="45720" anchor="ctr" anchorCtr="0"/>
+                    <a:p>
+                      <a:pPr algn="ctr" latinLnBrk="1">
+                        <a:defRPr/>
+                      </a:pPr>
+                      <a:endParaRPr lang="ko-KR" altLang="en-US" sz="1000"/>
+                    </a:p>
+                  </a:txBody>
+                  <a:tcPr marL="91440" marR="91440" anchor="ctr">
+                    <a:pattFill prst="wdUpDiag">
+                      <a:fgClr>
+                        <a:schemeClr val="accent1">
+                          <a:tint val="40000"/>
+                        </a:schemeClr>
+                      </a:fgClr>
+                      <a:bgClr>
+                        <a:schemeClr val="bg1"/>
+                      </a:bgClr>
+                    </a:pattFill>
+                  </a:tcPr>
+                </a:tc>
+                <a:tc>
+                  <a:txBody>
+                    <a:bodyPr vert="horz" lIns="91440" tIns="45720" rIns="91440" bIns="45720" anchor="ctr" anchorCtr="0"/>
+                    <a:p>
+                      <a:pPr algn="ctr" latinLnBrk="1">
+                        <a:defRPr/>
+                      </a:pPr>
+                      <a:endParaRPr lang="ko-KR" altLang="en-US" sz="1000"/>
+                    </a:p>
+                  </a:txBody>
+                  <a:tcPr marL="91440" marR="91440" anchor="ctr">
+                    <a:pattFill prst="wdUpDiag">
+                      <a:fgClr>
+                        <a:schemeClr val="accent1">
+                          <a:tint val="40000"/>
+                        </a:schemeClr>
+                      </a:fgClr>
+                      <a:bgClr>
+                        <a:schemeClr val="bg1"/>
+                      </a:bgClr>
+                    </a:pattFill>
+                  </a:tcPr>
+                </a:tc>
+                <a:tc>
+                  <a:txBody>
+                    <a:bodyPr vert="horz" lIns="91440" tIns="45720" rIns="91440" bIns="45720" anchor="ctr" anchorCtr="0"/>
+                    <a:p>
+                      <a:pPr algn="ctr" latinLnBrk="1">
+                        <a:defRPr/>
+                      </a:pPr>
+                      <a:endParaRPr lang="ko-KR" altLang="en-US" sz="1000"/>
+                    </a:p>
+                  </a:txBody>
+                  <a:tcPr marL="91440" marR="91440" anchor="ctr">
+                    <a:pattFill prst="wdUpDiag">
+                      <a:fgClr>
+                        <a:schemeClr val="accent1">
+                          <a:tint val="40000"/>
+                        </a:schemeClr>
+                      </a:fgClr>
+                      <a:bgClr>
+                        <a:schemeClr val="bg1"/>
+                      </a:bgClr>
+                    </a:pattFill>
+                  </a:tcPr>
+                </a:tc>
+                <a:tc>
+                  <a:txBody>
+                    <a:bodyPr vert="horz" lIns="91440" tIns="45720" rIns="91440" bIns="45720" anchor="ctr" anchorCtr="0"/>
+                    <a:p>
+                      <a:pPr algn="ctr" latinLnBrk="1">
+                        <a:defRPr/>
+                      </a:pPr>
+                      <a:endParaRPr lang="ko-KR" altLang="en-US" sz="1000"/>
+                    </a:p>
+                  </a:txBody>
+                  <a:tcPr marL="91440" marR="91440" anchor="ctr">
+                    <a:pattFill prst="wdUpDiag">
+                      <a:fgClr>
+                        <a:schemeClr val="accent1">
+                          <a:tint val="40000"/>
+                        </a:schemeClr>
+                      </a:fgClr>
+                      <a:bgClr>
+                        <a:schemeClr val="bg1"/>
+                      </a:bgClr>
+                    </a:pattFill>
+                  </a:tcPr>
+                </a:tc>
+              </a:tr>
+            </a:tbl>
+          </a:graphicData>
+        </a:graphic>
+      </p:graphicFrame>
+    </p:spTree>
+  </p:cSld>
+  <p:clrMapOvr>
+    <a:masterClrMapping/>
+  </p:clrMapOvr>
+  <mc:AlternateContent xmlns:mc="http://schemas.openxmlformats.org/markup-compatibility/2006">
+    <mc:Choice xmlns:p14="http://schemas.microsoft.com/office/powerpoint/2010/main" Requires="p14">
+      <p:transition xmlns:mc="http://schemas.openxmlformats.org/markup-compatibility/2006" xmlns:p14="http://schemas.microsoft.com/office/powerpoint/2010/main" mc:Ignorable="p14" p14:dur="500"/>
+    </mc:Choice>
+    <mc:Fallback>
+      <p:transition/>
+    </mc:Fallback>
+  </mc:AlternateContent>
+</p:sld>
+</file>
+
+<file path=ppt/slides/slide14.xml><?xml version="1.0" encoding="utf-8"?>
 <p:sld xmlns:r="http://schemas.openxmlformats.org/officeDocument/2006/relationships" xmlns:c="http://schemas.openxmlformats.org/drawingml/2006/chart" xmlns:a="http://schemas.openxmlformats.org/drawingml/2006/main" xmlns:dgm="http://schemas.openxmlformats.org/drawingml/2006/diagram" xmlns:dsp="http://schemas.microsoft.com/office/drawing/2008/diagram" xmlns:p="http://schemas.openxmlformats.org/presentationml/2006/main">
   <p:cSld>
     <p:spTree>
@@ -5190,560 +5888,6 @@
               <a:ea typeface="맑은 고딕"/>
               <a:cs typeface="맑은 고딕"/>
             </a:endParaRPr>
-          </a:p>
-        </p:txBody>
-      </p:sp>
-    </p:spTree>
-  </p:cSld>
-  <p:clrMapOvr>
-    <a:masterClrMapping/>
-  </p:clrMapOvr>
-  <mc:AlternateContent xmlns:mc="http://schemas.openxmlformats.org/markup-compatibility/2006">
-    <mc:Choice xmlns:p14="http://schemas.microsoft.com/office/powerpoint/2010/main" Requires="p14">
-      <p:transition xmlns:mc="http://schemas.openxmlformats.org/markup-compatibility/2006" xmlns:p14="http://schemas.microsoft.com/office/powerpoint/2010/main" mc:Ignorable="p14" p14:dur="500"/>
-    </mc:Choice>
-    <mc:Fallback>
-      <p:transition/>
-    </mc:Fallback>
-  </mc:AlternateContent>
-</p:sld>
-</file>
-
-<file path=ppt/slides/slide14.xml><?xml version="1.0" encoding="utf-8"?>
-<p:sld xmlns:r="http://schemas.openxmlformats.org/officeDocument/2006/relationships" xmlns:c="http://schemas.openxmlformats.org/drawingml/2006/chart" xmlns:a="http://schemas.openxmlformats.org/drawingml/2006/main" xmlns:dgm="http://schemas.openxmlformats.org/drawingml/2006/diagram" xmlns:dsp="http://schemas.microsoft.com/office/drawing/2008/diagram" xmlns:p="http://schemas.openxmlformats.org/presentationml/2006/main">
-  <p:cSld>
-    <p:spTree>
-      <p:nvGrpSpPr>
-        <p:cNvPr id="1" name=""/>
-        <p:cNvGrpSpPr/>
-        <p:nvPr/>
-      </p:nvGrpSpPr>
-      <p:grpSpPr>
-        <a:xfrm>
-          <a:off x="0" y="0"/>
-          <a:ext cx="0" cy="0"/>
-          <a:chOff x="0" y="0"/>
-          <a:chExt cx="0" cy="0"/>
-        </a:xfrm>
-      </p:grpSpPr>
-      <p:sp>
-        <p:nvSpPr>
-          <p:cNvPr id="2" name="제목 1"/>
-          <p:cNvSpPr>
-            <a:spLocks noGrp="1"/>
-          </p:cNvSpPr>
-          <p:nvPr>
-            <p:ph type="title" idx="0"/>
-          </p:nvPr>
-        </p:nvSpPr>
-        <p:spPr>
-          <a:xfrm>
-            <a:off x="9525" y="187324"/>
-            <a:ext cx="11061700" cy="1325563"/>
-          </a:xfrm>
-          <a:solidFill>
-            <a:schemeClr val="lt1"/>
-          </a:solidFill>
-          <a:ln>
-            <a:solidFill>
-              <a:schemeClr val="lt1"/>
-            </a:solidFill>
-          </a:ln>
-        </p:spPr>
-        <p:txBody>
-          <a:bodyPr/>
-          <a:lstStyle/>
-          <a:p>
-            <a:pPr lvl="0">
-              <a:defRPr/>
-            </a:pPr>
-            <a:r>
-              <a:rPr lang="ko-KR" altLang="en-US" sz="4000"/>
-              <a:t>요구사항 수집 및 분석</a:t>
-            </a:r>
-            <a:endParaRPr lang="ko-KR" altLang="en-US" sz="4000"/>
-          </a:p>
-        </p:txBody>
-      </p:sp>
-      <p:sp>
-        <p:nvSpPr>
-          <p:cNvPr id="3" name="내용 개체 틀 2"/>
-          <p:cNvSpPr>
-            <a:spLocks noGrp="1"/>
-          </p:cNvSpPr>
-          <p:nvPr>
-            <p:ph idx="1"/>
-          </p:nvPr>
-        </p:nvSpPr>
-        <p:spPr>
-          <a:xfrm>
-            <a:off x="0" y="1622425"/>
-            <a:ext cx="12192000" cy="5235575"/>
-          </a:xfrm>
-        </p:spPr>
-        <p:txBody>
-          <a:bodyPr/>
-          <a:lstStyle/>
-          <a:p>
-            <a:pPr lvl="0">
-              <a:defRPr/>
-            </a:pPr>
-            <a:r>
-              <a:rPr lang="ko-KR" altLang="en-US" sz="2000"/>
-              <a:t>회원 정보를 담은 </a:t>
-            </a:r>
-            <a:r>
-              <a:rPr lang="en-US" altLang="ko-KR" sz="2000"/>
-              <a:t>DB</a:t>
-            </a:r>
-            <a:endParaRPr lang="ko-KR" altLang="en-US" sz="2000"/>
-          </a:p>
-          <a:p>
-            <a:pPr marL="0" lvl="0" indent="0">
-              <a:buNone/>
-              <a:defRPr/>
-            </a:pPr>
-            <a:r>
-              <a:rPr lang="ko-KR" altLang="en-US" sz="2000">
-                <a:solidFill>
-                  <a:srgbClr val="ff843a"/>
-                </a:solidFill>
-              </a:rPr>
-              <a:t> </a:t>
-            </a:r>
-            <a:r>
-              <a:rPr lang="en-US" altLang="ko-KR" sz="2000">
-                <a:solidFill>
-                  <a:srgbClr val="ff843a"/>
-                </a:solidFill>
-              </a:rPr>
-              <a:t>-</a:t>
-            </a:r>
-            <a:r>
-              <a:rPr lang="ko-KR" altLang="en-US" sz="2000">
-                <a:solidFill>
-                  <a:srgbClr val="ff843a"/>
-                </a:solidFill>
-              </a:rPr>
-              <a:t> 회원가입을 하게 되면 회원의 차종</a:t>
-            </a:r>
-            <a:r>
-              <a:rPr lang="en-US" altLang="ko-KR" sz="2000">
-                <a:solidFill>
-                  <a:srgbClr val="ff843a"/>
-                </a:solidFill>
-              </a:rPr>
-              <a:t>,</a:t>
-            </a:r>
-            <a:r>
-              <a:rPr lang="ko-KR" altLang="en-US" sz="2000">
-                <a:solidFill>
-                  <a:srgbClr val="ff843a"/>
-                </a:solidFill>
-              </a:rPr>
-              <a:t> 각각의 차량에 대한 정보</a:t>
-            </a:r>
-            <a:r>
-              <a:rPr lang="en-US" altLang="ko-KR" sz="2000">
-                <a:solidFill>
-                  <a:srgbClr val="ff843a"/>
-                </a:solidFill>
-              </a:rPr>
-              <a:t>(</a:t>
-            </a:r>
-            <a:r>
-              <a:rPr lang="ko-KR" altLang="en-US" sz="2000">
-                <a:solidFill>
-                  <a:srgbClr val="ff843a"/>
-                </a:solidFill>
-              </a:rPr>
-              <a:t>주행거리</a:t>
-            </a:r>
-            <a:r>
-              <a:rPr lang="en-US" altLang="ko-KR" sz="2000">
-                <a:solidFill>
-                  <a:srgbClr val="ff843a"/>
-                </a:solidFill>
-              </a:rPr>
-              <a:t>,</a:t>
-            </a:r>
-            <a:r>
-              <a:rPr lang="ko-KR" altLang="en-US" sz="2000">
-                <a:solidFill>
-                  <a:srgbClr val="ff843a"/>
-                </a:solidFill>
-              </a:rPr>
-              <a:t> 연식 등</a:t>
-            </a:r>
-            <a:r>
-              <a:rPr lang="en-US" altLang="ko-KR" sz="2000">
-                <a:solidFill>
-                  <a:srgbClr val="ff843a"/>
-                </a:solidFill>
-              </a:rPr>
-              <a:t>)</a:t>
-            </a:r>
-            <a:r>
-              <a:rPr lang="ko-KR" altLang="en-US" sz="2000">
-                <a:solidFill>
-                  <a:srgbClr val="ff843a"/>
-                </a:solidFill>
-              </a:rPr>
-              <a:t>가 저장되어야 함</a:t>
-            </a:r>
-            <a:endParaRPr lang="ko-KR" altLang="en-US" sz="2000">
-              <a:solidFill>
-                <a:srgbClr val="ff843a"/>
-              </a:solidFill>
-            </a:endParaRPr>
-          </a:p>
-          <a:p>
-            <a:pPr marL="0" lvl="0" indent="0">
-              <a:buNone/>
-              <a:defRPr/>
-            </a:pPr>
-            <a:r>
-              <a:rPr lang="ko-KR" altLang="en-US" sz="2000">
-                <a:solidFill>
-                  <a:srgbClr val="ff843a"/>
-                </a:solidFill>
-              </a:rPr>
-              <a:t> </a:t>
-            </a:r>
-            <a:r>
-              <a:rPr lang="en-US" altLang="ko-KR" sz="2000">
-                <a:solidFill>
-                  <a:srgbClr val="ff843a"/>
-                </a:solidFill>
-              </a:rPr>
-              <a:t>-</a:t>
-            </a:r>
-            <a:r>
-              <a:rPr lang="ko-KR" altLang="en-US" sz="2000">
-                <a:solidFill>
-                  <a:srgbClr val="ff843a"/>
-                </a:solidFill>
-              </a:rPr>
-              <a:t> 회원 가입시 필요한 정보 </a:t>
-            </a:r>
-            <a:r>
-              <a:rPr lang="en-US" altLang="ko-KR" sz="2000">
-                <a:solidFill>
-                  <a:srgbClr val="ff843a"/>
-                </a:solidFill>
-              </a:rPr>
-              <a:t>(</a:t>
-            </a:r>
-            <a:r>
-              <a:rPr lang="ko-KR" altLang="en-US" sz="2000">
-                <a:solidFill>
-                  <a:srgbClr val="ff843a"/>
-                </a:solidFill>
-              </a:rPr>
-              <a:t>아이디</a:t>
-            </a:r>
-            <a:r>
-              <a:rPr lang="en-US" altLang="ko-KR" sz="2000">
-                <a:solidFill>
-                  <a:srgbClr val="ff843a"/>
-                </a:solidFill>
-              </a:rPr>
-              <a:t>,</a:t>
-            </a:r>
-            <a:r>
-              <a:rPr lang="ko-KR" altLang="en-US" sz="2000">
-                <a:solidFill>
-                  <a:srgbClr val="ff843a"/>
-                </a:solidFill>
-              </a:rPr>
-              <a:t> 비밀번호</a:t>
-            </a:r>
-            <a:r>
-              <a:rPr lang="en-US" altLang="ko-KR" sz="2000">
-                <a:solidFill>
-                  <a:srgbClr val="ff843a"/>
-                </a:solidFill>
-              </a:rPr>
-              <a:t>,</a:t>
-            </a:r>
-            <a:r>
-              <a:rPr lang="ko-KR" altLang="en-US" sz="2000">
-                <a:solidFill>
-                  <a:srgbClr val="ff843a"/>
-                </a:solidFill>
-              </a:rPr>
-              <a:t> 이름</a:t>
-            </a:r>
-            <a:r>
-              <a:rPr lang="en-US" altLang="ko-KR" sz="2000">
-                <a:solidFill>
-                  <a:srgbClr val="ff843a"/>
-                </a:solidFill>
-              </a:rPr>
-              <a:t>,</a:t>
-            </a:r>
-            <a:r>
-              <a:rPr lang="ko-KR" altLang="en-US" sz="2000">
-                <a:solidFill>
-                  <a:srgbClr val="ff843a"/>
-                </a:solidFill>
-              </a:rPr>
-              <a:t> 생년월일</a:t>
-            </a:r>
-            <a:r>
-              <a:rPr lang="en-US" altLang="ko-KR" sz="2000">
-                <a:solidFill>
-                  <a:srgbClr val="ff843a"/>
-                </a:solidFill>
-              </a:rPr>
-              <a:t>,</a:t>
-            </a:r>
-            <a:r>
-              <a:rPr lang="ko-KR" altLang="en-US" sz="2000">
-                <a:solidFill>
-                  <a:srgbClr val="ff843a"/>
-                </a:solidFill>
-              </a:rPr>
-              <a:t> 전화번호</a:t>
-            </a:r>
-            <a:r>
-              <a:rPr lang="en-US" altLang="ko-KR" sz="2000">
-                <a:solidFill>
-                  <a:srgbClr val="ff843a"/>
-                </a:solidFill>
-              </a:rPr>
-              <a:t>,</a:t>
-            </a:r>
-            <a:r>
-              <a:rPr lang="ko-KR" altLang="en-US" sz="2000">
-                <a:solidFill>
-                  <a:srgbClr val="ff843a"/>
-                </a:solidFill>
-              </a:rPr>
-              <a:t> 차량에 대한 정보</a:t>
-            </a:r>
-            <a:r>
-              <a:rPr lang="en-US" altLang="ko-KR" sz="2000">
-                <a:solidFill>
-                  <a:srgbClr val="ff843a"/>
-                </a:solidFill>
-              </a:rPr>
-              <a:t>)</a:t>
-            </a:r>
-            <a:r>
-              <a:rPr lang="ko-KR" altLang="en-US" sz="2000">
-                <a:solidFill>
-                  <a:srgbClr val="ff843a"/>
-                </a:solidFill>
-              </a:rPr>
-              <a:t>를 포함해야 함</a:t>
-            </a:r>
-            <a:endParaRPr lang="ko-KR" altLang="en-US" sz="2000"/>
-          </a:p>
-          <a:p>
-            <a:pPr lvl="0">
-              <a:defRPr/>
-            </a:pPr>
-            <a:r>
-              <a:rPr lang="ko-KR" altLang="en-US" sz="2000"/>
-              <a:t>차종 별 다른 데이터 제공</a:t>
-            </a:r>
-            <a:endParaRPr lang="ko-KR" altLang="en-US" sz="2000"/>
-          </a:p>
-          <a:p>
-            <a:pPr marL="0" lvl="0" indent="0">
-              <a:buNone/>
-              <a:defRPr/>
-            </a:pPr>
-            <a:r>
-              <a:rPr lang="ko-KR" altLang="en-US" sz="2000">
-                <a:solidFill>
-                  <a:srgbClr val="ff843a"/>
-                </a:solidFill>
-              </a:rPr>
-              <a:t> </a:t>
-            </a:r>
-            <a:r>
-              <a:rPr lang="en-US" altLang="ko-KR" sz="2000">
-                <a:solidFill>
-                  <a:srgbClr val="ff843a"/>
-                </a:solidFill>
-              </a:rPr>
-              <a:t>-</a:t>
-            </a:r>
-            <a:r>
-              <a:rPr lang="ko-KR" altLang="en-US" sz="2000">
-                <a:solidFill>
-                  <a:srgbClr val="ff843a"/>
-                </a:solidFill>
-              </a:rPr>
-              <a:t> </a:t>
-            </a:r>
-            <a:r>
-              <a:rPr lang="en-US" altLang="ko-KR" sz="2000">
-                <a:solidFill>
-                  <a:srgbClr val="ff843a"/>
-                </a:solidFill>
-              </a:rPr>
-              <a:t>SUV, </a:t>
-            </a:r>
-            <a:r>
-              <a:rPr lang="ko-KR" altLang="en-US" sz="2000">
-                <a:solidFill>
-                  <a:srgbClr val="ff843a"/>
-                </a:solidFill>
-              </a:rPr>
-              <a:t>승용차 등등 각 차종의 부품의 가격</a:t>
-            </a:r>
-            <a:r>
-              <a:rPr lang="en-US" altLang="ko-KR" sz="2000">
-                <a:solidFill>
-                  <a:srgbClr val="ff843a"/>
-                </a:solidFill>
-              </a:rPr>
-              <a:t>,</a:t>
-            </a:r>
-            <a:r>
-              <a:rPr lang="ko-KR" altLang="en-US" sz="2000">
-                <a:solidFill>
-                  <a:srgbClr val="ff843a"/>
-                </a:solidFill>
-              </a:rPr>
-              <a:t> 종류 다름</a:t>
-            </a:r>
-            <a:endParaRPr lang="ko-KR" altLang="en-US" sz="2000">
-              <a:solidFill>
-                <a:srgbClr val="ff843a"/>
-              </a:solidFill>
-            </a:endParaRPr>
-          </a:p>
-          <a:p>
-            <a:pPr marL="0" lvl="0" indent="0">
-              <a:buNone/>
-              <a:defRPr/>
-            </a:pPr>
-            <a:r>
-              <a:rPr lang="ko-KR" altLang="en-US" sz="2000">
-                <a:solidFill>
-                  <a:srgbClr val="ff843a"/>
-                </a:solidFill>
-              </a:rPr>
-              <a:t> </a:t>
-            </a:r>
-            <a:r>
-              <a:rPr lang="en-US" altLang="ko-KR" sz="2000">
-                <a:solidFill>
-                  <a:srgbClr val="ff843a"/>
-                </a:solidFill>
-              </a:rPr>
-              <a:t>-</a:t>
-            </a:r>
-            <a:r>
-              <a:rPr lang="ko-KR" altLang="en-US" sz="2000">
-                <a:solidFill>
-                  <a:srgbClr val="ff843a"/>
-                </a:solidFill>
-              </a:rPr>
-              <a:t> </a:t>
-            </a:r>
-            <a:endParaRPr lang="ko-KR" altLang="en-US" sz="2000"/>
-          </a:p>
-          <a:p>
-            <a:pPr lvl="0">
-              <a:defRPr/>
-            </a:pPr>
-            <a:endParaRPr lang="ko-KR" altLang="en-US" sz="2000"/>
-          </a:p>
-          <a:p>
-            <a:pPr lvl="0">
-              <a:defRPr/>
-            </a:pPr>
-            <a:r>
-              <a:rPr lang="ko-KR" altLang="en-US" sz="2000"/>
-              <a:t>가까운 정비소 지도 자료 제공</a:t>
-            </a:r>
-            <a:endParaRPr lang="ko-KR" altLang="en-US" sz="2000"/>
-          </a:p>
-          <a:p>
-            <a:pPr marL="0" lvl="0" indent="0">
-              <a:buNone/>
-              <a:defRPr/>
-            </a:pPr>
-            <a:r>
-              <a:rPr lang="ko-KR" altLang="en-US" sz="2000">
-                <a:solidFill>
-                  <a:srgbClr val="ff843a"/>
-                </a:solidFill>
-              </a:rPr>
-              <a:t> </a:t>
-            </a:r>
-            <a:r>
-              <a:rPr lang="en-US" altLang="ko-KR" sz="2000">
-                <a:solidFill>
-                  <a:srgbClr val="ff843a"/>
-                </a:solidFill>
-              </a:rPr>
-              <a:t>-</a:t>
-            </a:r>
-            <a:r>
-              <a:rPr lang="ko-KR" altLang="en-US" sz="2000">
-                <a:solidFill>
-                  <a:srgbClr val="ff843a"/>
-                </a:solidFill>
-              </a:rPr>
-              <a:t> 정비소 위치에 대한 데이터 아직 못 찾음</a:t>
-            </a:r>
-            <a:endParaRPr lang="ko-KR" altLang="en-US" sz="2000">
-              <a:solidFill>
-                <a:srgbClr val="ff843a"/>
-              </a:solidFill>
-            </a:endParaRPr>
-          </a:p>
-          <a:p>
-            <a:pPr marL="0" lvl="0" indent="0">
-              <a:buNone/>
-              <a:defRPr/>
-            </a:pPr>
-            <a:r>
-              <a:rPr lang="ko-KR" altLang="en-US" sz="2000">
-                <a:solidFill>
-                  <a:srgbClr val="ff843a"/>
-                </a:solidFill>
-              </a:rPr>
-              <a:t>  └ </a:t>
-            </a:r>
-            <a:r>
-              <a:rPr lang="en-US" altLang="ko-KR" sz="2000">
-                <a:solidFill>
-                  <a:srgbClr val="ff843a"/>
-                </a:solidFill>
-              </a:rPr>
-              <a:t>Google map</a:t>
-            </a:r>
-            <a:r>
-              <a:rPr lang="ko-KR" altLang="en-US" sz="2000">
-                <a:solidFill>
-                  <a:srgbClr val="ff843a"/>
-                </a:solidFill>
-              </a:rPr>
-              <a:t>을 이용해서 연동 가능한지</a:t>
-            </a:r>
-            <a:r>
-              <a:rPr lang="en-US" altLang="ko-KR" sz="2000">
-                <a:solidFill>
-                  <a:srgbClr val="ff843a"/>
-                </a:solidFill>
-              </a:rPr>
-              <a:t>?</a:t>
-            </a:r>
-            <a:endParaRPr lang="en-US" altLang="ko-KR" sz="2000"/>
-          </a:p>
-          <a:p>
-            <a:pPr marL="0" lvl="0" indent="0">
-              <a:buNone/>
-              <a:defRPr/>
-            </a:pPr>
-            <a:endParaRPr lang="en-US" altLang="ko-KR" sz="2000"/>
           </a:p>
         </p:txBody>
       </p:sp>
@@ -5844,7 +5988,11 @@
             </a:pPr>
             <a:r>
               <a:rPr lang="ko-KR" altLang="en-US" sz="2000"/>
-              <a:t>지속적 피드백</a:t>
+              <a:t>회원 정보를 담은 </a:t>
+            </a:r>
+            <a:r>
+              <a:rPr lang="en-US" altLang="ko-KR" sz="2000"/>
+              <a:t>DB</a:t>
             </a:r>
             <a:endParaRPr lang="ko-KR" altLang="en-US" sz="2000"/>
           </a:p>
@@ -5875,7 +6023,7 @@
                   <a:srgbClr val="ff843a"/>
                 </a:solidFill>
               </a:rPr>
-              <a:t> </a:t>
+              <a:t> 회원가입을 하게 되면 회원의 차종</a:t>
             </a:r>
             <a:r>
               <a:rPr lang="en-US" altLang="ko-KR" sz="2000">
@@ -5883,7 +6031,7 @@
                   <a:srgbClr val="ff843a"/>
                 </a:solidFill>
               </a:rPr>
-              <a:t>Google Playstore</a:t>
+              <a:t>,</a:t>
             </a:r>
             <a:r>
               <a:rPr lang="ko-KR" altLang="en-US" sz="2000">
@@ -5891,7 +6039,55 @@
                   <a:srgbClr val="ff843a"/>
                 </a:solidFill>
               </a:rPr>
-              <a:t>의 댓글 이용</a:t>
+              <a:t> 각각의 차량에 대한 정보</a:t>
+            </a:r>
+            <a:r>
+              <a:rPr lang="en-US" altLang="ko-KR" sz="2000">
+                <a:solidFill>
+                  <a:srgbClr val="ff843a"/>
+                </a:solidFill>
+              </a:rPr>
+              <a:t>(</a:t>
+            </a:r>
+            <a:r>
+              <a:rPr lang="ko-KR" altLang="en-US" sz="2000">
+                <a:solidFill>
+                  <a:srgbClr val="ff843a"/>
+                </a:solidFill>
+              </a:rPr>
+              <a:t>주행거리</a:t>
+            </a:r>
+            <a:r>
+              <a:rPr lang="en-US" altLang="ko-KR" sz="2000">
+                <a:solidFill>
+                  <a:srgbClr val="ff843a"/>
+                </a:solidFill>
+              </a:rPr>
+              <a:t>,</a:t>
+            </a:r>
+            <a:r>
+              <a:rPr lang="ko-KR" altLang="en-US" sz="2000">
+                <a:solidFill>
+                  <a:srgbClr val="ff843a"/>
+                </a:solidFill>
+              </a:rPr>
+              <a:t> 연식 등</a:t>
+            </a:r>
+            <a:r>
+              <a:rPr lang="en-US" altLang="ko-KR" sz="2000">
+                <a:solidFill>
+                  <a:srgbClr val="ff843a"/>
+                </a:solidFill>
+              </a:rPr>
+              <a:t>)</a:t>
+            </a:r>
+            <a:r>
+              <a:rPr lang="ko-KR" altLang="en-US" sz="2000">
+                <a:solidFill>
+                  <a:srgbClr val="ff843a"/>
+                </a:solidFill>
+              </a:rPr>
+              <a:t>가 저장되어야 함</a:t>
             </a:r>
             <a:endParaRPr lang="ko-KR" altLang="en-US" sz="2000">
               <a:solidFill>
@@ -5926,8 +6122,325 @@
                   <a:srgbClr val="ff843a"/>
                 </a:solidFill>
               </a:rPr>
+              <a:t> 회원 가입시 필요한 정보 </a:t>
+            </a:r>
+            <a:r>
+              <a:rPr lang="en-US" altLang="ko-KR" sz="2000">
+                <a:solidFill>
+                  <a:srgbClr val="ff843a"/>
+                </a:solidFill>
+              </a:rPr>
+              <a:t>(</a:t>
+            </a:r>
+            <a:r>
+              <a:rPr lang="ko-KR" altLang="en-US" sz="2000">
+                <a:solidFill>
+                  <a:srgbClr val="ff843a"/>
+                </a:solidFill>
+              </a:rPr>
+              <a:t>아이디</a:t>
+            </a:r>
+            <a:r>
+              <a:rPr lang="en-US" altLang="ko-KR" sz="2000">
+                <a:solidFill>
+                  <a:srgbClr val="ff843a"/>
+                </a:solidFill>
+              </a:rPr>
+              <a:t>,</a:t>
+            </a:r>
+            <a:r>
+              <a:rPr lang="ko-KR" altLang="en-US" sz="2000">
+                <a:solidFill>
+                  <a:srgbClr val="ff843a"/>
+                </a:solidFill>
+              </a:rPr>
+              <a:t> 비밀번호</a:t>
+            </a:r>
+            <a:r>
+              <a:rPr lang="en-US" altLang="ko-KR" sz="2000">
+                <a:solidFill>
+                  <a:srgbClr val="ff843a"/>
+                </a:solidFill>
+              </a:rPr>
+              <a:t>,</a:t>
+            </a:r>
+            <a:r>
+              <a:rPr lang="ko-KR" altLang="en-US" sz="2000">
+                <a:solidFill>
+                  <a:srgbClr val="ff843a"/>
+                </a:solidFill>
+              </a:rPr>
+              <a:t> 이름</a:t>
+            </a:r>
+            <a:r>
+              <a:rPr lang="en-US" altLang="ko-KR" sz="2000">
+                <a:solidFill>
+                  <a:srgbClr val="ff843a"/>
+                </a:solidFill>
+              </a:rPr>
+              <a:t>,</a:t>
+            </a:r>
+            <a:r>
+              <a:rPr lang="ko-KR" altLang="en-US" sz="2000">
+                <a:solidFill>
+                  <a:srgbClr val="ff843a"/>
+                </a:solidFill>
+              </a:rPr>
+              <a:t> 생년월일</a:t>
+            </a:r>
+            <a:r>
+              <a:rPr lang="en-US" altLang="ko-KR" sz="2000">
+                <a:solidFill>
+                  <a:srgbClr val="ff843a"/>
+                </a:solidFill>
+              </a:rPr>
+              <a:t>,</a:t>
+            </a:r>
+            <a:r>
+              <a:rPr lang="ko-KR" altLang="en-US" sz="2000">
+                <a:solidFill>
+                  <a:srgbClr val="ff843a"/>
+                </a:solidFill>
+              </a:rPr>
+              <a:t> 전화번호</a:t>
+            </a:r>
+            <a:r>
+              <a:rPr lang="en-US" altLang="ko-KR" sz="2000">
+                <a:solidFill>
+                  <a:srgbClr val="ff843a"/>
+                </a:solidFill>
+              </a:rPr>
+              <a:t>,</a:t>
+            </a:r>
+            <a:r>
+              <a:rPr lang="ko-KR" altLang="en-US" sz="2000">
+                <a:solidFill>
+                  <a:srgbClr val="ff843a"/>
+                </a:solidFill>
+              </a:rPr>
+              <a:t> 차량에 대한 정보</a:t>
+            </a:r>
+            <a:r>
+              <a:rPr lang="en-US" altLang="ko-KR" sz="2000">
+                <a:solidFill>
+                  <a:srgbClr val="ff843a"/>
+                </a:solidFill>
+              </a:rPr>
+              <a:t>)</a:t>
+            </a:r>
+            <a:r>
+              <a:rPr lang="ko-KR" altLang="en-US" sz="2000">
+                <a:solidFill>
+                  <a:srgbClr val="ff843a"/>
+                </a:solidFill>
+              </a:rPr>
+              <a:t>를 포함해야 함</a:t>
+            </a:r>
+            <a:endParaRPr lang="ko-KR" altLang="en-US" sz="2000"/>
+          </a:p>
+          <a:p>
+            <a:pPr lvl="0">
+              <a:defRPr/>
+            </a:pPr>
+            <a:r>
+              <a:rPr lang="ko-KR" altLang="en-US" sz="2000"/>
+              <a:t>차종 별 다른 데이터 제공</a:t>
+            </a:r>
+            <a:endParaRPr lang="ko-KR" altLang="en-US" sz="2000"/>
+          </a:p>
+          <a:p>
+            <a:pPr marL="0" lvl="0" indent="0">
+              <a:buNone/>
+              <a:defRPr/>
+            </a:pPr>
+            <a:r>
+              <a:rPr lang="ko-KR" altLang="en-US" sz="2000">
+                <a:solidFill>
+                  <a:srgbClr val="ff843a"/>
+                </a:solidFill>
+              </a:rPr>
               <a:t> </a:t>
             </a:r>
+            <a:r>
+              <a:rPr lang="en-US" altLang="ko-KR" sz="2000">
+                <a:solidFill>
+                  <a:srgbClr val="ff843a"/>
+                </a:solidFill>
+              </a:rPr>
+              <a:t>-</a:t>
+            </a:r>
+            <a:r>
+              <a:rPr lang="ko-KR" altLang="en-US" sz="2000">
+                <a:solidFill>
+                  <a:srgbClr val="ff843a"/>
+                </a:solidFill>
+              </a:rPr>
+              <a:t> </a:t>
+            </a:r>
+            <a:r>
+              <a:rPr lang="en-US" altLang="ko-KR" sz="2000">
+                <a:solidFill>
+                  <a:srgbClr val="ff843a"/>
+                </a:solidFill>
+              </a:rPr>
+              <a:t>SUV, </a:t>
+            </a:r>
+            <a:r>
+              <a:rPr lang="ko-KR" altLang="en-US" sz="2000">
+                <a:solidFill>
+                  <a:srgbClr val="ff843a"/>
+                </a:solidFill>
+              </a:rPr>
+              <a:t>승용차 등등 각 차종의 부품의 가격</a:t>
+            </a:r>
+            <a:r>
+              <a:rPr lang="en-US" altLang="ko-KR" sz="2000">
+                <a:solidFill>
+                  <a:srgbClr val="ff843a"/>
+                </a:solidFill>
+              </a:rPr>
+              <a:t>,</a:t>
+            </a:r>
+            <a:r>
+              <a:rPr lang="ko-KR" altLang="en-US" sz="2000">
+                <a:solidFill>
+                  <a:srgbClr val="ff843a"/>
+                </a:solidFill>
+              </a:rPr>
+              <a:t> 종류 다름</a:t>
+            </a:r>
+            <a:endParaRPr lang="ko-KR" altLang="en-US" sz="2000">
+              <a:solidFill>
+                <a:srgbClr val="ff843a"/>
+              </a:solidFill>
+            </a:endParaRPr>
+          </a:p>
+          <a:p>
+            <a:pPr marL="0" lvl="0" indent="0">
+              <a:buNone/>
+              <a:defRPr/>
+            </a:pPr>
+            <a:r>
+              <a:rPr lang="ko-KR" altLang="en-US" sz="2000">
+                <a:solidFill>
+                  <a:srgbClr val="ff843a"/>
+                </a:solidFill>
+              </a:rPr>
+              <a:t> </a:t>
+            </a:r>
+            <a:r>
+              <a:rPr lang="en-US" altLang="ko-KR" sz="2000">
+                <a:solidFill>
+                  <a:srgbClr val="ff843a"/>
+                </a:solidFill>
+              </a:rPr>
+              <a:t>-</a:t>
+            </a:r>
+            <a:r>
+              <a:rPr lang="ko-KR" altLang="en-US" sz="2000">
+                <a:solidFill>
+                  <a:srgbClr val="ff843a"/>
+                </a:solidFill>
+              </a:rPr>
+              <a:t> </a:t>
+            </a:r>
+            <a:endParaRPr lang="ko-KR" altLang="en-US" sz="2000"/>
+          </a:p>
+          <a:p>
+            <a:pPr lvl="0">
+              <a:defRPr/>
+            </a:pPr>
+            <a:endParaRPr lang="ko-KR" altLang="en-US" sz="2000"/>
+          </a:p>
+          <a:p>
+            <a:pPr lvl="0">
+              <a:defRPr/>
+            </a:pPr>
+            <a:r>
+              <a:rPr lang="ko-KR" altLang="en-US" sz="2000"/>
+              <a:t>가까운 정비소 지도 자료 제공</a:t>
+            </a:r>
+            <a:endParaRPr lang="ko-KR" altLang="en-US" sz="2000"/>
+          </a:p>
+          <a:p>
+            <a:pPr marL="0" lvl="0" indent="0">
+              <a:buNone/>
+              <a:defRPr/>
+            </a:pPr>
+            <a:r>
+              <a:rPr lang="ko-KR" altLang="en-US" sz="2000">
+                <a:solidFill>
+                  <a:srgbClr val="ff843a"/>
+                </a:solidFill>
+              </a:rPr>
+              <a:t> </a:t>
+            </a:r>
+            <a:r>
+              <a:rPr lang="en-US" altLang="ko-KR" sz="2000">
+                <a:solidFill>
+                  <a:srgbClr val="ff843a"/>
+                </a:solidFill>
+              </a:rPr>
+              <a:t>-</a:t>
+            </a:r>
+            <a:r>
+              <a:rPr lang="ko-KR" altLang="en-US" sz="2000">
+                <a:solidFill>
+                  <a:srgbClr val="ff843a"/>
+                </a:solidFill>
+              </a:rPr>
+              <a:t> 정비소 위치에 대한 데이터 아직 못 찾음</a:t>
+            </a:r>
+            <a:endParaRPr lang="ko-KR" altLang="en-US" sz="2000">
+              <a:solidFill>
+                <a:srgbClr val="ff843a"/>
+              </a:solidFill>
+            </a:endParaRPr>
+          </a:p>
+          <a:p>
+            <a:pPr marL="0" lvl="0" indent="0">
+              <a:buNone/>
+              <a:defRPr/>
+            </a:pPr>
+            <a:r>
+              <a:rPr lang="ko-KR" altLang="en-US" sz="2000">
+                <a:solidFill>
+                  <a:srgbClr val="ff843a"/>
+                </a:solidFill>
+              </a:rPr>
+              <a:t>  └ </a:t>
+            </a:r>
+            <a:r>
+              <a:rPr lang="en-US" altLang="ko-KR" sz="2000">
+                <a:solidFill>
+                  <a:srgbClr val="ff843a"/>
+                </a:solidFill>
+              </a:rPr>
+              <a:t>Google map</a:t>
+            </a:r>
+            <a:r>
+              <a:rPr lang="ko-KR" altLang="en-US" sz="2000">
+                <a:solidFill>
+                  <a:srgbClr val="ff843a"/>
+                </a:solidFill>
+              </a:rPr>
+              <a:t>을 이용해서 연동 가능한지</a:t>
+            </a:r>
+            <a:r>
+              <a:rPr lang="en-US" altLang="ko-KR" sz="2000">
+                <a:solidFill>
+                  <a:srgbClr val="ff843a"/>
+                </a:solidFill>
+              </a:rPr>
+              <a:t>?</a:t>
+            </a:r>
+            <a:endParaRPr lang="en-US" altLang="ko-KR" sz="2000"/>
+          </a:p>
+          <a:p>
+            <a:pPr marL="0" lvl="0" indent="0">
+              <a:buNone/>
+              <a:defRPr/>
+            </a:pPr>
             <a:endParaRPr lang="en-US" altLang="ko-KR" sz="2000"/>
           </a:p>
         </p:txBody>
@@ -5949,6 +6462,191 @@
 </file>
 
 <file path=ppt/slides/slide16.xml><?xml version="1.0" encoding="utf-8"?>
+<p:sld xmlns:r="http://schemas.openxmlformats.org/officeDocument/2006/relationships" xmlns:c="http://schemas.openxmlformats.org/drawingml/2006/chart" xmlns:a="http://schemas.openxmlformats.org/drawingml/2006/main" xmlns:dgm="http://schemas.openxmlformats.org/drawingml/2006/diagram" xmlns:dsp="http://schemas.microsoft.com/office/drawing/2008/diagram" xmlns:p="http://schemas.openxmlformats.org/presentationml/2006/main">
+  <p:cSld>
+    <p:spTree>
+      <p:nvGrpSpPr>
+        <p:cNvPr id="1" name=""/>
+        <p:cNvGrpSpPr/>
+        <p:nvPr/>
+      </p:nvGrpSpPr>
+      <p:grpSpPr>
+        <a:xfrm>
+          <a:off x="0" y="0"/>
+          <a:ext cx="0" cy="0"/>
+          <a:chOff x="0" y="0"/>
+          <a:chExt cx="0" cy="0"/>
+        </a:xfrm>
+      </p:grpSpPr>
+      <p:sp>
+        <p:nvSpPr>
+          <p:cNvPr id="2" name="제목 1"/>
+          <p:cNvSpPr>
+            <a:spLocks noGrp="1"/>
+          </p:cNvSpPr>
+          <p:nvPr>
+            <p:ph type="title" idx="0"/>
+          </p:nvPr>
+        </p:nvSpPr>
+        <p:spPr>
+          <a:xfrm>
+            <a:off x="9525" y="187324"/>
+            <a:ext cx="11061700" cy="1325563"/>
+          </a:xfrm>
+          <a:solidFill>
+            <a:schemeClr val="lt1"/>
+          </a:solidFill>
+          <a:ln>
+            <a:solidFill>
+              <a:schemeClr val="lt1"/>
+            </a:solidFill>
+          </a:ln>
+        </p:spPr>
+        <p:txBody>
+          <a:bodyPr/>
+          <a:lstStyle/>
+          <a:p>
+            <a:pPr lvl="0">
+              <a:defRPr/>
+            </a:pPr>
+            <a:r>
+              <a:rPr lang="ko-KR" altLang="en-US" sz="4000"/>
+              <a:t>요구사항 수집 및 분석</a:t>
+            </a:r>
+            <a:endParaRPr lang="ko-KR" altLang="en-US" sz="4000"/>
+          </a:p>
+        </p:txBody>
+      </p:sp>
+      <p:sp>
+        <p:nvSpPr>
+          <p:cNvPr id="3" name="내용 개체 틀 2"/>
+          <p:cNvSpPr>
+            <a:spLocks noGrp="1"/>
+          </p:cNvSpPr>
+          <p:nvPr>
+            <p:ph idx="1"/>
+          </p:nvPr>
+        </p:nvSpPr>
+        <p:spPr>
+          <a:xfrm>
+            <a:off x="0" y="1622425"/>
+            <a:ext cx="12192000" cy="5235575"/>
+          </a:xfrm>
+        </p:spPr>
+        <p:txBody>
+          <a:bodyPr/>
+          <a:lstStyle/>
+          <a:p>
+            <a:pPr lvl="0">
+              <a:defRPr/>
+            </a:pPr>
+            <a:r>
+              <a:rPr lang="ko-KR" altLang="en-US" sz="2000"/>
+              <a:t>지속적 피드백</a:t>
+            </a:r>
+            <a:endParaRPr lang="ko-KR" altLang="en-US" sz="2000"/>
+          </a:p>
+          <a:p>
+            <a:pPr marL="0" lvl="0" indent="0">
+              <a:buNone/>
+              <a:defRPr/>
+            </a:pPr>
+            <a:r>
+              <a:rPr lang="ko-KR" altLang="en-US" sz="2000">
+                <a:solidFill>
+                  <a:srgbClr val="ff843a"/>
+                </a:solidFill>
+              </a:rPr>
+              <a:t> </a:t>
+            </a:r>
+            <a:r>
+              <a:rPr lang="en-US" altLang="ko-KR" sz="2000">
+                <a:solidFill>
+                  <a:srgbClr val="ff843a"/>
+                </a:solidFill>
+              </a:rPr>
+              <a:t>-</a:t>
+            </a:r>
+            <a:r>
+              <a:rPr lang="ko-KR" altLang="en-US" sz="2000">
+                <a:solidFill>
+                  <a:srgbClr val="ff843a"/>
+                </a:solidFill>
+              </a:rPr>
+              <a:t> </a:t>
+            </a:r>
+            <a:r>
+              <a:rPr lang="en-US" altLang="ko-KR" sz="2000">
+                <a:solidFill>
+                  <a:srgbClr val="ff843a"/>
+                </a:solidFill>
+              </a:rPr>
+              <a:t>Google Playstore</a:t>
+            </a:r>
+            <a:r>
+              <a:rPr lang="ko-KR" altLang="en-US" sz="2000">
+                <a:solidFill>
+                  <a:srgbClr val="ff843a"/>
+                </a:solidFill>
+              </a:rPr>
+              <a:t>의 댓글 이용</a:t>
+            </a:r>
+            <a:endParaRPr lang="ko-KR" altLang="en-US" sz="2000">
+              <a:solidFill>
+                <a:srgbClr val="ff843a"/>
+              </a:solidFill>
+            </a:endParaRPr>
+          </a:p>
+          <a:p>
+            <a:pPr marL="0" lvl="0" indent="0">
+              <a:buNone/>
+              <a:defRPr/>
+            </a:pPr>
+            <a:r>
+              <a:rPr lang="ko-KR" altLang="en-US" sz="2000">
+                <a:solidFill>
+                  <a:srgbClr val="ff843a"/>
+                </a:solidFill>
+              </a:rPr>
+              <a:t> </a:t>
+            </a:r>
+            <a:r>
+              <a:rPr lang="en-US" altLang="ko-KR" sz="2000">
+                <a:solidFill>
+                  <a:srgbClr val="ff843a"/>
+                </a:solidFill>
+              </a:rPr>
+              <a:t>-</a:t>
+            </a:r>
+            <a:r>
+              <a:rPr lang="ko-KR" altLang="en-US" sz="2000">
+                <a:solidFill>
+                  <a:srgbClr val="ff843a"/>
+                </a:solidFill>
+              </a:rPr>
+              <a:t> </a:t>
+            </a:r>
+            <a:endParaRPr lang="en-US" altLang="ko-KR" sz="2000"/>
+          </a:p>
+        </p:txBody>
+      </p:sp>
+    </p:spTree>
+  </p:cSld>
+  <p:clrMapOvr>
+    <a:masterClrMapping/>
+  </p:clrMapOvr>
+  <mc:AlternateContent xmlns:mc="http://schemas.openxmlformats.org/markup-compatibility/2006">
+    <mc:Choice xmlns:p14="http://schemas.microsoft.com/office/powerpoint/2010/main" Requires="p14">
+      <p:transition xmlns:mc="http://schemas.openxmlformats.org/markup-compatibility/2006" xmlns:p14="http://schemas.microsoft.com/office/powerpoint/2010/main" mc:Ignorable="p14" p14:dur="500"/>
+    </mc:Choice>
+    <mc:Fallback>
+      <p:transition/>
+    </mc:Fallback>
+  </mc:AlternateContent>
+</p:sld>
+</file>
+
+<file path=ppt/slides/slide17.xml><?xml version="1.0" encoding="utf-8"?>
 <p:sld xmlns:a="http://schemas.openxmlformats.org/drawingml/2006/main" xmlns:r="http://schemas.openxmlformats.org/officeDocument/2006/relationships" xmlns:p="http://schemas.openxmlformats.org/presentationml/2006/main">
   <p:cSld>
     <p:spTree>
@@ -6226,7 +6924,7 @@
 </p:sld>
 </file>
 
-<file path=ppt/slides/slide17.xml><?xml version="1.0" encoding="utf-8"?>
+<file path=ppt/slides/slide18.xml><?xml version="1.0" encoding="utf-8"?>
 <p:sld xmlns:r="http://schemas.openxmlformats.org/officeDocument/2006/relationships" xmlns:c="http://schemas.openxmlformats.org/drawingml/2006/chart" xmlns:a="http://schemas.openxmlformats.org/drawingml/2006/main" xmlns:dgm="http://schemas.openxmlformats.org/drawingml/2006/diagram" xmlns:dsp="http://schemas.microsoft.com/office/drawing/2008/diagram" xmlns:p="http://schemas.openxmlformats.org/presentationml/2006/main">
   <p:cSld>
     <p:spTree>
@@ -6283,7 +6981,7 @@
 </p:sld>
 </file>
 
-<file path=ppt/slides/slide18.xml><?xml version="1.0" encoding="utf-8"?>
+<file path=ppt/slides/slide19.xml><?xml version="1.0" encoding="utf-8"?>
 <p:sld xmlns:a="http://schemas.openxmlformats.org/drawingml/2006/main" xmlns:r="http://schemas.openxmlformats.org/officeDocument/2006/relationships" xmlns:p="http://schemas.openxmlformats.org/presentationml/2006/main">
   <p:cSld>
     <p:spTree>
@@ -6552,109 +7250,6 @@
     <p:extLst>
       <p:ext uri="{BB962C8B-B14F-4D97-AF65-F5344CB8AC3E}">
         <p14:creationId xmlns:p14="http://schemas.microsoft.com/office/powerpoint/2010/main" val="3636615241"/>
-      </p:ext>
-    </p:extLst>
-  </p:cSld>
-  <p:clrMapOvr>
-    <a:masterClrMapping/>
-  </p:clrMapOvr>
-</p:sld>
-</file>
-
-<file path=ppt/slides/slide19.xml><?xml version="1.0" encoding="utf-8"?>
-<p:sld xmlns:a="http://schemas.openxmlformats.org/drawingml/2006/main" xmlns:r="http://schemas.openxmlformats.org/officeDocument/2006/relationships" xmlns:p="http://schemas.openxmlformats.org/presentationml/2006/main">
-  <p:cSld>
-    <p:spTree>
-      <p:nvGrpSpPr>
-        <p:cNvPr id="1" name=""/>
-        <p:cNvGrpSpPr/>
-        <p:nvPr/>
-      </p:nvGrpSpPr>
-      <p:grpSpPr>
-        <a:xfrm>
-          <a:off x="0" y="0"/>
-          <a:ext cx="0" cy="0"/>
-          <a:chOff x="0" y="0"/>
-          <a:chExt cx="0" cy="0"/>
-        </a:xfrm>
-      </p:grpSpPr>
-      <p:sp>
-        <p:nvSpPr>
-          <p:cNvPr id="2" name="제목 1">
-            <a:extLst>
-              <a:ext uri="{FF2B5EF4-FFF2-40B4-BE49-F238E27FC236}">
-                <a16:creationId xmlns:a16="http://schemas.microsoft.com/office/drawing/2014/main" id="{9A1A2E3C-2FD9-439C-87BD-8AE3B27F8C97}"/>
-              </a:ext>
-            </a:extLst>
-          </p:cNvPr>
-          <p:cNvSpPr>
-            <a:spLocks noGrp="1"/>
-          </p:cNvSpPr>
-          <p:nvPr>
-            <p:ph type="title"/>
-          </p:nvPr>
-        </p:nvSpPr>
-        <p:spPr/>
-        <p:txBody>
-          <a:bodyPr/>
-          <a:lstStyle/>
-          <a:p>
-            <a:endParaRPr lang="ko-KR" altLang="en-US"/>
-          </a:p>
-        </p:txBody>
-      </p:sp>
-      <p:sp>
-        <p:nvSpPr>
-          <p:cNvPr id="3" name="내용 개체 틀 2">
-            <a:extLst>
-              <a:ext uri="{FF2B5EF4-FFF2-40B4-BE49-F238E27FC236}">
-                <a16:creationId xmlns:a16="http://schemas.microsoft.com/office/drawing/2014/main" id="{58DC695E-BF5C-4F1A-860C-8BD272E977AA}"/>
-              </a:ext>
-            </a:extLst>
-          </p:cNvPr>
-          <p:cNvSpPr>
-            <a:spLocks noGrp="1"/>
-          </p:cNvSpPr>
-          <p:nvPr>
-            <p:ph idx="1"/>
-          </p:nvPr>
-        </p:nvSpPr>
-        <p:spPr/>
-        <p:txBody>
-          <a:bodyPr/>
-          <a:lstStyle/>
-          <a:p>
-            <a:r>
-              <a:rPr lang="ko-KR" altLang="en-US" dirty="0"/>
-              <a:t>기능정의를 한다</a:t>
-            </a:r>
-            <a:endParaRPr lang="en-US" altLang="ko-KR" dirty="0"/>
-          </a:p>
-          <a:p>
-            <a:r>
-              <a:rPr lang="ko-KR" altLang="en-US" dirty="0"/>
-              <a:t>정의 한 기능에 대해 </a:t>
-            </a:r>
-            <a:r>
-              <a:rPr lang="en-US" altLang="ko-KR" dirty="0"/>
-              <a:t>Flow</a:t>
-            </a:r>
-            <a:r>
-              <a:rPr lang="ko-KR" altLang="en-US" dirty="0"/>
-              <a:t>를 작성한다</a:t>
-            </a:r>
-            <a:r>
-              <a:rPr lang="en-US" altLang="ko-KR" dirty="0"/>
-              <a:t>.</a:t>
-            </a:r>
-            <a:endParaRPr lang="ko-KR" altLang="en-US" dirty="0"/>
-          </a:p>
-        </p:txBody>
-      </p:sp>
-    </p:spTree>
-    <p:extLst>
-      <p:ext uri="{BB962C8B-B14F-4D97-AF65-F5344CB8AC3E}">
-        <p14:creationId xmlns:p14="http://schemas.microsoft.com/office/powerpoint/2010/main" val="3772914977"/>
       </p:ext>
     </p:extLst>
   </p:cSld>
@@ -9082,329 +9677,10 @@
       </p:grpSpPr>
       <p:sp>
         <p:nvSpPr>
-          <p:cNvPr id="10" name="직사각형 9"/>
-          <p:cNvSpPr/>
-          <p:nvPr/>
-        </p:nvSpPr>
-        <p:spPr>
-          <a:xfrm>
-            <a:off x="-1" y="2398426"/>
-            <a:ext cx="12192001" cy="1338109"/>
-          </a:xfrm>
-          <a:prstGeom prst="rect">
-            <a:avLst/>
-          </a:prstGeom>
-          <a:solidFill>
-            <a:schemeClr val="accent1">
-              <a:lumMod val="75000"/>
-            </a:schemeClr>
-          </a:solidFill>
-          <a:ln>
-            <a:noFill/>
-          </a:ln>
-        </p:spPr>
-        <p:style>
-          <a:lnRef idx="2">
-            <a:schemeClr val="accent1">
-              <a:shade val="50000"/>
-            </a:schemeClr>
-          </a:lnRef>
-          <a:fillRef idx="1">
-            <a:schemeClr val="accent1"/>
-          </a:fillRef>
-          <a:effectRef idx="0">
-            <a:schemeClr val="accent1"/>
-          </a:effectRef>
-          <a:fontRef idx="minor">
-            <a:schemeClr val="lt1"/>
-          </a:fontRef>
-        </p:style>
-        <p:txBody>
-          <a:bodyPr rtlCol="0" anchor="ctr"/>
-          <a:lstStyle/>
-          <a:p>
-            <a:pPr algn="ctr"/>
-            <a:endParaRPr kumimoji="1" lang="ko-KR" altLang="en-US" dirty="0"/>
-          </a:p>
-        </p:txBody>
-      </p:sp>
-      <p:sp>
-        <p:nvSpPr>
-          <p:cNvPr id="12" name="부제목 2"/>
-          <p:cNvSpPr txBox="1">
-            <a:spLocks/>
-          </p:cNvSpPr>
-          <p:nvPr/>
-        </p:nvSpPr>
-        <p:spPr>
-          <a:xfrm>
-            <a:off x="1" y="2608234"/>
-            <a:ext cx="12192000" cy="754314"/>
-          </a:xfrm>
-          <a:prstGeom prst="rect">
-            <a:avLst/>
-          </a:prstGeom>
-        </p:spPr>
-        <p:txBody>
-          <a:bodyPr vert="horz" lIns="91440" tIns="45720" rIns="91440" bIns="45720" rtlCol="0" anchor="ctr">
-            <a:noAutofit/>
-          </a:bodyPr>
-          <a:lstStyle>
-            <a:lvl1pPr marL="0" indent="0" algn="ctr" defTabSz="914423" rtl="0" eaLnBrk="1" latinLnBrk="1" hangingPunct="1">
-              <a:lnSpc>
-                <a:spcPct val="90000"/>
-              </a:lnSpc>
-              <a:spcBef>
-                <a:spcPts val="1001"/>
-              </a:spcBef>
-              <a:buFont typeface="Arial"/>
-              <a:buNone/>
-              <a:defRPr sz="2400" kern="1200">
-                <a:solidFill>
-                  <a:schemeClr val="tx1"/>
-                </a:solidFill>
-                <a:latin typeface="+mn-lt"/>
-                <a:ea typeface="+mn-ea"/>
-                <a:cs typeface="+mn-cs"/>
-              </a:defRPr>
-            </a:lvl1pPr>
-            <a:lvl2pPr marL="457211" indent="0" algn="ctr" defTabSz="914423" rtl="0" eaLnBrk="1" latinLnBrk="1" hangingPunct="1">
-              <a:lnSpc>
-                <a:spcPct val="90000"/>
-              </a:lnSpc>
-              <a:spcBef>
-                <a:spcPts val="500"/>
-              </a:spcBef>
-              <a:buFont typeface="Arial"/>
-              <a:buNone/>
-              <a:defRPr sz="2000" kern="1200">
-                <a:solidFill>
-                  <a:schemeClr val="tx1"/>
-                </a:solidFill>
-                <a:latin typeface="+mn-lt"/>
-                <a:ea typeface="+mn-ea"/>
-                <a:cs typeface="+mn-cs"/>
-              </a:defRPr>
-            </a:lvl2pPr>
-            <a:lvl3pPr marL="914423" indent="0" algn="ctr" defTabSz="914423" rtl="0" eaLnBrk="1" latinLnBrk="1" hangingPunct="1">
-              <a:lnSpc>
-                <a:spcPct val="90000"/>
-              </a:lnSpc>
-              <a:spcBef>
-                <a:spcPts val="500"/>
-              </a:spcBef>
-              <a:buFont typeface="Arial"/>
-              <a:buNone/>
-              <a:defRPr sz="1801" kern="1200">
-                <a:solidFill>
-                  <a:schemeClr val="tx1"/>
-                </a:solidFill>
-                <a:latin typeface="+mn-lt"/>
-                <a:ea typeface="+mn-ea"/>
-                <a:cs typeface="+mn-cs"/>
-              </a:defRPr>
-            </a:lvl3pPr>
-            <a:lvl4pPr marL="1371634" indent="0" algn="ctr" defTabSz="914423" rtl="0" eaLnBrk="1" latinLnBrk="1" hangingPunct="1">
-              <a:lnSpc>
-                <a:spcPct val="90000"/>
-              </a:lnSpc>
-              <a:spcBef>
-                <a:spcPts val="500"/>
-              </a:spcBef>
-              <a:buFont typeface="Arial"/>
-              <a:buNone/>
-              <a:defRPr sz="1600" kern="1200">
-                <a:solidFill>
-                  <a:schemeClr val="tx1"/>
-                </a:solidFill>
-                <a:latin typeface="+mn-lt"/>
-                <a:ea typeface="+mn-ea"/>
-                <a:cs typeface="+mn-cs"/>
-              </a:defRPr>
-            </a:lvl4pPr>
-            <a:lvl5pPr marL="1828846" indent="0" algn="ctr" defTabSz="914423" rtl="0" eaLnBrk="1" latinLnBrk="1" hangingPunct="1">
-              <a:lnSpc>
-                <a:spcPct val="90000"/>
-              </a:lnSpc>
-              <a:spcBef>
-                <a:spcPts val="500"/>
-              </a:spcBef>
-              <a:buFont typeface="Arial"/>
-              <a:buNone/>
-              <a:defRPr sz="1600" kern="1200">
-                <a:solidFill>
-                  <a:schemeClr val="tx1"/>
-                </a:solidFill>
-                <a:latin typeface="+mn-lt"/>
-                <a:ea typeface="+mn-ea"/>
-                <a:cs typeface="+mn-cs"/>
-              </a:defRPr>
-            </a:lvl5pPr>
-            <a:lvl6pPr marL="2286057" indent="0" algn="ctr" defTabSz="914423" rtl="0" eaLnBrk="1" latinLnBrk="1" hangingPunct="1">
-              <a:lnSpc>
-                <a:spcPct val="90000"/>
-              </a:lnSpc>
-              <a:spcBef>
-                <a:spcPts val="500"/>
-              </a:spcBef>
-              <a:buFont typeface="Arial"/>
-              <a:buNone/>
-              <a:defRPr sz="1600" kern="1200">
-                <a:solidFill>
-                  <a:schemeClr val="tx1"/>
-                </a:solidFill>
-                <a:latin typeface="+mn-lt"/>
-                <a:ea typeface="+mn-ea"/>
-                <a:cs typeface="+mn-cs"/>
-              </a:defRPr>
-            </a:lvl6pPr>
-            <a:lvl7pPr marL="2743269" indent="0" algn="ctr" defTabSz="914423" rtl="0" eaLnBrk="1" latinLnBrk="1" hangingPunct="1">
-              <a:lnSpc>
-                <a:spcPct val="90000"/>
-              </a:lnSpc>
-              <a:spcBef>
-                <a:spcPts val="500"/>
-              </a:spcBef>
-              <a:buFont typeface="Arial"/>
-              <a:buNone/>
-              <a:defRPr sz="1600" kern="1200">
-                <a:solidFill>
-                  <a:schemeClr val="tx1"/>
-                </a:solidFill>
-                <a:latin typeface="+mn-lt"/>
-                <a:ea typeface="+mn-ea"/>
-                <a:cs typeface="+mn-cs"/>
-              </a:defRPr>
-            </a:lvl7pPr>
-            <a:lvl8pPr marL="3200480" indent="0" algn="ctr" defTabSz="914423" rtl="0" eaLnBrk="1" latinLnBrk="1" hangingPunct="1">
-              <a:lnSpc>
-                <a:spcPct val="90000"/>
-              </a:lnSpc>
-              <a:spcBef>
-                <a:spcPts val="500"/>
-              </a:spcBef>
-              <a:buFont typeface="Arial"/>
-              <a:buNone/>
-              <a:defRPr sz="1600" kern="1200">
-                <a:solidFill>
-                  <a:schemeClr val="tx1"/>
-                </a:solidFill>
-                <a:latin typeface="+mn-lt"/>
-                <a:ea typeface="+mn-ea"/>
-                <a:cs typeface="+mn-cs"/>
-              </a:defRPr>
-            </a:lvl8pPr>
-            <a:lvl9pPr marL="3657691" indent="0" algn="ctr" defTabSz="914423" rtl="0" eaLnBrk="1" latinLnBrk="1" hangingPunct="1">
-              <a:lnSpc>
-                <a:spcPct val="90000"/>
-              </a:lnSpc>
-              <a:spcBef>
-                <a:spcPts val="500"/>
-              </a:spcBef>
-              <a:buFont typeface="Arial"/>
-              <a:buNone/>
-              <a:defRPr sz="1600" kern="1200">
-                <a:solidFill>
-                  <a:schemeClr val="tx1"/>
-                </a:solidFill>
-                <a:latin typeface="+mn-lt"/>
-                <a:ea typeface="+mn-ea"/>
-                <a:cs typeface="+mn-cs"/>
-              </a:defRPr>
-            </a:lvl9pPr>
-          </a:lstStyle>
-          <a:p>
-            <a:r>
-              <a:rPr lang="ko-KR" altLang="en-US" sz="4800" dirty="0">
-                <a:solidFill>
-                  <a:schemeClr val="bg1"/>
-                </a:solidFill>
-                <a:latin typeface="+mj-lt"/>
-                <a:ea typeface="맑은 고딕" charset="-127"/>
-                <a:cs typeface="맑은 고딕" charset="-127"/>
-              </a:rPr>
-              <a:t>기능 검토 </a:t>
-            </a:r>
-            <a:r>
-              <a:rPr lang="en-US" altLang="ko-KR" sz="4800" dirty="0">
-                <a:solidFill>
-                  <a:schemeClr val="bg1"/>
-                </a:solidFill>
-                <a:latin typeface="+mj-lt"/>
-                <a:ea typeface="맑은 고딕" charset="-127"/>
-                <a:cs typeface="맑은 고딕" charset="-127"/>
-              </a:rPr>
-              <a:t>(</a:t>
-            </a:r>
-            <a:r>
-              <a:rPr lang="ko-KR" altLang="en-US" sz="4800" dirty="0">
-                <a:solidFill>
-                  <a:schemeClr val="bg1"/>
-                </a:solidFill>
-                <a:latin typeface="+mj-lt"/>
-                <a:ea typeface="맑은 고딕" charset="-127"/>
-                <a:cs typeface="맑은 고딕" charset="-127"/>
-              </a:rPr>
-              <a:t>근거자료 및 샘플코드</a:t>
-            </a:r>
-            <a:r>
-              <a:rPr lang="en-US" altLang="ko-KR" sz="4800" dirty="0">
-                <a:solidFill>
-                  <a:schemeClr val="bg1"/>
-                </a:solidFill>
-                <a:latin typeface="+mj-lt"/>
-                <a:ea typeface="맑은 고딕" charset="-127"/>
-                <a:cs typeface="맑은 고딕" charset="-127"/>
-              </a:rPr>
-              <a:t>)</a:t>
-            </a:r>
-            <a:endParaRPr lang="ko-KR" altLang="en-US" sz="4800" dirty="0">
-              <a:solidFill>
-                <a:schemeClr val="bg1"/>
-              </a:solidFill>
-              <a:latin typeface="+mj-lt"/>
-              <a:ea typeface="맑은 고딕" charset="-127"/>
-              <a:cs typeface="맑은 고딕" charset="-127"/>
-            </a:endParaRPr>
-          </a:p>
-        </p:txBody>
-      </p:sp>
-    </p:spTree>
-    <p:extLst>
-      <p:ext uri="{BB962C8B-B14F-4D97-AF65-F5344CB8AC3E}">
-        <p14:creationId xmlns:p14="http://schemas.microsoft.com/office/powerpoint/2010/main" val="2800779971"/>
-      </p:ext>
-    </p:extLst>
-  </p:cSld>
-  <p:clrMapOvr>
-    <a:masterClrMapping/>
-  </p:clrMapOvr>
-</p:sld>
-</file>
-
-<file path=ppt/slides/slide21.xml><?xml version="1.0" encoding="utf-8"?>
-<p:sld xmlns:a="http://schemas.openxmlformats.org/drawingml/2006/main" xmlns:r="http://schemas.openxmlformats.org/officeDocument/2006/relationships" xmlns:p="http://schemas.openxmlformats.org/presentationml/2006/main">
-  <p:cSld>
-    <p:spTree>
-      <p:nvGrpSpPr>
-        <p:cNvPr id="1" name=""/>
-        <p:cNvGrpSpPr/>
-        <p:nvPr/>
-      </p:nvGrpSpPr>
-      <p:grpSpPr>
-        <a:xfrm>
-          <a:off x="0" y="0"/>
-          <a:ext cx="0" cy="0"/>
-          <a:chOff x="0" y="0"/>
-          <a:chExt cx="0" cy="0"/>
-        </a:xfrm>
-      </p:grpSpPr>
-      <p:sp>
-        <p:nvSpPr>
           <p:cNvPr id="2" name="제목 1">
             <a:extLst>
               <a:ext uri="{FF2B5EF4-FFF2-40B4-BE49-F238E27FC236}">
-                <a16:creationId xmlns:a16="http://schemas.microsoft.com/office/drawing/2014/main" id="{CD32A4A8-C5FD-473F-A41F-A660400BC448}"/>
+                <a16:creationId xmlns:a16="http://schemas.microsoft.com/office/drawing/2014/main" id="{9A1A2E3C-2FD9-439C-87BD-8AE3B27F8C97}"/>
               </a:ext>
             </a:extLst>
           </p:cNvPr>
@@ -9429,7 +9705,7 @@
           <p:cNvPr id="3" name="내용 개체 틀 2">
             <a:extLst>
               <a:ext uri="{FF2B5EF4-FFF2-40B4-BE49-F238E27FC236}">
-                <a16:creationId xmlns:a16="http://schemas.microsoft.com/office/drawing/2014/main" id="{FC688E77-0112-474B-BD84-18F7FC4240C7}"/>
+                <a16:creationId xmlns:a16="http://schemas.microsoft.com/office/drawing/2014/main" id="{58DC695E-BF5C-4F1A-860C-8BD272E977AA}"/>
               </a:ext>
             </a:extLst>
           </p:cNvPr>
@@ -9447,17 +9723,22 @@
           <a:p>
             <a:r>
               <a:rPr lang="ko-KR" altLang="en-US" dirty="0"/>
-              <a:t>기능 구현에 필요한 기술을 알아본다</a:t>
+              <a:t>기능정의를 한다</a:t>
             </a:r>
             <a:endParaRPr lang="en-US" altLang="ko-KR" dirty="0"/>
           </a:p>
           <a:p>
-            <a:endParaRPr lang="en-US" altLang="ko-KR" dirty="0"/>
-          </a:p>
-          <a:p>
             <a:r>
               <a:rPr lang="ko-KR" altLang="en-US" dirty="0"/>
-              <a:t>샘플 코드를 수집한다</a:t>
+              <a:t>정의 한 기능에 대해 </a:t>
+            </a:r>
+            <a:r>
+              <a:rPr lang="en-US" altLang="ko-KR" dirty="0"/>
+              <a:t>Flow</a:t>
+            </a:r>
+            <a:r>
+              <a:rPr lang="ko-KR" altLang="en-US" dirty="0"/>
+              <a:t>를 작성한다</a:t>
             </a:r>
             <a:r>
               <a:rPr lang="en-US" altLang="ko-KR" dirty="0"/>
@@ -9470,7 +9751,7 @@
     </p:spTree>
     <p:extLst>
       <p:ext uri="{BB962C8B-B14F-4D97-AF65-F5344CB8AC3E}">
-        <p14:creationId xmlns:p14="http://schemas.microsoft.com/office/powerpoint/2010/main" val="414149680"/>
+        <p14:creationId xmlns:p14="http://schemas.microsoft.com/office/powerpoint/2010/main" val="3772914977"/>
       </p:ext>
     </p:extLst>
   </p:cSld>
@@ -9480,7 +9761,7 @@
 </p:sld>
 </file>
 
-<file path=ppt/slides/slide22.xml><?xml version="1.0" encoding="utf-8"?>
+<file path=ppt/slides/slide21.xml><?xml version="1.0" encoding="utf-8"?>
 <p:sld xmlns:a="http://schemas.openxmlformats.org/drawingml/2006/main" xmlns:r="http://schemas.openxmlformats.org/officeDocument/2006/relationships" xmlns:p="http://schemas.openxmlformats.org/presentationml/2006/main">
   <p:cSld>
     <p:spTree>
@@ -9740,15 +10021,56 @@
                 <a:ea typeface="맑은 고딕" charset="-127"/>
                 <a:cs typeface="맑은 고딕" charset="-127"/>
               </a:rPr>
-              <a:t>스토리보드 제작</a:t>
-            </a:r>
+              <a:t>기능 검토 </a:t>
+            </a:r>
+            <a:r>
+              <a:rPr lang="en-US" altLang="ko-KR" sz="4800" dirty="0">
+                <a:solidFill>
+                  <a:schemeClr val="bg1"/>
+                </a:solidFill>
+                <a:latin typeface="+mj-lt"/>
+                <a:ea typeface="맑은 고딕" charset="-127"/>
+                <a:cs typeface="맑은 고딕" charset="-127"/>
+              </a:rPr>
+              <a:t>(</a:t>
+            </a:r>
+            <a:r>
+              <a:rPr lang="ko-KR" altLang="en-US" sz="4800" dirty="0">
+                <a:solidFill>
+                  <a:schemeClr val="bg1"/>
+                </a:solidFill>
+                <a:latin typeface="+mj-lt"/>
+                <a:ea typeface="맑은 고딕" charset="-127"/>
+                <a:cs typeface="맑은 고딕" charset="-127"/>
+              </a:rPr>
+              <a:t>근거자료 및 샘플코드</a:t>
+            </a:r>
+            <a:r>
+              <a:rPr lang="en-US" altLang="ko-KR" sz="4800" dirty="0">
+                <a:solidFill>
+                  <a:schemeClr val="bg1"/>
+                </a:solidFill>
+                <a:latin typeface="+mj-lt"/>
+                <a:ea typeface="맑은 고딕" charset="-127"/>
+                <a:cs typeface="맑은 고딕" charset="-127"/>
+              </a:rPr>
+              <a:t>)</a:t>
+            </a:r>
+            <a:endParaRPr lang="ko-KR" altLang="en-US" sz="4800" dirty="0">
+              <a:solidFill>
+                <a:schemeClr val="bg1"/>
+              </a:solidFill>
+              <a:latin typeface="+mj-lt"/>
+              <a:ea typeface="맑은 고딕" charset="-127"/>
+              <a:cs typeface="맑은 고딕" charset="-127"/>
+            </a:endParaRPr>
           </a:p>
         </p:txBody>
       </p:sp>
     </p:spTree>
     <p:extLst>
       <p:ext uri="{BB962C8B-B14F-4D97-AF65-F5344CB8AC3E}">
-        <p14:creationId xmlns:p14="http://schemas.microsoft.com/office/powerpoint/2010/main" val="4131486605"/>
+        <p14:creationId xmlns:p14="http://schemas.microsoft.com/office/powerpoint/2010/main" val="2800779971"/>
       </p:ext>
     </p:extLst>
   </p:cSld>
@@ -9758,7 +10080,7 @@
 </p:sld>
 </file>
 
-<file path=ppt/slides/slide23.xml><?xml version="1.0" encoding="utf-8"?>
+<file path=ppt/slides/slide22.xml><?xml version="1.0" encoding="utf-8"?>
 <p:sld xmlns:a="http://schemas.openxmlformats.org/drawingml/2006/main" xmlns:r="http://schemas.openxmlformats.org/officeDocument/2006/relationships" xmlns:p="http://schemas.openxmlformats.org/presentationml/2006/main">
   <p:cSld>
     <p:spTree>
@@ -9780,7 +10102,7 @@
           <p:cNvPr id="2" name="제목 1">
             <a:extLst>
               <a:ext uri="{FF2B5EF4-FFF2-40B4-BE49-F238E27FC236}">
-                <a16:creationId xmlns:a16="http://schemas.microsoft.com/office/drawing/2014/main" id="{FEF97B69-9031-4A28-901F-246C46549083}"/>
+                <a16:creationId xmlns:a16="http://schemas.microsoft.com/office/drawing/2014/main" id="{CD32A4A8-C5FD-473F-A41F-A660400BC448}"/>
               </a:ext>
             </a:extLst>
           </p:cNvPr>
@@ -9805,7 +10127,7 @@
           <p:cNvPr id="3" name="내용 개체 틀 2">
             <a:extLst>
               <a:ext uri="{FF2B5EF4-FFF2-40B4-BE49-F238E27FC236}">
-                <a16:creationId xmlns:a16="http://schemas.microsoft.com/office/drawing/2014/main" id="{7B537D8F-5982-4653-B96A-BB8B9CAB7064}"/>
+                <a16:creationId xmlns:a16="http://schemas.microsoft.com/office/drawing/2014/main" id="{FC688E77-0112-474B-BD84-18F7FC4240C7}"/>
               </a:ext>
             </a:extLst>
           </p:cNvPr>
@@ -9823,7 +10145,7 @@
           <a:p>
             <a:r>
               <a:rPr lang="ko-KR" altLang="en-US" dirty="0"/>
-              <a:t>기능 구현에 대한 디자인 구상</a:t>
+              <a:t>기능 구현에 필요한 기술을 알아본다</a:t>
             </a:r>
             <a:endParaRPr lang="en-US" altLang="ko-KR" dirty="0"/>
           </a:p>
@@ -9833,7 +10155,7 @@
           <a:p>
             <a:r>
               <a:rPr lang="ko-KR" altLang="en-US" dirty="0"/>
-              <a:t>디자인에 따른 동작을 기술하고 연계 한다</a:t>
+              <a:t>샘플 코드를 수집한다</a:t>
             </a:r>
             <a:r>
               <a:rPr lang="en-US" altLang="ko-KR" dirty="0"/>
@@ -9846,7 +10168,7 @@
     </p:spTree>
     <p:extLst>
       <p:ext uri="{BB962C8B-B14F-4D97-AF65-F5344CB8AC3E}">
-        <p14:creationId xmlns:p14="http://schemas.microsoft.com/office/powerpoint/2010/main" val="1723942396"/>
+        <p14:creationId xmlns:p14="http://schemas.microsoft.com/office/powerpoint/2010/main" val="414149680"/>
       </p:ext>
     </p:extLst>
   </p:cSld>
@@ -9856,7 +10178,7 @@
 </p:sld>
 </file>
 
-<file path=ppt/slides/slide24.xml><?xml version="1.0" encoding="utf-8"?>
+<file path=ppt/slides/slide23.xml><?xml version="1.0" encoding="utf-8"?>
 <p:sld xmlns:a="http://schemas.openxmlformats.org/drawingml/2006/main" xmlns:r="http://schemas.openxmlformats.org/officeDocument/2006/relationships" xmlns:p="http://schemas.openxmlformats.org/presentationml/2006/main">
   <p:cSld>
     <p:spTree>
@@ -10116,7 +10438,7 @@
                 <a:ea typeface="맑은 고딕" charset="-127"/>
                 <a:cs typeface="맑은 고딕" charset="-127"/>
               </a:rPr>
-              <a:t>구현</a:t>
+              <a:t>스토리보드 제작</a:t>
             </a:r>
           </a:p>
         </p:txBody>
@@ -10124,7 +10446,7 @@
     </p:spTree>
     <p:extLst>
       <p:ext uri="{BB962C8B-B14F-4D97-AF65-F5344CB8AC3E}">
-        <p14:creationId xmlns:p14="http://schemas.microsoft.com/office/powerpoint/2010/main" val="1697315730"/>
+        <p14:creationId xmlns:p14="http://schemas.microsoft.com/office/powerpoint/2010/main" val="4131486605"/>
       </p:ext>
     </p:extLst>
   </p:cSld>
@@ -10134,7 +10456,7 @@
 </p:sld>
 </file>
 
-<file path=ppt/slides/slide25.xml><?xml version="1.0" encoding="utf-8"?>
+<file path=ppt/slides/slide24.xml><?xml version="1.0" encoding="utf-8"?>
 <p:sld xmlns:a="http://schemas.openxmlformats.org/drawingml/2006/main" xmlns:r="http://schemas.openxmlformats.org/officeDocument/2006/relationships" xmlns:p="http://schemas.openxmlformats.org/presentationml/2006/main">
   <p:cSld>
     <p:spTree>
@@ -10156,7 +10478,7 @@
           <p:cNvPr id="2" name="제목 1">
             <a:extLst>
               <a:ext uri="{FF2B5EF4-FFF2-40B4-BE49-F238E27FC236}">
-                <a16:creationId xmlns:a16="http://schemas.microsoft.com/office/drawing/2014/main" id="{2135F92A-65F5-4C7A-8C04-BF5F199039F2}"/>
+                <a16:creationId xmlns:a16="http://schemas.microsoft.com/office/drawing/2014/main" id="{FEF97B69-9031-4A28-901F-246C46549083}"/>
               </a:ext>
             </a:extLst>
           </p:cNvPr>
@@ -10181,7 +10503,7 @@
           <p:cNvPr id="3" name="내용 개체 틀 2">
             <a:extLst>
               <a:ext uri="{FF2B5EF4-FFF2-40B4-BE49-F238E27FC236}">
-                <a16:creationId xmlns:a16="http://schemas.microsoft.com/office/drawing/2014/main" id="{FB21A4AE-E1C2-4042-9B9E-43F419C42235}"/>
+                <a16:creationId xmlns:a16="http://schemas.microsoft.com/office/drawing/2014/main" id="{7B537D8F-5982-4653-B96A-BB8B9CAB7064}"/>
               </a:ext>
             </a:extLst>
           </p:cNvPr>
@@ -10199,7 +10521,17 @@
           <a:p>
             <a:r>
               <a:rPr lang="ko-KR" altLang="en-US" dirty="0"/>
-              <a:t>코드를 작성하고 버그를 수정한다</a:t>
+              <a:t>기능 구현에 대한 디자인 구상</a:t>
+            </a:r>
+            <a:endParaRPr lang="en-US" altLang="ko-KR" dirty="0"/>
+          </a:p>
+          <a:p>
+            <a:endParaRPr lang="en-US" altLang="ko-KR" dirty="0"/>
+          </a:p>
+          <a:p>
+            <a:r>
+              <a:rPr lang="ko-KR" altLang="en-US" dirty="0"/>
+              <a:t>디자인에 따른 동작을 기술하고 연계 한다</a:t>
             </a:r>
             <a:r>
               <a:rPr lang="en-US" altLang="ko-KR" dirty="0"/>
@@ -10212,7 +10544,7 @@
     </p:spTree>
     <p:extLst>
       <p:ext uri="{BB962C8B-B14F-4D97-AF65-F5344CB8AC3E}">
-        <p14:creationId xmlns:p14="http://schemas.microsoft.com/office/powerpoint/2010/main" val="1303733429"/>
+        <p14:creationId xmlns:p14="http://schemas.microsoft.com/office/powerpoint/2010/main" val="1723942396"/>
       </p:ext>
     </p:extLst>
   </p:cSld>
@@ -10222,7 +10554,7 @@
 </p:sld>
 </file>
 
-<file path=ppt/slides/slide26.xml><?xml version="1.0" encoding="utf-8"?>
+<file path=ppt/slides/slide25.xml><?xml version="1.0" encoding="utf-8"?>
 <p:sld xmlns:a="http://schemas.openxmlformats.org/drawingml/2006/main" xmlns:r="http://schemas.openxmlformats.org/officeDocument/2006/relationships" xmlns:p="http://schemas.openxmlformats.org/presentationml/2006/main">
   <p:cSld>
     <p:spTree>
@@ -10482,6 +10814,372 @@
                 <a:ea typeface="맑은 고딕" charset="-127"/>
                 <a:cs typeface="맑은 고딕" charset="-127"/>
               </a:rPr>
+              <a:t>구현</a:t>
+            </a:r>
+          </a:p>
+        </p:txBody>
+      </p:sp>
+    </p:spTree>
+    <p:extLst>
+      <p:ext uri="{BB962C8B-B14F-4D97-AF65-F5344CB8AC3E}">
+        <p14:creationId xmlns:p14="http://schemas.microsoft.com/office/powerpoint/2010/main" val="1697315730"/>
+      </p:ext>
+    </p:extLst>
+  </p:cSld>
+  <p:clrMapOvr>
+    <a:masterClrMapping/>
+  </p:clrMapOvr>
+</p:sld>
+</file>
+
+<file path=ppt/slides/slide26.xml><?xml version="1.0" encoding="utf-8"?>
+<p:sld xmlns:a="http://schemas.openxmlformats.org/drawingml/2006/main" xmlns:r="http://schemas.openxmlformats.org/officeDocument/2006/relationships" xmlns:p="http://schemas.openxmlformats.org/presentationml/2006/main">
+  <p:cSld>
+    <p:spTree>
+      <p:nvGrpSpPr>
+        <p:cNvPr id="1" name=""/>
+        <p:cNvGrpSpPr/>
+        <p:nvPr/>
+      </p:nvGrpSpPr>
+      <p:grpSpPr>
+        <a:xfrm>
+          <a:off x="0" y="0"/>
+          <a:ext cx="0" cy="0"/>
+          <a:chOff x="0" y="0"/>
+          <a:chExt cx="0" cy="0"/>
+        </a:xfrm>
+      </p:grpSpPr>
+      <p:sp>
+        <p:nvSpPr>
+          <p:cNvPr id="2" name="제목 1">
+            <a:extLst>
+              <a:ext uri="{FF2B5EF4-FFF2-40B4-BE49-F238E27FC236}">
+                <a16:creationId xmlns:a16="http://schemas.microsoft.com/office/drawing/2014/main" id="{2135F92A-65F5-4C7A-8C04-BF5F199039F2}"/>
+              </a:ext>
+            </a:extLst>
+          </p:cNvPr>
+          <p:cNvSpPr>
+            <a:spLocks noGrp="1"/>
+          </p:cNvSpPr>
+          <p:nvPr>
+            <p:ph type="title"/>
+          </p:nvPr>
+        </p:nvSpPr>
+        <p:spPr/>
+        <p:txBody>
+          <a:bodyPr/>
+          <a:lstStyle/>
+          <a:p>
+            <a:endParaRPr lang="ko-KR" altLang="en-US"/>
+          </a:p>
+        </p:txBody>
+      </p:sp>
+      <p:sp>
+        <p:nvSpPr>
+          <p:cNvPr id="3" name="내용 개체 틀 2">
+            <a:extLst>
+              <a:ext uri="{FF2B5EF4-FFF2-40B4-BE49-F238E27FC236}">
+                <a16:creationId xmlns:a16="http://schemas.microsoft.com/office/drawing/2014/main" id="{FB21A4AE-E1C2-4042-9B9E-43F419C42235}"/>
+              </a:ext>
+            </a:extLst>
+          </p:cNvPr>
+          <p:cNvSpPr>
+            <a:spLocks noGrp="1"/>
+          </p:cNvSpPr>
+          <p:nvPr>
+            <p:ph idx="1"/>
+          </p:nvPr>
+        </p:nvSpPr>
+        <p:spPr/>
+        <p:txBody>
+          <a:bodyPr/>
+          <a:lstStyle/>
+          <a:p>
+            <a:r>
+              <a:rPr lang="ko-KR" altLang="en-US" dirty="0"/>
+              <a:t>코드를 작성하고 버그를 수정한다</a:t>
+            </a:r>
+            <a:r>
+              <a:rPr lang="en-US" altLang="ko-KR" dirty="0"/>
+              <a:t>.</a:t>
+            </a:r>
+            <a:endParaRPr lang="ko-KR" altLang="en-US" dirty="0"/>
+          </a:p>
+        </p:txBody>
+      </p:sp>
+    </p:spTree>
+    <p:extLst>
+      <p:ext uri="{BB962C8B-B14F-4D97-AF65-F5344CB8AC3E}">
+        <p14:creationId xmlns:p14="http://schemas.microsoft.com/office/powerpoint/2010/main" val="1303733429"/>
+      </p:ext>
+    </p:extLst>
+  </p:cSld>
+  <p:clrMapOvr>
+    <a:masterClrMapping/>
+  </p:clrMapOvr>
+</p:sld>
+</file>
+
+<file path=ppt/slides/slide27.xml><?xml version="1.0" encoding="utf-8"?>
+<p:sld xmlns:a="http://schemas.openxmlformats.org/drawingml/2006/main" xmlns:r="http://schemas.openxmlformats.org/officeDocument/2006/relationships" xmlns:p="http://schemas.openxmlformats.org/presentationml/2006/main">
+  <p:cSld>
+    <p:spTree>
+      <p:nvGrpSpPr>
+        <p:cNvPr id="1" name=""/>
+        <p:cNvGrpSpPr/>
+        <p:nvPr/>
+      </p:nvGrpSpPr>
+      <p:grpSpPr>
+        <a:xfrm>
+          <a:off x="0" y="0"/>
+          <a:ext cx="0" cy="0"/>
+          <a:chOff x="0" y="0"/>
+          <a:chExt cx="0" cy="0"/>
+        </a:xfrm>
+      </p:grpSpPr>
+      <p:sp>
+        <p:nvSpPr>
+          <p:cNvPr id="10" name="직사각형 9"/>
+          <p:cNvSpPr/>
+          <p:nvPr/>
+        </p:nvSpPr>
+        <p:spPr>
+          <a:xfrm>
+            <a:off x="-1" y="2398426"/>
+            <a:ext cx="12192001" cy="1338109"/>
+          </a:xfrm>
+          <a:prstGeom prst="rect">
+            <a:avLst/>
+          </a:prstGeom>
+          <a:solidFill>
+            <a:schemeClr val="accent1">
+              <a:lumMod val="75000"/>
+            </a:schemeClr>
+          </a:solidFill>
+          <a:ln>
+            <a:noFill/>
+          </a:ln>
+        </p:spPr>
+        <p:style>
+          <a:lnRef idx="2">
+            <a:schemeClr val="accent1">
+              <a:shade val="50000"/>
+            </a:schemeClr>
+          </a:lnRef>
+          <a:fillRef idx="1">
+            <a:schemeClr val="accent1"/>
+          </a:fillRef>
+          <a:effectRef idx="0">
+            <a:schemeClr val="accent1"/>
+          </a:effectRef>
+          <a:fontRef idx="minor">
+            <a:schemeClr val="lt1"/>
+          </a:fontRef>
+        </p:style>
+        <p:txBody>
+          <a:bodyPr rtlCol="0" anchor="ctr"/>
+          <a:lstStyle/>
+          <a:p>
+            <a:pPr algn="ctr"/>
+            <a:endParaRPr kumimoji="1" lang="ko-KR" altLang="en-US" dirty="0"/>
+          </a:p>
+        </p:txBody>
+      </p:sp>
+      <p:sp>
+        <p:nvSpPr>
+          <p:cNvPr id="12" name="부제목 2"/>
+          <p:cNvSpPr txBox="1">
+            <a:spLocks/>
+          </p:cNvSpPr>
+          <p:nvPr/>
+        </p:nvSpPr>
+        <p:spPr>
+          <a:xfrm>
+            <a:off x="1" y="2608234"/>
+            <a:ext cx="12192000" cy="754314"/>
+          </a:xfrm>
+          <a:prstGeom prst="rect">
+            <a:avLst/>
+          </a:prstGeom>
+        </p:spPr>
+        <p:txBody>
+          <a:bodyPr vert="horz" lIns="91440" tIns="45720" rIns="91440" bIns="45720" rtlCol="0" anchor="ctr">
+            <a:noAutofit/>
+          </a:bodyPr>
+          <a:lstStyle>
+            <a:lvl1pPr marL="0" indent="0" algn="ctr" defTabSz="914423" rtl="0" eaLnBrk="1" latinLnBrk="1" hangingPunct="1">
+              <a:lnSpc>
+                <a:spcPct val="90000"/>
+              </a:lnSpc>
+              <a:spcBef>
+                <a:spcPts val="1001"/>
+              </a:spcBef>
+              <a:buFont typeface="Arial"/>
+              <a:buNone/>
+              <a:defRPr sz="2400" kern="1200">
+                <a:solidFill>
+                  <a:schemeClr val="tx1"/>
+                </a:solidFill>
+                <a:latin typeface="+mn-lt"/>
+                <a:ea typeface="+mn-ea"/>
+                <a:cs typeface="+mn-cs"/>
+              </a:defRPr>
+            </a:lvl1pPr>
+            <a:lvl2pPr marL="457211" indent="0" algn="ctr" defTabSz="914423" rtl="0" eaLnBrk="1" latinLnBrk="1" hangingPunct="1">
+              <a:lnSpc>
+                <a:spcPct val="90000"/>
+              </a:lnSpc>
+              <a:spcBef>
+                <a:spcPts val="500"/>
+              </a:spcBef>
+              <a:buFont typeface="Arial"/>
+              <a:buNone/>
+              <a:defRPr sz="2000" kern="1200">
+                <a:solidFill>
+                  <a:schemeClr val="tx1"/>
+                </a:solidFill>
+                <a:latin typeface="+mn-lt"/>
+                <a:ea typeface="+mn-ea"/>
+                <a:cs typeface="+mn-cs"/>
+              </a:defRPr>
+            </a:lvl2pPr>
+            <a:lvl3pPr marL="914423" indent="0" algn="ctr" defTabSz="914423" rtl="0" eaLnBrk="1" latinLnBrk="1" hangingPunct="1">
+              <a:lnSpc>
+                <a:spcPct val="90000"/>
+              </a:lnSpc>
+              <a:spcBef>
+                <a:spcPts val="500"/>
+              </a:spcBef>
+              <a:buFont typeface="Arial"/>
+              <a:buNone/>
+              <a:defRPr sz="1801" kern="1200">
+                <a:solidFill>
+                  <a:schemeClr val="tx1"/>
+                </a:solidFill>
+                <a:latin typeface="+mn-lt"/>
+                <a:ea typeface="+mn-ea"/>
+                <a:cs typeface="+mn-cs"/>
+              </a:defRPr>
+            </a:lvl3pPr>
+            <a:lvl4pPr marL="1371634" indent="0" algn="ctr" defTabSz="914423" rtl="0" eaLnBrk="1" latinLnBrk="1" hangingPunct="1">
+              <a:lnSpc>
+                <a:spcPct val="90000"/>
+              </a:lnSpc>
+              <a:spcBef>
+                <a:spcPts val="500"/>
+              </a:spcBef>
+              <a:buFont typeface="Arial"/>
+              <a:buNone/>
+              <a:defRPr sz="1600" kern="1200">
+                <a:solidFill>
+                  <a:schemeClr val="tx1"/>
+                </a:solidFill>
+                <a:latin typeface="+mn-lt"/>
+                <a:ea typeface="+mn-ea"/>
+                <a:cs typeface="+mn-cs"/>
+              </a:defRPr>
+            </a:lvl4pPr>
+            <a:lvl5pPr marL="1828846" indent="0" algn="ctr" defTabSz="914423" rtl="0" eaLnBrk="1" latinLnBrk="1" hangingPunct="1">
+              <a:lnSpc>
+                <a:spcPct val="90000"/>
+              </a:lnSpc>
+              <a:spcBef>
+                <a:spcPts val="500"/>
+              </a:spcBef>
+              <a:buFont typeface="Arial"/>
+              <a:buNone/>
+              <a:defRPr sz="1600" kern="1200">
+                <a:solidFill>
+                  <a:schemeClr val="tx1"/>
+                </a:solidFill>
+                <a:latin typeface="+mn-lt"/>
+                <a:ea typeface="+mn-ea"/>
+                <a:cs typeface="+mn-cs"/>
+              </a:defRPr>
+            </a:lvl5pPr>
+            <a:lvl6pPr marL="2286057" indent="0" algn="ctr" defTabSz="914423" rtl="0" eaLnBrk="1" latinLnBrk="1" hangingPunct="1">
+              <a:lnSpc>
+                <a:spcPct val="90000"/>
+              </a:lnSpc>
+              <a:spcBef>
+                <a:spcPts val="500"/>
+              </a:spcBef>
+              <a:buFont typeface="Arial"/>
+              <a:buNone/>
+              <a:defRPr sz="1600" kern="1200">
+                <a:solidFill>
+                  <a:schemeClr val="tx1"/>
+                </a:solidFill>
+                <a:latin typeface="+mn-lt"/>
+                <a:ea typeface="+mn-ea"/>
+                <a:cs typeface="+mn-cs"/>
+              </a:defRPr>
+            </a:lvl6pPr>
+            <a:lvl7pPr marL="2743269" indent="0" algn="ctr" defTabSz="914423" rtl="0" eaLnBrk="1" latinLnBrk="1" hangingPunct="1">
+              <a:lnSpc>
+                <a:spcPct val="90000"/>
+              </a:lnSpc>
+              <a:spcBef>
+                <a:spcPts val="500"/>
+              </a:spcBef>
+              <a:buFont typeface="Arial"/>
+              <a:buNone/>
+              <a:defRPr sz="1600" kern="1200">
+                <a:solidFill>
+                  <a:schemeClr val="tx1"/>
+                </a:solidFill>
+                <a:latin typeface="+mn-lt"/>
+                <a:ea typeface="+mn-ea"/>
+                <a:cs typeface="+mn-cs"/>
+              </a:defRPr>
+            </a:lvl7pPr>
+            <a:lvl8pPr marL="3200480" indent="0" algn="ctr" defTabSz="914423" rtl="0" eaLnBrk="1" latinLnBrk="1" hangingPunct="1">
+              <a:lnSpc>
+                <a:spcPct val="90000"/>
+              </a:lnSpc>
+              <a:spcBef>
+                <a:spcPts val="500"/>
+              </a:spcBef>
+              <a:buFont typeface="Arial"/>
+              <a:buNone/>
+              <a:defRPr sz="1600" kern="1200">
+                <a:solidFill>
+                  <a:schemeClr val="tx1"/>
+                </a:solidFill>
+                <a:latin typeface="+mn-lt"/>
+                <a:ea typeface="+mn-ea"/>
+                <a:cs typeface="+mn-cs"/>
+              </a:defRPr>
+            </a:lvl8pPr>
+            <a:lvl9pPr marL="3657691" indent="0" algn="ctr" defTabSz="914423" rtl="0" eaLnBrk="1" latinLnBrk="1" hangingPunct="1">
+              <a:lnSpc>
+                <a:spcPct val="90000"/>
+              </a:lnSpc>
+              <a:spcBef>
+                <a:spcPts val="500"/>
+              </a:spcBef>
+              <a:buFont typeface="Arial"/>
+              <a:buNone/>
+              <a:defRPr sz="1600" kern="1200">
+                <a:solidFill>
+                  <a:schemeClr val="tx1"/>
+                </a:solidFill>
+                <a:latin typeface="+mn-lt"/>
+                <a:ea typeface="+mn-ea"/>
+                <a:cs typeface="+mn-cs"/>
+              </a:defRPr>
+            </a:lvl9pPr>
+          </a:lstStyle>
+          <a:p>
+            <a:r>
+              <a:rPr lang="ko-KR" altLang="en-US" sz="4800" dirty="0">
+                <a:solidFill>
+                  <a:schemeClr val="bg1"/>
+                </a:solidFill>
+                <a:latin typeface="+mj-lt"/>
+                <a:ea typeface="맑은 고딕" charset="-127"/>
+                <a:cs typeface="맑은 고딕" charset="-127"/>
+              </a:rPr>
               <a:t>제품 </a:t>
             </a:r>
             <a:r>
@@ -10519,7 +11217,7 @@
 </p:sld>
 </file>
 
-<file path=ppt/slides/slide27.xml><?xml version="1.0" encoding="utf-8"?>
+<file path=ppt/slides/slide28.xml><?xml version="1.0" encoding="utf-8"?>
 <p:sld xmlns:a="http://schemas.openxmlformats.org/drawingml/2006/main" xmlns:r="http://schemas.openxmlformats.org/officeDocument/2006/relationships" xmlns:p="http://schemas.openxmlformats.org/presentationml/2006/main">
   <p:cSld>
     <p:spTree>
@@ -10881,91 +11579,6 @@
 </file>
 
 <file path=ppt/slides/slide4.xml><?xml version="1.0" encoding="utf-8"?>
-<p:sld xmlns:a="http://schemas.openxmlformats.org/drawingml/2006/main" xmlns:r="http://schemas.openxmlformats.org/officeDocument/2006/relationships" xmlns:p="http://schemas.openxmlformats.org/presentationml/2006/main">
-  <p:cSld>
-    <p:spTree>
-      <p:nvGrpSpPr>
-        <p:cNvPr id="1" name=""/>
-        <p:cNvGrpSpPr/>
-        <p:nvPr/>
-      </p:nvGrpSpPr>
-      <p:grpSpPr>
-        <a:xfrm>
-          <a:off x="0" y="0"/>
-          <a:ext cx="0" cy="0"/>
-          <a:chOff x="0" y="0"/>
-          <a:chExt cx="0" cy="0"/>
-        </a:xfrm>
-      </p:grpSpPr>
-      <p:sp>
-        <p:nvSpPr>
-          <p:cNvPr id="2" name="제목 1"/>
-          <p:cNvSpPr>
-            <a:spLocks noGrp="1"/>
-          </p:cNvSpPr>
-          <p:nvPr>
-            <p:ph type="title"/>
-          </p:nvPr>
-        </p:nvSpPr>
-        <p:spPr/>
-        <p:txBody>
-          <a:bodyPr/>
-          <a:lstStyle/>
-          <a:p>
-            <a:r>
-              <a:rPr lang="ko-KR" altLang="en-US" dirty="0"/>
-              <a:t>아이디어 노트</a:t>
-            </a:r>
-          </a:p>
-        </p:txBody>
-      </p:sp>
-      <p:sp>
-        <p:nvSpPr>
-          <p:cNvPr id="5" name="내용 개체 틀 4">
-            <a:extLst>
-              <a:ext uri="{FF2B5EF4-FFF2-40B4-BE49-F238E27FC236}">
-                <a16:creationId xmlns:a16="http://schemas.microsoft.com/office/drawing/2014/main" id="{28C48653-AEC1-4246-B0FD-9BE0516852AB}"/>
-              </a:ext>
-            </a:extLst>
-          </p:cNvPr>
-          <p:cNvSpPr>
-            <a:spLocks noGrp="1"/>
-          </p:cNvSpPr>
-          <p:nvPr>
-            <p:ph idx="1"/>
-          </p:nvPr>
-        </p:nvSpPr>
-        <p:spPr/>
-        <p:txBody>
-          <a:bodyPr/>
-          <a:lstStyle/>
-          <a:p>
-            <a:r>
-              <a:rPr lang="ko-KR" altLang="en-US" dirty="0"/>
-              <a:t>개발하고자 하는 아이디어에 대해 기술한다</a:t>
-            </a:r>
-            <a:r>
-              <a:rPr lang="en-US" altLang="ko-KR" dirty="0"/>
-              <a:t>.</a:t>
-            </a:r>
-            <a:endParaRPr lang="ko-KR" altLang="en-US" dirty="0"/>
-          </a:p>
-        </p:txBody>
-      </p:sp>
-    </p:spTree>
-    <p:extLst>
-      <p:ext uri="{BB962C8B-B14F-4D97-AF65-F5344CB8AC3E}">
-        <p14:creationId xmlns:p14="http://schemas.microsoft.com/office/powerpoint/2010/main" val="3830968877"/>
-      </p:ext>
-    </p:extLst>
-  </p:cSld>
-  <p:clrMapOvr>
-    <a:masterClrMapping/>
-  </p:clrMapOvr>
-</p:sld>
-</file>
-
-<file path=ppt/slides/slide5.xml><?xml version="1.0" encoding="utf-8"?>
 <p:sld xmlns:r="http://schemas.openxmlformats.org/officeDocument/2006/relationships" xmlns:c="http://schemas.openxmlformats.org/drawingml/2006/chart" xmlns:a="http://schemas.openxmlformats.org/drawingml/2006/main" xmlns:dgm="http://schemas.openxmlformats.org/drawingml/2006/diagram" xmlns:dsp="http://schemas.microsoft.com/office/drawing/2008/diagram" xmlns:p="http://schemas.openxmlformats.org/presentationml/2006/main">
   <p:cSld>
     <p:spTree>
@@ -10992,10 +11605,147 @@
             <p:ph type="title" idx="0"/>
           </p:nvPr>
         </p:nvSpPr>
+        <p:spPr/>
+        <p:txBody>
+          <a:bodyPr/>
+          <a:lstStyle/>
+          <a:p>
+            <a:pPr lvl="0">
+              <a:defRPr/>
+            </a:pPr>
+            <a:r>
+              <a:rPr lang="ko-KR" altLang="en-US"/>
+              <a:t>아이디어 노트</a:t>
+            </a:r>
+            <a:endParaRPr lang="ko-KR" altLang="en-US"/>
+          </a:p>
+        </p:txBody>
+      </p:sp>
+      <p:sp>
+        <p:nvSpPr>
+          <p:cNvPr id="5" name="내용 개체 틀 4"/>
+          <p:cNvSpPr>
+            <a:spLocks noGrp="1"/>
+          </p:cNvSpPr>
+          <p:nvPr>
+            <p:ph idx="1"/>
+          </p:nvPr>
+        </p:nvSpPr>
+        <p:spPr/>
+        <p:txBody>
+          <a:bodyPr/>
+          <a:lstStyle/>
+          <a:p>
+            <a:pPr lvl="0">
+              <a:defRPr/>
+            </a:pPr>
+            <a:r>
+              <a:rPr lang="ko-KR" altLang="en-US"/>
+              <a:t>개발하고자 하는 아이디어에 대해 기술한다</a:t>
+            </a:r>
+            <a:r>
+              <a:rPr lang="en-US" altLang="ko-KR"/>
+              <a:t>.</a:t>
+            </a:r>
+            <a:endParaRPr lang="ko-KR" altLang="en-US"/>
+          </a:p>
+        </p:txBody>
+      </p:sp>
+    </p:spTree>
+  </p:cSld>
+  <p:clrMapOvr>
+    <a:masterClrMapping/>
+  </p:clrMapOvr>
+  <mc:AlternateContent xmlns:mc="http://schemas.openxmlformats.org/markup-compatibility/2006">
+    <mc:Choice xmlns:p14="http://schemas.microsoft.com/office/powerpoint/2010/main" Requires="p14">
+      <p:transition xmlns:mc="http://schemas.openxmlformats.org/markup-compatibility/2006" xmlns:p14="http://schemas.microsoft.com/office/powerpoint/2010/main" mc:Ignorable="p14" p14:dur="500"/>
+    </mc:Choice>
+    <mc:Fallback>
+      <p:transition/>
+    </mc:Fallback>
+  </mc:AlternateContent>
+</p:sld>
+</file>
+
+<file path=ppt/slides/slide5.xml><?xml version="1.0" encoding="utf-8"?>
+<p:sld xmlns:r="http://schemas.openxmlformats.org/officeDocument/2006/relationships" xmlns:c="http://schemas.openxmlformats.org/drawingml/2006/chart" xmlns:a="http://schemas.openxmlformats.org/drawingml/2006/main" xmlns:dgm="http://schemas.openxmlformats.org/drawingml/2006/diagram" xmlns:dsp="http://schemas.microsoft.com/office/drawing/2008/diagram" xmlns:p="http://schemas.openxmlformats.org/presentationml/2006/main">
+  <p:cSld>
+    <p:spTree>
+      <p:nvGrpSpPr>
+        <p:cNvPr id="1" name=""/>
+        <p:cNvGrpSpPr/>
+        <p:nvPr/>
+      </p:nvGrpSpPr>
+      <p:grpSpPr>
+        <a:xfrm>
+          <a:off x="0" y="0"/>
+          <a:ext cx="0" cy="0"/>
+          <a:chOff x="0" y="0"/>
+          <a:chExt cx="0" cy="0"/>
+        </a:xfrm>
+      </p:grpSpPr>
+      <p:sp>
+        <p:nvSpPr>
+          <p:cNvPr id="4" name="직사각형 9"/>
+          <p:cNvSpPr/>
+          <p:nvPr/>
+        </p:nvSpPr>
         <p:spPr>
           <a:xfrm>
-            <a:off x="838199" y="0"/>
-            <a:ext cx="10515600" cy="1325563"/>
+            <a:off x="0" y="0"/>
+            <a:ext cx="12192001" cy="1338109"/>
+          </a:xfrm>
+          <a:prstGeom prst="rect">
+            <a:avLst/>
+          </a:prstGeom>
+          <a:solidFill>
+            <a:schemeClr val="accent2"/>
+          </a:solidFill>
+          <a:ln>
+            <a:noFill/>
+          </a:ln>
+        </p:spPr>
+        <p:style>
+          <a:lnRef idx="2">
+            <a:schemeClr val="accent1">
+              <a:shade val="50000"/>
+            </a:schemeClr>
+          </a:lnRef>
+          <a:fillRef idx="1">
+            <a:schemeClr val="accent1"/>
+          </a:fillRef>
+          <a:effectRef idx="0">
+            <a:schemeClr val="accent1"/>
+          </a:effectRef>
+          <a:fontRef idx="minor">
+            <a:schemeClr val="lt1"/>
+          </a:fontRef>
+        </p:style>
+        <p:txBody>
+          <a:bodyPr anchor="ctr"/>
+          <a:lstStyle/>
+          <a:p>
+            <a:pPr algn="ctr">
+              <a:defRPr/>
+            </a:pPr>
+            <a:endParaRPr kumimoji="1" lang="ko-KR" altLang="en-US"/>
+          </a:p>
+        </p:txBody>
+      </p:sp>
+      <p:sp>
+        <p:nvSpPr>
+          <p:cNvPr id="2" name="제목 1"/>
+          <p:cNvSpPr>
+            <a:spLocks noGrp="1"/>
+          </p:cNvSpPr>
+          <p:nvPr>
+            <p:ph type="title" idx="0"/>
+          </p:nvPr>
+        </p:nvSpPr>
+        <p:spPr>
+          <a:xfrm>
+            <a:off x="0" y="0"/>
+            <a:ext cx="11353799" cy="1325563"/>
           </a:xfrm>
         </p:spPr>
         <p:txBody>
@@ -11011,9 +11761,13 @@
             </a:r>
             <a:r>
               <a:rPr lang="ko-KR" altLang="en-US"/>
-              <a:t> 식단 관리 어플리케이션</a:t>
-            </a:r>
-            <a:endParaRPr lang="ko-KR" altLang="en-US"/>
+              <a:t> 식단 관리 </a:t>
+            </a:r>
+            <a:r>
+              <a:rPr lang="en-US" altLang="ko-KR"/>
+              <a:t>APP</a:t>
+            </a:r>
+            <a:endParaRPr lang="en-US" altLang="ko-KR"/>
           </a:p>
         </p:txBody>
       </p:sp>
@@ -11027,10 +11781,15 @@
             <p:ph idx="1"/>
           </p:nvPr>
         </p:nvSpPr>
-        <p:spPr/>
+        <p:spPr>
+          <a:xfrm>
+            <a:off x="0" y="3095625"/>
+            <a:ext cx="12192000" cy="3762375"/>
+          </a:xfrm>
+        </p:spPr>
         <p:txBody>
           <a:bodyPr>
-            <a:normAutofit fontScale="77500" lnSpcReduction="20000"/>
+            <a:noAutofit/>
           </a:bodyPr>
           <a:lstStyle/>
           <a:p>
@@ -11038,194 +11797,334 @@
               <a:defRPr/>
             </a:pPr>
             <a:r>
-              <a:rPr lang="ko-KR" altLang="en-US"/>
+              <a:rPr lang="ko-KR" altLang="en-US" sz="1500"/>
               <a:t>사용자는 자신이 섭취한 식품의 종류 및 중량 입력</a:t>
             </a:r>
-            <a:endParaRPr lang="ko-KR" altLang="en-US"/>
+            <a:endParaRPr lang="ko-KR" altLang="en-US" sz="1500"/>
           </a:p>
           <a:p>
             <a:pPr>
               <a:defRPr/>
             </a:pPr>
             <a:r>
-              <a:rPr lang="ko-KR" altLang="en-US"/>
+              <a:rPr lang="ko-KR" altLang="en-US" sz="1500"/>
               <a:t>입력한 자료들을 토대로 칼로리 계산</a:t>
             </a:r>
-            <a:endParaRPr lang="ko-KR" altLang="en-US"/>
+            <a:endParaRPr lang="ko-KR" altLang="en-US" sz="1500"/>
           </a:p>
           <a:p>
             <a:pPr>
               <a:defRPr/>
             </a:pPr>
             <a:r>
-              <a:rPr lang="ko-KR" altLang="en-US"/>
+              <a:rPr lang="ko-KR" altLang="en-US" sz="1500"/>
               <a:t>체중에 따른 </a:t>
             </a:r>
             <a:r>
-              <a:rPr lang="en-US" altLang="ko-KR"/>
+              <a:rPr lang="en-US" altLang="ko-KR" sz="1500"/>
               <a:t>in-body</a:t>
             </a:r>
             <a:r>
-              <a:rPr lang="ko-KR" altLang="en-US"/>
+              <a:rPr lang="ko-KR" altLang="en-US" sz="1500"/>
               <a:t> 정보 체크</a:t>
             </a:r>
-            <a:endParaRPr lang="ko-KR" altLang="en-US"/>
+            <a:endParaRPr lang="ko-KR" altLang="en-US" sz="1500"/>
           </a:p>
           <a:p>
             <a:pPr>
               <a:defRPr/>
             </a:pPr>
             <a:r>
-              <a:rPr lang="ko-KR" altLang="en-US"/>
+              <a:rPr lang="ko-KR" altLang="en-US" sz="1500"/>
               <a:t>남은 칼로리 계산하여 다음 식단 추천</a:t>
             </a:r>
-            <a:endParaRPr lang="ko-KR" altLang="en-US"/>
+            <a:endParaRPr lang="ko-KR" altLang="en-US" sz="1500"/>
           </a:p>
           <a:p>
             <a:pPr>
               <a:defRPr/>
             </a:pPr>
             <a:r>
-              <a:rPr lang="en-US" altLang="ko-KR"/>
+              <a:rPr lang="en-US" altLang="ko-KR" sz="1500"/>
               <a:t>challenge</a:t>
             </a:r>
             <a:r>
-              <a:rPr lang="ko-KR" altLang="en-US"/>
+              <a:rPr lang="ko-KR" altLang="en-US" sz="1500"/>
               <a:t>기능 추가 </a:t>
             </a:r>
             <a:r>
-              <a:rPr lang="en-US" altLang="ko-KR"/>
+              <a:rPr lang="en-US" altLang="ko-KR" sz="1500"/>
               <a:t>(00</a:t>
             </a:r>
             <a:r>
-              <a:rPr lang="ko-KR" altLang="en-US"/>
+              <a:rPr lang="ko-KR" altLang="en-US" sz="1500"/>
               <a:t>주간 </a:t>
             </a:r>
             <a:r>
-              <a:rPr lang="en-US" altLang="ko-KR"/>
+              <a:rPr lang="en-US" altLang="ko-KR" sz="1500"/>
               <a:t>00</a:t>
             </a:r>
             <a:r>
-              <a:rPr lang="ko-KR" altLang="en-US"/>
+              <a:rPr lang="ko-KR" altLang="en-US" sz="1500"/>
               <a:t>시간씩 운동을 한다 </a:t>
             </a:r>
             <a:r>
-              <a:rPr lang="en-US" altLang="ko-KR"/>
+              <a:rPr lang="en-US" altLang="ko-KR" sz="1500"/>
               <a:t>-&gt;</a:t>
             </a:r>
             <a:r>
-              <a:rPr lang="ko-KR" altLang="en-US"/>
+              <a:rPr lang="ko-KR" altLang="en-US" sz="1500"/>
               <a:t> 포인트 제공</a:t>
             </a:r>
             <a:r>
-              <a:rPr lang="en-US" altLang="ko-KR"/>
+              <a:rPr lang="en-US" altLang="ko-KR" sz="1500"/>
               <a:t>)</a:t>
             </a:r>
-            <a:endParaRPr lang="en-US" altLang="ko-KR"/>
+            <a:endParaRPr lang="en-US" altLang="ko-KR" sz="1500"/>
           </a:p>
           <a:p>
             <a:pPr>
               <a:defRPr/>
             </a:pPr>
             <a:r>
-              <a:rPr lang="ko-KR" altLang="en-US"/>
+              <a:rPr lang="ko-KR" altLang="en-US" sz="1500"/>
               <a:t>포인트는 추후 아이템 교환 가능 </a:t>
             </a:r>
             <a:r>
-              <a:rPr lang="en-US" altLang="ko-KR"/>
+              <a:rPr lang="en-US" altLang="ko-KR" sz="1500"/>
               <a:t>(ex :　</a:t>
             </a:r>
             <a:r>
-              <a:rPr lang="ko-KR" altLang="en-US"/>
+              <a:rPr lang="ko-KR" altLang="en-US" sz="1500"/>
               <a:t>이모티콘 등</a:t>
             </a:r>
             <a:r>
-              <a:rPr lang="en-US" altLang="ko-KR"/>
+              <a:rPr lang="en-US" altLang="ko-KR" sz="1500"/>
               <a:t>)</a:t>
             </a:r>
-            <a:endParaRPr lang="en-US" altLang="ko-KR"/>
+            <a:endParaRPr lang="en-US" altLang="ko-KR" sz="1500"/>
           </a:p>
           <a:p>
             <a:pPr>
               <a:defRPr/>
             </a:pPr>
-            <a:endParaRPr lang="ko-KR" altLang="en-US"/>
+            <a:endParaRPr lang="en-US" altLang="ko-KR" sz="1500"/>
           </a:p>
           <a:p>
             <a:pPr>
               <a:defRPr/>
             </a:pPr>
-            <a:endParaRPr lang="ko-KR" altLang="en-US"/>
+            <a:r>
+              <a:rPr lang="ko-KR" altLang="en-US" sz="1500"/>
+              <a:t>한계점</a:t>
+            </a:r>
+            <a:endParaRPr lang="ko-KR" altLang="en-US" sz="1500"/>
           </a:p>
           <a:p>
             <a:pPr>
               <a:defRPr/>
             </a:pPr>
             <a:r>
-              <a:rPr lang="ko-KR" altLang="en-US"/>
-              <a:t>한계점</a:t>
-            </a:r>
-            <a:endParaRPr lang="ko-KR" altLang="en-US"/>
+              <a:rPr lang="ko-KR" altLang="en-US" sz="1500"/>
+              <a:t>경쟁 어플들이 다수 존재</a:t>
+            </a:r>
+            <a:endParaRPr lang="ko-KR" altLang="en-US" sz="1500"/>
           </a:p>
           <a:p>
             <a:pPr>
               <a:defRPr/>
             </a:pPr>
             <a:r>
-              <a:rPr lang="ko-KR" altLang="en-US"/>
-              <a:t>경쟁 어플들이 다수 존재</a:t>
-            </a:r>
-            <a:endParaRPr lang="ko-KR" altLang="en-US"/>
+              <a:rPr lang="ko-KR" altLang="en-US" sz="1500"/>
+              <a:t>조리방법에 따른 칼로리 변화 예측 필요</a:t>
+            </a:r>
+            <a:endParaRPr lang="ko-KR" altLang="en-US" sz="1500"/>
           </a:p>
           <a:p>
             <a:pPr>
               <a:defRPr/>
             </a:pPr>
             <a:r>
-              <a:rPr lang="ko-KR" altLang="en-US"/>
-              <a:t>조리방법에 따른 칼로리 변화 예측 필요</a:t>
-            </a:r>
-            <a:endParaRPr lang="ko-KR" altLang="en-US"/>
+              <a:rPr lang="en-US" altLang="ko-KR" sz="1500"/>
+              <a:t>challenge</a:t>
+            </a:r>
+            <a:r>
+              <a:rPr lang="ko-KR" altLang="en-US" sz="1500"/>
+              <a:t>기능 확인</a:t>
+            </a:r>
+            <a:r>
+              <a:rPr lang="en-US" altLang="ko-KR" sz="1500"/>
+              <a:t>(</a:t>
+            </a:r>
+            <a:r>
+              <a:rPr lang="ko-KR" altLang="en-US" sz="1500"/>
+              <a:t>인증</a:t>
+            </a:r>
+            <a:r>
+              <a:rPr lang="en-US" altLang="ko-KR" sz="1500"/>
+              <a:t>)</a:t>
+            </a:r>
+            <a:r>
+              <a:rPr lang="ko-KR" altLang="en-US" sz="1500"/>
+              <a:t> 방법</a:t>
+            </a:r>
+            <a:r>
+              <a:rPr lang="en-US" altLang="ko-KR" sz="1500"/>
+              <a:t>?</a:t>
+            </a:r>
+            <a:endParaRPr lang="en-US" altLang="ko-KR" sz="1500"/>
           </a:p>
           <a:p>
             <a:pPr>
               <a:defRPr/>
             </a:pPr>
-            <a:r>
-              <a:rPr lang="en-US" altLang="ko-KR"/>
-              <a:t>challenge</a:t>
-            </a:r>
-            <a:r>
-              <a:rPr lang="ko-KR" altLang="en-US"/>
-              <a:t>기능 확인</a:t>
-            </a:r>
-            <a:r>
-              <a:rPr lang="en-US" altLang="ko-KR"/>
-              <a:t>(</a:t>
-            </a:r>
-            <a:r>
-              <a:rPr lang="ko-KR" altLang="en-US"/>
-              <a:t>인증</a:t>
-            </a:r>
-            <a:r>
-              <a:rPr lang="en-US" altLang="ko-KR"/>
-              <a:t>)</a:t>
-            </a:r>
-            <a:r>
-              <a:rPr lang="ko-KR" altLang="en-US"/>
-              <a:t> 방법</a:t>
-            </a:r>
-            <a:r>
-              <a:rPr lang="en-US" altLang="ko-KR"/>
-              <a:t>?</a:t>
-            </a:r>
-            <a:endParaRPr lang="en-US" altLang="ko-KR"/>
-          </a:p>
+            <a:endParaRPr lang="ko-KR" altLang="en-US" sz="1500"/>
+          </a:p>
+        </p:txBody>
+      </p:sp>
+      <p:sp>
+        <p:nvSpPr>
+          <p:cNvPr id="5" name="내용 개체 틀 2"/>
+          <p:cNvSpPr>
+            <a:spLocks noGrp="1"/>
+          </p:cNvSpPr>
+          <p:nvPr/>
+        </p:nvSpPr>
+        <p:spPr>
+          <a:xfrm>
+            <a:off x="0" y="1356013"/>
+            <a:ext cx="12192000" cy="1669761"/>
+          </a:xfrm>
+          <a:prstGeom prst="rect">
+            <a:avLst/>
+          </a:prstGeom>
+        </p:spPr>
+        <p:txBody>
+          <a:bodyPr vert="horz" lIns="91440" tIns="45720" rIns="91440" bIns="45720">
+            <a:noAutofit/>
+          </a:bodyPr>
+          <a:p>
+            <a:pPr marL="0" indent="0" algn="l" defTabSz="914400" rtl="0" eaLnBrk="1" latinLnBrk="1" hangingPunct="1">
+              <a:lnSpc>
+                <a:spcPct val="90000"/>
+              </a:lnSpc>
+              <a:spcBef>
+                <a:spcPts val="1000"/>
+              </a:spcBef>
+              <a:spcAft>
+                <a:spcPts val="0"/>
+              </a:spcAft>
+              <a:buFont typeface="Arial"/>
+              <a:buNone/>
+              <a:defRPr/>
+            </a:pPr>
+            <a:endParaRPr xmlns:mc="http://schemas.openxmlformats.org/markup-compatibility/2006" xmlns:hp="http://schemas.haansoft.com/office/presentation/8.0" kumimoji="0" lang="en-US" altLang="ko-KR" sz="1500" b="0" i="0" u="none" strike="noStrike" kern="1200" cap="none" spc="0" normalizeH="0" baseline="0" mc:Ignorable="hp" hp:hslEmbossed="0">
+              <a:solidFill>
+                <a:schemeClr val="tx1"/>
+              </a:solidFill>
+              <a:latin typeface="+mn-lt"/>
+              <a:ea typeface="+mn-ea"/>
+              <a:cs typeface="+mn-cs"/>
+            </a:endParaRPr>
+          </a:p>
+        </p:txBody>
+      </p:sp>
+      <p:sp>
+        <p:nvSpPr>
+          <p:cNvPr id="6" name=""/>
+          <p:cNvSpPr/>
+          <p:nvPr/>
+        </p:nvSpPr>
+        <p:spPr>
+          <a:xfrm>
+            <a:off x="0" y="1340826"/>
+            <a:ext cx="12192000" cy="1592140"/>
+          </a:xfrm>
+          <a:prstGeom prst="rect">
+            <a:avLst/>
+          </a:prstGeom>
+          <a:noFill/>
+          <a:ln>
+            <a:noFill/>
+          </a:ln>
+        </p:spPr>
+        <p:style>
+          <a:lnRef idx="2">
+            <a:schemeClr val="accent1">
+              <a:shade val="20000"/>
+            </a:schemeClr>
+          </a:lnRef>
+          <a:fillRef idx="1">
+            <a:schemeClr val="accent1"/>
+          </a:fillRef>
+          <a:effectRef idx="0">
+            <a:schemeClr val="accent1"/>
+          </a:effectRef>
+          <a:fontRef idx="minor">
+            <a:schemeClr val="lt1"/>
+          </a:fontRef>
+        </p:style>
+        <p:txBody>
+          <a:bodyPr anchor="ctr"/>
           <a:p>
             <a:pPr>
               <a:defRPr/>
             </a:pPr>
-            <a:endParaRPr lang="ko-KR" altLang="en-US"/>
+            <a:r>
+              <a:rPr lang="ko-KR" altLang="en-US">
+                <a:solidFill>
+                  <a:schemeClr val="dk1"/>
+                </a:solidFill>
+              </a:rPr>
+              <a:t>식단 관리를 통해 건강한 삶 유지 가능</a:t>
+            </a:r>
+            <a:endParaRPr lang="ko-KR" altLang="en-US">
+              <a:solidFill>
+                <a:schemeClr val="dk1"/>
+              </a:solidFill>
+            </a:endParaRPr>
+          </a:p>
+          <a:p>
+            <a:pPr>
+              <a:defRPr/>
+            </a:pPr>
+            <a:r>
+              <a:rPr lang="en-US" altLang="ko-KR">
+                <a:solidFill>
+                  <a:schemeClr val="dk1"/>
+                </a:solidFill>
+              </a:rPr>
+              <a:t>Covid-19</a:t>
+            </a:r>
+            <a:r>
+              <a:rPr lang="ko-KR" altLang="en-US">
+                <a:solidFill>
+                  <a:schemeClr val="dk1"/>
+                </a:solidFill>
+              </a:rPr>
+              <a:t>로 인해 재택근무의 증가</a:t>
+            </a:r>
+            <a:r>
+              <a:rPr lang="en-US" altLang="ko-KR">
+                <a:solidFill>
+                  <a:schemeClr val="dk1"/>
+                </a:solidFill>
+              </a:rPr>
+              <a:t>,</a:t>
+            </a:r>
+            <a:r>
+              <a:rPr lang="ko-KR" altLang="en-US">
+                <a:solidFill>
+                  <a:schemeClr val="dk1"/>
+                </a:solidFill>
+              </a:rPr>
+              <a:t> 식단 관리를 할 수 있는 여건 증가</a:t>
+            </a:r>
+            <a:endParaRPr lang="ko-KR" altLang="en-US">
+              <a:solidFill>
+                <a:schemeClr val="dk1"/>
+              </a:solidFill>
+            </a:endParaRPr>
           </a:p>
         </p:txBody>
       </p:sp>
@@ -11264,6 +12163,54 @@
       </p:grpSpPr>
       <p:sp>
         <p:nvSpPr>
+          <p:cNvPr id="4" name="직사각형 9"/>
+          <p:cNvSpPr/>
+          <p:nvPr/>
+        </p:nvSpPr>
+        <p:spPr>
+          <a:xfrm>
+            <a:off x="0" y="0"/>
+            <a:ext cx="12192001" cy="1338109"/>
+          </a:xfrm>
+          <a:prstGeom prst="rect">
+            <a:avLst/>
+          </a:prstGeom>
+          <a:solidFill>
+            <a:schemeClr val="accent2"/>
+          </a:solidFill>
+          <a:ln>
+            <a:noFill/>
+          </a:ln>
+        </p:spPr>
+        <p:style>
+          <a:lnRef idx="2">
+            <a:schemeClr val="accent1">
+              <a:shade val="50000"/>
+            </a:schemeClr>
+          </a:lnRef>
+          <a:fillRef idx="1">
+            <a:schemeClr val="accent1"/>
+          </a:fillRef>
+          <a:effectRef idx="0">
+            <a:schemeClr val="accent1"/>
+          </a:effectRef>
+          <a:fontRef idx="minor">
+            <a:schemeClr val="lt1"/>
+          </a:fontRef>
+        </p:style>
+        <p:txBody>
+          <a:bodyPr anchor="ctr"/>
+          <a:lstStyle/>
+          <a:p>
+            <a:pPr algn="ctr">
+              <a:defRPr/>
+            </a:pPr>
+            <a:endParaRPr kumimoji="1" lang="ko-KR" altLang="en-US"/>
+          </a:p>
+        </p:txBody>
+      </p:sp>
+      <p:sp>
+        <p:nvSpPr>
           <p:cNvPr id="2" name="제목 1"/>
           <p:cNvSpPr>
             <a:spLocks noGrp="1"/>
@@ -11272,7 +12219,12 @@
             <p:ph type="title" idx="0"/>
           </p:nvPr>
         </p:nvSpPr>
-        <p:spPr/>
+        <p:spPr>
+          <a:xfrm>
+            <a:off x="0" y="0"/>
+            <a:ext cx="11353800" cy="1325563"/>
+          </a:xfrm>
+        </p:spPr>
         <p:txBody>
           <a:bodyPr/>
           <a:lstStyle/>
@@ -11294,11 +12246,11 @@
             </a:r>
             <a:r>
               <a:rPr lang="ko-KR" altLang="en-US"/>
-              <a:t>진동 변경</a:t>
+              <a:t>진동 변경 </a:t>
             </a:r>
             <a:r>
               <a:rPr lang="en-US" altLang="ko-KR"/>
-              <a:t>?</a:t>
+              <a:t>APP</a:t>
             </a:r>
             <a:endParaRPr lang="en-US" altLang="ko-KR"/>
           </a:p>
@@ -11314,10 +12266,15 @@
             <p:ph idx="1"/>
           </p:nvPr>
         </p:nvSpPr>
-        <p:spPr/>
+        <p:spPr>
+          <a:xfrm>
+            <a:off x="0" y="3429000"/>
+            <a:ext cx="12192000" cy="3429000"/>
+          </a:xfrm>
+        </p:spPr>
         <p:txBody>
           <a:bodyPr>
-            <a:normAutofit fontScale="85000" lnSpcReduction="20000"/>
+            <a:normAutofit/>
           </a:bodyPr>
           <a:lstStyle/>
           <a:p>
@@ -11325,111 +12282,161 @@
               <a:defRPr/>
             </a:pPr>
             <a:r>
-              <a:rPr lang="ko-KR" altLang="en-US"/>
+              <a:rPr lang="ko-KR" altLang="en-US" sz="1500"/>
               <a:t>휴대폰을 잃어버리거나 어디에 두었는지 잊었을때 진동이나 무음일 경우 찾기 힘듬 </a:t>
             </a:r>
             <a:r>
-              <a:rPr lang="en-US" altLang="ko-KR"/>
+              <a:rPr lang="en-US" altLang="ko-KR" sz="1500"/>
               <a:t>-&gt;</a:t>
             </a:r>
             <a:r>
-              <a:rPr lang="ko-KR" altLang="en-US"/>
+              <a:rPr lang="ko-KR" altLang="en-US" sz="1500"/>
               <a:t> 어플이 설치되어 있다면 다른 핸드폰으로 어플로 인증하여 핸드폰의 음소거 상태 변경 가능</a:t>
             </a:r>
-            <a:endParaRPr lang="ko-KR" altLang="en-US"/>
+            <a:endParaRPr lang="ko-KR" altLang="en-US" sz="1500"/>
           </a:p>
           <a:p>
             <a:pPr marL="0" indent="0">
               <a:buNone/>
               <a:defRPr/>
             </a:pPr>
-            <a:endParaRPr lang="en-US" altLang="ko-KR"/>
+            <a:endParaRPr lang="en-US" altLang="ko-KR" sz="1500"/>
           </a:p>
           <a:p>
             <a:pPr>
               <a:defRPr/>
             </a:pPr>
             <a:r>
-              <a:rPr lang="ko-KR" altLang="en-US"/>
+              <a:rPr lang="ko-KR" altLang="en-US" sz="1500"/>
               <a:t>추가 기능으로 예약설정을 해둔다면 취침시간이나 개인 공부에 도움이 될듯 함</a:t>
             </a:r>
-            <a:endParaRPr lang="ko-KR" altLang="en-US"/>
+            <a:endParaRPr lang="ko-KR" altLang="en-US" sz="1500"/>
           </a:p>
           <a:p>
             <a:pPr>
               <a:defRPr/>
             </a:pPr>
-            <a:endParaRPr lang="ko-KR" altLang="en-US"/>
+            <a:endParaRPr lang="ko-KR" altLang="en-US" sz="1500"/>
           </a:p>
           <a:p>
             <a:pPr>
               <a:defRPr/>
             </a:pPr>
-            <a:endParaRPr lang="ko-KR" altLang="en-US"/>
+            <a:endParaRPr lang="ko-KR" altLang="en-US" sz="1500"/>
           </a:p>
           <a:p>
             <a:pPr>
               <a:defRPr/>
             </a:pPr>
             <a:r>
-              <a:rPr lang="ko-KR" altLang="en-US"/>
+              <a:rPr lang="ko-KR" altLang="en-US" sz="1500"/>
               <a:t>한계점</a:t>
             </a:r>
-            <a:endParaRPr lang="ko-KR" altLang="en-US"/>
+            <a:endParaRPr lang="ko-KR" altLang="en-US" sz="1500"/>
           </a:p>
           <a:p>
             <a:pPr>
               <a:defRPr/>
             </a:pPr>
             <a:r>
-              <a:rPr lang="ko-KR" altLang="en-US"/>
+              <a:rPr lang="ko-KR" altLang="en-US" sz="1500"/>
               <a:t>구현 할 기능들이 너무 단순함</a:t>
             </a:r>
-            <a:endParaRPr lang="ko-KR" altLang="en-US"/>
+            <a:endParaRPr lang="ko-KR" altLang="en-US" sz="1500"/>
           </a:p>
           <a:p>
             <a:pPr>
               <a:defRPr/>
             </a:pPr>
             <a:r>
-              <a:rPr lang="ko-KR" altLang="en-US"/>
+              <a:rPr lang="ko-KR" altLang="en-US" sz="1500"/>
               <a:t>아이폰의 경우 벨소리</a:t>
             </a:r>
             <a:r>
-              <a:rPr lang="en-US" altLang="ko-KR"/>
+              <a:rPr lang="en-US" altLang="ko-KR" sz="1500"/>
               <a:t>/</a:t>
             </a:r>
             <a:r>
-              <a:rPr lang="ko-KR" altLang="en-US"/>
+              <a:rPr lang="ko-KR" altLang="en-US" sz="1500"/>
               <a:t>진동모드 변경을 외부 </a:t>
             </a:r>
             <a:r>
-              <a:rPr lang="en-US" altLang="ko-KR"/>
+              <a:rPr lang="en-US" altLang="ko-KR" sz="1500"/>
               <a:t>ON/OFF</a:t>
             </a:r>
             <a:r>
-              <a:rPr lang="ko-KR" altLang="en-US"/>
+              <a:rPr lang="ko-KR" altLang="en-US" sz="1500"/>
               <a:t>버튼으로 함</a:t>
             </a:r>
-            <a:endParaRPr lang="ko-KR" altLang="en-US"/>
+            <a:endParaRPr lang="ko-KR" altLang="en-US" sz="1500"/>
           </a:p>
           <a:p>
             <a:pPr>
               <a:defRPr/>
             </a:pPr>
             <a:r>
-              <a:rPr lang="ko-KR" altLang="en-US"/>
+              <a:rPr lang="ko-KR" altLang="en-US" sz="1500"/>
               <a:t> </a:t>
             </a:r>
             <a:r>
-              <a:rPr lang="en-US" altLang="ko-KR"/>
+              <a:rPr lang="en-US" altLang="ko-KR" sz="1500"/>
               <a:t>-&gt;</a:t>
             </a:r>
             <a:r>
-              <a:rPr lang="ko-KR" altLang="en-US"/>
+              <a:rPr lang="ko-KR" altLang="en-US" sz="1500"/>
               <a:t> 해결방안 생각해야 됨</a:t>
             </a:r>
-            <a:endParaRPr lang="ko-KR" altLang="en-US"/>
+            <a:endParaRPr lang="ko-KR" altLang="en-US" sz="1500"/>
+          </a:p>
+        </p:txBody>
+      </p:sp>
+      <p:sp>
+        <p:nvSpPr>
+          <p:cNvPr id="5" name=""/>
+          <p:cNvSpPr/>
+          <p:nvPr/>
+        </p:nvSpPr>
+        <p:spPr>
+          <a:xfrm>
+            <a:off x="0" y="1340826"/>
+            <a:ext cx="12192000" cy="1592140"/>
+          </a:xfrm>
+          <a:prstGeom prst="rect">
+            <a:avLst/>
+          </a:prstGeom>
+          <a:noFill/>
+          <a:ln>
+            <a:noFill/>
+          </a:ln>
+        </p:spPr>
+        <p:style>
+          <a:lnRef idx="2">
+            <a:schemeClr val="accent1">
+              <a:shade val="20000"/>
+            </a:schemeClr>
+          </a:lnRef>
+          <a:fillRef idx="1">
+            <a:schemeClr val="accent1"/>
+          </a:fillRef>
+          <a:effectRef idx="0">
+            <a:schemeClr val="accent1"/>
+          </a:effectRef>
+          <a:fontRef idx="minor">
+            <a:schemeClr val="lt1"/>
+          </a:fontRef>
+        </p:style>
+        <p:txBody>
+          <a:bodyPr anchor="ctr"/>
+          <a:lstStyle/>
+          <a:p>
+            <a:pPr>
+              <a:defRPr/>
+            </a:pPr>
+            <a:endParaRPr lang="ko-KR" altLang="en-US">
+              <a:solidFill>
+                <a:schemeClr val="dk1"/>
+              </a:solidFill>
+            </a:endParaRPr>
           </a:p>
         </p:txBody>
       </p:sp>
@@ -11468,6 +12475,54 @@
       </p:grpSpPr>
       <p:sp>
         <p:nvSpPr>
+          <p:cNvPr id="4" name="직사각형 9"/>
+          <p:cNvSpPr/>
+          <p:nvPr/>
+        </p:nvSpPr>
+        <p:spPr>
+          <a:xfrm>
+            <a:off x="0" y="0"/>
+            <a:ext cx="12192001" cy="1338109"/>
+          </a:xfrm>
+          <a:prstGeom prst="rect">
+            <a:avLst/>
+          </a:prstGeom>
+          <a:solidFill>
+            <a:schemeClr val="accent2"/>
+          </a:solidFill>
+          <a:ln>
+            <a:noFill/>
+          </a:ln>
+        </p:spPr>
+        <p:style>
+          <a:lnRef idx="2">
+            <a:schemeClr val="accent1">
+              <a:shade val="50000"/>
+            </a:schemeClr>
+          </a:lnRef>
+          <a:fillRef idx="1">
+            <a:schemeClr val="accent1"/>
+          </a:fillRef>
+          <a:effectRef idx="0">
+            <a:schemeClr val="accent1"/>
+          </a:effectRef>
+          <a:fontRef idx="minor">
+            <a:schemeClr val="lt1"/>
+          </a:fontRef>
+        </p:style>
+        <p:txBody>
+          <a:bodyPr anchor="ctr"/>
+          <a:lstStyle/>
+          <a:p>
+            <a:pPr algn="ctr">
+              <a:defRPr/>
+            </a:pPr>
+            <a:endParaRPr kumimoji="1" lang="ko-KR" altLang="en-US"/>
+          </a:p>
+        </p:txBody>
+      </p:sp>
+      <p:sp>
+        <p:nvSpPr>
           <p:cNvPr id="2" name="제목 1"/>
           <p:cNvSpPr>
             <a:spLocks noGrp="1"/>
@@ -11476,7 +12531,12 @@
             <p:ph type="title" idx="0"/>
           </p:nvPr>
         </p:nvSpPr>
-        <p:spPr/>
+        <p:spPr>
+          <a:xfrm>
+            <a:off x="0" y="0"/>
+            <a:ext cx="11353800" cy="1296699"/>
+          </a:xfrm>
+        </p:spPr>
         <p:txBody>
           <a:bodyPr/>
           <a:lstStyle/>
@@ -11506,7 +12566,12 @@
             <p:ph idx="1"/>
           </p:nvPr>
         </p:nvSpPr>
-        <p:spPr/>
+        <p:spPr>
+          <a:xfrm>
+            <a:off x="0" y="3138918"/>
+            <a:ext cx="12192000" cy="3719081"/>
+          </a:xfrm>
+        </p:spPr>
         <p:txBody>
           <a:bodyPr/>
           <a:lstStyle/>
@@ -11515,136 +12580,276 @@
               <a:defRPr/>
             </a:pPr>
             <a:r>
-              <a:rPr lang="ko-KR" altLang="en-US"/>
+              <a:rPr lang="ko-KR" altLang="en-US" sz="1500"/>
               <a:t>사용자에게 사용목적</a:t>
             </a:r>
             <a:r>
-              <a:rPr lang="en-US" altLang="ko-KR"/>
+              <a:rPr lang="en-US" altLang="ko-KR" sz="1500"/>
               <a:t>(</a:t>
             </a:r>
             <a:r>
-              <a:rPr lang="ko-KR" altLang="en-US"/>
+              <a:rPr lang="ko-KR" altLang="en-US" sz="1500"/>
               <a:t>게임용</a:t>
             </a:r>
             <a:r>
-              <a:rPr lang="en-US" altLang="ko-KR"/>
+              <a:rPr lang="en-US" altLang="ko-KR" sz="1500"/>
               <a:t>,</a:t>
             </a:r>
             <a:r>
-              <a:rPr lang="ko-KR" altLang="en-US"/>
+              <a:rPr lang="ko-KR" altLang="en-US" sz="1500"/>
               <a:t> 사무용</a:t>
             </a:r>
             <a:r>
-              <a:rPr lang="en-US" altLang="ko-KR"/>
+              <a:rPr lang="en-US" altLang="ko-KR" sz="1500"/>
               <a:t>,</a:t>
             </a:r>
             <a:r>
-              <a:rPr lang="ko-KR" altLang="en-US"/>
+              <a:rPr lang="ko-KR" altLang="en-US" sz="1500"/>
               <a:t> 그래픽작업용 등</a:t>
             </a:r>
             <a:r>
-              <a:rPr lang="en-US" altLang="ko-KR"/>
+              <a:rPr lang="en-US" altLang="ko-KR" sz="1500"/>
               <a:t>)</a:t>
             </a:r>
             <a:r>
-              <a:rPr lang="ko-KR" altLang="en-US"/>
+              <a:rPr lang="ko-KR" altLang="en-US" sz="1500"/>
               <a:t>을 물어봄</a:t>
             </a:r>
-            <a:endParaRPr lang="ko-KR" altLang="en-US"/>
+            <a:endParaRPr lang="ko-KR" altLang="en-US" sz="1500"/>
           </a:p>
           <a:p>
             <a:pPr>
               <a:defRPr/>
             </a:pPr>
             <a:r>
-              <a:rPr lang="ko-KR" altLang="en-US"/>
+              <a:rPr lang="ko-KR" altLang="en-US" sz="1500"/>
               <a:t>목적에 따른 사용 프로그램을 물어봄</a:t>
             </a:r>
             <a:r>
-              <a:rPr lang="en-US" altLang="ko-KR"/>
+              <a:rPr lang="en-US" altLang="ko-KR" sz="1500"/>
               <a:t>(ex :</a:t>
             </a:r>
             <a:r>
-              <a:rPr lang="ko-KR" altLang="en-US"/>
+              <a:rPr lang="ko-KR" altLang="en-US" sz="1500"/>
               <a:t> 게임용 </a:t>
             </a:r>
             <a:r>
-              <a:rPr lang="en-US" altLang="ko-KR"/>
+              <a:rPr lang="en-US" altLang="ko-KR" sz="1500"/>
               <a:t>-</a:t>
             </a:r>
             <a:r>
-              <a:rPr lang="ko-KR" altLang="en-US"/>
+              <a:rPr lang="ko-KR" altLang="en-US" sz="1500"/>
               <a:t> 어떤게임</a:t>
             </a:r>
             <a:r>
-              <a:rPr lang="en-US" altLang="ko-KR"/>
+              <a:rPr lang="en-US" altLang="ko-KR" sz="1500"/>
               <a:t>?,</a:t>
             </a:r>
             <a:r>
-              <a:rPr lang="ko-KR" altLang="en-US"/>
+              <a:rPr lang="ko-KR" altLang="en-US" sz="1500"/>
               <a:t> 코드 작업용 </a:t>
             </a:r>
             <a:r>
-              <a:rPr lang="en-US" altLang="ko-KR"/>
+              <a:rPr lang="en-US" altLang="ko-KR" sz="1500"/>
               <a:t>-</a:t>
             </a:r>
             <a:r>
-              <a:rPr lang="ko-KR" altLang="en-US"/>
+              <a:rPr lang="ko-KR" altLang="en-US" sz="1500"/>
               <a:t> 어떤 프로그램을 사용</a:t>
             </a:r>
             <a:r>
-              <a:rPr lang="en-US" altLang="ko-KR"/>
+              <a:rPr lang="en-US" altLang="ko-KR" sz="1500"/>
               <a:t>? dev-c++</a:t>
             </a:r>
             <a:r>
-              <a:rPr lang="ko-KR" altLang="en-US"/>
+              <a:rPr lang="ko-KR" altLang="en-US" sz="1500"/>
               <a:t>등</a:t>
             </a:r>
             <a:r>
-              <a:rPr lang="en-US" altLang="ko-KR"/>
+              <a:rPr lang="en-US" altLang="ko-KR" sz="1500"/>
               <a:t>)</a:t>
             </a:r>
-            <a:endParaRPr lang="en-US" altLang="ko-KR"/>
+            <a:endParaRPr lang="en-US" altLang="ko-KR" sz="1500"/>
           </a:p>
           <a:p>
             <a:pPr>
               <a:defRPr/>
             </a:pPr>
             <a:r>
-              <a:rPr lang="ko-KR" altLang="en-US"/>
+              <a:rPr lang="ko-KR" altLang="en-US" sz="1500"/>
               <a:t>물어본 프로그램에 적합한 </a:t>
             </a:r>
             <a:r>
-              <a:rPr lang="en-US" altLang="ko-KR"/>
+              <a:rPr lang="en-US" altLang="ko-KR" sz="1500"/>
               <a:t>PC</a:t>
             </a:r>
             <a:r>
-              <a:rPr lang="ko-KR" altLang="en-US"/>
+              <a:rPr lang="ko-KR" altLang="en-US" sz="1500"/>
               <a:t> 가격대 별 추천</a:t>
             </a:r>
-            <a:endParaRPr lang="ko-KR" altLang="en-US"/>
+            <a:endParaRPr lang="ko-KR" altLang="en-US" sz="1500"/>
           </a:p>
           <a:p>
             <a:pPr>
               <a:defRPr/>
             </a:pPr>
             <a:r>
-              <a:rPr lang="ko-KR" altLang="en-US"/>
+              <a:rPr lang="ko-KR" altLang="en-US" sz="1500"/>
               <a:t>부품별 최저가 추천</a:t>
             </a:r>
-            <a:endParaRPr lang="ko-KR" altLang="en-US"/>
+            <a:endParaRPr lang="ko-KR" altLang="en-US" sz="1500"/>
           </a:p>
           <a:p>
             <a:pPr>
               <a:defRPr/>
             </a:pPr>
-            <a:endParaRPr lang="ko-KR" altLang="en-US"/>
+            <a:endParaRPr lang="ko-KR" altLang="en-US" sz="1500"/>
           </a:p>
           <a:p>
             <a:pPr>
               <a:defRPr/>
             </a:pPr>
-            <a:endParaRPr lang="ko-KR" altLang="en-US"/>
+            <a:endParaRPr lang="ko-KR" altLang="en-US" sz="1500"/>
+          </a:p>
+        </p:txBody>
+      </p:sp>
+      <p:sp>
+        <p:nvSpPr>
+          <p:cNvPr id="5" name=""/>
+          <p:cNvSpPr/>
+          <p:nvPr/>
+        </p:nvSpPr>
+        <p:spPr>
+          <a:xfrm>
+            <a:off x="0" y="1340826"/>
+            <a:ext cx="12192000" cy="1592140"/>
+          </a:xfrm>
+          <a:prstGeom prst="rect">
+            <a:avLst/>
+          </a:prstGeom>
+          <a:noFill/>
+          <a:ln>
+            <a:noFill/>
+          </a:ln>
+        </p:spPr>
+        <p:style>
+          <a:lnRef idx="2">
+            <a:schemeClr val="accent1">
+              <a:shade val="20000"/>
+            </a:schemeClr>
+          </a:lnRef>
+          <a:fillRef idx="1">
+            <a:schemeClr val="accent1"/>
+          </a:fillRef>
+          <a:effectRef idx="0">
+            <a:schemeClr val="accent1"/>
+          </a:effectRef>
+          <a:fontRef idx="minor">
+            <a:schemeClr val="lt1"/>
+          </a:fontRef>
+        </p:style>
+        <p:txBody>
+          <a:bodyPr anchor="ctr"/>
+          <a:lstStyle/>
+          <a:p>
+            <a:pPr>
+              <a:defRPr/>
+            </a:pPr>
+            <a:r>
+              <a:rPr lang="en-US" altLang="ko-KR">
+                <a:solidFill>
+                  <a:schemeClr val="dk1"/>
+                </a:solidFill>
+              </a:rPr>
+              <a:t>IT</a:t>
+            </a:r>
+            <a:r>
+              <a:rPr lang="ko-KR" altLang="en-US">
+                <a:solidFill>
+                  <a:schemeClr val="dk1"/>
+                </a:solidFill>
+              </a:rPr>
+              <a:t>기술의 발달로 </a:t>
+            </a:r>
+            <a:r>
+              <a:rPr lang="en-US" altLang="ko-KR">
+                <a:solidFill>
+                  <a:schemeClr val="dk1"/>
+                </a:solidFill>
+              </a:rPr>
+              <a:t>PC</a:t>
+            </a:r>
+            <a:r>
+              <a:rPr lang="ko-KR" altLang="en-US">
+                <a:solidFill>
+                  <a:schemeClr val="dk1"/>
+                </a:solidFill>
+              </a:rPr>
+              <a:t>를 필요로 하고 </a:t>
+            </a:r>
+            <a:r>
+              <a:rPr lang="en-US" altLang="ko-KR">
+                <a:solidFill>
+                  <a:schemeClr val="dk1"/>
+                </a:solidFill>
+              </a:rPr>
+              <a:t>PC</a:t>
+            </a:r>
+            <a:r>
+              <a:rPr lang="ko-KR" altLang="en-US">
+                <a:solidFill>
+                  <a:schemeClr val="dk1"/>
+                </a:solidFill>
+              </a:rPr>
+              <a:t>를 구매하고자 하는 사람들 증가</a:t>
+            </a:r>
+            <a:endParaRPr lang="ko-KR" altLang="en-US">
+              <a:solidFill>
+                <a:schemeClr val="dk1"/>
+              </a:solidFill>
+            </a:endParaRPr>
+          </a:p>
+          <a:p>
+            <a:pPr>
+              <a:defRPr/>
+            </a:pPr>
+            <a:r>
+              <a:rPr lang="en-US" altLang="ko-KR">
+                <a:solidFill>
+                  <a:schemeClr val="dk1"/>
+                </a:solidFill>
+              </a:rPr>
+              <a:t>PC</a:t>
+            </a:r>
+            <a:r>
+              <a:rPr lang="ko-KR" altLang="en-US">
+                <a:solidFill>
+                  <a:schemeClr val="dk1"/>
+                </a:solidFill>
+              </a:rPr>
+              <a:t>를 필요로 하지만 잘 모르는 사람들을 위해 사용 목적에 따라 </a:t>
+            </a:r>
+            <a:r>
+              <a:rPr lang="en-US" altLang="ko-KR">
+                <a:solidFill>
+                  <a:schemeClr val="dk1"/>
+                </a:solidFill>
+              </a:rPr>
+              <a:t>PC</a:t>
+            </a:r>
+            <a:r>
+              <a:rPr lang="ko-KR" altLang="en-US">
+                <a:solidFill>
+                  <a:schemeClr val="dk1"/>
+                </a:solidFill>
+              </a:rPr>
+              <a:t> 부품과 견적을 추천</a:t>
+            </a:r>
+            <a:endParaRPr lang="ko-KR" altLang="en-US">
+              <a:solidFill>
+                <a:schemeClr val="dk1"/>
+              </a:solidFill>
+            </a:endParaRPr>
           </a:p>
         </p:txBody>
       </p:sp>
@@ -11683,6 +12888,54 @@
       </p:grpSpPr>
       <p:sp>
         <p:nvSpPr>
+          <p:cNvPr id="4" name="직사각형 9"/>
+          <p:cNvSpPr/>
+          <p:nvPr/>
+        </p:nvSpPr>
+        <p:spPr>
+          <a:xfrm>
+            <a:off x="0" y="0"/>
+            <a:ext cx="12192001" cy="1338109"/>
+          </a:xfrm>
+          <a:prstGeom prst="rect">
+            <a:avLst/>
+          </a:prstGeom>
+          <a:solidFill>
+            <a:schemeClr val="accent2"/>
+          </a:solidFill>
+          <a:ln>
+            <a:noFill/>
+          </a:ln>
+        </p:spPr>
+        <p:style>
+          <a:lnRef idx="2">
+            <a:schemeClr val="accent1">
+              <a:shade val="50000"/>
+            </a:schemeClr>
+          </a:lnRef>
+          <a:fillRef idx="1">
+            <a:schemeClr val="accent1"/>
+          </a:fillRef>
+          <a:effectRef idx="0">
+            <a:schemeClr val="accent1"/>
+          </a:effectRef>
+          <a:fontRef idx="minor">
+            <a:schemeClr val="lt1"/>
+          </a:fontRef>
+        </p:style>
+        <p:txBody>
+          <a:bodyPr anchor="ctr"/>
+          <a:lstStyle/>
+          <a:p>
+            <a:pPr algn="ctr">
+              <a:defRPr/>
+            </a:pPr>
+            <a:endParaRPr kumimoji="1" lang="ko-KR" altLang="en-US"/>
+          </a:p>
+        </p:txBody>
+      </p:sp>
+      <p:sp>
+        <p:nvSpPr>
           <p:cNvPr id="2" name="제목 1"/>
           <p:cNvSpPr>
             <a:spLocks noGrp="1"/>
@@ -11691,7 +12944,12 @@
             <p:ph type="title" idx="0"/>
           </p:nvPr>
         </p:nvSpPr>
-        <p:spPr/>
+        <p:spPr>
+          <a:xfrm>
+            <a:off x="0" y="0"/>
+            <a:ext cx="11353800" cy="1325563"/>
+          </a:xfrm>
+        </p:spPr>
         <p:txBody>
           <a:bodyPr/>
           <a:lstStyle/>
@@ -11721,7 +12979,12 @@
             <p:ph idx="1"/>
           </p:nvPr>
         </p:nvSpPr>
-        <p:spPr/>
+        <p:spPr>
+          <a:xfrm>
+            <a:off x="0" y="2806211"/>
+            <a:ext cx="12192000" cy="4051788"/>
+          </a:xfrm>
+        </p:spPr>
         <p:txBody>
           <a:bodyPr>
             <a:normAutofit lnSpcReduction="10000"/>
@@ -11732,86 +12995,207 @@
               <a:defRPr/>
             </a:pPr>
             <a:r>
-              <a:rPr lang="ko-KR" altLang="en-US"/>
+              <a:rPr lang="ko-KR" altLang="en-US" sz="1500"/>
               <a:t>주차를 해둔 뒤 충격 발생시 </a:t>
             </a:r>
             <a:r>
-              <a:rPr lang="en-US" altLang="ko-KR"/>
+              <a:rPr lang="en-US" altLang="ko-KR" sz="1500"/>
               <a:t>-&gt;</a:t>
             </a:r>
             <a:r>
-              <a:rPr lang="ko-KR" altLang="en-US"/>
+              <a:rPr lang="ko-KR" altLang="en-US" sz="1500"/>
               <a:t> 블랙박스 촬영</a:t>
             </a:r>
-            <a:endParaRPr lang="ko-KR" altLang="en-US"/>
+            <a:endParaRPr lang="ko-KR" altLang="en-US" sz="1500"/>
           </a:p>
           <a:p>
             <a:pPr>
               <a:defRPr/>
             </a:pPr>
             <a:r>
-              <a:rPr lang="ko-KR" altLang="en-US"/>
+              <a:rPr lang="ko-KR" altLang="en-US" sz="1500"/>
               <a:t>촬영 외에도 핸드폰으로 연동시 알림</a:t>
             </a:r>
-            <a:endParaRPr lang="ko-KR" altLang="en-US"/>
+            <a:endParaRPr lang="ko-KR" altLang="en-US" sz="1500"/>
           </a:p>
           <a:p>
             <a:pPr>
               <a:defRPr/>
             </a:pPr>
-            <a:r>
-              <a:rPr lang="ko-KR" altLang="en-US"/>
-              <a:t>알림 기능 외 블랙박스와 연동하여 주차 위치를 잊은 경우 사진촬영으로 주차 위치 확인 및 지도로 확인 가능</a:t>
-            </a:r>
-            <a:endParaRPr lang="ko-KR" altLang="en-US"/>
+            <a:endParaRPr lang="ko-KR" altLang="en-US" sz="1500"/>
           </a:p>
           <a:p>
             <a:pPr>
               <a:defRPr/>
             </a:pPr>
-            <a:endParaRPr lang="ko-KR" altLang="en-US"/>
+            <a:r>
+              <a:rPr lang="ko-KR" altLang="en-US" sz="1500"/>
+              <a:t>기대 효과</a:t>
+            </a:r>
+            <a:endParaRPr lang="ko-KR" altLang="en-US" sz="1500"/>
           </a:p>
           <a:p>
             <a:pPr>
               <a:defRPr/>
             </a:pPr>
             <a:r>
-              <a:rPr lang="ko-KR" altLang="en-US"/>
-              <a:t>기대 효과</a:t>
-            </a:r>
-            <a:endParaRPr lang="ko-KR" altLang="en-US"/>
+              <a:rPr lang="ko-KR" altLang="en-US" sz="1500"/>
+              <a:t>뺑소니 사고시 서버의 알림 목록등을 확인해 역추적 가능</a:t>
+            </a:r>
+            <a:endParaRPr lang="ko-KR" altLang="en-US" sz="1500"/>
           </a:p>
           <a:p>
             <a:pPr>
               <a:defRPr/>
             </a:pPr>
-            <a:r>
-              <a:rPr lang="ko-KR" altLang="en-US"/>
-              <a:t>뺑소니 사고시 서버의 알림 목록등을 확인해 역추적 가능</a:t>
-            </a:r>
-            <a:endParaRPr lang="ko-KR" altLang="en-US"/>
+            <a:endParaRPr lang="ko-KR" altLang="en-US" sz="1500"/>
           </a:p>
           <a:p>
             <a:pPr>
               <a:defRPr/>
             </a:pPr>
-            <a:endParaRPr lang="en-US" altLang="ko-KR"/>
+            <a:r>
+              <a:rPr lang="ko-KR" altLang="en-US" sz="1500"/>
+              <a:t>유사 제품</a:t>
+            </a:r>
+            <a:endParaRPr lang="ko-KR" altLang="en-US" sz="1500"/>
           </a:p>
           <a:p>
             <a:pPr>
               <a:defRPr/>
             </a:pPr>
             <a:r>
-              <a:rPr lang="ko-KR" altLang="en-US"/>
-              <a:t>주차 차량의 사고 발생시 즉각 대응 가능</a:t>
-            </a:r>
-            <a:endParaRPr lang="ko-KR" altLang="en-US"/>
+              <a:rPr lang="en-US" altLang="ko-KR" sz="1500">
+                <a:hlinkClick r:id="rId2"/>
+              </a:rPr>
+              <a:t>https://100.daum.net/encyclopedia/view/61XX79800029</a:t>
+            </a:r>
+            <a:endParaRPr lang="en-US" altLang="ko-KR" sz="1500"/>
+          </a:p>
+          <a:p>
+            <a:pPr marL="0" indent="0">
+              <a:buNone/>
+              <a:defRPr/>
+            </a:pPr>
+            <a:r>
+              <a:rPr lang="en-US" altLang="ko-KR" sz="1500"/>
+              <a:t>-</a:t>
+            </a:r>
+            <a:r>
+              <a:rPr lang="ko-KR" altLang="en-US" sz="1500"/>
+              <a:t> 커넥티드 카</a:t>
+            </a:r>
+            <a:endParaRPr lang="ko-KR" altLang="en-US" sz="1500"/>
           </a:p>
           <a:p>
             <a:pPr>
               <a:defRPr/>
             </a:pPr>
-            <a:endParaRPr lang="ko-KR" altLang="en-US"/>
+            <a:endParaRPr lang="en-US" altLang="ko-KR" sz="1500"/>
+          </a:p>
+          <a:p>
+            <a:pPr>
+              <a:defRPr/>
+            </a:pPr>
+            <a:r>
+              <a:rPr lang="ko-KR" altLang="en-US" sz="1500"/>
+              <a:t>필요 기술</a:t>
+            </a:r>
+            <a:endParaRPr lang="ko-KR" altLang="en-US" sz="1500"/>
+          </a:p>
+          <a:p>
+            <a:pPr>
+              <a:defRPr/>
+            </a:pPr>
+            <a:r>
+              <a:rPr lang="ko-KR" altLang="en-US" sz="1500"/>
+              <a:t>휴대폰 </a:t>
+            </a:r>
+            <a:r>
+              <a:rPr lang="en-US" altLang="ko-KR" sz="1500"/>
+              <a:t>&lt;-&gt;</a:t>
+            </a:r>
+            <a:r>
+              <a:rPr lang="ko-KR" altLang="en-US" sz="1500"/>
+              <a:t> 블랙박스 연결하여 영상 전송</a:t>
+            </a:r>
+            <a:endParaRPr lang="ko-KR" altLang="en-US" sz="1500"/>
+          </a:p>
+        </p:txBody>
+      </p:sp>
+      <p:sp>
+        <p:nvSpPr>
+          <p:cNvPr id="5" name=""/>
+          <p:cNvSpPr/>
+          <p:nvPr/>
+        </p:nvSpPr>
+        <p:spPr>
+          <a:xfrm>
+            <a:off x="0" y="1340826"/>
+            <a:ext cx="12192000" cy="1408967"/>
+          </a:xfrm>
+          <a:prstGeom prst="rect">
+            <a:avLst/>
+          </a:prstGeom>
+          <a:noFill/>
+          <a:ln>
+            <a:noFill/>
+          </a:ln>
+        </p:spPr>
+        <p:style>
+          <a:lnRef idx="2">
+            <a:schemeClr val="accent1">
+              <a:shade val="20000"/>
+            </a:schemeClr>
+          </a:lnRef>
+          <a:fillRef idx="1">
+            <a:schemeClr val="accent1"/>
+          </a:fillRef>
+          <a:effectRef idx="0">
+            <a:schemeClr val="accent1"/>
+          </a:effectRef>
+          <a:fontRef idx="minor">
+            <a:schemeClr val="lt1"/>
+          </a:fontRef>
+        </p:style>
+        <p:txBody>
+          <a:bodyPr anchor="ctr"/>
+          <a:lstStyle/>
+          <a:p>
+            <a:pPr>
+              <a:defRPr/>
+            </a:pPr>
+            <a:r>
+              <a:rPr lang="ko-KR" altLang="en-US">
+                <a:solidFill>
+                  <a:schemeClr val="dk1"/>
+                </a:solidFill>
+              </a:rPr>
+              <a:t>주차 차량의 사고 발생시 즉각 대응 가능</a:t>
+            </a:r>
+            <a:endParaRPr lang="ko-KR" altLang="en-US">
+              <a:solidFill>
+                <a:schemeClr val="dk1"/>
+              </a:solidFill>
+            </a:endParaRPr>
+          </a:p>
+          <a:p>
+            <a:pPr>
+              <a:defRPr/>
+            </a:pPr>
+            <a:r>
+              <a:rPr lang="ko-KR" altLang="en-US">
+                <a:solidFill>
+                  <a:schemeClr val="dk1"/>
+                </a:solidFill>
+              </a:rPr>
+              <a:t>알림 기능 외 블랙박스와 연동하여 주차 위치를 잊은 경우 블랙박스의 사진촬영으로 주차 위치 확인 및 지도로 확인 가능</a:t>
+            </a:r>
+            <a:endParaRPr lang="ko-KR" altLang="en-US">
+              <a:solidFill>
+                <a:schemeClr val="dk1"/>
+              </a:solidFill>
+            </a:endParaRPr>
           </a:p>
         </p:txBody>
       </p:sp>
@@ -11850,6 +13234,97 @@
       </p:grpSpPr>
       <p:sp>
         <p:nvSpPr>
+          <p:cNvPr id="4" name="직사각형 9"/>
+          <p:cNvSpPr/>
+          <p:nvPr/>
+        </p:nvSpPr>
+        <p:spPr>
+          <a:xfrm>
+            <a:off x="0" y="0"/>
+            <a:ext cx="12192001" cy="1338109"/>
+          </a:xfrm>
+          <a:prstGeom prst="rect">
+            <a:avLst/>
+          </a:prstGeom>
+          <a:solidFill>
+            <a:schemeClr val="accent2"/>
+          </a:solidFill>
+          <a:ln>
+            <a:noFill/>
+          </a:ln>
+        </p:spPr>
+        <p:style>
+          <a:lnRef idx="2">
+            <a:schemeClr val="accent1">
+              <a:shade val="50000"/>
+            </a:schemeClr>
+          </a:lnRef>
+          <a:fillRef idx="1">
+            <a:schemeClr val="accent1"/>
+          </a:fillRef>
+          <a:effectRef idx="0">
+            <a:schemeClr val="accent1"/>
+          </a:effectRef>
+          <a:fontRef idx="minor">
+            <a:schemeClr val="lt1"/>
+          </a:fontRef>
+        </p:style>
+        <p:txBody>
+          <a:bodyPr anchor="ctr"/>
+          <a:lstStyle/>
+          <a:p>
+            <a:pPr algn="ctr">
+              <a:defRPr/>
+            </a:pPr>
+            <a:endParaRPr kumimoji="1" lang="ko-KR" altLang="en-US"/>
+          </a:p>
+        </p:txBody>
+      </p:sp>
+      <p:sp>
+        <p:nvSpPr>
+          <p:cNvPr id="2" name="제목 1"/>
+          <p:cNvSpPr>
+            <a:spLocks noGrp="1"/>
+          </p:cNvSpPr>
+          <p:nvPr>
+            <p:ph type="title" idx="0"/>
+          </p:nvPr>
+        </p:nvSpPr>
+        <p:spPr>
+          <a:xfrm>
+            <a:off x="0" y="0"/>
+            <a:ext cx="11353800" cy="1325563"/>
+          </a:xfrm>
+        </p:spPr>
+        <p:txBody>
+          <a:bodyPr/>
+          <a:lstStyle/>
+          <a:p>
+            <a:pPr>
+              <a:defRPr/>
+            </a:pPr>
+            <a:r>
+              <a:rPr lang="en-US" altLang="ko-KR"/>
+              <a:t>5.</a:t>
+            </a:r>
+            <a:r>
+              <a:rPr lang="ko-KR" altLang="en-US"/>
+              <a:t> 차량 관리 어플</a:t>
+            </a:r>
+            <a:r>
+              <a:rPr lang="en-US" altLang="ko-KR"/>
+              <a:t> &lt;- </a:t>
+            </a:r>
+            <a:r>
+              <a:rPr lang="ko-KR" altLang="en-US"/>
+              <a:t>최종결정</a:t>
+            </a:r>
+            <a:endParaRPr lang="ko-KR" altLang="en-US"/>
+          </a:p>
+        </p:txBody>
+      </p:sp>
+      <p:sp>
+        <p:nvSpPr>
           <p:cNvPr id="3" name="내용 개체 틀 2"/>
           <p:cNvSpPr>
             <a:spLocks noGrp="1"/>
@@ -11860,84 +13335,212 @@
         </p:nvSpPr>
         <p:spPr>
           <a:xfrm>
-            <a:off x="838200" y="699943"/>
-            <a:ext cx="10515600" cy="5477020"/>
+            <a:off x="0" y="3428999"/>
+            <a:ext cx="12192000" cy="3429000"/>
           </a:xfrm>
         </p:spPr>
         <p:txBody>
-          <a:bodyPr/>
+          <a:bodyPr>
+            <a:normAutofit/>
+          </a:bodyPr>
           <a:lstStyle/>
           <a:p>
             <a:pPr>
               <a:defRPr/>
             </a:pPr>
             <a:r>
-              <a:rPr lang="ko-KR" altLang="en-US"/>
-              <a:t>유사 제품</a:t>
-            </a:r>
-            <a:endParaRPr lang="ko-KR" altLang="en-US">
-              <a:hlinkClick r:id="rId2"/>
-            </a:endParaRPr>
+              <a:rPr lang="ko-KR" altLang="en-US" sz="1500"/>
+              <a:t>차량의 부품 별 정비 받아야 할 시점이 다름</a:t>
+            </a:r>
+            <a:endParaRPr lang="ko-KR" altLang="en-US" sz="1500"/>
           </a:p>
           <a:p>
             <a:pPr>
               <a:defRPr/>
             </a:pPr>
             <a:r>
-              <a:rPr lang="en-US" altLang="ko-KR">
-                <a:hlinkClick r:id="rId2"/>
-              </a:rPr>
-              <a:t>https://100.daum.net/encyclopedia/view/61XX79800029</a:t>
-            </a:r>
-            <a:endParaRPr lang="en-US" altLang="ko-KR"/>
+              <a:rPr lang="ko-KR" altLang="en-US" sz="1500"/>
+              <a:t>부품별</a:t>
+            </a:r>
+            <a:r>
+              <a:rPr lang="en-US" altLang="ko-KR" sz="1500"/>
+              <a:t>(ex :</a:t>
+            </a:r>
+            <a:r>
+              <a:rPr lang="ko-KR" altLang="en-US" sz="1500"/>
+              <a:t> 엔진</a:t>
+            </a:r>
+            <a:r>
+              <a:rPr lang="en-US" altLang="ko-KR" sz="1500"/>
+              <a:t>,</a:t>
+            </a:r>
+            <a:r>
+              <a:rPr lang="ko-KR" altLang="en-US" sz="1500"/>
+              <a:t> 타이어</a:t>
+            </a:r>
+            <a:r>
+              <a:rPr lang="en-US" altLang="ko-KR" sz="1500"/>
+              <a:t>,</a:t>
+            </a:r>
+            <a:r>
+              <a:rPr lang="ko-KR" altLang="en-US" sz="1500"/>
+              <a:t> 냉각수 등</a:t>
+            </a:r>
+            <a:r>
+              <a:rPr lang="en-US" altLang="ko-KR" sz="1500"/>
+              <a:t>)</a:t>
+            </a:r>
+            <a:r>
+              <a:rPr lang="ko-KR" altLang="en-US" sz="1500"/>
+              <a:t> 정비 시점을 알림</a:t>
+            </a:r>
+            <a:endParaRPr lang="ko-KR" altLang="en-US" sz="1500"/>
           </a:p>
           <a:p>
             <a:pPr>
               <a:defRPr/>
             </a:pPr>
             <a:r>
-              <a:rPr lang="en-US" altLang="ko-KR"/>
-              <a:t>-</a:t>
-            </a:r>
-            <a:r>
-              <a:rPr lang="ko-KR" altLang="en-US"/>
-              <a:t> 커넥티드 카</a:t>
-            </a:r>
-            <a:endParaRPr lang="ko-KR" altLang="en-US"/>
+              <a:rPr lang="ko-KR" altLang="en-US" sz="1500"/>
+              <a:t>부품 교체 예상 비용</a:t>
+            </a:r>
+            <a:endParaRPr lang="ko-KR" altLang="en-US" sz="1500"/>
           </a:p>
           <a:p>
             <a:pPr>
               <a:defRPr/>
             </a:pPr>
-            <a:endParaRPr lang="en-US" altLang="ko-KR"/>
+            <a:endParaRPr lang="ko-KR" altLang="en-US" sz="1500"/>
           </a:p>
           <a:p>
             <a:pPr>
               <a:defRPr/>
             </a:pPr>
-            <a:r>
-              <a:rPr lang="ko-KR" altLang="en-US"/>
-              <a:t>필요 기술</a:t>
-            </a:r>
-            <a:endParaRPr lang="ko-KR" altLang="en-US"/>
+            <a:endParaRPr lang="en-US" altLang="ko-KR" sz="1500"/>
           </a:p>
           <a:p>
             <a:pPr>
               <a:defRPr/>
             </a:pPr>
             <a:r>
-              <a:rPr lang="ko-KR" altLang="en-US"/>
-              <a:t>휴대폰 </a:t>
-            </a:r>
-            <a:r>
-              <a:rPr lang="en-US" altLang="ko-KR"/>
-              <a:t>&lt;-&gt;</a:t>
-            </a:r>
-            <a:r>
-              <a:rPr lang="ko-KR" altLang="en-US"/>
-              <a:t> 블랙박스 연결하여 영상 전송</a:t>
-            </a:r>
-            <a:endParaRPr lang="ko-KR" altLang="en-US"/>
+              <a:rPr lang="ko-KR" altLang="en-US" sz="1500"/>
+              <a:t>한계점</a:t>
+            </a:r>
+            <a:endParaRPr lang="ko-KR" altLang="en-US" sz="1500"/>
+          </a:p>
+          <a:p>
+            <a:pPr>
+              <a:defRPr/>
+            </a:pPr>
+            <a:r>
+              <a:rPr lang="ko-KR" altLang="en-US" sz="1500"/>
+              <a:t>관련 어플 다수 존재</a:t>
+            </a:r>
+            <a:endParaRPr lang="ko-KR" altLang="en-US" sz="1500"/>
+          </a:p>
+          <a:p>
+            <a:pPr>
+              <a:defRPr/>
+            </a:pPr>
+            <a:r>
+              <a:rPr lang="ko-KR" altLang="en-US" sz="1500"/>
+              <a:t>운전자의 운전 습관에 따라 부품의 마모 상태 달라짐</a:t>
+            </a:r>
+            <a:endParaRPr lang="ko-KR" altLang="en-US" sz="1500"/>
+          </a:p>
+          <a:p>
+            <a:pPr>
+              <a:defRPr/>
+            </a:pPr>
+            <a:r>
+              <a:rPr lang="ko-KR" altLang="en-US" sz="1500"/>
+              <a:t>외제차는 수리가 불가한 경우가 있나</a:t>
+            </a:r>
+            <a:r>
+              <a:rPr lang="en-US" altLang="ko-KR" sz="1500"/>
+              <a:t>?</a:t>
+            </a:r>
+            <a:endParaRPr lang="en-US" altLang="ko-KR" sz="1500"/>
+          </a:p>
+          <a:p>
+            <a:pPr>
+              <a:defRPr/>
+            </a:pPr>
+            <a:endParaRPr lang="ko-KR" altLang="en-US" sz="1500"/>
+          </a:p>
+          <a:p>
+            <a:pPr>
+              <a:defRPr/>
+            </a:pPr>
+            <a:endParaRPr lang="ko-KR" altLang="en-US" sz="1500"/>
+          </a:p>
+        </p:txBody>
+      </p:sp>
+      <p:sp>
+        <p:nvSpPr>
+          <p:cNvPr id="5" name=""/>
+          <p:cNvSpPr/>
+          <p:nvPr/>
+        </p:nvSpPr>
+        <p:spPr>
+          <a:xfrm>
+            <a:off x="0" y="1340826"/>
+            <a:ext cx="12192000" cy="2088173"/>
+          </a:xfrm>
+          <a:prstGeom prst="rect">
+            <a:avLst/>
+          </a:prstGeom>
+          <a:noFill/>
+          <a:ln>
+            <a:noFill/>
+          </a:ln>
+        </p:spPr>
+        <p:style>
+          <a:lnRef idx="2">
+            <a:schemeClr val="accent1">
+              <a:shade val="20000"/>
+            </a:schemeClr>
+          </a:lnRef>
+          <a:fillRef idx="1">
+            <a:schemeClr val="accent1"/>
+          </a:fillRef>
+          <a:effectRef idx="0">
+            <a:schemeClr val="accent1"/>
+          </a:effectRef>
+          <a:fontRef idx="minor">
+            <a:schemeClr val="lt1"/>
+          </a:fontRef>
+        </p:style>
+        <p:txBody>
+          <a:bodyPr anchor="ctr"/>
+          <a:lstStyle/>
+          <a:p>
+            <a:pPr>
+              <a:defRPr/>
+            </a:pPr>
+            <a:r>
+              <a:rPr lang="ko-KR" altLang="en-US">
+                <a:solidFill>
+                  <a:schemeClr val="dk1"/>
+                </a:solidFill>
+              </a:rPr>
+              <a:t>정기적인 차량 점검으로 교통사고의 가능성 낮출 수 있음</a:t>
+            </a:r>
+            <a:endParaRPr lang="ko-KR" altLang="en-US">
+              <a:solidFill>
+                <a:schemeClr val="dk1"/>
+              </a:solidFill>
+            </a:endParaRPr>
+          </a:p>
+          <a:p>
+            <a:pPr>
+              <a:defRPr/>
+            </a:pPr>
+            <a:endParaRPr lang="ko-KR" altLang="en-US">
+              <a:solidFill>
+                <a:schemeClr val="dk1"/>
+              </a:solidFill>
+            </a:endParaRPr>
           </a:p>
         </p:txBody>
       </p:sp>

--- a/2021_Summer/jp.hong/Project_BnC_jph.pptx
+++ b/2021_Summer/jp.hong/Project_BnC_jph.pptx
@@ -2,7 +2,7 @@
 <file path=ppt/presentation.xml><?xml version="1.0" encoding="utf-8"?>
 <p:presentation xmlns:r="http://schemas.openxmlformats.org/officeDocument/2006/relationships" xmlns:c="http://schemas.openxmlformats.org/drawingml/2006/chart" xmlns:a="http://schemas.openxmlformats.org/drawingml/2006/main" xmlns:dgm="http://schemas.openxmlformats.org/drawingml/2006/diagram" xmlns:dsp="http://schemas.microsoft.com/office/drawing/2008/diagram" xmlns:p="http://schemas.openxmlformats.org/presentationml/2006/main">
   <p:sldMasterIdLst>
-    <p:sldMasterId id="2147483677" r:id="rId1"/>
+    <p:sldMasterId id="2147483675" r:id="rId1"/>
   </p:sldMasterIdLst>
   <p:sldIdLst>
     <p:sldId id="261" r:id="rId2"/>
@@ -16,23 +16,26 @@
     <p:sldId id="310" r:id="rId10"/>
     <p:sldId id="314" r:id="rId11"/>
     <p:sldId id="315" r:id="rId12"/>
-    <p:sldId id="317" r:id="rId13"/>
+    <p:sldId id="319" r:id="rId13"/>
     <p:sldId id="318" r:id="rId14"/>
     <p:sldId id="288" r:id="rId15"/>
-    <p:sldId id="296" r:id="rId16"/>
-    <p:sldId id="316" r:id="rId17"/>
-    <p:sldId id="289" r:id="rId18"/>
-    <p:sldId id="297" r:id="rId19"/>
-    <p:sldId id="290" r:id="rId20"/>
-    <p:sldId id="298" r:id="rId21"/>
-    <p:sldId id="291" r:id="rId22"/>
-    <p:sldId id="299" r:id="rId23"/>
-    <p:sldId id="292" r:id="rId24"/>
-    <p:sldId id="300" r:id="rId25"/>
-    <p:sldId id="306" r:id="rId26"/>
-    <p:sldId id="307" r:id="rId27"/>
-    <p:sldId id="294" r:id="rId28"/>
-    <p:sldId id="302" r:id="rId29"/>
+    <p:sldId id="323" r:id="rId16"/>
+    <p:sldId id="324" r:id="rId17"/>
+    <p:sldId id="325" r:id="rId18"/>
+    <p:sldId id="296" r:id="rId19"/>
+    <p:sldId id="316" r:id="rId20"/>
+    <p:sldId id="289" r:id="rId21"/>
+    <p:sldId id="297" r:id="rId22"/>
+    <p:sldId id="290" r:id="rId23"/>
+    <p:sldId id="298" r:id="rId24"/>
+    <p:sldId id="291" r:id="rId25"/>
+    <p:sldId id="299" r:id="rId26"/>
+    <p:sldId id="292" r:id="rId27"/>
+    <p:sldId id="300" r:id="rId28"/>
+    <p:sldId id="306" r:id="rId29"/>
+    <p:sldId id="307" r:id="rId30"/>
+    <p:sldId id="294" r:id="rId31"/>
+    <p:sldId id="302" r:id="rId32"/>
   </p:sldIdLst>
   <p:sldSz cx="12192000" cy="6858000"/>
   <p:notesSz cx="7104063" cy="10234613"/>
@@ -3775,7 +3778,7 @@
           </a:prstGeom>
         </p:spPr>
         <p:txBody>
-          <a:bodyPr vert="horz" lIns="91440" tIns="45720" rIns="91440" bIns="45720" anchor="ctr">
+          <a:bodyPr vert="horz" wrap="square" lIns="91440" tIns="45720" rIns="91440" bIns="45720" anchor="ctr">
             <a:noAutofit/>
           </a:bodyPr>
           <a:lstStyle>
@@ -3968,26 +3971,22 @@
             <a:r>
               <a:rPr lang="en-US" altLang="ko-KR">
                 <a:solidFill>
-                  <a:schemeClr val="bg1">
+                  <a:schemeClr val="dk1">
                     <a:lumMod val="75000"/>
                   </a:schemeClr>
                 </a:solidFill>
                 <a:latin typeface="+mj-lt"/>
-                <a:ea typeface="맑은 고딕"/>
-                <a:cs typeface="맑은 고딕"/>
               </a:rPr>
               <a:t>2021,</a:t>
             </a:r>
             <a:r>
               <a:rPr lang="ko-KR" altLang="en-US">
                 <a:solidFill>
-                  <a:schemeClr val="bg1">
+                  <a:schemeClr val="dk1">
                     <a:lumMod val="75000"/>
                   </a:schemeClr>
                 </a:solidFill>
                 <a:latin typeface="+mj-lt"/>
-                <a:ea typeface="맑은 고딕"/>
-                <a:cs typeface="맑은 고딕"/>
               </a:rPr>
               <a:t> 여름</a:t>
             </a:r>
@@ -4028,39 +4027,33 @@
             <a:r>
               <a:rPr lang="ko-KR" altLang="en-US">
                 <a:solidFill>
-                  <a:schemeClr val="bg1">
+                  <a:schemeClr val="dk1">
                     <a:lumMod val="75000"/>
                   </a:schemeClr>
                 </a:solidFill>
                 <a:latin typeface="+mj-lt"/>
-                <a:ea typeface="맑은 고딕"/>
-                <a:cs typeface="맑은 고딕"/>
               </a:rPr>
               <a:t>대전대학교</a:t>
             </a:r>
             <a:r>
               <a:rPr lang="en-US" altLang="ko-KR">
                 <a:solidFill>
-                  <a:schemeClr val="bg1">
+                  <a:schemeClr val="dk1">
                     <a:lumMod val="75000"/>
                   </a:schemeClr>
                 </a:solidFill>
                 <a:latin typeface="+mj-lt"/>
-                <a:ea typeface="맑은 고딕"/>
-                <a:cs typeface="맑은 고딕"/>
               </a:rPr>
               <a:t>,</a:t>
             </a:r>
             <a:r>
               <a:rPr lang="ko-KR" altLang="en-US">
                 <a:solidFill>
-                  <a:schemeClr val="bg1">
+                  <a:schemeClr val="dk1">
                     <a:lumMod val="75000"/>
                   </a:schemeClr>
                 </a:solidFill>
                 <a:latin typeface="+mj-lt"/>
-                <a:ea typeface="맑은 고딕"/>
-                <a:cs typeface="맑은 고딕"/>
               </a:rPr>
               <a:t> 정보보안학과</a:t>
             </a:r>
@@ -4103,25 +4096,21 @@
             <a:r>
               <a:rPr lang="ko-KR" altLang="en-US">
                 <a:solidFill>
-                  <a:schemeClr val="bg1">
+                  <a:schemeClr val="dk1">
                     <a:lumMod val="75000"/>
                   </a:schemeClr>
                 </a:solidFill>
                 <a:latin typeface="+mj-lt"/>
-                <a:ea typeface="맑은 고딕"/>
-                <a:cs typeface="맑은 고딕"/>
               </a:rPr>
               <a:t>홍준표</a:t>
             </a:r>
             <a:endParaRPr lang="ko-KR" altLang="en-US">
               <a:solidFill>
-                <a:schemeClr val="bg1">
+                <a:schemeClr val="dk1">
                   <a:lumMod val="75000"/>
                 </a:schemeClr>
               </a:solidFill>
               <a:latin typeface="+mj-lt"/>
-              <a:ea typeface="맑은 고딕"/>
-              <a:cs typeface="맑은 고딕"/>
             </a:endParaRPr>
           </a:p>
           <a:p>
@@ -4150,25 +4139,21 @@
             <a:r>
               <a:rPr lang="en-US" altLang="ko-KR">
                 <a:solidFill>
-                  <a:schemeClr val="bg1">
+                  <a:schemeClr val="dk1">
                     <a:lumMod val="75000"/>
                   </a:schemeClr>
                 </a:solidFill>
                 <a:latin typeface="+mj-lt"/>
-                <a:ea typeface="맑은 고딕"/>
-                <a:cs typeface="맑은 고딕"/>
               </a:rPr>
               <a:t>20151854</a:t>
             </a:r>
             <a:endParaRPr lang="en-US" altLang="ko-KR">
               <a:solidFill>
-                <a:schemeClr val="bg1">
+                <a:schemeClr val="dk1">
                   <a:lumMod val="75000"/>
                 </a:schemeClr>
               </a:solidFill>
               <a:latin typeface="+mj-lt"/>
-              <a:ea typeface="맑은 고딕"/>
-              <a:cs typeface="맑은 고딕"/>
             </a:endParaRPr>
           </a:p>
         </p:txBody>
@@ -4218,13 +4203,13 @@
         </p:nvSpPr>
         <p:spPr>
           <a:xfrm>
-            <a:off x="838200" y="311727"/>
-            <a:ext cx="10515600" cy="5865236"/>
+            <a:off x="0" y="1518227"/>
+            <a:ext cx="12192000" cy="5339773"/>
           </a:xfrm>
         </p:spPr>
         <p:txBody>
           <a:bodyPr>
-            <a:normAutofit fontScale="85000" lnSpcReduction="20000"/>
+            <a:normAutofit fontScale="77500" lnSpcReduction="20000"/>
           </a:bodyPr>
           <a:lstStyle/>
           <a:p>
@@ -4412,6 +4397,53 @@
               <a:defRPr/>
             </a:pPr>
             <a:endParaRPr lang="ko-KR" altLang="en-US"/>
+          </a:p>
+        </p:txBody>
+      </p:sp>
+      <p:sp>
+        <p:nvSpPr>
+          <p:cNvPr id="4" name="제목 1"/>
+          <p:cNvSpPr>
+            <a:spLocks noGrp="1"/>
+          </p:cNvSpPr>
+          <p:nvPr>
+            <p:ph type="title" idx="0"/>
+          </p:nvPr>
+        </p:nvSpPr>
+        <p:spPr>
+          <a:xfrm>
+            <a:off x="0" y="0"/>
+            <a:ext cx="12192000" cy="1325563"/>
+          </a:xfrm>
+          <a:solidFill>
+            <a:schemeClr val="accent1"/>
+          </a:solidFill>
+        </p:spPr>
+        <p:txBody>
+          <a:bodyPr vert="horz" wrap="square" lIns="91440" tIns="45720" rIns="91440" bIns="45720" anchor="ctr">
+            <a:normAutofit/>
+          </a:bodyPr>
+          <a:lstStyle/>
+          <a:p>
+            <a:pPr>
+              <a:spcBef>
+                <a:spcPts val="0"/>
+              </a:spcBef>
+              <a:defRPr/>
+            </a:pPr>
+            <a:r>
+              <a:rPr lang="ko-KR" altLang="en-US">
+                <a:solidFill>
+                  <a:schemeClr val="lt1"/>
+                </a:solidFill>
+              </a:rPr>
+              <a:t>참고 자료</a:t>
+            </a:r>
+            <a:endParaRPr lang="ko-KR" altLang="en-US">
+              <a:solidFill>
+                <a:schemeClr val="lt1"/>
+              </a:solidFill>
+            </a:endParaRPr>
           </a:p>
         </p:txBody>
       </p:sp>
@@ -4706,214 +4738,110 @@
           <a:chExt cx="0" cy="0"/>
         </a:xfrm>
       </p:grpSpPr>
-      <p:pic>
-        <p:nvPicPr>
-          <p:cNvPr id="5" name=""/>
-          <p:cNvPicPr>
-            <a:picLocks noChangeAspect="1"/>
-          </p:cNvPicPr>
-          <p:nvPr/>
-        </p:nvPicPr>
-        <p:blipFill rotWithShape="1">
-          <a:blip r:embed="rId2"/>
-          <a:stretch>
-            <a:fillRect/>
-          </a:stretch>
-        </p:blipFill>
-        <p:spPr>
-          <a:xfrm>
-            <a:off x="0" y="714375"/>
-            <a:ext cx="6953250" cy="4305300"/>
-          </a:xfrm>
-          <a:prstGeom prst="rect">
-            <a:avLst/>
-          </a:prstGeom>
-        </p:spPr>
-      </p:pic>
       <p:sp>
         <p:nvSpPr>
-          <p:cNvPr id="6" name=""/>
-          <p:cNvSpPr/>
-          <p:nvPr/>
+          <p:cNvPr id="3" name="내용 개체 틀 2"/>
+          <p:cNvSpPr>
+            <a:spLocks noGrp="1"/>
+          </p:cNvSpPr>
+          <p:nvPr>
+            <p:ph idx="1"/>
+          </p:nvPr>
         </p:nvSpPr>
         <p:spPr>
           <a:xfrm>
-            <a:off x="1" y="5279048"/>
-            <a:ext cx="12191999" cy="1578952"/>
+            <a:off x="838200" y="432153"/>
+            <a:ext cx="10515600" cy="5744810"/>
           </a:xfrm>
-          <a:prstGeom prst="rect">
-            <a:avLst/>
-          </a:prstGeom>
-          <a:noFill/>
-          <a:ln w="12700" cap="flat" cmpd="sng" algn="ctr">
-            <a:noFill/>
-            <a:prstDash val="solid"/>
-            <a:miter/>
-            <a:headEnd w="med" len="med"/>
-            <a:tailEnd w="med" len="med"/>
-          </a:ln>
         </p:spPr>
-        <p:style>
-          <a:lnRef idx="2">
-            <a:schemeClr val="accent1">
-              <a:shade val="20000"/>
-            </a:schemeClr>
-          </a:lnRef>
-          <a:fillRef idx="1">
-            <a:schemeClr val="accent1"/>
-          </a:fillRef>
-          <a:effectRef idx="0">
-            <a:schemeClr val="accent1"/>
-          </a:effectRef>
-          <a:fontRef idx="minor">
-            <a:schemeClr val="lt1"/>
-          </a:fontRef>
-        </p:style>
         <p:txBody>
-          <a:bodyPr anchor="ctr"/>
+          <a:bodyPr/>
+          <a:lstStyle/>
           <a:p>
             <a:pPr>
               <a:defRPr/>
             </a:pPr>
             <a:r>
-              <a:rPr lang="ko-KR" altLang="en-US">
-                <a:solidFill>
-                  <a:schemeClr val="dk1"/>
-                </a:solidFill>
-              </a:rPr>
-              <a:t> </a:t>
-            </a:r>
-            <a:r>
               <a:rPr lang="en-US" altLang="ko-KR">
-                <a:solidFill>
-                  <a:schemeClr val="dk1"/>
-                </a:solidFill>
-              </a:rPr>
-              <a:t>-</a:t>
-            </a:r>
-            <a:r>
-              <a:rPr lang="ko-KR" altLang="en-US">
-                <a:solidFill>
-                  <a:schemeClr val="dk1"/>
-                </a:solidFill>
-              </a:rPr>
-              <a:t> 통계에 의한 교통사고의 차량원인은 전체 사고에 비해 극히 미미하지만 차량의 구조적 결함이나 정비불량에 기인된 사고는 충돌사고에 겹쳐지면서 묻혀 버리는 경우가 많다</a:t>
-            </a:r>
-            <a:r>
-              <a:rPr lang="en-US" altLang="ko-KR">
-                <a:solidFill>
-                  <a:schemeClr val="dk1"/>
-                </a:solidFill>
-              </a:rPr>
-              <a:t>.</a:t>
-            </a:r>
-            <a:r>
-              <a:rPr lang="ko-KR" altLang="en-US">
-                <a:solidFill>
-                  <a:schemeClr val="dk1"/>
-                </a:solidFill>
-              </a:rPr>
-              <a:t> </a:t>
-            </a:r>
-            <a:endParaRPr lang="ko-KR" altLang="en-US">
-              <a:solidFill>
-                <a:schemeClr val="dk1"/>
-              </a:solidFill>
-            </a:endParaRPr>
+                <a:hlinkClick r:id="rId2"/>
+              </a:rPr>
+              <a:t>https://www.nocutnews.co.kr/news/4882837</a:t>
+            </a:r>
+            <a:endParaRPr lang="en-US" altLang="ko-KR"/>
           </a:p>
           <a:p>
             <a:pPr>
               <a:defRPr/>
             </a:pPr>
             <a:r>
-              <a:rPr lang="ko-KR" altLang="en-US">
-                <a:solidFill>
-                  <a:schemeClr val="dk1"/>
-                </a:solidFill>
-              </a:rPr>
-              <a:t> </a:t>
-            </a:r>
-            <a:r>
-              <a:rPr lang="en-US" altLang="ko-KR">
-                <a:solidFill>
-                  <a:schemeClr val="dk1"/>
-                </a:solidFill>
-              </a:rPr>
-              <a:t>-</a:t>
-            </a:r>
-            <a:r>
-              <a:rPr lang="ko-KR" altLang="en-US">
-                <a:solidFill>
-                  <a:schemeClr val="dk1"/>
-                </a:solidFill>
-              </a:rPr>
-              <a:t> 차량요인에 있어 큰 비중을 차지하는 것은 타이어 결함, 브레이크의 결함, 정비불량, 차량화재, 엔진결함 등이 존재</a:t>
-            </a:r>
-            <a:endParaRPr lang="ko-KR" altLang="en-US">
-              <a:solidFill>
-                <a:schemeClr val="dk1"/>
-              </a:solidFill>
-            </a:endParaRPr>
-          </a:p>
-        </p:txBody>
-      </p:sp>
-      <p:sp>
-        <p:nvSpPr>
-          <p:cNvPr id="9" name=""/>
-          <p:cNvSpPr/>
-          <p:nvPr/>
-        </p:nvSpPr>
-        <p:spPr>
-          <a:xfrm>
-            <a:off x="7616150" y="898621"/>
-            <a:ext cx="4031288" cy="3742651"/>
-          </a:xfrm>
-          <a:prstGeom prst="rect">
-            <a:avLst/>
-          </a:prstGeom>
-        </p:spPr>
-        <p:style>
-          <a:lnRef idx="2">
-            <a:schemeClr val="accent1">
-              <a:shade val="20000"/>
-            </a:schemeClr>
-          </a:lnRef>
-          <a:fillRef idx="1">
-            <a:schemeClr val="accent1"/>
-          </a:fillRef>
-          <a:effectRef idx="0">
-            <a:schemeClr val="accent1"/>
-          </a:effectRef>
-          <a:fontRef idx="minor">
-            <a:schemeClr val="lt1"/>
-          </a:fontRef>
-        </p:style>
-        <p:txBody>
-          <a:bodyPr anchor="ctr"/>
-          <a:p>
-            <a:pPr algn="ctr">
+              <a:rPr lang="ko-KR" altLang="en-US"/>
+              <a:t>겨울철 자동차 점검 뉴스자료</a:t>
+            </a:r>
+            <a:endParaRPr lang="ko-KR" altLang="en-US"/>
+          </a:p>
+          <a:p>
+            <a:pPr>
               <a:defRPr/>
             </a:pPr>
+            <a:endParaRPr lang="ko-KR" altLang="en-US"/>
+          </a:p>
+          <a:p>
+            <a:pPr>
+              <a:defRPr/>
+            </a:pPr>
             <a:r>
               <a:rPr lang="ko-KR" altLang="en-US"/>
-              <a:t>기능 고장으로 인한 교통사고 그래프</a:t>
-            </a:r>
-            <a:br>
+              <a:t>연비 계산 </a:t>
+            </a:r>
+            <a:r>
+              <a:rPr lang="en-US" altLang="ko-KR"/>
+              <a:t>:</a:t>
+            </a:r>
+            <a:r>
               <a:rPr lang="ko-KR" altLang="en-US"/>
-            </a:br>
+              <a:t> </a:t>
+            </a:r>
             <a:r>
               <a:rPr lang="en-US" altLang="ko-KR"/>
               <a:t>(</a:t>
             </a:r>
             <a:r>
               <a:rPr lang="ko-KR" altLang="en-US"/>
-              <a:t>예정</a:t>
+              <a:t>총주행거리</a:t>
             </a:r>
             <a:r>
               <a:rPr lang="en-US" altLang="ko-KR"/>
-              <a:t>)</a:t>
-            </a:r>
-            <a:endParaRPr lang="en-US" altLang="ko-KR"/>
+              <a:t>/</a:t>
+            </a:r>
+            <a:r>
+              <a:rPr lang="ko-KR" altLang="en-US"/>
+              <a:t>주유량</a:t>
+            </a:r>
+            <a:r>
+              <a:rPr lang="en-US" altLang="ko-KR"/>
+              <a:t>(</a:t>
+            </a:r>
+            <a:r>
+              <a:rPr lang="ko-KR" altLang="en-US"/>
+              <a:t>리터</a:t>
+            </a:r>
+            <a:r>
+              <a:rPr lang="en-US" altLang="ko-KR"/>
+              <a:t>))</a:t>
+            </a:r>
+            <a:r>
+              <a:rPr lang="ko-KR" altLang="en-US"/>
+              <a:t> </a:t>
+            </a:r>
+            <a:r>
+              <a:rPr lang="en-US" altLang="ko-KR"/>
+              <a:t>=</a:t>
+            </a:r>
+            <a:r>
+              <a:rPr lang="ko-KR" altLang="en-US"/>
+              <a:t> 연비</a:t>
+            </a:r>
+            <a:endParaRPr lang="ko-KR" altLang="en-US"/>
           </a:p>
         </p:txBody>
       </p:sp>
@@ -5924,9 +5852,976 @@
           <a:chExt cx="0" cy="0"/>
         </a:xfrm>
       </p:grpSpPr>
+      <p:graphicFrame>
+        <p:nvGraphicFramePr>
+          <p:cNvPr id="4" name=""/>
+          <p:cNvGraphicFramePr>
+            <a:graphicFrameLocks noGrp="1"/>
+          </p:cNvGraphicFramePr>
+          <p:nvPr/>
+        </p:nvGraphicFramePr>
+        <p:xfrm>
+          <a:off x="209164" y="1164908"/>
+          <a:ext cx="11773286" cy="5417466"/>
+        </p:xfrm>
+        <a:graphic>
+          <a:graphicData uri="http://schemas.openxmlformats.org/drawingml/2006/table">
+            <a:tbl>
+              <a:tblPr firstRow="1" bandRow="1">
+                <a:tableStyleId>{01A66EDD-3DAB-4C5B-A090-DC80EC1FD486}</a:tableStyleId>
+              </a:tblPr>
+              <a:tblGrid>
+                <a:gridCol w="2354580"/>
+                <a:gridCol w="2354773"/>
+                <a:gridCol w="2354773"/>
+                <a:gridCol w="2354580"/>
+                <a:gridCol w="2354580"/>
+              </a:tblGrid>
+              <a:tr h="581275">
+                <a:tc>
+                  <a:txBody>
+                    <a:bodyPr vert="horz" wrap="square" lIns="91440" tIns="45720" rIns="91440" bIns="45720" anchor="t" anchorCtr="0">
+                      <a:spAutoFit/>
+                    </a:bodyPr>
+                    <a:p>
+                      <a:pPr>
+                        <a:defRPr/>
+                      </a:pPr>
+                      <a:r>
+                        <a:rPr lang="ko-KR" altLang="en-US"/>
+                        <a:t>어플 명</a:t>
+                      </a:r>
+                      <a:r>
+                        <a:rPr lang="en-US" altLang="ko-KR"/>
+                        <a:t>/</a:t>
+                      </a:r>
+                      <a:endParaRPr lang="en-US" altLang="ko-KR"/>
+                    </a:p>
+                    <a:p>
+                      <a:pPr>
+                        <a:defRPr/>
+                      </a:pPr>
+                      <a:r>
+                        <a:rPr lang="ko-KR" altLang="en-US"/>
+                        <a:t>주요 기능</a:t>
+                      </a:r>
+                      <a:endParaRPr lang="ko-KR" altLang="en-US"/>
+                    </a:p>
+                  </a:txBody>
+                  <a:tcPr marL="91440" marR="91440"/>
+                </a:tc>
+                <a:tc>
+                  <a:txBody>
+                    <a:bodyPr vert="horz" wrap="square" lIns="91440" tIns="45720" rIns="91440" bIns="45720" anchor="t" anchorCtr="0">
+                      <a:spAutoFit/>
+                    </a:bodyPr>
+                    <a:p>
+                      <a:pPr algn="ctr">
+                        <a:defRPr/>
+                      </a:pPr>
+                      <a:r>
+                        <a:rPr lang="ko-KR" altLang="en-US"/>
+                        <a:t>만들 앱</a:t>
+                      </a:r>
+                      <a:endParaRPr lang="ko-KR" altLang="en-US"/>
+                    </a:p>
+                  </a:txBody>
+                  <a:tcPr marL="91440" marR="91440"/>
+                </a:tc>
+                <a:tc>
+                  <a:txBody>
+                    <a:bodyPr vert="horz" wrap="square" lIns="91440" tIns="45720" rIns="91440" bIns="45720" anchor="t" anchorCtr="0">
+                      <a:spAutoFit/>
+                    </a:bodyPr>
+                    <a:p>
+                      <a:pPr algn="ctr">
+                        <a:defRPr/>
+                      </a:pPr>
+                      <a:r>
+                        <a:rPr lang="ko-KR" altLang="en-US"/>
+                        <a:t>마이클</a:t>
+                      </a:r>
+                      <a:endParaRPr lang="ko-KR" altLang="en-US"/>
+                    </a:p>
+                  </a:txBody>
+                  <a:tcPr marL="91440" marR="91440"/>
+                </a:tc>
+                <a:tc>
+                  <a:txBody>
+                    <a:bodyPr vert="horz" wrap="square" lIns="91440" tIns="45720" rIns="91440" bIns="45720" anchor="t" anchorCtr="0">
+                      <a:spAutoFit/>
+                    </a:bodyPr>
+                    <a:p>
+                      <a:pPr algn="ctr">
+                        <a:defRPr/>
+                      </a:pPr>
+                      <a:r>
+                        <a:rPr lang="ko-KR" altLang="en-US"/>
+                        <a:t>카닥</a:t>
+                      </a:r>
+                      <a:endParaRPr lang="ko-KR" altLang="en-US"/>
+                    </a:p>
+                  </a:txBody>
+                  <a:tcPr marL="91440" marR="91440"/>
+                </a:tc>
+                <a:tc>
+                  <a:txBody>
+                    <a:bodyPr vert="horz" wrap="square" lIns="91440" tIns="45720" rIns="91440" bIns="45720" anchor="t" anchorCtr="0">
+                      <a:spAutoFit/>
+                    </a:bodyPr>
+                    <a:p>
+                      <a:pPr algn="ctr">
+                        <a:defRPr/>
+                      </a:pPr>
+                      <a:r>
+                        <a:rPr lang="ko-KR" altLang="en-US"/>
+                        <a:t>비고</a:t>
+                      </a:r>
+                      <a:endParaRPr lang="ko-KR" altLang="en-US"/>
+                    </a:p>
+                  </a:txBody>
+                  <a:tcPr marL="91440" marR="91440"/>
+                </a:tc>
+              </a:tr>
+              <a:tr h="581275">
+                <a:tc>
+                  <a:txBody>
+                    <a:bodyPr vert="horz" wrap="square" lIns="91440" tIns="45720" rIns="91440" bIns="45720" anchor="t" anchorCtr="0">
+                      <a:spAutoFit/>
+                    </a:bodyPr>
+                    <a:p>
+                      <a:pPr>
+                        <a:defRPr/>
+                      </a:pPr>
+                      <a:r>
+                        <a:rPr lang="ko-KR" altLang="en-US"/>
+                        <a:t>부품 교체 예상 비용 측정</a:t>
+                      </a:r>
+                      <a:endParaRPr lang="ko-KR" altLang="en-US"/>
+                    </a:p>
+                  </a:txBody>
+                  <a:tcPr marL="91440" marR="91440"/>
+                </a:tc>
+                <a:tc>
+                  <a:txBody>
+                    <a:bodyPr vert="horz" wrap="square" lIns="91440" tIns="45720" rIns="91440" bIns="45720" anchor="t" anchorCtr="0">
+                      <a:spAutoFit/>
+                    </a:bodyPr>
+                    <a:p>
+                      <a:pPr algn="ctr">
+                        <a:defRPr/>
+                      </a:pPr>
+                      <a:r>
+                        <a:rPr lang="en-US" altLang="ko-KR"/>
+                        <a:t>O</a:t>
+                      </a:r>
+                      <a:endParaRPr lang="en-US" altLang="ko-KR"/>
+                    </a:p>
+                  </a:txBody>
+                  <a:tcPr marL="91440" marR="91440"/>
+                </a:tc>
+                <a:tc>
+                  <a:txBody>
+                    <a:bodyPr vert="horz" wrap="square" lIns="91440" tIns="45720" rIns="91440" bIns="45720" anchor="t" anchorCtr="0">
+                      <a:spAutoFit/>
+                    </a:bodyPr>
+                    <a:p>
+                      <a:pPr algn="ctr">
+                        <a:defRPr/>
+                      </a:pPr>
+                      <a:r>
+                        <a:rPr lang="en-US" altLang="ko-KR"/>
+                        <a:t>O</a:t>
+                      </a:r>
+                      <a:endParaRPr lang="en-US" altLang="ko-KR"/>
+                    </a:p>
+                  </a:txBody>
+                  <a:tcPr marL="91440" marR="91440"/>
+                </a:tc>
+                <a:tc>
+                  <a:txBody>
+                    <a:bodyPr vert="horz" wrap="square" lIns="91440" tIns="45720" rIns="91440" bIns="45720" anchor="t" anchorCtr="0">
+                      <a:spAutoFit/>
+                    </a:bodyPr>
+                    <a:p>
+                      <a:pPr algn="ctr">
+                        <a:defRPr/>
+                      </a:pPr>
+                      <a:r>
+                        <a:rPr lang="en-US" altLang="ko-KR"/>
+                        <a:t>O</a:t>
+                      </a:r>
+                      <a:endParaRPr lang="en-US" altLang="ko-KR"/>
+                    </a:p>
+                  </a:txBody>
+                  <a:tcPr marL="91440" marR="91440"/>
+                </a:tc>
+                <a:tc>
+                  <a:txBody>
+                    <a:bodyPr vert="horz" wrap="square" lIns="91440" tIns="45720" rIns="91440" bIns="45720" anchor="t" anchorCtr="0">
+                      <a:spAutoFit/>
+                    </a:bodyPr>
+                    <a:p>
+                      <a:pPr algn="ctr">
+                        <a:defRPr/>
+                      </a:pPr>
+                      <a:endParaRPr lang="ko-KR" altLang="en-US"/>
+                    </a:p>
+                  </a:txBody>
+                  <a:tcPr marL="91440" marR="91440"/>
+                </a:tc>
+              </a:tr>
+              <a:tr h="473650">
+                <a:tc>
+                  <a:txBody>
+                    <a:bodyPr vert="horz" wrap="square" lIns="91440" tIns="45720" rIns="91440" bIns="45720" anchor="t" anchorCtr="0">
+                      <a:spAutoFit/>
+                    </a:bodyPr>
+                    <a:p>
+                      <a:pPr>
+                        <a:defRPr/>
+                      </a:pPr>
+                      <a:r>
+                        <a:rPr lang="ko-KR" altLang="en-US"/>
+                        <a:t>관리 </a:t>
+                      </a:r>
+                      <a:r>
+                        <a:rPr lang="en-US" altLang="ko-KR"/>
+                        <a:t>tip</a:t>
+                      </a:r>
+                      <a:endParaRPr lang="en-US" altLang="ko-KR"/>
+                    </a:p>
+                  </a:txBody>
+                  <a:tcPr marL="91440" marR="91440"/>
+                </a:tc>
+                <a:tc>
+                  <a:txBody>
+                    <a:bodyPr vert="horz" wrap="square" lIns="91440" tIns="45720" rIns="91440" bIns="45720" anchor="t" anchorCtr="0">
+                      <a:spAutoFit/>
+                    </a:bodyPr>
+                    <a:p>
+                      <a:pPr algn="ctr">
+                        <a:defRPr/>
+                      </a:pPr>
+                      <a:r>
+                        <a:rPr lang="en-US" altLang="ko-KR"/>
+                        <a:t>O</a:t>
+                      </a:r>
+                      <a:endParaRPr lang="en-US" altLang="ko-KR"/>
+                    </a:p>
+                  </a:txBody>
+                  <a:tcPr marL="91440" marR="91440"/>
+                </a:tc>
+                <a:tc>
+                  <a:txBody>
+                    <a:bodyPr vert="horz" wrap="square" lIns="91440" tIns="45720" rIns="91440" bIns="45720" anchor="t" anchorCtr="0">
+                      <a:spAutoFit/>
+                    </a:bodyPr>
+                    <a:p>
+                      <a:pPr algn="ctr">
+                        <a:defRPr/>
+                      </a:pPr>
+                      <a:r>
+                        <a:rPr lang="en-US" altLang="ko-KR"/>
+                        <a:t>O</a:t>
+                      </a:r>
+                      <a:endParaRPr lang="en-US" altLang="ko-KR"/>
+                    </a:p>
+                  </a:txBody>
+                  <a:tcPr marL="91440" marR="91440"/>
+                </a:tc>
+                <a:tc>
+                  <a:txBody>
+                    <a:bodyPr vert="horz" wrap="square" lIns="91440" tIns="45720" rIns="91440" bIns="45720" anchor="t" anchorCtr="0">
+                      <a:spAutoFit/>
+                    </a:bodyPr>
+                    <a:p>
+                      <a:pPr algn="ctr">
+                        <a:defRPr/>
+                      </a:pPr>
+                      <a:r>
+                        <a:rPr lang="en-US" altLang="ko-KR"/>
+                        <a:t>X</a:t>
+                      </a:r>
+                      <a:endParaRPr lang="en-US" altLang="ko-KR"/>
+                    </a:p>
+                  </a:txBody>
+                  <a:tcPr marL="91440" marR="91440"/>
+                </a:tc>
+                <a:tc>
+                  <a:txBody>
+                    <a:bodyPr vert="horz" wrap="square" lIns="91440" tIns="45720" rIns="91440" bIns="45720" anchor="t" anchorCtr="0">
+                      <a:spAutoFit/>
+                    </a:bodyPr>
+                    <a:p>
+                      <a:pPr algn="ctr">
+                        <a:defRPr/>
+                      </a:pPr>
+                      <a:r>
+                        <a:rPr lang="ko-KR" altLang="en-US"/>
+                        <a:t>마이클 </a:t>
+                      </a:r>
+                      <a:r>
+                        <a:rPr lang="en-US" altLang="ko-KR"/>
+                        <a:t>:</a:t>
+                      </a:r>
+                      <a:r>
+                        <a:rPr lang="ko-KR" altLang="en-US"/>
+                        <a:t> </a:t>
+                      </a:r>
+                      <a:r>
+                        <a:rPr lang="en-US" altLang="ko-KR"/>
+                        <a:t>tip</a:t>
+                      </a:r>
+                      <a:r>
+                        <a:rPr lang="ko-KR" altLang="en-US"/>
+                        <a:t>제공과 함께 상품 추천</a:t>
+                      </a:r>
+                      <a:endParaRPr lang="ko-KR" altLang="en-US"/>
+                    </a:p>
+                  </a:txBody>
+                  <a:tcPr marL="91440" marR="91440"/>
+                </a:tc>
+              </a:tr>
+              <a:tr h="473650">
+                <a:tc>
+                  <a:txBody>
+                    <a:bodyPr vert="horz" wrap="square" lIns="91440" tIns="45720" rIns="91440" bIns="45720" anchor="t" anchorCtr="0">
+                      <a:spAutoFit/>
+                    </a:bodyPr>
+                    <a:p>
+                      <a:pPr>
+                        <a:defRPr/>
+                      </a:pPr>
+                      <a:r>
+                        <a:rPr lang="ko-KR" altLang="en-US"/>
+                        <a:t>주행 거리별 </a:t>
+                      </a:r>
+                      <a:r>
+                        <a:rPr lang="en-US" altLang="ko-KR"/>
+                        <a:t>check</a:t>
+                      </a:r>
+                      <a:endParaRPr lang="en-US" altLang="ko-KR"/>
+                    </a:p>
+                  </a:txBody>
+                  <a:tcPr marL="91440" marR="91440"/>
+                </a:tc>
+                <a:tc>
+                  <a:txBody>
+                    <a:bodyPr vert="horz" wrap="square" lIns="91440" tIns="45720" rIns="91440" bIns="45720" anchor="t" anchorCtr="0">
+                      <a:spAutoFit/>
+                    </a:bodyPr>
+                    <a:p>
+                      <a:pPr algn="ctr">
+                        <a:defRPr/>
+                      </a:pPr>
+                      <a:r>
+                        <a:rPr lang="en-US" altLang="ko-KR"/>
+                        <a:t>O</a:t>
+                      </a:r>
+                      <a:endParaRPr lang="en-US" altLang="ko-KR"/>
+                    </a:p>
+                  </a:txBody>
+                  <a:tcPr marL="91440" marR="91440"/>
+                </a:tc>
+                <a:tc>
+                  <a:txBody>
+                    <a:bodyPr vert="horz" wrap="square" lIns="91440" tIns="45720" rIns="91440" bIns="45720" anchor="t" anchorCtr="0">
+                      <a:spAutoFit/>
+                    </a:bodyPr>
+                    <a:p>
+                      <a:pPr algn="ctr">
+                        <a:defRPr/>
+                      </a:pPr>
+                      <a:r>
+                        <a:rPr lang="en-US" altLang="ko-KR"/>
+                        <a:t>O</a:t>
+                      </a:r>
+                      <a:endParaRPr lang="en-US" altLang="ko-KR"/>
+                    </a:p>
+                  </a:txBody>
+                  <a:tcPr marL="91440" marR="91440"/>
+                </a:tc>
+                <a:tc>
+                  <a:txBody>
+                    <a:bodyPr vert="horz" wrap="square" lIns="91440" tIns="45720" rIns="91440" bIns="45720" anchor="t" anchorCtr="0">
+                      <a:spAutoFit/>
+                    </a:bodyPr>
+                    <a:p>
+                      <a:pPr algn="ctr">
+                        <a:defRPr/>
+                      </a:pPr>
+                      <a:r>
+                        <a:rPr lang="en-US" altLang="ko-KR"/>
+                        <a:t>X</a:t>
+                      </a:r>
+                      <a:endParaRPr lang="en-US" altLang="ko-KR"/>
+                    </a:p>
+                  </a:txBody>
+                  <a:tcPr marL="91440" marR="91440"/>
+                </a:tc>
+                <a:tc>
+                  <a:txBody>
+                    <a:bodyPr vert="horz" wrap="square" lIns="91440" tIns="45720" rIns="91440" bIns="45720" anchor="t" anchorCtr="0">
+                      <a:spAutoFit/>
+                    </a:bodyPr>
+                    <a:p>
+                      <a:pPr algn="ctr">
+                        <a:defRPr/>
+                      </a:pPr>
+                      <a:endParaRPr lang="ko-KR" altLang="en-US"/>
+                    </a:p>
+                  </a:txBody>
+                  <a:tcPr marL="91440" marR="91440"/>
+                </a:tc>
+              </a:tr>
+              <a:tr h="473650">
+                <a:tc>
+                  <a:txBody>
+                    <a:bodyPr vert="horz" wrap="square" lIns="91440" tIns="45720" rIns="91440" bIns="45720" anchor="t" anchorCtr="0">
+                      <a:spAutoFit/>
+                    </a:bodyPr>
+                    <a:p>
+                      <a:pPr>
+                        <a:defRPr/>
+                      </a:pPr>
+                      <a:r>
+                        <a:rPr lang="ko-KR" altLang="en-US"/>
+                        <a:t>가까운 정비소 위치</a:t>
+                      </a:r>
+                      <a:endParaRPr lang="ko-KR" altLang="en-US"/>
+                    </a:p>
+                  </a:txBody>
+                  <a:tcPr marL="91440" marR="91440"/>
+                </a:tc>
+                <a:tc>
+                  <a:txBody>
+                    <a:bodyPr vert="horz" wrap="square" lIns="91440" tIns="45720" rIns="91440" bIns="45720" anchor="t" anchorCtr="0">
+                      <a:spAutoFit/>
+                    </a:bodyPr>
+                    <a:p>
+                      <a:pPr algn="ctr">
+                        <a:defRPr/>
+                      </a:pPr>
+                      <a:r>
+                        <a:rPr lang="en-US" altLang="ko-KR"/>
+                        <a:t>O</a:t>
+                      </a:r>
+                      <a:endParaRPr lang="en-US" altLang="ko-KR"/>
+                    </a:p>
+                  </a:txBody>
+                  <a:tcPr marL="91440" marR="91440"/>
+                </a:tc>
+                <a:tc>
+                  <a:txBody>
+                    <a:bodyPr vert="horz" wrap="square" lIns="91440" tIns="45720" rIns="91440" bIns="45720" anchor="t" anchorCtr="0">
+                      <a:spAutoFit/>
+                    </a:bodyPr>
+                    <a:p>
+                      <a:pPr algn="ctr">
+                        <a:defRPr/>
+                      </a:pPr>
+                      <a:r>
+                        <a:rPr lang="en-US" altLang="ko-KR"/>
+                        <a:t>X</a:t>
+                      </a:r>
+                      <a:endParaRPr lang="en-US" altLang="ko-KR"/>
+                    </a:p>
+                  </a:txBody>
+                  <a:tcPr marL="91440" marR="91440"/>
+                </a:tc>
+                <a:tc>
+                  <a:txBody>
+                    <a:bodyPr vert="horz" wrap="square" lIns="91440" tIns="45720" rIns="91440" bIns="45720" anchor="t" anchorCtr="0">
+                      <a:spAutoFit/>
+                    </a:bodyPr>
+                    <a:p>
+                      <a:pPr algn="ctr">
+                        <a:defRPr/>
+                      </a:pPr>
+                      <a:r>
+                        <a:rPr lang="en-US" altLang="ko-KR"/>
+                        <a:t>O</a:t>
+                      </a:r>
+                      <a:endParaRPr lang="en-US" altLang="ko-KR"/>
+                    </a:p>
+                  </a:txBody>
+                  <a:tcPr marL="91440" marR="91440"/>
+                </a:tc>
+                <a:tc>
+                  <a:txBody>
+                    <a:bodyPr vert="horz" wrap="square" lIns="91440" tIns="45720" rIns="91440" bIns="45720" anchor="t" anchorCtr="0">
+                      <a:spAutoFit/>
+                    </a:bodyPr>
+                    <a:p>
+                      <a:pPr algn="ctr">
+                        <a:defRPr/>
+                      </a:pPr>
+                      <a:endParaRPr lang="ko-KR" altLang="en-US"/>
+                    </a:p>
+                  </a:txBody>
+                  <a:tcPr marL="91440" marR="91440"/>
+                </a:tc>
+              </a:tr>
+              <a:tr h="473650">
+                <a:tc>
+                  <a:txBody>
+                    <a:bodyPr vert="horz" wrap="square" lIns="91440" tIns="45720" rIns="91440" bIns="45720" anchor="t" anchorCtr="0">
+                      <a:spAutoFit/>
+                    </a:bodyPr>
+                    <a:p>
+                      <a:pPr>
+                        <a:defRPr/>
+                      </a:pPr>
+                      <a:r>
+                        <a:rPr lang="ko-KR" altLang="en-US"/>
+                        <a:t>자동차 관련 소식창</a:t>
+                      </a:r>
+                      <a:endParaRPr lang="ko-KR" altLang="en-US"/>
+                    </a:p>
+                  </a:txBody>
+                  <a:tcPr marL="91440" marR="91440"/>
+                </a:tc>
+                <a:tc>
+                  <a:txBody>
+                    <a:bodyPr vert="horz" wrap="square" lIns="91440" tIns="45720" rIns="91440" bIns="45720" anchor="t" anchorCtr="0">
+                      <a:spAutoFit/>
+                    </a:bodyPr>
+                    <a:p>
+                      <a:pPr algn="ctr">
+                        <a:defRPr/>
+                      </a:pPr>
+                      <a:r>
+                        <a:rPr lang="en-US" altLang="ko-KR"/>
+                        <a:t>O</a:t>
+                      </a:r>
+                      <a:endParaRPr lang="en-US" altLang="ko-KR"/>
+                    </a:p>
+                  </a:txBody>
+                  <a:tcPr marL="91440" marR="91440"/>
+                </a:tc>
+                <a:tc>
+                  <a:txBody>
+                    <a:bodyPr vert="horz" wrap="square" lIns="91440" tIns="45720" rIns="91440" bIns="45720" anchor="t" anchorCtr="0">
+                      <a:spAutoFit/>
+                    </a:bodyPr>
+                    <a:p>
+                      <a:pPr algn="ctr">
+                        <a:defRPr/>
+                      </a:pPr>
+                      <a:r>
+                        <a:rPr lang="en-US" altLang="ko-KR"/>
+                        <a:t>X</a:t>
+                      </a:r>
+                      <a:endParaRPr lang="en-US" altLang="ko-KR"/>
+                    </a:p>
+                  </a:txBody>
+                  <a:tcPr marL="91440" marR="91440"/>
+                </a:tc>
+                <a:tc>
+                  <a:txBody>
+                    <a:bodyPr vert="horz" wrap="square" lIns="91440" tIns="45720" rIns="91440" bIns="45720" anchor="t" anchorCtr="0">
+                      <a:spAutoFit/>
+                    </a:bodyPr>
+                    <a:p>
+                      <a:pPr algn="ctr">
+                        <a:defRPr/>
+                      </a:pPr>
+                      <a:r>
+                        <a:rPr lang="en-US" altLang="ko-KR"/>
+                        <a:t>X</a:t>
+                      </a:r>
+                      <a:endParaRPr lang="en-US" altLang="ko-KR"/>
+                    </a:p>
+                  </a:txBody>
+                  <a:tcPr marL="91440" marR="91440"/>
+                </a:tc>
+                <a:tc>
+                  <a:txBody>
+                    <a:bodyPr vert="horz" wrap="square" lIns="91440" tIns="45720" rIns="91440" bIns="45720" anchor="t" anchorCtr="0">
+                      <a:spAutoFit/>
+                    </a:bodyPr>
+                    <a:p>
+                      <a:pPr algn="ctr">
+                        <a:defRPr/>
+                      </a:pPr>
+                      <a:r>
+                        <a:rPr lang="ko-KR" altLang="en-US"/>
+                        <a:t>카닥 </a:t>
+                      </a:r>
+                      <a:r>
+                        <a:rPr lang="en-US" altLang="ko-KR"/>
+                        <a:t>:</a:t>
+                      </a:r>
+                      <a:r>
+                        <a:rPr lang="ko-KR" altLang="en-US"/>
+                        <a:t> 차량 액세서리 몰 운영</a:t>
+                      </a:r>
+                      <a:endParaRPr lang="ko-KR" altLang="en-US"/>
+                    </a:p>
+                  </a:txBody>
+                  <a:tcPr marL="91440" marR="91440"/>
+                </a:tc>
+              </a:tr>
+              <a:tr h="473650">
+                <a:tc>
+                  <a:txBody>
+                    <a:bodyPr vert="horz" wrap="square" lIns="91440" tIns="45720" rIns="91440" bIns="45720" anchor="t" anchorCtr="0">
+                      <a:spAutoFit/>
+                    </a:bodyPr>
+                    <a:p>
+                      <a:pPr>
+                        <a:defRPr/>
+                      </a:pPr>
+                      <a:r>
+                        <a:rPr lang="ko-KR" altLang="en-US"/>
+                        <a:t>채팅창</a:t>
+                      </a:r>
+                      <a:endParaRPr lang="ko-KR" altLang="en-US"/>
+                    </a:p>
+                  </a:txBody>
+                  <a:tcPr marL="91440" marR="91440"/>
+                </a:tc>
+                <a:tc>
+                  <a:txBody>
+                    <a:bodyPr vert="horz" wrap="square" lIns="91440" tIns="45720" rIns="91440" bIns="45720" anchor="t" anchorCtr="0">
+                      <a:spAutoFit/>
+                    </a:bodyPr>
+                    <a:p>
+                      <a:pPr algn="ctr">
+                        <a:defRPr/>
+                      </a:pPr>
+                      <a:r>
+                        <a:rPr lang="en-US" altLang="ko-KR"/>
+                        <a:t>O</a:t>
+                      </a:r>
+                      <a:endParaRPr lang="en-US" altLang="ko-KR"/>
+                    </a:p>
+                  </a:txBody>
+                  <a:tcPr marL="91440" marR="91440"/>
+                </a:tc>
+                <a:tc>
+                  <a:txBody>
+                    <a:bodyPr vert="horz" wrap="square" lIns="91440" tIns="45720" rIns="91440" bIns="45720" anchor="t" anchorCtr="0">
+                      <a:spAutoFit/>
+                    </a:bodyPr>
+                    <a:p>
+                      <a:pPr algn="ctr">
+                        <a:defRPr/>
+                      </a:pPr>
+                      <a:r>
+                        <a:rPr lang="en-US" altLang="ko-KR"/>
+                        <a:t>X</a:t>
+                      </a:r>
+                      <a:endParaRPr lang="en-US" altLang="ko-KR"/>
+                    </a:p>
+                  </a:txBody>
+                  <a:tcPr marL="91440" marR="91440"/>
+                </a:tc>
+                <a:tc>
+                  <a:txBody>
+                    <a:bodyPr vert="horz" wrap="square" lIns="91440" tIns="45720" rIns="91440" bIns="45720" anchor="t" anchorCtr="0">
+                      <a:spAutoFit/>
+                    </a:bodyPr>
+                    <a:p>
+                      <a:pPr algn="ctr">
+                        <a:defRPr/>
+                      </a:pPr>
+                      <a:r>
+                        <a:rPr lang="en-US" altLang="ko-KR"/>
+                        <a:t>X</a:t>
+                      </a:r>
+                      <a:endParaRPr lang="en-US" altLang="ko-KR"/>
+                    </a:p>
+                  </a:txBody>
+                  <a:tcPr marL="91440" marR="91440"/>
+                </a:tc>
+                <a:tc>
+                  <a:txBody>
+                    <a:bodyPr vert="horz" wrap="square" lIns="91440" tIns="45720" rIns="91440" bIns="45720" anchor="t" anchorCtr="0">
+                      <a:spAutoFit/>
+                    </a:bodyPr>
+                    <a:p>
+                      <a:pPr algn="ctr">
+                        <a:defRPr/>
+                      </a:pPr>
+                      <a:endParaRPr lang="ko-KR" altLang="en-US"/>
+                    </a:p>
+                  </a:txBody>
+                  <a:tcPr marL="91440" marR="91440"/>
+                </a:tc>
+              </a:tr>
+              <a:tr h="473650">
+                <a:tc>
+                  <a:txBody>
+                    <a:bodyPr vert="horz" wrap="square" lIns="91440" tIns="45720" rIns="91440" bIns="45720" anchor="t" anchorCtr="0">
+                      <a:spAutoFit/>
+                    </a:bodyPr>
+                    <a:p>
+                      <a:pPr>
+                        <a:defRPr/>
+                      </a:pPr>
+                      <a:r>
+                        <a:rPr lang="ko-KR" altLang="en-US"/>
+                        <a:t>게시판</a:t>
+                      </a:r>
+                      <a:endParaRPr lang="ko-KR" altLang="en-US"/>
+                    </a:p>
+                  </a:txBody>
+                  <a:tcPr marL="91440" marR="91440"/>
+                </a:tc>
+                <a:tc>
+                  <a:txBody>
+                    <a:bodyPr vert="horz" wrap="square" lIns="91440" tIns="45720" rIns="91440" bIns="45720" anchor="t" anchorCtr="0">
+                      <a:spAutoFit/>
+                    </a:bodyPr>
+                    <a:p>
+                      <a:pPr algn="ctr">
+                        <a:defRPr/>
+                      </a:pPr>
+                      <a:r>
+                        <a:rPr lang="en-US" altLang="ko-KR"/>
+                        <a:t>O</a:t>
+                      </a:r>
+                      <a:endParaRPr lang="en-US" altLang="ko-KR"/>
+                    </a:p>
+                  </a:txBody>
+                  <a:tcPr marL="91440" marR="91440"/>
+                </a:tc>
+                <a:tc>
+                  <a:txBody>
+                    <a:bodyPr vert="horz" wrap="square" lIns="91440" tIns="45720" rIns="91440" bIns="45720" anchor="t" anchorCtr="0">
+                      <a:spAutoFit/>
+                    </a:bodyPr>
+                    <a:p>
+                      <a:pPr algn="ctr">
+                        <a:defRPr/>
+                      </a:pPr>
+                      <a:r>
+                        <a:rPr lang="en-US" altLang="ko-KR"/>
+                        <a:t>O</a:t>
+                      </a:r>
+                      <a:endParaRPr lang="en-US" altLang="ko-KR"/>
+                    </a:p>
+                  </a:txBody>
+                  <a:tcPr marL="91440" marR="91440"/>
+                </a:tc>
+                <a:tc>
+                  <a:txBody>
+                    <a:bodyPr vert="horz" wrap="square" lIns="91440" tIns="45720" rIns="91440" bIns="45720" anchor="t" anchorCtr="0">
+                      <a:spAutoFit/>
+                    </a:bodyPr>
+                    <a:p>
+                      <a:pPr algn="ctr">
+                        <a:defRPr/>
+                      </a:pPr>
+                      <a:r>
+                        <a:rPr lang="en-US" altLang="ko-KR"/>
+                        <a:t>X</a:t>
+                      </a:r>
+                      <a:endParaRPr lang="en-US" altLang="ko-KR"/>
+                    </a:p>
+                  </a:txBody>
+                  <a:tcPr marL="91440" marR="91440"/>
+                </a:tc>
+                <a:tc>
+                  <a:txBody>
+                    <a:bodyPr vert="horz" wrap="square" lIns="91440" tIns="45720" rIns="91440" bIns="45720" anchor="t" anchorCtr="0">
+                      <a:spAutoFit/>
+                    </a:bodyPr>
+                    <a:p>
+                      <a:pPr algn="ctr">
+                        <a:defRPr/>
+                      </a:pPr>
+                      <a:endParaRPr lang="ko-KR" altLang="en-US"/>
+                    </a:p>
+                  </a:txBody>
+                  <a:tcPr marL="91440" marR="91440"/>
+                </a:tc>
+              </a:tr>
+              <a:tr h="473650">
+                <a:tc>
+                  <a:txBody>
+                    <a:bodyPr vert="horz" wrap="square" lIns="91440" tIns="45720" rIns="91440" bIns="45720" anchor="t" anchorCtr="0">
+                      <a:spAutoFit/>
+                    </a:bodyPr>
+                    <a:p>
+                      <a:pPr>
+                        <a:defRPr/>
+                      </a:pPr>
+                      <a:r>
+                        <a:rPr lang="ko-KR" altLang="en-US"/>
+                        <a:t>예약기능</a:t>
+                      </a:r>
+                      <a:endParaRPr lang="ko-KR" altLang="en-US"/>
+                    </a:p>
+                  </a:txBody>
+                  <a:tcPr marL="91440" marR="91440"/>
+                </a:tc>
+                <a:tc>
+                  <a:txBody>
+                    <a:bodyPr vert="horz" wrap="square" lIns="91440" tIns="45720" rIns="91440" bIns="45720" anchor="t" anchorCtr="0">
+                      <a:spAutoFit/>
+                    </a:bodyPr>
+                    <a:p>
+                      <a:pPr algn="ctr">
+                        <a:defRPr/>
+                      </a:pPr>
+                      <a:r>
+                        <a:rPr lang="en-US" altLang="ko-KR"/>
+                        <a:t>O</a:t>
+                      </a:r>
+                      <a:endParaRPr lang="en-US" altLang="ko-KR"/>
+                    </a:p>
+                  </a:txBody>
+                  <a:tcPr marL="91440" marR="91440"/>
+                </a:tc>
+                <a:tc>
+                  <a:txBody>
+                    <a:bodyPr vert="horz" wrap="square" lIns="91440" tIns="45720" rIns="91440" bIns="45720" anchor="t" anchorCtr="0">
+                      <a:spAutoFit/>
+                    </a:bodyPr>
+                    <a:p>
+                      <a:pPr algn="ctr">
+                        <a:defRPr/>
+                      </a:pPr>
+                      <a:r>
+                        <a:rPr lang="en-US" altLang="ko-KR"/>
+                        <a:t>O</a:t>
+                      </a:r>
+                      <a:endParaRPr lang="en-US" altLang="ko-KR"/>
+                    </a:p>
+                  </a:txBody>
+                  <a:tcPr marL="91440" marR="91440"/>
+                </a:tc>
+                <a:tc>
+                  <a:txBody>
+                    <a:bodyPr vert="horz" wrap="square" lIns="91440" tIns="45720" rIns="91440" bIns="45720" anchor="t" anchorCtr="0">
+                      <a:spAutoFit/>
+                    </a:bodyPr>
+                    <a:p>
+                      <a:pPr algn="ctr">
+                        <a:defRPr/>
+                      </a:pPr>
+                      <a:r>
+                        <a:rPr lang="en-US" altLang="ko-KR"/>
+                        <a:t>O</a:t>
+                      </a:r>
+                      <a:endParaRPr lang="en-US" altLang="ko-KR"/>
+                    </a:p>
+                  </a:txBody>
+                  <a:tcPr marL="91440" marR="91440"/>
+                </a:tc>
+                <a:tc>
+                  <a:txBody>
+                    <a:bodyPr vert="horz" wrap="square" lIns="91440" tIns="45720" rIns="91440" bIns="45720" anchor="t" anchorCtr="0">
+                      <a:spAutoFit/>
+                    </a:bodyPr>
+                    <a:p>
+                      <a:pPr algn="ctr">
+                        <a:defRPr/>
+                      </a:pPr>
+                      <a:endParaRPr lang="en-US" altLang="ko-KR"/>
+                    </a:p>
+                  </a:txBody>
+                  <a:tcPr marL="91440" marR="91440"/>
+                </a:tc>
+              </a:tr>
+              <a:tr h="473650">
+                <a:tc>
+                  <a:txBody>
+                    <a:bodyPr vert="horz" wrap="square" lIns="91440" tIns="45720" rIns="91440" bIns="45720" anchor="t" anchorCtr="0">
+                      <a:spAutoFit/>
+                    </a:bodyPr>
+                    <a:p>
+                      <a:pPr>
+                        <a:defRPr/>
+                      </a:pPr>
+                      <a:r>
+                        <a:rPr lang="ko-KR" altLang="en-US"/>
+                        <a:t>달력기능</a:t>
+                      </a:r>
+                      <a:endParaRPr lang="ko-KR" altLang="en-US"/>
+                    </a:p>
+                  </a:txBody>
+                  <a:tcPr marL="91440" marR="91440"/>
+                </a:tc>
+                <a:tc>
+                  <a:txBody>
+                    <a:bodyPr vert="horz" wrap="square" lIns="91440" tIns="45720" rIns="91440" bIns="45720" anchor="t" anchorCtr="0">
+                      <a:spAutoFit/>
+                    </a:bodyPr>
+                    <a:p>
+                      <a:pPr algn="ctr">
+                        <a:defRPr/>
+                      </a:pPr>
+                      <a:r>
+                        <a:rPr lang="en-US" altLang="ko-KR"/>
+                        <a:t>O</a:t>
+                      </a:r>
+                      <a:endParaRPr lang="en-US" altLang="ko-KR"/>
+                    </a:p>
+                  </a:txBody>
+                  <a:tcPr marL="91440" marR="91440"/>
+                </a:tc>
+                <a:tc>
+                  <a:txBody>
+                    <a:bodyPr vert="horz" wrap="square" lIns="91440" tIns="45720" rIns="91440" bIns="45720" anchor="t" anchorCtr="0">
+                      <a:spAutoFit/>
+                    </a:bodyPr>
+                    <a:p>
+                      <a:pPr algn="ctr">
+                        <a:defRPr/>
+                      </a:pPr>
+                      <a:r>
+                        <a:rPr lang="en-US" altLang="ko-KR"/>
+                        <a:t>O</a:t>
+                      </a:r>
+                      <a:endParaRPr lang="en-US" altLang="ko-KR"/>
+                    </a:p>
+                  </a:txBody>
+                  <a:tcPr marL="91440" marR="91440"/>
+                </a:tc>
+                <a:tc>
+                  <a:txBody>
+                    <a:bodyPr vert="horz" wrap="square" lIns="91440" tIns="45720" rIns="91440" bIns="45720" anchor="t" anchorCtr="0">
+                      <a:spAutoFit/>
+                    </a:bodyPr>
+                    <a:p>
+                      <a:pPr algn="ctr">
+                        <a:defRPr/>
+                      </a:pPr>
+                      <a:r>
+                        <a:rPr lang="en-US" altLang="ko-KR"/>
+                        <a:t>X</a:t>
+                      </a:r>
+                      <a:endParaRPr lang="en-US" altLang="ko-KR"/>
+                    </a:p>
+                  </a:txBody>
+                  <a:tcPr marL="91440" marR="91440"/>
+                </a:tc>
+                <a:tc>
+                  <a:txBody>
+                    <a:bodyPr vert="horz" wrap="square" lIns="91440" tIns="45720" rIns="91440" bIns="45720" anchor="t" anchorCtr="0">
+                      <a:spAutoFit/>
+                    </a:bodyPr>
+                    <a:p>
+                      <a:pPr algn="ctr">
+                        <a:defRPr/>
+                      </a:pPr>
+                      <a:endParaRPr lang="ko-KR" altLang="en-US"/>
+                    </a:p>
+                  </a:txBody>
+                  <a:tcPr marL="91440" marR="91440"/>
+                </a:tc>
+              </a:tr>
+            </a:tbl>
+          </a:graphicData>
+        </a:graphic>
+      </p:graphicFrame>
       <p:sp>
         <p:nvSpPr>
-          <p:cNvPr id="2" name="제목 1"/>
+          <p:cNvPr id="5" name="제목 1"/>
           <p:cNvSpPr>
             <a:spLocks noGrp="1"/>
           </p:cNvSpPr>
@@ -5936,512 +6831,38 @@
         </p:nvSpPr>
         <p:spPr>
           <a:xfrm>
-            <a:off x="9525" y="187324"/>
-            <a:ext cx="11061700" cy="1325563"/>
+            <a:off x="0" y="0"/>
+            <a:ext cx="12192000" cy="963612"/>
           </a:xfrm>
           <a:solidFill>
-            <a:schemeClr val="lt1"/>
+            <a:schemeClr val="accent1"/>
           </a:solidFill>
-          <a:ln>
-            <a:solidFill>
-              <a:schemeClr val="lt1"/>
-            </a:solidFill>
-          </a:ln>
         </p:spPr>
         <p:txBody>
-          <a:bodyPr/>
+          <a:bodyPr vert="horz" wrap="square" lIns="91440" tIns="45720" rIns="91440" bIns="45720" anchor="ctr">
+            <a:normAutofit/>
+          </a:bodyPr>
           <a:lstStyle/>
           <a:p>
-            <a:pPr lvl="0">
+            <a:pPr>
+              <a:spcBef>
+                <a:spcPts val="0"/>
+              </a:spcBef>
               <a:defRPr/>
             </a:pPr>
             <a:r>
-              <a:rPr lang="ko-KR" altLang="en-US" sz="4000"/>
-              <a:t>요구사항 수집 및 분석</a:t>
-            </a:r>
-            <a:endParaRPr lang="ko-KR" altLang="en-US" sz="4000"/>
-          </a:p>
-        </p:txBody>
-      </p:sp>
-      <p:sp>
-        <p:nvSpPr>
-          <p:cNvPr id="3" name="내용 개체 틀 2"/>
-          <p:cNvSpPr>
-            <a:spLocks noGrp="1"/>
-          </p:cNvSpPr>
-          <p:nvPr>
-            <p:ph idx="1"/>
-          </p:nvPr>
-        </p:nvSpPr>
-        <p:spPr>
-          <a:xfrm>
-            <a:off x="0" y="1622425"/>
-            <a:ext cx="12192000" cy="5235575"/>
-          </a:xfrm>
-        </p:spPr>
-        <p:txBody>
-          <a:bodyPr/>
-          <a:lstStyle/>
-          <a:p>
-            <a:pPr lvl="0">
-              <a:defRPr/>
-            </a:pPr>
-            <a:r>
-              <a:rPr lang="ko-KR" altLang="en-US" sz="2000"/>
-              <a:t>회원 정보를 담은 </a:t>
-            </a:r>
-            <a:r>
-              <a:rPr lang="en-US" altLang="ko-KR" sz="2000"/>
-              <a:t>DB</a:t>
-            </a:r>
-            <a:endParaRPr lang="ko-KR" altLang="en-US" sz="2000"/>
-          </a:p>
-          <a:p>
-            <a:pPr marL="0" lvl="0" indent="0">
-              <a:buNone/>
-              <a:defRPr/>
-            </a:pPr>
-            <a:r>
-              <a:rPr lang="ko-KR" altLang="en-US" sz="2000">
-                <a:solidFill>
-                  <a:srgbClr val="ff843a"/>
-                </a:solidFill>
-              </a:rPr>
-              <a:t> </a:t>
-            </a:r>
-            <a:r>
-              <a:rPr lang="en-US" altLang="ko-KR" sz="2000">
-                <a:solidFill>
-                  <a:srgbClr val="ff843a"/>
-                </a:solidFill>
-              </a:rPr>
-              <a:t>-</a:t>
-            </a:r>
-            <a:r>
-              <a:rPr lang="ko-KR" altLang="en-US" sz="2000">
-                <a:solidFill>
-                  <a:srgbClr val="ff843a"/>
-                </a:solidFill>
-              </a:rPr>
-              <a:t> 회원가입을 하게 되면 회원의 차종</a:t>
-            </a:r>
-            <a:r>
-              <a:rPr lang="en-US" altLang="ko-KR" sz="2000">
-                <a:solidFill>
-                  <a:srgbClr val="ff843a"/>
-                </a:solidFill>
-              </a:rPr>
-              <a:t>,</a:t>
-            </a:r>
-            <a:r>
-              <a:rPr lang="ko-KR" altLang="en-US" sz="2000">
-                <a:solidFill>
-                  <a:srgbClr val="ff843a"/>
-                </a:solidFill>
-              </a:rPr>
-              <a:t> 각각의 차량에 대한 정보</a:t>
-            </a:r>
-            <a:r>
-              <a:rPr lang="en-US" altLang="ko-KR" sz="2000">
-                <a:solidFill>
-                  <a:srgbClr val="ff843a"/>
-                </a:solidFill>
-              </a:rPr>
-              <a:t>(</a:t>
-            </a:r>
-            <a:r>
-              <a:rPr lang="ko-KR" altLang="en-US" sz="2000">
-                <a:solidFill>
-                  <a:srgbClr val="ff843a"/>
-                </a:solidFill>
-              </a:rPr>
-              <a:t>주행거리</a:t>
-            </a:r>
-            <a:r>
-              <a:rPr lang="en-US" altLang="ko-KR" sz="2000">
-                <a:solidFill>
-                  <a:srgbClr val="ff843a"/>
-                </a:solidFill>
-              </a:rPr>
-              <a:t>,</a:t>
-            </a:r>
-            <a:r>
-              <a:rPr lang="ko-KR" altLang="en-US" sz="2000">
-                <a:solidFill>
-                  <a:srgbClr val="ff843a"/>
-                </a:solidFill>
-              </a:rPr>
-              <a:t> 연식 등</a:t>
-            </a:r>
-            <a:r>
-              <a:rPr lang="en-US" altLang="ko-KR" sz="2000">
-                <a:solidFill>
-                  <a:srgbClr val="ff843a"/>
-                </a:solidFill>
-              </a:rPr>
-              <a:t>)</a:t>
-            </a:r>
-            <a:r>
-              <a:rPr lang="ko-KR" altLang="en-US" sz="2000">
-                <a:solidFill>
-                  <a:srgbClr val="ff843a"/>
-                </a:solidFill>
-              </a:rPr>
-              <a:t>가 저장되어야 함</a:t>
-            </a:r>
-            <a:endParaRPr lang="ko-KR" altLang="en-US" sz="2000">
+              <a:rPr lang="ko-KR" altLang="en-US">
+                <a:solidFill>
+                  <a:schemeClr val="lt1"/>
+                </a:solidFill>
+              </a:rPr>
+              <a:t>기능 비교</a:t>
+            </a:r>
+            <a:endParaRPr lang="ko-KR" altLang="en-US">
               <a:solidFill>
-                <a:srgbClr val="ff843a"/>
+                <a:schemeClr val="lt1"/>
               </a:solidFill>
             </a:endParaRPr>
-          </a:p>
-          <a:p>
-            <a:pPr marL="0" lvl="0" indent="0">
-              <a:buNone/>
-              <a:defRPr/>
-            </a:pPr>
-            <a:r>
-              <a:rPr lang="ko-KR" altLang="en-US" sz="2000">
-                <a:solidFill>
-                  <a:srgbClr val="ff843a"/>
-                </a:solidFill>
-              </a:rPr>
-              <a:t> </a:t>
-            </a:r>
-            <a:r>
-              <a:rPr lang="en-US" altLang="ko-KR" sz="2000">
-                <a:solidFill>
-                  <a:srgbClr val="ff843a"/>
-                </a:solidFill>
-              </a:rPr>
-              <a:t>-</a:t>
-            </a:r>
-            <a:r>
-              <a:rPr lang="ko-KR" altLang="en-US" sz="2000">
-                <a:solidFill>
-                  <a:srgbClr val="ff843a"/>
-                </a:solidFill>
-              </a:rPr>
-              <a:t> 회원 가입시 필요한 정보 </a:t>
-            </a:r>
-            <a:r>
-              <a:rPr lang="en-US" altLang="ko-KR" sz="2000">
-                <a:solidFill>
-                  <a:srgbClr val="ff843a"/>
-                </a:solidFill>
-              </a:rPr>
-              <a:t>(</a:t>
-            </a:r>
-            <a:r>
-              <a:rPr lang="ko-KR" altLang="en-US" sz="2000">
-                <a:solidFill>
-                  <a:srgbClr val="ff843a"/>
-                </a:solidFill>
-              </a:rPr>
-              <a:t>아이디</a:t>
-            </a:r>
-            <a:r>
-              <a:rPr lang="en-US" altLang="ko-KR" sz="2000">
-                <a:solidFill>
-                  <a:srgbClr val="ff843a"/>
-                </a:solidFill>
-              </a:rPr>
-              <a:t>,</a:t>
-            </a:r>
-            <a:r>
-              <a:rPr lang="ko-KR" altLang="en-US" sz="2000">
-                <a:solidFill>
-                  <a:srgbClr val="ff843a"/>
-                </a:solidFill>
-              </a:rPr>
-              <a:t> 비밀번호</a:t>
-            </a:r>
-            <a:r>
-              <a:rPr lang="en-US" altLang="ko-KR" sz="2000">
-                <a:solidFill>
-                  <a:srgbClr val="ff843a"/>
-                </a:solidFill>
-              </a:rPr>
-              <a:t>,</a:t>
-            </a:r>
-            <a:r>
-              <a:rPr lang="ko-KR" altLang="en-US" sz="2000">
-                <a:solidFill>
-                  <a:srgbClr val="ff843a"/>
-                </a:solidFill>
-              </a:rPr>
-              <a:t> 이름</a:t>
-            </a:r>
-            <a:r>
-              <a:rPr lang="en-US" altLang="ko-KR" sz="2000">
-                <a:solidFill>
-                  <a:srgbClr val="ff843a"/>
-                </a:solidFill>
-              </a:rPr>
-              <a:t>,</a:t>
-            </a:r>
-            <a:r>
-              <a:rPr lang="ko-KR" altLang="en-US" sz="2000">
-                <a:solidFill>
-                  <a:srgbClr val="ff843a"/>
-                </a:solidFill>
-              </a:rPr>
-              <a:t> 생년월일</a:t>
-            </a:r>
-            <a:r>
-              <a:rPr lang="en-US" altLang="ko-KR" sz="2000">
-                <a:solidFill>
-                  <a:srgbClr val="ff843a"/>
-                </a:solidFill>
-              </a:rPr>
-              <a:t>,</a:t>
-            </a:r>
-            <a:r>
-              <a:rPr lang="ko-KR" altLang="en-US" sz="2000">
-                <a:solidFill>
-                  <a:srgbClr val="ff843a"/>
-                </a:solidFill>
-              </a:rPr>
-              <a:t> 전화번호</a:t>
-            </a:r>
-            <a:r>
-              <a:rPr lang="en-US" altLang="ko-KR" sz="2000">
-                <a:solidFill>
-                  <a:srgbClr val="ff843a"/>
-                </a:solidFill>
-              </a:rPr>
-              <a:t>,</a:t>
-            </a:r>
-            <a:r>
-              <a:rPr lang="ko-KR" altLang="en-US" sz="2000">
-                <a:solidFill>
-                  <a:srgbClr val="ff843a"/>
-                </a:solidFill>
-              </a:rPr>
-              <a:t> 차량에 대한 정보</a:t>
-            </a:r>
-            <a:r>
-              <a:rPr lang="en-US" altLang="ko-KR" sz="2000">
-                <a:solidFill>
-                  <a:srgbClr val="ff843a"/>
-                </a:solidFill>
-              </a:rPr>
-              <a:t>)</a:t>
-            </a:r>
-            <a:r>
-              <a:rPr lang="ko-KR" altLang="en-US" sz="2000">
-                <a:solidFill>
-                  <a:srgbClr val="ff843a"/>
-                </a:solidFill>
-              </a:rPr>
-              <a:t>를 포함해야 함</a:t>
-            </a:r>
-            <a:endParaRPr lang="ko-KR" altLang="en-US" sz="2000"/>
-          </a:p>
-          <a:p>
-            <a:pPr lvl="0">
-              <a:defRPr/>
-            </a:pPr>
-            <a:r>
-              <a:rPr lang="ko-KR" altLang="en-US" sz="2000"/>
-              <a:t>차종 별 다른 데이터 제공</a:t>
-            </a:r>
-            <a:endParaRPr lang="ko-KR" altLang="en-US" sz="2000"/>
-          </a:p>
-          <a:p>
-            <a:pPr marL="0" lvl="0" indent="0">
-              <a:buNone/>
-              <a:defRPr/>
-            </a:pPr>
-            <a:r>
-              <a:rPr lang="ko-KR" altLang="en-US" sz="2000">
-                <a:solidFill>
-                  <a:srgbClr val="ff843a"/>
-                </a:solidFill>
-              </a:rPr>
-              <a:t> </a:t>
-            </a:r>
-            <a:r>
-              <a:rPr lang="en-US" altLang="ko-KR" sz="2000">
-                <a:solidFill>
-                  <a:srgbClr val="ff843a"/>
-                </a:solidFill>
-              </a:rPr>
-              <a:t>-</a:t>
-            </a:r>
-            <a:r>
-              <a:rPr lang="ko-KR" altLang="en-US" sz="2000">
-                <a:solidFill>
-                  <a:srgbClr val="ff843a"/>
-                </a:solidFill>
-              </a:rPr>
-              <a:t> </a:t>
-            </a:r>
-            <a:r>
-              <a:rPr lang="en-US" altLang="ko-KR" sz="2000">
-                <a:solidFill>
-                  <a:srgbClr val="ff843a"/>
-                </a:solidFill>
-              </a:rPr>
-              <a:t>SUV, </a:t>
-            </a:r>
-            <a:r>
-              <a:rPr lang="ko-KR" altLang="en-US" sz="2000">
-                <a:solidFill>
-                  <a:srgbClr val="ff843a"/>
-                </a:solidFill>
-              </a:rPr>
-              <a:t>승용차 등등 각 차종의 부품의 가격</a:t>
-            </a:r>
-            <a:r>
-              <a:rPr lang="en-US" altLang="ko-KR" sz="2000">
-                <a:solidFill>
-                  <a:srgbClr val="ff843a"/>
-                </a:solidFill>
-              </a:rPr>
-              <a:t>,</a:t>
-            </a:r>
-            <a:r>
-              <a:rPr lang="ko-KR" altLang="en-US" sz="2000">
-                <a:solidFill>
-                  <a:srgbClr val="ff843a"/>
-                </a:solidFill>
-              </a:rPr>
-              <a:t> 종류 다름</a:t>
-            </a:r>
-            <a:endParaRPr lang="ko-KR" altLang="en-US" sz="2000">
-              <a:solidFill>
-                <a:srgbClr val="ff843a"/>
-              </a:solidFill>
-            </a:endParaRPr>
-          </a:p>
-          <a:p>
-            <a:pPr marL="0" lvl="0" indent="0">
-              <a:buNone/>
-              <a:defRPr/>
-            </a:pPr>
-            <a:r>
-              <a:rPr lang="ko-KR" altLang="en-US" sz="2000">
-                <a:solidFill>
-                  <a:srgbClr val="ff843a"/>
-                </a:solidFill>
-              </a:rPr>
-              <a:t> </a:t>
-            </a:r>
-            <a:r>
-              <a:rPr lang="en-US" altLang="ko-KR" sz="2000">
-                <a:solidFill>
-                  <a:srgbClr val="ff843a"/>
-                </a:solidFill>
-              </a:rPr>
-              <a:t>-</a:t>
-            </a:r>
-            <a:r>
-              <a:rPr lang="ko-KR" altLang="en-US" sz="2000">
-                <a:solidFill>
-                  <a:srgbClr val="ff843a"/>
-                </a:solidFill>
-              </a:rPr>
-              <a:t> </a:t>
-            </a:r>
-            <a:endParaRPr lang="ko-KR" altLang="en-US" sz="2000"/>
-          </a:p>
-          <a:p>
-            <a:pPr lvl="0">
-              <a:defRPr/>
-            </a:pPr>
-            <a:endParaRPr lang="ko-KR" altLang="en-US" sz="2000"/>
-          </a:p>
-          <a:p>
-            <a:pPr lvl="0">
-              <a:defRPr/>
-            </a:pPr>
-            <a:r>
-              <a:rPr lang="ko-KR" altLang="en-US" sz="2000"/>
-              <a:t>가까운 정비소 지도 자료 제공</a:t>
-            </a:r>
-            <a:endParaRPr lang="ko-KR" altLang="en-US" sz="2000"/>
-          </a:p>
-          <a:p>
-            <a:pPr marL="0" lvl="0" indent="0">
-              <a:buNone/>
-              <a:defRPr/>
-            </a:pPr>
-            <a:r>
-              <a:rPr lang="ko-KR" altLang="en-US" sz="2000">
-                <a:solidFill>
-                  <a:srgbClr val="ff843a"/>
-                </a:solidFill>
-              </a:rPr>
-              <a:t> </a:t>
-            </a:r>
-            <a:r>
-              <a:rPr lang="en-US" altLang="ko-KR" sz="2000">
-                <a:solidFill>
-                  <a:srgbClr val="ff843a"/>
-                </a:solidFill>
-              </a:rPr>
-              <a:t>-</a:t>
-            </a:r>
-            <a:r>
-              <a:rPr lang="ko-KR" altLang="en-US" sz="2000">
-                <a:solidFill>
-                  <a:srgbClr val="ff843a"/>
-                </a:solidFill>
-              </a:rPr>
-              <a:t> 정비소 위치에 대한 데이터 아직 못 찾음</a:t>
-            </a:r>
-            <a:endParaRPr lang="ko-KR" altLang="en-US" sz="2000">
-              <a:solidFill>
-                <a:srgbClr val="ff843a"/>
-              </a:solidFill>
-            </a:endParaRPr>
-          </a:p>
-          <a:p>
-            <a:pPr marL="0" lvl="0" indent="0">
-              <a:buNone/>
-              <a:defRPr/>
-            </a:pPr>
-            <a:r>
-              <a:rPr lang="ko-KR" altLang="en-US" sz="2000">
-                <a:solidFill>
-                  <a:srgbClr val="ff843a"/>
-                </a:solidFill>
-              </a:rPr>
-              <a:t>  └ </a:t>
-            </a:r>
-            <a:r>
-              <a:rPr lang="en-US" altLang="ko-KR" sz="2000">
-                <a:solidFill>
-                  <a:srgbClr val="ff843a"/>
-                </a:solidFill>
-              </a:rPr>
-              <a:t>Google map</a:t>
-            </a:r>
-            <a:r>
-              <a:rPr lang="ko-KR" altLang="en-US" sz="2000">
-                <a:solidFill>
-                  <a:srgbClr val="ff843a"/>
-                </a:solidFill>
-              </a:rPr>
-              <a:t>을 이용해서 연동 가능한지</a:t>
-            </a:r>
-            <a:r>
-              <a:rPr lang="en-US" altLang="ko-KR" sz="2000">
-                <a:solidFill>
-                  <a:srgbClr val="ff843a"/>
-                </a:solidFill>
-              </a:rPr>
-              <a:t>?</a:t>
-            </a:r>
-            <a:endParaRPr lang="en-US" altLang="ko-KR" sz="2000"/>
-          </a:p>
-          <a:p>
-            <a:pPr marL="0" lvl="0" indent="0">
-              <a:buNone/>
-              <a:defRPr/>
-            </a:pPr>
-            <a:endParaRPr lang="en-US" altLang="ko-KR" sz="2000"/>
           </a:p>
         </p:txBody>
       </p:sp>
@@ -6480,6 +6901,1028 @@
       </p:grpSpPr>
       <p:sp>
         <p:nvSpPr>
+          <p:cNvPr id="4" name="직사각형 9"/>
+          <p:cNvSpPr/>
+          <p:nvPr/>
+        </p:nvSpPr>
+        <p:spPr>
+          <a:xfrm>
+            <a:off x="0" y="0"/>
+            <a:ext cx="12192001" cy="1338109"/>
+          </a:xfrm>
+          <a:prstGeom prst="rect">
+            <a:avLst/>
+          </a:prstGeom>
+          <a:solidFill>
+            <a:schemeClr val="accent1">
+              <a:lumMod val="75000"/>
+            </a:schemeClr>
+          </a:solidFill>
+          <a:ln>
+            <a:noFill/>
+          </a:ln>
+        </p:spPr>
+        <p:style>
+          <a:lnRef idx="2">
+            <a:schemeClr val="accent1">
+              <a:shade val="50000"/>
+            </a:schemeClr>
+          </a:lnRef>
+          <a:fillRef idx="1">
+            <a:schemeClr val="accent1"/>
+          </a:fillRef>
+          <a:effectRef idx="0">
+            <a:schemeClr val="accent1"/>
+          </a:effectRef>
+          <a:fontRef idx="minor">
+            <a:schemeClr val="lt1"/>
+          </a:fontRef>
+        </p:style>
+        <p:txBody>
+          <a:bodyPr anchor="ctr"/>
+          <a:lstStyle/>
+          <a:p>
+            <a:pPr>
+              <a:defRPr/>
+            </a:pPr>
+            <a:r>
+              <a:rPr kumimoji="1" lang="en-US" altLang="ko-KR" sz="4800"/>
+              <a:t>2-1.</a:t>
+            </a:r>
+            <a:r>
+              <a:rPr kumimoji="1" lang="ko-KR" altLang="en-US" sz="4800"/>
+              <a:t> 요구사항 정의 및 분석</a:t>
+            </a:r>
+            <a:endParaRPr kumimoji="1" lang="ko-KR" altLang="en-US" sz="4800"/>
+          </a:p>
+        </p:txBody>
+      </p:sp>
+      <p:sp>
+        <p:nvSpPr>
+          <p:cNvPr id="5" name=""/>
+          <p:cNvSpPr/>
+          <p:nvPr/>
+        </p:nvSpPr>
+        <p:spPr>
+          <a:xfrm>
+            <a:off x="0" y="1377461"/>
+            <a:ext cx="12192000" cy="5480538"/>
+          </a:xfrm>
+          <a:prstGeom prst="rect">
+            <a:avLst/>
+          </a:prstGeom>
+          <a:noFill/>
+          <a:ln>
+            <a:noFill/>
+          </a:ln>
+        </p:spPr>
+        <p:style>
+          <a:lnRef idx="2">
+            <a:schemeClr val="accent1">
+              <a:shade val="20000"/>
+            </a:schemeClr>
+          </a:lnRef>
+          <a:fillRef idx="1">
+            <a:schemeClr val="accent1"/>
+          </a:fillRef>
+          <a:effectRef idx="0">
+            <a:schemeClr val="accent1"/>
+          </a:effectRef>
+          <a:fontRef idx="minor">
+            <a:schemeClr val="lt1"/>
+          </a:fontRef>
+        </p:style>
+        <p:txBody>
+          <a:bodyPr anchor="ctr"/>
+          <a:p>
+            <a:pPr>
+              <a:defRPr/>
+            </a:pPr>
+            <a:r>
+              <a:rPr lang="ko-KR" altLang="en-US" sz="2000">
+                <a:solidFill>
+                  <a:schemeClr val="dk1"/>
+                </a:solidFill>
+              </a:rPr>
+              <a:t>요구 분석 명세서에는 시스템의 기능이 무엇인지(what)에만 초점을 두어 정리하고 어떻게(how) 구현할지는 기술하지 않는다</a:t>
+            </a:r>
+            <a:endParaRPr lang="ko-KR" altLang="en-US" sz="2000">
+              <a:solidFill>
+                <a:schemeClr val="dk1"/>
+              </a:solidFill>
+            </a:endParaRPr>
+          </a:p>
+          <a:p>
+            <a:pPr>
+              <a:defRPr/>
+            </a:pPr>
+            <a:endParaRPr lang="ko-KR" altLang="en-US" sz="2000">
+              <a:solidFill>
+                <a:schemeClr val="dk1"/>
+              </a:solidFill>
+            </a:endParaRPr>
+          </a:p>
+          <a:p>
+            <a:pPr>
+              <a:defRPr/>
+            </a:pPr>
+            <a:r>
+              <a:rPr lang="ko-KR" altLang="en-US" sz="2000">
+                <a:solidFill>
+                  <a:schemeClr val="dk1"/>
+                </a:solidFill>
+              </a:rPr>
+              <a:t> </a:t>
+            </a:r>
+            <a:r>
+              <a:rPr lang="en-US" altLang="ko-KR" sz="2000">
+                <a:solidFill>
+                  <a:schemeClr val="dk1"/>
+                </a:solidFill>
+              </a:rPr>
+              <a:t>-</a:t>
+            </a:r>
+            <a:r>
+              <a:rPr lang="ko-KR" altLang="en-US" sz="2000">
+                <a:solidFill>
+                  <a:schemeClr val="dk1"/>
+                </a:solidFill>
+              </a:rPr>
+              <a:t> 회원가입</a:t>
+            </a:r>
+            <a:endParaRPr lang="ko-KR" altLang="en-US" sz="2000">
+              <a:solidFill>
+                <a:schemeClr val="dk1"/>
+              </a:solidFill>
+            </a:endParaRPr>
+          </a:p>
+          <a:p>
+            <a:pPr>
+              <a:defRPr/>
+            </a:pPr>
+            <a:r>
+              <a:rPr lang="ko-KR" altLang="en-US" sz="2000">
+                <a:solidFill>
+                  <a:schemeClr val="dk1"/>
+                </a:solidFill>
+              </a:rPr>
+              <a:t>  └ 회원가입시 아이디</a:t>
+            </a:r>
+            <a:r>
+              <a:rPr lang="en-US" altLang="ko-KR" sz="2000">
+                <a:solidFill>
+                  <a:schemeClr val="dk1"/>
+                </a:solidFill>
+              </a:rPr>
+              <a:t>,</a:t>
+            </a:r>
+            <a:r>
+              <a:rPr lang="ko-KR" altLang="en-US" sz="2000">
+                <a:solidFill>
+                  <a:schemeClr val="dk1"/>
+                </a:solidFill>
+              </a:rPr>
+              <a:t> 비밀번호</a:t>
+            </a:r>
+            <a:r>
+              <a:rPr lang="en-US" altLang="ko-KR" sz="2000">
+                <a:solidFill>
+                  <a:schemeClr val="dk1"/>
+                </a:solidFill>
+              </a:rPr>
+              <a:t>,</a:t>
+            </a:r>
+            <a:r>
+              <a:rPr lang="ko-KR" altLang="en-US" sz="2000">
+                <a:solidFill>
+                  <a:schemeClr val="dk1"/>
+                </a:solidFill>
+              </a:rPr>
+              <a:t> 이름</a:t>
+            </a:r>
+            <a:r>
+              <a:rPr lang="en-US" altLang="ko-KR" sz="2000">
+                <a:solidFill>
+                  <a:schemeClr val="dk1"/>
+                </a:solidFill>
+              </a:rPr>
+              <a:t>,</a:t>
+            </a:r>
+            <a:r>
+              <a:rPr lang="ko-KR" altLang="en-US" sz="2000">
+                <a:solidFill>
+                  <a:schemeClr val="dk1"/>
+                </a:solidFill>
+              </a:rPr>
+              <a:t> 전화번호</a:t>
+            </a:r>
+            <a:r>
+              <a:rPr lang="en-US" altLang="ko-KR" sz="2000">
+                <a:solidFill>
+                  <a:schemeClr val="dk1"/>
+                </a:solidFill>
+              </a:rPr>
+              <a:t>,</a:t>
+            </a:r>
+            <a:r>
+              <a:rPr lang="ko-KR" altLang="en-US" sz="2000">
+                <a:solidFill>
+                  <a:schemeClr val="dk1"/>
+                </a:solidFill>
+              </a:rPr>
+              <a:t> 생년월일</a:t>
+            </a:r>
+            <a:r>
+              <a:rPr lang="en-US" altLang="ko-KR" sz="2000">
+                <a:solidFill>
+                  <a:schemeClr val="dk1"/>
+                </a:solidFill>
+              </a:rPr>
+              <a:t>,</a:t>
+            </a:r>
+            <a:r>
+              <a:rPr lang="ko-KR" altLang="en-US" sz="2000">
+                <a:solidFill>
+                  <a:schemeClr val="dk1"/>
+                </a:solidFill>
+              </a:rPr>
+              <a:t> 차종의 정보를 받아야 한다</a:t>
+            </a:r>
+            <a:r>
+              <a:rPr lang="en-US" altLang="ko-KR" sz="2000">
+                <a:solidFill>
+                  <a:schemeClr val="dk1"/>
+                </a:solidFill>
+              </a:rPr>
+              <a:t>.</a:t>
+            </a:r>
+            <a:endParaRPr lang="ko-KR" altLang="en-US" sz="2000">
+              <a:solidFill>
+                <a:schemeClr val="dk1"/>
+              </a:solidFill>
+            </a:endParaRPr>
+          </a:p>
+          <a:p>
+            <a:pPr>
+              <a:defRPr/>
+            </a:pPr>
+            <a:r>
+              <a:rPr lang="ko-KR" altLang="en-US" sz="2000">
+                <a:solidFill>
+                  <a:schemeClr val="dk1"/>
+                </a:solidFill>
+              </a:rPr>
+              <a:t>  └ 중복되는 아이디는 가입이 되어선 안된다</a:t>
+            </a:r>
+            <a:r>
+              <a:rPr lang="en-US" altLang="ko-KR" sz="2000">
+                <a:solidFill>
+                  <a:schemeClr val="dk1"/>
+                </a:solidFill>
+              </a:rPr>
+              <a:t>.</a:t>
+            </a:r>
+            <a:endParaRPr lang="en-US" altLang="ko-KR" sz="2000">
+              <a:solidFill>
+                <a:schemeClr val="dk1"/>
+              </a:solidFill>
+            </a:endParaRPr>
+          </a:p>
+          <a:p>
+            <a:pPr>
+              <a:defRPr/>
+            </a:pPr>
+            <a:r>
+              <a:rPr lang="ko-KR" altLang="en-US" sz="2000">
+                <a:solidFill>
+                  <a:schemeClr val="dk1"/>
+                </a:solidFill>
+              </a:rPr>
+              <a:t>  └ 중복되는 아이디로 가입시도시 아이디 입력 오류 메세지가 출력되어야 한다</a:t>
+            </a:r>
+            <a:r>
+              <a:rPr lang="en-US" altLang="ko-KR" sz="2000">
+                <a:solidFill>
+                  <a:schemeClr val="dk1"/>
+                </a:solidFill>
+              </a:rPr>
+              <a:t>.</a:t>
+            </a:r>
+            <a:endParaRPr lang="en-US" altLang="ko-KR" sz="2000">
+              <a:solidFill>
+                <a:schemeClr val="dk1"/>
+              </a:solidFill>
+            </a:endParaRPr>
+          </a:p>
+          <a:p>
+            <a:pPr>
+              <a:defRPr/>
+            </a:pPr>
+            <a:r>
+              <a:rPr lang="ko-KR" altLang="en-US" sz="2000">
+                <a:solidFill>
+                  <a:schemeClr val="dk1"/>
+                </a:solidFill>
+              </a:rPr>
+              <a:t>  └ 비밀번호는 특수문자 포함 </a:t>
+            </a:r>
+            <a:r>
+              <a:rPr lang="en-US" altLang="ko-KR" sz="2000">
+                <a:solidFill>
+                  <a:schemeClr val="dk1"/>
+                </a:solidFill>
+              </a:rPr>
+              <a:t>8</a:t>
+            </a:r>
+            <a:r>
+              <a:rPr lang="ko-KR" altLang="en-US" sz="2000">
+                <a:solidFill>
+                  <a:schemeClr val="dk1"/>
+                </a:solidFill>
+              </a:rPr>
+              <a:t>자리 이상 </a:t>
+            </a:r>
+            <a:r>
+              <a:rPr lang="en-US" altLang="ko-KR" sz="2000">
+                <a:solidFill>
+                  <a:schemeClr val="dk1"/>
+                </a:solidFill>
+              </a:rPr>
+              <a:t>12</a:t>
+            </a:r>
+            <a:r>
+              <a:rPr lang="ko-KR" altLang="en-US" sz="2000">
+                <a:solidFill>
+                  <a:schemeClr val="dk1"/>
+                </a:solidFill>
+              </a:rPr>
+              <a:t>자리 이하 이어야 한다</a:t>
+            </a:r>
+            <a:r>
+              <a:rPr lang="en-US" altLang="ko-KR" sz="2000">
+                <a:solidFill>
+                  <a:schemeClr val="dk1"/>
+                </a:solidFill>
+              </a:rPr>
+              <a:t>.</a:t>
+            </a:r>
+            <a:r>
+              <a:rPr lang="ko-KR" altLang="en-US" sz="2000">
+                <a:solidFill>
+                  <a:schemeClr val="dk1"/>
+                </a:solidFill>
+              </a:rPr>
+              <a:t> </a:t>
+            </a:r>
+            <a:endParaRPr lang="ko-KR" altLang="en-US" sz="2000">
+              <a:solidFill>
+                <a:schemeClr val="dk1"/>
+              </a:solidFill>
+            </a:endParaRPr>
+          </a:p>
+          <a:p>
+            <a:pPr>
+              <a:defRPr/>
+            </a:pPr>
+            <a:r>
+              <a:rPr lang="ko-KR" altLang="en-US" sz="2000">
+                <a:solidFill>
+                  <a:schemeClr val="dk1"/>
+                </a:solidFill>
+              </a:rPr>
+              <a:t>  └ 회원가입을 위해 시도한 비밀번호가 </a:t>
+            </a:r>
+            <a:r>
+              <a:rPr lang="en-US" altLang="ko-KR" sz="2000">
+                <a:solidFill>
+                  <a:schemeClr val="dk1"/>
+                </a:solidFill>
+              </a:rPr>
+              <a:t>7</a:t>
+            </a:r>
+            <a:r>
+              <a:rPr lang="ko-KR" altLang="en-US" sz="2000">
+                <a:solidFill>
+                  <a:schemeClr val="dk1"/>
+                </a:solidFill>
+              </a:rPr>
+              <a:t>자리 이하이거나 </a:t>
+            </a:r>
+            <a:r>
+              <a:rPr lang="en-US" altLang="ko-KR" sz="2000">
+                <a:solidFill>
+                  <a:schemeClr val="dk1"/>
+                </a:solidFill>
+              </a:rPr>
+              <a:t>13</a:t>
+            </a:r>
+            <a:r>
+              <a:rPr lang="ko-KR" altLang="en-US" sz="2000">
+                <a:solidFill>
+                  <a:schemeClr val="dk1"/>
+                </a:solidFill>
+              </a:rPr>
+              <a:t>자리 이상일 경우 입력 오류 메세지가 출력되어야 한다</a:t>
+            </a:r>
+            <a:endParaRPr lang="ko-KR" altLang="en-US" sz="2000">
+              <a:solidFill>
+                <a:schemeClr val="dk1"/>
+              </a:solidFill>
+            </a:endParaRPr>
+          </a:p>
+          <a:p>
+            <a:pPr>
+              <a:defRPr/>
+            </a:pPr>
+            <a:endParaRPr lang="ko-KR" altLang="en-US" sz="2000">
+              <a:solidFill>
+                <a:schemeClr val="dk1"/>
+              </a:solidFill>
+            </a:endParaRPr>
+          </a:p>
+          <a:p>
+            <a:pPr>
+              <a:defRPr/>
+            </a:pPr>
+            <a:r>
+              <a:rPr lang="ko-KR" altLang="en-US" sz="2000">
+                <a:solidFill>
+                  <a:schemeClr val="dk1"/>
+                </a:solidFill>
+              </a:rPr>
+              <a:t> </a:t>
+            </a:r>
+            <a:r>
+              <a:rPr lang="en-US" altLang="ko-KR" sz="2000">
+                <a:solidFill>
+                  <a:schemeClr val="dk1"/>
+                </a:solidFill>
+              </a:rPr>
+              <a:t>-</a:t>
+            </a:r>
+            <a:r>
+              <a:rPr lang="ko-KR" altLang="en-US" sz="2000">
+                <a:solidFill>
+                  <a:schemeClr val="dk1"/>
+                </a:solidFill>
+              </a:rPr>
+              <a:t> 사용자 정보를 관리할 </a:t>
+            </a:r>
+            <a:r>
+              <a:rPr lang="en-US" altLang="ko-KR" sz="2000">
+                <a:solidFill>
+                  <a:schemeClr val="dk1"/>
+                </a:solidFill>
+              </a:rPr>
+              <a:t>DB</a:t>
+            </a:r>
+            <a:r>
+              <a:rPr lang="ko-KR" altLang="en-US" sz="2000">
+                <a:solidFill>
+                  <a:schemeClr val="dk1"/>
+                </a:solidFill>
+              </a:rPr>
+              <a:t>의 필요</a:t>
+            </a:r>
+            <a:endParaRPr lang="ko-KR" altLang="en-US" sz="2000">
+              <a:solidFill>
+                <a:schemeClr val="dk1"/>
+              </a:solidFill>
+            </a:endParaRPr>
+          </a:p>
+          <a:p>
+            <a:pPr>
+              <a:defRPr/>
+            </a:pPr>
+            <a:r>
+              <a:rPr lang="ko-KR" altLang="en-US" sz="2000">
+                <a:solidFill>
+                  <a:schemeClr val="dk1"/>
+                </a:solidFill>
+              </a:rPr>
+              <a:t>  └ 회원가입시 필요한 정보 및 소유한 차량의 정보를 포함해야 한다</a:t>
+            </a:r>
+            <a:r>
+              <a:rPr lang="en-US" altLang="ko-KR" sz="2000">
+                <a:solidFill>
+                  <a:schemeClr val="dk1"/>
+                </a:solidFill>
+              </a:rPr>
+              <a:t>.</a:t>
+            </a:r>
+            <a:endParaRPr lang="en-US" altLang="ko-KR" sz="2000">
+              <a:solidFill>
+                <a:schemeClr val="dk1"/>
+              </a:solidFill>
+            </a:endParaRPr>
+          </a:p>
+          <a:p>
+            <a:pPr>
+              <a:defRPr/>
+            </a:pPr>
+            <a:r>
+              <a:rPr lang="ko-KR" altLang="en-US" sz="2000">
+                <a:solidFill>
+                  <a:schemeClr val="dk1"/>
+                </a:solidFill>
+              </a:rPr>
+              <a:t>  └ 소유한 차량이 여러 대의 경우 차량의 정보를 추가할 수 있어야 한다</a:t>
+            </a:r>
+            <a:r>
+              <a:rPr lang="en-US" altLang="ko-KR" sz="2000">
+                <a:solidFill>
+                  <a:schemeClr val="dk1"/>
+                </a:solidFill>
+              </a:rPr>
+              <a:t>.</a:t>
+            </a:r>
+            <a:endParaRPr lang="en-US" altLang="ko-KR" sz="2000">
+              <a:solidFill>
+                <a:schemeClr val="dk1"/>
+              </a:solidFill>
+            </a:endParaRPr>
+          </a:p>
+          <a:p>
+            <a:pPr>
+              <a:defRPr/>
+            </a:pPr>
+            <a:endParaRPr lang="en-US" altLang="ko-KR" sz="2000">
+              <a:solidFill>
+                <a:schemeClr val="dk1"/>
+              </a:solidFill>
+            </a:endParaRPr>
+          </a:p>
+          <a:p>
+            <a:pPr>
+              <a:defRPr/>
+            </a:pPr>
+            <a:r>
+              <a:rPr lang="ko-KR" altLang="en-US" sz="2000">
+                <a:solidFill>
+                  <a:schemeClr val="dk1"/>
+                </a:solidFill>
+              </a:rPr>
+              <a:t> </a:t>
+            </a:r>
+            <a:r>
+              <a:rPr lang="en-US" altLang="ko-KR" sz="2000">
+                <a:solidFill>
+                  <a:schemeClr val="dk1"/>
+                </a:solidFill>
+              </a:rPr>
+              <a:t>-</a:t>
+            </a:r>
+            <a:r>
+              <a:rPr lang="ko-KR" altLang="en-US" sz="2000">
+                <a:solidFill>
+                  <a:schemeClr val="dk1"/>
+                </a:solidFill>
+              </a:rPr>
+              <a:t> 무결성</a:t>
+            </a:r>
+            <a:endParaRPr lang="ko-KR" altLang="en-US" sz="2000">
+              <a:solidFill>
+                <a:schemeClr val="dk1"/>
+              </a:solidFill>
+            </a:endParaRPr>
+          </a:p>
+          <a:p>
+            <a:pPr>
+              <a:defRPr/>
+            </a:pPr>
+            <a:r>
+              <a:rPr lang="ko-KR" altLang="en-US" sz="2000">
+                <a:solidFill>
+                  <a:schemeClr val="dk1"/>
+                </a:solidFill>
+              </a:rPr>
+              <a:t>  └ </a:t>
+            </a:r>
+            <a:r>
+              <a:rPr lang="en-US" altLang="ko-KR" sz="2000">
+                <a:solidFill>
+                  <a:schemeClr val="dk1"/>
+                </a:solidFill>
+              </a:rPr>
+              <a:t>APP</a:t>
+            </a:r>
+            <a:r>
+              <a:rPr lang="ko-KR" altLang="en-US" sz="2000">
+                <a:solidFill>
+                  <a:schemeClr val="dk1"/>
+                </a:solidFill>
+              </a:rPr>
+              <a:t> 종료시 입력된 데이터는 변조가 없어야 한다</a:t>
+            </a:r>
+            <a:r>
+              <a:rPr lang="en-US" altLang="ko-KR" sz="2000">
+                <a:solidFill>
+                  <a:schemeClr val="dk1"/>
+                </a:solidFill>
+              </a:rPr>
+              <a:t>.</a:t>
+            </a:r>
+            <a:endParaRPr lang="en-US" altLang="ko-KR" sz="2000">
+              <a:solidFill>
+                <a:schemeClr val="dk1"/>
+              </a:solidFill>
+            </a:endParaRPr>
+          </a:p>
+          <a:p>
+            <a:pPr>
+              <a:defRPr/>
+            </a:pPr>
+            <a:r>
+              <a:rPr lang="ko-KR" altLang="en-US" sz="2000">
+                <a:solidFill>
+                  <a:schemeClr val="dk1"/>
+                </a:solidFill>
+              </a:rPr>
+              <a:t>  └ </a:t>
+            </a:r>
+            <a:endParaRPr lang="ko-KR" altLang="en-US" sz="2000">
+              <a:solidFill>
+                <a:schemeClr val="dk1"/>
+              </a:solidFill>
+            </a:endParaRPr>
+          </a:p>
+        </p:txBody>
+      </p:sp>
+    </p:spTree>
+  </p:cSld>
+  <p:clrMapOvr>
+    <a:masterClrMapping/>
+  </p:clrMapOvr>
+  <mc:AlternateContent xmlns:mc="http://schemas.openxmlformats.org/markup-compatibility/2006">
+    <mc:Choice xmlns:p14="http://schemas.microsoft.com/office/powerpoint/2010/main" Requires="p14">
+      <p:transition xmlns:mc="http://schemas.openxmlformats.org/markup-compatibility/2006" xmlns:p14="http://schemas.microsoft.com/office/powerpoint/2010/main" mc:Ignorable="p14" p14:dur="500"/>
+    </mc:Choice>
+    <mc:Fallback>
+      <p:transition/>
+    </mc:Fallback>
+  </mc:AlternateContent>
+</p:sld>
+</file>
+
+<file path=ppt/slides/slide17.xml><?xml version="1.0" encoding="utf-8"?>
+<p:sld xmlns:r="http://schemas.openxmlformats.org/officeDocument/2006/relationships" xmlns:c="http://schemas.openxmlformats.org/drawingml/2006/chart" xmlns:a="http://schemas.openxmlformats.org/drawingml/2006/main" xmlns:dgm="http://schemas.openxmlformats.org/drawingml/2006/diagram" xmlns:dsp="http://schemas.microsoft.com/office/drawing/2008/diagram" xmlns:p="http://schemas.openxmlformats.org/presentationml/2006/main">
+  <p:cSld>
+    <p:spTree>
+      <p:nvGrpSpPr>
+        <p:cNvPr id="1" name=""/>
+        <p:cNvGrpSpPr/>
+        <p:nvPr/>
+      </p:nvGrpSpPr>
+      <p:grpSpPr>
+        <a:xfrm>
+          <a:off x="0" y="0"/>
+          <a:ext cx="0" cy="0"/>
+          <a:chOff x="0" y="0"/>
+          <a:chExt cx="0" cy="0"/>
+        </a:xfrm>
+      </p:grpSpPr>
+      <p:sp>
+        <p:nvSpPr>
+          <p:cNvPr id="5" name=""/>
+          <p:cNvSpPr/>
+          <p:nvPr/>
+        </p:nvSpPr>
+        <p:spPr>
+          <a:xfrm>
+            <a:off x="0" y="1377461"/>
+            <a:ext cx="12192000" cy="5480538"/>
+          </a:xfrm>
+          <a:prstGeom prst="rect">
+            <a:avLst/>
+          </a:prstGeom>
+          <a:noFill/>
+          <a:ln>
+            <a:noFill/>
+          </a:ln>
+        </p:spPr>
+        <p:style>
+          <a:lnRef idx="2">
+            <a:schemeClr val="accent1">
+              <a:shade val="20000"/>
+            </a:schemeClr>
+          </a:lnRef>
+          <a:fillRef idx="1">
+            <a:schemeClr val="accent1"/>
+          </a:fillRef>
+          <a:effectRef idx="0">
+            <a:schemeClr val="accent1"/>
+          </a:effectRef>
+          <a:fontRef idx="minor">
+            <a:schemeClr val="lt1"/>
+          </a:fontRef>
+        </p:style>
+        <p:txBody>
+          <a:bodyPr anchor="ctr"/>
+          <a:p>
+            <a:pPr>
+              <a:defRPr/>
+            </a:pPr>
+            <a:r>
+              <a:rPr lang="ko-KR" altLang="en-US" sz="2000">
+                <a:solidFill>
+                  <a:schemeClr val="dk1"/>
+                </a:solidFill>
+              </a:rPr>
+              <a:t>요구 분석 명세서에는 시스템의 기능이 무엇인지(what)에만 초점을 두어 정리하고 어떻게(how) 구현할지는 기술하지 않는다</a:t>
+            </a:r>
+            <a:endParaRPr lang="ko-KR" altLang="en-US" sz="2000">
+              <a:solidFill>
+                <a:schemeClr val="dk1"/>
+              </a:solidFill>
+            </a:endParaRPr>
+          </a:p>
+          <a:p>
+            <a:pPr>
+              <a:defRPr/>
+            </a:pPr>
+            <a:endParaRPr lang="ko-KR" altLang="en-US" sz="2000">
+              <a:solidFill>
+                <a:schemeClr val="dk1"/>
+              </a:solidFill>
+            </a:endParaRPr>
+          </a:p>
+          <a:p>
+            <a:pPr>
+              <a:defRPr/>
+            </a:pPr>
+            <a:r>
+              <a:rPr lang="ko-KR" altLang="en-US" sz="2000">
+                <a:solidFill>
+                  <a:schemeClr val="dk1"/>
+                </a:solidFill>
+              </a:rPr>
+              <a:t> </a:t>
+            </a:r>
+            <a:r>
+              <a:rPr lang="en-US" altLang="ko-KR" sz="2000">
+                <a:solidFill>
+                  <a:schemeClr val="dk1"/>
+                </a:solidFill>
+              </a:rPr>
+              <a:t>-</a:t>
+            </a:r>
+            <a:r>
+              <a:rPr lang="ko-KR" altLang="en-US" sz="2000">
+                <a:solidFill>
+                  <a:schemeClr val="dk1"/>
+                </a:solidFill>
+              </a:rPr>
+              <a:t> 달력 부분</a:t>
+            </a:r>
+            <a:endParaRPr lang="ko-KR" altLang="en-US" sz="2000">
+              <a:solidFill>
+                <a:schemeClr val="dk1"/>
+              </a:solidFill>
+            </a:endParaRPr>
+          </a:p>
+          <a:p>
+            <a:pPr>
+              <a:defRPr/>
+            </a:pPr>
+            <a:r>
+              <a:rPr lang="ko-KR" altLang="en-US" sz="2000">
+                <a:solidFill>
+                  <a:schemeClr val="dk1"/>
+                </a:solidFill>
+              </a:rPr>
+              <a:t> </a:t>
+            </a:r>
+            <a:r>
+              <a:rPr lang="en-US" altLang="ko-KR" sz="2000">
+                <a:solidFill>
+                  <a:schemeClr val="dk1"/>
+                </a:solidFill>
+              </a:rPr>
+              <a:t>-</a:t>
+            </a:r>
+            <a:r>
+              <a:rPr lang="ko-KR" altLang="en-US" sz="2000">
+                <a:solidFill>
+                  <a:schemeClr val="dk1"/>
+                </a:solidFill>
+              </a:rPr>
+              <a:t> 부품 교체 예상 비용</a:t>
+            </a:r>
+            <a:endParaRPr lang="ko-KR" altLang="en-US" sz="2000">
+              <a:solidFill>
+                <a:schemeClr val="dk1"/>
+              </a:solidFill>
+            </a:endParaRPr>
+          </a:p>
+          <a:p>
+            <a:pPr>
+              <a:defRPr/>
+            </a:pPr>
+            <a:r>
+              <a:rPr lang="ko-KR" altLang="en-US" sz="2000">
+                <a:solidFill>
+                  <a:schemeClr val="dk1"/>
+                </a:solidFill>
+              </a:rPr>
+              <a:t>  └ 교체할 부품을 선택 받아야한다</a:t>
+            </a:r>
+            <a:r>
+              <a:rPr lang="en-US" altLang="ko-KR" sz="2000">
+                <a:solidFill>
+                  <a:schemeClr val="dk1"/>
+                </a:solidFill>
+              </a:rPr>
+              <a:t>.</a:t>
+            </a:r>
+            <a:endParaRPr lang="en-US" altLang="ko-KR" sz="2000">
+              <a:solidFill>
+                <a:schemeClr val="dk1"/>
+              </a:solidFill>
+            </a:endParaRPr>
+          </a:p>
+          <a:p>
+            <a:pPr>
+              <a:defRPr/>
+            </a:pPr>
+            <a:r>
+              <a:rPr lang="ko-KR" altLang="en-US" sz="2000">
+                <a:solidFill>
+                  <a:schemeClr val="dk1"/>
+                </a:solidFill>
+              </a:rPr>
+              <a:t>  └ 선택 된 부품은 값의 변조 없이 알맞은 값이 저장되어야 한다</a:t>
+            </a:r>
+            <a:r>
+              <a:rPr lang="en-US" altLang="ko-KR" sz="2000">
+                <a:solidFill>
+                  <a:schemeClr val="dk1"/>
+                </a:solidFill>
+              </a:rPr>
+              <a:t>.</a:t>
+            </a:r>
+            <a:endParaRPr lang="en-US" altLang="ko-KR" sz="2000">
+              <a:solidFill>
+                <a:schemeClr val="dk1"/>
+              </a:solidFill>
+            </a:endParaRPr>
+          </a:p>
+          <a:p>
+            <a:pPr>
+              <a:defRPr/>
+            </a:pPr>
+            <a:r>
+              <a:rPr lang="ko-KR" altLang="en-US" sz="2000">
+                <a:solidFill>
+                  <a:schemeClr val="dk1"/>
+                </a:solidFill>
+              </a:rPr>
+              <a:t>  └ </a:t>
+            </a:r>
+            <a:endParaRPr lang="en-US" altLang="ko-KR" sz="2000">
+              <a:solidFill>
+                <a:schemeClr val="dk1"/>
+              </a:solidFill>
+            </a:endParaRPr>
+          </a:p>
+          <a:p>
+            <a:pPr marL="0" indent="0" algn="l" defTabSz="914400" rtl="0" eaLnBrk="1" latinLnBrk="1" hangingPunct="1">
+              <a:lnSpc>
+                <a:spcPct val="100000"/>
+              </a:lnSpc>
+              <a:spcBef>
+                <a:spcPct val="0"/>
+              </a:spcBef>
+              <a:spcAft>
+                <a:spcPts val="0"/>
+              </a:spcAft>
+              <a:buNone/>
+              <a:defRPr/>
+            </a:pPr>
+            <a:r>
+              <a:rPr lang="ko-KR" altLang="en-US" sz="2000">
+                <a:solidFill>
+                  <a:schemeClr val="dk1"/>
+                </a:solidFill>
+              </a:rPr>
+              <a:t> </a:t>
+            </a:r>
+            <a:r>
+              <a:rPr lang="en-US" altLang="ko-KR" sz="2000">
+                <a:solidFill>
+                  <a:schemeClr val="dk1"/>
+                </a:solidFill>
+              </a:rPr>
+              <a:t>-</a:t>
+            </a:r>
+            <a:r>
+              <a:rPr lang="ko-KR" altLang="en-US" sz="2000">
+                <a:solidFill>
+                  <a:schemeClr val="dk1"/>
+                </a:solidFill>
+              </a:rPr>
+              <a:t> 부품 별 관리</a:t>
+            </a:r>
+            <a:endParaRPr lang="ko-KR" altLang="en-US" sz="2000">
+              <a:solidFill>
+                <a:schemeClr val="dk1"/>
+              </a:solidFill>
+            </a:endParaRPr>
+          </a:p>
+        </p:txBody>
+      </p:sp>
+      <p:sp>
+        <p:nvSpPr>
+          <p:cNvPr id="6" name="직사각형 9"/>
+          <p:cNvSpPr/>
+          <p:nvPr/>
+        </p:nvSpPr>
+        <p:spPr>
+          <a:xfrm>
+            <a:off x="0" y="0"/>
+            <a:ext cx="12192001" cy="1338109"/>
+          </a:xfrm>
+          <a:prstGeom prst="rect">
+            <a:avLst/>
+          </a:prstGeom>
+          <a:solidFill>
+            <a:schemeClr val="accent1">
+              <a:lumMod val="75000"/>
+            </a:schemeClr>
+          </a:solidFill>
+          <a:ln>
+            <a:noFill/>
+          </a:ln>
+        </p:spPr>
+        <p:style>
+          <a:lnRef idx="2">
+            <a:schemeClr val="accent1">
+              <a:shade val="50000"/>
+            </a:schemeClr>
+          </a:lnRef>
+          <a:fillRef idx="1">
+            <a:schemeClr val="accent1"/>
+          </a:fillRef>
+          <a:effectRef idx="0">
+            <a:schemeClr val="accent1"/>
+          </a:effectRef>
+          <a:fontRef idx="minor">
+            <a:schemeClr val="lt1"/>
+          </a:fontRef>
+        </p:style>
+        <p:txBody>
+          <a:bodyPr anchor="ctr"/>
+          <a:lstStyle/>
+          <a:p>
+            <a:pPr>
+              <a:defRPr/>
+            </a:pPr>
+            <a:r>
+              <a:rPr kumimoji="1" lang="en-US" altLang="ko-KR" sz="4800"/>
+              <a:t>2-1.</a:t>
+            </a:r>
+            <a:r>
+              <a:rPr kumimoji="1" lang="ko-KR" altLang="en-US" sz="4800"/>
+              <a:t> 요구사항 정의 및 분석</a:t>
+            </a:r>
+            <a:endParaRPr kumimoji="1" lang="ko-KR" altLang="en-US" sz="4800"/>
+          </a:p>
+        </p:txBody>
+      </p:sp>
+    </p:spTree>
+  </p:cSld>
+  <p:clrMapOvr>
+    <a:masterClrMapping/>
+  </p:clrMapOvr>
+  <mc:AlternateContent xmlns:mc="http://schemas.openxmlformats.org/markup-compatibility/2006">
+    <mc:Choice xmlns:p14="http://schemas.microsoft.com/office/powerpoint/2010/main" Requires="p14">
+      <p:transition xmlns:mc="http://schemas.openxmlformats.org/markup-compatibility/2006" xmlns:p14="http://schemas.microsoft.com/office/powerpoint/2010/main" mc:Ignorable="p14" p14:dur="500"/>
+    </mc:Choice>
+    <mc:Fallback>
+      <p:transition/>
+    </mc:Fallback>
+  </mc:AlternateContent>
+</p:sld>
+</file>
+
+<file path=ppt/slides/slide18.xml><?xml version="1.0" encoding="utf-8"?>
+<p:sld xmlns:r="http://schemas.openxmlformats.org/officeDocument/2006/relationships" xmlns:c="http://schemas.openxmlformats.org/drawingml/2006/chart" xmlns:a="http://schemas.openxmlformats.org/drawingml/2006/main" xmlns:dgm="http://schemas.openxmlformats.org/drawingml/2006/diagram" xmlns:dsp="http://schemas.microsoft.com/office/drawing/2008/diagram" xmlns:p="http://schemas.openxmlformats.org/presentationml/2006/main">
+  <p:cSld>
+    <p:spTree>
+      <p:nvGrpSpPr>
+        <p:cNvPr id="1" name=""/>
+        <p:cNvGrpSpPr/>
+        <p:nvPr/>
+      </p:nvGrpSpPr>
+      <p:grpSpPr>
+        <a:xfrm>
+          <a:off x="0" y="0"/>
+          <a:ext cx="0" cy="0"/>
+          <a:chOff x="0" y="0"/>
+          <a:chExt cx="0" cy="0"/>
+        </a:xfrm>
+      </p:grpSpPr>
+      <p:sp>
+        <p:nvSpPr>
           <p:cNvPr id="2" name="제목 1"/>
           <p:cNvSpPr>
             <a:spLocks noGrp="1"/>
@@ -6490,7 +7933,7 @@
         </p:nvSpPr>
         <p:spPr>
           <a:xfrm>
-            <a:off x="9525" y="187324"/>
+            <a:off x="0" y="0"/>
             <a:ext cx="11061700" cy="1325563"/>
           </a:xfrm>
           <a:solidFill>
@@ -6542,9 +7985,13 @@
             </a:pPr>
             <a:r>
               <a:rPr lang="ko-KR" altLang="en-US" sz="2000"/>
-              <a:t>지속적 피드백</a:t>
-            </a:r>
-            <a:endParaRPr lang="ko-KR" altLang="en-US" sz="2000"/>
+              <a:t>회원 정보를 담은 </a:t>
+            </a:r>
+            <a:r>
+              <a:rPr lang="en-US" altLang="ko-KR" sz="2000"/>
+              <a:t>DB</a:t>
+            </a:r>
+            <a:endParaRPr lang="en-US" altLang="ko-KR" sz="2000"/>
           </a:p>
           <a:p>
             <a:pPr marL="0" lvl="0" indent="0">
@@ -6573,7 +8020,7 @@
                   <a:srgbClr val="ff843a"/>
                 </a:solidFill>
               </a:rPr>
-              <a:t> </a:t>
+              <a:t> 회원가입을 하게 되면 회원의 차종</a:t>
             </a:r>
             <a:r>
               <a:rPr lang="en-US" altLang="ko-KR" sz="2000">
@@ -6581,7 +8028,7 @@
                   <a:srgbClr val="ff843a"/>
                 </a:solidFill>
               </a:rPr>
-              <a:t>Google Playstore</a:t>
+              <a:t>,</a:t>
             </a:r>
             <a:r>
               <a:rPr lang="ko-KR" altLang="en-US" sz="2000">
@@ -6589,7 +8036,55 @@
                   <a:srgbClr val="ff843a"/>
                 </a:solidFill>
               </a:rPr>
-              <a:t>의 댓글 이용</a:t>
+              <a:t> 각각의 차량에 대한 정보</a:t>
+            </a:r>
+            <a:r>
+              <a:rPr lang="en-US" altLang="ko-KR" sz="2000">
+                <a:solidFill>
+                  <a:srgbClr val="ff843a"/>
+                </a:solidFill>
+              </a:rPr>
+              <a:t>(</a:t>
+            </a:r>
+            <a:r>
+              <a:rPr lang="ko-KR" altLang="en-US" sz="2000">
+                <a:solidFill>
+                  <a:srgbClr val="ff843a"/>
+                </a:solidFill>
+              </a:rPr>
+              <a:t>주행거리</a:t>
+            </a:r>
+            <a:r>
+              <a:rPr lang="en-US" altLang="ko-KR" sz="2000">
+                <a:solidFill>
+                  <a:srgbClr val="ff843a"/>
+                </a:solidFill>
+              </a:rPr>
+              <a:t>,</a:t>
+            </a:r>
+            <a:r>
+              <a:rPr lang="ko-KR" altLang="en-US" sz="2000">
+                <a:solidFill>
+                  <a:srgbClr val="ff843a"/>
+                </a:solidFill>
+              </a:rPr>
+              <a:t> 연식 등</a:t>
+            </a:r>
+            <a:r>
+              <a:rPr lang="en-US" altLang="ko-KR" sz="2000">
+                <a:solidFill>
+                  <a:srgbClr val="ff843a"/>
+                </a:solidFill>
+              </a:rPr>
+              <a:t>)</a:t>
+            </a:r>
+            <a:r>
+              <a:rPr lang="ko-KR" altLang="en-US" sz="2000">
+                <a:solidFill>
+                  <a:srgbClr val="ff843a"/>
+                </a:solidFill>
+              </a:rPr>
+              <a:t>가 저장되어야 함</a:t>
             </a:r>
             <a:endParaRPr lang="ko-KR" altLang="en-US" sz="2000">
               <a:solidFill>
@@ -6624,8 +8119,337 @@
                   <a:srgbClr val="ff843a"/>
                 </a:solidFill>
               </a:rPr>
+              <a:t> 회원 가입시 필요한 정보 </a:t>
+            </a:r>
+            <a:r>
+              <a:rPr lang="en-US" altLang="ko-KR" sz="2000">
+                <a:solidFill>
+                  <a:srgbClr val="ff843a"/>
+                </a:solidFill>
+              </a:rPr>
+              <a:t>(</a:t>
+            </a:r>
+            <a:r>
+              <a:rPr lang="ko-KR" altLang="en-US" sz="2000">
+                <a:solidFill>
+                  <a:srgbClr val="ff843a"/>
+                </a:solidFill>
+              </a:rPr>
+              <a:t>아이디</a:t>
+            </a:r>
+            <a:r>
+              <a:rPr lang="en-US" altLang="ko-KR" sz="2000">
+                <a:solidFill>
+                  <a:srgbClr val="ff843a"/>
+                </a:solidFill>
+              </a:rPr>
+              <a:t>,</a:t>
+            </a:r>
+            <a:r>
+              <a:rPr lang="ko-KR" altLang="en-US" sz="2000">
+                <a:solidFill>
+                  <a:srgbClr val="ff843a"/>
+                </a:solidFill>
+              </a:rPr>
+              <a:t> 비밀번호</a:t>
+            </a:r>
+            <a:r>
+              <a:rPr lang="en-US" altLang="ko-KR" sz="2000">
+                <a:solidFill>
+                  <a:srgbClr val="ff843a"/>
+                </a:solidFill>
+              </a:rPr>
+              <a:t>,</a:t>
+            </a:r>
+            <a:r>
+              <a:rPr lang="ko-KR" altLang="en-US" sz="2000">
+                <a:solidFill>
+                  <a:srgbClr val="ff843a"/>
+                </a:solidFill>
+              </a:rPr>
+              <a:t> 이름</a:t>
+            </a:r>
+            <a:r>
+              <a:rPr lang="en-US" altLang="ko-KR" sz="2000">
+                <a:solidFill>
+                  <a:srgbClr val="ff843a"/>
+                </a:solidFill>
+              </a:rPr>
+              <a:t>,</a:t>
+            </a:r>
+            <a:r>
+              <a:rPr lang="ko-KR" altLang="en-US" sz="2000">
+                <a:solidFill>
+                  <a:srgbClr val="ff843a"/>
+                </a:solidFill>
+              </a:rPr>
+              <a:t> 생년월일</a:t>
+            </a:r>
+            <a:r>
+              <a:rPr lang="en-US" altLang="ko-KR" sz="2000">
+                <a:solidFill>
+                  <a:srgbClr val="ff843a"/>
+                </a:solidFill>
+              </a:rPr>
+              <a:t>,</a:t>
+            </a:r>
+            <a:r>
+              <a:rPr lang="ko-KR" altLang="en-US" sz="2000">
+                <a:solidFill>
+                  <a:srgbClr val="ff843a"/>
+                </a:solidFill>
+              </a:rPr>
+              <a:t> 전화번호</a:t>
+            </a:r>
+            <a:r>
+              <a:rPr lang="en-US" altLang="ko-KR" sz="2000">
+                <a:solidFill>
+                  <a:srgbClr val="ff843a"/>
+                </a:solidFill>
+              </a:rPr>
+              <a:t>,</a:t>
+            </a:r>
+            <a:r>
+              <a:rPr lang="ko-KR" altLang="en-US" sz="2000">
+                <a:solidFill>
+                  <a:srgbClr val="ff843a"/>
+                </a:solidFill>
+              </a:rPr>
+              <a:t> 차량에 대한 정보</a:t>
+            </a:r>
+            <a:r>
+              <a:rPr lang="en-US" altLang="ko-KR" sz="2000">
+                <a:solidFill>
+                  <a:srgbClr val="ff843a"/>
+                </a:solidFill>
+              </a:rPr>
+              <a:t>)</a:t>
+            </a:r>
+            <a:r>
+              <a:rPr lang="ko-KR" altLang="en-US" sz="2000">
+                <a:solidFill>
+                  <a:srgbClr val="ff843a"/>
+                </a:solidFill>
+              </a:rPr>
+              <a:t>를 포함해야 함</a:t>
+            </a:r>
+            <a:endParaRPr lang="ko-KR" altLang="en-US" sz="2000">
+              <a:solidFill>
+                <a:srgbClr val="ff843a"/>
+              </a:solidFill>
+            </a:endParaRPr>
+          </a:p>
+          <a:p>
+            <a:pPr lvl="0">
+              <a:defRPr/>
+            </a:pPr>
+            <a:r>
+              <a:rPr lang="ko-KR" altLang="en-US" sz="2000"/>
+              <a:t>차종 별 다른 데이터 제공</a:t>
+            </a:r>
+            <a:endParaRPr lang="ko-KR" altLang="en-US" sz="2000"/>
+          </a:p>
+          <a:p>
+            <a:pPr marL="0" lvl="0" indent="0">
+              <a:buNone/>
+              <a:defRPr/>
+            </a:pPr>
+            <a:r>
+              <a:rPr lang="ko-KR" altLang="en-US" sz="2000">
+                <a:solidFill>
+                  <a:srgbClr val="ff843a"/>
+                </a:solidFill>
+              </a:rPr>
               <a:t> </a:t>
             </a:r>
+            <a:r>
+              <a:rPr lang="en-US" altLang="ko-KR" sz="2000">
+                <a:solidFill>
+                  <a:srgbClr val="ff843a"/>
+                </a:solidFill>
+              </a:rPr>
+              <a:t>-</a:t>
+            </a:r>
+            <a:r>
+              <a:rPr lang="ko-KR" altLang="en-US" sz="2000">
+                <a:solidFill>
+                  <a:srgbClr val="ff843a"/>
+                </a:solidFill>
+              </a:rPr>
+              <a:t> </a:t>
+            </a:r>
+            <a:r>
+              <a:rPr lang="en-US" altLang="ko-KR" sz="2000">
+                <a:solidFill>
+                  <a:srgbClr val="ff843a"/>
+                </a:solidFill>
+              </a:rPr>
+              <a:t>SUV, </a:t>
+            </a:r>
+            <a:r>
+              <a:rPr lang="ko-KR" altLang="en-US" sz="2000">
+                <a:solidFill>
+                  <a:srgbClr val="ff843a"/>
+                </a:solidFill>
+              </a:rPr>
+              <a:t>승용차 등등 각 차종의 부품의 가격</a:t>
+            </a:r>
+            <a:r>
+              <a:rPr lang="en-US" altLang="ko-KR" sz="2000">
+                <a:solidFill>
+                  <a:srgbClr val="ff843a"/>
+                </a:solidFill>
+              </a:rPr>
+              <a:t>,</a:t>
+            </a:r>
+            <a:r>
+              <a:rPr lang="ko-KR" altLang="en-US" sz="2000">
+                <a:solidFill>
+                  <a:srgbClr val="ff843a"/>
+                </a:solidFill>
+              </a:rPr>
+              <a:t> 종류 다름</a:t>
+            </a:r>
+            <a:endParaRPr lang="ko-KR" altLang="en-US" sz="2000">
+              <a:solidFill>
+                <a:srgbClr val="ff843a"/>
+              </a:solidFill>
+            </a:endParaRPr>
+          </a:p>
+          <a:p>
+            <a:pPr marL="0" lvl="0" indent="0">
+              <a:buNone/>
+              <a:defRPr/>
+            </a:pPr>
+            <a:r>
+              <a:rPr lang="ko-KR" altLang="en-US" sz="2000">
+                <a:solidFill>
+                  <a:srgbClr val="ff843a"/>
+                </a:solidFill>
+              </a:rPr>
+              <a:t> </a:t>
+            </a:r>
+            <a:r>
+              <a:rPr lang="en-US" altLang="ko-KR" sz="2000">
+                <a:solidFill>
+                  <a:srgbClr val="ff843a"/>
+                </a:solidFill>
+              </a:rPr>
+              <a:t>-</a:t>
+            </a:r>
+            <a:r>
+              <a:rPr lang="ko-KR" altLang="en-US" sz="2000">
+                <a:solidFill>
+                  <a:srgbClr val="ff843a"/>
+                </a:solidFill>
+              </a:rPr>
+              <a:t> </a:t>
+            </a:r>
+            <a:endParaRPr lang="ko-KR" altLang="en-US" sz="2000">
+              <a:solidFill>
+                <a:srgbClr val="ff843a"/>
+              </a:solidFill>
+            </a:endParaRPr>
+          </a:p>
+          <a:p>
+            <a:pPr lvl="0">
+              <a:defRPr/>
+            </a:pPr>
+            <a:endParaRPr lang="ko-KR" altLang="en-US" sz="2000"/>
+          </a:p>
+          <a:p>
+            <a:pPr lvl="0">
+              <a:defRPr/>
+            </a:pPr>
+            <a:r>
+              <a:rPr lang="ko-KR" altLang="en-US" sz="2000"/>
+              <a:t>가까운 정비소 지도 자료 제공</a:t>
+            </a:r>
+            <a:endParaRPr lang="ko-KR" altLang="en-US" sz="2000"/>
+          </a:p>
+          <a:p>
+            <a:pPr marL="0" lvl="0" indent="0">
+              <a:buNone/>
+              <a:defRPr/>
+            </a:pPr>
+            <a:r>
+              <a:rPr lang="ko-KR" altLang="en-US" sz="2000">
+                <a:solidFill>
+                  <a:srgbClr val="ff843a"/>
+                </a:solidFill>
+              </a:rPr>
+              <a:t> </a:t>
+            </a:r>
+            <a:r>
+              <a:rPr lang="en-US" altLang="ko-KR" sz="2000">
+                <a:solidFill>
+                  <a:srgbClr val="ff843a"/>
+                </a:solidFill>
+              </a:rPr>
+              <a:t>-</a:t>
+            </a:r>
+            <a:r>
+              <a:rPr lang="ko-KR" altLang="en-US" sz="2000">
+                <a:solidFill>
+                  <a:srgbClr val="ff843a"/>
+                </a:solidFill>
+              </a:rPr>
+              <a:t> 정비소 위치에 대한 데이터 아직 못 찾음</a:t>
+            </a:r>
+            <a:endParaRPr lang="ko-KR" altLang="en-US" sz="2000">
+              <a:solidFill>
+                <a:srgbClr val="ff843a"/>
+              </a:solidFill>
+            </a:endParaRPr>
+          </a:p>
+          <a:p>
+            <a:pPr marL="0" lvl="0" indent="0">
+              <a:buNone/>
+              <a:defRPr/>
+            </a:pPr>
+            <a:r>
+              <a:rPr lang="ko-KR" altLang="en-US" sz="2000">
+                <a:solidFill>
+                  <a:srgbClr val="ff843a"/>
+                </a:solidFill>
+              </a:rPr>
+              <a:t>  └ </a:t>
+            </a:r>
+            <a:r>
+              <a:rPr lang="en-US" altLang="ko-KR" sz="2000">
+                <a:solidFill>
+                  <a:srgbClr val="ff843a"/>
+                </a:solidFill>
+              </a:rPr>
+              <a:t>Google map</a:t>
+            </a:r>
+            <a:r>
+              <a:rPr lang="ko-KR" altLang="en-US" sz="2000">
+                <a:solidFill>
+                  <a:srgbClr val="ff843a"/>
+                </a:solidFill>
+              </a:rPr>
+              <a:t>을 이용해서 연동 가능한지</a:t>
+            </a:r>
+            <a:r>
+              <a:rPr lang="en-US" altLang="ko-KR" sz="2000">
+                <a:solidFill>
+                  <a:srgbClr val="ff843a"/>
+                </a:solidFill>
+              </a:rPr>
+              <a:t>?</a:t>
+            </a:r>
+            <a:endParaRPr lang="en-US" altLang="ko-KR" sz="2000">
+              <a:solidFill>
+                <a:srgbClr val="ff843a"/>
+              </a:solidFill>
+            </a:endParaRPr>
+          </a:p>
+          <a:p>
+            <a:pPr marL="0" lvl="0" indent="0">
+              <a:buNone/>
+              <a:defRPr/>
+            </a:pPr>
             <a:endParaRPr lang="en-US" altLang="ko-KR" sz="2000"/>
           </a:p>
         </p:txBody>
@@ -6646,7 +8470,2552 @@
 </p:sld>
 </file>
 
-<file path=ppt/slides/slide17.xml><?xml version="1.0" encoding="utf-8"?>
+<file path=ppt/slides/slide19.xml><?xml version="1.0" encoding="utf-8"?>
+<p:sld xmlns:r="http://schemas.openxmlformats.org/officeDocument/2006/relationships" xmlns:c="http://schemas.openxmlformats.org/drawingml/2006/chart" xmlns:a="http://schemas.openxmlformats.org/drawingml/2006/main" xmlns:dgm="http://schemas.openxmlformats.org/drawingml/2006/diagram" xmlns:dsp="http://schemas.microsoft.com/office/drawing/2008/diagram" xmlns:p="http://schemas.openxmlformats.org/presentationml/2006/main">
+  <p:cSld>
+    <p:spTree>
+      <p:nvGrpSpPr>
+        <p:cNvPr id="1" name=""/>
+        <p:cNvGrpSpPr/>
+        <p:nvPr/>
+      </p:nvGrpSpPr>
+      <p:grpSpPr>
+        <a:xfrm>
+          <a:off x="0" y="0"/>
+          <a:ext cx="0" cy="0"/>
+          <a:chOff x="0" y="0"/>
+          <a:chExt cx="0" cy="0"/>
+        </a:xfrm>
+      </p:grpSpPr>
+      <p:sp>
+        <p:nvSpPr>
+          <p:cNvPr id="2" name="제목 1"/>
+          <p:cNvSpPr>
+            <a:spLocks noGrp="1"/>
+          </p:cNvSpPr>
+          <p:nvPr>
+            <p:ph type="title" idx="0"/>
+          </p:nvPr>
+        </p:nvSpPr>
+        <p:spPr>
+          <a:xfrm>
+            <a:off x="0" y="0"/>
+            <a:ext cx="11061700" cy="1325563"/>
+          </a:xfrm>
+          <a:solidFill>
+            <a:schemeClr val="lt1"/>
+          </a:solidFill>
+          <a:ln>
+            <a:solidFill>
+              <a:schemeClr val="lt1"/>
+            </a:solidFill>
+          </a:ln>
+        </p:spPr>
+        <p:txBody>
+          <a:bodyPr/>
+          <a:lstStyle/>
+          <a:p>
+            <a:pPr lvl="0">
+              <a:defRPr/>
+            </a:pPr>
+            <a:r>
+              <a:rPr lang="ko-KR" altLang="en-US" sz="4000"/>
+              <a:t>요구사항 수집 및 분석</a:t>
+            </a:r>
+            <a:endParaRPr lang="ko-KR" altLang="en-US" sz="4000"/>
+          </a:p>
+        </p:txBody>
+      </p:sp>
+      <p:sp>
+        <p:nvSpPr>
+          <p:cNvPr id="3" name="내용 개체 틀 2"/>
+          <p:cNvSpPr>
+            <a:spLocks noGrp="1"/>
+          </p:cNvSpPr>
+          <p:nvPr>
+            <p:ph idx="1"/>
+          </p:nvPr>
+        </p:nvSpPr>
+        <p:spPr>
+          <a:xfrm>
+            <a:off x="0" y="1622425"/>
+            <a:ext cx="12192000" cy="5235575"/>
+          </a:xfrm>
+        </p:spPr>
+        <p:txBody>
+          <a:bodyPr/>
+          <a:lstStyle/>
+          <a:p>
+            <a:pPr lvl="0">
+              <a:defRPr/>
+            </a:pPr>
+            <a:r>
+              <a:rPr lang="ko-KR" altLang="en-US" sz="2000"/>
+              <a:t>지속적 피드백</a:t>
+            </a:r>
+            <a:endParaRPr lang="ko-KR" altLang="en-US" sz="2000"/>
+          </a:p>
+          <a:p>
+            <a:pPr marL="0" lvl="0" indent="0">
+              <a:buNone/>
+              <a:defRPr/>
+            </a:pPr>
+            <a:r>
+              <a:rPr lang="ko-KR" altLang="en-US" sz="2000">
+                <a:solidFill>
+                  <a:srgbClr val="ff843a"/>
+                </a:solidFill>
+              </a:rPr>
+              <a:t> </a:t>
+            </a:r>
+            <a:r>
+              <a:rPr lang="en-US" altLang="ko-KR" sz="2000">
+                <a:solidFill>
+                  <a:srgbClr val="ff843a"/>
+                </a:solidFill>
+              </a:rPr>
+              <a:t>-</a:t>
+            </a:r>
+            <a:r>
+              <a:rPr lang="ko-KR" altLang="en-US" sz="2000">
+                <a:solidFill>
+                  <a:srgbClr val="ff843a"/>
+                </a:solidFill>
+              </a:rPr>
+              <a:t> </a:t>
+            </a:r>
+            <a:r>
+              <a:rPr lang="en-US" altLang="ko-KR" sz="2000">
+                <a:solidFill>
+                  <a:srgbClr val="ff843a"/>
+                </a:solidFill>
+              </a:rPr>
+              <a:t>Google Playstore</a:t>
+            </a:r>
+            <a:r>
+              <a:rPr lang="ko-KR" altLang="en-US" sz="2000">
+                <a:solidFill>
+                  <a:srgbClr val="ff843a"/>
+                </a:solidFill>
+              </a:rPr>
+              <a:t>의 댓글 이용</a:t>
+            </a:r>
+            <a:endParaRPr lang="ko-KR" altLang="en-US" sz="2000">
+              <a:solidFill>
+                <a:srgbClr val="ff843a"/>
+              </a:solidFill>
+            </a:endParaRPr>
+          </a:p>
+          <a:p>
+            <a:pPr marL="0" lvl="0" indent="0">
+              <a:buNone/>
+              <a:defRPr/>
+            </a:pPr>
+            <a:r>
+              <a:rPr lang="ko-KR" altLang="en-US" sz="2000">
+                <a:solidFill>
+                  <a:srgbClr val="ff843a"/>
+                </a:solidFill>
+              </a:rPr>
+              <a:t> </a:t>
+            </a:r>
+            <a:r>
+              <a:rPr lang="en-US" altLang="ko-KR" sz="2000">
+                <a:solidFill>
+                  <a:srgbClr val="ff843a"/>
+                </a:solidFill>
+              </a:rPr>
+              <a:t>-</a:t>
+            </a:r>
+            <a:r>
+              <a:rPr lang="ko-KR" altLang="en-US" sz="2000">
+                <a:solidFill>
+                  <a:srgbClr val="ff843a"/>
+                </a:solidFill>
+              </a:rPr>
+              <a:t> </a:t>
+            </a:r>
+            <a:endParaRPr lang="en-US" altLang="ko-KR" sz="2000"/>
+          </a:p>
+        </p:txBody>
+      </p:sp>
+    </p:spTree>
+  </p:cSld>
+  <p:clrMapOvr>
+    <a:masterClrMapping/>
+  </p:clrMapOvr>
+  <mc:AlternateContent xmlns:mc="http://schemas.openxmlformats.org/markup-compatibility/2006">
+    <mc:Choice xmlns:p14="http://schemas.microsoft.com/office/powerpoint/2010/main" Requires="p14">
+      <p:transition xmlns:mc="http://schemas.openxmlformats.org/markup-compatibility/2006" xmlns:p14="http://schemas.microsoft.com/office/powerpoint/2010/main" mc:Ignorable="p14" p14:dur="500"/>
+    </mc:Choice>
+    <mc:Fallback>
+      <p:transition/>
+    </mc:Fallback>
+  </mc:AlternateContent>
+</p:sld>
+</file>
+
+<file path=ppt/slides/slide2.xml><?xml version="1.0" encoding="utf-8"?>
+<p:sld xmlns:r="http://schemas.openxmlformats.org/officeDocument/2006/relationships" xmlns:c="http://schemas.openxmlformats.org/drawingml/2006/chart" xmlns:a="http://schemas.openxmlformats.org/drawingml/2006/main" xmlns:dgm="http://schemas.openxmlformats.org/drawingml/2006/diagram" xmlns:dsp="http://schemas.microsoft.com/office/drawing/2008/diagram" xmlns:p="http://schemas.openxmlformats.org/presentationml/2006/main">
+  <p:cSld>
+    <p:spTree>
+      <p:nvGrpSpPr>
+        <p:cNvPr id="1" name=""/>
+        <p:cNvGrpSpPr/>
+        <p:nvPr/>
+      </p:nvGrpSpPr>
+      <p:grpSpPr>
+        <a:xfrm>
+          <a:off x="0" y="0"/>
+          <a:ext cx="0" cy="0"/>
+          <a:chOff x="0" y="0"/>
+          <a:chExt cx="0" cy="0"/>
+        </a:xfrm>
+      </p:grpSpPr>
+      <p:graphicFrame>
+        <p:nvGraphicFramePr>
+          <p:cNvPr id="4" name="표 3"/>
+          <p:cNvGraphicFramePr>
+            <a:graphicFrameLocks noGrp="1"/>
+          </p:cNvGraphicFramePr>
+          <p:nvPr/>
+        </p:nvGraphicFramePr>
+        <p:xfrm>
+          <a:off x="503364" y="957263"/>
+          <a:ext cx="11083799" cy="4605660"/>
+        </p:xfrm>
+        <a:graphic>
+          <a:graphicData uri="http://schemas.openxmlformats.org/drawingml/2006/table">
+            <a:tbl>
+              <a:tblGrid>
+                <a:gridCol w="1291114"/>
+                <a:gridCol w="1191610"/>
+                <a:gridCol w="3386137"/>
+                <a:gridCol w="5214938"/>
+              </a:tblGrid>
+              <a:tr h="511740">
+                <a:tc rowSpan="9">
+                  <a:txBody>
+                    <a:bodyPr vert="horz" lIns="91440" tIns="45720" rIns="91440" bIns="45720" anchor="ctr" anchorCtr="0"/>
+                    <a:p>
+                      <a:pPr marL="0" marR="0" indent="0" algn="ctr" latinLnBrk="0">
+                        <a:lnSpc>
+                          <a:spcPct val="130000"/>
+                        </a:lnSpc>
+                        <a:spcBef>
+                          <a:spcPts val="0"/>
+                        </a:spcBef>
+                        <a:spcAft>
+                          <a:spcPts val="0"/>
+                        </a:spcAft>
+                        <a:defRPr/>
+                      </a:pPr>
+                      <a:r>
+                        <a:rPr lang="ko-KR" altLang="en-US" sz="1800" b="0" kern="0" spc="-60">
+                          <a:solidFill>
+                            <a:srgbClr val="000000"/>
+                          </a:solidFill>
+                          <a:effectLst/>
+                          <a:latin typeface="+mj-lt"/>
+                          <a:ea typeface="함초롬바탕"/>
+                        </a:rPr>
+                        <a:t>실습내용</a:t>
+                      </a:r>
+                      <a:endParaRPr lang="ko-KR" altLang="en-US" sz="1800" b="0" kern="0" spc="-60">
+                        <a:solidFill>
+                          <a:srgbClr val="000000"/>
+                        </a:solidFill>
+                        <a:effectLst/>
+                        <a:latin typeface="+mj-lt"/>
+                        <a:ea typeface="함초롬바탕"/>
+                      </a:endParaRPr>
+                    </a:p>
+                    <a:p>
+                      <a:pPr marL="0" marR="0" indent="0" algn="ctr" latinLnBrk="0">
+                        <a:lnSpc>
+                          <a:spcPct val="130000"/>
+                        </a:lnSpc>
+                        <a:spcBef>
+                          <a:spcPts val="0"/>
+                        </a:spcBef>
+                        <a:spcAft>
+                          <a:spcPts val="0"/>
+                        </a:spcAft>
+                        <a:defRPr/>
+                      </a:pPr>
+                      <a:r>
+                        <a:rPr lang="en-US" altLang="ko-KR" sz="1800" b="0" kern="0" spc="-60">
+                          <a:solidFill>
+                            <a:srgbClr val="0000ff"/>
+                          </a:solidFill>
+                          <a:effectLst/>
+                          <a:latin typeface="+mj-lt"/>
+                          <a:ea typeface="함초롬바탕"/>
+                        </a:rPr>
+                        <a:t>(</a:t>
+                      </a:r>
+                      <a:r>
+                        <a:rPr lang="ko-KR" altLang="en-US" sz="1800" b="0" kern="0" spc="-60">
+                          <a:solidFill>
+                            <a:srgbClr val="0000ff"/>
+                          </a:solidFill>
+                          <a:effectLst/>
+                          <a:latin typeface="+mj-lt"/>
+                          <a:ea typeface="함초롬바탕"/>
+                        </a:rPr>
+                        <a:t>실습분야</a:t>
+                      </a:r>
+                      <a:r>
+                        <a:rPr lang="en-US" altLang="ko-KR" sz="1800" b="0" kern="0" spc="-60">
+                          <a:solidFill>
+                            <a:srgbClr val="0000ff"/>
+                          </a:solidFill>
+                          <a:effectLst/>
+                          <a:latin typeface="+mj-lt"/>
+                          <a:ea typeface="함초롬바탕"/>
+                        </a:rPr>
+                        <a:t>)</a:t>
+                      </a:r>
+                      <a:endParaRPr lang="ko-KR" altLang="en-US" sz="1800" b="0" kern="0" spc="-60">
+                        <a:solidFill>
+                          <a:srgbClr val="000000"/>
+                        </a:solidFill>
+                        <a:effectLst/>
+                        <a:latin typeface="+mj-lt"/>
+                      </a:endParaRPr>
+                    </a:p>
+                  </a:txBody>
+                  <a:tcPr marL="91440" marR="91440" anchor="ctr">
+                    <a:lnL w="3556" cap="flat" cmpd="sng" algn="ctr">
+                      <a:solidFill>
+                        <a:srgbClr val="000000"/>
+                      </a:solidFill>
+                      <a:prstDash val="solid"/>
+                      <a:round/>
+                      <a:headEnd w="med" len="med"/>
+                      <a:tailEnd w="med" len="med"/>
+                    </a:lnL>
+                    <a:lnR w="3556" cap="flat" cmpd="sng" algn="ctr">
+                      <a:solidFill>
+                        <a:srgbClr val="000000"/>
+                      </a:solidFill>
+                      <a:prstDash val="solid"/>
+                      <a:round/>
+                      <a:headEnd w="med" len="med"/>
+                      <a:tailEnd w="med" len="med"/>
+                    </a:lnR>
+                    <a:lnT w="3556" cap="flat" cmpd="sng" algn="ctr">
+                      <a:solidFill>
+                        <a:srgbClr val="000000"/>
+                      </a:solidFill>
+                      <a:prstDash val="solid"/>
+                      <a:round/>
+                      <a:headEnd w="med" len="med"/>
+                      <a:tailEnd w="med" len="med"/>
+                    </a:lnT>
+                    <a:lnB w="3556" cap="flat" cmpd="sng" algn="ctr">
+                      <a:solidFill>
+                        <a:srgbClr val="000000"/>
+                      </a:solidFill>
+                      <a:prstDash val="solid"/>
+                      <a:round/>
+                      <a:headEnd w="med" len="med"/>
+                      <a:tailEnd w="med" len="med"/>
+                    </a:lnB>
+                    <a:solidFill>
+                      <a:srgbClr val="dddddd"/>
+                    </a:solidFill>
+                  </a:tcPr>
+                </a:tc>
+                <a:tc>
+                  <a:txBody>
+                    <a:bodyPr vert="horz" lIns="91440" tIns="45720" rIns="91440" bIns="45720" anchor="ctr" anchorCtr="0"/>
+                    <a:p>
+                      <a:pPr marL="0" marR="0" indent="0" algn="ctr" latinLnBrk="0">
+                        <a:lnSpc>
+                          <a:spcPct val="130000"/>
+                        </a:lnSpc>
+                        <a:spcBef>
+                          <a:spcPts val="0"/>
+                        </a:spcBef>
+                        <a:spcAft>
+                          <a:spcPts val="0"/>
+                        </a:spcAft>
+                        <a:defRPr/>
+                      </a:pPr>
+                      <a:r>
+                        <a:rPr lang="ko-KR" altLang="en-US" sz="1800" b="0" kern="0" spc="-60">
+                          <a:solidFill>
+                            <a:srgbClr val="000000"/>
+                          </a:solidFill>
+                          <a:effectLst/>
+                          <a:latin typeface="+mj-lt"/>
+                          <a:ea typeface="함초롬바탕"/>
+                        </a:rPr>
+                        <a:t>주 차</a:t>
+                      </a:r>
+                      <a:endParaRPr lang="ko-KR" altLang="en-US" sz="1800" b="0" kern="0" spc="-60">
+                        <a:solidFill>
+                          <a:srgbClr val="000000"/>
+                        </a:solidFill>
+                        <a:effectLst/>
+                        <a:latin typeface="+mj-lt"/>
+                      </a:endParaRPr>
+                    </a:p>
+                  </a:txBody>
+                  <a:tcPr marL="91440" marR="91440" anchor="ctr">
+                    <a:lnL w="3556" cap="flat" cmpd="sng" algn="ctr">
+                      <a:solidFill>
+                        <a:srgbClr val="000000"/>
+                      </a:solidFill>
+                      <a:prstDash val="solid"/>
+                      <a:round/>
+                      <a:headEnd w="med" len="med"/>
+                      <a:tailEnd w="med" len="med"/>
+                    </a:lnL>
+                    <a:lnR w="3556" cap="flat" cmpd="sng" algn="ctr">
+                      <a:solidFill>
+                        <a:srgbClr val="000000"/>
+                      </a:solidFill>
+                      <a:prstDash val="solid"/>
+                      <a:round/>
+                      <a:headEnd w="med" len="med"/>
+                      <a:tailEnd w="med" len="med"/>
+                    </a:lnR>
+                    <a:lnT w="3556" cap="flat" cmpd="sng" algn="ctr">
+                      <a:solidFill>
+                        <a:srgbClr val="000000"/>
+                      </a:solidFill>
+                      <a:prstDash val="solid"/>
+                      <a:round/>
+                      <a:headEnd w="med" len="med"/>
+                      <a:tailEnd w="med" len="med"/>
+                    </a:lnT>
+                    <a:lnB w="3556" cap="flat" cmpd="sng" algn="ctr">
+                      <a:solidFill>
+                        <a:srgbClr val="000000"/>
+                      </a:solidFill>
+                      <a:prstDash val="solid"/>
+                      <a:round/>
+                      <a:headEnd w="med" len="med"/>
+                      <a:tailEnd w="med" len="med"/>
+                    </a:lnB>
+                  </a:tcPr>
+                </a:tc>
+                <a:tc>
+                  <a:txBody>
+                    <a:bodyPr vert="horz" lIns="91440" tIns="45720" rIns="91440" bIns="45720" anchor="ctr" anchorCtr="0"/>
+                    <a:p>
+                      <a:pPr marL="0" marR="0" indent="0" algn="ctr" latinLnBrk="0">
+                        <a:lnSpc>
+                          <a:spcPct val="130000"/>
+                        </a:lnSpc>
+                        <a:spcBef>
+                          <a:spcPts val="0"/>
+                        </a:spcBef>
+                        <a:spcAft>
+                          <a:spcPts val="0"/>
+                        </a:spcAft>
+                        <a:defRPr/>
+                      </a:pPr>
+                      <a:r>
+                        <a:rPr lang="ko-KR" altLang="en-US" sz="1800" b="0" kern="0" spc="-60">
+                          <a:solidFill>
+                            <a:srgbClr val="000000"/>
+                          </a:solidFill>
+                          <a:effectLst/>
+                          <a:latin typeface="+mj-lt"/>
+                          <a:ea typeface="함초롬바탕"/>
+                        </a:rPr>
+                        <a:t>내 용</a:t>
+                      </a:r>
+                      <a:endParaRPr lang="ko-KR" altLang="en-US" sz="1800" b="0" kern="0" spc="-60">
+                        <a:solidFill>
+                          <a:srgbClr val="000000"/>
+                        </a:solidFill>
+                        <a:effectLst/>
+                        <a:latin typeface="+mj-lt"/>
+                      </a:endParaRPr>
+                    </a:p>
+                  </a:txBody>
+                  <a:tcPr marL="91440" marR="91440" anchor="ctr">
+                    <a:lnL w="3556" cap="flat" cmpd="sng" algn="ctr">
+                      <a:solidFill>
+                        <a:srgbClr val="000000"/>
+                      </a:solidFill>
+                      <a:prstDash val="solid"/>
+                      <a:round/>
+                      <a:headEnd w="med" len="med"/>
+                      <a:tailEnd w="med" len="med"/>
+                    </a:lnL>
+                    <a:lnR w="3556" cap="flat" cmpd="sng" algn="ctr">
+                      <a:solidFill>
+                        <a:srgbClr val="000000"/>
+                      </a:solidFill>
+                      <a:prstDash val="solid"/>
+                      <a:round/>
+                      <a:headEnd w="med" len="med"/>
+                      <a:tailEnd w="med" len="med"/>
+                    </a:lnR>
+                    <a:lnT w="3556" cap="flat" cmpd="sng" algn="ctr">
+                      <a:solidFill>
+                        <a:srgbClr val="000000"/>
+                      </a:solidFill>
+                      <a:prstDash val="solid"/>
+                      <a:round/>
+                      <a:headEnd w="med" len="med"/>
+                      <a:tailEnd w="med" len="med"/>
+                    </a:lnT>
+                    <a:lnB w="3556" cap="flat" cmpd="sng" algn="ctr">
+                      <a:solidFill>
+                        <a:srgbClr val="000000"/>
+                      </a:solidFill>
+                      <a:prstDash val="solid"/>
+                      <a:round/>
+                      <a:headEnd w="med" len="med"/>
+                      <a:tailEnd w="med" len="med"/>
+                    </a:lnB>
+                  </a:tcPr>
+                </a:tc>
+                <a:tc>
+                  <a:txBody>
+                    <a:bodyPr vert="horz" lIns="91440" tIns="45720" rIns="91440" bIns="45720" anchor="ctr" anchorCtr="0"/>
+                    <a:p>
+                      <a:pPr marL="0" marR="0" indent="0" algn="ctr" latinLnBrk="0">
+                        <a:lnSpc>
+                          <a:spcPct val="130000"/>
+                        </a:lnSpc>
+                        <a:spcBef>
+                          <a:spcPts val="0"/>
+                        </a:spcBef>
+                        <a:spcAft>
+                          <a:spcPts val="0"/>
+                        </a:spcAft>
+                        <a:defRPr/>
+                      </a:pPr>
+                      <a:r>
+                        <a:rPr lang="ko-KR" altLang="en-US" sz="1800" b="0" kern="0" spc="-60">
+                          <a:solidFill>
+                            <a:srgbClr val="000000"/>
+                          </a:solidFill>
+                          <a:effectLst/>
+                          <a:latin typeface="+mj-lt"/>
+                          <a:ea typeface="함초롬바탕"/>
+                        </a:rPr>
+                        <a:t>비 고</a:t>
+                      </a:r>
+                      <a:endParaRPr lang="ko-KR" altLang="en-US" sz="1800" b="0" kern="0" spc="-60">
+                        <a:solidFill>
+                          <a:srgbClr val="000000"/>
+                        </a:solidFill>
+                        <a:effectLst/>
+                        <a:latin typeface="+mj-lt"/>
+                      </a:endParaRPr>
+                    </a:p>
+                  </a:txBody>
+                  <a:tcPr marL="91440" marR="91440" anchor="ctr">
+                    <a:lnL w="3556" cap="flat" cmpd="sng" algn="ctr">
+                      <a:solidFill>
+                        <a:srgbClr val="000000"/>
+                      </a:solidFill>
+                      <a:prstDash val="solid"/>
+                      <a:round/>
+                      <a:headEnd w="med" len="med"/>
+                      <a:tailEnd w="med" len="med"/>
+                    </a:lnL>
+                    <a:lnR w="3556" cap="flat" cmpd="sng" algn="ctr">
+                      <a:solidFill>
+                        <a:srgbClr val="000000"/>
+                      </a:solidFill>
+                      <a:prstDash val="solid"/>
+                      <a:round/>
+                      <a:headEnd w="med" len="med"/>
+                      <a:tailEnd w="med" len="med"/>
+                    </a:lnR>
+                    <a:lnT w="3556" cap="flat" cmpd="sng" algn="ctr">
+                      <a:solidFill>
+                        <a:srgbClr val="000000"/>
+                      </a:solidFill>
+                      <a:prstDash val="solid"/>
+                      <a:round/>
+                      <a:headEnd w="med" len="med"/>
+                      <a:tailEnd w="med" len="med"/>
+                    </a:lnT>
+                    <a:lnB w="3556" cap="flat" cmpd="sng" algn="ctr">
+                      <a:solidFill>
+                        <a:srgbClr val="000000"/>
+                      </a:solidFill>
+                      <a:prstDash val="solid"/>
+                      <a:round/>
+                      <a:headEnd w="med" len="med"/>
+                      <a:tailEnd w="med" len="med"/>
+                    </a:lnB>
+                  </a:tcPr>
+                </a:tc>
+              </a:tr>
+              <a:tr h="511740">
+                <a:tc vMerge="1">
+                  <a:txBody>
+                    <a:bodyPr/>
+                    <a:p>
+                      <a:pPr latinLnBrk="1">
+                        <a:defRPr/>
+                      </a:pPr>
+                      <a:endParaRPr lang="ko-KR" altLang="en-US"/>
+                    </a:p>
+                  </a:txBody>
+                  <a:tcPr marL="91440" marR="91440"/>
+                </a:tc>
+                <a:tc>
+                  <a:txBody>
+                    <a:bodyPr vert="horz" lIns="91440" tIns="45720" rIns="91440" bIns="45720" anchor="ctr" anchorCtr="0"/>
+                    <a:p>
+                      <a:pPr marL="0" marR="0" indent="0" algn="ctr" latinLnBrk="0">
+                        <a:lnSpc>
+                          <a:spcPct val="130000"/>
+                        </a:lnSpc>
+                        <a:spcBef>
+                          <a:spcPts val="0"/>
+                        </a:spcBef>
+                        <a:spcAft>
+                          <a:spcPts val="0"/>
+                        </a:spcAft>
+                        <a:defRPr/>
+                      </a:pPr>
+                      <a:r>
+                        <a:rPr lang="en-US" altLang="ko-KR" sz="1800" b="0" kern="0" spc="-60">
+                          <a:solidFill>
+                            <a:srgbClr val="000000"/>
+                          </a:solidFill>
+                          <a:effectLst/>
+                          <a:latin typeface="+mj-lt"/>
+                          <a:ea typeface="함초롬바탕"/>
+                        </a:rPr>
+                        <a:t>1</a:t>
+                      </a:r>
+                      <a:r>
+                        <a:rPr lang="ko-KR" altLang="en-US" sz="1800" b="0" kern="0" spc="-60">
+                          <a:solidFill>
+                            <a:srgbClr val="000000"/>
+                          </a:solidFill>
+                          <a:effectLst/>
+                          <a:latin typeface="+mj-lt"/>
+                          <a:ea typeface="함초롬바탕"/>
+                        </a:rPr>
+                        <a:t>주차</a:t>
+                      </a:r>
+                      <a:endParaRPr lang="ko-KR" altLang="en-US" sz="1800" b="0" kern="0" spc="-60">
+                        <a:solidFill>
+                          <a:srgbClr val="000000"/>
+                        </a:solidFill>
+                        <a:effectLst/>
+                        <a:latin typeface="+mj-lt"/>
+                      </a:endParaRPr>
+                    </a:p>
+                  </a:txBody>
+                  <a:tcPr marL="91440" marR="91440" anchor="ctr">
+                    <a:lnL w="3556" cap="flat" cmpd="sng" algn="ctr">
+                      <a:solidFill>
+                        <a:srgbClr val="000000"/>
+                      </a:solidFill>
+                      <a:prstDash val="solid"/>
+                      <a:round/>
+                      <a:headEnd w="med" len="med"/>
+                      <a:tailEnd w="med" len="med"/>
+                    </a:lnL>
+                    <a:lnR w="3556" cap="flat" cmpd="sng" algn="ctr">
+                      <a:solidFill>
+                        <a:srgbClr val="000000"/>
+                      </a:solidFill>
+                      <a:prstDash val="solid"/>
+                      <a:round/>
+                      <a:headEnd w="med" len="med"/>
+                      <a:tailEnd w="med" len="med"/>
+                    </a:lnR>
+                    <a:lnT w="3556" cap="flat" cmpd="sng" algn="ctr">
+                      <a:solidFill>
+                        <a:srgbClr val="000000"/>
+                      </a:solidFill>
+                      <a:prstDash val="solid"/>
+                      <a:round/>
+                      <a:headEnd w="med" len="med"/>
+                      <a:tailEnd w="med" len="med"/>
+                    </a:lnT>
+                    <a:lnB w="3556" cap="flat" cmpd="sng" algn="ctr">
+                      <a:solidFill>
+                        <a:srgbClr val="000000"/>
+                      </a:solidFill>
+                      <a:prstDash val="solid"/>
+                      <a:round/>
+                      <a:headEnd w="med" len="med"/>
+                      <a:tailEnd w="med" len="med"/>
+                    </a:lnB>
+                  </a:tcPr>
+                </a:tc>
+                <a:tc>
+                  <a:txBody>
+                    <a:bodyPr vert="horz" lIns="91440" tIns="45720" rIns="91440" bIns="45720" anchor="ctr" anchorCtr="0"/>
+                    <a:p>
+                      <a:pPr marL="0" marR="0" indent="0" algn="ctr" latinLnBrk="0">
+                        <a:lnSpc>
+                          <a:spcPct val="130000"/>
+                        </a:lnSpc>
+                        <a:spcBef>
+                          <a:spcPts val="0"/>
+                        </a:spcBef>
+                        <a:spcAft>
+                          <a:spcPts val="0"/>
+                        </a:spcAft>
+                        <a:defRPr/>
+                      </a:pPr>
+                      <a:r>
+                        <a:rPr lang="ko-KR" altLang="en-US" sz="1800" b="0" kern="0" spc="-60">
+                          <a:solidFill>
+                            <a:srgbClr val="000000"/>
+                          </a:solidFill>
+                          <a:effectLst/>
+                          <a:latin typeface="+mj-lt"/>
+                          <a:ea typeface="함초롬바탕"/>
+                        </a:rPr>
+                        <a:t>오리엔테이션 및 제품 아이디어</a:t>
+                      </a:r>
+                      <a:endParaRPr lang="ko-KR" altLang="en-US" sz="1800" b="0" kern="0" spc="-60">
+                        <a:solidFill>
+                          <a:srgbClr val="000000"/>
+                        </a:solidFill>
+                        <a:effectLst/>
+                        <a:latin typeface="+mj-lt"/>
+                      </a:endParaRPr>
+                    </a:p>
+                  </a:txBody>
+                  <a:tcPr marL="91440" marR="91440" anchor="ctr">
+                    <a:lnL w="3556" cap="flat" cmpd="sng" algn="ctr">
+                      <a:solidFill>
+                        <a:srgbClr val="000000"/>
+                      </a:solidFill>
+                      <a:prstDash val="solid"/>
+                      <a:round/>
+                      <a:headEnd w="med" len="med"/>
+                      <a:tailEnd w="med" len="med"/>
+                    </a:lnL>
+                    <a:lnR w="3556" cap="flat" cmpd="sng" algn="ctr">
+                      <a:solidFill>
+                        <a:srgbClr val="000000"/>
+                      </a:solidFill>
+                      <a:prstDash val="solid"/>
+                      <a:round/>
+                      <a:headEnd w="med" len="med"/>
+                      <a:tailEnd w="med" len="med"/>
+                    </a:lnR>
+                    <a:lnT w="3556" cap="flat" cmpd="sng" algn="ctr">
+                      <a:solidFill>
+                        <a:srgbClr val="000000"/>
+                      </a:solidFill>
+                      <a:prstDash val="solid"/>
+                      <a:round/>
+                      <a:headEnd w="med" len="med"/>
+                      <a:tailEnd w="med" len="med"/>
+                    </a:lnT>
+                    <a:lnB w="3556" cap="flat" cmpd="sng" algn="ctr">
+                      <a:solidFill>
+                        <a:srgbClr val="000000"/>
+                      </a:solidFill>
+                      <a:prstDash val="solid"/>
+                      <a:round/>
+                      <a:headEnd w="med" len="med"/>
+                      <a:tailEnd w="med" len="med"/>
+                    </a:lnB>
+                  </a:tcPr>
+                </a:tc>
+                <a:tc>
+                  <a:txBody>
+                    <a:bodyPr vert="horz" lIns="91440" tIns="45720" rIns="91440" bIns="45720" anchor="ctr" anchorCtr="0"/>
+                    <a:p>
+                      <a:pPr marL="0" marR="0" indent="0" algn="ctr" latinLnBrk="0">
+                        <a:lnSpc>
+                          <a:spcPct val="130000"/>
+                        </a:lnSpc>
+                        <a:spcBef>
+                          <a:spcPts val="0"/>
+                        </a:spcBef>
+                        <a:spcAft>
+                          <a:spcPts val="0"/>
+                        </a:spcAft>
+                        <a:defRPr/>
+                      </a:pPr>
+                      <a:r>
+                        <a:rPr lang="ko-KR" altLang="en-US" sz="1800" b="0" kern="0" spc="-60">
+                          <a:solidFill>
+                            <a:srgbClr val="000000"/>
+                          </a:solidFill>
+                          <a:effectLst/>
+                          <a:latin typeface="+mj-lt"/>
+                        </a:rPr>
+                        <a:t>차량 관리 </a:t>
+                      </a:r>
+                      <a:r>
+                        <a:rPr lang="en-US" altLang="ko-KR" sz="1800" b="0" kern="0" spc="-60">
+                          <a:solidFill>
+                            <a:srgbClr val="000000"/>
+                          </a:solidFill>
+                          <a:effectLst/>
+                          <a:latin typeface="+mj-lt"/>
+                        </a:rPr>
+                        <a:t>APP</a:t>
+                      </a:r>
+                      <a:endParaRPr lang="en-US" altLang="ko-KR" sz="1800" b="0" kern="0" spc="-60">
+                        <a:solidFill>
+                          <a:srgbClr val="000000"/>
+                        </a:solidFill>
+                        <a:effectLst/>
+                        <a:latin typeface="+mj-lt"/>
+                      </a:endParaRPr>
+                    </a:p>
+                  </a:txBody>
+                  <a:tcPr marL="91440" marR="91440" anchor="ctr">
+                    <a:lnL w="3556" cap="flat" cmpd="sng" algn="ctr">
+                      <a:solidFill>
+                        <a:srgbClr val="000000"/>
+                      </a:solidFill>
+                      <a:prstDash val="solid"/>
+                      <a:round/>
+                      <a:headEnd w="med" len="med"/>
+                      <a:tailEnd w="med" len="med"/>
+                    </a:lnL>
+                    <a:lnR w="3556" cap="flat" cmpd="sng" algn="ctr">
+                      <a:solidFill>
+                        <a:srgbClr val="000000"/>
+                      </a:solidFill>
+                      <a:prstDash val="solid"/>
+                      <a:round/>
+                      <a:headEnd w="med" len="med"/>
+                      <a:tailEnd w="med" len="med"/>
+                    </a:lnR>
+                    <a:lnT w="3556" cap="flat" cmpd="sng" algn="ctr">
+                      <a:solidFill>
+                        <a:srgbClr val="000000"/>
+                      </a:solidFill>
+                      <a:prstDash val="solid"/>
+                      <a:round/>
+                      <a:headEnd w="med" len="med"/>
+                      <a:tailEnd w="med" len="med"/>
+                    </a:lnT>
+                    <a:lnB w="3556" cap="flat" cmpd="sng" algn="ctr">
+                      <a:solidFill>
+                        <a:srgbClr val="000000"/>
+                      </a:solidFill>
+                      <a:prstDash val="solid"/>
+                      <a:round/>
+                      <a:headEnd w="med" len="med"/>
+                      <a:tailEnd w="med" len="med"/>
+                    </a:lnB>
+                  </a:tcPr>
+                </a:tc>
+              </a:tr>
+              <a:tr h="511740">
+                <a:tc vMerge="1">
+                  <a:txBody>
+                    <a:bodyPr/>
+                    <a:p>
+                      <a:pPr latinLnBrk="1">
+                        <a:defRPr/>
+                      </a:pPr>
+                      <a:endParaRPr lang="ko-KR" altLang="en-US"/>
+                    </a:p>
+                  </a:txBody>
+                  <a:tcPr marL="91440" marR="91440"/>
+                </a:tc>
+                <a:tc>
+                  <a:txBody>
+                    <a:bodyPr vert="horz" lIns="91440" tIns="45720" rIns="91440" bIns="45720" anchor="ctr" anchorCtr="0"/>
+                    <a:p>
+                      <a:pPr marL="0" marR="0" indent="0" algn="ctr" latinLnBrk="0">
+                        <a:lnSpc>
+                          <a:spcPct val="130000"/>
+                        </a:lnSpc>
+                        <a:spcBef>
+                          <a:spcPts val="0"/>
+                        </a:spcBef>
+                        <a:spcAft>
+                          <a:spcPts val="0"/>
+                        </a:spcAft>
+                        <a:defRPr/>
+                      </a:pPr>
+                      <a:r>
+                        <a:rPr lang="en-US" altLang="ko-KR" sz="1800" b="0" kern="0" spc="-60">
+                          <a:solidFill>
+                            <a:srgbClr val="000000"/>
+                          </a:solidFill>
+                          <a:effectLst/>
+                          <a:latin typeface="+mj-lt"/>
+                          <a:ea typeface="함초롬바탕"/>
+                        </a:rPr>
+                        <a:t>2</a:t>
+                      </a:r>
+                      <a:r>
+                        <a:rPr lang="ko-KR" altLang="en-US" sz="1800" b="0" kern="0" spc="-60">
+                          <a:solidFill>
+                            <a:srgbClr val="000000"/>
+                          </a:solidFill>
+                          <a:effectLst/>
+                          <a:latin typeface="+mj-lt"/>
+                          <a:ea typeface="함초롬바탕"/>
+                        </a:rPr>
+                        <a:t>주차</a:t>
+                      </a:r>
+                      <a:endParaRPr lang="ko-KR" altLang="en-US" sz="1800" b="0" kern="0" spc="-60">
+                        <a:solidFill>
+                          <a:srgbClr val="000000"/>
+                        </a:solidFill>
+                        <a:effectLst/>
+                        <a:latin typeface="+mj-lt"/>
+                      </a:endParaRPr>
+                    </a:p>
+                  </a:txBody>
+                  <a:tcPr marL="91440" marR="91440" anchor="ctr">
+                    <a:lnL w="3556" cap="flat" cmpd="sng" algn="ctr">
+                      <a:solidFill>
+                        <a:srgbClr val="000000"/>
+                      </a:solidFill>
+                      <a:prstDash val="solid"/>
+                      <a:round/>
+                      <a:headEnd w="med" len="med"/>
+                      <a:tailEnd w="med" len="med"/>
+                    </a:lnL>
+                    <a:lnR w="3556" cap="flat" cmpd="sng" algn="ctr">
+                      <a:solidFill>
+                        <a:srgbClr val="000000"/>
+                      </a:solidFill>
+                      <a:prstDash val="solid"/>
+                      <a:round/>
+                      <a:headEnd w="med" len="med"/>
+                      <a:tailEnd w="med" len="med"/>
+                    </a:lnR>
+                    <a:lnT w="3556" cap="flat" cmpd="sng" algn="ctr">
+                      <a:solidFill>
+                        <a:srgbClr val="000000"/>
+                      </a:solidFill>
+                      <a:prstDash val="solid"/>
+                      <a:round/>
+                      <a:headEnd w="med" len="med"/>
+                      <a:tailEnd w="med" len="med"/>
+                    </a:lnT>
+                    <a:lnB w="3556" cap="flat" cmpd="sng" algn="ctr">
+                      <a:solidFill>
+                        <a:srgbClr val="000000"/>
+                      </a:solidFill>
+                      <a:prstDash val="solid"/>
+                      <a:round/>
+                      <a:headEnd w="med" len="med"/>
+                      <a:tailEnd w="med" len="med"/>
+                    </a:lnB>
+                  </a:tcPr>
+                </a:tc>
+                <a:tc>
+                  <a:txBody>
+                    <a:bodyPr vert="horz" lIns="91440" tIns="45720" rIns="91440" bIns="45720" anchor="ctr" anchorCtr="0"/>
+                    <a:p>
+                      <a:pPr marL="0" marR="0" indent="0" algn="ctr" latinLnBrk="0">
+                        <a:lnSpc>
+                          <a:spcPct val="130000"/>
+                        </a:lnSpc>
+                        <a:spcBef>
+                          <a:spcPts val="0"/>
+                        </a:spcBef>
+                        <a:spcAft>
+                          <a:spcPts val="0"/>
+                        </a:spcAft>
+                        <a:defRPr/>
+                      </a:pPr>
+                      <a:r>
+                        <a:rPr lang="ko-KR" altLang="en-US" sz="1800" b="0" kern="0" spc="-60">
+                          <a:solidFill>
+                            <a:srgbClr val="000000"/>
+                          </a:solidFill>
+                          <a:effectLst/>
+                          <a:latin typeface="+mj-lt"/>
+                          <a:ea typeface="함초롬바탕"/>
+                        </a:rPr>
+                        <a:t>계획 및 일정 수립</a:t>
+                      </a:r>
+                      <a:endParaRPr lang="ko-KR" altLang="en-US" sz="1800" b="0" kern="0" spc="-60">
+                        <a:solidFill>
+                          <a:srgbClr val="000000"/>
+                        </a:solidFill>
+                        <a:effectLst/>
+                        <a:latin typeface="+mj-lt"/>
+                      </a:endParaRPr>
+                    </a:p>
+                  </a:txBody>
+                  <a:tcPr marL="91440" marR="91440" anchor="ctr">
+                    <a:lnL w="3556" cap="flat" cmpd="sng" algn="ctr">
+                      <a:solidFill>
+                        <a:srgbClr val="000000"/>
+                      </a:solidFill>
+                      <a:prstDash val="solid"/>
+                      <a:round/>
+                      <a:headEnd w="med" len="med"/>
+                      <a:tailEnd w="med" len="med"/>
+                    </a:lnL>
+                    <a:lnR w="3556" cap="flat" cmpd="sng" algn="ctr">
+                      <a:solidFill>
+                        <a:srgbClr val="000000"/>
+                      </a:solidFill>
+                      <a:prstDash val="solid"/>
+                      <a:round/>
+                      <a:headEnd w="med" len="med"/>
+                      <a:tailEnd w="med" len="med"/>
+                    </a:lnR>
+                    <a:lnT w="3556" cap="flat" cmpd="sng" algn="ctr">
+                      <a:solidFill>
+                        <a:srgbClr val="000000"/>
+                      </a:solidFill>
+                      <a:prstDash val="solid"/>
+                      <a:round/>
+                      <a:headEnd w="med" len="med"/>
+                      <a:tailEnd w="med" len="med"/>
+                    </a:lnT>
+                    <a:lnB w="3556" cap="flat" cmpd="sng" algn="ctr">
+                      <a:solidFill>
+                        <a:srgbClr val="000000"/>
+                      </a:solidFill>
+                      <a:prstDash val="solid"/>
+                      <a:round/>
+                      <a:headEnd w="med" len="med"/>
+                      <a:tailEnd w="med" len="med"/>
+                    </a:lnB>
+                  </a:tcPr>
+                </a:tc>
+                <a:tc>
+                  <a:txBody>
+                    <a:bodyPr vert="horz" lIns="91440" tIns="45720" rIns="91440" bIns="45720" anchor="ctr" anchorCtr="0"/>
+                    <a:p>
+                      <a:pPr marL="0" marR="0" indent="0" algn="ctr" latinLnBrk="0">
+                        <a:lnSpc>
+                          <a:spcPct val="130000"/>
+                        </a:lnSpc>
+                        <a:spcBef>
+                          <a:spcPts val="0"/>
+                        </a:spcBef>
+                        <a:spcAft>
+                          <a:spcPts val="0"/>
+                        </a:spcAft>
+                        <a:defRPr/>
+                      </a:pPr>
+                      <a:r>
+                        <a:rPr lang="ko-KR" altLang="en-US" sz="1800" b="0" kern="0" spc="-60">
+                          <a:solidFill>
+                            <a:srgbClr val="000000"/>
+                          </a:solidFill>
+                          <a:effectLst/>
+                          <a:latin typeface="+mj-lt"/>
+                        </a:rPr>
+                        <a:t>요구사항 정의 및 문서화</a:t>
+                      </a:r>
+                      <a:endParaRPr lang="ko-KR" altLang="en-US" sz="1800" b="0" kern="0" spc="-60">
+                        <a:solidFill>
+                          <a:srgbClr val="000000"/>
+                        </a:solidFill>
+                        <a:effectLst/>
+                        <a:latin typeface="+mj-lt"/>
+                      </a:endParaRPr>
+                    </a:p>
+                  </a:txBody>
+                  <a:tcPr marL="91440" marR="91440" anchor="ctr">
+                    <a:lnL w="3556" cap="flat" cmpd="sng" algn="ctr">
+                      <a:solidFill>
+                        <a:srgbClr val="000000"/>
+                      </a:solidFill>
+                      <a:prstDash val="solid"/>
+                      <a:round/>
+                      <a:headEnd w="med" len="med"/>
+                      <a:tailEnd w="med" len="med"/>
+                    </a:lnL>
+                    <a:lnR w="3556" cap="flat" cmpd="sng" algn="ctr">
+                      <a:solidFill>
+                        <a:srgbClr val="000000"/>
+                      </a:solidFill>
+                      <a:prstDash val="solid"/>
+                      <a:round/>
+                      <a:headEnd w="med" len="med"/>
+                      <a:tailEnd w="med" len="med"/>
+                    </a:lnR>
+                    <a:lnT w="3556" cap="flat" cmpd="sng" algn="ctr">
+                      <a:solidFill>
+                        <a:srgbClr val="000000"/>
+                      </a:solidFill>
+                      <a:prstDash val="solid"/>
+                      <a:round/>
+                      <a:headEnd w="med" len="med"/>
+                      <a:tailEnd w="med" len="med"/>
+                    </a:lnT>
+                    <a:lnB w="3556" cap="flat" cmpd="sng" algn="ctr">
+                      <a:solidFill>
+                        <a:srgbClr val="000000"/>
+                      </a:solidFill>
+                      <a:prstDash val="solid"/>
+                      <a:round/>
+                      <a:headEnd w="med" len="med"/>
+                      <a:tailEnd w="med" len="med"/>
+                    </a:lnB>
+                  </a:tcPr>
+                </a:tc>
+              </a:tr>
+              <a:tr h="511740">
+                <a:tc vMerge="1">
+                  <a:txBody>
+                    <a:bodyPr/>
+                    <a:p>
+                      <a:pPr latinLnBrk="1">
+                        <a:defRPr/>
+                      </a:pPr>
+                      <a:endParaRPr lang="ko-KR" altLang="en-US"/>
+                    </a:p>
+                  </a:txBody>
+                  <a:tcPr marL="91440" marR="91440"/>
+                </a:tc>
+                <a:tc>
+                  <a:txBody>
+                    <a:bodyPr vert="horz" lIns="91440" tIns="45720" rIns="91440" bIns="45720" anchor="ctr" anchorCtr="0"/>
+                    <a:p>
+                      <a:pPr marL="0" marR="0" indent="0" algn="ctr" latinLnBrk="0">
+                        <a:lnSpc>
+                          <a:spcPct val="130000"/>
+                        </a:lnSpc>
+                        <a:spcBef>
+                          <a:spcPts val="0"/>
+                        </a:spcBef>
+                        <a:spcAft>
+                          <a:spcPts val="0"/>
+                        </a:spcAft>
+                        <a:defRPr/>
+                      </a:pPr>
+                      <a:r>
+                        <a:rPr lang="en-US" altLang="ko-KR" sz="1800" b="0" kern="0" spc="-60">
+                          <a:solidFill>
+                            <a:srgbClr val="000000"/>
+                          </a:solidFill>
+                          <a:effectLst/>
+                          <a:latin typeface="+mj-lt"/>
+                          <a:ea typeface="함초롬바탕"/>
+                        </a:rPr>
+                        <a:t>3</a:t>
+                      </a:r>
+                      <a:r>
+                        <a:rPr lang="ko-KR" altLang="en-US" sz="1800" b="0" kern="0" spc="-60">
+                          <a:solidFill>
+                            <a:srgbClr val="000000"/>
+                          </a:solidFill>
+                          <a:effectLst/>
+                          <a:latin typeface="+mj-lt"/>
+                          <a:ea typeface="함초롬바탕"/>
+                        </a:rPr>
+                        <a:t>주차</a:t>
+                      </a:r>
+                      <a:endParaRPr lang="ko-KR" altLang="en-US" sz="1800" b="0" kern="0" spc="-60">
+                        <a:solidFill>
+                          <a:srgbClr val="000000"/>
+                        </a:solidFill>
+                        <a:effectLst/>
+                        <a:latin typeface="+mj-lt"/>
+                      </a:endParaRPr>
+                    </a:p>
+                  </a:txBody>
+                  <a:tcPr marL="91440" marR="91440" anchor="ctr">
+                    <a:lnL w="3556" cap="flat" cmpd="sng" algn="ctr">
+                      <a:solidFill>
+                        <a:srgbClr val="000000"/>
+                      </a:solidFill>
+                      <a:prstDash val="solid"/>
+                      <a:round/>
+                      <a:headEnd w="med" len="med"/>
+                      <a:tailEnd w="med" len="med"/>
+                    </a:lnL>
+                    <a:lnR w="3556" cap="flat" cmpd="sng" algn="ctr">
+                      <a:solidFill>
+                        <a:srgbClr val="000000"/>
+                      </a:solidFill>
+                      <a:prstDash val="solid"/>
+                      <a:round/>
+                      <a:headEnd w="med" len="med"/>
+                      <a:tailEnd w="med" len="med"/>
+                    </a:lnR>
+                    <a:lnT w="3556" cap="flat" cmpd="sng" algn="ctr">
+                      <a:solidFill>
+                        <a:srgbClr val="000000"/>
+                      </a:solidFill>
+                      <a:prstDash val="solid"/>
+                      <a:round/>
+                      <a:headEnd w="med" len="med"/>
+                      <a:tailEnd w="med" len="med"/>
+                    </a:lnT>
+                    <a:lnB w="3556" cap="flat" cmpd="sng" algn="ctr">
+                      <a:solidFill>
+                        <a:srgbClr val="000000"/>
+                      </a:solidFill>
+                      <a:prstDash val="solid"/>
+                      <a:round/>
+                      <a:headEnd w="med" len="med"/>
+                      <a:tailEnd w="med" len="med"/>
+                    </a:lnB>
+                  </a:tcPr>
+                </a:tc>
+                <a:tc>
+                  <a:txBody>
+                    <a:bodyPr vert="horz" lIns="91440" tIns="45720" rIns="91440" bIns="45720" anchor="ctr" anchorCtr="0"/>
+                    <a:p>
+                      <a:pPr marL="0" marR="0" indent="0" algn="ctr" latinLnBrk="0">
+                        <a:lnSpc>
+                          <a:spcPct val="130000"/>
+                        </a:lnSpc>
+                        <a:spcBef>
+                          <a:spcPts val="0"/>
+                        </a:spcBef>
+                        <a:spcAft>
+                          <a:spcPts val="0"/>
+                        </a:spcAft>
+                        <a:defRPr/>
+                      </a:pPr>
+                      <a:r>
+                        <a:rPr lang="ko-KR" altLang="en-US" sz="1800" b="0" kern="0" spc="-60">
+                          <a:solidFill>
+                            <a:srgbClr val="000000"/>
+                          </a:solidFill>
+                          <a:effectLst/>
+                          <a:latin typeface="+mj-lt"/>
+                          <a:ea typeface="함초롬바탕"/>
+                        </a:rPr>
+                        <a:t>제품 기획</a:t>
+                      </a:r>
+                      <a:endParaRPr lang="ko-KR" altLang="en-US" sz="1800" b="0" kern="0" spc="-60">
+                        <a:solidFill>
+                          <a:srgbClr val="000000"/>
+                        </a:solidFill>
+                        <a:effectLst/>
+                        <a:latin typeface="+mj-lt"/>
+                      </a:endParaRPr>
+                    </a:p>
+                  </a:txBody>
+                  <a:tcPr marL="91440" marR="91440" anchor="ctr">
+                    <a:lnL w="3556" cap="flat" cmpd="sng" algn="ctr">
+                      <a:solidFill>
+                        <a:srgbClr val="000000"/>
+                      </a:solidFill>
+                      <a:prstDash val="solid"/>
+                      <a:round/>
+                      <a:headEnd w="med" len="med"/>
+                      <a:tailEnd w="med" len="med"/>
+                    </a:lnL>
+                    <a:lnR w="3556" cap="flat" cmpd="sng" algn="ctr">
+                      <a:solidFill>
+                        <a:srgbClr val="000000"/>
+                      </a:solidFill>
+                      <a:prstDash val="solid"/>
+                      <a:round/>
+                      <a:headEnd w="med" len="med"/>
+                      <a:tailEnd w="med" len="med"/>
+                    </a:lnR>
+                    <a:lnT w="3556" cap="flat" cmpd="sng" algn="ctr">
+                      <a:solidFill>
+                        <a:srgbClr val="000000"/>
+                      </a:solidFill>
+                      <a:prstDash val="solid"/>
+                      <a:round/>
+                      <a:headEnd w="med" len="med"/>
+                      <a:tailEnd w="med" len="med"/>
+                    </a:lnT>
+                    <a:lnB w="3556" cap="flat" cmpd="sng" algn="ctr">
+                      <a:solidFill>
+                        <a:srgbClr val="000000"/>
+                      </a:solidFill>
+                      <a:prstDash val="solid"/>
+                      <a:round/>
+                      <a:headEnd w="med" len="med"/>
+                      <a:tailEnd w="med" len="med"/>
+                    </a:lnB>
+                  </a:tcPr>
+                </a:tc>
+                <a:tc>
+                  <a:txBody>
+                    <a:bodyPr vert="horz" lIns="91440" tIns="45720" rIns="91440" bIns="45720" anchor="ctr" anchorCtr="0"/>
+                    <a:p>
+                      <a:pPr marL="0" marR="0" indent="0" algn="ctr" latinLnBrk="0">
+                        <a:lnSpc>
+                          <a:spcPct val="130000"/>
+                        </a:lnSpc>
+                        <a:spcBef>
+                          <a:spcPts val="0"/>
+                        </a:spcBef>
+                        <a:spcAft>
+                          <a:spcPts val="0"/>
+                        </a:spcAft>
+                        <a:defRPr/>
+                      </a:pPr>
+                      <a:endParaRPr lang="ko-KR" altLang="en-US" sz="1800" b="0" kern="0" spc="-60">
+                        <a:solidFill>
+                          <a:srgbClr val="000000"/>
+                        </a:solidFill>
+                        <a:effectLst/>
+                        <a:latin typeface="+mj-lt"/>
+                      </a:endParaRPr>
+                    </a:p>
+                  </a:txBody>
+                  <a:tcPr marL="91440" marR="91440" anchor="ctr">
+                    <a:lnL w="3556" cap="flat" cmpd="sng" algn="ctr">
+                      <a:solidFill>
+                        <a:srgbClr val="000000"/>
+                      </a:solidFill>
+                      <a:prstDash val="solid"/>
+                      <a:round/>
+                      <a:headEnd w="med" len="med"/>
+                      <a:tailEnd w="med" len="med"/>
+                    </a:lnL>
+                    <a:lnR w="3556" cap="flat" cmpd="sng" algn="ctr">
+                      <a:solidFill>
+                        <a:srgbClr val="000000"/>
+                      </a:solidFill>
+                      <a:prstDash val="solid"/>
+                      <a:round/>
+                      <a:headEnd w="med" len="med"/>
+                      <a:tailEnd w="med" len="med"/>
+                    </a:lnR>
+                    <a:lnT w="3556" cap="flat" cmpd="sng" algn="ctr">
+                      <a:solidFill>
+                        <a:srgbClr val="000000"/>
+                      </a:solidFill>
+                      <a:prstDash val="solid"/>
+                      <a:round/>
+                      <a:headEnd w="med" len="med"/>
+                      <a:tailEnd w="med" len="med"/>
+                    </a:lnT>
+                    <a:lnB w="3556" cap="flat" cmpd="sng" algn="ctr">
+                      <a:solidFill>
+                        <a:srgbClr val="000000"/>
+                      </a:solidFill>
+                      <a:prstDash val="solid"/>
+                      <a:round/>
+                      <a:headEnd w="med" len="med"/>
+                      <a:tailEnd w="med" len="med"/>
+                    </a:lnB>
+                  </a:tcPr>
+                </a:tc>
+              </a:tr>
+              <a:tr h="511740">
+                <a:tc vMerge="1">
+                  <a:txBody>
+                    <a:bodyPr/>
+                    <a:p>
+                      <a:pPr latinLnBrk="1">
+                        <a:defRPr/>
+                      </a:pPr>
+                      <a:endParaRPr lang="ko-KR" altLang="en-US"/>
+                    </a:p>
+                  </a:txBody>
+                  <a:tcPr marL="91440" marR="91440"/>
+                </a:tc>
+                <a:tc>
+                  <a:txBody>
+                    <a:bodyPr vert="horz" lIns="91440" tIns="45720" rIns="91440" bIns="45720" anchor="ctr" anchorCtr="0"/>
+                    <a:p>
+                      <a:pPr marL="0" marR="0" indent="0" algn="ctr" latinLnBrk="0">
+                        <a:lnSpc>
+                          <a:spcPct val="130000"/>
+                        </a:lnSpc>
+                        <a:spcBef>
+                          <a:spcPts val="0"/>
+                        </a:spcBef>
+                        <a:spcAft>
+                          <a:spcPts val="0"/>
+                        </a:spcAft>
+                        <a:defRPr/>
+                      </a:pPr>
+                      <a:r>
+                        <a:rPr lang="en-US" altLang="ko-KR" sz="1800" b="0" kern="0" spc="-60">
+                          <a:solidFill>
+                            <a:srgbClr val="000000"/>
+                          </a:solidFill>
+                          <a:effectLst/>
+                          <a:latin typeface="+mj-lt"/>
+                          <a:ea typeface="함초롬바탕"/>
+                        </a:rPr>
+                        <a:t>4</a:t>
+                      </a:r>
+                      <a:r>
+                        <a:rPr lang="ko-KR" altLang="en-US" sz="1800" b="0" kern="0" spc="-60">
+                          <a:solidFill>
+                            <a:srgbClr val="000000"/>
+                          </a:solidFill>
+                          <a:effectLst/>
+                          <a:latin typeface="+mj-lt"/>
+                          <a:ea typeface="함초롬바탕"/>
+                        </a:rPr>
+                        <a:t>주차</a:t>
+                      </a:r>
+                      <a:endParaRPr lang="ko-KR" altLang="en-US" sz="1800" b="0" kern="0" spc="-60">
+                        <a:solidFill>
+                          <a:srgbClr val="000000"/>
+                        </a:solidFill>
+                        <a:effectLst/>
+                        <a:latin typeface="+mj-lt"/>
+                      </a:endParaRPr>
+                    </a:p>
+                  </a:txBody>
+                  <a:tcPr marL="91440" marR="91440" anchor="ctr">
+                    <a:lnL w="3556" cap="flat" cmpd="sng" algn="ctr">
+                      <a:solidFill>
+                        <a:srgbClr val="000000"/>
+                      </a:solidFill>
+                      <a:prstDash val="solid"/>
+                      <a:round/>
+                      <a:headEnd w="med" len="med"/>
+                      <a:tailEnd w="med" len="med"/>
+                    </a:lnL>
+                    <a:lnR w="3556" cap="flat" cmpd="sng" algn="ctr">
+                      <a:solidFill>
+                        <a:srgbClr val="000000"/>
+                      </a:solidFill>
+                      <a:prstDash val="solid"/>
+                      <a:round/>
+                      <a:headEnd w="med" len="med"/>
+                      <a:tailEnd w="med" len="med"/>
+                    </a:lnR>
+                    <a:lnT w="3556" cap="flat" cmpd="sng" algn="ctr">
+                      <a:solidFill>
+                        <a:srgbClr val="000000"/>
+                      </a:solidFill>
+                      <a:prstDash val="solid"/>
+                      <a:round/>
+                      <a:headEnd w="med" len="med"/>
+                      <a:tailEnd w="med" len="med"/>
+                    </a:lnT>
+                    <a:lnB w="3556" cap="flat" cmpd="sng" algn="ctr">
+                      <a:solidFill>
+                        <a:srgbClr val="000000"/>
+                      </a:solidFill>
+                      <a:prstDash val="solid"/>
+                      <a:round/>
+                      <a:headEnd w="med" len="med"/>
+                      <a:tailEnd w="med" len="med"/>
+                    </a:lnB>
+                  </a:tcPr>
+                </a:tc>
+                <a:tc>
+                  <a:txBody>
+                    <a:bodyPr vert="horz" lIns="91440" tIns="45720" rIns="91440" bIns="45720" anchor="ctr" anchorCtr="0"/>
+                    <a:p>
+                      <a:pPr marL="0" marR="0" indent="0" algn="ctr" latinLnBrk="0">
+                        <a:lnSpc>
+                          <a:spcPct val="130000"/>
+                        </a:lnSpc>
+                        <a:spcBef>
+                          <a:spcPts val="0"/>
+                        </a:spcBef>
+                        <a:spcAft>
+                          <a:spcPts val="0"/>
+                        </a:spcAft>
+                        <a:defRPr/>
+                      </a:pPr>
+                      <a:r>
+                        <a:rPr lang="ko-KR" altLang="en-US" sz="1800" b="0" kern="0" spc="-60">
+                          <a:solidFill>
+                            <a:srgbClr val="000000"/>
+                          </a:solidFill>
+                          <a:effectLst/>
+                          <a:latin typeface="+mj-lt"/>
+                          <a:ea typeface="함초롬바탕"/>
+                        </a:rPr>
+                        <a:t>제품 개발 기획</a:t>
+                      </a:r>
+                      <a:endParaRPr lang="ko-KR" altLang="en-US" sz="1800" b="0" kern="0" spc="-60">
+                        <a:solidFill>
+                          <a:srgbClr val="000000"/>
+                        </a:solidFill>
+                        <a:effectLst/>
+                        <a:latin typeface="+mj-lt"/>
+                      </a:endParaRPr>
+                    </a:p>
+                  </a:txBody>
+                  <a:tcPr marL="91440" marR="91440" anchor="ctr">
+                    <a:lnL w="3556" cap="flat" cmpd="sng" algn="ctr">
+                      <a:solidFill>
+                        <a:srgbClr val="000000"/>
+                      </a:solidFill>
+                      <a:prstDash val="solid"/>
+                      <a:round/>
+                      <a:headEnd w="med" len="med"/>
+                      <a:tailEnd w="med" len="med"/>
+                    </a:lnL>
+                    <a:lnR w="3556" cap="flat" cmpd="sng" algn="ctr">
+                      <a:solidFill>
+                        <a:srgbClr val="000000"/>
+                      </a:solidFill>
+                      <a:prstDash val="solid"/>
+                      <a:round/>
+                      <a:headEnd w="med" len="med"/>
+                      <a:tailEnd w="med" len="med"/>
+                    </a:lnR>
+                    <a:lnT w="3556" cap="flat" cmpd="sng" algn="ctr">
+                      <a:solidFill>
+                        <a:srgbClr val="000000"/>
+                      </a:solidFill>
+                      <a:prstDash val="solid"/>
+                      <a:round/>
+                      <a:headEnd w="med" len="med"/>
+                      <a:tailEnd w="med" len="med"/>
+                    </a:lnT>
+                    <a:lnB w="3556" cap="flat" cmpd="sng" algn="ctr">
+                      <a:solidFill>
+                        <a:srgbClr val="000000"/>
+                      </a:solidFill>
+                      <a:prstDash val="solid"/>
+                      <a:round/>
+                      <a:headEnd w="med" len="med"/>
+                      <a:tailEnd w="med" len="med"/>
+                    </a:lnB>
+                  </a:tcPr>
+                </a:tc>
+                <a:tc>
+                  <a:txBody>
+                    <a:bodyPr vert="horz" lIns="91440" tIns="45720" rIns="91440" bIns="45720" anchor="ctr" anchorCtr="0"/>
+                    <a:p>
+                      <a:pPr marL="0" marR="0" indent="0" algn="ctr" latinLnBrk="0">
+                        <a:lnSpc>
+                          <a:spcPct val="130000"/>
+                        </a:lnSpc>
+                        <a:spcBef>
+                          <a:spcPts val="0"/>
+                        </a:spcBef>
+                        <a:spcAft>
+                          <a:spcPts val="0"/>
+                        </a:spcAft>
+                        <a:defRPr/>
+                      </a:pPr>
+                      <a:endParaRPr lang="ko-KR" altLang="en-US" sz="1800" b="0" kern="0" spc="-60">
+                        <a:solidFill>
+                          <a:srgbClr val="000000"/>
+                        </a:solidFill>
+                        <a:effectLst/>
+                        <a:latin typeface="+mj-lt"/>
+                      </a:endParaRPr>
+                    </a:p>
+                  </a:txBody>
+                  <a:tcPr marL="91440" marR="91440" anchor="ctr">
+                    <a:lnL w="3556" cap="flat" cmpd="sng" algn="ctr">
+                      <a:solidFill>
+                        <a:srgbClr val="000000"/>
+                      </a:solidFill>
+                      <a:prstDash val="solid"/>
+                      <a:round/>
+                      <a:headEnd w="med" len="med"/>
+                      <a:tailEnd w="med" len="med"/>
+                    </a:lnL>
+                    <a:lnR w="3556" cap="flat" cmpd="sng" algn="ctr">
+                      <a:solidFill>
+                        <a:srgbClr val="000000"/>
+                      </a:solidFill>
+                      <a:prstDash val="solid"/>
+                      <a:round/>
+                      <a:headEnd w="med" len="med"/>
+                      <a:tailEnd w="med" len="med"/>
+                    </a:lnR>
+                    <a:lnT w="3556" cap="flat" cmpd="sng" algn="ctr">
+                      <a:solidFill>
+                        <a:srgbClr val="000000"/>
+                      </a:solidFill>
+                      <a:prstDash val="solid"/>
+                      <a:round/>
+                      <a:headEnd w="med" len="med"/>
+                      <a:tailEnd w="med" len="med"/>
+                    </a:lnT>
+                    <a:lnB w="3556" cap="flat" cmpd="sng" algn="ctr">
+                      <a:solidFill>
+                        <a:srgbClr val="000000"/>
+                      </a:solidFill>
+                      <a:prstDash val="solid"/>
+                      <a:round/>
+                      <a:headEnd w="med" len="med"/>
+                      <a:tailEnd w="med" len="med"/>
+                    </a:lnB>
+                  </a:tcPr>
+                </a:tc>
+              </a:tr>
+              <a:tr h="511740">
+                <a:tc vMerge="1">
+                  <a:txBody>
+                    <a:bodyPr/>
+                    <a:p>
+                      <a:pPr latinLnBrk="1">
+                        <a:defRPr/>
+                      </a:pPr>
+                      <a:endParaRPr lang="ko-KR" altLang="en-US"/>
+                    </a:p>
+                  </a:txBody>
+                  <a:tcPr marL="91440" marR="91440"/>
+                </a:tc>
+                <a:tc>
+                  <a:txBody>
+                    <a:bodyPr vert="horz" lIns="91440" tIns="45720" rIns="91440" bIns="45720" anchor="ctr" anchorCtr="0"/>
+                    <a:p>
+                      <a:pPr marL="0" marR="0" indent="0" algn="ctr" latinLnBrk="0">
+                        <a:lnSpc>
+                          <a:spcPct val="130000"/>
+                        </a:lnSpc>
+                        <a:spcBef>
+                          <a:spcPts val="0"/>
+                        </a:spcBef>
+                        <a:spcAft>
+                          <a:spcPts val="0"/>
+                        </a:spcAft>
+                        <a:defRPr/>
+                      </a:pPr>
+                      <a:r>
+                        <a:rPr lang="en-US" altLang="ko-KR" sz="1800" b="0" kern="0" spc="-60">
+                          <a:solidFill>
+                            <a:srgbClr val="000000"/>
+                          </a:solidFill>
+                          <a:effectLst/>
+                          <a:latin typeface="+mj-lt"/>
+                          <a:ea typeface="함초롬바탕"/>
+                        </a:rPr>
+                        <a:t>5</a:t>
+                      </a:r>
+                      <a:r>
+                        <a:rPr lang="ko-KR" altLang="en-US" sz="1800" b="0" kern="0" spc="-60">
+                          <a:solidFill>
+                            <a:srgbClr val="000000"/>
+                          </a:solidFill>
+                          <a:effectLst/>
+                          <a:latin typeface="+mj-lt"/>
+                          <a:ea typeface="함초롬바탕"/>
+                        </a:rPr>
+                        <a:t>주차</a:t>
+                      </a:r>
+                      <a:endParaRPr lang="ko-KR" altLang="en-US" sz="1800" b="0" kern="0" spc="-60">
+                        <a:solidFill>
+                          <a:srgbClr val="000000"/>
+                        </a:solidFill>
+                        <a:effectLst/>
+                        <a:latin typeface="+mj-lt"/>
+                      </a:endParaRPr>
+                    </a:p>
+                  </a:txBody>
+                  <a:tcPr marL="91440" marR="91440" anchor="ctr">
+                    <a:lnL w="3556" cap="flat" cmpd="sng" algn="ctr">
+                      <a:solidFill>
+                        <a:srgbClr val="000000"/>
+                      </a:solidFill>
+                      <a:prstDash val="solid"/>
+                      <a:round/>
+                      <a:headEnd w="med" len="med"/>
+                      <a:tailEnd w="med" len="med"/>
+                    </a:lnL>
+                    <a:lnR w="3556" cap="flat" cmpd="sng" algn="ctr">
+                      <a:solidFill>
+                        <a:srgbClr val="000000"/>
+                      </a:solidFill>
+                      <a:prstDash val="solid"/>
+                      <a:round/>
+                      <a:headEnd w="med" len="med"/>
+                      <a:tailEnd w="med" len="med"/>
+                    </a:lnR>
+                    <a:lnT w="3556" cap="flat" cmpd="sng" algn="ctr">
+                      <a:solidFill>
+                        <a:srgbClr val="000000"/>
+                      </a:solidFill>
+                      <a:prstDash val="solid"/>
+                      <a:round/>
+                      <a:headEnd w="med" len="med"/>
+                      <a:tailEnd w="med" len="med"/>
+                    </a:lnT>
+                    <a:lnB w="3556" cap="flat" cmpd="sng" algn="ctr">
+                      <a:solidFill>
+                        <a:srgbClr val="000000"/>
+                      </a:solidFill>
+                      <a:prstDash val="solid"/>
+                      <a:round/>
+                      <a:headEnd w="med" len="med"/>
+                      <a:tailEnd w="med" len="med"/>
+                    </a:lnB>
+                  </a:tcPr>
+                </a:tc>
+                <a:tc>
+                  <a:txBody>
+                    <a:bodyPr vert="horz" lIns="91440" tIns="45720" rIns="91440" bIns="45720" anchor="ctr" anchorCtr="0"/>
+                    <a:p>
+                      <a:pPr marL="0" marR="0" indent="0" algn="ctr" latinLnBrk="0">
+                        <a:lnSpc>
+                          <a:spcPct val="130000"/>
+                        </a:lnSpc>
+                        <a:spcBef>
+                          <a:spcPts val="0"/>
+                        </a:spcBef>
+                        <a:spcAft>
+                          <a:spcPts val="0"/>
+                        </a:spcAft>
+                        <a:defRPr/>
+                      </a:pPr>
+                      <a:r>
+                        <a:rPr lang="ko-KR" altLang="en-US" sz="1800" b="0" kern="0" spc="-60">
+                          <a:solidFill>
+                            <a:srgbClr val="000000"/>
+                          </a:solidFill>
+                          <a:effectLst/>
+                          <a:latin typeface="+mj-lt"/>
+                          <a:ea typeface="함초롬바탕"/>
+                        </a:rPr>
+                        <a:t>제품 개발 설계</a:t>
+                      </a:r>
+                      <a:endParaRPr lang="ko-KR" altLang="en-US" sz="1800" b="0" kern="0" spc="-60">
+                        <a:solidFill>
+                          <a:srgbClr val="000000"/>
+                        </a:solidFill>
+                        <a:effectLst/>
+                        <a:latin typeface="+mj-lt"/>
+                      </a:endParaRPr>
+                    </a:p>
+                  </a:txBody>
+                  <a:tcPr marL="91440" marR="91440" anchor="ctr">
+                    <a:lnL w="3556" cap="flat" cmpd="sng" algn="ctr">
+                      <a:solidFill>
+                        <a:srgbClr val="000000"/>
+                      </a:solidFill>
+                      <a:prstDash val="solid"/>
+                      <a:round/>
+                      <a:headEnd w="med" len="med"/>
+                      <a:tailEnd w="med" len="med"/>
+                    </a:lnL>
+                    <a:lnR w="3556" cap="flat" cmpd="sng" algn="ctr">
+                      <a:solidFill>
+                        <a:srgbClr val="000000"/>
+                      </a:solidFill>
+                      <a:prstDash val="solid"/>
+                      <a:round/>
+                      <a:headEnd w="med" len="med"/>
+                      <a:tailEnd w="med" len="med"/>
+                    </a:lnR>
+                    <a:lnT w="3556" cap="flat" cmpd="sng" algn="ctr">
+                      <a:solidFill>
+                        <a:srgbClr val="000000"/>
+                      </a:solidFill>
+                      <a:prstDash val="solid"/>
+                      <a:round/>
+                      <a:headEnd w="med" len="med"/>
+                      <a:tailEnd w="med" len="med"/>
+                    </a:lnT>
+                    <a:lnB w="3556" cap="flat" cmpd="sng" algn="ctr">
+                      <a:solidFill>
+                        <a:srgbClr val="000000"/>
+                      </a:solidFill>
+                      <a:prstDash val="solid"/>
+                      <a:round/>
+                      <a:headEnd w="med" len="med"/>
+                      <a:tailEnd w="med" len="med"/>
+                    </a:lnB>
+                  </a:tcPr>
+                </a:tc>
+                <a:tc>
+                  <a:txBody>
+                    <a:bodyPr vert="horz" lIns="91440" tIns="45720" rIns="91440" bIns="45720" anchor="ctr" anchorCtr="0"/>
+                    <a:p>
+                      <a:pPr marL="0" marR="0" indent="0" algn="ctr" latinLnBrk="0">
+                        <a:lnSpc>
+                          <a:spcPct val="130000"/>
+                        </a:lnSpc>
+                        <a:spcBef>
+                          <a:spcPts val="0"/>
+                        </a:spcBef>
+                        <a:spcAft>
+                          <a:spcPts val="0"/>
+                        </a:spcAft>
+                        <a:defRPr/>
+                      </a:pPr>
+                      <a:endParaRPr lang="ko-KR" altLang="en-US" sz="1800" b="0" kern="0" spc="-60">
+                        <a:solidFill>
+                          <a:srgbClr val="000000"/>
+                        </a:solidFill>
+                        <a:effectLst/>
+                        <a:latin typeface="+mj-lt"/>
+                      </a:endParaRPr>
+                    </a:p>
+                  </a:txBody>
+                  <a:tcPr marL="91440" marR="91440" anchor="ctr">
+                    <a:lnL w="3556" cap="flat" cmpd="sng" algn="ctr">
+                      <a:solidFill>
+                        <a:srgbClr val="000000"/>
+                      </a:solidFill>
+                      <a:prstDash val="solid"/>
+                      <a:round/>
+                      <a:headEnd w="med" len="med"/>
+                      <a:tailEnd w="med" len="med"/>
+                    </a:lnL>
+                    <a:lnR w="3556" cap="flat" cmpd="sng" algn="ctr">
+                      <a:solidFill>
+                        <a:srgbClr val="000000"/>
+                      </a:solidFill>
+                      <a:prstDash val="solid"/>
+                      <a:round/>
+                      <a:headEnd w="med" len="med"/>
+                      <a:tailEnd w="med" len="med"/>
+                    </a:lnR>
+                    <a:lnT w="3556" cap="flat" cmpd="sng" algn="ctr">
+                      <a:solidFill>
+                        <a:srgbClr val="000000"/>
+                      </a:solidFill>
+                      <a:prstDash val="solid"/>
+                      <a:round/>
+                      <a:headEnd w="med" len="med"/>
+                      <a:tailEnd w="med" len="med"/>
+                    </a:lnT>
+                    <a:lnB w="3556" cap="flat" cmpd="sng" algn="ctr">
+                      <a:solidFill>
+                        <a:srgbClr val="000000"/>
+                      </a:solidFill>
+                      <a:prstDash val="solid"/>
+                      <a:round/>
+                      <a:headEnd w="med" len="med"/>
+                      <a:tailEnd w="med" len="med"/>
+                    </a:lnB>
+                  </a:tcPr>
+                </a:tc>
+              </a:tr>
+              <a:tr h="511740">
+                <a:tc vMerge="1">
+                  <a:txBody>
+                    <a:bodyPr/>
+                    <a:p>
+                      <a:pPr latinLnBrk="1">
+                        <a:defRPr/>
+                      </a:pPr>
+                      <a:endParaRPr lang="ko-KR" altLang="en-US"/>
+                    </a:p>
+                  </a:txBody>
+                  <a:tcPr marL="91440" marR="91440"/>
+                </a:tc>
+                <a:tc>
+                  <a:txBody>
+                    <a:bodyPr vert="horz" lIns="91440" tIns="45720" rIns="91440" bIns="45720" anchor="ctr" anchorCtr="0"/>
+                    <a:p>
+                      <a:pPr marL="0" marR="0" indent="0" algn="ctr" latinLnBrk="0">
+                        <a:lnSpc>
+                          <a:spcPct val="130000"/>
+                        </a:lnSpc>
+                        <a:spcBef>
+                          <a:spcPts val="0"/>
+                        </a:spcBef>
+                        <a:spcAft>
+                          <a:spcPts val="0"/>
+                        </a:spcAft>
+                        <a:defRPr/>
+                      </a:pPr>
+                      <a:r>
+                        <a:rPr lang="en-US" altLang="ko-KR" sz="1800" b="0" kern="0" spc="-60">
+                          <a:solidFill>
+                            <a:srgbClr val="000000"/>
+                          </a:solidFill>
+                          <a:effectLst/>
+                          <a:latin typeface="+mj-lt"/>
+                          <a:ea typeface="함초롬바탕"/>
+                        </a:rPr>
+                        <a:t>6</a:t>
+                      </a:r>
+                      <a:r>
+                        <a:rPr lang="ko-KR" altLang="en-US" sz="1800" b="0" kern="0" spc="-60">
+                          <a:solidFill>
+                            <a:srgbClr val="000000"/>
+                          </a:solidFill>
+                          <a:effectLst/>
+                          <a:latin typeface="+mj-lt"/>
+                          <a:ea typeface="함초롬바탕"/>
+                        </a:rPr>
+                        <a:t>주차</a:t>
+                      </a:r>
+                      <a:endParaRPr lang="ko-KR" altLang="en-US" sz="1800" b="0" kern="0" spc="-60">
+                        <a:solidFill>
+                          <a:srgbClr val="000000"/>
+                        </a:solidFill>
+                        <a:effectLst/>
+                        <a:latin typeface="+mj-lt"/>
+                      </a:endParaRPr>
+                    </a:p>
+                  </a:txBody>
+                  <a:tcPr marL="91440" marR="91440" anchor="ctr">
+                    <a:lnL w="3556" cap="flat" cmpd="sng" algn="ctr">
+                      <a:solidFill>
+                        <a:srgbClr val="000000"/>
+                      </a:solidFill>
+                      <a:prstDash val="solid"/>
+                      <a:round/>
+                      <a:headEnd w="med" len="med"/>
+                      <a:tailEnd w="med" len="med"/>
+                    </a:lnL>
+                    <a:lnR w="3556" cap="flat" cmpd="sng" algn="ctr">
+                      <a:solidFill>
+                        <a:srgbClr val="000000"/>
+                      </a:solidFill>
+                      <a:prstDash val="solid"/>
+                      <a:round/>
+                      <a:headEnd w="med" len="med"/>
+                      <a:tailEnd w="med" len="med"/>
+                    </a:lnR>
+                    <a:lnT w="3556" cap="flat" cmpd="sng" algn="ctr">
+                      <a:solidFill>
+                        <a:srgbClr val="000000"/>
+                      </a:solidFill>
+                      <a:prstDash val="solid"/>
+                      <a:round/>
+                      <a:headEnd w="med" len="med"/>
+                      <a:tailEnd w="med" len="med"/>
+                    </a:lnT>
+                    <a:lnB w="3556" cap="flat" cmpd="sng" algn="ctr">
+                      <a:solidFill>
+                        <a:srgbClr val="000000"/>
+                      </a:solidFill>
+                      <a:prstDash val="solid"/>
+                      <a:round/>
+                      <a:headEnd w="med" len="med"/>
+                      <a:tailEnd w="med" len="med"/>
+                    </a:lnB>
+                  </a:tcPr>
+                </a:tc>
+                <a:tc>
+                  <a:txBody>
+                    <a:bodyPr vert="horz" lIns="91440" tIns="45720" rIns="91440" bIns="45720" anchor="ctr" anchorCtr="0"/>
+                    <a:p>
+                      <a:pPr marL="0" marR="0" indent="0" algn="ctr" latinLnBrk="0">
+                        <a:lnSpc>
+                          <a:spcPct val="130000"/>
+                        </a:lnSpc>
+                        <a:spcBef>
+                          <a:spcPts val="0"/>
+                        </a:spcBef>
+                        <a:spcAft>
+                          <a:spcPts val="0"/>
+                        </a:spcAft>
+                        <a:defRPr/>
+                      </a:pPr>
+                      <a:r>
+                        <a:rPr lang="ko-KR" altLang="en-US" sz="1800" b="0" kern="0" spc="-60">
+                          <a:solidFill>
+                            <a:srgbClr val="000000"/>
+                          </a:solidFill>
+                          <a:effectLst/>
+                          <a:latin typeface="+mj-lt"/>
+                          <a:ea typeface="함초롬바탕"/>
+                        </a:rPr>
+                        <a:t>제품 개발 프로그래밍</a:t>
+                      </a:r>
+                      <a:endParaRPr lang="ko-KR" altLang="en-US" sz="1800" b="0" kern="0" spc="-60">
+                        <a:solidFill>
+                          <a:srgbClr val="000000"/>
+                        </a:solidFill>
+                        <a:effectLst/>
+                        <a:latin typeface="+mj-lt"/>
+                      </a:endParaRPr>
+                    </a:p>
+                  </a:txBody>
+                  <a:tcPr marL="91440" marR="91440" anchor="ctr">
+                    <a:lnL w="3556" cap="flat" cmpd="sng" algn="ctr">
+                      <a:solidFill>
+                        <a:srgbClr val="000000"/>
+                      </a:solidFill>
+                      <a:prstDash val="solid"/>
+                      <a:round/>
+                      <a:headEnd w="med" len="med"/>
+                      <a:tailEnd w="med" len="med"/>
+                    </a:lnL>
+                    <a:lnR w="3556" cap="flat" cmpd="sng" algn="ctr">
+                      <a:solidFill>
+                        <a:srgbClr val="000000"/>
+                      </a:solidFill>
+                      <a:prstDash val="solid"/>
+                      <a:round/>
+                      <a:headEnd w="med" len="med"/>
+                      <a:tailEnd w="med" len="med"/>
+                    </a:lnR>
+                    <a:lnT w="3556" cap="flat" cmpd="sng" algn="ctr">
+                      <a:solidFill>
+                        <a:srgbClr val="000000"/>
+                      </a:solidFill>
+                      <a:prstDash val="solid"/>
+                      <a:round/>
+                      <a:headEnd w="med" len="med"/>
+                      <a:tailEnd w="med" len="med"/>
+                    </a:lnT>
+                    <a:lnB w="3556" cap="flat" cmpd="sng" algn="ctr">
+                      <a:solidFill>
+                        <a:srgbClr val="000000"/>
+                      </a:solidFill>
+                      <a:prstDash val="solid"/>
+                      <a:round/>
+                      <a:headEnd w="med" len="med"/>
+                      <a:tailEnd w="med" len="med"/>
+                    </a:lnB>
+                  </a:tcPr>
+                </a:tc>
+                <a:tc>
+                  <a:txBody>
+                    <a:bodyPr vert="horz" lIns="91440" tIns="45720" rIns="91440" bIns="45720" anchor="ctr" anchorCtr="0"/>
+                    <a:p>
+                      <a:pPr marL="0" marR="0" indent="0" algn="ctr" latinLnBrk="0">
+                        <a:lnSpc>
+                          <a:spcPct val="130000"/>
+                        </a:lnSpc>
+                        <a:spcBef>
+                          <a:spcPts val="0"/>
+                        </a:spcBef>
+                        <a:spcAft>
+                          <a:spcPts val="0"/>
+                        </a:spcAft>
+                        <a:defRPr/>
+                      </a:pPr>
+                      <a:endParaRPr lang="ko-KR" altLang="en-US" sz="1800" b="0" kern="0" spc="-60">
+                        <a:solidFill>
+                          <a:srgbClr val="000000"/>
+                        </a:solidFill>
+                        <a:effectLst/>
+                        <a:latin typeface="+mj-lt"/>
+                      </a:endParaRPr>
+                    </a:p>
+                  </a:txBody>
+                  <a:tcPr marL="91440" marR="91440" anchor="ctr">
+                    <a:lnL w="3556" cap="flat" cmpd="sng" algn="ctr">
+                      <a:solidFill>
+                        <a:srgbClr val="000000"/>
+                      </a:solidFill>
+                      <a:prstDash val="solid"/>
+                      <a:round/>
+                      <a:headEnd w="med" len="med"/>
+                      <a:tailEnd w="med" len="med"/>
+                    </a:lnL>
+                    <a:lnR w="3556" cap="flat" cmpd="sng" algn="ctr">
+                      <a:solidFill>
+                        <a:srgbClr val="000000"/>
+                      </a:solidFill>
+                      <a:prstDash val="solid"/>
+                      <a:round/>
+                      <a:headEnd w="med" len="med"/>
+                      <a:tailEnd w="med" len="med"/>
+                    </a:lnR>
+                    <a:lnT w="3556" cap="flat" cmpd="sng" algn="ctr">
+                      <a:solidFill>
+                        <a:srgbClr val="000000"/>
+                      </a:solidFill>
+                      <a:prstDash val="solid"/>
+                      <a:round/>
+                      <a:headEnd w="med" len="med"/>
+                      <a:tailEnd w="med" len="med"/>
+                    </a:lnT>
+                    <a:lnB w="3556" cap="flat" cmpd="sng" algn="ctr">
+                      <a:solidFill>
+                        <a:srgbClr val="000000"/>
+                      </a:solidFill>
+                      <a:prstDash val="solid"/>
+                      <a:round/>
+                      <a:headEnd w="med" len="med"/>
+                      <a:tailEnd w="med" len="med"/>
+                    </a:lnB>
+                  </a:tcPr>
+                </a:tc>
+              </a:tr>
+              <a:tr h="511740">
+                <a:tc vMerge="1">
+                  <a:txBody>
+                    <a:bodyPr/>
+                    <a:p>
+                      <a:pPr latinLnBrk="1">
+                        <a:defRPr/>
+                      </a:pPr>
+                      <a:endParaRPr lang="ko-KR" altLang="en-US"/>
+                    </a:p>
+                  </a:txBody>
+                  <a:tcPr marL="91440" marR="91440"/>
+                </a:tc>
+                <a:tc>
+                  <a:txBody>
+                    <a:bodyPr vert="horz" lIns="91440" tIns="45720" rIns="91440" bIns="45720" anchor="ctr" anchorCtr="0"/>
+                    <a:p>
+                      <a:pPr marL="0" marR="0" indent="0" algn="ctr" latinLnBrk="0">
+                        <a:lnSpc>
+                          <a:spcPct val="130000"/>
+                        </a:lnSpc>
+                        <a:spcBef>
+                          <a:spcPts val="0"/>
+                        </a:spcBef>
+                        <a:spcAft>
+                          <a:spcPts val="0"/>
+                        </a:spcAft>
+                        <a:defRPr/>
+                      </a:pPr>
+                      <a:r>
+                        <a:rPr lang="en-US" altLang="ko-KR" sz="1800" b="0" kern="0" spc="-60">
+                          <a:solidFill>
+                            <a:srgbClr val="000000"/>
+                          </a:solidFill>
+                          <a:effectLst/>
+                          <a:latin typeface="+mj-lt"/>
+                          <a:ea typeface="함초롬바탕"/>
+                        </a:rPr>
+                        <a:t>7</a:t>
+                      </a:r>
+                      <a:r>
+                        <a:rPr lang="ko-KR" altLang="en-US" sz="1800" b="0" kern="0" spc="-60">
+                          <a:solidFill>
+                            <a:srgbClr val="000000"/>
+                          </a:solidFill>
+                          <a:effectLst/>
+                          <a:latin typeface="+mj-lt"/>
+                          <a:ea typeface="함초롬바탕"/>
+                        </a:rPr>
+                        <a:t>주차</a:t>
+                      </a:r>
+                      <a:endParaRPr lang="ko-KR" altLang="en-US" sz="1800" b="0" kern="0" spc="-60">
+                        <a:solidFill>
+                          <a:srgbClr val="000000"/>
+                        </a:solidFill>
+                        <a:effectLst/>
+                        <a:latin typeface="+mj-lt"/>
+                      </a:endParaRPr>
+                    </a:p>
+                  </a:txBody>
+                  <a:tcPr marL="91440" marR="91440" anchor="ctr">
+                    <a:lnL w="3556" cap="flat" cmpd="sng" algn="ctr">
+                      <a:solidFill>
+                        <a:srgbClr val="000000"/>
+                      </a:solidFill>
+                      <a:prstDash val="solid"/>
+                      <a:round/>
+                      <a:headEnd w="med" len="med"/>
+                      <a:tailEnd w="med" len="med"/>
+                    </a:lnL>
+                    <a:lnR w="3556" cap="flat" cmpd="sng" algn="ctr">
+                      <a:solidFill>
+                        <a:srgbClr val="000000"/>
+                      </a:solidFill>
+                      <a:prstDash val="solid"/>
+                      <a:round/>
+                      <a:headEnd w="med" len="med"/>
+                      <a:tailEnd w="med" len="med"/>
+                    </a:lnR>
+                    <a:lnT w="3556" cap="flat" cmpd="sng" algn="ctr">
+                      <a:solidFill>
+                        <a:srgbClr val="000000"/>
+                      </a:solidFill>
+                      <a:prstDash val="solid"/>
+                      <a:round/>
+                      <a:headEnd w="med" len="med"/>
+                      <a:tailEnd w="med" len="med"/>
+                    </a:lnT>
+                    <a:lnB w="3556" cap="flat" cmpd="sng" algn="ctr">
+                      <a:solidFill>
+                        <a:srgbClr val="000000"/>
+                      </a:solidFill>
+                      <a:prstDash val="solid"/>
+                      <a:round/>
+                      <a:headEnd w="med" len="med"/>
+                      <a:tailEnd w="med" len="med"/>
+                    </a:lnB>
+                  </a:tcPr>
+                </a:tc>
+                <a:tc>
+                  <a:txBody>
+                    <a:bodyPr vert="horz" lIns="91440" tIns="45720" rIns="91440" bIns="45720" anchor="ctr" anchorCtr="0"/>
+                    <a:p>
+                      <a:pPr marL="0" marR="0" indent="0" algn="ctr" latinLnBrk="0">
+                        <a:lnSpc>
+                          <a:spcPct val="130000"/>
+                        </a:lnSpc>
+                        <a:spcBef>
+                          <a:spcPts val="0"/>
+                        </a:spcBef>
+                        <a:spcAft>
+                          <a:spcPts val="0"/>
+                        </a:spcAft>
+                        <a:defRPr/>
+                      </a:pPr>
+                      <a:r>
+                        <a:rPr lang="ko-KR" altLang="en-US" sz="1800" b="0" kern="0" spc="-60">
+                          <a:solidFill>
+                            <a:srgbClr val="000000"/>
+                          </a:solidFill>
+                          <a:effectLst/>
+                          <a:latin typeface="+mj-lt"/>
+                          <a:ea typeface="함초롬바탕"/>
+                        </a:rPr>
+                        <a:t>검증 및 토의</a:t>
+                      </a:r>
+                      <a:endParaRPr lang="ko-KR" altLang="en-US" sz="1800" b="0" kern="0" spc="-60">
+                        <a:solidFill>
+                          <a:srgbClr val="000000"/>
+                        </a:solidFill>
+                        <a:effectLst/>
+                        <a:latin typeface="+mj-lt"/>
+                      </a:endParaRPr>
+                    </a:p>
+                  </a:txBody>
+                  <a:tcPr marL="91440" marR="91440" anchor="ctr">
+                    <a:lnL w="3556" cap="flat" cmpd="sng" algn="ctr">
+                      <a:solidFill>
+                        <a:srgbClr val="000000"/>
+                      </a:solidFill>
+                      <a:prstDash val="solid"/>
+                      <a:round/>
+                      <a:headEnd w="med" len="med"/>
+                      <a:tailEnd w="med" len="med"/>
+                    </a:lnL>
+                    <a:lnR w="3556" cap="flat" cmpd="sng" algn="ctr">
+                      <a:solidFill>
+                        <a:srgbClr val="000000"/>
+                      </a:solidFill>
+                      <a:prstDash val="solid"/>
+                      <a:round/>
+                      <a:headEnd w="med" len="med"/>
+                      <a:tailEnd w="med" len="med"/>
+                    </a:lnR>
+                    <a:lnT w="3556" cap="flat" cmpd="sng" algn="ctr">
+                      <a:solidFill>
+                        <a:srgbClr val="000000"/>
+                      </a:solidFill>
+                      <a:prstDash val="solid"/>
+                      <a:round/>
+                      <a:headEnd w="med" len="med"/>
+                      <a:tailEnd w="med" len="med"/>
+                    </a:lnT>
+                    <a:lnB w="3556" cap="flat" cmpd="sng" algn="ctr">
+                      <a:solidFill>
+                        <a:srgbClr val="000000"/>
+                      </a:solidFill>
+                      <a:prstDash val="solid"/>
+                      <a:round/>
+                      <a:headEnd w="med" len="med"/>
+                      <a:tailEnd w="med" len="med"/>
+                    </a:lnB>
+                  </a:tcPr>
+                </a:tc>
+                <a:tc>
+                  <a:txBody>
+                    <a:bodyPr vert="horz" lIns="91440" tIns="45720" rIns="91440" bIns="45720" anchor="ctr" anchorCtr="0"/>
+                    <a:p>
+                      <a:pPr marL="0" marR="0" indent="0" algn="ctr" latinLnBrk="0">
+                        <a:lnSpc>
+                          <a:spcPct val="130000"/>
+                        </a:lnSpc>
+                        <a:spcBef>
+                          <a:spcPts val="0"/>
+                        </a:spcBef>
+                        <a:spcAft>
+                          <a:spcPts val="0"/>
+                        </a:spcAft>
+                        <a:defRPr/>
+                      </a:pPr>
+                      <a:endParaRPr lang="ko-KR" altLang="en-US" sz="1800" b="0" kern="0" spc="-60">
+                        <a:solidFill>
+                          <a:srgbClr val="000000"/>
+                        </a:solidFill>
+                        <a:effectLst/>
+                        <a:latin typeface="+mj-lt"/>
+                      </a:endParaRPr>
+                    </a:p>
+                  </a:txBody>
+                  <a:tcPr marL="91440" marR="91440" anchor="ctr">
+                    <a:lnL w="3556" cap="flat" cmpd="sng" algn="ctr">
+                      <a:solidFill>
+                        <a:srgbClr val="000000"/>
+                      </a:solidFill>
+                      <a:prstDash val="solid"/>
+                      <a:round/>
+                      <a:headEnd w="med" len="med"/>
+                      <a:tailEnd w="med" len="med"/>
+                    </a:lnL>
+                    <a:lnR w="3556" cap="flat" cmpd="sng" algn="ctr">
+                      <a:solidFill>
+                        <a:srgbClr val="000000"/>
+                      </a:solidFill>
+                      <a:prstDash val="solid"/>
+                      <a:round/>
+                      <a:headEnd w="med" len="med"/>
+                      <a:tailEnd w="med" len="med"/>
+                    </a:lnR>
+                    <a:lnT w="3556" cap="flat" cmpd="sng" algn="ctr">
+                      <a:solidFill>
+                        <a:srgbClr val="000000"/>
+                      </a:solidFill>
+                      <a:prstDash val="solid"/>
+                      <a:round/>
+                      <a:headEnd w="med" len="med"/>
+                      <a:tailEnd w="med" len="med"/>
+                    </a:lnT>
+                    <a:lnB w="3556" cap="flat" cmpd="sng" algn="ctr">
+                      <a:solidFill>
+                        <a:srgbClr val="000000"/>
+                      </a:solidFill>
+                      <a:prstDash val="solid"/>
+                      <a:round/>
+                      <a:headEnd w="med" len="med"/>
+                      <a:tailEnd w="med" len="med"/>
+                    </a:lnB>
+                  </a:tcPr>
+                </a:tc>
+              </a:tr>
+              <a:tr h="511740">
+                <a:tc vMerge="1">
+                  <a:txBody>
+                    <a:bodyPr/>
+                    <a:p>
+                      <a:pPr latinLnBrk="1">
+                        <a:defRPr/>
+                      </a:pPr>
+                      <a:endParaRPr lang="ko-KR" altLang="en-US"/>
+                    </a:p>
+                  </a:txBody>
+                  <a:tcPr marL="91440" marR="91440"/>
+                </a:tc>
+                <a:tc>
+                  <a:txBody>
+                    <a:bodyPr vert="horz" lIns="91440" tIns="45720" rIns="91440" bIns="45720" anchor="ctr" anchorCtr="0"/>
+                    <a:p>
+                      <a:pPr marL="0" marR="0" indent="0" algn="ctr" latinLnBrk="0">
+                        <a:lnSpc>
+                          <a:spcPct val="130000"/>
+                        </a:lnSpc>
+                        <a:spcBef>
+                          <a:spcPts val="0"/>
+                        </a:spcBef>
+                        <a:spcAft>
+                          <a:spcPts val="0"/>
+                        </a:spcAft>
+                        <a:defRPr/>
+                      </a:pPr>
+                      <a:r>
+                        <a:rPr lang="en-US" altLang="ko-KR" sz="1800" b="0" kern="0" spc="-60">
+                          <a:solidFill>
+                            <a:srgbClr val="000000"/>
+                          </a:solidFill>
+                          <a:effectLst/>
+                          <a:latin typeface="+mj-lt"/>
+                          <a:ea typeface="함초롬바탕"/>
+                        </a:rPr>
+                        <a:t>8</a:t>
+                      </a:r>
+                      <a:r>
+                        <a:rPr lang="ko-KR" altLang="en-US" sz="1800" b="0" kern="0" spc="-60">
+                          <a:solidFill>
+                            <a:srgbClr val="000000"/>
+                          </a:solidFill>
+                          <a:effectLst/>
+                          <a:latin typeface="+mj-lt"/>
+                          <a:ea typeface="함초롬바탕"/>
+                        </a:rPr>
+                        <a:t>주차</a:t>
+                      </a:r>
+                      <a:endParaRPr lang="ko-KR" altLang="en-US" sz="1800" b="0" kern="0" spc="-60">
+                        <a:solidFill>
+                          <a:srgbClr val="000000"/>
+                        </a:solidFill>
+                        <a:effectLst/>
+                        <a:latin typeface="+mj-lt"/>
+                      </a:endParaRPr>
+                    </a:p>
+                  </a:txBody>
+                  <a:tcPr marL="91440" marR="91440" anchor="ctr">
+                    <a:lnL w="3556" cap="flat" cmpd="sng" algn="ctr">
+                      <a:solidFill>
+                        <a:srgbClr val="000000"/>
+                      </a:solidFill>
+                      <a:prstDash val="solid"/>
+                      <a:round/>
+                      <a:headEnd w="med" len="med"/>
+                      <a:tailEnd w="med" len="med"/>
+                    </a:lnL>
+                    <a:lnR w="3556" cap="flat" cmpd="sng" algn="ctr">
+                      <a:solidFill>
+                        <a:srgbClr val="000000"/>
+                      </a:solidFill>
+                      <a:prstDash val="solid"/>
+                      <a:round/>
+                      <a:headEnd w="med" len="med"/>
+                      <a:tailEnd w="med" len="med"/>
+                    </a:lnR>
+                    <a:lnT w="3556" cap="flat" cmpd="sng" algn="ctr">
+                      <a:solidFill>
+                        <a:srgbClr val="000000"/>
+                      </a:solidFill>
+                      <a:prstDash val="solid"/>
+                      <a:round/>
+                      <a:headEnd w="med" len="med"/>
+                      <a:tailEnd w="med" len="med"/>
+                    </a:lnT>
+                    <a:lnB w="3556" cap="flat" cmpd="sng" algn="ctr">
+                      <a:solidFill>
+                        <a:srgbClr val="000000"/>
+                      </a:solidFill>
+                      <a:prstDash val="solid"/>
+                      <a:round/>
+                      <a:headEnd w="med" len="med"/>
+                      <a:tailEnd w="med" len="med"/>
+                    </a:lnB>
+                  </a:tcPr>
+                </a:tc>
+                <a:tc>
+                  <a:txBody>
+                    <a:bodyPr vert="horz" lIns="91440" tIns="45720" rIns="91440" bIns="45720" anchor="ctr" anchorCtr="0"/>
+                    <a:p>
+                      <a:pPr marL="0" marR="0" indent="0" algn="ctr" latinLnBrk="0">
+                        <a:lnSpc>
+                          <a:spcPct val="130000"/>
+                        </a:lnSpc>
+                        <a:spcBef>
+                          <a:spcPts val="0"/>
+                        </a:spcBef>
+                        <a:spcAft>
+                          <a:spcPts val="0"/>
+                        </a:spcAft>
+                        <a:defRPr/>
+                      </a:pPr>
+                      <a:r>
+                        <a:rPr lang="ko-KR" altLang="en-US" sz="1800" b="0" kern="0" spc="-60">
+                          <a:solidFill>
+                            <a:srgbClr val="000000"/>
+                          </a:solidFill>
+                          <a:effectLst/>
+                          <a:latin typeface="+mj-lt"/>
+                          <a:ea typeface="함초롬바탕"/>
+                        </a:rPr>
+                        <a:t>실습 결과서 작성 및 토의</a:t>
+                      </a:r>
+                      <a:endParaRPr lang="ko-KR" altLang="en-US" sz="1800" b="0" kern="0" spc="-60">
+                        <a:solidFill>
+                          <a:srgbClr val="000000"/>
+                        </a:solidFill>
+                        <a:effectLst/>
+                        <a:latin typeface="+mj-lt"/>
+                      </a:endParaRPr>
+                    </a:p>
+                  </a:txBody>
+                  <a:tcPr marL="91440" marR="91440" anchor="ctr">
+                    <a:lnL w="3556" cap="flat" cmpd="sng" algn="ctr">
+                      <a:solidFill>
+                        <a:srgbClr val="000000"/>
+                      </a:solidFill>
+                      <a:prstDash val="solid"/>
+                      <a:round/>
+                      <a:headEnd w="med" len="med"/>
+                      <a:tailEnd w="med" len="med"/>
+                    </a:lnL>
+                    <a:lnR w="3556" cap="flat" cmpd="sng" algn="ctr">
+                      <a:solidFill>
+                        <a:srgbClr val="000000"/>
+                      </a:solidFill>
+                      <a:prstDash val="solid"/>
+                      <a:round/>
+                      <a:headEnd w="med" len="med"/>
+                      <a:tailEnd w="med" len="med"/>
+                    </a:lnR>
+                    <a:lnT w="3556" cap="flat" cmpd="sng" algn="ctr">
+                      <a:solidFill>
+                        <a:srgbClr val="000000"/>
+                      </a:solidFill>
+                      <a:prstDash val="solid"/>
+                      <a:round/>
+                      <a:headEnd w="med" len="med"/>
+                      <a:tailEnd w="med" len="med"/>
+                    </a:lnT>
+                    <a:lnB w="3556" cap="flat" cmpd="sng" algn="ctr">
+                      <a:solidFill>
+                        <a:srgbClr val="000000"/>
+                      </a:solidFill>
+                      <a:prstDash val="solid"/>
+                      <a:round/>
+                      <a:headEnd w="med" len="med"/>
+                      <a:tailEnd w="med" len="med"/>
+                    </a:lnB>
+                  </a:tcPr>
+                </a:tc>
+                <a:tc>
+                  <a:txBody>
+                    <a:bodyPr vert="horz" lIns="91440" tIns="45720" rIns="91440" bIns="45720" anchor="ctr" anchorCtr="0"/>
+                    <a:p>
+                      <a:pPr marL="0" marR="0" indent="0" algn="ctr" latinLnBrk="0">
+                        <a:lnSpc>
+                          <a:spcPct val="130000"/>
+                        </a:lnSpc>
+                        <a:spcBef>
+                          <a:spcPts val="0"/>
+                        </a:spcBef>
+                        <a:spcAft>
+                          <a:spcPts val="0"/>
+                        </a:spcAft>
+                        <a:defRPr/>
+                      </a:pPr>
+                      <a:endParaRPr lang="ko-KR" altLang="en-US" sz="1800" b="0" kern="0" spc="-60">
+                        <a:solidFill>
+                          <a:srgbClr val="000000"/>
+                        </a:solidFill>
+                        <a:effectLst/>
+                        <a:latin typeface="+mj-lt"/>
+                      </a:endParaRPr>
+                    </a:p>
+                  </a:txBody>
+                  <a:tcPr marL="91440" marR="91440" anchor="ctr">
+                    <a:lnL w="3556" cap="flat" cmpd="sng" algn="ctr">
+                      <a:solidFill>
+                        <a:srgbClr val="000000"/>
+                      </a:solidFill>
+                      <a:prstDash val="solid"/>
+                      <a:round/>
+                      <a:headEnd w="med" len="med"/>
+                      <a:tailEnd w="med" len="med"/>
+                    </a:lnL>
+                    <a:lnR w="3556" cap="flat" cmpd="sng" algn="ctr">
+                      <a:solidFill>
+                        <a:srgbClr val="000000"/>
+                      </a:solidFill>
+                      <a:prstDash val="solid"/>
+                      <a:round/>
+                      <a:headEnd w="med" len="med"/>
+                      <a:tailEnd w="med" len="med"/>
+                    </a:lnR>
+                    <a:lnT w="3556" cap="flat" cmpd="sng" algn="ctr">
+                      <a:solidFill>
+                        <a:srgbClr val="000000"/>
+                      </a:solidFill>
+                      <a:prstDash val="solid"/>
+                      <a:round/>
+                      <a:headEnd w="med" len="med"/>
+                      <a:tailEnd w="med" len="med"/>
+                    </a:lnT>
+                    <a:lnB w="3556" cap="flat" cmpd="sng" algn="ctr">
+                      <a:solidFill>
+                        <a:srgbClr val="000000"/>
+                      </a:solidFill>
+                      <a:prstDash val="solid"/>
+                      <a:round/>
+                      <a:headEnd w="med" len="med"/>
+                      <a:tailEnd w="med" len="med"/>
+                    </a:lnB>
+                  </a:tcPr>
+                </a:tc>
+              </a:tr>
+            </a:tbl>
+          </a:graphicData>
+        </a:graphic>
+      </p:graphicFrame>
+    </p:spTree>
+  </p:cSld>
+  <p:clrMapOvr>
+    <a:masterClrMapping/>
+  </p:clrMapOvr>
+  <mc:AlternateContent xmlns:mc="http://schemas.openxmlformats.org/markup-compatibility/2006">
+    <mc:Choice xmlns:p14="http://schemas.microsoft.com/office/powerpoint/2010/main" Requires="p14">
+      <p:transition xmlns:mc="http://schemas.openxmlformats.org/markup-compatibility/2006" xmlns:p14="http://schemas.microsoft.com/office/powerpoint/2010/main" mc:Ignorable="p14" p14:dur="500"/>
+    </mc:Choice>
+    <mc:Fallback>
+      <p:transition/>
+    </mc:Fallback>
+  </mc:AlternateContent>
+</p:sld>
+</file>
+
+<file path=ppt/slides/slide20.xml><?xml version="1.0" encoding="utf-8"?>
 <p:sld xmlns:a="http://schemas.openxmlformats.org/drawingml/2006/main" xmlns:r="http://schemas.openxmlformats.org/officeDocument/2006/relationships" xmlns:p="http://schemas.openxmlformats.org/presentationml/2006/main">
   <p:cSld>
     <p:spTree>
@@ -6924,7 +11293,7 @@
 </p:sld>
 </file>
 
-<file path=ppt/slides/slide18.xml><?xml version="1.0" encoding="utf-8"?>
+<file path=ppt/slides/slide21.xml><?xml version="1.0" encoding="utf-8"?>
 <p:sld xmlns:r="http://schemas.openxmlformats.org/officeDocument/2006/relationships" xmlns:c="http://schemas.openxmlformats.org/drawingml/2006/chart" xmlns:a="http://schemas.openxmlformats.org/drawingml/2006/main" xmlns:dgm="http://schemas.openxmlformats.org/drawingml/2006/diagram" xmlns:dsp="http://schemas.microsoft.com/office/drawing/2008/diagram" xmlns:p="http://schemas.openxmlformats.org/presentationml/2006/main">
   <p:cSld>
     <p:spTree>
@@ -6941,30 +11310,6 @@
           <a:chExt cx="0" cy="0"/>
         </a:xfrm>
       </p:grpSpPr>
-      <p:pic>
-        <p:nvPicPr>
-          <p:cNvPr id="6" name=""/>
-          <p:cNvPicPr>
-            <a:picLocks noChangeAspect="1"/>
-          </p:cNvPicPr>
-          <p:nvPr/>
-        </p:nvPicPr>
-        <p:blipFill rotWithShape="1">
-          <a:blip r:embed="rId2"/>
-          <a:stretch>
-            <a:fillRect/>
-          </a:stretch>
-        </p:blipFill>
-        <p:spPr>
-          <a:xfrm>
-            <a:off x="510194" y="819150"/>
-            <a:ext cx="8054340" cy="5219700"/>
-          </a:xfrm>
-          <a:prstGeom prst="rect">
-            <a:avLst/>
-          </a:prstGeom>
-        </p:spPr>
-      </p:pic>
     </p:spTree>
   </p:cSld>
   <p:clrMapOvr>
@@ -6981,7 +11326,7 @@
 </p:sld>
 </file>
 
-<file path=ppt/slides/slide19.xml><?xml version="1.0" encoding="utf-8"?>
+<file path=ppt/slides/slide22.xml><?xml version="1.0" encoding="utf-8"?>
 <p:sld xmlns:a="http://schemas.openxmlformats.org/drawingml/2006/main" xmlns:r="http://schemas.openxmlformats.org/officeDocument/2006/relationships" xmlns:p="http://schemas.openxmlformats.org/presentationml/2006/main">
   <p:cSld>
     <p:spTree>
@@ -7259,2406 +11604,7 @@
 </p:sld>
 </file>
 
-<file path=ppt/slides/slide2.xml><?xml version="1.0" encoding="utf-8"?>
-<p:sld xmlns:a="http://schemas.openxmlformats.org/drawingml/2006/main" xmlns:r="http://schemas.openxmlformats.org/officeDocument/2006/relationships" xmlns:p="http://schemas.openxmlformats.org/presentationml/2006/main">
-  <p:cSld>
-    <p:spTree>
-      <p:nvGrpSpPr>
-        <p:cNvPr id="1" name=""/>
-        <p:cNvGrpSpPr/>
-        <p:nvPr/>
-      </p:nvGrpSpPr>
-      <p:grpSpPr>
-        <a:xfrm>
-          <a:off x="0" y="0"/>
-          <a:ext cx="0" cy="0"/>
-          <a:chOff x="0" y="0"/>
-          <a:chExt cx="0" cy="0"/>
-        </a:xfrm>
-      </p:grpSpPr>
-      <p:graphicFrame>
-        <p:nvGraphicFramePr>
-          <p:cNvPr id="4" name="표 3">
-            <a:extLst>
-              <a:ext uri="{FF2B5EF4-FFF2-40B4-BE49-F238E27FC236}">
-                <a16:creationId xmlns:a16="http://schemas.microsoft.com/office/drawing/2014/main" id="{8D8177A7-B90D-41ED-8B89-04B54D41992D}"/>
-              </a:ext>
-            </a:extLst>
-          </p:cNvPr>
-          <p:cNvGraphicFramePr>
-            <a:graphicFrameLocks noGrp="1"/>
-          </p:cNvGraphicFramePr>
-          <p:nvPr>
-            <p:extLst>
-              <p:ext uri="{D42A27DB-BD31-4B8C-83A1-F6EECF244321}">
-                <p14:modId xmlns:p14="http://schemas.microsoft.com/office/powerpoint/2010/main" val="2078881640"/>
-              </p:ext>
-            </p:extLst>
-          </p:nvPr>
-        </p:nvGraphicFramePr>
-        <p:xfrm>
-          <a:off x="503364" y="957263"/>
-          <a:ext cx="11083799" cy="4605660"/>
-        </p:xfrm>
-        <a:graphic>
-          <a:graphicData uri="http://schemas.openxmlformats.org/drawingml/2006/table">
-            <a:tbl>
-              <a:tblPr/>
-              <a:tblGrid>
-                <a:gridCol w="1291114">
-                  <a:extLst>
-                    <a:ext uri="{9D8B030D-6E8A-4147-A177-3AD203B41FA5}">
-                      <a16:colId xmlns:a16="http://schemas.microsoft.com/office/drawing/2014/main" val="1833039259"/>
-                    </a:ext>
-                  </a:extLst>
-                </a:gridCol>
-                <a:gridCol w="1191610">
-                  <a:extLst>
-                    <a:ext uri="{9D8B030D-6E8A-4147-A177-3AD203B41FA5}">
-                      <a16:colId xmlns:a16="http://schemas.microsoft.com/office/drawing/2014/main" val="1400097356"/>
-                    </a:ext>
-                  </a:extLst>
-                </a:gridCol>
-                <a:gridCol w="3386137">
-                  <a:extLst>
-                    <a:ext uri="{9D8B030D-6E8A-4147-A177-3AD203B41FA5}">
-                      <a16:colId xmlns:a16="http://schemas.microsoft.com/office/drawing/2014/main" val="2093435025"/>
-                    </a:ext>
-                  </a:extLst>
-                </a:gridCol>
-                <a:gridCol w="5214938">
-                  <a:extLst>
-                    <a:ext uri="{9D8B030D-6E8A-4147-A177-3AD203B41FA5}">
-                      <a16:colId xmlns:a16="http://schemas.microsoft.com/office/drawing/2014/main" val="2818244587"/>
-                    </a:ext>
-                  </a:extLst>
-                </a:gridCol>
-              </a:tblGrid>
-              <a:tr h="511740">
-                <a:tc rowSpan="9">
-                  <a:txBody>
-                    <a:bodyPr/>
-                    <a:lstStyle/>
-                    <a:p>
-                      <a:pPr marL="0" marR="0" indent="0" algn="ctr" fontAlgn="base" latinLnBrk="0">
-                        <a:lnSpc>
-                          <a:spcPct val="130000"/>
-                        </a:lnSpc>
-                        <a:spcBef>
-                          <a:spcPts val="0"/>
-                        </a:spcBef>
-                        <a:spcAft>
-                          <a:spcPts val="0"/>
-                        </a:spcAft>
-                      </a:pPr>
-                      <a:r>
-                        <a:rPr lang="ko-KR" altLang="en-US" sz="1800" b="0" kern="0" spc="-60" dirty="0">
-                          <a:solidFill>
-                            <a:srgbClr val="000000"/>
-                          </a:solidFill>
-                          <a:effectLst/>
-                          <a:latin typeface="+mj-lt"/>
-                          <a:ea typeface="함초롬바탕" panose="02030604000101010101" pitchFamily="18" charset="-127"/>
-                        </a:rPr>
-                        <a:t>실습내용</a:t>
-                      </a:r>
-                      <a:endParaRPr lang="ko-KR" altLang="en-US" sz="1800" b="0" kern="0" spc="-60" dirty="0">
-                        <a:solidFill>
-                          <a:srgbClr val="000000"/>
-                        </a:solidFill>
-                        <a:effectLst/>
-                        <a:latin typeface="+mj-lt"/>
-                      </a:endParaRPr>
-                    </a:p>
-                    <a:p>
-                      <a:pPr marL="0" marR="0" indent="0" algn="ctr" fontAlgn="base" latinLnBrk="0">
-                        <a:lnSpc>
-                          <a:spcPct val="130000"/>
-                        </a:lnSpc>
-                        <a:spcBef>
-                          <a:spcPts val="0"/>
-                        </a:spcBef>
-                        <a:spcAft>
-                          <a:spcPts val="0"/>
-                        </a:spcAft>
-                      </a:pPr>
-                      <a:r>
-                        <a:rPr lang="en-US" altLang="ko-KR" sz="1800" b="0" kern="0" spc="-60" dirty="0">
-                          <a:solidFill>
-                            <a:srgbClr val="0000FF"/>
-                          </a:solidFill>
-                          <a:effectLst/>
-                          <a:latin typeface="+mj-lt"/>
-                          <a:ea typeface="함초롬바탕" panose="02030604000101010101" pitchFamily="18" charset="-127"/>
-                        </a:rPr>
-                        <a:t>(</a:t>
-                      </a:r>
-                      <a:r>
-                        <a:rPr lang="ko-KR" altLang="en-US" sz="1800" b="0" kern="0" spc="-60" dirty="0">
-                          <a:solidFill>
-                            <a:srgbClr val="0000FF"/>
-                          </a:solidFill>
-                          <a:effectLst/>
-                          <a:latin typeface="+mj-lt"/>
-                          <a:ea typeface="함초롬바탕" panose="02030604000101010101" pitchFamily="18" charset="-127"/>
-                        </a:rPr>
-                        <a:t>실습분야</a:t>
-                      </a:r>
-                      <a:r>
-                        <a:rPr lang="en-US" altLang="ko-KR" sz="1800" b="0" kern="0" spc="-60" dirty="0">
-                          <a:solidFill>
-                            <a:srgbClr val="0000FF"/>
-                          </a:solidFill>
-                          <a:effectLst/>
-                          <a:latin typeface="+mj-lt"/>
-                          <a:ea typeface="함초롬바탕" panose="02030604000101010101" pitchFamily="18" charset="-127"/>
-                        </a:rPr>
-                        <a:t>)</a:t>
-                      </a:r>
-                      <a:endParaRPr lang="ko-KR" altLang="en-US" sz="1800" b="0" kern="0" spc="-60" dirty="0">
-                        <a:solidFill>
-                          <a:srgbClr val="000000"/>
-                        </a:solidFill>
-                        <a:effectLst/>
-                        <a:latin typeface="+mj-lt"/>
-                      </a:endParaRPr>
-                    </a:p>
-                  </a:txBody>
-                  <a:tcPr anchor="ctr">
-                    <a:lnL w="3556" cap="flat" cmpd="sng" algn="ctr">
-                      <a:solidFill>
-                        <a:srgbClr val="000000"/>
-                      </a:solidFill>
-                      <a:prstDash val="solid"/>
-                      <a:round/>
-                      <a:headEnd type="none" w="med" len="med"/>
-                      <a:tailEnd type="none" w="med" len="med"/>
-                    </a:lnL>
-                    <a:lnR w="3556" cap="flat" cmpd="sng" algn="ctr">
-                      <a:solidFill>
-                        <a:srgbClr val="000000"/>
-                      </a:solidFill>
-                      <a:prstDash val="solid"/>
-                      <a:round/>
-                      <a:headEnd type="none" w="med" len="med"/>
-                      <a:tailEnd type="none" w="med" len="med"/>
-                    </a:lnR>
-                    <a:lnT w="3556" cap="flat" cmpd="sng" algn="ctr">
-                      <a:solidFill>
-                        <a:srgbClr val="000000"/>
-                      </a:solidFill>
-                      <a:prstDash val="solid"/>
-                      <a:round/>
-                      <a:headEnd type="none" w="med" len="med"/>
-                      <a:tailEnd type="none" w="med" len="med"/>
-                    </a:lnT>
-                    <a:lnB w="3556" cap="flat" cmpd="sng" algn="ctr">
-                      <a:solidFill>
-                        <a:srgbClr val="000000"/>
-                      </a:solidFill>
-                      <a:prstDash val="solid"/>
-                      <a:round/>
-                      <a:headEnd type="none" w="med" len="med"/>
-                      <a:tailEnd type="none" w="med" len="med"/>
-                    </a:lnB>
-                    <a:solidFill>
-                      <a:srgbClr val="DDDDDD"/>
-                    </a:solidFill>
-                  </a:tcPr>
-                </a:tc>
-                <a:tc>
-                  <a:txBody>
-                    <a:bodyPr/>
-                    <a:lstStyle/>
-                    <a:p>
-                      <a:pPr marL="0" marR="0" indent="0" algn="ctr" fontAlgn="base" latinLnBrk="0">
-                        <a:lnSpc>
-                          <a:spcPct val="130000"/>
-                        </a:lnSpc>
-                        <a:spcBef>
-                          <a:spcPts val="0"/>
-                        </a:spcBef>
-                        <a:spcAft>
-                          <a:spcPts val="0"/>
-                        </a:spcAft>
-                      </a:pPr>
-                      <a:r>
-                        <a:rPr lang="ko-KR" altLang="en-US" sz="1800" b="0" kern="0" spc="-60">
-                          <a:solidFill>
-                            <a:srgbClr val="000000"/>
-                          </a:solidFill>
-                          <a:effectLst/>
-                          <a:latin typeface="+mj-lt"/>
-                          <a:ea typeface="함초롬바탕" panose="02030604000101010101" pitchFamily="18" charset="-127"/>
-                        </a:rPr>
-                        <a:t>주 차</a:t>
-                      </a:r>
-                      <a:endParaRPr lang="ko-KR" altLang="en-US" sz="1800" b="0" kern="0" spc="-60">
-                        <a:solidFill>
-                          <a:srgbClr val="000000"/>
-                        </a:solidFill>
-                        <a:effectLst/>
-                        <a:latin typeface="+mj-lt"/>
-                      </a:endParaRPr>
-                    </a:p>
-                  </a:txBody>
-                  <a:tcPr anchor="ctr">
-                    <a:lnL w="3556" cap="flat" cmpd="sng" algn="ctr">
-                      <a:solidFill>
-                        <a:srgbClr val="000000"/>
-                      </a:solidFill>
-                      <a:prstDash val="solid"/>
-                      <a:round/>
-                      <a:headEnd type="none" w="med" len="med"/>
-                      <a:tailEnd type="none" w="med" len="med"/>
-                    </a:lnL>
-                    <a:lnR w="3556" cap="flat" cmpd="sng" algn="ctr">
-                      <a:solidFill>
-                        <a:srgbClr val="000000"/>
-                      </a:solidFill>
-                      <a:prstDash val="solid"/>
-                      <a:round/>
-                      <a:headEnd type="none" w="med" len="med"/>
-                      <a:tailEnd type="none" w="med" len="med"/>
-                    </a:lnR>
-                    <a:lnT w="3556" cap="flat" cmpd="sng" algn="ctr">
-                      <a:solidFill>
-                        <a:srgbClr val="000000"/>
-                      </a:solidFill>
-                      <a:prstDash val="solid"/>
-                      <a:round/>
-                      <a:headEnd type="none" w="med" len="med"/>
-                      <a:tailEnd type="none" w="med" len="med"/>
-                    </a:lnT>
-                    <a:lnB w="3556" cap="flat" cmpd="sng" algn="ctr">
-                      <a:solidFill>
-                        <a:srgbClr val="000000"/>
-                      </a:solidFill>
-                      <a:prstDash val="solid"/>
-                      <a:round/>
-                      <a:headEnd type="none" w="med" len="med"/>
-                      <a:tailEnd type="none" w="med" len="med"/>
-                    </a:lnB>
-                  </a:tcPr>
-                </a:tc>
-                <a:tc>
-                  <a:txBody>
-                    <a:bodyPr/>
-                    <a:lstStyle/>
-                    <a:p>
-                      <a:pPr marL="0" marR="0" indent="0" algn="ctr" fontAlgn="base" latinLnBrk="0">
-                        <a:lnSpc>
-                          <a:spcPct val="130000"/>
-                        </a:lnSpc>
-                        <a:spcBef>
-                          <a:spcPts val="0"/>
-                        </a:spcBef>
-                        <a:spcAft>
-                          <a:spcPts val="0"/>
-                        </a:spcAft>
-                      </a:pPr>
-                      <a:r>
-                        <a:rPr lang="ko-KR" altLang="en-US" sz="1800" b="0" kern="0" spc="-60">
-                          <a:solidFill>
-                            <a:srgbClr val="000000"/>
-                          </a:solidFill>
-                          <a:effectLst/>
-                          <a:latin typeface="+mj-lt"/>
-                          <a:ea typeface="함초롬바탕" panose="02030604000101010101" pitchFamily="18" charset="-127"/>
-                        </a:rPr>
-                        <a:t>내 용</a:t>
-                      </a:r>
-                      <a:endParaRPr lang="ko-KR" altLang="en-US" sz="1800" b="0" kern="0" spc="-60">
-                        <a:solidFill>
-                          <a:srgbClr val="000000"/>
-                        </a:solidFill>
-                        <a:effectLst/>
-                        <a:latin typeface="+mj-lt"/>
-                      </a:endParaRPr>
-                    </a:p>
-                  </a:txBody>
-                  <a:tcPr anchor="ctr">
-                    <a:lnL w="3556" cap="flat" cmpd="sng" algn="ctr">
-                      <a:solidFill>
-                        <a:srgbClr val="000000"/>
-                      </a:solidFill>
-                      <a:prstDash val="solid"/>
-                      <a:round/>
-                      <a:headEnd type="none" w="med" len="med"/>
-                      <a:tailEnd type="none" w="med" len="med"/>
-                    </a:lnL>
-                    <a:lnR w="3556" cap="flat" cmpd="sng" algn="ctr">
-                      <a:solidFill>
-                        <a:srgbClr val="000000"/>
-                      </a:solidFill>
-                      <a:prstDash val="solid"/>
-                      <a:round/>
-                      <a:headEnd type="none" w="med" len="med"/>
-                      <a:tailEnd type="none" w="med" len="med"/>
-                    </a:lnR>
-                    <a:lnT w="3556" cap="flat" cmpd="sng" algn="ctr">
-                      <a:solidFill>
-                        <a:srgbClr val="000000"/>
-                      </a:solidFill>
-                      <a:prstDash val="solid"/>
-                      <a:round/>
-                      <a:headEnd type="none" w="med" len="med"/>
-                      <a:tailEnd type="none" w="med" len="med"/>
-                    </a:lnT>
-                    <a:lnB w="3556" cap="flat" cmpd="sng" algn="ctr">
-                      <a:solidFill>
-                        <a:srgbClr val="000000"/>
-                      </a:solidFill>
-                      <a:prstDash val="solid"/>
-                      <a:round/>
-                      <a:headEnd type="none" w="med" len="med"/>
-                      <a:tailEnd type="none" w="med" len="med"/>
-                    </a:lnB>
-                  </a:tcPr>
-                </a:tc>
-                <a:tc>
-                  <a:txBody>
-                    <a:bodyPr/>
-                    <a:lstStyle/>
-                    <a:p>
-                      <a:pPr marL="0" marR="0" indent="0" algn="ctr" fontAlgn="base" latinLnBrk="0">
-                        <a:lnSpc>
-                          <a:spcPct val="130000"/>
-                        </a:lnSpc>
-                        <a:spcBef>
-                          <a:spcPts val="0"/>
-                        </a:spcBef>
-                        <a:spcAft>
-                          <a:spcPts val="0"/>
-                        </a:spcAft>
-                      </a:pPr>
-                      <a:r>
-                        <a:rPr lang="ko-KR" altLang="en-US" sz="1800" b="0" kern="0" spc="-60" dirty="0">
-                          <a:solidFill>
-                            <a:srgbClr val="000000"/>
-                          </a:solidFill>
-                          <a:effectLst/>
-                          <a:latin typeface="+mj-lt"/>
-                          <a:ea typeface="함초롬바탕" panose="02030604000101010101" pitchFamily="18" charset="-127"/>
-                        </a:rPr>
-                        <a:t>비 고</a:t>
-                      </a:r>
-                      <a:endParaRPr lang="ko-KR" altLang="en-US" sz="1800" b="0" kern="0" spc="-60" dirty="0">
-                        <a:solidFill>
-                          <a:srgbClr val="000000"/>
-                        </a:solidFill>
-                        <a:effectLst/>
-                        <a:latin typeface="+mj-lt"/>
-                      </a:endParaRPr>
-                    </a:p>
-                  </a:txBody>
-                  <a:tcPr anchor="ctr">
-                    <a:lnL w="3556" cap="flat" cmpd="sng" algn="ctr">
-                      <a:solidFill>
-                        <a:srgbClr val="000000"/>
-                      </a:solidFill>
-                      <a:prstDash val="solid"/>
-                      <a:round/>
-                      <a:headEnd type="none" w="med" len="med"/>
-                      <a:tailEnd type="none" w="med" len="med"/>
-                    </a:lnL>
-                    <a:lnR w="3556" cap="flat" cmpd="sng" algn="ctr">
-                      <a:solidFill>
-                        <a:srgbClr val="000000"/>
-                      </a:solidFill>
-                      <a:prstDash val="solid"/>
-                      <a:round/>
-                      <a:headEnd type="none" w="med" len="med"/>
-                      <a:tailEnd type="none" w="med" len="med"/>
-                    </a:lnR>
-                    <a:lnT w="3556" cap="flat" cmpd="sng" algn="ctr">
-                      <a:solidFill>
-                        <a:srgbClr val="000000"/>
-                      </a:solidFill>
-                      <a:prstDash val="solid"/>
-                      <a:round/>
-                      <a:headEnd type="none" w="med" len="med"/>
-                      <a:tailEnd type="none" w="med" len="med"/>
-                    </a:lnT>
-                    <a:lnB w="3556" cap="flat" cmpd="sng" algn="ctr">
-                      <a:solidFill>
-                        <a:srgbClr val="000000"/>
-                      </a:solidFill>
-                      <a:prstDash val="solid"/>
-                      <a:round/>
-                      <a:headEnd type="none" w="med" len="med"/>
-                      <a:tailEnd type="none" w="med" len="med"/>
-                    </a:lnB>
-                  </a:tcPr>
-                </a:tc>
-                <a:extLst>
-                  <a:ext uri="{0D108BD9-81ED-4DB2-BD59-A6C34878D82A}">
-                    <a16:rowId xmlns:a16="http://schemas.microsoft.com/office/drawing/2014/main" val="1564972868"/>
-                  </a:ext>
-                </a:extLst>
-              </a:tr>
-              <a:tr h="511740">
-                <a:tc vMerge="1">
-                  <a:txBody>
-                    <a:bodyPr/>
-                    <a:lstStyle/>
-                    <a:p>
-                      <a:pPr latinLnBrk="1"/>
-                      <a:endParaRPr lang="ko-KR" altLang="en-US"/>
-                    </a:p>
-                  </a:txBody>
-                  <a:tcPr/>
-                </a:tc>
-                <a:tc>
-                  <a:txBody>
-                    <a:bodyPr/>
-                    <a:lstStyle/>
-                    <a:p>
-                      <a:pPr marL="0" marR="0" indent="0" algn="ctr" fontAlgn="base" latinLnBrk="0">
-                        <a:lnSpc>
-                          <a:spcPct val="130000"/>
-                        </a:lnSpc>
-                        <a:spcBef>
-                          <a:spcPts val="0"/>
-                        </a:spcBef>
-                        <a:spcAft>
-                          <a:spcPts val="0"/>
-                        </a:spcAft>
-                      </a:pPr>
-                      <a:r>
-                        <a:rPr lang="en-US" altLang="ko-KR" sz="1800" b="0" kern="0" spc="-60" dirty="0">
-                          <a:solidFill>
-                            <a:srgbClr val="000000"/>
-                          </a:solidFill>
-                          <a:effectLst/>
-                          <a:latin typeface="+mj-lt"/>
-                          <a:ea typeface="함초롬바탕" panose="02030604000101010101" pitchFamily="18" charset="-127"/>
-                        </a:rPr>
-                        <a:t>1</a:t>
-                      </a:r>
-                      <a:r>
-                        <a:rPr lang="ko-KR" altLang="en-US" sz="1800" b="0" kern="0" spc="-60" dirty="0">
-                          <a:solidFill>
-                            <a:srgbClr val="000000"/>
-                          </a:solidFill>
-                          <a:effectLst/>
-                          <a:latin typeface="+mj-lt"/>
-                          <a:ea typeface="함초롬바탕" panose="02030604000101010101" pitchFamily="18" charset="-127"/>
-                        </a:rPr>
-                        <a:t>주차</a:t>
-                      </a:r>
-                      <a:endParaRPr lang="ko-KR" altLang="en-US" sz="1800" b="0" kern="0" spc="-60" dirty="0">
-                        <a:solidFill>
-                          <a:srgbClr val="000000"/>
-                        </a:solidFill>
-                        <a:effectLst/>
-                        <a:latin typeface="+mj-lt"/>
-                      </a:endParaRPr>
-                    </a:p>
-                  </a:txBody>
-                  <a:tcPr anchor="ctr">
-                    <a:lnL w="3556" cap="flat" cmpd="sng" algn="ctr">
-                      <a:solidFill>
-                        <a:srgbClr val="000000"/>
-                      </a:solidFill>
-                      <a:prstDash val="solid"/>
-                      <a:round/>
-                      <a:headEnd type="none" w="med" len="med"/>
-                      <a:tailEnd type="none" w="med" len="med"/>
-                    </a:lnL>
-                    <a:lnR w="3556" cap="flat" cmpd="sng" algn="ctr">
-                      <a:solidFill>
-                        <a:srgbClr val="000000"/>
-                      </a:solidFill>
-                      <a:prstDash val="solid"/>
-                      <a:round/>
-                      <a:headEnd type="none" w="med" len="med"/>
-                      <a:tailEnd type="none" w="med" len="med"/>
-                    </a:lnR>
-                    <a:lnT w="3556" cap="flat" cmpd="sng" algn="ctr">
-                      <a:solidFill>
-                        <a:srgbClr val="000000"/>
-                      </a:solidFill>
-                      <a:prstDash val="solid"/>
-                      <a:round/>
-                      <a:headEnd type="none" w="med" len="med"/>
-                      <a:tailEnd type="none" w="med" len="med"/>
-                    </a:lnT>
-                    <a:lnB w="3556" cap="flat" cmpd="sng" algn="ctr">
-                      <a:solidFill>
-                        <a:srgbClr val="000000"/>
-                      </a:solidFill>
-                      <a:prstDash val="solid"/>
-                      <a:round/>
-                      <a:headEnd type="none" w="med" len="med"/>
-                      <a:tailEnd type="none" w="med" len="med"/>
-                    </a:lnB>
-                  </a:tcPr>
-                </a:tc>
-                <a:tc>
-                  <a:txBody>
-                    <a:bodyPr/>
-                    <a:lstStyle/>
-                    <a:p>
-                      <a:pPr marL="0" marR="0" indent="0" algn="ctr" fontAlgn="base" latinLnBrk="0">
-                        <a:lnSpc>
-                          <a:spcPct val="130000"/>
-                        </a:lnSpc>
-                        <a:spcBef>
-                          <a:spcPts val="0"/>
-                        </a:spcBef>
-                        <a:spcAft>
-                          <a:spcPts val="0"/>
-                        </a:spcAft>
-                      </a:pPr>
-                      <a:r>
-                        <a:rPr lang="ko-KR" altLang="en-US" sz="1800" b="0" kern="0" spc="-60">
-                          <a:solidFill>
-                            <a:srgbClr val="000000"/>
-                          </a:solidFill>
-                          <a:effectLst/>
-                          <a:latin typeface="+mj-lt"/>
-                          <a:ea typeface="함초롬바탕" panose="02030604000101010101" pitchFamily="18" charset="-127"/>
-                        </a:rPr>
-                        <a:t>오리엔테이션 및 제품 아이디어</a:t>
-                      </a:r>
-                      <a:endParaRPr lang="ko-KR" altLang="en-US" sz="1800" b="0" kern="0" spc="-60">
-                        <a:solidFill>
-                          <a:srgbClr val="000000"/>
-                        </a:solidFill>
-                        <a:effectLst/>
-                        <a:latin typeface="+mj-lt"/>
-                      </a:endParaRPr>
-                    </a:p>
-                  </a:txBody>
-                  <a:tcPr anchor="ctr">
-                    <a:lnL w="3556" cap="flat" cmpd="sng" algn="ctr">
-                      <a:solidFill>
-                        <a:srgbClr val="000000"/>
-                      </a:solidFill>
-                      <a:prstDash val="solid"/>
-                      <a:round/>
-                      <a:headEnd type="none" w="med" len="med"/>
-                      <a:tailEnd type="none" w="med" len="med"/>
-                    </a:lnL>
-                    <a:lnR w="3556" cap="flat" cmpd="sng" algn="ctr">
-                      <a:solidFill>
-                        <a:srgbClr val="000000"/>
-                      </a:solidFill>
-                      <a:prstDash val="solid"/>
-                      <a:round/>
-                      <a:headEnd type="none" w="med" len="med"/>
-                      <a:tailEnd type="none" w="med" len="med"/>
-                    </a:lnR>
-                    <a:lnT w="3556" cap="flat" cmpd="sng" algn="ctr">
-                      <a:solidFill>
-                        <a:srgbClr val="000000"/>
-                      </a:solidFill>
-                      <a:prstDash val="solid"/>
-                      <a:round/>
-                      <a:headEnd type="none" w="med" len="med"/>
-                      <a:tailEnd type="none" w="med" len="med"/>
-                    </a:lnT>
-                    <a:lnB w="3556" cap="flat" cmpd="sng" algn="ctr">
-                      <a:solidFill>
-                        <a:srgbClr val="000000"/>
-                      </a:solidFill>
-                      <a:prstDash val="solid"/>
-                      <a:round/>
-                      <a:headEnd type="none" w="med" len="med"/>
-                      <a:tailEnd type="none" w="med" len="med"/>
-                    </a:lnB>
-                  </a:tcPr>
-                </a:tc>
-                <a:tc>
-                  <a:txBody>
-                    <a:bodyPr/>
-                    <a:lstStyle/>
-                    <a:p>
-                      <a:pPr marL="0" marR="0" indent="0" algn="ctr" fontAlgn="base" latinLnBrk="0">
-                        <a:lnSpc>
-                          <a:spcPct val="130000"/>
-                        </a:lnSpc>
-                        <a:spcBef>
-                          <a:spcPts val="0"/>
-                        </a:spcBef>
-                        <a:spcAft>
-                          <a:spcPts val="0"/>
-                        </a:spcAft>
-                      </a:pPr>
-                      <a:endParaRPr lang="ko-KR" altLang="en-US" sz="1800" b="0" kern="0" spc="-60" dirty="0">
-                        <a:solidFill>
-                          <a:srgbClr val="000000"/>
-                        </a:solidFill>
-                        <a:effectLst/>
-                        <a:latin typeface="+mj-lt"/>
-                      </a:endParaRPr>
-                    </a:p>
-                  </a:txBody>
-                  <a:tcPr anchor="ctr">
-                    <a:lnL w="3556" cap="flat" cmpd="sng" algn="ctr">
-                      <a:solidFill>
-                        <a:srgbClr val="000000"/>
-                      </a:solidFill>
-                      <a:prstDash val="solid"/>
-                      <a:round/>
-                      <a:headEnd type="none" w="med" len="med"/>
-                      <a:tailEnd type="none" w="med" len="med"/>
-                    </a:lnL>
-                    <a:lnR w="3556" cap="flat" cmpd="sng" algn="ctr">
-                      <a:solidFill>
-                        <a:srgbClr val="000000"/>
-                      </a:solidFill>
-                      <a:prstDash val="solid"/>
-                      <a:round/>
-                      <a:headEnd type="none" w="med" len="med"/>
-                      <a:tailEnd type="none" w="med" len="med"/>
-                    </a:lnR>
-                    <a:lnT w="3556" cap="flat" cmpd="sng" algn="ctr">
-                      <a:solidFill>
-                        <a:srgbClr val="000000"/>
-                      </a:solidFill>
-                      <a:prstDash val="solid"/>
-                      <a:round/>
-                      <a:headEnd type="none" w="med" len="med"/>
-                      <a:tailEnd type="none" w="med" len="med"/>
-                    </a:lnT>
-                    <a:lnB w="3556" cap="flat" cmpd="sng" algn="ctr">
-                      <a:solidFill>
-                        <a:srgbClr val="000000"/>
-                      </a:solidFill>
-                      <a:prstDash val="solid"/>
-                      <a:round/>
-                      <a:headEnd type="none" w="med" len="med"/>
-                      <a:tailEnd type="none" w="med" len="med"/>
-                    </a:lnB>
-                  </a:tcPr>
-                </a:tc>
-                <a:extLst>
-                  <a:ext uri="{0D108BD9-81ED-4DB2-BD59-A6C34878D82A}">
-                    <a16:rowId xmlns:a16="http://schemas.microsoft.com/office/drawing/2014/main" val="3235371292"/>
-                  </a:ext>
-                </a:extLst>
-              </a:tr>
-              <a:tr h="511740">
-                <a:tc vMerge="1">
-                  <a:txBody>
-                    <a:bodyPr/>
-                    <a:lstStyle/>
-                    <a:p>
-                      <a:pPr latinLnBrk="1"/>
-                      <a:endParaRPr lang="ko-KR" altLang="en-US"/>
-                    </a:p>
-                  </a:txBody>
-                  <a:tcPr/>
-                </a:tc>
-                <a:tc>
-                  <a:txBody>
-                    <a:bodyPr/>
-                    <a:lstStyle/>
-                    <a:p>
-                      <a:pPr marL="0" marR="0" indent="0" algn="ctr" fontAlgn="base" latinLnBrk="0">
-                        <a:lnSpc>
-                          <a:spcPct val="130000"/>
-                        </a:lnSpc>
-                        <a:spcBef>
-                          <a:spcPts val="0"/>
-                        </a:spcBef>
-                        <a:spcAft>
-                          <a:spcPts val="0"/>
-                        </a:spcAft>
-                      </a:pPr>
-                      <a:r>
-                        <a:rPr lang="en-US" altLang="ko-KR" sz="1800" b="0" kern="0" spc="-60">
-                          <a:solidFill>
-                            <a:srgbClr val="000000"/>
-                          </a:solidFill>
-                          <a:effectLst/>
-                          <a:latin typeface="+mj-lt"/>
-                          <a:ea typeface="함초롬바탕" panose="02030604000101010101" pitchFamily="18" charset="-127"/>
-                        </a:rPr>
-                        <a:t>2</a:t>
-                      </a:r>
-                      <a:r>
-                        <a:rPr lang="ko-KR" altLang="en-US" sz="1800" b="0" kern="0" spc="-60">
-                          <a:solidFill>
-                            <a:srgbClr val="000000"/>
-                          </a:solidFill>
-                          <a:effectLst/>
-                          <a:latin typeface="+mj-lt"/>
-                          <a:ea typeface="함초롬바탕" panose="02030604000101010101" pitchFamily="18" charset="-127"/>
-                        </a:rPr>
-                        <a:t>주차</a:t>
-                      </a:r>
-                      <a:endParaRPr lang="ko-KR" altLang="en-US" sz="1800" b="0" kern="0" spc="-60">
-                        <a:solidFill>
-                          <a:srgbClr val="000000"/>
-                        </a:solidFill>
-                        <a:effectLst/>
-                        <a:latin typeface="+mj-lt"/>
-                      </a:endParaRPr>
-                    </a:p>
-                  </a:txBody>
-                  <a:tcPr anchor="ctr">
-                    <a:lnL w="3556" cap="flat" cmpd="sng" algn="ctr">
-                      <a:solidFill>
-                        <a:srgbClr val="000000"/>
-                      </a:solidFill>
-                      <a:prstDash val="solid"/>
-                      <a:round/>
-                      <a:headEnd type="none" w="med" len="med"/>
-                      <a:tailEnd type="none" w="med" len="med"/>
-                    </a:lnL>
-                    <a:lnR w="3556" cap="flat" cmpd="sng" algn="ctr">
-                      <a:solidFill>
-                        <a:srgbClr val="000000"/>
-                      </a:solidFill>
-                      <a:prstDash val="solid"/>
-                      <a:round/>
-                      <a:headEnd type="none" w="med" len="med"/>
-                      <a:tailEnd type="none" w="med" len="med"/>
-                    </a:lnR>
-                    <a:lnT w="3556" cap="flat" cmpd="sng" algn="ctr">
-                      <a:solidFill>
-                        <a:srgbClr val="000000"/>
-                      </a:solidFill>
-                      <a:prstDash val="solid"/>
-                      <a:round/>
-                      <a:headEnd type="none" w="med" len="med"/>
-                      <a:tailEnd type="none" w="med" len="med"/>
-                    </a:lnT>
-                    <a:lnB w="3556" cap="flat" cmpd="sng" algn="ctr">
-                      <a:solidFill>
-                        <a:srgbClr val="000000"/>
-                      </a:solidFill>
-                      <a:prstDash val="solid"/>
-                      <a:round/>
-                      <a:headEnd type="none" w="med" len="med"/>
-                      <a:tailEnd type="none" w="med" len="med"/>
-                    </a:lnB>
-                  </a:tcPr>
-                </a:tc>
-                <a:tc>
-                  <a:txBody>
-                    <a:bodyPr/>
-                    <a:lstStyle/>
-                    <a:p>
-                      <a:pPr marL="0" marR="0" indent="0" algn="ctr" fontAlgn="base" latinLnBrk="0">
-                        <a:lnSpc>
-                          <a:spcPct val="130000"/>
-                        </a:lnSpc>
-                        <a:spcBef>
-                          <a:spcPts val="0"/>
-                        </a:spcBef>
-                        <a:spcAft>
-                          <a:spcPts val="0"/>
-                        </a:spcAft>
-                      </a:pPr>
-                      <a:r>
-                        <a:rPr lang="ko-KR" altLang="en-US" sz="1800" b="0" kern="0" spc="-60">
-                          <a:solidFill>
-                            <a:srgbClr val="000000"/>
-                          </a:solidFill>
-                          <a:effectLst/>
-                          <a:latin typeface="+mj-lt"/>
-                          <a:ea typeface="함초롬바탕" panose="02030604000101010101" pitchFamily="18" charset="-127"/>
-                        </a:rPr>
-                        <a:t>계획 및 일정 수립</a:t>
-                      </a:r>
-                      <a:endParaRPr lang="ko-KR" altLang="en-US" sz="1800" b="0" kern="0" spc="-60">
-                        <a:solidFill>
-                          <a:srgbClr val="000000"/>
-                        </a:solidFill>
-                        <a:effectLst/>
-                        <a:latin typeface="+mj-lt"/>
-                      </a:endParaRPr>
-                    </a:p>
-                  </a:txBody>
-                  <a:tcPr anchor="ctr">
-                    <a:lnL w="3556" cap="flat" cmpd="sng" algn="ctr">
-                      <a:solidFill>
-                        <a:srgbClr val="000000"/>
-                      </a:solidFill>
-                      <a:prstDash val="solid"/>
-                      <a:round/>
-                      <a:headEnd type="none" w="med" len="med"/>
-                      <a:tailEnd type="none" w="med" len="med"/>
-                    </a:lnL>
-                    <a:lnR w="3556" cap="flat" cmpd="sng" algn="ctr">
-                      <a:solidFill>
-                        <a:srgbClr val="000000"/>
-                      </a:solidFill>
-                      <a:prstDash val="solid"/>
-                      <a:round/>
-                      <a:headEnd type="none" w="med" len="med"/>
-                      <a:tailEnd type="none" w="med" len="med"/>
-                    </a:lnR>
-                    <a:lnT w="3556" cap="flat" cmpd="sng" algn="ctr">
-                      <a:solidFill>
-                        <a:srgbClr val="000000"/>
-                      </a:solidFill>
-                      <a:prstDash val="solid"/>
-                      <a:round/>
-                      <a:headEnd type="none" w="med" len="med"/>
-                      <a:tailEnd type="none" w="med" len="med"/>
-                    </a:lnT>
-                    <a:lnB w="3556" cap="flat" cmpd="sng" algn="ctr">
-                      <a:solidFill>
-                        <a:srgbClr val="000000"/>
-                      </a:solidFill>
-                      <a:prstDash val="solid"/>
-                      <a:round/>
-                      <a:headEnd type="none" w="med" len="med"/>
-                      <a:tailEnd type="none" w="med" len="med"/>
-                    </a:lnB>
-                  </a:tcPr>
-                </a:tc>
-                <a:tc>
-                  <a:txBody>
-                    <a:bodyPr/>
-                    <a:lstStyle/>
-                    <a:p>
-                      <a:pPr marL="0" marR="0" indent="0" algn="ctr" fontAlgn="base" latinLnBrk="0">
-                        <a:lnSpc>
-                          <a:spcPct val="130000"/>
-                        </a:lnSpc>
-                        <a:spcBef>
-                          <a:spcPts val="0"/>
-                        </a:spcBef>
-                        <a:spcAft>
-                          <a:spcPts val="0"/>
-                        </a:spcAft>
-                      </a:pPr>
-                      <a:endParaRPr lang="ko-KR" altLang="en-US" sz="1800" b="0" kern="0" spc="-60" dirty="0">
-                        <a:solidFill>
-                          <a:srgbClr val="000000"/>
-                        </a:solidFill>
-                        <a:effectLst/>
-                        <a:latin typeface="+mj-lt"/>
-                      </a:endParaRPr>
-                    </a:p>
-                  </a:txBody>
-                  <a:tcPr anchor="ctr">
-                    <a:lnL w="3556" cap="flat" cmpd="sng" algn="ctr">
-                      <a:solidFill>
-                        <a:srgbClr val="000000"/>
-                      </a:solidFill>
-                      <a:prstDash val="solid"/>
-                      <a:round/>
-                      <a:headEnd type="none" w="med" len="med"/>
-                      <a:tailEnd type="none" w="med" len="med"/>
-                    </a:lnL>
-                    <a:lnR w="3556" cap="flat" cmpd="sng" algn="ctr">
-                      <a:solidFill>
-                        <a:srgbClr val="000000"/>
-                      </a:solidFill>
-                      <a:prstDash val="solid"/>
-                      <a:round/>
-                      <a:headEnd type="none" w="med" len="med"/>
-                      <a:tailEnd type="none" w="med" len="med"/>
-                    </a:lnR>
-                    <a:lnT w="3556" cap="flat" cmpd="sng" algn="ctr">
-                      <a:solidFill>
-                        <a:srgbClr val="000000"/>
-                      </a:solidFill>
-                      <a:prstDash val="solid"/>
-                      <a:round/>
-                      <a:headEnd type="none" w="med" len="med"/>
-                      <a:tailEnd type="none" w="med" len="med"/>
-                    </a:lnT>
-                    <a:lnB w="3556" cap="flat" cmpd="sng" algn="ctr">
-                      <a:solidFill>
-                        <a:srgbClr val="000000"/>
-                      </a:solidFill>
-                      <a:prstDash val="solid"/>
-                      <a:round/>
-                      <a:headEnd type="none" w="med" len="med"/>
-                      <a:tailEnd type="none" w="med" len="med"/>
-                    </a:lnB>
-                  </a:tcPr>
-                </a:tc>
-                <a:extLst>
-                  <a:ext uri="{0D108BD9-81ED-4DB2-BD59-A6C34878D82A}">
-                    <a16:rowId xmlns:a16="http://schemas.microsoft.com/office/drawing/2014/main" val="3607668430"/>
-                  </a:ext>
-                </a:extLst>
-              </a:tr>
-              <a:tr h="511740">
-                <a:tc vMerge="1">
-                  <a:txBody>
-                    <a:bodyPr/>
-                    <a:lstStyle/>
-                    <a:p>
-                      <a:pPr latinLnBrk="1"/>
-                      <a:endParaRPr lang="ko-KR" altLang="en-US"/>
-                    </a:p>
-                  </a:txBody>
-                  <a:tcPr/>
-                </a:tc>
-                <a:tc>
-                  <a:txBody>
-                    <a:bodyPr/>
-                    <a:lstStyle/>
-                    <a:p>
-                      <a:pPr marL="0" marR="0" indent="0" algn="ctr" fontAlgn="base" latinLnBrk="0">
-                        <a:lnSpc>
-                          <a:spcPct val="130000"/>
-                        </a:lnSpc>
-                        <a:spcBef>
-                          <a:spcPts val="0"/>
-                        </a:spcBef>
-                        <a:spcAft>
-                          <a:spcPts val="0"/>
-                        </a:spcAft>
-                      </a:pPr>
-                      <a:r>
-                        <a:rPr lang="en-US" altLang="ko-KR" sz="1800" b="0" kern="0" spc="-60" dirty="0">
-                          <a:solidFill>
-                            <a:srgbClr val="000000"/>
-                          </a:solidFill>
-                          <a:effectLst/>
-                          <a:latin typeface="+mj-lt"/>
-                          <a:ea typeface="함초롬바탕" panose="02030604000101010101" pitchFamily="18" charset="-127"/>
-                        </a:rPr>
-                        <a:t>3</a:t>
-                      </a:r>
-                      <a:r>
-                        <a:rPr lang="ko-KR" altLang="en-US" sz="1800" b="0" kern="0" spc="-60" dirty="0">
-                          <a:solidFill>
-                            <a:srgbClr val="000000"/>
-                          </a:solidFill>
-                          <a:effectLst/>
-                          <a:latin typeface="+mj-lt"/>
-                          <a:ea typeface="함초롬바탕" panose="02030604000101010101" pitchFamily="18" charset="-127"/>
-                        </a:rPr>
-                        <a:t>주차</a:t>
-                      </a:r>
-                      <a:endParaRPr lang="ko-KR" altLang="en-US" sz="1800" b="0" kern="0" spc="-60" dirty="0">
-                        <a:solidFill>
-                          <a:srgbClr val="000000"/>
-                        </a:solidFill>
-                        <a:effectLst/>
-                        <a:latin typeface="+mj-lt"/>
-                      </a:endParaRPr>
-                    </a:p>
-                  </a:txBody>
-                  <a:tcPr anchor="ctr">
-                    <a:lnL w="3556" cap="flat" cmpd="sng" algn="ctr">
-                      <a:solidFill>
-                        <a:srgbClr val="000000"/>
-                      </a:solidFill>
-                      <a:prstDash val="solid"/>
-                      <a:round/>
-                      <a:headEnd type="none" w="med" len="med"/>
-                      <a:tailEnd type="none" w="med" len="med"/>
-                    </a:lnL>
-                    <a:lnR w="3556" cap="flat" cmpd="sng" algn="ctr">
-                      <a:solidFill>
-                        <a:srgbClr val="000000"/>
-                      </a:solidFill>
-                      <a:prstDash val="solid"/>
-                      <a:round/>
-                      <a:headEnd type="none" w="med" len="med"/>
-                      <a:tailEnd type="none" w="med" len="med"/>
-                    </a:lnR>
-                    <a:lnT w="3556" cap="flat" cmpd="sng" algn="ctr">
-                      <a:solidFill>
-                        <a:srgbClr val="000000"/>
-                      </a:solidFill>
-                      <a:prstDash val="solid"/>
-                      <a:round/>
-                      <a:headEnd type="none" w="med" len="med"/>
-                      <a:tailEnd type="none" w="med" len="med"/>
-                    </a:lnT>
-                    <a:lnB w="3556" cap="flat" cmpd="sng" algn="ctr">
-                      <a:solidFill>
-                        <a:srgbClr val="000000"/>
-                      </a:solidFill>
-                      <a:prstDash val="solid"/>
-                      <a:round/>
-                      <a:headEnd type="none" w="med" len="med"/>
-                      <a:tailEnd type="none" w="med" len="med"/>
-                    </a:lnB>
-                  </a:tcPr>
-                </a:tc>
-                <a:tc>
-                  <a:txBody>
-                    <a:bodyPr/>
-                    <a:lstStyle/>
-                    <a:p>
-                      <a:pPr marL="0" marR="0" indent="0" algn="ctr" fontAlgn="base" latinLnBrk="0">
-                        <a:lnSpc>
-                          <a:spcPct val="130000"/>
-                        </a:lnSpc>
-                        <a:spcBef>
-                          <a:spcPts val="0"/>
-                        </a:spcBef>
-                        <a:spcAft>
-                          <a:spcPts val="0"/>
-                        </a:spcAft>
-                      </a:pPr>
-                      <a:r>
-                        <a:rPr lang="ko-KR" altLang="en-US" sz="1800" b="0" kern="0" spc="-60" dirty="0">
-                          <a:solidFill>
-                            <a:srgbClr val="000000"/>
-                          </a:solidFill>
-                          <a:effectLst/>
-                          <a:latin typeface="+mj-lt"/>
-                          <a:ea typeface="함초롬바탕" panose="02030604000101010101" pitchFamily="18" charset="-127"/>
-                        </a:rPr>
-                        <a:t>제품 기획</a:t>
-                      </a:r>
-                      <a:endParaRPr lang="ko-KR" altLang="en-US" sz="1800" b="0" kern="0" spc="-60" dirty="0">
-                        <a:solidFill>
-                          <a:srgbClr val="000000"/>
-                        </a:solidFill>
-                        <a:effectLst/>
-                        <a:latin typeface="+mj-lt"/>
-                      </a:endParaRPr>
-                    </a:p>
-                  </a:txBody>
-                  <a:tcPr anchor="ctr">
-                    <a:lnL w="3556" cap="flat" cmpd="sng" algn="ctr">
-                      <a:solidFill>
-                        <a:srgbClr val="000000"/>
-                      </a:solidFill>
-                      <a:prstDash val="solid"/>
-                      <a:round/>
-                      <a:headEnd type="none" w="med" len="med"/>
-                      <a:tailEnd type="none" w="med" len="med"/>
-                    </a:lnL>
-                    <a:lnR w="3556" cap="flat" cmpd="sng" algn="ctr">
-                      <a:solidFill>
-                        <a:srgbClr val="000000"/>
-                      </a:solidFill>
-                      <a:prstDash val="solid"/>
-                      <a:round/>
-                      <a:headEnd type="none" w="med" len="med"/>
-                      <a:tailEnd type="none" w="med" len="med"/>
-                    </a:lnR>
-                    <a:lnT w="3556" cap="flat" cmpd="sng" algn="ctr">
-                      <a:solidFill>
-                        <a:srgbClr val="000000"/>
-                      </a:solidFill>
-                      <a:prstDash val="solid"/>
-                      <a:round/>
-                      <a:headEnd type="none" w="med" len="med"/>
-                      <a:tailEnd type="none" w="med" len="med"/>
-                    </a:lnT>
-                    <a:lnB w="3556" cap="flat" cmpd="sng" algn="ctr">
-                      <a:solidFill>
-                        <a:srgbClr val="000000"/>
-                      </a:solidFill>
-                      <a:prstDash val="solid"/>
-                      <a:round/>
-                      <a:headEnd type="none" w="med" len="med"/>
-                      <a:tailEnd type="none" w="med" len="med"/>
-                    </a:lnB>
-                  </a:tcPr>
-                </a:tc>
-                <a:tc>
-                  <a:txBody>
-                    <a:bodyPr/>
-                    <a:lstStyle/>
-                    <a:p>
-                      <a:pPr marL="0" marR="0" indent="0" algn="ctr" fontAlgn="base" latinLnBrk="0">
-                        <a:lnSpc>
-                          <a:spcPct val="130000"/>
-                        </a:lnSpc>
-                        <a:spcBef>
-                          <a:spcPts val="0"/>
-                        </a:spcBef>
-                        <a:spcAft>
-                          <a:spcPts val="0"/>
-                        </a:spcAft>
-                      </a:pPr>
-                      <a:endParaRPr lang="ko-KR" altLang="en-US" sz="1800" b="0" kern="0" spc="-60" dirty="0">
-                        <a:solidFill>
-                          <a:srgbClr val="000000"/>
-                        </a:solidFill>
-                        <a:effectLst/>
-                        <a:latin typeface="+mj-lt"/>
-                      </a:endParaRPr>
-                    </a:p>
-                  </a:txBody>
-                  <a:tcPr anchor="ctr">
-                    <a:lnL w="3556" cap="flat" cmpd="sng" algn="ctr">
-                      <a:solidFill>
-                        <a:srgbClr val="000000"/>
-                      </a:solidFill>
-                      <a:prstDash val="solid"/>
-                      <a:round/>
-                      <a:headEnd type="none" w="med" len="med"/>
-                      <a:tailEnd type="none" w="med" len="med"/>
-                    </a:lnL>
-                    <a:lnR w="3556" cap="flat" cmpd="sng" algn="ctr">
-                      <a:solidFill>
-                        <a:srgbClr val="000000"/>
-                      </a:solidFill>
-                      <a:prstDash val="solid"/>
-                      <a:round/>
-                      <a:headEnd type="none" w="med" len="med"/>
-                      <a:tailEnd type="none" w="med" len="med"/>
-                    </a:lnR>
-                    <a:lnT w="3556" cap="flat" cmpd="sng" algn="ctr">
-                      <a:solidFill>
-                        <a:srgbClr val="000000"/>
-                      </a:solidFill>
-                      <a:prstDash val="solid"/>
-                      <a:round/>
-                      <a:headEnd type="none" w="med" len="med"/>
-                      <a:tailEnd type="none" w="med" len="med"/>
-                    </a:lnT>
-                    <a:lnB w="3556" cap="flat" cmpd="sng" algn="ctr">
-                      <a:solidFill>
-                        <a:srgbClr val="000000"/>
-                      </a:solidFill>
-                      <a:prstDash val="solid"/>
-                      <a:round/>
-                      <a:headEnd type="none" w="med" len="med"/>
-                      <a:tailEnd type="none" w="med" len="med"/>
-                    </a:lnB>
-                  </a:tcPr>
-                </a:tc>
-                <a:extLst>
-                  <a:ext uri="{0D108BD9-81ED-4DB2-BD59-A6C34878D82A}">
-                    <a16:rowId xmlns:a16="http://schemas.microsoft.com/office/drawing/2014/main" val="1895776315"/>
-                  </a:ext>
-                </a:extLst>
-              </a:tr>
-              <a:tr h="511740">
-                <a:tc vMerge="1">
-                  <a:txBody>
-                    <a:bodyPr/>
-                    <a:lstStyle/>
-                    <a:p>
-                      <a:pPr latinLnBrk="1"/>
-                      <a:endParaRPr lang="ko-KR" altLang="en-US"/>
-                    </a:p>
-                  </a:txBody>
-                  <a:tcPr/>
-                </a:tc>
-                <a:tc>
-                  <a:txBody>
-                    <a:bodyPr/>
-                    <a:lstStyle/>
-                    <a:p>
-                      <a:pPr marL="0" marR="0" indent="0" algn="ctr" fontAlgn="base" latinLnBrk="0">
-                        <a:lnSpc>
-                          <a:spcPct val="130000"/>
-                        </a:lnSpc>
-                        <a:spcBef>
-                          <a:spcPts val="0"/>
-                        </a:spcBef>
-                        <a:spcAft>
-                          <a:spcPts val="0"/>
-                        </a:spcAft>
-                      </a:pPr>
-                      <a:r>
-                        <a:rPr lang="en-US" altLang="ko-KR" sz="1800" b="0" kern="0" spc="-60">
-                          <a:solidFill>
-                            <a:srgbClr val="000000"/>
-                          </a:solidFill>
-                          <a:effectLst/>
-                          <a:latin typeface="+mj-lt"/>
-                          <a:ea typeface="함초롬바탕" panose="02030604000101010101" pitchFamily="18" charset="-127"/>
-                        </a:rPr>
-                        <a:t>4</a:t>
-                      </a:r>
-                      <a:r>
-                        <a:rPr lang="ko-KR" altLang="en-US" sz="1800" b="0" kern="0" spc="-60">
-                          <a:solidFill>
-                            <a:srgbClr val="000000"/>
-                          </a:solidFill>
-                          <a:effectLst/>
-                          <a:latin typeface="+mj-lt"/>
-                          <a:ea typeface="함초롬바탕" panose="02030604000101010101" pitchFamily="18" charset="-127"/>
-                        </a:rPr>
-                        <a:t>주차</a:t>
-                      </a:r>
-                      <a:endParaRPr lang="ko-KR" altLang="en-US" sz="1800" b="0" kern="0" spc="-60">
-                        <a:solidFill>
-                          <a:srgbClr val="000000"/>
-                        </a:solidFill>
-                        <a:effectLst/>
-                        <a:latin typeface="+mj-lt"/>
-                      </a:endParaRPr>
-                    </a:p>
-                  </a:txBody>
-                  <a:tcPr anchor="ctr">
-                    <a:lnL w="3556" cap="flat" cmpd="sng" algn="ctr">
-                      <a:solidFill>
-                        <a:srgbClr val="000000"/>
-                      </a:solidFill>
-                      <a:prstDash val="solid"/>
-                      <a:round/>
-                      <a:headEnd type="none" w="med" len="med"/>
-                      <a:tailEnd type="none" w="med" len="med"/>
-                    </a:lnL>
-                    <a:lnR w="3556" cap="flat" cmpd="sng" algn="ctr">
-                      <a:solidFill>
-                        <a:srgbClr val="000000"/>
-                      </a:solidFill>
-                      <a:prstDash val="solid"/>
-                      <a:round/>
-                      <a:headEnd type="none" w="med" len="med"/>
-                      <a:tailEnd type="none" w="med" len="med"/>
-                    </a:lnR>
-                    <a:lnT w="3556" cap="flat" cmpd="sng" algn="ctr">
-                      <a:solidFill>
-                        <a:srgbClr val="000000"/>
-                      </a:solidFill>
-                      <a:prstDash val="solid"/>
-                      <a:round/>
-                      <a:headEnd type="none" w="med" len="med"/>
-                      <a:tailEnd type="none" w="med" len="med"/>
-                    </a:lnT>
-                    <a:lnB w="3556" cap="flat" cmpd="sng" algn="ctr">
-                      <a:solidFill>
-                        <a:srgbClr val="000000"/>
-                      </a:solidFill>
-                      <a:prstDash val="solid"/>
-                      <a:round/>
-                      <a:headEnd type="none" w="med" len="med"/>
-                      <a:tailEnd type="none" w="med" len="med"/>
-                    </a:lnB>
-                  </a:tcPr>
-                </a:tc>
-                <a:tc>
-                  <a:txBody>
-                    <a:bodyPr/>
-                    <a:lstStyle/>
-                    <a:p>
-                      <a:pPr marL="0" marR="0" indent="0" algn="ctr" fontAlgn="base" latinLnBrk="0">
-                        <a:lnSpc>
-                          <a:spcPct val="130000"/>
-                        </a:lnSpc>
-                        <a:spcBef>
-                          <a:spcPts val="0"/>
-                        </a:spcBef>
-                        <a:spcAft>
-                          <a:spcPts val="0"/>
-                        </a:spcAft>
-                      </a:pPr>
-                      <a:r>
-                        <a:rPr lang="ko-KR" altLang="en-US" sz="1800" b="0" kern="0" spc="-60">
-                          <a:solidFill>
-                            <a:srgbClr val="000000"/>
-                          </a:solidFill>
-                          <a:effectLst/>
-                          <a:latin typeface="+mj-lt"/>
-                          <a:ea typeface="함초롬바탕" panose="02030604000101010101" pitchFamily="18" charset="-127"/>
-                        </a:rPr>
-                        <a:t>제품 개발 기획</a:t>
-                      </a:r>
-                      <a:endParaRPr lang="ko-KR" altLang="en-US" sz="1800" b="0" kern="0" spc="-60">
-                        <a:solidFill>
-                          <a:srgbClr val="000000"/>
-                        </a:solidFill>
-                        <a:effectLst/>
-                        <a:latin typeface="+mj-lt"/>
-                      </a:endParaRPr>
-                    </a:p>
-                  </a:txBody>
-                  <a:tcPr anchor="ctr">
-                    <a:lnL w="3556" cap="flat" cmpd="sng" algn="ctr">
-                      <a:solidFill>
-                        <a:srgbClr val="000000"/>
-                      </a:solidFill>
-                      <a:prstDash val="solid"/>
-                      <a:round/>
-                      <a:headEnd type="none" w="med" len="med"/>
-                      <a:tailEnd type="none" w="med" len="med"/>
-                    </a:lnL>
-                    <a:lnR w="3556" cap="flat" cmpd="sng" algn="ctr">
-                      <a:solidFill>
-                        <a:srgbClr val="000000"/>
-                      </a:solidFill>
-                      <a:prstDash val="solid"/>
-                      <a:round/>
-                      <a:headEnd type="none" w="med" len="med"/>
-                      <a:tailEnd type="none" w="med" len="med"/>
-                    </a:lnR>
-                    <a:lnT w="3556" cap="flat" cmpd="sng" algn="ctr">
-                      <a:solidFill>
-                        <a:srgbClr val="000000"/>
-                      </a:solidFill>
-                      <a:prstDash val="solid"/>
-                      <a:round/>
-                      <a:headEnd type="none" w="med" len="med"/>
-                      <a:tailEnd type="none" w="med" len="med"/>
-                    </a:lnT>
-                    <a:lnB w="3556" cap="flat" cmpd="sng" algn="ctr">
-                      <a:solidFill>
-                        <a:srgbClr val="000000"/>
-                      </a:solidFill>
-                      <a:prstDash val="solid"/>
-                      <a:round/>
-                      <a:headEnd type="none" w="med" len="med"/>
-                      <a:tailEnd type="none" w="med" len="med"/>
-                    </a:lnB>
-                  </a:tcPr>
-                </a:tc>
-                <a:tc>
-                  <a:txBody>
-                    <a:bodyPr/>
-                    <a:lstStyle/>
-                    <a:p>
-                      <a:pPr marL="0" marR="0" indent="0" algn="ctr" fontAlgn="base" latinLnBrk="0">
-                        <a:lnSpc>
-                          <a:spcPct val="130000"/>
-                        </a:lnSpc>
-                        <a:spcBef>
-                          <a:spcPts val="0"/>
-                        </a:spcBef>
-                        <a:spcAft>
-                          <a:spcPts val="0"/>
-                        </a:spcAft>
-                      </a:pPr>
-                      <a:endParaRPr lang="ko-KR" altLang="en-US" sz="1800" b="0" kern="0" spc="-60" dirty="0">
-                        <a:solidFill>
-                          <a:srgbClr val="000000"/>
-                        </a:solidFill>
-                        <a:effectLst/>
-                        <a:latin typeface="+mj-lt"/>
-                      </a:endParaRPr>
-                    </a:p>
-                  </a:txBody>
-                  <a:tcPr anchor="ctr">
-                    <a:lnL w="3556" cap="flat" cmpd="sng" algn="ctr">
-                      <a:solidFill>
-                        <a:srgbClr val="000000"/>
-                      </a:solidFill>
-                      <a:prstDash val="solid"/>
-                      <a:round/>
-                      <a:headEnd type="none" w="med" len="med"/>
-                      <a:tailEnd type="none" w="med" len="med"/>
-                    </a:lnL>
-                    <a:lnR w="3556" cap="flat" cmpd="sng" algn="ctr">
-                      <a:solidFill>
-                        <a:srgbClr val="000000"/>
-                      </a:solidFill>
-                      <a:prstDash val="solid"/>
-                      <a:round/>
-                      <a:headEnd type="none" w="med" len="med"/>
-                      <a:tailEnd type="none" w="med" len="med"/>
-                    </a:lnR>
-                    <a:lnT w="3556" cap="flat" cmpd="sng" algn="ctr">
-                      <a:solidFill>
-                        <a:srgbClr val="000000"/>
-                      </a:solidFill>
-                      <a:prstDash val="solid"/>
-                      <a:round/>
-                      <a:headEnd type="none" w="med" len="med"/>
-                      <a:tailEnd type="none" w="med" len="med"/>
-                    </a:lnT>
-                    <a:lnB w="3556" cap="flat" cmpd="sng" algn="ctr">
-                      <a:solidFill>
-                        <a:srgbClr val="000000"/>
-                      </a:solidFill>
-                      <a:prstDash val="solid"/>
-                      <a:round/>
-                      <a:headEnd type="none" w="med" len="med"/>
-                      <a:tailEnd type="none" w="med" len="med"/>
-                    </a:lnB>
-                  </a:tcPr>
-                </a:tc>
-                <a:extLst>
-                  <a:ext uri="{0D108BD9-81ED-4DB2-BD59-A6C34878D82A}">
-                    <a16:rowId xmlns:a16="http://schemas.microsoft.com/office/drawing/2014/main" val="1296068660"/>
-                  </a:ext>
-                </a:extLst>
-              </a:tr>
-              <a:tr h="511740">
-                <a:tc vMerge="1">
-                  <a:txBody>
-                    <a:bodyPr/>
-                    <a:lstStyle/>
-                    <a:p>
-                      <a:pPr latinLnBrk="1"/>
-                      <a:endParaRPr lang="ko-KR" altLang="en-US"/>
-                    </a:p>
-                  </a:txBody>
-                  <a:tcPr/>
-                </a:tc>
-                <a:tc>
-                  <a:txBody>
-                    <a:bodyPr/>
-                    <a:lstStyle/>
-                    <a:p>
-                      <a:pPr marL="0" marR="0" indent="0" algn="ctr" fontAlgn="base" latinLnBrk="0">
-                        <a:lnSpc>
-                          <a:spcPct val="130000"/>
-                        </a:lnSpc>
-                        <a:spcBef>
-                          <a:spcPts val="0"/>
-                        </a:spcBef>
-                        <a:spcAft>
-                          <a:spcPts val="0"/>
-                        </a:spcAft>
-                      </a:pPr>
-                      <a:r>
-                        <a:rPr lang="en-US" altLang="ko-KR" sz="1800" b="0" kern="0" spc="-60">
-                          <a:solidFill>
-                            <a:srgbClr val="000000"/>
-                          </a:solidFill>
-                          <a:effectLst/>
-                          <a:latin typeface="+mj-lt"/>
-                          <a:ea typeface="함초롬바탕" panose="02030604000101010101" pitchFamily="18" charset="-127"/>
-                        </a:rPr>
-                        <a:t>5</a:t>
-                      </a:r>
-                      <a:r>
-                        <a:rPr lang="ko-KR" altLang="en-US" sz="1800" b="0" kern="0" spc="-60">
-                          <a:solidFill>
-                            <a:srgbClr val="000000"/>
-                          </a:solidFill>
-                          <a:effectLst/>
-                          <a:latin typeface="+mj-lt"/>
-                          <a:ea typeface="함초롬바탕" panose="02030604000101010101" pitchFamily="18" charset="-127"/>
-                        </a:rPr>
-                        <a:t>주차</a:t>
-                      </a:r>
-                      <a:endParaRPr lang="ko-KR" altLang="en-US" sz="1800" b="0" kern="0" spc="-60">
-                        <a:solidFill>
-                          <a:srgbClr val="000000"/>
-                        </a:solidFill>
-                        <a:effectLst/>
-                        <a:latin typeface="+mj-lt"/>
-                      </a:endParaRPr>
-                    </a:p>
-                  </a:txBody>
-                  <a:tcPr anchor="ctr">
-                    <a:lnL w="3556" cap="flat" cmpd="sng" algn="ctr">
-                      <a:solidFill>
-                        <a:srgbClr val="000000"/>
-                      </a:solidFill>
-                      <a:prstDash val="solid"/>
-                      <a:round/>
-                      <a:headEnd type="none" w="med" len="med"/>
-                      <a:tailEnd type="none" w="med" len="med"/>
-                    </a:lnL>
-                    <a:lnR w="3556" cap="flat" cmpd="sng" algn="ctr">
-                      <a:solidFill>
-                        <a:srgbClr val="000000"/>
-                      </a:solidFill>
-                      <a:prstDash val="solid"/>
-                      <a:round/>
-                      <a:headEnd type="none" w="med" len="med"/>
-                      <a:tailEnd type="none" w="med" len="med"/>
-                    </a:lnR>
-                    <a:lnT w="3556" cap="flat" cmpd="sng" algn="ctr">
-                      <a:solidFill>
-                        <a:srgbClr val="000000"/>
-                      </a:solidFill>
-                      <a:prstDash val="solid"/>
-                      <a:round/>
-                      <a:headEnd type="none" w="med" len="med"/>
-                      <a:tailEnd type="none" w="med" len="med"/>
-                    </a:lnT>
-                    <a:lnB w="3556" cap="flat" cmpd="sng" algn="ctr">
-                      <a:solidFill>
-                        <a:srgbClr val="000000"/>
-                      </a:solidFill>
-                      <a:prstDash val="solid"/>
-                      <a:round/>
-                      <a:headEnd type="none" w="med" len="med"/>
-                      <a:tailEnd type="none" w="med" len="med"/>
-                    </a:lnB>
-                  </a:tcPr>
-                </a:tc>
-                <a:tc>
-                  <a:txBody>
-                    <a:bodyPr/>
-                    <a:lstStyle/>
-                    <a:p>
-                      <a:pPr marL="0" marR="0" indent="0" algn="ctr" fontAlgn="base" latinLnBrk="0">
-                        <a:lnSpc>
-                          <a:spcPct val="130000"/>
-                        </a:lnSpc>
-                        <a:spcBef>
-                          <a:spcPts val="0"/>
-                        </a:spcBef>
-                        <a:spcAft>
-                          <a:spcPts val="0"/>
-                        </a:spcAft>
-                      </a:pPr>
-                      <a:r>
-                        <a:rPr lang="ko-KR" altLang="en-US" sz="1800" b="0" kern="0" spc="-60">
-                          <a:solidFill>
-                            <a:srgbClr val="000000"/>
-                          </a:solidFill>
-                          <a:effectLst/>
-                          <a:latin typeface="+mj-lt"/>
-                          <a:ea typeface="함초롬바탕" panose="02030604000101010101" pitchFamily="18" charset="-127"/>
-                        </a:rPr>
-                        <a:t>제품 개발 설계</a:t>
-                      </a:r>
-                      <a:endParaRPr lang="ko-KR" altLang="en-US" sz="1800" b="0" kern="0" spc="-60">
-                        <a:solidFill>
-                          <a:srgbClr val="000000"/>
-                        </a:solidFill>
-                        <a:effectLst/>
-                        <a:latin typeface="+mj-lt"/>
-                      </a:endParaRPr>
-                    </a:p>
-                  </a:txBody>
-                  <a:tcPr anchor="ctr">
-                    <a:lnL w="3556" cap="flat" cmpd="sng" algn="ctr">
-                      <a:solidFill>
-                        <a:srgbClr val="000000"/>
-                      </a:solidFill>
-                      <a:prstDash val="solid"/>
-                      <a:round/>
-                      <a:headEnd type="none" w="med" len="med"/>
-                      <a:tailEnd type="none" w="med" len="med"/>
-                    </a:lnL>
-                    <a:lnR w="3556" cap="flat" cmpd="sng" algn="ctr">
-                      <a:solidFill>
-                        <a:srgbClr val="000000"/>
-                      </a:solidFill>
-                      <a:prstDash val="solid"/>
-                      <a:round/>
-                      <a:headEnd type="none" w="med" len="med"/>
-                      <a:tailEnd type="none" w="med" len="med"/>
-                    </a:lnR>
-                    <a:lnT w="3556" cap="flat" cmpd="sng" algn="ctr">
-                      <a:solidFill>
-                        <a:srgbClr val="000000"/>
-                      </a:solidFill>
-                      <a:prstDash val="solid"/>
-                      <a:round/>
-                      <a:headEnd type="none" w="med" len="med"/>
-                      <a:tailEnd type="none" w="med" len="med"/>
-                    </a:lnT>
-                    <a:lnB w="3556" cap="flat" cmpd="sng" algn="ctr">
-                      <a:solidFill>
-                        <a:srgbClr val="000000"/>
-                      </a:solidFill>
-                      <a:prstDash val="solid"/>
-                      <a:round/>
-                      <a:headEnd type="none" w="med" len="med"/>
-                      <a:tailEnd type="none" w="med" len="med"/>
-                    </a:lnB>
-                  </a:tcPr>
-                </a:tc>
-                <a:tc>
-                  <a:txBody>
-                    <a:bodyPr/>
-                    <a:lstStyle/>
-                    <a:p>
-                      <a:pPr marL="0" marR="0" indent="0" algn="ctr" fontAlgn="base" latinLnBrk="0">
-                        <a:lnSpc>
-                          <a:spcPct val="130000"/>
-                        </a:lnSpc>
-                        <a:spcBef>
-                          <a:spcPts val="0"/>
-                        </a:spcBef>
-                        <a:spcAft>
-                          <a:spcPts val="0"/>
-                        </a:spcAft>
-                      </a:pPr>
-                      <a:endParaRPr lang="ko-KR" altLang="en-US" sz="1800" b="0" kern="0" spc="-60" dirty="0">
-                        <a:solidFill>
-                          <a:srgbClr val="000000"/>
-                        </a:solidFill>
-                        <a:effectLst/>
-                        <a:latin typeface="+mj-lt"/>
-                      </a:endParaRPr>
-                    </a:p>
-                  </a:txBody>
-                  <a:tcPr anchor="ctr">
-                    <a:lnL w="3556" cap="flat" cmpd="sng" algn="ctr">
-                      <a:solidFill>
-                        <a:srgbClr val="000000"/>
-                      </a:solidFill>
-                      <a:prstDash val="solid"/>
-                      <a:round/>
-                      <a:headEnd type="none" w="med" len="med"/>
-                      <a:tailEnd type="none" w="med" len="med"/>
-                    </a:lnL>
-                    <a:lnR w="3556" cap="flat" cmpd="sng" algn="ctr">
-                      <a:solidFill>
-                        <a:srgbClr val="000000"/>
-                      </a:solidFill>
-                      <a:prstDash val="solid"/>
-                      <a:round/>
-                      <a:headEnd type="none" w="med" len="med"/>
-                      <a:tailEnd type="none" w="med" len="med"/>
-                    </a:lnR>
-                    <a:lnT w="3556" cap="flat" cmpd="sng" algn="ctr">
-                      <a:solidFill>
-                        <a:srgbClr val="000000"/>
-                      </a:solidFill>
-                      <a:prstDash val="solid"/>
-                      <a:round/>
-                      <a:headEnd type="none" w="med" len="med"/>
-                      <a:tailEnd type="none" w="med" len="med"/>
-                    </a:lnT>
-                    <a:lnB w="3556" cap="flat" cmpd="sng" algn="ctr">
-                      <a:solidFill>
-                        <a:srgbClr val="000000"/>
-                      </a:solidFill>
-                      <a:prstDash val="solid"/>
-                      <a:round/>
-                      <a:headEnd type="none" w="med" len="med"/>
-                      <a:tailEnd type="none" w="med" len="med"/>
-                    </a:lnB>
-                  </a:tcPr>
-                </a:tc>
-                <a:extLst>
-                  <a:ext uri="{0D108BD9-81ED-4DB2-BD59-A6C34878D82A}">
-                    <a16:rowId xmlns:a16="http://schemas.microsoft.com/office/drawing/2014/main" val="41502602"/>
-                  </a:ext>
-                </a:extLst>
-              </a:tr>
-              <a:tr h="511740">
-                <a:tc vMerge="1">
-                  <a:txBody>
-                    <a:bodyPr/>
-                    <a:lstStyle/>
-                    <a:p>
-                      <a:pPr latinLnBrk="1"/>
-                      <a:endParaRPr lang="ko-KR" altLang="en-US"/>
-                    </a:p>
-                  </a:txBody>
-                  <a:tcPr/>
-                </a:tc>
-                <a:tc>
-                  <a:txBody>
-                    <a:bodyPr/>
-                    <a:lstStyle/>
-                    <a:p>
-                      <a:pPr marL="0" marR="0" indent="0" algn="ctr" fontAlgn="base" latinLnBrk="0">
-                        <a:lnSpc>
-                          <a:spcPct val="130000"/>
-                        </a:lnSpc>
-                        <a:spcBef>
-                          <a:spcPts val="0"/>
-                        </a:spcBef>
-                        <a:spcAft>
-                          <a:spcPts val="0"/>
-                        </a:spcAft>
-                      </a:pPr>
-                      <a:r>
-                        <a:rPr lang="en-US" altLang="ko-KR" sz="1800" b="0" kern="0" spc="-60">
-                          <a:solidFill>
-                            <a:srgbClr val="000000"/>
-                          </a:solidFill>
-                          <a:effectLst/>
-                          <a:latin typeface="+mj-lt"/>
-                          <a:ea typeface="함초롬바탕" panose="02030604000101010101" pitchFamily="18" charset="-127"/>
-                        </a:rPr>
-                        <a:t>6</a:t>
-                      </a:r>
-                      <a:r>
-                        <a:rPr lang="ko-KR" altLang="en-US" sz="1800" b="0" kern="0" spc="-60">
-                          <a:solidFill>
-                            <a:srgbClr val="000000"/>
-                          </a:solidFill>
-                          <a:effectLst/>
-                          <a:latin typeface="+mj-lt"/>
-                          <a:ea typeface="함초롬바탕" panose="02030604000101010101" pitchFamily="18" charset="-127"/>
-                        </a:rPr>
-                        <a:t>주차</a:t>
-                      </a:r>
-                      <a:endParaRPr lang="ko-KR" altLang="en-US" sz="1800" b="0" kern="0" spc="-60">
-                        <a:solidFill>
-                          <a:srgbClr val="000000"/>
-                        </a:solidFill>
-                        <a:effectLst/>
-                        <a:latin typeface="+mj-lt"/>
-                      </a:endParaRPr>
-                    </a:p>
-                  </a:txBody>
-                  <a:tcPr anchor="ctr">
-                    <a:lnL w="3556" cap="flat" cmpd="sng" algn="ctr">
-                      <a:solidFill>
-                        <a:srgbClr val="000000"/>
-                      </a:solidFill>
-                      <a:prstDash val="solid"/>
-                      <a:round/>
-                      <a:headEnd type="none" w="med" len="med"/>
-                      <a:tailEnd type="none" w="med" len="med"/>
-                    </a:lnL>
-                    <a:lnR w="3556" cap="flat" cmpd="sng" algn="ctr">
-                      <a:solidFill>
-                        <a:srgbClr val="000000"/>
-                      </a:solidFill>
-                      <a:prstDash val="solid"/>
-                      <a:round/>
-                      <a:headEnd type="none" w="med" len="med"/>
-                      <a:tailEnd type="none" w="med" len="med"/>
-                    </a:lnR>
-                    <a:lnT w="3556" cap="flat" cmpd="sng" algn="ctr">
-                      <a:solidFill>
-                        <a:srgbClr val="000000"/>
-                      </a:solidFill>
-                      <a:prstDash val="solid"/>
-                      <a:round/>
-                      <a:headEnd type="none" w="med" len="med"/>
-                      <a:tailEnd type="none" w="med" len="med"/>
-                    </a:lnT>
-                    <a:lnB w="3556" cap="flat" cmpd="sng" algn="ctr">
-                      <a:solidFill>
-                        <a:srgbClr val="000000"/>
-                      </a:solidFill>
-                      <a:prstDash val="solid"/>
-                      <a:round/>
-                      <a:headEnd type="none" w="med" len="med"/>
-                      <a:tailEnd type="none" w="med" len="med"/>
-                    </a:lnB>
-                  </a:tcPr>
-                </a:tc>
-                <a:tc>
-                  <a:txBody>
-                    <a:bodyPr/>
-                    <a:lstStyle/>
-                    <a:p>
-                      <a:pPr marL="0" marR="0" indent="0" algn="ctr" fontAlgn="base" latinLnBrk="0">
-                        <a:lnSpc>
-                          <a:spcPct val="130000"/>
-                        </a:lnSpc>
-                        <a:spcBef>
-                          <a:spcPts val="0"/>
-                        </a:spcBef>
-                        <a:spcAft>
-                          <a:spcPts val="0"/>
-                        </a:spcAft>
-                      </a:pPr>
-                      <a:r>
-                        <a:rPr lang="ko-KR" altLang="en-US" sz="1800" b="0" kern="0" spc="-60">
-                          <a:solidFill>
-                            <a:srgbClr val="000000"/>
-                          </a:solidFill>
-                          <a:effectLst/>
-                          <a:latin typeface="+mj-lt"/>
-                          <a:ea typeface="함초롬바탕" panose="02030604000101010101" pitchFamily="18" charset="-127"/>
-                        </a:rPr>
-                        <a:t>제품 개발 프로그래밍</a:t>
-                      </a:r>
-                      <a:endParaRPr lang="ko-KR" altLang="en-US" sz="1800" b="0" kern="0" spc="-60">
-                        <a:solidFill>
-                          <a:srgbClr val="000000"/>
-                        </a:solidFill>
-                        <a:effectLst/>
-                        <a:latin typeface="+mj-lt"/>
-                      </a:endParaRPr>
-                    </a:p>
-                  </a:txBody>
-                  <a:tcPr anchor="ctr">
-                    <a:lnL w="3556" cap="flat" cmpd="sng" algn="ctr">
-                      <a:solidFill>
-                        <a:srgbClr val="000000"/>
-                      </a:solidFill>
-                      <a:prstDash val="solid"/>
-                      <a:round/>
-                      <a:headEnd type="none" w="med" len="med"/>
-                      <a:tailEnd type="none" w="med" len="med"/>
-                    </a:lnL>
-                    <a:lnR w="3556" cap="flat" cmpd="sng" algn="ctr">
-                      <a:solidFill>
-                        <a:srgbClr val="000000"/>
-                      </a:solidFill>
-                      <a:prstDash val="solid"/>
-                      <a:round/>
-                      <a:headEnd type="none" w="med" len="med"/>
-                      <a:tailEnd type="none" w="med" len="med"/>
-                    </a:lnR>
-                    <a:lnT w="3556" cap="flat" cmpd="sng" algn="ctr">
-                      <a:solidFill>
-                        <a:srgbClr val="000000"/>
-                      </a:solidFill>
-                      <a:prstDash val="solid"/>
-                      <a:round/>
-                      <a:headEnd type="none" w="med" len="med"/>
-                      <a:tailEnd type="none" w="med" len="med"/>
-                    </a:lnT>
-                    <a:lnB w="3556" cap="flat" cmpd="sng" algn="ctr">
-                      <a:solidFill>
-                        <a:srgbClr val="000000"/>
-                      </a:solidFill>
-                      <a:prstDash val="solid"/>
-                      <a:round/>
-                      <a:headEnd type="none" w="med" len="med"/>
-                      <a:tailEnd type="none" w="med" len="med"/>
-                    </a:lnB>
-                  </a:tcPr>
-                </a:tc>
-                <a:tc>
-                  <a:txBody>
-                    <a:bodyPr/>
-                    <a:lstStyle/>
-                    <a:p>
-                      <a:pPr marL="0" marR="0" indent="0" algn="ctr" fontAlgn="base" latinLnBrk="0">
-                        <a:lnSpc>
-                          <a:spcPct val="130000"/>
-                        </a:lnSpc>
-                        <a:spcBef>
-                          <a:spcPts val="0"/>
-                        </a:spcBef>
-                        <a:spcAft>
-                          <a:spcPts val="0"/>
-                        </a:spcAft>
-                      </a:pPr>
-                      <a:endParaRPr lang="ko-KR" altLang="en-US" sz="1800" b="0" kern="0" spc="-60" dirty="0">
-                        <a:solidFill>
-                          <a:srgbClr val="000000"/>
-                        </a:solidFill>
-                        <a:effectLst/>
-                        <a:latin typeface="+mj-lt"/>
-                      </a:endParaRPr>
-                    </a:p>
-                  </a:txBody>
-                  <a:tcPr anchor="ctr">
-                    <a:lnL w="3556" cap="flat" cmpd="sng" algn="ctr">
-                      <a:solidFill>
-                        <a:srgbClr val="000000"/>
-                      </a:solidFill>
-                      <a:prstDash val="solid"/>
-                      <a:round/>
-                      <a:headEnd type="none" w="med" len="med"/>
-                      <a:tailEnd type="none" w="med" len="med"/>
-                    </a:lnL>
-                    <a:lnR w="3556" cap="flat" cmpd="sng" algn="ctr">
-                      <a:solidFill>
-                        <a:srgbClr val="000000"/>
-                      </a:solidFill>
-                      <a:prstDash val="solid"/>
-                      <a:round/>
-                      <a:headEnd type="none" w="med" len="med"/>
-                      <a:tailEnd type="none" w="med" len="med"/>
-                    </a:lnR>
-                    <a:lnT w="3556" cap="flat" cmpd="sng" algn="ctr">
-                      <a:solidFill>
-                        <a:srgbClr val="000000"/>
-                      </a:solidFill>
-                      <a:prstDash val="solid"/>
-                      <a:round/>
-                      <a:headEnd type="none" w="med" len="med"/>
-                      <a:tailEnd type="none" w="med" len="med"/>
-                    </a:lnT>
-                    <a:lnB w="3556" cap="flat" cmpd="sng" algn="ctr">
-                      <a:solidFill>
-                        <a:srgbClr val="000000"/>
-                      </a:solidFill>
-                      <a:prstDash val="solid"/>
-                      <a:round/>
-                      <a:headEnd type="none" w="med" len="med"/>
-                      <a:tailEnd type="none" w="med" len="med"/>
-                    </a:lnB>
-                  </a:tcPr>
-                </a:tc>
-                <a:extLst>
-                  <a:ext uri="{0D108BD9-81ED-4DB2-BD59-A6C34878D82A}">
-                    <a16:rowId xmlns:a16="http://schemas.microsoft.com/office/drawing/2014/main" val="1570399601"/>
-                  </a:ext>
-                </a:extLst>
-              </a:tr>
-              <a:tr h="511740">
-                <a:tc vMerge="1">
-                  <a:txBody>
-                    <a:bodyPr/>
-                    <a:lstStyle/>
-                    <a:p>
-                      <a:pPr latinLnBrk="1"/>
-                      <a:endParaRPr lang="ko-KR" altLang="en-US"/>
-                    </a:p>
-                  </a:txBody>
-                  <a:tcPr/>
-                </a:tc>
-                <a:tc>
-                  <a:txBody>
-                    <a:bodyPr/>
-                    <a:lstStyle/>
-                    <a:p>
-                      <a:pPr marL="0" marR="0" indent="0" algn="ctr" fontAlgn="base" latinLnBrk="0">
-                        <a:lnSpc>
-                          <a:spcPct val="130000"/>
-                        </a:lnSpc>
-                        <a:spcBef>
-                          <a:spcPts val="0"/>
-                        </a:spcBef>
-                        <a:spcAft>
-                          <a:spcPts val="0"/>
-                        </a:spcAft>
-                      </a:pPr>
-                      <a:r>
-                        <a:rPr lang="en-US" altLang="ko-KR" sz="1800" b="0" kern="0" spc="-60">
-                          <a:solidFill>
-                            <a:srgbClr val="000000"/>
-                          </a:solidFill>
-                          <a:effectLst/>
-                          <a:latin typeface="+mj-lt"/>
-                          <a:ea typeface="함초롬바탕" panose="02030604000101010101" pitchFamily="18" charset="-127"/>
-                        </a:rPr>
-                        <a:t>7</a:t>
-                      </a:r>
-                      <a:r>
-                        <a:rPr lang="ko-KR" altLang="en-US" sz="1800" b="0" kern="0" spc="-60">
-                          <a:solidFill>
-                            <a:srgbClr val="000000"/>
-                          </a:solidFill>
-                          <a:effectLst/>
-                          <a:latin typeface="+mj-lt"/>
-                          <a:ea typeface="함초롬바탕" panose="02030604000101010101" pitchFamily="18" charset="-127"/>
-                        </a:rPr>
-                        <a:t>주차</a:t>
-                      </a:r>
-                      <a:endParaRPr lang="ko-KR" altLang="en-US" sz="1800" b="0" kern="0" spc="-60">
-                        <a:solidFill>
-                          <a:srgbClr val="000000"/>
-                        </a:solidFill>
-                        <a:effectLst/>
-                        <a:latin typeface="+mj-lt"/>
-                      </a:endParaRPr>
-                    </a:p>
-                  </a:txBody>
-                  <a:tcPr anchor="ctr">
-                    <a:lnL w="3556" cap="flat" cmpd="sng" algn="ctr">
-                      <a:solidFill>
-                        <a:srgbClr val="000000"/>
-                      </a:solidFill>
-                      <a:prstDash val="solid"/>
-                      <a:round/>
-                      <a:headEnd type="none" w="med" len="med"/>
-                      <a:tailEnd type="none" w="med" len="med"/>
-                    </a:lnL>
-                    <a:lnR w="3556" cap="flat" cmpd="sng" algn="ctr">
-                      <a:solidFill>
-                        <a:srgbClr val="000000"/>
-                      </a:solidFill>
-                      <a:prstDash val="solid"/>
-                      <a:round/>
-                      <a:headEnd type="none" w="med" len="med"/>
-                      <a:tailEnd type="none" w="med" len="med"/>
-                    </a:lnR>
-                    <a:lnT w="3556" cap="flat" cmpd="sng" algn="ctr">
-                      <a:solidFill>
-                        <a:srgbClr val="000000"/>
-                      </a:solidFill>
-                      <a:prstDash val="solid"/>
-                      <a:round/>
-                      <a:headEnd type="none" w="med" len="med"/>
-                      <a:tailEnd type="none" w="med" len="med"/>
-                    </a:lnT>
-                    <a:lnB w="3556" cap="flat" cmpd="sng" algn="ctr">
-                      <a:solidFill>
-                        <a:srgbClr val="000000"/>
-                      </a:solidFill>
-                      <a:prstDash val="solid"/>
-                      <a:round/>
-                      <a:headEnd type="none" w="med" len="med"/>
-                      <a:tailEnd type="none" w="med" len="med"/>
-                    </a:lnB>
-                  </a:tcPr>
-                </a:tc>
-                <a:tc>
-                  <a:txBody>
-                    <a:bodyPr/>
-                    <a:lstStyle/>
-                    <a:p>
-                      <a:pPr marL="0" marR="0" indent="0" algn="ctr" fontAlgn="base" latinLnBrk="0">
-                        <a:lnSpc>
-                          <a:spcPct val="130000"/>
-                        </a:lnSpc>
-                        <a:spcBef>
-                          <a:spcPts val="0"/>
-                        </a:spcBef>
-                        <a:spcAft>
-                          <a:spcPts val="0"/>
-                        </a:spcAft>
-                      </a:pPr>
-                      <a:r>
-                        <a:rPr lang="ko-KR" altLang="en-US" sz="1800" b="0" kern="0" spc="-60">
-                          <a:solidFill>
-                            <a:srgbClr val="000000"/>
-                          </a:solidFill>
-                          <a:effectLst/>
-                          <a:latin typeface="+mj-lt"/>
-                          <a:ea typeface="함초롬바탕" panose="02030604000101010101" pitchFamily="18" charset="-127"/>
-                        </a:rPr>
-                        <a:t>검증 및 토의</a:t>
-                      </a:r>
-                      <a:endParaRPr lang="ko-KR" altLang="en-US" sz="1800" b="0" kern="0" spc="-60">
-                        <a:solidFill>
-                          <a:srgbClr val="000000"/>
-                        </a:solidFill>
-                        <a:effectLst/>
-                        <a:latin typeface="+mj-lt"/>
-                      </a:endParaRPr>
-                    </a:p>
-                  </a:txBody>
-                  <a:tcPr anchor="ctr">
-                    <a:lnL w="3556" cap="flat" cmpd="sng" algn="ctr">
-                      <a:solidFill>
-                        <a:srgbClr val="000000"/>
-                      </a:solidFill>
-                      <a:prstDash val="solid"/>
-                      <a:round/>
-                      <a:headEnd type="none" w="med" len="med"/>
-                      <a:tailEnd type="none" w="med" len="med"/>
-                    </a:lnL>
-                    <a:lnR w="3556" cap="flat" cmpd="sng" algn="ctr">
-                      <a:solidFill>
-                        <a:srgbClr val="000000"/>
-                      </a:solidFill>
-                      <a:prstDash val="solid"/>
-                      <a:round/>
-                      <a:headEnd type="none" w="med" len="med"/>
-                      <a:tailEnd type="none" w="med" len="med"/>
-                    </a:lnR>
-                    <a:lnT w="3556" cap="flat" cmpd="sng" algn="ctr">
-                      <a:solidFill>
-                        <a:srgbClr val="000000"/>
-                      </a:solidFill>
-                      <a:prstDash val="solid"/>
-                      <a:round/>
-                      <a:headEnd type="none" w="med" len="med"/>
-                      <a:tailEnd type="none" w="med" len="med"/>
-                    </a:lnT>
-                    <a:lnB w="3556" cap="flat" cmpd="sng" algn="ctr">
-                      <a:solidFill>
-                        <a:srgbClr val="000000"/>
-                      </a:solidFill>
-                      <a:prstDash val="solid"/>
-                      <a:round/>
-                      <a:headEnd type="none" w="med" len="med"/>
-                      <a:tailEnd type="none" w="med" len="med"/>
-                    </a:lnB>
-                  </a:tcPr>
-                </a:tc>
-                <a:tc>
-                  <a:txBody>
-                    <a:bodyPr/>
-                    <a:lstStyle/>
-                    <a:p>
-                      <a:pPr marL="0" marR="0" indent="0" algn="ctr" fontAlgn="base" latinLnBrk="0">
-                        <a:lnSpc>
-                          <a:spcPct val="130000"/>
-                        </a:lnSpc>
-                        <a:spcBef>
-                          <a:spcPts val="0"/>
-                        </a:spcBef>
-                        <a:spcAft>
-                          <a:spcPts val="0"/>
-                        </a:spcAft>
-                      </a:pPr>
-                      <a:endParaRPr lang="ko-KR" altLang="en-US" sz="1800" b="0" kern="0" spc="-60" dirty="0">
-                        <a:solidFill>
-                          <a:srgbClr val="000000"/>
-                        </a:solidFill>
-                        <a:effectLst/>
-                        <a:latin typeface="+mj-lt"/>
-                      </a:endParaRPr>
-                    </a:p>
-                  </a:txBody>
-                  <a:tcPr anchor="ctr">
-                    <a:lnL w="3556" cap="flat" cmpd="sng" algn="ctr">
-                      <a:solidFill>
-                        <a:srgbClr val="000000"/>
-                      </a:solidFill>
-                      <a:prstDash val="solid"/>
-                      <a:round/>
-                      <a:headEnd type="none" w="med" len="med"/>
-                      <a:tailEnd type="none" w="med" len="med"/>
-                    </a:lnL>
-                    <a:lnR w="3556" cap="flat" cmpd="sng" algn="ctr">
-                      <a:solidFill>
-                        <a:srgbClr val="000000"/>
-                      </a:solidFill>
-                      <a:prstDash val="solid"/>
-                      <a:round/>
-                      <a:headEnd type="none" w="med" len="med"/>
-                      <a:tailEnd type="none" w="med" len="med"/>
-                    </a:lnR>
-                    <a:lnT w="3556" cap="flat" cmpd="sng" algn="ctr">
-                      <a:solidFill>
-                        <a:srgbClr val="000000"/>
-                      </a:solidFill>
-                      <a:prstDash val="solid"/>
-                      <a:round/>
-                      <a:headEnd type="none" w="med" len="med"/>
-                      <a:tailEnd type="none" w="med" len="med"/>
-                    </a:lnT>
-                    <a:lnB w="3556" cap="flat" cmpd="sng" algn="ctr">
-                      <a:solidFill>
-                        <a:srgbClr val="000000"/>
-                      </a:solidFill>
-                      <a:prstDash val="solid"/>
-                      <a:round/>
-                      <a:headEnd type="none" w="med" len="med"/>
-                      <a:tailEnd type="none" w="med" len="med"/>
-                    </a:lnB>
-                  </a:tcPr>
-                </a:tc>
-                <a:extLst>
-                  <a:ext uri="{0D108BD9-81ED-4DB2-BD59-A6C34878D82A}">
-                    <a16:rowId xmlns:a16="http://schemas.microsoft.com/office/drawing/2014/main" val="4017405501"/>
-                  </a:ext>
-                </a:extLst>
-              </a:tr>
-              <a:tr h="511740">
-                <a:tc vMerge="1">
-                  <a:txBody>
-                    <a:bodyPr/>
-                    <a:lstStyle/>
-                    <a:p>
-                      <a:pPr latinLnBrk="1"/>
-                      <a:endParaRPr lang="ko-KR" altLang="en-US"/>
-                    </a:p>
-                  </a:txBody>
-                  <a:tcPr/>
-                </a:tc>
-                <a:tc>
-                  <a:txBody>
-                    <a:bodyPr/>
-                    <a:lstStyle/>
-                    <a:p>
-                      <a:pPr marL="0" marR="0" indent="0" algn="ctr" fontAlgn="base" latinLnBrk="0">
-                        <a:lnSpc>
-                          <a:spcPct val="130000"/>
-                        </a:lnSpc>
-                        <a:spcBef>
-                          <a:spcPts val="0"/>
-                        </a:spcBef>
-                        <a:spcAft>
-                          <a:spcPts val="0"/>
-                        </a:spcAft>
-                      </a:pPr>
-                      <a:r>
-                        <a:rPr lang="en-US" altLang="ko-KR" sz="1800" b="0" kern="0" spc="-60">
-                          <a:solidFill>
-                            <a:srgbClr val="000000"/>
-                          </a:solidFill>
-                          <a:effectLst/>
-                          <a:latin typeface="+mj-lt"/>
-                          <a:ea typeface="함초롬바탕" panose="02030604000101010101" pitchFamily="18" charset="-127"/>
-                        </a:rPr>
-                        <a:t>8</a:t>
-                      </a:r>
-                      <a:r>
-                        <a:rPr lang="ko-KR" altLang="en-US" sz="1800" b="0" kern="0" spc="-60">
-                          <a:solidFill>
-                            <a:srgbClr val="000000"/>
-                          </a:solidFill>
-                          <a:effectLst/>
-                          <a:latin typeface="+mj-lt"/>
-                          <a:ea typeface="함초롬바탕" panose="02030604000101010101" pitchFamily="18" charset="-127"/>
-                        </a:rPr>
-                        <a:t>주차</a:t>
-                      </a:r>
-                      <a:endParaRPr lang="ko-KR" altLang="en-US" sz="1800" b="0" kern="0" spc="-60">
-                        <a:solidFill>
-                          <a:srgbClr val="000000"/>
-                        </a:solidFill>
-                        <a:effectLst/>
-                        <a:latin typeface="+mj-lt"/>
-                      </a:endParaRPr>
-                    </a:p>
-                  </a:txBody>
-                  <a:tcPr anchor="ctr">
-                    <a:lnL w="3556" cap="flat" cmpd="sng" algn="ctr">
-                      <a:solidFill>
-                        <a:srgbClr val="000000"/>
-                      </a:solidFill>
-                      <a:prstDash val="solid"/>
-                      <a:round/>
-                      <a:headEnd type="none" w="med" len="med"/>
-                      <a:tailEnd type="none" w="med" len="med"/>
-                    </a:lnL>
-                    <a:lnR w="3556" cap="flat" cmpd="sng" algn="ctr">
-                      <a:solidFill>
-                        <a:srgbClr val="000000"/>
-                      </a:solidFill>
-                      <a:prstDash val="solid"/>
-                      <a:round/>
-                      <a:headEnd type="none" w="med" len="med"/>
-                      <a:tailEnd type="none" w="med" len="med"/>
-                    </a:lnR>
-                    <a:lnT w="3556" cap="flat" cmpd="sng" algn="ctr">
-                      <a:solidFill>
-                        <a:srgbClr val="000000"/>
-                      </a:solidFill>
-                      <a:prstDash val="solid"/>
-                      <a:round/>
-                      <a:headEnd type="none" w="med" len="med"/>
-                      <a:tailEnd type="none" w="med" len="med"/>
-                    </a:lnT>
-                    <a:lnB w="3556" cap="flat" cmpd="sng" algn="ctr">
-                      <a:solidFill>
-                        <a:srgbClr val="000000"/>
-                      </a:solidFill>
-                      <a:prstDash val="solid"/>
-                      <a:round/>
-                      <a:headEnd type="none" w="med" len="med"/>
-                      <a:tailEnd type="none" w="med" len="med"/>
-                    </a:lnB>
-                  </a:tcPr>
-                </a:tc>
-                <a:tc>
-                  <a:txBody>
-                    <a:bodyPr/>
-                    <a:lstStyle/>
-                    <a:p>
-                      <a:pPr marL="0" marR="0" indent="0" algn="ctr" fontAlgn="base" latinLnBrk="0">
-                        <a:lnSpc>
-                          <a:spcPct val="130000"/>
-                        </a:lnSpc>
-                        <a:spcBef>
-                          <a:spcPts val="0"/>
-                        </a:spcBef>
-                        <a:spcAft>
-                          <a:spcPts val="0"/>
-                        </a:spcAft>
-                      </a:pPr>
-                      <a:r>
-                        <a:rPr lang="ko-KR" altLang="en-US" sz="1800" b="0" kern="0" spc="-60">
-                          <a:solidFill>
-                            <a:srgbClr val="000000"/>
-                          </a:solidFill>
-                          <a:effectLst/>
-                          <a:latin typeface="+mj-lt"/>
-                          <a:ea typeface="함초롬바탕" panose="02030604000101010101" pitchFamily="18" charset="-127"/>
-                        </a:rPr>
-                        <a:t>실습 결과서 작성 및 토의</a:t>
-                      </a:r>
-                      <a:endParaRPr lang="ko-KR" altLang="en-US" sz="1800" b="0" kern="0" spc="-60">
-                        <a:solidFill>
-                          <a:srgbClr val="000000"/>
-                        </a:solidFill>
-                        <a:effectLst/>
-                        <a:latin typeface="+mj-lt"/>
-                      </a:endParaRPr>
-                    </a:p>
-                  </a:txBody>
-                  <a:tcPr anchor="ctr">
-                    <a:lnL w="3556" cap="flat" cmpd="sng" algn="ctr">
-                      <a:solidFill>
-                        <a:srgbClr val="000000"/>
-                      </a:solidFill>
-                      <a:prstDash val="solid"/>
-                      <a:round/>
-                      <a:headEnd type="none" w="med" len="med"/>
-                      <a:tailEnd type="none" w="med" len="med"/>
-                    </a:lnL>
-                    <a:lnR w="3556" cap="flat" cmpd="sng" algn="ctr">
-                      <a:solidFill>
-                        <a:srgbClr val="000000"/>
-                      </a:solidFill>
-                      <a:prstDash val="solid"/>
-                      <a:round/>
-                      <a:headEnd type="none" w="med" len="med"/>
-                      <a:tailEnd type="none" w="med" len="med"/>
-                    </a:lnR>
-                    <a:lnT w="3556" cap="flat" cmpd="sng" algn="ctr">
-                      <a:solidFill>
-                        <a:srgbClr val="000000"/>
-                      </a:solidFill>
-                      <a:prstDash val="solid"/>
-                      <a:round/>
-                      <a:headEnd type="none" w="med" len="med"/>
-                      <a:tailEnd type="none" w="med" len="med"/>
-                    </a:lnT>
-                    <a:lnB w="3556" cap="flat" cmpd="sng" algn="ctr">
-                      <a:solidFill>
-                        <a:srgbClr val="000000"/>
-                      </a:solidFill>
-                      <a:prstDash val="solid"/>
-                      <a:round/>
-                      <a:headEnd type="none" w="med" len="med"/>
-                      <a:tailEnd type="none" w="med" len="med"/>
-                    </a:lnB>
-                  </a:tcPr>
-                </a:tc>
-                <a:tc>
-                  <a:txBody>
-                    <a:bodyPr/>
-                    <a:lstStyle/>
-                    <a:p>
-                      <a:pPr marL="0" marR="0" indent="0" algn="ctr" fontAlgn="base" latinLnBrk="0">
-                        <a:lnSpc>
-                          <a:spcPct val="130000"/>
-                        </a:lnSpc>
-                        <a:spcBef>
-                          <a:spcPts val="0"/>
-                        </a:spcBef>
-                        <a:spcAft>
-                          <a:spcPts val="0"/>
-                        </a:spcAft>
-                      </a:pPr>
-                      <a:endParaRPr lang="ko-KR" altLang="en-US" sz="1800" b="0" kern="0" spc="-60" dirty="0">
-                        <a:solidFill>
-                          <a:srgbClr val="000000"/>
-                        </a:solidFill>
-                        <a:effectLst/>
-                        <a:latin typeface="+mj-lt"/>
-                      </a:endParaRPr>
-                    </a:p>
-                  </a:txBody>
-                  <a:tcPr anchor="ctr">
-                    <a:lnL w="3556" cap="flat" cmpd="sng" algn="ctr">
-                      <a:solidFill>
-                        <a:srgbClr val="000000"/>
-                      </a:solidFill>
-                      <a:prstDash val="solid"/>
-                      <a:round/>
-                      <a:headEnd type="none" w="med" len="med"/>
-                      <a:tailEnd type="none" w="med" len="med"/>
-                    </a:lnL>
-                    <a:lnR w="3556" cap="flat" cmpd="sng" algn="ctr">
-                      <a:solidFill>
-                        <a:srgbClr val="000000"/>
-                      </a:solidFill>
-                      <a:prstDash val="solid"/>
-                      <a:round/>
-                      <a:headEnd type="none" w="med" len="med"/>
-                      <a:tailEnd type="none" w="med" len="med"/>
-                    </a:lnR>
-                    <a:lnT w="3556" cap="flat" cmpd="sng" algn="ctr">
-                      <a:solidFill>
-                        <a:srgbClr val="000000"/>
-                      </a:solidFill>
-                      <a:prstDash val="solid"/>
-                      <a:round/>
-                      <a:headEnd type="none" w="med" len="med"/>
-                      <a:tailEnd type="none" w="med" len="med"/>
-                    </a:lnT>
-                    <a:lnB w="3556" cap="flat" cmpd="sng" algn="ctr">
-                      <a:solidFill>
-                        <a:srgbClr val="000000"/>
-                      </a:solidFill>
-                      <a:prstDash val="solid"/>
-                      <a:round/>
-                      <a:headEnd type="none" w="med" len="med"/>
-                      <a:tailEnd type="none" w="med" len="med"/>
-                    </a:lnB>
-                  </a:tcPr>
-                </a:tc>
-                <a:extLst>
-                  <a:ext uri="{0D108BD9-81ED-4DB2-BD59-A6C34878D82A}">
-                    <a16:rowId xmlns:a16="http://schemas.microsoft.com/office/drawing/2014/main" val="1246604563"/>
-                  </a:ext>
-                </a:extLst>
-              </a:tr>
-            </a:tbl>
-          </a:graphicData>
-        </a:graphic>
-      </p:graphicFrame>
-    </p:spTree>
-    <p:extLst>
-      <p:ext uri="{BB962C8B-B14F-4D97-AF65-F5344CB8AC3E}">
-        <p14:creationId xmlns:p14="http://schemas.microsoft.com/office/powerpoint/2010/main" val="635831045"/>
-      </p:ext>
-    </p:extLst>
-  </p:cSld>
-  <p:clrMapOvr>
-    <a:masterClrMapping/>
-  </p:clrMapOvr>
-</p:sld>
-</file>
-
-<file path=ppt/slides/slide20.xml><?xml version="1.0" encoding="utf-8"?>
+<file path=ppt/slides/slide23.xml><?xml version="1.0" encoding="utf-8"?>
 <p:sld xmlns:a="http://schemas.openxmlformats.org/drawingml/2006/main" xmlns:r="http://schemas.openxmlformats.org/officeDocument/2006/relationships" xmlns:p="http://schemas.openxmlformats.org/presentationml/2006/main">
   <p:cSld>
     <p:spTree>
@@ -9761,7 +11707,7 @@
 </p:sld>
 </file>
 
-<file path=ppt/slides/slide21.xml><?xml version="1.0" encoding="utf-8"?>
+<file path=ppt/slides/slide24.xml><?xml version="1.0" encoding="utf-8"?>
 <p:sld xmlns:a="http://schemas.openxmlformats.org/drawingml/2006/main" xmlns:r="http://schemas.openxmlformats.org/officeDocument/2006/relationships" xmlns:p="http://schemas.openxmlformats.org/presentationml/2006/main">
   <p:cSld>
     <p:spTree>
@@ -10080,7 +12026,7 @@
 </p:sld>
 </file>
 
-<file path=ppt/slides/slide22.xml><?xml version="1.0" encoding="utf-8"?>
+<file path=ppt/slides/slide25.xml><?xml version="1.0" encoding="utf-8"?>
 <p:sld xmlns:a="http://schemas.openxmlformats.org/drawingml/2006/main" xmlns:r="http://schemas.openxmlformats.org/officeDocument/2006/relationships" xmlns:p="http://schemas.openxmlformats.org/presentationml/2006/main">
   <p:cSld>
     <p:spTree>
@@ -10178,7 +12124,7 @@
 </p:sld>
 </file>
 
-<file path=ppt/slides/slide23.xml><?xml version="1.0" encoding="utf-8"?>
+<file path=ppt/slides/slide26.xml><?xml version="1.0" encoding="utf-8"?>
 <p:sld xmlns:a="http://schemas.openxmlformats.org/drawingml/2006/main" xmlns:r="http://schemas.openxmlformats.org/officeDocument/2006/relationships" xmlns:p="http://schemas.openxmlformats.org/presentationml/2006/main">
   <p:cSld>
     <p:spTree>
@@ -10456,7 +12402,7 @@
 </p:sld>
 </file>
 
-<file path=ppt/slides/slide24.xml><?xml version="1.0" encoding="utf-8"?>
+<file path=ppt/slides/slide27.xml><?xml version="1.0" encoding="utf-8"?>
 <p:sld xmlns:a="http://schemas.openxmlformats.org/drawingml/2006/main" xmlns:r="http://schemas.openxmlformats.org/officeDocument/2006/relationships" xmlns:p="http://schemas.openxmlformats.org/presentationml/2006/main">
   <p:cSld>
     <p:spTree>
@@ -10554,7 +12500,7 @@
 </p:sld>
 </file>
 
-<file path=ppt/slides/slide25.xml><?xml version="1.0" encoding="utf-8"?>
+<file path=ppt/slides/slide28.xml><?xml version="1.0" encoding="utf-8"?>
 <p:sld xmlns:a="http://schemas.openxmlformats.org/drawingml/2006/main" xmlns:r="http://schemas.openxmlformats.org/officeDocument/2006/relationships" xmlns:p="http://schemas.openxmlformats.org/presentationml/2006/main">
   <p:cSld>
     <p:spTree>
@@ -10832,7 +12778,7 @@
 </p:sld>
 </file>
 
-<file path=ppt/slides/slide26.xml><?xml version="1.0" encoding="utf-8"?>
+<file path=ppt/slides/slide29.xml><?xml version="1.0" encoding="utf-8"?>
 <p:sld xmlns:a="http://schemas.openxmlformats.org/drawingml/2006/main" xmlns:r="http://schemas.openxmlformats.org/officeDocument/2006/relationships" xmlns:p="http://schemas.openxmlformats.org/presentationml/2006/main">
   <p:cSld>
     <p:spTree>
@@ -10911,386 +12857,6 @@
     <p:extLst>
       <p:ext uri="{BB962C8B-B14F-4D97-AF65-F5344CB8AC3E}">
         <p14:creationId xmlns:p14="http://schemas.microsoft.com/office/powerpoint/2010/main" val="1303733429"/>
-      </p:ext>
-    </p:extLst>
-  </p:cSld>
-  <p:clrMapOvr>
-    <a:masterClrMapping/>
-  </p:clrMapOvr>
-</p:sld>
-</file>
-
-<file path=ppt/slides/slide27.xml><?xml version="1.0" encoding="utf-8"?>
-<p:sld xmlns:a="http://schemas.openxmlformats.org/drawingml/2006/main" xmlns:r="http://schemas.openxmlformats.org/officeDocument/2006/relationships" xmlns:p="http://schemas.openxmlformats.org/presentationml/2006/main">
-  <p:cSld>
-    <p:spTree>
-      <p:nvGrpSpPr>
-        <p:cNvPr id="1" name=""/>
-        <p:cNvGrpSpPr/>
-        <p:nvPr/>
-      </p:nvGrpSpPr>
-      <p:grpSpPr>
-        <a:xfrm>
-          <a:off x="0" y="0"/>
-          <a:ext cx="0" cy="0"/>
-          <a:chOff x="0" y="0"/>
-          <a:chExt cx="0" cy="0"/>
-        </a:xfrm>
-      </p:grpSpPr>
-      <p:sp>
-        <p:nvSpPr>
-          <p:cNvPr id="10" name="직사각형 9"/>
-          <p:cNvSpPr/>
-          <p:nvPr/>
-        </p:nvSpPr>
-        <p:spPr>
-          <a:xfrm>
-            <a:off x="-1" y="2398426"/>
-            <a:ext cx="12192001" cy="1338109"/>
-          </a:xfrm>
-          <a:prstGeom prst="rect">
-            <a:avLst/>
-          </a:prstGeom>
-          <a:solidFill>
-            <a:schemeClr val="accent1">
-              <a:lumMod val="75000"/>
-            </a:schemeClr>
-          </a:solidFill>
-          <a:ln>
-            <a:noFill/>
-          </a:ln>
-        </p:spPr>
-        <p:style>
-          <a:lnRef idx="2">
-            <a:schemeClr val="accent1">
-              <a:shade val="50000"/>
-            </a:schemeClr>
-          </a:lnRef>
-          <a:fillRef idx="1">
-            <a:schemeClr val="accent1"/>
-          </a:fillRef>
-          <a:effectRef idx="0">
-            <a:schemeClr val="accent1"/>
-          </a:effectRef>
-          <a:fontRef idx="minor">
-            <a:schemeClr val="lt1"/>
-          </a:fontRef>
-        </p:style>
-        <p:txBody>
-          <a:bodyPr rtlCol="0" anchor="ctr"/>
-          <a:lstStyle/>
-          <a:p>
-            <a:pPr algn="ctr"/>
-            <a:endParaRPr kumimoji="1" lang="ko-KR" altLang="en-US" dirty="0"/>
-          </a:p>
-        </p:txBody>
-      </p:sp>
-      <p:sp>
-        <p:nvSpPr>
-          <p:cNvPr id="12" name="부제목 2"/>
-          <p:cNvSpPr txBox="1">
-            <a:spLocks/>
-          </p:cNvSpPr>
-          <p:nvPr/>
-        </p:nvSpPr>
-        <p:spPr>
-          <a:xfrm>
-            <a:off x="1" y="2608234"/>
-            <a:ext cx="12192000" cy="754314"/>
-          </a:xfrm>
-          <a:prstGeom prst="rect">
-            <a:avLst/>
-          </a:prstGeom>
-        </p:spPr>
-        <p:txBody>
-          <a:bodyPr vert="horz" lIns="91440" tIns="45720" rIns="91440" bIns="45720" rtlCol="0" anchor="ctr">
-            <a:noAutofit/>
-          </a:bodyPr>
-          <a:lstStyle>
-            <a:lvl1pPr marL="0" indent="0" algn="ctr" defTabSz="914423" rtl="0" eaLnBrk="1" latinLnBrk="1" hangingPunct="1">
-              <a:lnSpc>
-                <a:spcPct val="90000"/>
-              </a:lnSpc>
-              <a:spcBef>
-                <a:spcPts val="1001"/>
-              </a:spcBef>
-              <a:buFont typeface="Arial"/>
-              <a:buNone/>
-              <a:defRPr sz="2400" kern="1200">
-                <a:solidFill>
-                  <a:schemeClr val="tx1"/>
-                </a:solidFill>
-                <a:latin typeface="+mn-lt"/>
-                <a:ea typeface="+mn-ea"/>
-                <a:cs typeface="+mn-cs"/>
-              </a:defRPr>
-            </a:lvl1pPr>
-            <a:lvl2pPr marL="457211" indent="0" algn="ctr" defTabSz="914423" rtl="0" eaLnBrk="1" latinLnBrk="1" hangingPunct="1">
-              <a:lnSpc>
-                <a:spcPct val="90000"/>
-              </a:lnSpc>
-              <a:spcBef>
-                <a:spcPts val="500"/>
-              </a:spcBef>
-              <a:buFont typeface="Arial"/>
-              <a:buNone/>
-              <a:defRPr sz="2000" kern="1200">
-                <a:solidFill>
-                  <a:schemeClr val="tx1"/>
-                </a:solidFill>
-                <a:latin typeface="+mn-lt"/>
-                <a:ea typeface="+mn-ea"/>
-                <a:cs typeface="+mn-cs"/>
-              </a:defRPr>
-            </a:lvl2pPr>
-            <a:lvl3pPr marL="914423" indent="0" algn="ctr" defTabSz="914423" rtl="0" eaLnBrk="1" latinLnBrk="1" hangingPunct="1">
-              <a:lnSpc>
-                <a:spcPct val="90000"/>
-              </a:lnSpc>
-              <a:spcBef>
-                <a:spcPts val="500"/>
-              </a:spcBef>
-              <a:buFont typeface="Arial"/>
-              <a:buNone/>
-              <a:defRPr sz="1801" kern="1200">
-                <a:solidFill>
-                  <a:schemeClr val="tx1"/>
-                </a:solidFill>
-                <a:latin typeface="+mn-lt"/>
-                <a:ea typeface="+mn-ea"/>
-                <a:cs typeface="+mn-cs"/>
-              </a:defRPr>
-            </a:lvl3pPr>
-            <a:lvl4pPr marL="1371634" indent="0" algn="ctr" defTabSz="914423" rtl="0" eaLnBrk="1" latinLnBrk="1" hangingPunct="1">
-              <a:lnSpc>
-                <a:spcPct val="90000"/>
-              </a:lnSpc>
-              <a:spcBef>
-                <a:spcPts val="500"/>
-              </a:spcBef>
-              <a:buFont typeface="Arial"/>
-              <a:buNone/>
-              <a:defRPr sz="1600" kern="1200">
-                <a:solidFill>
-                  <a:schemeClr val="tx1"/>
-                </a:solidFill>
-                <a:latin typeface="+mn-lt"/>
-                <a:ea typeface="+mn-ea"/>
-                <a:cs typeface="+mn-cs"/>
-              </a:defRPr>
-            </a:lvl4pPr>
-            <a:lvl5pPr marL="1828846" indent="0" algn="ctr" defTabSz="914423" rtl="0" eaLnBrk="1" latinLnBrk="1" hangingPunct="1">
-              <a:lnSpc>
-                <a:spcPct val="90000"/>
-              </a:lnSpc>
-              <a:spcBef>
-                <a:spcPts val="500"/>
-              </a:spcBef>
-              <a:buFont typeface="Arial"/>
-              <a:buNone/>
-              <a:defRPr sz="1600" kern="1200">
-                <a:solidFill>
-                  <a:schemeClr val="tx1"/>
-                </a:solidFill>
-                <a:latin typeface="+mn-lt"/>
-                <a:ea typeface="+mn-ea"/>
-                <a:cs typeface="+mn-cs"/>
-              </a:defRPr>
-            </a:lvl5pPr>
-            <a:lvl6pPr marL="2286057" indent="0" algn="ctr" defTabSz="914423" rtl="0" eaLnBrk="1" latinLnBrk="1" hangingPunct="1">
-              <a:lnSpc>
-                <a:spcPct val="90000"/>
-              </a:lnSpc>
-              <a:spcBef>
-                <a:spcPts val="500"/>
-              </a:spcBef>
-              <a:buFont typeface="Arial"/>
-              <a:buNone/>
-              <a:defRPr sz="1600" kern="1200">
-                <a:solidFill>
-                  <a:schemeClr val="tx1"/>
-                </a:solidFill>
-                <a:latin typeface="+mn-lt"/>
-                <a:ea typeface="+mn-ea"/>
-                <a:cs typeface="+mn-cs"/>
-              </a:defRPr>
-            </a:lvl6pPr>
-            <a:lvl7pPr marL="2743269" indent="0" algn="ctr" defTabSz="914423" rtl="0" eaLnBrk="1" latinLnBrk="1" hangingPunct="1">
-              <a:lnSpc>
-                <a:spcPct val="90000"/>
-              </a:lnSpc>
-              <a:spcBef>
-                <a:spcPts val="500"/>
-              </a:spcBef>
-              <a:buFont typeface="Arial"/>
-              <a:buNone/>
-              <a:defRPr sz="1600" kern="1200">
-                <a:solidFill>
-                  <a:schemeClr val="tx1"/>
-                </a:solidFill>
-                <a:latin typeface="+mn-lt"/>
-                <a:ea typeface="+mn-ea"/>
-                <a:cs typeface="+mn-cs"/>
-              </a:defRPr>
-            </a:lvl7pPr>
-            <a:lvl8pPr marL="3200480" indent="0" algn="ctr" defTabSz="914423" rtl="0" eaLnBrk="1" latinLnBrk="1" hangingPunct="1">
-              <a:lnSpc>
-                <a:spcPct val="90000"/>
-              </a:lnSpc>
-              <a:spcBef>
-                <a:spcPts val="500"/>
-              </a:spcBef>
-              <a:buFont typeface="Arial"/>
-              <a:buNone/>
-              <a:defRPr sz="1600" kern="1200">
-                <a:solidFill>
-                  <a:schemeClr val="tx1"/>
-                </a:solidFill>
-                <a:latin typeface="+mn-lt"/>
-                <a:ea typeface="+mn-ea"/>
-                <a:cs typeface="+mn-cs"/>
-              </a:defRPr>
-            </a:lvl8pPr>
-            <a:lvl9pPr marL="3657691" indent="0" algn="ctr" defTabSz="914423" rtl="0" eaLnBrk="1" latinLnBrk="1" hangingPunct="1">
-              <a:lnSpc>
-                <a:spcPct val="90000"/>
-              </a:lnSpc>
-              <a:spcBef>
-                <a:spcPts val="500"/>
-              </a:spcBef>
-              <a:buFont typeface="Arial"/>
-              <a:buNone/>
-              <a:defRPr sz="1600" kern="1200">
-                <a:solidFill>
-                  <a:schemeClr val="tx1"/>
-                </a:solidFill>
-                <a:latin typeface="+mn-lt"/>
-                <a:ea typeface="+mn-ea"/>
-                <a:cs typeface="+mn-cs"/>
-              </a:defRPr>
-            </a:lvl9pPr>
-          </a:lstStyle>
-          <a:p>
-            <a:r>
-              <a:rPr lang="ko-KR" altLang="en-US" sz="4800" dirty="0">
-                <a:solidFill>
-                  <a:schemeClr val="bg1"/>
-                </a:solidFill>
-                <a:latin typeface="+mj-lt"/>
-                <a:ea typeface="맑은 고딕" charset="-127"/>
-                <a:cs typeface="맑은 고딕" charset="-127"/>
-              </a:rPr>
-              <a:t>제품 </a:t>
-            </a:r>
-            <a:r>
-              <a:rPr lang="en-US" altLang="ko-KR" sz="4800" dirty="0">
-                <a:solidFill>
-                  <a:schemeClr val="bg1"/>
-                </a:solidFill>
-                <a:latin typeface="+mj-lt"/>
-                <a:ea typeface="맑은 고딕" charset="-127"/>
-                <a:cs typeface="맑은 고딕" charset="-127"/>
-              </a:rPr>
-              <a:t>Review</a:t>
-            </a:r>
-            <a:endParaRPr lang="ko-KR" altLang="en-US" sz="4800" dirty="0">
-              <a:solidFill>
-                <a:schemeClr val="bg1"/>
-              </a:solidFill>
-              <a:latin typeface="+mj-lt"/>
-              <a:ea typeface="맑은 고딕" charset="-127"/>
-              <a:cs typeface="맑은 고딕" charset="-127"/>
-            </a:endParaRPr>
-          </a:p>
-        </p:txBody>
-      </p:sp>
-    </p:spTree>
-    <p:extLst>
-      <p:ext uri="{BB962C8B-B14F-4D97-AF65-F5344CB8AC3E}">
-        <p14:creationId xmlns:p14="http://schemas.microsoft.com/office/powerpoint/2010/main" val="3953577241"/>
-      </p:ext>
-    </p:extLst>
-  </p:cSld>
-  <p:clrMapOvr>
-    <a:masterClrMapping/>
-  </p:clrMapOvr>
-</p:sld>
-</file>
-
-<file path=ppt/slides/slide28.xml><?xml version="1.0" encoding="utf-8"?>
-<p:sld xmlns:a="http://schemas.openxmlformats.org/drawingml/2006/main" xmlns:r="http://schemas.openxmlformats.org/officeDocument/2006/relationships" xmlns:p="http://schemas.openxmlformats.org/presentationml/2006/main">
-  <p:cSld>
-    <p:spTree>
-      <p:nvGrpSpPr>
-        <p:cNvPr id="1" name=""/>
-        <p:cNvGrpSpPr/>
-        <p:nvPr/>
-      </p:nvGrpSpPr>
-      <p:grpSpPr>
-        <a:xfrm>
-          <a:off x="0" y="0"/>
-          <a:ext cx="0" cy="0"/>
-          <a:chOff x="0" y="0"/>
-          <a:chExt cx="0" cy="0"/>
-        </a:xfrm>
-      </p:grpSpPr>
-      <p:sp>
-        <p:nvSpPr>
-          <p:cNvPr id="2" name="제목 1">
-            <a:extLst>
-              <a:ext uri="{FF2B5EF4-FFF2-40B4-BE49-F238E27FC236}">
-                <a16:creationId xmlns:a16="http://schemas.microsoft.com/office/drawing/2014/main" id="{2135F92A-65F5-4C7A-8C04-BF5F199039F2}"/>
-              </a:ext>
-            </a:extLst>
-          </p:cNvPr>
-          <p:cNvSpPr>
-            <a:spLocks noGrp="1"/>
-          </p:cNvSpPr>
-          <p:nvPr>
-            <p:ph type="title"/>
-          </p:nvPr>
-        </p:nvSpPr>
-        <p:spPr/>
-        <p:txBody>
-          <a:bodyPr/>
-          <a:lstStyle/>
-          <a:p>
-            <a:endParaRPr lang="ko-KR" altLang="en-US"/>
-          </a:p>
-        </p:txBody>
-      </p:sp>
-      <p:sp>
-        <p:nvSpPr>
-          <p:cNvPr id="3" name="내용 개체 틀 2">
-            <a:extLst>
-              <a:ext uri="{FF2B5EF4-FFF2-40B4-BE49-F238E27FC236}">
-                <a16:creationId xmlns:a16="http://schemas.microsoft.com/office/drawing/2014/main" id="{FB21A4AE-E1C2-4042-9B9E-43F419C42235}"/>
-              </a:ext>
-            </a:extLst>
-          </p:cNvPr>
-          <p:cNvSpPr>
-            <a:spLocks noGrp="1"/>
-          </p:cNvSpPr>
-          <p:nvPr>
-            <p:ph idx="1"/>
-          </p:nvPr>
-        </p:nvSpPr>
-        <p:spPr/>
-        <p:txBody>
-          <a:bodyPr/>
-          <a:lstStyle/>
-          <a:p>
-            <a:r>
-              <a:rPr lang="ko-KR" altLang="en-US" dirty="0"/>
-              <a:t>목표한 제품이 맞는 검증한다</a:t>
-            </a:r>
-          </a:p>
-        </p:txBody>
-      </p:sp>
-    </p:spTree>
-    <p:extLst>
-      <p:ext uri="{BB962C8B-B14F-4D97-AF65-F5344CB8AC3E}">
-        <p14:creationId xmlns:p14="http://schemas.microsoft.com/office/powerpoint/2010/main" val="539587114"/>
       </p:ext>
     </p:extLst>
   </p:cSld>
@@ -11569,6 +13135,386 @@
     <p:extLst>
       <p:ext uri="{BB962C8B-B14F-4D97-AF65-F5344CB8AC3E}">
         <p14:creationId xmlns:p14="http://schemas.microsoft.com/office/powerpoint/2010/main" val="2800463732"/>
+      </p:ext>
+    </p:extLst>
+  </p:cSld>
+  <p:clrMapOvr>
+    <a:masterClrMapping/>
+  </p:clrMapOvr>
+</p:sld>
+</file>
+
+<file path=ppt/slides/slide30.xml><?xml version="1.0" encoding="utf-8"?>
+<p:sld xmlns:a="http://schemas.openxmlformats.org/drawingml/2006/main" xmlns:r="http://schemas.openxmlformats.org/officeDocument/2006/relationships" xmlns:p="http://schemas.openxmlformats.org/presentationml/2006/main">
+  <p:cSld>
+    <p:spTree>
+      <p:nvGrpSpPr>
+        <p:cNvPr id="1" name=""/>
+        <p:cNvGrpSpPr/>
+        <p:nvPr/>
+      </p:nvGrpSpPr>
+      <p:grpSpPr>
+        <a:xfrm>
+          <a:off x="0" y="0"/>
+          <a:ext cx="0" cy="0"/>
+          <a:chOff x="0" y="0"/>
+          <a:chExt cx="0" cy="0"/>
+        </a:xfrm>
+      </p:grpSpPr>
+      <p:sp>
+        <p:nvSpPr>
+          <p:cNvPr id="10" name="직사각형 9"/>
+          <p:cNvSpPr/>
+          <p:nvPr/>
+        </p:nvSpPr>
+        <p:spPr>
+          <a:xfrm>
+            <a:off x="-1" y="2398426"/>
+            <a:ext cx="12192001" cy="1338109"/>
+          </a:xfrm>
+          <a:prstGeom prst="rect">
+            <a:avLst/>
+          </a:prstGeom>
+          <a:solidFill>
+            <a:schemeClr val="accent1">
+              <a:lumMod val="75000"/>
+            </a:schemeClr>
+          </a:solidFill>
+          <a:ln>
+            <a:noFill/>
+          </a:ln>
+        </p:spPr>
+        <p:style>
+          <a:lnRef idx="2">
+            <a:schemeClr val="accent1">
+              <a:shade val="50000"/>
+            </a:schemeClr>
+          </a:lnRef>
+          <a:fillRef idx="1">
+            <a:schemeClr val="accent1"/>
+          </a:fillRef>
+          <a:effectRef idx="0">
+            <a:schemeClr val="accent1"/>
+          </a:effectRef>
+          <a:fontRef idx="minor">
+            <a:schemeClr val="lt1"/>
+          </a:fontRef>
+        </p:style>
+        <p:txBody>
+          <a:bodyPr rtlCol="0" anchor="ctr"/>
+          <a:lstStyle/>
+          <a:p>
+            <a:pPr algn="ctr"/>
+            <a:endParaRPr kumimoji="1" lang="ko-KR" altLang="en-US" dirty="0"/>
+          </a:p>
+        </p:txBody>
+      </p:sp>
+      <p:sp>
+        <p:nvSpPr>
+          <p:cNvPr id="12" name="부제목 2"/>
+          <p:cNvSpPr txBox="1">
+            <a:spLocks/>
+          </p:cNvSpPr>
+          <p:nvPr/>
+        </p:nvSpPr>
+        <p:spPr>
+          <a:xfrm>
+            <a:off x="1" y="2608234"/>
+            <a:ext cx="12192000" cy="754314"/>
+          </a:xfrm>
+          <a:prstGeom prst="rect">
+            <a:avLst/>
+          </a:prstGeom>
+        </p:spPr>
+        <p:txBody>
+          <a:bodyPr vert="horz" lIns="91440" tIns="45720" rIns="91440" bIns="45720" rtlCol="0" anchor="ctr">
+            <a:noAutofit/>
+          </a:bodyPr>
+          <a:lstStyle>
+            <a:lvl1pPr marL="0" indent="0" algn="ctr" defTabSz="914423" rtl="0" eaLnBrk="1" latinLnBrk="1" hangingPunct="1">
+              <a:lnSpc>
+                <a:spcPct val="90000"/>
+              </a:lnSpc>
+              <a:spcBef>
+                <a:spcPts val="1001"/>
+              </a:spcBef>
+              <a:buFont typeface="Arial"/>
+              <a:buNone/>
+              <a:defRPr sz="2400" kern="1200">
+                <a:solidFill>
+                  <a:schemeClr val="tx1"/>
+                </a:solidFill>
+                <a:latin typeface="+mn-lt"/>
+                <a:ea typeface="+mn-ea"/>
+                <a:cs typeface="+mn-cs"/>
+              </a:defRPr>
+            </a:lvl1pPr>
+            <a:lvl2pPr marL="457211" indent="0" algn="ctr" defTabSz="914423" rtl="0" eaLnBrk="1" latinLnBrk="1" hangingPunct="1">
+              <a:lnSpc>
+                <a:spcPct val="90000"/>
+              </a:lnSpc>
+              <a:spcBef>
+                <a:spcPts val="500"/>
+              </a:spcBef>
+              <a:buFont typeface="Arial"/>
+              <a:buNone/>
+              <a:defRPr sz="2000" kern="1200">
+                <a:solidFill>
+                  <a:schemeClr val="tx1"/>
+                </a:solidFill>
+                <a:latin typeface="+mn-lt"/>
+                <a:ea typeface="+mn-ea"/>
+                <a:cs typeface="+mn-cs"/>
+              </a:defRPr>
+            </a:lvl2pPr>
+            <a:lvl3pPr marL="914423" indent="0" algn="ctr" defTabSz="914423" rtl="0" eaLnBrk="1" latinLnBrk="1" hangingPunct="1">
+              <a:lnSpc>
+                <a:spcPct val="90000"/>
+              </a:lnSpc>
+              <a:spcBef>
+                <a:spcPts val="500"/>
+              </a:spcBef>
+              <a:buFont typeface="Arial"/>
+              <a:buNone/>
+              <a:defRPr sz="1801" kern="1200">
+                <a:solidFill>
+                  <a:schemeClr val="tx1"/>
+                </a:solidFill>
+                <a:latin typeface="+mn-lt"/>
+                <a:ea typeface="+mn-ea"/>
+                <a:cs typeface="+mn-cs"/>
+              </a:defRPr>
+            </a:lvl3pPr>
+            <a:lvl4pPr marL="1371634" indent="0" algn="ctr" defTabSz="914423" rtl="0" eaLnBrk="1" latinLnBrk="1" hangingPunct="1">
+              <a:lnSpc>
+                <a:spcPct val="90000"/>
+              </a:lnSpc>
+              <a:spcBef>
+                <a:spcPts val="500"/>
+              </a:spcBef>
+              <a:buFont typeface="Arial"/>
+              <a:buNone/>
+              <a:defRPr sz="1600" kern="1200">
+                <a:solidFill>
+                  <a:schemeClr val="tx1"/>
+                </a:solidFill>
+                <a:latin typeface="+mn-lt"/>
+                <a:ea typeface="+mn-ea"/>
+                <a:cs typeface="+mn-cs"/>
+              </a:defRPr>
+            </a:lvl4pPr>
+            <a:lvl5pPr marL="1828846" indent="0" algn="ctr" defTabSz="914423" rtl="0" eaLnBrk="1" latinLnBrk="1" hangingPunct="1">
+              <a:lnSpc>
+                <a:spcPct val="90000"/>
+              </a:lnSpc>
+              <a:spcBef>
+                <a:spcPts val="500"/>
+              </a:spcBef>
+              <a:buFont typeface="Arial"/>
+              <a:buNone/>
+              <a:defRPr sz="1600" kern="1200">
+                <a:solidFill>
+                  <a:schemeClr val="tx1"/>
+                </a:solidFill>
+                <a:latin typeface="+mn-lt"/>
+                <a:ea typeface="+mn-ea"/>
+                <a:cs typeface="+mn-cs"/>
+              </a:defRPr>
+            </a:lvl5pPr>
+            <a:lvl6pPr marL="2286057" indent="0" algn="ctr" defTabSz="914423" rtl="0" eaLnBrk="1" latinLnBrk="1" hangingPunct="1">
+              <a:lnSpc>
+                <a:spcPct val="90000"/>
+              </a:lnSpc>
+              <a:spcBef>
+                <a:spcPts val="500"/>
+              </a:spcBef>
+              <a:buFont typeface="Arial"/>
+              <a:buNone/>
+              <a:defRPr sz="1600" kern="1200">
+                <a:solidFill>
+                  <a:schemeClr val="tx1"/>
+                </a:solidFill>
+                <a:latin typeface="+mn-lt"/>
+                <a:ea typeface="+mn-ea"/>
+                <a:cs typeface="+mn-cs"/>
+              </a:defRPr>
+            </a:lvl6pPr>
+            <a:lvl7pPr marL="2743269" indent="0" algn="ctr" defTabSz="914423" rtl="0" eaLnBrk="1" latinLnBrk="1" hangingPunct="1">
+              <a:lnSpc>
+                <a:spcPct val="90000"/>
+              </a:lnSpc>
+              <a:spcBef>
+                <a:spcPts val="500"/>
+              </a:spcBef>
+              <a:buFont typeface="Arial"/>
+              <a:buNone/>
+              <a:defRPr sz="1600" kern="1200">
+                <a:solidFill>
+                  <a:schemeClr val="tx1"/>
+                </a:solidFill>
+                <a:latin typeface="+mn-lt"/>
+                <a:ea typeface="+mn-ea"/>
+                <a:cs typeface="+mn-cs"/>
+              </a:defRPr>
+            </a:lvl7pPr>
+            <a:lvl8pPr marL="3200480" indent="0" algn="ctr" defTabSz="914423" rtl="0" eaLnBrk="1" latinLnBrk="1" hangingPunct="1">
+              <a:lnSpc>
+                <a:spcPct val="90000"/>
+              </a:lnSpc>
+              <a:spcBef>
+                <a:spcPts val="500"/>
+              </a:spcBef>
+              <a:buFont typeface="Arial"/>
+              <a:buNone/>
+              <a:defRPr sz="1600" kern="1200">
+                <a:solidFill>
+                  <a:schemeClr val="tx1"/>
+                </a:solidFill>
+                <a:latin typeface="+mn-lt"/>
+                <a:ea typeface="+mn-ea"/>
+                <a:cs typeface="+mn-cs"/>
+              </a:defRPr>
+            </a:lvl8pPr>
+            <a:lvl9pPr marL="3657691" indent="0" algn="ctr" defTabSz="914423" rtl="0" eaLnBrk="1" latinLnBrk="1" hangingPunct="1">
+              <a:lnSpc>
+                <a:spcPct val="90000"/>
+              </a:lnSpc>
+              <a:spcBef>
+                <a:spcPts val="500"/>
+              </a:spcBef>
+              <a:buFont typeface="Arial"/>
+              <a:buNone/>
+              <a:defRPr sz="1600" kern="1200">
+                <a:solidFill>
+                  <a:schemeClr val="tx1"/>
+                </a:solidFill>
+                <a:latin typeface="+mn-lt"/>
+                <a:ea typeface="+mn-ea"/>
+                <a:cs typeface="+mn-cs"/>
+              </a:defRPr>
+            </a:lvl9pPr>
+          </a:lstStyle>
+          <a:p>
+            <a:r>
+              <a:rPr lang="ko-KR" altLang="en-US" sz="4800" dirty="0">
+                <a:solidFill>
+                  <a:schemeClr val="bg1"/>
+                </a:solidFill>
+                <a:latin typeface="+mj-lt"/>
+                <a:ea typeface="맑은 고딕" charset="-127"/>
+                <a:cs typeface="맑은 고딕" charset="-127"/>
+              </a:rPr>
+              <a:t>제품 </a:t>
+            </a:r>
+            <a:r>
+              <a:rPr lang="en-US" altLang="ko-KR" sz="4800" dirty="0">
+                <a:solidFill>
+                  <a:schemeClr val="bg1"/>
+                </a:solidFill>
+                <a:latin typeface="+mj-lt"/>
+                <a:ea typeface="맑은 고딕" charset="-127"/>
+                <a:cs typeface="맑은 고딕" charset="-127"/>
+              </a:rPr>
+              <a:t>Review</a:t>
+            </a:r>
+            <a:endParaRPr lang="ko-KR" altLang="en-US" sz="4800" dirty="0">
+              <a:solidFill>
+                <a:schemeClr val="bg1"/>
+              </a:solidFill>
+              <a:latin typeface="+mj-lt"/>
+              <a:ea typeface="맑은 고딕" charset="-127"/>
+              <a:cs typeface="맑은 고딕" charset="-127"/>
+            </a:endParaRPr>
+          </a:p>
+        </p:txBody>
+      </p:sp>
+    </p:spTree>
+    <p:extLst>
+      <p:ext uri="{BB962C8B-B14F-4D97-AF65-F5344CB8AC3E}">
+        <p14:creationId xmlns:p14="http://schemas.microsoft.com/office/powerpoint/2010/main" val="3953577241"/>
+      </p:ext>
+    </p:extLst>
+  </p:cSld>
+  <p:clrMapOvr>
+    <a:masterClrMapping/>
+  </p:clrMapOvr>
+</p:sld>
+</file>
+
+<file path=ppt/slides/slide31.xml><?xml version="1.0" encoding="utf-8"?>
+<p:sld xmlns:a="http://schemas.openxmlformats.org/drawingml/2006/main" xmlns:r="http://schemas.openxmlformats.org/officeDocument/2006/relationships" xmlns:p="http://schemas.openxmlformats.org/presentationml/2006/main">
+  <p:cSld>
+    <p:spTree>
+      <p:nvGrpSpPr>
+        <p:cNvPr id="1" name=""/>
+        <p:cNvGrpSpPr/>
+        <p:nvPr/>
+      </p:nvGrpSpPr>
+      <p:grpSpPr>
+        <a:xfrm>
+          <a:off x="0" y="0"/>
+          <a:ext cx="0" cy="0"/>
+          <a:chOff x="0" y="0"/>
+          <a:chExt cx="0" cy="0"/>
+        </a:xfrm>
+      </p:grpSpPr>
+      <p:sp>
+        <p:nvSpPr>
+          <p:cNvPr id="2" name="제목 1">
+            <a:extLst>
+              <a:ext uri="{FF2B5EF4-FFF2-40B4-BE49-F238E27FC236}">
+                <a16:creationId xmlns:a16="http://schemas.microsoft.com/office/drawing/2014/main" id="{2135F92A-65F5-4C7A-8C04-BF5F199039F2}"/>
+              </a:ext>
+            </a:extLst>
+          </p:cNvPr>
+          <p:cNvSpPr>
+            <a:spLocks noGrp="1"/>
+          </p:cNvSpPr>
+          <p:nvPr>
+            <p:ph type="title"/>
+          </p:nvPr>
+        </p:nvSpPr>
+        <p:spPr/>
+        <p:txBody>
+          <a:bodyPr/>
+          <a:lstStyle/>
+          <a:p>
+            <a:endParaRPr lang="ko-KR" altLang="en-US"/>
+          </a:p>
+        </p:txBody>
+      </p:sp>
+      <p:sp>
+        <p:nvSpPr>
+          <p:cNvPr id="3" name="내용 개체 틀 2">
+            <a:extLst>
+              <a:ext uri="{FF2B5EF4-FFF2-40B4-BE49-F238E27FC236}">
+                <a16:creationId xmlns:a16="http://schemas.microsoft.com/office/drawing/2014/main" id="{FB21A4AE-E1C2-4042-9B9E-43F419C42235}"/>
+              </a:ext>
+            </a:extLst>
+          </p:cNvPr>
+          <p:cNvSpPr>
+            <a:spLocks noGrp="1"/>
+          </p:cNvSpPr>
+          <p:nvPr>
+            <p:ph idx="1"/>
+          </p:nvPr>
+        </p:nvSpPr>
+        <p:spPr/>
+        <p:txBody>
+          <a:bodyPr/>
+          <a:lstStyle/>
+          <a:p>
+            <a:r>
+              <a:rPr lang="ko-KR" altLang="en-US" dirty="0"/>
+              <a:t>목표한 제품이 맞는 검증한다</a:t>
+            </a:r>
+          </a:p>
+        </p:txBody>
+      </p:sp>
+    </p:spTree>
+    <p:extLst>
+      <p:ext uri="{BB962C8B-B14F-4D97-AF65-F5344CB8AC3E}">
+        <p14:creationId xmlns:p14="http://schemas.microsoft.com/office/powerpoint/2010/main" val="539587114"/>
       </p:ext>
     </p:extLst>
   </p:cSld>
@@ -12268,8 +14214,8 @@
         </p:nvSpPr>
         <p:spPr>
           <a:xfrm>
-            <a:off x="0" y="3429000"/>
-            <a:ext cx="12192000" cy="3429000"/>
+            <a:off x="0" y="1349375"/>
+            <a:ext cx="12192000" cy="5508625"/>
           </a:xfrm>
         </p:spPr>
         <p:txBody>
@@ -13247,7 +15193,7 @@
             <a:avLst/>
           </a:prstGeom>
           <a:solidFill>
-            <a:schemeClr val="accent2"/>
+            <a:schemeClr val="accent1"/>
           </a:solidFill>
           <a:ln>
             <a:noFill/>
@@ -13297,35 +15243,60 @@
           </a:xfrm>
         </p:spPr>
         <p:txBody>
-          <a:bodyPr/>
+          <a:bodyPr vert="horz" wrap="square" lIns="91440" tIns="45720" rIns="91440" bIns="45720" anchor="ctr">
+            <a:normAutofit/>
+          </a:bodyPr>
           <a:lstStyle/>
           <a:p>
             <a:pPr>
+              <a:spcBef>
+                <a:spcPts val="0"/>
+              </a:spcBef>
               <a:defRPr/>
             </a:pPr>
             <a:r>
-              <a:rPr lang="en-US" altLang="ko-KR"/>
+              <a:rPr lang="en-US" altLang="ko-KR">
+                <a:solidFill>
+                  <a:schemeClr val="lt1"/>
+                </a:solidFill>
+              </a:rPr>
               <a:t>5.</a:t>
             </a:r>
             <a:r>
-              <a:rPr lang="ko-KR" altLang="en-US"/>
+              <a:rPr lang="ko-KR" altLang="en-US">
+                <a:solidFill>
+                  <a:schemeClr val="lt1"/>
+                </a:solidFill>
+              </a:rPr>
               <a:t> 차량 관리 어플</a:t>
             </a:r>
             <a:r>
-              <a:rPr lang="en-US" altLang="ko-KR"/>
+              <a:rPr lang="en-US" altLang="ko-KR">
+                <a:solidFill>
+                  <a:schemeClr val="lt1"/>
+                </a:solidFill>
+              </a:rPr>
               <a:t> &lt;- </a:t>
             </a:r>
             <a:r>
-              <a:rPr lang="ko-KR" altLang="en-US"/>
-              <a:t>최종결정</a:t>
-            </a:r>
-            <a:endParaRPr lang="ko-KR" altLang="en-US"/>
+              <a:rPr lang="ko-KR" altLang="en-US">
+                <a:solidFill>
+                  <a:schemeClr val="lt1"/>
+                </a:solidFill>
+              </a:rPr>
+              <a:t>최종 결정</a:t>
+            </a:r>
+            <a:endParaRPr lang="ko-KR" altLang="en-US">
+              <a:solidFill>
+                <a:schemeClr val="lt1"/>
+              </a:solidFill>
+            </a:endParaRPr>
           </a:p>
         </p:txBody>
       </p:sp>
       <p:sp>
         <p:nvSpPr>
-          <p:cNvPr id="3" name="내용 개체 틀 2"/>
+          <p:cNvPr id="10" name="내용 개체 틀 2"/>
           <p:cNvSpPr>
             <a:spLocks noGrp="1"/>
           </p:cNvSpPr>
@@ -13335,12 +15306,12 @@
         </p:nvSpPr>
         <p:spPr>
           <a:xfrm>
-            <a:off x="0" y="3428999"/>
-            <a:ext cx="12192000" cy="3429000"/>
+            <a:off x="0" y="1368425"/>
+            <a:ext cx="12192000" cy="5489575"/>
           </a:xfrm>
         </p:spPr>
         <p:txBody>
-          <a:bodyPr>
+          <a:bodyPr vert="horz" lIns="91440" tIns="45720" rIns="91440" bIns="45720">
             <a:normAutofit/>
           </a:bodyPr>
           <a:lstStyle/>
@@ -13349,194 +15320,264 @@
               <a:defRPr/>
             </a:pPr>
             <a:r>
-              <a:rPr lang="ko-KR" altLang="en-US" sz="1500"/>
-              <a:t>차량의 부품 별 정비 받아야 할 시점이 다름</a:t>
-            </a:r>
-            <a:endParaRPr lang="ko-KR" altLang="en-US" sz="1500"/>
-          </a:p>
-          <a:p>
-            <a:pPr>
-              <a:defRPr/>
-            </a:pPr>
-            <a:r>
-              <a:rPr lang="ko-KR" altLang="en-US" sz="1500"/>
-              <a:t>부품별</a:t>
-            </a:r>
-            <a:r>
-              <a:rPr lang="en-US" altLang="ko-KR" sz="1500"/>
-              <a:t>(ex :</a:t>
-            </a:r>
-            <a:r>
-              <a:rPr lang="ko-KR" altLang="en-US" sz="1500"/>
-              <a:t> 엔진</a:t>
-            </a:r>
-            <a:r>
-              <a:rPr lang="en-US" altLang="ko-KR" sz="1500"/>
-              <a:t>,</a:t>
-            </a:r>
-            <a:r>
-              <a:rPr lang="ko-KR" altLang="en-US" sz="1500"/>
-              <a:t> 타이어</a:t>
-            </a:r>
-            <a:r>
-              <a:rPr lang="en-US" altLang="ko-KR" sz="1500"/>
-              <a:t>,</a:t>
-            </a:r>
-            <a:r>
-              <a:rPr lang="ko-KR" altLang="en-US" sz="1500"/>
-              <a:t> 냉각수 등</a:t>
-            </a:r>
-            <a:r>
-              <a:rPr lang="en-US" altLang="ko-KR" sz="1500"/>
-              <a:t>)</a:t>
-            </a:r>
-            <a:r>
-              <a:rPr lang="ko-KR" altLang="en-US" sz="1500"/>
-              <a:t> 정비 시점을 알림</a:t>
-            </a:r>
-            <a:endParaRPr lang="ko-KR" altLang="en-US" sz="1500"/>
-          </a:p>
-          <a:p>
-            <a:pPr>
-              <a:defRPr/>
-            </a:pPr>
-            <a:r>
-              <a:rPr lang="ko-KR" altLang="en-US" sz="1500"/>
-              <a:t>부품 교체 예상 비용</a:t>
-            </a:r>
-            <a:endParaRPr lang="ko-KR" altLang="en-US" sz="1500"/>
-          </a:p>
-          <a:p>
-            <a:pPr>
-              <a:defRPr/>
-            </a:pPr>
-            <a:endParaRPr lang="ko-KR" altLang="en-US" sz="1500"/>
-          </a:p>
-          <a:p>
-            <a:pPr>
-              <a:defRPr/>
-            </a:pPr>
-            <a:endParaRPr lang="en-US" altLang="ko-KR" sz="1500"/>
-          </a:p>
-          <a:p>
-            <a:pPr>
-              <a:defRPr/>
-            </a:pPr>
-            <a:r>
-              <a:rPr lang="ko-KR" altLang="en-US" sz="1500"/>
-              <a:t>한계점</a:t>
-            </a:r>
-            <a:endParaRPr lang="ko-KR" altLang="en-US" sz="1500"/>
-          </a:p>
-          <a:p>
-            <a:pPr>
-              <a:defRPr/>
-            </a:pPr>
-            <a:r>
-              <a:rPr lang="ko-KR" altLang="en-US" sz="1500"/>
-              <a:t>관련 어플 다수 존재</a:t>
-            </a:r>
-            <a:endParaRPr lang="ko-KR" altLang="en-US" sz="1500"/>
-          </a:p>
-          <a:p>
-            <a:pPr>
-              <a:defRPr/>
-            </a:pPr>
-            <a:r>
-              <a:rPr lang="ko-KR" altLang="en-US" sz="1500"/>
-              <a:t>운전자의 운전 습관에 따라 부품의 마모 상태 달라짐</a:t>
-            </a:r>
-            <a:endParaRPr lang="ko-KR" altLang="en-US" sz="1500"/>
-          </a:p>
-          <a:p>
-            <a:pPr>
-              <a:defRPr/>
-            </a:pPr>
-            <a:r>
-              <a:rPr lang="ko-KR" altLang="en-US" sz="1500"/>
-              <a:t>외제차는 수리가 불가한 경우가 있나</a:t>
-            </a:r>
-            <a:r>
-              <a:rPr lang="en-US" altLang="ko-KR" sz="1500"/>
-              <a:t>?</a:t>
-            </a:r>
-            <a:endParaRPr lang="en-US" altLang="ko-KR" sz="1500"/>
-          </a:p>
-          <a:p>
-            <a:pPr>
-              <a:defRPr/>
-            </a:pPr>
-            <a:endParaRPr lang="ko-KR" altLang="en-US" sz="1500"/>
-          </a:p>
-          <a:p>
-            <a:pPr>
-              <a:defRPr/>
-            </a:pPr>
-            <a:endParaRPr lang="ko-KR" altLang="en-US" sz="1500"/>
-          </a:p>
-        </p:txBody>
-      </p:sp>
-      <p:sp>
-        <p:nvSpPr>
-          <p:cNvPr id="5" name=""/>
-          <p:cNvSpPr/>
-          <p:nvPr/>
-        </p:nvSpPr>
-        <p:spPr>
-          <a:xfrm>
-            <a:off x="0" y="1340826"/>
-            <a:ext cx="12192000" cy="2088173"/>
-          </a:xfrm>
-          <a:prstGeom prst="rect">
-            <a:avLst/>
-          </a:prstGeom>
-          <a:noFill/>
-          <a:ln>
-            <a:noFill/>
-          </a:ln>
-        </p:spPr>
-        <p:style>
-          <a:lnRef idx="2">
-            <a:schemeClr val="accent1">
-              <a:shade val="20000"/>
-            </a:schemeClr>
-          </a:lnRef>
-          <a:fillRef idx="1">
-            <a:schemeClr val="accent1"/>
-          </a:fillRef>
-          <a:effectRef idx="0">
-            <a:schemeClr val="accent1"/>
-          </a:effectRef>
-          <a:fontRef idx="minor">
-            <a:schemeClr val="lt1"/>
-          </a:fontRef>
-        </p:style>
-        <p:txBody>
-          <a:bodyPr anchor="ctr"/>
-          <a:lstStyle/>
-          <a:p>
-            <a:pPr>
-              <a:defRPr/>
-            </a:pPr>
-            <a:r>
-              <a:rPr lang="ko-KR" altLang="en-US">
+              <a:rPr lang="en-US" altLang="ko-KR" sz="2000">
                 <a:solidFill>
                   <a:schemeClr val="dk1"/>
                 </a:solidFill>
               </a:rPr>
-              <a:t>정기적인 차량 점검으로 교통사고의 가능성 낮출 수 있음</a:t>
-            </a:r>
-            <a:endParaRPr lang="ko-KR" altLang="en-US">
+              <a:t>1)</a:t>
+            </a:r>
+            <a:r>
+              <a:rPr lang="ko-KR" altLang="en-US" sz="2000">
+                <a:solidFill>
+                  <a:schemeClr val="dk1"/>
+                </a:solidFill>
+              </a:rPr>
+              <a:t> 주행거리와 날씨 등을 고려하여 차량의 정비 요구 상태를 인지</a:t>
+            </a:r>
+            <a:endParaRPr lang="en-US" altLang="ko-KR" sz="2000">
               <a:solidFill>
                 <a:schemeClr val="dk1"/>
               </a:solidFill>
             </a:endParaRPr>
           </a:p>
           <a:p>
+            <a:pPr marL="0" indent="0">
+              <a:buNone/>
+              <a:defRPr/>
+            </a:pPr>
+            <a:r>
+              <a:rPr lang="ko-KR" altLang="en-US" sz="2000">
+                <a:solidFill>
+                  <a:schemeClr val="dk1"/>
+                </a:solidFill>
+              </a:rPr>
+              <a:t>    </a:t>
+            </a:r>
+            <a:r>
+              <a:rPr lang="en-US" altLang="ko-KR" sz="2000">
+                <a:solidFill>
+                  <a:schemeClr val="dk1"/>
+                </a:solidFill>
+              </a:rPr>
+              <a:t>-&gt;</a:t>
+            </a:r>
+            <a:r>
+              <a:rPr lang="ko-KR" altLang="en-US" sz="2000">
+                <a:solidFill>
+                  <a:schemeClr val="dk1"/>
+                </a:solidFill>
+              </a:rPr>
+              <a:t> 차량 관리에 용이</a:t>
+            </a:r>
+            <a:endParaRPr lang="ko-KR" altLang="en-US" sz="2000">
+              <a:solidFill>
+                <a:schemeClr val="dk1"/>
+              </a:solidFill>
+            </a:endParaRPr>
+          </a:p>
+          <a:p>
             <a:pPr>
               <a:defRPr/>
             </a:pPr>
-            <a:endParaRPr lang="ko-KR" altLang="en-US">
+            <a:r>
+              <a:rPr lang="en-US" altLang="ko-KR" sz="2000">
+                <a:solidFill>
+                  <a:schemeClr val="dk1"/>
+                </a:solidFill>
+              </a:rPr>
+              <a:t>2)</a:t>
+            </a:r>
+            <a:r>
+              <a:rPr lang="ko-KR" altLang="en-US" sz="2000">
+                <a:solidFill>
+                  <a:schemeClr val="dk1"/>
+                </a:solidFill>
+              </a:rPr>
+              <a:t> 주행거리를 아이콘을 통해 가시적으로 표시</a:t>
+            </a:r>
+            <a:endParaRPr lang="en-US" altLang="ko-KR" sz="2000">
+              <a:solidFill>
+                <a:schemeClr val="dk1"/>
+              </a:solidFill>
+            </a:endParaRPr>
+          </a:p>
+          <a:p>
+            <a:pPr marL="0" indent="0">
+              <a:buNone/>
+              <a:defRPr/>
+            </a:pPr>
+            <a:r>
+              <a:rPr lang="ko-KR" altLang="en-US" sz="2000">
+                <a:solidFill>
+                  <a:schemeClr val="dk1"/>
+                </a:solidFill>
+              </a:rPr>
+              <a:t>    </a:t>
+            </a:r>
+            <a:r>
+              <a:rPr lang="en-US" altLang="ko-KR" sz="2000">
+                <a:solidFill>
+                  <a:schemeClr val="dk1"/>
+                </a:solidFill>
+              </a:rPr>
+              <a:t>-&gt;</a:t>
+            </a:r>
+            <a:r>
+              <a:rPr lang="ko-KR" altLang="en-US" sz="2000">
+                <a:solidFill>
+                  <a:schemeClr val="dk1"/>
+                </a:solidFill>
+              </a:rPr>
+              <a:t> 점검 요구를 손쉽게 확인 가능</a:t>
+            </a:r>
+            <a:endParaRPr lang="ko-KR" altLang="en-US" sz="2000">
+              <a:solidFill>
+                <a:schemeClr val="dk1"/>
+              </a:solidFill>
+            </a:endParaRPr>
+          </a:p>
+          <a:p>
+            <a:pPr>
+              <a:defRPr/>
+            </a:pPr>
+            <a:r>
+              <a:rPr lang="en-US" altLang="ko-KR" sz="2000">
+                <a:solidFill>
+                  <a:schemeClr val="dk1"/>
+                </a:solidFill>
+              </a:rPr>
+              <a:t>3)</a:t>
+            </a:r>
+            <a:r>
+              <a:rPr lang="ko-KR" altLang="en-US" sz="2000">
+                <a:solidFill>
+                  <a:schemeClr val="dk1"/>
+                </a:solidFill>
+              </a:rPr>
+              <a:t> 달력으로 점검 날짜 알림 기능 및 기록을 입력</a:t>
+            </a:r>
+            <a:endParaRPr lang="ko-KR" altLang="en-US" sz="2000">
+              <a:solidFill>
+                <a:schemeClr val="dk1"/>
+              </a:solidFill>
+            </a:endParaRPr>
+          </a:p>
+          <a:p>
+            <a:pPr>
+              <a:defRPr/>
+            </a:pPr>
+            <a:r>
+              <a:rPr lang="en-US" altLang="ko-KR" sz="2000">
+                <a:solidFill>
+                  <a:schemeClr val="dk1"/>
+                </a:solidFill>
+              </a:rPr>
+              <a:t>4)</a:t>
+            </a:r>
+            <a:r>
+              <a:rPr lang="ko-KR" altLang="en-US" sz="2000">
+                <a:solidFill>
+                  <a:schemeClr val="dk1"/>
+                </a:solidFill>
+              </a:rPr>
+              <a:t> 부품 교체 예상 비용</a:t>
+            </a:r>
+            <a:endParaRPr lang="ko-KR" altLang="en-US" sz="2000">
+              <a:solidFill>
+                <a:schemeClr val="dk1"/>
+              </a:solidFill>
+            </a:endParaRPr>
+          </a:p>
+          <a:p>
+            <a:pPr>
+              <a:defRPr/>
+            </a:pPr>
+            <a:r>
+              <a:rPr lang="en-US" altLang="ko-KR" sz="2000">
+                <a:solidFill>
+                  <a:schemeClr val="dk1"/>
+                </a:solidFill>
+              </a:rPr>
+              <a:t>5)</a:t>
+            </a:r>
+            <a:r>
+              <a:rPr lang="ko-KR" altLang="en-US" sz="2000">
+                <a:solidFill>
+                  <a:schemeClr val="dk1"/>
+                </a:solidFill>
+              </a:rPr>
+              <a:t> 부품 별 관리 </a:t>
+            </a:r>
+            <a:r>
+              <a:rPr lang="en-US" altLang="ko-KR" sz="2000">
+                <a:solidFill>
+                  <a:schemeClr val="dk1"/>
+                </a:solidFill>
+              </a:rPr>
+              <a:t>tip</a:t>
+            </a:r>
+            <a:r>
+              <a:rPr lang="ko-KR" altLang="en-US" sz="2000">
+                <a:solidFill>
+                  <a:schemeClr val="dk1"/>
+                </a:solidFill>
+              </a:rPr>
+              <a:t> 제공</a:t>
+            </a:r>
+            <a:endParaRPr lang="ko-KR" altLang="en-US" sz="2000">
+              <a:solidFill>
+                <a:schemeClr val="dk1"/>
+              </a:solidFill>
+            </a:endParaRPr>
+          </a:p>
+          <a:p>
+            <a:pPr>
+              <a:defRPr/>
+            </a:pPr>
+            <a:r>
+              <a:rPr lang="en-US" altLang="ko-KR" sz="2000">
+                <a:solidFill>
+                  <a:schemeClr val="dk1"/>
+                </a:solidFill>
+              </a:rPr>
+              <a:t>6)</a:t>
+            </a:r>
+            <a:r>
+              <a:rPr lang="ko-KR" altLang="en-US" sz="2000">
+                <a:solidFill>
+                  <a:schemeClr val="dk1"/>
+                </a:solidFill>
+              </a:rPr>
+              <a:t> 가까운 정비소 위치 제공</a:t>
+            </a:r>
+            <a:endParaRPr lang="ko-KR" altLang="en-US" sz="2000">
+              <a:solidFill>
+                <a:schemeClr val="dk1"/>
+              </a:solidFill>
+            </a:endParaRPr>
+          </a:p>
+          <a:p>
+            <a:pPr>
+              <a:defRPr/>
+            </a:pPr>
+            <a:r>
+              <a:rPr lang="en-US" altLang="ko-KR" sz="2000">
+                <a:solidFill>
+                  <a:schemeClr val="dk1"/>
+                </a:solidFill>
+              </a:rPr>
+              <a:t>7)</a:t>
+            </a:r>
+            <a:r>
+              <a:rPr lang="ko-KR" altLang="en-US" sz="2000">
+                <a:solidFill>
+                  <a:schemeClr val="dk1"/>
+                </a:solidFill>
+              </a:rPr>
+              <a:t> 같은 차 종의 운전자를 위한 채팅창 개설</a:t>
+            </a:r>
+            <a:endParaRPr lang="ko-KR" altLang="en-US" sz="2000">
               <a:solidFill>
                 <a:schemeClr val="dk1"/>
               </a:solidFill>

--- a/2021_Summer/jp.hong/Project_BnC_jph.pptx
+++ b/2021_Summer/jp.hong/Project_BnC_jph.pptx
@@ -2,7 +2,7 @@
 <file path=ppt/presentation.xml><?xml version="1.0" encoding="utf-8"?>
 <p:presentation xmlns:r="http://schemas.openxmlformats.org/officeDocument/2006/relationships" xmlns:c="http://schemas.openxmlformats.org/drawingml/2006/chart" xmlns:a="http://schemas.openxmlformats.org/drawingml/2006/main" xmlns:dgm="http://schemas.openxmlformats.org/drawingml/2006/diagram" xmlns:dsp="http://schemas.microsoft.com/office/drawing/2008/diagram" xmlns:p="http://schemas.openxmlformats.org/presentationml/2006/main">
   <p:sldMasterIdLst>
-    <p:sldMasterId id="2147483675" r:id="rId1"/>
+    <p:sldMasterId id="2147483662" r:id="rId1"/>
   </p:sldMasterIdLst>
   <p:sldIdLst>
     <p:sldId id="261" r:id="rId2"/>
@@ -22,20 +22,18 @@
     <p:sldId id="323" r:id="rId16"/>
     <p:sldId id="324" r:id="rId17"/>
     <p:sldId id="325" r:id="rId18"/>
-    <p:sldId id="296" r:id="rId19"/>
-    <p:sldId id="316" r:id="rId20"/>
-    <p:sldId id="289" r:id="rId21"/>
-    <p:sldId id="297" r:id="rId22"/>
-    <p:sldId id="290" r:id="rId23"/>
-    <p:sldId id="298" r:id="rId24"/>
-    <p:sldId id="291" r:id="rId25"/>
-    <p:sldId id="299" r:id="rId26"/>
-    <p:sldId id="292" r:id="rId27"/>
-    <p:sldId id="300" r:id="rId28"/>
-    <p:sldId id="306" r:id="rId29"/>
-    <p:sldId id="307" r:id="rId30"/>
-    <p:sldId id="294" r:id="rId31"/>
-    <p:sldId id="302" r:id="rId32"/>
+    <p:sldId id="289" r:id="rId19"/>
+    <p:sldId id="297" r:id="rId20"/>
+    <p:sldId id="290" r:id="rId21"/>
+    <p:sldId id="298" r:id="rId22"/>
+    <p:sldId id="291" r:id="rId23"/>
+    <p:sldId id="299" r:id="rId24"/>
+    <p:sldId id="292" r:id="rId25"/>
+    <p:sldId id="300" r:id="rId26"/>
+    <p:sldId id="306" r:id="rId27"/>
+    <p:sldId id="307" r:id="rId28"/>
+    <p:sldId id="294" r:id="rId29"/>
+    <p:sldId id="302" r:id="rId30"/>
   </p:sldIdLst>
   <p:sldSz cx="12192000" cy="6858000"/>
   <p:notesSz cx="7104063" cy="10234613"/>
@@ -7156,6 +7154,124 @@
               </a:rPr>
               <a:t>.</a:t>
             </a:r>
+            <a:endParaRPr lang="en-US" altLang="ko-KR" sz="2000">
+              <a:solidFill>
+                <a:schemeClr val="dk1"/>
+              </a:solidFill>
+            </a:endParaRPr>
+          </a:p>
+          <a:p>
+            <a:pPr>
+              <a:defRPr/>
+            </a:pPr>
+            <a:r>
+              <a:rPr lang="ko-KR" altLang="en-US" sz="2000">
+                <a:solidFill>
+                  <a:schemeClr val="dk1"/>
+                </a:solidFill>
+              </a:rPr>
+              <a:t>  └ 중복되는 아이디는 가입이 되어선 안된다</a:t>
+            </a:r>
+            <a:r>
+              <a:rPr lang="en-US" altLang="ko-KR" sz="2000">
+                <a:solidFill>
+                  <a:schemeClr val="dk1"/>
+                </a:solidFill>
+              </a:rPr>
+              <a:t>.</a:t>
+            </a:r>
+            <a:endParaRPr lang="en-US" altLang="ko-KR" sz="2000">
+              <a:solidFill>
+                <a:schemeClr val="dk1"/>
+              </a:solidFill>
+            </a:endParaRPr>
+          </a:p>
+          <a:p>
+            <a:pPr>
+              <a:defRPr/>
+            </a:pPr>
+            <a:r>
+              <a:rPr lang="ko-KR" altLang="en-US" sz="2000">
+                <a:solidFill>
+                  <a:schemeClr val="dk1"/>
+                </a:solidFill>
+              </a:rPr>
+              <a:t>  └ 중복되는 아이디로 가입시도시 아이디 입력 오류 메세지가 출력되어야 한다</a:t>
+            </a:r>
+            <a:r>
+              <a:rPr lang="en-US" altLang="ko-KR" sz="2000">
+                <a:solidFill>
+                  <a:schemeClr val="dk1"/>
+                </a:solidFill>
+              </a:rPr>
+              <a:t>.</a:t>
+            </a:r>
+            <a:endParaRPr lang="en-US" altLang="ko-KR" sz="2000">
+              <a:solidFill>
+                <a:schemeClr val="dk1"/>
+              </a:solidFill>
+            </a:endParaRPr>
+          </a:p>
+          <a:p>
+            <a:pPr>
+              <a:defRPr/>
+            </a:pPr>
+            <a:r>
+              <a:rPr lang="ko-KR" altLang="en-US" sz="2000">
+                <a:solidFill>
+                  <a:schemeClr val="dk1"/>
+                </a:solidFill>
+              </a:rPr>
+              <a:t>  └ 비밀번호는 특수문자 포함 </a:t>
+            </a:r>
+            <a:r>
+              <a:rPr lang="en-US" altLang="ko-KR" sz="2000">
+                <a:solidFill>
+                  <a:schemeClr val="dk1"/>
+                </a:solidFill>
+              </a:rPr>
+              <a:t>8</a:t>
+            </a:r>
+            <a:r>
+              <a:rPr lang="ko-KR" altLang="en-US" sz="2000">
+                <a:solidFill>
+                  <a:schemeClr val="dk1"/>
+                </a:solidFill>
+              </a:rPr>
+              <a:t>자리 이상 </a:t>
+            </a:r>
+            <a:r>
+              <a:rPr lang="en-US" altLang="ko-KR" sz="2000">
+                <a:solidFill>
+                  <a:schemeClr val="dk1"/>
+                </a:solidFill>
+              </a:rPr>
+              <a:t>12</a:t>
+            </a:r>
+            <a:r>
+              <a:rPr lang="ko-KR" altLang="en-US" sz="2000">
+                <a:solidFill>
+                  <a:schemeClr val="dk1"/>
+                </a:solidFill>
+              </a:rPr>
+              <a:t>자리 이하 이어야 한다</a:t>
+            </a:r>
+            <a:r>
+              <a:rPr lang="en-US" altLang="ko-KR" sz="2000">
+                <a:solidFill>
+                  <a:schemeClr val="dk1"/>
+                </a:solidFill>
+              </a:rPr>
+              <a:t>.</a:t>
+            </a:r>
+            <a:r>
+              <a:rPr lang="ko-KR" altLang="en-US" sz="2000">
+                <a:solidFill>
+                  <a:schemeClr val="dk1"/>
+                </a:solidFill>
+              </a:rPr>
+              <a:t> </a:t>
+            </a:r>
             <a:endParaRPr lang="ko-KR" altLang="en-US" sz="2000">
               <a:solidFill>
                 <a:schemeClr val="dk1"/>
@@ -7172,7 +7288,7 @@
                   <a:schemeClr val="dk1"/>
                 </a:solidFill>
               </a:rPr>
-              <a:t>  └ 중복되는 아이디는 가입이 되어선 안된다</a:t>
+              <a:t>  └ 회원가입을 위해 시도한 비밀번호가 </a:t>
             </a:r>
             <a:r>
               <a:rPr lang="en-US" altLang="ko-KR" sz="2000">
@@ -7180,25 +7296,15 @@
                   <a:schemeClr val="dk1"/>
                 </a:solidFill>
               </a:rPr>
-              <a:t>.</a:t>
-            </a:r>
-            <a:endParaRPr lang="en-US" altLang="ko-KR" sz="2000">
-              <a:solidFill>
-                <a:schemeClr val="dk1"/>
-              </a:solidFill>
-            </a:endParaRPr>
-          </a:p>
-          <a:p>
-            <a:pPr>
-              <a:defRPr/>
-            </a:pPr>
+              <a:t>7</a:t>
+            </a:r>
             <a:r>
               <a:rPr lang="ko-KR" altLang="en-US" sz="2000">
                 <a:solidFill>
                   <a:schemeClr val="dk1"/>
                 </a:solidFill>
               </a:rPr>
-              <a:t>  └ 중복되는 아이디로 가입시도시 아이디 입력 오류 메세지가 출력되어야 한다</a:t>
+              <a:t>자리 이하이거나 </a:t>
             </a:r>
             <a:r>
               <a:rPr lang="en-US" altLang="ko-KR" sz="2000">
@@ -7206,123 +7312,15 @@
                   <a:schemeClr val="dk1"/>
                 </a:solidFill>
               </a:rPr>
-              <a:t>.</a:t>
-            </a:r>
-            <a:endParaRPr lang="en-US" altLang="ko-KR" sz="2000">
-              <a:solidFill>
-                <a:schemeClr val="dk1"/>
-              </a:solidFill>
-            </a:endParaRPr>
-          </a:p>
-          <a:p>
-            <a:pPr>
-              <a:defRPr/>
-            </a:pPr>
+              <a:t>13</a:t>
+            </a:r>
             <a:r>
               <a:rPr lang="ko-KR" altLang="en-US" sz="2000">
                 <a:solidFill>
                   <a:schemeClr val="dk1"/>
                 </a:solidFill>
               </a:rPr>
-              <a:t>  └ 비밀번호는 특수문자 포함 </a:t>
-            </a:r>
-            <a:r>
-              <a:rPr lang="en-US" altLang="ko-KR" sz="2000">
-                <a:solidFill>
-                  <a:schemeClr val="dk1"/>
-                </a:solidFill>
-              </a:rPr>
-              <a:t>8</a:t>
-            </a:r>
-            <a:r>
-              <a:rPr lang="ko-KR" altLang="en-US" sz="2000">
-                <a:solidFill>
-                  <a:schemeClr val="dk1"/>
-                </a:solidFill>
-              </a:rPr>
-              <a:t>자리 이상 </a:t>
-            </a:r>
-            <a:r>
-              <a:rPr lang="en-US" altLang="ko-KR" sz="2000">
-                <a:solidFill>
-                  <a:schemeClr val="dk1"/>
-                </a:solidFill>
-              </a:rPr>
-              <a:t>12</a:t>
-            </a:r>
-            <a:r>
-              <a:rPr lang="ko-KR" altLang="en-US" sz="2000">
-                <a:solidFill>
-                  <a:schemeClr val="dk1"/>
-                </a:solidFill>
-              </a:rPr>
-              <a:t>자리 이하 이어야 한다</a:t>
-            </a:r>
-            <a:r>
-              <a:rPr lang="en-US" altLang="ko-KR" sz="2000">
-                <a:solidFill>
-                  <a:schemeClr val="dk1"/>
-                </a:solidFill>
-              </a:rPr>
-              <a:t>.</a:t>
-            </a:r>
-            <a:r>
-              <a:rPr lang="ko-KR" altLang="en-US" sz="2000">
-                <a:solidFill>
-                  <a:schemeClr val="dk1"/>
-                </a:solidFill>
-              </a:rPr>
-              <a:t> </a:t>
-            </a:r>
-            <a:endParaRPr lang="ko-KR" altLang="en-US" sz="2000">
-              <a:solidFill>
-                <a:schemeClr val="dk1"/>
-              </a:solidFill>
-            </a:endParaRPr>
-          </a:p>
-          <a:p>
-            <a:pPr>
-              <a:defRPr/>
-            </a:pPr>
-            <a:r>
-              <a:rPr lang="ko-KR" altLang="en-US" sz="2000">
-                <a:solidFill>
-                  <a:schemeClr val="dk1"/>
-                </a:solidFill>
-              </a:rPr>
-              <a:t>  └ 회원가입을 위해 시도한 비밀번호가 </a:t>
-            </a:r>
-            <a:r>
-              <a:rPr lang="en-US" altLang="ko-KR" sz="2000">
-                <a:solidFill>
-                  <a:schemeClr val="dk1"/>
-                </a:solidFill>
-              </a:rPr>
-              <a:t>7</a:t>
-            </a:r>
-            <a:r>
-              <a:rPr lang="ko-KR" altLang="en-US" sz="2000">
-                <a:solidFill>
-                  <a:schemeClr val="dk1"/>
-                </a:solidFill>
-              </a:rPr>
-              <a:t>자리 이하이거나 </a:t>
-            </a:r>
-            <a:r>
-              <a:rPr lang="en-US" altLang="ko-KR" sz="2000">
-                <a:solidFill>
-                  <a:schemeClr val="dk1"/>
-                </a:solidFill>
-              </a:rPr>
-              <a:t>13</a:t>
-            </a:r>
-            <a:r>
-              <a:rPr lang="ko-KR" altLang="en-US" sz="2000">
-                <a:solidFill>
-                  <a:schemeClr val="dk1"/>
-                </a:solidFill>
-              </a:rPr>
-              <a:t>자리 이상일 경우 입력 오류 메세지가 출력되어야 한다</a:t>
+              <a:t>자리 이상일 경우 비밀번호 입력 오류 메세지가 출력되어야 한다</a:t>
             </a:r>
             <a:endParaRPr lang="ko-KR" altLang="en-US" sz="2000">
               <a:solidFill>
@@ -7478,7 +7476,49 @@
                   <a:schemeClr val="dk1"/>
                 </a:solidFill>
               </a:rPr>
-              <a:t> 무결성</a:t>
+              <a:t> 로그인</a:t>
+            </a:r>
+            <a:endParaRPr lang="en-US" altLang="ko-KR" sz="2000">
+              <a:solidFill>
+                <a:schemeClr val="dk1"/>
+              </a:solidFill>
+            </a:endParaRPr>
+          </a:p>
+          <a:p>
+            <a:pPr>
+              <a:defRPr/>
+            </a:pPr>
+            <a:r>
+              <a:rPr lang="ko-KR" altLang="en-US" sz="2000">
+                <a:solidFill>
+                  <a:schemeClr val="dk1"/>
+                </a:solidFill>
+              </a:rPr>
+              <a:t>  └ 알맞은 </a:t>
+            </a:r>
+            <a:r>
+              <a:rPr lang="en-US" altLang="ko-KR" sz="2000">
+                <a:solidFill>
+                  <a:schemeClr val="dk1"/>
+                </a:solidFill>
+              </a:rPr>
+              <a:t>ID</a:t>
+            </a:r>
+            <a:r>
+              <a:rPr lang="ko-KR" altLang="en-US" sz="2000">
+                <a:solidFill>
+                  <a:schemeClr val="dk1"/>
+                </a:solidFill>
+              </a:rPr>
+              <a:t>값과 패스워드 값이 입력 될 경우 그에 맞는 회원 정보가 로그인 되어야 한다</a:t>
+            </a:r>
+            <a:r>
+              <a:rPr lang="en-US" altLang="ko-KR" sz="2000">
+                <a:solidFill>
+                  <a:schemeClr val="dk1"/>
+                </a:solidFill>
+              </a:rPr>
+              <a:t>.</a:t>
             </a:r>
             <a:endParaRPr lang="ko-KR" altLang="en-US" sz="2000">
               <a:solidFill>
@@ -7496,7 +7536,7 @@
                   <a:schemeClr val="dk1"/>
                 </a:solidFill>
               </a:rPr>
-              <a:t>  └ </a:t>
+              <a:t>  └ 로그인 실패시 로그인 오류 메세지를 출력해야 한다</a:t>
             </a:r>
             <a:r>
               <a:rPr lang="en-US" altLang="ko-KR" sz="2000">
@@ -7504,43 +7544,9 @@
                   <a:schemeClr val="dk1"/>
                 </a:solidFill>
               </a:rPr>
-              <a:t>APP</a:t>
-            </a:r>
-            <a:r>
-              <a:rPr lang="ko-KR" altLang="en-US" sz="2000">
-                <a:solidFill>
-                  <a:schemeClr val="dk1"/>
-                </a:solidFill>
-              </a:rPr>
-              <a:t> 종료시 입력된 데이터는 변조가 없어야 한다</a:t>
-            </a:r>
-            <a:r>
-              <a:rPr lang="en-US" altLang="ko-KR" sz="2000">
-                <a:solidFill>
-                  <a:schemeClr val="dk1"/>
-                </a:solidFill>
-              </a:rPr>
               <a:t>.</a:t>
             </a:r>
             <a:endParaRPr lang="en-US" altLang="ko-KR" sz="2000">
-              <a:solidFill>
-                <a:schemeClr val="dk1"/>
-              </a:solidFill>
-            </a:endParaRPr>
-          </a:p>
-          <a:p>
-            <a:pPr>
-              <a:defRPr/>
-            </a:pPr>
-            <a:r>
-              <a:rPr lang="ko-KR" altLang="en-US" sz="2000">
-                <a:solidFill>
-                  <a:schemeClr val="dk1"/>
-                </a:solidFill>
-              </a:rPr>
-              <a:t>  └ </a:t>
-            </a:r>
-            <a:endParaRPr lang="ko-KR" altLang="en-US" sz="2000">
               <a:solidFill>
                 <a:schemeClr val="dk1"/>
               </a:solidFill>
@@ -7622,13 +7628,99 @@
             <a:pPr>
               <a:defRPr/>
             </a:pPr>
+            <a:endParaRPr lang="en-US" altLang="ko-KR" sz="2000">
+              <a:solidFill>
+                <a:schemeClr val="dk1"/>
+              </a:solidFill>
+            </a:endParaRPr>
+          </a:p>
+          <a:p>
+            <a:pPr>
+              <a:defRPr/>
+            </a:pPr>
             <a:r>
               <a:rPr lang="ko-KR" altLang="en-US" sz="2000">
                 <a:solidFill>
                   <a:schemeClr val="dk1"/>
                 </a:solidFill>
               </a:rPr>
-              <a:t>요구 분석 명세서에는 시스템의 기능이 무엇인지(what)에만 초점을 두어 정리하고 어떻게(how) 구현할지는 기술하지 않는다</a:t>
+              <a:t> </a:t>
+            </a:r>
+            <a:r>
+              <a:rPr lang="en-US" altLang="ko-KR" sz="2000">
+                <a:solidFill>
+                  <a:schemeClr val="dk1"/>
+                </a:solidFill>
+              </a:rPr>
+              <a:t>-</a:t>
+            </a:r>
+            <a:r>
+              <a:rPr lang="ko-KR" altLang="en-US" sz="2000">
+                <a:solidFill>
+                  <a:schemeClr val="dk1"/>
+                </a:solidFill>
+              </a:rPr>
+              <a:t> 무결성</a:t>
+            </a:r>
+            <a:endParaRPr lang="ko-KR" altLang="en-US" sz="2000">
+              <a:solidFill>
+                <a:schemeClr val="dk1"/>
+              </a:solidFill>
+            </a:endParaRPr>
+          </a:p>
+          <a:p>
+            <a:pPr>
+              <a:defRPr/>
+            </a:pPr>
+            <a:r>
+              <a:rPr lang="ko-KR" altLang="en-US" sz="2000">
+                <a:solidFill>
+                  <a:schemeClr val="dk1"/>
+                </a:solidFill>
+              </a:rPr>
+              <a:t>  └ </a:t>
+            </a:r>
+            <a:r>
+              <a:rPr lang="en-US" altLang="ko-KR" sz="2000">
+                <a:solidFill>
+                  <a:schemeClr val="dk1"/>
+                </a:solidFill>
+              </a:rPr>
+              <a:t>APP</a:t>
+            </a:r>
+            <a:r>
+              <a:rPr lang="ko-KR" altLang="en-US" sz="2000">
+                <a:solidFill>
+                  <a:schemeClr val="dk1"/>
+                </a:solidFill>
+              </a:rPr>
+              <a:t> 종료시 입력된 데이터는 변조가 없어야 한다</a:t>
+            </a:r>
+            <a:r>
+              <a:rPr lang="en-US" altLang="ko-KR" sz="2000">
+                <a:solidFill>
+                  <a:schemeClr val="dk1"/>
+                </a:solidFill>
+              </a:rPr>
+              <a:t>.</a:t>
+            </a:r>
+            <a:endParaRPr lang="en-US" altLang="ko-KR" sz="2000">
+              <a:solidFill>
+                <a:schemeClr val="dk1"/>
+              </a:solidFill>
+            </a:endParaRPr>
+          </a:p>
+          <a:p>
+            <a:pPr>
+              <a:defRPr/>
+            </a:pPr>
+            <a:r>
+              <a:rPr lang="ko-KR" altLang="en-US" sz="2000">
+                <a:solidFill>
+                  <a:schemeClr val="dk1"/>
+                </a:solidFill>
+              </a:rPr>
+              <a:t>  └ </a:t>
             </a:r>
             <a:endParaRPr lang="ko-KR" altLang="en-US" sz="2000">
               <a:solidFill>
@@ -7778,7 +7870,7 @@
               </a:rPr>
               <a:t>  └ </a:t>
             </a:r>
-            <a:endParaRPr lang="en-US" altLang="ko-KR" sz="2000">
+            <a:endParaRPr lang="ko-KR" altLang="en-US" sz="2000">
               <a:solidFill>
                 <a:schemeClr val="dk1"/>
               </a:solidFill>
@@ -7905,7 +7997,7 @@
 </file>
 
 <file path=ppt/slides/slide18.xml><?xml version="1.0" encoding="utf-8"?>
-<p:sld xmlns:r="http://schemas.openxmlformats.org/officeDocument/2006/relationships" xmlns:c="http://schemas.openxmlformats.org/drawingml/2006/chart" xmlns:a="http://schemas.openxmlformats.org/drawingml/2006/main" xmlns:dgm="http://schemas.openxmlformats.org/drawingml/2006/diagram" xmlns:dsp="http://schemas.microsoft.com/office/drawing/2008/diagram" xmlns:p="http://schemas.openxmlformats.org/presentationml/2006/main">
+<p:sld xmlns:a="http://schemas.openxmlformats.org/drawingml/2006/main" xmlns:r="http://schemas.openxmlformats.org/officeDocument/2006/relationships" xmlns:p="http://schemas.openxmlformats.org/presentationml/2006/main">
   <p:cSld>
     <p:spTree>
       <p:nvGrpSpPr>
@@ -7923,550 +8015,262 @@
       </p:grpSpPr>
       <p:sp>
         <p:nvSpPr>
-          <p:cNvPr id="2" name="제목 1"/>
-          <p:cNvSpPr>
-            <a:spLocks noGrp="1"/>
-          </p:cNvSpPr>
-          <p:nvPr>
-            <p:ph type="title" idx="0"/>
-          </p:nvPr>
+          <p:cNvPr id="10" name="직사각형 9"/>
+          <p:cNvSpPr/>
+          <p:nvPr/>
         </p:nvSpPr>
         <p:spPr>
           <a:xfrm>
-            <a:off x="0" y="0"/>
-            <a:ext cx="11061700" cy="1325563"/>
+            <a:off x="-1" y="2398426"/>
+            <a:ext cx="12192001" cy="1338109"/>
           </a:xfrm>
+          <a:prstGeom prst="rect">
+            <a:avLst/>
+          </a:prstGeom>
           <a:solidFill>
-            <a:schemeClr val="lt1"/>
+            <a:schemeClr val="accent1">
+              <a:lumMod val="75000"/>
+            </a:schemeClr>
           </a:solidFill>
           <a:ln>
-            <a:solidFill>
-              <a:schemeClr val="lt1"/>
-            </a:solidFill>
+            <a:noFill/>
           </a:ln>
         </p:spPr>
+        <p:style>
+          <a:lnRef idx="2">
+            <a:schemeClr val="accent1">
+              <a:shade val="50000"/>
+            </a:schemeClr>
+          </a:lnRef>
+          <a:fillRef idx="1">
+            <a:schemeClr val="accent1"/>
+          </a:fillRef>
+          <a:effectRef idx="0">
+            <a:schemeClr val="accent1"/>
+          </a:effectRef>
+          <a:fontRef idx="minor">
+            <a:schemeClr val="lt1"/>
+          </a:fontRef>
+        </p:style>
         <p:txBody>
-          <a:bodyPr/>
+          <a:bodyPr rtlCol="0" anchor="ctr"/>
           <a:lstStyle/>
           <a:p>
-            <a:pPr lvl="0">
-              <a:defRPr/>
-            </a:pPr>
-            <a:r>
-              <a:rPr lang="ko-KR" altLang="en-US" sz="4000"/>
-              <a:t>요구사항 수집 및 분석</a:t>
-            </a:r>
-            <a:endParaRPr lang="ko-KR" altLang="en-US" sz="4000"/>
+            <a:pPr algn="ctr"/>
+            <a:endParaRPr kumimoji="1" lang="ko-KR" altLang="en-US" dirty="0"/>
           </a:p>
         </p:txBody>
       </p:sp>
       <p:sp>
         <p:nvSpPr>
-          <p:cNvPr id="3" name="내용 개체 틀 2"/>
-          <p:cNvSpPr>
-            <a:spLocks noGrp="1"/>
+          <p:cNvPr id="12" name="부제목 2"/>
+          <p:cNvSpPr txBox="1">
+            <a:spLocks/>
           </p:cNvSpPr>
-          <p:nvPr>
-            <p:ph idx="1"/>
-          </p:nvPr>
+          <p:nvPr/>
         </p:nvSpPr>
         <p:spPr>
           <a:xfrm>
-            <a:off x="0" y="1622425"/>
-            <a:ext cx="12192000" cy="5235575"/>
+            <a:off x="1" y="2608234"/>
+            <a:ext cx="12192000" cy="754314"/>
           </a:xfrm>
+          <a:prstGeom prst="rect">
+            <a:avLst/>
+          </a:prstGeom>
         </p:spPr>
         <p:txBody>
-          <a:bodyPr/>
-          <a:lstStyle/>
-          <a:p>
-            <a:pPr lvl="0">
-              <a:defRPr/>
-            </a:pPr>
-            <a:r>
-              <a:rPr lang="ko-KR" altLang="en-US" sz="2000"/>
-              <a:t>회원 정보를 담은 </a:t>
-            </a:r>
-            <a:r>
-              <a:rPr lang="en-US" altLang="ko-KR" sz="2000"/>
-              <a:t>DB</a:t>
-            </a:r>
-            <a:endParaRPr lang="en-US" altLang="ko-KR" sz="2000"/>
-          </a:p>
-          <a:p>
-            <a:pPr marL="0" lvl="0" indent="0">
-              <a:buNone/>
-              <a:defRPr/>
-            </a:pPr>
-            <a:r>
-              <a:rPr lang="ko-KR" altLang="en-US" sz="2000">
-                <a:solidFill>
-                  <a:srgbClr val="ff843a"/>
-                </a:solidFill>
-              </a:rPr>
-              <a:t> </a:t>
-            </a:r>
-            <a:r>
-              <a:rPr lang="en-US" altLang="ko-KR" sz="2000">
-                <a:solidFill>
-                  <a:srgbClr val="ff843a"/>
-                </a:solidFill>
-              </a:rPr>
-              <a:t>-</a:t>
-            </a:r>
-            <a:r>
-              <a:rPr lang="ko-KR" altLang="en-US" sz="2000">
-                <a:solidFill>
-                  <a:srgbClr val="ff843a"/>
-                </a:solidFill>
-              </a:rPr>
-              <a:t> 회원가입을 하게 되면 회원의 차종</a:t>
-            </a:r>
-            <a:r>
-              <a:rPr lang="en-US" altLang="ko-KR" sz="2000">
-                <a:solidFill>
-                  <a:srgbClr val="ff843a"/>
-                </a:solidFill>
-              </a:rPr>
-              <a:t>,</a:t>
-            </a:r>
-            <a:r>
-              <a:rPr lang="ko-KR" altLang="en-US" sz="2000">
-                <a:solidFill>
-                  <a:srgbClr val="ff843a"/>
-                </a:solidFill>
-              </a:rPr>
-              <a:t> 각각의 차량에 대한 정보</a:t>
-            </a:r>
-            <a:r>
-              <a:rPr lang="en-US" altLang="ko-KR" sz="2000">
-                <a:solidFill>
-                  <a:srgbClr val="ff843a"/>
-                </a:solidFill>
-              </a:rPr>
-              <a:t>(</a:t>
-            </a:r>
-            <a:r>
-              <a:rPr lang="ko-KR" altLang="en-US" sz="2000">
-                <a:solidFill>
-                  <a:srgbClr val="ff843a"/>
-                </a:solidFill>
-              </a:rPr>
-              <a:t>주행거리</a:t>
-            </a:r>
-            <a:r>
-              <a:rPr lang="en-US" altLang="ko-KR" sz="2000">
-                <a:solidFill>
-                  <a:srgbClr val="ff843a"/>
-                </a:solidFill>
-              </a:rPr>
-              <a:t>,</a:t>
-            </a:r>
-            <a:r>
-              <a:rPr lang="ko-KR" altLang="en-US" sz="2000">
-                <a:solidFill>
-                  <a:srgbClr val="ff843a"/>
-                </a:solidFill>
-              </a:rPr>
-              <a:t> 연식 등</a:t>
-            </a:r>
-            <a:r>
-              <a:rPr lang="en-US" altLang="ko-KR" sz="2000">
-                <a:solidFill>
-                  <a:srgbClr val="ff843a"/>
-                </a:solidFill>
-              </a:rPr>
-              <a:t>)</a:t>
-            </a:r>
-            <a:r>
-              <a:rPr lang="ko-KR" altLang="en-US" sz="2000">
-                <a:solidFill>
-                  <a:srgbClr val="ff843a"/>
-                </a:solidFill>
-              </a:rPr>
-              <a:t>가 저장되어야 함</a:t>
-            </a:r>
-            <a:endParaRPr lang="ko-KR" altLang="en-US" sz="2000">
-              <a:solidFill>
-                <a:srgbClr val="ff843a"/>
-              </a:solidFill>
-            </a:endParaRPr>
-          </a:p>
-          <a:p>
-            <a:pPr marL="0" lvl="0" indent="0">
-              <a:buNone/>
-              <a:defRPr/>
-            </a:pPr>
-            <a:r>
-              <a:rPr lang="ko-KR" altLang="en-US" sz="2000">
-                <a:solidFill>
-                  <a:srgbClr val="ff843a"/>
-                </a:solidFill>
-              </a:rPr>
-              <a:t> </a:t>
-            </a:r>
-            <a:r>
-              <a:rPr lang="en-US" altLang="ko-KR" sz="2000">
-                <a:solidFill>
-                  <a:srgbClr val="ff843a"/>
-                </a:solidFill>
-              </a:rPr>
-              <a:t>-</a:t>
-            </a:r>
-            <a:r>
-              <a:rPr lang="ko-KR" altLang="en-US" sz="2000">
-                <a:solidFill>
-                  <a:srgbClr val="ff843a"/>
-                </a:solidFill>
-              </a:rPr>
-              <a:t> 회원 가입시 필요한 정보 </a:t>
-            </a:r>
-            <a:r>
-              <a:rPr lang="en-US" altLang="ko-KR" sz="2000">
-                <a:solidFill>
-                  <a:srgbClr val="ff843a"/>
-                </a:solidFill>
-              </a:rPr>
-              <a:t>(</a:t>
-            </a:r>
-            <a:r>
-              <a:rPr lang="ko-KR" altLang="en-US" sz="2000">
-                <a:solidFill>
-                  <a:srgbClr val="ff843a"/>
-                </a:solidFill>
-              </a:rPr>
-              <a:t>아이디</a:t>
-            </a:r>
-            <a:r>
-              <a:rPr lang="en-US" altLang="ko-KR" sz="2000">
-                <a:solidFill>
-                  <a:srgbClr val="ff843a"/>
-                </a:solidFill>
-              </a:rPr>
-              <a:t>,</a:t>
-            </a:r>
-            <a:r>
-              <a:rPr lang="ko-KR" altLang="en-US" sz="2000">
-                <a:solidFill>
-                  <a:srgbClr val="ff843a"/>
-                </a:solidFill>
-              </a:rPr>
-              <a:t> 비밀번호</a:t>
-            </a:r>
-            <a:r>
-              <a:rPr lang="en-US" altLang="ko-KR" sz="2000">
-                <a:solidFill>
-                  <a:srgbClr val="ff843a"/>
-                </a:solidFill>
-              </a:rPr>
-              <a:t>,</a:t>
-            </a:r>
-            <a:r>
-              <a:rPr lang="ko-KR" altLang="en-US" sz="2000">
-                <a:solidFill>
-                  <a:srgbClr val="ff843a"/>
-                </a:solidFill>
-              </a:rPr>
-              <a:t> 이름</a:t>
-            </a:r>
-            <a:r>
-              <a:rPr lang="en-US" altLang="ko-KR" sz="2000">
-                <a:solidFill>
-                  <a:srgbClr val="ff843a"/>
-                </a:solidFill>
-              </a:rPr>
-              <a:t>,</a:t>
-            </a:r>
-            <a:r>
-              <a:rPr lang="ko-KR" altLang="en-US" sz="2000">
-                <a:solidFill>
-                  <a:srgbClr val="ff843a"/>
-                </a:solidFill>
-              </a:rPr>
-              <a:t> 생년월일</a:t>
-            </a:r>
-            <a:r>
-              <a:rPr lang="en-US" altLang="ko-KR" sz="2000">
-                <a:solidFill>
-                  <a:srgbClr val="ff843a"/>
-                </a:solidFill>
-              </a:rPr>
-              <a:t>,</a:t>
-            </a:r>
-            <a:r>
-              <a:rPr lang="ko-KR" altLang="en-US" sz="2000">
-                <a:solidFill>
-                  <a:srgbClr val="ff843a"/>
-                </a:solidFill>
-              </a:rPr>
-              <a:t> 전화번호</a:t>
-            </a:r>
-            <a:r>
-              <a:rPr lang="en-US" altLang="ko-KR" sz="2000">
-                <a:solidFill>
-                  <a:srgbClr val="ff843a"/>
-                </a:solidFill>
-              </a:rPr>
-              <a:t>,</a:t>
-            </a:r>
-            <a:r>
-              <a:rPr lang="ko-KR" altLang="en-US" sz="2000">
-                <a:solidFill>
-                  <a:srgbClr val="ff843a"/>
-                </a:solidFill>
-              </a:rPr>
-              <a:t> 차량에 대한 정보</a:t>
-            </a:r>
-            <a:r>
-              <a:rPr lang="en-US" altLang="ko-KR" sz="2000">
-                <a:solidFill>
-                  <a:srgbClr val="ff843a"/>
-                </a:solidFill>
-              </a:rPr>
-              <a:t>)</a:t>
-            </a:r>
-            <a:r>
-              <a:rPr lang="ko-KR" altLang="en-US" sz="2000">
-                <a:solidFill>
-                  <a:srgbClr val="ff843a"/>
-                </a:solidFill>
-              </a:rPr>
-              <a:t>를 포함해야 함</a:t>
-            </a:r>
-            <a:endParaRPr lang="ko-KR" altLang="en-US" sz="2000">
-              <a:solidFill>
-                <a:srgbClr val="ff843a"/>
-              </a:solidFill>
-            </a:endParaRPr>
-          </a:p>
-          <a:p>
-            <a:pPr lvl="0">
-              <a:defRPr/>
-            </a:pPr>
-            <a:r>
-              <a:rPr lang="ko-KR" altLang="en-US" sz="2000"/>
-              <a:t>차종 별 다른 데이터 제공</a:t>
-            </a:r>
-            <a:endParaRPr lang="ko-KR" altLang="en-US" sz="2000"/>
-          </a:p>
-          <a:p>
-            <a:pPr marL="0" lvl="0" indent="0">
-              <a:buNone/>
-              <a:defRPr/>
-            </a:pPr>
-            <a:r>
-              <a:rPr lang="ko-KR" altLang="en-US" sz="2000">
-                <a:solidFill>
-                  <a:srgbClr val="ff843a"/>
-                </a:solidFill>
-              </a:rPr>
-              <a:t> </a:t>
-            </a:r>
-            <a:r>
-              <a:rPr lang="en-US" altLang="ko-KR" sz="2000">
-                <a:solidFill>
-                  <a:srgbClr val="ff843a"/>
-                </a:solidFill>
-              </a:rPr>
-              <a:t>-</a:t>
-            </a:r>
-            <a:r>
-              <a:rPr lang="ko-KR" altLang="en-US" sz="2000">
-                <a:solidFill>
-                  <a:srgbClr val="ff843a"/>
-                </a:solidFill>
-              </a:rPr>
-              <a:t> </a:t>
-            </a:r>
-            <a:r>
-              <a:rPr lang="en-US" altLang="ko-KR" sz="2000">
-                <a:solidFill>
-                  <a:srgbClr val="ff843a"/>
-                </a:solidFill>
-              </a:rPr>
-              <a:t>SUV, </a:t>
-            </a:r>
-            <a:r>
-              <a:rPr lang="ko-KR" altLang="en-US" sz="2000">
-                <a:solidFill>
-                  <a:srgbClr val="ff843a"/>
-                </a:solidFill>
-              </a:rPr>
-              <a:t>승용차 등등 각 차종의 부품의 가격</a:t>
-            </a:r>
-            <a:r>
-              <a:rPr lang="en-US" altLang="ko-KR" sz="2000">
-                <a:solidFill>
-                  <a:srgbClr val="ff843a"/>
-                </a:solidFill>
-              </a:rPr>
-              <a:t>,</a:t>
-            </a:r>
-            <a:r>
-              <a:rPr lang="ko-KR" altLang="en-US" sz="2000">
-                <a:solidFill>
-                  <a:srgbClr val="ff843a"/>
-                </a:solidFill>
-              </a:rPr>
-              <a:t> 종류 다름</a:t>
-            </a:r>
-            <a:endParaRPr lang="ko-KR" altLang="en-US" sz="2000">
-              <a:solidFill>
-                <a:srgbClr val="ff843a"/>
-              </a:solidFill>
-            </a:endParaRPr>
-          </a:p>
-          <a:p>
-            <a:pPr marL="0" lvl="0" indent="0">
-              <a:buNone/>
-              <a:defRPr/>
-            </a:pPr>
-            <a:r>
-              <a:rPr lang="ko-KR" altLang="en-US" sz="2000">
-                <a:solidFill>
-                  <a:srgbClr val="ff843a"/>
-                </a:solidFill>
-              </a:rPr>
-              <a:t> </a:t>
-            </a:r>
-            <a:r>
-              <a:rPr lang="en-US" altLang="ko-KR" sz="2000">
-                <a:solidFill>
-                  <a:srgbClr val="ff843a"/>
-                </a:solidFill>
-              </a:rPr>
-              <a:t>-</a:t>
-            </a:r>
-            <a:r>
-              <a:rPr lang="ko-KR" altLang="en-US" sz="2000">
-                <a:solidFill>
-                  <a:srgbClr val="ff843a"/>
-                </a:solidFill>
-              </a:rPr>
-              <a:t> </a:t>
-            </a:r>
-            <a:endParaRPr lang="ko-KR" altLang="en-US" sz="2000">
-              <a:solidFill>
-                <a:srgbClr val="ff843a"/>
-              </a:solidFill>
-            </a:endParaRPr>
-          </a:p>
-          <a:p>
-            <a:pPr lvl="0">
-              <a:defRPr/>
-            </a:pPr>
-            <a:endParaRPr lang="ko-KR" altLang="en-US" sz="2000"/>
-          </a:p>
-          <a:p>
-            <a:pPr lvl="0">
-              <a:defRPr/>
-            </a:pPr>
-            <a:r>
-              <a:rPr lang="ko-KR" altLang="en-US" sz="2000"/>
-              <a:t>가까운 정비소 지도 자료 제공</a:t>
-            </a:r>
-            <a:endParaRPr lang="ko-KR" altLang="en-US" sz="2000"/>
-          </a:p>
-          <a:p>
-            <a:pPr marL="0" lvl="0" indent="0">
-              <a:buNone/>
-              <a:defRPr/>
-            </a:pPr>
-            <a:r>
-              <a:rPr lang="ko-KR" altLang="en-US" sz="2000">
-                <a:solidFill>
-                  <a:srgbClr val="ff843a"/>
-                </a:solidFill>
-              </a:rPr>
-              <a:t> </a:t>
-            </a:r>
-            <a:r>
-              <a:rPr lang="en-US" altLang="ko-KR" sz="2000">
-                <a:solidFill>
-                  <a:srgbClr val="ff843a"/>
-                </a:solidFill>
-              </a:rPr>
-              <a:t>-</a:t>
-            </a:r>
-            <a:r>
-              <a:rPr lang="ko-KR" altLang="en-US" sz="2000">
-                <a:solidFill>
-                  <a:srgbClr val="ff843a"/>
-                </a:solidFill>
-              </a:rPr>
-              <a:t> 정비소 위치에 대한 데이터 아직 못 찾음</a:t>
-            </a:r>
-            <a:endParaRPr lang="ko-KR" altLang="en-US" sz="2000">
-              <a:solidFill>
-                <a:srgbClr val="ff843a"/>
-              </a:solidFill>
-            </a:endParaRPr>
-          </a:p>
-          <a:p>
-            <a:pPr marL="0" lvl="0" indent="0">
-              <a:buNone/>
-              <a:defRPr/>
-            </a:pPr>
-            <a:r>
-              <a:rPr lang="ko-KR" altLang="en-US" sz="2000">
-                <a:solidFill>
-                  <a:srgbClr val="ff843a"/>
-                </a:solidFill>
-              </a:rPr>
-              <a:t>  └ </a:t>
-            </a:r>
-            <a:r>
-              <a:rPr lang="en-US" altLang="ko-KR" sz="2000">
-                <a:solidFill>
-                  <a:srgbClr val="ff843a"/>
-                </a:solidFill>
-              </a:rPr>
-              <a:t>Google map</a:t>
-            </a:r>
-            <a:r>
-              <a:rPr lang="ko-KR" altLang="en-US" sz="2000">
-                <a:solidFill>
-                  <a:srgbClr val="ff843a"/>
-                </a:solidFill>
-              </a:rPr>
-              <a:t>을 이용해서 연동 가능한지</a:t>
-            </a:r>
-            <a:r>
-              <a:rPr lang="en-US" altLang="ko-KR" sz="2000">
-                <a:solidFill>
-                  <a:srgbClr val="ff843a"/>
-                </a:solidFill>
-              </a:rPr>
-              <a:t>?</a:t>
-            </a:r>
-            <a:endParaRPr lang="en-US" altLang="ko-KR" sz="2000">
-              <a:solidFill>
-                <a:srgbClr val="ff843a"/>
-              </a:solidFill>
-            </a:endParaRPr>
-          </a:p>
-          <a:p>
-            <a:pPr marL="0" lvl="0" indent="0">
-              <a:buNone/>
-              <a:defRPr/>
-            </a:pPr>
-            <a:endParaRPr lang="en-US" altLang="ko-KR" sz="2000"/>
+          <a:bodyPr vert="horz" lIns="91440" tIns="45720" rIns="91440" bIns="45720" rtlCol="0" anchor="ctr">
+            <a:noAutofit/>
+          </a:bodyPr>
+          <a:lstStyle>
+            <a:lvl1pPr marL="0" indent="0" algn="ctr" defTabSz="914423" rtl="0" eaLnBrk="1" latinLnBrk="1" hangingPunct="1">
+              <a:lnSpc>
+                <a:spcPct val="90000"/>
+              </a:lnSpc>
+              <a:spcBef>
+                <a:spcPts val="1001"/>
+              </a:spcBef>
+              <a:buFont typeface="Arial"/>
+              <a:buNone/>
+              <a:defRPr sz="2400" kern="1200">
+                <a:solidFill>
+                  <a:schemeClr val="tx1"/>
+                </a:solidFill>
+                <a:latin typeface="+mn-lt"/>
+                <a:ea typeface="+mn-ea"/>
+                <a:cs typeface="+mn-cs"/>
+              </a:defRPr>
+            </a:lvl1pPr>
+            <a:lvl2pPr marL="457211" indent="0" algn="ctr" defTabSz="914423" rtl="0" eaLnBrk="1" latinLnBrk="1" hangingPunct="1">
+              <a:lnSpc>
+                <a:spcPct val="90000"/>
+              </a:lnSpc>
+              <a:spcBef>
+                <a:spcPts val="500"/>
+              </a:spcBef>
+              <a:buFont typeface="Arial"/>
+              <a:buNone/>
+              <a:defRPr sz="2000" kern="1200">
+                <a:solidFill>
+                  <a:schemeClr val="tx1"/>
+                </a:solidFill>
+                <a:latin typeface="+mn-lt"/>
+                <a:ea typeface="+mn-ea"/>
+                <a:cs typeface="+mn-cs"/>
+              </a:defRPr>
+            </a:lvl2pPr>
+            <a:lvl3pPr marL="914423" indent="0" algn="ctr" defTabSz="914423" rtl="0" eaLnBrk="1" latinLnBrk="1" hangingPunct="1">
+              <a:lnSpc>
+                <a:spcPct val="90000"/>
+              </a:lnSpc>
+              <a:spcBef>
+                <a:spcPts val="500"/>
+              </a:spcBef>
+              <a:buFont typeface="Arial"/>
+              <a:buNone/>
+              <a:defRPr sz="1801" kern="1200">
+                <a:solidFill>
+                  <a:schemeClr val="tx1"/>
+                </a:solidFill>
+                <a:latin typeface="+mn-lt"/>
+                <a:ea typeface="+mn-ea"/>
+                <a:cs typeface="+mn-cs"/>
+              </a:defRPr>
+            </a:lvl3pPr>
+            <a:lvl4pPr marL="1371634" indent="0" algn="ctr" defTabSz="914423" rtl="0" eaLnBrk="1" latinLnBrk="1" hangingPunct="1">
+              <a:lnSpc>
+                <a:spcPct val="90000"/>
+              </a:lnSpc>
+              <a:spcBef>
+                <a:spcPts val="500"/>
+              </a:spcBef>
+              <a:buFont typeface="Arial"/>
+              <a:buNone/>
+              <a:defRPr sz="1600" kern="1200">
+                <a:solidFill>
+                  <a:schemeClr val="tx1"/>
+                </a:solidFill>
+                <a:latin typeface="+mn-lt"/>
+                <a:ea typeface="+mn-ea"/>
+                <a:cs typeface="+mn-cs"/>
+              </a:defRPr>
+            </a:lvl4pPr>
+            <a:lvl5pPr marL="1828846" indent="0" algn="ctr" defTabSz="914423" rtl="0" eaLnBrk="1" latinLnBrk="1" hangingPunct="1">
+              <a:lnSpc>
+                <a:spcPct val="90000"/>
+              </a:lnSpc>
+              <a:spcBef>
+                <a:spcPts val="500"/>
+              </a:spcBef>
+              <a:buFont typeface="Arial"/>
+              <a:buNone/>
+              <a:defRPr sz="1600" kern="1200">
+                <a:solidFill>
+                  <a:schemeClr val="tx1"/>
+                </a:solidFill>
+                <a:latin typeface="+mn-lt"/>
+                <a:ea typeface="+mn-ea"/>
+                <a:cs typeface="+mn-cs"/>
+              </a:defRPr>
+            </a:lvl5pPr>
+            <a:lvl6pPr marL="2286057" indent="0" algn="ctr" defTabSz="914423" rtl="0" eaLnBrk="1" latinLnBrk="1" hangingPunct="1">
+              <a:lnSpc>
+                <a:spcPct val="90000"/>
+              </a:lnSpc>
+              <a:spcBef>
+                <a:spcPts val="500"/>
+              </a:spcBef>
+              <a:buFont typeface="Arial"/>
+              <a:buNone/>
+              <a:defRPr sz="1600" kern="1200">
+                <a:solidFill>
+                  <a:schemeClr val="tx1"/>
+                </a:solidFill>
+                <a:latin typeface="+mn-lt"/>
+                <a:ea typeface="+mn-ea"/>
+                <a:cs typeface="+mn-cs"/>
+              </a:defRPr>
+            </a:lvl6pPr>
+            <a:lvl7pPr marL="2743269" indent="0" algn="ctr" defTabSz="914423" rtl="0" eaLnBrk="1" latinLnBrk="1" hangingPunct="1">
+              <a:lnSpc>
+                <a:spcPct val="90000"/>
+              </a:lnSpc>
+              <a:spcBef>
+                <a:spcPts val="500"/>
+              </a:spcBef>
+              <a:buFont typeface="Arial"/>
+              <a:buNone/>
+              <a:defRPr sz="1600" kern="1200">
+                <a:solidFill>
+                  <a:schemeClr val="tx1"/>
+                </a:solidFill>
+                <a:latin typeface="+mn-lt"/>
+                <a:ea typeface="+mn-ea"/>
+                <a:cs typeface="+mn-cs"/>
+              </a:defRPr>
+            </a:lvl7pPr>
+            <a:lvl8pPr marL="3200480" indent="0" algn="ctr" defTabSz="914423" rtl="0" eaLnBrk="1" latinLnBrk="1" hangingPunct="1">
+              <a:lnSpc>
+                <a:spcPct val="90000"/>
+              </a:lnSpc>
+              <a:spcBef>
+                <a:spcPts val="500"/>
+              </a:spcBef>
+              <a:buFont typeface="Arial"/>
+              <a:buNone/>
+              <a:defRPr sz="1600" kern="1200">
+                <a:solidFill>
+                  <a:schemeClr val="tx1"/>
+                </a:solidFill>
+                <a:latin typeface="+mn-lt"/>
+                <a:ea typeface="+mn-ea"/>
+                <a:cs typeface="+mn-cs"/>
+              </a:defRPr>
+            </a:lvl8pPr>
+            <a:lvl9pPr marL="3657691" indent="0" algn="ctr" defTabSz="914423" rtl="0" eaLnBrk="1" latinLnBrk="1" hangingPunct="1">
+              <a:lnSpc>
+                <a:spcPct val="90000"/>
+              </a:lnSpc>
+              <a:spcBef>
+                <a:spcPts val="500"/>
+              </a:spcBef>
+              <a:buFont typeface="Arial"/>
+              <a:buNone/>
+              <a:defRPr sz="1600" kern="1200">
+                <a:solidFill>
+                  <a:schemeClr val="tx1"/>
+                </a:solidFill>
+                <a:latin typeface="+mn-lt"/>
+                <a:ea typeface="+mn-ea"/>
+                <a:cs typeface="+mn-cs"/>
+              </a:defRPr>
+            </a:lvl9pPr>
+          </a:lstStyle>
+          <a:p>
+            <a:r>
+              <a:rPr lang="ko-KR" altLang="en-US" sz="4800" dirty="0">
+                <a:solidFill>
+                  <a:schemeClr val="bg1"/>
+                </a:solidFill>
+                <a:latin typeface="+mj-lt"/>
+                <a:ea typeface="맑은 고딕" charset="-127"/>
+                <a:cs typeface="맑은 고딕" charset="-127"/>
+              </a:rPr>
+              <a:t>계획 및 일정 수립</a:t>
+            </a:r>
           </a:p>
         </p:txBody>
       </p:sp>
     </p:spTree>
+    <p:extLst>
+      <p:ext uri="{BB962C8B-B14F-4D97-AF65-F5344CB8AC3E}">
+        <p14:creationId xmlns:p14="http://schemas.microsoft.com/office/powerpoint/2010/main" val="641642769"/>
+      </p:ext>
+    </p:extLst>
   </p:cSld>
   <p:clrMapOvr>
     <a:masterClrMapping/>
   </p:clrMapOvr>
-  <mc:AlternateContent xmlns:mc="http://schemas.openxmlformats.org/markup-compatibility/2006">
-    <mc:Choice xmlns:p14="http://schemas.microsoft.com/office/powerpoint/2010/main" Requires="p14">
-      <p:transition xmlns:mc="http://schemas.openxmlformats.org/markup-compatibility/2006" xmlns:p14="http://schemas.microsoft.com/office/powerpoint/2010/main" mc:Ignorable="p14" p14:dur="500"/>
-    </mc:Choice>
-    <mc:Fallback>
-      <p:transition/>
-    </mc:Fallback>
-  </mc:AlternateContent>
 </p:sld>
 </file>
 
@@ -8487,158 +8291,6 @@
           <a:chExt cx="0" cy="0"/>
         </a:xfrm>
       </p:grpSpPr>
-      <p:sp>
-        <p:nvSpPr>
-          <p:cNvPr id="2" name="제목 1"/>
-          <p:cNvSpPr>
-            <a:spLocks noGrp="1"/>
-          </p:cNvSpPr>
-          <p:nvPr>
-            <p:ph type="title" idx="0"/>
-          </p:nvPr>
-        </p:nvSpPr>
-        <p:spPr>
-          <a:xfrm>
-            <a:off x="0" y="0"/>
-            <a:ext cx="11061700" cy="1325563"/>
-          </a:xfrm>
-          <a:solidFill>
-            <a:schemeClr val="lt1"/>
-          </a:solidFill>
-          <a:ln>
-            <a:solidFill>
-              <a:schemeClr val="lt1"/>
-            </a:solidFill>
-          </a:ln>
-        </p:spPr>
-        <p:txBody>
-          <a:bodyPr/>
-          <a:lstStyle/>
-          <a:p>
-            <a:pPr lvl="0">
-              <a:defRPr/>
-            </a:pPr>
-            <a:r>
-              <a:rPr lang="ko-KR" altLang="en-US" sz="4000"/>
-              <a:t>요구사항 수집 및 분석</a:t>
-            </a:r>
-            <a:endParaRPr lang="ko-KR" altLang="en-US" sz="4000"/>
-          </a:p>
-        </p:txBody>
-      </p:sp>
-      <p:sp>
-        <p:nvSpPr>
-          <p:cNvPr id="3" name="내용 개체 틀 2"/>
-          <p:cNvSpPr>
-            <a:spLocks noGrp="1"/>
-          </p:cNvSpPr>
-          <p:nvPr>
-            <p:ph idx="1"/>
-          </p:nvPr>
-        </p:nvSpPr>
-        <p:spPr>
-          <a:xfrm>
-            <a:off x="0" y="1622425"/>
-            <a:ext cx="12192000" cy="5235575"/>
-          </a:xfrm>
-        </p:spPr>
-        <p:txBody>
-          <a:bodyPr/>
-          <a:lstStyle/>
-          <a:p>
-            <a:pPr lvl="0">
-              <a:defRPr/>
-            </a:pPr>
-            <a:r>
-              <a:rPr lang="ko-KR" altLang="en-US" sz="2000"/>
-              <a:t>지속적 피드백</a:t>
-            </a:r>
-            <a:endParaRPr lang="ko-KR" altLang="en-US" sz="2000"/>
-          </a:p>
-          <a:p>
-            <a:pPr marL="0" lvl="0" indent="0">
-              <a:buNone/>
-              <a:defRPr/>
-            </a:pPr>
-            <a:r>
-              <a:rPr lang="ko-KR" altLang="en-US" sz="2000">
-                <a:solidFill>
-                  <a:srgbClr val="ff843a"/>
-                </a:solidFill>
-              </a:rPr>
-              <a:t> </a:t>
-            </a:r>
-            <a:r>
-              <a:rPr lang="en-US" altLang="ko-KR" sz="2000">
-                <a:solidFill>
-                  <a:srgbClr val="ff843a"/>
-                </a:solidFill>
-              </a:rPr>
-              <a:t>-</a:t>
-            </a:r>
-            <a:r>
-              <a:rPr lang="ko-KR" altLang="en-US" sz="2000">
-                <a:solidFill>
-                  <a:srgbClr val="ff843a"/>
-                </a:solidFill>
-              </a:rPr>
-              <a:t> </a:t>
-            </a:r>
-            <a:r>
-              <a:rPr lang="en-US" altLang="ko-KR" sz="2000">
-                <a:solidFill>
-                  <a:srgbClr val="ff843a"/>
-                </a:solidFill>
-              </a:rPr>
-              <a:t>Google Playstore</a:t>
-            </a:r>
-            <a:r>
-              <a:rPr lang="ko-KR" altLang="en-US" sz="2000">
-                <a:solidFill>
-                  <a:srgbClr val="ff843a"/>
-                </a:solidFill>
-              </a:rPr>
-              <a:t>의 댓글 이용</a:t>
-            </a:r>
-            <a:endParaRPr lang="ko-KR" altLang="en-US" sz="2000">
-              <a:solidFill>
-                <a:srgbClr val="ff843a"/>
-              </a:solidFill>
-            </a:endParaRPr>
-          </a:p>
-          <a:p>
-            <a:pPr marL="0" lvl="0" indent="0">
-              <a:buNone/>
-              <a:defRPr/>
-            </a:pPr>
-            <a:r>
-              <a:rPr lang="ko-KR" altLang="en-US" sz="2000">
-                <a:solidFill>
-                  <a:srgbClr val="ff843a"/>
-                </a:solidFill>
-              </a:rPr>
-              <a:t> </a:t>
-            </a:r>
-            <a:r>
-              <a:rPr lang="en-US" altLang="ko-KR" sz="2000">
-                <a:solidFill>
-                  <a:srgbClr val="ff843a"/>
-                </a:solidFill>
-              </a:rPr>
-              <a:t>-</a:t>
-            </a:r>
-            <a:r>
-              <a:rPr lang="ko-KR" altLang="en-US" sz="2000">
-                <a:solidFill>
-                  <a:srgbClr val="ff843a"/>
-                </a:solidFill>
-              </a:rPr>
-              <a:t> </a:t>
-            </a:r>
-            <a:endParaRPr lang="en-US" altLang="ko-KR" sz="2000"/>
-          </a:p>
-        </p:txBody>
-      </p:sp>
     </p:spTree>
   </p:cSld>
   <p:clrMapOvr>
@@ -11275,7 +10927,7 @@
                 <a:ea typeface="맑은 고딕" charset="-127"/>
                 <a:cs typeface="맑은 고딕" charset="-127"/>
               </a:rPr>
-              <a:t>계획 및 일정 수립</a:t>
+              <a:t>기능 모듈 설계</a:t>
             </a:r>
           </a:p>
         </p:txBody>
@@ -11283,7 +10935,7 @@
     </p:spTree>
     <p:extLst>
       <p:ext uri="{BB962C8B-B14F-4D97-AF65-F5344CB8AC3E}">
-        <p14:creationId xmlns:p14="http://schemas.microsoft.com/office/powerpoint/2010/main" val="641642769"/>
+        <p14:creationId xmlns:p14="http://schemas.microsoft.com/office/powerpoint/2010/main" val="3636615241"/>
       </p:ext>
     </p:extLst>
   </p:cSld>
@@ -11294,7 +10946,7 @@
 </file>
 
 <file path=ppt/slides/slide21.xml><?xml version="1.0" encoding="utf-8"?>
-<p:sld xmlns:r="http://schemas.openxmlformats.org/officeDocument/2006/relationships" xmlns:c="http://schemas.openxmlformats.org/drawingml/2006/chart" xmlns:a="http://schemas.openxmlformats.org/drawingml/2006/main" xmlns:dgm="http://schemas.openxmlformats.org/drawingml/2006/diagram" xmlns:dsp="http://schemas.microsoft.com/office/drawing/2008/diagram" xmlns:p="http://schemas.openxmlformats.org/presentationml/2006/main">
+<p:sld xmlns:a="http://schemas.openxmlformats.org/drawingml/2006/main" xmlns:r="http://schemas.openxmlformats.org/officeDocument/2006/relationships" xmlns:p="http://schemas.openxmlformats.org/presentationml/2006/main">
   <p:cSld>
     <p:spTree>
       <p:nvGrpSpPr>
@@ -11310,19 +10962,89 @@
           <a:chExt cx="0" cy="0"/>
         </a:xfrm>
       </p:grpSpPr>
+      <p:sp>
+        <p:nvSpPr>
+          <p:cNvPr id="2" name="제목 1">
+            <a:extLst>
+              <a:ext uri="{FF2B5EF4-FFF2-40B4-BE49-F238E27FC236}">
+                <a16:creationId xmlns:a16="http://schemas.microsoft.com/office/drawing/2014/main" id="{9A1A2E3C-2FD9-439C-87BD-8AE3B27F8C97}"/>
+              </a:ext>
+            </a:extLst>
+          </p:cNvPr>
+          <p:cNvSpPr>
+            <a:spLocks noGrp="1"/>
+          </p:cNvSpPr>
+          <p:nvPr>
+            <p:ph type="title"/>
+          </p:nvPr>
+        </p:nvSpPr>
+        <p:spPr/>
+        <p:txBody>
+          <a:bodyPr/>
+          <a:lstStyle/>
+          <a:p>
+            <a:endParaRPr lang="ko-KR" altLang="en-US"/>
+          </a:p>
+        </p:txBody>
+      </p:sp>
+      <p:sp>
+        <p:nvSpPr>
+          <p:cNvPr id="3" name="내용 개체 틀 2">
+            <a:extLst>
+              <a:ext uri="{FF2B5EF4-FFF2-40B4-BE49-F238E27FC236}">
+                <a16:creationId xmlns:a16="http://schemas.microsoft.com/office/drawing/2014/main" id="{58DC695E-BF5C-4F1A-860C-8BD272E977AA}"/>
+              </a:ext>
+            </a:extLst>
+          </p:cNvPr>
+          <p:cNvSpPr>
+            <a:spLocks noGrp="1"/>
+          </p:cNvSpPr>
+          <p:nvPr>
+            <p:ph idx="1"/>
+          </p:nvPr>
+        </p:nvSpPr>
+        <p:spPr/>
+        <p:txBody>
+          <a:bodyPr/>
+          <a:lstStyle/>
+          <a:p>
+            <a:r>
+              <a:rPr lang="ko-KR" altLang="en-US" dirty="0"/>
+              <a:t>기능정의를 한다</a:t>
+            </a:r>
+            <a:endParaRPr lang="en-US" altLang="ko-KR" dirty="0"/>
+          </a:p>
+          <a:p>
+            <a:r>
+              <a:rPr lang="ko-KR" altLang="en-US" dirty="0"/>
+              <a:t>정의 한 기능에 대해 </a:t>
+            </a:r>
+            <a:r>
+              <a:rPr lang="en-US" altLang="ko-KR" dirty="0"/>
+              <a:t>Flow</a:t>
+            </a:r>
+            <a:r>
+              <a:rPr lang="ko-KR" altLang="en-US" dirty="0"/>
+              <a:t>를 작성한다</a:t>
+            </a:r>
+            <a:r>
+              <a:rPr lang="en-US" altLang="ko-KR" dirty="0"/>
+              <a:t>.</a:t>
+            </a:r>
+            <a:endParaRPr lang="ko-KR" altLang="en-US" dirty="0"/>
+          </a:p>
+        </p:txBody>
+      </p:sp>
     </p:spTree>
+    <p:extLst>
+      <p:ext uri="{BB962C8B-B14F-4D97-AF65-F5344CB8AC3E}">
+        <p14:creationId xmlns:p14="http://schemas.microsoft.com/office/powerpoint/2010/main" val="3772914977"/>
+      </p:ext>
+    </p:extLst>
   </p:cSld>
   <p:clrMapOvr>
     <a:masterClrMapping/>
   </p:clrMapOvr>
-  <mc:AlternateContent xmlns:mc="http://schemas.openxmlformats.org/markup-compatibility/2006">
-    <mc:Choice xmlns:p14="http://schemas.microsoft.com/office/powerpoint/2010/main" Requires="p14">
-      <p:transition xmlns:mc="http://schemas.openxmlformats.org/markup-compatibility/2006" xmlns:p14="http://schemas.microsoft.com/office/powerpoint/2010/main" mc:Ignorable="p14" p14:dur="500"/>
-    </mc:Choice>
-    <mc:Fallback>
-      <p:transition/>
-    </mc:Fallback>
-  </mc:AlternateContent>
 </p:sld>
 </file>
 
@@ -11586,15 +11308,56 @@
                 <a:ea typeface="맑은 고딕" charset="-127"/>
                 <a:cs typeface="맑은 고딕" charset="-127"/>
               </a:rPr>
-              <a:t>기능 모듈 설계</a:t>
-            </a:r>
+              <a:t>기능 검토 </a:t>
+            </a:r>
+            <a:r>
+              <a:rPr lang="en-US" altLang="ko-KR" sz="4800" dirty="0">
+                <a:solidFill>
+                  <a:schemeClr val="bg1"/>
+                </a:solidFill>
+                <a:latin typeface="+mj-lt"/>
+                <a:ea typeface="맑은 고딕" charset="-127"/>
+                <a:cs typeface="맑은 고딕" charset="-127"/>
+              </a:rPr>
+              <a:t>(</a:t>
+            </a:r>
+            <a:r>
+              <a:rPr lang="ko-KR" altLang="en-US" sz="4800" dirty="0">
+                <a:solidFill>
+                  <a:schemeClr val="bg1"/>
+                </a:solidFill>
+                <a:latin typeface="+mj-lt"/>
+                <a:ea typeface="맑은 고딕" charset="-127"/>
+                <a:cs typeface="맑은 고딕" charset="-127"/>
+              </a:rPr>
+              <a:t>근거자료 및 샘플코드</a:t>
+            </a:r>
+            <a:r>
+              <a:rPr lang="en-US" altLang="ko-KR" sz="4800" dirty="0">
+                <a:solidFill>
+                  <a:schemeClr val="bg1"/>
+                </a:solidFill>
+                <a:latin typeface="+mj-lt"/>
+                <a:ea typeface="맑은 고딕" charset="-127"/>
+                <a:cs typeface="맑은 고딕" charset="-127"/>
+              </a:rPr>
+              <a:t>)</a:t>
+            </a:r>
+            <a:endParaRPr lang="ko-KR" altLang="en-US" sz="4800" dirty="0">
+              <a:solidFill>
+                <a:schemeClr val="bg1"/>
+              </a:solidFill>
+              <a:latin typeface="+mj-lt"/>
+              <a:ea typeface="맑은 고딕" charset="-127"/>
+              <a:cs typeface="맑은 고딕" charset="-127"/>
+            </a:endParaRPr>
           </a:p>
         </p:txBody>
       </p:sp>
     </p:spTree>
     <p:extLst>
       <p:ext uri="{BB962C8B-B14F-4D97-AF65-F5344CB8AC3E}">
-        <p14:creationId xmlns:p14="http://schemas.microsoft.com/office/powerpoint/2010/main" val="3636615241"/>
+        <p14:creationId xmlns:p14="http://schemas.microsoft.com/office/powerpoint/2010/main" val="2800779971"/>
       </p:ext>
     </p:extLst>
   </p:cSld>
@@ -11626,7 +11389,7 @@
           <p:cNvPr id="2" name="제목 1">
             <a:extLst>
               <a:ext uri="{FF2B5EF4-FFF2-40B4-BE49-F238E27FC236}">
-                <a16:creationId xmlns:a16="http://schemas.microsoft.com/office/drawing/2014/main" id="{9A1A2E3C-2FD9-439C-87BD-8AE3B27F8C97}"/>
+                <a16:creationId xmlns:a16="http://schemas.microsoft.com/office/drawing/2014/main" id="{CD32A4A8-C5FD-473F-A41F-A660400BC448}"/>
               </a:ext>
             </a:extLst>
           </p:cNvPr>
@@ -11651,7 +11414,7 @@
           <p:cNvPr id="3" name="내용 개체 틀 2">
             <a:extLst>
               <a:ext uri="{FF2B5EF4-FFF2-40B4-BE49-F238E27FC236}">
-                <a16:creationId xmlns:a16="http://schemas.microsoft.com/office/drawing/2014/main" id="{58DC695E-BF5C-4F1A-860C-8BD272E977AA}"/>
+                <a16:creationId xmlns:a16="http://schemas.microsoft.com/office/drawing/2014/main" id="{FC688E77-0112-474B-BD84-18F7FC4240C7}"/>
               </a:ext>
             </a:extLst>
           </p:cNvPr>
@@ -11669,22 +11432,17 @@
           <a:p>
             <a:r>
               <a:rPr lang="ko-KR" altLang="en-US" dirty="0"/>
-              <a:t>기능정의를 한다</a:t>
+              <a:t>기능 구현에 필요한 기술을 알아본다</a:t>
             </a:r>
             <a:endParaRPr lang="en-US" altLang="ko-KR" dirty="0"/>
           </a:p>
           <a:p>
+            <a:endParaRPr lang="en-US" altLang="ko-KR" dirty="0"/>
+          </a:p>
+          <a:p>
             <a:r>
               <a:rPr lang="ko-KR" altLang="en-US" dirty="0"/>
-              <a:t>정의 한 기능에 대해 </a:t>
-            </a:r>
-            <a:r>
-              <a:rPr lang="en-US" altLang="ko-KR" dirty="0"/>
-              <a:t>Flow</a:t>
-            </a:r>
-            <a:r>
-              <a:rPr lang="ko-KR" altLang="en-US" dirty="0"/>
-              <a:t>를 작성한다</a:t>
+              <a:t>샘플 코드를 수집한다</a:t>
             </a:r>
             <a:r>
               <a:rPr lang="en-US" altLang="ko-KR" dirty="0"/>
@@ -11697,7 +11455,7 @@
     </p:spTree>
     <p:extLst>
       <p:ext uri="{BB962C8B-B14F-4D97-AF65-F5344CB8AC3E}">
-        <p14:creationId xmlns:p14="http://schemas.microsoft.com/office/powerpoint/2010/main" val="3772914977"/>
+        <p14:creationId xmlns:p14="http://schemas.microsoft.com/office/powerpoint/2010/main" val="414149680"/>
       </p:ext>
     </p:extLst>
   </p:cSld>
@@ -11967,56 +11725,15 @@
                 <a:ea typeface="맑은 고딕" charset="-127"/>
                 <a:cs typeface="맑은 고딕" charset="-127"/>
               </a:rPr>
-              <a:t>기능 검토 </a:t>
-            </a:r>
-            <a:r>
-              <a:rPr lang="en-US" altLang="ko-KR" sz="4800" dirty="0">
-                <a:solidFill>
-                  <a:schemeClr val="bg1"/>
-                </a:solidFill>
-                <a:latin typeface="+mj-lt"/>
-                <a:ea typeface="맑은 고딕" charset="-127"/>
-                <a:cs typeface="맑은 고딕" charset="-127"/>
-              </a:rPr>
-              <a:t>(</a:t>
-            </a:r>
-            <a:r>
-              <a:rPr lang="ko-KR" altLang="en-US" sz="4800" dirty="0">
-                <a:solidFill>
-                  <a:schemeClr val="bg1"/>
-                </a:solidFill>
-                <a:latin typeface="+mj-lt"/>
-                <a:ea typeface="맑은 고딕" charset="-127"/>
-                <a:cs typeface="맑은 고딕" charset="-127"/>
-              </a:rPr>
-              <a:t>근거자료 및 샘플코드</a:t>
-            </a:r>
-            <a:r>
-              <a:rPr lang="en-US" altLang="ko-KR" sz="4800" dirty="0">
-                <a:solidFill>
-                  <a:schemeClr val="bg1"/>
-                </a:solidFill>
-                <a:latin typeface="+mj-lt"/>
-                <a:ea typeface="맑은 고딕" charset="-127"/>
-                <a:cs typeface="맑은 고딕" charset="-127"/>
-              </a:rPr>
-              <a:t>)</a:t>
-            </a:r>
-            <a:endParaRPr lang="ko-KR" altLang="en-US" sz="4800" dirty="0">
-              <a:solidFill>
-                <a:schemeClr val="bg1"/>
-              </a:solidFill>
-              <a:latin typeface="+mj-lt"/>
-              <a:ea typeface="맑은 고딕" charset="-127"/>
-              <a:cs typeface="맑은 고딕" charset="-127"/>
-            </a:endParaRPr>
+              <a:t>스토리보드 제작</a:t>
+            </a:r>
           </a:p>
         </p:txBody>
       </p:sp>
     </p:spTree>
     <p:extLst>
       <p:ext uri="{BB962C8B-B14F-4D97-AF65-F5344CB8AC3E}">
-        <p14:creationId xmlns:p14="http://schemas.microsoft.com/office/powerpoint/2010/main" val="2800779971"/>
+        <p14:creationId xmlns:p14="http://schemas.microsoft.com/office/powerpoint/2010/main" val="4131486605"/>
       </p:ext>
     </p:extLst>
   </p:cSld>
@@ -12048,7 +11765,7 @@
           <p:cNvPr id="2" name="제목 1">
             <a:extLst>
               <a:ext uri="{FF2B5EF4-FFF2-40B4-BE49-F238E27FC236}">
-                <a16:creationId xmlns:a16="http://schemas.microsoft.com/office/drawing/2014/main" id="{CD32A4A8-C5FD-473F-A41F-A660400BC448}"/>
+                <a16:creationId xmlns:a16="http://schemas.microsoft.com/office/drawing/2014/main" id="{FEF97B69-9031-4A28-901F-246C46549083}"/>
               </a:ext>
             </a:extLst>
           </p:cNvPr>
@@ -12073,7 +11790,7 @@
           <p:cNvPr id="3" name="내용 개체 틀 2">
             <a:extLst>
               <a:ext uri="{FF2B5EF4-FFF2-40B4-BE49-F238E27FC236}">
-                <a16:creationId xmlns:a16="http://schemas.microsoft.com/office/drawing/2014/main" id="{FC688E77-0112-474B-BD84-18F7FC4240C7}"/>
+                <a16:creationId xmlns:a16="http://schemas.microsoft.com/office/drawing/2014/main" id="{7B537D8F-5982-4653-B96A-BB8B9CAB7064}"/>
               </a:ext>
             </a:extLst>
           </p:cNvPr>
@@ -12091,7 +11808,7 @@
           <a:p>
             <a:r>
               <a:rPr lang="ko-KR" altLang="en-US" dirty="0"/>
-              <a:t>기능 구현에 필요한 기술을 알아본다</a:t>
+              <a:t>기능 구현에 대한 디자인 구상</a:t>
             </a:r>
             <a:endParaRPr lang="en-US" altLang="ko-KR" dirty="0"/>
           </a:p>
@@ -12101,7 +11818,7 @@
           <a:p>
             <a:r>
               <a:rPr lang="ko-KR" altLang="en-US" dirty="0"/>
-              <a:t>샘플 코드를 수집한다</a:t>
+              <a:t>디자인에 따른 동작을 기술하고 연계 한다</a:t>
             </a:r>
             <a:r>
               <a:rPr lang="en-US" altLang="ko-KR" dirty="0"/>
@@ -12114,7 +11831,7 @@
     </p:spTree>
     <p:extLst>
       <p:ext uri="{BB962C8B-B14F-4D97-AF65-F5344CB8AC3E}">
-        <p14:creationId xmlns:p14="http://schemas.microsoft.com/office/powerpoint/2010/main" val="414149680"/>
+        <p14:creationId xmlns:p14="http://schemas.microsoft.com/office/powerpoint/2010/main" val="1723942396"/>
       </p:ext>
     </p:extLst>
   </p:cSld>
@@ -12384,7 +12101,7 @@
                 <a:ea typeface="맑은 고딕" charset="-127"/>
                 <a:cs typeface="맑은 고딕" charset="-127"/>
               </a:rPr>
-              <a:t>스토리보드 제작</a:t>
+              <a:t>구현</a:t>
             </a:r>
           </a:p>
         </p:txBody>
@@ -12392,7 +12109,7 @@
     </p:spTree>
     <p:extLst>
       <p:ext uri="{BB962C8B-B14F-4D97-AF65-F5344CB8AC3E}">
-        <p14:creationId xmlns:p14="http://schemas.microsoft.com/office/powerpoint/2010/main" val="4131486605"/>
+        <p14:creationId xmlns:p14="http://schemas.microsoft.com/office/powerpoint/2010/main" val="1697315730"/>
       </p:ext>
     </p:extLst>
   </p:cSld>
@@ -12424,7 +12141,7 @@
           <p:cNvPr id="2" name="제목 1">
             <a:extLst>
               <a:ext uri="{FF2B5EF4-FFF2-40B4-BE49-F238E27FC236}">
-                <a16:creationId xmlns:a16="http://schemas.microsoft.com/office/drawing/2014/main" id="{FEF97B69-9031-4A28-901F-246C46549083}"/>
+                <a16:creationId xmlns:a16="http://schemas.microsoft.com/office/drawing/2014/main" id="{2135F92A-65F5-4C7A-8C04-BF5F199039F2}"/>
               </a:ext>
             </a:extLst>
           </p:cNvPr>
@@ -12449,7 +12166,7 @@
           <p:cNvPr id="3" name="내용 개체 틀 2">
             <a:extLst>
               <a:ext uri="{FF2B5EF4-FFF2-40B4-BE49-F238E27FC236}">
-                <a16:creationId xmlns:a16="http://schemas.microsoft.com/office/drawing/2014/main" id="{7B537D8F-5982-4653-B96A-BB8B9CAB7064}"/>
+                <a16:creationId xmlns:a16="http://schemas.microsoft.com/office/drawing/2014/main" id="{FB21A4AE-E1C2-4042-9B9E-43F419C42235}"/>
               </a:ext>
             </a:extLst>
           </p:cNvPr>
@@ -12467,17 +12184,7 @@
           <a:p>
             <a:r>
               <a:rPr lang="ko-KR" altLang="en-US" dirty="0"/>
-              <a:t>기능 구현에 대한 디자인 구상</a:t>
-            </a:r>
-            <a:endParaRPr lang="en-US" altLang="ko-KR" dirty="0"/>
-          </a:p>
-          <a:p>
-            <a:endParaRPr lang="en-US" altLang="ko-KR" dirty="0"/>
-          </a:p>
-          <a:p>
-            <a:r>
-              <a:rPr lang="ko-KR" altLang="en-US" dirty="0"/>
-              <a:t>디자인에 따른 동작을 기술하고 연계 한다</a:t>
+              <a:t>코드를 작성하고 버그를 수정한다</a:t>
             </a:r>
             <a:r>
               <a:rPr lang="en-US" altLang="ko-KR" dirty="0"/>
@@ -12490,7 +12197,7 @@
     </p:spTree>
     <p:extLst>
       <p:ext uri="{BB962C8B-B14F-4D97-AF65-F5344CB8AC3E}">
-        <p14:creationId xmlns:p14="http://schemas.microsoft.com/office/powerpoint/2010/main" val="1723942396"/>
+        <p14:creationId xmlns:p14="http://schemas.microsoft.com/office/powerpoint/2010/main" val="1303733429"/>
       </p:ext>
     </p:extLst>
   </p:cSld>
@@ -12760,15 +12467,34 @@
                 <a:ea typeface="맑은 고딕" charset="-127"/>
                 <a:cs typeface="맑은 고딕" charset="-127"/>
               </a:rPr>
-              <a:t>구현</a:t>
-            </a:r>
+              <a:t>제품 </a:t>
+            </a:r>
+            <a:r>
+              <a:rPr lang="en-US" altLang="ko-KR" sz="4800" dirty="0">
+                <a:solidFill>
+                  <a:schemeClr val="bg1"/>
+                </a:solidFill>
+                <a:latin typeface="+mj-lt"/>
+                <a:ea typeface="맑은 고딕" charset="-127"/>
+                <a:cs typeface="맑은 고딕" charset="-127"/>
+              </a:rPr>
+              <a:t>Review</a:t>
+            </a:r>
+            <a:endParaRPr lang="ko-KR" altLang="en-US" sz="4800" dirty="0">
+              <a:solidFill>
+                <a:schemeClr val="bg1"/>
+              </a:solidFill>
+              <a:latin typeface="+mj-lt"/>
+              <a:ea typeface="맑은 고딕" charset="-127"/>
+              <a:cs typeface="맑은 고딕" charset="-127"/>
+            </a:endParaRPr>
           </a:p>
         </p:txBody>
       </p:sp>
     </p:spTree>
     <p:extLst>
       <p:ext uri="{BB962C8B-B14F-4D97-AF65-F5344CB8AC3E}">
-        <p14:creationId xmlns:p14="http://schemas.microsoft.com/office/powerpoint/2010/main" val="1697315730"/>
+        <p14:creationId xmlns:p14="http://schemas.microsoft.com/office/powerpoint/2010/main" val="3953577241"/>
       </p:ext>
     </p:extLst>
   </p:cSld>
@@ -12843,20 +12569,15 @@
           <a:p>
             <a:r>
               <a:rPr lang="ko-KR" altLang="en-US" dirty="0"/>
-              <a:t>코드를 작성하고 버그를 수정한다</a:t>
-            </a:r>
-            <a:r>
-              <a:rPr lang="en-US" altLang="ko-KR" dirty="0"/>
-              <a:t>.</a:t>
-            </a:r>
-            <a:endParaRPr lang="ko-KR" altLang="en-US" dirty="0"/>
+              <a:t>목표한 제품이 맞는 검증한다</a:t>
+            </a:r>
           </a:p>
         </p:txBody>
       </p:sp>
     </p:spTree>
     <p:extLst>
       <p:ext uri="{BB962C8B-B14F-4D97-AF65-F5344CB8AC3E}">
-        <p14:creationId xmlns:p14="http://schemas.microsoft.com/office/powerpoint/2010/main" val="1303733429"/>
+        <p14:creationId xmlns:p14="http://schemas.microsoft.com/office/powerpoint/2010/main" val="539587114"/>
       </p:ext>
     </p:extLst>
   </p:cSld>
@@ -13135,386 +12856,6 @@
     <p:extLst>
       <p:ext uri="{BB962C8B-B14F-4D97-AF65-F5344CB8AC3E}">
         <p14:creationId xmlns:p14="http://schemas.microsoft.com/office/powerpoint/2010/main" val="2800463732"/>
-      </p:ext>
-    </p:extLst>
-  </p:cSld>
-  <p:clrMapOvr>
-    <a:masterClrMapping/>
-  </p:clrMapOvr>
-</p:sld>
-</file>
-
-<file path=ppt/slides/slide30.xml><?xml version="1.0" encoding="utf-8"?>
-<p:sld xmlns:a="http://schemas.openxmlformats.org/drawingml/2006/main" xmlns:r="http://schemas.openxmlformats.org/officeDocument/2006/relationships" xmlns:p="http://schemas.openxmlformats.org/presentationml/2006/main">
-  <p:cSld>
-    <p:spTree>
-      <p:nvGrpSpPr>
-        <p:cNvPr id="1" name=""/>
-        <p:cNvGrpSpPr/>
-        <p:nvPr/>
-      </p:nvGrpSpPr>
-      <p:grpSpPr>
-        <a:xfrm>
-          <a:off x="0" y="0"/>
-          <a:ext cx="0" cy="0"/>
-          <a:chOff x="0" y="0"/>
-          <a:chExt cx="0" cy="0"/>
-        </a:xfrm>
-      </p:grpSpPr>
-      <p:sp>
-        <p:nvSpPr>
-          <p:cNvPr id="10" name="직사각형 9"/>
-          <p:cNvSpPr/>
-          <p:nvPr/>
-        </p:nvSpPr>
-        <p:spPr>
-          <a:xfrm>
-            <a:off x="-1" y="2398426"/>
-            <a:ext cx="12192001" cy="1338109"/>
-          </a:xfrm>
-          <a:prstGeom prst="rect">
-            <a:avLst/>
-          </a:prstGeom>
-          <a:solidFill>
-            <a:schemeClr val="accent1">
-              <a:lumMod val="75000"/>
-            </a:schemeClr>
-          </a:solidFill>
-          <a:ln>
-            <a:noFill/>
-          </a:ln>
-        </p:spPr>
-        <p:style>
-          <a:lnRef idx="2">
-            <a:schemeClr val="accent1">
-              <a:shade val="50000"/>
-            </a:schemeClr>
-          </a:lnRef>
-          <a:fillRef idx="1">
-            <a:schemeClr val="accent1"/>
-          </a:fillRef>
-          <a:effectRef idx="0">
-            <a:schemeClr val="accent1"/>
-          </a:effectRef>
-          <a:fontRef idx="minor">
-            <a:schemeClr val="lt1"/>
-          </a:fontRef>
-        </p:style>
-        <p:txBody>
-          <a:bodyPr rtlCol="0" anchor="ctr"/>
-          <a:lstStyle/>
-          <a:p>
-            <a:pPr algn="ctr"/>
-            <a:endParaRPr kumimoji="1" lang="ko-KR" altLang="en-US" dirty="0"/>
-          </a:p>
-        </p:txBody>
-      </p:sp>
-      <p:sp>
-        <p:nvSpPr>
-          <p:cNvPr id="12" name="부제목 2"/>
-          <p:cNvSpPr txBox="1">
-            <a:spLocks/>
-          </p:cNvSpPr>
-          <p:nvPr/>
-        </p:nvSpPr>
-        <p:spPr>
-          <a:xfrm>
-            <a:off x="1" y="2608234"/>
-            <a:ext cx="12192000" cy="754314"/>
-          </a:xfrm>
-          <a:prstGeom prst="rect">
-            <a:avLst/>
-          </a:prstGeom>
-        </p:spPr>
-        <p:txBody>
-          <a:bodyPr vert="horz" lIns="91440" tIns="45720" rIns="91440" bIns="45720" rtlCol="0" anchor="ctr">
-            <a:noAutofit/>
-          </a:bodyPr>
-          <a:lstStyle>
-            <a:lvl1pPr marL="0" indent="0" algn="ctr" defTabSz="914423" rtl="0" eaLnBrk="1" latinLnBrk="1" hangingPunct="1">
-              <a:lnSpc>
-                <a:spcPct val="90000"/>
-              </a:lnSpc>
-              <a:spcBef>
-                <a:spcPts val="1001"/>
-              </a:spcBef>
-              <a:buFont typeface="Arial"/>
-              <a:buNone/>
-              <a:defRPr sz="2400" kern="1200">
-                <a:solidFill>
-                  <a:schemeClr val="tx1"/>
-                </a:solidFill>
-                <a:latin typeface="+mn-lt"/>
-                <a:ea typeface="+mn-ea"/>
-                <a:cs typeface="+mn-cs"/>
-              </a:defRPr>
-            </a:lvl1pPr>
-            <a:lvl2pPr marL="457211" indent="0" algn="ctr" defTabSz="914423" rtl="0" eaLnBrk="1" latinLnBrk="1" hangingPunct="1">
-              <a:lnSpc>
-                <a:spcPct val="90000"/>
-              </a:lnSpc>
-              <a:spcBef>
-                <a:spcPts val="500"/>
-              </a:spcBef>
-              <a:buFont typeface="Arial"/>
-              <a:buNone/>
-              <a:defRPr sz="2000" kern="1200">
-                <a:solidFill>
-                  <a:schemeClr val="tx1"/>
-                </a:solidFill>
-                <a:latin typeface="+mn-lt"/>
-                <a:ea typeface="+mn-ea"/>
-                <a:cs typeface="+mn-cs"/>
-              </a:defRPr>
-            </a:lvl2pPr>
-            <a:lvl3pPr marL="914423" indent="0" algn="ctr" defTabSz="914423" rtl="0" eaLnBrk="1" latinLnBrk="1" hangingPunct="1">
-              <a:lnSpc>
-                <a:spcPct val="90000"/>
-              </a:lnSpc>
-              <a:spcBef>
-                <a:spcPts val="500"/>
-              </a:spcBef>
-              <a:buFont typeface="Arial"/>
-              <a:buNone/>
-              <a:defRPr sz="1801" kern="1200">
-                <a:solidFill>
-                  <a:schemeClr val="tx1"/>
-                </a:solidFill>
-                <a:latin typeface="+mn-lt"/>
-                <a:ea typeface="+mn-ea"/>
-                <a:cs typeface="+mn-cs"/>
-              </a:defRPr>
-            </a:lvl3pPr>
-            <a:lvl4pPr marL="1371634" indent="0" algn="ctr" defTabSz="914423" rtl="0" eaLnBrk="1" latinLnBrk="1" hangingPunct="1">
-              <a:lnSpc>
-                <a:spcPct val="90000"/>
-              </a:lnSpc>
-              <a:spcBef>
-                <a:spcPts val="500"/>
-              </a:spcBef>
-              <a:buFont typeface="Arial"/>
-              <a:buNone/>
-              <a:defRPr sz="1600" kern="1200">
-                <a:solidFill>
-                  <a:schemeClr val="tx1"/>
-                </a:solidFill>
-                <a:latin typeface="+mn-lt"/>
-                <a:ea typeface="+mn-ea"/>
-                <a:cs typeface="+mn-cs"/>
-              </a:defRPr>
-            </a:lvl4pPr>
-            <a:lvl5pPr marL="1828846" indent="0" algn="ctr" defTabSz="914423" rtl="0" eaLnBrk="1" latinLnBrk="1" hangingPunct="1">
-              <a:lnSpc>
-                <a:spcPct val="90000"/>
-              </a:lnSpc>
-              <a:spcBef>
-                <a:spcPts val="500"/>
-              </a:spcBef>
-              <a:buFont typeface="Arial"/>
-              <a:buNone/>
-              <a:defRPr sz="1600" kern="1200">
-                <a:solidFill>
-                  <a:schemeClr val="tx1"/>
-                </a:solidFill>
-                <a:latin typeface="+mn-lt"/>
-                <a:ea typeface="+mn-ea"/>
-                <a:cs typeface="+mn-cs"/>
-              </a:defRPr>
-            </a:lvl5pPr>
-            <a:lvl6pPr marL="2286057" indent="0" algn="ctr" defTabSz="914423" rtl="0" eaLnBrk="1" latinLnBrk="1" hangingPunct="1">
-              <a:lnSpc>
-                <a:spcPct val="90000"/>
-              </a:lnSpc>
-              <a:spcBef>
-                <a:spcPts val="500"/>
-              </a:spcBef>
-              <a:buFont typeface="Arial"/>
-              <a:buNone/>
-              <a:defRPr sz="1600" kern="1200">
-                <a:solidFill>
-                  <a:schemeClr val="tx1"/>
-                </a:solidFill>
-                <a:latin typeface="+mn-lt"/>
-                <a:ea typeface="+mn-ea"/>
-                <a:cs typeface="+mn-cs"/>
-              </a:defRPr>
-            </a:lvl6pPr>
-            <a:lvl7pPr marL="2743269" indent="0" algn="ctr" defTabSz="914423" rtl="0" eaLnBrk="1" latinLnBrk="1" hangingPunct="1">
-              <a:lnSpc>
-                <a:spcPct val="90000"/>
-              </a:lnSpc>
-              <a:spcBef>
-                <a:spcPts val="500"/>
-              </a:spcBef>
-              <a:buFont typeface="Arial"/>
-              <a:buNone/>
-              <a:defRPr sz="1600" kern="1200">
-                <a:solidFill>
-                  <a:schemeClr val="tx1"/>
-                </a:solidFill>
-                <a:latin typeface="+mn-lt"/>
-                <a:ea typeface="+mn-ea"/>
-                <a:cs typeface="+mn-cs"/>
-              </a:defRPr>
-            </a:lvl7pPr>
-            <a:lvl8pPr marL="3200480" indent="0" algn="ctr" defTabSz="914423" rtl="0" eaLnBrk="1" latinLnBrk="1" hangingPunct="1">
-              <a:lnSpc>
-                <a:spcPct val="90000"/>
-              </a:lnSpc>
-              <a:spcBef>
-                <a:spcPts val="500"/>
-              </a:spcBef>
-              <a:buFont typeface="Arial"/>
-              <a:buNone/>
-              <a:defRPr sz="1600" kern="1200">
-                <a:solidFill>
-                  <a:schemeClr val="tx1"/>
-                </a:solidFill>
-                <a:latin typeface="+mn-lt"/>
-                <a:ea typeface="+mn-ea"/>
-                <a:cs typeface="+mn-cs"/>
-              </a:defRPr>
-            </a:lvl8pPr>
-            <a:lvl9pPr marL="3657691" indent="0" algn="ctr" defTabSz="914423" rtl="0" eaLnBrk="1" latinLnBrk="1" hangingPunct="1">
-              <a:lnSpc>
-                <a:spcPct val="90000"/>
-              </a:lnSpc>
-              <a:spcBef>
-                <a:spcPts val="500"/>
-              </a:spcBef>
-              <a:buFont typeface="Arial"/>
-              <a:buNone/>
-              <a:defRPr sz="1600" kern="1200">
-                <a:solidFill>
-                  <a:schemeClr val="tx1"/>
-                </a:solidFill>
-                <a:latin typeface="+mn-lt"/>
-                <a:ea typeface="+mn-ea"/>
-                <a:cs typeface="+mn-cs"/>
-              </a:defRPr>
-            </a:lvl9pPr>
-          </a:lstStyle>
-          <a:p>
-            <a:r>
-              <a:rPr lang="ko-KR" altLang="en-US" sz="4800" dirty="0">
-                <a:solidFill>
-                  <a:schemeClr val="bg1"/>
-                </a:solidFill>
-                <a:latin typeface="+mj-lt"/>
-                <a:ea typeface="맑은 고딕" charset="-127"/>
-                <a:cs typeface="맑은 고딕" charset="-127"/>
-              </a:rPr>
-              <a:t>제품 </a:t>
-            </a:r>
-            <a:r>
-              <a:rPr lang="en-US" altLang="ko-KR" sz="4800" dirty="0">
-                <a:solidFill>
-                  <a:schemeClr val="bg1"/>
-                </a:solidFill>
-                <a:latin typeface="+mj-lt"/>
-                <a:ea typeface="맑은 고딕" charset="-127"/>
-                <a:cs typeface="맑은 고딕" charset="-127"/>
-              </a:rPr>
-              <a:t>Review</a:t>
-            </a:r>
-            <a:endParaRPr lang="ko-KR" altLang="en-US" sz="4800" dirty="0">
-              <a:solidFill>
-                <a:schemeClr val="bg1"/>
-              </a:solidFill>
-              <a:latin typeface="+mj-lt"/>
-              <a:ea typeface="맑은 고딕" charset="-127"/>
-              <a:cs typeface="맑은 고딕" charset="-127"/>
-            </a:endParaRPr>
-          </a:p>
-        </p:txBody>
-      </p:sp>
-    </p:spTree>
-    <p:extLst>
-      <p:ext uri="{BB962C8B-B14F-4D97-AF65-F5344CB8AC3E}">
-        <p14:creationId xmlns:p14="http://schemas.microsoft.com/office/powerpoint/2010/main" val="3953577241"/>
-      </p:ext>
-    </p:extLst>
-  </p:cSld>
-  <p:clrMapOvr>
-    <a:masterClrMapping/>
-  </p:clrMapOvr>
-</p:sld>
-</file>
-
-<file path=ppt/slides/slide31.xml><?xml version="1.0" encoding="utf-8"?>
-<p:sld xmlns:a="http://schemas.openxmlformats.org/drawingml/2006/main" xmlns:r="http://schemas.openxmlformats.org/officeDocument/2006/relationships" xmlns:p="http://schemas.openxmlformats.org/presentationml/2006/main">
-  <p:cSld>
-    <p:spTree>
-      <p:nvGrpSpPr>
-        <p:cNvPr id="1" name=""/>
-        <p:cNvGrpSpPr/>
-        <p:nvPr/>
-      </p:nvGrpSpPr>
-      <p:grpSpPr>
-        <a:xfrm>
-          <a:off x="0" y="0"/>
-          <a:ext cx="0" cy="0"/>
-          <a:chOff x="0" y="0"/>
-          <a:chExt cx="0" cy="0"/>
-        </a:xfrm>
-      </p:grpSpPr>
-      <p:sp>
-        <p:nvSpPr>
-          <p:cNvPr id="2" name="제목 1">
-            <a:extLst>
-              <a:ext uri="{FF2B5EF4-FFF2-40B4-BE49-F238E27FC236}">
-                <a16:creationId xmlns:a16="http://schemas.microsoft.com/office/drawing/2014/main" id="{2135F92A-65F5-4C7A-8C04-BF5F199039F2}"/>
-              </a:ext>
-            </a:extLst>
-          </p:cNvPr>
-          <p:cNvSpPr>
-            <a:spLocks noGrp="1"/>
-          </p:cNvSpPr>
-          <p:nvPr>
-            <p:ph type="title"/>
-          </p:nvPr>
-        </p:nvSpPr>
-        <p:spPr/>
-        <p:txBody>
-          <a:bodyPr/>
-          <a:lstStyle/>
-          <a:p>
-            <a:endParaRPr lang="ko-KR" altLang="en-US"/>
-          </a:p>
-        </p:txBody>
-      </p:sp>
-      <p:sp>
-        <p:nvSpPr>
-          <p:cNvPr id="3" name="내용 개체 틀 2">
-            <a:extLst>
-              <a:ext uri="{FF2B5EF4-FFF2-40B4-BE49-F238E27FC236}">
-                <a16:creationId xmlns:a16="http://schemas.microsoft.com/office/drawing/2014/main" id="{FB21A4AE-E1C2-4042-9B9E-43F419C42235}"/>
-              </a:ext>
-            </a:extLst>
-          </p:cNvPr>
-          <p:cNvSpPr>
-            <a:spLocks noGrp="1"/>
-          </p:cNvSpPr>
-          <p:nvPr>
-            <p:ph idx="1"/>
-          </p:nvPr>
-        </p:nvSpPr>
-        <p:spPr/>
-        <p:txBody>
-          <a:bodyPr/>
-          <a:lstStyle/>
-          <a:p>
-            <a:r>
-              <a:rPr lang="ko-KR" altLang="en-US" dirty="0"/>
-              <a:t>목표한 제품이 맞는 검증한다</a:t>
-            </a:r>
-          </a:p>
-        </p:txBody>
-      </p:sp>
-    </p:spTree>
-    <p:extLst>
-      <p:ext uri="{BB962C8B-B14F-4D97-AF65-F5344CB8AC3E}">
-        <p14:creationId xmlns:p14="http://schemas.microsoft.com/office/powerpoint/2010/main" val="539587114"/>
       </p:ext>
     </p:extLst>
   </p:cSld>

--- a/2021_Summer/jp.hong/Project_BnC_jph.pptx
+++ b/2021_Summer/jp.hong/Project_BnC_jph.pptx
@@ -2,7 +2,7 @@
 <file path=ppt/presentation.xml><?xml version="1.0" encoding="utf-8"?>
 <p:presentation xmlns:r="http://schemas.openxmlformats.org/officeDocument/2006/relationships" xmlns:c="http://schemas.openxmlformats.org/drawingml/2006/chart" xmlns:a="http://schemas.openxmlformats.org/drawingml/2006/main" xmlns:dgm="http://schemas.openxmlformats.org/drawingml/2006/diagram" xmlns:dsp="http://schemas.microsoft.com/office/drawing/2008/diagram" xmlns:p="http://schemas.openxmlformats.org/presentationml/2006/main">
   <p:sldMasterIdLst>
-    <p:sldMasterId id="2147483662" r:id="rId1"/>
+    <p:sldMasterId id="2147483697" r:id="rId1"/>
   </p:sldMasterIdLst>
   <p:sldIdLst>
     <p:sldId id="261" r:id="rId2"/>
@@ -22,18 +22,22 @@
     <p:sldId id="323" r:id="rId16"/>
     <p:sldId id="324" r:id="rId17"/>
     <p:sldId id="325" r:id="rId18"/>
-    <p:sldId id="289" r:id="rId19"/>
-    <p:sldId id="297" r:id="rId20"/>
-    <p:sldId id="290" r:id="rId21"/>
-    <p:sldId id="298" r:id="rId22"/>
-    <p:sldId id="291" r:id="rId23"/>
-    <p:sldId id="299" r:id="rId24"/>
-    <p:sldId id="292" r:id="rId25"/>
-    <p:sldId id="300" r:id="rId26"/>
-    <p:sldId id="306" r:id="rId27"/>
-    <p:sldId id="307" r:id="rId28"/>
-    <p:sldId id="294" r:id="rId29"/>
-    <p:sldId id="302" r:id="rId30"/>
+    <p:sldId id="326" r:id="rId19"/>
+    <p:sldId id="327" r:id="rId20"/>
+    <p:sldId id="328" r:id="rId21"/>
+    <p:sldId id="329" r:id="rId22"/>
+    <p:sldId id="289" r:id="rId23"/>
+    <p:sldId id="297" r:id="rId24"/>
+    <p:sldId id="290" r:id="rId25"/>
+    <p:sldId id="298" r:id="rId26"/>
+    <p:sldId id="291" r:id="rId27"/>
+    <p:sldId id="299" r:id="rId28"/>
+    <p:sldId id="292" r:id="rId29"/>
+    <p:sldId id="300" r:id="rId30"/>
+    <p:sldId id="306" r:id="rId31"/>
+    <p:sldId id="307" r:id="rId32"/>
+    <p:sldId id="294" r:id="rId33"/>
+    <p:sldId id="302" r:id="rId34"/>
   </p:sldIdLst>
   <p:sldSz cx="12192000" cy="6858000"/>
   <p:notesSz cx="7104063" cy="10234613"/>
@@ -4495,7 +4499,9 @@
           </a:xfrm>
         </p:spPr>
         <p:txBody>
-          <a:bodyPr/>
+          <a:bodyPr>
+            <a:normAutofit fontScale="92500" lnSpcReduction="20000"/>
+          </a:bodyPr>
           <a:lstStyle/>
           <a:p>
             <a:pPr>
@@ -4638,6 +4644,36 @@
                 <a:hlinkClick r:id="rId4"/>
               </a:rPr>
               <a:t>https://blog.daum.net/pspiel/12879385</a:t>
+            </a:r>
+            <a:endParaRPr lang="en-US" altLang="ko-KR"/>
+          </a:p>
+          <a:p>
+            <a:pPr>
+              <a:defRPr/>
+            </a:pPr>
+            <a:endParaRPr lang="en-US" altLang="ko-KR"/>
+          </a:p>
+          <a:p>
+            <a:pPr>
+              <a:defRPr/>
+            </a:pPr>
+            <a:r>
+              <a:rPr lang="ko-KR" altLang="en-US"/>
+              <a:t>달력에 다이어리 기능 추가 </a:t>
+            </a:r>
+            <a:r>
+              <a:rPr lang="en-US" altLang="ko-KR"/>
+              <a:t>:</a:t>
+            </a:r>
+            <a:r>
+              <a:rPr lang="ko-KR" altLang="en-US"/>
+              <a:t> </a:t>
+            </a:r>
+            <a:r>
+              <a:rPr lang="en-US" altLang="ko-KR">
+                <a:hlinkClick r:id="rId5"/>
+              </a:rPr>
+              <a:t>https://cpcp127.tistory.com/21</a:t>
             </a:r>
             <a:endParaRPr lang="en-US" altLang="ko-KR"/>
           </a:p>
@@ -4753,7 +4789,9 @@
           </a:xfrm>
         </p:spPr>
         <p:txBody>
-          <a:bodyPr/>
+          <a:bodyPr>
+            <a:normAutofit fontScale="92500" lnSpcReduction="10000"/>
+          </a:bodyPr>
           <a:lstStyle/>
           <a:p>
             <a:pPr>
@@ -4840,6 +4878,138 @@
               <a:t> 연비</a:t>
             </a:r>
             <a:endParaRPr lang="ko-KR" altLang="en-US"/>
+          </a:p>
+          <a:p>
+            <a:pPr>
+              <a:defRPr/>
+            </a:pPr>
+            <a:endParaRPr lang="ko-KR" altLang="en-US"/>
+          </a:p>
+          <a:p>
+            <a:pPr>
+              <a:defRPr/>
+            </a:pPr>
+            <a:r>
+              <a:rPr lang="en-US" altLang="ko-KR"/>
+              <a:t>DB</a:t>
+            </a:r>
+            <a:r>
+              <a:rPr lang="ko-KR" altLang="en-US"/>
+              <a:t>연동 </a:t>
+            </a:r>
+            <a:r>
+              <a:rPr lang="en-US" altLang="ko-KR">
+                <a:hlinkClick r:id="rId3"/>
+              </a:rPr>
+              <a:t>https://fflask.tistory.com/36</a:t>
+            </a:r>
+            <a:endParaRPr lang="en-US" altLang="ko-KR"/>
+          </a:p>
+          <a:p>
+            <a:pPr>
+              <a:defRPr/>
+            </a:pPr>
+            <a:endParaRPr lang="en-US" altLang="ko-KR"/>
+          </a:p>
+          <a:p>
+            <a:pPr algn="just">
+              <a:lnSpc>
+                <a:spcPct val="160000"/>
+              </a:lnSpc>
+              <a:spcBef>
+                <a:spcPts val="0"/>
+              </a:spcBef>
+              <a:spcAft>
+                <a:spcPts val="0"/>
+              </a:spcAft>
+              <a:defRPr/>
+            </a:pPr>
+            <a:r>
+              <a:rPr lang="ko-KR" altLang="en-US"/>
+              <a:t>요구사항 정의 및 분석 </a:t>
+            </a:r>
+            <a:endParaRPr lang="en-US" altLang="ko-KR"/>
+          </a:p>
+          <a:p>
+            <a:pPr algn="just">
+              <a:lnSpc>
+                <a:spcPct val="160000"/>
+              </a:lnSpc>
+              <a:spcBef>
+                <a:spcPts val="0"/>
+              </a:spcBef>
+              <a:spcAft>
+                <a:spcPts val="0"/>
+              </a:spcAft>
+              <a:defRPr/>
+            </a:pPr>
+            <a:r>
+              <a:rPr lang="en-US" altLang="ko-KR"/>
+              <a:t>-</a:t>
+            </a:r>
+            <a:r>
+              <a:rPr lang="ko-KR" altLang="en-US"/>
+              <a:t> </a:t>
+            </a:r>
+            <a:r>
+              <a:rPr xmlns:mc="http://schemas.openxmlformats.org/markup-compatibility/2006" xmlns:hp="http://schemas.haansoft.com/office/presentation/8.0" lang="EN-US" b="0" i="0" u="sng" strike="noStrike" mc:Ignorable="hp" hp:hslEmbossed="0">
+                <a:hlinkClick r:id="rId4"/>
+              </a:rPr>
+              <a:t>https://cos2.tistory.com/962</a:t>
+            </a:r>
+            <a:endParaRPr xmlns:mc="http://schemas.openxmlformats.org/markup-compatibility/2006" xmlns:hp="http://schemas.haansoft.com/office/presentation/8.0" lang="EN-US" sz="1764" b="0" i="0" u="sng" strike="noStrike" mc:Ignorable="hp" hp:hslEmbossed="0"/>
+          </a:p>
+          <a:p>
+            <a:pPr marL="0" indent="0" algn="just">
+              <a:lnSpc>
+                <a:spcPct val="160000"/>
+              </a:lnSpc>
+              <a:spcBef>
+                <a:spcPts val="0"/>
+              </a:spcBef>
+              <a:spcAft>
+                <a:spcPts val="0"/>
+              </a:spcAft>
+              <a:buNone/>
+              <a:defRPr/>
+            </a:pPr>
+            <a:r>
+              <a:rPr xmlns:mc="http://schemas.openxmlformats.org/markup-compatibility/2006" xmlns:hp="http://schemas.haansoft.com/office/presentation/8.0" lang="EN-US" sz="1764" b="0" i="0" u="sng" strike="noStrike" mc:Ignorable="hp" hp:hslEmbossed="0">
+                <a:hlinkClick r:id="rId5"/>
+              </a:rPr>
+              <a:t>https://velog.io/@kjh03160/1-%EC%86%8C%ED%94%84%ED%8A%B8%EC%9B%A8%EC%96%B4-%EC%84%A4%EA%B3%84.-1.-%EC%9A%94%EA%B5%AC-%EC%82%AC%ED%95%AD-%ED%99%95%EC%9D%B8.-2-%EC%9A%94%EA%B5%AC-%EC%82%AC%ED%95%AD-%EB%B6%84%EC%84%9D</a:t>
+            </a:r>
+            <a:endParaRPr xmlns:mc="http://schemas.openxmlformats.org/markup-compatibility/2006" xmlns:hp="http://schemas.haansoft.com/office/presentation/8.0" lang="EN-US" b="0" i="0" u="sng" strike="noStrike" mc:Ignorable="hp" hp:hslEmbossed="0">
+              <a:hlinkClick r:id="rId5"/>
+            </a:endParaRPr>
+          </a:p>
+          <a:p>
+            <a:pPr marL="0" indent="0" algn="just">
+              <a:lnSpc>
+                <a:spcPct val="160000"/>
+              </a:lnSpc>
+              <a:spcBef>
+                <a:spcPts val="0"/>
+              </a:spcBef>
+              <a:spcAft>
+                <a:spcPts val="0"/>
+              </a:spcAft>
+              <a:buNone/>
+              <a:defRPr/>
+            </a:pPr>
+            <a:endParaRPr lang="ko-KR" altLang="en-US"/>
+          </a:p>
+          <a:p>
+            <a:pPr>
+              <a:defRPr/>
+            </a:pPr>
+            <a:endParaRPr lang="ko-KR" altLang="en-US"/>
+          </a:p>
+          <a:p>
+            <a:pPr>
+              <a:defRPr/>
+            </a:pPr>
+            <a:endParaRPr lang="en-US" altLang="ko-KR"/>
           </a:p>
         </p:txBody>
       </p:sp>
@@ -5817,6 +5987,79 @@
           </a:p>
         </p:txBody>
       </p:sp>
+      <p:sp>
+        <p:nvSpPr>
+          <p:cNvPr id="13" name="내용 개체 틀 2"/>
+          <p:cNvSpPr>
+            <a:spLocks noGrp="1"/>
+          </p:cNvSpPr>
+          <p:nvPr>
+            <p:ph idx="1"/>
+          </p:nvPr>
+        </p:nvSpPr>
+        <p:spPr>
+          <a:xfrm>
+            <a:off x="3872089" y="3871735"/>
+            <a:ext cx="10515600" cy="2305226"/>
+          </a:xfrm>
+        </p:spPr>
+        <p:txBody>
+          <a:bodyPr vert="horz" lIns="91440" tIns="45720" rIns="91440" bIns="45720">
+            <a:normAutofit/>
+          </a:bodyPr>
+          <a:lstStyle/>
+          <a:p>
+            <a:pPr>
+              <a:defRPr/>
+            </a:pPr>
+            <a:r>
+              <a:rPr lang="en-US" altLang="ko-KR"/>
+              <a:t>2-1</a:t>
+            </a:r>
+            <a:r>
+              <a:rPr lang="ko-KR" altLang="en-US"/>
+              <a:t> 타사 </a:t>
+            </a:r>
+            <a:r>
+              <a:rPr lang="en-US" altLang="ko-KR"/>
+              <a:t>APP</a:t>
+            </a:r>
+            <a:r>
+              <a:rPr lang="ko-KR" altLang="en-US"/>
+              <a:t>과 기능 비교</a:t>
+            </a:r>
+            <a:endParaRPr lang="ko-KR" altLang="en-US"/>
+          </a:p>
+          <a:p>
+            <a:pPr>
+              <a:defRPr/>
+            </a:pPr>
+            <a:r>
+              <a:rPr lang="en-US" altLang="ko-KR"/>
+              <a:t>2-2</a:t>
+            </a:r>
+            <a:r>
+              <a:rPr lang="ko-KR" altLang="en-US"/>
+              <a:t> 요구사항 수집 및 정의</a:t>
+            </a:r>
+            <a:endParaRPr lang="ko-KR" altLang="en-US"/>
+          </a:p>
+          <a:p>
+            <a:pPr>
+              <a:defRPr/>
+            </a:pPr>
+            <a:r>
+              <a:rPr lang="en-US" altLang="ko-KR"/>
+              <a:t>2-3</a:t>
+            </a:r>
+            <a:r>
+              <a:rPr lang="ko-KR" altLang="en-US"/>
+              <a:t> 요구사항 분석</a:t>
+            </a:r>
+            <a:endParaRPr lang="ko-KR" altLang="en-US"/>
+          </a:p>
+        </p:txBody>
+      </p:sp>
     </p:spTree>
   </p:cSld>
   <p:clrMapOvr>
@@ -5860,7 +6103,7 @@
         </p:nvGraphicFramePr>
         <p:xfrm>
           <a:off x="209164" y="1164908"/>
-          <a:ext cx="11773286" cy="5417466"/>
+          <a:ext cx="11773286" cy="5417460"/>
         </p:xfrm>
         <a:graphic>
           <a:graphicData uri="http://schemas.openxmlformats.org/drawingml/2006/table">
@@ -6849,12 +7092,20 @@
               <a:defRPr/>
             </a:pPr>
             <a:r>
+              <a:rPr lang="en-US" altLang="ko-KR">
+                <a:solidFill>
+                  <a:schemeClr val="lt1"/>
+                </a:solidFill>
+              </a:rPr>
+              <a:t>2-1.</a:t>
+            </a:r>
+            <a:r>
               <a:rPr lang="ko-KR" altLang="en-US">
                 <a:solidFill>
                   <a:schemeClr val="lt1"/>
                 </a:solidFill>
               </a:rPr>
-              <a:t>기능 비교</a:t>
+              <a:t> 기능 비교</a:t>
             </a:r>
             <a:endParaRPr lang="ko-KR" altLang="en-US">
               <a:solidFill>
@@ -6899,71 +7150,13 @@
       </p:grpSpPr>
       <p:sp>
         <p:nvSpPr>
-          <p:cNvPr id="4" name="직사각형 9"/>
-          <p:cNvSpPr/>
-          <p:nvPr/>
-        </p:nvSpPr>
-        <p:spPr>
-          <a:xfrm>
-            <a:off x="0" y="0"/>
-            <a:ext cx="12192001" cy="1338109"/>
-          </a:xfrm>
-          <a:prstGeom prst="rect">
-            <a:avLst/>
-          </a:prstGeom>
-          <a:solidFill>
-            <a:schemeClr val="accent1">
-              <a:lumMod val="75000"/>
-            </a:schemeClr>
-          </a:solidFill>
-          <a:ln>
-            <a:noFill/>
-          </a:ln>
-        </p:spPr>
-        <p:style>
-          <a:lnRef idx="2">
-            <a:schemeClr val="accent1">
-              <a:shade val="50000"/>
-            </a:schemeClr>
-          </a:lnRef>
-          <a:fillRef idx="1">
-            <a:schemeClr val="accent1"/>
-          </a:fillRef>
-          <a:effectRef idx="0">
-            <a:schemeClr val="accent1"/>
-          </a:effectRef>
-          <a:fontRef idx="minor">
-            <a:schemeClr val="lt1"/>
-          </a:fontRef>
-        </p:style>
-        <p:txBody>
-          <a:bodyPr anchor="ctr"/>
-          <a:lstStyle/>
-          <a:p>
-            <a:pPr>
-              <a:defRPr/>
-            </a:pPr>
-            <a:r>
-              <a:rPr kumimoji="1" lang="en-US" altLang="ko-KR" sz="4800"/>
-              <a:t>2-1.</a:t>
-            </a:r>
-            <a:r>
-              <a:rPr kumimoji="1" lang="ko-KR" altLang="en-US" sz="4800"/>
-              <a:t> 요구사항 정의 및 분석</a:t>
-            </a:r>
-            <a:endParaRPr kumimoji="1" lang="ko-KR" altLang="en-US" sz="4800"/>
-          </a:p>
-        </p:txBody>
-      </p:sp>
-      <p:sp>
-        <p:nvSpPr>
           <p:cNvPr id="5" name=""/>
           <p:cNvSpPr/>
           <p:nvPr/>
         </p:nvSpPr>
         <p:spPr>
           <a:xfrm>
-            <a:off x="0" y="1377461"/>
+            <a:off x="0" y="1157654"/>
             <a:ext cx="12192000" cy="5480538"/>
           </a:xfrm>
           <a:prstGeom prst="rect">
@@ -6996,14 +7189,6 @@
             <a:pPr>
               <a:defRPr/>
             </a:pPr>
-            <a:r>
-              <a:rPr lang="ko-KR" altLang="en-US" sz="2000">
-                <a:solidFill>
-                  <a:schemeClr val="dk1"/>
-                </a:solidFill>
-              </a:rPr>
-              <a:t>요구 분석 명세서에는 시스템의 기능이 무엇인지(what)에만 초점을 두어 정리하고 어떻게(how) 구현할지는 기술하지 않는다</a:t>
-            </a:r>
             <a:endParaRPr lang="ko-KR" altLang="en-US" sz="2000">
               <a:solidFill>
                 <a:schemeClr val="dk1"/>
@@ -7014,6 +7199,66 @@
             <a:pPr>
               <a:defRPr/>
             </a:pPr>
+            <a:r>
+              <a:rPr lang="ko-KR" altLang="en-US" sz="2000">
+                <a:solidFill>
+                  <a:schemeClr val="dk1"/>
+                </a:solidFill>
+              </a:rPr>
+              <a:t>기능 요구사항</a:t>
+            </a:r>
+            <a:r>
+              <a:rPr lang="en-US" altLang="ko-KR" sz="2000">
+                <a:solidFill>
+                  <a:schemeClr val="dk1"/>
+                </a:solidFill>
+              </a:rPr>
+              <a:t>(Functional Requirement)</a:t>
+            </a:r>
+            <a:endParaRPr lang="en-US" altLang="ko-KR" sz="2000">
+              <a:solidFill>
+                <a:schemeClr val="dk1"/>
+              </a:solidFill>
+            </a:endParaRPr>
+          </a:p>
+          <a:p>
+            <a:pPr>
+              <a:defRPr/>
+            </a:pPr>
+            <a:endParaRPr lang="en-US" altLang="ko-KR" sz="2000">
+              <a:solidFill>
+                <a:schemeClr val="dk1"/>
+              </a:solidFill>
+            </a:endParaRPr>
+          </a:p>
+          <a:p>
+            <a:pPr>
+              <a:defRPr/>
+            </a:pPr>
+            <a:r>
+              <a:rPr lang="ko-KR" altLang="en-US" sz="2000">
+                <a:solidFill>
+                  <a:schemeClr val="dk1"/>
+                </a:solidFill>
+              </a:rPr>
+              <a:t> </a:t>
+            </a:r>
+            <a:r>
+              <a:rPr lang="en-US" altLang="ko-KR" sz="2000">
+                <a:solidFill>
+                  <a:schemeClr val="dk1"/>
+                </a:solidFill>
+              </a:rPr>
+              <a:t>-</a:t>
+            </a:r>
+            <a:r>
+              <a:rPr lang="ko-KR" altLang="en-US" sz="2000">
+                <a:solidFill>
+                  <a:schemeClr val="dk1"/>
+                </a:solidFill>
+              </a:rPr>
+              <a:t> 회원가입</a:t>
+            </a:r>
             <a:endParaRPr lang="ko-KR" altLang="en-US" sz="2000">
               <a:solidFill>
                 <a:schemeClr val="dk1"/>
@@ -7030,23 +7275,213 @@
                   <a:schemeClr val="dk1"/>
                 </a:solidFill>
               </a:rPr>
+              <a:t>  └ 회원가입시 아이디</a:t>
+            </a:r>
+            <a:r>
+              <a:rPr lang="en-US" altLang="ko-KR" sz="2000">
+                <a:solidFill>
+                  <a:schemeClr val="dk1"/>
+                </a:solidFill>
+              </a:rPr>
+              <a:t>,</a:t>
+            </a:r>
+            <a:r>
+              <a:rPr lang="ko-KR" altLang="en-US" sz="2000">
+                <a:solidFill>
+                  <a:schemeClr val="dk1"/>
+                </a:solidFill>
+              </a:rPr>
+              <a:t> 비밀번호</a:t>
+            </a:r>
+            <a:r>
+              <a:rPr lang="en-US" altLang="ko-KR" sz="2000">
+                <a:solidFill>
+                  <a:schemeClr val="dk1"/>
+                </a:solidFill>
+              </a:rPr>
+              <a:t>,</a:t>
+            </a:r>
+            <a:r>
+              <a:rPr lang="ko-KR" altLang="en-US" sz="2000">
+                <a:solidFill>
+                  <a:schemeClr val="dk1"/>
+                </a:solidFill>
+              </a:rPr>
+              <a:t> 이름</a:t>
+            </a:r>
+            <a:r>
+              <a:rPr lang="en-US" altLang="ko-KR" sz="2000">
+                <a:solidFill>
+                  <a:schemeClr val="dk1"/>
+                </a:solidFill>
+              </a:rPr>
+              <a:t>,</a:t>
+            </a:r>
+            <a:r>
+              <a:rPr lang="ko-KR" altLang="en-US" sz="2000">
+                <a:solidFill>
+                  <a:schemeClr val="dk1"/>
+                </a:solidFill>
+              </a:rPr>
+              <a:t> 전화번호</a:t>
+            </a:r>
+            <a:r>
+              <a:rPr lang="en-US" altLang="ko-KR" sz="2000">
+                <a:solidFill>
+                  <a:schemeClr val="dk1"/>
+                </a:solidFill>
+              </a:rPr>
+              <a:t>,</a:t>
+            </a:r>
+            <a:r>
+              <a:rPr lang="ko-KR" altLang="en-US" sz="2000">
+                <a:solidFill>
+                  <a:schemeClr val="dk1"/>
+                </a:solidFill>
+              </a:rPr>
+              <a:t> 생년월일</a:t>
+            </a:r>
+            <a:r>
+              <a:rPr lang="en-US" altLang="ko-KR" sz="2000">
+                <a:solidFill>
+                  <a:schemeClr val="dk1"/>
+                </a:solidFill>
+              </a:rPr>
+              <a:t>,</a:t>
+            </a:r>
+            <a:r>
+              <a:rPr lang="ko-KR" altLang="en-US" sz="2000">
+                <a:solidFill>
+                  <a:schemeClr val="dk1"/>
+                </a:solidFill>
+              </a:rPr>
+              <a:t> 차종의 정보를 받아야 한다</a:t>
+            </a:r>
+            <a:r>
+              <a:rPr lang="en-US" altLang="ko-KR" sz="2000">
+                <a:solidFill>
+                  <a:schemeClr val="dk1"/>
+                </a:solidFill>
+              </a:rPr>
+              <a:t>.</a:t>
+            </a:r>
+            <a:endParaRPr lang="en-US" altLang="ko-KR" sz="2000">
+              <a:solidFill>
+                <a:schemeClr val="dk1"/>
+              </a:solidFill>
+            </a:endParaRPr>
+          </a:p>
+          <a:p>
+            <a:pPr>
+              <a:defRPr/>
+            </a:pPr>
+            <a:r>
+              <a:rPr lang="ko-KR" altLang="en-US" sz="2000">
+                <a:solidFill>
+                  <a:schemeClr val="dk1"/>
+                </a:solidFill>
+              </a:rPr>
+              <a:t>  └ 중복되는 아이디는 가입이 되어선 안된다</a:t>
+            </a:r>
+            <a:r>
+              <a:rPr lang="en-US" altLang="ko-KR" sz="2000">
+                <a:solidFill>
+                  <a:schemeClr val="dk1"/>
+                </a:solidFill>
+              </a:rPr>
+              <a:t>.</a:t>
+            </a:r>
+            <a:endParaRPr lang="en-US" altLang="ko-KR" sz="2000">
+              <a:solidFill>
+                <a:schemeClr val="dk1"/>
+              </a:solidFill>
+            </a:endParaRPr>
+          </a:p>
+          <a:p>
+            <a:pPr>
+              <a:defRPr/>
+            </a:pPr>
+            <a:r>
+              <a:rPr lang="ko-KR" altLang="en-US" sz="2000">
+                <a:solidFill>
+                  <a:schemeClr val="dk1"/>
+                </a:solidFill>
+              </a:rPr>
+              <a:t>  └ 중복되는 아이디로 가입시도시 아이디 입력 오류 메세지가 출력되어야 한다</a:t>
+            </a:r>
+            <a:r>
+              <a:rPr lang="en-US" altLang="ko-KR" sz="2000">
+                <a:solidFill>
+                  <a:schemeClr val="dk1"/>
+                </a:solidFill>
+              </a:rPr>
+              <a:t>.</a:t>
+            </a:r>
+            <a:endParaRPr lang="en-US" altLang="ko-KR" sz="2000">
+              <a:solidFill>
+                <a:schemeClr val="dk1"/>
+              </a:solidFill>
+            </a:endParaRPr>
+          </a:p>
+          <a:p>
+            <a:pPr>
+              <a:defRPr/>
+            </a:pPr>
+            <a:r>
+              <a:rPr lang="ko-KR" altLang="en-US" sz="2000">
+                <a:solidFill>
+                  <a:schemeClr val="dk1"/>
+                </a:solidFill>
+              </a:rPr>
+              <a:t>  └ 비밀번호는 특수문자 포함 </a:t>
+            </a:r>
+            <a:r>
+              <a:rPr lang="en-US" altLang="ko-KR" sz="2000">
+                <a:solidFill>
+                  <a:schemeClr val="dk1"/>
+                </a:solidFill>
+              </a:rPr>
+              <a:t>8</a:t>
+            </a:r>
+            <a:r>
+              <a:rPr lang="ko-KR" altLang="en-US" sz="2000">
+                <a:solidFill>
+                  <a:schemeClr val="dk1"/>
+                </a:solidFill>
+              </a:rPr>
+              <a:t>자리 이상 </a:t>
+            </a:r>
+            <a:r>
+              <a:rPr lang="en-US" altLang="ko-KR" sz="2000">
+                <a:solidFill>
+                  <a:schemeClr val="dk1"/>
+                </a:solidFill>
+              </a:rPr>
+              <a:t>12</a:t>
+            </a:r>
+            <a:r>
+              <a:rPr lang="ko-KR" altLang="en-US" sz="2000">
+                <a:solidFill>
+                  <a:schemeClr val="dk1"/>
+                </a:solidFill>
+              </a:rPr>
+              <a:t>자리 이하 이어야 한다</a:t>
+            </a:r>
+            <a:r>
+              <a:rPr lang="en-US" altLang="ko-KR" sz="2000">
+                <a:solidFill>
+                  <a:schemeClr val="dk1"/>
+                </a:solidFill>
+              </a:rPr>
+              <a:t>.</a:t>
+            </a:r>
+            <a:r>
+              <a:rPr lang="ko-KR" altLang="en-US" sz="2000">
+                <a:solidFill>
+                  <a:schemeClr val="dk1"/>
+                </a:solidFill>
+              </a:rPr>
               <a:t> </a:t>
-            </a:r>
-            <a:r>
-              <a:rPr lang="en-US" altLang="ko-KR" sz="2000">
-                <a:solidFill>
-                  <a:schemeClr val="dk1"/>
-                </a:solidFill>
-              </a:rPr>
-              <a:t>-</a:t>
-            </a:r>
-            <a:r>
-              <a:rPr lang="ko-KR" altLang="en-US" sz="2000">
-                <a:solidFill>
-                  <a:schemeClr val="dk1"/>
-                </a:solidFill>
-              </a:rPr>
-              <a:t> 회원가입</a:t>
             </a:r>
             <a:endParaRPr lang="ko-KR" altLang="en-US" sz="2000">
               <a:solidFill>
@@ -7064,7 +7499,7 @@
                   <a:schemeClr val="dk1"/>
                 </a:solidFill>
               </a:rPr>
-              <a:t>  └ 회원가입시 아이디</a:t>
+              <a:t>  └ 회원가입을 위해 시도한 비밀번호가 </a:t>
             </a:r>
             <a:r>
               <a:rPr lang="en-US" altLang="ko-KR" sz="2000">
@@ -7072,7 +7507,7 @@
                   <a:schemeClr val="dk1"/>
                 </a:solidFill>
               </a:rPr>
-              <a:t>,</a:t>
+              <a:t>7</a:t>
             </a:r>
             <a:r>
               <a:rPr lang="ko-KR" altLang="en-US" sz="2000">
@@ -7080,7 +7515,7 @@
                   <a:schemeClr val="dk1"/>
                 </a:solidFill>
               </a:rPr>
-              <a:t> 비밀번호</a:t>
+              <a:t>자리 이하이거나 </a:t>
             </a:r>
             <a:r>
               <a:rPr lang="en-US" altLang="ko-KR" sz="2000">
@@ -7088,7 +7523,7 @@
                   <a:schemeClr val="dk1"/>
                 </a:solidFill>
               </a:rPr>
-              <a:t>,</a:t>
+              <a:t>13</a:t>
             </a:r>
             <a:r>
               <a:rPr lang="ko-KR" altLang="en-US" sz="2000">
@@ -7096,7 +7531,35 @@
                   <a:schemeClr val="dk1"/>
                 </a:solidFill>
               </a:rPr>
-              <a:t> 이름</a:t>
+              <a:t>자리 이상일 경우 비밀번호 입력 오류 메세지가 출력되어야 한다</a:t>
+            </a:r>
+            <a:endParaRPr lang="ko-KR" altLang="en-US" sz="2000">
+              <a:solidFill>
+                <a:schemeClr val="dk1"/>
+              </a:solidFill>
+            </a:endParaRPr>
+          </a:p>
+          <a:p>
+            <a:pPr>
+              <a:defRPr/>
+            </a:pPr>
+            <a:endParaRPr lang="ko-KR" altLang="en-US" sz="2000">
+              <a:solidFill>
+                <a:schemeClr val="dk1"/>
+              </a:solidFill>
+            </a:endParaRPr>
+          </a:p>
+          <a:p>
+            <a:pPr>
+              <a:defRPr/>
+            </a:pPr>
+            <a:r>
+              <a:rPr lang="ko-KR" altLang="en-US" sz="2000">
+                <a:solidFill>
+                  <a:schemeClr val="dk1"/>
+                </a:solidFill>
+              </a:rPr>
+              <a:t> </a:t>
             </a:r>
             <a:r>
               <a:rPr lang="en-US" altLang="ko-KR" sz="2000">
@@ -7104,7 +7567,7 @@
                   <a:schemeClr val="dk1"/>
                 </a:solidFill>
               </a:rPr>
-              <a:t>,</a:t>
+              <a:t>-</a:t>
             </a:r>
             <a:r>
               <a:rPr lang="ko-KR" altLang="en-US" sz="2000">
@@ -7112,7 +7575,7 @@
                   <a:schemeClr val="dk1"/>
                 </a:solidFill>
               </a:rPr>
-              <a:t> 전화번호</a:t>
+              <a:t> 사용자 정보를 관리할 </a:t>
             </a:r>
             <a:r>
               <a:rPr lang="en-US" altLang="ko-KR" sz="2000">
@@ -7120,7 +7583,7 @@
                   <a:schemeClr val="dk1"/>
                 </a:solidFill>
               </a:rPr>
-              <a:t>,</a:t>
+              <a:t>DB</a:t>
             </a:r>
             <a:r>
               <a:rPr lang="ko-KR" altLang="en-US" sz="2000">
@@ -7128,23 +7591,25 @@
                   <a:schemeClr val="dk1"/>
                 </a:solidFill>
               </a:rPr>
-              <a:t> 생년월일</a:t>
-            </a:r>
-            <a:r>
-              <a:rPr lang="en-US" altLang="ko-KR" sz="2000">
-                <a:solidFill>
-                  <a:schemeClr val="dk1"/>
-                </a:solidFill>
-              </a:rPr>
-              <a:t>,</a:t>
-            </a:r>
+              <a:t>의 필요</a:t>
+            </a:r>
+            <a:endParaRPr lang="ko-KR" altLang="en-US" sz="2000">
+              <a:solidFill>
+                <a:schemeClr val="dk1"/>
+              </a:solidFill>
+            </a:endParaRPr>
+          </a:p>
+          <a:p>
+            <a:pPr>
+              <a:defRPr/>
+            </a:pPr>
             <a:r>
               <a:rPr lang="ko-KR" altLang="en-US" sz="2000">
                 <a:solidFill>
                   <a:schemeClr val="dk1"/>
                 </a:solidFill>
               </a:rPr>
-              <a:t> 차종의 정보를 받아야 한다</a:t>
+              <a:t>  └ 회원가입시 필요한 정보 및 소유한 차량의 정보를 포함해야 한다</a:t>
             </a:r>
             <a:r>
               <a:rPr lang="en-US" altLang="ko-KR" sz="2000">
@@ -7170,7 +7635,7 @@
                   <a:schemeClr val="dk1"/>
                 </a:solidFill>
               </a:rPr>
-              <a:t>  └ 중복되는 아이디는 가입이 되어선 안된다</a:t>
+              <a:t>  └ 소유한 차량이 여러 대의 경우 차량의 정보를 추가할 수 있어야 한다</a:t>
             </a:r>
             <a:r>
               <a:rPr lang="en-US" altLang="ko-KR" sz="2000">
@@ -7190,22 +7655,6 @@
             <a:pPr>
               <a:defRPr/>
             </a:pPr>
-            <a:r>
-              <a:rPr lang="ko-KR" altLang="en-US" sz="2000">
-                <a:solidFill>
-                  <a:schemeClr val="dk1"/>
-                </a:solidFill>
-              </a:rPr>
-              <a:t>  └ 중복되는 아이디로 가입시도시 아이디 입력 오류 메세지가 출력되어야 한다</a:t>
-            </a:r>
-            <a:r>
-              <a:rPr lang="en-US" altLang="ko-KR" sz="2000">
-                <a:solidFill>
-                  <a:schemeClr val="dk1"/>
-                </a:solidFill>
-              </a:rPr>
-              <a:t>.</a:t>
-            </a:r>
             <a:endParaRPr lang="en-US" altLang="ko-KR" sz="2000">
               <a:solidFill>
                 <a:schemeClr val="dk1"/>
@@ -7222,7 +7671,7 @@
                   <a:schemeClr val="dk1"/>
                 </a:solidFill>
               </a:rPr>
-              <a:t>  └ 비밀번호는 특수문자 포함 </a:t>
+              <a:t> </a:t>
             </a:r>
             <a:r>
               <a:rPr lang="en-US" altLang="ko-KR" sz="2000">
@@ -7230,7 +7679,7 @@
                   <a:schemeClr val="dk1"/>
                 </a:solidFill>
               </a:rPr>
-              <a:t>8</a:t>
+              <a:t>-</a:t>
             </a:r>
             <a:r>
               <a:rPr lang="ko-KR" altLang="en-US" sz="2000">
@@ -7238,39 +7687,7 @@
                   <a:schemeClr val="dk1"/>
                 </a:solidFill>
               </a:rPr>
-              <a:t>자리 이상 </a:t>
-            </a:r>
-            <a:r>
-              <a:rPr lang="en-US" altLang="ko-KR" sz="2000">
-                <a:solidFill>
-                  <a:schemeClr val="dk1"/>
-                </a:solidFill>
-              </a:rPr>
-              <a:t>12</a:t>
-            </a:r>
-            <a:r>
-              <a:rPr lang="ko-KR" altLang="en-US" sz="2000">
-                <a:solidFill>
-                  <a:schemeClr val="dk1"/>
-                </a:solidFill>
-              </a:rPr>
-              <a:t>자리 이하 이어야 한다</a:t>
-            </a:r>
-            <a:r>
-              <a:rPr lang="en-US" altLang="ko-KR" sz="2000">
-                <a:solidFill>
-                  <a:schemeClr val="dk1"/>
-                </a:solidFill>
-              </a:rPr>
-              <a:t>.</a:t>
-            </a:r>
-            <a:r>
-              <a:rPr lang="ko-KR" altLang="en-US" sz="2000">
-                <a:solidFill>
-                  <a:schemeClr val="dk1"/>
-                </a:solidFill>
-              </a:rPr>
-              <a:t> </a:t>
+              <a:t> 로그인</a:t>
             </a:r>
             <a:endParaRPr lang="ko-KR" altLang="en-US" sz="2000">
               <a:solidFill>
@@ -7288,7 +7705,7 @@
                   <a:schemeClr val="dk1"/>
                 </a:solidFill>
               </a:rPr>
-              <a:t>  └ 회원가입을 위해 시도한 비밀번호가 </a:t>
+              <a:t>  └ 알맞은 </a:t>
             </a:r>
             <a:r>
               <a:rPr lang="en-US" altLang="ko-KR" sz="2000">
@@ -7296,7 +7713,7 @@
                   <a:schemeClr val="dk1"/>
                 </a:solidFill>
               </a:rPr>
-              <a:t>7</a:t>
+              <a:t>ID</a:t>
             </a:r>
             <a:r>
               <a:rPr lang="ko-KR" altLang="en-US" sz="2000">
@@ -7304,101 +7721,7 @@
                   <a:schemeClr val="dk1"/>
                 </a:solidFill>
               </a:rPr>
-              <a:t>자리 이하이거나 </a:t>
-            </a:r>
-            <a:r>
-              <a:rPr lang="en-US" altLang="ko-KR" sz="2000">
-                <a:solidFill>
-                  <a:schemeClr val="dk1"/>
-                </a:solidFill>
-              </a:rPr>
-              <a:t>13</a:t>
-            </a:r>
-            <a:r>
-              <a:rPr lang="ko-KR" altLang="en-US" sz="2000">
-                <a:solidFill>
-                  <a:schemeClr val="dk1"/>
-                </a:solidFill>
-              </a:rPr>
-              <a:t>자리 이상일 경우 비밀번호 입력 오류 메세지가 출력되어야 한다</a:t>
-            </a:r>
-            <a:endParaRPr lang="ko-KR" altLang="en-US" sz="2000">
-              <a:solidFill>
-                <a:schemeClr val="dk1"/>
-              </a:solidFill>
-            </a:endParaRPr>
-          </a:p>
-          <a:p>
-            <a:pPr>
-              <a:defRPr/>
-            </a:pPr>
-            <a:endParaRPr lang="ko-KR" altLang="en-US" sz="2000">
-              <a:solidFill>
-                <a:schemeClr val="dk1"/>
-              </a:solidFill>
-            </a:endParaRPr>
-          </a:p>
-          <a:p>
-            <a:pPr>
-              <a:defRPr/>
-            </a:pPr>
-            <a:r>
-              <a:rPr lang="ko-KR" altLang="en-US" sz="2000">
-                <a:solidFill>
-                  <a:schemeClr val="dk1"/>
-                </a:solidFill>
-              </a:rPr>
-              <a:t> </a:t>
-            </a:r>
-            <a:r>
-              <a:rPr lang="en-US" altLang="ko-KR" sz="2000">
-                <a:solidFill>
-                  <a:schemeClr val="dk1"/>
-                </a:solidFill>
-              </a:rPr>
-              <a:t>-</a:t>
-            </a:r>
-            <a:r>
-              <a:rPr lang="ko-KR" altLang="en-US" sz="2000">
-                <a:solidFill>
-                  <a:schemeClr val="dk1"/>
-                </a:solidFill>
-              </a:rPr>
-              <a:t> 사용자 정보를 관리할 </a:t>
-            </a:r>
-            <a:r>
-              <a:rPr lang="en-US" altLang="ko-KR" sz="2000">
-                <a:solidFill>
-                  <a:schemeClr val="dk1"/>
-                </a:solidFill>
-              </a:rPr>
-              <a:t>DB</a:t>
-            </a:r>
-            <a:r>
-              <a:rPr lang="ko-KR" altLang="en-US" sz="2000">
-                <a:solidFill>
-                  <a:schemeClr val="dk1"/>
-                </a:solidFill>
-              </a:rPr>
-              <a:t>의 필요</a:t>
-            </a:r>
-            <a:endParaRPr lang="ko-KR" altLang="en-US" sz="2000">
-              <a:solidFill>
-                <a:schemeClr val="dk1"/>
-              </a:solidFill>
-            </a:endParaRPr>
-          </a:p>
-          <a:p>
-            <a:pPr>
-              <a:defRPr/>
-            </a:pPr>
-            <a:r>
-              <a:rPr lang="ko-KR" altLang="en-US" sz="2000">
-                <a:solidFill>
-                  <a:schemeClr val="dk1"/>
-                </a:solidFill>
-              </a:rPr>
-              <a:t>  └ 회원가입시 필요한 정보 및 소유한 차량의 정보를 포함해야 한다</a:t>
+              <a:t>값과 패스워드 값이 입력 될 경우 그에 맞는 회원 정보가 로그인 되어야 한다</a:t>
             </a:r>
             <a:r>
               <a:rPr lang="en-US" altLang="ko-KR" sz="2000">
@@ -7424,7 +7747,7 @@
                   <a:schemeClr val="dk1"/>
                 </a:solidFill>
               </a:rPr>
-              <a:t>  └ 소유한 차량이 여러 대의 경우 차량의 정보를 추가할 수 있어야 한다</a:t>
+              <a:t>  └ 로그인 실패시 로그인 오류 메세지를 출력해야 한다</a:t>
             </a:r>
             <a:r>
               <a:rPr lang="en-US" altLang="ko-KR" sz="2000">
@@ -7444,113 +7767,83 @@
             <a:pPr>
               <a:defRPr/>
             </a:pPr>
+            <a:r>
+              <a:rPr lang="ko-KR" altLang="en-US" sz="2000">
+                <a:solidFill>
+                  <a:schemeClr val="dk1"/>
+                </a:solidFill>
+              </a:rPr>
+              <a:t>  └ 로그인에 성공했다면 로그인 버튼이 아닌 로그 아웃버튼을 보여주어야 한다</a:t>
+            </a:r>
+            <a:r>
+              <a:rPr lang="en-US" altLang="ko-KR" sz="2000">
+                <a:solidFill>
+                  <a:schemeClr val="dk1"/>
+                </a:solidFill>
+              </a:rPr>
+              <a:t>.</a:t>
+            </a:r>
             <a:endParaRPr lang="en-US" altLang="ko-KR" sz="2000">
               <a:solidFill>
                 <a:schemeClr val="dk1"/>
               </a:solidFill>
             </a:endParaRPr>
           </a:p>
+        </p:txBody>
+      </p:sp>
+      <p:sp>
+        <p:nvSpPr>
+          <p:cNvPr id="7" name="직사각형 9"/>
+          <p:cNvSpPr/>
+          <p:nvPr/>
+        </p:nvSpPr>
+        <p:spPr>
+          <a:xfrm>
+            <a:off x="0" y="0"/>
+            <a:ext cx="12192001" cy="1081666"/>
+          </a:xfrm>
+          <a:prstGeom prst="rect">
+            <a:avLst/>
+          </a:prstGeom>
+          <a:solidFill>
+            <a:schemeClr val="accent1"/>
+          </a:solidFill>
+          <a:ln>
+            <a:noFill/>
+          </a:ln>
+        </p:spPr>
+        <p:style>
+          <a:lnRef idx="2">
+            <a:schemeClr val="accent1">
+              <a:shade val="50000"/>
+            </a:schemeClr>
+          </a:lnRef>
+          <a:fillRef idx="1">
+            <a:schemeClr val="accent1"/>
+          </a:fillRef>
+          <a:effectRef idx="0">
+            <a:schemeClr val="accent1"/>
+          </a:effectRef>
+          <a:fontRef idx="minor">
+            <a:schemeClr val="lt1"/>
+          </a:fontRef>
+        </p:style>
+        <p:txBody>
+          <a:bodyPr anchor="ctr"/>
+          <a:lstStyle/>
           <a:p>
             <a:pPr>
               <a:defRPr/>
             </a:pPr>
             <a:r>
-              <a:rPr lang="ko-KR" altLang="en-US" sz="2000">
-                <a:solidFill>
-                  <a:schemeClr val="dk1"/>
-                </a:solidFill>
-              </a:rPr>
-              <a:t> </a:t>
-            </a:r>
-            <a:r>
-              <a:rPr lang="en-US" altLang="ko-KR" sz="2000">
-                <a:solidFill>
-                  <a:schemeClr val="dk1"/>
-                </a:solidFill>
-              </a:rPr>
-              <a:t>-</a:t>
-            </a:r>
-            <a:r>
-              <a:rPr lang="ko-KR" altLang="en-US" sz="2000">
-                <a:solidFill>
-                  <a:schemeClr val="dk1"/>
-                </a:solidFill>
-              </a:rPr>
-              <a:t> 로그인</a:t>
-            </a:r>
-            <a:endParaRPr lang="en-US" altLang="ko-KR" sz="2000">
-              <a:solidFill>
-                <a:schemeClr val="dk1"/>
-              </a:solidFill>
-            </a:endParaRPr>
-          </a:p>
-          <a:p>
-            <a:pPr>
-              <a:defRPr/>
-            </a:pPr>
-            <a:r>
-              <a:rPr lang="ko-KR" altLang="en-US" sz="2000">
-                <a:solidFill>
-                  <a:schemeClr val="dk1"/>
-                </a:solidFill>
-              </a:rPr>
-              <a:t>  └ 알맞은 </a:t>
-            </a:r>
-            <a:r>
-              <a:rPr lang="en-US" altLang="ko-KR" sz="2000">
-                <a:solidFill>
-                  <a:schemeClr val="dk1"/>
-                </a:solidFill>
-              </a:rPr>
-              <a:t>ID</a:t>
-            </a:r>
-            <a:r>
-              <a:rPr lang="ko-KR" altLang="en-US" sz="2000">
-                <a:solidFill>
-                  <a:schemeClr val="dk1"/>
-                </a:solidFill>
-              </a:rPr>
-              <a:t>값과 패스워드 값이 입력 될 경우 그에 맞는 회원 정보가 로그인 되어야 한다</a:t>
-            </a:r>
-            <a:r>
-              <a:rPr lang="en-US" altLang="ko-KR" sz="2000">
-                <a:solidFill>
-                  <a:schemeClr val="dk1"/>
-                </a:solidFill>
-              </a:rPr>
-              <a:t>.</a:t>
-            </a:r>
-            <a:endParaRPr lang="ko-KR" altLang="en-US" sz="2000">
-              <a:solidFill>
-                <a:schemeClr val="dk1"/>
-              </a:solidFill>
-            </a:endParaRPr>
-          </a:p>
-          <a:p>
-            <a:pPr>
-              <a:defRPr/>
-            </a:pPr>
-            <a:r>
-              <a:rPr lang="ko-KR" altLang="en-US" sz="2000">
-                <a:solidFill>
-                  <a:schemeClr val="dk1"/>
-                </a:solidFill>
-              </a:rPr>
-              <a:t>  └ 로그인 실패시 로그인 오류 메세지를 출력해야 한다</a:t>
-            </a:r>
-            <a:r>
-              <a:rPr lang="en-US" altLang="ko-KR" sz="2000">
-                <a:solidFill>
-                  <a:schemeClr val="dk1"/>
-                </a:solidFill>
-              </a:rPr>
-              <a:t>.</a:t>
-            </a:r>
-            <a:endParaRPr lang="en-US" altLang="ko-KR" sz="2000">
-              <a:solidFill>
-                <a:schemeClr val="dk1"/>
-              </a:solidFill>
-            </a:endParaRPr>
+              <a:rPr kumimoji="1" lang="en-US" altLang="ko-KR" sz="4800"/>
+              <a:t>2-2.</a:t>
+            </a:r>
+            <a:r>
+              <a:rPr kumimoji="1" lang="ko-KR" altLang="en-US" sz="4800"/>
+              <a:t> 요구사항 정의 및 수집</a:t>
+            </a:r>
+            <a:endParaRPr kumimoji="1" lang="ko-KR" altLang="en-US" sz="4800"/>
           </a:p>
         </p:txBody>
       </p:sp>
@@ -7595,7 +7888,7 @@
         </p:nvSpPr>
         <p:spPr>
           <a:xfrm>
-            <a:off x="0" y="1377461"/>
+            <a:off x="0" y="1367936"/>
             <a:ext cx="12192000" cy="5480538"/>
           </a:xfrm>
           <a:prstGeom prst="rect">
@@ -7635,248 +7928,6 @@
             </a:endParaRPr>
           </a:p>
           <a:p>
-            <a:pPr>
-              <a:defRPr/>
-            </a:pPr>
-            <a:r>
-              <a:rPr lang="ko-KR" altLang="en-US" sz="2000">
-                <a:solidFill>
-                  <a:schemeClr val="dk1"/>
-                </a:solidFill>
-              </a:rPr>
-              <a:t> </a:t>
-            </a:r>
-            <a:r>
-              <a:rPr lang="en-US" altLang="ko-KR" sz="2000">
-                <a:solidFill>
-                  <a:schemeClr val="dk1"/>
-                </a:solidFill>
-              </a:rPr>
-              <a:t>-</a:t>
-            </a:r>
-            <a:r>
-              <a:rPr lang="ko-KR" altLang="en-US" sz="2000">
-                <a:solidFill>
-                  <a:schemeClr val="dk1"/>
-                </a:solidFill>
-              </a:rPr>
-              <a:t> 무결성</a:t>
-            </a:r>
-            <a:endParaRPr lang="ko-KR" altLang="en-US" sz="2000">
-              <a:solidFill>
-                <a:schemeClr val="dk1"/>
-              </a:solidFill>
-            </a:endParaRPr>
-          </a:p>
-          <a:p>
-            <a:pPr>
-              <a:defRPr/>
-            </a:pPr>
-            <a:r>
-              <a:rPr lang="ko-KR" altLang="en-US" sz="2000">
-                <a:solidFill>
-                  <a:schemeClr val="dk1"/>
-                </a:solidFill>
-              </a:rPr>
-              <a:t>  └ </a:t>
-            </a:r>
-            <a:r>
-              <a:rPr lang="en-US" altLang="ko-KR" sz="2000">
-                <a:solidFill>
-                  <a:schemeClr val="dk1"/>
-                </a:solidFill>
-              </a:rPr>
-              <a:t>APP</a:t>
-            </a:r>
-            <a:r>
-              <a:rPr lang="ko-KR" altLang="en-US" sz="2000">
-                <a:solidFill>
-                  <a:schemeClr val="dk1"/>
-                </a:solidFill>
-              </a:rPr>
-              <a:t> 종료시 입력된 데이터는 변조가 없어야 한다</a:t>
-            </a:r>
-            <a:r>
-              <a:rPr lang="en-US" altLang="ko-KR" sz="2000">
-                <a:solidFill>
-                  <a:schemeClr val="dk1"/>
-                </a:solidFill>
-              </a:rPr>
-              <a:t>.</a:t>
-            </a:r>
-            <a:endParaRPr lang="en-US" altLang="ko-KR" sz="2000">
-              <a:solidFill>
-                <a:schemeClr val="dk1"/>
-              </a:solidFill>
-            </a:endParaRPr>
-          </a:p>
-          <a:p>
-            <a:pPr>
-              <a:defRPr/>
-            </a:pPr>
-            <a:r>
-              <a:rPr lang="ko-KR" altLang="en-US" sz="2000">
-                <a:solidFill>
-                  <a:schemeClr val="dk1"/>
-                </a:solidFill>
-              </a:rPr>
-              <a:t>  └ </a:t>
-            </a:r>
-            <a:endParaRPr lang="ko-KR" altLang="en-US" sz="2000">
-              <a:solidFill>
-                <a:schemeClr val="dk1"/>
-              </a:solidFill>
-            </a:endParaRPr>
-          </a:p>
-          <a:p>
-            <a:pPr>
-              <a:defRPr/>
-            </a:pPr>
-            <a:endParaRPr lang="ko-KR" altLang="en-US" sz="2000">
-              <a:solidFill>
-                <a:schemeClr val="dk1"/>
-              </a:solidFill>
-            </a:endParaRPr>
-          </a:p>
-          <a:p>
-            <a:pPr>
-              <a:defRPr/>
-            </a:pPr>
-            <a:r>
-              <a:rPr lang="ko-KR" altLang="en-US" sz="2000">
-                <a:solidFill>
-                  <a:schemeClr val="dk1"/>
-                </a:solidFill>
-              </a:rPr>
-              <a:t> </a:t>
-            </a:r>
-            <a:r>
-              <a:rPr lang="en-US" altLang="ko-KR" sz="2000">
-                <a:solidFill>
-                  <a:schemeClr val="dk1"/>
-                </a:solidFill>
-              </a:rPr>
-              <a:t>-</a:t>
-            </a:r>
-            <a:r>
-              <a:rPr lang="ko-KR" altLang="en-US" sz="2000">
-                <a:solidFill>
-                  <a:schemeClr val="dk1"/>
-                </a:solidFill>
-              </a:rPr>
-              <a:t> 달력 부분</a:t>
-            </a:r>
-            <a:endParaRPr lang="ko-KR" altLang="en-US" sz="2000">
-              <a:solidFill>
-                <a:schemeClr val="dk1"/>
-              </a:solidFill>
-            </a:endParaRPr>
-          </a:p>
-          <a:p>
-            <a:pPr>
-              <a:defRPr/>
-            </a:pPr>
-            <a:r>
-              <a:rPr lang="ko-KR" altLang="en-US" sz="2000">
-                <a:solidFill>
-                  <a:schemeClr val="dk1"/>
-                </a:solidFill>
-              </a:rPr>
-              <a:t> </a:t>
-            </a:r>
-            <a:r>
-              <a:rPr lang="en-US" altLang="ko-KR" sz="2000">
-                <a:solidFill>
-                  <a:schemeClr val="dk1"/>
-                </a:solidFill>
-              </a:rPr>
-              <a:t>-</a:t>
-            </a:r>
-            <a:r>
-              <a:rPr lang="ko-KR" altLang="en-US" sz="2000">
-                <a:solidFill>
-                  <a:schemeClr val="dk1"/>
-                </a:solidFill>
-              </a:rPr>
-              <a:t> 부품 교체 예상 비용</a:t>
-            </a:r>
-            <a:endParaRPr lang="ko-KR" altLang="en-US" sz="2000">
-              <a:solidFill>
-                <a:schemeClr val="dk1"/>
-              </a:solidFill>
-            </a:endParaRPr>
-          </a:p>
-          <a:p>
-            <a:pPr>
-              <a:defRPr/>
-            </a:pPr>
-            <a:r>
-              <a:rPr lang="ko-KR" altLang="en-US" sz="2000">
-                <a:solidFill>
-                  <a:schemeClr val="dk1"/>
-                </a:solidFill>
-              </a:rPr>
-              <a:t>  └ 교체할 부품을 선택 받아야한다</a:t>
-            </a:r>
-            <a:r>
-              <a:rPr lang="en-US" altLang="ko-KR" sz="2000">
-                <a:solidFill>
-                  <a:schemeClr val="dk1"/>
-                </a:solidFill>
-              </a:rPr>
-              <a:t>.</a:t>
-            </a:r>
-            <a:endParaRPr lang="en-US" altLang="ko-KR" sz="2000">
-              <a:solidFill>
-                <a:schemeClr val="dk1"/>
-              </a:solidFill>
-            </a:endParaRPr>
-          </a:p>
-          <a:p>
-            <a:pPr>
-              <a:defRPr/>
-            </a:pPr>
-            <a:r>
-              <a:rPr lang="ko-KR" altLang="en-US" sz="2000">
-                <a:solidFill>
-                  <a:schemeClr val="dk1"/>
-                </a:solidFill>
-              </a:rPr>
-              <a:t>  └ 선택 된 부품은 값의 변조 없이 알맞은 값이 저장되어야 한다</a:t>
-            </a:r>
-            <a:r>
-              <a:rPr lang="en-US" altLang="ko-KR" sz="2000">
-                <a:solidFill>
-                  <a:schemeClr val="dk1"/>
-                </a:solidFill>
-              </a:rPr>
-              <a:t>.</a:t>
-            </a:r>
-            <a:endParaRPr lang="en-US" altLang="ko-KR" sz="2000">
-              <a:solidFill>
-                <a:schemeClr val="dk1"/>
-              </a:solidFill>
-            </a:endParaRPr>
-          </a:p>
-          <a:p>
-            <a:pPr>
-              <a:defRPr/>
-            </a:pPr>
-            <a:r>
-              <a:rPr lang="ko-KR" altLang="en-US" sz="2000">
-                <a:solidFill>
-                  <a:schemeClr val="dk1"/>
-                </a:solidFill>
-              </a:rPr>
-              <a:t>  └ </a:t>
-            </a:r>
-            <a:endParaRPr lang="ko-KR" altLang="en-US" sz="2000">
-              <a:solidFill>
-                <a:schemeClr val="dk1"/>
-              </a:solidFill>
-            </a:endParaRPr>
-          </a:p>
-          <a:p>
             <a:pPr marL="0" indent="0" algn="l" defTabSz="914400" rtl="0" eaLnBrk="1" latinLnBrk="1" hangingPunct="1">
               <a:lnSpc>
                 <a:spcPct val="100000"/>
@@ -7912,7 +7963,7 @@
                   <a:schemeClr val="dk1"/>
                 </a:solidFill>
               </a:rPr>
-              <a:t> 부품 별 관리</a:t>
+              <a:t> 화면 이동</a:t>
             </a:r>
             <a:endParaRPr lang="ko-KR" altLang="en-US" sz="2000">
               <a:solidFill>
@@ -7920,11 +7971,301 @@
               </a:solidFill>
             </a:endParaRPr>
           </a:p>
+          <a:p>
+            <a:pPr>
+              <a:defRPr/>
+            </a:pPr>
+            <a:r>
+              <a:rPr lang="ko-KR" altLang="en-US" sz="2000">
+                <a:solidFill>
+                  <a:schemeClr val="dk1"/>
+                </a:solidFill>
+              </a:rPr>
+              <a:t>  └ 목차를 만들어 현재화면에서 원하는 화면으로 이동 가능해야 한다</a:t>
+            </a:r>
+            <a:r>
+              <a:rPr lang="en-US" altLang="ko-KR" sz="2000">
+                <a:solidFill>
+                  <a:schemeClr val="dk1"/>
+                </a:solidFill>
+              </a:rPr>
+              <a:t>.</a:t>
+            </a:r>
+            <a:endParaRPr lang="en-US" altLang="ko-KR" sz="2000">
+              <a:solidFill>
+                <a:schemeClr val="dk1"/>
+              </a:solidFill>
+            </a:endParaRPr>
+          </a:p>
+          <a:p>
+            <a:pPr>
+              <a:defRPr/>
+            </a:pPr>
+            <a:r>
+              <a:rPr lang="ko-KR" altLang="en-US" sz="2000">
+                <a:solidFill>
+                  <a:schemeClr val="dk1"/>
+                </a:solidFill>
+              </a:rPr>
+              <a:t>  └ 목차는 모든 페이지에서 이동 가능해야 한다</a:t>
+            </a:r>
+            <a:r>
+              <a:rPr lang="en-US" altLang="ko-KR" sz="2000">
+                <a:solidFill>
+                  <a:schemeClr val="dk1"/>
+                </a:solidFill>
+              </a:rPr>
+              <a:t>.</a:t>
+            </a:r>
+            <a:endParaRPr lang="en-US" altLang="ko-KR" sz="2000">
+              <a:solidFill>
+                <a:schemeClr val="dk1"/>
+              </a:solidFill>
+            </a:endParaRPr>
+          </a:p>
+          <a:p>
+            <a:pPr>
+              <a:defRPr/>
+            </a:pPr>
+            <a:r>
+              <a:rPr lang="ko-KR" altLang="en-US" sz="2000">
+                <a:solidFill>
+                  <a:schemeClr val="dk1"/>
+                </a:solidFill>
+              </a:rPr>
+              <a:t>  └ 화면을 이동할 때 로그인이 해제되지 않아야 한다</a:t>
+            </a:r>
+            <a:r>
+              <a:rPr lang="en-US" altLang="ko-KR" sz="2000">
+                <a:solidFill>
+                  <a:schemeClr val="dk1"/>
+                </a:solidFill>
+              </a:rPr>
+              <a:t>.</a:t>
+            </a:r>
+            <a:endParaRPr lang="en-US" altLang="ko-KR" sz="2000">
+              <a:solidFill>
+                <a:schemeClr val="dk1"/>
+              </a:solidFill>
+            </a:endParaRPr>
+          </a:p>
+          <a:p>
+            <a:pPr marL="0" indent="0" algn="l" defTabSz="914400" rtl="0" eaLnBrk="1" latinLnBrk="1" hangingPunct="1">
+              <a:lnSpc>
+                <a:spcPct val="100000"/>
+              </a:lnSpc>
+              <a:spcBef>
+                <a:spcPct val="0"/>
+              </a:spcBef>
+              <a:spcAft>
+                <a:spcPts val="0"/>
+              </a:spcAft>
+              <a:buNone/>
+              <a:defRPr/>
+            </a:pPr>
+            <a:endParaRPr lang="ko-KR" altLang="en-US" sz="2000">
+              <a:solidFill>
+                <a:schemeClr val="dk1"/>
+              </a:solidFill>
+            </a:endParaRPr>
+          </a:p>
+          <a:p>
+            <a:pPr>
+              <a:defRPr/>
+            </a:pPr>
+            <a:r>
+              <a:rPr lang="ko-KR" altLang="en-US" sz="2000">
+                <a:solidFill>
+                  <a:schemeClr val="dk1"/>
+                </a:solidFill>
+              </a:rPr>
+              <a:t> </a:t>
+            </a:r>
+            <a:r>
+              <a:rPr lang="en-US" altLang="ko-KR" sz="2000">
+                <a:solidFill>
+                  <a:schemeClr val="dk1"/>
+                </a:solidFill>
+              </a:rPr>
+              <a:t>-</a:t>
+            </a:r>
+            <a:r>
+              <a:rPr lang="ko-KR" altLang="en-US" sz="2000">
+                <a:solidFill>
+                  <a:schemeClr val="dk1"/>
+                </a:solidFill>
+              </a:rPr>
+              <a:t> 달력 화면</a:t>
+            </a:r>
+            <a:endParaRPr lang="ko-KR" altLang="en-US" sz="2000">
+              <a:solidFill>
+                <a:schemeClr val="dk1"/>
+              </a:solidFill>
+            </a:endParaRPr>
+          </a:p>
+          <a:p>
+            <a:pPr>
+              <a:defRPr/>
+            </a:pPr>
+            <a:r>
+              <a:rPr lang="ko-KR" altLang="en-US" sz="2000">
+                <a:solidFill>
+                  <a:schemeClr val="dk1"/>
+                </a:solidFill>
+              </a:rPr>
+              <a:t>  └ 정비 날짜를 기록할 수 있도록 다이어리 형식으로 제공해야 한다</a:t>
+            </a:r>
+            <a:r>
+              <a:rPr lang="en-US" altLang="ko-KR" sz="2000">
+                <a:solidFill>
+                  <a:schemeClr val="dk1"/>
+                </a:solidFill>
+              </a:rPr>
+              <a:t>.</a:t>
+            </a:r>
+            <a:endParaRPr lang="en-US" altLang="ko-KR" sz="2000">
+              <a:solidFill>
+                <a:schemeClr val="dk1"/>
+              </a:solidFill>
+            </a:endParaRPr>
+          </a:p>
+          <a:p>
+            <a:pPr>
+              <a:defRPr/>
+            </a:pPr>
+            <a:endParaRPr lang="ko-KR" altLang="en-US" sz="2000">
+              <a:solidFill>
+                <a:schemeClr val="dk1"/>
+              </a:solidFill>
+            </a:endParaRPr>
+          </a:p>
+          <a:p>
+            <a:pPr>
+              <a:defRPr/>
+            </a:pPr>
+            <a:r>
+              <a:rPr lang="ko-KR" altLang="en-US" sz="2000">
+                <a:solidFill>
+                  <a:schemeClr val="dk1"/>
+                </a:solidFill>
+              </a:rPr>
+              <a:t> </a:t>
+            </a:r>
+            <a:r>
+              <a:rPr lang="en-US" altLang="ko-KR" sz="2000">
+                <a:solidFill>
+                  <a:schemeClr val="dk1"/>
+                </a:solidFill>
+              </a:rPr>
+              <a:t>-</a:t>
+            </a:r>
+            <a:r>
+              <a:rPr lang="ko-KR" altLang="en-US" sz="2000">
+                <a:solidFill>
+                  <a:schemeClr val="dk1"/>
+                </a:solidFill>
+              </a:rPr>
+              <a:t> 부품 교체 예상 비용</a:t>
+            </a:r>
+            <a:endParaRPr lang="ko-KR" altLang="en-US" sz="2000">
+              <a:solidFill>
+                <a:schemeClr val="dk1"/>
+              </a:solidFill>
+            </a:endParaRPr>
+          </a:p>
+          <a:p>
+            <a:pPr>
+              <a:defRPr/>
+            </a:pPr>
+            <a:r>
+              <a:rPr lang="ko-KR" altLang="en-US" sz="2000">
+                <a:solidFill>
+                  <a:schemeClr val="dk1"/>
+                </a:solidFill>
+              </a:rPr>
+              <a:t>  └ 교체할 부품을 선택 받아야한다</a:t>
+            </a:r>
+            <a:r>
+              <a:rPr lang="en-US" altLang="ko-KR" sz="2000">
+                <a:solidFill>
+                  <a:schemeClr val="dk1"/>
+                </a:solidFill>
+              </a:rPr>
+              <a:t>.</a:t>
+            </a:r>
+            <a:endParaRPr lang="en-US" altLang="ko-KR" sz="2000">
+              <a:solidFill>
+                <a:schemeClr val="dk1"/>
+              </a:solidFill>
+            </a:endParaRPr>
+          </a:p>
+          <a:p>
+            <a:pPr>
+              <a:defRPr/>
+            </a:pPr>
+            <a:r>
+              <a:rPr lang="ko-KR" altLang="en-US" sz="2000">
+                <a:solidFill>
+                  <a:schemeClr val="dk1"/>
+                </a:solidFill>
+              </a:rPr>
+              <a:t>  └ 선택 된 부품은 값의 변조 없이 알맞은 값이 저장되어야 한다</a:t>
+            </a:r>
+            <a:r>
+              <a:rPr lang="en-US" altLang="ko-KR" sz="2000">
+                <a:solidFill>
+                  <a:schemeClr val="dk1"/>
+                </a:solidFill>
+              </a:rPr>
+              <a:t>.</a:t>
+            </a:r>
+            <a:endParaRPr lang="en-US" altLang="ko-KR" sz="2000">
+              <a:solidFill>
+                <a:schemeClr val="dk1"/>
+              </a:solidFill>
+            </a:endParaRPr>
+          </a:p>
+          <a:p>
+            <a:pPr>
+              <a:defRPr/>
+            </a:pPr>
+            <a:r>
+              <a:rPr lang="ko-KR" altLang="en-US" sz="2000">
+                <a:solidFill>
+                  <a:schemeClr val="dk1"/>
+                </a:solidFill>
+              </a:rPr>
+              <a:t>  └ 부품들의 시세변동을 지속적으로 업데이트 해야 한다</a:t>
+            </a:r>
+            <a:r>
+              <a:rPr lang="en-US" altLang="ko-KR" sz="2000">
+                <a:solidFill>
+                  <a:schemeClr val="dk1"/>
+                </a:solidFill>
+              </a:rPr>
+              <a:t>.</a:t>
+            </a:r>
+            <a:endParaRPr lang="en-US" altLang="ko-KR" sz="2000">
+              <a:solidFill>
+                <a:schemeClr val="dk1"/>
+              </a:solidFill>
+            </a:endParaRPr>
+          </a:p>
+          <a:p>
+            <a:pPr>
+              <a:defRPr/>
+            </a:pPr>
+            <a:endParaRPr lang="en-US" altLang="ko-KR" sz="2000">
+              <a:solidFill>
+                <a:schemeClr val="dk1"/>
+              </a:solidFill>
+            </a:endParaRPr>
+          </a:p>
         </p:txBody>
       </p:sp>
       <p:sp>
         <p:nvSpPr>
-          <p:cNvPr id="6" name="직사각형 9"/>
+          <p:cNvPr id="8" name="직사각형 9"/>
           <p:cNvSpPr/>
           <p:nvPr/>
         </p:nvSpPr>
@@ -7937,9 +8278,7 @@
             <a:avLst/>
           </a:prstGeom>
           <a:solidFill>
-            <a:schemeClr val="accent1">
-              <a:lumMod val="75000"/>
-            </a:schemeClr>
+            <a:schemeClr val="accent1"/>
           </a:solidFill>
           <a:ln>
             <a:noFill/>
@@ -7970,11 +8309,11 @@
             </a:pPr>
             <a:r>
               <a:rPr kumimoji="1" lang="en-US" altLang="ko-KR" sz="4800"/>
-              <a:t>2-1.</a:t>
+              <a:t>2-2.</a:t>
             </a:r>
             <a:r>
               <a:rPr kumimoji="1" lang="ko-KR" altLang="en-US" sz="4800"/>
-              <a:t> 요구사항 정의 및 분석</a:t>
+              <a:t> 요구사항 정의 및 수집</a:t>
             </a:r>
             <a:endParaRPr kumimoji="1" lang="ko-KR" altLang="en-US" sz="4800"/>
           </a:p>
@@ -7997,7 +8336,7 @@
 </file>
 
 <file path=ppt/slides/slide18.xml><?xml version="1.0" encoding="utf-8"?>
-<p:sld xmlns:a="http://schemas.openxmlformats.org/drawingml/2006/main" xmlns:r="http://schemas.openxmlformats.org/officeDocument/2006/relationships" xmlns:p="http://schemas.openxmlformats.org/presentationml/2006/main">
+<p:sld xmlns:r="http://schemas.openxmlformats.org/officeDocument/2006/relationships" xmlns:c="http://schemas.openxmlformats.org/drawingml/2006/chart" xmlns:a="http://schemas.openxmlformats.org/drawingml/2006/main" xmlns:dgm="http://schemas.openxmlformats.org/drawingml/2006/diagram" xmlns:dsp="http://schemas.microsoft.com/office/drawing/2008/diagram" xmlns:p="http://schemas.openxmlformats.org/presentationml/2006/main">
   <p:cSld>
     <p:spTree>
       <p:nvGrpSpPr>
@@ -8015,22 +8354,613 @@
       </p:grpSpPr>
       <p:sp>
         <p:nvSpPr>
-          <p:cNvPr id="10" name="직사각형 9"/>
+          <p:cNvPr id="5" name=""/>
           <p:cNvSpPr/>
           <p:nvPr/>
         </p:nvSpPr>
         <p:spPr>
           <a:xfrm>
-            <a:off x="-1" y="2398426"/>
+            <a:off x="0" y="1367936"/>
+            <a:ext cx="12192000" cy="5480538"/>
+          </a:xfrm>
+          <a:prstGeom prst="rect">
+            <a:avLst/>
+          </a:prstGeom>
+          <a:noFill/>
+          <a:ln>
+            <a:noFill/>
+          </a:ln>
+        </p:spPr>
+        <p:style>
+          <a:lnRef idx="2">
+            <a:schemeClr val="accent1">
+              <a:shade val="20000"/>
+            </a:schemeClr>
+          </a:lnRef>
+          <a:fillRef idx="1">
+            <a:schemeClr val="accent1"/>
+          </a:fillRef>
+          <a:effectRef idx="0">
+            <a:schemeClr val="accent1"/>
+          </a:effectRef>
+          <a:fontRef idx="minor">
+            <a:schemeClr val="lt1"/>
+          </a:fontRef>
+        </p:style>
+        <p:txBody>
+          <a:bodyPr anchor="ctr"/>
+          <a:p>
+            <a:pPr>
+              <a:defRPr/>
+            </a:pPr>
+            <a:endParaRPr lang="en-US" altLang="ko-KR" sz="2000">
+              <a:solidFill>
+                <a:schemeClr val="dk1"/>
+              </a:solidFill>
+            </a:endParaRPr>
+          </a:p>
+          <a:p>
+            <a:pPr marL="0" indent="0" algn="l" defTabSz="914400" rtl="0" eaLnBrk="1" latinLnBrk="1" hangingPunct="1">
+              <a:lnSpc>
+                <a:spcPct val="100000"/>
+              </a:lnSpc>
+              <a:spcBef>
+                <a:spcPct val="0"/>
+              </a:spcBef>
+              <a:spcAft>
+                <a:spcPts val="0"/>
+              </a:spcAft>
+              <a:buNone/>
+              <a:defRPr/>
+            </a:pPr>
+            <a:r>
+              <a:rPr lang="ko-KR" altLang="en-US" sz="2000">
+                <a:solidFill>
+                  <a:schemeClr val="dk1"/>
+                </a:solidFill>
+              </a:rPr>
+              <a:t> </a:t>
+            </a:r>
+            <a:r>
+              <a:rPr lang="en-US" altLang="ko-KR" sz="2000">
+                <a:solidFill>
+                  <a:schemeClr val="dk1"/>
+                </a:solidFill>
+              </a:rPr>
+              <a:t>-</a:t>
+            </a:r>
+            <a:r>
+              <a:rPr lang="ko-KR" altLang="en-US" sz="2000">
+                <a:solidFill>
+                  <a:schemeClr val="dk1"/>
+                </a:solidFill>
+              </a:rPr>
+              <a:t> 게시판 개설</a:t>
+            </a:r>
+            <a:endParaRPr lang="ko-KR" altLang="en-US" sz="2000">
+              <a:solidFill>
+                <a:schemeClr val="dk1"/>
+              </a:solidFill>
+            </a:endParaRPr>
+          </a:p>
+          <a:p>
+            <a:pPr>
+              <a:defRPr/>
+            </a:pPr>
+            <a:r>
+              <a:rPr lang="ko-KR" altLang="en-US" sz="2000">
+                <a:solidFill>
+                  <a:schemeClr val="dk1"/>
+                </a:solidFill>
+              </a:rPr>
+              <a:t>  └ 게시판을 이용하기 위해서는 로그인을 해야 한다</a:t>
+            </a:r>
+            <a:r>
+              <a:rPr lang="en-US" altLang="ko-KR" sz="2000">
+                <a:solidFill>
+                  <a:schemeClr val="dk1"/>
+                </a:solidFill>
+              </a:rPr>
+              <a:t>.</a:t>
+            </a:r>
+            <a:endParaRPr lang="en-US" altLang="ko-KR" sz="2000">
+              <a:solidFill>
+                <a:schemeClr val="dk1"/>
+              </a:solidFill>
+            </a:endParaRPr>
+          </a:p>
+          <a:p>
+            <a:pPr>
+              <a:defRPr/>
+            </a:pPr>
+            <a:r>
+              <a:rPr lang="ko-KR" altLang="en-US" sz="2000">
+                <a:solidFill>
+                  <a:schemeClr val="dk1"/>
+                </a:solidFill>
+              </a:rPr>
+              <a:t>  └ 게시판의 글을 삭제하거나 올리기 위한 </a:t>
+            </a:r>
+            <a:r>
+              <a:rPr lang="en-US" altLang="ko-KR" sz="2000">
+                <a:solidFill>
+                  <a:schemeClr val="dk1"/>
+                </a:solidFill>
+              </a:rPr>
+              <a:t>‘</a:t>
+            </a:r>
+            <a:r>
+              <a:rPr lang="ko-KR" altLang="en-US" sz="2000">
+                <a:solidFill>
+                  <a:schemeClr val="dk1"/>
+                </a:solidFill>
+              </a:rPr>
+              <a:t>글쓰기</a:t>
+            </a:r>
+            <a:r>
+              <a:rPr lang="en-US" altLang="ko-KR" sz="2000">
+                <a:solidFill>
+                  <a:schemeClr val="dk1"/>
+                </a:solidFill>
+              </a:rPr>
+              <a:t>’</a:t>
+            </a:r>
+            <a:r>
+              <a:rPr lang="ko-KR" altLang="en-US" sz="2000">
+                <a:solidFill>
+                  <a:schemeClr val="dk1"/>
+                </a:solidFill>
+              </a:rPr>
+              <a:t>버튼과 </a:t>
+            </a:r>
+            <a:r>
+              <a:rPr lang="en-US" altLang="ko-KR" sz="2000">
+                <a:solidFill>
+                  <a:schemeClr val="dk1"/>
+                </a:solidFill>
+              </a:rPr>
+              <a:t>“</a:t>
+            </a:r>
+            <a:r>
+              <a:rPr lang="ko-KR" altLang="en-US" sz="2000">
+                <a:solidFill>
+                  <a:schemeClr val="dk1"/>
+                </a:solidFill>
+              </a:rPr>
+              <a:t>글 삭제</a:t>
+            </a:r>
+            <a:r>
+              <a:rPr lang="en-US" altLang="ko-KR" sz="2000">
+                <a:solidFill>
+                  <a:schemeClr val="dk1"/>
+                </a:solidFill>
+              </a:rPr>
+              <a:t>”</a:t>
+            </a:r>
+            <a:r>
+              <a:rPr lang="ko-KR" altLang="en-US" sz="2000">
+                <a:solidFill>
+                  <a:schemeClr val="dk1"/>
+                </a:solidFill>
+              </a:rPr>
+              <a:t> 버튼이 있어야 한다</a:t>
+            </a:r>
+            <a:r>
+              <a:rPr lang="en-US" altLang="ko-KR" sz="2000">
+                <a:solidFill>
+                  <a:schemeClr val="dk1"/>
+                </a:solidFill>
+              </a:rPr>
+              <a:t>.</a:t>
+            </a:r>
+            <a:endParaRPr lang="en-US" altLang="ko-KR" sz="2000">
+              <a:solidFill>
+                <a:schemeClr val="dk1"/>
+              </a:solidFill>
+            </a:endParaRPr>
+          </a:p>
+          <a:p>
+            <a:pPr>
+              <a:defRPr/>
+            </a:pPr>
+            <a:r>
+              <a:rPr lang="ko-KR" altLang="en-US" sz="2000">
+                <a:solidFill>
+                  <a:schemeClr val="dk1"/>
+                </a:solidFill>
+              </a:rPr>
+              <a:t>  └ 게시판의 글들은 페이지당 </a:t>
+            </a:r>
+            <a:r>
+              <a:rPr lang="en-US" altLang="ko-KR" sz="2000">
+                <a:solidFill>
+                  <a:schemeClr val="dk1"/>
+                </a:solidFill>
+              </a:rPr>
+              <a:t>20</a:t>
+            </a:r>
+            <a:r>
+              <a:rPr lang="ko-KR" altLang="en-US" sz="2000">
+                <a:solidFill>
+                  <a:schemeClr val="dk1"/>
+                </a:solidFill>
+              </a:rPr>
+              <a:t>개씩 보여주어야 한다</a:t>
+            </a:r>
+            <a:r>
+              <a:rPr lang="en-US" altLang="ko-KR" sz="2000">
+                <a:solidFill>
+                  <a:schemeClr val="dk1"/>
+                </a:solidFill>
+              </a:rPr>
+              <a:t>.</a:t>
+            </a:r>
+            <a:endParaRPr lang="en-US" altLang="ko-KR" sz="2000">
+              <a:solidFill>
+                <a:schemeClr val="dk1"/>
+              </a:solidFill>
+            </a:endParaRPr>
+          </a:p>
+          <a:p>
+            <a:pPr>
+              <a:defRPr/>
+            </a:pPr>
+            <a:endParaRPr lang="ko-KR" altLang="en-US" sz="2000">
+              <a:solidFill>
+                <a:schemeClr val="dk1"/>
+              </a:solidFill>
+            </a:endParaRPr>
+          </a:p>
+          <a:p>
+            <a:pPr marL="0" indent="0" algn="l" defTabSz="914400" rtl="0" eaLnBrk="1" latinLnBrk="1" hangingPunct="1">
+              <a:lnSpc>
+                <a:spcPct val="100000"/>
+              </a:lnSpc>
+              <a:spcBef>
+                <a:spcPct val="0"/>
+              </a:spcBef>
+              <a:spcAft>
+                <a:spcPts val="0"/>
+              </a:spcAft>
+              <a:buNone/>
+              <a:defRPr/>
+            </a:pPr>
+            <a:r>
+              <a:rPr lang="ko-KR" altLang="en-US" sz="2000">
+                <a:solidFill>
+                  <a:schemeClr val="dk1"/>
+                </a:solidFill>
+              </a:rPr>
+              <a:t> </a:t>
+            </a:r>
+            <a:r>
+              <a:rPr lang="en-US" altLang="ko-KR" sz="2000">
+                <a:solidFill>
+                  <a:schemeClr val="dk1"/>
+                </a:solidFill>
+              </a:rPr>
+              <a:t>-</a:t>
+            </a:r>
+            <a:r>
+              <a:rPr lang="ko-KR" altLang="en-US" sz="2000">
+                <a:solidFill>
+                  <a:schemeClr val="dk1"/>
+                </a:solidFill>
+              </a:rPr>
+              <a:t> 채팅창 개설</a:t>
+            </a:r>
+            <a:endParaRPr lang="ko-KR" altLang="en-US" sz="2000">
+              <a:solidFill>
+                <a:schemeClr val="dk1"/>
+              </a:solidFill>
+            </a:endParaRPr>
+          </a:p>
+          <a:p>
+            <a:pPr>
+              <a:defRPr/>
+            </a:pPr>
+            <a:r>
+              <a:rPr lang="ko-KR" altLang="en-US" sz="2000">
+                <a:solidFill>
+                  <a:schemeClr val="dk1"/>
+                </a:solidFill>
+              </a:rPr>
+              <a:t>  └ 채팅방 및 게시판에 들어가기 위해서는 로그인을 해야 한다</a:t>
+            </a:r>
+            <a:r>
+              <a:rPr lang="en-US" altLang="ko-KR" sz="2000">
+                <a:solidFill>
+                  <a:schemeClr val="dk1"/>
+                </a:solidFill>
+              </a:rPr>
+              <a:t>.</a:t>
+            </a:r>
+            <a:endParaRPr lang="en-US" altLang="ko-KR" sz="2000">
+              <a:solidFill>
+                <a:schemeClr val="dk1"/>
+              </a:solidFill>
+            </a:endParaRPr>
+          </a:p>
+          <a:p>
+            <a:pPr>
+              <a:defRPr/>
+            </a:pPr>
+            <a:r>
+              <a:rPr lang="ko-KR" altLang="en-US" sz="2000">
+                <a:solidFill>
+                  <a:schemeClr val="dk1"/>
+                </a:solidFill>
+              </a:rPr>
+              <a:t>  └ 로그인 화면을 들어가게 되면 아이디와 비밀번호의 입력 창</a:t>
+            </a:r>
+            <a:r>
+              <a:rPr lang="en-US" altLang="ko-KR" sz="2000">
+                <a:solidFill>
+                  <a:schemeClr val="dk1"/>
+                </a:solidFill>
+              </a:rPr>
+              <a:t>,</a:t>
+            </a:r>
+            <a:r>
+              <a:rPr lang="ko-KR" altLang="en-US" sz="2000">
+                <a:solidFill>
+                  <a:schemeClr val="dk1"/>
+                </a:solidFill>
+              </a:rPr>
+              <a:t> 회원가입 버튼과 로그인 버튼이 나와야 한다</a:t>
+            </a:r>
+            <a:r>
+              <a:rPr lang="en-US" altLang="ko-KR" sz="2000">
+                <a:solidFill>
+                  <a:schemeClr val="dk1"/>
+                </a:solidFill>
+              </a:rPr>
+              <a:t>.</a:t>
+            </a:r>
+            <a:endParaRPr lang="en-US" altLang="ko-KR" sz="2000">
+              <a:solidFill>
+                <a:schemeClr val="dk1"/>
+              </a:solidFill>
+            </a:endParaRPr>
+          </a:p>
+          <a:p>
+            <a:pPr>
+              <a:defRPr/>
+            </a:pPr>
+            <a:endParaRPr lang="en-US" altLang="ko-KR" sz="2000">
+              <a:solidFill>
+                <a:schemeClr val="dk1"/>
+              </a:solidFill>
+            </a:endParaRPr>
+          </a:p>
+          <a:p>
+            <a:pPr>
+              <a:defRPr/>
+            </a:pPr>
+            <a:r>
+              <a:rPr lang="ko-KR" altLang="en-US" sz="2000">
+                <a:solidFill>
+                  <a:schemeClr val="dk1"/>
+                </a:solidFill>
+              </a:rPr>
+              <a:t>주행 거리별 </a:t>
+            </a:r>
+            <a:r>
+              <a:rPr lang="en-US" altLang="ko-KR" sz="2000">
+                <a:solidFill>
+                  <a:schemeClr val="dk1"/>
+                </a:solidFill>
+              </a:rPr>
+              <a:t>check list</a:t>
+            </a:r>
+            <a:endParaRPr lang="en-US" altLang="ko-KR" sz="2000">
+              <a:solidFill>
+                <a:schemeClr val="dk1"/>
+              </a:solidFill>
+            </a:endParaRPr>
+          </a:p>
+          <a:p>
+            <a:pPr>
+              <a:defRPr/>
+            </a:pPr>
+            <a:r>
+              <a:rPr lang="en-US" altLang="ko-KR" sz="2000">
+                <a:solidFill>
+                  <a:schemeClr val="dk1"/>
+                </a:solidFill>
+              </a:rPr>
+              <a:t> - </a:t>
+            </a:r>
+            <a:r>
+              <a:rPr lang="ko-KR" altLang="en-US" sz="2000">
+                <a:solidFill>
+                  <a:schemeClr val="dk1"/>
+                </a:solidFill>
+              </a:rPr>
+              <a:t>아이콘을 활용하여 한 눈에 확인하기 쉬워야 한다</a:t>
+            </a:r>
+            <a:r>
+              <a:rPr lang="en-US" altLang="ko-KR" sz="2000">
+                <a:solidFill>
+                  <a:schemeClr val="dk1"/>
+                </a:solidFill>
+              </a:rPr>
+              <a:t>.</a:t>
+            </a:r>
+            <a:endParaRPr lang="en-US" altLang="ko-KR" sz="2000">
+              <a:solidFill>
+                <a:schemeClr val="dk1"/>
+              </a:solidFill>
+            </a:endParaRPr>
+          </a:p>
+          <a:p>
+            <a:pPr>
+              <a:defRPr/>
+            </a:pPr>
+            <a:r>
+              <a:rPr lang="ko-KR" altLang="en-US" sz="2000">
+                <a:solidFill>
+                  <a:schemeClr val="dk1"/>
+                </a:solidFill>
+              </a:rPr>
+              <a:t> </a:t>
+            </a:r>
+            <a:r>
+              <a:rPr lang="en-US" altLang="ko-KR" sz="2000">
+                <a:solidFill>
+                  <a:schemeClr val="dk1"/>
+                </a:solidFill>
+              </a:rPr>
+              <a:t>-</a:t>
+            </a:r>
+            <a:r>
+              <a:rPr lang="ko-KR" altLang="en-US" sz="2000">
+                <a:solidFill>
+                  <a:schemeClr val="dk1"/>
+                </a:solidFill>
+              </a:rPr>
+              <a:t> 주행 거리 정보를 받아 </a:t>
+            </a:r>
+            <a:endParaRPr lang="ko-KR" altLang="en-US" sz="2000">
+              <a:solidFill>
+                <a:schemeClr val="dk1"/>
+              </a:solidFill>
+            </a:endParaRPr>
+          </a:p>
+          <a:p>
+            <a:pPr>
+              <a:defRPr/>
+            </a:pPr>
+            <a:endParaRPr lang="en-US" altLang="ko-KR" sz="2000">
+              <a:solidFill>
+                <a:schemeClr val="dk1"/>
+              </a:solidFill>
+            </a:endParaRPr>
+          </a:p>
+          <a:p>
+            <a:pPr>
+              <a:defRPr/>
+            </a:pPr>
+            <a:r>
+              <a:rPr lang="ko-KR" altLang="en-US" sz="2000">
+                <a:solidFill>
+                  <a:schemeClr val="dk1"/>
+                </a:solidFill>
+              </a:rPr>
+              <a:t> </a:t>
+            </a:r>
+            <a:r>
+              <a:rPr lang="en-US" altLang="ko-KR" sz="2000">
+                <a:solidFill>
+                  <a:schemeClr val="dk1"/>
+                </a:solidFill>
+              </a:rPr>
+              <a:t>-</a:t>
+            </a:r>
+            <a:r>
+              <a:rPr lang="ko-KR" altLang="en-US" sz="2000">
+                <a:solidFill>
+                  <a:schemeClr val="dk1"/>
+                </a:solidFill>
+              </a:rPr>
+              <a:t> 정비소 지도정보</a:t>
+            </a:r>
+            <a:endParaRPr lang="ko-KR" altLang="en-US" sz="2000">
+              <a:solidFill>
+                <a:schemeClr val="dk1"/>
+              </a:solidFill>
+            </a:endParaRPr>
+          </a:p>
+          <a:p>
+            <a:pPr>
+              <a:defRPr/>
+            </a:pPr>
+            <a:r>
+              <a:rPr lang="ko-KR" altLang="en-US" sz="2000">
+                <a:solidFill>
+                  <a:schemeClr val="dk1"/>
+                </a:solidFill>
+              </a:rPr>
+              <a:t>  └ 정확한 위치의 지도 정보를 받아와야 한다</a:t>
+            </a:r>
+            <a:r>
+              <a:rPr lang="en-US" altLang="ko-KR" sz="2000">
+                <a:solidFill>
+                  <a:schemeClr val="dk1"/>
+                </a:solidFill>
+              </a:rPr>
+              <a:t>.</a:t>
+            </a:r>
+            <a:endParaRPr lang="en-US" altLang="ko-KR" sz="2000">
+              <a:solidFill>
+                <a:schemeClr val="dk1"/>
+              </a:solidFill>
+            </a:endParaRPr>
+          </a:p>
+          <a:p>
+            <a:pPr>
+              <a:defRPr/>
+            </a:pPr>
+            <a:r>
+              <a:rPr lang="ko-KR" altLang="en-US" sz="2000">
+                <a:solidFill>
+                  <a:schemeClr val="dk1"/>
+                </a:solidFill>
+              </a:rPr>
+              <a:t>  └ 사라지거나 위치가 바뀐 정보를 수시로 업데이트 해야 한다</a:t>
+            </a:r>
+            <a:r>
+              <a:rPr lang="en-US" altLang="ko-KR" sz="2000">
+                <a:solidFill>
+                  <a:schemeClr val="dk1"/>
+                </a:solidFill>
+              </a:rPr>
+              <a:t>.</a:t>
+            </a:r>
+            <a:endParaRPr lang="en-US" altLang="ko-KR" sz="2000">
+              <a:solidFill>
+                <a:schemeClr val="dk1"/>
+              </a:solidFill>
+            </a:endParaRPr>
+          </a:p>
+          <a:p>
+            <a:pPr>
+              <a:defRPr/>
+            </a:pPr>
+            <a:endParaRPr lang="en-US" altLang="ko-KR" sz="2000">
+              <a:solidFill>
+                <a:schemeClr val="dk1"/>
+              </a:solidFill>
+            </a:endParaRPr>
+          </a:p>
+          <a:p>
+            <a:pPr>
+              <a:defRPr/>
+            </a:pPr>
+            <a:endParaRPr lang="en-US" altLang="ko-KR" sz="2000">
+              <a:solidFill>
+                <a:schemeClr val="dk1"/>
+              </a:solidFill>
+            </a:endParaRPr>
+          </a:p>
+        </p:txBody>
+      </p:sp>
+      <p:sp>
+        <p:nvSpPr>
+          <p:cNvPr id="8" name="직사각형 9"/>
+          <p:cNvSpPr/>
+          <p:nvPr/>
+        </p:nvSpPr>
+        <p:spPr>
+          <a:xfrm>
+            <a:off x="0" y="0"/>
             <a:ext cx="12192001" cy="1338109"/>
           </a:xfrm>
           <a:prstGeom prst="rect">
             <a:avLst/>
           </a:prstGeom>
           <a:solidFill>
-            <a:schemeClr val="accent1">
-              <a:lumMod val="75000"/>
-            </a:schemeClr>
+            <a:schemeClr val="accent1"/>
           </a:solidFill>
           <a:ln>
             <a:noFill/>
@@ -8053,224 +8983,37 @@
           </a:fontRef>
         </p:style>
         <p:txBody>
-          <a:bodyPr rtlCol="0" anchor="ctr"/>
+          <a:bodyPr anchor="ctr"/>
           <a:lstStyle/>
           <a:p>
-            <a:pPr algn="ctr"/>
-            <a:endParaRPr kumimoji="1" lang="ko-KR" altLang="en-US" dirty="0"/>
-          </a:p>
-        </p:txBody>
-      </p:sp>
-      <p:sp>
-        <p:nvSpPr>
-          <p:cNvPr id="12" name="부제목 2"/>
-          <p:cNvSpPr txBox="1">
-            <a:spLocks/>
-          </p:cNvSpPr>
-          <p:nvPr/>
-        </p:nvSpPr>
-        <p:spPr>
-          <a:xfrm>
-            <a:off x="1" y="2608234"/>
-            <a:ext cx="12192000" cy="754314"/>
-          </a:xfrm>
-          <a:prstGeom prst="rect">
-            <a:avLst/>
-          </a:prstGeom>
-        </p:spPr>
-        <p:txBody>
-          <a:bodyPr vert="horz" lIns="91440" tIns="45720" rIns="91440" bIns="45720" rtlCol="0" anchor="ctr">
-            <a:noAutofit/>
-          </a:bodyPr>
-          <a:lstStyle>
-            <a:lvl1pPr marL="0" indent="0" algn="ctr" defTabSz="914423" rtl="0" eaLnBrk="1" latinLnBrk="1" hangingPunct="1">
-              <a:lnSpc>
-                <a:spcPct val="90000"/>
-              </a:lnSpc>
-              <a:spcBef>
-                <a:spcPts val="1001"/>
-              </a:spcBef>
-              <a:buFont typeface="Arial"/>
-              <a:buNone/>
-              <a:defRPr sz="2400" kern="1200">
-                <a:solidFill>
-                  <a:schemeClr val="tx1"/>
-                </a:solidFill>
-                <a:latin typeface="+mn-lt"/>
-                <a:ea typeface="+mn-ea"/>
-                <a:cs typeface="+mn-cs"/>
-              </a:defRPr>
-            </a:lvl1pPr>
-            <a:lvl2pPr marL="457211" indent="0" algn="ctr" defTabSz="914423" rtl="0" eaLnBrk="1" latinLnBrk="1" hangingPunct="1">
-              <a:lnSpc>
-                <a:spcPct val="90000"/>
-              </a:lnSpc>
-              <a:spcBef>
-                <a:spcPts val="500"/>
-              </a:spcBef>
-              <a:buFont typeface="Arial"/>
-              <a:buNone/>
-              <a:defRPr sz="2000" kern="1200">
-                <a:solidFill>
-                  <a:schemeClr val="tx1"/>
-                </a:solidFill>
-                <a:latin typeface="+mn-lt"/>
-                <a:ea typeface="+mn-ea"/>
-                <a:cs typeface="+mn-cs"/>
-              </a:defRPr>
-            </a:lvl2pPr>
-            <a:lvl3pPr marL="914423" indent="0" algn="ctr" defTabSz="914423" rtl="0" eaLnBrk="1" latinLnBrk="1" hangingPunct="1">
-              <a:lnSpc>
-                <a:spcPct val="90000"/>
-              </a:lnSpc>
-              <a:spcBef>
-                <a:spcPts val="500"/>
-              </a:spcBef>
-              <a:buFont typeface="Arial"/>
-              <a:buNone/>
-              <a:defRPr sz="1801" kern="1200">
-                <a:solidFill>
-                  <a:schemeClr val="tx1"/>
-                </a:solidFill>
-                <a:latin typeface="+mn-lt"/>
-                <a:ea typeface="+mn-ea"/>
-                <a:cs typeface="+mn-cs"/>
-              </a:defRPr>
-            </a:lvl3pPr>
-            <a:lvl4pPr marL="1371634" indent="0" algn="ctr" defTabSz="914423" rtl="0" eaLnBrk="1" latinLnBrk="1" hangingPunct="1">
-              <a:lnSpc>
-                <a:spcPct val="90000"/>
-              </a:lnSpc>
-              <a:spcBef>
-                <a:spcPts val="500"/>
-              </a:spcBef>
-              <a:buFont typeface="Arial"/>
-              <a:buNone/>
-              <a:defRPr sz="1600" kern="1200">
-                <a:solidFill>
-                  <a:schemeClr val="tx1"/>
-                </a:solidFill>
-                <a:latin typeface="+mn-lt"/>
-                <a:ea typeface="+mn-ea"/>
-                <a:cs typeface="+mn-cs"/>
-              </a:defRPr>
-            </a:lvl4pPr>
-            <a:lvl5pPr marL="1828846" indent="0" algn="ctr" defTabSz="914423" rtl="0" eaLnBrk="1" latinLnBrk="1" hangingPunct="1">
-              <a:lnSpc>
-                <a:spcPct val="90000"/>
-              </a:lnSpc>
-              <a:spcBef>
-                <a:spcPts val="500"/>
-              </a:spcBef>
-              <a:buFont typeface="Arial"/>
-              <a:buNone/>
-              <a:defRPr sz="1600" kern="1200">
-                <a:solidFill>
-                  <a:schemeClr val="tx1"/>
-                </a:solidFill>
-                <a:latin typeface="+mn-lt"/>
-                <a:ea typeface="+mn-ea"/>
-                <a:cs typeface="+mn-cs"/>
-              </a:defRPr>
-            </a:lvl5pPr>
-            <a:lvl6pPr marL="2286057" indent="0" algn="ctr" defTabSz="914423" rtl="0" eaLnBrk="1" latinLnBrk="1" hangingPunct="1">
-              <a:lnSpc>
-                <a:spcPct val="90000"/>
-              </a:lnSpc>
-              <a:spcBef>
-                <a:spcPts val="500"/>
-              </a:spcBef>
-              <a:buFont typeface="Arial"/>
-              <a:buNone/>
-              <a:defRPr sz="1600" kern="1200">
-                <a:solidFill>
-                  <a:schemeClr val="tx1"/>
-                </a:solidFill>
-                <a:latin typeface="+mn-lt"/>
-                <a:ea typeface="+mn-ea"/>
-                <a:cs typeface="+mn-cs"/>
-              </a:defRPr>
-            </a:lvl6pPr>
-            <a:lvl7pPr marL="2743269" indent="0" algn="ctr" defTabSz="914423" rtl="0" eaLnBrk="1" latinLnBrk="1" hangingPunct="1">
-              <a:lnSpc>
-                <a:spcPct val="90000"/>
-              </a:lnSpc>
-              <a:spcBef>
-                <a:spcPts val="500"/>
-              </a:spcBef>
-              <a:buFont typeface="Arial"/>
-              <a:buNone/>
-              <a:defRPr sz="1600" kern="1200">
-                <a:solidFill>
-                  <a:schemeClr val="tx1"/>
-                </a:solidFill>
-                <a:latin typeface="+mn-lt"/>
-                <a:ea typeface="+mn-ea"/>
-                <a:cs typeface="+mn-cs"/>
-              </a:defRPr>
-            </a:lvl7pPr>
-            <a:lvl8pPr marL="3200480" indent="0" algn="ctr" defTabSz="914423" rtl="0" eaLnBrk="1" latinLnBrk="1" hangingPunct="1">
-              <a:lnSpc>
-                <a:spcPct val="90000"/>
-              </a:lnSpc>
-              <a:spcBef>
-                <a:spcPts val="500"/>
-              </a:spcBef>
-              <a:buFont typeface="Arial"/>
-              <a:buNone/>
-              <a:defRPr sz="1600" kern="1200">
-                <a:solidFill>
-                  <a:schemeClr val="tx1"/>
-                </a:solidFill>
-                <a:latin typeface="+mn-lt"/>
-                <a:ea typeface="+mn-ea"/>
-                <a:cs typeface="+mn-cs"/>
-              </a:defRPr>
-            </a:lvl8pPr>
-            <a:lvl9pPr marL="3657691" indent="0" algn="ctr" defTabSz="914423" rtl="0" eaLnBrk="1" latinLnBrk="1" hangingPunct="1">
-              <a:lnSpc>
-                <a:spcPct val="90000"/>
-              </a:lnSpc>
-              <a:spcBef>
-                <a:spcPts val="500"/>
-              </a:spcBef>
-              <a:buFont typeface="Arial"/>
-              <a:buNone/>
-              <a:defRPr sz="1600" kern="1200">
-                <a:solidFill>
-                  <a:schemeClr val="tx1"/>
-                </a:solidFill>
-                <a:latin typeface="+mn-lt"/>
-                <a:ea typeface="+mn-ea"/>
-                <a:cs typeface="+mn-cs"/>
-              </a:defRPr>
-            </a:lvl9pPr>
-          </a:lstStyle>
-          <a:p>
-            <a:r>
-              <a:rPr lang="ko-KR" altLang="en-US" sz="4800" dirty="0">
-                <a:solidFill>
-                  <a:schemeClr val="bg1"/>
-                </a:solidFill>
-                <a:latin typeface="+mj-lt"/>
-                <a:ea typeface="맑은 고딕" charset="-127"/>
-                <a:cs typeface="맑은 고딕" charset="-127"/>
-              </a:rPr>
-              <a:t>계획 및 일정 수립</a:t>
-            </a:r>
+            <a:pPr>
+              <a:defRPr/>
+            </a:pPr>
+            <a:r>
+              <a:rPr kumimoji="1" lang="en-US" altLang="ko-KR" sz="4800"/>
+              <a:t>2-2.</a:t>
+            </a:r>
+            <a:r>
+              <a:rPr kumimoji="1" lang="ko-KR" altLang="en-US" sz="4800"/>
+              <a:t> 요구사항 정의 및 수집</a:t>
+            </a:r>
+            <a:endParaRPr kumimoji="1" lang="ko-KR" altLang="en-US" sz="4800"/>
           </a:p>
         </p:txBody>
       </p:sp>
     </p:spTree>
-    <p:extLst>
-      <p:ext uri="{BB962C8B-B14F-4D97-AF65-F5344CB8AC3E}">
-        <p14:creationId xmlns:p14="http://schemas.microsoft.com/office/powerpoint/2010/main" val="641642769"/>
-      </p:ext>
-    </p:extLst>
   </p:cSld>
   <p:clrMapOvr>
     <a:masterClrMapping/>
   </p:clrMapOvr>
+  <mc:AlternateContent xmlns:mc="http://schemas.openxmlformats.org/markup-compatibility/2006">
+    <mc:Choice xmlns:p14="http://schemas.microsoft.com/office/powerpoint/2010/main" Requires="p14">
+      <p:transition xmlns:mc="http://schemas.openxmlformats.org/markup-compatibility/2006" xmlns:p14="http://schemas.microsoft.com/office/powerpoint/2010/main" mc:Ignorable="p14" p14:dur="500"/>
+    </mc:Choice>
+    <mc:Fallback>
+      <p:transition/>
+    </mc:Fallback>
+  </mc:AlternateContent>
 </p:sld>
 </file>
 
@@ -8291,6 +9034,431 @@
           <a:chExt cx="0" cy="0"/>
         </a:xfrm>
       </p:grpSpPr>
+      <p:sp>
+        <p:nvSpPr>
+          <p:cNvPr id="5" name=""/>
+          <p:cNvSpPr/>
+          <p:nvPr/>
+        </p:nvSpPr>
+        <p:spPr>
+          <a:xfrm>
+            <a:off x="0" y="1367936"/>
+            <a:ext cx="12192000" cy="5480538"/>
+          </a:xfrm>
+          <a:prstGeom prst="rect">
+            <a:avLst/>
+          </a:prstGeom>
+          <a:noFill/>
+          <a:ln>
+            <a:noFill/>
+          </a:ln>
+        </p:spPr>
+        <p:style>
+          <a:lnRef idx="2">
+            <a:schemeClr val="accent1">
+              <a:shade val="20000"/>
+            </a:schemeClr>
+          </a:lnRef>
+          <a:fillRef idx="1">
+            <a:schemeClr val="accent1"/>
+          </a:fillRef>
+          <a:effectRef idx="0">
+            <a:schemeClr val="accent1"/>
+          </a:effectRef>
+          <a:fontRef idx="minor">
+            <a:schemeClr val="lt1"/>
+          </a:fontRef>
+        </p:style>
+        <p:txBody>
+          <a:bodyPr anchor="ctr"/>
+          <a:p>
+            <a:pPr>
+              <a:defRPr/>
+            </a:pPr>
+            <a:r>
+              <a:rPr lang="ko-KR" altLang="en-US" sz="2000">
+                <a:solidFill>
+                  <a:schemeClr val="dk1"/>
+                </a:solidFill>
+              </a:rPr>
+              <a:t>비기능적 요구사항</a:t>
+            </a:r>
+            <a:r>
+              <a:rPr lang="en-US" altLang="ko-KR" sz="2000">
+                <a:solidFill>
+                  <a:schemeClr val="dk1"/>
+                </a:solidFill>
+              </a:rPr>
+              <a:t>(Non-functional Requirements)</a:t>
+            </a:r>
+            <a:endParaRPr lang="en-US" altLang="ko-KR" sz="2000">
+              <a:solidFill>
+                <a:schemeClr val="dk1"/>
+              </a:solidFill>
+            </a:endParaRPr>
+          </a:p>
+          <a:p>
+            <a:pPr>
+              <a:defRPr/>
+            </a:pPr>
+            <a:r>
+              <a:rPr lang="ko-KR" altLang="en-US" sz="2000">
+                <a:solidFill>
+                  <a:schemeClr val="dk1"/>
+                </a:solidFill>
+              </a:rPr>
+              <a:t> </a:t>
+            </a:r>
+            <a:r>
+              <a:rPr lang="en-US" altLang="ko-KR" sz="2000">
+                <a:solidFill>
+                  <a:schemeClr val="dk1"/>
+                </a:solidFill>
+              </a:rPr>
+              <a:t>-</a:t>
+            </a:r>
+            <a:r>
+              <a:rPr lang="ko-KR" altLang="en-US" sz="2000">
+                <a:solidFill>
+                  <a:schemeClr val="dk1"/>
+                </a:solidFill>
+              </a:rPr>
+              <a:t> 무결성</a:t>
+            </a:r>
+            <a:endParaRPr lang="ko-KR" altLang="en-US" sz="2000">
+              <a:solidFill>
+                <a:schemeClr val="dk1"/>
+              </a:solidFill>
+            </a:endParaRPr>
+          </a:p>
+          <a:p>
+            <a:pPr>
+              <a:defRPr/>
+            </a:pPr>
+            <a:r>
+              <a:rPr lang="ko-KR" altLang="en-US" sz="2000">
+                <a:solidFill>
+                  <a:schemeClr val="dk1"/>
+                </a:solidFill>
+              </a:rPr>
+              <a:t>  └ </a:t>
+            </a:r>
+            <a:r>
+              <a:rPr lang="en-US" altLang="ko-KR" sz="2000">
+                <a:solidFill>
+                  <a:schemeClr val="dk1"/>
+                </a:solidFill>
+              </a:rPr>
+              <a:t>APP</a:t>
+            </a:r>
+            <a:r>
+              <a:rPr lang="ko-KR" altLang="en-US" sz="2000">
+                <a:solidFill>
+                  <a:schemeClr val="dk1"/>
+                </a:solidFill>
+              </a:rPr>
+              <a:t> 종료시 입력된 데이터는 변조가 없어야 한다</a:t>
+            </a:r>
+            <a:r>
+              <a:rPr lang="en-US" altLang="ko-KR" sz="2000">
+                <a:solidFill>
+                  <a:schemeClr val="dk1"/>
+                </a:solidFill>
+              </a:rPr>
+              <a:t>.</a:t>
+            </a:r>
+            <a:endParaRPr lang="en-US" altLang="ko-KR" sz="2000">
+              <a:solidFill>
+                <a:schemeClr val="dk1"/>
+              </a:solidFill>
+            </a:endParaRPr>
+          </a:p>
+          <a:p>
+            <a:pPr>
+              <a:defRPr/>
+            </a:pPr>
+            <a:r>
+              <a:rPr lang="ko-KR" altLang="en-US" sz="2000">
+                <a:solidFill>
+                  <a:schemeClr val="dk1"/>
+                </a:solidFill>
+              </a:rPr>
+              <a:t>  └ 외부에서 받아오는 정보</a:t>
+            </a:r>
+            <a:r>
+              <a:rPr lang="en-US" altLang="ko-KR" sz="2000">
+                <a:solidFill>
+                  <a:schemeClr val="dk1"/>
+                </a:solidFill>
+              </a:rPr>
+              <a:t>(</a:t>
+            </a:r>
+            <a:r>
+              <a:rPr lang="ko-KR" altLang="en-US" sz="2000">
+                <a:solidFill>
+                  <a:schemeClr val="dk1"/>
+                </a:solidFill>
+              </a:rPr>
+              <a:t>지도</a:t>
+            </a:r>
+            <a:r>
+              <a:rPr lang="en-US" altLang="ko-KR" sz="2000">
+                <a:solidFill>
+                  <a:schemeClr val="dk1"/>
+                </a:solidFill>
+              </a:rPr>
+              <a:t>,</a:t>
+            </a:r>
+            <a:r>
+              <a:rPr lang="ko-KR" altLang="en-US" sz="2000">
+                <a:solidFill>
+                  <a:schemeClr val="dk1"/>
+                </a:solidFill>
+              </a:rPr>
+              <a:t> 가격 등</a:t>
+            </a:r>
+            <a:r>
+              <a:rPr lang="en-US" altLang="ko-KR" sz="2000">
+                <a:solidFill>
+                  <a:schemeClr val="dk1"/>
+                </a:solidFill>
+              </a:rPr>
+              <a:t>)</a:t>
+            </a:r>
+            <a:r>
+              <a:rPr lang="ko-KR" altLang="en-US" sz="2000">
+                <a:solidFill>
+                  <a:schemeClr val="dk1"/>
+                </a:solidFill>
+              </a:rPr>
+              <a:t>에 변조가 없어야 한다</a:t>
+            </a:r>
+            <a:r>
+              <a:rPr lang="en-US" altLang="ko-KR" sz="2000">
+                <a:solidFill>
+                  <a:schemeClr val="dk1"/>
+                </a:solidFill>
+              </a:rPr>
+              <a:t>.</a:t>
+            </a:r>
+            <a:endParaRPr lang="en-US" altLang="ko-KR" sz="2000">
+              <a:solidFill>
+                <a:schemeClr val="dk1"/>
+              </a:solidFill>
+            </a:endParaRPr>
+          </a:p>
+          <a:p>
+            <a:pPr>
+              <a:defRPr/>
+            </a:pPr>
+            <a:r>
+              <a:rPr lang="ko-KR" altLang="en-US" sz="2000">
+                <a:solidFill>
+                  <a:schemeClr val="dk1"/>
+                </a:solidFill>
+              </a:rPr>
+              <a:t>  └ 정비 예약을 하는 과정에서 사용자가 선택한 지점과 선택된 지점의 정보가 일치해야 한다</a:t>
+            </a:r>
+            <a:r>
+              <a:rPr lang="en-US" altLang="ko-KR" sz="2000">
+                <a:solidFill>
+                  <a:schemeClr val="dk1"/>
+                </a:solidFill>
+              </a:rPr>
+              <a:t>.</a:t>
+            </a:r>
+            <a:endParaRPr lang="en-US" altLang="ko-KR" sz="2000">
+              <a:solidFill>
+                <a:schemeClr val="dk1"/>
+              </a:solidFill>
+            </a:endParaRPr>
+          </a:p>
+          <a:p>
+            <a:pPr>
+              <a:defRPr/>
+            </a:pPr>
+            <a:r>
+              <a:rPr lang="ko-KR" altLang="en-US" sz="2000">
+                <a:solidFill>
+                  <a:schemeClr val="dk1"/>
+                </a:solidFill>
+              </a:rPr>
+              <a:t>  └ </a:t>
+            </a:r>
+            <a:r>
+              <a:rPr lang="en-US" altLang="ko-KR" sz="2000">
+                <a:solidFill>
+                  <a:schemeClr val="dk1"/>
+                </a:solidFill>
+              </a:rPr>
+              <a:t>DataBase</a:t>
+            </a:r>
+            <a:r>
+              <a:rPr lang="ko-KR" altLang="en-US" sz="2000">
+                <a:solidFill>
+                  <a:schemeClr val="dk1"/>
+                </a:solidFill>
+              </a:rPr>
+              <a:t>에 저장된 내용들은 변조가 없어야 한다</a:t>
+            </a:r>
+            <a:r>
+              <a:rPr lang="en-US" altLang="ko-KR" sz="2000">
+                <a:solidFill>
+                  <a:schemeClr val="dk1"/>
+                </a:solidFill>
+              </a:rPr>
+              <a:t>.</a:t>
+            </a:r>
+            <a:endParaRPr lang="en-US" altLang="ko-KR" sz="2000">
+              <a:solidFill>
+                <a:schemeClr val="dk1"/>
+              </a:solidFill>
+            </a:endParaRPr>
+          </a:p>
+          <a:p>
+            <a:pPr>
+              <a:defRPr/>
+            </a:pPr>
+            <a:endParaRPr lang="en-US" altLang="ko-KR" sz="2000">
+              <a:solidFill>
+                <a:schemeClr val="dk1"/>
+              </a:solidFill>
+            </a:endParaRPr>
+          </a:p>
+          <a:p>
+            <a:pPr>
+              <a:defRPr/>
+            </a:pPr>
+            <a:r>
+              <a:rPr lang="ko-KR" altLang="en-US" sz="2000">
+                <a:solidFill>
+                  <a:schemeClr val="dk1"/>
+                </a:solidFill>
+              </a:rPr>
+              <a:t> </a:t>
+            </a:r>
+            <a:r>
+              <a:rPr lang="en-US" altLang="ko-KR" sz="2000">
+                <a:solidFill>
+                  <a:schemeClr val="dk1"/>
+                </a:solidFill>
+              </a:rPr>
+              <a:t>-</a:t>
+            </a:r>
+            <a:r>
+              <a:rPr lang="ko-KR" altLang="en-US" sz="2000">
+                <a:solidFill>
+                  <a:schemeClr val="dk1"/>
+                </a:solidFill>
+              </a:rPr>
+              <a:t> 함수의 계산</a:t>
+            </a:r>
+            <a:endParaRPr lang="ko-KR" altLang="en-US" sz="2000">
+              <a:solidFill>
+                <a:schemeClr val="dk1"/>
+              </a:solidFill>
+            </a:endParaRPr>
+          </a:p>
+          <a:p>
+            <a:pPr>
+              <a:defRPr/>
+            </a:pPr>
+            <a:r>
+              <a:rPr lang="ko-KR" altLang="en-US" sz="2000">
+                <a:solidFill>
+                  <a:schemeClr val="dk1"/>
+                </a:solidFill>
+              </a:rPr>
+              <a:t>  └ 할인률</a:t>
+            </a:r>
+            <a:r>
+              <a:rPr lang="en-US" altLang="ko-KR" sz="2000">
+                <a:solidFill>
+                  <a:schemeClr val="dk1"/>
+                </a:solidFill>
+              </a:rPr>
+              <a:t>,</a:t>
+            </a:r>
+            <a:r>
+              <a:rPr lang="ko-KR" altLang="en-US" sz="2000">
+                <a:solidFill>
+                  <a:schemeClr val="dk1"/>
+                </a:solidFill>
+              </a:rPr>
+              <a:t> 총액의 계산 과정에 오류가 있어선 안된다</a:t>
+            </a:r>
+            <a:r>
+              <a:rPr lang="en-US" altLang="ko-KR" sz="2000">
+                <a:solidFill>
+                  <a:schemeClr val="dk1"/>
+                </a:solidFill>
+              </a:rPr>
+              <a:t>.</a:t>
+            </a:r>
+            <a:endParaRPr lang="ko-KR" altLang="en-US" sz="2000">
+              <a:solidFill>
+                <a:schemeClr val="dk1"/>
+              </a:solidFill>
+            </a:endParaRPr>
+          </a:p>
+        </p:txBody>
+      </p:sp>
+      <p:sp>
+        <p:nvSpPr>
+          <p:cNvPr id="8" name="직사각형 9"/>
+          <p:cNvSpPr/>
+          <p:nvPr/>
+        </p:nvSpPr>
+        <p:spPr>
+          <a:xfrm>
+            <a:off x="0" y="0"/>
+            <a:ext cx="12192001" cy="1338109"/>
+          </a:xfrm>
+          <a:prstGeom prst="rect">
+            <a:avLst/>
+          </a:prstGeom>
+          <a:solidFill>
+            <a:schemeClr val="accent1"/>
+          </a:solidFill>
+          <a:ln>
+            <a:noFill/>
+          </a:ln>
+        </p:spPr>
+        <p:style>
+          <a:lnRef idx="2">
+            <a:schemeClr val="accent1">
+              <a:shade val="50000"/>
+            </a:schemeClr>
+          </a:lnRef>
+          <a:fillRef idx="1">
+            <a:schemeClr val="accent1"/>
+          </a:fillRef>
+          <a:effectRef idx="0">
+            <a:schemeClr val="accent1"/>
+          </a:effectRef>
+          <a:fontRef idx="minor">
+            <a:schemeClr val="lt1"/>
+          </a:fontRef>
+        </p:style>
+        <p:txBody>
+          <a:bodyPr anchor="ctr"/>
+          <a:lstStyle/>
+          <a:p>
+            <a:pPr>
+              <a:defRPr/>
+            </a:pPr>
+            <a:r>
+              <a:rPr kumimoji="1" lang="en-US" altLang="ko-KR" sz="4800"/>
+              <a:t>2-2.</a:t>
+            </a:r>
+            <a:r>
+              <a:rPr kumimoji="1" lang="ko-KR" altLang="en-US" sz="4800"/>
+              <a:t> 요구사항 정의 및 수집</a:t>
+            </a:r>
+            <a:endParaRPr kumimoji="1" lang="ko-KR" altLang="en-US" sz="4800"/>
+          </a:p>
+        </p:txBody>
+      </p:sp>
     </p:spTree>
   </p:cSld>
   <p:clrMapOvr>
@@ -10668,7 +11836,7 @@
 </file>
 
 <file path=ppt/slides/slide20.xml><?xml version="1.0" encoding="utf-8"?>
-<p:sld xmlns:a="http://schemas.openxmlformats.org/drawingml/2006/main" xmlns:r="http://schemas.openxmlformats.org/officeDocument/2006/relationships" xmlns:p="http://schemas.openxmlformats.org/presentationml/2006/main">
+<p:sld xmlns:r="http://schemas.openxmlformats.org/officeDocument/2006/relationships" xmlns:c="http://schemas.openxmlformats.org/drawingml/2006/chart" xmlns:a="http://schemas.openxmlformats.org/drawingml/2006/main" xmlns:dgm="http://schemas.openxmlformats.org/drawingml/2006/diagram" xmlns:dsp="http://schemas.microsoft.com/office/drawing/2008/diagram" xmlns:p="http://schemas.openxmlformats.org/presentationml/2006/main">
   <p:cSld>
     <p:spTree>
       <p:nvGrpSpPr>
@@ -10686,22 +11854,129 @@
       </p:grpSpPr>
       <p:sp>
         <p:nvSpPr>
-          <p:cNvPr id="10" name="직사각형 9"/>
+          <p:cNvPr id="5" name=""/>
           <p:cNvSpPr/>
           <p:nvPr/>
         </p:nvSpPr>
         <p:spPr>
           <a:xfrm>
-            <a:off x="-1" y="2398426"/>
+            <a:off x="0" y="1377461"/>
+            <a:ext cx="12192000" cy="5480538"/>
+          </a:xfrm>
+          <a:prstGeom prst="rect">
+            <a:avLst/>
+          </a:prstGeom>
+          <a:noFill/>
+          <a:ln>
+            <a:noFill/>
+          </a:ln>
+        </p:spPr>
+        <p:style>
+          <a:lnRef idx="2">
+            <a:schemeClr val="accent1">
+              <a:shade val="20000"/>
+            </a:schemeClr>
+          </a:lnRef>
+          <a:fillRef idx="1">
+            <a:schemeClr val="accent1"/>
+          </a:fillRef>
+          <a:effectRef idx="0">
+            <a:schemeClr val="accent1"/>
+          </a:effectRef>
+          <a:fontRef idx="minor">
+            <a:schemeClr val="lt1"/>
+          </a:fontRef>
+        </p:style>
+        <p:txBody>
+          <a:bodyPr anchor="ctr"/>
+          <a:p>
+            <a:pPr>
+              <a:defRPr/>
+            </a:pPr>
+            <a:r>
+              <a:rPr lang="ko-KR" altLang="en-US" sz="2000">
+                <a:solidFill>
+                  <a:schemeClr val="dk1"/>
+                </a:solidFill>
+              </a:rPr>
+              <a:t>설계</a:t>
+            </a:r>
+            <a:r>
+              <a:rPr lang="en-US" altLang="ko-KR" sz="2000">
+                <a:solidFill>
+                  <a:schemeClr val="dk1"/>
+                </a:solidFill>
+              </a:rPr>
+              <a:t> </a:t>
+            </a:r>
+            <a:r>
+              <a:rPr lang="ko-KR" altLang="en-US" sz="2000">
+                <a:solidFill>
+                  <a:schemeClr val="dk1"/>
+                </a:solidFill>
+              </a:rPr>
+              <a:t>제약사항</a:t>
+            </a:r>
+            <a:r>
+              <a:rPr lang="en-US" altLang="ko-KR" sz="2000">
+                <a:solidFill>
+                  <a:schemeClr val="dk1"/>
+                </a:solidFill>
+              </a:rPr>
+              <a:t>(Design Constraints)</a:t>
+            </a:r>
+            <a:endParaRPr lang="en-US" altLang="ko-KR" sz="2000">
+              <a:solidFill>
+                <a:schemeClr val="dk1"/>
+              </a:solidFill>
+            </a:endParaRPr>
+          </a:p>
+          <a:p>
+            <a:pPr>
+              <a:defRPr/>
+            </a:pPr>
+            <a:r>
+              <a:rPr lang="en-US" altLang="ko-KR" sz="2000">
+                <a:solidFill>
+                  <a:schemeClr val="dk1"/>
+                </a:solidFill>
+              </a:rPr>
+              <a:t> - </a:t>
+            </a:r>
+            <a:endParaRPr lang="en-US" altLang="ko-KR" sz="2000">
+              <a:solidFill>
+                <a:schemeClr val="dk1"/>
+              </a:solidFill>
+            </a:endParaRPr>
+          </a:p>
+          <a:p>
+            <a:pPr>
+              <a:defRPr/>
+            </a:pPr>
+            <a:endParaRPr lang="en-US" altLang="ko-KR" sz="2000">
+              <a:solidFill>
+                <a:schemeClr val="dk1"/>
+              </a:solidFill>
+            </a:endParaRPr>
+          </a:p>
+        </p:txBody>
+      </p:sp>
+      <p:sp>
+        <p:nvSpPr>
+          <p:cNvPr id="6" name="직사각형 9"/>
+          <p:cNvSpPr/>
+          <p:nvPr/>
+        </p:nvSpPr>
+        <p:spPr>
+          <a:xfrm>
+            <a:off x="0" y="0"/>
             <a:ext cx="12192001" cy="1338109"/>
           </a:xfrm>
           <a:prstGeom prst="rect">
             <a:avLst/>
           </a:prstGeom>
           <a:solidFill>
-            <a:schemeClr val="accent1">
-              <a:lumMod val="75000"/>
-            </a:schemeClr>
+            <a:schemeClr val="accent1"/>
           </a:solidFill>
           <a:ln>
             <a:noFill/>
@@ -10724,229 +11999,42 @@
           </a:fontRef>
         </p:style>
         <p:txBody>
-          <a:bodyPr rtlCol="0" anchor="ctr"/>
+          <a:bodyPr anchor="ctr"/>
           <a:lstStyle/>
           <a:p>
-            <a:pPr algn="ctr"/>
-            <a:endParaRPr kumimoji="1" lang="ko-KR" altLang="en-US" dirty="0"/>
-          </a:p>
-        </p:txBody>
-      </p:sp>
-      <p:sp>
-        <p:nvSpPr>
-          <p:cNvPr id="12" name="부제목 2"/>
-          <p:cNvSpPr txBox="1">
-            <a:spLocks/>
-          </p:cNvSpPr>
-          <p:nvPr/>
-        </p:nvSpPr>
-        <p:spPr>
-          <a:xfrm>
-            <a:off x="1" y="2608234"/>
-            <a:ext cx="12192000" cy="754314"/>
-          </a:xfrm>
-          <a:prstGeom prst="rect">
-            <a:avLst/>
-          </a:prstGeom>
-        </p:spPr>
-        <p:txBody>
-          <a:bodyPr vert="horz" lIns="91440" tIns="45720" rIns="91440" bIns="45720" rtlCol="0" anchor="ctr">
-            <a:noAutofit/>
-          </a:bodyPr>
-          <a:lstStyle>
-            <a:lvl1pPr marL="0" indent="0" algn="ctr" defTabSz="914423" rtl="0" eaLnBrk="1" latinLnBrk="1" hangingPunct="1">
-              <a:lnSpc>
-                <a:spcPct val="90000"/>
-              </a:lnSpc>
-              <a:spcBef>
-                <a:spcPts val="1001"/>
-              </a:spcBef>
-              <a:buFont typeface="Arial"/>
-              <a:buNone/>
-              <a:defRPr sz="2400" kern="1200">
-                <a:solidFill>
-                  <a:schemeClr val="tx1"/>
-                </a:solidFill>
-                <a:latin typeface="+mn-lt"/>
-                <a:ea typeface="+mn-ea"/>
-                <a:cs typeface="+mn-cs"/>
-              </a:defRPr>
-            </a:lvl1pPr>
-            <a:lvl2pPr marL="457211" indent="0" algn="ctr" defTabSz="914423" rtl="0" eaLnBrk="1" latinLnBrk="1" hangingPunct="1">
-              <a:lnSpc>
-                <a:spcPct val="90000"/>
-              </a:lnSpc>
-              <a:spcBef>
-                <a:spcPts val="500"/>
-              </a:spcBef>
-              <a:buFont typeface="Arial"/>
-              <a:buNone/>
-              <a:defRPr sz="2000" kern="1200">
-                <a:solidFill>
-                  <a:schemeClr val="tx1"/>
-                </a:solidFill>
-                <a:latin typeface="+mn-lt"/>
-                <a:ea typeface="+mn-ea"/>
-                <a:cs typeface="+mn-cs"/>
-              </a:defRPr>
-            </a:lvl2pPr>
-            <a:lvl3pPr marL="914423" indent="0" algn="ctr" defTabSz="914423" rtl="0" eaLnBrk="1" latinLnBrk="1" hangingPunct="1">
-              <a:lnSpc>
-                <a:spcPct val="90000"/>
-              </a:lnSpc>
-              <a:spcBef>
-                <a:spcPts val="500"/>
-              </a:spcBef>
-              <a:buFont typeface="Arial"/>
-              <a:buNone/>
-              <a:defRPr sz="1801" kern="1200">
-                <a:solidFill>
-                  <a:schemeClr val="tx1"/>
-                </a:solidFill>
-                <a:latin typeface="+mn-lt"/>
-                <a:ea typeface="+mn-ea"/>
-                <a:cs typeface="+mn-cs"/>
-              </a:defRPr>
-            </a:lvl3pPr>
-            <a:lvl4pPr marL="1371634" indent="0" algn="ctr" defTabSz="914423" rtl="0" eaLnBrk="1" latinLnBrk="1" hangingPunct="1">
-              <a:lnSpc>
-                <a:spcPct val="90000"/>
-              </a:lnSpc>
-              <a:spcBef>
-                <a:spcPts val="500"/>
-              </a:spcBef>
-              <a:buFont typeface="Arial"/>
-              <a:buNone/>
-              <a:defRPr sz="1600" kern="1200">
-                <a:solidFill>
-                  <a:schemeClr val="tx1"/>
-                </a:solidFill>
-                <a:latin typeface="+mn-lt"/>
-                <a:ea typeface="+mn-ea"/>
-                <a:cs typeface="+mn-cs"/>
-              </a:defRPr>
-            </a:lvl4pPr>
-            <a:lvl5pPr marL="1828846" indent="0" algn="ctr" defTabSz="914423" rtl="0" eaLnBrk="1" latinLnBrk="1" hangingPunct="1">
-              <a:lnSpc>
-                <a:spcPct val="90000"/>
-              </a:lnSpc>
-              <a:spcBef>
-                <a:spcPts val="500"/>
-              </a:spcBef>
-              <a:buFont typeface="Arial"/>
-              <a:buNone/>
-              <a:defRPr sz="1600" kern="1200">
-                <a:solidFill>
-                  <a:schemeClr val="tx1"/>
-                </a:solidFill>
-                <a:latin typeface="+mn-lt"/>
-                <a:ea typeface="+mn-ea"/>
-                <a:cs typeface="+mn-cs"/>
-              </a:defRPr>
-            </a:lvl5pPr>
-            <a:lvl6pPr marL="2286057" indent="0" algn="ctr" defTabSz="914423" rtl="0" eaLnBrk="1" latinLnBrk="1" hangingPunct="1">
-              <a:lnSpc>
-                <a:spcPct val="90000"/>
-              </a:lnSpc>
-              <a:spcBef>
-                <a:spcPts val="500"/>
-              </a:spcBef>
-              <a:buFont typeface="Arial"/>
-              <a:buNone/>
-              <a:defRPr sz="1600" kern="1200">
-                <a:solidFill>
-                  <a:schemeClr val="tx1"/>
-                </a:solidFill>
-                <a:latin typeface="+mn-lt"/>
-                <a:ea typeface="+mn-ea"/>
-                <a:cs typeface="+mn-cs"/>
-              </a:defRPr>
-            </a:lvl6pPr>
-            <a:lvl7pPr marL="2743269" indent="0" algn="ctr" defTabSz="914423" rtl="0" eaLnBrk="1" latinLnBrk="1" hangingPunct="1">
-              <a:lnSpc>
-                <a:spcPct val="90000"/>
-              </a:lnSpc>
-              <a:spcBef>
-                <a:spcPts val="500"/>
-              </a:spcBef>
-              <a:buFont typeface="Arial"/>
-              <a:buNone/>
-              <a:defRPr sz="1600" kern="1200">
-                <a:solidFill>
-                  <a:schemeClr val="tx1"/>
-                </a:solidFill>
-                <a:latin typeface="+mn-lt"/>
-                <a:ea typeface="+mn-ea"/>
-                <a:cs typeface="+mn-cs"/>
-              </a:defRPr>
-            </a:lvl7pPr>
-            <a:lvl8pPr marL="3200480" indent="0" algn="ctr" defTabSz="914423" rtl="0" eaLnBrk="1" latinLnBrk="1" hangingPunct="1">
-              <a:lnSpc>
-                <a:spcPct val="90000"/>
-              </a:lnSpc>
-              <a:spcBef>
-                <a:spcPts val="500"/>
-              </a:spcBef>
-              <a:buFont typeface="Arial"/>
-              <a:buNone/>
-              <a:defRPr sz="1600" kern="1200">
-                <a:solidFill>
-                  <a:schemeClr val="tx1"/>
-                </a:solidFill>
-                <a:latin typeface="+mn-lt"/>
-                <a:ea typeface="+mn-ea"/>
-                <a:cs typeface="+mn-cs"/>
-              </a:defRPr>
-            </a:lvl8pPr>
-            <a:lvl9pPr marL="3657691" indent="0" algn="ctr" defTabSz="914423" rtl="0" eaLnBrk="1" latinLnBrk="1" hangingPunct="1">
-              <a:lnSpc>
-                <a:spcPct val="90000"/>
-              </a:lnSpc>
-              <a:spcBef>
-                <a:spcPts val="500"/>
-              </a:spcBef>
-              <a:buFont typeface="Arial"/>
-              <a:buNone/>
-              <a:defRPr sz="1600" kern="1200">
-                <a:solidFill>
-                  <a:schemeClr val="tx1"/>
-                </a:solidFill>
-                <a:latin typeface="+mn-lt"/>
-                <a:ea typeface="+mn-ea"/>
-                <a:cs typeface="+mn-cs"/>
-              </a:defRPr>
-            </a:lvl9pPr>
-          </a:lstStyle>
-          <a:p>
-            <a:r>
-              <a:rPr lang="ko-KR" altLang="en-US" sz="4800" dirty="0">
-                <a:solidFill>
-                  <a:schemeClr val="bg1"/>
-                </a:solidFill>
-                <a:latin typeface="+mj-lt"/>
-                <a:ea typeface="맑은 고딕" charset="-127"/>
-                <a:cs typeface="맑은 고딕" charset="-127"/>
-              </a:rPr>
-              <a:t>기능 모듈 설계</a:t>
-            </a:r>
+            <a:pPr>
+              <a:defRPr/>
+            </a:pPr>
+            <a:r>
+              <a:rPr kumimoji="1" lang="en-US" altLang="ko-KR" sz="4800"/>
+              <a:t>2-2.</a:t>
+            </a:r>
+            <a:r>
+              <a:rPr kumimoji="1" lang="ko-KR" altLang="en-US" sz="4800"/>
+              <a:t> 요구사항 정의 및 수집</a:t>
+            </a:r>
+            <a:endParaRPr kumimoji="1" lang="ko-KR" altLang="en-US" sz="4800"/>
           </a:p>
         </p:txBody>
       </p:sp>
     </p:spTree>
-    <p:extLst>
-      <p:ext uri="{BB962C8B-B14F-4D97-AF65-F5344CB8AC3E}">
-        <p14:creationId xmlns:p14="http://schemas.microsoft.com/office/powerpoint/2010/main" val="3636615241"/>
-      </p:ext>
-    </p:extLst>
   </p:cSld>
   <p:clrMapOvr>
     <a:masterClrMapping/>
   </p:clrMapOvr>
+  <mc:AlternateContent xmlns:mc="http://schemas.openxmlformats.org/markup-compatibility/2006">
+    <mc:Choice xmlns:p14="http://schemas.microsoft.com/office/powerpoint/2010/main" Requires="p14">
+      <p:transition xmlns:mc="http://schemas.openxmlformats.org/markup-compatibility/2006" xmlns:p14="http://schemas.microsoft.com/office/powerpoint/2010/main" mc:Ignorable="p14" p14:dur="500"/>
+    </mc:Choice>
+    <mc:Fallback>
+      <p:transition/>
+    </mc:Fallback>
+  </mc:AlternateContent>
 </p:sld>
 </file>
 
 <file path=ppt/slides/slide21.xml><?xml version="1.0" encoding="utf-8"?>
-<p:sld xmlns:a="http://schemas.openxmlformats.org/drawingml/2006/main" xmlns:r="http://schemas.openxmlformats.org/officeDocument/2006/relationships" xmlns:p="http://schemas.openxmlformats.org/presentationml/2006/main">
+<p:sld xmlns:r="http://schemas.openxmlformats.org/officeDocument/2006/relationships" xmlns:c="http://schemas.openxmlformats.org/drawingml/2006/chart" xmlns:a="http://schemas.openxmlformats.org/drawingml/2006/main" xmlns:dgm="http://schemas.openxmlformats.org/drawingml/2006/diagram" xmlns:dsp="http://schemas.microsoft.com/office/drawing/2008/diagram" xmlns:p="http://schemas.openxmlformats.org/presentationml/2006/main">
   <p:cSld>
     <p:spTree>
       <p:nvGrpSpPr>
@@ -10964,87 +12052,73 @@
       </p:grpSpPr>
       <p:sp>
         <p:nvSpPr>
-          <p:cNvPr id="2" name="제목 1">
-            <a:extLst>
-              <a:ext uri="{FF2B5EF4-FFF2-40B4-BE49-F238E27FC236}">
-                <a16:creationId xmlns:a16="http://schemas.microsoft.com/office/drawing/2014/main" id="{9A1A2E3C-2FD9-439C-87BD-8AE3B27F8C97}"/>
-              </a:ext>
-            </a:extLst>
-          </p:cNvPr>
-          <p:cNvSpPr>
-            <a:spLocks noGrp="1"/>
-          </p:cNvSpPr>
-          <p:nvPr>
-            <p:ph type="title"/>
-          </p:nvPr>
+          <p:cNvPr id="4" name="직사각형 9"/>
+          <p:cNvSpPr/>
+          <p:nvPr/>
         </p:nvSpPr>
-        <p:spPr/>
+        <p:spPr>
+          <a:xfrm>
+            <a:off x="0" y="0"/>
+            <a:ext cx="12192001" cy="1338109"/>
+          </a:xfrm>
+          <a:prstGeom prst="rect">
+            <a:avLst/>
+          </a:prstGeom>
+          <a:solidFill>
+            <a:schemeClr val="accent1"/>
+          </a:solidFill>
+          <a:ln>
+            <a:noFill/>
+          </a:ln>
+        </p:spPr>
+        <p:style>
+          <a:lnRef idx="2">
+            <a:schemeClr val="accent1">
+              <a:shade val="50000"/>
+            </a:schemeClr>
+          </a:lnRef>
+          <a:fillRef idx="1">
+            <a:schemeClr val="accent1"/>
+          </a:fillRef>
+          <a:effectRef idx="0">
+            <a:schemeClr val="accent1"/>
+          </a:effectRef>
+          <a:fontRef idx="minor">
+            <a:schemeClr val="lt1"/>
+          </a:fontRef>
+        </p:style>
         <p:txBody>
-          <a:bodyPr/>
+          <a:bodyPr anchor="ctr"/>
           <a:lstStyle/>
           <a:p>
-            <a:endParaRPr lang="ko-KR" altLang="en-US"/>
-          </a:p>
-        </p:txBody>
-      </p:sp>
-      <p:sp>
-        <p:nvSpPr>
-          <p:cNvPr id="3" name="내용 개체 틀 2">
-            <a:extLst>
-              <a:ext uri="{FF2B5EF4-FFF2-40B4-BE49-F238E27FC236}">
-                <a16:creationId xmlns:a16="http://schemas.microsoft.com/office/drawing/2014/main" id="{58DC695E-BF5C-4F1A-860C-8BD272E977AA}"/>
-              </a:ext>
-            </a:extLst>
-          </p:cNvPr>
-          <p:cNvSpPr>
-            <a:spLocks noGrp="1"/>
-          </p:cNvSpPr>
-          <p:nvPr>
-            <p:ph idx="1"/>
-          </p:nvPr>
-        </p:nvSpPr>
-        <p:spPr/>
-        <p:txBody>
-          <a:bodyPr/>
-          <a:lstStyle/>
-          <a:p>
-            <a:r>
-              <a:rPr lang="ko-KR" altLang="en-US" dirty="0"/>
-              <a:t>기능정의를 한다</a:t>
-            </a:r>
-            <a:endParaRPr lang="en-US" altLang="ko-KR" dirty="0"/>
-          </a:p>
-          <a:p>
-            <a:r>
-              <a:rPr lang="ko-KR" altLang="en-US" dirty="0"/>
-              <a:t>정의 한 기능에 대해 </a:t>
-            </a:r>
-            <a:r>
-              <a:rPr lang="en-US" altLang="ko-KR" dirty="0"/>
-              <a:t>Flow</a:t>
-            </a:r>
-            <a:r>
-              <a:rPr lang="ko-KR" altLang="en-US" dirty="0"/>
-              <a:t>를 작성한다</a:t>
-            </a:r>
-            <a:r>
-              <a:rPr lang="en-US" altLang="ko-KR" dirty="0"/>
-              <a:t>.</a:t>
-            </a:r>
-            <a:endParaRPr lang="ko-KR" altLang="en-US" dirty="0"/>
+            <a:pPr>
+              <a:defRPr/>
+            </a:pPr>
+            <a:r>
+              <a:rPr kumimoji="1" lang="en-US" altLang="ko-KR" sz="4800"/>
+              <a:t>2-3.</a:t>
+            </a:r>
+            <a:r>
+              <a:rPr kumimoji="1" lang="ko-KR" altLang="en-US" sz="4800"/>
+              <a:t> 요구사항 분석</a:t>
+            </a:r>
+            <a:endParaRPr kumimoji="1" lang="ko-KR" altLang="en-US" sz="4800"/>
           </a:p>
         </p:txBody>
       </p:sp>
     </p:spTree>
-    <p:extLst>
-      <p:ext uri="{BB962C8B-B14F-4D97-AF65-F5344CB8AC3E}">
-        <p14:creationId xmlns:p14="http://schemas.microsoft.com/office/powerpoint/2010/main" val="3772914977"/>
-      </p:ext>
-    </p:extLst>
   </p:cSld>
   <p:clrMapOvr>
     <a:masterClrMapping/>
   </p:clrMapOvr>
+  <mc:AlternateContent xmlns:mc="http://schemas.openxmlformats.org/markup-compatibility/2006">
+    <mc:Choice xmlns:p14="http://schemas.microsoft.com/office/powerpoint/2010/main" Requires="p14">
+      <p:transition xmlns:mc="http://schemas.openxmlformats.org/markup-compatibility/2006" xmlns:p14="http://schemas.microsoft.com/office/powerpoint/2010/main" mc:Ignorable="p14" p14:dur="500"/>
+    </mc:Choice>
+    <mc:Fallback>
+      <p:transition/>
+    </mc:Fallback>
+  </mc:AlternateContent>
 </p:sld>
 </file>
 
@@ -11308,56 +12382,15 @@
                 <a:ea typeface="맑은 고딕" charset="-127"/>
                 <a:cs typeface="맑은 고딕" charset="-127"/>
               </a:rPr>
-              <a:t>기능 검토 </a:t>
-            </a:r>
-            <a:r>
-              <a:rPr lang="en-US" altLang="ko-KR" sz="4800" dirty="0">
-                <a:solidFill>
-                  <a:schemeClr val="bg1"/>
-                </a:solidFill>
-                <a:latin typeface="+mj-lt"/>
-                <a:ea typeface="맑은 고딕" charset="-127"/>
-                <a:cs typeface="맑은 고딕" charset="-127"/>
-              </a:rPr>
-              <a:t>(</a:t>
-            </a:r>
-            <a:r>
-              <a:rPr lang="ko-KR" altLang="en-US" sz="4800" dirty="0">
-                <a:solidFill>
-                  <a:schemeClr val="bg1"/>
-                </a:solidFill>
-                <a:latin typeface="+mj-lt"/>
-                <a:ea typeface="맑은 고딕" charset="-127"/>
-                <a:cs typeface="맑은 고딕" charset="-127"/>
-              </a:rPr>
-              <a:t>근거자료 및 샘플코드</a:t>
-            </a:r>
-            <a:r>
-              <a:rPr lang="en-US" altLang="ko-KR" sz="4800" dirty="0">
-                <a:solidFill>
-                  <a:schemeClr val="bg1"/>
-                </a:solidFill>
-                <a:latin typeface="+mj-lt"/>
-                <a:ea typeface="맑은 고딕" charset="-127"/>
-                <a:cs typeface="맑은 고딕" charset="-127"/>
-              </a:rPr>
-              <a:t>)</a:t>
-            </a:r>
-            <a:endParaRPr lang="ko-KR" altLang="en-US" sz="4800" dirty="0">
-              <a:solidFill>
-                <a:schemeClr val="bg1"/>
-              </a:solidFill>
-              <a:latin typeface="+mj-lt"/>
-              <a:ea typeface="맑은 고딕" charset="-127"/>
-              <a:cs typeface="맑은 고딕" charset="-127"/>
-            </a:endParaRPr>
+              <a:t>계획 및 일정 수립</a:t>
+            </a:r>
           </a:p>
         </p:txBody>
       </p:sp>
     </p:spTree>
     <p:extLst>
       <p:ext uri="{BB962C8B-B14F-4D97-AF65-F5344CB8AC3E}">
-        <p14:creationId xmlns:p14="http://schemas.microsoft.com/office/powerpoint/2010/main" val="2800779971"/>
+        <p14:creationId xmlns:p14="http://schemas.microsoft.com/office/powerpoint/2010/main" val="641642769"/>
       </p:ext>
     </p:extLst>
   </p:cSld>
@@ -11368,7 +12401,7 @@
 </file>
 
 <file path=ppt/slides/slide23.xml><?xml version="1.0" encoding="utf-8"?>
-<p:sld xmlns:a="http://schemas.openxmlformats.org/drawingml/2006/main" xmlns:r="http://schemas.openxmlformats.org/officeDocument/2006/relationships" xmlns:p="http://schemas.openxmlformats.org/presentationml/2006/main">
+<p:sld xmlns:r="http://schemas.openxmlformats.org/officeDocument/2006/relationships" xmlns:c="http://schemas.openxmlformats.org/drawingml/2006/chart" xmlns:a="http://schemas.openxmlformats.org/drawingml/2006/main" xmlns:dgm="http://schemas.openxmlformats.org/drawingml/2006/diagram" xmlns:dsp="http://schemas.microsoft.com/office/drawing/2008/diagram" xmlns:p="http://schemas.openxmlformats.org/presentationml/2006/main">
   <p:cSld>
     <p:spTree>
       <p:nvGrpSpPr>
@@ -11384,84 +12417,19 @@
           <a:chExt cx="0" cy="0"/>
         </a:xfrm>
       </p:grpSpPr>
-      <p:sp>
-        <p:nvSpPr>
-          <p:cNvPr id="2" name="제목 1">
-            <a:extLst>
-              <a:ext uri="{FF2B5EF4-FFF2-40B4-BE49-F238E27FC236}">
-                <a16:creationId xmlns:a16="http://schemas.microsoft.com/office/drawing/2014/main" id="{CD32A4A8-C5FD-473F-A41F-A660400BC448}"/>
-              </a:ext>
-            </a:extLst>
-          </p:cNvPr>
-          <p:cNvSpPr>
-            <a:spLocks noGrp="1"/>
-          </p:cNvSpPr>
-          <p:nvPr>
-            <p:ph type="title"/>
-          </p:nvPr>
-        </p:nvSpPr>
-        <p:spPr/>
-        <p:txBody>
-          <a:bodyPr/>
-          <a:lstStyle/>
-          <a:p>
-            <a:endParaRPr lang="ko-KR" altLang="en-US"/>
-          </a:p>
-        </p:txBody>
-      </p:sp>
-      <p:sp>
-        <p:nvSpPr>
-          <p:cNvPr id="3" name="내용 개체 틀 2">
-            <a:extLst>
-              <a:ext uri="{FF2B5EF4-FFF2-40B4-BE49-F238E27FC236}">
-                <a16:creationId xmlns:a16="http://schemas.microsoft.com/office/drawing/2014/main" id="{FC688E77-0112-474B-BD84-18F7FC4240C7}"/>
-              </a:ext>
-            </a:extLst>
-          </p:cNvPr>
-          <p:cNvSpPr>
-            <a:spLocks noGrp="1"/>
-          </p:cNvSpPr>
-          <p:nvPr>
-            <p:ph idx="1"/>
-          </p:nvPr>
-        </p:nvSpPr>
-        <p:spPr/>
-        <p:txBody>
-          <a:bodyPr/>
-          <a:lstStyle/>
-          <a:p>
-            <a:r>
-              <a:rPr lang="ko-KR" altLang="en-US" dirty="0"/>
-              <a:t>기능 구현에 필요한 기술을 알아본다</a:t>
-            </a:r>
-            <a:endParaRPr lang="en-US" altLang="ko-KR" dirty="0"/>
-          </a:p>
-          <a:p>
-            <a:endParaRPr lang="en-US" altLang="ko-KR" dirty="0"/>
-          </a:p>
-          <a:p>
-            <a:r>
-              <a:rPr lang="ko-KR" altLang="en-US" dirty="0"/>
-              <a:t>샘플 코드를 수집한다</a:t>
-            </a:r>
-            <a:r>
-              <a:rPr lang="en-US" altLang="ko-KR" dirty="0"/>
-              <a:t>.</a:t>
-            </a:r>
-            <a:endParaRPr lang="ko-KR" altLang="en-US" dirty="0"/>
-          </a:p>
-        </p:txBody>
-      </p:sp>
     </p:spTree>
-    <p:extLst>
-      <p:ext uri="{BB962C8B-B14F-4D97-AF65-F5344CB8AC3E}">
-        <p14:creationId xmlns:p14="http://schemas.microsoft.com/office/powerpoint/2010/main" val="414149680"/>
-      </p:ext>
-    </p:extLst>
   </p:cSld>
   <p:clrMapOvr>
     <a:masterClrMapping/>
   </p:clrMapOvr>
+  <mc:AlternateContent xmlns:mc="http://schemas.openxmlformats.org/markup-compatibility/2006">
+    <mc:Choice xmlns:p14="http://schemas.microsoft.com/office/powerpoint/2010/main" Requires="p14">
+      <p:transition xmlns:mc="http://schemas.openxmlformats.org/markup-compatibility/2006" xmlns:p14="http://schemas.microsoft.com/office/powerpoint/2010/main" mc:Ignorable="p14" p14:dur="500"/>
+    </mc:Choice>
+    <mc:Fallback>
+      <p:transition/>
+    </mc:Fallback>
+  </mc:AlternateContent>
 </p:sld>
 </file>
 
@@ -11725,7 +12693,7 @@
                 <a:ea typeface="맑은 고딕" charset="-127"/>
                 <a:cs typeface="맑은 고딕" charset="-127"/>
               </a:rPr>
-              <a:t>스토리보드 제작</a:t>
+              <a:t>기능 모듈 설계</a:t>
             </a:r>
           </a:p>
         </p:txBody>
@@ -11733,7 +12701,7 @@
     </p:spTree>
     <p:extLst>
       <p:ext uri="{BB962C8B-B14F-4D97-AF65-F5344CB8AC3E}">
-        <p14:creationId xmlns:p14="http://schemas.microsoft.com/office/powerpoint/2010/main" val="4131486605"/>
+        <p14:creationId xmlns:p14="http://schemas.microsoft.com/office/powerpoint/2010/main" val="3636615241"/>
       </p:ext>
     </p:extLst>
   </p:cSld>
@@ -11765,7 +12733,7 @@
           <p:cNvPr id="2" name="제목 1">
             <a:extLst>
               <a:ext uri="{FF2B5EF4-FFF2-40B4-BE49-F238E27FC236}">
-                <a16:creationId xmlns:a16="http://schemas.microsoft.com/office/drawing/2014/main" id="{FEF97B69-9031-4A28-901F-246C46549083}"/>
+                <a16:creationId xmlns:a16="http://schemas.microsoft.com/office/drawing/2014/main" id="{9A1A2E3C-2FD9-439C-87BD-8AE3B27F8C97}"/>
               </a:ext>
             </a:extLst>
           </p:cNvPr>
@@ -11790,7 +12758,7 @@
           <p:cNvPr id="3" name="내용 개체 틀 2">
             <a:extLst>
               <a:ext uri="{FF2B5EF4-FFF2-40B4-BE49-F238E27FC236}">
-                <a16:creationId xmlns:a16="http://schemas.microsoft.com/office/drawing/2014/main" id="{7B537D8F-5982-4653-B96A-BB8B9CAB7064}"/>
+                <a16:creationId xmlns:a16="http://schemas.microsoft.com/office/drawing/2014/main" id="{58DC695E-BF5C-4F1A-860C-8BD272E977AA}"/>
               </a:ext>
             </a:extLst>
           </p:cNvPr>
@@ -11808,17 +12776,22 @@
           <a:p>
             <a:r>
               <a:rPr lang="ko-KR" altLang="en-US" dirty="0"/>
-              <a:t>기능 구현에 대한 디자인 구상</a:t>
+              <a:t>기능정의를 한다</a:t>
             </a:r>
             <a:endParaRPr lang="en-US" altLang="ko-KR" dirty="0"/>
           </a:p>
           <a:p>
-            <a:endParaRPr lang="en-US" altLang="ko-KR" dirty="0"/>
-          </a:p>
-          <a:p>
             <a:r>
               <a:rPr lang="ko-KR" altLang="en-US" dirty="0"/>
-              <a:t>디자인에 따른 동작을 기술하고 연계 한다</a:t>
+              <a:t>정의 한 기능에 대해 </a:t>
+            </a:r>
+            <a:r>
+              <a:rPr lang="en-US" altLang="ko-KR" dirty="0"/>
+              <a:t>Flow</a:t>
+            </a:r>
+            <a:r>
+              <a:rPr lang="ko-KR" altLang="en-US" dirty="0"/>
+              <a:t>를 작성한다</a:t>
             </a:r>
             <a:r>
               <a:rPr lang="en-US" altLang="ko-KR" dirty="0"/>
@@ -11831,7 +12804,7 @@
     </p:spTree>
     <p:extLst>
       <p:ext uri="{BB962C8B-B14F-4D97-AF65-F5344CB8AC3E}">
-        <p14:creationId xmlns:p14="http://schemas.microsoft.com/office/powerpoint/2010/main" val="1723942396"/>
+        <p14:creationId xmlns:p14="http://schemas.microsoft.com/office/powerpoint/2010/main" val="3772914977"/>
       </p:ext>
     </p:extLst>
   </p:cSld>
@@ -12101,15 +13074,56 @@
                 <a:ea typeface="맑은 고딕" charset="-127"/>
                 <a:cs typeface="맑은 고딕" charset="-127"/>
               </a:rPr>
-              <a:t>구현</a:t>
-            </a:r>
+              <a:t>기능 검토 </a:t>
+            </a:r>
+            <a:r>
+              <a:rPr lang="en-US" altLang="ko-KR" sz="4800" dirty="0">
+                <a:solidFill>
+                  <a:schemeClr val="bg1"/>
+                </a:solidFill>
+                <a:latin typeface="+mj-lt"/>
+                <a:ea typeface="맑은 고딕" charset="-127"/>
+                <a:cs typeface="맑은 고딕" charset="-127"/>
+              </a:rPr>
+              <a:t>(</a:t>
+            </a:r>
+            <a:r>
+              <a:rPr lang="ko-KR" altLang="en-US" sz="4800" dirty="0">
+                <a:solidFill>
+                  <a:schemeClr val="bg1"/>
+                </a:solidFill>
+                <a:latin typeface="+mj-lt"/>
+                <a:ea typeface="맑은 고딕" charset="-127"/>
+                <a:cs typeface="맑은 고딕" charset="-127"/>
+              </a:rPr>
+              <a:t>근거자료 및 샘플코드</a:t>
+            </a:r>
+            <a:r>
+              <a:rPr lang="en-US" altLang="ko-KR" sz="4800" dirty="0">
+                <a:solidFill>
+                  <a:schemeClr val="bg1"/>
+                </a:solidFill>
+                <a:latin typeface="+mj-lt"/>
+                <a:ea typeface="맑은 고딕" charset="-127"/>
+                <a:cs typeface="맑은 고딕" charset="-127"/>
+              </a:rPr>
+              <a:t>)</a:t>
+            </a:r>
+            <a:endParaRPr lang="ko-KR" altLang="en-US" sz="4800" dirty="0">
+              <a:solidFill>
+                <a:schemeClr val="bg1"/>
+              </a:solidFill>
+              <a:latin typeface="+mj-lt"/>
+              <a:ea typeface="맑은 고딕" charset="-127"/>
+              <a:cs typeface="맑은 고딕" charset="-127"/>
+            </a:endParaRPr>
           </a:p>
         </p:txBody>
       </p:sp>
     </p:spTree>
     <p:extLst>
       <p:ext uri="{BB962C8B-B14F-4D97-AF65-F5344CB8AC3E}">
-        <p14:creationId xmlns:p14="http://schemas.microsoft.com/office/powerpoint/2010/main" val="1697315730"/>
+        <p14:creationId xmlns:p14="http://schemas.microsoft.com/office/powerpoint/2010/main" val="2800779971"/>
       </p:ext>
     </p:extLst>
   </p:cSld>
@@ -12141,7 +13155,7 @@
           <p:cNvPr id="2" name="제목 1">
             <a:extLst>
               <a:ext uri="{FF2B5EF4-FFF2-40B4-BE49-F238E27FC236}">
-                <a16:creationId xmlns:a16="http://schemas.microsoft.com/office/drawing/2014/main" id="{2135F92A-65F5-4C7A-8C04-BF5F199039F2}"/>
+                <a16:creationId xmlns:a16="http://schemas.microsoft.com/office/drawing/2014/main" id="{CD32A4A8-C5FD-473F-A41F-A660400BC448}"/>
               </a:ext>
             </a:extLst>
           </p:cNvPr>
@@ -12166,7 +13180,7 @@
           <p:cNvPr id="3" name="내용 개체 틀 2">
             <a:extLst>
               <a:ext uri="{FF2B5EF4-FFF2-40B4-BE49-F238E27FC236}">
-                <a16:creationId xmlns:a16="http://schemas.microsoft.com/office/drawing/2014/main" id="{FB21A4AE-E1C2-4042-9B9E-43F419C42235}"/>
+                <a16:creationId xmlns:a16="http://schemas.microsoft.com/office/drawing/2014/main" id="{FC688E77-0112-474B-BD84-18F7FC4240C7}"/>
               </a:ext>
             </a:extLst>
           </p:cNvPr>
@@ -12184,7 +13198,17 @@
           <a:p>
             <a:r>
               <a:rPr lang="ko-KR" altLang="en-US" dirty="0"/>
-              <a:t>코드를 작성하고 버그를 수정한다</a:t>
+              <a:t>기능 구현에 필요한 기술을 알아본다</a:t>
+            </a:r>
+            <a:endParaRPr lang="en-US" altLang="ko-KR" dirty="0"/>
+          </a:p>
+          <a:p>
+            <a:endParaRPr lang="en-US" altLang="ko-KR" dirty="0"/>
+          </a:p>
+          <a:p>
+            <a:r>
+              <a:rPr lang="ko-KR" altLang="en-US" dirty="0"/>
+              <a:t>샘플 코드를 수집한다</a:t>
             </a:r>
             <a:r>
               <a:rPr lang="en-US" altLang="ko-KR" dirty="0"/>
@@ -12197,7 +13221,7 @@
     </p:spTree>
     <p:extLst>
       <p:ext uri="{BB962C8B-B14F-4D97-AF65-F5344CB8AC3E}">
-        <p14:creationId xmlns:p14="http://schemas.microsoft.com/office/powerpoint/2010/main" val="1303733429"/>
+        <p14:creationId xmlns:p14="http://schemas.microsoft.com/office/powerpoint/2010/main" val="414149680"/>
       </p:ext>
     </p:extLst>
   </p:cSld>
@@ -12467,34 +13491,15 @@
                 <a:ea typeface="맑은 고딕" charset="-127"/>
                 <a:cs typeface="맑은 고딕" charset="-127"/>
               </a:rPr>
-              <a:t>제품 </a:t>
-            </a:r>
-            <a:r>
-              <a:rPr lang="en-US" altLang="ko-KR" sz="4800" dirty="0">
-                <a:solidFill>
-                  <a:schemeClr val="bg1"/>
-                </a:solidFill>
-                <a:latin typeface="+mj-lt"/>
-                <a:ea typeface="맑은 고딕" charset="-127"/>
-                <a:cs typeface="맑은 고딕" charset="-127"/>
-              </a:rPr>
-              <a:t>Review</a:t>
-            </a:r>
-            <a:endParaRPr lang="ko-KR" altLang="en-US" sz="4800" dirty="0">
-              <a:solidFill>
-                <a:schemeClr val="bg1"/>
-              </a:solidFill>
-              <a:latin typeface="+mj-lt"/>
-              <a:ea typeface="맑은 고딕" charset="-127"/>
-              <a:cs typeface="맑은 고딕" charset="-127"/>
-            </a:endParaRPr>
+              <a:t>스토리보드 제작</a:t>
+            </a:r>
           </a:p>
         </p:txBody>
       </p:sp>
     </p:spTree>
     <p:extLst>
       <p:ext uri="{BB962C8B-B14F-4D97-AF65-F5344CB8AC3E}">
-        <p14:creationId xmlns:p14="http://schemas.microsoft.com/office/powerpoint/2010/main" val="3953577241"/>
+        <p14:creationId xmlns:p14="http://schemas.microsoft.com/office/powerpoint/2010/main" val="4131486605"/>
       </p:ext>
     </p:extLst>
   </p:cSld>
@@ -12526,7 +13531,7 @@
           <p:cNvPr id="2" name="제목 1">
             <a:extLst>
               <a:ext uri="{FF2B5EF4-FFF2-40B4-BE49-F238E27FC236}">
-                <a16:creationId xmlns:a16="http://schemas.microsoft.com/office/drawing/2014/main" id="{2135F92A-65F5-4C7A-8C04-BF5F199039F2}"/>
+                <a16:creationId xmlns:a16="http://schemas.microsoft.com/office/drawing/2014/main" id="{FEF97B69-9031-4A28-901F-246C46549083}"/>
               </a:ext>
             </a:extLst>
           </p:cNvPr>
@@ -12551,7 +13556,7 @@
           <p:cNvPr id="3" name="내용 개체 틀 2">
             <a:extLst>
               <a:ext uri="{FF2B5EF4-FFF2-40B4-BE49-F238E27FC236}">
-                <a16:creationId xmlns:a16="http://schemas.microsoft.com/office/drawing/2014/main" id="{FB21A4AE-E1C2-4042-9B9E-43F419C42235}"/>
+                <a16:creationId xmlns:a16="http://schemas.microsoft.com/office/drawing/2014/main" id="{7B537D8F-5982-4653-B96A-BB8B9CAB7064}"/>
               </a:ext>
             </a:extLst>
           </p:cNvPr>
@@ -12569,15 +13574,30 @@
           <a:p>
             <a:r>
               <a:rPr lang="ko-KR" altLang="en-US" dirty="0"/>
-              <a:t>목표한 제품이 맞는 검증한다</a:t>
-            </a:r>
+              <a:t>기능 구현에 대한 디자인 구상</a:t>
+            </a:r>
+            <a:endParaRPr lang="en-US" altLang="ko-KR" dirty="0"/>
+          </a:p>
+          <a:p>
+            <a:endParaRPr lang="en-US" altLang="ko-KR" dirty="0"/>
+          </a:p>
+          <a:p>
+            <a:r>
+              <a:rPr lang="ko-KR" altLang="en-US" dirty="0"/>
+              <a:t>디자인에 따른 동작을 기술하고 연계 한다</a:t>
+            </a:r>
+            <a:r>
+              <a:rPr lang="en-US" altLang="ko-KR" dirty="0"/>
+              <a:t>.</a:t>
+            </a:r>
+            <a:endParaRPr lang="ko-KR" altLang="en-US" dirty="0"/>
           </a:p>
         </p:txBody>
       </p:sp>
     </p:spTree>
     <p:extLst>
       <p:ext uri="{BB962C8B-B14F-4D97-AF65-F5344CB8AC3E}">
-        <p14:creationId xmlns:p14="http://schemas.microsoft.com/office/powerpoint/2010/main" val="539587114"/>
+        <p14:creationId xmlns:p14="http://schemas.microsoft.com/office/powerpoint/2010/main" val="1723942396"/>
       </p:ext>
     </p:extLst>
   </p:cSld>
@@ -12856,6 +13876,752 @@
     <p:extLst>
       <p:ext uri="{BB962C8B-B14F-4D97-AF65-F5344CB8AC3E}">
         <p14:creationId xmlns:p14="http://schemas.microsoft.com/office/powerpoint/2010/main" val="2800463732"/>
+      </p:ext>
+    </p:extLst>
+  </p:cSld>
+  <p:clrMapOvr>
+    <a:masterClrMapping/>
+  </p:clrMapOvr>
+</p:sld>
+</file>
+
+<file path=ppt/slides/slide30.xml><?xml version="1.0" encoding="utf-8"?>
+<p:sld xmlns:a="http://schemas.openxmlformats.org/drawingml/2006/main" xmlns:r="http://schemas.openxmlformats.org/officeDocument/2006/relationships" xmlns:p="http://schemas.openxmlformats.org/presentationml/2006/main">
+  <p:cSld>
+    <p:spTree>
+      <p:nvGrpSpPr>
+        <p:cNvPr id="1" name=""/>
+        <p:cNvGrpSpPr/>
+        <p:nvPr/>
+      </p:nvGrpSpPr>
+      <p:grpSpPr>
+        <a:xfrm>
+          <a:off x="0" y="0"/>
+          <a:ext cx="0" cy="0"/>
+          <a:chOff x="0" y="0"/>
+          <a:chExt cx="0" cy="0"/>
+        </a:xfrm>
+      </p:grpSpPr>
+      <p:sp>
+        <p:nvSpPr>
+          <p:cNvPr id="10" name="직사각형 9"/>
+          <p:cNvSpPr/>
+          <p:nvPr/>
+        </p:nvSpPr>
+        <p:spPr>
+          <a:xfrm>
+            <a:off x="-1" y="2398426"/>
+            <a:ext cx="12192001" cy="1338109"/>
+          </a:xfrm>
+          <a:prstGeom prst="rect">
+            <a:avLst/>
+          </a:prstGeom>
+          <a:solidFill>
+            <a:schemeClr val="accent1">
+              <a:lumMod val="75000"/>
+            </a:schemeClr>
+          </a:solidFill>
+          <a:ln>
+            <a:noFill/>
+          </a:ln>
+        </p:spPr>
+        <p:style>
+          <a:lnRef idx="2">
+            <a:schemeClr val="accent1">
+              <a:shade val="50000"/>
+            </a:schemeClr>
+          </a:lnRef>
+          <a:fillRef idx="1">
+            <a:schemeClr val="accent1"/>
+          </a:fillRef>
+          <a:effectRef idx="0">
+            <a:schemeClr val="accent1"/>
+          </a:effectRef>
+          <a:fontRef idx="minor">
+            <a:schemeClr val="lt1"/>
+          </a:fontRef>
+        </p:style>
+        <p:txBody>
+          <a:bodyPr rtlCol="0" anchor="ctr"/>
+          <a:lstStyle/>
+          <a:p>
+            <a:pPr algn="ctr"/>
+            <a:endParaRPr kumimoji="1" lang="ko-KR" altLang="en-US" dirty="0"/>
+          </a:p>
+        </p:txBody>
+      </p:sp>
+      <p:sp>
+        <p:nvSpPr>
+          <p:cNvPr id="12" name="부제목 2"/>
+          <p:cNvSpPr txBox="1">
+            <a:spLocks/>
+          </p:cNvSpPr>
+          <p:nvPr/>
+        </p:nvSpPr>
+        <p:spPr>
+          <a:xfrm>
+            <a:off x="1" y="2608234"/>
+            <a:ext cx="12192000" cy="754314"/>
+          </a:xfrm>
+          <a:prstGeom prst="rect">
+            <a:avLst/>
+          </a:prstGeom>
+        </p:spPr>
+        <p:txBody>
+          <a:bodyPr vert="horz" lIns="91440" tIns="45720" rIns="91440" bIns="45720" rtlCol="0" anchor="ctr">
+            <a:noAutofit/>
+          </a:bodyPr>
+          <a:lstStyle>
+            <a:lvl1pPr marL="0" indent="0" algn="ctr" defTabSz="914423" rtl="0" eaLnBrk="1" latinLnBrk="1" hangingPunct="1">
+              <a:lnSpc>
+                <a:spcPct val="90000"/>
+              </a:lnSpc>
+              <a:spcBef>
+                <a:spcPts val="1001"/>
+              </a:spcBef>
+              <a:buFont typeface="Arial"/>
+              <a:buNone/>
+              <a:defRPr sz="2400" kern="1200">
+                <a:solidFill>
+                  <a:schemeClr val="tx1"/>
+                </a:solidFill>
+                <a:latin typeface="+mn-lt"/>
+                <a:ea typeface="+mn-ea"/>
+                <a:cs typeface="+mn-cs"/>
+              </a:defRPr>
+            </a:lvl1pPr>
+            <a:lvl2pPr marL="457211" indent="0" algn="ctr" defTabSz="914423" rtl="0" eaLnBrk="1" latinLnBrk="1" hangingPunct="1">
+              <a:lnSpc>
+                <a:spcPct val="90000"/>
+              </a:lnSpc>
+              <a:spcBef>
+                <a:spcPts val="500"/>
+              </a:spcBef>
+              <a:buFont typeface="Arial"/>
+              <a:buNone/>
+              <a:defRPr sz="2000" kern="1200">
+                <a:solidFill>
+                  <a:schemeClr val="tx1"/>
+                </a:solidFill>
+                <a:latin typeface="+mn-lt"/>
+                <a:ea typeface="+mn-ea"/>
+                <a:cs typeface="+mn-cs"/>
+              </a:defRPr>
+            </a:lvl2pPr>
+            <a:lvl3pPr marL="914423" indent="0" algn="ctr" defTabSz="914423" rtl="0" eaLnBrk="1" latinLnBrk="1" hangingPunct="1">
+              <a:lnSpc>
+                <a:spcPct val="90000"/>
+              </a:lnSpc>
+              <a:spcBef>
+                <a:spcPts val="500"/>
+              </a:spcBef>
+              <a:buFont typeface="Arial"/>
+              <a:buNone/>
+              <a:defRPr sz="1801" kern="1200">
+                <a:solidFill>
+                  <a:schemeClr val="tx1"/>
+                </a:solidFill>
+                <a:latin typeface="+mn-lt"/>
+                <a:ea typeface="+mn-ea"/>
+                <a:cs typeface="+mn-cs"/>
+              </a:defRPr>
+            </a:lvl3pPr>
+            <a:lvl4pPr marL="1371634" indent="0" algn="ctr" defTabSz="914423" rtl="0" eaLnBrk="1" latinLnBrk="1" hangingPunct="1">
+              <a:lnSpc>
+                <a:spcPct val="90000"/>
+              </a:lnSpc>
+              <a:spcBef>
+                <a:spcPts val="500"/>
+              </a:spcBef>
+              <a:buFont typeface="Arial"/>
+              <a:buNone/>
+              <a:defRPr sz="1600" kern="1200">
+                <a:solidFill>
+                  <a:schemeClr val="tx1"/>
+                </a:solidFill>
+                <a:latin typeface="+mn-lt"/>
+                <a:ea typeface="+mn-ea"/>
+                <a:cs typeface="+mn-cs"/>
+              </a:defRPr>
+            </a:lvl4pPr>
+            <a:lvl5pPr marL="1828846" indent="0" algn="ctr" defTabSz="914423" rtl="0" eaLnBrk="1" latinLnBrk="1" hangingPunct="1">
+              <a:lnSpc>
+                <a:spcPct val="90000"/>
+              </a:lnSpc>
+              <a:spcBef>
+                <a:spcPts val="500"/>
+              </a:spcBef>
+              <a:buFont typeface="Arial"/>
+              <a:buNone/>
+              <a:defRPr sz="1600" kern="1200">
+                <a:solidFill>
+                  <a:schemeClr val="tx1"/>
+                </a:solidFill>
+                <a:latin typeface="+mn-lt"/>
+                <a:ea typeface="+mn-ea"/>
+                <a:cs typeface="+mn-cs"/>
+              </a:defRPr>
+            </a:lvl5pPr>
+            <a:lvl6pPr marL="2286057" indent="0" algn="ctr" defTabSz="914423" rtl="0" eaLnBrk="1" latinLnBrk="1" hangingPunct="1">
+              <a:lnSpc>
+                <a:spcPct val="90000"/>
+              </a:lnSpc>
+              <a:spcBef>
+                <a:spcPts val="500"/>
+              </a:spcBef>
+              <a:buFont typeface="Arial"/>
+              <a:buNone/>
+              <a:defRPr sz="1600" kern="1200">
+                <a:solidFill>
+                  <a:schemeClr val="tx1"/>
+                </a:solidFill>
+                <a:latin typeface="+mn-lt"/>
+                <a:ea typeface="+mn-ea"/>
+                <a:cs typeface="+mn-cs"/>
+              </a:defRPr>
+            </a:lvl6pPr>
+            <a:lvl7pPr marL="2743269" indent="0" algn="ctr" defTabSz="914423" rtl="0" eaLnBrk="1" latinLnBrk="1" hangingPunct="1">
+              <a:lnSpc>
+                <a:spcPct val="90000"/>
+              </a:lnSpc>
+              <a:spcBef>
+                <a:spcPts val="500"/>
+              </a:spcBef>
+              <a:buFont typeface="Arial"/>
+              <a:buNone/>
+              <a:defRPr sz="1600" kern="1200">
+                <a:solidFill>
+                  <a:schemeClr val="tx1"/>
+                </a:solidFill>
+                <a:latin typeface="+mn-lt"/>
+                <a:ea typeface="+mn-ea"/>
+                <a:cs typeface="+mn-cs"/>
+              </a:defRPr>
+            </a:lvl7pPr>
+            <a:lvl8pPr marL="3200480" indent="0" algn="ctr" defTabSz="914423" rtl="0" eaLnBrk="1" latinLnBrk="1" hangingPunct="1">
+              <a:lnSpc>
+                <a:spcPct val="90000"/>
+              </a:lnSpc>
+              <a:spcBef>
+                <a:spcPts val="500"/>
+              </a:spcBef>
+              <a:buFont typeface="Arial"/>
+              <a:buNone/>
+              <a:defRPr sz="1600" kern="1200">
+                <a:solidFill>
+                  <a:schemeClr val="tx1"/>
+                </a:solidFill>
+                <a:latin typeface="+mn-lt"/>
+                <a:ea typeface="+mn-ea"/>
+                <a:cs typeface="+mn-cs"/>
+              </a:defRPr>
+            </a:lvl8pPr>
+            <a:lvl9pPr marL="3657691" indent="0" algn="ctr" defTabSz="914423" rtl="0" eaLnBrk="1" latinLnBrk="1" hangingPunct="1">
+              <a:lnSpc>
+                <a:spcPct val="90000"/>
+              </a:lnSpc>
+              <a:spcBef>
+                <a:spcPts val="500"/>
+              </a:spcBef>
+              <a:buFont typeface="Arial"/>
+              <a:buNone/>
+              <a:defRPr sz="1600" kern="1200">
+                <a:solidFill>
+                  <a:schemeClr val="tx1"/>
+                </a:solidFill>
+                <a:latin typeface="+mn-lt"/>
+                <a:ea typeface="+mn-ea"/>
+                <a:cs typeface="+mn-cs"/>
+              </a:defRPr>
+            </a:lvl9pPr>
+          </a:lstStyle>
+          <a:p>
+            <a:r>
+              <a:rPr lang="ko-KR" altLang="en-US" sz="4800" dirty="0">
+                <a:solidFill>
+                  <a:schemeClr val="bg1"/>
+                </a:solidFill>
+                <a:latin typeface="+mj-lt"/>
+                <a:ea typeface="맑은 고딕" charset="-127"/>
+                <a:cs typeface="맑은 고딕" charset="-127"/>
+              </a:rPr>
+              <a:t>구현</a:t>
+            </a:r>
+          </a:p>
+        </p:txBody>
+      </p:sp>
+    </p:spTree>
+    <p:extLst>
+      <p:ext uri="{BB962C8B-B14F-4D97-AF65-F5344CB8AC3E}">
+        <p14:creationId xmlns:p14="http://schemas.microsoft.com/office/powerpoint/2010/main" val="1697315730"/>
+      </p:ext>
+    </p:extLst>
+  </p:cSld>
+  <p:clrMapOvr>
+    <a:masterClrMapping/>
+  </p:clrMapOvr>
+</p:sld>
+</file>
+
+<file path=ppt/slides/slide31.xml><?xml version="1.0" encoding="utf-8"?>
+<p:sld xmlns:a="http://schemas.openxmlformats.org/drawingml/2006/main" xmlns:r="http://schemas.openxmlformats.org/officeDocument/2006/relationships" xmlns:p="http://schemas.openxmlformats.org/presentationml/2006/main">
+  <p:cSld>
+    <p:spTree>
+      <p:nvGrpSpPr>
+        <p:cNvPr id="1" name=""/>
+        <p:cNvGrpSpPr/>
+        <p:nvPr/>
+      </p:nvGrpSpPr>
+      <p:grpSpPr>
+        <a:xfrm>
+          <a:off x="0" y="0"/>
+          <a:ext cx="0" cy="0"/>
+          <a:chOff x="0" y="0"/>
+          <a:chExt cx="0" cy="0"/>
+        </a:xfrm>
+      </p:grpSpPr>
+      <p:sp>
+        <p:nvSpPr>
+          <p:cNvPr id="2" name="제목 1">
+            <a:extLst>
+              <a:ext uri="{FF2B5EF4-FFF2-40B4-BE49-F238E27FC236}">
+                <a16:creationId xmlns:a16="http://schemas.microsoft.com/office/drawing/2014/main" id="{2135F92A-65F5-4C7A-8C04-BF5F199039F2}"/>
+              </a:ext>
+            </a:extLst>
+          </p:cNvPr>
+          <p:cNvSpPr>
+            <a:spLocks noGrp="1"/>
+          </p:cNvSpPr>
+          <p:nvPr>
+            <p:ph type="title"/>
+          </p:nvPr>
+        </p:nvSpPr>
+        <p:spPr/>
+        <p:txBody>
+          <a:bodyPr/>
+          <a:lstStyle/>
+          <a:p>
+            <a:endParaRPr lang="ko-KR" altLang="en-US"/>
+          </a:p>
+        </p:txBody>
+      </p:sp>
+      <p:sp>
+        <p:nvSpPr>
+          <p:cNvPr id="3" name="내용 개체 틀 2">
+            <a:extLst>
+              <a:ext uri="{FF2B5EF4-FFF2-40B4-BE49-F238E27FC236}">
+                <a16:creationId xmlns:a16="http://schemas.microsoft.com/office/drawing/2014/main" id="{FB21A4AE-E1C2-4042-9B9E-43F419C42235}"/>
+              </a:ext>
+            </a:extLst>
+          </p:cNvPr>
+          <p:cNvSpPr>
+            <a:spLocks noGrp="1"/>
+          </p:cNvSpPr>
+          <p:nvPr>
+            <p:ph idx="1"/>
+          </p:nvPr>
+        </p:nvSpPr>
+        <p:spPr/>
+        <p:txBody>
+          <a:bodyPr/>
+          <a:lstStyle/>
+          <a:p>
+            <a:r>
+              <a:rPr lang="ko-KR" altLang="en-US" dirty="0"/>
+              <a:t>코드를 작성하고 버그를 수정한다</a:t>
+            </a:r>
+            <a:r>
+              <a:rPr lang="en-US" altLang="ko-KR" dirty="0"/>
+              <a:t>.</a:t>
+            </a:r>
+            <a:endParaRPr lang="ko-KR" altLang="en-US" dirty="0"/>
+          </a:p>
+        </p:txBody>
+      </p:sp>
+    </p:spTree>
+    <p:extLst>
+      <p:ext uri="{BB962C8B-B14F-4D97-AF65-F5344CB8AC3E}">
+        <p14:creationId xmlns:p14="http://schemas.microsoft.com/office/powerpoint/2010/main" val="1303733429"/>
+      </p:ext>
+    </p:extLst>
+  </p:cSld>
+  <p:clrMapOvr>
+    <a:masterClrMapping/>
+  </p:clrMapOvr>
+</p:sld>
+</file>
+
+<file path=ppt/slides/slide32.xml><?xml version="1.0" encoding="utf-8"?>
+<p:sld xmlns:a="http://schemas.openxmlformats.org/drawingml/2006/main" xmlns:r="http://schemas.openxmlformats.org/officeDocument/2006/relationships" xmlns:p="http://schemas.openxmlformats.org/presentationml/2006/main">
+  <p:cSld>
+    <p:spTree>
+      <p:nvGrpSpPr>
+        <p:cNvPr id="1" name=""/>
+        <p:cNvGrpSpPr/>
+        <p:nvPr/>
+      </p:nvGrpSpPr>
+      <p:grpSpPr>
+        <a:xfrm>
+          <a:off x="0" y="0"/>
+          <a:ext cx="0" cy="0"/>
+          <a:chOff x="0" y="0"/>
+          <a:chExt cx="0" cy="0"/>
+        </a:xfrm>
+      </p:grpSpPr>
+      <p:sp>
+        <p:nvSpPr>
+          <p:cNvPr id="10" name="직사각형 9"/>
+          <p:cNvSpPr/>
+          <p:nvPr/>
+        </p:nvSpPr>
+        <p:spPr>
+          <a:xfrm>
+            <a:off x="-1" y="2398426"/>
+            <a:ext cx="12192001" cy="1338109"/>
+          </a:xfrm>
+          <a:prstGeom prst="rect">
+            <a:avLst/>
+          </a:prstGeom>
+          <a:solidFill>
+            <a:schemeClr val="accent1">
+              <a:lumMod val="75000"/>
+            </a:schemeClr>
+          </a:solidFill>
+          <a:ln>
+            <a:noFill/>
+          </a:ln>
+        </p:spPr>
+        <p:style>
+          <a:lnRef idx="2">
+            <a:schemeClr val="accent1">
+              <a:shade val="50000"/>
+            </a:schemeClr>
+          </a:lnRef>
+          <a:fillRef idx="1">
+            <a:schemeClr val="accent1"/>
+          </a:fillRef>
+          <a:effectRef idx="0">
+            <a:schemeClr val="accent1"/>
+          </a:effectRef>
+          <a:fontRef idx="minor">
+            <a:schemeClr val="lt1"/>
+          </a:fontRef>
+        </p:style>
+        <p:txBody>
+          <a:bodyPr rtlCol="0" anchor="ctr"/>
+          <a:lstStyle/>
+          <a:p>
+            <a:pPr algn="ctr"/>
+            <a:endParaRPr kumimoji="1" lang="ko-KR" altLang="en-US" dirty="0"/>
+          </a:p>
+        </p:txBody>
+      </p:sp>
+      <p:sp>
+        <p:nvSpPr>
+          <p:cNvPr id="12" name="부제목 2"/>
+          <p:cNvSpPr txBox="1">
+            <a:spLocks/>
+          </p:cNvSpPr>
+          <p:nvPr/>
+        </p:nvSpPr>
+        <p:spPr>
+          <a:xfrm>
+            <a:off x="1" y="2608234"/>
+            <a:ext cx="12192000" cy="754314"/>
+          </a:xfrm>
+          <a:prstGeom prst="rect">
+            <a:avLst/>
+          </a:prstGeom>
+        </p:spPr>
+        <p:txBody>
+          <a:bodyPr vert="horz" lIns="91440" tIns="45720" rIns="91440" bIns="45720" rtlCol="0" anchor="ctr">
+            <a:noAutofit/>
+          </a:bodyPr>
+          <a:lstStyle>
+            <a:lvl1pPr marL="0" indent="0" algn="ctr" defTabSz="914423" rtl="0" eaLnBrk="1" latinLnBrk="1" hangingPunct="1">
+              <a:lnSpc>
+                <a:spcPct val="90000"/>
+              </a:lnSpc>
+              <a:spcBef>
+                <a:spcPts val="1001"/>
+              </a:spcBef>
+              <a:buFont typeface="Arial"/>
+              <a:buNone/>
+              <a:defRPr sz="2400" kern="1200">
+                <a:solidFill>
+                  <a:schemeClr val="tx1"/>
+                </a:solidFill>
+                <a:latin typeface="+mn-lt"/>
+                <a:ea typeface="+mn-ea"/>
+                <a:cs typeface="+mn-cs"/>
+              </a:defRPr>
+            </a:lvl1pPr>
+            <a:lvl2pPr marL="457211" indent="0" algn="ctr" defTabSz="914423" rtl="0" eaLnBrk="1" latinLnBrk="1" hangingPunct="1">
+              <a:lnSpc>
+                <a:spcPct val="90000"/>
+              </a:lnSpc>
+              <a:spcBef>
+                <a:spcPts val="500"/>
+              </a:spcBef>
+              <a:buFont typeface="Arial"/>
+              <a:buNone/>
+              <a:defRPr sz="2000" kern="1200">
+                <a:solidFill>
+                  <a:schemeClr val="tx1"/>
+                </a:solidFill>
+                <a:latin typeface="+mn-lt"/>
+                <a:ea typeface="+mn-ea"/>
+                <a:cs typeface="+mn-cs"/>
+              </a:defRPr>
+            </a:lvl2pPr>
+            <a:lvl3pPr marL="914423" indent="0" algn="ctr" defTabSz="914423" rtl="0" eaLnBrk="1" latinLnBrk="1" hangingPunct="1">
+              <a:lnSpc>
+                <a:spcPct val="90000"/>
+              </a:lnSpc>
+              <a:spcBef>
+                <a:spcPts val="500"/>
+              </a:spcBef>
+              <a:buFont typeface="Arial"/>
+              <a:buNone/>
+              <a:defRPr sz="1801" kern="1200">
+                <a:solidFill>
+                  <a:schemeClr val="tx1"/>
+                </a:solidFill>
+                <a:latin typeface="+mn-lt"/>
+                <a:ea typeface="+mn-ea"/>
+                <a:cs typeface="+mn-cs"/>
+              </a:defRPr>
+            </a:lvl3pPr>
+            <a:lvl4pPr marL="1371634" indent="0" algn="ctr" defTabSz="914423" rtl="0" eaLnBrk="1" latinLnBrk="1" hangingPunct="1">
+              <a:lnSpc>
+                <a:spcPct val="90000"/>
+              </a:lnSpc>
+              <a:spcBef>
+                <a:spcPts val="500"/>
+              </a:spcBef>
+              <a:buFont typeface="Arial"/>
+              <a:buNone/>
+              <a:defRPr sz="1600" kern="1200">
+                <a:solidFill>
+                  <a:schemeClr val="tx1"/>
+                </a:solidFill>
+                <a:latin typeface="+mn-lt"/>
+                <a:ea typeface="+mn-ea"/>
+                <a:cs typeface="+mn-cs"/>
+              </a:defRPr>
+            </a:lvl4pPr>
+            <a:lvl5pPr marL="1828846" indent="0" algn="ctr" defTabSz="914423" rtl="0" eaLnBrk="1" latinLnBrk="1" hangingPunct="1">
+              <a:lnSpc>
+                <a:spcPct val="90000"/>
+              </a:lnSpc>
+              <a:spcBef>
+                <a:spcPts val="500"/>
+              </a:spcBef>
+              <a:buFont typeface="Arial"/>
+              <a:buNone/>
+              <a:defRPr sz="1600" kern="1200">
+                <a:solidFill>
+                  <a:schemeClr val="tx1"/>
+                </a:solidFill>
+                <a:latin typeface="+mn-lt"/>
+                <a:ea typeface="+mn-ea"/>
+                <a:cs typeface="+mn-cs"/>
+              </a:defRPr>
+            </a:lvl5pPr>
+            <a:lvl6pPr marL="2286057" indent="0" algn="ctr" defTabSz="914423" rtl="0" eaLnBrk="1" latinLnBrk="1" hangingPunct="1">
+              <a:lnSpc>
+                <a:spcPct val="90000"/>
+              </a:lnSpc>
+              <a:spcBef>
+                <a:spcPts val="500"/>
+              </a:spcBef>
+              <a:buFont typeface="Arial"/>
+              <a:buNone/>
+              <a:defRPr sz="1600" kern="1200">
+                <a:solidFill>
+                  <a:schemeClr val="tx1"/>
+                </a:solidFill>
+                <a:latin typeface="+mn-lt"/>
+                <a:ea typeface="+mn-ea"/>
+                <a:cs typeface="+mn-cs"/>
+              </a:defRPr>
+            </a:lvl6pPr>
+            <a:lvl7pPr marL="2743269" indent="0" algn="ctr" defTabSz="914423" rtl="0" eaLnBrk="1" latinLnBrk="1" hangingPunct="1">
+              <a:lnSpc>
+                <a:spcPct val="90000"/>
+              </a:lnSpc>
+              <a:spcBef>
+                <a:spcPts val="500"/>
+              </a:spcBef>
+              <a:buFont typeface="Arial"/>
+              <a:buNone/>
+              <a:defRPr sz="1600" kern="1200">
+                <a:solidFill>
+                  <a:schemeClr val="tx1"/>
+                </a:solidFill>
+                <a:latin typeface="+mn-lt"/>
+                <a:ea typeface="+mn-ea"/>
+                <a:cs typeface="+mn-cs"/>
+              </a:defRPr>
+            </a:lvl7pPr>
+            <a:lvl8pPr marL="3200480" indent="0" algn="ctr" defTabSz="914423" rtl="0" eaLnBrk="1" latinLnBrk="1" hangingPunct="1">
+              <a:lnSpc>
+                <a:spcPct val="90000"/>
+              </a:lnSpc>
+              <a:spcBef>
+                <a:spcPts val="500"/>
+              </a:spcBef>
+              <a:buFont typeface="Arial"/>
+              <a:buNone/>
+              <a:defRPr sz="1600" kern="1200">
+                <a:solidFill>
+                  <a:schemeClr val="tx1"/>
+                </a:solidFill>
+                <a:latin typeface="+mn-lt"/>
+                <a:ea typeface="+mn-ea"/>
+                <a:cs typeface="+mn-cs"/>
+              </a:defRPr>
+            </a:lvl8pPr>
+            <a:lvl9pPr marL="3657691" indent="0" algn="ctr" defTabSz="914423" rtl="0" eaLnBrk="1" latinLnBrk="1" hangingPunct="1">
+              <a:lnSpc>
+                <a:spcPct val="90000"/>
+              </a:lnSpc>
+              <a:spcBef>
+                <a:spcPts val="500"/>
+              </a:spcBef>
+              <a:buFont typeface="Arial"/>
+              <a:buNone/>
+              <a:defRPr sz="1600" kern="1200">
+                <a:solidFill>
+                  <a:schemeClr val="tx1"/>
+                </a:solidFill>
+                <a:latin typeface="+mn-lt"/>
+                <a:ea typeface="+mn-ea"/>
+                <a:cs typeface="+mn-cs"/>
+              </a:defRPr>
+            </a:lvl9pPr>
+          </a:lstStyle>
+          <a:p>
+            <a:r>
+              <a:rPr lang="ko-KR" altLang="en-US" sz="4800" dirty="0">
+                <a:solidFill>
+                  <a:schemeClr val="bg1"/>
+                </a:solidFill>
+                <a:latin typeface="+mj-lt"/>
+                <a:ea typeface="맑은 고딕" charset="-127"/>
+                <a:cs typeface="맑은 고딕" charset="-127"/>
+              </a:rPr>
+              <a:t>제품 </a:t>
+            </a:r>
+            <a:r>
+              <a:rPr lang="en-US" altLang="ko-KR" sz="4800" dirty="0">
+                <a:solidFill>
+                  <a:schemeClr val="bg1"/>
+                </a:solidFill>
+                <a:latin typeface="+mj-lt"/>
+                <a:ea typeface="맑은 고딕" charset="-127"/>
+                <a:cs typeface="맑은 고딕" charset="-127"/>
+              </a:rPr>
+              <a:t>Review</a:t>
+            </a:r>
+            <a:endParaRPr lang="ko-KR" altLang="en-US" sz="4800" dirty="0">
+              <a:solidFill>
+                <a:schemeClr val="bg1"/>
+              </a:solidFill>
+              <a:latin typeface="+mj-lt"/>
+              <a:ea typeface="맑은 고딕" charset="-127"/>
+              <a:cs typeface="맑은 고딕" charset="-127"/>
+            </a:endParaRPr>
+          </a:p>
+        </p:txBody>
+      </p:sp>
+    </p:spTree>
+    <p:extLst>
+      <p:ext uri="{BB962C8B-B14F-4D97-AF65-F5344CB8AC3E}">
+        <p14:creationId xmlns:p14="http://schemas.microsoft.com/office/powerpoint/2010/main" val="3953577241"/>
+      </p:ext>
+    </p:extLst>
+  </p:cSld>
+  <p:clrMapOvr>
+    <a:masterClrMapping/>
+  </p:clrMapOvr>
+</p:sld>
+</file>
+
+<file path=ppt/slides/slide33.xml><?xml version="1.0" encoding="utf-8"?>
+<p:sld xmlns:a="http://schemas.openxmlformats.org/drawingml/2006/main" xmlns:r="http://schemas.openxmlformats.org/officeDocument/2006/relationships" xmlns:p="http://schemas.openxmlformats.org/presentationml/2006/main">
+  <p:cSld>
+    <p:spTree>
+      <p:nvGrpSpPr>
+        <p:cNvPr id="1" name=""/>
+        <p:cNvGrpSpPr/>
+        <p:nvPr/>
+      </p:nvGrpSpPr>
+      <p:grpSpPr>
+        <a:xfrm>
+          <a:off x="0" y="0"/>
+          <a:ext cx="0" cy="0"/>
+          <a:chOff x="0" y="0"/>
+          <a:chExt cx="0" cy="0"/>
+        </a:xfrm>
+      </p:grpSpPr>
+      <p:sp>
+        <p:nvSpPr>
+          <p:cNvPr id="2" name="제목 1">
+            <a:extLst>
+              <a:ext uri="{FF2B5EF4-FFF2-40B4-BE49-F238E27FC236}">
+                <a16:creationId xmlns:a16="http://schemas.microsoft.com/office/drawing/2014/main" id="{2135F92A-65F5-4C7A-8C04-BF5F199039F2}"/>
+              </a:ext>
+            </a:extLst>
+          </p:cNvPr>
+          <p:cNvSpPr>
+            <a:spLocks noGrp="1"/>
+          </p:cNvSpPr>
+          <p:nvPr>
+            <p:ph type="title"/>
+          </p:nvPr>
+        </p:nvSpPr>
+        <p:spPr/>
+        <p:txBody>
+          <a:bodyPr/>
+          <a:lstStyle/>
+          <a:p>
+            <a:endParaRPr lang="ko-KR" altLang="en-US"/>
+          </a:p>
+        </p:txBody>
+      </p:sp>
+      <p:sp>
+        <p:nvSpPr>
+          <p:cNvPr id="3" name="내용 개체 틀 2">
+            <a:extLst>
+              <a:ext uri="{FF2B5EF4-FFF2-40B4-BE49-F238E27FC236}">
+                <a16:creationId xmlns:a16="http://schemas.microsoft.com/office/drawing/2014/main" id="{FB21A4AE-E1C2-4042-9B9E-43F419C42235}"/>
+              </a:ext>
+            </a:extLst>
+          </p:cNvPr>
+          <p:cNvSpPr>
+            <a:spLocks noGrp="1"/>
+          </p:cNvSpPr>
+          <p:nvPr>
+            <p:ph idx="1"/>
+          </p:nvPr>
+        </p:nvSpPr>
+        <p:spPr/>
+        <p:txBody>
+          <a:bodyPr/>
+          <a:lstStyle/>
+          <a:p>
+            <a:r>
+              <a:rPr lang="ko-KR" altLang="en-US" dirty="0"/>
+              <a:t>목표한 제품이 맞는 검증한다</a:t>
+            </a:r>
+          </a:p>
+        </p:txBody>
+      </p:sp>
+    </p:spTree>
+    <p:extLst>
+      <p:ext uri="{BB962C8B-B14F-4D97-AF65-F5344CB8AC3E}">
+        <p14:creationId xmlns:p14="http://schemas.microsoft.com/office/powerpoint/2010/main" val="539587114"/>
       </p:ext>
     </p:extLst>
   </p:cSld>
@@ -13946,7 +15712,7 @@
             </a:r>
             <a:r>
               <a:rPr lang="en-US" altLang="ko-KR" sz="1500"/>
-              <a:t>? dev-c++</a:t>
+              <a:t>? visualstudio</a:t>
             </a:r>
             <a:r>
               <a:rPr lang="ko-KR" altLang="en-US" sz="1500"/>

--- a/2021_Summer/jp.hong/Project_BnC_jph.pptx
+++ b/2021_Summer/jp.hong/Project_BnC_jph.pptx
@@ -2,7 +2,7 @@
 <file path=ppt/presentation.xml><?xml version="1.0" encoding="utf-8"?>
 <p:presentation xmlns:r="http://schemas.openxmlformats.org/officeDocument/2006/relationships" xmlns:c="http://schemas.openxmlformats.org/drawingml/2006/chart" xmlns:a="http://schemas.openxmlformats.org/drawingml/2006/main" xmlns:dgm="http://schemas.openxmlformats.org/drawingml/2006/diagram" xmlns:dsp="http://schemas.microsoft.com/office/drawing/2008/diagram" xmlns:p="http://schemas.openxmlformats.org/presentationml/2006/main">
   <p:sldMasterIdLst>
-    <p:sldMasterId id="2147483697" r:id="rId1"/>
+    <p:sldMasterId id="2147483684" r:id="rId1"/>
   </p:sldMasterIdLst>
   <p:sldIdLst>
     <p:sldId id="261" r:id="rId2"/>
@@ -17,27 +17,29 @@
     <p:sldId id="314" r:id="rId11"/>
     <p:sldId id="315" r:id="rId12"/>
     <p:sldId id="319" r:id="rId13"/>
-    <p:sldId id="318" r:id="rId14"/>
-    <p:sldId id="288" r:id="rId15"/>
-    <p:sldId id="323" r:id="rId16"/>
-    <p:sldId id="324" r:id="rId17"/>
-    <p:sldId id="325" r:id="rId18"/>
-    <p:sldId id="326" r:id="rId19"/>
-    <p:sldId id="327" r:id="rId20"/>
-    <p:sldId id="328" r:id="rId21"/>
-    <p:sldId id="329" r:id="rId22"/>
-    <p:sldId id="289" r:id="rId23"/>
-    <p:sldId id="297" r:id="rId24"/>
-    <p:sldId id="290" r:id="rId25"/>
-    <p:sldId id="298" r:id="rId26"/>
-    <p:sldId id="291" r:id="rId27"/>
-    <p:sldId id="299" r:id="rId28"/>
-    <p:sldId id="292" r:id="rId29"/>
-    <p:sldId id="300" r:id="rId30"/>
-    <p:sldId id="306" r:id="rId31"/>
-    <p:sldId id="307" r:id="rId32"/>
-    <p:sldId id="294" r:id="rId33"/>
-    <p:sldId id="302" r:id="rId34"/>
+    <p:sldId id="288" r:id="rId14"/>
+    <p:sldId id="318" r:id="rId15"/>
+    <p:sldId id="330" r:id="rId16"/>
+    <p:sldId id="331" r:id="rId17"/>
+    <p:sldId id="323" r:id="rId18"/>
+    <p:sldId id="324" r:id="rId19"/>
+    <p:sldId id="325" r:id="rId20"/>
+    <p:sldId id="326" r:id="rId21"/>
+    <p:sldId id="327" r:id="rId22"/>
+    <p:sldId id="329" r:id="rId23"/>
+    <p:sldId id="333" r:id="rId24"/>
+    <p:sldId id="289" r:id="rId25"/>
+    <p:sldId id="297" r:id="rId26"/>
+    <p:sldId id="290" r:id="rId27"/>
+    <p:sldId id="298" r:id="rId28"/>
+    <p:sldId id="291" r:id="rId29"/>
+    <p:sldId id="299" r:id="rId30"/>
+    <p:sldId id="292" r:id="rId31"/>
+    <p:sldId id="300" r:id="rId32"/>
+    <p:sldId id="306" r:id="rId33"/>
+    <p:sldId id="307" r:id="rId34"/>
+    <p:sldId id="294" r:id="rId35"/>
+    <p:sldId id="302" r:id="rId36"/>
   </p:sldIdLst>
   <p:sldSz cx="12192000" cy="6858000"/>
   <p:notesSz cx="7104063" cy="10234613"/>
@@ -4500,7 +4502,7 @@
         </p:spPr>
         <p:txBody>
           <a:bodyPr>
-            <a:normAutofit fontScale="92500" lnSpcReduction="20000"/>
+            <a:normAutofit fontScale="92500" lnSpcReduction="10000"/>
           </a:bodyPr>
           <a:lstStyle/>
           <a:p>
@@ -4784,13 +4786,13 @@
         </p:nvSpPr>
         <p:spPr>
           <a:xfrm>
-            <a:off x="838200" y="432153"/>
-            <a:ext cx="10515600" cy="5744810"/>
+            <a:off x="0" y="47624"/>
+            <a:ext cx="12192000" cy="6858000"/>
           </a:xfrm>
         </p:spPr>
         <p:txBody>
           <a:bodyPr>
-            <a:normAutofit fontScale="92500" lnSpcReduction="10000"/>
+            <a:normAutofit fontScale="92500" lnSpcReduction="20000"/>
           </a:bodyPr>
           <a:lstStyle/>
           <a:p>
@@ -4902,6 +4904,28 @@
                 <a:hlinkClick r:id="rId3"/>
               </a:rPr>
               <a:t>https://fflask.tistory.com/36</a:t>
+            </a:r>
+            <a:endParaRPr lang="en-US" altLang="ko-KR"/>
+          </a:p>
+          <a:p>
+            <a:pPr>
+              <a:defRPr/>
+            </a:pPr>
+            <a:r>
+              <a:rPr lang="en-US" altLang="ko-KR">
+                <a:hlinkClick r:id="rId4"/>
+              </a:rPr>
+              <a:t>https://seopseop911.tistory.com/30</a:t>
+            </a:r>
+            <a:endParaRPr lang="en-US" altLang="ko-KR"/>
+          </a:p>
+          <a:p>
+            <a:pPr>
+              <a:defRPr/>
+            </a:pPr>
+            <a:r>
+              <a:rPr lang="en-US" altLang="ko-KR"/>
+              <a:t>https://yongku.tistory.com/entry/%EC%95%88%EB%93%9C%EB%A1%9C%EC%9D%B4%EB%93%9C-%EC%8A%A4%ED%8A%9C%EB%94%94%EC%98%A4Android-Studio-SQLite%EB%A5%BC-%EC%9D%B4%EC%9A%A9%ED%95%9C-%EB%8D%B0%EC%9D%B4%ED%84%B0%EB%B2%A0%EC%9D%B4%EC%8A%A4DB-%EB%A7%8C%EB%93%A4%EA%B8%B0</a:t>
             </a:r>
             <a:endParaRPr lang="en-US" altLang="ko-KR"/>
           </a:p>
@@ -4928,7 +4952,7 @@
               <a:rPr lang="ko-KR" altLang="en-US"/>
               <a:t>요구사항 정의 및 분석 </a:t>
             </a:r>
-            <a:endParaRPr lang="en-US" altLang="ko-KR"/>
+            <a:endParaRPr lang="ko-KR" altLang="en-US"/>
           </a:p>
           <a:p>
             <a:pPr algn="just">
@@ -4953,11 +4977,11 @@
             </a:r>
             <a:r>
               <a:rPr xmlns:mc="http://schemas.openxmlformats.org/markup-compatibility/2006" xmlns:hp="http://schemas.haansoft.com/office/presentation/8.0" lang="EN-US" b="0" i="0" u="sng" strike="noStrike" mc:Ignorable="hp" hp:hslEmbossed="0">
-                <a:hlinkClick r:id="rId4"/>
+                <a:hlinkClick r:id="rId5"/>
               </a:rPr>
               <a:t>https://cos2.tistory.com/962</a:t>
             </a:r>
-            <a:endParaRPr xmlns:mc="http://schemas.openxmlformats.org/markup-compatibility/2006" xmlns:hp="http://schemas.haansoft.com/office/presentation/8.0" lang="EN-US" sz="1764" b="0" i="0" u="sng" strike="noStrike" mc:Ignorable="hp" hp:hslEmbossed="0"/>
+            <a:endParaRPr xmlns:mc="http://schemas.openxmlformats.org/markup-compatibility/2006" xmlns:hp="http://schemas.haansoft.com/office/presentation/8.0" lang="EN-US" b="0" i="0" u="sng" strike="noStrike" mc:Ignorable="hp" hp:hslEmbossed="0"/>
           </a:p>
           <a:p>
             <a:pPr marL="0" indent="0" algn="just">
@@ -4975,13 +4999,43 @@
             </a:pPr>
             <a:r>
               <a:rPr xmlns:mc="http://schemas.openxmlformats.org/markup-compatibility/2006" xmlns:hp="http://schemas.haansoft.com/office/presentation/8.0" lang="EN-US" sz="1764" b="0" i="0" u="sng" strike="noStrike" mc:Ignorable="hp" hp:hslEmbossed="0">
-                <a:hlinkClick r:id="rId5"/>
+                <a:hlinkClick r:id="rId6"/>
               </a:rPr>
               <a:t>https://velog.io/@kjh03160/1-%EC%86%8C%ED%94%84%ED%8A%B8%EC%9B%A8%EC%96%B4-%EC%84%A4%EA%B3%84.-1.-%EC%9A%94%EA%B5%AC-%EC%82%AC%ED%95%AD-%ED%99%95%EC%9D%B8.-2-%EC%9A%94%EA%B5%AC-%EC%82%AC%ED%95%AD-%EB%B6%84%EC%84%9D</a:t>
             </a:r>
-            <a:endParaRPr xmlns:mc="http://schemas.openxmlformats.org/markup-compatibility/2006" xmlns:hp="http://schemas.haansoft.com/office/presentation/8.0" lang="EN-US" b="0" i="0" u="sng" strike="noStrike" mc:Ignorable="hp" hp:hslEmbossed="0">
-              <a:hlinkClick r:id="rId5"/>
-            </a:endParaRPr>
+            <a:endParaRPr xmlns:mc="http://schemas.openxmlformats.org/markup-compatibility/2006" xmlns:hp="http://schemas.haansoft.com/office/presentation/8.0" lang="EN-US" sz="1764" b="0" i="0" u="sng" strike="noStrike" mc:Ignorable="hp" hp:hslEmbossed="0"/>
+          </a:p>
+          <a:p>
+            <a:pPr marL="0" indent="0" algn="just">
+              <a:lnSpc>
+                <a:spcPct val="160000"/>
+              </a:lnSpc>
+              <a:spcBef>
+                <a:spcPts val="0"/>
+              </a:spcBef>
+              <a:spcAft>
+                <a:spcPts val="0"/>
+              </a:spcAft>
+              <a:buNone/>
+              <a:defRPr/>
+            </a:pPr>
+            <a:endParaRPr xmlns:mc="http://schemas.openxmlformats.org/markup-compatibility/2006" xmlns:hp="http://schemas.haansoft.com/office/presentation/8.0" lang="EN-US" sz="1764" b="0" i="0" u="sng" strike="noStrike" mc:Ignorable="hp" hp:hslEmbossed="0"/>
+          </a:p>
+          <a:p>
+            <a:pPr marL="0" indent="0" algn="just">
+              <a:lnSpc>
+                <a:spcPct val="160000"/>
+              </a:lnSpc>
+              <a:spcBef>
+                <a:spcPts val="0"/>
+              </a:spcBef>
+              <a:spcAft>
+                <a:spcPts val="0"/>
+              </a:spcAft>
+              <a:buNone/>
+              <a:defRPr/>
+            </a:pPr>
+            <a:endParaRPr xmlns:mc="http://schemas.openxmlformats.org/markup-compatibility/2006" xmlns:hp="http://schemas.haansoft.com/office/presentation/8.0" lang="en-US" altLang="ko-KR" sz="1764" b="0" i="0" u="sng" strike="noStrike" mc:Ignorable="hp" hp:hslEmbossed="0"/>
           </a:p>
           <a:p>
             <a:pPr marL="0" indent="0" algn="just">
@@ -5030,6 +5084,371 @@
 </file>
 
 <file path=ppt/slides/slide13.xml><?xml version="1.0" encoding="utf-8"?>
+<p:sld xmlns:r="http://schemas.openxmlformats.org/officeDocument/2006/relationships" xmlns:c="http://schemas.openxmlformats.org/drawingml/2006/chart" xmlns:a="http://schemas.openxmlformats.org/drawingml/2006/main" xmlns:dgm="http://schemas.openxmlformats.org/drawingml/2006/diagram" xmlns:dsp="http://schemas.microsoft.com/office/drawing/2008/diagram" xmlns:p="http://schemas.openxmlformats.org/presentationml/2006/main">
+  <p:cSld>
+    <p:spTree>
+      <p:nvGrpSpPr>
+        <p:cNvPr id="1" name=""/>
+        <p:cNvGrpSpPr/>
+        <p:nvPr/>
+      </p:nvGrpSpPr>
+      <p:grpSpPr>
+        <a:xfrm>
+          <a:off x="0" y="0"/>
+          <a:ext cx="0" cy="0"/>
+          <a:chOff x="0" y="0"/>
+          <a:chExt cx="0" cy="0"/>
+        </a:xfrm>
+      </p:grpSpPr>
+      <p:sp>
+        <p:nvSpPr>
+          <p:cNvPr id="10" name="직사각형 9"/>
+          <p:cNvSpPr/>
+          <p:nvPr/>
+        </p:nvSpPr>
+        <p:spPr>
+          <a:xfrm>
+            <a:off x="-1" y="2398426"/>
+            <a:ext cx="12192001" cy="1338109"/>
+          </a:xfrm>
+          <a:prstGeom prst="rect">
+            <a:avLst/>
+          </a:prstGeom>
+          <a:solidFill>
+            <a:schemeClr val="accent1">
+              <a:lumMod val="75000"/>
+            </a:schemeClr>
+          </a:solidFill>
+          <a:ln>
+            <a:noFill/>
+          </a:ln>
+        </p:spPr>
+        <p:style>
+          <a:lnRef idx="2">
+            <a:schemeClr val="accent1">
+              <a:shade val="50000"/>
+            </a:schemeClr>
+          </a:lnRef>
+          <a:fillRef idx="1">
+            <a:schemeClr val="accent1"/>
+          </a:fillRef>
+          <a:effectRef idx="0">
+            <a:schemeClr val="accent1"/>
+          </a:effectRef>
+          <a:fontRef idx="minor">
+            <a:schemeClr val="lt1"/>
+          </a:fontRef>
+        </p:style>
+        <p:txBody>
+          <a:bodyPr anchor="ctr"/>
+          <a:lstStyle/>
+          <a:p>
+            <a:pPr algn="ctr">
+              <a:defRPr/>
+            </a:pPr>
+            <a:endParaRPr kumimoji="1" lang="ko-KR" altLang="en-US"/>
+          </a:p>
+        </p:txBody>
+      </p:sp>
+      <p:sp>
+        <p:nvSpPr>
+          <p:cNvPr id="12" name="부제목 2"/>
+          <p:cNvSpPr txBox="1"/>
+          <p:nvPr/>
+        </p:nvSpPr>
+        <p:spPr>
+          <a:xfrm>
+            <a:off x="1" y="2608234"/>
+            <a:ext cx="12192000" cy="754314"/>
+          </a:xfrm>
+          <a:prstGeom prst="rect">
+            <a:avLst/>
+          </a:prstGeom>
+        </p:spPr>
+        <p:txBody>
+          <a:bodyPr vert="horz" lIns="91440" tIns="45720" rIns="91440" bIns="45720" anchor="ctr">
+            <a:noAutofit/>
+          </a:bodyPr>
+          <a:lstStyle>
+            <a:lvl1pPr marL="0" indent="0" algn="ctr" defTabSz="914423" rtl="0" eaLnBrk="1" latinLnBrk="1" hangingPunct="1">
+              <a:lnSpc>
+                <a:spcPct val="90000"/>
+              </a:lnSpc>
+              <a:spcBef>
+                <a:spcPts val="1001"/>
+              </a:spcBef>
+              <a:buFont typeface="Arial"/>
+              <a:buNone/>
+              <a:defRPr sz="2400" kern="1200">
+                <a:solidFill>
+                  <a:schemeClr val="tx1"/>
+                </a:solidFill>
+                <a:latin typeface="+mn-lt"/>
+                <a:ea typeface="+mn-ea"/>
+                <a:cs typeface="+mn-cs"/>
+              </a:defRPr>
+            </a:lvl1pPr>
+            <a:lvl2pPr marL="457211" indent="0" algn="ctr" defTabSz="914423" rtl="0" eaLnBrk="1" latinLnBrk="1" hangingPunct="1">
+              <a:lnSpc>
+                <a:spcPct val="90000"/>
+              </a:lnSpc>
+              <a:spcBef>
+                <a:spcPts val="500"/>
+              </a:spcBef>
+              <a:buFont typeface="Arial"/>
+              <a:buNone/>
+              <a:defRPr sz="2000" kern="1200">
+                <a:solidFill>
+                  <a:schemeClr val="tx1"/>
+                </a:solidFill>
+                <a:latin typeface="+mn-lt"/>
+                <a:ea typeface="+mn-ea"/>
+                <a:cs typeface="+mn-cs"/>
+              </a:defRPr>
+            </a:lvl2pPr>
+            <a:lvl3pPr marL="914423" indent="0" algn="ctr" defTabSz="914423" rtl="0" eaLnBrk="1" latinLnBrk="1" hangingPunct="1">
+              <a:lnSpc>
+                <a:spcPct val="90000"/>
+              </a:lnSpc>
+              <a:spcBef>
+                <a:spcPts val="500"/>
+              </a:spcBef>
+              <a:buFont typeface="Arial"/>
+              <a:buNone/>
+              <a:defRPr sz="1801" kern="1200">
+                <a:solidFill>
+                  <a:schemeClr val="tx1"/>
+                </a:solidFill>
+                <a:latin typeface="+mn-lt"/>
+                <a:ea typeface="+mn-ea"/>
+                <a:cs typeface="+mn-cs"/>
+              </a:defRPr>
+            </a:lvl3pPr>
+            <a:lvl4pPr marL="1371634" indent="0" algn="ctr" defTabSz="914423" rtl="0" eaLnBrk="1" latinLnBrk="1" hangingPunct="1">
+              <a:lnSpc>
+                <a:spcPct val="90000"/>
+              </a:lnSpc>
+              <a:spcBef>
+                <a:spcPts val="500"/>
+              </a:spcBef>
+              <a:buFont typeface="Arial"/>
+              <a:buNone/>
+              <a:defRPr sz="1600" kern="1200">
+                <a:solidFill>
+                  <a:schemeClr val="tx1"/>
+                </a:solidFill>
+                <a:latin typeface="+mn-lt"/>
+                <a:ea typeface="+mn-ea"/>
+                <a:cs typeface="+mn-cs"/>
+              </a:defRPr>
+            </a:lvl4pPr>
+            <a:lvl5pPr marL="1828846" indent="0" algn="ctr" defTabSz="914423" rtl="0" eaLnBrk="1" latinLnBrk="1" hangingPunct="1">
+              <a:lnSpc>
+                <a:spcPct val="90000"/>
+              </a:lnSpc>
+              <a:spcBef>
+                <a:spcPts val="500"/>
+              </a:spcBef>
+              <a:buFont typeface="Arial"/>
+              <a:buNone/>
+              <a:defRPr sz="1600" kern="1200">
+                <a:solidFill>
+                  <a:schemeClr val="tx1"/>
+                </a:solidFill>
+                <a:latin typeface="+mn-lt"/>
+                <a:ea typeface="+mn-ea"/>
+                <a:cs typeface="+mn-cs"/>
+              </a:defRPr>
+            </a:lvl5pPr>
+            <a:lvl6pPr marL="2286057" indent="0" algn="ctr" defTabSz="914423" rtl="0" eaLnBrk="1" latinLnBrk="1" hangingPunct="1">
+              <a:lnSpc>
+                <a:spcPct val="90000"/>
+              </a:lnSpc>
+              <a:spcBef>
+                <a:spcPts val="500"/>
+              </a:spcBef>
+              <a:buFont typeface="Arial"/>
+              <a:buNone/>
+              <a:defRPr sz="1600" kern="1200">
+                <a:solidFill>
+                  <a:schemeClr val="tx1"/>
+                </a:solidFill>
+                <a:latin typeface="+mn-lt"/>
+                <a:ea typeface="+mn-ea"/>
+                <a:cs typeface="+mn-cs"/>
+              </a:defRPr>
+            </a:lvl6pPr>
+            <a:lvl7pPr marL="2743269" indent="0" algn="ctr" defTabSz="914423" rtl="0" eaLnBrk="1" latinLnBrk="1" hangingPunct="1">
+              <a:lnSpc>
+                <a:spcPct val="90000"/>
+              </a:lnSpc>
+              <a:spcBef>
+                <a:spcPts val="500"/>
+              </a:spcBef>
+              <a:buFont typeface="Arial"/>
+              <a:buNone/>
+              <a:defRPr sz="1600" kern="1200">
+                <a:solidFill>
+                  <a:schemeClr val="tx1"/>
+                </a:solidFill>
+                <a:latin typeface="+mn-lt"/>
+                <a:ea typeface="+mn-ea"/>
+                <a:cs typeface="+mn-cs"/>
+              </a:defRPr>
+            </a:lvl7pPr>
+            <a:lvl8pPr marL="3200480" indent="0" algn="ctr" defTabSz="914423" rtl="0" eaLnBrk="1" latinLnBrk="1" hangingPunct="1">
+              <a:lnSpc>
+                <a:spcPct val="90000"/>
+              </a:lnSpc>
+              <a:spcBef>
+                <a:spcPts val="500"/>
+              </a:spcBef>
+              <a:buFont typeface="Arial"/>
+              <a:buNone/>
+              <a:defRPr sz="1600" kern="1200">
+                <a:solidFill>
+                  <a:schemeClr val="tx1"/>
+                </a:solidFill>
+                <a:latin typeface="+mn-lt"/>
+                <a:ea typeface="+mn-ea"/>
+                <a:cs typeface="+mn-cs"/>
+              </a:defRPr>
+            </a:lvl8pPr>
+            <a:lvl9pPr marL="3657691" indent="0" algn="ctr" defTabSz="914423" rtl="0" eaLnBrk="1" latinLnBrk="1" hangingPunct="1">
+              <a:lnSpc>
+                <a:spcPct val="90000"/>
+              </a:lnSpc>
+              <a:spcBef>
+                <a:spcPts val="500"/>
+              </a:spcBef>
+              <a:buFont typeface="Arial"/>
+              <a:buNone/>
+              <a:defRPr sz="1600" kern="1200">
+                <a:solidFill>
+                  <a:schemeClr val="tx1"/>
+                </a:solidFill>
+                <a:latin typeface="+mn-lt"/>
+                <a:ea typeface="+mn-ea"/>
+                <a:cs typeface="+mn-cs"/>
+              </a:defRPr>
+            </a:lvl9pPr>
+          </a:lstStyle>
+          <a:p>
+            <a:pPr lvl="0">
+              <a:defRPr/>
+            </a:pPr>
+            <a:r>
+              <a:rPr lang="ko-KR" altLang="en-US" sz="4800">
+                <a:solidFill>
+                  <a:schemeClr val="bg1"/>
+                </a:solidFill>
+                <a:latin typeface="+mj-lt"/>
+                <a:ea typeface="맑은 고딕"/>
+                <a:cs typeface="맑은 고딕"/>
+              </a:rPr>
+              <a:t>요구사항 정의</a:t>
+            </a:r>
+            <a:endParaRPr lang="ko-KR" altLang="en-US" sz="4800">
+              <a:solidFill>
+                <a:schemeClr val="bg1"/>
+              </a:solidFill>
+              <a:latin typeface="+mj-lt"/>
+              <a:ea typeface="맑은 고딕"/>
+              <a:cs typeface="맑은 고딕"/>
+            </a:endParaRPr>
+          </a:p>
+        </p:txBody>
+      </p:sp>
+      <p:sp>
+        <p:nvSpPr>
+          <p:cNvPr id="13" name="내용 개체 틀 2"/>
+          <p:cNvSpPr>
+            <a:spLocks noGrp="1"/>
+          </p:cNvSpPr>
+          <p:nvPr>
+            <p:ph idx="1"/>
+          </p:nvPr>
+        </p:nvSpPr>
+        <p:spPr>
+          <a:xfrm>
+            <a:off x="3025421" y="3924652"/>
+            <a:ext cx="10515600" cy="2305226"/>
+          </a:xfrm>
+        </p:spPr>
+        <p:txBody>
+          <a:bodyPr vert="horz" lIns="91440" tIns="45720" rIns="91440" bIns="45720">
+            <a:normAutofit/>
+          </a:bodyPr>
+          <a:lstStyle/>
+          <a:p>
+            <a:pPr>
+              <a:defRPr/>
+            </a:pPr>
+            <a:r>
+              <a:rPr lang="en-US" altLang="ko-KR"/>
+              <a:t>2-1</a:t>
+            </a:r>
+            <a:r>
+              <a:rPr lang="ko-KR" altLang="en-US"/>
+              <a:t> 제품 설명 및 타사 </a:t>
+            </a:r>
+            <a:r>
+              <a:rPr lang="en-US" altLang="ko-KR"/>
+              <a:t>APP</a:t>
+            </a:r>
+            <a:r>
+              <a:rPr lang="ko-KR" altLang="en-US"/>
+              <a:t>과 기능 비교 </a:t>
+            </a:r>
+            <a:endParaRPr lang="ko-KR" altLang="en-US"/>
+          </a:p>
+          <a:p>
+            <a:pPr>
+              <a:defRPr/>
+            </a:pPr>
+            <a:r>
+              <a:rPr lang="en-US" altLang="ko-KR"/>
+              <a:t>2-2</a:t>
+            </a:r>
+            <a:r>
+              <a:rPr lang="ko-KR" altLang="en-US"/>
+              <a:t> 요구사항 수집 및 정의</a:t>
+            </a:r>
+            <a:endParaRPr lang="ko-KR" altLang="en-US"/>
+          </a:p>
+          <a:p>
+            <a:pPr>
+              <a:defRPr/>
+            </a:pPr>
+            <a:r>
+              <a:rPr lang="en-US" altLang="ko-KR"/>
+              <a:t>2-3</a:t>
+            </a:r>
+            <a:r>
+              <a:rPr lang="ko-KR" altLang="en-US"/>
+              <a:t> 요구사항 분석</a:t>
+            </a:r>
+            <a:endParaRPr lang="ko-KR" altLang="en-US"/>
+          </a:p>
+        </p:txBody>
+      </p:sp>
+    </p:spTree>
+  </p:cSld>
+  <p:clrMapOvr>
+    <a:masterClrMapping/>
+  </p:clrMapOvr>
+  <mc:AlternateContent xmlns:mc="http://schemas.openxmlformats.org/markup-compatibility/2006">
+    <mc:Choice xmlns:p14="http://schemas.microsoft.com/office/powerpoint/2010/main" Requires="p14">
+      <p:transition xmlns:mc="http://schemas.openxmlformats.org/markup-compatibility/2006" xmlns:p14="http://schemas.microsoft.com/office/powerpoint/2010/main" mc:Ignorable="p14" p14:dur="500"/>
+    </mc:Choice>
+    <mc:Fallback>
+      <p:transition/>
+    </mc:Fallback>
+  </mc:AlternateContent>
+</p:sld>
+</file>
+
+<file path=ppt/slides/slide14.xml><?xml version="1.0" encoding="utf-8"?>
 <p:sld xmlns:r="http://schemas.openxmlformats.org/officeDocument/2006/relationships" xmlns:c="http://schemas.openxmlformats.org/drawingml/2006/chart" xmlns:a="http://schemas.openxmlformats.org/drawingml/2006/main" xmlns:dgm="http://schemas.openxmlformats.org/drawingml/2006/diagram" xmlns:dsp="http://schemas.microsoft.com/office/drawing/2008/diagram" xmlns:p="http://schemas.openxmlformats.org/presentationml/2006/main">
   <p:cSld>
     <p:spTree>
@@ -5711,7 +6130,7 @@
 </p:sld>
 </file>
 
-<file path=ppt/slides/slide14.xml><?xml version="1.0" encoding="utf-8"?>
+<file path=ppt/slides/slide15.xml><?xml version="1.0" encoding="utf-8"?>
 <p:sld xmlns:r="http://schemas.openxmlformats.org/officeDocument/2006/relationships" xmlns:c="http://schemas.openxmlformats.org/drawingml/2006/chart" xmlns:a="http://schemas.openxmlformats.org/drawingml/2006/main" xmlns:dgm="http://schemas.openxmlformats.org/drawingml/2006/diagram" xmlns:dsp="http://schemas.microsoft.com/office/drawing/2008/diagram" xmlns:p="http://schemas.openxmlformats.org/presentationml/2006/main">
   <p:cSld>
     <p:spTree>
@@ -5730,22 +6149,20 @@
       </p:grpSpPr>
       <p:sp>
         <p:nvSpPr>
-          <p:cNvPr id="10" name="직사각형 9"/>
+          <p:cNvPr id="4" name="직사각형 9"/>
           <p:cNvSpPr/>
           <p:nvPr/>
         </p:nvSpPr>
         <p:spPr>
           <a:xfrm>
-            <a:off x="-1" y="2398426"/>
+            <a:off x="0" y="0"/>
             <a:ext cx="12192001" cy="1338109"/>
           </a:xfrm>
           <a:prstGeom prst="rect">
             <a:avLst/>
           </a:prstGeom>
           <a:solidFill>
-            <a:schemeClr val="accent1">
-              <a:lumMod val="75000"/>
-            </a:schemeClr>
+            <a:schemeClr val="accent1"/>
           </a:solidFill>
           <a:ln>
             <a:noFill/>
@@ -5780,216 +6197,495 @@
       </p:sp>
       <p:sp>
         <p:nvSpPr>
-          <p:cNvPr id="12" name="부제목 2"/>
-          <p:cNvSpPr txBox="1"/>
+          <p:cNvPr id="2" name="제목 1"/>
+          <p:cNvSpPr>
+            <a:spLocks noGrp="1"/>
+          </p:cNvSpPr>
+          <p:nvPr>
+            <p:ph type="title" idx="0"/>
+          </p:nvPr>
+        </p:nvSpPr>
+        <p:spPr>
+          <a:xfrm>
+            <a:off x="0" y="0"/>
+            <a:ext cx="11353800" cy="1325563"/>
+          </a:xfrm>
+        </p:spPr>
+        <p:txBody>
+          <a:bodyPr vert="horz" wrap="square" lIns="91440" tIns="45720" rIns="91440" bIns="45720" anchor="ctr">
+            <a:normAutofit/>
+          </a:bodyPr>
+          <a:lstStyle/>
+          <a:p>
+            <a:pPr>
+              <a:spcBef>
+                <a:spcPts val="0"/>
+              </a:spcBef>
+              <a:defRPr/>
+            </a:pPr>
+            <a:r>
+              <a:rPr lang="en-US" altLang="ko-KR">
+                <a:solidFill>
+                  <a:schemeClr val="lt1"/>
+                </a:solidFill>
+              </a:rPr>
+              <a:t>2-1.</a:t>
+            </a:r>
+            <a:r>
+              <a:rPr lang="ko-KR" altLang="en-US">
+                <a:solidFill>
+                  <a:schemeClr val="lt1"/>
+                </a:solidFill>
+              </a:rPr>
+              <a:t> 제품설명</a:t>
+            </a:r>
+            <a:endParaRPr lang="ko-KR" altLang="en-US">
+              <a:solidFill>
+                <a:schemeClr val="lt1"/>
+              </a:solidFill>
+            </a:endParaRPr>
+          </a:p>
+        </p:txBody>
+      </p:sp>
+      <p:sp>
+        <p:nvSpPr>
+          <p:cNvPr id="5" name=""/>
+          <p:cNvSpPr/>
           <p:nvPr/>
         </p:nvSpPr>
         <p:spPr>
           <a:xfrm>
-            <a:off x="1" y="2608234"/>
-            <a:ext cx="12192000" cy="754314"/>
+            <a:off x="0" y="1340826"/>
+            <a:ext cx="12192000" cy="2088173"/>
+          </a:xfrm>
+          <a:prstGeom prst="rect">
+            <a:avLst/>
+          </a:prstGeom>
+          <a:noFill/>
+          <a:ln>
+            <a:noFill/>
+          </a:ln>
+        </p:spPr>
+        <p:style>
+          <a:lnRef idx="2">
+            <a:schemeClr val="accent1">
+              <a:shade val="20000"/>
+            </a:schemeClr>
+          </a:lnRef>
+          <a:fillRef idx="1">
+            <a:schemeClr val="accent1"/>
+          </a:fillRef>
+          <a:effectRef idx="0">
+            <a:schemeClr val="accent1"/>
+          </a:effectRef>
+          <a:fontRef idx="minor">
+            <a:schemeClr val="lt1"/>
+          </a:fontRef>
+        </p:style>
+        <p:txBody>
+          <a:bodyPr vert="horz" wrap="square" lIns="91440" tIns="45720" rIns="91440" bIns="45720" anchor="ctr"/>
+          <a:lstStyle/>
+          <a:p>
+            <a:pPr>
+              <a:defRPr/>
+            </a:pPr>
+            <a:r>
+              <a:rPr lang="ko-KR" altLang="en-US">
+                <a:solidFill>
+                  <a:schemeClr val="dk1"/>
+                </a:solidFill>
+              </a:rPr>
+              <a:t>목적</a:t>
+            </a:r>
+            <a:endParaRPr lang="ko-KR" altLang="en-US">
+              <a:solidFill>
+                <a:schemeClr val="dk1"/>
+              </a:solidFill>
+            </a:endParaRPr>
+          </a:p>
+          <a:p>
+            <a:pPr>
+              <a:defRPr/>
+            </a:pPr>
+            <a:r>
+              <a:rPr lang="en-US" altLang="ko-KR">
+                <a:solidFill>
+                  <a:schemeClr val="dk1"/>
+                </a:solidFill>
+              </a:rPr>
+              <a:t>-</a:t>
+            </a:r>
+            <a:r>
+              <a:rPr lang="ko-KR" altLang="en-US">
+                <a:solidFill>
+                  <a:schemeClr val="dk1"/>
+                </a:solidFill>
+              </a:rPr>
+              <a:t> 차량요인에 있어 큰 비중을 차지하는 것은 타이어 결함, 브레이크의 결함, 정비불량, 차량화재, 엔진결함 등이 존재</a:t>
+            </a:r>
+            <a:endParaRPr lang="ko-KR" altLang="en-US">
+              <a:solidFill>
+                <a:schemeClr val="dk1"/>
+              </a:solidFill>
+            </a:endParaRPr>
+          </a:p>
+          <a:p>
+            <a:pPr>
+              <a:defRPr/>
+            </a:pPr>
+            <a:r>
+              <a:rPr lang="ko-KR" altLang="en-US">
+                <a:solidFill>
+                  <a:schemeClr val="dk1"/>
+                </a:solidFill>
+              </a:rPr>
+              <a:t> </a:t>
+            </a:r>
+            <a:r>
+              <a:rPr lang="en-US" altLang="ko-KR">
+                <a:solidFill>
+                  <a:schemeClr val="dk1"/>
+                </a:solidFill>
+              </a:rPr>
+              <a:t>-</a:t>
+            </a:r>
+            <a:r>
+              <a:rPr lang="ko-KR" altLang="en-US">
+                <a:solidFill>
+                  <a:schemeClr val="dk1"/>
+                </a:solidFill>
+              </a:rPr>
+              <a:t> 자율주행기능 등 차량이 첨단화되면서 소프트웨어 오류 등 전기∙전자 장치에 의한 결함 사고가 증가할 것으로 예상</a:t>
+            </a:r>
+            <a:endParaRPr lang="ko-KR" altLang="en-US">
+              <a:solidFill>
+                <a:schemeClr val="dk1"/>
+              </a:solidFill>
+            </a:endParaRPr>
+          </a:p>
+          <a:p>
+            <a:pPr>
+              <a:defRPr/>
+            </a:pPr>
+            <a:r>
+              <a:rPr lang="ko-KR" altLang="en-US">
+                <a:solidFill>
+                  <a:schemeClr val="dk1"/>
+                </a:solidFill>
+              </a:rPr>
+              <a:t> </a:t>
+            </a:r>
+            <a:r>
+              <a:rPr lang="en-US" altLang="ko-KR">
+                <a:solidFill>
+                  <a:schemeClr val="dk1"/>
+                </a:solidFill>
+              </a:rPr>
+              <a:t>-</a:t>
+            </a:r>
+            <a:r>
+              <a:rPr lang="ko-KR" altLang="en-US">
+                <a:solidFill>
+                  <a:schemeClr val="dk1"/>
+                </a:solidFill>
+              </a:rPr>
+              <a:t> 정기적인 차량 점검으로 교통사고의 가능성 낮출 수 있음</a:t>
+            </a:r>
+            <a:endParaRPr lang="ko-KR" altLang="en-US">
+              <a:solidFill>
+                <a:schemeClr val="dk1"/>
+              </a:solidFill>
+            </a:endParaRPr>
+          </a:p>
+          <a:p>
+            <a:pPr>
+              <a:defRPr/>
+            </a:pPr>
+            <a:r>
+              <a:rPr lang="ko-KR" altLang="en-US">
+                <a:solidFill>
+                  <a:schemeClr val="dk1"/>
+                </a:solidFill>
+              </a:rPr>
+              <a:t> </a:t>
+            </a:r>
+            <a:r>
+              <a:rPr lang="en-US" altLang="ko-KR">
+                <a:solidFill>
+                  <a:schemeClr val="dk1"/>
+                </a:solidFill>
+              </a:rPr>
+              <a:t>-</a:t>
+            </a:r>
+            <a:r>
+              <a:rPr lang="ko-KR" altLang="en-US">
+                <a:solidFill>
+                  <a:schemeClr val="dk1"/>
+                </a:solidFill>
+              </a:rPr>
+              <a:t> 부품</a:t>
+            </a:r>
+            <a:r>
+              <a:rPr lang="en-US" altLang="ko-KR">
+                <a:solidFill>
+                  <a:schemeClr val="dk1"/>
+                </a:solidFill>
+              </a:rPr>
+              <a:t>,</a:t>
+            </a:r>
+            <a:r>
+              <a:rPr lang="ko-KR" altLang="en-US">
+                <a:solidFill>
+                  <a:schemeClr val="dk1"/>
+                </a:solidFill>
+              </a:rPr>
+              <a:t> 기상에 따른 관리 </a:t>
+            </a:r>
+            <a:r>
+              <a:rPr lang="en-US" altLang="ko-KR">
+                <a:solidFill>
+                  <a:schemeClr val="dk1"/>
+                </a:solidFill>
+              </a:rPr>
+              <a:t>tip</a:t>
+            </a:r>
+            <a:r>
+              <a:rPr lang="ko-KR" altLang="en-US">
+                <a:solidFill>
+                  <a:schemeClr val="dk1"/>
+                </a:solidFill>
+              </a:rPr>
+              <a:t>을 제공하여 관리에 용이하게 함</a:t>
+            </a:r>
+            <a:endParaRPr lang="ko-KR" altLang="en-US">
+              <a:solidFill>
+                <a:schemeClr val="dk1"/>
+              </a:solidFill>
+            </a:endParaRPr>
+          </a:p>
+          <a:p>
+            <a:pPr>
+              <a:spcBef>
+                <a:spcPts val="0"/>
+              </a:spcBef>
+              <a:defRPr/>
+            </a:pPr>
+            <a:r>
+              <a:rPr lang="ko-KR" altLang="en-US">
+                <a:solidFill>
+                  <a:schemeClr val="dk1"/>
+                </a:solidFill>
+              </a:rPr>
+              <a:t> </a:t>
+            </a:r>
+            <a:r>
+              <a:rPr lang="en-US" altLang="ko-KR">
+                <a:solidFill>
+                  <a:schemeClr val="dk1"/>
+                </a:solidFill>
+              </a:rPr>
+              <a:t>-</a:t>
+            </a:r>
+            <a:r>
+              <a:rPr lang="ko-KR" altLang="en-US">
+                <a:solidFill>
+                  <a:schemeClr val="dk1"/>
+                </a:solidFill>
+              </a:rPr>
+              <a:t> 차량의 부품 별 정비 받아야 할 시점이 달라 관리하기 어려운 점을 편리하게 해줌</a:t>
+            </a:r>
+            <a:endParaRPr lang="ko-KR" altLang="en-US">
+              <a:solidFill>
+                <a:schemeClr val="dk1"/>
+              </a:solidFill>
+            </a:endParaRPr>
+          </a:p>
+        </p:txBody>
+      </p:sp>
+      <p:pic>
+        <p:nvPicPr>
+          <p:cNvPr id="7" name=""/>
+          <p:cNvPicPr>
+            <a:picLocks noChangeAspect="1"/>
+          </p:cNvPicPr>
+          <p:nvPr/>
+        </p:nvPicPr>
+        <p:blipFill rotWithShape="1">
+          <a:blip r:embed="rId2"/>
+          <a:stretch>
+            <a:fillRect/>
+          </a:stretch>
+        </p:blipFill>
+        <p:spPr>
+          <a:xfrm>
+            <a:off x="682624" y="3429000"/>
+            <a:ext cx="4302125" cy="2663781"/>
           </a:xfrm>
           <a:prstGeom prst="rect">
             <a:avLst/>
           </a:prstGeom>
         </p:spPr>
+      </p:pic>
+      <p:pic>
+        <p:nvPicPr>
+          <p:cNvPr id="9" name=""/>
+          <p:cNvPicPr>
+            <a:picLocks noChangeAspect="1"/>
+          </p:cNvPicPr>
+          <p:nvPr/>
+        </p:nvPicPr>
+        <p:blipFill rotWithShape="1">
+          <a:blip r:embed="rId3"/>
+          <a:stretch>
+            <a:fillRect/>
+          </a:stretch>
+        </p:blipFill>
+        <p:spPr>
+          <a:xfrm>
+            <a:off x="5674783" y="3429000"/>
+            <a:ext cx="5236633" cy="2808049"/>
+          </a:xfrm>
+          <a:prstGeom prst="rect">
+            <a:avLst/>
+          </a:prstGeom>
+        </p:spPr>
+      </p:pic>
+    </p:spTree>
+  </p:cSld>
+  <p:clrMapOvr>
+    <a:masterClrMapping/>
+  </p:clrMapOvr>
+  <mc:AlternateContent xmlns:mc="http://schemas.openxmlformats.org/markup-compatibility/2006">
+    <mc:Choice xmlns:p14="http://schemas.microsoft.com/office/powerpoint/2010/main" Requires="p14">
+      <p:transition xmlns:mc="http://schemas.openxmlformats.org/markup-compatibility/2006" xmlns:p14="http://schemas.microsoft.com/office/powerpoint/2010/main" mc:Ignorable="p14" p14:dur="500"/>
+    </mc:Choice>
+    <mc:Fallback>
+      <p:transition/>
+    </mc:Fallback>
+  </mc:AlternateContent>
+</p:sld>
+</file>
+
+<file path=ppt/slides/slide16.xml><?xml version="1.0" encoding="utf-8"?>
+<p:sld xmlns:r="http://schemas.openxmlformats.org/officeDocument/2006/relationships" xmlns:c="http://schemas.openxmlformats.org/drawingml/2006/chart" xmlns:a="http://schemas.openxmlformats.org/drawingml/2006/main" xmlns:dgm="http://schemas.openxmlformats.org/drawingml/2006/diagram" xmlns:dsp="http://schemas.microsoft.com/office/drawing/2008/diagram" xmlns:p="http://schemas.openxmlformats.org/presentationml/2006/main">
+  <p:cSld>
+    <p:spTree>
+      <p:nvGrpSpPr>
+        <p:cNvPr id="1" name=""/>
+        <p:cNvGrpSpPr/>
+        <p:nvPr/>
+      </p:nvGrpSpPr>
+      <p:grpSpPr>
+        <a:xfrm>
+          <a:off x="0" y="0"/>
+          <a:ext cx="0" cy="0"/>
+          <a:chOff x="0" y="0"/>
+          <a:chExt cx="0" cy="0"/>
+        </a:xfrm>
+      </p:grpSpPr>
+      <p:sp>
+        <p:nvSpPr>
+          <p:cNvPr id="4" name="직사각형 9"/>
+          <p:cNvSpPr/>
+          <p:nvPr/>
+        </p:nvSpPr>
+        <p:spPr>
+          <a:xfrm>
+            <a:off x="0" y="0"/>
+            <a:ext cx="12192001" cy="1338109"/>
+          </a:xfrm>
+          <a:prstGeom prst="rect">
+            <a:avLst/>
+          </a:prstGeom>
+          <a:solidFill>
+            <a:schemeClr val="accent1"/>
+          </a:solidFill>
+          <a:ln>
+            <a:noFill/>
+          </a:ln>
+        </p:spPr>
+        <p:style>
+          <a:lnRef idx="2">
+            <a:schemeClr val="accent1">
+              <a:shade val="50000"/>
+            </a:schemeClr>
+          </a:lnRef>
+          <a:fillRef idx="1">
+            <a:schemeClr val="accent1"/>
+          </a:fillRef>
+          <a:effectRef idx="0">
+            <a:schemeClr val="accent1"/>
+          </a:effectRef>
+          <a:fontRef idx="minor">
+            <a:schemeClr val="lt1"/>
+          </a:fontRef>
+        </p:style>
         <p:txBody>
-          <a:bodyPr vert="horz" lIns="91440" tIns="45720" rIns="91440" bIns="45720" anchor="ctr">
-            <a:noAutofit/>
-          </a:bodyPr>
-          <a:lstStyle>
-            <a:lvl1pPr marL="0" indent="0" algn="ctr" defTabSz="914423" rtl="0" eaLnBrk="1" latinLnBrk="1" hangingPunct="1">
-              <a:lnSpc>
-                <a:spcPct val="90000"/>
-              </a:lnSpc>
-              <a:spcBef>
-                <a:spcPts val="1001"/>
-              </a:spcBef>
-              <a:buFont typeface="Arial"/>
-              <a:buNone/>
-              <a:defRPr sz="2400" kern="1200">
-                <a:solidFill>
-                  <a:schemeClr val="tx1"/>
-                </a:solidFill>
-                <a:latin typeface="+mn-lt"/>
-                <a:ea typeface="+mn-ea"/>
-                <a:cs typeface="+mn-cs"/>
-              </a:defRPr>
-            </a:lvl1pPr>
-            <a:lvl2pPr marL="457211" indent="0" algn="ctr" defTabSz="914423" rtl="0" eaLnBrk="1" latinLnBrk="1" hangingPunct="1">
-              <a:lnSpc>
-                <a:spcPct val="90000"/>
-              </a:lnSpc>
-              <a:spcBef>
-                <a:spcPts val="500"/>
-              </a:spcBef>
-              <a:buFont typeface="Arial"/>
-              <a:buNone/>
-              <a:defRPr sz="2000" kern="1200">
-                <a:solidFill>
-                  <a:schemeClr val="tx1"/>
-                </a:solidFill>
-                <a:latin typeface="+mn-lt"/>
-                <a:ea typeface="+mn-ea"/>
-                <a:cs typeface="+mn-cs"/>
-              </a:defRPr>
-            </a:lvl2pPr>
-            <a:lvl3pPr marL="914423" indent="0" algn="ctr" defTabSz="914423" rtl="0" eaLnBrk="1" latinLnBrk="1" hangingPunct="1">
-              <a:lnSpc>
-                <a:spcPct val="90000"/>
-              </a:lnSpc>
-              <a:spcBef>
-                <a:spcPts val="500"/>
-              </a:spcBef>
-              <a:buFont typeface="Arial"/>
-              <a:buNone/>
-              <a:defRPr sz="1801" kern="1200">
-                <a:solidFill>
-                  <a:schemeClr val="tx1"/>
-                </a:solidFill>
-                <a:latin typeface="+mn-lt"/>
-                <a:ea typeface="+mn-ea"/>
-                <a:cs typeface="+mn-cs"/>
-              </a:defRPr>
-            </a:lvl3pPr>
-            <a:lvl4pPr marL="1371634" indent="0" algn="ctr" defTabSz="914423" rtl="0" eaLnBrk="1" latinLnBrk="1" hangingPunct="1">
-              <a:lnSpc>
-                <a:spcPct val="90000"/>
-              </a:lnSpc>
-              <a:spcBef>
-                <a:spcPts val="500"/>
-              </a:spcBef>
-              <a:buFont typeface="Arial"/>
-              <a:buNone/>
-              <a:defRPr sz="1600" kern="1200">
-                <a:solidFill>
-                  <a:schemeClr val="tx1"/>
-                </a:solidFill>
-                <a:latin typeface="+mn-lt"/>
-                <a:ea typeface="+mn-ea"/>
-                <a:cs typeface="+mn-cs"/>
-              </a:defRPr>
-            </a:lvl4pPr>
-            <a:lvl5pPr marL="1828846" indent="0" algn="ctr" defTabSz="914423" rtl="0" eaLnBrk="1" latinLnBrk="1" hangingPunct="1">
-              <a:lnSpc>
-                <a:spcPct val="90000"/>
-              </a:lnSpc>
-              <a:spcBef>
-                <a:spcPts val="500"/>
-              </a:spcBef>
-              <a:buFont typeface="Arial"/>
-              <a:buNone/>
-              <a:defRPr sz="1600" kern="1200">
-                <a:solidFill>
-                  <a:schemeClr val="tx1"/>
-                </a:solidFill>
-                <a:latin typeface="+mn-lt"/>
-                <a:ea typeface="+mn-ea"/>
-                <a:cs typeface="+mn-cs"/>
-              </a:defRPr>
-            </a:lvl5pPr>
-            <a:lvl6pPr marL="2286057" indent="0" algn="ctr" defTabSz="914423" rtl="0" eaLnBrk="1" latinLnBrk="1" hangingPunct="1">
-              <a:lnSpc>
-                <a:spcPct val="90000"/>
-              </a:lnSpc>
-              <a:spcBef>
-                <a:spcPts val="500"/>
-              </a:spcBef>
-              <a:buFont typeface="Arial"/>
-              <a:buNone/>
-              <a:defRPr sz="1600" kern="1200">
-                <a:solidFill>
-                  <a:schemeClr val="tx1"/>
-                </a:solidFill>
-                <a:latin typeface="+mn-lt"/>
-                <a:ea typeface="+mn-ea"/>
-                <a:cs typeface="+mn-cs"/>
-              </a:defRPr>
-            </a:lvl6pPr>
-            <a:lvl7pPr marL="2743269" indent="0" algn="ctr" defTabSz="914423" rtl="0" eaLnBrk="1" latinLnBrk="1" hangingPunct="1">
-              <a:lnSpc>
-                <a:spcPct val="90000"/>
-              </a:lnSpc>
-              <a:spcBef>
-                <a:spcPts val="500"/>
-              </a:spcBef>
-              <a:buFont typeface="Arial"/>
-              <a:buNone/>
-              <a:defRPr sz="1600" kern="1200">
-                <a:solidFill>
-                  <a:schemeClr val="tx1"/>
-                </a:solidFill>
-                <a:latin typeface="+mn-lt"/>
-                <a:ea typeface="+mn-ea"/>
-                <a:cs typeface="+mn-cs"/>
-              </a:defRPr>
-            </a:lvl7pPr>
-            <a:lvl8pPr marL="3200480" indent="0" algn="ctr" defTabSz="914423" rtl="0" eaLnBrk="1" latinLnBrk="1" hangingPunct="1">
-              <a:lnSpc>
-                <a:spcPct val="90000"/>
-              </a:lnSpc>
-              <a:spcBef>
-                <a:spcPts val="500"/>
-              </a:spcBef>
-              <a:buFont typeface="Arial"/>
-              <a:buNone/>
-              <a:defRPr sz="1600" kern="1200">
-                <a:solidFill>
-                  <a:schemeClr val="tx1"/>
-                </a:solidFill>
-                <a:latin typeface="+mn-lt"/>
-                <a:ea typeface="+mn-ea"/>
-                <a:cs typeface="+mn-cs"/>
-              </a:defRPr>
-            </a:lvl8pPr>
-            <a:lvl9pPr marL="3657691" indent="0" algn="ctr" defTabSz="914423" rtl="0" eaLnBrk="1" latinLnBrk="1" hangingPunct="1">
-              <a:lnSpc>
-                <a:spcPct val="90000"/>
-              </a:lnSpc>
-              <a:spcBef>
-                <a:spcPts val="500"/>
-              </a:spcBef>
-              <a:buFont typeface="Arial"/>
-              <a:buNone/>
-              <a:defRPr sz="1600" kern="1200">
-                <a:solidFill>
-                  <a:schemeClr val="tx1"/>
-                </a:solidFill>
-                <a:latin typeface="+mn-lt"/>
-                <a:ea typeface="+mn-ea"/>
-                <a:cs typeface="+mn-cs"/>
-              </a:defRPr>
-            </a:lvl9pPr>
-          </a:lstStyle>
-          <a:p>
-            <a:pPr lvl="0">
-              <a:defRPr/>
-            </a:pPr>
-            <a:r>
-              <a:rPr lang="ko-KR" altLang="en-US" sz="4800">
-                <a:solidFill>
-                  <a:schemeClr val="bg1"/>
-                </a:solidFill>
-                <a:latin typeface="+mj-lt"/>
-                <a:ea typeface="맑은 고딕"/>
-                <a:cs typeface="맑은 고딕"/>
-              </a:rPr>
-              <a:t>요구사항 정의</a:t>
-            </a:r>
-            <a:endParaRPr lang="ko-KR" altLang="en-US" sz="4800">
-              <a:solidFill>
-                <a:schemeClr val="bg1"/>
-              </a:solidFill>
-              <a:latin typeface="+mj-lt"/>
-              <a:ea typeface="맑은 고딕"/>
-              <a:cs typeface="맑은 고딕"/>
-            </a:endParaRPr>
+          <a:bodyPr anchor="ctr"/>
+          <a:lstStyle/>
+          <a:p>
+            <a:pPr algn="ctr">
+              <a:defRPr/>
+            </a:pPr>
+            <a:endParaRPr kumimoji="1" lang="ko-KR" altLang="en-US"/>
           </a:p>
         </p:txBody>
       </p:sp>
       <p:sp>
         <p:nvSpPr>
-          <p:cNvPr id="13" name="내용 개체 틀 2"/>
+          <p:cNvPr id="2" name="제목 1"/>
+          <p:cNvSpPr>
+            <a:spLocks noGrp="1"/>
+          </p:cNvSpPr>
+          <p:nvPr>
+            <p:ph type="title" idx="0"/>
+          </p:nvPr>
+        </p:nvSpPr>
+        <p:spPr>
+          <a:xfrm>
+            <a:off x="0" y="0"/>
+            <a:ext cx="11353800" cy="1325563"/>
+          </a:xfrm>
+        </p:spPr>
+        <p:txBody>
+          <a:bodyPr vert="horz" wrap="square" lIns="91440" tIns="45720" rIns="91440" bIns="45720" anchor="ctr">
+            <a:normAutofit/>
+          </a:bodyPr>
+          <a:lstStyle/>
+          <a:p>
+            <a:pPr>
+              <a:spcBef>
+                <a:spcPts val="0"/>
+              </a:spcBef>
+              <a:defRPr/>
+            </a:pPr>
+            <a:r>
+              <a:rPr lang="en-US" altLang="ko-KR">
+                <a:solidFill>
+                  <a:schemeClr val="lt1"/>
+                </a:solidFill>
+              </a:rPr>
+              <a:t>2-1.</a:t>
+            </a:r>
+            <a:r>
+              <a:rPr lang="ko-KR" altLang="en-US">
+                <a:solidFill>
+                  <a:schemeClr val="lt1"/>
+                </a:solidFill>
+              </a:rPr>
+              <a:t> 제품설명</a:t>
+            </a:r>
+            <a:endParaRPr lang="ko-KR" altLang="en-US">
+              <a:solidFill>
+                <a:schemeClr val="lt1"/>
+              </a:solidFill>
+            </a:endParaRPr>
+          </a:p>
+        </p:txBody>
+      </p:sp>
+      <p:sp>
+        <p:nvSpPr>
+          <p:cNvPr id="3" name="내용 개체 틀 2"/>
           <p:cNvSpPr>
             <a:spLocks noGrp="1"/>
           </p:cNvSpPr>
@@ -5999,13 +6695,13 @@
         </p:nvSpPr>
         <p:spPr>
           <a:xfrm>
-            <a:off x="3872089" y="3871735"/>
-            <a:ext cx="10515600" cy="2305226"/>
+            <a:off x="0" y="1666874"/>
+            <a:ext cx="12192000" cy="5191125"/>
           </a:xfrm>
         </p:spPr>
         <p:txBody>
-          <a:bodyPr vert="horz" lIns="91440" tIns="45720" rIns="91440" bIns="45720">
-            <a:normAutofit/>
+          <a:bodyPr>
+            <a:normAutofit lnSpcReduction="10000"/>
           </a:bodyPr>
           <a:lstStyle/>
           <a:p>
@@ -6013,50 +6709,338 @@
               <a:defRPr/>
             </a:pPr>
             <a:r>
-              <a:rPr lang="en-US" altLang="ko-KR"/>
-              <a:t>2-1</a:t>
-            </a:r>
-            <a:r>
-              <a:rPr lang="ko-KR" altLang="en-US"/>
-              <a:t> 타사 </a:t>
-            </a:r>
-            <a:r>
-              <a:rPr lang="en-US" altLang="ko-KR"/>
-              <a:t>APP</a:t>
-            </a:r>
-            <a:r>
-              <a:rPr lang="ko-KR" altLang="en-US"/>
-              <a:t>과 기능 비교</a:t>
-            </a:r>
-            <a:endParaRPr lang="ko-KR" altLang="en-US"/>
-          </a:p>
-          <a:p>
-            <a:pPr>
-              <a:defRPr/>
-            </a:pPr>
-            <a:r>
-              <a:rPr lang="en-US" altLang="ko-KR"/>
-              <a:t>2-2</a:t>
-            </a:r>
-            <a:r>
-              <a:rPr lang="ko-KR" altLang="en-US"/>
-              <a:t> 요구사항 수집 및 정의</a:t>
-            </a:r>
-            <a:endParaRPr lang="ko-KR" altLang="en-US"/>
-          </a:p>
-          <a:p>
-            <a:pPr>
-              <a:defRPr/>
-            </a:pPr>
-            <a:r>
-              <a:rPr lang="en-US" altLang="ko-KR"/>
-              <a:t>2-3</a:t>
-            </a:r>
-            <a:r>
-              <a:rPr lang="ko-KR" altLang="en-US"/>
-              <a:t> 요구사항 분석</a:t>
-            </a:r>
-            <a:endParaRPr lang="ko-KR" altLang="en-US"/>
+              <a:rPr lang="ko-KR" altLang="en-US" sz="1500"/>
+              <a:t>제공 서비스</a:t>
+            </a:r>
+            <a:endParaRPr lang="ko-KR" altLang="en-US" sz="1500"/>
+          </a:p>
+          <a:p>
+            <a:pPr marL="0" indent="0">
+              <a:buNone/>
+              <a:defRPr/>
+            </a:pPr>
+            <a:r>
+              <a:rPr lang="ko-KR" altLang="en-US" sz="1500"/>
+              <a:t> </a:t>
+            </a:r>
+            <a:r>
+              <a:rPr lang="en-US" altLang="ko-KR" sz="1500"/>
+              <a:t>-</a:t>
+            </a:r>
+            <a:r>
+              <a:rPr lang="ko-KR" altLang="en-US" sz="1500"/>
+              <a:t> 부품별</a:t>
+            </a:r>
+            <a:r>
+              <a:rPr lang="en-US" altLang="ko-KR" sz="1500"/>
+              <a:t>(ex :</a:t>
+            </a:r>
+            <a:r>
+              <a:rPr lang="ko-KR" altLang="en-US" sz="1500"/>
+              <a:t> 엔진</a:t>
+            </a:r>
+            <a:r>
+              <a:rPr lang="en-US" altLang="ko-KR" sz="1500"/>
+              <a:t>,</a:t>
+            </a:r>
+            <a:r>
+              <a:rPr lang="ko-KR" altLang="en-US" sz="1500"/>
+              <a:t> 타이어</a:t>
+            </a:r>
+            <a:r>
+              <a:rPr lang="en-US" altLang="ko-KR" sz="1500"/>
+              <a:t>,</a:t>
+            </a:r>
+            <a:r>
+              <a:rPr lang="ko-KR" altLang="en-US" sz="1500"/>
+              <a:t> 냉각수 등</a:t>
+            </a:r>
+            <a:r>
+              <a:rPr lang="en-US" altLang="ko-KR" sz="1500"/>
+              <a:t>)</a:t>
+            </a:r>
+            <a:r>
+              <a:rPr lang="ko-KR" altLang="en-US" sz="1500"/>
+              <a:t> 정비 시점을 알림</a:t>
+            </a:r>
+            <a:r>
+              <a:rPr lang="en-US" altLang="ko-KR" sz="1500"/>
+              <a:t>(</a:t>
+            </a:r>
+            <a:r>
+              <a:rPr lang="ko-KR" altLang="en-US" sz="1500"/>
+              <a:t>주행거리로 계산</a:t>
+            </a:r>
+            <a:r>
+              <a:rPr lang="en-US" altLang="ko-KR" sz="1500"/>
+              <a:t>)</a:t>
+            </a:r>
+            <a:endParaRPr lang="en-US" altLang="ko-KR" sz="1500"/>
+          </a:p>
+          <a:p>
+            <a:pPr marL="0" indent="0">
+              <a:buNone/>
+              <a:defRPr/>
+            </a:pPr>
+            <a:r>
+              <a:rPr lang="ko-KR" altLang="en-US" sz="1500"/>
+              <a:t> </a:t>
+            </a:r>
+            <a:r>
+              <a:rPr lang="en-US" altLang="ko-KR" sz="1500"/>
+              <a:t>-</a:t>
+            </a:r>
+            <a:r>
+              <a:rPr lang="ko-KR" altLang="en-US" sz="1500"/>
+              <a:t> 부품 교체 예상 비용</a:t>
+            </a:r>
+            <a:endParaRPr lang="ko-KR" altLang="en-US" sz="1500"/>
+          </a:p>
+          <a:p>
+            <a:pPr marL="0" indent="0">
+              <a:buNone/>
+              <a:defRPr/>
+            </a:pPr>
+            <a:r>
+              <a:rPr lang="ko-KR" altLang="en-US" sz="1500"/>
+              <a:t>  └ 부품의 시세 데이터 및 최저가 비교</a:t>
+            </a:r>
+            <a:endParaRPr lang="ko-KR" altLang="en-US" sz="1500"/>
+          </a:p>
+          <a:p>
+            <a:pPr marL="0" indent="0">
+              <a:buNone/>
+              <a:defRPr/>
+            </a:pPr>
+            <a:r>
+              <a:rPr lang="ko-KR" altLang="en-US" sz="1500"/>
+              <a:t> </a:t>
+            </a:r>
+            <a:r>
+              <a:rPr lang="en-US" altLang="ko-KR" sz="1500"/>
+              <a:t>-</a:t>
+            </a:r>
+            <a:r>
+              <a:rPr lang="ko-KR" altLang="en-US" sz="1500"/>
+              <a:t> 달력으로 점검 날짜 알림 및 기록 입력</a:t>
+            </a:r>
+            <a:r>
+              <a:rPr lang="en-US" altLang="ko-KR" sz="1500"/>
+              <a:t>(</a:t>
+            </a:r>
+            <a:r>
+              <a:rPr lang="ko-KR" altLang="en-US" sz="1500"/>
+              <a:t>시간으로 계산</a:t>
+            </a:r>
+            <a:r>
+              <a:rPr lang="en-US" altLang="ko-KR" sz="1500"/>
+              <a:t>)</a:t>
+            </a:r>
+            <a:endParaRPr lang="en-US" altLang="ko-KR" sz="1500"/>
+          </a:p>
+          <a:p>
+            <a:pPr marL="0" indent="0">
+              <a:buNone/>
+              <a:defRPr/>
+            </a:pPr>
+            <a:r>
+              <a:rPr lang="ko-KR" altLang="en-US" sz="1500"/>
+              <a:t>  └ 달력</a:t>
+            </a:r>
+            <a:endParaRPr lang="ko-KR" altLang="en-US" sz="1500"/>
+          </a:p>
+          <a:p>
+            <a:pPr marL="0" indent="0">
+              <a:buNone/>
+              <a:defRPr/>
+            </a:pPr>
+            <a:r>
+              <a:rPr lang="ko-KR" altLang="en-US" sz="1500"/>
+              <a:t>  └ 달력에 체크 및 메모</a:t>
+            </a:r>
+            <a:endParaRPr lang="ko-KR" altLang="en-US" sz="1500"/>
+          </a:p>
+          <a:p>
+            <a:pPr marL="0" indent="0">
+              <a:buNone/>
+              <a:defRPr/>
+            </a:pPr>
+            <a:r>
+              <a:rPr lang="ko-KR" altLang="en-US" sz="1500"/>
+              <a:t> </a:t>
+            </a:r>
+            <a:r>
+              <a:rPr lang="en-US" altLang="ko-KR" sz="1500"/>
+              <a:t>-</a:t>
+            </a:r>
+            <a:r>
+              <a:rPr lang="ko-KR" altLang="en-US" sz="1500"/>
+              <a:t> 가까운 정비소 위치 제공</a:t>
+            </a:r>
+            <a:endParaRPr lang="ko-KR" altLang="en-US" sz="1500"/>
+          </a:p>
+          <a:p>
+            <a:pPr marL="0" indent="0">
+              <a:buNone/>
+              <a:defRPr/>
+            </a:pPr>
+            <a:r>
+              <a:rPr lang="ko-KR" altLang="en-US" sz="1500"/>
+              <a:t> </a:t>
+            </a:r>
+            <a:r>
+              <a:rPr lang="en-US" altLang="ko-KR" sz="1500"/>
+              <a:t>-</a:t>
+            </a:r>
+            <a:r>
+              <a:rPr lang="ko-KR" altLang="en-US" sz="1500"/>
+              <a:t> 자동차 관련 소식 제공</a:t>
+            </a:r>
+            <a:endParaRPr lang="ko-KR" altLang="en-US" sz="1500"/>
+          </a:p>
+          <a:p>
+            <a:pPr marL="0" indent="0">
+              <a:buNone/>
+              <a:defRPr/>
+            </a:pPr>
+            <a:r>
+              <a:rPr lang="ko-KR" altLang="en-US" sz="1500"/>
+              <a:t> </a:t>
+            </a:r>
+            <a:r>
+              <a:rPr lang="en-US" altLang="ko-KR" sz="1500"/>
+              <a:t>-</a:t>
+            </a:r>
+            <a:r>
+              <a:rPr lang="ko-KR" altLang="en-US" sz="1500"/>
+              <a:t> 부품 별 관리 </a:t>
+            </a:r>
+            <a:r>
+              <a:rPr lang="en-US" altLang="ko-KR" sz="1500"/>
+              <a:t>tip</a:t>
+            </a:r>
+            <a:endParaRPr lang="en-US" altLang="ko-KR" sz="1500"/>
+          </a:p>
+          <a:p>
+            <a:pPr>
+              <a:defRPr/>
+            </a:pPr>
+            <a:endParaRPr lang="en-US" altLang="ko-KR" sz="1500"/>
+          </a:p>
+          <a:p>
+            <a:pPr>
+              <a:defRPr/>
+            </a:pPr>
+            <a:r>
+              <a:rPr lang="ko-KR" altLang="en-US" sz="1500"/>
+              <a:t>한계점</a:t>
+            </a:r>
+            <a:endParaRPr lang="ko-KR" altLang="en-US" sz="1500"/>
+          </a:p>
+          <a:p>
+            <a:pPr marL="0" indent="0">
+              <a:buNone/>
+              <a:defRPr/>
+            </a:pPr>
+            <a:r>
+              <a:rPr lang="ko-KR" altLang="en-US" sz="1500"/>
+              <a:t> </a:t>
+            </a:r>
+            <a:r>
+              <a:rPr lang="en-US" altLang="ko-KR" sz="1500"/>
+              <a:t>-</a:t>
+            </a:r>
+            <a:r>
+              <a:rPr lang="ko-KR" altLang="en-US" sz="1500"/>
+              <a:t> 관련 어플 다수 존재 </a:t>
+            </a:r>
+            <a:r>
+              <a:rPr lang="en-US" altLang="ko-KR" sz="1500"/>
+              <a:t>(</a:t>
+            </a:r>
+            <a:r>
+              <a:rPr lang="ko-KR" altLang="en-US" sz="1500"/>
+              <a:t>마이클</a:t>
+            </a:r>
+            <a:r>
+              <a:rPr lang="en-US" altLang="ko-KR" sz="1500"/>
+              <a:t>,</a:t>
+            </a:r>
+            <a:r>
+              <a:rPr lang="ko-KR" altLang="en-US" sz="1500"/>
+              <a:t> </a:t>
+            </a:r>
+            <a:r>
+              <a:rPr lang="en-US" altLang="ko-KR" sz="1500"/>
+              <a:t>drivvo,</a:t>
+            </a:r>
+            <a:r>
+              <a:rPr lang="ko-KR" altLang="en-US" sz="1500"/>
+              <a:t> 오일나우</a:t>
+            </a:r>
+            <a:r>
+              <a:rPr lang="en-US" altLang="ko-KR" sz="1500"/>
+              <a:t>,</a:t>
+            </a:r>
+            <a:r>
+              <a:rPr lang="ko-KR" altLang="en-US" sz="1500"/>
+              <a:t> 카닥</a:t>
+            </a:r>
+            <a:r>
+              <a:rPr lang="en-US" altLang="ko-KR" sz="1500"/>
+              <a:t>,</a:t>
+            </a:r>
+            <a:r>
+              <a:rPr lang="ko-KR" altLang="en-US" sz="1500"/>
+              <a:t> 국민차계부</a:t>
+            </a:r>
+            <a:r>
+              <a:rPr lang="en-US" altLang="ko-KR" sz="1500"/>
+              <a:t>)</a:t>
+            </a:r>
+            <a:endParaRPr lang="en-US" altLang="ko-KR" sz="1500"/>
+          </a:p>
+          <a:p>
+            <a:pPr marL="0" indent="0">
+              <a:buNone/>
+              <a:defRPr/>
+            </a:pPr>
+            <a:r>
+              <a:rPr lang="ko-KR" altLang="en-US" sz="1500"/>
+              <a:t> </a:t>
+            </a:r>
+            <a:r>
+              <a:rPr lang="en-US" altLang="ko-KR" sz="1500"/>
+              <a:t>-</a:t>
+            </a:r>
+            <a:r>
+              <a:rPr lang="ko-KR" altLang="en-US" sz="1500"/>
+              <a:t> 운전자의 운전 습관에 따라 부품의 마모 상태 달라짐</a:t>
+            </a:r>
+            <a:endParaRPr lang="ko-KR" altLang="en-US" sz="1500"/>
+          </a:p>
+          <a:p>
+            <a:pPr marL="0" indent="0">
+              <a:buNone/>
+              <a:defRPr/>
+            </a:pPr>
+            <a:r>
+              <a:rPr lang="ko-KR" altLang="en-US" sz="1500"/>
+              <a:t> </a:t>
+            </a:r>
+            <a:r>
+              <a:rPr lang="en-US" altLang="ko-KR" sz="1500"/>
+              <a:t>-</a:t>
+            </a:r>
+            <a:r>
+              <a:rPr lang="ko-KR" altLang="en-US" sz="1500"/>
+              <a:t> 외제차는 수리가 불가한 경우가 있나</a:t>
+            </a:r>
+            <a:r>
+              <a:rPr lang="en-US" altLang="ko-KR" sz="1500"/>
+              <a:t>?</a:t>
+            </a:r>
+            <a:endParaRPr lang="en-US" altLang="ko-KR" sz="1500"/>
           </a:p>
         </p:txBody>
       </p:sp>
@@ -6076,7 +7060,7 @@
 </p:sld>
 </file>
 
-<file path=ppt/slides/slide15.xml><?xml version="1.0" encoding="utf-8"?>
+<file path=ppt/slides/slide17.xml><?xml version="1.0" encoding="utf-8"?>
 <p:sld xmlns:r="http://schemas.openxmlformats.org/officeDocument/2006/relationships" xmlns:c="http://schemas.openxmlformats.org/drawingml/2006/chart" xmlns:a="http://schemas.openxmlformats.org/drawingml/2006/main" xmlns:dgm="http://schemas.openxmlformats.org/drawingml/2006/diagram" xmlns:dsp="http://schemas.microsoft.com/office/drawing/2008/diagram" xmlns:p="http://schemas.openxmlformats.org/presentationml/2006/main">
   <p:cSld>
     <p:spTree>
@@ -7131,7 +8115,7 @@
 </p:sld>
 </file>
 
-<file path=ppt/slides/slide16.xml><?xml version="1.0" encoding="utf-8"?>
+<file path=ppt/slides/slide18.xml><?xml version="1.0" encoding="utf-8"?>
 <p:sld xmlns:r="http://schemas.openxmlformats.org/officeDocument/2006/relationships" xmlns:c="http://schemas.openxmlformats.org/drawingml/2006/chart" xmlns:a="http://schemas.openxmlformats.org/drawingml/2006/main" xmlns:dgm="http://schemas.openxmlformats.org/drawingml/2006/diagram" xmlns:dsp="http://schemas.microsoft.com/office/drawing/2008/diagram" xmlns:p="http://schemas.openxmlformats.org/presentationml/2006/main">
   <p:cSld>
     <p:spTree>
@@ -7156,8 +8140,8 @@
         </p:nvSpPr>
         <p:spPr>
           <a:xfrm>
-            <a:off x="0" y="1157654"/>
-            <a:ext cx="12192000" cy="5480538"/>
+            <a:off x="0" y="1351682"/>
+            <a:ext cx="12192000" cy="5286510"/>
           </a:xfrm>
           <a:prstGeom prst="rect">
             <a:avLst/>
@@ -7205,7 +8189,7 @@
                   <a:schemeClr val="dk1"/>
                 </a:solidFill>
               </a:rPr>
-              <a:t>기능 요구사항</a:t>
+              <a:t>기능적 요구사항</a:t>
             </a:r>
             <a:r>
               <a:rPr lang="en-US" altLang="ko-KR" sz="2000">
@@ -7793,479 +8777,7 @@
       </p:sp>
       <p:sp>
         <p:nvSpPr>
-          <p:cNvPr id="7" name="직사각형 9"/>
-          <p:cNvSpPr/>
-          <p:nvPr/>
-        </p:nvSpPr>
-        <p:spPr>
-          <a:xfrm>
-            <a:off x="0" y="0"/>
-            <a:ext cx="12192001" cy="1081666"/>
-          </a:xfrm>
-          <a:prstGeom prst="rect">
-            <a:avLst/>
-          </a:prstGeom>
-          <a:solidFill>
-            <a:schemeClr val="accent1"/>
-          </a:solidFill>
-          <a:ln>
-            <a:noFill/>
-          </a:ln>
-        </p:spPr>
-        <p:style>
-          <a:lnRef idx="2">
-            <a:schemeClr val="accent1">
-              <a:shade val="50000"/>
-            </a:schemeClr>
-          </a:lnRef>
-          <a:fillRef idx="1">
-            <a:schemeClr val="accent1"/>
-          </a:fillRef>
-          <a:effectRef idx="0">
-            <a:schemeClr val="accent1"/>
-          </a:effectRef>
-          <a:fontRef idx="minor">
-            <a:schemeClr val="lt1"/>
-          </a:fontRef>
-        </p:style>
-        <p:txBody>
-          <a:bodyPr anchor="ctr"/>
-          <a:lstStyle/>
-          <a:p>
-            <a:pPr>
-              <a:defRPr/>
-            </a:pPr>
-            <a:r>
-              <a:rPr kumimoji="1" lang="en-US" altLang="ko-KR" sz="4800"/>
-              <a:t>2-2.</a:t>
-            </a:r>
-            <a:r>
-              <a:rPr kumimoji="1" lang="ko-KR" altLang="en-US" sz="4800"/>
-              <a:t> 요구사항 정의 및 수집</a:t>
-            </a:r>
-            <a:endParaRPr kumimoji="1" lang="ko-KR" altLang="en-US" sz="4800"/>
-          </a:p>
-        </p:txBody>
-      </p:sp>
-    </p:spTree>
-  </p:cSld>
-  <p:clrMapOvr>
-    <a:masterClrMapping/>
-  </p:clrMapOvr>
-  <mc:AlternateContent xmlns:mc="http://schemas.openxmlformats.org/markup-compatibility/2006">
-    <mc:Choice xmlns:p14="http://schemas.microsoft.com/office/powerpoint/2010/main" Requires="p14">
-      <p:transition xmlns:mc="http://schemas.openxmlformats.org/markup-compatibility/2006" xmlns:p14="http://schemas.microsoft.com/office/powerpoint/2010/main" mc:Ignorable="p14" p14:dur="500"/>
-    </mc:Choice>
-    <mc:Fallback>
-      <p:transition/>
-    </mc:Fallback>
-  </mc:AlternateContent>
-</p:sld>
-</file>
-
-<file path=ppt/slides/slide17.xml><?xml version="1.0" encoding="utf-8"?>
-<p:sld xmlns:r="http://schemas.openxmlformats.org/officeDocument/2006/relationships" xmlns:c="http://schemas.openxmlformats.org/drawingml/2006/chart" xmlns:a="http://schemas.openxmlformats.org/drawingml/2006/main" xmlns:dgm="http://schemas.openxmlformats.org/drawingml/2006/diagram" xmlns:dsp="http://schemas.microsoft.com/office/drawing/2008/diagram" xmlns:p="http://schemas.openxmlformats.org/presentationml/2006/main">
-  <p:cSld>
-    <p:spTree>
-      <p:nvGrpSpPr>
-        <p:cNvPr id="1" name=""/>
-        <p:cNvGrpSpPr/>
-        <p:nvPr/>
-      </p:nvGrpSpPr>
-      <p:grpSpPr>
-        <a:xfrm>
-          <a:off x="0" y="0"/>
-          <a:ext cx="0" cy="0"/>
-          <a:chOff x="0" y="0"/>
-          <a:chExt cx="0" cy="0"/>
-        </a:xfrm>
-      </p:grpSpPr>
-      <p:sp>
-        <p:nvSpPr>
-          <p:cNvPr id="5" name=""/>
-          <p:cNvSpPr/>
-          <p:nvPr/>
-        </p:nvSpPr>
-        <p:spPr>
-          <a:xfrm>
-            <a:off x="0" y="1367936"/>
-            <a:ext cx="12192000" cy="5480538"/>
-          </a:xfrm>
-          <a:prstGeom prst="rect">
-            <a:avLst/>
-          </a:prstGeom>
-          <a:noFill/>
-          <a:ln>
-            <a:noFill/>
-          </a:ln>
-        </p:spPr>
-        <p:style>
-          <a:lnRef idx="2">
-            <a:schemeClr val="accent1">
-              <a:shade val="20000"/>
-            </a:schemeClr>
-          </a:lnRef>
-          <a:fillRef idx="1">
-            <a:schemeClr val="accent1"/>
-          </a:fillRef>
-          <a:effectRef idx="0">
-            <a:schemeClr val="accent1"/>
-          </a:effectRef>
-          <a:fontRef idx="minor">
-            <a:schemeClr val="lt1"/>
-          </a:fontRef>
-        </p:style>
-        <p:txBody>
-          <a:bodyPr anchor="ctr"/>
-          <a:p>
-            <a:pPr>
-              <a:defRPr/>
-            </a:pPr>
-            <a:endParaRPr lang="en-US" altLang="ko-KR" sz="2000">
-              <a:solidFill>
-                <a:schemeClr val="dk1"/>
-              </a:solidFill>
-            </a:endParaRPr>
-          </a:p>
-          <a:p>
-            <a:pPr marL="0" indent="0" algn="l" defTabSz="914400" rtl="0" eaLnBrk="1" latinLnBrk="1" hangingPunct="1">
-              <a:lnSpc>
-                <a:spcPct val="100000"/>
-              </a:lnSpc>
-              <a:spcBef>
-                <a:spcPct val="0"/>
-              </a:spcBef>
-              <a:spcAft>
-                <a:spcPts val="0"/>
-              </a:spcAft>
-              <a:buNone/>
-              <a:defRPr/>
-            </a:pPr>
-            <a:r>
-              <a:rPr lang="ko-KR" altLang="en-US" sz="2000">
-                <a:solidFill>
-                  <a:schemeClr val="dk1"/>
-                </a:solidFill>
-              </a:rPr>
-              <a:t> </a:t>
-            </a:r>
-            <a:r>
-              <a:rPr lang="en-US" altLang="ko-KR" sz="2000">
-                <a:solidFill>
-                  <a:schemeClr val="dk1"/>
-                </a:solidFill>
-              </a:rPr>
-              <a:t>-</a:t>
-            </a:r>
-            <a:r>
-              <a:rPr lang="ko-KR" altLang="en-US" sz="2000">
-                <a:solidFill>
-                  <a:schemeClr val="dk1"/>
-                </a:solidFill>
-              </a:rPr>
-              <a:t> 화면 이동</a:t>
-            </a:r>
-            <a:endParaRPr lang="ko-KR" altLang="en-US" sz="2000">
-              <a:solidFill>
-                <a:schemeClr val="dk1"/>
-              </a:solidFill>
-            </a:endParaRPr>
-          </a:p>
-          <a:p>
-            <a:pPr>
-              <a:defRPr/>
-            </a:pPr>
-            <a:r>
-              <a:rPr lang="ko-KR" altLang="en-US" sz="2000">
-                <a:solidFill>
-                  <a:schemeClr val="dk1"/>
-                </a:solidFill>
-              </a:rPr>
-              <a:t>  └ 목차를 만들어 현재화면에서 원하는 화면으로 이동 가능해야 한다</a:t>
-            </a:r>
-            <a:r>
-              <a:rPr lang="en-US" altLang="ko-KR" sz="2000">
-                <a:solidFill>
-                  <a:schemeClr val="dk1"/>
-                </a:solidFill>
-              </a:rPr>
-              <a:t>.</a:t>
-            </a:r>
-            <a:endParaRPr lang="en-US" altLang="ko-KR" sz="2000">
-              <a:solidFill>
-                <a:schemeClr val="dk1"/>
-              </a:solidFill>
-            </a:endParaRPr>
-          </a:p>
-          <a:p>
-            <a:pPr>
-              <a:defRPr/>
-            </a:pPr>
-            <a:r>
-              <a:rPr lang="ko-KR" altLang="en-US" sz="2000">
-                <a:solidFill>
-                  <a:schemeClr val="dk1"/>
-                </a:solidFill>
-              </a:rPr>
-              <a:t>  └ 목차는 모든 페이지에서 이동 가능해야 한다</a:t>
-            </a:r>
-            <a:r>
-              <a:rPr lang="en-US" altLang="ko-KR" sz="2000">
-                <a:solidFill>
-                  <a:schemeClr val="dk1"/>
-                </a:solidFill>
-              </a:rPr>
-              <a:t>.</a:t>
-            </a:r>
-            <a:endParaRPr lang="en-US" altLang="ko-KR" sz="2000">
-              <a:solidFill>
-                <a:schemeClr val="dk1"/>
-              </a:solidFill>
-            </a:endParaRPr>
-          </a:p>
-          <a:p>
-            <a:pPr>
-              <a:defRPr/>
-            </a:pPr>
-            <a:r>
-              <a:rPr lang="ko-KR" altLang="en-US" sz="2000">
-                <a:solidFill>
-                  <a:schemeClr val="dk1"/>
-                </a:solidFill>
-              </a:rPr>
-              <a:t>  └ 화면을 이동할 때 로그인이 해제되지 않아야 한다</a:t>
-            </a:r>
-            <a:r>
-              <a:rPr lang="en-US" altLang="ko-KR" sz="2000">
-                <a:solidFill>
-                  <a:schemeClr val="dk1"/>
-                </a:solidFill>
-              </a:rPr>
-              <a:t>.</a:t>
-            </a:r>
-            <a:endParaRPr lang="en-US" altLang="ko-KR" sz="2000">
-              <a:solidFill>
-                <a:schemeClr val="dk1"/>
-              </a:solidFill>
-            </a:endParaRPr>
-          </a:p>
-          <a:p>
-            <a:pPr marL="0" indent="0" algn="l" defTabSz="914400" rtl="0" eaLnBrk="1" latinLnBrk="1" hangingPunct="1">
-              <a:lnSpc>
-                <a:spcPct val="100000"/>
-              </a:lnSpc>
-              <a:spcBef>
-                <a:spcPct val="0"/>
-              </a:spcBef>
-              <a:spcAft>
-                <a:spcPts val="0"/>
-              </a:spcAft>
-              <a:buNone/>
-              <a:defRPr/>
-            </a:pPr>
-            <a:endParaRPr lang="ko-KR" altLang="en-US" sz="2000">
-              <a:solidFill>
-                <a:schemeClr val="dk1"/>
-              </a:solidFill>
-            </a:endParaRPr>
-          </a:p>
-          <a:p>
-            <a:pPr>
-              <a:defRPr/>
-            </a:pPr>
-            <a:r>
-              <a:rPr lang="ko-KR" altLang="en-US" sz="2000">
-                <a:solidFill>
-                  <a:schemeClr val="dk1"/>
-                </a:solidFill>
-              </a:rPr>
-              <a:t> </a:t>
-            </a:r>
-            <a:r>
-              <a:rPr lang="en-US" altLang="ko-KR" sz="2000">
-                <a:solidFill>
-                  <a:schemeClr val="dk1"/>
-                </a:solidFill>
-              </a:rPr>
-              <a:t>-</a:t>
-            </a:r>
-            <a:r>
-              <a:rPr lang="ko-KR" altLang="en-US" sz="2000">
-                <a:solidFill>
-                  <a:schemeClr val="dk1"/>
-                </a:solidFill>
-              </a:rPr>
-              <a:t> 달력 화면</a:t>
-            </a:r>
-            <a:endParaRPr lang="ko-KR" altLang="en-US" sz="2000">
-              <a:solidFill>
-                <a:schemeClr val="dk1"/>
-              </a:solidFill>
-            </a:endParaRPr>
-          </a:p>
-          <a:p>
-            <a:pPr>
-              <a:defRPr/>
-            </a:pPr>
-            <a:r>
-              <a:rPr lang="ko-KR" altLang="en-US" sz="2000">
-                <a:solidFill>
-                  <a:schemeClr val="dk1"/>
-                </a:solidFill>
-              </a:rPr>
-              <a:t>  └ 정비 날짜를 기록할 수 있도록 다이어리 형식으로 제공해야 한다</a:t>
-            </a:r>
-            <a:r>
-              <a:rPr lang="en-US" altLang="ko-KR" sz="2000">
-                <a:solidFill>
-                  <a:schemeClr val="dk1"/>
-                </a:solidFill>
-              </a:rPr>
-              <a:t>.</a:t>
-            </a:r>
-            <a:endParaRPr lang="en-US" altLang="ko-KR" sz="2000">
-              <a:solidFill>
-                <a:schemeClr val="dk1"/>
-              </a:solidFill>
-            </a:endParaRPr>
-          </a:p>
-          <a:p>
-            <a:pPr>
-              <a:defRPr/>
-            </a:pPr>
-            <a:endParaRPr lang="ko-KR" altLang="en-US" sz="2000">
-              <a:solidFill>
-                <a:schemeClr val="dk1"/>
-              </a:solidFill>
-            </a:endParaRPr>
-          </a:p>
-          <a:p>
-            <a:pPr>
-              <a:defRPr/>
-            </a:pPr>
-            <a:r>
-              <a:rPr lang="ko-KR" altLang="en-US" sz="2000">
-                <a:solidFill>
-                  <a:schemeClr val="dk1"/>
-                </a:solidFill>
-              </a:rPr>
-              <a:t> </a:t>
-            </a:r>
-            <a:r>
-              <a:rPr lang="en-US" altLang="ko-KR" sz="2000">
-                <a:solidFill>
-                  <a:schemeClr val="dk1"/>
-                </a:solidFill>
-              </a:rPr>
-              <a:t>-</a:t>
-            </a:r>
-            <a:r>
-              <a:rPr lang="ko-KR" altLang="en-US" sz="2000">
-                <a:solidFill>
-                  <a:schemeClr val="dk1"/>
-                </a:solidFill>
-              </a:rPr>
-              <a:t> 부품 교체 예상 비용</a:t>
-            </a:r>
-            <a:endParaRPr lang="ko-KR" altLang="en-US" sz="2000">
-              <a:solidFill>
-                <a:schemeClr val="dk1"/>
-              </a:solidFill>
-            </a:endParaRPr>
-          </a:p>
-          <a:p>
-            <a:pPr>
-              <a:defRPr/>
-            </a:pPr>
-            <a:r>
-              <a:rPr lang="ko-KR" altLang="en-US" sz="2000">
-                <a:solidFill>
-                  <a:schemeClr val="dk1"/>
-                </a:solidFill>
-              </a:rPr>
-              <a:t>  └ 교체할 부품을 선택 받아야한다</a:t>
-            </a:r>
-            <a:r>
-              <a:rPr lang="en-US" altLang="ko-KR" sz="2000">
-                <a:solidFill>
-                  <a:schemeClr val="dk1"/>
-                </a:solidFill>
-              </a:rPr>
-              <a:t>.</a:t>
-            </a:r>
-            <a:endParaRPr lang="en-US" altLang="ko-KR" sz="2000">
-              <a:solidFill>
-                <a:schemeClr val="dk1"/>
-              </a:solidFill>
-            </a:endParaRPr>
-          </a:p>
-          <a:p>
-            <a:pPr>
-              <a:defRPr/>
-            </a:pPr>
-            <a:r>
-              <a:rPr lang="ko-KR" altLang="en-US" sz="2000">
-                <a:solidFill>
-                  <a:schemeClr val="dk1"/>
-                </a:solidFill>
-              </a:rPr>
-              <a:t>  └ 선택 된 부품은 값의 변조 없이 알맞은 값이 저장되어야 한다</a:t>
-            </a:r>
-            <a:r>
-              <a:rPr lang="en-US" altLang="ko-KR" sz="2000">
-                <a:solidFill>
-                  <a:schemeClr val="dk1"/>
-                </a:solidFill>
-              </a:rPr>
-              <a:t>.</a:t>
-            </a:r>
-            <a:endParaRPr lang="en-US" altLang="ko-KR" sz="2000">
-              <a:solidFill>
-                <a:schemeClr val="dk1"/>
-              </a:solidFill>
-            </a:endParaRPr>
-          </a:p>
-          <a:p>
-            <a:pPr>
-              <a:defRPr/>
-            </a:pPr>
-            <a:r>
-              <a:rPr lang="ko-KR" altLang="en-US" sz="2000">
-                <a:solidFill>
-                  <a:schemeClr val="dk1"/>
-                </a:solidFill>
-              </a:rPr>
-              <a:t>  └ 부품들의 시세변동을 지속적으로 업데이트 해야 한다</a:t>
-            </a:r>
-            <a:r>
-              <a:rPr lang="en-US" altLang="ko-KR" sz="2000">
-                <a:solidFill>
-                  <a:schemeClr val="dk1"/>
-                </a:solidFill>
-              </a:rPr>
-              <a:t>.</a:t>
-            </a:r>
-            <a:endParaRPr lang="en-US" altLang="ko-KR" sz="2000">
-              <a:solidFill>
-                <a:schemeClr val="dk1"/>
-              </a:solidFill>
-            </a:endParaRPr>
-          </a:p>
-          <a:p>
-            <a:pPr>
-              <a:defRPr/>
-            </a:pPr>
-            <a:endParaRPr lang="en-US" altLang="ko-KR" sz="2000">
-              <a:solidFill>
-                <a:schemeClr val="dk1"/>
-              </a:solidFill>
-            </a:endParaRPr>
-          </a:p>
-        </p:txBody>
-      </p:sp>
-      <p:sp>
-        <p:nvSpPr>
-          <p:cNvPr id="8" name="직사각형 9"/>
+          <p:cNvPr id="9" name="직사각형 9"/>
           <p:cNvSpPr/>
           <p:nvPr/>
         </p:nvSpPr>
@@ -8313,689 +8825,7 @@
             </a:r>
             <a:r>
               <a:rPr kumimoji="1" lang="ko-KR" altLang="en-US" sz="4800"/>
-              <a:t> 요구사항 정의 및 수집</a:t>
-            </a:r>
-            <a:endParaRPr kumimoji="1" lang="ko-KR" altLang="en-US" sz="4800"/>
-          </a:p>
-        </p:txBody>
-      </p:sp>
-    </p:spTree>
-  </p:cSld>
-  <p:clrMapOvr>
-    <a:masterClrMapping/>
-  </p:clrMapOvr>
-  <mc:AlternateContent xmlns:mc="http://schemas.openxmlformats.org/markup-compatibility/2006">
-    <mc:Choice xmlns:p14="http://schemas.microsoft.com/office/powerpoint/2010/main" Requires="p14">
-      <p:transition xmlns:mc="http://schemas.openxmlformats.org/markup-compatibility/2006" xmlns:p14="http://schemas.microsoft.com/office/powerpoint/2010/main" mc:Ignorable="p14" p14:dur="500"/>
-    </mc:Choice>
-    <mc:Fallback>
-      <p:transition/>
-    </mc:Fallback>
-  </mc:AlternateContent>
-</p:sld>
-</file>
-
-<file path=ppt/slides/slide18.xml><?xml version="1.0" encoding="utf-8"?>
-<p:sld xmlns:r="http://schemas.openxmlformats.org/officeDocument/2006/relationships" xmlns:c="http://schemas.openxmlformats.org/drawingml/2006/chart" xmlns:a="http://schemas.openxmlformats.org/drawingml/2006/main" xmlns:dgm="http://schemas.openxmlformats.org/drawingml/2006/diagram" xmlns:dsp="http://schemas.microsoft.com/office/drawing/2008/diagram" xmlns:p="http://schemas.openxmlformats.org/presentationml/2006/main">
-  <p:cSld>
-    <p:spTree>
-      <p:nvGrpSpPr>
-        <p:cNvPr id="1" name=""/>
-        <p:cNvGrpSpPr/>
-        <p:nvPr/>
-      </p:nvGrpSpPr>
-      <p:grpSpPr>
-        <a:xfrm>
-          <a:off x="0" y="0"/>
-          <a:ext cx="0" cy="0"/>
-          <a:chOff x="0" y="0"/>
-          <a:chExt cx="0" cy="0"/>
-        </a:xfrm>
-      </p:grpSpPr>
-      <p:sp>
-        <p:nvSpPr>
-          <p:cNvPr id="5" name=""/>
-          <p:cNvSpPr/>
-          <p:nvPr/>
-        </p:nvSpPr>
-        <p:spPr>
-          <a:xfrm>
-            <a:off x="0" y="1367936"/>
-            <a:ext cx="12192000" cy="5480538"/>
-          </a:xfrm>
-          <a:prstGeom prst="rect">
-            <a:avLst/>
-          </a:prstGeom>
-          <a:noFill/>
-          <a:ln>
-            <a:noFill/>
-          </a:ln>
-        </p:spPr>
-        <p:style>
-          <a:lnRef idx="2">
-            <a:schemeClr val="accent1">
-              <a:shade val="20000"/>
-            </a:schemeClr>
-          </a:lnRef>
-          <a:fillRef idx="1">
-            <a:schemeClr val="accent1"/>
-          </a:fillRef>
-          <a:effectRef idx="0">
-            <a:schemeClr val="accent1"/>
-          </a:effectRef>
-          <a:fontRef idx="minor">
-            <a:schemeClr val="lt1"/>
-          </a:fontRef>
-        </p:style>
-        <p:txBody>
-          <a:bodyPr anchor="ctr"/>
-          <a:p>
-            <a:pPr>
-              <a:defRPr/>
-            </a:pPr>
-            <a:endParaRPr lang="en-US" altLang="ko-KR" sz="2000">
-              <a:solidFill>
-                <a:schemeClr val="dk1"/>
-              </a:solidFill>
-            </a:endParaRPr>
-          </a:p>
-          <a:p>
-            <a:pPr marL="0" indent="0" algn="l" defTabSz="914400" rtl="0" eaLnBrk="1" latinLnBrk="1" hangingPunct="1">
-              <a:lnSpc>
-                <a:spcPct val="100000"/>
-              </a:lnSpc>
-              <a:spcBef>
-                <a:spcPct val="0"/>
-              </a:spcBef>
-              <a:spcAft>
-                <a:spcPts val="0"/>
-              </a:spcAft>
-              <a:buNone/>
-              <a:defRPr/>
-            </a:pPr>
-            <a:r>
-              <a:rPr lang="ko-KR" altLang="en-US" sz="2000">
-                <a:solidFill>
-                  <a:schemeClr val="dk1"/>
-                </a:solidFill>
-              </a:rPr>
-              <a:t> </a:t>
-            </a:r>
-            <a:r>
-              <a:rPr lang="en-US" altLang="ko-KR" sz="2000">
-                <a:solidFill>
-                  <a:schemeClr val="dk1"/>
-                </a:solidFill>
-              </a:rPr>
-              <a:t>-</a:t>
-            </a:r>
-            <a:r>
-              <a:rPr lang="ko-KR" altLang="en-US" sz="2000">
-                <a:solidFill>
-                  <a:schemeClr val="dk1"/>
-                </a:solidFill>
-              </a:rPr>
-              <a:t> 게시판 개설</a:t>
-            </a:r>
-            <a:endParaRPr lang="ko-KR" altLang="en-US" sz="2000">
-              <a:solidFill>
-                <a:schemeClr val="dk1"/>
-              </a:solidFill>
-            </a:endParaRPr>
-          </a:p>
-          <a:p>
-            <a:pPr>
-              <a:defRPr/>
-            </a:pPr>
-            <a:r>
-              <a:rPr lang="ko-KR" altLang="en-US" sz="2000">
-                <a:solidFill>
-                  <a:schemeClr val="dk1"/>
-                </a:solidFill>
-              </a:rPr>
-              <a:t>  └ 게시판을 이용하기 위해서는 로그인을 해야 한다</a:t>
-            </a:r>
-            <a:r>
-              <a:rPr lang="en-US" altLang="ko-KR" sz="2000">
-                <a:solidFill>
-                  <a:schemeClr val="dk1"/>
-                </a:solidFill>
-              </a:rPr>
-              <a:t>.</a:t>
-            </a:r>
-            <a:endParaRPr lang="en-US" altLang="ko-KR" sz="2000">
-              <a:solidFill>
-                <a:schemeClr val="dk1"/>
-              </a:solidFill>
-            </a:endParaRPr>
-          </a:p>
-          <a:p>
-            <a:pPr>
-              <a:defRPr/>
-            </a:pPr>
-            <a:r>
-              <a:rPr lang="ko-KR" altLang="en-US" sz="2000">
-                <a:solidFill>
-                  <a:schemeClr val="dk1"/>
-                </a:solidFill>
-              </a:rPr>
-              <a:t>  └ 게시판의 글을 삭제하거나 올리기 위한 </a:t>
-            </a:r>
-            <a:r>
-              <a:rPr lang="en-US" altLang="ko-KR" sz="2000">
-                <a:solidFill>
-                  <a:schemeClr val="dk1"/>
-                </a:solidFill>
-              </a:rPr>
-              <a:t>‘</a:t>
-            </a:r>
-            <a:r>
-              <a:rPr lang="ko-KR" altLang="en-US" sz="2000">
-                <a:solidFill>
-                  <a:schemeClr val="dk1"/>
-                </a:solidFill>
-              </a:rPr>
-              <a:t>글쓰기</a:t>
-            </a:r>
-            <a:r>
-              <a:rPr lang="en-US" altLang="ko-KR" sz="2000">
-                <a:solidFill>
-                  <a:schemeClr val="dk1"/>
-                </a:solidFill>
-              </a:rPr>
-              <a:t>’</a:t>
-            </a:r>
-            <a:r>
-              <a:rPr lang="ko-KR" altLang="en-US" sz="2000">
-                <a:solidFill>
-                  <a:schemeClr val="dk1"/>
-                </a:solidFill>
-              </a:rPr>
-              <a:t>버튼과 </a:t>
-            </a:r>
-            <a:r>
-              <a:rPr lang="en-US" altLang="ko-KR" sz="2000">
-                <a:solidFill>
-                  <a:schemeClr val="dk1"/>
-                </a:solidFill>
-              </a:rPr>
-              <a:t>“</a:t>
-            </a:r>
-            <a:r>
-              <a:rPr lang="ko-KR" altLang="en-US" sz="2000">
-                <a:solidFill>
-                  <a:schemeClr val="dk1"/>
-                </a:solidFill>
-              </a:rPr>
-              <a:t>글 삭제</a:t>
-            </a:r>
-            <a:r>
-              <a:rPr lang="en-US" altLang="ko-KR" sz="2000">
-                <a:solidFill>
-                  <a:schemeClr val="dk1"/>
-                </a:solidFill>
-              </a:rPr>
-              <a:t>”</a:t>
-            </a:r>
-            <a:r>
-              <a:rPr lang="ko-KR" altLang="en-US" sz="2000">
-                <a:solidFill>
-                  <a:schemeClr val="dk1"/>
-                </a:solidFill>
-              </a:rPr>
-              <a:t> 버튼이 있어야 한다</a:t>
-            </a:r>
-            <a:r>
-              <a:rPr lang="en-US" altLang="ko-KR" sz="2000">
-                <a:solidFill>
-                  <a:schemeClr val="dk1"/>
-                </a:solidFill>
-              </a:rPr>
-              <a:t>.</a:t>
-            </a:r>
-            <a:endParaRPr lang="en-US" altLang="ko-KR" sz="2000">
-              <a:solidFill>
-                <a:schemeClr val="dk1"/>
-              </a:solidFill>
-            </a:endParaRPr>
-          </a:p>
-          <a:p>
-            <a:pPr>
-              <a:defRPr/>
-            </a:pPr>
-            <a:r>
-              <a:rPr lang="ko-KR" altLang="en-US" sz="2000">
-                <a:solidFill>
-                  <a:schemeClr val="dk1"/>
-                </a:solidFill>
-              </a:rPr>
-              <a:t>  └ 게시판의 글들은 페이지당 </a:t>
-            </a:r>
-            <a:r>
-              <a:rPr lang="en-US" altLang="ko-KR" sz="2000">
-                <a:solidFill>
-                  <a:schemeClr val="dk1"/>
-                </a:solidFill>
-              </a:rPr>
-              <a:t>20</a:t>
-            </a:r>
-            <a:r>
-              <a:rPr lang="ko-KR" altLang="en-US" sz="2000">
-                <a:solidFill>
-                  <a:schemeClr val="dk1"/>
-                </a:solidFill>
-              </a:rPr>
-              <a:t>개씩 보여주어야 한다</a:t>
-            </a:r>
-            <a:r>
-              <a:rPr lang="en-US" altLang="ko-KR" sz="2000">
-                <a:solidFill>
-                  <a:schemeClr val="dk1"/>
-                </a:solidFill>
-              </a:rPr>
-              <a:t>.</a:t>
-            </a:r>
-            <a:endParaRPr lang="en-US" altLang="ko-KR" sz="2000">
-              <a:solidFill>
-                <a:schemeClr val="dk1"/>
-              </a:solidFill>
-            </a:endParaRPr>
-          </a:p>
-          <a:p>
-            <a:pPr>
-              <a:defRPr/>
-            </a:pPr>
-            <a:endParaRPr lang="ko-KR" altLang="en-US" sz="2000">
-              <a:solidFill>
-                <a:schemeClr val="dk1"/>
-              </a:solidFill>
-            </a:endParaRPr>
-          </a:p>
-          <a:p>
-            <a:pPr marL="0" indent="0" algn="l" defTabSz="914400" rtl="0" eaLnBrk="1" latinLnBrk="1" hangingPunct="1">
-              <a:lnSpc>
-                <a:spcPct val="100000"/>
-              </a:lnSpc>
-              <a:spcBef>
-                <a:spcPct val="0"/>
-              </a:spcBef>
-              <a:spcAft>
-                <a:spcPts val="0"/>
-              </a:spcAft>
-              <a:buNone/>
-              <a:defRPr/>
-            </a:pPr>
-            <a:r>
-              <a:rPr lang="ko-KR" altLang="en-US" sz="2000">
-                <a:solidFill>
-                  <a:schemeClr val="dk1"/>
-                </a:solidFill>
-              </a:rPr>
-              <a:t> </a:t>
-            </a:r>
-            <a:r>
-              <a:rPr lang="en-US" altLang="ko-KR" sz="2000">
-                <a:solidFill>
-                  <a:schemeClr val="dk1"/>
-                </a:solidFill>
-              </a:rPr>
-              <a:t>-</a:t>
-            </a:r>
-            <a:r>
-              <a:rPr lang="ko-KR" altLang="en-US" sz="2000">
-                <a:solidFill>
-                  <a:schemeClr val="dk1"/>
-                </a:solidFill>
-              </a:rPr>
-              <a:t> 채팅창 개설</a:t>
-            </a:r>
-            <a:endParaRPr lang="ko-KR" altLang="en-US" sz="2000">
-              <a:solidFill>
-                <a:schemeClr val="dk1"/>
-              </a:solidFill>
-            </a:endParaRPr>
-          </a:p>
-          <a:p>
-            <a:pPr>
-              <a:defRPr/>
-            </a:pPr>
-            <a:r>
-              <a:rPr lang="ko-KR" altLang="en-US" sz="2000">
-                <a:solidFill>
-                  <a:schemeClr val="dk1"/>
-                </a:solidFill>
-              </a:rPr>
-              <a:t>  └ 채팅방 및 게시판에 들어가기 위해서는 로그인을 해야 한다</a:t>
-            </a:r>
-            <a:r>
-              <a:rPr lang="en-US" altLang="ko-KR" sz="2000">
-                <a:solidFill>
-                  <a:schemeClr val="dk1"/>
-                </a:solidFill>
-              </a:rPr>
-              <a:t>.</a:t>
-            </a:r>
-            <a:endParaRPr lang="en-US" altLang="ko-KR" sz="2000">
-              <a:solidFill>
-                <a:schemeClr val="dk1"/>
-              </a:solidFill>
-            </a:endParaRPr>
-          </a:p>
-          <a:p>
-            <a:pPr>
-              <a:defRPr/>
-            </a:pPr>
-            <a:r>
-              <a:rPr lang="ko-KR" altLang="en-US" sz="2000">
-                <a:solidFill>
-                  <a:schemeClr val="dk1"/>
-                </a:solidFill>
-              </a:rPr>
-              <a:t>  └ 로그인 화면을 들어가게 되면 아이디와 비밀번호의 입력 창</a:t>
-            </a:r>
-            <a:r>
-              <a:rPr lang="en-US" altLang="ko-KR" sz="2000">
-                <a:solidFill>
-                  <a:schemeClr val="dk1"/>
-                </a:solidFill>
-              </a:rPr>
-              <a:t>,</a:t>
-            </a:r>
-            <a:r>
-              <a:rPr lang="ko-KR" altLang="en-US" sz="2000">
-                <a:solidFill>
-                  <a:schemeClr val="dk1"/>
-                </a:solidFill>
-              </a:rPr>
-              <a:t> 회원가입 버튼과 로그인 버튼이 나와야 한다</a:t>
-            </a:r>
-            <a:r>
-              <a:rPr lang="en-US" altLang="ko-KR" sz="2000">
-                <a:solidFill>
-                  <a:schemeClr val="dk1"/>
-                </a:solidFill>
-              </a:rPr>
-              <a:t>.</a:t>
-            </a:r>
-            <a:endParaRPr lang="en-US" altLang="ko-KR" sz="2000">
-              <a:solidFill>
-                <a:schemeClr val="dk1"/>
-              </a:solidFill>
-            </a:endParaRPr>
-          </a:p>
-          <a:p>
-            <a:pPr>
-              <a:defRPr/>
-            </a:pPr>
-            <a:endParaRPr lang="en-US" altLang="ko-KR" sz="2000">
-              <a:solidFill>
-                <a:schemeClr val="dk1"/>
-              </a:solidFill>
-            </a:endParaRPr>
-          </a:p>
-          <a:p>
-            <a:pPr>
-              <a:defRPr/>
-            </a:pPr>
-            <a:r>
-              <a:rPr lang="ko-KR" altLang="en-US" sz="2000">
-                <a:solidFill>
-                  <a:schemeClr val="dk1"/>
-                </a:solidFill>
-              </a:rPr>
-              <a:t>주행 거리별 </a:t>
-            </a:r>
-            <a:r>
-              <a:rPr lang="en-US" altLang="ko-KR" sz="2000">
-                <a:solidFill>
-                  <a:schemeClr val="dk1"/>
-                </a:solidFill>
-              </a:rPr>
-              <a:t>check list</a:t>
-            </a:r>
-            <a:endParaRPr lang="en-US" altLang="ko-KR" sz="2000">
-              <a:solidFill>
-                <a:schemeClr val="dk1"/>
-              </a:solidFill>
-            </a:endParaRPr>
-          </a:p>
-          <a:p>
-            <a:pPr>
-              <a:defRPr/>
-            </a:pPr>
-            <a:r>
-              <a:rPr lang="en-US" altLang="ko-KR" sz="2000">
-                <a:solidFill>
-                  <a:schemeClr val="dk1"/>
-                </a:solidFill>
-              </a:rPr>
-              <a:t> - </a:t>
-            </a:r>
-            <a:r>
-              <a:rPr lang="ko-KR" altLang="en-US" sz="2000">
-                <a:solidFill>
-                  <a:schemeClr val="dk1"/>
-                </a:solidFill>
-              </a:rPr>
-              <a:t>아이콘을 활용하여 한 눈에 확인하기 쉬워야 한다</a:t>
-            </a:r>
-            <a:r>
-              <a:rPr lang="en-US" altLang="ko-KR" sz="2000">
-                <a:solidFill>
-                  <a:schemeClr val="dk1"/>
-                </a:solidFill>
-              </a:rPr>
-              <a:t>.</a:t>
-            </a:r>
-            <a:endParaRPr lang="en-US" altLang="ko-KR" sz="2000">
-              <a:solidFill>
-                <a:schemeClr val="dk1"/>
-              </a:solidFill>
-            </a:endParaRPr>
-          </a:p>
-          <a:p>
-            <a:pPr>
-              <a:defRPr/>
-            </a:pPr>
-            <a:r>
-              <a:rPr lang="ko-KR" altLang="en-US" sz="2000">
-                <a:solidFill>
-                  <a:schemeClr val="dk1"/>
-                </a:solidFill>
-              </a:rPr>
-              <a:t> </a:t>
-            </a:r>
-            <a:r>
-              <a:rPr lang="en-US" altLang="ko-KR" sz="2000">
-                <a:solidFill>
-                  <a:schemeClr val="dk1"/>
-                </a:solidFill>
-              </a:rPr>
-              <a:t>-</a:t>
-            </a:r>
-            <a:r>
-              <a:rPr lang="ko-KR" altLang="en-US" sz="2000">
-                <a:solidFill>
-                  <a:schemeClr val="dk1"/>
-                </a:solidFill>
-              </a:rPr>
-              <a:t> 주행 거리 정보를 받아 </a:t>
-            </a:r>
-            <a:endParaRPr lang="ko-KR" altLang="en-US" sz="2000">
-              <a:solidFill>
-                <a:schemeClr val="dk1"/>
-              </a:solidFill>
-            </a:endParaRPr>
-          </a:p>
-          <a:p>
-            <a:pPr>
-              <a:defRPr/>
-            </a:pPr>
-            <a:endParaRPr lang="en-US" altLang="ko-KR" sz="2000">
-              <a:solidFill>
-                <a:schemeClr val="dk1"/>
-              </a:solidFill>
-            </a:endParaRPr>
-          </a:p>
-          <a:p>
-            <a:pPr>
-              <a:defRPr/>
-            </a:pPr>
-            <a:r>
-              <a:rPr lang="ko-KR" altLang="en-US" sz="2000">
-                <a:solidFill>
-                  <a:schemeClr val="dk1"/>
-                </a:solidFill>
-              </a:rPr>
-              <a:t> </a:t>
-            </a:r>
-            <a:r>
-              <a:rPr lang="en-US" altLang="ko-KR" sz="2000">
-                <a:solidFill>
-                  <a:schemeClr val="dk1"/>
-                </a:solidFill>
-              </a:rPr>
-              <a:t>-</a:t>
-            </a:r>
-            <a:r>
-              <a:rPr lang="ko-KR" altLang="en-US" sz="2000">
-                <a:solidFill>
-                  <a:schemeClr val="dk1"/>
-                </a:solidFill>
-              </a:rPr>
-              <a:t> 정비소 지도정보</a:t>
-            </a:r>
-            <a:endParaRPr lang="ko-KR" altLang="en-US" sz="2000">
-              <a:solidFill>
-                <a:schemeClr val="dk1"/>
-              </a:solidFill>
-            </a:endParaRPr>
-          </a:p>
-          <a:p>
-            <a:pPr>
-              <a:defRPr/>
-            </a:pPr>
-            <a:r>
-              <a:rPr lang="ko-KR" altLang="en-US" sz="2000">
-                <a:solidFill>
-                  <a:schemeClr val="dk1"/>
-                </a:solidFill>
-              </a:rPr>
-              <a:t>  └ 정확한 위치의 지도 정보를 받아와야 한다</a:t>
-            </a:r>
-            <a:r>
-              <a:rPr lang="en-US" altLang="ko-KR" sz="2000">
-                <a:solidFill>
-                  <a:schemeClr val="dk1"/>
-                </a:solidFill>
-              </a:rPr>
-              <a:t>.</a:t>
-            </a:r>
-            <a:endParaRPr lang="en-US" altLang="ko-KR" sz="2000">
-              <a:solidFill>
-                <a:schemeClr val="dk1"/>
-              </a:solidFill>
-            </a:endParaRPr>
-          </a:p>
-          <a:p>
-            <a:pPr>
-              <a:defRPr/>
-            </a:pPr>
-            <a:r>
-              <a:rPr lang="ko-KR" altLang="en-US" sz="2000">
-                <a:solidFill>
-                  <a:schemeClr val="dk1"/>
-                </a:solidFill>
-              </a:rPr>
-              <a:t>  └ 사라지거나 위치가 바뀐 정보를 수시로 업데이트 해야 한다</a:t>
-            </a:r>
-            <a:r>
-              <a:rPr lang="en-US" altLang="ko-KR" sz="2000">
-                <a:solidFill>
-                  <a:schemeClr val="dk1"/>
-                </a:solidFill>
-              </a:rPr>
-              <a:t>.</a:t>
-            </a:r>
-            <a:endParaRPr lang="en-US" altLang="ko-KR" sz="2000">
-              <a:solidFill>
-                <a:schemeClr val="dk1"/>
-              </a:solidFill>
-            </a:endParaRPr>
-          </a:p>
-          <a:p>
-            <a:pPr>
-              <a:defRPr/>
-            </a:pPr>
-            <a:endParaRPr lang="en-US" altLang="ko-KR" sz="2000">
-              <a:solidFill>
-                <a:schemeClr val="dk1"/>
-              </a:solidFill>
-            </a:endParaRPr>
-          </a:p>
-          <a:p>
-            <a:pPr>
-              <a:defRPr/>
-            </a:pPr>
-            <a:endParaRPr lang="en-US" altLang="ko-KR" sz="2000">
-              <a:solidFill>
-                <a:schemeClr val="dk1"/>
-              </a:solidFill>
-            </a:endParaRPr>
-          </a:p>
-        </p:txBody>
-      </p:sp>
-      <p:sp>
-        <p:nvSpPr>
-          <p:cNvPr id="8" name="직사각형 9"/>
-          <p:cNvSpPr/>
-          <p:nvPr/>
-        </p:nvSpPr>
-        <p:spPr>
-          <a:xfrm>
-            <a:off x="0" y="0"/>
-            <a:ext cx="12192001" cy="1338109"/>
-          </a:xfrm>
-          <a:prstGeom prst="rect">
-            <a:avLst/>
-          </a:prstGeom>
-          <a:solidFill>
-            <a:schemeClr val="accent1"/>
-          </a:solidFill>
-          <a:ln>
-            <a:noFill/>
-          </a:ln>
-        </p:spPr>
-        <p:style>
-          <a:lnRef idx="2">
-            <a:schemeClr val="accent1">
-              <a:shade val="50000"/>
-            </a:schemeClr>
-          </a:lnRef>
-          <a:fillRef idx="1">
-            <a:schemeClr val="accent1"/>
-          </a:fillRef>
-          <a:effectRef idx="0">
-            <a:schemeClr val="accent1"/>
-          </a:effectRef>
-          <a:fontRef idx="minor">
-            <a:schemeClr val="lt1"/>
-          </a:fontRef>
-        </p:style>
-        <p:txBody>
-          <a:bodyPr anchor="ctr"/>
-          <a:lstStyle/>
-          <a:p>
-            <a:pPr>
-              <a:defRPr/>
-            </a:pPr>
-            <a:r>
-              <a:rPr kumimoji="1" lang="en-US" altLang="ko-KR" sz="4800"/>
-              <a:t>2-2.</a:t>
-            </a:r>
-            <a:r>
-              <a:rPr kumimoji="1" lang="ko-KR" altLang="en-US" sz="4800"/>
-              <a:t> 요구사항 정의 및 수집</a:t>
+              <a:t> 요구사항 수집 및 정의</a:t>
             </a:r>
             <a:endParaRPr kumimoji="1" lang="ko-KR" altLang="en-US" sz="4800"/>
           </a:p>
@@ -9075,22 +8905,6 @@
             <a:pPr>
               <a:defRPr/>
             </a:pPr>
-            <a:r>
-              <a:rPr lang="ko-KR" altLang="en-US" sz="2000">
-                <a:solidFill>
-                  <a:schemeClr val="dk1"/>
-                </a:solidFill>
-              </a:rPr>
-              <a:t>비기능적 요구사항</a:t>
-            </a:r>
-            <a:r>
-              <a:rPr lang="en-US" altLang="ko-KR" sz="2000">
-                <a:solidFill>
-                  <a:schemeClr val="dk1"/>
-                </a:solidFill>
-              </a:rPr>
-              <a:t>(Non-functional Requirements)</a:t>
-            </a:r>
             <a:endParaRPr lang="en-US" altLang="ko-KR" sz="2000">
               <a:solidFill>
                 <a:schemeClr val="dk1"/>
@@ -9123,7 +8937,7 @@
                   <a:schemeClr val="dk1"/>
                 </a:solidFill>
               </a:rPr>
-              <a:t> 무결성</a:t>
+              <a:t> 함수의 계산</a:t>
             </a:r>
             <a:endParaRPr lang="ko-KR" altLang="en-US" sz="2000">
               <a:solidFill>
@@ -9141,7 +8955,7 @@
                   <a:schemeClr val="dk1"/>
                 </a:solidFill>
               </a:rPr>
-              <a:t>  └ </a:t>
+              <a:t>  └ 할인률</a:t>
             </a:r>
             <a:r>
               <a:rPr lang="en-US" altLang="ko-KR" sz="2000">
@@ -9149,7 +8963,7 @@
                   <a:schemeClr val="dk1"/>
                 </a:solidFill>
               </a:rPr>
-              <a:t>APP</a:t>
+              <a:t>,</a:t>
             </a:r>
             <a:r>
               <a:rPr lang="ko-KR" altLang="en-US" sz="2000">
@@ -9157,7 +8971,7 @@
                   <a:schemeClr val="dk1"/>
                 </a:solidFill>
               </a:rPr>
-              <a:t> 종료시 입력된 데이터는 변조가 없어야 한다</a:t>
+              <a:t> 총액의 계산 과정에 오류가 있어선 안된다</a:t>
             </a:r>
             <a:r>
               <a:rPr lang="en-US" altLang="ko-KR" sz="2000">
@@ -9177,70 +8991,6 @@
             <a:pPr>
               <a:defRPr/>
             </a:pPr>
-            <a:r>
-              <a:rPr lang="ko-KR" altLang="en-US" sz="2000">
-                <a:solidFill>
-                  <a:schemeClr val="dk1"/>
-                </a:solidFill>
-              </a:rPr>
-              <a:t>  └ 외부에서 받아오는 정보</a:t>
-            </a:r>
-            <a:r>
-              <a:rPr lang="en-US" altLang="ko-KR" sz="2000">
-                <a:solidFill>
-                  <a:schemeClr val="dk1"/>
-                </a:solidFill>
-              </a:rPr>
-              <a:t>(</a:t>
-            </a:r>
-            <a:r>
-              <a:rPr lang="ko-KR" altLang="en-US" sz="2000">
-                <a:solidFill>
-                  <a:schemeClr val="dk1"/>
-                </a:solidFill>
-              </a:rPr>
-              <a:t>지도</a:t>
-            </a:r>
-            <a:r>
-              <a:rPr lang="en-US" altLang="ko-KR" sz="2000">
-                <a:solidFill>
-                  <a:schemeClr val="dk1"/>
-                </a:solidFill>
-              </a:rPr>
-              <a:t>,</a:t>
-            </a:r>
-            <a:r>
-              <a:rPr lang="ko-KR" altLang="en-US" sz="2000">
-                <a:solidFill>
-                  <a:schemeClr val="dk1"/>
-                </a:solidFill>
-              </a:rPr>
-              <a:t> 가격 등</a:t>
-            </a:r>
-            <a:r>
-              <a:rPr lang="en-US" altLang="ko-KR" sz="2000">
-                <a:solidFill>
-                  <a:schemeClr val="dk1"/>
-                </a:solidFill>
-              </a:rPr>
-              <a:t>)</a:t>
-            </a:r>
-            <a:r>
-              <a:rPr lang="ko-KR" altLang="en-US" sz="2000">
-                <a:solidFill>
-                  <a:schemeClr val="dk1"/>
-                </a:solidFill>
-              </a:rPr>
-              <a:t>에 변조가 없어야 한다</a:t>
-            </a:r>
-            <a:r>
-              <a:rPr lang="en-US" altLang="ko-KR" sz="2000">
-                <a:solidFill>
-                  <a:schemeClr val="dk1"/>
-                </a:solidFill>
-              </a:rPr>
-              <a:t>.</a:t>
-            </a:r>
             <a:endParaRPr lang="en-US" altLang="ko-KR" sz="2000">
               <a:solidFill>
                 <a:schemeClr val="dk1"/>
@@ -9248,7 +8998,17 @@
             </a:endParaRPr>
           </a:p>
           <a:p>
-            <a:pPr>
+            <a:pPr marL="0" indent="0" algn="l" defTabSz="914400" rtl="0" eaLnBrk="1" latinLnBrk="1" hangingPunct="1">
+              <a:lnSpc>
+                <a:spcPct val="100000"/>
+              </a:lnSpc>
+              <a:spcBef>
+                <a:spcPct val="0"/>
+              </a:spcBef>
+              <a:spcAft>
+                <a:spcPts val="0"/>
+              </a:spcAft>
+              <a:buNone/>
               <a:defRPr/>
             </a:pPr>
             <a:r>
@@ -9257,7 +9017,41 @@
                   <a:schemeClr val="dk1"/>
                 </a:solidFill>
               </a:rPr>
-              <a:t>  └ 정비 예약을 하는 과정에서 사용자가 선택한 지점과 선택된 지점의 정보가 일치해야 한다</a:t>
+              <a:t> </a:t>
+            </a:r>
+            <a:r>
+              <a:rPr lang="en-US" altLang="ko-KR" sz="2000">
+                <a:solidFill>
+                  <a:schemeClr val="dk1"/>
+                </a:solidFill>
+              </a:rPr>
+              <a:t>-</a:t>
+            </a:r>
+            <a:r>
+              <a:rPr lang="ko-KR" altLang="en-US" sz="2000">
+                <a:solidFill>
+                  <a:schemeClr val="dk1"/>
+                </a:solidFill>
+              </a:rPr>
+              <a:t> 화면 이동</a:t>
+            </a:r>
+            <a:endParaRPr lang="ko-KR" altLang="en-US" sz="2000">
+              <a:solidFill>
+                <a:schemeClr val="dk1"/>
+              </a:solidFill>
+            </a:endParaRPr>
+          </a:p>
+          <a:p>
+            <a:pPr>
+              <a:defRPr/>
+            </a:pPr>
+            <a:r>
+              <a:rPr lang="ko-KR" altLang="en-US" sz="2000">
+                <a:solidFill>
+                  <a:schemeClr val="dk1"/>
+                </a:solidFill>
+              </a:rPr>
+              <a:t>  └ 목차를 만들어 현재화면에서 원하는 화면으로 이동 가능해야 한다</a:t>
             </a:r>
             <a:r>
               <a:rPr lang="en-US" altLang="ko-KR" sz="2000">
@@ -9283,23 +9077,7 @@
                   <a:schemeClr val="dk1"/>
                 </a:solidFill>
               </a:rPr>
-              <a:t>  └ </a:t>
-            </a:r>
-            <a:r>
-              <a:rPr lang="en-US" altLang="ko-KR" sz="2000">
-                <a:solidFill>
-                  <a:schemeClr val="dk1"/>
-                </a:solidFill>
-              </a:rPr>
-              <a:t>DataBase</a:t>
-            </a:r>
-            <a:r>
-              <a:rPr lang="ko-KR" altLang="en-US" sz="2000">
-                <a:solidFill>
-                  <a:schemeClr val="dk1"/>
-                </a:solidFill>
-              </a:rPr>
-              <a:t>에 저장된 내용들은 변조가 없어야 한다</a:t>
+              <a:t>  └ 목차는 모든 페이지에서 이동 가능해야 한다</a:t>
             </a:r>
             <a:r>
               <a:rPr lang="en-US" altLang="ko-KR" sz="2000">
@@ -9319,6 +9097,22 @@
             <a:pPr>
               <a:defRPr/>
             </a:pPr>
+            <a:r>
+              <a:rPr lang="ko-KR" altLang="en-US" sz="2000">
+                <a:solidFill>
+                  <a:schemeClr val="dk1"/>
+                </a:solidFill>
+              </a:rPr>
+              <a:t>  └ 화면을 이동할 때 로그인이 해제되지 않아야 한다</a:t>
+            </a:r>
+            <a:r>
+              <a:rPr lang="en-US" altLang="ko-KR" sz="2000">
+                <a:solidFill>
+                  <a:schemeClr val="dk1"/>
+                </a:solidFill>
+              </a:rPr>
+              <a:t>.</a:t>
+            </a:r>
             <a:endParaRPr lang="en-US" altLang="ko-KR" sz="2000">
               <a:solidFill>
                 <a:schemeClr val="dk1"/>
@@ -9326,33 +9120,19 @@
             </a:endParaRPr>
           </a:p>
           <a:p>
-            <a:pPr>
-              <a:defRPr/>
-            </a:pPr>
-            <a:r>
-              <a:rPr lang="ko-KR" altLang="en-US" sz="2000">
-                <a:solidFill>
-                  <a:schemeClr val="dk1"/>
-                </a:solidFill>
-              </a:rPr>
-              <a:t> </a:t>
-            </a:r>
-            <a:r>
-              <a:rPr lang="en-US" altLang="ko-KR" sz="2000">
-                <a:solidFill>
-                  <a:schemeClr val="dk1"/>
-                </a:solidFill>
-              </a:rPr>
-              <a:t>-</a:t>
-            </a:r>
-            <a:r>
-              <a:rPr lang="ko-KR" altLang="en-US" sz="2000">
-                <a:solidFill>
-                  <a:schemeClr val="dk1"/>
-                </a:solidFill>
-              </a:rPr>
-              <a:t> 함수의 계산</a:t>
-            </a:r>
+            <a:pPr marL="0" indent="0" algn="l" defTabSz="914400" rtl="0" eaLnBrk="1" latinLnBrk="1" hangingPunct="1">
+              <a:lnSpc>
+                <a:spcPct val="100000"/>
+              </a:lnSpc>
+              <a:spcBef>
+                <a:spcPct val="0"/>
+              </a:spcBef>
+              <a:spcAft>
+                <a:spcPts val="0"/>
+              </a:spcAft>
+              <a:buNone/>
+              <a:defRPr/>
+            </a:pPr>
             <a:endParaRPr lang="ko-KR" altLang="en-US" sz="2000">
               <a:solidFill>
                 <a:schemeClr val="dk1"/>
@@ -9369,7 +9149,7 @@
                   <a:schemeClr val="dk1"/>
                 </a:solidFill>
               </a:rPr>
-              <a:t>  └ 할인률</a:t>
+              <a:t> </a:t>
             </a:r>
             <a:r>
               <a:rPr lang="en-US" altLang="ko-KR" sz="2000">
@@ -9377,7 +9157,7 @@
                   <a:schemeClr val="dk1"/>
                 </a:solidFill>
               </a:rPr>
-              <a:t>,</a:t>
+              <a:t>-</a:t>
             </a:r>
             <a:r>
               <a:rPr lang="ko-KR" altLang="en-US" sz="2000">
@@ -9385,7 +9165,25 @@
                   <a:schemeClr val="dk1"/>
                 </a:solidFill>
               </a:rPr>
-              <a:t> 총액의 계산 과정에 오류가 있어선 안된다</a:t>
+              <a:t> 달력 화면</a:t>
+            </a:r>
+            <a:endParaRPr lang="ko-KR" altLang="en-US" sz="2000">
+              <a:solidFill>
+                <a:schemeClr val="dk1"/>
+              </a:solidFill>
+            </a:endParaRPr>
+          </a:p>
+          <a:p>
+            <a:pPr>
+              <a:defRPr/>
+            </a:pPr>
+            <a:r>
+              <a:rPr lang="ko-KR" altLang="en-US" sz="2000">
+                <a:solidFill>
+                  <a:schemeClr val="dk1"/>
+                </a:solidFill>
+              </a:rPr>
+              <a:t>  └ 정비 날짜를 기록할 수 있도록 다이어리 형식으로 제공해야 한다</a:t>
             </a:r>
             <a:r>
               <a:rPr lang="en-US" altLang="ko-KR" sz="2000">
@@ -9395,7 +9193,139 @@
               </a:rPr>
               <a:t>.</a:t>
             </a:r>
+            <a:endParaRPr lang="en-US" altLang="ko-KR" sz="2000">
+              <a:solidFill>
+                <a:schemeClr val="dk1"/>
+              </a:solidFill>
+            </a:endParaRPr>
+          </a:p>
+          <a:p>
+            <a:pPr>
+              <a:defRPr/>
+            </a:pPr>
             <a:endParaRPr lang="ko-KR" altLang="en-US" sz="2000">
+              <a:solidFill>
+                <a:schemeClr val="dk1"/>
+              </a:solidFill>
+            </a:endParaRPr>
+          </a:p>
+          <a:p>
+            <a:pPr>
+              <a:defRPr/>
+            </a:pPr>
+            <a:r>
+              <a:rPr lang="ko-KR" altLang="en-US" sz="2000">
+                <a:solidFill>
+                  <a:schemeClr val="dk1"/>
+                </a:solidFill>
+              </a:rPr>
+              <a:t> </a:t>
+            </a:r>
+            <a:r>
+              <a:rPr lang="en-US" altLang="ko-KR" sz="2000">
+                <a:solidFill>
+                  <a:schemeClr val="dk1"/>
+                </a:solidFill>
+              </a:rPr>
+              <a:t>-</a:t>
+            </a:r>
+            <a:r>
+              <a:rPr lang="ko-KR" altLang="en-US" sz="2000">
+                <a:solidFill>
+                  <a:schemeClr val="dk1"/>
+                </a:solidFill>
+              </a:rPr>
+              <a:t> 부품 교체 예상 비용</a:t>
+            </a:r>
+            <a:endParaRPr lang="ko-KR" altLang="en-US" sz="2000">
+              <a:solidFill>
+                <a:schemeClr val="dk1"/>
+              </a:solidFill>
+            </a:endParaRPr>
+          </a:p>
+          <a:p>
+            <a:pPr>
+              <a:defRPr/>
+            </a:pPr>
+            <a:r>
+              <a:rPr lang="ko-KR" altLang="en-US" sz="2000">
+                <a:solidFill>
+                  <a:schemeClr val="dk1"/>
+                </a:solidFill>
+              </a:rPr>
+              <a:t>  └ 교체할 부품을 선택 받아야한다</a:t>
+            </a:r>
+            <a:r>
+              <a:rPr lang="en-US" altLang="ko-KR" sz="2000">
+                <a:solidFill>
+                  <a:schemeClr val="dk1"/>
+                </a:solidFill>
+              </a:rPr>
+              <a:t>.</a:t>
+            </a:r>
+            <a:endParaRPr lang="en-US" altLang="ko-KR" sz="2000">
+              <a:solidFill>
+                <a:schemeClr val="dk1"/>
+              </a:solidFill>
+            </a:endParaRPr>
+          </a:p>
+          <a:p>
+            <a:pPr>
+              <a:defRPr/>
+            </a:pPr>
+            <a:r>
+              <a:rPr lang="ko-KR" altLang="en-US" sz="2000">
+                <a:solidFill>
+                  <a:schemeClr val="dk1"/>
+                </a:solidFill>
+              </a:rPr>
+              <a:t>  └ 선택 된 부품은 값의 변조 없이 알맞은 값이 저장되어야 한다</a:t>
+            </a:r>
+            <a:r>
+              <a:rPr lang="en-US" altLang="ko-KR" sz="2000">
+                <a:solidFill>
+                  <a:schemeClr val="dk1"/>
+                </a:solidFill>
+              </a:rPr>
+              <a:t>.</a:t>
+            </a:r>
+            <a:endParaRPr lang="en-US" altLang="ko-KR" sz="2000">
+              <a:solidFill>
+                <a:schemeClr val="dk1"/>
+              </a:solidFill>
+            </a:endParaRPr>
+          </a:p>
+          <a:p>
+            <a:pPr>
+              <a:defRPr/>
+            </a:pPr>
+            <a:r>
+              <a:rPr lang="ko-KR" altLang="en-US" sz="2000">
+                <a:solidFill>
+                  <a:schemeClr val="dk1"/>
+                </a:solidFill>
+              </a:rPr>
+              <a:t>  └ 부품들의 시세변동을 지속적으로 업데이트 해야 한다</a:t>
+            </a:r>
+            <a:r>
+              <a:rPr lang="en-US" altLang="ko-KR" sz="2000">
+                <a:solidFill>
+                  <a:schemeClr val="dk1"/>
+                </a:solidFill>
+              </a:rPr>
+              <a:t>.</a:t>
+            </a:r>
+            <a:endParaRPr lang="en-US" altLang="ko-KR" sz="2000">
+              <a:solidFill>
+                <a:schemeClr val="dk1"/>
+              </a:solidFill>
+            </a:endParaRPr>
+          </a:p>
+          <a:p>
+            <a:pPr>
+              <a:defRPr/>
+            </a:pPr>
+            <a:endParaRPr lang="en-US" altLang="ko-KR" sz="2000">
               <a:solidFill>
                 <a:schemeClr val="dk1"/>
               </a:solidFill>
@@ -9453,7 +9383,7 @@
             </a:r>
             <a:r>
               <a:rPr kumimoji="1" lang="ko-KR" altLang="en-US" sz="4800"/>
-              <a:t> 요구사항 정의 및 수집</a:t>
+              <a:t> 요구사항 수집 및 정의</a:t>
             </a:r>
             <a:endParaRPr kumimoji="1" lang="ko-KR" altLang="en-US" sz="4800"/>
           </a:p>
@@ -11860,7 +11790,7 @@
         </p:nvSpPr>
         <p:spPr>
           <a:xfrm>
-            <a:off x="0" y="1377461"/>
+            <a:off x="0" y="1367936"/>
             <a:ext cx="12192000" cy="5480538"/>
           </a:xfrm>
           <a:prstGeom prst="rect">
@@ -11893,38 +11823,6 @@
             <a:pPr>
               <a:defRPr/>
             </a:pPr>
-            <a:r>
-              <a:rPr lang="ko-KR" altLang="en-US" sz="2000">
-                <a:solidFill>
-                  <a:schemeClr val="dk1"/>
-                </a:solidFill>
-              </a:rPr>
-              <a:t>설계</a:t>
-            </a:r>
-            <a:r>
-              <a:rPr lang="en-US" altLang="ko-KR" sz="2000">
-                <a:solidFill>
-                  <a:schemeClr val="dk1"/>
-                </a:solidFill>
-              </a:rPr>
-              <a:t> </a:t>
-            </a:r>
-            <a:r>
-              <a:rPr lang="ko-KR" altLang="en-US" sz="2000">
-                <a:solidFill>
-                  <a:schemeClr val="dk1"/>
-                </a:solidFill>
-              </a:rPr>
-              <a:t>제약사항</a:t>
-            </a:r>
-            <a:r>
-              <a:rPr lang="en-US" altLang="ko-KR" sz="2000">
-                <a:solidFill>
-                  <a:schemeClr val="dk1"/>
-                </a:solidFill>
-              </a:rPr>
-              <a:t>(Design Constraints)</a:t>
-            </a:r>
             <a:endParaRPr lang="en-US" altLang="ko-KR" sz="2000">
               <a:solidFill>
                 <a:schemeClr val="dk1"/>
@@ -11932,16 +11830,68 @@
             </a:endParaRPr>
           </a:p>
           <a:p>
-            <a:pPr>
-              <a:defRPr/>
-            </a:pPr>
+            <a:pPr marL="0" indent="0" algn="l" defTabSz="914400" rtl="0" eaLnBrk="1" latinLnBrk="1" hangingPunct="1">
+              <a:lnSpc>
+                <a:spcPct val="100000"/>
+              </a:lnSpc>
+              <a:spcBef>
+                <a:spcPct val="0"/>
+              </a:spcBef>
+              <a:spcAft>
+                <a:spcPts val="0"/>
+              </a:spcAft>
+              <a:buNone/>
+              <a:defRPr/>
+            </a:pPr>
+            <a:r>
+              <a:rPr lang="ko-KR" altLang="en-US" sz="2000">
+                <a:solidFill>
+                  <a:schemeClr val="dk1"/>
+                </a:solidFill>
+              </a:rPr>
+              <a:t> </a:t>
+            </a:r>
             <a:r>
               <a:rPr lang="en-US" altLang="ko-KR" sz="2000">
                 <a:solidFill>
                   <a:schemeClr val="dk1"/>
                 </a:solidFill>
               </a:rPr>
-              <a:t> - </a:t>
+              <a:t>-</a:t>
+            </a:r>
+            <a:r>
+              <a:rPr lang="ko-KR" altLang="en-US" sz="2000">
+                <a:solidFill>
+                  <a:schemeClr val="dk1"/>
+                </a:solidFill>
+              </a:rPr>
+              <a:t> 게시판 개설</a:t>
+            </a:r>
+            <a:endParaRPr lang="ko-KR" altLang="en-US" sz="2000">
+              <a:solidFill>
+                <a:schemeClr val="dk1"/>
+              </a:solidFill>
+            </a:endParaRPr>
+          </a:p>
+          <a:p>
+            <a:pPr>
+              <a:defRPr/>
+            </a:pPr>
+            <a:r>
+              <a:rPr lang="ko-KR" altLang="en-US" sz="2000">
+                <a:solidFill>
+                  <a:schemeClr val="dk1"/>
+                </a:solidFill>
+              </a:rPr>
+              <a:t>  └ 게시판을 이용하기 위해서는 로그인을 해야 한다</a:t>
+            </a:r>
+            <a:r>
+              <a:rPr lang="en-US" altLang="ko-KR" sz="2000">
+                <a:solidFill>
+                  <a:schemeClr val="dk1"/>
+                </a:solidFill>
+              </a:rPr>
+              <a:t>.</a:t>
             </a:r>
             <a:endParaRPr lang="en-US" altLang="ko-KR" sz="2000">
               <a:solidFill>
@@ -11953,17 +11903,489 @@
             <a:pPr>
               <a:defRPr/>
             </a:pPr>
+            <a:r>
+              <a:rPr lang="ko-KR" altLang="en-US" sz="2000">
+                <a:solidFill>
+                  <a:schemeClr val="dk1"/>
+                </a:solidFill>
+              </a:rPr>
+              <a:t>  └ 게시판의 글을 삭제하거나 올리기 위한 </a:t>
+            </a:r>
+            <a:r>
+              <a:rPr lang="en-US" altLang="ko-KR" sz="2000">
+                <a:solidFill>
+                  <a:schemeClr val="dk1"/>
+                </a:solidFill>
+              </a:rPr>
+              <a:t>‘</a:t>
+            </a:r>
+            <a:r>
+              <a:rPr lang="ko-KR" altLang="en-US" sz="2000">
+                <a:solidFill>
+                  <a:schemeClr val="dk1"/>
+                </a:solidFill>
+              </a:rPr>
+              <a:t>글쓰기</a:t>
+            </a:r>
+            <a:r>
+              <a:rPr lang="en-US" altLang="ko-KR" sz="2000">
+                <a:solidFill>
+                  <a:schemeClr val="dk1"/>
+                </a:solidFill>
+              </a:rPr>
+              <a:t>’</a:t>
+            </a:r>
+            <a:r>
+              <a:rPr lang="ko-KR" altLang="en-US" sz="2000">
+                <a:solidFill>
+                  <a:schemeClr val="dk1"/>
+                </a:solidFill>
+              </a:rPr>
+              <a:t>버튼과 </a:t>
+            </a:r>
+            <a:r>
+              <a:rPr lang="en-US" altLang="ko-KR" sz="2000">
+                <a:solidFill>
+                  <a:schemeClr val="dk1"/>
+                </a:solidFill>
+              </a:rPr>
+              <a:t>“</a:t>
+            </a:r>
+            <a:r>
+              <a:rPr lang="ko-KR" altLang="en-US" sz="2000">
+                <a:solidFill>
+                  <a:schemeClr val="dk1"/>
+                </a:solidFill>
+              </a:rPr>
+              <a:t>글 삭제</a:t>
+            </a:r>
+            <a:r>
+              <a:rPr lang="en-US" altLang="ko-KR" sz="2000">
+                <a:solidFill>
+                  <a:schemeClr val="dk1"/>
+                </a:solidFill>
+              </a:rPr>
+              <a:t>”</a:t>
+            </a:r>
+            <a:r>
+              <a:rPr lang="ko-KR" altLang="en-US" sz="2000">
+                <a:solidFill>
+                  <a:schemeClr val="dk1"/>
+                </a:solidFill>
+              </a:rPr>
+              <a:t> 버튼이 있어야 한다</a:t>
+            </a:r>
+            <a:r>
+              <a:rPr lang="en-US" altLang="ko-KR" sz="2000">
+                <a:solidFill>
+                  <a:schemeClr val="dk1"/>
+                </a:solidFill>
+              </a:rPr>
+              <a:t>.</a:t>
+            </a:r>
             <a:endParaRPr lang="en-US" altLang="ko-KR" sz="2000">
               <a:solidFill>
                 <a:schemeClr val="dk1"/>
               </a:solidFill>
             </a:endParaRPr>
           </a:p>
+          <a:p>
+            <a:pPr>
+              <a:defRPr/>
+            </a:pPr>
+            <a:r>
+              <a:rPr lang="ko-KR" altLang="en-US" sz="2000">
+                <a:solidFill>
+                  <a:schemeClr val="dk1"/>
+                </a:solidFill>
+              </a:rPr>
+              <a:t>  └ 게시판의 글들은 페이지당 </a:t>
+            </a:r>
+            <a:r>
+              <a:rPr lang="en-US" altLang="ko-KR" sz="2000">
+                <a:solidFill>
+                  <a:schemeClr val="dk1"/>
+                </a:solidFill>
+              </a:rPr>
+              <a:t>20</a:t>
+            </a:r>
+            <a:r>
+              <a:rPr lang="ko-KR" altLang="en-US" sz="2000">
+                <a:solidFill>
+                  <a:schemeClr val="dk1"/>
+                </a:solidFill>
+              </a:rPr>
+              <a:t>개씩 보여주어야 한다</a:t>
+            </a:r>
+            <a:r>
+              <a:rPr lang="en-US" altLang="ko-KR" sz="2000">
+                <a:solidFill>
+                  <a:schemeClr val="dk1"/>
+                </a:solidFill>
+              </a:rPr>
+              <a:t>.</a:t>
+            </a:r>
+            <a:endParaRPr lang="en-US" altLang="ko-KR" sz="2000">
+              <a:solidFill>
+                <a:schemeClr val="dk1"/>
+              </a:solidFill>
+            </a:endParaRPr>
+          </a:p>
+          <a:p>
+            <a:pPr>
+              <a:defRPr/>
+            </a:pPr>
+            <a:endParaRPr lang="ko-KR" altLang="en-US" sz="2000">
+              <a:solidFill>
+                <a:schemeClr val="dk1"/>
+              </a:solidFill>
+            </a:endParaRPr>
+          </a:p>
+          <a:p>
+            <a:pPr marL="0" indent="0" algn="l" defTabSz="914400" rtl="0" eaLnBrk="1" latinLnBrk="1" hangingPunct="1">
+              <a:lnSpc>
+                <a:spcPct val="100000"/>
+              </a:lnSpc>
+              <a:spcBef>
+                <a:spcPct val="0"/>
+              </a:spcBef>
+              <a:spcAft>
+                <a:spcPts val="0"/>
+              </a:spcAft>
+              <a:buNone/>
+              <a:defRPr/>
+            </a:pPr>
+            <a:r>
+              <a:rPr lang="ko-KR" altLang="en-US" sz="2000">
+                <a:solidFill>
+                  <a:schemeClr val="dk1"/>
+                </a:solidFill>
+              </a:rPr>
+              <a:t> </a:t>
+            </a:r>
+            <a:r>
+              <a:rPr lang="en-US" altLang="ko-KR" sz="2000">
+                <a:solidFill>
+                  <a:schemeClr val="dk1"/>
+                </a:solidFill>
+              </a:rPr>
+              <a:t>-</a:t>
+            </a:r>
+            <a:r>
+              <a:rPr lang="ko-KR" altLang="en-US" sz="2000">
+                <a:solidFill>
+                  <a:schemeClr val="dk1"/>
+                </a:solidFill>
+              </a:rPr>
+              <a:t> 채팅창 개설</a:t>
+            </a:r>
+            <a:endParaRPr lang="ko-KR" altLang="en-US" sz="2000">
+              <a:solidFill>
+                <a:schemeClr val="dk1"/>
+              </a:solidFill>
+            </a:endParaRPr>
+          </a:p>
+          <a:p>
+            <a:pPr>
+              <a:defRPr/>
+            </a:pPr>
+            <a:r>
+              <a:rPr lang="ko-KR" altLang="en-US" sz="2000">
+                <a:solidFill>
+                  <a:schemeClr val="dk1"/>
+                </a:solidFill>
+              </a:rPr>
+              <a:t>  └ 채팅방 및 게시판에 들어가기 위해서는 로그인을 해야 한다</a:t>
+            </a:r>
+            <a:r>
+              <a:rPr lang="en-US" altLang="ko-KR" sz="2000">
+                <a:solidFill>
+                  <a:schemeClr val="dk1"/>
+                </a:solidFill>
+              </a:rPr>
+              <a:t>.</a:t>
+            </a:r>
+            <a:endParaRPr lang="en-US" altLang="ko-KR" sz="2000">
+              <a:solidFill>
+                <a:schemeClr val="dk1"/>
+              </a:solidFill>
+            </a:endParaRPr>
+          </a:p>
+          <a:p>
+            <a:pPr>
+              <a:defRPr/>
+            </a:pPr>
+            <a:r>
+              <a:rPr lang="ko-KR" altLang="en-US" sz="2000">
+                <a:solidFill>
+                  <a:schemeClr val="dk1"/>
+                </a:solidFill>
+              </a:rPr>
+              <a:t>  └ 로그인 화면을 들어가게 되면 아이디와 비밀번호의 입력 창</a:t>
+            </a:r>
+            <a:r>
+              <a:rPr lang="en-US" altLang="ko-KR" sz="2000">
+                <a:solidFill>
+                  <a:schemeClr val="dk1"/>
+                </a:solidFill>
+              </a:rPr>
+              <a:t>,</a:t>
+            </a:r>
+            <a:r>
+              <a:rPr lang="ko-KR" altLang="en-US" sz="2000">
+                <a:solidFill>
+                  <a:schemeClr val="dk1"/>
+                </a:solidFill>
+              </a:rPr>
+              <a:t> 회원가입 버튼과 로그인 버튼이 나와야 한다</a:t>
+            </a:r>
+            <a:r>
+              <a:rPr lang="en-US" altLang="ko-KR" sz="2000">
+                <a:solidFill>
+                  <a:schemeClr val="dk1"/>
+                </a:solidFill>
+              </a:rPr>
+              <a:t>.</a:t>
+            </a:r>
+            <a:endParaRPr lang="en-US" altLang="ko-KR" sz="2000">
+              <a:solidFill>
+                <a:schemeClr val="dk1"/>
+              </a:solidFill>
+            </a:endParaRPr>
+          </a:p>
+          <a:p>
+            <a:pPr>
+              <a:defRPr/>
+            </a:pPr>
+            <a:endParaRPr lang="en-US" altLang="ko-KR" sz="2000">
+              <a:solidFill>
+                <a:schemeClr val="dk1"/>
+              </a:solidFill>
+            </a:endParaRPr>
+          </a:p>
+          <a:p>
+            <a:pPr>
+              <a:defRPr/>
+            </a:pPr>
+            <a:r>
+              <a:rPr lang="ko-KR" altLang="en-US" sz="2000">
+                <a:solidFill>
+                  <a:schemeClr val="dk1"/>
+                </a:solidFill>
+              </a:rPr>
+              <a:t>주행 거리별 </a:t>
+            </a:r>
+            <a:r>
+              <a:rPr lang="en-US" altLang="ko-KR" sz="2000">
+                <a:solidFill>
+                  <a:schemeClr val="dk1"/>
+                </a:solidFill>
+              </a:rPr>
+              <a:t>check list</a:t>
+            </a:r>
+            <a:endParaRPr lang="en-US" altLang="ko-KR" sz="2000">
+              <a:solidFill>
+                <a:schemeClr val="dk1"/>
+              </a:solidFill>
+            </a:endParaRPr>
+          </a:p>
+          <a:p>
+            <a:pPr>
+              <a:defRPr/>
+            </a:pPr>
+            <a:r>
+              <a:rPr lang="en-US" altLang="ko-KR" sz="2000">
+                <a:solidFill>
+                  <a:schemeClr val="dk1"/>
+                </a:solidFill>
+              </a:rPr>
+              <a:t> - </a:t>
+            </a:r>
+            <a:r>
+              <a:rPr lang="ko-KR" altLang="en-US" sz="2000">
+                <a:solidFill>
+                  <a:schemeClr val="dk1"/>
+                </a:solidFill>
+              </a:rPr>
+              <a:t>아이콘을 활용하여 한 눈에 확인하기 쉬워야 한다</a:t>
+            </a:r>
+            <a:r>
+              <a:rPr lang="en-US" altLang="ko-KR" sz="2000">
+                <a:solidFill>
+                  <a:schemeClr val="dk1"/>
+                </a:solidFill>
+              </a:rPr>
+              <a:t>.</a:t>
+            </a:r>
+            <a:endParaRPr lang="en-US" altLang="ko-KR" sz="2000">
+              <a:solidFill>
+                <a:schemeClr val="dk1"/>
+              </a:solidFill>
+            </a:endParaRPr>
+          </a:p>
+          <a:p>
+            <a:pPr>
+              <a:defRPr/>
+            </a:pPr>
+            <a:r>
+              <a:rPr lang="ko-KR" altLang="en-US" sz="2000">
+                <a:solidFill>
+                  <a:schemeClr val="dk1"/>
+                </a:solidFill>
+              </a:rPr>
+              <a:t> </a:t>
+            </a:r>
+            <a:r>
+              <a:rPr lang="en-US" altLang="ko-KR" sz="2000">
+                <a:solidFill>
+                  <a:schemeClr val="dk1"/>
+                </a:solidFill>
+              </a:rPr>
+              <a:t>-</a:t>
+            </a:r>
+            <a:r>
+              <a:rPr lang="ko-KR" altLang="en-US" sz="2000">
+                <a:solidFill>
+                  <a:schemeClr val="dk1"/>
+                </a:solidFill>
+              </a:rPr>
+              <a:t> 주행 거리 정보를 받아 계산하여 부품별 주행 거리 수명에 빼서 알려줘야 한다</a:t>
+            </a:r>
+            <a:r>
+              <a:rPr lang="en-US" altLang="ko-KR" sz="2000">
+                <a:solidFill>
+                  <a:schemeClr val="dk1"/>
+                </a:solidFill>
+              </a:rPr>
+              <a:t>.</a:t>
+            </a:r>
+            <a:endParaRPr lang="en-US" altLang="ko-KR" sz="2000">
+              <a:solidFill>
+                <a:schemeClr val="dk1"/>
+              </a:solidFill>
+            </a:endParaRPr>
+          </a:p>
+          <a:p>
+            <a:pPr>
+              <a:defRPr/>
+            </a:pPr>
+            <a:endParaRPr lang="en-US" altLang="ko-KR" sz="2000">
+              <a:solidFill>
+                <a:schemeClr val="dk1"/>
+              </a:solidFill>
+            </a:endParaRPr>
+          </a:p>
+          <a:p>
+            <a:pPr>
+              <a:defRPr/>
+            </a:pPr>
+            <a:r>
+              <a:rPr lang="ko-KR" altLang="en-US" sz="2000">
+                <a:solidFill>
+                  <a:schemeClr val="dk1"/>
+                </a:solidFill>
+              </a:rPr>
+              <a:t> </a:t>
+            </a:r>
+            <a:r>
+              <a:rPr lang="en-US" altLang="ko-KR" sz="2000">
+                <a:solidFill>
+                  <a:schemeClr val="dk1"/>
+                </a:solidFill>
+              </a:rPr>
+              <a:t>-</a:t>
+            </a:r>
+            <a:r>
+              <a:rPr lang="ko-KR" altLang="en-US" sz="2000">
+                <a:solidFill>
+                  <a:schemeClr val="dk1"/>
+                </a:solidFill>
+              </a:rPr>
+              <a:t> 정비소 지도정보</a:t>
+            </a:r>
+            <a:endParaRPr lang="ko-KR" altLang="en-US" sz="2000">
+              <a:solidFill>
+                <a:schemeClr val="dk1"/>
+              </a:solidFill>
+            </a:endParaRPr>
+          </a:p>
+          <a:p>
+            <a:pPr>
+              <a:defRPr/>
+            </a:pPr>
+            <a:r>
+              <a:rPr lang="ko-KR" altLang="en-US" sz="2000">
+                <a:solidFill>
+                  <a:schemeClr val="dk1"/>
+                </a:solidFill>
+              </a:rPr>
+              <a:t>  └ 정확한 위치의 지도 정보를 받아와야 한다</a:t>
+            </a:r>
+            <a:r>
+              <a:rPr lang="en-US" altLang="ko-KR" sz="2000">
+                <a:solidFill>
+                  <a:schemeClr val="dk1"/>
+                </a:solidFill>
+              </a:rPr>
+              <a:t>.</a:t>
+            </a:r>
+            <a:endParaRPr lang="en-US" altLang="ko-KR" sz="2000">
+              <a:solidFill>
+                <a:schemeClr val="dk1"/>
+              </a:solidFill>
+            </a:endParaRPr>
+          </a:p>
+          <a:p>
+            <a:pPr>
+              <a:defRPr/>
+            </a:pPr>
+            <a:r>
+              <a:rPr lang="ko-KR" altLang="en-US" sz="2000">
+                <a:solidFill>
+                  <a:schemeClr val="dk1"/>
+                </a:solidFill>
+              </a:rPr>
+              <a:t>  └ 사라지거나 위치가 바뀐 정보를 수시로 업데이트 해야 한다</a:t>
+            </a:r>
+            <a:r>
+              <a:rPr lang="en-US" altLang="ko-KR" sz="2000">
+                <a:solidFill>
+                  <a:schemeClr val="dk1"/>
+                </a:solidFill>
+              </a:rPr>
+              <a:t>.</a:t>
+            </a:r>
+            <a:endParaRPr lang="en-US" altLang="ko-KR" sz="2000">
+              <a:solidFill>
+                <a:schemeClr val="dk1"/>
+              </a:solidFill>
+            </a:endParaRPr>
+          </a:p>
+          <a:p>
+            <a:pPr>
+              <a:defRPr/>
+            </a:pPr>
+            <a:endParaRPr lang="en-US" altLang="ko-KR" sz="2000">
+              <a:solidFill>
+                <a:schemeClr val="dk1"/>
+              </a:solidFill>
+            </a:endParaRPr>
+          </a:p>
+          <a:p>
+            <a:pPr>
+              <a:defRPr/>
+            </a:pPr>
+            <a:endParaRPr lang="en-US" altLang="ko-KR" sz="2000">
+              <a:solidFill>
+                <a:schemeClr val="dk1"/>
+              </a:solidFill>
+            </a:endParaRPr>
+          </a:p>
         </p:txBody>
       </p:sp>
       <p:sp>
         <p:nvSpPr>
-          <p:cNvPr id="6" name="직사각형 9"/>
+          <p:cNvPr id="8" name="직사각형 9"/>
           <p:cNvSpPr/>
           <p:nvPr/>
         </p:nvSpPr>
@@ -12011,7 +12433,7 @@
             </a:r>
             <a:r>
               <a:rPr kumimoji="1" lang="ko-KR" altLang="en-US" sz="4800"/>
-              <a:t> 요구사항 정의 및 수집</a:t>
+              <a:t> 요구사항 수집 및 정의</a:t>
             </a:r>
             <a:endParaRPr kumimoji="1" lang="ko-KR" altLang="en-US" sz="4800"/>
           </a:p>
@@ -12034,6 +12456,452 @@
 </file>
 
 <file path=ppt/slides/slide21.xml><?xml version="1.0" encoding="utf-8"?>
+<p:sld xmlns:r="http://schemas.openxmlformats.org/officeDocument/2006/relationships" xmlns:c="http://schemas.openxmlformats.org/drawingml/2006/chart" xmlns:a="http://schemas.openxmlformats.org/drawingml/2006/main" xmlns:dgm="http://schemas.openxmlformats.org/drawingml/2006/diagram" xmlns:dsp="http://schemas.microsoft.com/office/drawing/2008/diagram" xmlns:p="http://schemas.openxmlformats.org/presentationml/2006/main">
+  <p:cSld>
+    <p:spTree>
+      <p:nvGrpSpPr>
+        <p:cNvPr id="1" name=""/>
+        <p:cNvGrpSpPr/>
+        <p:nvPr/>
+      </p:nvGrpSpPr>
+      <p:grpSpPr>
+        <a:xfrm>
+          <a:off x="0" y="0"/>
+          <a:ext cx="0" cy="0"/>
+          <a:chOff x="0" y="0"/>
+          <a:chExt cx="0" cy="0"/>
+        </a:xfrm>
+      </p:grpSpPr>
+      <p:sp>
+        <p:nvSpPr>
+          <p:cNvPr id="5" name=""/>
+          <p:cNvSpPr/>
+          <p:nvPr/>
+        </p:nvSpPr>
+        <p:spPr>
+          <a:xfrm>
+            <a:off x="0" y="1367936"/>
+            <a:ext cx="12192000" cy="5480538"/>
+          </a:xfrm>
+          <a:prstGeom prst="rect">
+            <a:avLst/>
+          </a:prstGeom>
+          <a:noFill/>
+          <a:ln>
+            <a:noFill/>
+          </a:ln>
+        </p:spPr>
+        <p:style>
+          <a:lnRef idx="2">
+            <a:schemeClr val="accent1">
+              <a:shade val="20000"/>
+            </a:schemeClr>
+          </a:lnRef>
+          <a:fillRef idx="1">
+            <a:schemeClr val="accent1"/>
+          </a:fillRef>
+          <a:effectRef idx="0">
+            <a:schemeClr val="accent1"/>
+          </a:effectRef>
+          <a:fontRef idx="minor">
+            <a:schemeClr val="lt1"/>
+          </a:fontRef>
+        </p:style>
+        <p:txBody>
+          <a:bodyPr anchor="ctr"/>
+          <a:p>
+            <a:pPr>
+              <a:defRPr/>
+            </a:pPr>
+            <a:r>
+              <a:rPr lang="ko-KR" altLang="en-US" sz="2000">
+                <a:solidFill>
+                  <a:schemeClr val="dk1"/>
+                </a:solidFill>
+              </a:rPr>
+              <a:t>비기능적 요구사항</a:t>
+            </a:r>
+            <a:r>
+              <a:rPr lang="en-US" altLang="ko-KR" sz="2000">
+                <a:solidFill>
+                  <a:schemeClr val="dk1"/>
+                </a:solidFill>
+              </a:rPr>
+              <a:t>(Non-functional Requirements)</a:t>
+            </a:r>
+            <a:endParaRPr lang="en-US" altLang="ko-KR" sz="2000">
+              <a:solidFill>
+                <a:schemeClr val="dk1"/>
+              </a:solidFill>
+            </a:endParaRPr>
+          </a:p>
+          <a:p>
+            <a:pPr>
+              <a:defRPr/>
+            </a:pPr>
+            <a:endParaRPr lang="ko-KR" altLang="en-US" sz="2000">
+              <a:solidFill>
+                <a:schemeClr val="dk1"/>
+              </a:solidFill>
+            </a:endParaRPr>
+          </a:p>
+          <a:p>
+            <a:pPr>
+              <a:defRPr/>
+            </a:pPr>
+            <a:r>
+              <a:rPr lang="ko-KR" altLang="en-US" sz="2000">
+                <a:solidFill>
+                  <a:schemeClr val="dk1"/>
+                </a:solidFill>
+              </a:rPr>
+              <a:t>보안성</a:t>
+            </a:r>
+            <a:endParaRPr lang="ko-KR" altLang="en-US" sz="2000">
+              <a:solidFill>
+                <a:schemeClr val="dk1"/>
+              </a:solidFill>
+            </a:endParaRPr>
+          </a:p>
+          <a:p>
+            <a:pPr>
+              <a:defRPr/>
+            </a:pPr>
+            <a:r>
+              <a:rPr lang="ko-KR" altLang="en-US" sz="2000">
+                <a:solidFill>
+                  <a:schemeClr val="dk1"/>
+                </a:solidFill>
+              </a:rPr>
+              <a:t> </a:t>
+            </a:r>
+            <a:r>
+              <a:rPr lang="en-US" altLang="ko-KR" sz="2000">
+                <a:solidFill>
+                  <a:schemeClr val="dk1"/>
+                </a:solidFill>
+              </a:rPr>
+              <a:t>-</a:t>
+            </a:r>
+            <a:r>
+              <a:rPr lang="ko-KR" altLang="en-US" sz="2000">
+                <a:solidFill>
+                  <a:schemeClr val="dk1"/>
+                </a:solidFill>
+              </a:rPr>
+              <a:t> 등록된 사용자만이 자신이 등록한 차량의 정보를 확인해야 한다</a:t>
+            </a:r>
+            <a:r>
+              <a:rPr lang="en-US" altLang="ko-KR" sz="2000">
+                <a:solidFill>
+                  <a:schemeClr val="dk1"/>
+                </a:solidFill>
+              </a:rPr>
+              <a:t>.</a:t>
+            </a:r>
+            <a:endParaRPr lang="en-US" altLang="ko-KR" sz="2000">
+              <a:solidFill>
+                <a:schemeClr val="dk1"/>
+              </a:solidFill>
+            </a:endParaRPr>
+          </a:p>
+          <a:p>
+            <a:pPr>
+              <a:defRPr/>
+            </a:pPr>
+            <a:endParaRPr lang="ko-KR" altLang="en-US" sz="2000">
+              <a:solidFill>
+                <a:schemeClr val="dk1"/>
+              </a:solidFill>
+            </a:endParaRPr>
+          </a:p>
+          <a:p>
+            <a:pPr>
+              <a:defRPr/>
+            </a:pPr>
+            <a:r>
+              <a:rPr lang="ko-KR" altLang="en-US" sz="2000">
+                <a:solidFill>
+                  <a:schemeClr val="dk1"/>
+                </a:solidFill>
+              </a:rPr>
+              <a:t>무결성</a:t>
+            </a:r>
+            <a:endParaRPr lang="ko-KR" altLang="en-US" sz="2000">
+              <a:solidFill>
+                <a:schemeClr val="dk1"/>
+              </a:solidFill>
+            </a:endParaRPr>
+          </a:p>
+          <a:p>
+            <a:pPr>
+              <a:defRPr/>
+            </a:pPr>
+            <a:r>
+              <a:rPr lang="ko-KR" altLang="en-US" sz="2000">
+                <a:solidFill>
+                  <a:schemeClr val="dk1"/>
+                </a:solidFill>
+              </a:rPr>
+              <a:t>  └ </a:t>
+            </a:r>
+            <a:r>
+              <a:rPr lang="en-US" altLang="ko-KR" sz="2000">
+                <a:solidFill>
+                  <a:schemeClr val="dk1"/>
+                </a:solidFill>
+              </a:rPr>
+              <a:t>APP</a:t>
+            </a:r>
+            <a:r>
+              <a:rPr lang="ko-KR" altLang="en-US" sz="2000">
+                <a:solidFill>
+                  <a:schemeClr val="dk1"/>
+                </a:solidFill>
+              </a:rPr>
+              <a:t> 종료시 입력된 데이터는 변조가 없어야 한다</a:t>
+            </a:r>
+            <a:r>
+              <a:rPr lang="en-US" altLang="ko-KR" sz="2000">
+                <a:solidFill>
+                  <a:schemeClr val="dk1"/>
+                </a:solidFill>
+              </a:rPr>
+              <a:t>.</a:t>
+            </a:r>
+            <a:endParaRPr lang="en-US" altLang="ko-KR" sz="2000">
+              <a:solidFill>
+                <a:schemeClr val="dk1"/>
+              </a:solidFill>
+            </a:endParaRPr>
+          </a:p>
+          <a:p>
+            <a:pPr>
+              <a:defRPr/>
+            </a:pPr>
+            <a:r>
+              <a:rPr lang="ko-KR" altLang="en-US" sz="2000">
+                <a:solidFill>
+                  <a:schemeClr val="dk1"/>
+                </a:solidFill>
+              </a:rPr>
+              <a:t>  └ 외부에서 받아오는 정보</a:t>
+            </a:r>
+            <a:r>
+              <a:rPr lang="en-US" altLang="ko-KR" sz="2000">
+                <a:solidFill>
+                  <a:schemeClr val="dk1"/>
+                </a:solidFill>
+              </a:rPr>
+              <a:t>(</a:t>
+            </a:r>
+            <a:r>
+              <a:rPr lang="ko-KR" altLang="en-US" sz="2000">
+                <a:solidFill>
+                  <a:schemeClr val="dk1"/>
+                </a:solidFill>
+              </a:rPr>
+              <a:t>지도</a:t>
+            </a:r>
+            <a:r>
+              <a:rPr lang="en-US" altLang="ko-KR" sz="2000">
+                <a:solidFill>
+                  <a:schemeClr val="dk1"/>
+                </a:solidFill>
+              </a:rPr>
+              <a:t>,</a:t>
+            </a:r>
+            <a:r>
+              <a:rPr lang="ko-KR" altLang="en-US" sz="2000">
+                <a:solidFill>
+                  <a:schemeClr val="dk1"/>
+                </a:solidFill>
+              </a:rPr>
+              <a:t> 가격 등</a:t>
+            </a:r>
+            <a:r>
+              <a:rPr lang="en-US" altLang="ko-KR" sz="2000">
+                <a:solidFill>
+                  <a:schemeClr val="dk1"/>
+                </a:solidFill>
+              </a:rPr>
+              <a:t>)</a:t>
+            </a:r>
+            <a:r>
+              <a:rPr lang="ko-KR" altLang="en-US" sz="2000">
+                <a:solidFill>
+                  <a:schemeClr val="dk1"/>
+                </a:solidFill>
+              </a:rPr>
+              <a:t>에 변조가 없어야 한다</a:t>
+            </a:r>
+            <a:r>
+              <a:rPr lang="en-US" altLang="ko-KR" sz="2000">
+                <a:solidFill>
+                  <a:schemeClr val="dk1"/>
+                </a:solidFill>
+              </a:rPr>
+              <a:t>.</a:t>
+            </a:r>
+            <a:endParaRPr lang="en-US" altLang="ko-KR" sz="2000">
+              <a:solidFill>
+                <a:schemeClr val="dk1"/>
+              </a:solidFill>
+            </a:endParaRPr>
+          </a:p>
+          <a:p>
+            <a:pPr>
+              <a:defRPr/>
+            </a:pPr>
+            <a:r>
+              <a:rPr lang="ko-KR" altLang="en-US" sz="2000">
+                <a:solidFill>
+                  <a:schemeClr val="dk1"/>
+                </a:solidFill>
+              </a:rPr>
+              <a:t>  └ 정비 예약을 하는 과정에서 사용자가 선택한 지점과 선택된 지점의 정보가 일치해야 한다</a:t>
+            </a:r>
+            <a:r>
+              <a:rPr lang="en-US" altLang="ko-KR" sz="2000">
+                <a:solidFill>
+                  <a:schemeClr val="dk1"/>
+                </a:solidFill>
+              </a:rPr>
+              <a:t>.</a:t>
+            </a:r>
+            <a:endParaRPr lang="en-US" altLang="ko-KR" sz="2000">
+              <a:solidFill>
+                <a:schemeClr val="dk1"/>
+              </a:solidFill>
+            </a:endParaRPr>
+          </a:p>
+          <a:p>
+            <a:pPr>
+              <a:defRPr/>
+            </a:pPr>
+            <a:r>
+              <a:rPr lang="ko-KR" altLang="en-US" sz="2000">
+                <a:solidFill>
+                  <a:schemeClr val="dk1"/>
+                </a:solidFill>
+              </a:rPr>
+              <a:t>  └ </a:t>
+            </a:r>
+            <a:r>
+              <a:rPr lang="en-US" altLang="ko-KR" sz="2000">
+                <a:solidFill>
+                  <a:schemeClr val="dk1"/>
+                </a:solidFill>
+              </a:rPr>
+              <a:t>DataBase</a:t>
+            </a:r>
+            <a:r>
+              <a:rPr lang="ko-KR" altLang="en-US" sz="2000">
+                <a:solidFill>
+                  <a:schemeClr val="dk1"/>
+                </a:solidFill>
+              </a:rPr>
+              <a:t>에 저장된 내용들은 변조가 없어야 한다</a:t>
+            </a:r>
+            <a:r>
+              <a:rPr lang="en-US" altLang="ko-KR" sz="2000">
+                <a:solidFill>
+                  <a:schemeClr val="dk1"/>
+                </a:solidFill>
+              </a:rPr>
+              <a:t>.</a:t>
+            </a:r>
+            <a:endParaRPr lang="ko-KR" altLang="en-US" sz="2000">
+              <a:solidFill>
+                <a:schemeClr val="dk1"/>
+              </a:solidFill>
+            </a:endParaRPr>
+          </a:p>
+          <a:p>
+            <a:pPr>
+              <a:defRPr/>
+            </a:pPr>
+            <a:endParaRPr lang="ko-KR" altLang="en-US" sz="2000">
+              <a:solidFill>
+                <a:schemeClr val="dk1"/>
+              </a:solidFill>
+            </a:endParaRPr>
+          </a:p>
+        </p:txBody>
+      </p:sp>
+      <p:sp>
+        <p:nvSpPr>
+          <p:cNvPr id="8" name="직사각형 9"/>
+          <p:cNvSpPr/>
+          <p:nvPr/>
+        </p:nvSpPr>
+        <p:spPr>
+          <a:xfrm>
+            <a:off x="0" y="0"/>
+            <a:ext cx="12192001" cy="1338109"/>
+          </a:xfrm>
+          <a:prstGeom prst="rect">
+            <a:avLst/>
+          </a:prstGeom>
+          <a:solidFill>
+            <a:schemeClr val="accent1"/>
+          </a:solidFill>
+          <a:ln>
+            <a:noFill/>
+          </a:ln>
+        </p:spPr>
+        <p:style>
+          <a:lnRef idx="2">
+            <a:schemeClr val="accent1">
+              <a:shade val="50000"/>
+            </a:schemeClr>
+          </a:lnRef>
+          <a:fillRef idx="1">
+            <a:schemeClr val="accent1"/>
+          </a:fillRef>
+          <a:effectRef idx="0">
+            <a:schemeClr val="accent1"/>
+          </a:effectRef>
+          <a:fontRef idx="minor">
+            <a:schemeClr val="lt1"/>
+          </a:fontRef>
+        </p:style>
+        <p:txBody>
+          <a:bodyPr anchor="ctr"/>
+          <a:lstStyle/>
+          <a:p>
+            <a:pPr>
+              <a:defRPr/>
+            </a:pPr>
+            <a:r>
+              <a:rPr kumimoji="1" lang="en-US" altLang="ko-KR" sz="4800"/>
+              <a:t>2-2.</a:t>
+            </a:r>
+            <a:r>
+              <a:rPr kumimoji="1" lang="ko-KR" altLang="en-US" sz="4800"/>
+              <a:t> 요구사항 수집 및 정의</a:t>
+            </a:r>
+            <a:endParaRPr kumimoji="1" lang="ko-KR" altLang="en-US" sz="4800"/>
+          </a:p>
+        </p:txBody>
+      </p:sp>
+    </p:spTree>
+  </p:cSld>
+  <p:clrMapOvr>
+    <a:masterClrMapping/>
+  </p:clrMapOvr>
+  <mc:AlternateContent xmlns:mc="http://schemas.openxmlformats.org/markup-compatibility/2006">
+    <mc:Choice xmlns:p14="http://schemas.microsoft.com/office/powerpoint/2010/main" Requires="p14">
+      <p:transition xmlns:mc="http://schemas.openxmlformats.org/markup-compatibility/2006" xmlns:p14="http://schemas.microsoft.com/office/powerpoint/2010/main" mc:Ignorable="p14" p14:dur="500"/>
+    </mc:Choice>
+    <mc:Fallback>
+      <p:transition/>
+    </mc:Fallback>
+  </mc:AlternateContent>
+</p:sld>
+</file>
+
+<file path=ppt/slides/slide22.xml><?xml version="1.0" encoding="utf-8"?>
 <p:sld xmlns:r="http://schemas.openxmlformats.org/officeDocument/2006/relationships" xmlns:c="http://schemas.openxmlformats.org/drawingml/2006/chart" xmlns:a="http://schemas.openxmlformats.org/drawingml/2006/main" xmlns:dgm="http://schemas.openxmlformats.org/drawingml/2006/diagram" xmlns:dsp="http://schemas.microsoft.com/office/drawing/2008/diagram" xmlns:p="http://schemas.openxmlformats.org/presentationml/2006/main">
   <p:cSld>
     <p:spTree>
@@ -12106,6 +12974,636 @@
           </a:p>
         </p:txBody>
       </p:sp>
+      <p:sp>
+        <p:nvSpPr>
+          <p:cNvPr id="5" name=""/>
+          <p:cNvSpPr/>
+          <p:nvPr/>
+        </p:nvSpPr>
+        <p:spPr>
+          <a:xfrm>
+            <a:off x="0" y="1773630"/>
+            <a:ext cx="12192000" cy="5074844"/>
+          </a:xfrm>
+          <a:prstGeom prst="rect">
+            <a:avLst/>
+          </a:prstGeom>
+          <a:noFill/>
+          <a:ln>
+            <a:noFill/>
+          </a:ln>
+        </p:spPr>
+        <p:style>
+          <a:lnRef idx="2">
+            <a:schemeClr val="accent1">
+              <a:shade val="20000"/>
+            </a:schemeClr>
+          </a:lnRef>
+          <a:fillRef idx="1">
+            <a:schemeClr val="accent1"/>
+          </a:fillRef>
+          <a:effectRef idx="0">
+            <a:schemeClr val="accent1"/>
+          </a:effectRef>
+          <a:fontRef idx="minor">
+            <a:schemeClr val="lt1"/>
+          </a:fontRef>
+        </p:style>
+        <p:txBody>
+          <a:bodyPr anchor="ctr"/>
+          <a:lstStyle/>
+          <a:p>
+            <a:pPr>
+              <a:defRPr/>
+            </a:pPr>
+            <a:r>
+              <a:rPr lang="ko-KR" altLang="en-US" sz="2000">
+                <a:solidFill>
+                  <a:schemeClr val="dk1"/>
+                </a:solidFill>
+              </a:rPr>
+              <a:t>개발에 필요한 요구사항 분석 </a:t>
+            </a:r>
+            <a:r>
+              <a:rPr lang="en-US" altLang="ko-KR" sz="2000">
+                <a:solidFill>
+                  <a:schemeClr val="dk1"/>
+                </a:solidFill>
+              </a:rPr>
+              <a:t>(</a:t>
+            </a:r>
+            <a:r>
+              <a:rPr lang="ko-KR" altLang="en-US" sz="2000">
+                <a:solidFill>
+                  <a:schemeClr val="dk1"/>
+                </a:solidFill>
+              </a:rPr>
+              <a:t>실현성 확인</a:t>
+            </a:r>
+            <a:r>
+              <a:rPr lang="en-US" altLang="ko-KR" sz="2000">
+                <a:solidFill>
+                  <a:schemeClr val="dk1"/>
+                </a:solidFill>
+              </a:rPr>
+              <a:t>)</a:t>
+            </a:r>
+            <a:endParaRPr lang="en-US" altLang="ko-KR" sz="2000">
+              <a:solidFill>
+                <a:schemeClr val="dk1"/>
+              </a:solidFill>
+            </a:endParaRPr>
+          </a:p>
+          <a:p>
+            <a:pPr>
+              <a:defRPr/>
+            </a:pPr>
+            <a:endParaRPr lang="en-US" altLang="ko-KR" sz="2000">
+              <a:solidFill>
+                <a:schemeClr val="dk1"/>
+              </a:solidFill>
+            </a:endParaRPr>
+          </a:p>
+          <a:p>
+            <a:pPr>
+              <a:defRPr/>
+            </a:pPr>
+            <a:r>
+              <a:rPr lang="en-US" altLang="ko-KR" sz="2000">
+                <a:solidFill>
+                  <a:schemeClr val="dk1"/>
+                </a:solidFill>
+              </a:rPr>
+              <a:t>Main</a:t>
+            </a:r>
+            <a:r>
+              <a:rPr lang="ko-KR" altLang="en-US" sz="2000">
+                <a:solidFill>
+                  <a:schemeClr val="dk1"/>
+                </a:solidFill>
+              </a:rPr>
+              <a:t> 화면</a:t>
+            </a:r>
+            <a:endParaRPr lang="ko-KR" altLang="en-US" sz="2000">
+              <a:solidFill>
+                <a:schemeClr val="dk1"/>
+              </a:solidFill>
+            </a:endParaRPr>
+          </a:p>
+          <a:p>
+            <a:pPr>
+              <a:defRPr/>
+            </a:pPr>
+            <a:r>
+              <a:rPr lang="ko-KR" altLang="en-US" sz="2000">
+                <a:solidFill>
+                  <a:schemeClr val="dk1"/>
+                </a:solidFill>
+              </a:rPr>
+              <a:t> </a:t>
+            </a:r>
+            <a:r>
+              <a:rPr lang="en-US" altLang="ko-KR" sz="2000">
+                <a:solidFill>
+                  <a:schemeClr val="dk1"/>
+                </a:solidFill>
+              </a:rPr>
+              <a:t>-</a:t>
+            </a:r>
+            <a:r>
+              <a:rPr lang="ko-KR" altLang="en-US" sz="2000">
+                <a:solidFill>
+                  <a:schemeClr val="dk1"/>
+                </a:solidFill>
+              </a:rPr>
+              <a:t> 차량의 주행거리를 받아 총 주행거리와 정비가 필요한 목록을 보여줌</a:t>
+            </a:r>
+            <a:r>
+              <a:rPr lang="en-US" altLang="ko-KR" sz="2000">
+                <a:solidFill>
+                  <a:schemeClr val="dk1"/>
+                </a:solidFill>
+              </a:rPr>
+              <a:t>.</a:t>
+            </a:r>
+            <a:endParaRPr lang="en-US" altLang="ko-KR" sz="2000">
+              <a:solidFill>
+                <a:schemeClr val="dk1"/>
+              </a:solidFill>
+            </a:endParaRPr>
+          </a:p>
+          <a:p>
+            <a:pPr>
+              <a:defRPr/>
+            </a:pPr>
+            <a:r>
+              <a:rPr lang="ko-KR" altLang="en-US" sz="2000">
+                <a:solidFill>
+                  <a:schemeClr val="dk1"/>
+                </a:solidFill>
+              </a:rPr>
+              <a:t> </a:t>
+            </a:r>
+            <a:r>
+              <a:rPr lang="en-US" altLang="ko-KR" sz="2000">
+                <a:solidFill>
+                  <a:schemeClr val="dk1"/>
+                </a:solidFill>
+              </a:rPr>
+              <a:t>-</a:t>
+            </a:r>
+            <a:r>
+              <a:rPr lang="ko-KR" altLang="en-US" sz="2000">
+                <a:solidFill>
+                  <a:schemeClr val="dk1"/>
+                </a:solidFill>
+              </a:rPr>
+              <a:t> 차량의 주행거리를 자동적으로 </a:t>
+            </a:r>
+            <a:r>
+              <a:rPr lang="en-US" altLang="ko-KR" sz="2000">
+                <a:solidFill>
+                  <a:schemeClr val="dk1"/>
+                </a:solidFill>
+              </a:rPr>
+              <a:t>DB</a:t>
+            </a:r>
+            <a:r>
+              <a:rPr lang="ko-KR" altLang="en-US" sz="2000">
+                <a:solidFill>
+                  <a:schemeClr val="dk1"/>
+                </a:solidFill>
+              </a:rPr>
+              <a:t>로 끌어올 수 있는지</a:t>
+            </a:r>
+            <a:r>
+              <a:rPr lang="en-US" altLang="ko-KR" sz="2000">
+                <a:solidFill>
+                  <a:schemeClr val="dk1"/>
+                </a:solidFill>
+              </a:rPr>
+              <a:t>?</a:t>
+            </a:r>
+            <a:r>
+              <a:rPr lang="ko-KR" altLang="en-US" sz="2000">
+                <a:solidFill>
+                  <a:schemeClr val="dk1"/>
+                </a:solidFill>
+              </a:rPr>
+              <a:t> </a:t>
+            </a:r>
+            <a:r>
+              <a:rPr lang="en-US" altLang="ko-KR" sz="2000">
+                <a:solidFill>
+                  <a:schemeClr val="dk1"/>
+                </a:solidFill>
+              </a:rPr>
+              <a:t>-&gt;</a:t>
+            </a:r>
+            <a:r>
+              <a:rPr lang="ko-KR" altLang="en-US" sz="2000">
+                <a:solidFill>
+                  <a:schemeClr val="dk1"/>
+                </a:solidFill>
+              </a:rPr>
+              <a:t> 핵심 검색해봐야 함</a:t>
+            </a:r>
+            <a:endParaRPr lang="ko-KR" altLang="en-US" sz="2000">
+              <a:solidFill>
+                <a:schemeClr val="dk1"/>
+              </a:solidFill>
+            </a:endParaRPr>
+          </a:p>
+          <a:p>
+            <a:pPr>
+              <a:defRPr/>
+            </a:pPr>
+            <a:endParaRPr lang="ko-KR" altLang="en-US" sz="2000">
+              <a:solidFill>
+                <a:schemeClr val="dk1"/>
+              </a:solidFill>
+            </a:endParaRPr>
+          </a:p>
+          <a:p>
+            <a:pPr>
+              <a:defRPr/>
+            </a:pPr>
+            <a:r>
+              <a:rPr lang="ko-KR" altLang="en-US" sz="2000">
+                <a:solidFill>
+                  <a:schemeClr val="dk1"/>
+                </a:solidFill>
+              </a:rPr>
+              <a:t>목록을 구성하여 각 화면에서 원하는 화면으로 전환</a:t>
+            </a:r>
+            <a:endParaRPr lang="ko-KR" altLang="en-US" sz="2000">
+              <a:solidFill>
+                <a:schemeClr val="dk1"/>
+              </a:solidFill>
+            </a:endParaRPr>
+          </a:p>
+          <a:p>
+            <a:pPr>
+              <a:defRPr/>
+            </a:pPr>
+            <a:r>
+              <a:rPr lang="en-US" altLang="ko-KR" sz="2000">
+                <a:solidFill>
+                  <a:schemeClr val="dk1"/>
+                </a:solidFill>
+              </a:rPr>
+              <a:t>-&gt;</a:t>
+            </a:r>
+            <a:r>
+              <a:rPr lang="ko-KR" altLang="en-US" sz="2000">
+                <a:solidFill>
+                  <a:schemeClr val="dk1"/>
+                </a:solidFill>
+              </a:rPr>
+              <a:t> </a:t>
+            </a:r>
+            <a:r>
+              <a:rPr lang="en-US" altLang="ko-KR" sz="2000">
+                <a:solidFill>
+                  <a:schemeClr val="dk1"/>
+                </a:solidFill>
+              </a:rPr>
+              <a:t>Android Studio - Navigation Drawer Activity</a:t>
+            </a:r>
+            <a:r>
+              <a:rPr lang="ko-KR" altLang="en-US" sz="2000">
+                <a:solidFill>
+                  <a:schemeClr val="dk1"/>
+                </a:solidFill>
+              </a:rPr>
+              <a:t> 활용</a:t>
+            </a:r>
+            <a:endParaRPr lang="ko-KR" altLang="en-US" sz="2000">
+              <a:solidFill>
+                <a:schemeClr val="dk1"/>
+              </a:solidFill>
+            </a:endParaRPr>
+          </a:p>
+          <a:p>
+            <a:pPr>
+              <a:defRPr/>
+            </a:pPr>
+            <a:endParaRPr lang="ko-KR" altLang="en-US" sz="2000">
+              <a:solidFill>
+                <a:schemeClr val="dk1"/>
+              </a:solidFill>
+            </a:endParaRPr>
+          </a:p>
+          <a:p>
+            <a:pPr>
+              <a:defRPr/>
+            </a:pPr>
+            <a:r>
+              <a:rPr lang="ko-KR" altLang="en-US" sz="2000">
+                <a:solidFill>
+                  <a:schemeClr val="dk1"/>
+                </a:solidFill>
+              </a:rPr>
+              <a:t>회원가입</a:t>
+            </a:r>
+            <a:endParaRPr lang="ko-KR" altLang="en-US" sz="2000">
+              <a:solidFill>
+                <a:schemeClr val="dk1"/>
+              </a:solidFill>
+            </a:endParaRPr>
+          </a:p>
+          <a:p>
+            <a:pPr>
+              <a:defRPr/>
+            </a:pPr>
+            <a:r>
+              <a:rPr lang="ko-KR" altLang="en-US" sz="2000">
+                <a:solidFill>
+                  <a:schemeClr val="dk1"/>
+                </a:solidFill>
+              </a:rPr>
+              <a:t> </a:t>
+            </a:r>
+            <a:r>
+              <a:rPr lang="en-US" altLang="ko-KR" sz="2000">
+                <a:solidFill>
+                  <a:schemeClr val="dk1"/>
+                </a:solidFill>
+              </a:rPr>
+              <a:t>-</a:t>
+            </a:r>
+            <a:r>
+              <a:rPr lang="ko-KR" altLang="en-US" sz="2000">
+                <a:solidFill>
+                  <a:schemeClr val="dk1"/>
+                </a:solidFill>
+              </a:rPr>
+              <a:t> </a:t>
+            </a:r>
+            <a:r>
+              <a:rPr lang="en-US" altLang="ko-KR" sz="2000">
+                <a:solidFill>
+                  <a:schemeClr val="dk1"/>
+                </a:solidFill>
+              </a:rPr>
+              <a:t>FireBase DB</a:t>
+            </a:r>
+            <a:r>
+              <a:rPr lang="ko-KR" altLang="en-US" sz="2000">
+                <a:solidFill>
+                  <a:schemeClr val="dk1"/>
+                </a:solidFill>
+              </a:rPr>
+              <a:t>을 활용하여 회원 정보 및 차량 정보 관리</a:t>
+            </a:r>
+            <a:endParaRPr lang="ko-KR" altLang="en-US" sz="2000">
+              <a:solidFill>
+                <a:schemeClr val="dk1"/>
+              </a:solidFill>
+            </a:endParaRPr>
+          </a:p>
+          <a:p>
+            <a:pPr>
+              <a:defRPr/>
+            </a:pPr>
+            <a:endParaRPr lang="ko-KR" altLang="en-US" sz="2000">
+              <a:solidFill>
+                <a:schemeClr val="dk1"/>
+              </a:solidFill>
+            </a:endParaRPr>
+          </a:p>
+          <a:p>
+            <a:pPr>
+              <a:defRPr/>
+            </a:pPr>
+            <a:r>
+              <a:rPr lang="ko-KR" altLang="en-US" sz="2000">
+                <a:solidFill>
+                  <a:schemeClr val="dk1"/>
+                </a:solidFill>
+              </a:rPr>
+              <a:t>채팅창 및 게시판 개설</a:t>
+            </a:r>
+            <a:endParaRPr lang="ko-KR" altLang="en-US" sz="2000">
+              <a:solidFill>
+                <a:schemeClr val="dk1"/>
+              </a:solidFill>
+            </a:endParaRPr>
+          </a:p>
+          <a:p>
+            <a:pPr>
+              <a:defRPr/>
+            </a:pPr>
+            <a:r>
+              <a:rPr lang="ko-KR" altLang="en-US" sz="2000">
+                <a:solidFill>
+                  <a:schemeClr val="dk1"/>
+                </a:solidFill>
+              </a:rPr>
+              <a:t> </a:t>
+            </a:r>
+            <a:r>
+              <a:rPr lang="en-US" altLang="ko-KR" sz="2000">
+                <a:solidFill>
+                  <a:schemeClr val="dk1"/>
+                </a:solidFill>
+              </a:rPr>
+              <a:t>-</a:t>
+            </a:r>
+            <a:r>
+              <a:rPr lang="ko-KR" altLang="en-US" sz="2000">
+                <a:solidFill>
+                  <a:schemeClr val="dk1"/>
+                </a:solidFill>
+              </a:rPr>
+              <a:t> </a:t>
+            </a:r>
+            <a:r>
+              <a:rPr lang="en-US" altLang="ko-KR" sz="2000">
+                <a:solidFill>
+                  <a:schemeClr val="dk1"/>
+                </a:solidFill>
+              </a:rPr>
+              <a:t>FireBase</a:t>
+            </a:r>
+            <a:r>
+              <a:rPr lang="ko-KR" altLang="en-US" sz="2000">
+                <a:solidFill>
+                  <a:schemeClr val="dk1"/>
+                </a:solidFill>
+              </a:rPr>
+              <a:t> </a:t>
+            </a:r>
+            <a:r>
+              <a:rPr lang="en-US" altLang="ko-KR" sz="2000">
+                <a:solidFill>
+                  <a:schemeClr val="dk1"/>
+                </a:solidFill>
+              </a:rPr>
+              <a:t>DB</a:t>
+            </a:r>
+            <a:r>
+              <a:rPr lang="ko-KR" altLang="en-US" sz="2000">
+                <a:solidFill>
+                  <a:schemeClr val="dk1"/>
+                </a:solidFill>
+              </a:rPr>
+              <a:t>을 활용하여 모든 내용을 저장하여 관리</a:t>
+            </a:r>
+            <a:endParaRPr lang="ko-KR" altLang="en-US" sz="2000">
+              <a:solidFill>
+                <a:schemeClr val="dk1"/>
+              </a:solidFill>
+            </a:endParaRPr>
+          </a:p>
+          <a:p>
+            <a:pPr>
+              <a:defRPr/>
+            </a:pPr>
+            <a:endParaRPr lang="ko-KR" altLang="en-US" sz="2000" strike="sngStrike">
+              <a:solidFill>
+                <a:schemeClr val="dk1"/>
+              </a:solidFill>
+            </a:endParaRPr>
+          </a:p>
+          <a:p>
+            <a:pPr>
+              <a:defRPr/>
+            </a:pPr>
+            <a:r>
+              <a:rPr lang="ko-KR" altLang="en-US" sz="2000" strike="sngStrike">
+                <a:solidFill>
+                  <a:schemeClr val="dk1"/>
+                </a:solidFill>
+              </a:rPr>
+              <a:t>가장 가까운 정비소 위치 찾기</a:t>
+            </a:r>
+            <a:endParaRPr lang="ko-KR" altLang="en-US" sz="2000">
+              <a:solidFill>
+                <a:schemeClr val="dk1"/>
+              </a:solidFill>
+            </a:endParaRPr>
+          </a:p>
+          <a:p>
+            <a:pPr>
+              <a:defRPr/>
+            </a:pPr>
+            <a:r>
+              <a:rPr lang="ko-KR" altLang="en-US" sz="2000">
+                <a:solidFill>
+                  <a:schemeClr val="dk1"/>
+                </a:solidFill>
+              </a:rPr>
+              <a:t> </a:t>
+            </a:r>
+            <a:r>
+              <a:rPr lang="en-US" altLang="ko-KR" sz="2000">
+                <a:solidFill>
+                  <a:schemeClr val="dk1"/>
+                </a:solidFill>
+              </a:rPr>
+              <a:t>-</a:t>
+            </a:r>
+            <a:r>
+              <a:rPr lang="ko-KR" altLang="en-US" sz="2000">
+                <a:solidFill>
+                  <a:schemeClr val="dk1"/>
+                </a:solidFill>
+              </a:rPr>
+              <a:t> 데이터 부족</a:t>
+            </a:r>
+            <a:r>
+              <a:rPr lang="en-US" altLang="ko-KR" sz="2000">
+                <a:solidFill>
+                  <a:schemeClr val="dk1"/>
+                </a:solidFill>
+              </a:rPr>
+              <a:t>(</a:t>
+            </a:r>
+            <a:r>
+              <a:rPr lang="ko-KR" altLang="en-US" sz="2000">
+                <a:solidFill>
+                  <a:schemeClr val="dk1"/>
+                </a:solidFill>
+              </a:rPr>
+              <a:t>웹에서 검색 결과 적당한 결과물 </a:t>
+            </a:r>
+            <a:r>
+              <a:rPr lang="en-US" altLang="ko-KR" sz="2000">
+                <a:solidFill>
+                  <a:schemeClr val="dk1"/>
+                </a:solidFill>
+              </a:rPr>
+              <a:t>X,</a:t>
+            </a:r>
+            <a:r>
+              <a:rPr lang="ko-KR" altLang="en-US" sz="2000">
+                <a:solidFill>
+                  <a:schemeClr val="dk1"/>
+                </a:solidFill>
+              </a:rPr>
+              <a:t> 정비소 마다 취급하는 분야가 다른 경우도 있음</a:t>
+            </a:r>
+            <a:r>
+              <a:rPr lang="en-US" altLang="ko-KR" sz="2000">
+                <a:solidFill>
+                  <a:schemeClr val="dk1"/>
+                </a:solidFill>
+              </a:rPr>
+              <a:t>)</a:t>
+            </a:r>
+            <a:endParaRPr lang="en-US" altLang="ko-KR" sz="2000">
+              <a:solidFill>
+                <a:schemeClr val="dk1"/>
+              </a:solidFill>
+            </a:endParaRPr>
+          </a:p>
+          <a:p>
+            <a:pPr>
+              <a:defRPr/>
+            </a:pPr>
+            <a:r>
+              <a:rPr lang="ko-KR" altLang="en-US" sz="2000">
+                <a:solidFill>
+                  <a:schemeClr val="dk1"/>
+                </a:solidFill>
+              </a:rPr>
+              <a:t> </a:t>
+            </a:r>
+            <a:r>
+              <a:rPr lang="en-US" altLang="ko-KR" sz="2000">
+                <a:solidFill>
+                  <a:schemeClr val="dk1"/>
+                </a:solidFill>
+              </a:rPr>
+              <a:t>-</a:t>
+            </a:r>
+            <a:r>
+              <a:rPr lang="ko-KR" altLang="en-US" sz="2000">
+                <a:solidFill>
+                  <a:schemeClr val="dk1"/>
+                </a:solidFill>
+              </a:rPr>
+              <a:t> 실현성 부족</a:t>
+            </a:r>
+            <a:endParaRPr lang="ko-KR" altLang="en-US" sz="2000">
+              <a:solidFill>
+                <a:schemeClr val="dk1"/>
+              </a:solidFill>
+            </a:endParaRPr>
+          </a:p>
+          <a:p>
+            <a:pPr>
+              <a:defRPr/>
+            </a:pPr>
+            <a:endParaRPr lang="ko-KR" altLang="en-US" sz="2000">
+              <a:solidFill>
+                <a:schemeClr val="dk1"/>
+              </a:solidFill>
+            </a:endParaRPr>
+          </a:p>
+        </p:txBody>
+      </p:sp>
     </p:spTree>
   </p:cSld>
   <p:clrMapOvr>
@@ -12122,8 +13620,8 @@
 </p:sld>
 </file>
 
-<file path=ppt/slides/slide22.xml><?xml version="1.0" encoding="utf-8"?>
-<p:sld xmlns:a="http://schemas.openxmlformats.org/drawingml/2006/main" xmlns:r="http://schemas.openxmlformats.org/officeDocument/2006/relationships" xmlns:p="http://schemas.openxmlformats.org/presentationml/2006/main">
+<file path=ppt/slides/slide23.xml><?xml version="1.0" encoding="utf-8"?>
+<p:sld xmlns:r="http://schemas.openxmlformats.org/officeDocument/2006/relationships" xmlns:c="http://schemas.openxmlformats.org/drawingml/2006/chart" xmlns:a="http://schemas.openxmlformats.org/drawingml/2006/main" xmlns:dgm="http://schemas.openxmlformats.org/drawingml/2006/diagram" xmlns:dsp="http://schemas.microsoft.com/office/drawing/2008/diagram" xmlns:p="http://schemas.openxmlformats.org/presentationml/2006/main">
   <p:cSld>
     <p:spTree>
       <p:nvGrpSpPr>
@@ -12141,22 +13639,20 @@
       </p:grpSpPr>
       <p:sp>
         <p:nvSpPr>
-          <p:cNvPr id="10" name="직사각형 9"/>
+          <p:cNvPr id="4" name="직사각형 9"/>
           <p:cNvSpPr/>
           <p:nvPr/>
         </p:nvSpPr>
         <p:spPr>
           <a:xfrm>
-            <a:off x="-1" y="2398426"/>
+            <a:off x="0" y="0"/>
             <a:ext cx="12192001" cy="1338109"/>
           </a:xfrm>
           <a:prstGeom prst="rect">
             <a:avLst/>
           </a:prstGeom>
           <a:solidFill>
-            <a:schemeClr val="accent1">
-              <a:lumMod val="75000"/>
-            </a:schemeClr>
+            <a:schemeClr val="accent1"/>
           </a:solidFill>
           <a:ln>
             <a:noFill/>
@@ -12179,244 +13675,74 @@
           </a:fontRef>
         </p:style>
         <p:txBody>
-          <a:bodyPr rtlCol="0" anchor="ctr"/>
+          <a:bodyPr anchor="ctr"/>
           <a:lstStyle/>
           <a:p>
-            <a:pPr algn="ctr"/>
-            <a:endParaRPr kumimoji="1" lang="ko-KR" altLang="en-US" dirty="0"/>
+            <a:pPr>
+              <a:defRPr/>
+            </a:pPr>
+            <a:r>
+              <a:rPr kumimoji="1" lang="en-US" altLang="ko-KR" sz="4800"/>
+              <a:t>2-3.</a:t>
+            </a:r>
+            <a:r>
+              <a:rPr kumimoji="1" lang="ko-KR" altLang="en-US" sz="4800"/>
+              <a:t> 요구사항 분석</a:t>
+            </a:r>
+            <a:endParaRPr kumimoji="1" lang="ko-KR" altLang="en-US" sz="4800"/>
           </a:p>
         </p:txBody>
       </p:sp>
       <p:sp>
         <p:nvSpPr>
-          <p:cNvPr id="12" name="부제목 2"/>
-          <p:cNvSpPr txBox="1">
-            <a:spLocks/>
-          </p:cNvSpPr>
+          <p:cNvPr id="5" name=""/>
+          <p:cNvSpPr/>
           <p:nvPr/>
         </p:nvSpPr>
         <p:spPr>
           <a:xfrm>
-            <a:off x="1" y="2608234"/>
-            <a:ext cx="12192000" cy="754314"/>
+            <a:off x="0" y="1367936"/>
+            <a:ext cx="12192000" cy="5480538"/>
           </a:xfrm>
           <a:prstGeom prst="rect">
             <a:avLst/>
           </a:prstGeom>
+          <a:noFill/>
+          <a:ln>
+            <a:noFill/>
+          </a:ln>
         </p:spPr>
+        <p:style>
+          <a:lnRef idx="2">
+            <a:schemeClr val="accent1">
+              <a:shade val="20000"/>
+            </a:schemeClr>
+          </a:lnRef>
+          <a:fillRef idx="1">
+            <a:schemeClr val="accent1"/>
+          </a:fillRef>
+          <a:effectRef idx="0">
+            <a:schemeClr val="accent1"/>
+          </a:effectRef>
+          <a:fontRef idx="minor">
+            <a:schemeClr val="lt1"/>
+          </a:fontRef>
+        </p:style>
         <p:txBody>
-          <a:bodyPr vert="horz" lIns="91440" tIns="45720" rIns="91440" bIns="45720" rtlCol="0" anchor="ctr">
-            <a:noAutofit/>
-          </a:bodyPr>
-          <a:lstStyle>
-            <a:lvl1pPr marL="0" indent="0" algn="ctr" defTabSz="914423" rtl="0" eaLnBrk="1" latinLnBrk="1" hangingPunct="1">
-              <a:lnSpc>
-                <a:spcPct val="90000"/>
-              </a:lnSpc>
-              <a:spcBef>
-                <a:spcPts val="1001"/>
-              </a:spcBef>
-              <a:buFont typeface="Arial"/>
-              <a:buNone/>
-              <a:defRPr sz="2400" kern="1200">
-                <a:solidFill>
-                  <a:schemeClr val="tx1"/>
-                </a:solidFill>
-                <a:latin typeface="+mn-lt"/>
-                <a:ea typeface="+mn-ea"/>
-                <a:cs typeface="+mn-cs"/>
-              </a:defRPr>
-            </a:lvl1pPr>
-            <a:lvl2pPr marL="457211" indent="0" algn="ctr" defTabSz="914423" rtl="0" eaLnBrk="1" latinLnBrk="1" hangingPunct="1">
-              <a:lnSpc>
-                <a:spcPct val="90000"/>
-              </a:lnSpc>
-              <a:spcBef>
-                <a:spcPts val="500"/>
-              </a:spcBef>
-              <a:buFont typeface="Arial"/>
-              <a:buNone/>
-              <a:defRPr sz="2000" kern="1200">
-                <a:solidFill>
-                  <a:schemeClr val="tx1"/>
-                </a:solidFill>
-                <a:latin typeface="+mn-lt"/>
-                <a:ea typeface="+mn-ea"/>
-                <a:cs typeface="+mn-cs"/>
-              </a:defRPr>
-            </a:lvl2pPr>
-            <a:lvl3pPr marL="914423" indent="0" algn="ctr" defTabSz="914423" rtl="0" eaLnBrk="1" latinLnBrk="1" hangingPunct="1">
-              <a:lnSpc>
-                <a:spcPct val="90000"/>
-              </a:lnSpc>
-              <a:spcBef>
-                <a:spcPts val="500"/>
-              </a:spcBef>
-              <a:buFont typeface="Arial"/>
-              <a:buNone/>
-              <a:defRPr sz="1801" kern="1200">
-                <a:solidFill>
-                  <a:schemeClr val="tx1"/>
-                </a:solidFill>
-                <a:latin typeface="+mn-lt"/>
-                <a:ea typeface="+mn-ea"/>
-                <a:cs typeface="+mn-cs"/>
-              </a:defRPr>
-            </a:lvl3pPr>
-            <a:lvl4pPr marL="1371634" indent="0" algn="ctr" defTabSz="914423" rtl="0" eaLnBrk="1" latinLnBrk="1" hangingPunct="1">
-              <a:lnSpc>
-                <a:spcPct val="90000"/>
-              </a:lnSpc>
-              <a:spcBef>
-                <a:spcPts val="500"/>
-              </a:spcBef>
-              <a:buFont typeface="Arial"/>
-              <a:buNone/>
-              <a:defRPr sz="1600" kern="1200">
-                <a:solidFill>
-                  <a:schemeClr val="tx1"/>
-                </a:solidFill>
-                <a:latin typeface="+mn-lt"/>
-                <a:ea typeface="+mn-ea"/>
-                <a:cs typeface="+mn-cs"/>
-              </a:defRPr>
-            </a:lvl4pPr>
-            <a:lvl5pPr marL="1828846" indent="0" algn="ctr" defTabSz="914423" rtl="0" eaLnBrk="1" latinLnBrk="1" hangingPunct="1">
-              <a:lnSpc>
-                <a:spcPct val="90000"/>
-              </a:lnSpc>
-              <a:spcBef>
-                <a:spcPts val="500"/>
-              </a:spcBef>
-              <a:buFont typeface="Arial"/>
-              <a:buNone/>
-              <a:defRPr sz="1600" kern="1200">
-                <a:solidFill>
-                  <a:schemeClr val="tx1"/>
-                </a:solidFill>
-                <a:latin typeface="+mn-lt"/>
-                <a:ea typeface="+mn-ea"/>
-                <a:cs typeface="+mn-cs"/>
-              </a:defRPr>
-            </a:lvl5pPr>
-            <a:lvl6pPr marL="2286057" indent="0" algn="ctr" defTabSz="914423" rtl="0" eaLnBrk="1" latinLnBrk="1" hangingPunct="1">
-              <a:lnSpc>
-                <a:spcPct val="90000"/>
-              </a:lnSpc>
-              <a:spcBef>
-                <a:spcPts val="500"/>
-              </a:spcBef>
-              <a:buFont typeface="Arial"/>
-              <a:buNone/>
-              <a:defRPr sz="1600" kern="1200">
-                <a:solidFill>
-                  <a:schemeClr val="tx1"/>
-                </a:solidFill>
-                <a:latin typeface="+mn-lt"/>
-                <a:ea typeface="+mn-ea"/>
-                <a:cs typeface="+mn-cs"/>
-              </a:defRPr>
-            </a:lvl6pPr>
-            <a:lvl7pPr marL="2743269" indent="0" algn="ctr" defTabSz="914423" rtl="0" eaLnBrk="1" latinLnBrk="1" hangingPunct="1">
-              <a:lnSpc>
-                <a:spcPct val="90000"/>
-              </a:lnSpc>
-              <a:spcBef>
-                <a:spcPts val="500"/>
-              </a:spcBef>
-              <a:buFont typeface="Arial"/>
-              <a:buNone/>
-              <a:defRPr sz="1600" kern="1200">
-                <a:solidFill>
-                  <a:schemeClr val="tx1"/>
-                </a:solidFill>
-                <a:latin typeface="+mn-lt"/>
-                <a:ea typeface="+mn-ea"/>
-                <a:cs typeface="+mn-cs"/>
-              </a:defRPr>
-            </a:lvl7pPr>
-            <a:lvl8pPr marL="3200480" indent="0" algn="ctr" defTabSz="914423" rtl="0" eaLnBrk="1" latinLnBrk="1" hangingPunct="1">
-              <a:lnSpc>
-                <a:spcPct val="90000"/>
-              </a:lnSpc>
-              <a:spcBef>
-                <a:spcPts val="500"/>
-              </a:spcBef>
-              <a:buFont typeface="Arial"/>
-              <a:buNone/>
-              <a:defRPr sz="1600" kern="1200">
-                <a:solidFill>
-                  <a:schemeClr val="tx1"/>
-                </a:solidFill>
-                <a:latin typeface="+mn-lt"/>
-                <a:ea typeface="+mn-ea"/>
-                <a:cs typeface="+mn-cs"/>
-              </a:defRPr>
-            </a:lvl8pPr>
-            <a:lvl9pPr marL="3657691" indent="0" algn="ctr" defTabSz="914423" rtl="0" eaLnBrk="1" latinLnBrk="1" hangingPunct="1">
-              <a:lnSpc>
-                <a:spcPct val="90000"/>
-              </a:lnSpc>
-              <a:spcBef>
-                <a:spcPts val="500"/>
-              </a:spcBef>
-              <a:buFont typeface="Arial"/>
-              <a:buNone/>
-              <a:defRPr sz="1600" kern="1200">
-                <a:solidFill>
-                  <a:schemeClr val="tx1"/>
-                </a:solidFill>
-                <a:latin typeface="+mn-lt"/>
-                <a:ea typeface="+mn-ea"/>
-                <a:cs typeface="+mn-cs"/>
-              </a:defRPr>
-            </a:lvl9pPr>
-          </a:lstStyle>
-          <a:p>
-            <a:r>
-              <a:rPr lang="ko-KR" altLang="en-US" sz="4800" dirty="0">
-                <a:solidFill>
-                  <a:schemeClr val="bg1"/>
-                </a:solidFill>
-                <a:latin typeface="+mj-lt"/>
-                <a:ea typeface="맑은 고딕" charset="-127"/>
-                <a:cs typeface="맑은 고딕" charset="-127"/>
-              </a:rPr>
-              <a:t>계획 및 일정 수립</a:t>
-            </a:r>
+          <a:bodyPr anchor="ctr"/>
+          <a:lstStyle/>
+          <a:p>
+            <a:pPr>
+              <a:defRPr/>
+            </a:pPr>
+            <a:endParaRPr lang="en-US" altLang="ko-KR" sz="2000">
+              <a:solidFill>
+                <a:schemeClr val="dk1"/>
+              </a:solidFill>
+            </a:endParaRPr>
           </a:p>
         </p:txBody>
       </p:sp>
-    </p:spTree>
-    <p:extLst>
-      <p:ext uri="{BB962C8B-B14F-4D97-AF65-F5344CB8AC3E}">
-        <p14:creationId xmlns:p14="http://schemas.microsoft.com/office/powerpoint/2010/main" val="641642769"/>
-      </p:ext>
-    </p:extLst>
-  </p:cSld>
-  <p:clrMapOvr>
-    <a:masterClrMapping/>
-  </p:clrMapOvr>
-</p:sld>
-</file>
-
-<file path=ppt/slides/slide23.xml><?xml version="1.0" encoding="utf-8"?>
-<p:sld xmlns:r="http://schemas.openxmlformats.org/officeDocument/2006/relationships" xmlns:c="http://schemas.openxmlformats.org/drawingml/2006/chart" xmlns:a="http://schemas.openxmlformats.org/drawingml/2006/main" xmlns:dgm="http://schemas.openxmlformats.org/drawingml/2006/diagram" xmlns:dsp="http://schemas.microsoft.com/office/drawing/2008/diagram" xmlns:p="http://schemas.openxmlformats.org/presentationml/2006/main">
-  <p:cSld>
-    <p:spTree>
-      <p:nvGrpSpPr>
-        <p:cNvPr id="1" name=""/>
-        <p:cNvGrpSpPr/>
-        <p:nvPr/>
-      </p:nvGrpSpPr>
-      <p:grpSpPr>
-        <a:xfrm>
-          <a:off x="0" y="0"/>
-          <a:ext cx="0" cy="0"/>
-          <a:chOff x="0" y="0"/>
-          <a:chExt cx="0" cy="0"/>
-        </a:xfrm>
-      </p:grpSpPr>
     </p:spTree>
   </p:cSld>
   <p:clrMapOvr>
@@ -12693,7 +14019,7 @@
                 <a:ea typeface="맑은 고딕" charset="-127"/>
                 <a:cs typeface="맑은 고딕" charset="-127"/>
               </a:rPr>
-              <a:t>기능 모듈 설계</a:t>
+              <a:t>계획 및 일정 수립</a:t>
             </a:r>
           </a:p>
         </p:txBody>
@@ -12701,7 +14027,7 @@
     </p:spTree>
     <p:extLst>
       <p:ext uri="{BB962C8B-B14F-4D97-AF65-F5344CB8AC3E}">
-        <p14:creationId xmlns:p14="http://schemas.microsoft.com/office/powerpoint/2010/main" val="3636615241"/>
+        <p14:creationId xmlns:p14="http://schemas.microsoft.com/office/powerpoint/2010/main" val="641642769"/>
       </p:ext>
     </p:extLst>
   </p:cSld>
@@ -12712,7 +14038,7 @@
 </file>
 
 <file path=ppt/slides/slide25.xml><?xml version="1.0" encoding="utf-8"?>
-<p:sld xmlns:a="http://schemas.openxmlformats.org/drawingml/2006/main" xmlns:r="http://schemas.openxmlformats.org/officeDocument/2006/relationships" xmlns:p="http://schemas.openxmlformats.org/presentationml/2006/main">
+<p:sld xmlns:r="http://schemas.openxmlformats.org/officeDocument/2006/relationships" xmlns:c="http://schemas.openxmlformats.org/drawingml/2006/chart" xmlns:a="http://schemas.openxmlformats.org/drawingml/2006/main" xmlns:dgm="http://schemas.openxmlformats.org/drawingml/2006/diagram" xmlns:dsp="http://schemas.microsoft.com/office/drawing/2008/diagram" xmlns:p="http://schemas.openxmlformats.org/presentationml/2006/main">
   <p:cSld>
     <p:spTree>
       <p:nvGrpSpPr>
@@ -12728,89 +14054,19 @@
           <a:chExt cx="0" cy="0"/>
         </a:xfrm>
       </p:grpSpPr>
-      <p:sp>
-        <p:nvSpPr>
-          <p:cNvPr id="2" name="제목 1">
-            <a:extLst>
-              <a:ext uri="{FF2B5EF4-FFF2-40B4-BE49-F238E27FC236}">
-                <a16:creationId xmlns:a16="http://schemas.microsoft.com/office/drawing/2014/main" id="{9A1A2E3C-2FD9-439C-87BD-8AE3B27F8C97}"/>
-              </a:ext>
-            </a:extLst>
-          </p:cNvPr>
-          <p:cNvSpPr>
-            <a:spLocks noGrp="1"/>
-          </p:cNvSpPr>
-          <p:nvPr>
-            <p:ph type="title"/>
-          </p:nvPr>
-        </p:nvSpPr>
-        <p:spPr/>
-        <p:txBody>
-          <a:bodyPr/>
-          <a:lstStyle/>
-          <a:p>
-            <a:endParaRPr lang="ko-KR" altLang="en-US"/>
-          </a:p>
-        </p:txBody>
-      </p:sp>
-      <p:sp>
-        <p:nvSpPr>
-          <p:cNvPr id="3" name="내용 개체 틀 2">
-            <a:extLst>
-              <a:ext uri="{FF2B5EF4-FFF2-40B4-BE49-F238E27FC236}">
-                <a16:creationId xmlns:a16="http://schemas.microsoft.com/office/drawing/2014/main" id="{58DC695E-BF5C-4F1A-860C-8BD272E977AA}"/>
-              </a:ext>
-            </a:extLst>
-          </p:cNvPr>
-          <p:cNvSpPr>
-            <a:spLocks noGrp="1"/>
-          </p:cNvSpPr>
-          <p:nvPr>
-            <p:ph idx="1"/>
-          </p:nvPr>
-        </p:nvSpPr>
-        <p:spPr/>
-        <p:txBody>
-          <a:bodyPr/>
-          <a:lstStyle/>
-          <a:p>
-            <a:r>
-              <a:rPr lang="ko-KR" altLang="en-US" dirty="0"/>
-              <a:t>기능정의를 한다</a:t>
-            </a:r>
-            <a:endParaRPr lang="en-US" altLang="ko-KR" dirty="0"/>
-          </a:p>
-          <a:p>
-            <a:r>
-              <a:rPr lang="ko-KR" altLang="en-US" dirty="0"/>
-              <a:t>정의 한 기능에 대해 </a:t>
-            </a:r>
-            <a:r>
-              <a:rPr lang="en-US" altLang="ko-KR" dirty="0"/>
-              <a:t>Flow</a:t>
-            </a:r>
-            <a:r>
-              <a:rPr lang="ko-KR" altLang="en-US" dirty="0"/>
-              <a:t>를 작성한다</a:t>
-            </a:r>
-            <a:r>
-              <a:rPr lang="en-US" altLang="ko-KR" dirty="0"/>
-              <a:t>.</a:t>
-            </a:r>
-            <a:endParaRPr lang="ko-KR" altLang="en-US" dirty="0"/>
-          </a:p>
-        </p:txBody>
-      </p:sp>
     </p:spTree>
-    <p:extLst>
-      <p:ext uri="{BB962C8B-B14F-4D97-AF65-F5344CB8AC3E}">
-        <p14:creationId xmlns:p14="http://schemas.microsoft.com/office/powerpoint/2010/main" val="3772914977"/>
-      </p:ext>
-    </p:extLst>
   </p:cSld>
   <p:clrMapOvr>
     <a:masterClrMapping/>
   </p:clrMapOvr>
+  <mc:AlternateContent xmlns:mc="http://schemas.openxmlformats.org/markup-compatibility/2006">
+    <mc:Choice xmlns:p14="http://schemas.microsoft.com/office/powerpoint/2010/main" Requires="p14">
+      <p:transition xmlns:mc="http://schemas.openxmlformats.org/markup-compatibility/2006" xmlns:p14="http://schemas.microsoft.com/office/powerpoint/2010/main" mc:Ignorable="p14" p14:dur="500"/>
+    </mc:Choice>
+    <mc:Fallback>
+      <p:transition/>
+    </mc:Fallback>
+  </mc:AlternateContent>
 </p:sld>
 </file>
 
@@ -13074,56 +14330,15 @@
                 <a:ea typeface="맑은 고딕" charset="-127"/>
                 <a:cs typeface="맑은 고딕" charset="-127"/>
               </a:rPr>
-              <a:t>기능 검토 </a:t>
-            </a:r>
-            <a:r>
-              <a:rPr lang="en-US" altLang="ko-KR" sz="4800" dirty="0">
-                <a:solidFill>
-                  <a:schemeClr val="bg1"/>
-                </a:solidFill>
-                <a:latin typeface="+mj-lt"/>
-                <a:ea typeface="맑은 고딕" charset="-127"/>
-                <a:cs typeface="맑은 고딕" charset="-127"/>
-              </a:rPr>
-              <a:t>(</a:t>
-            </a:r>
-            <a:r>
-              <a:rPr lang="ko-KR" altLang="en-US" sz="4800" dirty="0">
-                <a:solidFill>
-                  <a:schemeClr val="bg1"/>
-                </a:solidFill>
-                <a:latin typeface="+mj-lt"/>
-                <a:ea typeface="맑은 고딕" charset="-127"/>
-                <a:cs typeface="맑은 고딕" charset="-127"/>
-              </a:rPr>
-              <a:t>근거자료 및 샘플코드</a:t>
-            </a:r>
-            <a:r>
-              <a:rPr lang="en-US" altLang="ko-KR" sz="4800" dirty="0">
-                <a:solidFill>
-                  <a:schemeClr val="bg1"/>
-                </a:solidFill>
-                <a:latin typeface="+mj-lt"/>
-                <a:ea typeface="맑은 고딕" charset="-127"/>
-                <a:cs typeface="맑은 고딕" charset="-127"/>
-              </a:rPr>
-              <a:t>)</a:t>
-            </a:r>
-            <a:endParaRPr lang="ko-KR" altLang="en-US" sz="4800" dirty="0">
-              <a:solidFill>
-                <a:schemeClr val="bg1"/>
-              </a:solidFill>
-              <a:latin typeface="+mj-lt"/>
-              <a:ea typeface="맑은 고딕" charset="-127"/>
-              <a:cs typeface="맑은 고딕" charset="-127"/>
-            </a:endParaRPr>
+              <a:t>기능 모듈 설계</a:t>
+            </a:r>
           </a:p>
         </p:txBody>
       </p:sp>
     </p:spTree>
     <p:extLst>
       <p:ext uri="{BB962C8B-B14F-4D97-AF65-F5344CB8AC3E}">
-        <p14:creationId xmlns:p14="http://schemas.microsoft.com/office/powerpoint/2010/main" val="2800779971"/>
+        <p14:creationId xmlns:p14="http://schemas.microsoft.com/office/powerpoint/2010/main" val="3636615241"/>
       </p:ext>
     </p:extLst>
   </p:cSld>
@@ -13155,7 +14370,7 @@
           <p:cNvPr id="2" name="제목 1">
             <a:extLst>
               <a:ext uri="{FF2B5EF4-FFF2-40B4-BE49-F238E27FC236}">
-                <a16:creationId xmlns:a16="http://schemas.microsoft.com/office/drawing/2014/main" id="{CD32A4A8-C5FD-473F-A41F-A660400BC448}"/>
+                <a16:creationId xmlns:a16="http://schemas.microsoft.com/office/drawing/2014/main" id="{9A1A2E3C-2FD9-439C-87BD-8AE3B27F8C97}"/>
               </a:ext>
             </a:extLst>
           </p:cNvPr>
@@ -13180,7 +14395,7 @@
           <p:cNvPr id="3" name="내용 개체 틀 2">
             <a:extLst>
               <a:ext uri="{FF2B5EF4-FFF2-40B4-BE49-F238E27FC236}">
-                <a16:creationId xmlns:a16="http://schemas.microsoft.com/office/drawing/2014/main" id="{FC688E77-0112-474B-BD84-18F7FC4240C7}"/>
+                <a16:creationId xmlns:a16="http://schemas.microsoft.com/office/drawing/2014/main" id="{58DC695E-BF5C-4F1A-860C-8BD272E977AA}"/>
               </a:ext>
             </a:extLst>
           </p:cNvPr>
@@ -13198,17 +14413,22 @@
           <a:p>
             <a:r>
               <a:rPr lang="ko-KR" altLang="en-US" dirty="0"/>
-              <a:t>기능 구현에 필요한 기술을 알아본다</a:t>
+              <a:t>기능정의를 한다</a:t>
             </a:r>
             <a:endParaRPr lang="en-US" altLang="ko-KR" dirty="0"/>
           </a:p>
           <a:p>
-            <a:endParaRPr lang="en-US" altLang="ko-KR" dirty="0"/>
-          </a:p>
-          <a:p>
             <a:r>
               <a:rPr lang="ko-KR" altLang="en-US" dirty="0"/>
-              <a:t>샘플 코드를 수집한다</a:t>
+              <a:t>정의 한 기능에 대해 </a:t>
+            </a:r>
+            <a:r>
+              <a:rPr lang="en-US" altLang="ko-KR" dirty="0"/>
+              <a:t>Flow</a:t>
+            </a:r>
+            <a:r>
+              <a:rPr lang="ko-KR" altLang="en-US" dirty="0"/>
+              <a:t>를 작성한다</a:t>
             </a:r>
             <a:r>
               <a:rPr lang="en-US" altLang="ko-KR" dirty="0"/>
@@ -13221,7 +14441,7 @@
     </p:spTree>
     <p:extLst>
       <p:ext uri="{BB962C8B-B14F-4D97-AF65-F5344CB8AC3E}">
-        <p14:creationId xmlns:p14="http://schemas.microsoft.com/office/powerpoint/2010/main" val="414149680"/>
+        <p14:creationId xmlns:p14="http://schemas.microsoft.com/office/powerpoint/2010/main" val="3772914977"/>
       </p:ext>
     </p:extLst>
   </p:cSld>
@@ -13491,15 +14711,56 @@
                 <a:ea typeface="맑은 고딕" charset="-127"/>
                 <a:cs typeface="맑은 고딕" charset="-127"/>
               </a:rPr>
-              <a:t>스토리보드 제작</a:t>
-            </a:r>
+              <a:t>기능 검토 </a:t>
+            </a:r>
+            <a:r>
+              <a:rPr lang="en-US" altLang="ko-KR" sz="4800" dirty="0">
+                <a:solidFill>
+                  <a:schemeClr val="bg1"/>
+                </a:solidFill>
+                <a:latin typeface="+mj-lt"/>
+                <a:ea typeface="맑은 고딕" charset="-127"/>
+                <a:cs typeface="맑은 고딕" charset="-127"/>
+              </a:rPr>
+              <a:t>(</a:t>
+            </a:r>
+            <a:r>
+              <a:rPr lang="ko-KR" altLang="en-US" sz="4800" dirty="0">
+                <a:solidFill>
+                  <a:schemeClr val="bg1"/>
+                </a:solidFill>
+                <a:latin typeface="+mj-lt"/>
+                <a:ea typeface="맑은 고딕" charset="-127"/>
+                <a:cs typeface="맑은 고딕" charset="-127"/>
+              </a:rPr>
+              <a:t>근거자료 및 샘플코드</a:t>
+            </a:r>
+            <a:r>
+              <a:rPr lang="en-US" altLang="ko-KR" sz="4800" dirty="0">
+                <a:solidFill>
+                  <a:schemeClr val="bg1"/>
+                </a:solidFill>
+                <a:latin typeface="+mj-lt"/>
+                <a:ea typeface="맑은 고딕" charset="-127"/>
+                <a:cs typeface="맑은 고딕" charset="-127"/>
+              </a:rPr>
+              <a:t>)</a:t>
+            </a:r>
+            <a:endParaRPr lang="ko-KR" altLang="en-US" sz="4800" dirty="0">
+              <a:solidFill>
+                <a:schemeClr val="bg1"/>
+              </a:solidFill>
+              <a:latin typeface="+mj-lt"/>
+              <a:ea typeface="맑은 고딕" charset="-127"/>
+              <a:cs typeface="맑은 고딕" charset="-127"/>
+            </a:endParaRPr>
           </a:p>
         </p:txBody>
       </p:sp>
     </p:spTree>
     <p:extLst>
       <p:ext uri="{BB962C8B-B14F-4D97-AF65-F5344CB8AC3E}">
-        <p14:creationId xmlns:p14="http://schemas.microsoft.com/office/powerpoint/2010/main" val="4131486605"/>
+        <p14:creationId xmlns:p14="http://schemas.microsoft.com/office/powerpoint/2010/main" val="2800779971"/>
       </p:ext>
     </p:extLst>
   </p:cSld>
@@ -13531,7 +14792,7 @@
           <p:cNvPr id="2" name="제목 1">
             <a:extLst>
               <a:ext uri="{FF2B5EF4-FFF2-40B4-BE49-F238E27FC236}">
-                <a16:creationId xmlns:a16="http://schemas.microsoft.com/office/drawing/2014/main" id="{FEF97B69-9031-4A28-901F-246C46549083}"/>
+                <a16:creationId xmlns:a16="http://schemas.microsoft.com/office/drawing/2014/main" id="{CD32A4A8-C5FD-473F-A41F-A660400BC448}"/>
               </a:ext>
             </a:extLst>
           </p:cNvPr>
@@ -13556,7 +14817,7 @@
           <p:cNvPr id="3" name="내용 개체 틀 2">
             <a:extLst>
               <a:ext uri="{FF2B5EF4-FFF2-40B4-BE49-F238E27FC236}">
-                <a16:creationId xmlns:a16="http://schemas.microsoft.com/office/drawing/2014/main" id="{7B537D8F-5982-4653-B96A-BB8B9CAB7064}"/>
+                <a16:creationId xmlns:a16="http://schemas.microsoft.com/office/drawing/2014/main" id="{FC688E77-0112-474B-BD84-18F7FC4240C7}"/>
               </a:ext>
             </a:extLst>
           </p:cNvPr>
@@ -13574,7 +14835,7 @@
           <a:p>
             <a:r>
               <a:rPr lang="ko-KR" altLang="en-US" dirty="0"/>
-              <a:t>기능 구현에 대한 디자인 구상</a:t>
+              <a:t>기능 구현에 필요한 기술을 알아본다</a:t>
             </a:r>
             <a:endParaRPr lang="en-US" altLang="ko-KR" dirty="0"/>
           </a:p>
@@ -13584,7 +14845,7 @@
           <a:p>
             <a:r>
               <a:rPr lang="ko-KR" altLang="en-US" dirty="0"/>
-              <a:t>디자인에 따른 동작을 기술하고 연계 한다</a:t>
+              <a:t>샘플 코드를 수집한다</a:t>
             </a:r>
             <a:r>
               <a:rPr lang="en-US" altLang="ko-KR" dirty="0"/>
@@ -13597,7 +14858,7 @@
     </p:spTree>
     <p:extLst>
       <p:ext uri="{BB962C8B-B14F-4D97-AF65-F5344CB8AC3E}">
-        <p14:creationId xmlns:p14="http://schemas.microsoft.com/office/powerpoint/2010/main" val="1723942396"/>
+        <p14:creationId xmlns:p14="http://schemas.microsoft.com/office/powerpoint/2010/main" val="414149680"/>
       </p:ext>
     </p:extLst>
   </p:cSld>
@@ -14145,7 +15406,7 @@
                 <a:ea typeface="맑은 고딕" charset="-127"/>
                 <a:cs typeface="맑은 고딕" charset="-127"/>
               </a:rPr>
-              <a:t>구현</a:t>
+              <a:t>스토리보드 제작</a:t>
             </a:r>
           </a:p>
         </p:txBody>
@@ -14153,7 +15414,7 @@
     </p:spTree>
     <p:extLst>
       <p:ext uri="{BB962C8B-B14F-4D97-AF65-F5344CB8AC3E}">
-        <p14:creationId xmlns:p14="http://schemas.microsoft.com/office/powerpoint/2010/main" val="1697315730"/>
+        <p14:creationId xmlns:p14="http://schemas.microsoft.com/office/powerpoint/2010/main" val="4131486605"/>
       </p:ext>
     </p:extLst>
   </p:cSld>
@@ -14185,7 +15446,7 @@
           <p:cNvPr id="2" name="제목 1">
             <a:extLst>
               <a:ext uri="{FF2B5EF4-FFF2-40B4-BE49-F238E27FC236}">
-                <a16:creationId xmlns:a16="http://schemas.microsoft.com/office/drawing/2014/main" id="{2135F92A-65F5-4C7A-8C04-BF5F199039F2}"/>
+                <a16:creationId xmlns:a16="http://schemas.microsoft.com/office/drawing/2014/main" id="{FEF97B69-9031-4A28-901F-246C46549083}"/>
               </a:ext>
             </a:extLst>
           </p:cNvPr>
@@ -14210,7 +15471,7 @@
           <p:cNvPr id="3" name="내용 개체 틀 2">
             <a:extLst>
               <a:ext uri="{FF2B5EF4-FFF2-40B4-BE49-F238E27FC236}">
-                <a16:creationId xmlns:a16="http://schemas.microsoft.com/office/drawing/2014/main" id="{FB21A4AE-E1C2-4042-9B9E-43F419C42235}"/>
+                <a16:creationId xmlns:a16="http://schemas.microsoft.com/office/drawing/2014/main" id="{7B537D8F-5982-4653-B96A-BB8B9CAB7064}"/>
               </a:ext>
             </a:extLst>
           </p:cNvPr>
@@ -14228,7 +15489,17 @@
           <a:p>
             <a:r>
               <a:rPr lang="ko-KR" altLang="en-US" dirty="0"/>
-              <a:t>코드를 작성하고 버그를 수정한다</a:t>
+              <a:t>기능 구현에 대한 디자인 구상</a:t>
+            </a:r>
+            <a:endParaRPr lang="en-US" altLang="ko-KR" dirty="0"/>
+          </a:p>
+          <a:p>
+            <a:endParaRPr lang="en-US" altLang="ko-KR" dirty="0"/>
+          </a:p>
+          <a:p>
+            <a:r>
+              <a:rPr lang="ko-KR" altLang="en-US" dirty="0"/>
+              <a:t>디자인에 따른 동작을 기술하고 연계 한다</a:t>
             </a:r>
             <a:r>
               <a:rPr lang="en-US" altLang="ko-KR" dirty="0"/>
@@ -14241,7 +15512,7 @@
     </p:spTree>
     <p:extLst>
       <p:ext uri="{BB962C8B-B14F-4D97-AF65-F5344CB8AC3E}">
-        <p14:creationId xmlns:p14="http://schemas.microsoft.com/office/powerpoint/2010/main" val="1303733429"/>
+        <p14:creationId xmlns:p14="http://schemas.microsoft.com/office/powerpoint/2010/main" val="1723942396"/>
       </p:ext>
     </p:extLst>
   </p:cSld>
@@ -14511,6 +15782,372 @@
                 <a:ea typeface="맑은 고딕" charset="-127"/>
                 <a:cs typeface="맑은 고딕" charset="-127"/>
               </a:rPr>
+              <a:t>구현</a:t>
+            </a:r>
+          </a:p>
+        </p:txBody>
+      </p:sp>
+    </p:spTree>
+    <p:extLst>
+      <p:ext uri="{BB962C8B-B14F-4D97-AF65-F5344CB8AC3E}">
+        <p14:creationId xmlns:p14="http://schemas.microsoft.com/office/powerpoint/2010/main" val="1697315730"/>
+      </p:ext>
+    </p:extLst>
+  </p:cSld>
+  <p:clrMapOvr>
+    <a:masterClrMapping/>
+  </p:clrMapOvr>
+</p:sld>
+</file>
+
+<file path=ppt/slides/slide33.xml><?xml version="1.0" encoding="utf-8"?>
+<p:sld xmlns:a="http://schemas.openxmlformats.org/drawingml/2006/main" xmlns:r="http://schemas.openxmlformats.org/officeDocument/2006/relationships" xmlns:p="http://schemas.openxmlformats.org/presentationml/2006/main">
+  <p:cSld>
+    <p:spTree>
+      <p:nvGrpSpPr>
+        <p:cNvPr id="1" name=""/>
+        <p:cNvGrpSpPr/>
+        <p:nvPr/>
+      </p:nvGrpSpPr>
+      <p:grpSpPr>
+        <a:xfrm>
+          <a:off x="0" y="0"/>
+          <a:ext cx="0" cy="0"/>
+          <a:chOff x="0" y="0"/>
+          <a:chExt cx="0" cy="0"/>
+        </a:xfrm>
+      </p:grpSpPr>
+      <p:sp>
+        <p:nvSpPr>
+          <p:cNvPr id="2" name="제목 1">
+            <a:extLst>
+              <a:ext uri="{FF2B5EF4-FFF2-40B4-BE49-F238E27FC236}">
+                <a16:creationId xmlns:a16="http://schemas.microsoft.com/office/drawing/2014/main" id="{2135F92A-65F5-4C7A-8C04-BF5F199039F2}"/>
+              </a:ext>
+            </a:extLst>
+          </p:cNvPr>
+          <p:cNvSpPr>
+            <a:spLocks noGrp="1"/>
+          </p:cNvSpPr>
+          <p:nvPr>
+            <p:ph type="title"/>
+          </p:nvPr>
+        </p:nvSpPr>
+        <p:spPr/>
+        <p:txBody>
+          <a:bodyPr/>
+          <a:lstStyle/>
+          <a:p>
+            <a:endParaRPr lang="ko-KR" altLang="en-US"/>
+          </a:p>
+        </p:txBody>
+      </p:sp>
+      <p:sp>
+        <p:nvSpPr>
+          <p:cNvPr id="3" name="내용 개체 틀 2">
+            <a:extLst>
+              <a:ext uri="{FF2B5EF4-FFF2-40B4-BE49-F238E27FC236}">
+                <a16:creationId xmlns:a16="http://schemas.microsoft.com/office/drawing/2014/main" id="{FB21A4AE-E1C2-4042-9B9E-43F419C42235}"/>
+              </a:ext>
+            </a:extLst>
+          </p:cNvPr>
+          <p:cNvSpPr>
+            <a:spLocks noGrp="1"/>
+          </p:cNvSpPr>
+          <p:nvPr>
+            <p:ph idx="1"/>
+          </p:nvPr>
+        </p:nvSpPr>
+        <p:spPr/>
+        <p:txBody>
+          <a:bodyPr/>
+          <a:lstStyle/>
+          <a:p>
+            <a:r>
+              <a:rPr lang="ko-KR" altLang="en-US" dirty="0"/>
+              <a:t>코드를 작성하고 버그를 수정한다</a:t>
+            </a:r>
+            <a:r>
+              <a:rPr lang="en-US" altLang="ko-KR" dirty="0"/>
+              <a:t>.</a:t>
+            </a:r>
+            <a:endParaRPr lang="ko-KR" altLang="en-US" dirty="0"/>
+          </a:p>
+        </p:txBody>
+      </p:sp>
+    </p:spTree>
+    <p:extLst>
+      <p:ext uri="{BB962C8B-B14F-4D97-AF65-F5344CB8AC3E}">
+        <p14:creationId xmlns:p14="http://schemas.microsoft.com/office/powerpoint/2010/main" val="1303733429"/>
+      </p:ext>
+    </p:extLst>
+  </p:cSld>
+  <p:clrMapOvr>
+    <a:masterClrMapping/>
+  </p:clrMapOvr>
+</p:sld>
+</file>
+
+<file path=ppt/slides/slide34.xml><?xml version="1.0" encoding="utf-8"?>
+<p:sld xmlns:a="http://schemas.openxmlformats.org/drawingml/2006/main" xmlns:r="http://schemas.openxmlformats.org/officeDocument/2006/relationships" xmlns:p="http://schemas.openxmlformats.org/presentationml/2006/main">
+  <p:cSld>
+    <p:spTree>
+      <p:nvGrpSpPr>
+        <p:cNvPr id="1" name=""/>
+        <p:cNvGrpSpPr/>
+        <p:nvPr/>
+      </p:nvGrpSpPr>
+      <p:grpSpPr>
+        <a:xfrm>
+          <a:off x="0" y="0"/>
+          <a:ext cx="0" cy="0"/>
+          <a:chOff x="0" y="0"/>
+          <a:chExt cx="0" cy="0"/>
+        </a:xfrm>
+      </p:grpSpPr>
+      <p:sp>
+        <p:nvSpPr>
+          <p:cNvPr id="10" name="직사각형 9"/>
+          <p:cNvSpPr/>
+          <p:nvPr/>
+        </p:nvSpPr>
+        <p:spPr>
+          <a:xfrm>
+            <a:off x="-1" y="2398426"/>
+            <a:ext cx="12192001" cy="1338109"/>
+          </a:xfrm>
+          <a:prstGeom prst="rect">
+            <a:avLst/>
+          </a:prstGeom>
+          <a:solidFill>
+            <a:schemeClr val="accent1">
+              <a:lumMod val="75000"/>
+            </a:schemeClr>
+          </a:solidFill>
+          <a:ln>
+            <a:noFill/>
+          </a:ln>
+        </p:spPr>
+        <p:style>
+          <a:lnRef idx="2">
+            <a:schemeClr val="accent1">
+              <a:shade val="50000"/>
+            </a:schemeClr>
+          </a:lnRef>
+          <a:fillRef idx="1">
+            <a:schemeClr val="accent1"/>
+          </a:fillRef>
+          <a:effectRef idx="0">
+            <a:schemeClr val="accent1"/>
+          </a:effectRef>
+          <a:fontRef idx="minor">
+            <a:schemeClr val="lt1"/>
+          </a:fontRef>
+        </p:style>
+        <p:txBody>
+          <a:bodyPr rtlCol="0" anchor="ctr"/>
+          <a:lstStyle/>
+          <a:p>
+            <a:pPr algn="ctr"/>
+            <a:endParaRPr kumimoji="1" lang="ko-KR" altLang="en-US" dirty="0"/>
+          </a:p>
+        </p:txBody>
+      </p:sp>
+      <p:sp>
+        <p:nvSpPr>
+          <p:cNvPr id="12" name="부제목 2"/>
+          <p:cNvSpPr txBox="1">
+            <a:spLocks/>
+          </p:cNvSpPr>
+          <p:nvPr/>
+        </p:nvSpPr>
+        <p:spPr>
+          <a:xfrm>
+            <a:off x="1" y="2608234"/>
+            <a:ext cx="12192000" cy="754314"/>
+          </a:xfrm>
+          <a:prstGeom prst="rect">
+            <a:avLst/>
+          </a:prstGeom>
+        </p:spPr>
+        <p:txBody>
+          <a:bodyPr vert="horz" lIns="91440" tIns="45720" rIns="91440" bIns="45720" rtlCol="0" anchor="ctr">
+            <a:noAutofit/>
+          </a:bodyPr>
+          <a:lstStyle>
+            <a:lvl1pPr marL="0" indent="0" algn="ctr" defTabSz="914423" rtl="0" eaLnBrk="1" latinLnBrk="1" hangingPunct="1">
+              <a:lnSpc>
+                <a:spcPct val="90000"/>
+              </a:lnSpc>
+              <a:spcBef>
+                <a:spcPts val="1001"/>
+              </a:spcBef>
+              <a:buFont typeface="Arial"/>
+              <a:buNone/>
+              <a:defRPr sz="2400" kern="1200">
+                <a:solidFill>
+                  <a:schemeClr val="tx1"/>
+                </a:solidFill>
+                <a:latin typeface="+mn-lt"/>
+                <a:ea typeface="+mn-ea"/>
+                <a:cs typeface="+mn-cs"/>
+              </a:defRPr>
+            </a:lvl1pPr>
+            <a:lvl2pPr marL="457211" indent="0" algn="ctr" defTabSz="914423" rtl="0" eaLnBrk="1" latinLnBrk="1" hangingPunct="1">
+              <a:lnSpc>
+                <a:spcPct val="90000"/>
+              </a:lnSpc>
+              <a:spcBef>
+                <a:spcPts val="500"/>
+              </a:spcBef>
+              <a:buFont typeface="Arial"/>
+              <a:buNone/>
+              <a:defRPr sz="2000" kern="1200">
+                <a:solidFill>
+                  <a:schemeClr val="tx1"/>
+                </a:solidFill>
+                <a:latin typeface="+mn-lt"/>
+                <a:ea typeface="+mn-ea"/>
+                <a:cs typeface="+mn-cs"/>
+              </a:defRPr>
+            </a:lvl2pPr>
+            <a:lvl3pPr marL="914423" indent="0" algn="ctr" defTabSz="914423" rtl="0" eaLnBrk="1" latinLnBrk="1" hangingPunct="1">
+              <a:lnSpc>
+                <a:spcPct val="90000"/>
+              </a:lnSpc>
+              <a:spcBef>
+                <a:spcPts val="500"/>
+              </a:spcBef>
+              <a:buFont typeface="Arial"/>
+              <a:buNone/>
+              <a:defRPr sz="1801" kern="1200">
+                <a:solidFill>
+                  <a:schemeClr val="tx1"/>
+                </a:solidFill>
+                <a:latin typeface="+mn-lt"/>
+                <a:ea typeface="+mn-ea"/>
+                <a:cs typeface="+mn-cs"/>
+              </a:defRPr>
+            </a:lvl3pPr>
+            <a:lvl4pPr marL="1371634" indent="0" algn="ctr" defTabSz="914423" rtl="0" eaLnBrk="1" latinLnBrk="1" hangingPunct="1">
+              <a:lnSpc>
+                <a:spcPct val="90000"/>
+              </a:lnSpc>
+              <a:spcBef>
+                <a:spcPts val="500"/>
+              </a:spcBef>
+              <a:buFont typeface="Arial"/>
+              <a:buNone/>
+              <a:defRPr sz="1600" kern="1200">
+                <a:solidFill>
+                  <a:schemeClr val="tx1"/>
+                </a:solidFill>
+                <a:latin typeface="+mn-lt"/>
+                <a:ea typeface="+mn-ea"/>
+                <a:cs typeface="+mn-cs"/>
+              </a:defRPr>
+            </a:lvl4pPr>
+            <a:lvl5pPr marL="1828846" indent="0" algn="ctr" defTabSz="914423" rtl="0" eaLnBrk="1" latinLnBrk="1" hangingPunct="1">
+              <a:lnSpc>
+                <a:spcPct val="90000"/>
+              </a:lnSpc>
+              <a:spcBef>
+                <a:spcPts val="500"/>
+              </a:spcBef>
+              <a:buFont typeface="Arial"/>
+              <a:buNone/>
+              <a:defRPr sz="1600" kern="1200">
+                <a:solidFill>
+                  <a:schemeClr val="tx1"/>
+                </a:solidFill>
+                <a:latin typeface="+mn-lt"/>
+                <a:ea typeface="+mn-ea"/>
+                <a:cs typeface="+mn-cs"/>
+              </a:defRPr>
+            </a:lvl5pPr>
+            <a:lvl6pPr marL="2286057" indent="0" algn="ctr" defTabSz="914423" rtl="0" eaLnBrk="1" latinLnBrk="1" hangingPunct="1">
+              <a:lnSpc>
+                <a:spcPct val="90000"/>
+              </a:lnSpc>
+              <a:spcBef>
+                <a:spcPts val="500"/>
+              </a:spcBef>
+              <a:buFont typeface="Arial"/>
+              <a:buNone/>
+              <a:defRPr sz="1600" kern="1200">
+                <a:solidFill>
+                  <a:schemeClr val="tx1"/>
+                </a:solidFill>
+                <a:latin typeface="+mn-lt"/>
+                <a:ea typeface="+mn-ea"/>
+                <a:cs typeface="+mn-cs"/>
+              </a:defRPr>
+            </a:lvl6pPr>
+            <a:lvl7pPr marL="2743269" indent="0" algn="ctr" defTabSz="914423" rtl="0" eaLnBrk="1" latinLnBrk="1" hangingPunct="1">
+              <a:lnSpc>
+                <a:spcPct val="90000"/>
+              </a:lnSpc>
+              <a:spcBef>
+                <a:spcPts val="500"/>
+              </a:spcBef>
+              <a:buFont typeface="Arial"/>
+              <a:buNone/>
+              <a:defRPr sz="1600" kern="1200">
+                <a:solidFill>
+                  <a:schemeClr val="tx1"/>
+                </a:solidFill>
+                <a:latin typeface="+mn-lt"/>
+                <a:ea typeface="+mn-ea"/>
+                <a:cs typeface="+mn-cs"/>
+              </a:defRPr>
+            </a:lvl7pPr>
+            <a:lvl8pPr marL="3200480" indent="0" algn="ctr" defTabSz="914423" rtl="0" eaLnBrk="1" latinLnBrk="1" hangingPunct="1">
+              <a:lnSpc>
+                <a:spcPct val="90000"/>
+              </a:lnSpc>
+              <a:spcBef>
+                <a:spcPts val="500"/>
+              </a:spcBef>
+              <a:buFont typeface="Arial"/>
+              <a:buNone/>
+              <a:defRPr sz="1600" kern="1200">
+                <a:solidFill>
+                  <a:schemeClr val="tx1"/>
+                </a:solidFill>
+                <a:latin typeface="+mn-lt"/>
+                <a:ea typeface="+mn-ea"/>
+                <a:cs typeface="+mn-cs"/>
+              </a:defRPr>
+            </a:lvl8pPr>
+            <a:lvl9pPr marL="3657691" indent="0" algn="ctr" defTabSz="914423" rtl="0" eaLnBrk="1" latinLnBrk="1" hangingPunct="1">
+              <a:lnSpc>
+                <a:spcPct val="90000"/>
+              </a:lnSpc>
+              <a:spcBef>
+                <a:spcPts val="500"/>
+              </a:spcBef>
+              <a:buFont typeface="Arial"/>
+              <a:buNone/>
+              <a:defRPr sz="1600" kern="1200">
+                <a:solidFill>
+                  <a:schemeClr val="tx1"/>
+                </a:solidFill>
+                <a:latin typeface="+mn-lt"/>
+                <a:ea typeface="+mn-ea"/>
+                <a:cs typeface="+mn-cs"/>
+              </a:defRPr>
+            </a:lvl9pPr>
+          </a:lstStyle>
+          <a:p>
+            <a:r>
+              <a:rPr lang="ko-KR" altLang="en-US" sz="4800" dirty="0">
+                <a:solidFill>
+                  <a:schemeClr val="bg1"/>
+                </a:solidFill>
+                <a:latin typeface="+mj-lt"/>
+                <a:ea typeface="맑은 고딕" charset="-127"/>
+                <a:cs typeface="맑은 고딕" charset="-127"/>
+              </a:rPr>
               <a:t>제품 </a:t>
             </a:r>
             <a:r>
@@ -14548,7 +16185,7 @@
 </p:sld>
 </file>
 
-<file path=ppt/slides/slide33.xml><?xml version="1.0" encoding="utf-8"?>
+<file path=ppt/slides/slide35.xml><?xml version="1.0" encoding="utf-8"?>
 <p:sld xmlns:a="http://schemas.openxmlformats.org/drawingml/2006/main" xmlns:r="http://schemas.openxmlformats.org/officeDocument/2006/relationships" xmlns:p="http://schemas.openxmlformats.org/presentationml/2006/main">
   <p:cSld>
     <p:spTree>
@@ -14810,7 +16447,7 @@
             </a:pPr>
             <a:r>
               <a:rPr lang="en-US" altLang="ko-KR"/>
-              <a:t>1.</a:t>
+              <a:t>1-1.</a:t>
             </a:r>
             <a:r>
               <a:rPr lang="ko-KR" altLang="en-US"/>
@@ -15287,7 +16924,7 @@
             </a:pPr>
             <a:r>
               <a:rPr lang="en-US" altLang="ko-KR"/>
-              <a:t>2.</a:t>
+              <a:t>1-2.</a:t>
             </a:r>
             <a:r>
               <a:rPr lang="ko-KR" altLang="en-US"/>
@@ -15599,7 +17236,7 @@
             </a:pPr>
             <a:r>
               <a:rPr lang="en-US" altLang="ko-KR"/>
-              <a:t>3.</a:t>
+              <a:t>1-3.</a:t>
             </a:r>
             <a:r>
               <a:rPr lang="ko-KR" altLang="en-US"/>
@@ -16012,7 +17649,7 @@
             </a:pPr>
             <a:r>
               <a:rPr lang="en-US" altLang="ko-KR"/>
-              <a:t>4.</a:t>
+              <a:t>1-4.</a:t>
             </a:r>
             <a:r>
               <a:rPr lang="ko-KR" altLang="en-US"/>
@@ -16367,7 +18004,7 @@
                   <a:schemeClr val="lt1"/>
                 </a:solidFill>
               </a:rPr>
-              <a:t>5.</a:t>
+              <a:t>1-5.</a:t>
             </a:r>
             <a:r>
               <a:rPr lang="ko-KR" altLang="en-US">
@@ -16442,41 +18079,6 @@
               </a:rPr>
               <a:t> 주행거리와 날씨 등을 고려하여 차량의 정비 요구 상태를 인지</a:t>
             </a:r>
-            <a:endParaRPr lang="en-US" altLang="ko-KR" sz="2000">
-              <a:solidFill>
-                <a:schemeClr val="dk1"/>
-              </a:solidFill>
-            </a:endParaRPr>
-          </a:p>
-          <a:p>
-            <a:pPr marL="0" indent="0">
-              <a:buNone/>
-              <a:defRPr/>
-            </a:pPr>
-            <a:r>
-              <a:rPr lang="ko-KR" altLang="en-US" sz="2000">
-                <a:solidFill>
-                  <a:schemeClr val="dk1"/>
-                </a:solidFill>
-              </a:rPr>
-              <a:t>    </a:t>
-            </a:r>
-            <a:r>
-              <a:rPr lang="en-US" altLang="ko-KR" sz="2000">
-                <a:solidFill>
-                  <a:schemeClr val="dk1"/>
-                </a:solidFill>
-              </a:rPr>
-              <a:t>-&gt;</a:t>
-            </a:r>
-            <a:r>
-              <a:rPr lang="ko-KR" altLang="en-US" sz="2000">
-                <a:solidFill>
-                  <a:schemeClr val="dk1"/>
-                </a:solidFill>
-              </a:rPr>
-              <a:t> 차량 관리에 용이</a:t>
-            </a:r>
             <a:endParaRPr lang="ko-KR" altLang="en-US" sz="2000">
               <a:solidFill>
                 <a:schemeClr val="dk1"/>
@@ -16484,15 +18086,50 @@
             </a:endParaRPr>
           </a:p>
           <a:p>
-            <a:pPr>
-              <a:defRPr/>
-            </a:pPr>
+            <a:pPr marL="0" indent="0">
+              <a:buNone/>
+              <a:defRPr/>
+            </a:pPr>
+            <a:r>
+              <a:rPr lang="ko-KR" altLang="en-US" sz="2000">
+                <a:solidFill>
+                  <a:schemeClr val="dk1"/>
+                </a:solidFill>
+              </a:rPr>
+              <a:t>    </a:t>
+            </a:r>
             <a:r>
               <a:rPr lang="en-US" altLang="ko-KR" sz="2000">
                 <a:solidFill>
                   <a:schemeClr val="dk1"/>
                 </a:solidFill>
               </a:rPr>
+              <a:t>-&gt;</a:t>
+            </a:r>
+            <a:r>
+              <a:rPr lang="ko-KR" altLang="en-US" sz="2000">
+                <a:solidFill>
+                  <a:schemeClr val="dk1"/>
+                </a:solidFill>
+              </a:rPr>
+              <a:t> 차량 관리에 용이</a:t>
+            </a:r>
+            <a:endParaRPr lang="ko-KR" altLang="en-US" sz="2000">
+              <a:solidFill>
+                <a:schemeClr val="dk1"/>
+              </a:solidFill>
+            </a:endParaRPr>
+          </a:p>
+          <a:p>
+            <a:pPr>
+              <a:defRPr/>
+            </a:pPr>
+            <a:r>
+              <a:rPr lang="en-US" altLang="ko-KR" sz="2000">
+                <a:solidFill>
+                  <a:schemeClr val="dk1"/>
+                </a:solidFill>
+              </a:rPr>
               <a:t>2)</a:t>
             </a:r>
             <a:r>
@@ -16503,7 +18140,7 @@
               </a:rPr>
               <a:t> 주행거리를 아이콘을 통해 가시적으로 표시</a:t>
             </a:r>
-            <a:endParaRPr lang="en-US" altLang="ko-KR" sz="2000">
+            <a:endParaRPr lang="ko-KR" altLang="en-US" sz="2000">
               <a:solidFill>
                 <a:schemeClr val="dk1"/>
               </a:solidFill>

--- a/2021_Summer/jp.hong/Project_BnC_jph.pptx
+++ b/2021_Summer/jp.hong/Project_BnC_jph.pptx
@@ -2,7 +2,7 @@
 <file path=ppt/presentation.xml><?xml version="1.0" encoding="utf-8"?>
 <p:presentation xmlns:r="http://schemas.openxmlformats.org/officeDocument/2006/relationships" xmlns:c="http://schemas.openxmlformats.org/drawingml/2006/chart" xmlns:a="http://schemas.openxmlformats.org/drawingml/2006/main" xmlns:dgm="http://schemas.openxmlformats.org/drawingml/2006/diagram" xmlns:dsp="http://schemas.microsoft.com/office/drawing/2008/diagram" xmlns:p="http://schemas.openxmlformats.org/presentationml/2006/main">
   <p:sldMasterIdLst>
-    <p:sldMasterId id="2147483684" r:id="rId1"/>
+    <p:sldMasterId id="2147483662" r:id="rId1"/>
   </p:sldMasterIdLst>
   <p:sldIdLst>
     <p:sldId id="261" r:id="rId2"/>
@@ -13460,7 +13460,7 @@
             <a:pPr>
               <a:defRPr/>
             </a:pPr>
-            <a:endParaRPr lang="ko-KR" altLang="en-US" sz="2000" strike="sngStrike">
+            <a:endParaRPr lang="en-US" altLang="ko-KR" sz="2000" strike="sngStrike">
               <a:solidFill>
                 <a:schemeClr val="dk1"/>
               </a:solidFill>
@@ -13478,7 +13478,7 @@
               </a:rPr>
               <a:t>가장 가까운 정비소 위치 찾기</a:t>
             </a:r>
-            <a:endParaRPr lang="ko-KR" altLang="en-US" sz="2000">
+            <a:endParaRPr lang="ko-KR" altLang="en-US" sz="2000" strike="sngStrike">
               <a:solidFill>
                 <a:schemeClr val="dk1"/>
               </a:solidFill>
@@ -14054,6 +14054,2334 @@
           <a:chExt cx="0" cy="0"/>
         </a:xfrm>
       </p:grpSpPr>
+      <p:graphicFrame>
+        <p:nvGraphicFramePr>
+          <p:cNvPr id="2" name="표 3"/>
+          <p:cNvGraphicFramePr>
+            <a:graphicFrameLocks noGrp="1"/>
+          </p:cNvGraphicFramePr>
+          <p:nvPr/>
+        </p:nvGraphicFramePr>
+        <p:xfrm>
+          <a:off x="503364" y="957263"/>
+          <a:ext cx="11083799" cy="4605660"/>
+        </p:xfrm>
+        <a:graphic>
+          <a:graphicData uri="http://schemas.openxmlformats.org/drawingml/2006/table">
+            <a:tbl>
+              <a:tblPr firstRow="1" bandRow="1"/>
+              <a:tblGrid>
+                <a:gridCol w="1291114"/>
+                <a:gridCol w="1191610"/>
+                <a:gridCol w="3386137"/>
+                <a:gridCol w="5214938"/>
+              </a:tblGrid>
+              <a:tr h="511740">
+                <a:tc rowSpan="9">
+                  <a:txBody>
+                    <a:bodyPr vert="horz" lIns="91440" tIns="45720" rIns="91440" bIns="45720" anchor="ctr" anchorCtr="0"/>
+                    <a:p>
+                      <a:pPr marL="0" marR="0" indent="0" algn="ctr" latinLnBrk="0">
+                        <a:lnSpc>
+                          <a:spcPct val="130000"/>
+                        </a:lnSpc>
+                        <a:spcBef>
+                          <a:spcPts val="0"/>
+                        </a:spcBef>
+                        <a:spcAft>
+                          <a:spcPts val="0"/>
+                        </a:spcAft>
+                        <a:defRPr/>
+                      </a:pPr>
+                      <a:r>
+                        <a:rPr lang="ko-KR" altLang="en-US" sz="1800" b="0" kern="0" spc="-60">
+                          <a:solidFill>
+                            <a:srgbClr val="000000"/>
+                          </a:solidFill>
+                          <a:effectLst/>
+                          <a:latin typeface="+mj-lt"/>
+                          <a:ea typeface="함초롬바탕"/>
+                        </a:rPr>
+                        <a:t>실습내용</a:t>
+                      </a:r>
+                      <a:endParaRPr lang="ko-KR" altLang="en-US" sz="1800" b="0" kern="0" spc="-60">
+                        <a:solidFill>
+                          <a:srgbClr val="000000"/>
+                        </a:solidFill>
+                        <a:effectLst/>
+                        <a:latin typeface="+mj-lt"/>
+                        <a:ea typeface="함초롬바탕"/>
+                      </a:endParaRPr>
+                    </a:p>
+                    <a:p>
+                      <a:pPr marL="0" marR="0" indent="0" algn="ctr" latinLnBrk="0">
+                        <a:lnSpc>
+                          <a:spcPct val="130000"/>
+                        </a:lnSpc>
+                        <a:spcBef>
+                          <a:spcPts val="0"/>
+                        </a:spcBef>
+                        <a:spcAft>
+                          <a:spcPts val="0"/>
+                        </a:spcAft>
+                        <a:defRPr/>
+                      </a:pPr>
+                      <a:r>
+                        <a:rPr lang="en-US" altLang="ko-KR" sz="1800" b="0" kern="0" spc="-60">
+                          <a:solidFill>
+                            <a:srgbClr val="0000ff"/>
+                          </a:solidFill>
+                          <a:effectLst/>
+                          <a:latin typeface="+mj-lt"/>
+                          <a:ea typeface="함초롬바탕"/>
+                        </a:rPr>
+                        <a:t>(</a:t>
+                      </a:r>
+                      <a:r>
+                        <a:rPr lang="ko-KR" altLang="en-US" sz="1800" b="0" kern="0" spc="-60">
+                          <a:solidFill>
+                            <a:srgbClr val="0000ff"/>
+                          </a:solidFill>
+                          <a:effectLst/>
+                          <a:latin typeface="+mj-lt"/>
+                          <a:ea typeface="함초롬바탕"/>
+                        </a:rPr>
+                        <a:t>실습분야</a:t>
+                      </a:r>
+                      <a:r>
+                        <a:rPr lang="en-US" altLang="ko-KR" sz="1800" b="0" kern="0" spc="-60">
+                          <a:solidFill>
+                            <a:srgbClr val="0000ff"/>
+                          </a:solidFill>
+                          <a:effectLst/>
+                          <a:latin typeface="+mj-lt"/>
+                          <a:ea typeface="함초롬바탕"/>
+                        </a:rPr>
+                        <a:t>)</a:t>
+                      </a:r>
+                      <a:endParaRPr lang="ko-KR" altLang="en-US" sz="1800" b="0" kern="0" spc="-60">
+                        <a:solidFill>
+                          <a:srgbClr val="000000"/>
+                        </a:solidFill>
+                        <a:effectLst/>
+                        <a:latin typeface="+mj-lt"/>
+                      </a:endParaRPr>
+                    </a:p>
+                  </a:txBody>
+                  <a:tcPr marL="91440" marR="91440" anchor="ctr">
+                    <a:lnL w="3556" cap="flat" cmpd="sng" algn="ctr">
+                      <a:solidFill>
+                        <a:srgbClr val="000000"/>
+                      </a:solidFill>
+                      <a:prstDash val="solid"/>
+                      <a:round/>
+                      <a:headEnd w="med" len="med"/>
+                      <a:tailEnd w="med" len="med"/>
+                    </a:lnL>
+                    <a:lnR w="3556" cap="flat" cmpd="sng" algn="ctr">
+                      <a:solidFill>
+                        <a:srgbClr val="000000"/>
+                      </a:solidFill>
+                      <a:prstDash val="solid"/>
+                      <a:round/>
+                      <a:headEnd w="med" len="med"/>
+                      <a:tailEnd w="med" len="med"/>
+                    </a:lnR>
+                    <a:lnT w="3556" cap="flat" cmpd="sng" algn="ctr">
+                      <a:solidFill>
+                        <a:srgbClr val="000000"/>
+                      </a:solidFill>
+                      <a:prstDash val="solid"/>
+                      <a:round/>
+                      <a:headEnd w="med" len="med"/>
+                      <a:tailEnd w="med" len="med"/>
+                    </a:lnT>
+                    <a:lnB w="3556" cap="flat" cmpd="sng" algn="ctr">
+                      <a:solidFill>
+                        <a:srgbClr val="000000"/>
+                      </a:solidFill>
+                      <a:prstDash val="solid"/>
+                      <a:round/>
+                      <a:headEnd w="med" len="med"/>
+                      <a:tailEnd w="med" len="med"/>
+                    </a:lnB>
+                    <a:solidFill>
+                      <a:srgbClr val="dddddd"/>
+                    </a:solidFill>
+                  </a:tcPr>
+                </a:tc>
+                <a:tc>
+                  <a:txBody>
+                    <a:bodyPr vert="horz" lIns="91440" tIns="45720" rIns="91440" bIns="45720" anchor="ctr" anchorCtr="0"/>
+                    <a:p>
+                      <a:pPr marL="0" marR="0" indent="0" algn="ctr" latinLnBrk="0">
+                        <a:lnSpc>
+                          <a:spcPct val="130000"/>
+                        </a:lnSpc>
+                        <a:spcBef>
+                          <a:spcPts val="0"/>
+                        </a:spcBef>
+                        <a:spcAft>
+                          <a:spcPts val="0"/>
+                        </a:spcAft>
+                        <a:defRPr/>
+                      </a:pPr>
+                      <a:r>
+                        <a:rPr lang="ko-KR" altLang="en-US" sz="1800" b="0" kern="0" spc="-60">
+                          <a:solidFill>
+                            <a:srgbClr val="000000"/>
+                          </a:solidFill>
+                          <a:effectLst/>
+                          <a:latin typeface="+mj-lt"/>
+                          <a:ea typeface="함초롬바탕"/>
+                        </a:rPr>
+                        <a:t>주 차</a:t>
+                      </a:r>
+                      <a:endParaRPr lang="ko-KR" altLang="en-US" sz="1800" b="0" kern="0" spc="-60">
+                        <a:solidFill>
+                          <a:srgbClr val="000000"/>
+                        </a:solidFill>
+                        <a:effectLst/>
+                        <a:latin typeface="+mj-lt"/>
+                      </a:endParaRPr>
+                    </a:p>
+                  </a:txBody>
+                  <a:tcPr marL="91440" marR="91440" anchor="ctr">
+                    <a:lnL w="3556" cap="flat" cmpd="sng" algn="ctr">
+                      <a:solidFill>
+                        <a:srgbClr val="000000"/>
+                      </a:solidFill>
+                      <a:prstDash val="solid"/>
+                      <a:round/>
+                      <a:headEnd w="med" len="med"/>
+                      <a:tailEnd w="med" len="med"/>
+                    </a:lnL>
+                    <a:lnR w="3556" cap="flat" cmpd="sng" algn="ctr">
+                      <a:solidFill>
+                        <a:srgbClr val="000000"/>
+                      </a:solidFill>
+                      <a:prstDash val="solid"/>
+                      <a:round/>
+                      <a:headEnd w="med" len="med"/>
+                      <a:tailEnd w="med" len="med"/>
+                    </a:lnR>
+                    <a:lnT w="3556" cap="flat" cmpd="sng" algn="ctr">
+                      <a:solidFill>
+                        <a:srgbClr val="000000"/>
+                      </a:solidFill>
+                      <a:prstDash val="solid"/>
+                      <a:round/>
+                      <a:headEnd w="med" len="med"/>
+                      <a:tailEnd w="med" len="med"/>
+                    </a:lnT>
+                    <a:lnB w="3556" cap="flat" cmpd="sng" algn="ctr">
+                      <a:solidFill>
+                        <a:srgbClr val="000000"/>
+                      </a:solidFill>
+                      <a:prstDash val="solid"/>
+                      <a:round/>
+                      <a:headEnd w="med" len="med"/>
+                      <a:tailEnd w="med" len="med"/>
+                    </a:lnB>
+                  </a:tcPr>
+                </a:tc>
+                <a:tc>
+                  <a:txBody>
+                    <a:bodyPr vert="horz" lIns="91440" tIns="45720" rIns="91440" bIns="45720" anchor="ctr" anchorCtr="0"/>
+                    <a:p>
+                      <a:pPr marL="0" marR="0" indent="0" algn="ctr" latinLnBrk="0">
+                        <a:lnSpc>
+                          <a:spcPct val="130000"/>
+                        </a:lnSpc>
+                        <a:spcBef>
+                          <a:spcPts val="0"/>
+                        </a:spcBef>
+                        <a:spcAft>
+                          <a:spcPts val="0"/>
+                        </a:spcAft>
+                        <a:defRPr/>
+                      </a:pPr>
+                      <a:r>
+                        <a:rPr lang="ko-KR" altLang="en-US" sz="1800" b="0" kern="0" spc="-60">
+                          <a:solidFill>
+                            <a:srgbClr val="000000"/>
+                          </a:solidFill>
+                          <a:effectLst/>
+                          <a:latin typeface="+mj-lt"/>
+                          <a:ea typeface="함초롬바탕"/>
+                        </a:rPr>
+                        <a:t>내 용</a:t>
+                      </a:r>
+                      <a:endParaRPr lang="ko-KR" altLang="en-US" sz="1800" b="0" kern="0" spc="-60">
+                        <a:solidFill>
+                          <a:srgbClr val="000000"/>
+                        </a:solidFill>
+                        <a:effectLst/>
+                        <a:latin typeface="+mj-lt"/>
+                      </a:endParaRPr>
+                    </a:p>
+                  </a:txBody>
+                  <a:tcPr marL="91440" marR="91440" anchor="ctr">
+                    <a:lnL w="3556" cap="flat" cmpd="sng" algn="ctr">
+                      <a:solidFill>
+                        <a:srgbClr val="000000"/>
+                      </a:solidFill>
+                      <a:prstDash val="solid"/>
+                      <a:round/>
+                      <a:headEnd w="med" len="med"/>
+                      <a:tailEnd w="med" len="med"/>
+                    </a:lnL>
+                    <a:lnR w="3556" cap="flat" cmpd="sng" algn="ctr">
+                      <a:solidFill>
+                        <a:srgbClr val="000000"/>
+                      </a:solidFill>
+                      <a:prstDash val="solid"/>
+                      <a:round/>
+                      <a:headEnd w="med" len="med"/>
+                      <a:tailEnd w="med" len="med"/>
+                    </a:lnR>
+                    <a:lnT w="3556" cap="flat" cmpd="sng" algn="ctr">
+                      <a:solidFill>
+                        <a:srgbClr val="000000"/>
+                      </a:solidFill>
+                      <a:prstDash val="solid"/>
+                      <a:round/>
+                      <a:headEnd w="med" len="med"/>
+                      <a:tailEnd w="med" len="med"/>
+                    </a:lnT>
+                    <a:lnB w="3556" cap="flat" cmpd="sng" algn="ctr">
+                      <a:solidFill>
+                        <a:srgbClr val="000000"/>
+                      </a:solidFill>
+                      <a:prstDash val="solid"/>
+                      <a:round/>
+                      <a:headEnd w="med" len="med"/>
+                      <a:tailEnd w="med" len="med"/>
+                    </a:lnB>
+                  </a:tcPr>
+                </a:tc>
+                <a:tc>
+                  <a:txBody>
+                    <a:bodyPr vert="horz" lIns="91440" tIns="45720" rIns="91440" bIns="45720" anchor="ctr" anchorCtr="0"/>
+                    <a:p>
+                      <a:pPr marL="0" marR="0" indent="0" algn="ctr" latinLnBrk="0">
+                        <a:lnSpc>
+                          <a:spcPct val="130000"/>
+                        </a:lnSpc>
+                        <a:spcBef>
+                          <a:spcPts val="0"/>
+                        </a:spcBef>
+                        <a:spcAft>
+                          <a:spcPts val="0"/>
+                        </a:spcAft>
+                        <a:defRPr/>
+                      </a:pPr>
+                      <a:r>
+                        <a:rPr lang="ko-KR" altLang="en-US" sz="1800" b="0" kern="0" spc="-60">
+                          <a:solidFill>
+                            <a:srgbClr val="000000"/>
+                          </a:solidFill>
+                          <a:effectLst/>
+                          <a:latin typeface="+mj-lt"/>
+                          <a:ea typeface="함초롬바탕"/>
+                        </a:rPr>
+                        <a:t>비 고</a:t>
+                      </a:r>
+                      <a:endParaRPr lang="ko-KR" altLang="en-US" sz="1800" b="0" kern="0" spc="-60">
+                        <a:solidFill>
+                          <a:srgbClr val="000000"/>
+                        </a:solidFill>
+                        <a:effectLst/>
+                        <a:latin typeface="+mj-lt"/>
+                      </a:endParaRPr>
+                    </a:p>
+                  </a:txBody>
+                  <a:tcPr marL="91440" marR="91440" anchor="ctr">
+                    <a:lnL w="3556" cap="flat" cmpd="sng" algn="ctr">
+                      <a:solidFill>
+                        <a:srgbClr val="000000"/>
+                      </a:solidFill>
+                      <a:prstDash val="solid"/>
+                      <a:round/>
+                      <a:headEnd w="med" len="med"/>
+                      <a:tailEnd w="med" len="med"/>
+                    </a:lnL>
+                    <a:lnR w="3556" cap="flat" cmpd="sng" algn="ctr">
+                      <a:solidFill>
+                        <a:srgbClr val="000000"/>
+                      </a:solidFill>
+                      <a:prstDash val="solid"/>
+                      <a:round/>
+                      <a:headEnd w="med" len="med"/>
+                      <a:tailEnd w="med" len="med"/>
+                    </a:lnR>
+                    <a:lnT w="3556" cap="flat" cmpd="sng" algn="ctr">
+                      <a:solidFill>
+                        <a:srgbClr val="000000"/>
+                      </a:solidFill>
+                      <a:prstDash val="solid"/>
+                      <a:round/>
+                      <a:headEnd w="med" len="med"/>
+                      <a:tailEnd w="med" len="med"/>
+                    </a:lnT>
+                    <a:lnB w="3556" cap="flat" cmpd="sng" algn="ctr">
+                      <a:solidFill>
+                        <a:srgbClr val="000000"/>
+                      </a:solidFill>
+                      <a:prstDash val="solid"/>
+                      <a:round/>
+                      <a:headEnd w="med" len="med"/>
+                      <a:tailEnd w="med" len="med"/>
+                    </a:lnB>
+                  </a:tcPr>
+                </a:tc>
+              </a:tr>
+              <a:tr h="511740">
+                <a:tc vMerge="1">
+                  <a:txBody>
+                    <a:bodyPr/>
+                    <a:p>
+                      <a:pPr latinLnBrk="1">
+                        <a:defRPr/>
+                      </a:pPr>
+                      <a:endParaRPr lang="ko-KR" altLang="en-US"/>
+                    </a:p>
+                  </a:txBody>
+                  <a:tcPr marL="91440" marR="91440"/>
+                </a:tc>
+                <a:tc>
+                  <a:txBody>
+                    <a:bodyPr vert="horz" lIns="91440" tIns="45720" rIns="91440" bIns="45720" anchor="ctr" anchorCtr="0"/>
+                    <a:p>
+                      <a:pPr marL="0" marR="0" indent="0" algn="ctr" latinLnBrk="0">
+                        <a:lnSpc>
+                          <a:spcPct val="130000"/>
+                        </a:lnSpc>
+                        <a:spcBef>
+                          <a:spcPts val="0"/>
+                        </a:spcBef>
+                        <a:spcAft>
+                          <a:spcPts val="0"/>
+                        </a:spcAft>
+                        <a:defRPr/>
+                      </a:pPr>
+                      <a:r>
+                        <a:rPr lang="en-US" altLang="ko-KR" sz="1800" b="0" kern="0" spc="-60">
+                          <a:solidFill>
+                            <a:srgbClr val="000000"/>
+                          </a:solidFill>
+                          <a:effectLst/>
+                          <a:latin typeface="+mj-lt"/>
+                          <a:ea typeface="함초롬바탕"/>
+                        </a:rPr>
+                        <a:t>1</a:t>
+                      </a:r>
+                      <a:r>
+                        <a:rPr lang="ko-KR" altLang="en-US" sz="1800" b="0" kern="0" spc="-60">
+                          <a:solidFill>
+                            <a:srgbClr val="000000"/>
+                          </a:solidFill>
+                          <a:effectLst/>
+                          <a:latin typeface="+mj-lt"/>
+                          <a:ea typeface="함초롬바탕"/>
+                        </a:rPr>
+                        <a:t>주차</a:t>
+                      </a:r>
+                      <a:endParaRPr lang="ko-KR" altLang="en-US" sz="1800" b="0" kern="0" spc="-60">
+                        <a:solidFill>
+                          <a:srgbClr val="000000"/>
+                        </a:solidFill>
+                        <a:effectLst/>
+                        <a:latin typeface="+mj-lt"/>
+                      </a:endParaRPr>
+                    </a:p>
+                  </a:txBody>
+                  <a:tcPr marL="91440" marR="91440" anchor="ctr">
+                    <a:lnL w="3556" cap="flat" cmpd="sng" algn="ctr">
+                      <a:solidFill>
+                        <a:srgbClr val="000000"/>
+                      </a:solidFill>
+                      <a:prstDash val="solid"/>
+                      <a:round/>
+                      <a:headEnd w="med" len="med"/>
+                      <a:tailEnd w="med" len="med"/>
+                    </a:lnL>
+                    <a:lnR w="3556" cap="flat" cmpd="sng" algn="ctr">
+                      <a:solidFill>
+                        <a:srgbClr val="000000"/>
+                      </a:solidFill>
+                      <a:prstDash val="solid"/>
+                      <a:round/>
+                      <a:headEnd w="med" len="med"/>
+                      <a:tailEnd w="med" len="med"/>
+                    </a:lnR>
+                    <a:lnT w="3556" cap="flat" cmpd="sng" algn="ctr">
+                      <a:solidFill>
+                        <a:srgbClr val="000000"/>
+                      </a:solidFill>
+                      <a:prstDash val="solid"/>
+                      <a:round/>
+                      <a:headEnd w="med" len="med"/>
+                      <a:tailEnd w="med" len="med"/>
+                    </a:lnT>
+                    <a:lnB w="3556" cap="flat" cmpd="sng" algn="ctr">
+                      <a:solidFill>
+                        <a:srgbClr val="000000"/>
+                      </a:solidFill>
+                      <a:prstDash val="solid"/>
+                      <a:round/>
+                      <a:headEnd w="med" len="med"/>
+                      <a:tailEnd w="med" len="med"/>
+                    </a:lnB>
+                  </a:tcPr>
+                </a:tc>
+                <a:tc>
+                  <a:txBody>
+                    <a:bodyPr vert="horz" lIns="91440" tIns="45720" rIns="91440" bIns="45720" anchor="ctr" anchorCtr="0"/>
+                    <a:p>
+                      <a:pPr marL="0" marR="0" indent="0" algn="ctr" latinLnBrk="0">
+                        <a:lnSpc>
+                          <a:spcPct val="130000"/>
+                        </a:lnSpc>
+                        <a:spcBef>
+                          <a:spcPts val="0"/>
+                        </a:spcBef>
+                        <a:spcAft>
+                          <a:spcPts val="0"/>
+                        </a:spcAft>
+                        <a:defRPr/>
+                      </a:pPr>
+                      <a:r>
+                        <a:rPr lang="ko-KR" altLang="en-US" sz="1800" b="0" kern="0" spc="-60">
+                          <a:solidFill>
+                            <a:srgbClr val="000000"/>
+                          </a:solidFill>
+                          <a:effectLst/>
+                          <a:latin typeface="+mj-lt"/>
+                          <a:ea typeface="함초롬바탕"/>
+                        </a:rPr>
+                        <a:t>오리엔테이션 및 제품 아이디어</a:t>
+                      </a:r>
+                      <a:endParaRPr lang="ko-KR" altLang="en-US" sz="1800" b="0" kern="0" spc="-60">
+                        <a:solidFill>
+                          <a:srgbClr val="000000"/>
+                        </a:solidFill>
+                        <a:effectLst/>
+                        <a:latin typeface="+mj-lt"/>
+                      </a:endParaRPr>
+                    </a:p>
+                  </a:txBody>
+                  <a:tcPr marL="91440" marR="91440" anchor="ctr">
+                    <a:lnL w="3556" cap="flat" cmpd="sng" algn="ctr">
+                      <a:solidFill>
+                        <a:srgbClr val="000000"/>
+                      </a:solidFill>
+                      <a:prstDash val="solid"/>
+                      <a:round/>
+                      <a:headEnd w="med" len="med"/>
+                      <a:tailEnd w="med" len="med"/>
+                    </a:lnL>
+                    <a:lnR w="3556" cap="flat" cmpd="sng" algn="ctr">
+                      <a:solidFill>
+                        <a:srgbClr val="000000"/>
+                      </a:solidFill>
+                      <a:prstDash val="solid"/>
+                      <a:round/>
+                      <a:headEnd w="med" len="med"/>
+                      <a:tailEnd w="med" len="med"/>
+                    </a:lnR>
+                    <a:lnT w="3556" cap="flat" cmpd="sng" algn="ctr">
+                      <a:solidFill>
+                        <a:srgbClr val="000000"/>
+                      </a:solidFill>
+                      <a:prstDash val="solid"/>
+                      <a:round/>
+                      <a:headEnd w="med" len="med"/>
+                      <a:tailEnd w="med" len="med"/>
+                    </a:lnT>
+                    <a:lnB w="3556" cap="flat" cmpd="sng" algn="ctr">
+                      <a:solidFill>
+                        <a:srgbClr val="000000"/>
+                      </a:solidFill>
+                      <a:prstDash val="solid"/>
+                      <a:round/>
+                      <a:headEnd w="med" len="med"/>
+                      <a:tailEnd w="med" len="med"/>
+                    </a:lnB>
+                  </a:tcPr>
+                </a:tc>
+                <a:tc>
+                  <a:txBody>
+                    <a:bodyPr vert="horz" lIns="91440" tIns="45720" rIns="91440" bIns="45720" anchor="ctr" anchorCtr="0"/>
+                    <a:p>
+                      <a:pPr marL="0" marR="0" indent="0" algn="ctr" latinLnBrk="0">
+                        <a:lnSpc>
+                          <a:spcPct val="130000"/>
+                        </a:lnSpc>
+                        <a:spcBef>
+                          <a:spcPts val="0"/>
+                        </a:spcBef>
+                        <a:spcAft>
+                          <a:spcPts val="0"/>
+                        </a:spcAft>
+                        <a:defRPr/>
+                      </a:pPr>
+                      <a:r>
+                        <a:rPr lang="ko-KR" altLang="en-US" sz="1800" b="0" kern="0" spc="-60">
+                          <a:solidFill>
+                            <a:srgbClr val="000000"/>
+                          </a:solidFill>
+                          <a:effectLst/>
+                          <a:latin typeface="+mj-lt"/>
+                        </a:rPr>
+                        <a:t>차량 관리 </a:t>
+                      </a:r>
+                      <a:r>
+                        <a:rPr lang="en-US" altLang="ko-KR" sz="1800" b="0" kern="0" spc="-60">
+                          <a:solidFill>
+                            <a:srgbClr val="000000"/>
+                          </a:solidFill>
+                          <a:effectLst/>
+                          <a:latin typeface="+mj-lt"/>
+                        </a:rPr>
+                        <a:t>APP</a:t>
+                      </a:r>
+                      <a:endParaRPr lang="en-US" altLang="ko-KR" sz="1800" b="0" kern="0" spc="-60">
+                        <a:solidFill>
+                          <a:srgbClr val="000000"/>
+                        </a:solidFill>
+                        <a:effectLst/>
+                        <a:latin typeface="+mj-lt"/>
+                      </a:endParaRPr>
+                    </a:p>
+                  </a:txBody>
+                  <a:tcPr marL="91440" marR="91440" anchor="ctr">
+                    <a:lnL w="3556" cap="flat" cmpd="sng" algn="ctr">
+                      <a:solidFill>
+                        <a:srgbClr val="000000"/>
+                      </a:solidFill>
+                      <a:prstDash val="solid"/>
+                      <a:round/>
+                      <a:headEnd w="med" len="med"/>
+                      <a:tailEnd w="med" len="med"/>
+                    </a:lnL>
+                    <a:lnR w="3556" cap="flat" cmpd="sng" algn="ctr">
+                      <a:solidFill>
+                        <a:srgbClr val="000000"/>
+                      </a:solidFill>
+                      <a:prstDash val="solid"/>
+                      <a:round/>
+                      <a:headEnd w="med" len="med"/>
+                      <a:tailEnd w="med" len="med"/>
+                    </a:lnR>
+                    <a:lnT w="3556" cap="flat" cmpd="sng" algn="ctr">
+                      <a:solidFill>
+                        <a:srgbClr val="000000"/>
+                      </a:solidFill>
+                      <a:prstDash val="solid"/>
+                      <a:round/>
+                      <a:headEnd w="med" len="med"/>
+                      <a:tailEnd w="med" len="med"/>
+                    </a:lnT>
+                    <a:lnB w="3556" cap="flat" cmpd="sng" algn="ctr">
+                      <a:solidFill>
+                        <a:srgbClr val="000000"/>
+                      </a:solidFill>
+                      <a:prstDash val="solid"/>
+                      <a:round/>
+                      <a:headEnd w="med" len="med"/>
+                      <a:tailEnd w="med" len="med"/>
+                    </a:lnB>
+                  </a:tcPr>
+                </a:tc>
+              </a:tr>
+              <a:tr h="511740">
+                <a:tc vMerge="1">
+                  <a:txBody>
+                    <a:bodyPr/>
+                    <a:p>
+                      <a:pPr latinLnBrk="1">
+                        <a:defRPr/>
+                      </a:pPr>
+                      <a:endParaRPr lang="ko-KR" altLang="en-US"/>
+                    </a:p>
+                  </a:txBody>
+                  <a:tcPr marL="91440" marR="91440"/>
+                </a:tc>
+                <a:tc>
+                  <a:txBody>
+                    <a:bodyPr vert="horz" lIns="91440" tIns="45720" rIns="91440" bIns="45720" anchor="ctr" anchorCtr="0"/>
+                    <a:p>
+                      <a:pPr marL="0" marR="0" indent="0" algn="ctr" latinLnBrk="0">
+                        <a:lnSpc>
+                          <a:spcPct val="130000"/>
+                        </a:lnSpc>
+                        <a:spcBef>
+                          <a:spcPts val="0"/>
+                        </a:spcBef>
+                        <a:spcAft>
+                          <a:spcPts val="0"/>
+                        </a:spcAft>
+                        <a:defRPr/>
+                      </a:pPr>
+                      <a:r>
+                        <a:rPr lang="en-US" altLang="ko-KR" sz="1800" b="0" kern="0" spc="-60">
+                          <a:solidFill>
+                            <a:srgbClr val="000000"/>
+                          </a:solidFill>
+                          <a:effectLst/>
+                          <a:latin typeface="+mj-lt"/>
+                          <a:ea typeface="함초롬바탕"/>
+                        </a:rPr>
+                        <a:t>2</a:t>
+                      </a:r>
+                      <a:r>
+                        <a:rPr lang="ko-KR" altLang="en-US" sz="1800" b="0" kern="0" spc="-60">
+                          <a:solidFill>
+                            <a:srgbClr val="000000"/>
+                          </a:solidFill>
+                          <a:effectLst/>
+                          <a:latin typeface="+mj-lt"/>
+                          <a:ea typeface="함초롬바탕"/>
+                        </a:rPr>
+                        <a:t>주차</a:t>
+                      </a:r>
+                      <a:endParaRPr lang="ko-KR" altLang="en-US" sz="1800" b="0" kern="0" spc="-60">
+                        <a:solidFill>
+                          <a:srgbClr val="000000"/>
+                        </a:solidFill>
+                        <a:effectLst/>
+                        <a:latin typeface="+mj-lt"/>
+                      </a:endParaRPr>
+                    </a:p>
+                  </a:txBody>
+                  <a:tcPr marL="91440" marR="91440" anchor="ctr">
+                    <a:lnL w="3556" cap="flat" cmpd="sng" algn="ctr">
+                      <a:solidFill>
+                        <a:srgbClr val="000000"/>
+                      </a:solidFill>
+                      <a:prstDash val="solid"/>
+                      <a:round/>
+                      <a:headEnd w="med" len="med"/>
+                      <a:tailEnd w="med" len="med"/>
+                    </a:lnL>
+                    <a:lnR w="3556" cap="flat" cmpd="sng" algn="ctr">
+                      <a:solidFill>
+                        <a:srgbClr val="000000"/>
+                      </a:solidFill>
+                      <a:prstDash val="solid"/>
+                      <a:round/>
+                      <a:headEnd w="med" len="med"/>
+                      <a:tailEnd w="med" len="med"/>
+                    </a:lnR>
+                    <a:lnT w="3556" cap="flat" cmpd="sng" algn="ctr">
+                      <a:solidFill>
+                        <a:srgbClr val="000000"/>
+                      </a:solidFill>
+                      <a:prstDash val="solid"/>
+                      <a:round/>
+                      <a:headEnd w="med" len="med"/>
+                      <a:tailEnd w="med" len="med"/>
+                    </a:lnT>
+                    <a:lnB w="3556" cap="flat" cmpd="sng" algn="ctr">
+                      <a:solidFill>
+                        <a:srgbClr val="000000"/>
+                      </a:solidFill>
+                      <a:prstDash val="solid"/>
+                      <a:round/>
+                      <a:headEnd w="med" len="med"/>
+                      <a:tailEnd w="med" len="med"/>
+                    </a:lnB>
+                  </a:tcPr>
+                </a:tc>
+                <a:tc>
+                  <a:txBody>
+                    <a:bodyPr vert="horz" lIns="91440" tIns="45720" rIns="91440" bIns="45720" anchor="ctr" anchorCtr="0"/>
+                    <a:p>
+                      <a:pPr marL="0" marR="0" indent="0" algn="ctr" latinLnBrk="0">
+                        <a:lnSpc>
+                          <a:spcPct val="130000"/>
+                        </a:lnSpc>
+                        <a:spcBef>
+                          <a:spcPts val="0"/>
+                        </a:spcBef>
+                        <a:spcAft>
+                          <a:spcPts val="0"/>
+                        </a:spcAft>
+                        <a:defRPr/>
+                      </a:pPr>
+                      <a:r>
+                        <a:rPr lang="ko-KR" altLang="en-US" sz="1800" b="0" kern="0" spc="-60">
+                          <a:solidFill>
+                            <a:srgbClr val="000000"/>
+                          </a:solidFill>
+                          <a:effectLst/>
+                          <a:latin typeface="+mj-lt"/>
+                          <a:ea typeface="함초롬바탕"/>
+                        </a:rPr>
+                        <a:t>계획 및 일정 수립</a:t>
+                      </a:r>
+                      <a:endParaRPr lang="ko-KR" altLang="en-US" sz="1800" b="0" kern="0" spc="-60">
+                        <a:solidFill>
+                          <a:srgbClr val="000000"/>
+                        </a:solidFill>
+                        <a:effectLst/>
+                        <a:latin typeface="+mj-lt"/>
+                      </a:endParaRPr>
+                    </a:p>
+                  </a:txBody>
+                  <a:tcPr marL="91440" marR="91440" anchor="ctr">
+                    <a:lnL w="3556" cap="flat" cmpd="sng" algn="ctr">
+                      <a:solidFill>
+                        <a:srgbClr val="000000"/>
+                      </a:solidFill>
+                      <a:prstDash val="solid"/>
+                      <a:round/>
+                      <a:headEnd w="med" len="med"/>
+                      <a:tailEnd w="med" len="med"/>
+                    </a:lnL>
+                    <a:lnR w="3556" cap="flat" cmpd="sng" algn="ctr">
+                      <a:solidFill>
+                        <a:srgbClr val="000000"/>
+                      </a:solidFill>
+                      <a:prstDash val="solid"/>
+                      <a:round/>
+                      <a:headEnd w="med" len="med"/>
+                      <a:tailEnd w="med" len="med"/>
+                    </a:lnR>
+                    <a:lnT w="3556" cap="flat" cmpd="sng" algn="ctr">
+                      <a:solidFill>
+                        <a:srgbClr val="000000"/>
+                      </a:solidFill>
+                      <a:prstDash val="solid"/>
+                      <a:round/>
+                      <a:headEnd w="med" len="med"/>
+                      <a:tailEnd w="med" len="med"/>
+                    </a:lnT>
+                    <a:lnB w="3556" cap="flat" cmpd="sng" algn="ctr">
+                      <a:solidFill>
+                        <a:srgbClr val="000000"/>
+                      </a:solidFill>
+                      <a:prstDash val="solid"/>
+                      <a:round/>
+                      <a:headEnd w="med" len="med"/>
+                      <a:tailEnd w="med" len="med"/>
+                    </a:lnB>
+                  </a:tcPr>
+                </a:tc>
+                <a:tc>
+                  <a:txBody>
+                    <a:bodyPr vert="horz" lIns="91440" tIns="45720" rIns="91440" bIns="45720" anchor="ctr" anchorCtr="0"/>
+                    <a:p>
+                      <a:pPr marL="0" marR="0" indent="0" algn="ctr" latinLnBrk="0">
+                        <a:lnSpc>
+                          <a:spcPct val="130000"/>
+                        </a:lnSpc>
+                        <a:spcBef>
+                          <a:spcPts val="0"/>
+                        </a:spcBef>
+                        <a:spcAft>
+                          <a:spcPts val="0"/>
+                        </a:spcAft>
+                        <a:defRPr/>
+                      </a:pPr>
+                      <a:r>
+                        <a:rPr lang="ko-KR" altLang="en-US" sz="1800" b="0" kern="0" spc="-60">
+                          <a:solidFill>
+                            <a:srgbClr val="000000"/>
+                          </a:solidFill>
+                          <a:effectLst/>
+                          <a:latin typeface="+mj-lt"/>
+                        </a:rPr>
+                        <a:t>요구사항 정의 및 문서화</a:t>
+                      </a:r>
+                      <a:endParaRPr lang="ko-KR" altLang="en-US" sz="1800" b="0" kern="0" spc="-60">
+                        <a:solidFill>
+                          <a:srgbClr val="000000"/>
+                        </a:solidFill>
+                        <a:effectLst/>
+                        <a:latin typeface="+mj-lt"/>
+                      </a:endParaRPr>
+                    </a:p>
+                  </a:txBody>
+                  <a:tcPr marL="91440" marR="91440" anchor="ctr">
+                    <a:lnL w="3556" cap="flat" cmpd="sng" algn="ctr">
+                      <a:solidFill>
+                        <a:srgbClr val="000000"/>
+                      </a:solidFill>
+                      <a:prstDash val="solid"/>
+                      <a:round/>
+                      <a:headEnd w="med" len="med"/>
+                      <a:tailEnd w="med" len="med"/>
+                    </a:lnL>
+                    <a:lnR w="3556" cap="flat" cmpd="sng" algn="ctr">
+                      <a:solidFill>
+                        <a:srgbClr val="000000"/>
+                      </a:solidFill>
+                      <a:prstDash val="solid"/>
+                      <a:round/>
+                      <a:headEnd w="med" len="med"/>
+                      <a:tailEnd w="med" len="med"/>
+                    </a:lnR>
+                    <a:lnT w="3556" cap="flat" cmpd="sng" algn="ctr">
+                      <a:solidFill>
+                        <a:srgbClr val="000000"/>
+                      </a:solidFill>
+                      <a:prstDash val="solid"/>
+                      <a:round/>
+                      <a:headEnd w="med" len="med"/>
+                      <a:tailEnd w="med" len="med"/>
+                    </a:lnT>
+                    <a:lnB w="3556" cap="flat" cmpd="sng" algn="ctr">
+                      <a:solidFill>
+                        <a:srgbClr val="000000"/>
+                      </a:solidFill>
+                      <a:prstDash val="solid"/>
+                      <a:round/>
+                      <a:headEnd w="med" len="med"/>
+                      <a:tailEnd w="med" len="med"/>
+                    </a:lnB>
+                  </a:tcPr>
+                </a:tc>
+              </a:tr>
+              <a:tr h="511740">
+                <a:tc vMerge="1">
+                  <a:txBody>
+                    <a:bodyPr/>
+                    <a:p>
+                      <a:pPr latinLnBrk="1">
+                        <a:defRPr/>
+                      </a:pPr>
+                      <a:endParaRPr lang="ko-KR" altLang="en-US"/>
+                    </a:p>
+                  </a:txBody>
+                  <a:tcPr marL="91440" marR="91440"/>
+                </a:tc>
+                <a:tc>
+                  <a:txBody>
+                    <a:bodyPr vert="horz" lIns="91440" tIns="45720" rIns="91440" bIns="45720" anchor="ctr" anchorCtr="0"/>
+                    <a:p>
+                      <a:pPr marL="0" marR="0" indent="0" algn="ctr" latinLnBrk="0">
+                        <a:lnSpc>
+                          <a:spcPct val="130000"/>
+                        </a:lnSpc>
+                        <a:spcBef>
+                          <a:spcPts val="0"/>
+                        </a:spcBef>
+                        <a:spcAft>
+                          <a:spcPts val="0"/>
+                        </a:spcAft>
+                        <a:defRPr/>
+                      </a:pPr>
+                      <a:r>
+                        <a:rPr lang="en-US" altLang="ko-KR" sz="1800" b="0" kern="0" spc="-60">
+                          <a:solidFill>
+                            <a:srgbClr val="000000"/>
+                          </a:solidFill>
+                          <a:effectLst/>
+                          <a:latin typeface="+mj-lt"/>
+                          <a:ea typeface="함초롬바탕"/>
+                        </a:rPr>
+                        <a:t>3</a:t>
+                      </a:r>
+                      <a:r>
+                        <a:rPr lang="ko-KR" altLang="en-US" sz="1800" b="0" kern="0" spc="-60">
+                          <a:solidFill>
+                            <a:srgbClr val="000000"/>
+                          </a:solidFill>
+                          <a:effectLst/>
+                          <a:latin typeface="+mj-lt"/>
+                          <a:ea typeface="함초롬바탕"/>
+                        </a:rPr>
+                        <a:t>주차</a:t>
+                      </a:r>
+                      <a:endParaRPr lang="ko-KR" altLang="en-US" sz="1800" b="0" kern="0" spc="-60">
+                        <a:solidFill>
+                          <a:srgbClr val="000000"/>
+                        </a:solidFill>
+                        <a:effectLst/>
+                        <a:latin typeface="+mj-lt"/>
+                      </a:endParaRPr>
+                    </a:p>
+                  </a:txBody>
+                  <a:tcPr marL="91440" marR="91440" anchor="ctr">
+                    <a:lnL w="3556" cap="flat" cmpd="sng" algn="ctr">
+                      <a:solidFill>
+                        <a:srgbClr val="000000"/>
+                      </a:solidFill>
+                      <a:prstDash val="solid"/>
+                      <a:round/>
+                      <a:headEnd w="med" len="med"/>
+                      <a:tailEnd w="med" len="med"/>
+                    </a:lnL>
+                    <a:lnR w="3556" cap="flat" cmpd="sng" algn="ctr">
+                      <a:solidFill>
+                        <a:srgbClr val="000000"/>
+                      </a:solidFill>
+                      <a:prstDash val="solid"/>
+                      <a:round/>
+                      <a:headEnd w="med" len="med"/>
+                      <a:tailEnd w="med" len="med"/>
+                    </a:lnR>
+                    <a:lnT w="3556" cap="flat" cmpd="sng" algn="ctr">
+                      <a:solidFill>
+                        <a:srgbClr val="000000"/>
+                      </a:solidFill>
+                      <a:prstDash val="solid"/>
+                      <a:round/>
+                      <a:headEnd w="med" len="med"/>
+                      <a:tailEnd w="med" len="med"/>
+                    </a:lnT>
+                    <a:lnB w="3556" cap="flat" cmpd="sng" algn="ctr">
+                      <a:solidFill>
+                        <a:srgbClr val="000000"/>
+                      </a:solidFill>
+                      <a:prstDash val="solid"/>
+                      <a:round/>
+                      <a:headEnd w="med" len="med"/>
+                      <a:tailEnd w="med" len="med"/>
+                    </a:lnB>
+                  </a:tcPr>
+                </a:tc>
+                <a:tc>
+                  <a:txBody>
+                    <a:bodyPr vert="horz" lIns="91440" tIns="45720" rIns="91440" bIns="45720" anchor="ctr" anchorCtr="0"/>
+                    <a:p>
+                      <a:pPr marL="0" marR="0" indent="0" algn="ctr" latinLnBrk="0">
+                        <a:lnSpc>
+                          <a:spcPct val="130000"/>
+                        </a:lnSpc>
+                        <a:spcBef>
+                          <a:spcPts val="0"/>
+                        </a:spcBef>
+                        <a:spcAft>
+                          <a:spcPts val="0"/>
+                        </a:spcAft>
+                        <a:defRPr/>
+                      </a:pPr>
+                      <a:r>
+                        <a:rPr lang="ko-KR" altLang="en-US" sz="1800" b="0" kern="0" spc="-60">
+                          <a:solidFill>
+                            <a:srgbClr val="000000"/>
+                          </a:solidFill>
+                          <a:effectLst/>
+                          <a:latin typeface="+mj-lt"/>
+                          <a:ea typeface="함초롬바탕"/>
+                        </a:rPr>
+                        <a:t>제품 기획</a:t>
+                      </a:r>
+                      <a:endParaRPr lang="ko-KR" altLang="en-US" sz="1800" b="0" kern="0" spc="-60">
+                        <a:solidFill>
+                          <a:srgbClr val="000000"/>
+                        </a:solidFill>
+                        <a:effectLst/>
+                        <a:latin typeface="+mj-lt"/>
+                      </a:endParaRPr>
+                    </a:p>
+                  </a:txBody>
+                  <a:tcPr marL="91440" marR="91440" anchor="ctr">
+                    <a:lnL w="3556" cap="flat" cmpd="sng" algn="ctr">
+                      <a:solidFill>
+                        <a:srgbClr val="000000"/>
+                      </a:solidFill>
+                      <a:prstDash val="solid"/>
+                      <a:round/>
+                      <a:headEnd w="med" len="med"/>
+                      <a:tailEnd w="med" len="med"/>
+                    </a:lnL>
+                    <a:lnR w="3556" cap="flat" cmpd="sng" algn="ctr">
+                      <a:solidFill>
+                        <a:srgbClr val="000000"/>
+                      </a:solidFill>
+                      <a:prstDash val="solid"/>
+                      <a:round/>
+                      <a:headEnd w="med" len="med"/>
+                      <a:tailEnd w="med" len="med"/>
+                    </a:lnR>
+                    <a:lnT w="3556" cap="flat" cmpd="sng" algn="ctr">
+                      <a:solidFill>
+                        <a:srgbClr val="000000"/>
+                      </a:solidFill>
+                      <a:prstDash val="solid"/>
+                      <a:round/>
+                      <a:headEnd w="med" len="med"/>
+                      <a:tailEnd w="med" len="med"/>
+                    </a:lnT>
+                    <a:lnB w="3556" cap="flat" cmpd="sng" algn="ctr">
+                      <a:solidFill>
+                        <a:srgbClr val="000000"/>
+                      </a:solidFill>
+                      <a:prstDash val="solid"/>
+                      <a:round/>
+                      <a:headEnd w="med" len="med"/>
+                      <a:tailEnd w="med" len="med"/>
+                    </a:lnB>
+                  </a:tcPr>
+                </a:tc>
+                <a:tc>
+                  <a:txBody>
+                    <a:bodyPr vert="horz" lIns="91440" tIns="45720" rIns="91440" bIns="45720" anchor="ctr" anchorCtr="0"/>
+                    <a:p>
+                      <a:pPr marL="0" marR="0" indent="0" algn="ctr" latinLnBrk="0">
+                        <a:lnSpc>
+                          <a:spcPct val="130000"/>
+                        </a:lnSpc>
+                        <a:spcBef>
+                          <a:spcPts val="0"/>
+                        </a:spcBef>
+                        <a:spcAft>
+                          <a:spcPts val="0"/>
+                        </a:spcAft>
+                        <a:defRPr/>
+                      </a:pPr>
+                      <a:endParaRPr lang="ko-KR" altLang="en-US" sz="1800" b="0" kern="0" spc="-60">
+                        <a:solidFill>
+                          <a:srgbClr val="000000"/>
+                        </a:solidFill>
+                        <a:effectLst/>
+                        <a:latin typeface="+mj-lt"/>
+                      </a:endParaRPr>
+                    </a:p>
+                  </a:txBody>
+                  <a:tcPr marL="91440" marR="91440" anchor="ctr">
+                    <a:lnL w="3556" cap="flat" cmpd="sng" algn="ctr">
+                      <a:solidFill>
+                        <a:srgbClr val="000000"/>
+                      </a:solidFill>
+                      <a:prstDash val="solid"/>
+                      <a:round/>
+                      <a:headEnd w="med" len="med"/>
+                      <a:tailEnd w="med" len="med"/>
+                    </a:lnL>
+                    <a:lnR w="3556" cap="flat" cmpd="sng" algn="ctr">
+                      <a:solidFill>
+                        <a:srgbClr val="000000"/>
+                      </a:solidFill>
+                      <a:prstDash val="solid"/>
+                      <a:round/>
+                      <a:headEnd w="med" len="med"/>
+                      <a:tailEnd w="med" len="med"/>
+                    </a:lnR>
+                    <a:lnT w="3556" cap="flat" cmpd="sng" algn="ctr">
+                      <a:solidFill>
+                        <a:srgbClr val="000000"/>
+                      </a:solidFill>
+                      <a:prstDash val="solid"/>
+                      <a:round/>
+                      <a:headEnd w="med" len="med"/>
+                      <a:tailEnd w="med" len="med"/>
+                    </a:lnT>
+                    <a:lnB w="3556" cap="flat" cmpd="sng" algn="ctr">
+                      <a:solidFill>
+                        <a:srgbClr val="000000"/>
+                      </a:solidFill>
+                      <a:prstDash val="solid"/>
+                      <a:round/>
+                      <a:headEnd w="med" len="med"/>
+                      <a:tailEnd w="med" len="med"/>
+                    </a:lnB>
+                  </a:tcPr>
+                </a:tc>
+              </a:tr>
+              <a:tr h="511740">
+                <a:tc vMerge="1">
+                  <a:txBody>
+                    <a:bodyPr/>
+                    <a:p>
+                      <a:pPr latinLnBrk="1">
+                        <a:defRPr/>
+                      </a:pPr>
+                      <a:endParaRPr lang="ko-KR" altLang="en-US"/>
+                    </a:p>
+                  </a:txBody>
+                  <a:tcPr marL="91440" marR="91440"/>
+                </a:tc>
+                <a:tc>
+                  <a:txBody>
+                    <a:bodyPr vert="horz" lIns="91440" tIns="45720" rIns="91440" bIns="45720" anchor="ctr" anchorCtr="0"/>
+                    <a:p>
+                      <a:pPr marL="0" marR="0" indent="0" algn="ctr" latinLnBrk="0">
+                        <a:lnSpc>
+                          <a:spcPct val="130000"/>
+                        </a:lnSpc>
+                        <a:spcBef>
+                          <a:spcPts val="0"/>
+                        </a:spcBef>
+                        <a:spcAft>
+                          <a:spcPts val="0"/>
+                        </a:spcAft>
+                        <a:defRPr/>
+                      </a:pPr>
+                      <a:r>
+                        <a:rPr lang="en-US" altLang="ko-KR" sz="1800" b="0" kern="0" spc="-60">
+                          <a:solidFill>
+                            <a:srgbClr val="000000"/>
+                          </a:solidFill>
+                          <a:effectLst/>
+                          <a:latin typeface="+mj-lt"/>
+                          <a:ea typeface="함초롬바탕"/>
+                        </a:rPr>
+                        <a:t>4</a:t>
+                      </a:r>
+                      <a:r>
+                        <a:rPr lang="ko-KR" altLang="en-US" sz="1800" b="0" kern="0" spc="-60">
+                          <a:solidFill>
+                            <a:srgbClr val="000000"/>
+                          </a:solidFill>
+                          <a:effectLst/>
+                          <a:latin typeface="+mj-lt"/>
+                          <a:ea typeface="함초롬바탕"/>
+                        </a:rPr>
+                        <a:t>주차</a:t>
+                      </a:r>
+                      <a:endParaRPr lang="ko-KR" altLang="en-US" sz="1800" b="0" kern="0" spc="-60">
+                        <a:solidFill>
+                          <a:srgbClr val="000000"/>
+                        </a:solidFill>
+                        <a:effectLst/>
+                        <a:latin typeface="+mj-lt"/>
+                      </a:endParaRPr>
+                    </a:p>
+                  </a:txBody>
+                  <a:tcPr marL="91440" marR="91440" anchor="ctr">
+                    <a:lnL w="3556" cap="flat" cmpd="sng" algn="ctr">
+                      <a:solidFill>
+                        <a:srgbClr val="000000"/>
+                      </a:solidFill>
+                      <a:prstDash val="solid"/>
+                      <a:round/>
+                      <a:headEnd w="med" len="med"/>
+                      <a:tailEnd w="med" len="med"/>
+                    </a:lnL>
+                    <a:lnR w="3556" cap="flat" cmpd="sng" algn="ctr">
+                      <a:solidFill>
+                        <a:srgbClr val="000000"/>
+                      </a:solidFill>
+                      <a:prstDash val="solid"/>
+                      <a:round/>
+                      <a:headEnd w="med" len="med"/>
+                      <a:tailEnd w="med" len="med"/>
+                    </a:lnR>
+                    <a:lnT w="3556" cap="flat" cmpd="sng" algn="ctr">
+                      <a:solidFill>
+                        <a:srgbClr val="000000"/>
+                      </a:solidFill>
+                      <a:prstDash val="solid"/>
+                      <a:round/>
+                      <a:headEnd w="med" len="med"/>
+                      <a:tailEnd w="med" len="med"/>
+                    </a:lnT>
+                    <a:lnB w="3556" cap="flat" cmpd="sng" algn="ctr">
+                      <a:solidFill>
+                        <a:srgbClr val="000000"/>
+                      </a:solidFill>
+                      <a:prstDash val="solid"/>
+                      <a:round/>
+                      <a:headEnd w="med" len="med"/>
+                      <a:tailEnd w="med" len="med"/>
+                    </a:lnB>
+                  </a:tcPr>
+                </a:tc>
+                <a:tc>
+                  <a:txBody>
+                    <a:bodyPr vert="horz" lIns="91440" tIns="45720" rIns="91440" bIns="45720" anchor="ctr" anchorCtr="0"/>
+                    <a:p>
+                      <a:pPr marL="0" marR="0" indent="0" algn="ctr" latinLnBrk="0">
+                        <a:lnSpc>
+                          <a:spcPct val="130000"/>
+                        </a:lnSpc>
+                        <a:spcBef>
+                          <a:spcPts val="0"/>
+                        </a:spcBef>
+                        <a:spcAft>
+                          <a:spcPts val="0"/>
+                        </a:spcAft>
+                        <a:defRPr/>
+                      </a:pPr>
+                      <a:r>
+                        <a:rPr lang="ko-KR" altLang="en-US" sz="1800" b="0" kern="0" spc="-60">
+                          <a:solidFill>
+                            <a:srgbClr val="000000"/>
+                          </a:solidFill>
+                          <a:effectLst/>
+                          <a:latin typeface="+mj-lt"/>
+                          <a:ea typeface="함초롬바탕"/>
+                        </a:rPr>
+                        <a:t>제품 개발 기획</a:t>
+                      </a:r>
+                      <a:endParaRPr lang="ko-KR" altLang="en-US" sz="1800" b="0" kern="0" spc="-60">
+                        <a:solidFill>
+                          <a:srgbClr val="000000"/>
+                        </a:solidFill>
+                        <a:effectLst/>
+                        <a:latin typeface="+mj-lt"/>
+                      </a:endParaRPr>
+                    </a:p>
+                  </a:txBody>
+                  <a:tcPr marL="91440" marR="91440" anchor="ctr">
+                    <a:lnL w="3556" cap="flat" cmpd="sng" algn="ctr">
+                      <a:solidFill>
+                        <a:srgbClr val="000000"/>
+                      </a:solidFill>
+                      <a:prstDash val="solid"/>
+                      <a:round/>
+                      <a:headEnd w="med" len="med"/>
+                      <a:tailEnd w="med" len="med"/>
+                    </a:lnL>
+                    <a:lnR w="3556" cap="flat" cmpd="sng" algn="ctr">
+                      <a:solidFill>
+                        <a:srgbClr val="000000"/>
+                      </a:solidFill>
+                      <a:prstDash val="solid"/>
+                      <a:round/>
+                      <a:headEnd w="med" len="med"/>
+                      <a:tailEnd w="med" len="med"/>
+                    </a:lnR>
+                    <a:lnT w="3556" cap="flat" cmpd="sng" algn="ctr">
+                      <a:solidFill>
+                        <a:srgbClr val="000000"/>
+                      </a:solidFill>
+                      <a:prstDash val="solid"/>
+                      <a:round/>
+                      <a:headEnd w="med" len="med"/>
+                      <a:tailEnd w="med" len="med"/>
+                    </a:lnT>
+                    <a:lnB w="3556" cap="flat" cmpd="sng" algn="ctr">
+                      <a:solidFill>
+                        <a:srgbClr val="000000"/>
+                      </a:solidFill>
+                      <a:prstDash val="solid"/>
+                      <a:round/>
+                      <a:headEnd w="med" len="med"/>
+                      <a:tailEnd w="med" len="med"/>
+                    </a:lnB>
+                  </a:tcPr>
+                </a:tc>
+                <a:tc>
+                  <a:txBody>
+                    <a:bodyPr vert="horz" lIns="91440" tIns="45720" rIns="91440" bIns="45720" anchor="ctr" anchorCtr="0"/>
+                    <a:p>
+                      <a:pPr marL="0" marR="0" indent="0" algn="ctr" latinLnBrk="0">
+                        <a:lnSpc>
+                          <a:spcPct val="130000"/>
+                        </a:lnSpc>
+                        <a:spcBef>
+                          <a:spcPts val="0"/>
+                        </a:spcBef>
+                        <a:spcAft>
+                          <a:spcPts val="0"/>
+                        </a:spcAft>
+                        <a:defRPr/>
+                      </a:pPr>
+                      <a:endParaRPr lang="ko-KR" altLang="en-US" sz="1800" b="0" kern="0" spc="-60">
+                        <a:solidFill>
+                          <a:srgbClr val="000000"/>
+                        </a:solidFill>
+                        <a:effectLst/>
+                        <a:latin typeface="+mj-lt"/>
+                      </a:endParaRPr>
+                    </a:p>
+                  </a:txBody>
+                  <a:tcPr marL="91440" marR="91440" anchor="ctr">
+                    <a:lnL w="3556" cap="flat" cmpd="sng" algn="ctr">
+                      <a:solidFill>
+                        <a:srgbClr val="000000"/>
+                      </a:solidFill>
+                      <a:prstDash val="solid"/>
+                      <a:round/>
+                      <a:headEnd w="med" len="med"/>
+                      <a:tailEnd w="med" len="med"/>
+                    </a:lnL>
+                    <a:lnR w="3556" cap="flat" cmpd="sng" algn="ctr">
+                      <a:solidFill>
+                        <a:srgbClr val="000000"/>
+                      </a:solidFill>
+                      <a:prstDash val="solid"/>
+                      <a:round/>
+                      <a:headEnd w="med" len="med"/>
+                      <a:tailEnd w="med" len="med"/>
+                    </a:lnR>
+                    <a:lnT w="3556" cap="flat" cmpd="sng" algn="ctr">
+                      <a:solidFill>
+                        <a:srgbClr val="000000"/>
+                      </a:solidFill>
+                      <a:prstDash val="solid"/>
+                      <a:round/>
+                      <a:headEnd w="med" len="med"/>
+                      <a:tailEnd w="med" len="med"/>
+                    </a:lnT>
+                    <a:lnB w="3556" cap="flat" cmpd="sng" algn="ctr">
+                      <a:solidFill>
+                        <a:srgbClr val="000000"/>
+                      </a:solidFill>
+                      <a:prstDash val="solid"/>
+                      <a:round/>
+                      <a:headEnd w="med" len="med"/>
+                      <a:tailEnd w="med" len="med"/>
+                    </a:lnB>
+                  </a:tcPr>
+                </a:tc>
+              </a:tr>
+              <a:tr h="511740">
+                <a:tc vMerge="1">
+                  <a:txBody>
+                    <a:bodyPr/>
+                    <a:p>
+                      <a:pPr latinLnBrk="1">
+                        <a:defRPr/>
+                      </a:pPr>
+                      <a:endParaRPr lang="ko-KR" altLang="en-US"/>
+                    </a:p>
+                  </a:txBody>
+                  <a:tcPr marL="91440" marR="91440"/>
+                </a:tc>
+                <a:tc>
+                  <a:txBody>
+                    <a:bodyPr vert="horz" lIns="91440" tIns="45720" rIns="91440" bIns="45720" anchor="ctr" anchorCtr="0"/>
+                    <a:p>
+                      <a:pPr marL="0" marR="0" indent="0" algn="ctr" latinLnBrk="0">
+                        <a:lnSpc>
+                          <a:spcPct val="130000"/>
+                        </a:lnSpc>
+                        <a:spcBef>
+                          <a:spcPts val="0"/>
+                        </a:spcBef>
+                        <a:spcAft>
+                          <a:spcPts val="0"/>
+                        </a:spcAft>
+                        <a:defRPr/>
+                      </a:pPr>
+                      <a:r>
+                        <a:rPr lang="en-US" altLang="ko-KR" sz="1800" b="0" kern="0" spc="-60">
+                          <a:solidFill>
+                            <a:srgbClr val="000000"/>
+                          </a:solidFill>
+                          <a:effectLst/>
+                          <a:latin typeface="+mj-lt"/>
+                          <a:ea typeface="함초롬바탕"/>
+                        </a:rPr>
+                        <a:t>5</a:t>
+                      </a:r>
+                      <a:r>
+                        <a:rPr lang="ko-KR" altLang="en-US" sz="1800" b="0" kern="0" spc="-60">
+                          <a:solidFill>
+                            <a:srgbClr val="000000"/>
+                          </a:solidFill>
+                          <a:effectLst/>
+                          <a:latin typeface="+mj-lt"/>
+                          <a:ea typeface="함초롬바탕"/>
+                        </a:rPr>
+                        <a:t>주차</a:t>
+                      </a:r>
+                      <a:endParaRPr lang="ko-KR" altLang="en-US" sz="1800" b="0" kern="0" spc="-60">
+                        <a:solidFill>
+                          <a:srgbClr val="000000"/>
+                        </a:solidFill>
+                        <a:effectLst/>
+                        <a:latin typeface="+mj-lt"/>
+                      </a:endParaRPr>
+                    </a:p>
+                  </a:txBody>
+                  <a:tcPr marL="91440" marR="91440" anchor="ctr">
+                    <a:lnL w="3556" cap="flat" cmpd="sng" algn="ctr">
+                      <a:solidFill>
+                        <a:srgbClr val="000000"/>
+                      </a:solidFill>
+                      <a:prstDash val="solid"/>
+                      <a:round/>
+                      <a:headEnd w="med" len="med"/>
+                      <a:tailEnd w="med" len="med"/>
+                    </a:lnL>
+                    <a:lnR w="3556" cap="flat" cmpd="sng" algn="ctr">
+                      <a:solidFill>
+                        <a:srgbClr val="000000"/>
+                      </a:solidFill>
+                      <a:prstDash val="solid"/>
+                      <a:round/>
+                      <a:headEnd w="med" len="med"/>
+                      <a:tailEnd w="med" len="med"/>
+                    </a:lnR>
+                    <a:lnT w="3556" cap="flat" cmpd="sng" algn="ctr">
+                      <a:solidFill>
+                        <a:srgbClr val="000000"/>
+                      </a:solidFill>
+                      <a:prstDash val="solid"/>
+                      <a:round/>
+                      <a:headEnd w="med" len="med"/>
+                      <a:tailEnd w="med" len="med"/>
+                    </a:lnT>
+                    <a:lnB w="3556" cap="flat" cmpd="sng" algn="ctr">
+                      <a:solidFill>
+                        <a:srgbClr val="000000"/>
+                      </a:solidFill>
+                      <a:prstDash val="solid"/>
+                      <a:round/>
+                      <a:headEnd w="med" len="med"/>
+                      <a:tailEnd w="med" len="med"/>
+                    </a:lnB>
+                  </a:tcPr>
+                </a:tc>
+                <a:tc>
+                  <a:txBody>
+                    <a:bodyPr vert="horz" lIns="91440" tIns="45720" rIns="91440" bIns="45720" anchor="ctr" anchorCtr="0"/>
+                    <a:p>
+                      <a:pPr marL="0" marR="0" indent="0" algn="ctr" latinLnBrk="0">
+                        <a:lnSpc>
+                          <a:spcPct val="130000"/>
+                        </a:lnSpc>
+                        <a:spcBef>
+                          <a:spcPts val="0"/>
+                        </a:spcBef>
+                        <a:spcAft>
+                          <a:spcPts val="0"/>
+                        </a:spcAft>
+                        <a:defRPr/>
+                      </a:pPr>
+                      <a:r>
+                        <a:rPr lang="ko-KR" altLang="en-US" sz="1800" b="0" kern="0" spc="-60">
+                          <a:solidFill>
+                            <a:srgbClr val="000000"/>
+                          </a:solidFill>
+                          <a:effectLst/>
+                          <a:latin typeface="+mj-lt"/>
+                          <a:ea typeface="함초롬바탕"/>
+                        </a:rPr>
+                        <a:t>제품 개발 설계</a:t>
+                      </a:r>
+                      <a:endParaRPr lang="ko-KR" altLang="en-US" sz="1800" b="0" kern="0" spc="-60">
+                        <a:solidFill>
+                          <a:srgbClr val="000000"/>
+                        </a:solidFill>
+                        <a:effectLst/>
+                        <a:latin typeface="+mj-lt"/>
+                      </a:endParaRPr>
+                    </a:p>
+                  </a:txBody>
+                  <a:tcPr marL="91440" marR="91440" anchor="ctr">
+                    <a:lnL w="3556" cap="flat" cmpd="sng" algn="ctr">
+                      <a:solidFill>
+                        <a:srgbClr val="000000"/>
+                      </a:solidFill>
+                      <a:prstDash val="solid"/>
+                      <a:round/>
+                      <a:headEnd w="med" len="med"/>
+                      <a:tailEnd w="med" len="med"/>
+                    </a:lnL>
+                    <a:lnR w="3556" cap="flat" cmpd="sng" algn="ctr">
+                      <a:solidFill>
+                        <a:srgbClr val="000000"/>
+                      </a:solidFill>
+                      <a:prstDash val="solid"/>
+                      <a:round/>
+                      <a:headEnd w="med" len="med"/>
+                      <a:tailEnd w="med" len="med"/>
+                    </a:lnR>
+                    <a:lnT w="3556" cap="flat" cmpd="sng" algn="ctr">
+                      <a:solidFill>
+                        <a:srgbClr val="000000"/>
+                      </a:solidFill>
+                      <a:prstDash val="solid"/>
+                      <a:round/>
+                      <a:headEnd w="med" len="med"/>
+                      <a:tailEnd w="med" len="med"/>
+                    </a:lnT>
+                    <a:lnB w="3556" cap="flat" cmpd="sng" algn="ctr">
+                      <a:solidFill>
+                        <a:srgbClr val="000000"/>
+                      </a:solidFill>
+                      <a:prstDash val="solid"/>
+                      <a:round/>
+                      <a:headEnd w="med" len="med"/>
+                      <a:tailEnd w="med" len="med"/>
+                    </a:lnB>
+                  </a:tcPr>
+                </a:tc>
+                <a:tc>
+                  <a:txBody>
+                    <a:bodyPr vert="horz" lIns="91440" tIns="45720" rIns="91440" bIns="45720" anchor="ctr" anchorCtr="0"/>
+                    <a:p>
+                      <a:pPr marL="0" marR="0" indent="0" algn="ctr" latinLnBrk="0">
+                        <a:lnSpc>
+                          <a:spcPct val="130000"/>
+                        </a:lnSpc>
+                        <a:spcBef>
+                          <a:spcPts val="0"/>
+                        </a:spcBef>
+                        <a:spcAft>
+                          <a:spcPts val="0"/>
+                        </a:spcAft>
+                        <a:defRPr/>
+                      </a:pPr>
+                      <a:endParaRPr lang="ko-KR" altLang="en-US" sz="1800" b="0" kern="0" spc="-60">
+                        <a:solidFill>
+                          <a:srgbClr val="000000"/>
+                        </a:solidFill>
+                        <a:effectLst/>
+                        <a:latin typeface="+mj-lt"/>
+                      </a:endParaRPr>
+                    </a:p>
+                  </a:txBody>
+                  <a:tcPr marL="91440" marR="91440" anchor="ctr">
+                    <a:lnL w="3556" cap="flat" cmpd="sng" algn="ctr">
+                      <a:solidFill>
+                        <a:srgbClr val="000000"/>
+                      </a:solidFill>
+                      <a:prstDash val="solid"/>
+                      <a:round/>
+                      <a:headEnd w="med" len="med"/>
+                      <a:tailEnd w="med" len="med"/>
+                    </a:lnL>
+                    <a:lnR w="3556" cap="flat" cmpd="sng" algn="ctr">
+                      <a:solidFill>
+                        <a:srgbClr val="000000"/>
+                      </a:solidFill>
+                      <a:prstDash val="solid"/>
+                      <a:round/>
+                      <a:headEnd w="med" len="med"/>
+                      <a:tailEnd w="med" len="med"/>
+                    </a:lnR>
+                    <a:lnT w="3556" cap="flat" cmpd="sng" algn="ctr">
+                      <a:solidFill>
+                        <a:srgbClr val="000000"/>
+                      </a:solidFill>
+                      <a:prstDash val="solid"/>
+                      <a:round/>
+                      <a:headEnd w="med" len="med"/>
+                      <a:tailEnd w="med" len="med"/>
+                    </a:lnT>
+                    <a:lnB w="3556" cap="flat" cmpd="sng" algn="ctr">
+                      <a:solidFill>
+                        <a:srgbClr val="000000"/>
+                      </a:solidFill>
+                      <a:prstDash val="solid"/>
+                      <a:round/>
+                      <a:headEnd w="med" len="med"/>
+                      <a:tailEnd w="med" len="med"/>
+                    </a:lnB>
+                  </a:tcPr>
+                </a:tc>
+              </a:tr>
+              <a:tr h="511740">
+                <a:tc vMerge="1">
+                  <a:txBody>
+                    <a:bodyPr/>
+                    <a:p>
+                      <a:pPr latinLnBrk="1">
+                        <a:defRPr/>
+                      </a:pPr>
+                      <a:endParaRPr lang="ko-KR" altLang="en-US"/>
+                    </a:p>
+                  </a:txBody>
+                  <a:tcPr marL="91440" marR="91440"/>
+                </a:tc>
+                <a:tc>
+                  <a:txBody>
+                    <a:bodyPr vert="horz" lIns="91440" tIns="45720" rIns="91440" bIns="45720" anchor="ctr" anchorCtr="0"/>
+                    <a:p>
+                      <a:pPr marL="0" marR="0" indent="0" algn="ctr" latinLnBrk="0">
+                        <a:lnSpc>
+                          <a:spcPct val="130000"/>
+                        </a:lnSpc>
+                        <a:spcBef>
+                          <a:spcPts val="0"/>
+                        </a:spcBef>
+                        <a:spcAft>
+                          <a:spcPts val="0"/>
+                        </a:spcAft>
+                        <a:defRPr/>
+                      </a:pPr>
+                      <a:r>
+                        <a:rPr lang="en-US" altLang="ko-KR" sz="1800" b="0" kern="0" spc="-60">
+                          <a:solidFill>
+                            <a:srgbClr val="000000"/>
+                          </a:solidFill>
+                          <a:effectLst/>
+                          <a:latin typeface="+mj-lt"/>
+                          <a:ea typeface="함초롬바탕"/>
+                        </a:rPr>
+                        <a:t>6</a:t>
+                      </a:r>
+                      <a:r>
+                        <a:rPr lang="ko-KR" altLang="en-US" sz="1800" b="0" kern="0" spc="-60">
+                          <a:solidFill>
+                            <a:srgbClr val="000000"/>
+                          </a:solidFill>
+                          <a:effectLst/>
+                          <a:latin typeface="+mj-lt"/>
+                          <a:ea typeface="함초롬바탕"/>
+                        </a:rPr>
+                        <a:t>주차</a:t>
+                      </a:r>
+                      <a:endParaRPr lang="ko-KR" altLang="en-US" sz="1800" b="0" kern="0" spc="-60">
+                        <a:solidFill>
+                          <a:srgbClr val="000000"/>
+                        </a:solidFill>
+                        <a:effectLst/>
+                        <a:latin typeface="+mj-lt"/>
+                      </a:endParaRPr>
+                    </a:p>
+                  </a:txBody>
+                  <a:tcPr marL="91440" marR="91440" anchor="ctr">
+                    <a:lnL w="3556" cap="flat" cmpd="sng" algn="ctr">
+                      <a:solidFill>
+                        <a:srgbClr val="000000"/>
+                      </a:solidFill>
+                      <a:prstDash val="solid"/>
+                      <a:round/>
+                      <a:headEnd w="med" len="med"/>
+                      <a:tailEnd w="med" len="med"/>
+                    </a:lnL>
+                    <a:lnR w="3556" cap="flat" cmpd="sng" algn="ctr">
+                      <a:solidFill>
+                        <a:srgbClr val="000000"/>
+                      </a:solidFill>
+                      <a:prstDash val="solid"/>
+                      <a:round/>
+                      <a:headEnd w="med" len="med"/>
+                      <a:tailEnd w="med" len="med"/>
+                    </a:lnR>
+                    <a:lnT w="3556" cap="flat" cmpd="sng" algn="ctr">
+                      <a:solidFill>
+                        <a:srgbClr val="000000"/>
+                      </a:solidFill>
+                      <a:prstDash val="solid"/>
+                      <a:round/>
+                      <a:headEnd w="med" len="med"/>
+                      <a:tailEnd w="med" len="med"/>
+                    </a:lnT>
+                    <a:lnB w="3556" cap="flat" cmpd="sng" algn="ctr">
+                      <a:solidFill>
+                        <a:srgbClr val="000000"/>
+                      </a:solidFill>
+                      <a:prstDash val="solid"/>
+                      <a:round/>
+                      <a:headEnd w="med" len="med"/>
+                      <a:tailEnd w="med" len="med"/>
+                    </a:lnB>
+                  </a:tcPr>
+                </a:tc>
+                <a:tc>
+                  <a:txBody>
+                    <a:bodyPr vert="horz" lIns="91440" tIns="45720" rIns="91440" bIns="45720" anchor="ctr" anchorCtr="0"/>
+                    <a:p>
+                      <a:pPr marL="0" marR="0" indent="0" algn="ctr" latinLnBrk="0">
+                        <a:lnSpc>
+                          <a:spcPct val="130000"/>
+                        </a:lnSpc>
+                        <a:spcBef>
+                          <a:spcPts val="0"/>
+                        </a:spcBef>
+                        <a:spcAft>
+                          <a:spcPts val="0"/>
+                        </a:spcAft>
+                        <a:defRPr/>
+                      </a:pPr>
+                      <a:r>
+                        <a:rPr lang="ko-KR" altLang="en-US" sz="1800" b="0" kern="0" spc="-60">
+                          <a:solidFill>
+                            <a:srgbClr val="000000"/>
+                          </a:solidFill>
+                          <a:effectLst/>
+                          <a:latin typeface="+mj-lt"/>
+                          <a:ea typeface="함초롬바탕"/>
+                        </a:rPr>
+                        <a:t>제품 개발 프로그래밍</a:t>
+                      </a:r>
+                      <a:endParaRPr lang="ko-KR" altLang="en-US" sz="1800" b="0" kern="0" spc="-60">
+                        <a:solidFill>
+                          <a:srgbClr val="000000"/>
+                        </a:solidFill>
+                        <a:effectLst/>
+                        <a:latin typeface="+mj-lt"/>
+                      </a:endParaRPr>
+                    </a:p>
+                  </a:txBody>
+                  <a:tcPr marL="91440" marR="91440" anchor="ctr">
+                    <a:lnL w="3556" cap="flat" cmpd="sng" algn="ctr">
+                      <a:solidFill>
+                        <a:srgbClr val="000000"/>
+                      </a:solidFill>
+                      <a:prstDash val="solid"/>
+                      <a:round/>
+                      <a:headEnd w="med" len="med"/>
+                      <a:tailEnd w="med" len="med"/>
+                    </a:lnL>
+                    <a:lnR w="3556" cap="flat" cmpd="sng" algn="ctr">
+                      <a:solidFill>
+                        <a:srgbClr val="000000"/>
+                      </a:solidFill>
+                      <a:prstDash val="solid"/>
+                      <a:round/>
+                      <a:headEnd w="med" len="med"/>
+                      <a:tailEnd w="med" len="med"/>
+                    </a:lnR>
+                    <a:lnT w="3556" cap="flat" cmpd="sng" algn="ctr">
+                      <a:solidFill>
+                        <a:srgbClr val="000000"/>
+                      </a:solidFill>
+                      <a:prstDash val="solid"/>
+                      <a:round/>
+                      <a:headEnd w="med" len="med"/>
+                      <a:tailEnd w="med" len="med"/>
+                    </a:lnT>
+                    <a:lnB w="3556" cap="flat" cmpd="sng" algn="ctr">
+                      <a:solidFill>
+                        <a:srgbClr val="000000"/>
+                      </a:solidFill>
+                      <a:prstDash val="solid"/>
+                      <a:round/>
+                      <a:headEnd w="med" len="med"/>
+                      <a:tailEnd w="med" len="med"/>
+                    </a:lnB>
+                  </a:tcPr>
+                </a:tc>
+                <a:tc>
+                  <a:txBody>
+                    <a:bodyPr vert="horz" lIns="91440" tIns="45720" rIns="91440" bIns="45720" anchor="ctr" anchorCtr="0"/>
+                    <a:p>
+                      <a:pPr marL="0" marR="0" indent="0" algn="ctr" latinLnBrk="0">
+                        <a:lnSpc>
+                          <a:spcPct val="130000"/>
+                        </a:lnSpc>
+                        <a:spcBef>
+                          <a:spcPts val="0"/>
+                        </a:spcBef>
+                        <a:spcAft>
+                          <a:spcPts val="0"/>
+                        </a:spcAft>
+                        <a:defRPr/>
+                      </a:pPr>
+                      <a:endParaRPr lang="ko-KR" altLang="en-US" sz="1800" b="0" kern="0" spc="-60">
+                        <a:solidFill>
+                          <a:srgbClr val="000000"/>
+                        </a:solidFill>
+                        <a:effectLst/>
+                        <a:latin typeface="+mj-lt"/>
+                      </a:endParaRPr>
+                    </a:p>
+                  </a:txBody>
+                  <a:tcPr marL="91440" marR="91440" anchor="ctr">
+                    <a:lnL w="3556" cap="flat" cmpd="sng" algn="ctr">
+                      <a:solidFill>
+                        <a:srgbClr val="000000"/>
+                      </a:solidFill>
+                      <a:prstDash val="solid"/>
+                      <a:round/>
+                      <a:headEnd w="med" len="med"/>
+                      <a:tailEnd w="med" len="med"/>
+                    </a:lnL>
+                    <a:lnR w="3556" cap="flat" cmpd="sng" algn="ctr">
+                      <a:solidFill>
+                        <a:srgbClr val="000000"/>
+                      </a:solidFill>
+                      <a:prstDash val="solid"/>
+                      <a:round/>
+                      <a:headEnd w="med" len="med"/>
+                      <a:tailEnd w="med" len="med"/>
+                    </a:lnR>
+                    <a:lnT w="3556" cap="flat" cmpd="sng" algn="ctr">
+                      <a:solidFill>
+                        <a:srgbClr val="000000"/>
+                      </a:solidFill>
+                      <a:prstDash val="solid"/>
+                      <a:round/>
+                      <a:headEnd w="med" len="med"/>
+                      <a:tailEnd w="med" len="med"/>
+                    </a:lnT>
+                    <a:lnB w="3556" cap="flat" cmpd="sng" algn="ctr">
+                      <a:solidFill>
+                        <a:srgbClr val="000000"/>
+                      </a:solidFill>
+                      <a:prstDash val="solid"/>
+                      <a:round/>
+                      <a:headEnd w="med" len="med"/>
+                      <a:tailEnd w="med" len="med"/>
+                    </a:lnB>
+                  </a:tcPr>
+                </a:tc>
+              </a:tr>
+              <a:tr h="511740">
+                <a:tc vMerge="1">
+                  <a:txBody>
+                    <a:bodyPr/>
+                    <a:p>
+                      <a:pPr latinLnBrk="1">
+                        <a:defRPr/>
+                      </a:pPr>
+                      <a:endParaRPr lang="ko-KR" altLang="en-US"/>
+                    </a:p>
+                  </a:txBody>
+                  <a:tcPr marL="91440" marR="91440"/>
+                </a:tc>
+                <a:tc>
+                  <a:txBody>
+                    <a:bodyPr vert="horz" lIns="91440" tIns="45720" rIns="91440" bIns="45720" anchor="ctr" anchorCtr="0"/>
+                    <a:p>
+                      <a:pPr marL="0" marR="0" indent="0" algn="ctr" latinLnBrk="0">
+                        <a:lnSpc>
+                          <a:spcPct val="130000"/>
+                        </a:lnSpc>
+                        <a:spcBef>
+                          <a:spcPts val="0"/>
+                        </a:spcBef>
+                        <a:spcAft>
+                          <a:spcPts val="0"/>
+                        </a:spcAft>
+                        <a:defRPr/>
+                      </a:pPr>
+                      <a:r>
+                        <a:rPr lang="en-US" altLang="ko-KR" sz="1800" b="0" kern="0" spc="-60">
+                          <a:solidFill>
+                            <a:srgbClr val="000000"/>
+                          </a:solidFill>
+                          <a:effectLst/>
+                          <a:latin typeface="+mj-lt"/>
+                          <a:ea typeface="함초롬바탕"/>
+                        </a:rPr>
+                        <a:t>7</a:t>
+                      </a:r>
+                      <a:r>
+                        <a:rPr lang="ko-KR" altLang="en-US" sz="1800" b="0" kern="0" spc="-60">
+                          <a:solidFill>
+                            <a:srgbClr val="000000"/>
+                          </a:solidFill>
+                          <a:effectLst/>
+                          <a:latin typeface="+mj-lt"/>
+                          <a:ea typeface="함초롬바탕"/>
+                        </a:rPr>
+                        <a:t>주차</a:t>
+                      </a:r>
+                      <a:endParaRPr lang="ko-KR" altLang="en-US" sz="1800" b="0" kern="0" spc="-60">
+                        <a:solidFill>
+                          <a:srgbClr val="000000"/>
+                        </a:solidFill>
+                        <a:effectLst/>
+                        <a:latin typeface="+mj-lt"/>
+                      </a:endParaRPr>
+                    </a:p>
+                  </a:txBody>
+                  <a:tcPr marL="91440" marR="91440" anchor="ctr">
+                    <a:lnL w="3556" cap="flat" cmpd="sng" algn="ctr">
+                      <a:solidFill>
+                        <a:srgbClr val="000000"/>
+                      </a:solidFill>
+                      <a:prstDash val="solid"/>
+                      <a:round/>
+                      <a:headEnd w="med" len="med"/>
+                      <a:tailEnd w="med" len="med"/>
+                    </a:lnL>
+                    <a:lnR w="3556" cap="flat" cmpd="sng" algn="ctr">
+                      <a:solidFill>
+                        <a:srgbClr val="000000"/>
+                      </a:solidFill>
+                      <a:prstDash val="solid"/>
+                      <a:round/>
+                      <a:headEnd w="med" len="med"/>
+                      <a:tailEnd w="med" len="med"/>
+                    </a:lnR>
+                    <a:lnT w="3556" cap="flat" cmpd="sng" algn="ctr">
+                      <a:solidFill>
+                        <a:srgbClr val="000000"/>
+                      </a:solidFill>
+                      <a:prstDash val="solid"/>
+                      <a:round/>
+                      <a:headEnd w="med" len="med"/>
+                      <a:tailEnd w="med" len="med"/>
+                    </a:lnT>
+                    <a:lnB w="3556" cap="flat" cmpd="sng" algn="ctr">
+                      <a:solidFill>
+                        <a:srgbClr val="000000"/>
+                      </a:solidFill>
+                      <a:prstDash val="solid"/>
+                      <a:round/>
+                      <a:headEnd w="med" len="med"/>
+                      <a:tailEnd w="med" len="med"/>
+                    </a:lnB>
+                  </a:tcPr>
+                </a:tc>
+                <a:tc>
+                  <a:txBody>
+                    <a:bodyPr vert="horz" lIns="91440" tIns="45720" rIns="91440" bIns="45720" anchor="ctr" anchorCtr="0"/>
+                    <a:p>
+                      <a:pPr marL="0" marR="0" indent="0" algn="ctr" latinLnBrk="0">
+                        <a:lnSpc>
+                          <a:spcPct val="130000"/>
+                        </a:lnSpc>
+                        <a:spcBef>
+                          <a:spcPts val="0"/>
+                        </a:spcBef>
+                        <a:spcAft>
+                          <a:spcPts val="0"/>
+                        </a:spcAft>
+                        <a:defRPr/>
+                      </a:pPr>
+                      <a:r>
+                        <a:rPr lang="ko-KR" altLang="en-US" sz="1800" b="0" kern="0" spc="-60">
+                          <a:solidFill>
+                            <a:srgbClr val="000000"/>
+                          </a:solidFill>
+                          <a:effectLst/>
+                          <a:latin typeface="+mj-lt"/>
+                          <a:ea typeface="함초롬바탕"/>
+                        </a:rPr>
+                        <a:t>검증 및 토의</a:t>
+                      </a:r>
+                      <a:endParaRPr lang="ko-KR" altLang="en-US" sz="1800" b="0" kern="0" spc="-60">
+                        <a:solidFill>
+                          <a:srgbClr val="000000"/>
+                        </a:solidFill>
+                        <a:effectLst/>
+                        <a:latin typeface="+mj-lt"/>
+                      </a:endParaRPr>
+                    </a:p>
+                  </a:txBody>
+                  <a:tcPr marL="91440" marR="91440" anchor="ctr">
+                    <a:lnL w="3556" cap="flat" cmpd="sng" algn="ctr">
+                      <a:solidFill>
+                        <a:srgbClr val="000000"/>
+                      </a:solidFill>
+                      <a:prstDash val="solid"/>
+                      <a:round/>
+                      <a:headEnd w="med" len="med"/>
+                      <a:tailEnd w="med" len="med"/>
+                    </a:lnL>
+                    <a:lnR w="3556" cap="flat" cmpd="sng" algn="ctr">
+                      <a:solidFill>
+                        <a:srgbClr val="000000"/>
+                      </a:solidFill>
+                      <a:prstDash val="solid"/>
+                      <a:round/>
+                      <a:headEnd w="med" len="med"/>
+                      <a:tailEnd w="med" len="med"/>
+                    </a:lnR>
+                    <a:lnT w="3556" cap="flat" cmpd="sng" algn="ctr">
+                      <a:solidFill>
+                        <a:srgbClr val="000000"/>
+                      </a:solidFill>
+                      <a:prstDash val="solid"/>
+                      <a:round/>
+                      <a:headEnd w="med" len="med"/>
+                      <a:tailEnd w="med" len="med"/>
+                    </a:lnT>
+                    <a:lnB w="3556" cap="flat" cmpd="sng" algn="ctr">
+                      <a:solidFill>
+                        <a:srgbClr val="000000"/>
+                      </a:solidFill>
+                      <a:prstDash val="solid"/>
+                      <a:round/>
+                      <a:headEnd w="med" len="med"/>
+                      <a:tailEnd w="med" len="med"/>
+                    </a:lnB>
+                  </a:tcPr>
+                </a:tc>
+                <a:tc>
+                  <a:txBody>
+                    <a:bodyPr vert="horz" lIns="91440" tIns="45720" rIns="91440" bIns="45720" anchor="ctr" anchorCtr="0"/>
+                    <a:p>
+                      <a:pPr marL="0" marR="0" indent="0" algn="ctr" latinLnBrk="0">
+                        <a:lnSpc>
+                          <a:spcPct val="130000"/>
+                        </a:lnSpc>
+                        <a:spcBef>
+                          <a:spcPts val="0"/>
+                        </a:spcBef>
+                        <a:spcAft>
+                          <a:spcPts val="0"/>
+                        </a:spcAft>
+                        <a:defRPr/>
+                      </a:pPr>
+                      <a:endParaRPr lang="ko-KR" altLang="en-US" sz="1800" b="0" kern="0" spc="-60">
+                        <a:solidFill>
+                          <a:srgbClr val="000000"/>
+                        </a:solidFill>
+                        <a:effectLst/>
+                        <a:latin typeface="+mj-lt"/>
+                      </a:endParaRPr>
+                    </a:p>
+                  </a:txBody>
+                  <a:tcPr marL="91440" marR="91440" anchor="ctr">
+                    <a:lnL w="3556" cap="flat" cmpd="sng" algn="ctr">
+                      <a:solidFill>
+                        <a:srgbClr val="000000"/>
+                      </a:solidFill>
+                      <a:prstDash val="solid"/>
+                      <a:round/>
+                      <a:headEnd w="med" len="med"/>
+                      <a:tailEnd w="med" len="med"/>
+                    </a:lnL>
+                    <a:lnR w="3556" cap="flat" cmpd="sng" algn="ctr">
+                      <a:solidFill>
+                        <a:srgbClr val="000000"/>
+                      </a:solidFill>
+                      <a:prstDash val="solid"/>
+                      <a:round/>
+                      <a:headEnd w="med" len="med"/>
+                      <a:tailEnd w="med" len="med"/>
+                    </a:lnR>
+                    <a:lnT w="3556" cap="flat" cmpd="sng" algn="ctr">
+                      <a:solidFill>
+                        <a:srgbClr val="000000"/>
+                      </a:solidFill>
+                      <a:prstDash val="solid"/>
+                      <a:round/>
+                      <a:headEnd w="med" len="med"/>
+                      <a:tailEnd w="med" len="med"/>
+                    </a:lnT>
+                    <a:lnB w="3556" cap="flat" cmpd="sng" algn="ctr">
+                      <a:solidFill>
+                        <a:srgbClr val="000000"/>
+                      </a:solidFill>
+                      <a:prstDash val="solid"/>
+                      <a:round/>
+                      <a:headEnd w="med" len="med"/>
+                      <a:tailEnd w="med" len="med"/>
+                    </a:lnB>
+                  </a:tcPr>
+                </a:tc>
+              </a:tr>
+              <a:tr h="511740">
+                <a:tc vMerge="1">
+                  <a:txBody>
+                    <a:bodyPr/>
+                    <a:p>
+                      <a:pPr latinLnBrk="1">
+                        <a:defRPr/>
+                      </a:pPr>
+                      <a:endParaRPr lang="ko-KR" altLang="en-US"/>
+                    </a:p>
+                  </a:txBody>
+                  <a:tcPr marL="91440" marR="91440"/>
+                </a:tc>
+                <a:tc>
+                  <a:txBody>
+                    <a:bodyPr vert="horz" lIns="91440" tIns="45720" rIns="91440" bIns="45720" anchor="ctr" anchorCtr="0"/>
+                    <a:p>
+                      <a:pPr marL="0" marR="0" indent="0" algn="ctr" latinLnBrk="0">
+                        <a:lnSpc>
+                          <a:spcPct val="130000"/>
+                        </a:lnSpc>
+                        <a:spcBef>
+                          <a:spcPts val="0"/>
+                        </a:spcBef>
+                        <a:spcAft>
+                          <a:spcPts val="0"/>
+                        </a:spcAft>
+                        <a:defRPr/>
+                      </a:pPr>
+                      <a:r>
+                        <a:rPr lang="en-US" altLang="ko-KR" sz="1800" b="0" kern="0" spc="-60">
+                          <a:solidFill>
+                            <a:srgbClr val="000000"/>
+                          </a:solidFill>
+                          <a:effectLst/>
+                          <a:latin typeface="+mj-lt"/>
+                          <a:ea typeface="함초롬바탕"/>
+                        </a:rPr>
+                        <a:t>8</a:t>
+                      </a:r>
+                      <a:r>
+                        <a:rPr lang="ko-KR" altLang="en-US" sz="1800" b="0" kern="0" spc="-60">
+                          <a:solidFill>
+                            <a:srgbClr val="000000"/>
+                          </a:solidFill>
+                          <a:effectLst/>
+                          <a:latin typeface="+mj-lt"/>
+                          <a:ea typeface="함초롬바탕"/>
+                        </a:rPr>
+                        <a:t>주차</a:t>
+                      </a:r>
+                      <a:endParaRPr lang="ko-KR" altLang="en-US" sz="1800" b="0" kern="0" spc="-60">
+                        <a:solidFill>
+                          <a:srgbClr val="000000"/>
+                        </a:solidFill>
+                        <a:effectLst/>
+                        <a:latin typeface="+mj-lt"/>
+                      </a:endParaRPr>
+                    </a:p>
+                  </a:txBody>
+                  <a:tcPr marL="91440" marR="91440" anchor="ctr">
+                    <a:lnL w="3556" cap="flat" cmpd="sng" algn="ctr">
+                      <a:solidFill>
+                        <a:srgbClr val="000000"/>
+                      </a:solidFill>
+                      <a:prstDash val="solid"/>
+                      <a:round/>
+                      <a:headEnd w="med" len="med"/>
+                      <a:tailEnd w="med" len="med"/>
+                    </a:lnL>
+                    <a:lnR w="3556" cap="flat" cmpd="sng" algn="ctr">
+                      <a:solidFill>
+                        <a:srgbClr val="000000"/>
+                      </a:solidFill>
+                      <a:prstDash val="solid"/>
+                      <a:round/>
+                      <a:headEnd w="med" len="med"/>
+                      <a:tailEnd w="med" len="med"/>
+                    </a:lnR>
+                    <a:lnT w="3556" cap="flat" cmpd="sng" algn="ctr">
+                      <a:solidFill>
+                        <a:srgbClr val="000000"/>
+                      </a:solidFill>
+                      <a:prstDash val="solid"/>
+                      <a:round/>
+                      <a:headEnd w="med" len="med"/>
+                      <a:tailEnd w="med" len="med"/>
+                    </a:lnT>
+                    <a:lnB w="3556" cap="flat" cmpd="sng" algn="ctr">
+                      <a:solidFill>
+                        <a:srgbClr val="000000"/>
+                      </a:solidFill>
+                      <a:prstDash val="solid"/>
+                      <a:round/>
+                      <a:headEnd w="med" len="med"/>
+                      <a:tailEnd w="med" len="med"/>
+                    </a:lnB>
+                  </a:tcPr>
+                </a:tc>
+                <a:tc>
+                  <a:txBody>
+                    <a:bodyPr vert="horz" lIns="91440" tIns="45720" rIns="91440" bIns="45720" anchor="ctr" anchorCtr="0"/>
+                    <a:p>
+                      <a:pPr marL="0" marR="0" indent="0" algn="ctr" latinLnBrk="0">
+                        <a:lnSpc>
+                          <a:spcPct val="130000"/>
+                        </a:lnSpc>
+                        <a:spcBef>
+                          <a:spcPts val="0"/>
+                        </a:spcBef>
+                        <a:spcAft>
+                          <a:spcPts val="0"/>
+                        </a:spcAft>
+                        <a:defRPr/>
+                      </a:pPr>
+                      <a:r>
+                        <a:rPr lang="ko-KR" altLang="en-US" sz="1800" b="0" kern="0" spc="-60">
+                          <a:solidFill>
+                            <a:srgbClr val="000000"/>
+                          </a:solidFill>
+                          <a:effectLst/>
+                          <a:latin typeface="+mj-lt"/>
+                          <a:ea typeface="함초롬바탕"/>
+                        </a:rPr>
+                        <a:t>실습 결과서 작성 및 토의</a:t>
+                      </a:r>
+                      <a:endParaRPr lang="ko-KR" altLang="en-US" sz="1800" b="0" kern="0" spc="-60">
+                        <a:solidFill>
+                          <a:srgbClr val="000000"/>
+                        </a:solidFill>
+                        <a:effectLst/>
+                        <a:latin typeface="+mj-lt"/>
+                      </a:endParaRPr>
+                    </a:p>
+                  </a:txBody>
+                  <a:tcPr marL="91440" marR="91440" anchor="ctr">
+                    <a:lnL w="3556" cap="flat" cmpd="sng" algn="ctr">
+                      <a:solidFill>
+                        <a:srgbClr val="000000"/>
+                      </a:solidFill>
+                      <a:prstDash val="solid"/>
+                      <a:round/>
+                      <a:headEnd w="med" len="med"/>
+                      <a:tailEnd w="med" len="med"/>
+                    </a:lnL>
+                    <a:lnR w="3556" cap="flat" cmpd="sng" algn="ctr">
+                      <a:solidFill>
+                        <a:srgbClr val="000000"/>
+                      </a:solidFill>
+                      <a:prstDash val="solid"/>
+                      <a:round/>
+                      <a:headEnd w="med" len="med"/>
+                      <a:tailEnd w="med" len="med"/>
+                    </a:lnR>
+                    <a:lnT w="3556" cap="flat" cmpd="sng" algn="ctr">
+                      <a:solidFill>
+                        <a:srgbClr val="000000"/>
+                      </a:solidFill>
+                      <a:prstDash val="solid"/>
+                      <a:round/>
+                      <a:headEnd w="med" len="med"/>
+                      <a:tailEnd w="med" len="med"/>
+                    </a:lnT>
+                    <a:lnB w="3556" cap="flat" cmpd="sng" algn="ctr">
+                      <a:solidFill>
+                        <a:srgbClr val="000000"/>
+                      </a:solidFill>
+                      <a:prstDash val="solid"/>
+                      <a:round/>
+                      <a:headEnd w="med" len="med"/>
+                      <a:tailEnd w="med" len="med"/>
+                    </a:lnB>
+                  </a:tcPr>
+                </a:tc>
+                <a:tc>
+                  <a:txBody>
+                    <a:bodyPr vert="horz" lIns="91440" tIns="45720" rIns="91440" bIns="45720" anchor="ctr" anchorCtr="0"/>
+                    <a:p>
+                      <a:pPr marL="0" marR="0" indent="0" algn="ctr" latinLnBrk="0">
+                        <a:lnSpc>
+                          <a:spcPct val="130000"/>
+                        </a:lnSpc>
+                        <a:spcBef>
+                          <a:spcPts val="0"/>
+                        </a:spcBef>
+                        <a:spcAft>
+                          <a:spcPts val="0"/>
+                        </a:spcAft>
+                        <a:defRPr/>
+                      </a:pPr>
+                      <a:endParaRPr lang="ko-KR" altLang="en-US" sz="1800" b="0" kern="0" spc="-60">
+                        <a:solidFill>
+                          <a:srgbClr val="000000"/>
+                        </a:solidFill>
+                        <a:effectLst/>
+                        <a:latin typeface="+mj-lt"/>
+                      </a:endParaRPr>
+                    </a:p>
+                  </a:txBody>
+                  <a:tcPr marL="91440" marR="91440" anchor="ctr">
+                    <a:lnL w="3556" cap="flat" cmpd="sng" algn="ctr">
+                      <a:solidFill>
+                        <a:srgbClr val="000000"/>
+                      </a:solidFill>
+                      <a:prstDash val="solid"/>
+                      <a:round/>
+                      <a:headEnd w="med" len="med"/>
+                      <a:tailEnd w="med" len="med"/>
+                    </a:lnL>
+                    <a:lnR w="3556" cap="flat" cmpd="sng" algn="ctr">
+                      <a:solidFill>
+                        <a:srgbClr val="000000"/>
+                      </a:solidFill>
+                      <a:prstDash val="solid"/>
+                      <a:round/>
+                      <a:headEnd w="med" len="med"/>
+                      <a:tailEnd w="med" len="med"/>
+                    </a:lnR>
+                    <a:lnT w="3556" cap="flat" cmpd="sng" algn="ctr">
+                      <a:solidFill>
+                        <a:srgbClr val="000000"/>
+                      </a:solidFill>
+                      <a:prstDash val="solid"/>
+                      <a:round/>
+                      <a:headEnd w="med" len="med"/>
+                      <a:tailEnd w="med" len="med"/>
+                    </a:lnT>
+                    <a:lnB w="3556" cap="flat" cmpd="sng" algn="ctr">
+                      <a:solidFill>
+                        <a:srgbClr val="000000"/>
+                      </a:solidFill>
+                      <a:prstDash val="solid"/>
+                      <a:round/>
+                      <a:headEnd w="med" len="med"/>
+                      <a:tailEnd w="med" len="med"/>
+                    </a:lnB>
+                  </a:tcPr>
+                </a:tc>
+              </a:tr>
+            </a:tbl>
+          </a:graphicData>
+        </a:graphic>
+      </p:graphicFrame>
     </p:spTree>
   </p:cSld>
   <p:clrMapOvr>

--- a/2021_Summer/jp.hong/Project_BnC_jph.pptx
+++ b/2021_Summer/jp.hong/Project_BnC_jph.pptx
@@ -2,7 +2,7 @@
 <file path=ppt/presentation.xml><?xml version="1.0" encoding="utf-8"?>
 <p:presentation xmlns:r="http://schemas.openxmlformats.org/officeDocument/2006/relationships" xmlns:c="http://schemas.openxmlformats.org/drawingml/2006/chart" xmlns:a="http://schemas.openxmlformats.org/drawingml/2006/main" xmlns:dgm="http://schemas.openxmlformats.org/drawingml/2006/diagram" xmlns:dsp="http://schemas.microsoft.com/office/drawing/2008/diagram" xmlns:p="http://schemas.openxmlformats.org/presentationml/2006/main">
   <p:sldMasterIdLst>
-    <p:sldMasterId id="2147483662" r:id="rId1"/>
+    <p:sldMasterId id="2147483668" r:id="rId1"/>
   </p:sldMasterIdLst>
   <p:sldIdLst>
     <p:sldId id="261" r:id="rId2"/>
@@ -8173,7 +8173,7 @@
             <a:pPr>
               <a:defRPr/>
             </a:pPr>
-            <a:endParaRPr lang="ko-KR" altLang="en-US" sz="2000">
+            <a:endParaRPr lang="ko-KR" altLang="en-US">
               <a:solidFill>
                 <a:schemeClr val="dk1"/>
               </a:solidFill>
@@ -8184,7 +8184,7 @@
               <a:defRPr/>
             </a:pPr>
             <a:r>
-              <a:rPr lang="ko-KR" altLang="en-US" sz="2000">
+              <a:rPr lang="ko-KR" altLang="en-US">
                 <a:solidFill>
                   <a:schemeClr val="dk1"/>
                 </a:solidFill>
@@ -8192,14 +8192,14 @@
               <a:t>기능적 요구사항</a:t>
             </a:r>
             <a:r>
-              <a:rPr lang="en-US" altLang="ko-KR" sz="2000">
+              <a:rPr lang="en-US" altLang="ko-KR">
                 <a:solidFill>
                   <a:schemeClr val="dk1"/>
                 </a:solidFill>
               </a:rPr>
               <a:t>(Functional Requirement)</a:t>
             </a:r>
-            <a:endParaRPr lang="en-US" altLang="ko-KR" sz="2000">
+            <a:endParaRPr lang="en-US" altLang="ko-KR">
               <a:solidFill>
                 <a:schemeClr val="dk1"/>
               </a:solidFill>
@@ -8209,7 +8209,7 @@
             <a:pPr>
               <a:defRPr/>
             </a:pPr>
-            <a:endParaRPr lang="en-US" altLang="ko-KR" sz="2000">
+            <a:endParaRPr lang="en-US" altLang="ko-KR">
               <a:solidFill>
                 <a:schemeClr val="dk1"/>
               </a:solidFill>
@@ -8220,7 +8220,7 @@
               <a:defRPr/>
             </a:pPr>
             <a:r>
-              <a:rPr lang="ko-KR" altLang="en-US" sz="2000">
+              <a:rPr lang="ko-KR" altLang="en-US">
                 <a:solidFill>
                   <a:schemeClr val="dk1"/>
                 </a:solidFill>
@@ -8228,7 +8228,7 @@
               <a:t> </a:t>
             </a:r>
             <a:r>
-              <a:rPr lang="en-US" altLang="ko-KR" sz="2000">
+              <a:rPr lang="en-US" altLang="ko-KR">
                 <a:solidFill>
                   <a:schemeClr val="dk1"/>
                 </a:solidFill>
@@ -8236,14 +8236,14 @@
               <a:t>-</a:t>
             </a:r>
             <a:r>
-              <a:rPr lang="ko-KR" altLang="en-US" sz="2000">
+              <a:rPr lang="ko-KR" altLang="en-US">
                 <a:solidFill>
                   <a:schemeClr val="dk1"/>
                 </a:solidFill>
               </a:rPr>
               <a:t> 회원가입</a:t>
             </a:r>
-            <a:endParaRPr lang="ko-KR" altLang="en-US" sz="2000">
+            <a:endParaRPr lang="ko-KR" altLang="en-US">
               <a:solidFill>
                 <a:schemeClr val="dk1"/>
               </a:solidFill>
@@ -8254,7 +8254,7 @@
               <a:defRPr/>
             </a:pPr>
             <a:r>
-              <a:rPr lang="ko-KR" altLang="en-US" sz="2000">
+              <a:rPr lang="ko-KR" altLang="en-US">
                 <a:solidFill>
                   <a:schemeClr val="dk1"/>
                 </a:solidFill>
@@ -8262,7 +8262,7 @@
               <a:t>  └ 회원가입시 아이디</a:t>
             </a:r>
             <a:r>
-              <a:rPr lang="en-US" altLang="ko-KR" sz="2000">
+              <a:rPr lang="en-US" altLang="ko-KR">
                 <a:solidFill>
                   <a:schemeClr val="dk1"/>
                 </a:solidFill>
@@ -8270,7 +8270,7 @@
               <a:t>,</a:t>
             </a:r>
             <a:r>
-              <a:rPr lang="ko-KR" altLang="en-US" sz="2000">
+              <a:rPr lang="ko-KR" altLang="en-US">
                 <a:solidFill>
                   <a:schemeClr val="dk1"/>
                 </a:solidFill>
@@ -8278,7 +8278,7 @@
               <a:t> 비밀번호</a:t>
             </a:r>
             <a:r>
-              <a:rPr lang="en-US" altLang="ko-KR" sz="2000">
+              <a:rPr lang="en-US" altLang="ko-KR">
                 <a:solidFill>
                   <a:schemeClr val="dk1"/>
                 </a:solidFill>
@@ -8286,7 +8286,7 @@
               <a:t>,</a:t>
             </a:r>
             <a:r>
-              <a:rPr lang="ko-KR" altLang="en-US" sz="2000">
+              <a:rPr lang="ko-KR" altLang="en-US">
                 <a:solidFill>
                   <a:schemeClr val="dk1"/>
                 </a:solidFill>
@@ -8294,7 +8294,7 @@
               <a:t> 이름</a:t>
             </a:r>
             <a:r>
-              <a:rPr lang="en-US" altLang="ko-KR" sz="2000">
+              <a:rPr lang="en-US" altLang="ko-KR">
                 <a:solidFill>
                   <a:schemeClr val="dk1"/>
                 </a:solidFill>
@@ -8302,7 +8302,7 @@
               <a:t>,</a:t>
             </a:r>
             <a:r>
-              <a:rPr lang="ko-KR" altLang="en-US" sz="2000">
+              <a:rPr lang="ko-KR" altLang="en-US">
                 <a:solidFill>
                   <a:schemeClr val="dk1"/>
                 </a:solidFill>
@@ -8310,7 +8310,7 @@
               <a:t> 전화번호</a:t>
             </a:r>
             <a:r>
-              <a:rPr lang="en-US" altLang="ko-KR" sz="2000">
+              <a:rPr lang="en-US" altLang="ko-KR">
                 <a:solidFill>
                   <a:schemeClr val="dk1"/>
                 </a:solidFill>
@@ -8318,7 +8318,7 @@
               <a:t>,</a:t>
             </a:r>
             <a:r>
-              <a:rPr lang="ko-KR" altLang="en-US" sz="2000">
+              <a:rPr lang="ko-KR" altLang="en-US">
                 <a:solidFill>
                   <a:schemeClr val="dk1"/>
                 </a:solidFill>
@@ -8326,7 +8326,7 @@
               <a:t> 생년월일</a:t>
             </a:r>
             <a:r>
-              <a:rPr lang="en-US" altLang="ko-KR" sz="2000">
+              <a:rPr lang="en-US" altLang="ko-KR">
                 <a:solidFill>
                   <a:schemeClr val="dk1"/>
                 </a:solidFill>
@@ -8334,7 +8334,7 @@
               <a:t>,</a:t>
             </a:r>
             <a:r>
-              <a:rPr lang="ko-KR" altLang="en-US" sz="2000">
+              <a:rPr lang="ko-KR" altLang="en-US">
                 <a:solidFill>
                   <a:schemeClr val="dk1"/>
                 </a:solidFill>
@@ -8342,14 +8342,14 @@
               <a:t> 차종의 정보를 받아야 한다</a:t>
             </a:r>
             <a:r>
-              <a:rPr lang="en-US" altLang="ko-KR" sz="2000">
+              <a:rPr lang="en-US" altLang="ko-KR">
                 <a:solidFill>
                   <a:schemeClr val="dk1"/>
                 </a:solidFill>
               </a:rPr>
               <a:t>.</a:t>
             </a:r>
-            <a:endParaRPr lang="en-US" altLang="ko-KR" sz="2000">
+            <a:endParaRPr lang="en-US" altLang="ko-KR">
               <a:solidFill>
                 <a:schemeClr val="dk1"/>
               </a:solidFill>
@@ -8360,7 +8360,7 @@
               <a:defRPr/>
             </a:pPr>
             <a:r>
-              <a:rPr lang="ko-KR" altLang="en-US" sz="2000">
+              <a:rPr lang="ko-KR" altLang="en-US">
                 <a:solidFill>
                   <a:schemeClr val="dk1"/>
                 </a:solidFill>
@@ -8368,14 +8368,14 @@
               <a:t>  └ 중복되는 아이디는 가입이 되어선 안된다</a:t>
             </a:r>
             <a:r>
-              <a:rPr lang="en-US" altLang="ko-KR" sz="2000">
+              <a:rPr lang="en-US" altLang="ko-KR">
                 <a:solidFill>
                   <a:schemeClr val="dk1"/>
                 </a:solidFill>
               </a:rPr>
               <a:t>.</a:t>
             </a:r>
-            <a:endParaRPr lang="en-US" altLang="ko-KR" sz="2000">
+            <a:endParaRPr lang="en-US" altLang="ko-KR">
               <a:solidFill>
                 <a:schemeClr val="dk1"/>
               </a:solidFill>
@@ -8386,7 +8386,7 @@
               <a:defRPr/>
             </a:pPr>
             <a:r>
-              <a:rPr lang="ko-KR" altLang="en-US" sz="2000">
+              <a:rPr lang="ko-KR" altLang="en-US">
                 <a:solidFill>
                   <a:schemeClr val="dk1"/>
                 </a:solidFill>
@@ -8394,14 +8394,14 @@
               <a:t>  └ 중복되는 아이디로 가입시도시 아이디 입력 오류 메세지가 출력되어야 한다</a:t>
             </a:r>
             <a:r>
-              <a:rPr lang="en-US" altLang="ko-KR" sz="2000">
+              <a:rPr lang="en-US" altLang="ko-KR">
                 <a:solidFill>
                   <a:schemeClr val="dk1"/>
                 </a:solidFill>
               </a:rPr>
               <a:t>.</a:t>
             </a:r>
-            <a:endParaRPr lang="en-US" altLang="ko-KR" sz="2000">
+            <a:endParaRPr lang="en-US" altLang="ko-KR">
               <a:solidFill>
                 <a:schemeClr val="dk1"/>
               </a:solidFill>
@@ -8412,7 +8412,7 @@
               <a:defRPr/>
             </a:pPr>
             <a:r>
-              <a:rPr lang="ko-KR" altLang="en-US" sz="2000">
+              <a:rPr lang="ko-KR" altLang="en-US">
                 <a:solidFill>
                   <a:schemeClr val="dk1"/>
                 </a:solidFill>
@@ -8420,7 +8420,7 @@
               <a:t>  └ 비밀번호는 특수문자 포함 </a:t>
             </a:r>
             <a:r>
-              <a:rPr lang="en-US" altLang="ko-KR" sz="2000">
+              <a:rPr lang="en-US" altLang="ko-KR">
                 <a:solidFill>
                   <a:schemeClr val="dk1"/>
                 </a:solidFill>
@@ -8428,7 +8428,7 @@
               <a:t>8</a:t>
             </a:r>
             <a:r>
-              <a:rPr lang="ko-KR" altLang="en-US" sz="2000">
+              <a:rPr lang="ko-KR" altLang="en-US">
                 <a:solidFill>
                   <a:schemeClr val="dk1"/>
                 </a:solidFill>
@@ -8436,7 +8436,7 @@
               <a:t>자리 이상 </a:t>
             </a:r>
             <a:r>
-              <a:rPr lang="en-US" altLang="ko-KR" sz="2000">
+              <a:rPr lang="en-US" altLang="ko-KR">
                 <a:solidFill>
                   <a:schemeClr val="dk1"/>
                 </a:solidFill>
@@ -8444,7 +8444,7 @@
               <a:t>12</a:t>
             </a:r>
             <a:r>
-              <a:rPr lang="ko-KR" altLang="en-US" sz="2000">
+              <a:rPr lang="ko-KR" altLang="en-US">
                 <a:solidFill>
                   <a:schemeClr val="dk1"/>
                 </a:solidFill>
@@ -8452,7 +8452,7 @@
               <a:t>자리 이하 이어야 한다</a:t>
             </a:r>
             <a:r>
-              <a:rPr lang="en-US" altLang="ko-KR" sz="2000">
+              <a:rPr lang="en-US" altLang="ko-KR">
                 <a:solidFill>
                   <a:schemeClr val="dk1"/>
                 </a:solidFill>
@@ -8460,14 +8460,14 @@
               <a:t>.</a:t>
             </a:r>
             <a:r>
-              <a:rPr lang="ko-KR" altLang="en-US" sz="2000">
+              <a:rPr lang="ko-KR" altLang="en-US">
                 <a:solidFill>
                   <a:schemeClr val="dk1"/>
                 </a:solidFill>
               </a:rPr>
               <a:t> </a:t>
             </a:r>
-            <a:endParaRPr lang="ko-KR" altLang="en-US" sz="2000">
+            <a:endParaRPr lang="ko-KR" altLang="en-US">
               <a:solidFill>
                 <a:schemeClr val="dk1"/>
               </a:solidFill>
@@ -8478,7 +8478,7 @@
               <a:defRPr/>
             </a:pPr>
             <a:r>
-              <a:rPr lang="ko-KR" altLang="en-US" sz="2000">
+              <a:rPr lang="ko-KR" altLang="en-US">
                 <a:solidFill>
                   <a:schemeClr val="dk1"/>
                 </a:solidFill>
@@ -8486,7 +8486,7 @@
               <a:t>  └ 회원가입을 위해 시도한 비밀번호가 </a:t>
             </a:r>
             <a:r>
-              <a:rPr lang="en-US" altLang="ko-KR" sz="2000">
+              <a:rPr lang="en-US" altLang="ko-KR">
                 <a:solidFill>
                   <a:schemeClr val="dk1"/>
                 </a:solidFill>
@@ -8494,7 +8494,7 @@
               <a:t>7</a:t>
             </a:r>
             <a:r>
-              <a:rPr lang="ko-KR" altLang="en-US" sz="2000">
+              <a:rPr lang="ko-KR" altLang="en-US">
                 <a:solidFill>
                   <a:schemeClr val="dk1"/>
                 </a:solidFill>
@@ -8502,7 +8502,7 @@
               <a:t>자리 이하이거나 </a:t>
             </a:r>
             <a:r>
-              <a:rPr lang="en-US" altLang="ko-KR" sz="2000">
+              <a:rPr lang="en-US" altLang="ko-KR">
                 <a:solidFill>
                   <a:schemeClr val="dk1"/>
                 </a:solidFill>
@@ -8510,14 +8510,14 @@
               <a:t>13</a:t>
             </a:r>
             <a:r>
-              <a:rPr lang="ko-KR" altLang="en-US" sz="2000">
+              <a:rPr lang="ko-KR" altLang="en-US">
                 <a:solidFill>
                   <a:schemeClr val="dk1"/>
                 </a:solidFill>
               </a:rPr>
               <a:t>자리 이상일 경우 비밀번호 입력 오류 메세지가 출력되어야 한다</a:t>
             </a:r>
-            <a:endParaRPr lang="ko-KR" altLang="en-US" sz="2000">
+            <a:endParaRPr lang="ko-KR" altLang="en-US">
               <a:solidFill>
                 <a:schemeClr val="dk1"/>
               </a:solidFill>
@@ -8527,7 +8527,7 @@
             <a:pPr>
               <a:defRPr/>
             </a:pPr>
-            <a:endParaRPr lang="ko-KR" altLang="en-US" sz="2000">
+            <a:endParaRPr lang="ko-KR" altLang="en-US">
               <a:solidFill>
                 <a:schemeClr val="dk1"/>
               </a:solidFill>
@@ -8538,7 +8538,7 @@
               <a:defRPr/>
             </a:pPr>
             <a:r>
-              <a:rPr lang="ko-KR" altLang="en-US" sz="2000">
+              <a:rPr lang="ko-KR" altLang="en-US">
                 <a:solidFill>
                   <a:schemeClr val="dk1"/>
                 </a:solidFill>
@@ -8546,7 +8546,7 @@
               <a:t> </a:t>
             </a:r>
             <a:r>
-              <a:rPr lang="en-US" altLang="ko-KR" sz="2000">
+              <a:rPr lang="en-US" altLang="ko-KR">
                 <a:solidFill>
                   <a:schemeClr val="dk1"/>
                 </a:solidFill>
@@ -8554,7 +8554,7 @@
               <a:t>-</a:t>
             </a:r>
             <a:r>
-              <a:rPr lang="ko-KR" altLang="en-US" sz="2000">
+              <a:rPr lang="ko-KR" altLang="en-US">
                 <a:solidFill>
                   <a:schemeClr val="dk1"/>
                 </a:solidFill>
@@ -8562,7 +8562,7 @@
               <a:t> 사용자 정보를 관리할 </a:t>
             </a:r>
             <a:r>
-              <a:rPr lang="en-US" altLang="ko-KR" sz="2000">
+              <a:rPr lang="en-US" altLang="ko-KR">
                 <a:solidFill>
                   <a:schemeClr val="dk1"/>
                 </a:solidFill>
@@ -8570,14 +8570,14 @@
               <a:t>DB</a:t>
             </a:r>
             <a:r>
-              <a:rPr lang="ko-KR" altLang="en-US" sz="2000">
+              <a:rPr lang="ko-KR" altLang="en-US">
                 <a:solidFill>
                   <a:schemeClr val="dk1"/>
                 </a:solidFill>
               </a:rPr>
               <a:t>의 필요</a:t>
             </a:r>
-            <a:endParaRPr lang="ko-KR" altLang="en-US" sz="2000">
+            <a:endParaRPr lang="ko-KR" altLang="en-US">
               <a:solidFill>
                 <a:schemeClr val="dk1"/>
               </a:solidFill>
@@ -8588,7 +8588,7 @@
               <a:defRPr/>
             </a:pPr>
             <a:r>
-              <a:rPr lang="ko-KR" altLang="en-US" sz="2000">
+              <a:rPr lang="ko-KR" altLang="en-US">
                 <a:solidFill>
                   <a:schemeClr val="dk1"/>
                 </a:solidFill>
@@ -8596,14 +8596,14 @@
               <a:t>  └ 회원가입시 필요한 정보 및 소유한 차량의 정보를 포함해야 한다</a:t>
             </a:r>
             <a:r>
-              <a:rPr lang="en-US" altLang="ko-KR" sz="2000">
+              <a:rPr lang="en-US" altLang="ko-KR">
                 <a:solidFill>
                   <a:schemeClr val="dk1"/>
                 </a:solidFill>
               </a:rPr>
               <a:t>.</a:t>
             </a:r>
-            <a:endParaRPr lang="en-US" altLang="ko-KR" sz="2000">
+            <a:endParaRPr lang="en-US" altLang="ko-KR">
               <a:solidFill>
                 <a:schemeClr val="dk1"/>
               </a:solidFill>
@@ -8614,7 +8614,7 @@
               <a:defRPr/>
             </a:pPr>
             <a:r>
-              <a:rPr lang="ko-KR" altLang="en-US" sz="2000">
+              <a:rPr lang="ko-KR" altLang="en-US">
                 <a:solidFill>
                   <a:schemeClr val="dk1"/>
                 </a:solidFill>
@@ -8622,14 +8622,14 @@
               <a:t>  └ 소유한 차량이 여러 대의 경우 차량의 정보를 추가할 수 있어야 한다</a:t>
             </a:r>
             <a:r>
-              <a:rPr lang="en-US" altLang="ko-KR" sz="2000">
+              <a:rPr lang="en-US" altLang="ko-KR">
                 <a:solidFill>
                   <a:schemeClr val="dk1"/>
                 </a:solidFill>
               </a:rPr>
               <a:t>.</a:t>
             </a:r>
-            <a:endParaRPr lang="en-US" altLang="ko-KR" sz="2000">
+            <a:endParaRPr lang="en-US" altLang="ko-KR">
               <a:solidFill>
                 <a:schemeClr val="dk1"/>
               </a:solidFill>
@@ -8639,7 +8639,7 @@
             <a:pPr>
               <a:defRPr/>
             </a:pPr>
-            <a:endParaRPr lang="en-US" altLang="ko-KR" sz="2000">
+            <a:endParaRPr lang="en-US" altLang="ko-KR">
               <a:solidFill>
                 <a:schemeClr val="dk1"/>
               </a:solidFill>
@@ -8650,7 +8650,7 @@
               <a:defRPr/>
             </a:pPr>
             <a:r>
-              <a:rPr lang="ko-KR" altLang="en-US" sz="2000">
+              <a:rPr lang="ko-KR" altLang="en-US">
                 <a:solidFill>
                   <a:schemeClr val="dk1"/>
                 </a:solidFill>
@@ -8658,7 +8658,7 @@
               <a:t> </a:t>
             </a:r>
             <a:r>
-              <a:rPr lang="en-US" altLang="ko-KR" sz="2000">
+              <a:rPr lang="en-US" altLang="ko-KR">
                 <a:solidFill>
                   <a:schemeClr val="dk1"/>
                 </a:solidFill>
@@ -8666,14 +8666,14 @@
               <a:t>-</a:t>
             </a:r>
             <a:r>
-              <a:rPr lang="ko-KR" altLang="en-US" sz="2000">
+              <a:rPr lang="ko-KR" altLang="en-US">
                 <a:solidFill>
                   <a:schemeClr val="dk1"/>
                 </a:solidFill>
               </a:rPr>
               <a:t> 로그인</a:t>
             </a:r>
-            <a:endParaRPr lang="ko-KR" altLang="en-US" sz="2000">
+            <a:endParaRPr lang="ko-KR" altLang="en-US">
               <a:solidFill>
                 <a:schemeClr val="dk1"/>
               </a:solidFill>
@@ -8684,7 +8684,7 @@
               <a:defRPr/>
             </a:pPr>
             <a:r>
-              <a:rPr lang="ko-KR" altLang="en-US" sz="2000">
+              <a:rPr lang="ko-KR" altLang="en-US">
                 <a:solidFill>
                   <a:schemeClr val="dk1"/>
                 </a:solidFill>
@@ -8692,7 +8692,7 @@
               <a:t>  └ 알맞은 </a:t>
             </a:r>
             <a:r>
-              <a:rPr lang="en-US" altLang="ko-KR" sz="2000">
+              <a:rPr lang="en-US" altLang="ko-KR">
                 <a:solidFill>
                   <a:schemeClr val="dk1"/>
                 </a:solidFill>
@@ -8700,7 +8700,7 @@
               <a:t>ID</a:t>
             </a:r>
             <a:r>
-              <a:rPr lang="ko-KR" altLang="en-US" sz="2000">
+              <a:rPr lang="ko-KR" altLang="en-US">
                 <a:solidFill>
                   <a:schemeClr val="dk1"/>
                 </a:solidFill>
@@ -8708,14 +8708,14 @@
               <a:t>값과 패스워드 값이 입력 될 경우 그에 맞는 회원 정보가 로그인 되어야 한다</a:t>
             </a:r>
             <a:r>
-              <a:rPr lang="en-US" altLang="ko-KR" sz="2000">
+              <a:rPr lang="en-US" altLang="ko-KR">
                 <a:solidFill>
                   <a:schemeClr val="dk1"/>
                 </a:solidFill>
               </a:rPr>
               <a:t>.</a:t>
             </a:r>
-            <a:endParaRPr lang="en-US" altLang="ko-KR" sz="2000">
+            <a:endParaRPr lang="en-US" altLang="ko-KR">
               <a:solidFill>
                 <a:schemeClr val="dk1"/>
               </a:solidFill>
@@ -8726,7 +8726,7 @@
               <a:defRPr/>
             </a:pPr>
             <a:r>
-              <a:rPr lang="ko-KR" altLang="en-US" sz="2000">
+              <a:rPr lang="ko-KR" altLang="en-US">
                 <a:solidFill>
                   <a:schemeClr val="dk1"/>
                 </a:solidFill>
@@ -8734,14 +8734,14 @@
               <a:t>  └ 로그인 실패시 로그인 오류 메세지를 출력해야 한다</a:t>
             </a:r>
             <a:r>
-              <a:rPr lang="en-US" altLang="ko-KR" sz="2000">
+              <a:rPr lang="en-US" altLang="ko-KR">
                 <a:solidFill>
                   <a:schemeClr val="dk1"/>
                 </a:solidFill>
               </a:rPr>
               <a:t>.</a:t>
             </a:r>
-            <a:endParaRPr lang="en-US" altLang="ko-KR" sz="2000">
+            <a:endParaRPr lang="en-US" altLang="ko-KR">
               <a:solidFill>
                 <a:schemeClr val="dk1"/>
               </a:solidFill>
@@ -8752,7 +8752,7 @@
               <a:defRPr/>
             </a:pPr>
             <a:r>
-              <a:rPr lang="ko-KR" altLang="en-US" sz="2000">
+              <a:rPr lang="ko-KR" altLang="en-US">
                 <a:solidFill>
                   <a:schemeClr val="dk1"/>
                 </a:solidFill>
@@ -8760,14 +8760,14 @@
               <a:t>  └ 로그인에 성공했다면 로그인 버튼이 아닌 로그 아웃버튼을 보여주어야 한다</a:t>
             </a:r>
             <a:r>
-              <a:rPr lang="en-US" altLang="ko-KR" sz="2000">
+              <a:rPr lang="en-US" altLang="ko-KR">
                 <a:solidFill>
                   <a:schemeClr val="dk1"/>
                 </a:solidFill>
               </a:rPr>
               <a:t>.</a:t>
             </a:r>
-            <a:endParaRPr lang="en-US" altLang="ko-KR" sz="2000">
+            <a:endParaRPr lang="en-US" altLang="ko-KR">
               <a:solidFill>
                 <a:schemeClr val="dk1"/>
               </a:solidFill>
@@ -11790,7 +11790,7 @@
         </p:nvSpPr>
         <p:spPr>
           <a:xfrm>
-            <a:off x="0" y="1367936"/>
+            <a:off x="0" y="1650158"/>
             <a:ext cx="12192000" cy="5480538"/>
           </a:xfrm>
           <a:prstGeom prst="rect">
@@ -12355,6 +12355,16 @@
               </a:rPr>
               <a:t>.</a:t>
             </a:r>
+            <a:endParaRPr lang="en-US" altLang="ko-KR" sz="2000">
+              <a:solidFill>
+                <a:schemeClr val="dk1"/>
+              </a:solidFill>
+            </a:endParaRPr>
+          </a:p>
+          <a:p>
+            <a:pPr>
+              <a:defRPr/>
+            </a:pPr>
             <a:endParaRPr lang="en-US" altLang="ko-KR" sz="2000">
               <a:solidFill>
                 <a:schemeClr val="dk1"/>
@@ -13679,6 +13689,9 @@
           <a:lstStyle/>
           <a:p>
             <a:pPr>
+              <a:tabLst>
+                <a:tab pos="4850694" algn="l"/>
+              </a:tabLst>
               <a:defRPr/>
             </a:pPr>
             <a:r>
@@ -13687,7 +13700,23 @@
             </a:r>
             <a:r>
               <a:rPr kumimoji="1" lang="ko-KR" altLang="en-US" sz="4800"/>
-              <a:t> 요구사항 분석</a:t>
+              <a:t> 데이터 흐름도 </a:t>
+            </a:r>
+            <a:r>
+              <a:rPr kumimoji="1" lang="en-US" altLang="ko-KR" sz="4800"/>
+              <a:t>(</a:t>
+            </a:r>
+            <a:r>
+              <a:rPr kumimoji="1" lang="ko-KR" altLang="en-US" sz="4800"/>
+              <a:t>구상</a:t>
+            </a:r>
+            <a:r>
+              <a:rPr kumimoji="1" lang="en-US" altLang="ko-KR" sz="4800"/>
+              <a:t>)</a:t>
+            </a:r>
+            <a:r>
+              <a:rPr kumimoji="1" lang="ko-KR" altLang="en-US" sz="4800"/>
+              <a:t> 미완</a:t>
             </a:r>
             <a:endParaRPr kumimoji="1" lang="ko-KR" altLang="en-US" sz="4800"/>
           </a:p>
@@ -13743,6 +13772,30 @@
           </a:p>
         </p:txBody>
       </p:sp>
+      <p:pic>
+        <p:nvPicPr>
+          <p:cNvPr id="7" name=""/>
+          <p:cNvPicPr>
+            <a:picLocks noChangeAspect="1"/>
+          </p:cNvPicPr>
+          <p:nvPr/>
+        </p:nvPicPr>
+        <p:blipFill rotWithShape="1">
+          <a:blip r:embed="rId2"/>
+          <a:stretch>
+            <a:fillRect/>
+          </a:stretch>
+        </p:blipFill>
+        <p:spPr>
+          <a:xfrm>
+            <a:off x="2709022" y="1345917"/>
+            <a:ext cx="6773954" cy="5512083"/>
+          </a:xfrm>
+          <a:prstGeom prst="rect">
+            <a:avLst/>
+          </a:prstGeom>
+        </p:spPr>
+      </p:pic>
     </p:spTree>
   </p:cSld>
   <p:clrMapOvr>
@@ -14054,2334 +14107,98 @@
           <a:chExt cx="0" cy="0"/>
         </a:xfrm>
       </p:grpSpPr>
-      <p:graphicFrame>
-        <p:nvGraphicFramePr>
-          <p:cNvPr id="2" name="표 3"/>
-          <p:cNvGraphicFramePr>
-            <a:graphicFrameLocks noGrp="1"/>
-          </p:cNvGraphicFramePr>
+      <p:sp>
+        <p:nvSpPr>
+          <p:cNvPr id="3" name="직사각형 9"/>
+          <p:cNvSpPr/>
           <p:nvPr/>
-        </p:nvGraphicFramePr>
-        <p:xfrm>
-          <a:off x="503364" y="957263"/>
-          <a:ext cx="11083799" cy="4605660"/>
-        </p:xfrm>
-        <a:graphic>
-          <a:graphicData uri="http://schemas.openxmlformats.org/drawingml/2006/table">
-            <a:tbl>
-              <a:tblPr firstRow="1" bandRow="1"/>
-              <a:tblGrid>
-                <a:gridCol w="1291114"/>
-                <a:gridCol w="1191610"/>
-                <a:gridCol w="3386137"/>
-                <a:gridCol w="5214938"/>
-              </a:tblGrid>
-              <a:tr h="511740">
-                <a:tc rowSpan="9">
-                  <a:txBody>
-                    <a:bodyPr vert="horz" lIns="91440" tIns="45720" rIns="91440" bIns="45720" anchor="ctr" anchorCtr="0"/>
-                    <a:p>
-                      <a:pPr marL="0" marR="0" indent="0" algn="ctr" latinLnBrk="0">
-                        <a:lnSpc>
-                          <a:spcPct val="130000"/>
-                        </a:lnSpc>
-                        <a:spcBef>
-                          <a:spcPts val="0"/>
-                        </a:spcBef>
-                        <a:spcAft>
-                          <a:spcPts val="0"/>
-                        </a:spcAft>
-                        <a:defRPr/>
-                      </a:pPr>
-                      <a:r>
-                        <a:rPr lang="ko-KR" altLang="en-US" sz="1800" b="0" kern="0" spc="-60">
-                          <a:solidFill>
-                            <a:srgbClr val="000000"/>
-                          </a:solidFill>
-                          <a:effectLst/>
-                          <a:latin typeface="+mj-lt"/>
-                          <a:ea typeface="함초롬바탕"/>
-                        </a:rPr>
-                        <a:t>실습내용</a:t>
-                      </a:r>
-                      <a:endParaRPr lang="ko-KR" altLang="en-US" sz="1800" b="0" kern="0" spc="-60">
-                        <a:solidFill>
-                          <a:srgbClr val="000000"/>
-                        </a:solidFill>
-                        <a:effectLst/>
-                        <a:latin typeface="+mj-lt"/>
-                        <a:ea typeface="함초롬바탕"/>
-                      </a:endParaRPr>
-                    </a:p>
-                    <a:p>
-                      <a:pPr marL="0" marR="0" indent="0" algn="ctr" latinLnBrk="0">
-                        <a:lnSpc>
-                          <a:spcPct val="130000"/>
-                        </a:lnSpc>
-                        <a:spcBef>
-                          <a:spcPts val="0"/>
-                        </a:spcBef>
-                        <a:spcAft>
-                          <a:spcPts val="0"/>
-                        </a:spcAft>
-                        <a:defRPr/>
-                      </a:pPr>
-                      <a:r>
-                        <a:rPr lang="en-US" altLang="ko-KR" sz="1800" b="0" kern="0" spc="-60">
-                          <a:solidFill>
-                            <a:srgbClr val="0000ff"/>
-                          </a:solidFill>
-                          <a:effectLst/>
-                          <a:latin typeface="+mj-lt"/>
-                          <a:ea typeface="함초롬바탕"/>
-                        </a:rPr>
-                        <a:t>(</a:t>
-                      </a:r>
-                      <a:r>
-                        <a:rPr lang="ko-KR" altLang="en-US" sz="1800" b="0" kern="0" spc="-60">
-                          <a:solidFill>
-                            <a:srgbClr val="0000ff"/>
-                          </a:solidFill>
-                          <a:effectLst/>
-                          <a:latin typeface="+mj-lt"/>
-                          <a:ea typeface="함초롬바탕"/>
-                        </a:rPr>
-                        <a:t>실습분야</a:t>
-                      </a:r>
-                      <a:r>
-                        <a:rPr lang="en-US" altLang="ko-KR" sz="1800" b="0" kern="0" spc="-60">
-                          <a:solidFill>
-                            <a:srgbClr val="0000ff"/>
-                          </a:solidFill>
-                          <a:effectLst/>
-                          <a:latin typeface="+mj-lt"/>
-                          <a:ea typeface="함초롬바탕"/>
-                        </a:rPr>
-                        <a:t>)</a:t>
-                      </a:r>
-                      <a:endParaRPr lang="ko-KR" altLang="en-US" sz="1800" b="0" kern="0" spc="-60">
-                        <a:solidFill>
-                          <a:srgbClr val="000000"/>
-                        </a:solidFill>
-                        <a:effectLst/>
-                        <a:latin typeface="+mj-lt"/>
-                      </a:endParaRPr>
-                    </a:p>
-                  </a:txBody>
-                  <a:tcPr marL="91440" marR="91440" anchor="ctr">
-                    <a:lnL w="3556" cap="flat" cmpd="sng" algn="ctr">
-                      <a:solidFill>
-                        <a:srgbClr val="000000"/>
-                      </a:solidFill>
-                      <a:prstDash val="solid"/>
-                      <a:round/>
-                      <a:headEnd w="med" len="med"/>
-                      <a:tailEnd w="med" len="med"/>
-                    </a:lnL>
-                    <a:lnR w="3556" cap="flat" cmpd="sng" algn="ctr">
-                      <a:solidFill>
-                        <a:srgbClr val="000000"/>
-                      </a:solidFill>
-                      <a:prstDash val="solid"/>
-                      <a:round/>
-                      <a:headEnd w="med" len="med"/>
-                      <a:tailEnd w="med" len="med"/>
-                    </a:lnR>
-                    <a:lnT w="3556" cap="flat" cmpd="sng" algn="ctr">
-                      <a:solidFill>
-                        <a:srgbClr val="000000"/>
-                      </a:solidFill>
-                      <a:prstDash val="solid"/>
-                      <a:round/>
-                      <a:headEnd w="med" len="med"/>
-                      <a:tailEnd w="med" len="med"/>
-                    </a:lnT>
-                    <a:lnB w="3556" cap="flat" cmpd="sng" algn="ctr">
-                      <a:solidFill>
-                        <a:srgbClr val="000000"/>
-                      </a:solidFill>
-                      <a:prstDash val="solid"/>
-                      <a:round/>
-                      <a:headEnd w="med" len="med"/>
-                      <a:tailEnd w="med" len="med"/>
-                    </a:lnB>
-                    <a:solidFill>
-                      <a:srgbClr val="dddddd"/>
-                    </a:solidFill>
-                  </a:tcPr>
-                </a:tc>
-                <a:tc>
-                  <a:txBody>
-                    <a:bodyPr vert="horz" lIns="91440" tIns="45720" rIns="91440" bIns="45720" anchor="ctr" anchorCtr="0"/>
-                    <a:p>
-                      <a:pPr marL="0" marR="0" indent="0" algn="ctr" latinLnBrk="0">
-                        <a:lnSpc>
-                          <a:spcPct val="130000"/>
-                        </a:lnSpc>
-                        <a:spcBef>
-                          <a:spcPts val="0"/>
-                        </a:spcBef>
-                        <a:spcAft>
-                          <a:spcPts val="0"/>
-                        </a:spcAft>
-                        <a:defRPr/>
-                      </a:pPr>
-                      <a:r>
-                        <a:rPr lang="ko-KR" altLang="en-US" sz="1800" b="0" kern="0" spc="-60">
-                          <a:solidFill>
-                            <a:srgbClr val="000000"/>
-                          </a:solidFill>
-                          <a:effectLst/>
-                          <a:latin typeface="+mj-lt"/>
-                          <a:ea typeface="함초롬바탕"/>
-                        </a:rPr>
-                        <a:t>주 차</a:t>
-                      </a:r>
-                      <a:endParaRPr lang="ko-KR" altLang="en-US" sz="1800" b="0" kern="0" spc="-60">
-                        <a:solidFill>
-                          <a:srgbClr val="000000"/>
-                        </a:solidFill>
-                        <a:effectLst/>
-                        <a:latin typeface="+mj-lt"/>
-                      </a:endParaRPr>
-                    </a:p>
-                  </a:txBody>
-                  <a:tcPr marL="91440" marR="91440" anchor="ctr">
-                    <a:lnL w="3556" cap="flat" cmpd="sng" algn="ctr">
-                      <a:solidFill>
-                        <a:srgbClr val="000000"/>
-                      </a:solidFill>
-                      <a:prstDash val="solid"/>
-                      <a:round/>
-                      <a:headEnd w="med" len="med"/>
-                      <a:tailEnd w="med" len="med"/>
-                    </a:lnL>
-                    <a:lnR w="3556" cap="flat" cmpd="sng" algn="ctr">
-                      <a:solidFill>
-                        <a:srgbClr val="000000"/>
-                      </a:solidFill>
-                      <a:prstDash val="solid"/>
-                      <a:round/>
-                      <a:headEnd w="med" len="med"/>
-                      <a:tailEnd w="med" len="med"/>
-                    </a:lnR>
-                    <a:lnT w="3556" cap="flat" cmpd="sng" algn="ctr">
-                      <a:solidFill>
-                        <a:srgbClr val="000000"/>
-                      </a:solidFill>
-                      <a:prstDash val="solid"/>
-                      <a:round/>
-                      <a:headEnd w="med" len="med"/>
-                      <a:tailEnd w="med" len="med"/>
-                    </a:lnT>
-                    <a:lnB w="3556" cap="flat" cmpd="sng" algn="ctr">
-                      <a:solidFill>
-                        <a:srgbClr val="000000"/>
-                      </a:solidFill>
-                      <a:prstDash val="solid"/>
-                      <a:round/>
-                      <a:headEnd w="med" len="med"/>
-                      <a:tailEnd w="med" len="med"/>
-                    </a:lnB>
-                  </a:tcPr>
-                </a:tc>
-                <a:tc>
-                  <a:txBody>
-                    <a:bodyPr vert="horz" lIns="91440" tIns="45720" rIns="91440" bIns="45720" anchor="ctr" anchorCtr="0"/>
-                    <a:p>
-                      <a:pPr marL="0" marR="0" indent="0" algn="ctr" latinLnBrk="0">
-                        <a:lnSpc>
-                          <a:spcPct val="130000"/>
-                        </a:lnSpc>
-                        <a:spcBef>
-                          <a:spcPts val="0"/>
-                        </a:spcBef>
-                        <a:spcAft>
-                          <a:spcPts val="0"/>
-                        </a:spcAft>
-                        <a:defRPr/>
-                      </a:pPr>
-                      <a:r>
-                        <a:rPr lang="ko-KR" altLang="en-US" sz="1800" b="0" kern="0" spc="-60">
-                          <a:solidFill>
-                            <a:srgbClr val="000000"/>
-                          </a:solidFill>
-                          <a:effectLst/>
-                          <a:latin typeface="+mj-lt"/>
-                          <a:ea typeface="함초롬바탕"/>
-                        </a:rPr>
-                        <a:t>내 용</a:t>
-                      </a:r>
-                      <a:endParaRPr lang="ko-KR" altLang="en-US" sz="1800" b="0" kern="0" spc="-60">
-                        <a:solidFill>
-                          <a:srgbClr val="000000"/>
-                        </a:solidFill>
-                        <a:effectLst/>
-                        <a:latin typeface="+mj-lt"/>
-                      </a:endParaRPr>
-                    </a:p>
-                  </a:txBody>
-                  <a:tcPr marL="91440" marR="91440" anchor="ctr">
-                    <a:lnL w="3556" cap="flat" cmpd="sng" algn="ctr">
-                      <a:solidFill>
-                        <a:srgbClr val="000000"/>
-                      </a:solidFill>
-                      <a:prstDash val="solid"/>
-                      <a:round/>
-                      <a:headEnd w="med" len="med"/>
-                      <a:tailEnd w="med" len="med"/>
-                    </a:lnL>
-                    <a:lnR w="3556" cap="flat" cmpd="sng" algn="ctr">
-                      <a:solidFill>
-                        <a:srgbClr val="000000"/>
-                      </a:solidFill>
-                      <a:prstDash val="solid"/>
-                      <a:round/>
-                      <a:headEnd w="med" len="med"/>
-                      <a:tailEnd w="med" len="med"/>
-                    </a:lnR>
-                    <a:lnT w="3556" cap="flat" cmpd="sng" algn="ctr">
-                      <a:solidFill>
-                        <a:srgbClr val="000000"/>
-                      </a:solidFill>
-                      <a:prstDash val="solid"/>
-                      <a:round/>
-                      <a:headEnd w="med" len="med"/>
-                      <a:tailEnd w="med" len="med"/>
-                    </a:lnT>
-                    <a:lnB w="3556" cap="flat" cmpd="sng" algn="ctr">
-                      <a:solidFill>
-                        <a:srgbClr val="000000"/>
-                      </a:solidFill>
-                      <a:prstDash val="solid"/>
-                      <a:round/>
-                      <a:headEnd w="med" len="med"/>
-                      <a:tailEnd w="med" len="med"/>
-                    </a:lnB>
-                  </a:tcPr>
-                </a:tc>
-                <a:tc>
-                  <a:txBody>
-                    <a:bodyPr vert="horz" lIns="91440" tIns="45720" rIns="91440" bIns="45720" anchor="ctr" anchorCtr="0"/>
-                    <a:p>
-                      <a:pPr marL="0" marR="0" indent="0" algn="ctr" latinLnBrk="0">
-                        <a:lnSpc>
-                          <a:spcPct val="130000"/>
-                        </a:lnSpc>
-                        <a:spcBef>
-                          <a:spcPts val="0"/>
-                        </a:spcBef>
-                        <a:spcAft>
-                          <a:spcPts val="0"/>
-                        </a:spcAft>
-                        <a:defRPr/>
-                      </a:pPr>
-                      <a:r>
-                        <a:rPr lang="ko-KR" altLang="en-US" sz="1800" b="0" kern="0" spc="-60">
-                          <a:solidFill>
-                            <a:srgbClr val="000000"/>
-                          </a:solidFill>
-                          <a:effectLst/>
-                          <a:latin typeface="+mj-lt"/>
-                          <a:ea typeface="함초롬바탕"/>
-                        </a:rPr>
-                        <a:t>비 고</a:t>
-                      </a:r>
-                      <a:endParaRPr lang="ko-KR" altLang="en-US" sz="1800" b="0" kern="0" spc="-60">
-                        <a:solidFill>
-                          <a:srgbClr val="000000"/>
-                        </a:solidFill>
-                        <a:effectLst/>
-                        <a:latin typeface="+mj-lt"/>
-                      </a:endParaRPr>
-                    </a:p>
-                  </a:txBody>
-                  <a:tcPr marL="91440" marR="91440" anchor="ctr">
-                    <a:lnL w="3556" cap="flat" cmpd="sng" algn="ctr">
-                      <a:solidFill>
-                        <a:srgbClr val="000000"/>
-                      </a:solidFill>
-                      <a:prstDash val="solid"/>
-                      <a:round/>
-                      <a:headEnd w="med" len="med"/>
-                      <a:tailEnd w="med" len="med"/>
-                    </a:lnL>
-                    <a:lnR w="3556" cap="flat" cmpd="sng" algn="ctr">
-                      <a:solidFill>
-                        <a:srgbClr val="000000"/>
-                      </a:solidFill>
-                      <a:prstDash val="solid"/>
-                      <a:round/>
-                      <a:headEnd w="med" len="med"/>
-                      <a:tailEnd w="med" len="med"/>
-                    </a:lnR>
-                    <a:lnT w="3556" cap="flat" cmpd="sng" algn="ctr">
-                      <a:solidFill>
-                        <a:srgbClr val="000000"/>
-                      </a:solidFill>
-                      <a:prstDash val="solid"/>
-                      <a:round/>
-                      <a:headEnd w="med" len="med"/>
-                      <a:tailEnd w="med" len="med"/>
-                    </a:lnT>
-                    <a:lnB w="3556" cap="flat" cmpd="sng" algn="ctr">
-                      <a:solidFill>
-                        <a:srgbClr val="000000"/>
-                      </a:solidFill>
-                      <a:prstDash val="solid"/>
-                      <a:round/>
-                      <a:headEnd w="med" len="med"/>
-                      <a:tailEnd w="med" len="med"/>
-                    </a:lnB>
-                  </a:tcPr>
-                </a:tc>
-              </a:tr>
-              <a:tr h="511740">
-                <a:tc vMerge="1">
-                  <a:txBody>
-                    <a:bodyPr/>
-                    <a:p>
-                      <a:pPr latinLnBrk="1">
-                        <a:defRPr/>
-                      </a:pPr>
-                      <a:endParaRPr lang="ko-KR" altLang="en-US"/>
-                    </a:p>
-                  </a:txBody>
-                  <a:tcPr marL="91440" marR="91440"/>
-                </a:tc>
-                <a:tc>
-                  <a:txBody>
-                    <a:bodyPr vert="horz" lIns="91440" tIns="45720" rIns="91440" bIns="45720" anchor="ctr" anchorCtr="0"/>
-                    <a:p>
-                      <a:pPr marL="0" marR="0" indent="0" algn="ctr" latinLnBrk="0">
-                        <a:lnSpc>
-                          <a:spcPct val="130000"/>
-                        </a:lnSpc>
-                        <a:spcBef>
-                          <a:spcPts val="0"/>
-                        </a:spcBef>
-                        <a:spcAft>
-                          <a:spcPts val="0"/>
-                        </a:spcAft>
-                        <a:defRPr/>
-                      </a:pPr>
-                      <a:r>
-                        <a:rPr lang="en-US" altLang="ko-KR" sz="1800" b="0" kern="0" spc="-60">
-                          <a:solidFill>
-                            <a:srgbClr val="000000"/>
-                          </a:solidFill>
-                          <a:effectLst/>
-                          <a:latin typeface="+mj-lt"/>
-                          <a:ea typeface="함초롬바탕"/>
-                        </a:rPr>
-                        <a:t>1</a:t>
-                      </a:r>
-                      <a:r>
-                        <a:rPr lang="ko-KR" altLang="en-US" sz="1800" b="0" kern="0" spc="-60">
-                          <a:solidFill>
-                            <a:srgbClr val="000000"/>
-                          </a:solidFill>
-                          <a:effectLst/>
-                          <a:latin typeface="+mj-lt"/>
-                          <a:ea typeface="함초롬바탕"/>
-                        </a:rPr>
-                        <a:t>주차</a:t>
-                      </a:r>
-                      <a:endParaRPr lang="ko-KR" altLang="en-US" sz="1800" b="0" kern="0" spc="-60">
-                        <a:solidFill>
-                          <a:srgbClr val="000000"/>
-                        </a:solidFill>
-                        <a:effectLst/>
-                        <a:latin typeface="+mj-lt"/>
-                      </a:endParaRPr>
-                    </a:p>
-                  </a:txBody>
-                  <a:tcPr marL="91440" marR="91440" anchor="ctr">
-                    <a:lnL w="3556" cap="flat" cmpd="sng" algn="ctr">
-                      <a:solidFill>
-                        <a:srgbClr val="000000"/>
-                      </a:solidFill>
-                      <a:prstDash val="solid"/>
-                      <a:round/>
-                      <a:headEnd w="med" len="med"/>
-                      <a:tailEnd w="med" len="med"/>
-                    </a:lnL>
-                    <a:lnR w="3556" cap="flat" cmpd="sng" algn="ctr">
-                      <a:solidFill>
-                        <a:srgbClr val="000000"/>
-                      </a:solidFill>
-                      <a:prstDash val="solid"/>
-                      <a:round/>
-                      <a:headEnd w="med" len="med"/>
-                      <a:tailEnd w="med" len="med"/>
-                    </a:lnR>
-                    <a:lnT w="3556" cap="flat" cmpd="sng" algn="ctr">
-                      <a:solidFill>
-                        <a:srgbClr val="000000"/>
-                      </a:solidFill>
-                      <a:prstDash val="solid"/>
-                      <a:round/>
-                      <a:headEnd w="med" len="med"/>
-                      <a:tailEnd w="med" len="med"/>
-                    </a:lnT>
-                    <a:lnB w="3556" cap="flat" cmpd="sng" algn="ctr">
-                      <a:solidFill>
-                        <a:srgbClr val="000000"/>
-                      </a:solidFill>
-                      <a:prstDash val="solid"/>
-                      <a:round/>
-                      <a:headEnd w="med" len="med"/>
-                      <a:tailEnd w="med" len="med"/>
-                    </a:lnB>
-                  </a:tcPr>
-                </a:tc>
-                <a:tc>
-                  <a:txBody>
-                    <a:bodyPr vert="horz" lIns="91440" tIns="45720" rIns="91440" bIns="45720" anchor="ctr" anchorCtr="0"/>
-                    <a:p>
-                      <a:pPr marL="0" marR="0" indent="0" algn="ctr" latinLnBrk="0">
-                        <a:lnSpc>
-                          <a:spcPct val="130000"/>
-                        </a:lnSpc>
-                        <a:spcBef>
-                          <a:spcPts val="0"/>
-                        </a:spcBef>
-                        <a:spcAft>
-                          <a:spcPts val="0"/>
-                        </a:spcAft>
-                        <a:defRPr/>
-                      </a:pPr>
-                      <a:r>
-                        <a:rPr lang="ko-KR" altLang="en-US" sz="1800" b="0" kern="0" spc="-60">
-                          <a:solidFill>
-                            <a:srgbClr val="000000"/>
-                          </a:solidFill>
-                          <a:effectLst/>
-                          <a:latin typeface="+mj-lt"/>
-                          <a:ea typeface="함초롬바탕"/>
-                        </a:rPr>
-                        <a:t>오리엔테이션 및 제품 아이디어</a:t>
-                      </a:r>
-                      <a:endParaRPr lang="ko-KR" altLang="en-US" sz="1800" b="0" kern="0" spc="-60">
-                        <a:solidFill>
-                          <a:srgbClr val="000000"/>
-                        </a:solidFill>
-                        <a:effectLst/>
-                        <a:latin typeface="+mj-lt"/>
-                      </a:endParaRPr>
-                    </a:p>
-                  </a:txBody>
-                  <a:tcPr marL="91440" marR="91440" anchor="ctr">
-                    <a:lnL w="3556" cap="flat" cmpd="sng" algn="ctr">
-                      <a:solidFill>
-                        <a:srgbClr val="000000"/>
-                      </a:solidFill>
-                      <a:prstDash val="solid"/>
-                      <a:round/>
-                      <a:headEnd w="med" len="med"/>
-                      <a:tailEnd w="med" len="med"/>
-                    </a:lnL>
-                    <a:lnR w="3556" cap="flat" cmpd="sng" algn="ctr">
-                      <a:solidFill>
-                        <a:srgbClr val="000000"/>
-                      </a:solidFill>
-                      <a:prstDash val="solid"/>
-                      <a:round/>
-                      <a:headEnd w="med" len="med"/>
-                      <a:tailEnd w="med" len="med"/>
-                    </a:lnR>
-                    <a:lnT w="3556" cap="flat" cmpd="sng" algn="ctr">
-                      <a:solidFill>
-                        <a:srgbClr val="000000"/>
-                      </a:solidFill>
-                      <a:prstDash val="solid"/>
-                      <a:round/>
-                      <a:headEnd w="med" len="med"/>
-                      <a:tailEnd w="med" len="med"/>
-                    </a:lnT>
-                    <a:lnB w="3556" cap="flat" cmpd="sng" algn="ctr">
-                      <a:solidFill>
-                        <a:srgbClr val="000000"/>
-                      </a:solidFill>
-                      <a:prstDash val="solid"/>
-                      <a:round/>
-                      <a:headEnd w="med" len="med"/>
-                      <a:tailEnd w="med" len="med"/>
-                    </a:lnB>
-                  </a:tcPr>
-                </a:tc>
-                <a:tc>
-                  <a:txBody>
-                    <a:bodyPr vert="horz" lIns="91440" tIns="45720" rIns="91440" bIns="45720" anchor="ctr" anchorCtr="0"/>
-                    <a:p>
-                      <a:pPr marL="0" marR="0" indent="0" algn="ctr" latinLnBrk="0">
-                        <a:lnSpc>
-                          <a:spcPct val="130000"/>
-                        </a:lnSpc>
-                        <a:spcBef>
-                          <a:spcPts val="0"/>
-                        </a:spcBef>
-                        <a:spcAft>
-                          <a:spcPts val="0"/>
-                        </a:spcAft>
-                        <a:defRPr/>
-                      </a:pPr>
-                      <a:r>
-                        <a:rPr lang="ko-KR" altLang="en-US" sz="1800" b="0" kern="0" spc="-60">
-                          <a:solidFill>
-                            <a:srgbClr val="000000"/>
-                          </a:solidFill>
-                          <a:effectLst/>
-                          <a:latin typeface="+mj-lt"/>
-                        </a:rPr>
-                        <a:t>차량 관리 </a:t>
-                      </a:r>
-                      <a:r>
-                        <a:rPr lang="en-US" altLang="ko-KR" sz="1800" b="0" kern="0" spc="-60">
-                          <a:solidFill>
-                            <a:srgbClr val="000000"/>
-                          </a:solidFill>
-                          <a:effectLst/>
-                          <a:latin typeface="+mj-lt"/>
-                        </a:rPr>
-                        <a:t>APP</a:t>
-                      </a:r>
-                      <a:endParaRPr lang="en-US" altLang="ko-KR" sz="1800" b="0" kern="0" spc="-60">
-                        <a:solidFill>
-                          <a:srgbClr val="000000"/>
-                        </a:solidFill>
-                        <a:effectLst/>
-                        <a:latin typeface="+mj-lt"/>
-                      </a:endParaRPr>
-                    </a:p>
-                  </a:txBody>
-                  <a:tcPr marL="91440" marR="91440" anchor="ctr">
-                    <a:lnL w="3556" cap="flat" cmpd="sng" algn="ctr">
-                      <a:solidFill>
-                        <a:srgbClr val="000000"/>
-                      </a:solidFill>
-                      <a:prstDash val="solid"/>
-                      <a:round/>
-                      <a:headEnd w="med" len="med"/>
-                      <a:tailEnd w="med" len="med"/>
-                    </a:lnL>
-                    <a:lnR w="3556" cap="flat" cmpd="sng" algn="ctr">
-                      <a:solidFill>
-                        <a:srgbClr val="000000"/>
-                      </a:solidFill>
-                      <a:prstDash val="solid"/>
-                      <a:round/>
-                      <a:headEnd w="med" len="med"/>
-                      <a:tailEnd w="med" len="med"/>
-                    </a:lnR>
-                    <a:lnT w="3556" cap="flat" cmpd="sng" algn="ctr">
-                      <a:solidFill>
-                        <a:srgbClr val="000000"/>
-                      </a:solidFill>
-                      <a:prstDash val="solid"/>
-                      <a:round/>
-                      <a:headEnd w="med" len="med"/>
-                      <a:tailEnd w="med" len="med"/>
-                    </a:lnT>
-                    <a:lnB w="3556" cap="flat" cmpd="sng" algn="ctr">
-                      <a:solidFill>
-                        <a:srgbClr val="000000"/>
-                      </a:solidFill>
-                      <a:prstDash val="solid"/>
-                      <a:round/>
-                      <a:headEnd w="med" len="med"/>
-                      <a:tailEnd w="med" len="med"/>
-                    </a:lnB>
-                  </a:tcPr>
-                </a:tc>
-              </a:tr>
-              <a:tr h="511740">
-                <a:tc vMerge="1">
-                  <a:txBody>
-                    <a:bodyPr/>
-                    <a:p>
-                      <a:pPr latinLnBrk="1">
-                        <a:defRPr/>
-                      </a:pPr>
-                      <a:endParaRPr lang="ko-KR" altLang="en-US"/>
-                    </a:p>
-                  </a:txBody>
-                  <a:tcPr marL="91440" marR="91440"/>
-                </a:tc>
-                <a:tc>
-                  <a:txBody>
-                    <a:bodyPr vert="horz" lIns="91440" tIns="45720" rIns="91440" bIns="45720" anchor="ctr" anchorCtr="0"/>
-                    <a:p>
-                      <a:pPr marL="0" marR="0" indent="0" algn="ctr" latinLnBrk="0">
-                        <a:lnSpc>
-                          <a:spcPct val="130000"/>
-                        </a:lnSpc>
-                        <a:spcBef>
-                          <a:spcPts val="0"/>
-                        </a:spcBef>
-                        <a:spcAft>
-                          <a:spcPts val="0"/>
-                        </a:spcAft>
-                        <a:defRPr/>
-                      </a:pPr>
-                      <a:r>
-                        <a:rPr lang="en-US" altLang="ko-KR" sz="1800" b="0" kern="0" spc="-60">
-                          <a:solidFill>
-                            <a:srgbClr val="000000"/>
-                          </a:solidFill>
-                          <a:effectLst/>
-                          <a:latin typeface="+mj-lt"/>
-                          <a:ea typeface="함초롬바탕"/>
-                        </a:rPr>
-                        <a:t>2</a:t>
-                      </a:r>
-                      <a:r>
-                        <a:rPr lang="ko-KR" altLang="en-US" sz="1800" b="0" kern="0" spc="-60">
-                          <a:solidFill>
-                            <a:srgbClr val="000000"/>
-                          </a:solidFill>
-                          <a:effectLst/>
-                          <a:latin typeface="+mj-lt"/>
-                          <a:ea typeface="함초롬바탕"/>
-                        </a:rPr>
-                        <a:t>주차</a:t>
-                      </a:r>
-                      <a:endParaRPr lang="ko-KR" altLang="en-US" sz="1800" b="0" kern="0" spc="-60">
-                        <a:solidFill>
-                          <a:srgbClr val="000000"/>
-                        </a:solidFill>
-                        <a:effectLst/>
-                        <a:latin typeface="+mj-lt"/>
-                      </a:endParaRPr>
-                    </a:p>
-                  </a:txBody>
-                  <a:tcPr marL="91440" marR="91440" anchor="ctr">
-                    <a:lnL w="3556" cap="flat" cmpd="sng" algn="ctr">
-                      <a:solidFill>
-                        <a:srgbClr val="000000"/>
-                      </a:solidFill>
-                      <a:prstDash val="solid"/>
-                      <a:round/>
-                      <a:headEnd w="med" len="med"/>
-                      <a:tailEnd w="med" len="med"/>
-                    </a:lnL>
-                    <a:lnR w="3556" cap="flat" cmpd="sng" algn="ctr">
-                      <a:solidFill>
-                        <a:srgbClr val="000000"/>
-                      </a:solidFill>
-                      <a:prstDash val="solid"/>
-                      <a:round/>
-                      <a:headEnd w="med" len="med"/>
-                      <a:tailEnd w="med" len="med"/>
-                    </a:lnR>
-                    <a:lnT w="3556" cap="flat" cmpd="sng" algn="ctr">
-                      <a:solidFill>
-                        <a:srgbClr val="000000"/>
-                      </a:solidFill>
-                      <a:prstDash val="solid"/>
-                      <a:round/>
-                      <a:headEnd w="med" len="med"/>
-                      <a:tailEnd w="med" len="med"/>
-                    </a:lnT>
-                    <a:lnB w="3556" cap="flat" cmpd="sng" algn="ctr">
-                      <a:solidFill>
-                        <a:srgbClr val="000000"/>
-                      </a:solidFill>
-                      <a:prstDash val="solid"/>
-                      <a:round/>
-                      <a:headEnd w="med" len="med"/>
-                      <a:tailEnd w="med" len="med"/>
-                    </a:lnB>
-                  </a:tcPr>
-                </a:tc>
-                <a:tc>
-                  <a:txBody>
-                    <a:bodyPr vert="horz" lIns="91440" tIns="45720" rIns="91440" bIns="45720" anchor="ctr" anchorCtr="0"/>
-                    <a:p>
-                      <a:pPr marL="0" marR="0" indent="0" algn="ctr" latinLnBrk="0">
-                        <a:lnSpc>
-                          <a:spcPct val="130000"/>
-                        </a:lnSpc>
-                        <a:spcBef>
-                          <a:spcPts val="0"/>
-                        </a:spcBef>
-                        <a:spcAft>
-                          <a:spcPts val="0"/>
-                        </a:spcAft>
-                        <a:defRPr/>
-                      </a:pPr>
-                      <a:r>
-                        <a:rPr lang="ko-KR" altLang="en-US" sz="1800" b="0" kern="0" spc="-60">
-                          <a:solidFill>
-                            <a:srgbClr val="000000"/>
-                          </a:solidFill>
-                          <a:effectLst/>
-                          <a:latin typeface="+mj-lt"/>
-                          <a:ea typeface="함초롬바탕"/>
-                        </a:rPr>
-                        <a:t>계획 및 일정 수립</a:t>
-                      </a:r>
-                      <a:endParaRPr lang="ko-KR" altLang="en-US" sz="1800" b="0" kern="0" spc="-60">
-                        <a:solidFill>
-                          <a:srgbClr val="000000"/>
-                        </a:solidFill>
-                        <a:effectLst/>
-                        <a:latin typeface="+mj-lt"/>
-                      </a:endParaRPr>
-                    </a:p>
-                  </a:txBody>
-                  <a:tcPr marL="91440" marR="91440" anchor="ctr">
-                    <a:lnL w="3556" cap="flat" cmpd="sng" algn="ctr">
-                      <a:solidFill>
-                        <a:srgbClr val="000000"/>
-                      </a:solidFill>
-                      <a:prstDash val="solid"/>
-                      <a:round/>
-                      <a:headEnd w="med" len="med"/>
-                      <a:tailEnd w="med" len="med"/>
-                    </a:lnL>
-                    <a:lnR w="3556" cap="flat" cmpd="sng" algn="ctr">
-                      <a:solidFill>
-                        <a:srgbClr val="000000"/>
-                      </a:solidFill>
-                      <a:prstDash val="solid"/>
-                      <a:round/>
-                      <a:headEnd w="med" len="med"/>
-                      <a:tailEnd w="med" len="med"/>
-                    </a:lnR>
-                    <a:lnT w="3556" cap="flat" cmpd="sng" algn="ctr">
-                      <a:solidFill>
-                        <a:srgbClr val="000000"/>
-                      </a:solidFill>
-                      <a:prstDash val="solid"/>
-                      <a:round/>
-                      <a:headEnd w="med" len="med"/>
-                      <a:tailEnd w="med" len="med"/>
-                    </a:lnT>
-                    <a:lnB w="3556" cap="flat" cmpd="sng" algn="ctr">
-                      <a:solidFill>
-                        <a:srgbClr val="000000"/>
-                      </a:solidFill>
-                      <a:prstDash val="solid"/>
-                      <a:round/>
-                      <a:headEnd w="med" len="med"/>
-                      <a:tailEnd w="med" len="med"/>
-                    </a:lnB>
-                  </a:tcPr>
-                </a:tc>
-                <a:tc>
-                  <a:txBody>
-                    <a:bodyPr vert="horz" lIns="91440" tIns="45720" rIns="91440" bIns="45720" anchor="ctr" anchorCtr="0"/>
-                    <a:p>
-                      <a:pPr marL="0" marR="0" indent="0" algn="ctr" latinLnBrk="0">
-                        <a:lnSpc>
-                          <a:spcPct val="130000"/>
-                        </a:lnSpc>
-                        <a:spcBef>
-                          <a:spcPts val="0"/>
-                        </a:spcBef>
-                        <a:spcAft>
-                          <a:spcPts val="0"/>
-                        </a:spcAft>
-                        <a:defRPr/>
-                      </a:pPr>
-                      <a:r>
-                        <a:rPr lang="ko-KR" altLang="en-US" sz="1800" b="0" kern="0" spc="-60">
-                          <a:solidFill>
-                            <a:srgbClr val="000000"/>
-                          </a:solidFill>
-                          <a:effectLst/>
-                          <a:latin typeface="+mj-lt"/>
-                        </a:rPr>
-                        <a:t>요구사항 정의 및 문서화</a:t>
-                      </a:r>
-                      <a:endParaRPr lang="ko-KR" altLang="en-US" sz="1800" b="0" kern="0" spc="-60">
-                        <a:solidFill>
-                          <a:srgbClr val="000000"/>
-                        </a:solidFill>
-                        <a:effectLst/>
-                        <a:latin typeface="+mj-lt"/>
-                      </a:endParaRPr>
-                    </a:p>
-                  </a:txBody>
-                  <a:tcPr marL="91440" marR="91440" anchor="ctr">
-                    <a:lnL w="3556" cap="flat" cmpd="sng" algn="ctr">
-                      <a:solidFill>
-                        <a:srgbClr val="000000"/>
-                      </a:solidFill>
-                      <a:prstDash val="solid"/>
-                      <a:round/>
-                      <a:headEnd w="med" len="med"/>
-                      <a:tailEnd w="med" len="med"/>
-                    </a:lnL>
-                    <a:lnR w="3556" cap="flat" cmpd="sng" algn="ctr">
-                      <a:solidFill>
-                        <a:srgbClr val="000000"/>
-                      </a:solidFill>
-                      <a:prstDash val="solid"/>
-                      <a:round/>
-                      <a:headEnd w="med" len="med"/>
-                      <a:tailEnd w="med" len="med"/>
-                    </a:lnR>
-                    <a:lnT w="3556" cap="flat" cmpd="sng" algn="ctr">
-                      <a:solidFill>
-                        <a:srgbClr val="000000"/>
-                      </a:solidFill>
-                      <a:prstDash val="solid"/>
-                      <a:round/>
-                      <a:headEnd w="med" len="med"/>
-                      <a:tailEnd w="med" len="med"/>
-                    </a:lnT>
-                    <a:lnB w="3556" cap="flat" cmpd="sng" algn="ctr">
-                      <a:solidFill>
-                        <a:srgbClr val="000000"/>
-                      </a:solidFill>
-                      <a:prstDash val="solid"/>
-                      <a:round/>
-                      <a:headEnd w="med" len="med"/>
-                      <a:tailEnd w="med" len="med"/>
-                    </a:lnB>
-                  </a:tcPr>
-                </a:tc>
-              </a:tr>
-              <a:tr h="511740">
-                <a:tc vMerge="1">
-                  <a:txBody>
-                    <a:bodyPr/>
-                    <a:p>
-                      <a:pPr latinLnBrk="1">
-                        <a:defRPr/>
-                      </a:pPr>
-                      <a:endParaRPr lang="ko-KR" altLang="en-US"/>
-                    </a:p>
-                  </a:txBody>
-                  <a:tcPr marL="91440" marR="91440"/>
-                </a:tc>
-                <a:tc>
-                  <a:txBody>
-                    <a:bodyPr vert="horz" lIns="91440" tIns="45720" rIns="91440" bIns="45720" anchor="ctr" anchorCtr="0"/>
-                    <a:p>
-                      <a:pPr marL="0" marR="0" indent="0" algn="ctr" latinLnBrk="0">
-                        <a:lnSpc>
-                          <a:spcPct val="130000"/>
-                        </a:lnSpc>
-                        <a:spcBef>
-                          <a:spcPts val="0"/>
-                        </a:spcBef>
-                        <a:spcAft>
-                          <a:spcPts val="0"/>
-                        </a:spcAft>
-                        <a:defRPr/>
-                      </a:pPr>
-                      <a:r>
-                        <a:rPr lang="en-US" altLang="ko-KR" sz="1800" b="0" kern="0" spc="-60">
-                          <a:solidFill>
-                            <a:srgbClr val="000000"/>
-                          </a:solidFill>
-                          <a:effectLst/>
-                          <a:latin typeface="+mj-lt"/>
-                          <a:ea typeface="함초롬바탕"/>
-                        </a:rPr>
-                        <a:t>3</a:t>
-                      </a:r>
-                      <a:r>
-                        <a:rPr lang="ko-KR" altLang="en-US" sz="1800" b="0" kern="0" spc="-60">
-                          <a:solidFill>
-                            <a:srgbClr val="000000"/>
-                          </a:solidFill>
-                          <a:effectLst/>
-                          <a:latin typeface="+mj-lt"/>
-                          <a:ea typeface="함초롬바탕"/>
-                        </a:rPr>
-                        <a:t>주차</a:t>
-                      </a:r>
-                      <a:endParaRPr lang="ko-KR" altLang="en-US" sz="1800" b="0" kern="0" spc="-60">
-                        <a:solidFill>
-                          <a:srgbClr val="000000"/>
-                        </a:solidFill>
-                        <a:effectLst/>
-                        <a:latin typeface="+mj-lt"/>
-                      </a:endParaRPr>
-                    </a:p>
-                  </a:txBody>
-                  <a:tcPr marL="91440" marR="91440" anchor="ctr">
-                    <a:lnL w="3556" cap="flat" cmpd="sng" algn="ctr">
-                      <a:solidFill>
-                        <a:srgbClr val="000000"/>
-                      </a:solidFill>
-                      <a:prstDash val="solid"/>
-                      <a:round/>
-                      <a:headEnd w="med" len="med"/>
-                      <a:tailEnd w="med" len="med"/>
-                    </a:lnL>
-                    <a:lnR w="3556" cap="flat" cmpd="sng" algn="ctr">
-                      <a:solidFill>
-                        <a:srgbClr val="000000"/>
-                      </a:solidFill>
-                      <a:prstDash val="solid"/>
-                      <a:round/>
-                      <a:headEnd w="med" len="med"/>
-                      <a:tailEnd w="med" len="med"/>
-                    </a:lnR>
-                    <a:lnT w="3556" cap="flat" cmpd="sng" algn="ctr">
-                      <a:solidFill>
-                        <a:srgbClr val="000000"/>
-                      </a:solidFill>
-                      <a:prstDash val="solid"/>
-                      <a:round/>
-                      <a:headEnd w="med" len="med"/>
-                      <a:tailEnd w="med" len="med"/>
-                    </a:lnT>
-                    <a:lnB w="3556" cap="flat" cmpd="sng" algn="ctr">
-                      <a:solidFill>
-                        <a:srgbClr val="000000"/>
-                      </a:solidFill>
-                      <a:prstDash val="solid"/>
-                      <a:round/>
-                      <a:headEnd w="med" len="med"/>
-                      <a:tailEnd w="med" len="med"/>
-                    </a:lnB>
-                  </a:tcPr>
-                </a:tc>
-                <a:tc>
-                  <a:txBody>
-                    <a:bodyPr vert="horz" lIns="91440" tIns="45720" rIns="91440" bIns="45720" anchor="ctr" anchorCtr="0"/>
-                    <a:p>
-                      <a:pPr marL="0" marR="0" indent="0" algn="ctr" latinLnBrk="0">
-                        <a:lnSpc>
-                          <a:spcPct val="130000"/>
-                        </a:lnSpc>
-                        <a:spcBef>
-                          <a:spcPts val="0"/>
-                        </a:spcBef>
-                        <a:spcAft>
-                          <a:spcPts val="0"/>
-                        </a:spcAft>
-                        <a:defRPr/>
-                      </a:pPr>
-                      <a:r>
-                        <a:rPr lang="ko-KR" altLang="en-US" sz="1800" b="0" kern="0" spc="-60">
-                          <a:solidFill>
-                            <a:srgbClr val="000000"/>
-                          </a:solidFill>
-                          <a:effectLst/>
-                          <a:latin typeface="+mj-lt"/>
-                          <a:ea typeface="함초롬바탕"/>
-                        </a:rPr>
-                        <a:t>제품 기획</a:t>
-                      </a:r>
-                      <a:endParaRPr lang="ko-KR" altLang="en-US" sz="1800" b="0" kern="0" spc="-60">
-                        <a:solidFill>
-                          <a:srgbClr val="000000"/>
-                        </a:solidFill>
-                        <a:effectLst/>
-                        <a:latin typeface="+mj-lt"/>
-                      </a:endParaRPr>
-                    </a:p>
-                  </a:txBody>
-                  <a:tcPr marL="91440" marR="91440" anchor="ctr">
-                    <a:lnL w="3556" cap="flat" cmpd="sng" algn="ctr">
-                      <a:solidFill>
-                        <a:srgbClr val="000000"/>
-                      </a:solidFill>
-                      <a:prstDash val="solid"/>
-                      <a:round/>
-                      <a:headEnd w="med" len="med"/>
-                      <a:tailEnd w="med" len="med"/>
-                    </a:lnL>
-                    <a:lnR w="3556" cap="flat" cmpd="sng" algn="ctr">
-                      <a:solidFill>
-                        <a:srgbClr val="000000"/>
-                      </a:solidFill>
-                      <a:prstDash val="solid"/>
-                      <a:round/>
-                      <a:headEnd w="med" len="med"/>
-                      <a:tailEnd w="med" len="med"/>
-                    </a:lnR>
-                    <a:lnT w="3556" cap="flat" cmpd="sng" algn="ctr">
-                      <a:solidFill>
-                        <a:srgbClr val="000000"/>
-                      </a:solidFill>
-                      <a:prstDash val="solid"/>
-                      <a:round/>
-                      <a:headEnd w="med" len="med"/>
-                      <a:tailEnd w="med" len="med"/>
-                    </a:lnT>
-                    <a:lnB w="3556" cap="flat" cmpd="sng" algn="ctr">
-                      <a:solidFill>
-                        <a:srgbClr val="000000"/>
-                      </a:solidFill>
-                      <a:prstDash val="solid"/>
-                      <a:round/>
-                      <a:headEnd w="med" len="med"/>
-                      <a:tailEnd w="med" len="med"/>
-                    </a:lnB>
-                  </a:tcPr>
-                </a:tc>
-                <a:tc>
-                  <a:txBody>
-                    <a:bodyPr vert="horz" lIns="91440" tIns="45720" rIns="91440" bIns="45720" anchor="ctr" anchorCtr="0"/>
-                    <a:p>
-                      <a:pPr marL="0" marR="0" indent="0" algn="ctr" latinLnBrk="0">
-                        <a:lnSpc>
-                          <a:spcPct val="130000"/>
-                        </a:lnSpc>
-                        <a:spcBef>
-                          <a:spcPts val="0"/>
-                        </a:spcBef>
-                        <a:spcAft>
-                          <a:spcPts val="0"/>
-                        </a:spcAft>
-                        <a:defRPr/>
-                      </a:pPr>
-                      <a:endParaRPr lang="ko-KR" altLang="en-US" sz="1800" b="0" kern="0" spc="-60">
-                        <a:solidFill>
-                          <a:srgbClr val="000000"/>
-                        </a:solidFill>
-                        <a:effectLst/>
-                        <a:latin typeface="+mj-lt"/>
-                      </a:endParaRPr>
-                    </a:p>
-                  </a:txBody>
-                  <a:tcPr marL="91440" marR="91440" anchor="ctr">
-                    <a:lnL w="3556" cap="flat" cmpd="sng" algn="ctr">
-                      <a:solidFill>
-                        <a:srgbClr val="000000"/>
-                      </a:solidFill>
-                      <a:prstDash val="solid"/>
-                      <a:round/>
-                      <a:headEnd w="med" len="med"/>
-                      <a:tailEnd w="med" len="med"/>
-                    </a:lnL>
-                    <a:lnR w="3556" cap="flat" cmpd="sng" algn="ctr">
-                      <a:solidFill>
-                        <a:srgbClr val="000000"/>
-                      </a:solidFill>
-                      <a:prstDash val="solid"/>
-                      <a:round/>
-                      <a:headEnd w="med" len="med"/>
-                      <a:tailEnd w="med" len="med"/>
-                    </a:lnR>
-                    <a:lnT w="3556" cap="flat" cmpd="sng" algn="ctr">
-                      <a:solidFill>
-                        <a:srgbClr val="000000"/>
-                      </a:solidFill>
-                      <a:prstDash val="solid"/>
-                      <a:round/>
-                      <a:headEnd w="med" len="med"/>
-                      <a:tailEnd w="med" len="med"/>
-                    </a:lnT>
-                    <a:lnB w="3556" cap="flat" cmpd="sng" algn="ctr">
-                      <a:solidFill>
-                        <a:srgbClr val="000000"/>
-                      </a:solidFill>
-                      <a:prstDash val="solid"/>
-                      <a:round/>
-                      <a:headEnd w="med" len="med"/>
-                      <a:tailEnd w="med" len="med"/>
-                    </a:lnB>
-                  </a:tcPr>
-                </a:tc>
-              </a:tr>
-              <a:tr h="511740">
-                <a:tc vMerge="1">
-                  <a:txBody>
-                    <a:bodyPr/>
-                    <a:p>
-                      <a:pPr latinLnBrk="1">
-                        <a:defRPr/>
-                      </a:pPr>
-                      <a:endParaRPr lang="ko-KR" altLang="en-US"/>
-                    </a:p>
-                  </a:txBody>
-                  <a:tcPr marL="91440" marR="91440"/>
-                </a:tc>
-                <a:tc>
-                  <a:txBody>
-                    <a:bodyPr vert="horz" lIns="91440" tIns="45720" rIns="91440" bIns="45720" anchor="ctr" anchorCtr="0"/>
-                    <a:p>
-                      <a:pPr marL="0" marR="0" indent="0" algn="ctr" latinLnBrk="0">
-                        <a:lnSpc>
-                          <a:spcPct val="130000"/>
-                        </a:lnSpc>
-                        <a:spcBef>
-                          <a:spcPts val="0"/>
-                        </a:spcBef>
-                        <a:spcAft>
-                          <a:spcPts val="0"/>
-                        </a:spcAft>
-                        <a:defRPr/>
-                      </a:pPr>
-                      <a:r>
-                        <a:rPr lang="en-US" altLang="ko-KR" sz="1800" b="0" kern="0" spc="-60">
-                          <a:solidFill>
-                            <a:srgbClr val="000000"/>
-                          </a:solidFill>
-                          <a:effectLst/>
-                          <a:latin typeface="+mj-lt"/>
-                          <a:ea typeface="함초롬바탕"/>
-                        </a:rPr>
-                        <a:t>4</a:t>
-                      </a:r>
-                      <a:r>
-                        <a:rPr lang="ko-KR" altLang="en-US" sz="1800" b="0" kern="0" spc="-60">
-                          <a:solidFill>
-                            <a:srgbClr val="000000"/>
-                          </a:solidFill>
-                          <a:effectLst/>
-                          <a:latin typeface="+mj-lt"/>
-                          <a:ea typeface="함초롬바탕"/>
-                        </a:rPr>
-                        <a:t>주차</a:t>
-                      </a:r>
-                      <a:endParaRPr lang="ko-KR" altLang="en-US" sz="1800" b="0" kern="0" spc="-60">
-                        <a:solidFill>
-                          <a:srgbClr val="000000"/>
-                        </a:solidFill>
-                        <a:effectLst/>
-                        <a:latin typeface="+mj-lt"/>
-                      </a:endParaRPr>
-                    </a:p>
-                  </a:txBody>
-                  <a:tcPr marL="91440" marR="91440" anchor="ctr">
-                    <a:lnL w="3556" cap="flat" cmpd="sng" algn="ctr">
-                      <a:solidFill>
-                        <a:srgbClr val="000000"/>
-                      </a:solidFill>
-                      <a:prstDash val="solid"/>
-                      <a:round/>
-                      <a:headEnd w="med" len="med"/>
-                      <a:tailEnd w="med" len="med"/>
-                    </a:lnL>
-                    <a:lnR w="3556" cap="flat" cmpd="sng" algn="ctr">
-                      <a:solidFill>
-                        <a:srgbClr val="000000"/>
-                      </a:solidFill>
-                      <a:prstDash val="solid"/>
-                      <a:round/>
-                      <a:headEnd w="med" len="med"/>
-                      <a:tailEnd w="med" len="med"/>
-                    </a:lnR>
-                    <a:lnT w="3556" cap="flat" cmpd="sng" algn="ctr">
-                      <a:solidFill>
-                        <a:srgbClr val="000000"/>
-                      </a:solidFill>
-                      <a:prstDash val="solid"/>
-                      <a:round/>
-                      <a:headEnd w="med" len="med"/>
-                      <a:tailEnd w="med" len="med"/>
-                    </a:lnT>
-                    <a:lnB w="3556" cap="flat" cmpd="sng" algn="ctr">
-                      <a:solidFill>
-                        <a:srgbClr val="000000"/>
-                      </a:solidFill>
-                      <a:prstDash val="solid"/>
-                      <a:round/>
-                      <a:headEnd w="med" len="med"/>
-                      <a:tailEnd w="med" len="med"/>
-                    </a:lnB>
-                  </a:tcPr>
-                </a:tc>
-                <a:tc>
-                  <a:txBody>
-                    <a:bodyPr vert="horz" lIns="91440" tIns="45720" rIns="91440" bIns="45720" anchor="ctr" anchorCtr="0"/>
-                    <a:p>
-                      <a:pPr marL="0" marR="0" indent="0" algn="ctr" latinLnBrk="0">
-                        <a:lnSpc>
-                          <a:spcPct val="130000"/>
-                        </a:lnSpc>
-                        <a:spcBef>
-                          <a:spcPts val="0"/>
-                        </a:spcBef>
-                        <a:spcAft>
-                          <a:spcPts val="0"/>
-                        </a:spcAft>
-                        <a:defRPr/>
-                      </a:pPr>
-                      <a:r>
-                        <a:rPr lang="ko-KR" altLang="en-US" sz="1800" b="0" kern="0" spc="-60">
-                          <a:solidFill>
-                            <a:srgbClr val="000000"/>
-                          </a:solidFill>
-                          <a:effectLst/>
-                          <a:latin typeface="+mj-lt"/>
-                          <a:ea typeface="함초롬바탕"/>
-                        </a:rPr>
-                        <a:t>제품 개발 기획</a:t>
-                      </a:r>
-                      <a:endParaRPr lang="ko-KR" altLang="en-US" sz="1800" b="0" kern="0" spc="-60">
-                        <a:solidFill>
-                          <a:srgbClr val="000000"/>
-                        </a:solidFill>
-                        <a:effectLst/>
-                        <a:latin typeface="+mj-lt"/>
-                      </a:endParaRPr>
-                    </a:p>
-                  </a:txBody>
-                  <a:tcPr marL="91440" marR="91440" anchor="ctr">
-                    <a:lnL w="3556" cap="flat" cmpd="sng" algn="ctr">
-                      <a:solidFill>
-                        <a:srgbClr val="000000"/>
-                      </a:solidFill>
-                      <a:prstDash val="solid"/>
-                      <a:round/>
-                      <a:headEnd w="med" len="med"/>
-                      <a:tailEnd w="med" len="med"/>
-                    </a:lnL>
-                    <a:lnR w="3556" cap="flat" cmpd="sng" algn="ctr">
-                      <a:solidFill>
-                        <a:srgbClr val="000000"/>
-                      </a:solidFill>
-                      <a:prstDash val="solid"/>
-                      <a:round/>
-                      <a:headEnd w="med" len="med"/>
-                      <a:tailEnd w="med" len="med"/>
-                    </a:lnR>
-                    <a:lnT w="3556" cap="flat" cmpd="sng" algn="ctr">
-                      <a:solidFill>
-                        <a:srgbClr val="000000"/>
-                      </a:solidFill>
-                      <a:prstDash val="solid"/>
-                      <a:round/>
-                      <a:headEnd w="med" len="med"/>
-                      <a:tailEnd w="med" len="med"/>
-                    </a:lnT>
-                    <a:lnB w="3556" cap="flat" cmpd="sng" algn="ctr">
-                      <a:solidFill>
-                        <a:srgbClr val="000000"/>
-                      </a:solidFill>
-                      <a:prstDash val="solid"/>
-                      <a:round/>
-                      <a:headEnd w="med" len="med"/>
-                      <a:tailEnd w="med" len="med"/>
-                    </a:lnB>
-                  </a:tcPr>
-                </a:tc>
-                <a:tc>
-                  <a:txBody>
-                    <a:bodyPr vert="horz" lIns="91440" tIns="45720" rIns="91440" bIns="45720" anchor="ctr" anchorCtr="0"/>
-                    <a:p>
-                      <a:pPr marL="0" marR="0" indent="0" algn="ctr" latinLnBrk="0">
-                        <a:lnSpc>
-                          <a:spcPct val="130000"/>
-                        </a:lnSpc>
-                        <a:spcBef>
-                          <a:spcPts val="0"/>
-                        </a:spcBef>
-                        <a:spcAft>
-                          <a:spcPts val="0"/>
-                        </a:spcAft>
-                        <a:defRPr/>
-                      </a:pPr>
-                      <a:endParaRPr lang="ko-KR" altLang="en-US" sz="1800" b="0" kern="0" spc="-60">
-                        <a:solidFill>
-                          <a:srgbClr val="000000"/>
-                        </a:solidFill>
-                        <a:effectLst/>
-                        <a:latin typeface="+mj-lt"/>
-                      </a:endParaRPr>
-                    </a:p>
-                  </a:txBody>
-                  <a:tcPr marL="91440" marR="91440" anchor="ctr">
-                    <a:lnL w="3556" cap="flat" cmpd="sng" algn="ctr">
-                      <a:solidFill>
-                        <a:srgbClr val="000000"/>
-                      </a:solidFill>
-                      <a:prstDash val="solid"/>
-                      <a:round/>
-                      <a:headEnd w="med" len="med"/>
-                      <a:tailEnd w="med" len="med"/>
-                    </a:lnL>
-                    <a:lnR w="3556" cap="flat" cmpd="sng" algn="ctr">
-                      <a:solidFill>
-                        <a:srgbClr val="000000"/>
-                      </a:solidFill>
-                      <a:prstDash val="solid"/>
-                      <a:round/>
-                      <a:headEnd w="med" len="med"/>
-                      <a:tailEnd w="med" len="med"/>
-                    </a:lnR>
-                    <a:lnT w="3556" cap="flat" cmpd="sng" algn="ctr">
-                      <a:solidFill>
-                        <a:srgbClr val="000000"/>
-                      </a:solidFill>
-                      <a:prstDash val="solid"/>
-                      <a:round/>
-                      <a:headEnd w="med" len="med"/>
-                      <a:tailEnd w="med" len="med"/>
-                    </a:lnT>
-                    <a:lnB w="3556" cap="flat" cmpd="sng" algn="ctr">
-                      <a:solidFill>
-                        <a:srgbClr val="000000"/>
-                      </a:solidFill>
-                      <a:prstDash val="solid"/>
-                      <a:round/>
-                      <a:headEnd w="med" len="med"/>
-                      <a:tailEnd w="med" len="med"/>
-                    </a:lnB>
-                  </a:tcPr>
-                </a:tc>
-              </a:tr>
-              <a:tr h="511740">
-                <a:tc vMerge="1">
-                  <a:txBody>
-                    <a:bodyPr/>
-                    <a:p>
-                      <a:pPr latinLnBrk="1">
-                        <a:defRPr/>
-                      </a:pPr>
-                      <a:endParaRPr lang="ko-KR" altLang="en-US"/>
-                    </a:p>
-                  </a:txBody>
-                  <a:tcPr marL="91440" marR="91440"/>
-                </a:tc>
-                <a:tc>
-                  <a:txBody>
-                    <a:bodyPr vert="horz" lIns="91440" tIns="45720" rIns="91440" bIns="45720" anchor="ctr" anchorCtr="0"/>
-                    <a:p>
-                      <a:pPr marL="0" marR="0" indent="0" algn="ctr" latinLnBrk="0">
-                        <a:lnSpc>
-                          <a:spcPct val="130000"/>
-                        </a:lnSpc>
-                        <a:spcBef>
-                          <a:spcPts val="0"/>
-                        </a:spcBef>
-                        <a:spcAft>
-                          <a:spcPts val="0"/>
-                        </a:spcAft>
-                        <a:defRPr/>
-                      </a:pPr>
-                      <a:r>
-                        <a:rPr lang="en-US" altLang="ko-KR" sz="1800" b="0" kern="0" spc="-60">
-                          <a:solidFill>
-                            <a:srgbClr val="000000"/>
-                          </a:solidFill>
-                          <a:effectLst/>
-                          <a:latin typeface="+mj-lt"/>
-                          <a:ea typeface="함초롬바탕"/>
-                        </a:rPr>
-                        <a:t>5</a:t>
-                      </a:r>
-                      <a:r>
-                        <a:rPr lang="ko-KR" altLang="en-US" sz="1800" b="0" kern="0" spc="-60">
-                          <a:solidFill>
-                            <a:srgbClr val="000000"/>
-                          </a:solidFill>
-                          <a:effectLst/>
-                          <a:latin typeface="+mj-lt"/>
-                          <a:ea typeface="함초롬바탕"/>
-                        </a:rPr>
-                        <a:t>주차</a:t>
-                      </a:r>
-                      <a:endParaRPr lang="ko-KR" altLang="en-US" sz="1800" b="0" kern="0" spc="-60">
-                        <a:solidFill>
-                          <a:srgbClr val="000000"/>
-                        </a:solidFill>
-                        <a:effectLst/>
-                        <a:latin typeface="+mj-lt"/>
-                      </a:endParaRPr>
-                    </a:p>
-                  </a:txBody>
-                  <a:tcPr marL="91440" marR="91440" anchor="ctr">
-                    <a:lnL w="3556" cap="flat" cmpd="sng" algn="ctr">
-                      <a:solidFill>
-                        <a:srgbClr val="000000"/>
-                      </a:solidFill>
-                      <a:prstDash val="solid"/>
-                      <a:round/>
-                      <a:headEnd w="med" len="med"/>
-                      <a:tailEnd w="med" len="med"/>
-                    </a:lnL>
-                    <a:lnR w="3556" cap="flat" cmpd="sng" algn="ctr">
-                      <a:solidFill>
-                        <a:srgbClr val="000000"/>
-                      </a:solidFill>
-                      <a:prstDash val="solid"/>
-                      <a:round/>
-                      <a:headEnd w="med" len="med"/>
-                      <a:tailEnd w="med" len="med"/>
-                    </a:lnR>
-                    <a:lnT w="3556" cap="flat" cmpd="sng" algn="ctr">
-                      <a:solidFill>
-                        <a:srgbClr val="000000"/>
-                      </a:solidFill>
-                      <a:prstDash val="solid"/>
-                      <a:round/>
-                      <a:headEnd w="med" len="med"/>
-                      <a:tailEnd w="med" len="med"/>
-                    </a:lnT>
-                    <a:lnB w="3556" cap="flat" cmpd="sng" algn="ctr">
-                      <a:solidFill>
-                        <a:srgbClr val="000000"/>
-                      </a:solidFill>
-                      <a:prstDash val="solid"/>
-                      <a:round/>
-                      <a:headEnd w="med" len="med"/>
-                      <a:tailEnd w="med" len="med"/>
-                    </a:lnB>
-                  </a:tcPr>
-                </a:tc>
-                <a:tc>
-                  <a:txBody>
-                    <a:bodyPr vert="horz" lIns="91440" tIns="45720" rIns="91440" bIns="45720" anchor="ctr" anchorCtr="0"/>
-                    <a:p>
-                      <a:pPr marL="0" marR="0" indent="0" algn="ctr" latinLnBrk="0">
-                        <a:lnSpc>
-                          <a:spcPct val="130000"/>
-                        </a:lnSpc>
-                        <a:spcBef>
-                          <a:spcPts val="0"/>
-                        </a:spcBef>
-                        <a:spcAft>
-                          <a:spcPts val="0"/>
-                        </a:spcAft>
-                        <a:defRPr/>
-                      </a:pPr>
-                      <a:r>
-                        <a:rPr lang="ko-KR" altLang="en-US" sz="1800" b="0" kern="0" spc="-60">
-                          <a:solidFill>
-                            <a:srgbClr val="000000"/>
-                          </a:solidFill>
-                          <a:effectLst/>
-                          <a:latin typeface="+mj-lt"/>
-                          <a:ea typeface="함초롬바탕"/>
-                        </a:rPr>
-                        <a:t>제품 개발 설계</a:t>
-                      </a:r>
-                      <a:endParaRPr lang="ko-KR" altLang="en-US" sz="1800" b="0" kern="0" spc="-60">
-                        <a:solidFill>
-                          <a:srgbClr val="000000"/>
-                        </a:solidFill>
-                        <a:effectLst/>
-                        <a:latin typeface="+mj-lt"/>
-                      </a:endParaRPr>
-                    </a:p>
-                  </a:txBody>
-                  <a:tcPr marL="91440" marR="91440" anchor="ctr">
-                    <a:lnL w="3556" cap="flat" cmpd="sng" algn="ctr">
-                      <a:solidFill>
-                        <a:srgbClr val="000000"/>
-                      </a:solidFill>
-                      <a:prstDash val="solid"/>
-                      <a:round/>
-                      <a:headEnd w="med" len="med"/>
-                      <a:tailEnd w="med" len="med"/>
-                    </a:lnL>
-                    <a:lnR w="3556" cap="flat" cmpd="sng" algn="ctr">
-                      <a:solidFill>
-                        <a:srgbClr val="000000"/>
-                      </a:solidFill>
-                      <a:prstDash val="solid"/>
-                      <a:round/>
-                      <a:headEnd w="med" len="med"/>
-                      <a:tailEnd w="med" len="med"/>
-                    </a:lnR>
-                    <a:lnT w="3556" cap="flat" cmpd="sng" algn="ctr">
-                      <a:solidFill>
-                        <a:srgbClr val="000000"/>
-                      </a:solidFill>
-                      <a:prstDash val="solid"/>
-                      <a:round/>
-                      <a:headEnd w="med" len="med"/>
-                      <a:tailEnd w="med" len="med"/>
-                    </a:lnT>
-                    <a:lnB w="3556" cap="flat" cmpd="sng" algn="ctr">
-                      <a:solidFill>
-                        <a:srgbClr val="000000"/>
-                      </a:solidFill>
-                      <a:prstDash val="solid"/>
-                      <a:round/>
-                      <a:headEnd w="med" len="med"/>
-                      <a:tailEnd w="med" len="med"/>
-                    </a:lnB>
-                  </a:tcPr>
-                </a:tc>
-                <a:tc>
-                  <a:txBody>
-                    <a:bodyPr vert="horz" lIns="91440" tIns="45720" rIns="91440" bIns="45720" anchor="ctr" anchorCtr="0"/>
-                    <a:p>
-                      <a:pPr marL="0" marR="0" indent="0" algn="ctr" latinLnBrk="0">
-                        <a:lnSpc>
-                          <a:spcPct val="130000"/>
-                        </a:lnSpc>
-                        <a:spcBef>
-                          <a:spcPts val="0"/>
-                        </a:spcBef>
-                        <a:spcAft>
-                          <a:spcPts val="0"/>
-                        </a:spcAft>
-                        <a:defRPr/>
-                      </a:pPr>
-                      <a:endParaRPr lang="ko-KR" altLang="en-US" sz="1800" b="0" kern="0" spc="-60">
-                        <a:solidFill>
-                          <a:srgbClr val="000000"/>
-                        </a:solidFill>
-                        <a:effectLst/>
-                        <a:latin typeface="+mj-lt"/>
-                      </a:endParaRPr>
-                    </a:p>
-                  </a:txBody>
-                  <a:tcPr marL="91440" marR="91440" anchor="ctr">
-                    <a:lnL w="3556" cap="flat" cmpd="sng" algn="ctr">
-                      <a:solidFill>
-                        <a:srgbClr val="000000"/>
-                      </a:solidFill>
-                      <a:prstDash val="solid"/>
-                      <a:round/>
-                      <a:headEnd w="med" len="med"/>
-                      <a:tailEnd w="med" len="med"/>
-                    </a:lnL>
-                    <a:lnR w="3556" cap="flat" cmpd="sng" algn="ctr">
-                      <a:solidFill>
-                        <a:srgbClr val="000000"/>
-                      </a:solidFill>
-                      <a:prstDash val="solid"/>
-                      <a:round/>
-                      <a:headEnd w="med" len="med"/>
-                      <a:tailEnd w="med" len="med"/>
-                    </a:lnR>
-                    <a:lnT w="3556" cap="flat" cmpd="sng" algn="ctr">
-                      <a:solidFill>
-                        <a:srgbClr val="000000"/>
-                      </a:solidFill>
-                      <a:prstDash val="solid"/>
-                      <a:round/>
-                      <a:headEnd w="med" len="med"/>
-                      <a:tailEnd w="med" len="med"/>
-                    </a:lnT>
-                    <a:lnB w="3556" cap="flat" cmpd="sng" algn="ctr">
-                      <a:solidFill>
-                        <a:srgbClr val="000000"/>
-                      </a:solidFill>
-                      <a:prstDash val="solid"/>
-                      <a:round/>
-                      <a:headEnd w="med" len="med"/>
-                      <a:tailEnd w="med" len="med"/>
-                    </a:lnB>
-                  </a:tcPr>
-                </a:tc>
-              </a:tr>
-              <a:tr h="511740">
-                <a:tc vMerge="1">
-                  <a:txBody>
-                    <a:bodyPr/>
-                    <a:p>
-                      <a:pPr latinLnBrk="1">
-                        <a:defRPr/>
-                      </a:pPr>
-                      <a:endParaRPr lang="ko-KR" altLang="en-US"/>
-                    </a:p>
-                  </a:txBody>
-                  <a:tcPr marL="91440" marR="91440"/>
-                </a:tc>
-                <a:tc>
-                  <a:txBody>
-                    <a:bodyPr vert="horz" lIns="91440" tIns="45720" rIns="91440" bIns="45720" anchor="ctr" anchorCtr="0"/>
-                    <a:p>
-                      <a:pPr marL="0" marR="0" indent="0" algn="ctr" latinLnBrk="0">
-                        <a:lnSpc>
-                          <a:spcPct val="130000"/>
-                        </a:lnSpc>
-                        <a:spcBef>
-                          <a:spcPts val="0"/>
-                        </a:spcBef>
-                        <a:spcAft>
-                          <a:spcPts val="0"/>
-                        </a:spcAft>
-                        <a:defRPr/>
-                      </a:pPr>
-                      <a:r>
-                        <a:rPr lang="en-US" altLang="ko-KR" sz="1800" b="0" kern="0" spc="-60">
-                          <a:solidFill>
-                            <a:srgbClr val="000000"/>
-                          </a:solidFill>
-                          <a:effectLst/>
-                          <a:latin typeface="+mj-lt"/>
-                          <a:ea typeface="함초롬바탕"/>
-                        </a:rPr>
-                        <a:t>6</a:t>
-                      </a:r>
-                      <a:r>
-                        <a:rPr lang="ko-KR" altLang="en-US" sz="1800" b="0" kern="0" spc="-60">
-                          <a:solidFill>
-                            <a:srgbClr val="000000"/>
-                          </a:solidFill>
-                          <a:effectLst/>
-                          <a:latin typeface="+mj-lt"/>
-                          <a:ea typeface="함초롬바탕"/>
-                        </a:rPr>
-                        <a:t>주차</a:t>
-                      </a:r>
-                      <a:endParaRPr lang="ko-KR" altLang="en-US" sz="1800" b="0" kern="0" spc="-60">
-                        <a:solidFill>
-                          <a:srgbClr val="000000"/>
-                        </a:solidFill>
-                        <a:effectLst/>
-                        <a:latin typeface="+mj-lt"/>
-                      </a:endParaRPr>
-                    </a:p>
-                  </a:txBody>
-                  <a:tcPr marL="91440" marR="91440" anchor="ctr">
-                    <a:lnL w="3556" cap="flat" cmpd="sng" algn="ctr">
-                      <a:solidFill>
-                        <a:srgbClr val="000000"/>
-                      </a:solidFill>
-                      <a:prstDash val="solid"/>
-                      <a:round/>
-                      <a:headEnd w="med" len="med"/>
-                      <a:tailEnd w="med" len="med"/>
-                    </a:lnL>
-                    <a:lnR w="3556" cap="flat" cmpd="sng" algn="ctr">
-                      <a:solidFill>
-                        <a:srgbClr val="000000"/>
-                      </a:solidFill>
-                      <a:prstDash val="solid"/>
-                      <a:round/>
-                      <a:headEnd w="med" len="med"/>
-                      <a:tailEnd w="med" len="med"/>
-                    </a:lnR>
-                    <a:lnT w="3556" cap="flat" cmpd="sng" algn="ctr">
-                      <a:solidFill>
-                        <a:srgbClr val="000000"/>
-                      </a:solidFill>
-                      <a:prstDash val="solid"/>
-                      <a:round/>
-                      <a:headEnd w="med" len="med"/>
-                      <a:tailEnd w="med" len="med"/>
-                    </a:lnT>
-                    <a:lnB w="3556" cap="flat" cmpd="sng" algn="ctr">
-                      <a:solidFill>
-                        <a:srgbClr val="000000"/>
-                      </a:solidFill>
-                      <a:prstDash val="solid"/>
-                      <a:round/>
-                      <a:headEnd w="med" len="med"/>
-                      <a:tailEnd w="med" len="med"/>
-                    </a:lnB>
-                  </a:tcPr>
-                </a:tc>
-                <a:tc>
-                  <a:txBody>
-                    <a:bodyPr vert="horz" lIns="91440" tIns="45720" rIns="91440" bIns="45720" anchor="ctr" anchorCtr="0"/>
-                    <a:p>
-                      <a:pPr marL="0" marR="0" indent="0" algn="ctr" latinLnBrk="0">
-                        <a:lnSpc>
-                          <a:spcPct val="130000"/>
-                        </a:lnSpc>
-                        <a:spcBef>
-                          <a:spcPts val="0"/>
-                        </a:spcBef>
-                        <a:spcAft>
-                          <a:spcPts val="0"/>
-                        </a:spcAft>
-                        <a:defRPr/>
-                      </a:pPr>
-                      <a:r>
-                        <a:rPr lang="ko-KR" altLang="en-US" sz="1800" b="0" kern="0" spc="-60">
-                          <a:solidFill>
-                            <a:srgbClr val="000000"/>
-                          </a:solidFill>
-                          <a:effectLst/>
-                          <a:latin typeface="+mj-lt"/>
-                          <a:ea typeface="함초롬바탕"/>
-                        </a:rPr>
-                        <a:t>제품 개발 프로그래밍</a:t>
-                      </a:r>
-                      <a:endParaRPr lang="ko-KR" altLang="en-US" sz="1800" b="0" kern="0" spc="-60">
-                        <a:solidFill>
-                          <a:srgbClr val="000000"/>
-                        </a:solidFill>
-                        <a:effectLst/>
-                        <a:latin typeface="+mj-lt"/>
-                      </a:endParaRPr>
-                    </a:p>
-                  </a:txBody>
-                  <a:tcPr marL="91440" marR="91440" anchor="ctr">
-                    <a:lnL w="3556" cap="flat" cmpd="sng" algn="ctr">
-                      <a:solidFill>
-                        <a:srgbClr val="000000"/>
-                      </a:solidFill>
-                      <a:prstDash val="solid"/>
-                      <a:round/>
-                      <a:headEnd w="med" len="med"/>
-                      <a:tailEnd w="med" len="med"/>
-                    </a:lnL>
-                    <a:lnR w="3556" cap="flat" cmpd="sng" algn="ctr">
-                      <a:solidFill>
-                        <a:srgbClr val="000000"/>
-                      </a:solidFill>
-                      <a:prstDash val="solid"/>
-                      <a:round/>
-                      <a:headEnd w="med" len="med"/>
-                      <a:tailEnd w="med" len="med"/>
-                    </a:lnR>
-                    <a:lnT w="3556" cap="flat" cmpd="sng" algn="ctr">
-                      <a:solidFill>
-                        <a:srgbClr val="000000"/>
-                      </a:solidFill>
-                      <a:prstDash val="solid"/>
-                      <a:round/>
-                      <a:headEnd w="med" len="med"/>
-                      <a:tailEnd w="med" len="med"/>
-                    </a:lnT>
-                    <a:lnB w="3556" cap="flat" cmpd="sng" algn="ctr">
-                      <a:solidFill>
-                        <a:srgbClr val="000000"/>
-                      </a:solidFill>
-                      <a:prstDash val="solid"/>
-                      <a:round/>
-                      <a:headEnd w="med" len="med"/>
-                      <a:tailEnd w="med" len="med"/>
-                    </a:lnB>
-                  </a:tcPr>
-                </a:tc>
-                <a:tc>
-                  <a:txBody>
-                    <a:bodyPr vert="horz" lIns="91440" tIns="45720" rIns="91440" bIns="45720" anchor="ctr" anchorCtr="0"/>
-                    <a:p>
-                      <a:pPr marL="0" marR="0" indent="0" algn="ctr" latinLnBrk="0">
-                        <a:lnSpc>
-                          <a:spcPct val="130000"/>
-                        </a:lnSpc>
-                        <a:spcBef>
-                          <a:spcPts val="0"/>
-                        </a:spcBef>
-                        <a:spcAft>
-                          <a:spcPts val="0"/>
-                        </a:spcAft>
-                        <a:defRPr/>
-                      </a:pPr>
-                      <a:endParaRPr lang="ko-KR" altLang="en-US" sz="1800" b="0" kern="0" spc="-60">
-                        <a:solidFill>
-                          <a:srgbClr val="000000"/>
-                        </a:solidFill>
-                        <a:effectLst/>
-                        <a:latin typeface="+mj-lt"/>
-                      </a:endParaRPr>
-                    </a:p>
-                  </a:txBody>
-                  <a:tcPr marL="91440" marR="91440" anchor="ctr">
-                    <a:lnL w="3556" cap="flat" cmpd="sng" algn="ctr">
-                      <a:solidFill>
-                        <a:srgbClr val="000000"/>
-                      </a:solidFill>
-                      <a:prstDash val="solid"/>
-                      <a:round/>
-                      <a:headEnd w="med" len="med"/>
-                      <a:tailEnd w="med" len="med"/>
-                    </a:lnL>
-                    <a:lnR w="3556" cap="flat" cmpd="sng" algn="ctr">
-                      <a:solidFill>
-                        <a:srgbClr val="000000"/>
-                      </a:solidFill>
-                      <a:prstDash val="solid"/>
-                      <a:round/>
-                      <a:headEnd w="med" len="med"/>
-                      <a:tailEnd w="med" len="med"/>
-                    </a:lnR>
-                    <a:lnT w="3556" cap="flat" cmpd="sng" algn="ctr">
-                      <a:solidFill>
-                        <a:srgbClr val="000000"/>
-                      </a:solidFill>
-                      <a:prstDash val="solid"/>
-                      <a:round/>
-                      <a:headEnd w="med" len="med"/>
-                      <a:tailEnd w="med" len="med"/>
-                    </a:lnT>
-                    <a:lnB w="3556" cap="flat" cmpd="sng" algn="ctr">
-                      <a:solidFill>
-                        <a:srgbClr val="000000"/>
-                      </a:solidFill>
-                      <a:prstDash val="solid"/>
-                      <a:round/>
-                      <a:headEnd w="med" len="med"/>
-                      <a:tailEnd w="med" len="med"/>
-                    </a:lnB>
-                  </a:tcPr>
-                </a:tc>
-              </a:tr>
-              <a:tr h="511740">
-                <a:tc vMerge="1">
-                  <a:txBody>
-                    <a:bodyPr/>
-                    <a:p>
-                      <a:pPr latinLnBrk="1">
-                        <a:defRPr/>
-                      </a:pPr>
-                      <a:endParaRPr lang="ko-KR" altLang="en-US"/>
-                    </a:p>
-                  </a:txBody>
-                  <a:tcPr marL="91440" marR="91440"/>
-                </a:tc>
-                <a:tc>
-                  <a:txBody>
-                    <a:bodyPr vert="horz" lIns="91440" tIns="45720" rIns="91440" bIns="45720" anchor="ctr" anchorCtr="0"/>
-                    <a:p>
-                      <a:pPr marL="0" marR="0" indent="0" algn="ctr" latinLnBrk="0">
-                        <a:lnSpc>
-                          <a:spcPct val="130000"/>
-                        </a:lnSpc>
-                        <a:spcBef>
-                          <a:spcPts val="0"/>
-                        </a:spcBef>
-                        <a:spcAft>
-                          <a:spcPts val="0"/>
-                        </a:spcAft>
-                        <a:defRPr/>
-                      </a:pPr>
-                      <a:r>
-                        <a:rPr lang="en-US" altLang="ko-KR" sz="1800" b="0" kern="0" spc="-60">
-                          <a:solidFill>
-                            <a:srgbClr val="000000"/>
-                          </a:solidFill>
-                          <a:effectLst/>
-                          <a:latin typeface="+mj-lt"/>
-                          <a:ea typeface="함초롬바탕"/>
-                        </a:rPr>
-                        <a:t>7</a:t>
-                      </a:r>
-                      <a:r>
-                        <a:rPr lang="ko-KR" altLang="en-US" sz="1800" b="0" kern="0" spc="-60">
-                          <a:solidFill>
-                            <a:srgbClr val="000000"/>
-                          </a:solidFill>
-                          <a:effectLst/>
-                          <a:latin typeface="+mj-lt"/>
-                          <a:ea typeface="함초롬바탕"/>
-                        </a:rPr>
-                        <a:t>주차</a:t>
-                      </a:r>
-                      <a:endParaRPr lang="ko-KR" altLang="en-US" sz="1800" b="0" kern="0" spc="-60">
-                        <a:solidFill>
-                          <a:srgbClr val="000000"/>
-                        </a:solidFill>
-                        <a:effectLst/>
-                        <a:latin typeface="+mj-lt"/>
-                      </a:endParaRPr>
-                    </a:p>
-                  </a:txBody>
-                  <a:tcPr marL="91440" marR="91440" anchor="ctr">
-                    <a:lnL w="3556" cap="flat" cmpd="sng" algn="ctr">
-                      <a:solidFill>
-                        <a:srgbClr val="000000"/>
-                      </a:solidFill>
-                      <a:prstDash val="solid"/>
-                      <a:round/>
-                      <a:headEnd w="med" len="med"/>
-                      <a:tailEnd w="med" len="med"/>
-                    </a:lnL>
-                    <a:lnR w="3556" cap="flat" cmpd="sng" algn="ctr">
-                      <a:solidFill>
-                        <a:srgbClr val="000000"/>
-                      </a:solidFill>
-                      <a:prstDash val="solid"/>
-                      <a:round/>
-                      <a:headEnd w="med" len="med"/>
-                      <a:tailEnd w="med" len="med"/>
-                    </a:lnR>
-                    <a:lnT w="3556" cap="flat" cmpd="sng" algn="ctr">
-                      <a:solidFill>
-                        <a:srgbClr val="000000"/>
-                      </a:solidFill>
-                      <a:prstDash val="solid"/>
-                      <a:round/>
-                      <a:headEnd w="med" len="med"/>
-                      <a:tailEnd w="med" len="med"/>
-                    </a:lnT>
-                    <a:lnB w="3556" cap="flat" cmpd="sng" algn="ctr">
-                      <a:solidFill>
-                        <a:srgbClr val="000000"/>
-                      </a:solidFill>
-                      <a:prstDash val="solid"/>
-                      <a:round/>
-                      <a:headEnd w="med" len="med"/>
-                      <a:tailEnd w="med" len="med"/>
-                    </a:lnB>
-                  </a:tcPr>
-                </a:tc>
-                <a:tc>
-                  <a:txBody>
-                    <a:bodyPr vert="horz" lIns="91440" tIns="45720" rIns="91440" bIns="45720" anchor="ctr" anchorCtr="0"/>
-                    <a:p>
-                      <a:pPr marL="0" marR="0" indent="0" algn="ctr" latinLnBrk="0">
-                        <a:lnSpc>
-                          <a:spcPct val="130000"/>
-                        </a:lnSpc>
-                        <a:spcBef>
-                          <a:spcPts val="0"/>
-                        </a:spcBef>
-                        <a:spcAft>
-                          <a:spcPts val="0"/>
-                        </a:spcAft>
-                        <a:defRPr/>
-                      </a:pPr>
-                      <a:r>
-                        <a:rPr lang="ko-KR" altLang="en-US" sz="1800" b="0" kern="0" spc="-60">
-                          <a:solidFill>
-                            <a:srgbClr val="000000"/>
-                          </a:solidFill>
-                          <a:effectLst/>
-                          <a:latin typeface="+mj-lt"/>
-                          <a:ea typeface="함초롬바탕"/>
-                        </a:rPr>
-                        <a:t>검증 및 토의</a:t>
-                      </a:r>
-                      <a:endParaRPr lang="ko-KR" altLang="en-US" sz="1800" b="0" kern="0" spc="-60">
-                        <a:solidFill>
-                          <a:srgbClr val="000000"/>
-                        </a:solidFill>
-                        <a:effectLst/>
-                        <a:latin typeface="+mj-lt"/>
-                      </a:endParaRPr>
-                    </a:p>
-                  </a:txBody>
-                  <a:tcPr marL="91440" marR="91440" anchor="ctr">
-                    <a:lnL w="3556" cap="flat" cmpd="sng" algn="ctr">
-                      <a:solidFill>
-                        <a:srgbClr val="000000"/>
-                      </a:solidFill>
-                      <a:prstDash val="solid"/>
-                      <a:round/>
-                      <a:headEnd w="med" len="med"/>
-                      <a:tailEnd w="med" len="med"/>
-                    </a:lnL>
-                    <a:lnR w="3556" cap="flat" cmpd="sng" algn="ctr">
-                      <a:solidFill>
-                        <a:srgbClr val="000000"/>
-                      </a:solidFill>
-                      <a:prstDash val="solid"/>
-                      <a:round/>
-                      <a:headEnd w="med" len="med"/>
-                      <a:tailEnd w="med" len="med"/>
-                    </a:lnR>
-                    <a:lnT w="3556" cap="flat" cmpd="sng" algn="ctr">
-                      <a:solidFill>
-                        <a:srgbClr val="000000"/>
-                      </a:solidFill>
-                      <a:prstDash val="solid"/>
-                      <a:round/>
-                      <a:headEnd w="med" len="med"/>
-                      <a:tailEnd w="med" len="med"/>
-                    </a:lnT>
-                    <a:lnB w="3556" cap="flat" cmpd="sng" algn="ctr">
-                      <a:solidFill>
-                        <a:srgbClr val="000000"/>
-                      </a:solidFill>
-                      <a:prstDash val="solid"/>
-                      <a:round/>
-                      <a:headEnd w="med" len="med"/>
-                      <a:tailEnd w="med" len="med"/>
-                    </a:lnB>
-                  </a:tcPr>
-                </a:tc>
-                <a:tc>
-                  <a:txBody>
-                    <a:bodyPr vert="horz" lIns="91440" tIns="45720" rIns="91440" bIns="45720" anchor="ctr" anchorCtr="0"/>
-                    <a:p>
-                      <a:pPr marL="0" marR="0" indent="0" algn="ctr" latinLnBrk="0">
-                        <a:lnSpc>
-                          <a:spcPct val="130000"/>
-                        </a:lnSpc>
-                        <a:spcBef>
-                          <a:spcPts val="0"/>
-                        </a:spcBef>
-                        <a:spcAft>
-                          <a:spcPts val="0"/>
-                        </a:spcAft>
-                        <a:defRPr/>
-                      </a:pPr>
-                      <a:endParaRPr lang="ko-KR" altLang="en-US" sz="1800" b="0" kern="0" spc="-60">
-                        <a:solidFill>
-                          <a:srgbClr val="000000"/>
-                        </a:solidFill>
-                        <a:effectLst/>
-                        <a:latin typeface="+mj-lt"/>
-                      </a:endParaRPr>
-                    </a:p>
-                  </a:txBody>
-                  <a:tcPr marL="91440" marR="91440" anchor="ctr">
-                    <a:lnL w="3556" cap="flat" cmpd="sng" algn="ctr">
-                      <a:solidFill>
-                        <a:srgbClr val="000000"/>
-                      </a:solidFill>
-                      <a:prstDash val="solid"/>
-                      <a:round/>
-                      <a:headEnd w="med" len="med"/>
-                      <a:tailEnd w="med" len="med"/>
-                    </a:lnL>
-                    <a:lnR w="3556" cap="flat" cmpd="sng" algn="ctr">
-                      <a:solidFill>
-                        <a:srgbClr val="000000"/>
-                      </a:solidFill>
-                      <a:prstDash val="solid"/>
-                      <a:round/>
-                      <a:headEnd w="med" len="med"/>
-                      <a:tailEnd w="med" len="med"/>
-                    </a:lnR>
-                    <a:lnT w="3556" cap="flat" cmpd="sng" algn="ctr">
-                      <a:solidFill>
-                        <a:srgbClr val="000000"/>
-                      </a:solidFill>
-                      <a:prstDash val="solid"/>
-                      <a:round/>
-                      <a:headEnd w="med" len="med"/>
-                      <a:tailEnd w="med" len="med"/>
-                    </a:lnT>
-                    <a:lnB w="3556" cap="flat" cmpd="sng" algn="ctr">
-                      <a:solidFill>
-                        <a:srgbClr val="000000"/>
-                      </a:solidFill>
-                      <a:prstDash val="solid"/>
-                      <a:round/>
-                      <a:headEnd w="med" len="med"/>
-                      <a:tailEnd w="med" len="med"/>
-                    </a:lnB>
-                  </a:tcPr>
-                </a:tc>
-              </a:tr>
-              <a:tr h="511740">
-                <a:tc vMerge="1">
-                  <a:txBody>
-                    <a:bodyPr/>
-                    <a:p>
-                      <a:pPr latinLnBrk="1">
-                        <a:defRPr/>
-                      </a:pPr>
-                      <a:endParaRPr lang="ko-KR" altLang="en-US"/>
-                    </a:p>
-                  </a:txBody>
-                  <a:tcPr marL="91440" marR="91440"/>
-                </a:tc>
-                <a:tc>
-                  <a:txBody>
-                    <a:bodyPr vert="horz" lIns="91440" tIns="45720" rIns="91440" bIns="45720" anchor="ctr" anchorCtr="0"/>
-                    <a:p>
-                      <a:pPr marL="0" marR="0" indent="0" algn="ctr" latinLnBrk="0">
-                        <a:lnSpc>
-                          <a:spcPct val="130000"/>
-                        </a:lnSpc>
-                        <a:spcBef>
-                          <a:spcPts val="0"/>
-                        </a:spcBef>
-                        <a:spcAft>
-                          <a:spcPts val="0"/>
-                        </a:spcAft>
-                        <a:defRPr/>
-                      </a:pPr>
-                      <a:r>
-                        <a:rPr lang="en-US" altLang="ko-KR" sz="1800" b="0" kern="0" spc="-60">
-                          <a:solidFill>
-                            <a:srgbClr val="000000"/>
-                          </a:solidFill>
-                          <a:effectLst/>
-                          <a:latin typeface="+mj-lt"/>
-                          <a:ea typeface="함초롬바탕"/>
-                        </a:rPr>
-                        <a:t>8</a:t>
-                      </a:r>
-                      <a:r>
-                        <a:rPr lang="ko-KR" altLang="en-US" sz="1800" b="0" kern="0" spc="-60">
-                          <a:solidFill>
-                            <a:srgbClr val="000000"/>
-                          </a:solidFill>
-                          <a:effectLst/>
-                          <a:latin typeface="+mj-lt"/>
-                          <a:ea typeface="함초롬바탕"/>
-                        </a:rPr>
-                        <a:t>주차</a:t>
-                      </a:r>
-                      <a:endParaRPr lang="ko-KR" altLang="en-US" sz="1800" b="0" kern="0" spc="-60">
-                        <a:solidFill>
-                          <a:srgbClr val="000000"/>
-                        </a:solidFill>
-                        <a:effectLst/>
-                        <a:latin typeface="+mj-lt"/>
-                      </a:endParaRPr>
-                    </a:p>
-                  </a:txBody>
-                  <a:tcPr marL="91440" marR="91440" anchor="ctr">
-                    <a:lnL w="3556" cap="flat" cmpd="sng" algn="ctr">
-                      <a:solidFill>
-                        <a:srgbClr val="000000"/>
-                      </a:solidFill>
-                      <a:prstDash val="solid"/>
-                      <a:round/>
-                      <a:headEnd w="med" len="med"/>
-                      <a:tailEnd w="med" len="med"/>
-                    </a:lnL>
-                    <a:lnR w="3556" cap="flat" cmpd="sng" algn="ctr">
-                      <a:solidFill>
-                        <a:srgbClr val="000000"/>
-                      </a:solidFill>
-                      <a:prstDash val="solid"/>
-                      <a:round/>
-                      <a:headEnd w="med" len="med"/>
-                      <a:tailEnd w="med" len="med"/>
-                    </a:lnR>
-                    <a:lnT w="3556" cap="flat" cmpd="sng" algn="ctr">
-                      <a:solidFill>
-                        <a:srgbClr val="000000"/>
-                      </a:solidFill>
-                      <a:prstDash val="solid"/>
-                      <a:round/>
-                      <a:headEnd w="med" len="med"/>
-                      <a:tailEnd w="med" len="med"/>
-                    </a:lnT>
-                    <a:lnB w="3556" cap="flat" cmpd="sng" algn="ctr">
-                      <a:solidFill>
-                        <a:srgbClr val="000000"/>
-                      </a:solidFill>
-                      <a:prstDash val="solid"/>
-                      <a:round/>
-                      <a:headEnd w="med" len="med"/>
-                      <a:tailEnd w="med" len="med"/>
-                    </a:lnB>
-                  </a:tcPr>
-                </a:tc>
-                <a:tc>
-                  <a:txBody>
-                    <a:bodyPr vert="horz" lIns="91440" tIns="45720" rIns="91440" bIns="45720" anchor="ctr" anchorCtr="0"/>
-                    <a:p>
-                      <a:pPr marL="0" marR="0" indent="0" algn="ctr" latinLnBrk="0">
-                        <a:lnSpc>
-                          <a:spcPct val="130000"/>
-                        </a:lnSpc>
-                        <a:spcBef>
-                          <a:spcPts val="0"/>
-                        </a:spcBef>
-                        <a:spcAft>
-                          <a:spcPts val="0"/>
-                        </a:spcAft>
-                        <a:defRPr/>
-                      </a:pPr>
-                      <a:r>
-                        <a:rPr lang="ko-KR" altLang="en-US" sz="1800" b="0" kern="0" spc="-60">
-                          <a:solidFill>
-                            <a:srgbClr val="000000"/>
-                          </a:solidFill>
-                          <a:effectLst/>
-                          <a:latin typeface="+mj-lt"/>
-                          <a:ea typeface="함초롬바탕"/>
-                        </a:rPr>
-                        <a:t>실습 결과서 작성 및 토의</a:t>
-                      </a:r>
-                      <a:endParaRPr lang="ko-KR" altLang="en-US" sz="1800" b="0" kern="0" spc="-60">
-                        <a:solidFill>
-                          <a:srgbClr val="000000"/>
-                        </a:solidFill>
-                        <a:effectLst/>
-                        <a:latin typeface="+mj-lt"/>
-                      </a:endParaRPr>
-                    </a:p>
-                  </a:txBody>
-                  <a:tcPr marL="91440" marR="91440" anchor="ctr">
-                    <a:lnL w="3556" cap="flat" cmpd="sng" algn="ctr">
-                      <a:solidFill>
-                        <a:srgbClr val="000000"/>
-                      </a:solidFill>
-                      <a:prstDash val="solid"/>
-                      <a:round/>
-                      <a:headEnd w="med" len="med"/>
-                      <a:tailEnd w="med" len="med"/>
-                    </a:lnL>
-                    <a:lnR w="3556" cap="flat" cmpd="sng" algn="ctr">
-                      <a:solidFill>
-                        <a:srgbClr val="000000"/>
-                      </a:solidFill>
-                      <a:prstDash val="solid"/>
-                      <a:round/>
-                      <a:headEnd w="med" len="med"/>
-                      <a:tailEnd w="med" len="med"/>
-                    </a:lnR>
-                    <a:lnT w="3556" cap="flat" cmpd="sng" algn="ctr">
-                      <a:solidFill>
-                        <a:srgbClr val="000000"/>
-                      </a:solidFill>
-                      <a:prstDash val="solid"/>
-                      <a:round/>
-                      <a:headEnd w="med" len="med"/>
-                      <a:tailEnd w="med" len="med"/>
-                    </a:lnT>
-                    <a:lnB w="3556" cap="flat" cmpd="sng" algn="ctr">
-                      <a:solidFill>
-                        <a:srgbClr val="000000"/>
-                      </a:solidFill>
-                      <a:prstDash val="solid"/>
-                      <a:round/>
-                      <a:headEnd w="med" len="med"/>
-                      <a:tailEnd w="med" len="med"/>
-                    </a:lnB>
-                  </a:tcPr>
-                </a:tc>
-                <a:tc>
-                  <a:txBody>
-                    <a:bodyPr vert="horz" lIns="91440" tIns="45720" rIns="91440" bIns="45720" anchor="ctr" anchorCtr="0"/>
-                    <a:p>
-                      <a:pPr marL="0" marR="0" indent="0" algn="ctr" latinLnBrk="0">
-                        <a:lnSpc>
-                          <a:spcPct val="130000"/>
-                        </a:lnSpc>
-                        <a:spcBef>
-                          <a:spcPts val="0"/>
-                        </a:spcBef>
-                        <a:spcAft>
-                          <a:spcPts val="0"/>
-                        </a:spcAft>
-                        <a:defRPr/>
-                      </a:pPr>
-                      <a:endParaRPr lang="ko-KR" altLang="en-US" sz="1800" b="0" kern="0" spc="-60">
-                        <a:solidFill>
-                          <a:srgbClr val="000000"/>
-                        </a:solidFill>
-                        <a:effectLst/>
-                        <a:latin typeface="+mj-lt"/>
-                      </a:endParaRPr>
-                    </a:p>
-                  </a:txBody>
-                  <a:tcPr marL="91440" marR="91440" anchor="ctr">
-                    <a:lnL w="3556" cap="flat" cmpd="sng" algn="ctr">
-                      <a:solidFill>
-                        <a:srgbClr val="000000"/>
-                      </a:solidFill>
-                      <a:prstDash val="solid"/>
-                      <a:round/>
-                      <a:headEnd w="med" len="med"/>
-                      <a:tailEnd w="med" len="med"/>
-                    </a:lnL>
-                    <a:lnR w="3556" cap="flat" cmpd="sng" algn="ctr">
-                      <a:solidFill>
-                        <a:srgbClr val="000000"/>
-                      </a:solidFill>
-                      <a:prstDash val="solid"/>
-                      <a:round/>
-                      <a:headEnd w="med" len="med"/>
-                      <a:tailEnd w="med" len="med"/>
-                    </a:lnR>
-                    <a:lnT w="3556" cap="flat" cmpd="sng" algn="ctr">
-                      <a:solidFill>
-                        <a:srgbClr val="000000"/>
-                      </a:solidFill>
-                      <a:prstDash val="solid"/>
-                      <a:round/>
-                      <a:headEnd w="med" len="med"/>
-                      <a:tailEnd w="med" len="med"/>
-                    </a:lnT>
-                    <a:lnB w="3556" cap="flat" cmpd="sng" algn="ctr">
-                      <a:solidFill>
-                        <a:srgbClr val="000000"/>
-                      </a:solidFill>
-                      <a:prstDash val="solid"/>
-                      <a:round/>
-                      <a:headEnd w="med" len="med"/>
-                      <a:tailEnd w="med" len="med"/>
-                    </a:lnB>
-                  </a:tcPr>
-                </a:tc>
-              </a:tr>
-            </a:tbl>
-          </a:graphicData>
-        </a:graphic>
-      </p:graphicFrame>
+        </p:nvSpPr>
+        <p:spPr>
+          <a:xfrm>
+            <a:off x="0" y="0"/>
+            <a:ext cx="12192001" cy="1338109"/>
+          </a:xfrm>
+          <a:prstGeom prst="rect">
+            <a:avLst/>
+          </a:prstGeom>
+          <a:solidFill>
+            <a:schemeClr val="accent1"/>
+          </a:solidFill>
+          <a:ln>
+            <a:noFill/>
+          </a:ln>
+        </p:spPr>
+        <p:style>
+          <a:lnRef idx="2">
+            <a:schemeClr val="accent1">
+              <a:shade val="50000"/>
+            </a:schemeClr>
+          </a:lnRef>
+          <a:fillRef idx="1">
+            <a:schemeClr val="accent1"/>
+          </a:fillRef>
+          <a:effectRef idx="0">
+            <a:schemeClr val="accent1"/>
+          </a:effectRef>
+          <a:fontRef idx="minor">
+            <a:schemeClr val="lt1"/>
+          </a:fontRef>
+        </p:style>
+        <p:txBody>
+          <a:bodyPr anchor="ctr"/>
+          <a:lstStyle/>
+          <a:p>
+            <a:pPr>
+              <a:defRPr/>
+            </a:pPr>
+            <a:r>
+              <a:rPr kumimoji="1" lang="en-US" altLang="ko-KR" sz="4800"/>
+              <a:t>3.1</a:t>
+            </a:r>
+            <a:r>
+              <a:rPr kumimoji="1" lang="ko-KR" altLang="en-US" sz="4800"/>
+              <a:t> 계획 예상 일정 </a:t>
+            </a:r>
+            <a:r>
+              <a:rPr kumimoji="1" lang="en-US" altLang="ko-KR" sz="4800"/>
+              <a:t>(</a:t>
+            </a:r>
+            <a:r>
+              <a:rPr kumimoji="1" lang="ko-KR" altLang="en-US" sz="4800"/>
+              <a:t>미완</a:t>
+            </a:r>
+            <a:r>
+              <a:rPr kumimoji="1" lang="en-US" altLang="ko-KR" sz="4800"/>
+              <a:t>)</a:t>
+            </a:r>
+            <a:endParaRPr kumimoji="1" lang="en-US" altLang="ko-KR" sz="4800"/>
+          </a:p>
+        </p:txBody>
+      </p:sp>
+      <p:pic>
+        <p:nvPicPr>
+          <p:cNvPr id="4" name=""/>
+          <p:cNvPicPr>
+            <a:picLocks noChangeAspect="1"/>
+          </p:cNvPicPr>
+          <p:nvPr/>
+        </p:nvPicPr>
+        <p:blipFill rotWithShape="1">
+          <a:blip r:embed="rId2"/>
+          <a:stretch>
+            <a:fillRect/>
+          </a:stretch>
+        </p:blipFill>
+        <p:spPr>
+          <a:xfrm>
+            <a:off x="2076449" y="1352990"/>
+            <a:ext cx="8039100" cy="5303520"/>
+          </a:xfrm>
+          <a:prstGeom prst="rect">
+            <a:avLst/>
+          </a:prstGeom>
+        </p:spPr>
+      </p:pic>
     </p:spTree>
   </p:cSld>
   <p:clrMapOvr>

--- a/2021_Summer/jp.hong/Project_BnC_jph.pptx
+++ b/2021_Summer/jp.hong/Project_BnC_jph.pptx
@@ -2,7 +2,7 @@
 <file path=ppt/presentation.xml><?xml version="1.0" encoding="utf-8"?>
 <p:presentation xmlns:r="http://schemas.openxmlformats.org/officeDocument/2006/relationships" xmlns:c="http://schemas.openxmlformats.org/drawingml/2006/chart" xmlns:a="http://schemas.openxmlformats.org/drawingml/2006/main" xmlns:dgm="http://schemas.openxmlformats.org/drawingml/2006/diagram" xmlns:dsp="http://schemas.microsoft.com/office/drawing/2008/diagram" xmlns:p="http://schemas.openxmlformats.org/presentationml/2006/main">
   <p:sldMasterIdLst>
-    <p:sldMasterId id="2147483668" r:id="rId1"/>
+    <p:sldMasterId id="2147483679" r:id="rId1"/>
   </p:sldMasterIdLst>
   <p:sldIdLst>
     <p:sldId id="261" r:id="rId2"/>
@@ -27,19 +27,23 @@
     <p:sldId id="326" r:id="rId21"/>
     <p:sldId id="327" r:id="rId22"/>
     <p:sldId id="329" r:id="rId23"/>
-    <p:sldId id="333" r:id="rId24"/>
-    <p:sldId id="289" r:id="rId25"/>
-    <p:sldId id="297" r:id="rId26"/>
-    <p:sldId id="290" r:id="rId27"/>
-    <p:sldId id="298" r:id="rId28"/>
-    <p:sldId id="291" r:id="rId29"/>
-    <p:sldId id="299" r:id="rId30"/>
-    <p:sldId id="292" r:id="rId31"/>
-    <p:sldId id="300" r:id="rId32"/>
-    <p:sldId id="306" r:id="rId33"/>
-    <p:sldId id="307" r:id="rId34"/>
-    <p:sldId id="294" r:id="rId35"/>
-    <p:sldId id="302" r:id="rId36"/>
+    <p:sldId id="334" r:id="rId24"/>
+    <p:sldId id="333" r:id="rId25"/>
+    <p:sldId id="289" r:id="rId26"/>
+    <p:sldId id="297" r:id="rId27"/>
+    <p:sldId id="290" r:id="rId28"/>
+    <p:sldId id="298" r:id="rId29"/>
+    <p:sldId id="335" r:id="rId30"/>
+    <p:sldId id="336" r:id="rId31"/>
+    <p:sldId id="337" r:id="rId32"/>
+    <p:sldId id="291" r:id="rId33"/>
+    <p:sldId id="299" r:id="rId34"/>
+    <p:sldId id="292" r:id="rId35"/>
+    <p:sldId id="300" r:id="rId36"/>
+    <p:sldId id="306" r:id="rId37"/>
+    <p:sldId id="307" r:id="rId38"/>
+    <p:sldId id="294" r:id="rId39"/>
+    <p:sldId id="302" r:id="rId40"/>
   </p:sldIdLst>
   <p:sldSz cx="12192000" cy="6858000"/>
   <p:notesSz cx="7104063" cy="10234613"/>
@@ -4213,7 +4217,7 @@
         </p:spPr>
         <p:txBody>
           <a:bodyPr>
-            <a:normAutofit fontScale="77500" lnSpcReduction="20000"/>
+            <a:normAutofit fontScale="70000" lnSpcReduction="20000"/>
           </a:bodyPr>
           <a:lstStyle/>
           <a:p>
@@ -4366,7 +4370,7 @@
             <a:pPr>
               <a:defRPr/>
             </a:pPr>
-            <a:endParaRPr lang="en-US" altLang="ko-KR"/>
+            <a:endParaRPr lang="ko-KR" altLang="en-US"/>
           </a:p>
           <a:p>
             <a:pPr>
@@ -4374,30 +4378,41 @@
             </a:pPr>
             <a:r>
               <a:rPr lang="ko-KR" altLang="en-US"/>
-              <a:t>자동차 관련 소식</a:t>
-            </a:r>
-            <a:r>
-              <a:rPr lang="en-US" altLang="ko-KR"/>
-              <a:t>(</a:t>
-            </a:r>
-            <a:r>
-              <a:rPr lang="ko-KR" altLang="en-US"/>
-              <a:t>신차 출시 예정 등</a:t>
-            </a:r>
-            <a:r>
-              <a:rPr lang="en-US" altLang="ko-KR"/>
-              <a:t>)</a:t>
-            </a:r>
-            <a:endParaRPr lang="en-US" altLang="ko-KR"/>
-          </a:p>
-          <a:p>
-            <a:pPr>
-              <a:defRPr/>
-            </a:pPr>
+              <a:t>블루투스 연동</a:t>
+            </a:r>
             <a:endParaRPr lang="ko-KR" altLang="en-US"/>
           </a:p>
           <a:p>
-            <a:pPr>
+            <a:pPr marL="0" indent="0" algn="just">
+              <a:lnSpc>
+                <a:spcPct val="160000"/>
+              </a:lnSpc>
+              <a:spcBef>
+                <a:spcPts val="0"/>
+              </a:spcBef>
+              <a:spcAft>
+                <a:spcPts val="0"/>
+              </a:spcAft>
+              <a:buNone/>
+              <a:defRPr/>
+            </a:pPr>
+            <a:r>
+              <a:rPr xmlns:mc="http://schemas.openxmlformats.org/markup-compatibility/2006" xmlns:hp="http://schemas.haansoft.com/office/presentation/8.0" lang="en-US" altLang="ko-KR" b="0" i="0" u="sng" strike="noStrike" mc:Ignorable="hp" hp:hslEmbossed="0">
+                <a:hlinkClick r:id="rId7"/>
+              </a:rPr>
+              <a:t>https://yeolco.tistory.com/80?category=757621</a:t>
+            </a:r>
+            <a:endParaRPr lang="ko-KR" altLang="en-US"/>
+          </a:p>
+          <a:p>
+            <a:pPr>
+              <a:defRPr/>
+            </a:pPr>
+            <a:endParaRPr lang="ko-KR" altLang="en-US"/>
+          </a:p>
+          <a:p>
+            <a:pPr marL="0" indent="0">
+              <a:buNone/>
               <a:defRPr/>
             </a:pPr>
             <a:endParaRPr lang="ko-KR" altLang="en-US"/>
@@ -4502,7 +4517,7 @@
         </p:spPr>
         <p:txBody>
           <a:bodyPr>
-            <a:normAutofit fontScale="92500" lnSpcReduction="10000"/>
+            <a:normAutofit fontScale="62500" lnSpcReduction="20000"/>
           </a:bodyPr>
           <a:lstStyle/>
           <a:p>
@@ -4734,7 +4749,99 @@
             <a:endParaRPr lang="en-US" altLang="ko-KR"/>
           </a:p>
           <a:p>
-            <a:pPr>
+            <a:pPr lvl="0">
+              <a:defRPr/>
+            </a:pPr>
+            <a:endParaRPr lang="en-US" altLang="ko-KR"/>
+          </a:p>
+          <a:p>
+            <a:pPr lvl="0">
+              <a:defRPr/>
+            </a:pPr>
+            <a:r>
+              <a:rPr lang="ko-KR" altLang="en-US"/>
+              <a:t>좋아요 기능</a:t>
+            </a:r>
+            <a:endParaRPr lang="ko-KR" altLang="en-US"/>
+          </a:p>
+          <a:p>
+            <a:pPr marL="0" lvl="0" indent="0">
+              <a:buNone/>
+              <a:defRPr/>
+            </a:pPr>
+            <a:r>
+              <a:rPr lang="en-US" altLang="ko-KR"/>
+              <a:t>-</a:t>
+            </a:r>
+            <a:r>
+              <a:rPr lang="ko-KR" altLang="en-US"/>
+              <a:t> </a:t>
+            </a:r>
+            <a:r>
+              <a:rPr lang="en-US" altLang="ko-KR">
+                <a:hlinkClick r:id="rId6"/>
+              </a:rPr>
+              <a:t>http://yoonbumtae.com/?p=3287</a:t>
+            </a:r>
+            <a:endParaRPr lang="en-US" altLang="ko-KR"/>
+          </a:p>
+          <a:p>
+            <a:pPr marL="0" lvl="0" indent="0">
+              <a:buNone/>
+              <a:defRPr/>
+            </a:pPr>
+            <a:r>
+              <a:rPr lang="ko-KR" altLang="en-US"/>
+              <a:t> </a:t>
+            </a:r>
+            <a:r>
+              <a:rPr lang="en-US" altLang="ko-KR"/>
+              <a:t>-</a:t>
+            </a:r>
+            <a:r>
+              <a:rPr lang="ko-KR" altLang="en-US"/>
+              <a:t> </a:t>
+            </a:r>
+            <a:r>
+              <a:rPr lang="en-US" altLang="ko-KR">
+                <a:hlinkClick r:id="rId7"/>
+              </a:rPr>
+              <a:t>https://onecutwook.tistory.com/23</a:t>
+            </a:r>
+            <a:endParaRPr lang="ko-KR" altLang="en-US"/>
+          </a:p>
+          <a:p>
+            <a:pPr lvl="0">
+              <a:defRPr/>
+            </a:pPr>
+            <a:r>
+              <a:rPr lang="en-US" altLang="ko-KR"/>
+              <a:t>OAuth</a:t>
+            </a:r>
+            <a:endParaRPr lang="en-US" altLang="ko-KR"/>
+          </a:p>
+          <a:p>
+            <a:pPr marL="0" lvl="0" indent="0">
+              <a:buNone/>
+              <a:defRPr/>
+            </a:pPr>
+            <a:r>
+              <a:rPr lang="en-US" altLang="ko-KR">
+                <a:hlinkClick r:id="rId8"/>
+              </a:rPr>
+              <a:t>https://thiago6.tistory.com/44?category=827160</a:t>
+            </a:r>
+            <a:endParaRPr lang="en-US" altLang="ko-KR"/>
+          </a:p>
+          <a:p>
+            <a:pPr marL="0" lvl="0" indent="0">
+              <a:buNone/>
+              <a:defRPr/>
+            </a:pPr>
+            <a:endParaRPr lang="en-US" altLang="ko-KR"/>
+          </a:p>
+          <a:p>
+            <a:pPr lvl="0">
               <a:defRPr/>
             </a:pPr>
             <a:endParaRPr lang="en-US" altLang="ko-KR"/>
@@ -5001,9 +5108,25 @@
               <a:rPr xmlns:mc="http://schemas.openxmlformats.org/markup-compatibility/2006" xmlns:hp="http://schemas.haansoft.com/office/presentation/8.0" lang="EN-US" sz="1764" b="0" i="0" u="sng" strike="noStrike" mc:Ignorable="hp" hp:hslEmbossed="0">
                 <a:hlinkClick r:id="rId6"/>
               </a:rPr>
-              <a:t>https://velog.io/@kjh03160/1-%EC%86%8C%ED%94%84%ED%8A%B8%EC%9B%A8%EC%96%B4-%EC%84%A4%EA%B3%84.-1.-%EC%9A%94%EA%B5%AC-%EC%82%AC%ED%95%AD-%ED%99%95%EC%9D%B8.-2-%EC%9A%94%EA%B5%AC-%EC%82%AC%ED%95%AD-%EB%B6%84%EC%84%9D</a:t>
-            </a:r>
-            <a:endParaRPr xmlns:mc="http://schemas.openxmlformats.org/markup-compatibility/2006" xmlns:hp="http://schemas.haansoft.com/office/presentation/8.0" lang="EN-US" sz="1764" b="0" i="0" u="sng" strike="noStrike" mc:Ignorable="hp" hp:hslEmbossed="0"/>
+              <a:t>https://velog.io/@kjh03160/1-%EC%86%8C%ED%94%84%ED%8A%B8%EC%9B%A8%EC%96%B4-%EC%84%A4%EA%B3%84.-1.-%EC%9A%94%EA%B</a:t>
+            </a:r>
+            <a:endParaRPr xmlns:mc="http://schemas.openxmlformats.org/markup-compatibility/2006" xmlns:hp="http://schemas.haansoft.com/office/presentation/8.0" lang="en-US" altLang="ko-KR" sz="1764" b="0" i="0" u="sng" strike="noStrike" mc:Ignorable="hp" hp:hslEmbossed="0"/>
+          </a:p>
+          <a:p>
+            <a:pPr marL="0" indent="0" algn="just">
+              <a:lnSpc>
+                <a:spcPct val="160000"/>
+              </a:lnSpc>
+              <a:spcBef>
+                <a:spcPts val="0"/>
+              </a:spcBef>
+              <a:spcAft>
+                <a:spcPts val="0"/>
+              </a:spcAft>
+              <a:buNone/>
+              <a:defRPr/>
+            </a:pPr>
+            <a:endParaRPr xmlns:mc="http://schemas.openxmlformats.org/markup-compatibility/2006" xmlns:hp="http://schemas.haansoft.com/office/presentation/8.0" lang="en-US" altLang="ko-KR" sz="1764" b="0" i="0" u="sng" strike="noStrike" mc:Ignorable="hp" hp:hslEmbossed="0"/>
           </a:p>
           <a:p>
             <a:pPr marL="0" indent="0" algn="just">
@@ -13689,6 +13812,283 @@
           <a:lstStyle/>
           <a:p>
             <a:pPr>
+              <a:defRPr/>
+            </a:pPr>
+            <a:r>
+              <a:rPr kumimoji="1" lang="en-US" altLang="ko-KR" sz="4800"/>
+              <a:t>2-3.</a:t>
+            </a:r>
+            <a:r>
+              <a:rPr kumimoji="1" lang="ko-KR" altLang="en-US" sz="4800"/>
+              <a:t> 요구사항 분석</a:t>
+            </a:r>
+            <a:endParaRPr kumimoji="1" lang="ko-KR" altLang="en-US" sz="4800"/>
+          </a:p>
+        </p:txBody>
+      </p:sp>
+      <p:sp>
+        <p:nvSpPr>
+          <p:cNvPr id="5" name=""/>
+          <p:cNvSpPr/>
+          <p:nvPr/>
+        </p:nvSpPr>
+        <p:spPr>
+          <a:xfrm>
+            <a:off x="0" y="1773630"/>
+            <a:ext cx="12192000" cy="5074844"/>
+          </a:xfrm>
+          <a:prstGeom prst="rect">
+            <a:avLst/>
+          </a:prstGeom>
+          <a:noFill/>
+          <a:ln>
+            <a:noFill/>
+          </a:ln>
+        </p:spPr>
+        <p:style>
+          <a:lnRef idx="2">
+            <a:schemeClr val="accent1">
+              <a:shade val="20000"/>
+            </a:schemeClr>
+          </a:lnRef>
+          <a:fillRef idx="1">
+            <a:schemeClr val="accent1"/>
+          </a:fillRef>
+          <a:effectRef idx="0">
+            <a:schemeClr val="accent1"/>
+          </a:effectRef>
+          <a:fontRef idx="minor">
+            <a:schemeClr val="lt1"/>
+          </a:fontRef>
+        </p:style>
+        <p:txBody>
+          <a:bodyPr anchor="ctr"/>
+          <a:lstStyle/>
+          <a:p>
+            <a:pPr>
+              <a:defRPr/>
+            </a:pPr>
+            <a:r>
+              <a:rPr lang="ko-KR" altLang="en-US" sz="2000">
+                <a:solidFill>
+                  <a:schemeClr val="dk1"/>
+                </a:solidFill>
+              </a:rPr>
+              <a:t>개발에 필요한 요구사항 분석 </a:t>
+            </a:r>
+            <a:r>
+              <a:rPr lang="en-US" altLang="ko-KR" sz="2000">
+                <a:solidFill>
+                  <a:schemeClr val="dk1"/>
+                </a:solidFill>
+              </a:rPr>
+              <a:t>(</a:t>
+            </a:r>
+            <a:r>
+              <a:rPr lang="ko-KR" altLang="en-US" sz="2000">
+                <a:solidFill>
+                  <a:schemeClr val="dk1"/>
+                </a:solidFill>
+              </a:rPr>
+              <a:t>실현성 확인</a:t>
+            </a:r>
+            <a:r>
+              <a:rPr lang="en-US" altLang="ko-KR" sz="2000">
+                <a:solidFill>
+                  <a:schemeClr val="dk1"/>
+                </a:solidFill>
+              </a:rPr>
+              <a:t>)</a:t>
+            </a:r>
+            <a:endParaRPr lang="en-US" altLang="ko-KR" sz="2000">
+              <a:solidFill>
+                <a:schemeClr val="dk1"/>
+              </a:solidFill>
+            </a:endParaRPr>
+          </a:p>
+          <a:p>
+            <a:pPr>
+              <a:defRPr/>
+            </a:pPr>
+            <a:endParaRPr lang="en-US" altLang="ko-KR" sz="2000">
+              <a:solidFill>
+                <a:schemeClr val="dk1"/>
+              </a:solidFill>
+            </a:endParaRPr>
+          </a:p>
+          <a:p>
+            <a:pPr>
+              <a:defRPr/>
+            </a:pPr>
+            <a:r>
+              <a:rPr lang="ko-KR" altLang="en-US" sz="2000" strike="sngStrike">
+                <a:solidFill>
+                  <a:schemeClr val="dk1"/>
+                </a:solidFill>
+              </a:rPr>
+              <a:t>차량 관련 새소식</a:t>
+            </a:r>
+            <a:endParaRPr lang="ko-KR" altLang="en-US" sz="2000">
+              <a:solidFill>
+                <a:schemeClr val="dk1"/>
+              </a:solidFill>
+            </a:endParaRPr>
+          </a:p>
+          <a:p>
+            <a:pPr>
+              <a:defRPr/>
+            </a:pPr>
+            <a:r>
+              <a:rPr lang="ko-KR" altLang="en-US" sz="2000">
+                <a:solidFill>
+                  <a:schemeClr val="dk1"/>
+                </a:solidFill>
+              </a:rPr>
+              <a:t> </a:t>
+            </a:r>
+            <a:r>
+              <a:rPr lang="en-US" altLang="ko-KR" sz="2000">
+                <a:solidFill>
+                  <a:schemeClr val="dk1"/>
+                </a:solidFill>
+              </a:rPr>
+              <a:t>-</a:t>
+            </a:r>
+            <a:r>
+              <a:rPr lang="ko-KR" altLang="en-US" sz="2000">
+                <a:solidFill>
+                  <a:schemeClr val="dk1"/>
+                </a:solidFill>
+              </a:rPr>
+              <a:t> 어플의 취지와 맞지 않는 의견이라 생각됨</a:t>
+            </a:r>
+            <a:endParaRPr lang="ko-KR" altLang="en-US" sz="2000">
+              <a:solidFill>
+                <a:schemeClr val="dk1"/>
+              </a:solidFill>
+            </a:endParaRPr>
+          </a:p>
+          <a:p>
+            <a:pPr>
+              <a:defRPr/>
+            </a:pPr>
+            <a:r>
+              <a:rPr lang="ko-KR" altLang="en-US" sz="2000">
+                <a:solidFill>
+                  <a:schemeClr val="dk1"/>
+                </a:solidFill>
+              </a:rPr>
+              <a:t> </a:t>
+            </a:r>
+            <a:r>
+              <a:rPr lang="en-US" altLang="ko-KR" sz="2000">
+                <a:solidFill>
+                  <a:schemeClr val="dk1"/>
+                </a:solidFill>
+              </a:rPr>
+              <a:t>-</a:t>
+            </a:r>
+            <a:r>
+              <a:rPr lang="ko-KR" altLang="en-US" sz="2000">
+                <a:solidFill>
+                  <a:schemeClr val="dk1"/>
+                </a:solidFill>
+              </a:rPr>
+              <a:t> 삭제 예정</a:t>
+            </a:r>
+            <a:endParaRPr lang="ko-KR" altLang="en-US" sz="2000">
+              <a:solidFill>
+                <a:schemeClr val="dk1"/>
+              </a:solidFill>
+            </a:endParaRPr>
+          </a:p>
+          <a:p>
+            <a:pPr>
+              <a:defRPr/>
+            </a:pPr>
+            <a:endParaRPr lang="ko-KR" altLang="en-US" sz="2000">
+              <a:solidFill>
+                <a:schemeClr val="dk1"/>
+              </a:solidFill>
+            </a:endParaRPr>
+          </a:p>
+        </p:txBody>
+      </p:sp>
+    </p:spTree>
+  </p:cSld>
+  <p:clrMapOvr>
+    <a:masterClrMapping/>
+  </p:clrMapOvr>
+  <mc:AlternateContent xmlns:mc="http://schemas.openxmlformats.org/markup-compatibility/2006">
+    <mc:Choice xmlns:p14="http://schemas.microsoft.com/office/powerpoint/2010/main" Requires="p14">
+      <p:transition xmlns:mc="http://schemas.openxmlformats.org/markup-compatibility/2006" xmlns:p14="http://schemas.microsoft.com/office/powerpoint/2010/main" mc:Ignorable="p14" p14:dur="500"/>
+    </mc:Choice>
+    <mc:Fallback>
+      <p:transition/>
+    </mc:Fallback>
+  </mc:AlternateContent>
+</p:sld>
+</file>
+
+<file path=ppt/slides/slide24.xml><?xml version="1.0" encoding="utf-8"?>
+<p:sld xmlns:r="http://schemas.openxmlformats.org/officeDocument/2006/relationships" xmlns:c="http://schemas.openxmlformats.org/drawingml/2006/chart" xmlns:a="http://schemas.openxmlformats.org/drawingml/2006/main" xmlns:dgm="http://schemas.openxmlformats.org/drawingml/2006/diagram" xmlns:dsp="http://schemas.microsoft.com/office/drawing/2008/diagram" xmlns:p="http://schemas.openxmlformats.org/presentationml/2006/main">
+  <p:cSld>
+    <p:spTree>
+      <p:nvGrpSpPr>
+        <p:cNvPr id="1" name=""/>
+        <p:cNvGrpSpPr/>
+        <p:nvPr/>
+      </p:nvGrpSpPr>
+      <p:grpSpPr>
+        <a:xfrm>
+          <a:off x="0" y="0"/>
+          <a:ext cx="0" cy="0"/>
+          <a:chOff x="0" y="0"/>
+          <a:chExt cx="0" cy="0"/>
+        </a:xfrm>
+      </p:grpSpPr>
+      <p:sp>
+        <p:nvSpPr>
+          <p:cNvPr id="4" name="직사각형 9"/>
+          <p:cNvSpPr/>
+          <p:nvPr/>
+        </p:nvSpPr>
+        <p:spPr>
+          <a:xfrm>
+            <a:off x="0" y="0"/>
+            <a:ext cx="12192001" cy="1338109"/>
+          </a:xfrm>
+          <a:prstGeom prst="rect">
+            <a:avLst/>
+          </a:prstGeom>
+          <a:solidFill>
+            <a:schemeClr val="accent1"/>
+          </a:solidFill>
+          <a:ln>
+            <a:noFill/>
+          </a:ln>
+        </p:spPr>
+        <p:style>
+          <a:lnRef idx="2">
+            <a:schemeClr val="accent1">
+              <a:shade val="50000"/>
+            </a:schemeClr>
+          </a:lnRef>
+          <a:fillRef idx="1">
+            <a:schemeClr val="accent1"/>
+          </a:fillRef>
+          <a:effectRef idx="0">
+            <a:schemeClr val="accent1"/>
+          </a:effectRef>
+          <a:fontRef idx="minor">
+            <a:schemeClr val="lt1"/>
+          </a:fontRef>
+        </p:style>
+        <p:txBody>
+          <a:bodyPr anchor="ctr"/>
+          <a:lstStyle/>
+          <a:p>
+            <a:pPr>
               <a:tabLst>
                 <a:tab pos="4850694" algn="l"/>
               </a:tabLst>
@@ -13700,25 +14100,9 @@
             </a:r>
             <a:r>
               <a:rPr kumimoji="1" lang="ko-KR" altLang="en-US" sz="4800"/>
-              <a:t> 데이터 흐름도 </a:t>
-            </a:r>
-            <a:r>
-              <a:rPr kumimoji="1" lang="en-US" altLang="ko-KR" sz="4800"/>
-              <a:t>(</a:t>
-            </a:r>
-            <a:r>
-              <a:rPr kumimoji="1" lang="ko-KR" altLang="en-US" sz="4800"/>
-              <a:t>구상</a:t>
-            </a:r>
-            <a:r>
-              <a:rPr kumimoji="1" lang="en-US" altLang="ko-KR" sz="4800"/>
-              <a:t>)</a:t>
-            </a:r>
-            <a:r>
-              <a:rPr kumimoji="1" lang="ko-KR" altLang="en-US" sz="4800"/>
-              <a:t> 미완</a:t>
-            </a:r>
-            <a:endParaRPr kumimoji="1" lang="ko-KR" altLang="en-US" sz="4800"/>
+              <a:t> 데이터 흐름도 구상</a:t>
+            </a:r>
+            <a:endParaRPr kumimoji="1" lang="en-US" altLang="ko-KR" sz="4800"/>
           </a:p>
         </p:txBody>
       </p:sp>
@@ -13774,7 +14158,7 @@
       </p:sp>
       <p:pic>
         <p:nvPicPr>
-          <p:cNvPr id="7" name=""/>
+          <p:cNvPr id="8" name=""/>
           <p:cNvPicPr>
             <a:picLocks noChangeAspect="1"/>
           </p:cNvPicPr>
@@ -13788,8 +14172,8 @@
         </p:blipFill>
         <p:spPr>
           <a:xfrm>
-            <a:off x="2709022" y="1345917"/>
-            <a:ext cx="6773954" cy="5512083"/>
+            <a:off x="0" y="1349406"/>
+            <a:ext cx="6655024" cy="5508593"/>
           </a:xfrm>
           <a:prstGeom prst="rect">
             <a:avLst/>
@@ -13812,7 +14196,7 @@
 </p:sld>
 </file>
 
-<file path=ppt/slides/slide24.xml><?xml version="1.0" encoding="utf-8"?>
+<file path=ppt/slides/slide25.xml><?xml version="1.0" encoding="utf-8"?>
 <p:sld xmlns:a="http://schemas.openxmlformats.org/drawingml/2006/main" xmlns:r="http://schemas.openxmlformats.org/officeDocument/2006/relationships" xmlns:p="http://schemas.openxmlformats.org/presentationml/2006/main">
   <p:cSld>
     <p:spTree>
@@ -14090,7 +14474,7 @@
 </p:sld>
 </file>
 
-<file path=ppt/slides/slide25.xml><?xml version="1.0" encoding="utf-8"?>
+<file path=ppt/slides/slide26.xml><?xml version="1.0" encoding="utf-8"?>
 <p:sld xmlns:r="http://schemas.openxmlformats.org/officeDocument/2006/relationships" xmlns:c="http://schemas.openxmlformats.org/drawingml/2006/chart" xmlns:a="http://schemas.openxmlformats.org/drawingml/2006/main" xmlns:dgm="http://schemas.openxmlformats.org/drawingml/2006/diagram" xmlns:dsp="http://schemas.microsoft.com/office/drawing/2008/diagram" xmlns:p="http://schemas.openxmlformats.org/presentationml/2006/main">
   <p:cSld>
     <p:spTree>
@@ -14215,8 +14599,8 @@
 </p:sld>
 </file>
 
-<file path=ppt/slides/slide26.xml><?xml version="1.0" encoding="utf-8"?>
-<p:sld xmlns:a="http://schemas.openxmlformats.org/drawingml/2006/main" xmlns:r="http://schemas.openxmlformats.org/officeDocument/2006/relationships" xmlns:p="http://schemas.openxmlformats.org/presentationml/2006/main">
+<file path=ppt/slides/slide27.xml><?xml version="1.0" encoding="utf-8"?>
+<p:sld xmlns:r="http://schemas.openxmlformats.org/officeDocument/2006/relationships" xmlns:c="http://schemas.openxmlformats.org/drawingml/2006/chart" xmlns:a="http://schemas.openxmlformats.org/drawingml/2006/main" xmlns:dgm="http://schemas.openxmlformats.org/drawingml/2006/diagram" xmlns:dsp="http://schemas.microsoft.com/office/drawing/2008/diagram" xmlns:p="http://schemas.openxmlformats.org/presentationml/2006/main">
   <p:cSld>
     <p:spTree>
       <p:nvGrpSpPr>
@@ -14272,20 +14656,20 @@
           </a:fontRef>
         </p:style>
         <p:txBody>
-          <a:bodyPr rtlCol="0" anchor="ctr"/>
+          <a:bodyPr anchor="ctr"/>
           <a:lstStyle/>
           <a:p>
-            <a:pPr algn="ctr"/>
-            <a:endParaRPr kumimoji="1" lang="ko-KR" altLang="en-US" dirty="0"/>
+            <a:pPr algn="ctr">
+              <a:defRPr/>
+            </a:pPr>
+            <a:endParaRPr kumimoji="1" lang="ko-KR" altLang="en-US"/>
           </a:p>
         </p:txBody>
       </p:sp>
       <p:sp>
         <p:nvSpPr>
           <p:cNvPr id="12" name="부제목 2"/>
-          <p:cNvSpPr txBox="1">
-            <a:spLocks/>
-          </p:cNvSpPr>
+          <p:cNvSpPr txBox="1"/>
           <p:nvPr/>
         </p:nvSpPr>
         <p:spPr>
@@ -14298,7 +14682,7 @@
           </a:prstGeom>
         </p:spPr>
         <p:txBody>
-          <a:bodyPr vert="horz" lIns="91440" tIns="45720" rIns="91440" bIns="45720" rtlCol="0" anchor="ctr">
+          <a:bodyPr vert="horz" lIns="91440" tIns="45720" rIns="91440" bIns="45720" anchor="ctr">
             <a:noAutofit/>
           </a:bodyPr>
           <a:lstStyle>
@@ -14466,34 +14850,101 @@
             </a:lvl9pPr>
           </a:lstStyle>
           <a:p>
-            <a:r>
-              <a:rPr lang="ko-KR" altLang="en-US" sz="4800" dirty="0">
+            <a:pPr lvl="0">
+              <a:defRPr/>
+            </a:pPr>
+            <a:r>
+              <a:rPr lang="ko-KR" altLang="en-US" sz="4800">
                 <a:solidFill>
                   <a:schemeClr val="bg1"/>
                 </a:solidFill>
                 <a:latin typeface="+mj-lt"/>
-                <a:ea typeface="맑은 고딕" charset="-127"/>
-                <a:cs typeface="맑은 고딕" charset="-127"/>
+                <a:ea typeface="맑은 고딕"/>
+                <a:cs typeface="맑은 고딕"/>
               </a:rPr>
               <a:t>기능 모듈 설계</a:t>
             </a:r>
+            <a:endParaRPr lang="ko-KR" altLang="en-US" sz="4800">
+              <a:solidFill>
+                <a:schemeClr val="bg1"/>
+              </a:solidFill>
+              <a:latin typeface="+mj-lt"/>
+              <a:ea typeface="맑은 고딕"/>
+              <a:cs typeface="맑은 고딕"/>
+            </a:endParaRPr>
+          </a:p>
+        </p:txBody>
+      </p:sp>
+      <p:sp>
+        <p:nvSpPr>
+          <p:cNvPr id="13" name="내용 개체 틀 2"/>
+          <p:cNvSpPr>
+            <a:spLocks noGrp="1"/>
+          </p:cNvSpPr>
+          <p:nvPr>
+            <p:ph idx="1"/>
+          </p:nvPr>
+        </p:nvSpPr>
+        <p:spPr>
+          <a:xfrm>
+            <a:off x="0" y="3712308"/>
+            <a:ext cx="12192000" cy="3145691"/>
+          </a:xfrm>
+        </p:spPr>
+        <p:txBody>
+          <a:bodyPr vert="horz" lIns="91440" tIns="45720" rIns="91440" bIns="45720">
+            <a:normAutofit/>
+          </a:bodyPr>
+          <a:lstStyle/>
+          <a:p>
+            <a:pPr lvl="0">
+              <a:defRPr/>
+            </a:pPr>
+            <a:r>
+              <a:rPr lang="en-US" altLang="ko-KR"/>
+              <a:t>4-1. Menu_Tree</a:t>
+            </a:r>
+            <a:endParaRPr lang="en-US" altLang="ko-KR"/>
+          </a:p>
+          <a:p>
+            <a:pPr lvl="0">
+              <a:defRPr/>
+            </a:pPr>
+            <a:r>
+              <a:rPr lang="en-US" altLang="ko-KR"/>
+              <a:t>4-2. Flow_Chart</a:t>
+            </a:r>
+            <a:endParaRPr lang="en-US" altLang="ko-KR"/>
+          </a:p>
+          <a:p>
+            <a:pPr lvl="0">
+              <a:defRPr/>
+            </a:pPr>
+            <a:r>
+              <a:rPr lang="en-US" altLang="ko-KR"/>
+              <a:t>4-3. Sequence</a:t>
+            </a:r>
+            <a:endParaRPr lang="en-US" altLang="ko-KR"/>
           </a:p>
         </p:txBody>
       </p:sp>
     </p:spTree>
-    <p:extLst>
-      <p:ext uri="{BB962C8B-B14F-4D97-AF65-F5344CB8AC3E}">
-        <p14:creationId xmlns:p14="http://schemas.microsoft.com/office/powerpoint/2010/main" val="3636615241"/>
-      </p:ext>
-    </p:extLst>
   </p:cSld>
   <p:clrMapOvr>
     <a:masterClrMapping/>
   </p:clrMapOvr>
+  <mc:AlternateContent xmlns:mc="http://schemas.openxmlformats.org/markup-compatibility/2006">
+    <mc:Choice xmlns:p14="http://schemas.microsoft.com/office/powerpoint/2010/main" Requires="p14">
+      <p:transition xmlns:mc="http://schemas.openxmlformats.org/markup-compatibility/2006" xmlns:p14="http://schemas.microsoft.com/office/powerpoint/2010/main" mc:Ignorable="p14" p14:dur="500"/>
+    </mc:Choice>
+    <mc:Fallback>
+      <p:transition/>
+    </mc:Fallback>
+  </mc:AlternateContent>
 </p:sld>
 </file>
 
-<file path=ppt/slides/slide27.xml><?xml version="1.0" encoding="utf-8"?>
+<file path=ppt/slides/slide28.xml><?xml version="1.0" encoding="utf-8"?>
 <p:sld xmlns:a="http://schemas.openxmlformats.org/drawingml/2006/main" xmlns:r="http://schemas.openxmlformats.org/officeDocument/2006/relationships" xmlns:p="http://schemas.openxmlformats.org/presentationml/2006/main">
   <p:cSld>
     <p:spTree>
@@ -14596,8 +15047,8 @@
 </p:sld>
 </file>
 
-<file path=ppt/slides/slide28.xml><?xml version="1.0" encoding="utf-8"?>
-<p:sld xmlns:a="http://schemas.openxmlformats.org/drawingml/2006/main" xmlns:r="http://schemas.openxmlformats.org/officeDocument/2006/relationships" xmlns:p="http://schemas.openxmlformats.org/presentationml/2006/main">
+<file path=ppt/slides/slide29.xml><?xml version="1.0" encoding="utf-8"?>
+<p:sld xmlns:r="http://schemas.openxmlformats.org/officeDocument/2006/relationships" xmlns:c="http://schemas.openxmlformats.org/drawingml/2006/chart" xmlns:a="http://schemas.openxmlformats.org/drawingml/2006/main" xmlns:dgm="http://schemas.openxmlformats.org/drawingml/2006/diagram" xmlns:dsp="http://schemas.microsoft.com/office/drawing/2008/diagram" xmlns:p="http://schemas.openxmlformats.org/presentationml/2006/main">
   <p:cSld>
     <p:spTree>
       <p:nvGrpSpPr>
@@ -14615,22 +15066,20 @@
       </p:grpSpPr>
       <p:sp>
         <p:nvSpPr>
-          <p:cNvPr id="10" name="직사각형 9"/>
+          <p:cNvPr id="4" name="직사각형 9"/>
           <p:cNvSpPr/>
           <p:nvPr/>
         </p:nvSpPr>
         <p:spPr>
           <a:xfrm>
-            <a:off x="-1" y="2398426"/>
+            <a:off x="0" y="0"/>
             <a:ext cx="12192001" cy="1338109"/>
           </a:xfrm>
           <a:prstGeom prst="rect">
             <a:avLst/>
           </a:prstGeom>
           <a:solidFill>
-            <a:schemeClr val="accent1">
-              <a:lumMod val="75000"/>
-            </a:schemeClr>
+            <a:schemeClr val="accent1"/>
           </a:solidFill>
           <a:ln>
             <a:noFill/>
@@ -14653,363 +15102,57 @@
           </a:fontRef>
         </p:style>
         <p:txBody>
-          <a:bodyPr rtlCol="0" anchor="ctr"/>
+          <a:bodyPr anchor="ctr"/>
           <a:lstStyle/>
           <a:p>
-            <a:pPr algn="ctr"/>
-            <a:endParaRPr kumimoji="1" lang="ko-KR" altLang="en-US" dirty="0"/>
+            <a:pPr>
+              <a:defRPr/>
+            </a:pPr>
+            <a:r>
+              <a:rPr kumimoji="1" lang="en-US" altLang="ko-KR" sz="4800"/>
+              <a:t>4-1. Menu_Tree</a:t>
+            </a:r>
+            <a:endParaRPr kumimoji="1" lang="en-US" altLang="ko-KR" sz="4800"/>
           </a:p>
         </p:txBody>
       </p:sp>
-      <p:sp>
-        <p:nvSpPr>
-          <p:cNvPr id="12" name="부제목 2"/>
-          <p:cNvSpPr txBox="1">
-            <a:spLocks/>
-          </p:cNvSpPr>
+      <p:pic>
+        <p:nvPicPr>
+          <p:cNvPr id="6" name=""/>
+          <p:cNvPicPr>
+            <a:picLocks noChangeAspect="1"/>
+          </p:cNvPicPr>
           <p:nvPr/>
-        </p:nvSpPr>
+        </p:nvPicPr>
+        <p:blipFill rotWithShape="1">
+          <a:blip r:embed="rId2"/>
+          <a:stretch>
+            <a:fillRect/>
+          </a:stretch>
+        </p:blipFill>
         <p:spPr>
           <a:xfrm>
-            <a:off x="1" y="2608234"/>
-            <a:ext cx="12192000" cy="754314"/>
+            <a:off x="1980879" y="1367790"/>
+            <a:ext cx="8230241" cy="5490210"/>
           </a:xfrm>
           <a:prstGeom prst="rect">
             <a:avLst/>
           </a:prstGeom>
         </p:spPr>
-        <p:txBody>
-          <a:bodyPr vert="horz" lIns="91440" tIns="45720" rIns="91440" bIns="45720" rtlCol="0" anchor="ctr">
-            <a:noAutofit/>
-          </a:bodyPr>
-          <a:lstStyle>
-            <a:lvl1pPr marL="0" indent="0" algn="ctr" defTabSz="914423" rtl="0" eaLnBrk="1" latinLnBrk="1" hangingPunct="1">
-              <a:lnSpc>
-                <a:spcPct val="90000"/>
-              </a:lnSpc>
-              <a:spcBef>
-                <a:spcPts val="1001"/>
-              </a:spcBef>
-              <a:buFont typeface="Arial"/>
-              <a:buNone/>
-              <a:defRPr sz="2400" kern="1200">
-                <a:solidFill>
-                  <a:schemeClr val="tx1"/>
-                </a:solidFill>
-                <a:latin typeface="+mn-lt"/>
-                <a:ea typeface="+mn-ea"/>
-                <a:cs typeface="+mn-cs"/>
-              </a:defRPr>
-            </a:lvl1pPr>
-            <a:lvl2pPr marL="457211" indent="0" algn="ctr" defTabSz="914423" rtl="0" eaLnBrk="1" latinLnBrk="1" hangingPunct="1">
-              <a:lnSpc>
-                <a:spcPct val="90000"/>
-              </a:lnSpc>
-              <a:spcBef>
-                <a:spcPts val="500"/>
-              </a:spcBef>
-              <a:buFont typeface="Arial"/>
-              <a:buNone/>
-              <a:defRPr sz="2000" kern="1200">
-                <a:solidFill>
-                  <a:schemeClr val="tx1"/>
-                </a:solidFill>
-                <a:latin typeface="+mn-lt"/>
-                <a:ea typeface="+mn-ea"/>
-                <a:cs typeface="+mn-cs"/>
-              </a:defRPr>
-            </a:lvl2pPr>
-            <a:lvl3pPr marL="914423" indent="0" algn="ctr" defTabSz="914423" rtl="0" eaLnBrk="1" latinLnBrk="1" hangingPunct="1">
-              <a:lnSpc>
-                <a:spcPct val="90000"/>
-              </a:lnSpc>
-              <a:spcBef>
-                <a:spcPts val="500"/>
-              </a:spcBef>
-              <a:buFont typeface="Arial"/>
-              <a:buNone/>
-              <a:defRPr sz="1801" kern="1200">
-                <a:solidFill>
-                  <a:schemeClr val="tx1"/>
-                </a:solidFill>
-                <a:latin typeface="+mn-lt"/>
-                <a:ea typeface="+mn-ea"/>
-                <a:cs typeface="+mn-cs"/>
-              </a:defRPr>
-            </a:lvl3pPr>
-            <a:lvl4pPr marL="1371634" indent="0" algn="ctr" defTabSz="914423" rtl="0" eaLnBrk="1" latinLnBrk="1" hangingPunct="1">
-              <a:lnSpc>
-                <a:spcPct val="90000"/>
-              </a:lnSpc>
-              <a:spcBef>
-                <a:spcPts val="500"/>
-              </a:spcBef>
-              <a:buFont typeface="Arial"/>
-              <a:buNone/>
-              <a:defRPr sz="1600" kern="1200">
-                <a:solidFill>
-                  <a:schemeClr val="tx1"/>
-                </a:solidFill>
-                <a:latin typeface="+mn-lt"/>
-                <a:ea typeface="+mn-ea"/>
-                <a:cs typeface="+mn-cs"/>
-              </a:defRPr>
-            </a:lvl4pPr>
-            <a:lvl5pPr marL="1828846" indent="0" algn="ctr" defTabSz="914423" rtl="0" eaLnBrk="1" latinLnBrk="1" hangingPunct="1">
-              <a:lnSpc>
-                <a:spcPct val="90000"/>
-              </a:lnSpc>
-              <a:spcBef>
-                <a:spcPts val="500"/>
-              </a:spcBef>
-              <a:buFont typeface="Arial"/>
-              <a:buNone/>
-              <a:defRPr sz="1600" kern="1200">
-                <a:solidFill>
-                  <a:schemeClr val="tx1"/>
-                </a:solidFill>
-                <a:latin typeface="+mn-lt"/>
-                <a:ea typeface="+mn-ea"/>
-                <a:cs typeface="+mn-cs"/>
-              </a:defRPr>
-            </a:lvl5pPr>
-            <a:lvl6pPr marL="2286057" indent="0" algn="ctr" defTabSz="914423" rtl="0" eaLnBrk="1" latinLnBrk="1" hangingPunct="1">
-              <a:lnSpc>
-                <a:spcPct val="90000"/>
-              </a:lnSpc>
-              <a:spcBef>
-                <a:spcPts val="500"/>
-              </a:spcBef>
-              <a:buFont typeface="Arial"/>
-              <a:buNone/>
-              <a:defRPr sz="1600" kern="1200">
-                <a:solidFill>
-                  <a:schemeClr val="tx1"/>
-                </a:solidFill>
-                <a:latin typeface="+mn-lt"/>
-                <a:ea typeface="+mn-ea"/>
-                <a:cs typeface="+mn-cs"/>
-              </a:defRPr>
-            </a:lvl6pPr>
-            <a:lvl7pPr marL="2743269" indent="0" algn="ctr" defTabSz="914423" rtl="0" eaLnBrk="1" latinLnBrk="1" hangingPunct="1">
-              <a:lnSpc>
-                <a:spcPct val="90000"/>
-              </a:lnSpc>
-              <a:spcBef>
-                <a:spcPts val="500"/>
-              </a:spcBef>
-              <a:buFont typeface="Arial"/>
-              <a:buNone/>
-              <a:defRPr sz="1600" kern="1200">
-                <a:solidFill>
-                  <a:schemeClr val="tx1"/>
-                </a:solidFill>
-                <a:latin typeface="+mn-lt"/>
-                <a:ea typeface="+mn-ea"/>
-                <a:cs typeface="+mn-cs"/>
-              </a:defRPr>
-            </a:lvl7pPr>
-            <a:lvl8pPr marL="3200480" indent="0" algn="ctr" defTabSz="914423" rtl="0" eaLnBrk="1" latinLnBrk="1" hangingPunct="1">
-              <a:lnSpc>
-                <a:spcPct val="90000"/>
-              </a:lnSpc>
-              <a:spcBef>
-                <a:spcPts val="500"/>
-              </a:spcBef>
-              <a:buFont typeface="Arial"/>
-              <a:buNone/>
-              <a:defRPr sz="1600" kern="1200">
-                <a:solidFill>
-                  <a:schemeClr val="tx1"/>
-                </a:solidFill>
-                <a:latin typeface="+mn-lt"/>
-                <a:ea typeface="+mn-ea"/>
-                <a:cs typeface="+mn-cs"/>
-              </a:defRPr>
-            </a:lvl8pPr>
-            <a:lvl9pPr marL="3657691" indent="0" algn="ctr" defTabSz="914423" rtl="0" eaLnBrk="1" latinLnBrk="1" hangingPunct="1">
-              <a:lnSpc>
-                <a:spcPct val="90000"/>
-              </a:lnSpc>
-              <a:spcBef>
-                <a:spcPts val="500"/>
-              </a:spcBef>
-              <a:buFont typeface="Arial"/>
-              <a:buNone/>
-              <a:defRPr sz="1600" kern="1200">
-                <a:solidFill>
-                  <a:schemeClr val="tx1"/>
-                </a:solidFill>
-                <a:latin typeface="+mn-lt"/>
-                <a:ea typeface="+mn-ea"/>
-                <a:cs typeface="+mn-cs"/>
-              </a:defRPr>
-            </a:lvl9pPr>
-          </a:lstStyle>
-          <a:p>
-            <a:r>
-              <a:rPr lang="ko-KR" altLang="en-US" sz="4800" dirty="0">
-                <a:solidFill>
-                  <a:schemeClr val="bg1"/>
-                </a:solidFill>
-                <a:latin typeface="+mj-lt"/>
-                <a:ea typeface="맑은 고딕" charset="-127"/>
-                <a:cs typeface="맑은 고딕" charset="-127"/>
-              </a:rPr>
-              <a:t>기능 검토 </a:t>
-            </a:r>
-            <a:r>
-              <a:rPr lang="en-US" altLang="ko-KR" sz="4800" dirty="0">
-                <a:solidFill>
-                  <a:schemeClr val="bg1"/>
-                </a:solidFill>
-                <a:latin typeface="+mj-lt"/>
-                <a:ea typeface="맑은 고딕" charset="-127"/>
-                <a:cs typeface="맑은 고딕" charset="-127"/>
-              </a:rPr>
-              <a:t>(</a:t>
-            </a:r>
-            <a:r>
-              <a:rPr lang="ko-KR" altLang="en-US" sz="4800" dirty="0">
-                <a:solidFill>
-                  <a:schemeClr val="bg1"/>
-                </a:solidFill>
-                <a:latin typeface="+mj-lt"/>
-                <a:ea typeface="맑은 고딕" charset="-127"/>
-                <a:cs typeface="맑은 고딕" charset="-127"/>
-              </a:rPr>
-              <a:t>근거자료 및 샘플코드</a:t>
-            </a:r>
-            <a:r>
-              <a:rPr lang="en-US" altLang="ko-KR" sz="4800" dirty="0">
-                <a:solidFill>
-                  <a:schemeClr val="bg1"/>
-                </a:solidFill>
-                <a:latin typeface="+mj-lt"/>
-                <a:ea typeface="맑은 고딕" charset="-127"/>
-                <a:cs typeface="맑은 고딕" charset="-127"/>
-              </a:rPr>
-              <a:t>)</a:t>
-            </a:r>
-            <a:endParaRPr lang="ko-KR" altLang="en-US" sz="4800" dirty="0">
-              <a:solidFill>
-                <a:schemeClr val="bg1"/>
-              </a:solidFill>
-              <a:latin typeface="+mj-lt"/>
-              <a:ea typeface="맑은 고딕" charset="-127"/>
-              <a:cs typeface="맑은 고딕" charset="-127"/>
-            </a:endParaRPr>
-          </a:p>
-        </p:txBody>
-      </p:sp>
+      </p:pic>
     </p:spTree>
-    <p:extLst>
-      <p:ext uri="{BB962C8B-B14F-4D97-AF65-F5344CB8AC3E}">
-        <p14:creationId xmlns:p14="http://schemas.microsoft.com/office/powerpoint/2010/main" val="2800779971"/>
-      </p:ext>
-    </p:extLst>
   </p:cSld>
   <p:clrMapOvr>
     <a:masterClrMapping/>
   </p:clrMapOvr>
-</p:sld>
-</file>
-
-<file path=ppt/slides/slide29.xml><?xml version="1.0" encoding="utf-8"?>
-<p:sld xmlns:a="http://schemas.openxmlformats.org/drawingml/2006/main" xmlns:r="http://schemas.openxmlformats.org/officeDocument/2006/relationships" xmlns:p="http://schemas.openxmlformats.org/presentationml/2006/main">
-  <p:cSld>
-    <p:spTree>
-      <p:nvGrpSpPr>
-        <p:cNvPr id="1" name=""/>
-        <p:cNvGrpSpPr/>
-        <p:nvPr/>
-      </p:nvGrpSpPr>
-      <p:grpSpPr>
-        <a:xfrm>
-          <a:off x="0" y="0"/>
-          <a:ext cx="0" cy="0"/>
-          <a:chOff x="0" y="0"/>
-          <a:chExt cx="0" cy="0"/>
-        </a:xfrm>
-      </p:grpSpPr>
-      <p:sp>
-        <p:nvSpPr>
-          <p:cNvPr id="2" name="제목 1">
-            <a:extLst>
-              <a:ext uri="{FF2B5EF4-FFF2-40B4-BE49-F238E27FC236}">
-                <a16:creationId xmlns:a16="http://schemas.microsoft.com/office/drawing/2014/main" id="{CD32A4A8-C5FD-473F-A41F-A660400BC448}"/>
-              </a:ext>
-            </a:extLst>
-          </p:cNvPr>
-          <p:cNvSpPr>
-            <a:spLocks noGrp="1"/>
-          </p:cNvSpPr>
-          <p:nvPr>
-            <p:ph type="title"/>
-          </p:nvPr>
-        </p:nvSpPr>
-        <p:spPr/>
-        <p:txBody>
-          <a:bodyPr/>
-          <a:lstStyle/>
-          <a:p>
-            <a:endParaRPr lang="ko-KR" altLang="en-US"/>
-          </a:p>
-        </p:txBody>
-      </p:sp>
-      <p:sp>
-        <p:nvSpPr>
-          <p:cNvPr id="3" name="내용 개체 틀 2">
-            <a:extLst>
-              <a:ext uri="{FF2B5EF4-FFF2-40B4-BE49-F238E27FC236}">
-                <a16:creationId xmlns:a16="http://schemas.microsoft.com/office/drawing/2014/main" id="{FC688E77-0112-474B-BD84-18F7FC4240C7}"/>
-              </a:ext>
-            </a:extLst>
-          </p:cNvPr>
-          <p:cNvSpPr>
-            <a:spLocks noGrp="1"/>
-          </p:cNvSpPr>
-          <p:nvPr>
-            <p:ph idx="1"/>
-          </p:nvPr>
-        </p:nvSpPr>
-        <p:spPr/>
-        <p:txBody>
-          <a:bodyPr/>
-          <a:lstStyle/>
-          <a:p>
-            <a:r>
-              <a:rPr lang="ko-KR" altLang="en-US" dirty="0"/>
-              <a:t>기능 구현에 필요한 기술을 알아본다</a:t>
-            </a:r>
-            <a:endParaRPr lang="en-US" altLang="ko-KR" dirty="0"/>
-          </a:p>
-          <a:p>
-            <a:endParaRPr lang="en-US" altLang="ko-KR" dirty="0"/>
-          </a:p>
-          <a:p>
-            <a:r>
-              <a:rPr lang="ko-KR" altLang="en-US" dirty="0"/>
-              <a:t>샘플 코드를 수집한다</a:t>
-            </a:r>
-            <a:r>
-              <a:rPr lang="en-US" altLang="ko-KR" dirty="0"/>
-              <a:t>.</a:t>
-            </a:r>
-            <a:endParaRPr lang="ko-KR" altLang="en-US" dirty="0"/>
-          </a:p>
-        </p:txBody>
-      </p:sp>
-    </p:spTree>
-    <p:extLst>
-      <p:ext uri="{BB962C8B-B14F-4D97-AF65-F5344CB8AC3E}">
-        <p14:creationId xmlns:p14="http://schemas.microsoft.com/office/powerpoint/2010/main" val="414149680"/>
-      </p:ext>
-    </p:extLst>
-  </p:cSld>
-  <p:clrMapOvr>
-    <a:masterClrMapping/>
-  </p:clrMapOvr>
+  <mc:AlternateContent xmlns:mc="http://schemas.openxmlformats.org/markup-compatibility/2006">
+    <mc:Choice xmlns:p14="http://schemas.microsoft.com/office/powerpoint/2010/main" Requires="p14">
+      <p:transition xmlns:mc="http://schemas.openxmlformats.org/markup-compatibility/2006" xmlns:p14="http://schemas.microsoft.com/office/powerpoint/2010/main" mc:Ignorable="p14" p14:dur="500"/>
+    </mc:Choice>
+    <mc:Fallback>
+      <p:transition/>
+    </mc:Fallback>
+  </mc:AlternateContent>
 </p:sld>
 </file>
 
@@ -15292,7 +15435,7 @@
 </file>
 
 <file path=ppt/slides/slide30.xml><?xml version="1.0" encoding="utf-8"?>
-<p:sld xmlns:a="http://schemas.openxmlformats.org/drawingml/2006/main" xmlns:r="http://schemas.openxmlformats.org/officeDocument/2006/relationships" xmlns:p="http://schemas.openxmlformats.org/presentationml/2006/main">
+<p:sld xmlns:r="http://schemas.openxmlformats.org/officeDocument/2006/relationships" xmlns:c="http://schemas.openxmlformats.org/drawingml/2006/chart" xmlns:a="http://schemas.openxmlformats.org/drawingml/2006/main" xmlns:dgm="http://schemas.openxmlformats.org/drawingml/2006/diagram" xmlns:dsp="http://schemas.microsoft.com/office/drawing/2008/diagram" xmlns:p="http://schemas.openxmlformats.org/presentationml/2006/main">
   <p:cSld>
     <p:spTree>
       <p:nvGrpSpPr>
@@ -15310,22 +15453,20 @@
       </p:grpSpPr>
       <p:sp>
         <p:nvSpPr>
-          <p:cNvPr id="10" name="직사각형 9"/>
+          <p:cNvPr id="4" name="직사각형 9"/>
           <p:cNvSpPr/>
           <p:nvPr/>
         </p:nvSpPr>
         <p:spPr>
           <a:xfrm>
-            <a:off x="-1" y="2398426"/>
+            <a:off x="0" y="0"/>
             <a:ext cx="12192001" cy="1338109"/>
           </a:xfrm>
           <a:prstGeom prst="rect">
             <a:avLst/>
           </a:prstGeom>
           <a:solidFill>
-            <a:schemeClr val="accent1">
-              <a:lumMod val="75000"/>
-            </a:schemeClr>
+            <a:schemeClr val="accent1"/>
           </a:solidFill>
           <a:ln>
             <a:noFill/>
@@ -15348,229 +15489,62 @@
           </a:fontRef>
         </p:style>
         <p:txBody>
-          <a:bodyPr rtlCol="0" anchor="ctr"/>
+          <a:bodyPr anchor="ctr"/>
           <a:lstStyle/>
           <a:p>
-            <a:pPr algn="ctr"/>
-            <a:endParaRPr kumimoji="1" lang="ko-KR" altLang="en-US" dirty="0"/>
+            <a:pPr>
+              <a:defRPr/>
+            </a:pPr>
+            <a:r>
+              <a:rPr kumimoji="1" lang="en-US" altLang="ko-KR" sz="4800"/>
+              <a:t>4-2. Flow_Chart</a:t>
+            </a:r>
+            <a:endParaRPr kumimoji="1" lang="en-US" altLang="ko-KR" sz="4800"/>
           </a:p>
         </p:txBody>
       </p:sp>
-      <p:sp>
-        <p:nvSpPr>
-          <p:cNvPr id="12" name="부제목 2"/>
-          <p:cNvSpPr txBox="1">
-            <a:spLocks/>
-          </p:cNvSpPr>
+      <p:pic>
+        <p:nvPicPr>
+          <p:cNvPr id="5" name=""/>
+          <p:cNvPicPr>
+            <a:picLocks noChangeAspect="1"/>
+          </p:cNvPicPr>
           <p:nvPr/>
-        </p:nvSpPr>
+        </p:nvPicPr>
+        <p:blipFill rotWithShape="1">
+          <a:blip r:embed="rId2"/>
+          <a:stretch>
+            <a:fillRect/>
+          </a:stretch>
+        </p:blipFill>
         <p:spPr>
           <a:xfrm>
-            <a:off x="1" y="2608234"/>
-            <a:ext cx="12192000" cy="754314"/>
+            <a:off x="2781257" y="1357608"/>
+            <a:ext cx="6629485" cy="5500391"/>
           </a:xfrm>
           <a:prstGeom prst="rect">
             <a:avLst/>
           </a:prstGeom>
         </p:spPr>
-        <p:txBody>
-          <a:bodyPr vert="horz" lIns="91440" tIns="45720" rIns="91440" bIns="45720" rtlCol="0" anchor="ctr">
-            <a:noAutofit/>
-          </a:bodyPr>
-          <a:lstStyle>
-            <a:lvl1pPr marL="0" indent="0" algn="ctr" defTabSz="914423" rtl="0" eaLnBrk="1" latinLnBrk="1" hangingPunct="1">
-              <a:lnSpc>
-                <a:spcPct val="90000"/>
-              </a:lnSpc>
-              <a:spcBef>
-                <a:spcPts val="1001"/>
-              </a:spcBef>
-              <a:buFont typeface="Arial"/>
-              <a:buNone/>
-              <a:defRPr sz="2400" kern="1200">
-                <a:solidFill>
-                  <a:schemeClr val="tx1"/>
-                </a:solidFill>
-                <a:latin typeface="+mn-lt"/>
-                <a:ea typeface="+mn-ea"/>
-                <a:cs typeface="+mn-cs"/>
-              </a:defRPr>
-            </a:lvl1pPr>
-            <a:lvl2pPr marL="457211" indent="0" algn="ctr" defTabSz="914423" rtl="0" eaLnBrk="1" latinLnBrk="1" hangingPunct="1">
-              <a:lnSpc>
-                <a:spcPct val="90000"/>
-              </a:lnSpc>
-              <a:spcBef>
-                <a:spcPts val="500"/>
-              </a:spcBef>
-              <a:buFont typeface="Arial"/>
-              <a:buNone/>
-              <a:defRPr sz="2000" kern="1200">
-                <a:solidFill>
-                  <a:schemeClr val="tx1"/>
-                </a:solidFill>
-                <a:latin typeface="+mn-lt"/>
-                <a:ea typeface="+mn-ea"/>
-                <a:cs typeface="+mn-cs"/>
-              </a:defRPr>
-            </a:lvl2pPr>
-            <a:lvl3pPr marL="914423" indent="0" algn="ctr" defTabSz="914423" rtl="0" eaLnBrk="1" latinLnBrk="1" hangingPunct="1">
-              <a:lnSpc>
-                <a:spcPct val="90000"/>
-              </a:lnSpc>
-              <a:spcBef>
-                <a:spcPts val="500"/>
-              </a:spcBef>
-              <a:buFont typeface="Arial"/>
-              <a:buNone/>
-              <a:defRPr sz="1801" kern="1200">
-                <a:solidFill>
-                  <a:schemeClr val="tx1"/>
-                </a:solidFill>
-                <a:latin typeface="+mn-lt"/>
-                <a:ea typeface="+mn-ea"/>
-                <a:cs typeface="+mn-cs"/>
-              </a:defRPr>
-            </a:lvl3pPr>
-            <a:lvl4pPr marL="1371634" indent="0" algn="ctr" defTabSz="914423" rtl="0" eaLnBrk="1" latinLnBrk="1" hangingPunct="1">
-              <a:lnSpc>
-                <a:spcPct val="90000"/>
-              </a:lnSpc>
-              <a:spcBef>
-                <a:spcPts val="500"/>
-              </a:spcBef>
-              <a:buFont typeface="Arial"/>
-              <a:buNone/>
-              <a:defRPr sz="1600" kern="1200">
-                <a:solidFill>
-                  <a:schemeClr val="tx1"/>
-                </a:solidFill>
-                <a:latin typeface="+mn-lt"/>
-                <a:ea typeface="+mn-ea"/>
-                <a:cs typeface="+mn-cs"/>
-              </a:defRPr>
-            </a:lvl4pPr>
-            <a:lvl5pPr marL="1828846" indent="0" algn="ctr" defTabSz="914423" rtl="0" eaLnBrk="1" latinLnBrk="1" hangingPunct="1">
-              <a:lnSpc>
-                <a:spcPct val="90000"/>
-              </a:lnSpc>
-              <a:spcBef>
-                <a:spcPts val="500"/>
-              </a:spcBef>
-              <a:buFont typeface="Arial"/>
-              <a:buNone/>
-              <a:defRPr sz="1600" kern="1200">
-                <a:solidFill>
-                  <a:schemeClr val="tx1"/>
-                </a:solidFill>
-                <a:latin typeface="+mn-lt"/>
-                <a:ea typeface="+mn-ea"/>
-                <a:cs typeface="+mn-cs"/>
-              </a:defRPr>
-            </a:lvl5pPr>
-            <a:lvl6pPr marL="2286057" indent="0" algn="ctr" defTabSz="914423" rtl="0" eaLnBrk="1" latinLnBrk="1" hangingPunct="1">
-              <a:lnSpc>
-                <a:spcPct val="90000"/>
-              </a:lnSpc>
-              <a:spcBef>
-                <a:spcPts val="500"/>
-              </a:spcBef>
-              <a:buFont typeface="Arial"/>
-              <a:buNone/>
-              <a:defRPr sz="1600" kern="1200">
-                <a:solidFill>
-                  <a:schemeClr val="tx1"/>
-                </a:solidFill>
-                <a:latin typeface="+mn-lt"/>
-                <a:ea typeface="+mn-ea"/>
-                <a:cs typeface="+mn-cs"/>
-              </a:defRPr>
-            </a:lvl6pPr>
-            <a:lvl7pPr marL="2743269" indent="0" algn="ctr" defTabSz="914423" rtl="0" eaLnBrk="1" latinLnBrk="1" hangingPunct="1">
-              <a:lnSpc>
-                <a:spcPct val="90000"/>
-              </a:lnSpc>
-              <a:spcBef>
-                <a:spcPts val="500"/>
-              </a:spcBef>
-              <a:buFont typeface="Arial"/>
-              <a:buNone/>
-              <a:defRPr sz="1600" kern="1200">
-                <a:solidFill>
-                  <a:schemeClr val="tx1"/>
-                </a:solidFill>
-                <a:latin typeface="+mn-lt"/>
-                <a:ea typeface="+mn-ea"/>
-                <a:cs typeface="+mn-cs"/>
-              </a:defRPr>
-            </a:lvl7pPr>
-            <a:lvl8pPr marL="3200480" indent="0" algn="ctr" defTabSz="914423" rtl="0" eaLnBrk="1" latinLnBrk="1" hangingPunct="1">
-              <a:lnSpc>
-                <a:spcPct val="90000"/>
-              </a:lnSpc>
-              <a:spcBef>
-                <a:spcPts val="500"/>
-              </a:spcBef>
-              <a:buFont typeface="Arial"/>
-              <a:buNone/>
-              <a:defRPr sz="1600" kern="1200">
-                <a:solidFill>
-                  <a:schemeClr val="tx1"/>
-                </a:solidFill>
-                <a:latin typeface="+mn-lt"/>
-                <a:ea typeface="+mn-ea"/>
-                <a:cs typeface="+mn-cs"/>
-              </a:defRPr>
-            </a:lvl8pPr>
-            <a:lvl9pPr marL="3657691" indent="0" algn="ctr" defTabSz="914423" rtl="0" eaLnBrk="1" latinLnBrk="1" hangingPunct="1">
-              <a:lnSpc>
-                <a:spcPct val="90000"/>
-              </a:lnSpc>
-              <a:spcBef>
-                <a:spcPts val="500"/>
-              </a:spcBef>
-              <a:buFont typeface="Arial"/>
-              <a:buNone/>
-              <a:defRPr sz="1600" kern="1200">
-                <a:solidFill>
-                  <a:schemeClr val="tx1"/>
-                </a:solidFill>
-                <a:latin typeface="+mn-lt"/>
-                <a:ea typeface="+mn-ea"/>
-                <a:cs typeface="+mn-cs"/>
-              </a:defRPr>
-            </a:lvl9pPr>
-          </a:lstStyle>
-          <a:p>
-            <a:r>
-              <a:rPr lang="ko-KR" altLang="en-US" sz="4800" dirty="0">
-                <a:solidFill>
-                  <a:schemeClr val="bg1"/>
-                </a:solidFill>
-                <a:latin typeface="+mj-lt"/>
-                <a:ea typeface="맑은 고딕" charset="-127"/>
-                <a:cs typeface="맑은 고딕" charset="-127"/>
-              </a:rPr>
-              <a:t>스토리보드 제작</a:t>
-            </a:r>
-          </a:p>
-        </p:txBody>
-      </p:sp>
+      </p:pic>
     </p:spTree>
-    <p:extLst>
-      <p:ext uri="{BB962C8B-B14F-4D97-AF65-F5344CB8AC3E}">
-        <p14:creationId xmlns:p14="http://schemas.microsoft.com/office/powerpoint/2010/main" val="4131486605"/>
-      </p:ext>
-    </p:extLst>
   </p:cSld>
   <p:clrMapOvr>
     <a:masterClrMapping/>
   </p:clrMapOvr>
+  <mc:AlternateContent xmlns:mc="http://schemas.openxmlformats.org/markup-compatibility/2006">
+    <mc:Choice xmlns:p14="http://schemas.microsoft.com/office/powerpoint/2010/main" Requires="p14">
+      <p:transition xmlns:mc="http://schemas.openxmlformats.org/markup-compatibility/2006" xmlns:p14="http://schemas.microsoft.com/office/powerpoint/2010/main" mc:Ignorable="p14" p14:dur="500"/>
+    </mc:Choice>
+    <mc:Fallback>
+      <p:transition/>
+    </mc:Fallback>
+  </mc:AlternateContent>
 </p:sld>
 </file>
 
 <file path=ppt/slides/slide31.xml><?xml version="1.0" encoding="utf-8"?>
-<p:sld xmlns:a="http://schemas.openxmlformats.org/drawingml/2006/main" xmlns:r="http://schemas.openxmlformats.org/officeDocument/2006/relationships" xmlns:p="http://schemas.openxmlformats.org/presentationml/2006/main">
+<p:sld xmlns:r="http://schemas.openxmlformats.org/officeDocument/2006/relationships" xmlns:c="http://schemas.openxmlformats.org/drawingml/2006/chart" xmlns:a="http://schemas.openxmlformats.org/drawingml/2006/main" xmlns:dgm="http://schemas.openxmlformats.org/drawingml/2006/diagram" xmlns:dsp="http://schemas.microsoft.com/office/drawing/2008/diagram" xmlns:p="http://schemas.openxmlformats.org/presentationml/2006/main">
   <p:cSld>
     <p:spTree>
       <p:nvGrpSpPr>
@@ -15588,82 +15562,69 @@
       </p:grpSpPr>
       <p:sp>
         <p:nvSpPr>
-          <p:cNvPr id="2" name="제목 1">
-            <a:extLst>
-              <a:ext uri="{FF2B5EF4-FFF2-40B4-BE49-F238E27FC236}">
-                <a16:creationId xmlns:a16="http://schemas.microsoft.com/office/drawing/2014/main" id="{FEF97B69-9031-4A28-901F-246C46549083}"/>
-              </a:ext>
-            </a:extLst>
-          </p:cNvPr>
-          <p:cNvSpPr>
-            <a:spLocks noGrp="1"/>
-          </p:cNvSpPr>
-          <p:nvPr>
-            <p:ph type="title"/>
-          </p:nvPr>
+          <p:cNvPr id="4" name="직사각형 9"/>
+          <p:cNvSpPr/>
+          <p:nvPr/>
         </p:nvSpPr>
-        <p:spPr/>
+        <p:spPr>
+          <a:xfrm>
+            <a:off x="0" y="0"/>
+            <a:ext cx="12192001" cy="1338109"/>
+          </a:xfrm>
+          <a:prstGeom prst="rect">
+            <a:avLst/>
+          </a:prstGeom>
+          <a:solidFill>
+            <a:schemeClr val="accent1"/>
+          </a:solidFill>
+          <a:ln>
+            <a:noFill/>
+          </a:ln>
+        </p:spPr>
+        <p:style>
+          <a:lnRef idx="2">
+            <a:schemeClr val="accent1">
+              <a:shade val="50000"/>
+            </a:schemeClr>
+          </a:lnRef>
+          <a:fillRef idx="1">
+            <a:schemeClr val="accent1"/>
+          </a:fillRef>
+          <a:effectRef idx="0">
+            <a:schemeClr val="accent1"/>
+          </a:effectRef>
+          <a:fontRef idx="minor">
+            <a:schemeClr val="lt1"/>
+          </a:fontRef>
+        </p:style>
         <p:txBody>
-          <a:bodyPr/>
+          <a:bodyPr anchor="ctr"/>
           <a:lstStyle/>
           <a:p>
-            <a:endParaRPr lang="ko-KR" altLang="en-US"/>
-          </a:p>
-        </p:txBody>
-      </p:sp>
-      <p:sp>
-        <p:nvSpPr>
-          <p:cNvPr id="3" name="내용 개체 틀 2">
-            <a:extLst>
-              <a:ext uri="{FF2B5EF4-FFF2-40B4-BE49-F238E27FC236}">
-                <a16:creationId xmlns:a16="http://schemas.microsoft.com/office/drawing/2014/main" id="{7B537D8F-5982-4653-B96A-BB8B9CAB7064}"/>
-              </a:ext>
-            </a:extLst>
-          </p:cNvPr>
-          <p:cNvSpPr>
-            <a:spLocks noGrp="1"/>
-          </p:cNvSpPr>
-          <p:nvPr>
-            <p:ph idx="1"/>
-          </p:nvPr>
-        </p:nvSpPr>
-        <p:spPr/>
-        <p:txBody>
-          <a:bodyPr/>
-          <a:lstStyle/>
-          <a:p>
-            <a:r>
-              <a:rPr lang="ko-KR" altLang="en-US" dirty="0"/>
-              <a:t>기능 구현에 대한 디자인 구상</a:t>
-            </a:r>
-            <a:endParaRPr lang="en-US" altLang="ko-KR" dirty="0"/>
-          </a:p>
-          <a:p>
-            <a:endParaRPr lang="en-US" altLang="ko-KR" dirty="0"/>
-          </a:p>
-          <a:p>
-            <a:r>
-              <a:rPr lang="ko-KR" altLang="en-US" dirty="0"/>
-              <a:t>디자인에 따른 동작을 기술하고 연계 한다</a:t>
-            </a:r>
-            <a:r>
-              <a:rPr lang="en-US" altLang="ko-KR" dirty="0"/>
-              <a:t>.</a:t>
-            </a:r>
-            <a:endParaRPr lang="ko-KR" altLang="en-US" dirty="0"/>
+            <a:pPr>
+              <a:defRPr/>
+            </a:pPr>
+            <a:r>
+              <a:rPr kumimoji="1" lang="en-US" altLang="ko-KR" sz="4800"/>
+              <a:t>4-3. Sequence</a:t>
+            </a:r>
+            <a:endParaRPr kumimoji="1" lang="en-US" altLang="ko-KR" sz="4800"/>
           </a:p>
         </p:txBody>
       </p:sp>
     </p:spTree>
-    <p:extLst>
-      <p:ext uri="{BB962C8B-B14F-4D97-AF65-F5344CB8AC3E}">
-        <p14:creationId xmlns:p14="http://schemas.microsoft.com/office/powerpoint/2010/main" val="1723942396"/>
-      </p:ext>
-    </p:extLst>
   </p:cSld>
   <p:clrMapOvr>
     <a:masterClrMapping/>
   </p:clrMapOvr>
+  <mc:AlternateContent xmlns:mc="http://schemas.openxmlformats.org/markup-compatibility/2006">
+    <mc:Choice xmlns:p14="http://schemas.microsoft.com/office/powerpoint/2010/main" Requires="p14">
+      <p:transition xmlns:mc="http://schemas.openxmlformats.org/markup-compatibility/2006" xmlns:p14="http://schemas.microsoft.com/office/powerpoint/2010/main" mc:Ignorable="p14" p14:dur="500"/>
+    </mc:Choice>
+    <mc:Fallback>
+      <p:transition/>
+    </mc:Fallback>
+  </mc:AlternateContent>
 </p:sld>
 </file>
 
@@ -15927,15 +15888,56 @@
                 <a:ea typeface="맑은 고딕" charset="-127"/>
                 <a:cs typeface="맑은 고딕" charset="-127"/>
               </a:rPr>
-              <a:t>구현</a:t>
-            </a:r>
+              <a:t>기능 검토 </a:t>
+            </a:r>
+            <a:r>
+              <a:rPr lang="en-US" altLang="ko-KR" sz="4800" dirty="0">
+                <a:solidFill>
+                  <a:schemeClr val="bg1"/>
+                </a:solidFill>
+                <a:latin typeface="+mj-lt"/>
+                <a:ea typeface="맑은 고딕" charset="-127"/>
+                <a:cs typeface="맑은 고딕" charset="-127"/>
+              </a:rPr>
+              <a:t>(</a:t>
+            </a:r>
+            <a:r>
+              <a:rPr lang="ko-KR" altLang="en-US" sz="4800" dirty="0">
+                <a:solidFill>
+                  <a:schemeClr val="bg1"/>
+                </a:solidFill>
+                <a:latin typeface="+mj-lt"/>
+                <a:ea typeface="맑은 고딕" charset="-127"/>
+                <a:cs typeface="맑은 고딕" charset="-127"/>
+              </a:rPr>
+              <a:t>근거자료 및 샘플코드</a:t>
+            </a:r>
+            <a:r>
+              <a:rPr lang="en-US" altLang="ko-KR" sz="4800" dirty="0">
+                <a:solidFill>
+                  <a:schemeClr val="bg1"/>
+                </a:solidFill>
+                <a:latin typeface="+mj-lt"/>
+                <a:ea typeface="맑은 고딕" charset="-127"/>
+                <a:cs typeface="맑은 고딕" charset="-127"/>
+              </a:rPr>
+              <a:t>)</a:t>
+            </a:r>
+            <a:endParaRPr lang="ko-KR" altLang="en-US" sz="4800" dirty="0">
+              <a:solidFill>
+                <a:schemeClr val="bg1"/>
+              </a:solidFill>
+              <a:latin typeface="+mj-lt"/>
+              <a:ea typeface="맑은 고딕" charset="-127"/>
+              <a:cs typeface="맑은 고딕" charset="-127"/>
+            </a:endParaRPr>
           </a:p>
         </p:txBody>
       </p:sp>
     </p:spTree>
     <p:extLst>
       <p:ext uri="{BB962C8B-B14F-4D97-AF65-F5344CB8AC3E}">
-        <p14:creationId xmlns:p14="http://schemas.microsoft.com/office/powerpoint/2010/main" val="1697315730"/>
+        <p14:creationId xmlns:p14="http://schemas.microsoft.com/office/powerpoint/2010/main" val="2800779971"/>
       </p:ext>
     </p:extLst>
   </p:cSld>
@@ -15967,7 +15969,7 @@
           <p:cNvPr id="2" name="제목 1">
             <a:extLst>
               <a:ext uri="{FF2B5EF4-FFF2-40B4-BE49-F238E27FC236}">
-                <a16:creationId xmlns:a16="http://schemas.microsoft.com/office/drawing/2014/main" id="{2135F92A-65F5-4C7A-8C04-BF5F199039F2}"/>
+                <a16:creationId xmlns:a16="http://schemas.microsoft.com/office/drawing/2014/main" id="{CD32A4A8-C5FD-473F-A41F-A660400BC448}"/>
               </a:ext>
             </a:extLst>
           </p:cNvPr>
@@ -15992,7 +15994,7 @@
           <p:cNvPr id="3" name="내용 개체 틀 2">
             <a:extLst>
               <a:ext uri="{FF2B5EF4-FFF2-40B4-BE49-F238E27FC236}">
-                <a16:creationId xmlns:a16="http://schemas.microsoft.com/office/drawing/2014/main" id="{FB21A4AE-E1C2-4042-9B9E-43F419C42235}"/>
+                <a16:creationId xmlns:a16="http://schemas.microsoft.com/office/drawing/2014/main" id="{FC688E77-0112-474B-BD84-18F7FC4240C7}"/>
               </a:ext>
             </a:extLst>
           </p:cNvPr>
@@ -16010,7 +16012,17 @@
           <a:p>
             <a:r>
               <a:rPr lang="ko-KR" altLang="en-US" dirty="0"/>
-              <a:t>코드를 작성하고 버그를 수정한다</a:t>
+              <a:t>기능 구현에 필요한 기술을 알아본다</a:t>
+            </a:r>
+            <a:endParaRPr lang="en-US" altLang="ko-KR" dirty="0"/>
+          </a:p>
+          <a:p>
+            <a:endParaRPr lang="en-US" altLang="ko-KR" dirty="0"/>
+          </a:p>
+          <a:p>
+            <a:r>
+              <a:rPr lang="ko-KR" altLang="en-US" dirty="0"/>
+              <a:t>샘플 코드를 수집한다</a:t>
             </a:r>
             <a:r>
               <a:rPr lang="en-US" altLang="ko-KR" dirty="0"/>
@@ -16023,7 +16035,7 @@
     </p:spTree>
     <p:extLst>
       <p:ext uri="{BB962C8B-B14F-4D97-AF65-F5344CB8AC3E}">
-        <p14:creationId xmlns:p14="http://schemas.microsoft.com/office/powerpoint/2010/main" val="1303733429"/>
+        <p14:creationId xmlns:p14="http://schemas.microsoft.com/office/powerpoint/2010/main" val="414149680"/>
       </p:ext>
     </p:extLst>
   </p:cSld>
@@ -16293,6 +16305,755 @@
                 <a:ea typeface="맑은 고딕" charset="-127"/>
                 <a:cs typeface="맑은 고딕" charset="-127"/>
               </a:rPr>
+              <a:t>스토리보드 제작</a:t>
+            </a:r>
+          </a:p>
+        </p:txBody>
+      </p:sp>
+    </p:spTree>
+    <p:extLst>
+      <p:ext uri="{BB962C8B-B14F-4D97-AF65-F5344CB8AC3E}">
+        <p14:creationId xmlns:p14="http://schemas.microsoft.com/office/powerpoint/2010/main" val="4131486605"/>
+      </p:ext>
+    </p:extLst>
+  </p:cSld>
+  <p:clrMapOvr>
+    <a:masterClrMapping/>
+  </p:clrMapOvr>
+</p:sld>
+</file>
+
+<file path=ppt/slides/slide35.xml><?xml version="1.0" encoding="utf-8"?>
+<p:sld xmlns:r="http://schemas.openxmlformats.org/officeDocument/2006/relationships" xmlns:c="http://schemas.openxmlformats.org/drawingml/2006/chart" xmlns:a="http://schemas.openxmlformats.org/drawingml/2006/main" xmlns:dgm="http://schemas.openxmlformats.org/drawingml/2006/diagram" xmlns:dsp="http://schemas.microsoft.com/office/drawing/2008/diagram" xmlns:p="http://schemas.openxmlformats.org/presentationml/2006/main">
+  <p:cSld>
+    <p:spTree>
+      <p:nvGrpSpPr>
+        <p:cNvPr id="1" name=""/>
+        <p:cNvGrpSpPr/>
+        <p:nvPr/>
+      </p:nvGrpSpPr>
+      <p:grpSpPr>
+        <a:xfrm>
+          <a:off x="0" y="0"/>
+          <a:ext cx="0" cy="0"/>
+          <a:chOff x="0" y="0"/>
+          <a:chExt cx="0" cy="0"/>
+        </a:xfrm>
+      </p:grpSpPr>
+      <p:sp>
+        <p:nvSpPr>
+          <p:cNvPr id="2" name="제목 1"/>
+          <p:cNvSpPr>
+            <a:spLocks noGrp="1"/>
+          </p:cNvSpPr>
+          <p:nvPr>
+            <p:ph type="title" idx="0"/>
+          </p:nvPr>
+        </p:nvSpPr>
+        <p:spPr/>
+        <p:txBody>
+          <a:bodyPr/>
+          <a:lstStyle/>
+          <a:p>
+            <a:pPr lvl="0">
+              <a:defRPr/>
+            </a:pPr>
+            <a:r>
+              <a:rPr lang="ko-KR" altLang="en-US"/>
+              <a:t/>
+            </a:r>
+            <a:endParaRPr lang="ko-KR" altLang="en-US"/>
+          </a:p>
+        </p:txBody>
+      </p:sp>
+      <p:sp>
+        <p:nvSpPr>
+          <p:cNvPr id="3" name="내용 개체 틀 2"/>
+          <p:cNvSpPr>
+            <a:spLocks noGrp="1"/>
+          </p:cNvSpPr>
+          <p:nvPr>
+            <p:ph idx="1"/>
+          </p:nvPr>
+        </p:nvSpPr>
+        <p:spPr/>
+        <p:txBody>
+          <a:bodyPr/>
+          <a:lstStyle/>
+          <a:p>
+            <a:pPr lvl="0">
+              <a:defRPr/>
+            </a:pPr>
+            <a:r>
+              <a:rPr lang="ko-KR" altLang="en-US"/>
+              <a:t>기능 구현에 대한 디자인 구상</a:t>
+            </a:r>
+            <a:endParaRPr lang="ko-KR" altLang="en-US"/>
+          </a:p>
+          <a:p>
+            <a:pPr lvl="0">
+              <a:defRPr/>
+            </a:pPr>
+            <a:endParaRPr lang="en-US" altLang="ko-KR"/>
+          </a:p>
+          <a:p>
+            <a:pPr lvl="0">
+              <a:defRPr/>
+            </a:pPr>
+            <a:r>
+              <a:rPr lang="ko-KR" altLang="en-US"/>
+              <a:t>디자인에 따른 동작을 기술하고 연계 한다</a:t>
+            </a:r>
+            <a:r>
+              <a:rPr lang="en-US" altLang="ko-KR"/>
+              <a:t>.</a:t>
+            </a:r>
+            <a:endParaRPr lang="ko-KR" altLang="en-US"/>
+          </a:p>
+        </p:txBody>
+      </p:sp>
+    </p:spTree>
+  </p:cSld>
+  <p:clrMapOvr>
+    <a:masterClrMapping/>
+  </p:clrMapOvr>
+  <mc:AlternateContent xmlns:mc="http://schemas.openxmlformats.org/markup-compatibility/2006">
+    <mc:Choice xmlns:p14="http://schemas.microsoft.com/office/powerpoint/2010/main" Requires="p14">
+      <p:transition xmlns:mc="http://schemas.openxmlformats.org/markup-compatibility/2006" xmlns:p14="http://schemas.microsoft.com/office/powerpoint/2010/main" mc:Ignorable="p14" p14:dur="500"/>
+    </mc:Choice>
+    <mc:Fallback>
+      <p:transition/>
+    </mc:Fallback>
+  </mc:AlternateContent>
+</p:sld>
+</file>
+
+<file path=ppt/slides/slide36.xml><?xml version="1.0" encoding="utf-8"?>
+<p:sld xmlns:a="http://schemas.openxmlformats.org/drawingml/2006/main" xmlns:r="http://schemas.openxmlformats.org/officeDocument/2006/relationships" xmlns:p="http://schemas.openxmlformats.org/presentationml/2006/main">
+  <p:cSld>
+    <p:spTree>
+      <p:nvGrpSpPr>
+        <p:cNvPr id="1" name=""/>
+        <p:cNvGrpSpPr/>
+        <p:nvPr/>
+      </p:nvGrpSpPr>
+      <p:grpSpPr>
+        <a:xfrm>
+          <a:off x="0" y="0"/>
+          <a:ext cx="0" cy="0"/>
+          <a:chOff x="0" y="0"/>
+          <a:chExt cx="0" cy="0"/>
+        </a:xfrm>
+      </p:grpSpPr>
+      <p:sp>
+        <p:nvSpPr>
+          <p:cNvPr id="10" name="직사각형 9"/>
+          <p:cNvSpPr/>
+          <p:nvPr/>
+        </p:nvSpPr>
+        <p:spPr>
+          <a:xfrm>
+            <a:off x="-1" y="2398426"/>
+            <a:ext cx="12192001" cy="1338109"/>
+          </a:xfrm>
+          <a:prstGeom prst="rect">
+            <a:avLst/>
+          </a:prstGeom>
+          <a:solidFill>
+            <a:schemeClr val="accent1">
+              <a:lumMod val="75000"/>
+            </a:schemeClr>
+          </a:solidFill>
+          <a:ln>
+            <a:noFill/>
+          </a:ln>
+        </p:spPr>
+        <p:style>
+          <a:lnRef idx="2">
+            <a:schemeClr val="accent1">
+              <a:shade val="50000"/>
+            </a:schemeClr>
+          </a:lnRef>
+          <a:fillRef idx="1">
+            <a:schemeClr val="accent1"/>
+          </a:fillRef>
+          <a:effectRef idx="0">
+            <a:schemeClr val="accent1"/>
+          </a:effectRef>
+          <a:fontRef idx="minor">
+            <a:schemeClr val="lt1"/>
+          </a:fontRef>
+        </p:style>
+        <p:txBody>
+          <a:bodyPr rtlCol="0" anchor="ctr"/>
+          <a:lstStyle/>
+          <a:p>
+            <a:pPr algn="ctr"/>
+            <a:endParaRPr kumimoji="1" lang="ko-KR" altLang="en-US" dirty="0"/>
+          </a:p>
+        </p:txBody>
+      </p:sp>
+      <p:sp>
+        <p:nvSpPr>
+          <p:cNvPr id="12" name="부제목 2"/>
+          <p:cNvSpPr txBox="1">
+            <a:spLocks/>
+          </p:cNvSpPr>
+          <p:nvPr/>
+        </p:nvSpPr>
+        <p:spPr>
+          <a:xfrm>
+            <a:off x="1" y="2608234"/>
+            <a:ext cx="12192000" cy="754314"/>
+          </a:xfrm>
+          <a:prstGeom prst="rect">
+            <a:avLst/>
+          </a:prstGeom>
+        </p:spPr>
+        <p:txBody>
+          <a:bodyPr vert="horz" lIns="91440" tIns="45720" rIns="91440" bIns="45720" rtlCol="0" anchor="ctr">
+            <a:noAutofit/>
+          </a:bodyPr>
+          <a:lstStyle>
+            <a:lvl1pPr marL="0" indent="0" algn="ctr" defTabSz="914423" rtl="0" eaLnBrk="1" latinLnBrk="1" hangingPunct="1">
+              <a:lnSpc>
+                <a:spcPct val="90000"/>
+              </a:lnSpc>
+              <a:spcBef>
+                <a:spcPts val="1001"/>
+              </a:spcBef>
+              <a:buFont typeface="Arial"/>
+              <a:buNone/>
+              <a:defRPr sz="2400" kern="1200">
+                <a:solidFill>
+                  <a:schemeClr val="tx1"/>
+                </a:solidFill>
+                <a:latin typeface="+mn-lt"/>
+                <a:ea typeface="+mn-ea"/>
+                <a:cs typeface="+mn-cs"/>
+              </a:defRPr>
+            </a:lvl1pPr>
+            <a:lvl2pPr marL="457211" indent="0" algn="ctr" defTabSz="914423" rtl="0" eaLnBrk="1" latinLnBrk="1" hangingPunct="1">
+              <a:lnSpc>
+                <a:spcPct val="90000"/>
+              </a:lnSpc>
+              <a:spcBef>
+                <a:spcPts val="500"/>
+              </a:spcBef>
+              <a:buFont typeface="Arial"/>
+              <a:buNone/>
+              <a:defRPr sz="2000" kern="1200">
+                <a:solidFill>
+                  <a:schemeClr val="tx1"/>
+                </a:solidFill>
+                <a:latin typeface="+mn-lt"/>
+                <a:ea typeface="+mn-ea"/>
+                <a:cs typeface="+mn-cs"/>
+              </a:defRPr>
+            </a:lvl2pPr>
+            <a:lvl3pPr marL="914423" indent="0" algn="ctr" defTabSz="914423" rtl="0" eaLnBrk="1" latinLnBrk="1" hangingPunct="1">
+              <a:lnSpc>
+                <a:spcPct val="90000"/>
+              </a:lnSpc>
+              <a:spcBef>
+                <a:spcPts val="500"/>
+              </a:spcBef>
+              <a:buFont typeface="Arial"/>
+              <a:buNone/>
+              <a:defRPr sz="1801" kern="1200">
+                <a:solidFill>
+                  <a:schemeClr val="tx1"/>
+                </a:solidFill>
+                <a:latin typeface="+mn-lt"/>
+                <a:ea typeface="+mn-ea"/>
+                <a:cs typeface="+mn-cs"/>
+              </a:defRPr>
+            </a:lvl3pPr>
+            <a:lvl4pPr marL="1371634" indent="0" algn="ctr" defTabSz="914423" rtl="0" eaLnBrk="1" latinLnBrk="1" hangingPunct="1">
+              <a:lnSpc>
+                <a:spcPct val="90000"/>
+              </a:lnSpc>
+              <a:spcBef>
+                <a:spcPts val="500"/>
+              </a:spcBef>
+              <a:buFont typeface="Arial"/>
+              <a:buNone/>
+              <a:defRPr sz="1600" kern="1200">
+                <a:solidFill>
+                  <a:schemeClr val="tx1"/>
+                </a:solidFill>
+                <a:latin typeface="+mn-lt"/>
+                <a:ea typeface="+mn-ea"/>
+                <a:cs typeface="+mn-cs"/>
+              </a:defRPr>
+            </a:lvl4pPr>
+            <a:lvl5pPr marL="1828846" indent="0" algn="ctr" defTabSz="914423" rtl="0" eaLnBrk="1" latinLnBrk="1" hangingPunct="1">
+              <a:lnSpc>
+                <a:spcPct val="90000"/>
+              </a:lnSpc>
+              <a:spcBef>
+                <a:spcPts val="500"/>
+              </a:spcBef>
+              <a:buFont typeface="Arial"/>
+              <a:buNone/>
+              <a:defRPr sz="1600" kern="1200">
+                <a:solidFill>
+                  <a:schemeClr val="tx1"/>
+                </a:solidFill>
+                <a:latin typeface="+mn-lt"/>
+                <a:ea typeface="+mn-ea"/>
+                <a:cs typeface="+mn-cs"/>
+              </a:defRPr>
+            </a:lvl5pPr>
+            <a:lvl6pPr marL="2286057" indent="0" algn="ctr" defTabSz="914423" rtl="0" eaLnBrk="1" latinLnBrk="1" hangingPunct="1">
+              <a:lnSpc>
+                <a:spcPct val="90000"/>
+              </a:lnSpc>
+              <a:spcBef>
+                <a:spcPts val="500"/>
+              </a:spcBef>
+              <a:buFont typeface="Arial"/>
+              <a:buNone/>
+              <a:defRPr sz="1600" kern="1200">
+                <a:solidFill>
+                  <a:schemeClr val="tx1"/>
+                </a:solidFill>
+                <a:latin typeface="+mn-lt"/>
+                <a:ea typeface="+mn-ea"/>
+                <a:cs typeface="+mn-cs"/>
+              </a:defRPr>
+            </a:lvl6pPr>
+            <a:lvl7pPr marL="2743269" indent="0" algn="ctr" defTabSz="914423" rtl="0" eaLnBrk="1" latinLnBrk="1" hangingPunct="1">
+              <a:lnSpc>
+                <a:spcPct val="90000"/>
+              </a:lnSpc>
+              <a:spcBef>
+                <a:spcPts val="500"/>
+              </a:spcBef>
+              <a:buFont typeface="Arial"/>
+              <a:buNone/>
+              <a:defRPr sz="1600" kern="1200">
+                <a:solidFill>
+                  <a:schemeClr val="tx1"/>
+                </a:solidFill>
+                <a:latin typeface="+mn-lt"/>
+                <a:ea typeface="+mn-ea"/>
+                <a:cs typeface="+mn-cs"/>
+              </a:defRPr>
+            </a:lvl7pPr>
+            <a:lvl8pPr marL="3200480" indent="0" algn="ctr" defTabSz="914423" rtl="0" eaLnBrk="1" latinLnBrk="1" hangingPunct="1">
+              <a:lnSpc>
+                <a:spcPct val="90000"/>
+              </a:lnSpc>
+              <a:spcBef>
+                <a:spcPts val="500"/>
+              </a:spcBef>
+              <a:buFont typeface="Arial"/>
+              <a:buNone/>
+              <a:defRPr sz="1600" kern="1200">
+                <a:solidFill>
+                  <a:schemeClr val="tx1"/>
+                </a:solidFill>
+                <a:latin typeface="+mn-lt"/>
+                <a:ea typeface="+mn-ea"/>
+                <a:cs typeface="+mn-cs"/>
+              </a:defRPr>
+            </a:lvl8pPr>
+            <a:lvl9pPr marL="3657691" indent="0" algn="ctr" defTabSz="914423" rtl="0" eaLnBrk="1" latinLnBrk="1" hangingPunct="1">
+              <a:lnSpc>
+                <a:spcPct val="90000"/>
+              </a:lnSpc>
+              <a:spcBef>
+                <a:spcPts val="500"/>
+              </a:spcBef>
+              <a:buFont typeface="Arial"/>
+              <a:buNone/>
+              <a:defRPr sz="1600" kern="1200">
+                <a:solidFill>
+                  <a:schemeClr val="tx1"/>
+                </a:solidFill>
+                <a:latin typeface="+mn-lt"/>
+                <a:ea typeface="+mn-ea"/>
+                <a:cs typeface="+mn-cs"/>
+              </a:defRPr>
+            </a:lvl9pPr>
+          </a:lstStyle>
+          <a:p>
+            <a:r>
+              <a:rPr lang="ko-KR" altLang="en-US" sz="4800" dirty="0">
+                <a:solidFill>
+                  <a:schemeClr val="bg1"/>
+                </a:solidFill>
+                <a:latin typeface="+mj-lt"/>
+                <a:ea typeface="맑은 고딕" charset="-127"/>
+                <a:cs typeface="맑은 고딕" charset="-127"/>
+              </a:rPr>
+              <a:t>구현</a:t>
+            </a:r>
+          </a:p>
+        </p:txBody>
+      </p:sp>
+    </p:spTree>
+    <p:extLst>
+      <p:ext uri="{BB962C8B-B14F-4D97-AF65-F5344CB8AC3E}">
+        <p14:creationId xmlns:p14="http://schemas.microsoft.com/office/powerpoint/2010/main" val="1697315730"/>
+      </p:ext>
+    </p:extLst>
+  </p:cSld>
+  <p:clrMapOvr>
+    <a:masterClrMapping/>
+  </p:clrMapOvr>
+</p:sld>
+</file>
+
+<file path=ppt/slides/slide37.xml><?xml version="1.0" encoding="utf-8"?>
+<p:sld xmlns:a="http://schemas.openxmlformats.org/drawingml/2006/main" xmlns:r="http://schemas.openxmlformats.org/officeDocument/2006/relationships" xmlns:p="http://schemas.openxmlformats.org/presentationml/2006/main">
+  <p:cSld>
+    <p:spTree>
+      <p:nvGrpSpPr>
+        <p:cNvPr id="1" name=""/>
+        <p:cNvGrpSpPr/>
+        <p:nvPr/>
+      </p:nvGrpSpPr>
+      <p:grpSpPr>
+        <a:xfrm>
+          <a:off x="0" y="0"/>
+          <a:ext cx="0" cy="0"/>
+          <a:chOff x="0" y="0"/>
+          <a:chExt cx="0" cy="0"/>
+        </a:xfrm>
+      </p:grpSpPr>
+      <p:sp>
+        <p:nvSpPr>
+          <p:cNvPr id="2" name="제목 1">
+            <a:extLst>
+              <a:ext uri="{FF2B5EF4-FFF2-40B4-BE49-F238E27FC236}">
+                <a16:creationId xmlns:a16="http://schemas.microsoft.com/office/drawing/2014/main" id="{2135F92A-65F5-4C7A-8C04-BF5F199039F2}"/>
+              </a:ext>
+            </a:extLst>
+          </p:cNvPr>
+          <p:cNvSpPr>
+            <a:spLocks noGrp="1"/>
+          </p:cNvSpPr>
+          <p:nvPr>
+            <p:ph type="title"/>
+          </p:nvPr>
+        </p:nvSpPr>
+        <p:spPr/>
+        <p:txBody>
+          <a:bodyPr/>
+          <a:lstStyle/>
+          <a:p>
+            <a:endParaRPr lang="ko-KR" altLang="en-US"/>
+          </a:p>
+        </p:txBody>
+      </p:sp>
+      <p:sp>
+        <p:nvSpPr>
+          <p:cNvPr id="3" name="내용 개체 틀 2">
+            <a:extLst>
+              <a:ext uri="{FF2B5EF4-FFF2-40B4-BE49-F238E27FC236}">
+                <a16:creationId xmlns:a16="http://schemas.microsoft.com/office/drawing/2014/main" id="{FB21A4AE-E1C2-4042-9B9E-43F419C42235}"/>
+              </a:ext>
+            </a:extLst>
+          </p:cNvPr>
+          <p:cNvSpPr>
+            <a:spLocks noGrp="1"/>
+          </p:cNvSpPr>
+          <p:nvPr>
+            <p:ph idx="1"/>
+          </p:nvPr>
+        </p:nvSpPr>
+        <p:spPr/>
+        <p:txBody>
+          <a:bodyPr/>
+          <a:lstStyle/>
+          <a:p>
+            <a:r>
+              <a:rPr lang="ko-KR" altLang="en-US" dirty="0"/>
+              <a:t>코드를 작성하고 버그를 수정한다</a:t>
+            </a:r>
+            <a:r>
+              <a:rPr lang="en-US" altLang="ko-KR" dirty="0"/>
+              <a:t>.</a:t>
+            </a:r>
+            <a:endParaRPr lang="ko-KR" altLang="en-US" dirty="0"/>
+          </a:p>
+        </p:txBody>
+      </p:sp>
+    </p:spTree>
+    <p:extLst>
+      <p:ext uri="{BB962C8B-B14F-4D97-AF65-F5344CB8AC3E}">
+        <p14:creationId xmlns:p14="http://schemas.microsoft.com/office/powerpoint/2010/main" val="1303733429"/>
+      </p:ext>
+    </p:extLst>
+  </p:cSld>
+  <p:clrMapOvr>
+    <a:masterClrMapping/>
+  </p:clrMapOvr>
+</p:sld>
+</file>
+
+<file path=ppt/slides/slide38.xml><?xml version="1.0" encoding="utf-8"?>
+<p:sld xmlns:a="http://schemas.openxmlformats.org/drawingml/2006/main" xmlns:r="http://schemas.openxmlformats.org/officeDocument/2006/relationships" xmlns:p="http://schemas.openxmlformats.org/presentationml/2006/main">
+  <p:cSld>
+    <p:spTree>
+      <p:nvGrpSpPr>
+        <p:cNvPr id="1" name=""/>
+        <p:cNvGrpSpPr/>
+        <p:nvPr/>
+      </p:nvGrpSpPr>
+      <p:grpSpPr>
+        <a:xfrm>
+          <a:off x="0" y="0"/>
+          <a:ext cx="0" cy="0"/>
+          <a:chOff x="0" y="0"/>
+          <a:chExt cx="0" cy="0"/>
+        </a:xfrm>
+      </p:grpSpPr>
+      <p:sp>
+        <p:nvSpPr>
+          <p:cNvPr id="10" name="직사각형 9"/>
+          <p:cNvSpPr/>
+          <p:nvPr/>
+        </p:nvSpPr>
+        <p:spPr>
+          <a:xfrm>
+            <a:off x="-1" y="2398426"/>
+            <a:ext cx="12192001" cy="1338109"/>
+          </a:xfrm>
+          <a:prstGeom prst="rect">
+            <a:avLst/>
+          </a:prstGeom>
+          <a:solidFill>
+            <a:schemeClr val="accent1">
+              <a:lumMod val="75000"/>
+            </a:schemeClr>
+          </a:solidFill>
+          <a:ln>
+            <a:noFill/>
+          </a:ln>
+        </p:spPr>
+        <p:style>
+          <a:lnRef idx="2">
+            <a:schemeClr val="accent1">
+              <a:shade val="50000"/>
+            </a:schemeClr>
+          </a:lnRef>
+          <a:fillRef idx="1">
+            <a:schemeClr val="accent1"/>
+          </a:fillRef>
+          <a:effectRef idx="0">
+            <a:schemeClr val="accent1"/>
+          </a:effectRef>
+          <a:fontRef idx="minor">
+            <a:schemeClr val="lt1"/>
+          </a:fontRef>
+        </p:style>
+        <p:txBody>
+          <a:bodyPr rtlCol="0" anchor="ctr"/>
+          <a:lstStyle/>
+          <a:p>
+            <a:pPr algn="ctr"/>
+            <a:endParaRPr kumimoji="1" lang="ko-KR" altLang="en-US" dirty="0"/>
+          </a:p>
+        </p:txBody>
+      </p:sp>
+      <p:sp>
+        <p:nvSpPr>
+          <p:cNvPr id="12" name="부제목 2"/>
+          <p:cNvSpPr txBox="1">
+            <a:spLocks/>
+          </p:cNvSpPr>
+          <p:nvPr/>
+        </p:nvSpPr>
+        <p:spPr>
+          <a:xfrm>
+            <a:off x="1" y="2608234"/>
+            <a:ext cx="12192000" cy="754314"/>
+          </a:xfrm>
+          <a:prstGeom prst="rect">
+            <a:avLst/>
+          </a:prstGeom>
+        </p:spPr>
+        <p:txBody>
+          <a:bodyPr vert="horz" lIns="91440" tIns="45720" rIns="91440" bIns="45720" rtlCol="0" anchor="ctr">
+            <a:noAutofit/>
+          </a:bodyPr>
+          <a:lstStyle>
+            <a:lvl1pPr marL="0" indent="0" algn="ctr" defTabSz="914423" rtl="0" eaLnBrk="1" latinLnBrk="1" hangingPunct="1">
+              <a:lnSpc>
+                <a:spcPct val="90000"/>
+              </a:lnSpc>
+              <a:spcBef>
+                <a:spcPts val="1001"/>
+              </a:spcBef>
+              <a:buFont typeface="Arial"/>
+              <a:buNone/>
+              <a:defRPr sz="2400" kern="1200">
+                <a:solidFill>
+                  <a:schemeClr val="tx1"/>
+                </a:solidFill>
+                <a:latin typeface="+mn-lt"/>
+                <a:ea typeface="+mn-ea"/>
+                <a:cs typeface="+mn-cs"/>
+              </a:defRPr>
+            </a:lvl1pPr>
+            <a:lvl2pPr marL="457211" indent="0" algn="ctr" defTabSz="914423" rtl="0" eaLnBrk="1" latinLnBrk="1" hangingPunct="1">
+              <a:lnSpc>
+                <a:spcPct val="90000"/>
+              </a:lnSpc>
+              <a:spcBef>
+                <a:spcPts val="500"/>
+              </a:spcBef>
+              <a:buFont typeface="Arial"/>
+              <a:buNone/>
+              <a:defRPr sz="2000" kern="1200">
+                <a:solidFill>
+                  <a:schemeClr val="tx1"/>
+                </a:solidFill>
+                <a:latin typeface="+mn-lt"/>
+                <a:ea typeface="+mn-ea"/>
+                <a:cs typeface="+mn-cs"/>
+              </a:defRPr>
+            </a:lvl2pPr>
+            <a:lvl3pPr marL="914423" indent="0" algn="ctr" defTabSz="914423" rtl="0" eaLnBrk="1" latinLnBrk="1" hangingPunct="1">
+              <a:lnSpc>
+                <a:spcPct val="90000"/>
+              </a:lnSpc>
+              <a:spcBef>
+                <a:spcPts val="500"/>
+              </a:spcBef>
+              <a:buFont typeface="Arial"/>
+              <a:buNone/>
+              <a:defRPr sz="1801" kern="1200">
+                <a:solidFill>
+                  <a:schemeClr val="tx1"/>
+                </a:solidFill>
+                <a:latin typeface="+mn-lt"/>
+                <a:ea typeface="+mn-ea"/>
+                <a:cs typeface="+mn-cs"/>
+              </a:defRPr>
+            </a:lvl3pPr>
+            <a:lvl4pPr marL="1371634" indent="0" algn="ctr" defTabSz="914423" rtl="0" eaLnBrk="1" latinLnBrk="1" hangingPunct="1">
+              <a:lnSpc>
+                <a:spcPct val="90000"/>
+              </a:lnSpc>
+              <a:spcBef>
+                <a:spcPts val="500"/>
+              </a:spcBef>
+              <a:buFont typeface="Arial"/>
+              <a:buNone/>
+              <a:defRPr sz="1600" kern="1200">
+                <a:solidFill>
+                  <a:schemeClr val="tx1"/>
+                </a:solidFill>
+                <a:latin typeface="+mn-lt"/>
+                <a:ea typeface="+mn-ea"/>
+                <a:cs typeface="+mn-cs"/>
+              </a:defRPr>
+            </a:lvl4pPr>
+            <a:lvl5pPr marL="1828846" indent="0" algn="ctr" defTabSz="914423" rtl="0" eaLnBrk="1" latinLnBrk="1" hangingPunct="1">
+              <a:lnSpc>
+                <a:spcPct val="90000"/>
+              </a:lnSpc>
+              <a:spcBef>
+                <a:spcPts val="500"/>
+              </a:spcBef>
+              <a:buFont typeface="Arial"/>
+              <a:buNone/>
+              <a:defRPr sz="1600" kern="1200">
+                <a:solidFill>
+                  <a:schemeClr val="tx1"/>
+                </a:solidFill>
+                <a:latin typeface="+mn-lt"/>
+                <a:ea typeface="+mn-ea"/>
+                <a:cs typeface="+mn-cs"/>
+              </a:defRPr>
+            </a:lvl5pPr>
+            <a:lvl6pPr marL="2286057" indent="0" algn="ctr" defTabSz="914423" rtl="0" eaLnBrk="1" latinLnBrk="1" hangingPunct="1">
+              <a:lnSpc>
+                <a:spcPct val="90000"/>
+              </a:lnSpc>
+              <a:spcBef>
+                <a:spcPts val="500"/>
+              </a:spcBef>
+              <a:buFont typeface="Arial"/>
+              <a:buNone/>
+              <a:defRPr sz="1600" kern="1200">
+                <a:solidFill>
+                  <a:schemeClr val="tx1"/>
+                </a:solidFill>
+                <a:latin typeface="+mn-lt"/>
+                <a:ea typeface="+mn-ea"/>
+                <a:cs typeface="+mn-cs"/>
+              </a:defRPr>
+            </a:lvl6pPr>
+            <a:lvl7pPr marL="2743269" indent="0" algn="ctr" defTabSz="914423" rtl="0" eaLnBrk="1" latinLnBrk="1" hangingPunct="1">
+              <a:lnSpc>
+                <a:spcPct val="90000"/>
+              </a:lnSpc>
+              <a:spcBef>
+                <a:spcPts val="500"/>
+              </a:spcBef>
+              <a:buFont typeface="Arial"/>
+              <a:buNone/>
+              <a:defRPr sz="1600" kern="1200">
+                <a:solidFill>
+                  <a:schemeClr val="tx1"/>
+                </a:solidFill>
+                <a:latin typeface="+mn-lt"/>
+                <a:ea typeface="+mn-ea"/>
+                <a:cs typeface="+mn-cs"/>
+              </a:defRPr>
+            </a:lvl7pPr>
+            <a:lvl8pPr marL="3200480" indent="0" algn="ctr" defTabSz="914423" rtl="0" eaLnBrk="1" latinLnBrk="1" hangingPunct="1">
+              <a:lnSpc>
+                <a:spcPct val="90000"/>
+              </a:lnSpc>
+              <a:spcBef>
+                <a:spcPts val="500"/>
+              </a:spcBef>
+              <a:buFont typeface="Arial"/>
+              <a:buNone/>
+              <a:defRPr sz="1600" kern="1200">
+                <a:solidFill>
+                  <a:schemeClr val="tx1"/>
+                </a:solidFill>
+                <a:latin typeface="+mn-lt"/>
+                <a:ea typeface="+mn-ea"/>
+                <a:cs typeface="+mn-cs"/>
+              </a:defRPr>
+            </a:lvl8pPr>
+            <a:lvl9pPr marL="3657691" indent="0" algn="ctr" defTabSz="914423" rtl="0" eaLnBrk="1" latinLnBrk="1" hangingPunct="1">
+              <a:lnSpc>
+                <a:spcPct val="90000"/>
+              </a:lnSpc>
+              <a:spcBef>
+                <a:spcPts val="500"/>
+              </a:spcBef>
+              <a:buFont typeface="Arial"/>
+              <a:buNone/>
+              <a:defRPr sz="1600" kern="1200">
+                <a:solidFill>
+                  <a:schemeClr val="tx1"/>
+                </a:solidFill>
+                <a:latin typeface="+mn-lt"/>
+                <a:ea typeface="+mn-ea"/>
+                <a:cs typeface="+mn-cs"/>
+              </a:defRPr>
+            </a:lvl9pPr>
+          </a:lstStyle>
+          <a:p>
+            <a:r>
+              <a:rPr lang="ko-KR" altLang="en-US" sz="4800" dirty="0">
+                <a:solidFill>
+                  <a:schemeClr val="bg1"/>
+                </a:solidFill>
+                <a:latin typeface="+mj-lt"/>
+                <a:ea typeface="맑은 고딕" charset="-127"/>
+                <a:cs typeface="맑은 고딕" charset="-127"/>
+              </a:rPr>
               <a:t>제품 </a:t>
             </a:r>
             <a:r>
@@ -16330,7 +17091,7 @@
 </p:sld>
 </file>
 
-<file path=ppt/slides/slide35.xml><?xml version="1.0" encoding="utf-8"?>
+<file path=ppt/slides/slide39.xml><?xml version="1.0" encoding="utf-8"?>
 <p:sld xmlns:a="http://schemas.openxmlformats.org/drawingml/2006/main" xmlns:r="http://schemas.openxmlformats.org/officeDocument/2006/relationships" xmlns:p="http://schemas.openxmlformats.org/presentationml/2006/main">
   <p:cSld>
     <p:spTree>

--- a/2021_Summer/jp.hong/Project_BnC_jph.pptx
+++ b/2021_Summer/jp.hong/Project_BnC_jph.pptx
@@ -2,7 +2,7 @@
 <file path=ppt/presentation.xml><?xml version="1.0" encoding="utf-8"?>
 <p:presentation xmlns:r="http://schemas.openxmlformats.org/officeDocument/2006/relationships" xmlns:c="http://schemas.openxmlformats.org/drawingml/2006/chart" xmlns:a="http://schemas.openxmlformats.org/drawingml/2006/main" xmlns:dgm="http://schemas.openxmlformats.org/drawingml/2006/diagram" xmlns:dsp="http://schemas.microsoft.com/office/drawing/2008/diagram" xmlns:p="http://schemas.openxmlformats.org/presentationml/2006/main">
   <p:sldMasterIdLst>
-    <p:sldMasterId id="2147483679" r:id="rId1"/>
+    <p:sldMasterId id="2147483674" r:id="rId1"/>
   </p:sldMasterIdLst>
   <p:sldIdLst>
     <p:sldId id="261" r:id="rId2"/>
@@ -21,29 +21,31 @@
     <p:sldId id="318" r:id="rId15"/>
     <p:sldId id="330" r:id="rId16"/>
     <p:sldId id="331" r:id="rId17"/>
-    <p:sldId id="323" r:id="rId18"/>
-    <p:sldId id="324" r:id="rId19"/>
-    <p:sldId id="325" r:id="rId20"/>
-    <p:sldId id="326" r:id="rId21"/>
-    <p:sldId id="327" r:id="rId22"/>
-    <p:sldId id="329" r:id="rId23"/>
-    <p:sldId id="334" r:id="rId24"/>
-    <p:sldId id="333" r:id="rId25"/>
-    <p:sldId id="289" r:id="rId26"/>
-    <p:sldId id="297" r:id="rId27"/>
-    <p:sldId id="290" r:id="rId28"/>
-    <p:sldId id="298" r:id="rId29"/>
-    <p:sldId id="335" r:id="rId30"/>
-    <p:sldId id="336" r:id="rId31"/>
-    <p:sldId id="337" r:id="rId32"/>
-    <p:sldId id="291" r:id="rId33"/>
-    <p:sldId id="299" r:id="rId34"/>
-    <p:sldId id="292" r:id="rId35"/>
-    <p:sldId id="300" r:id="rId36"/>
-    <p:sldId id="306" r:id="rId37"/>
-    <p:sldId id="307" r:id="rId38"/>
-    <p:sldId id="294" r:id="rId39"/>
-    <p:sldId id="302" r:id="rId40"/>
+    <p:sldId id="338" r:id="rId18"/>
+    <p:sldId id="339" r:id="rId19"/>
+    <p:sldId id="323" r:id="rId20"/>
+    <p:sldId id="324" r:id="rId21"/>
+    <p:sldId id="325" r:id="rId22"/>
+    <p:sldId id="326" r:id="rId23"/>
+    <p:sldId id="327" r:id="rId24"/>
+    <p:sldId id="329" r:id="rId25"/>
+    <p:sldId id="334" r:id="rId26"/>
+    <p:sldId id="333" r:id="rId27"/>
+    <p:sldId id="289" r:id="rId28"/>
+    <p:sldId id="297" r:id="rId29"/>
+    <p:sldId id="290" r:id="rId30"/>
+    <p:sldId id="298" r:id="rId31"/>
+    <p:sldId id="335" r:id="rId32"/>
+    <p:sldId id="336" r:id="rId33"/>
+    <p:sldId id="337" r:id="rId34"/>
+    <p:sldId id="291" r:id="rId35"/>
+    <p:sldId id="299" r:id="rId36"/>
+    <p:sldId id="292" r:id="rId37"/>
+    <p:sldId id="300" r:id="rId38"/>
+    <p:sldId id="306" r:id="rId39"/>
+    <p:sldId id="307" r:id="rId40"/>
+    <p:sldId id="294" r:id="rId41"/>
+    <p:sldId id="302" r:id="rId42"/>
   </p:sldIdLst>
   <p:sldSz cx="12192000" cy="6858000"/>
   <p:notesSz cx="7104063" cy="10234613"/>
@@ -4217,7 +4219,7 @@
         </p:spPr>
         <p:txBody>
           <a:bodyPr>
-            <a:normAutofit fontScale="70000" lnSpcReduction="20000"/>
+            <a:normAutofit fontScale="62500" lnSpcReduction="20000"/>
           </a:bodyPr>
           <a:lstStyle/>
           <a:p>
@@ -4312,58 +4314,6 @@
             <a:pPr>
               <a:defRPr/>
             </a:pPr>
-            <a:endParaRPr lang="en-US" altLang="ko-KR"/>
-          </a:p>
-          <a:p>
-            <a:pPr>
-              <a:defRPr/>
-            </a:pPr>
-            <a:r>
-              <a:rPr lang="ko-KR" altLang="en-US"/>
-              <a:t>가까운 정비소 위치</a:t>
-            </a:r>
-            <a:endParaRPr lang="ko-KR" altLang="en-US"/>
-          </a:p>
-          <a:p>
-            <a:pPr>
-              <a:defRPr/>
-            </a:pPr>
-            <a:r>
-              <a:rPr lang="ko-KR" altLang="en-US"/>
-              <a:t>정비소 위치 정보 </a:t>
-            </a:r>
-            <a:r>
-              <a:rPr lang="en-US" altLang="ko-KR"/>
-              <a:t>:</a:t>
-            </a:r>
-            <a:r>
-              <a:rPr lang="ko-KR" altLang="en-US"/>
-              <a:t> </a:t>
-            </a:r>
-            <a:r>
-              <a:rPr lang="en-US" altLang="ko-KR">
-                <a:hlinkClick r:id="rId6"/>
-              </a:rPr>
-              <a:t>https://www.localdata.go.kr/data/allDataView.do?menuNo=1000</a:t>
-            </a:r>
-            <a:endParaRPr lang="en-US" altLang="ko-KR"/>
-          </a:p>
-          <a:p>
-            <a:pPr>
-              <a:defRPr/>
-            </a:pPr>
-            <a:r>
-              <a:rPr lang="ko-KR" altLang="en-US"/>
-              <a:t>정비소 위치 정보 </a:t>
-            </a:r>
-            <a:r>
-              <a:rPr lang="en-US" altLang="ko-KR"/>
-              <a:t>-&gt;</a:t>
-            </a:r>
-            <a:r>
-              <a:rPr lang="ko-KR" altLang="en-US"/>
-              <a:t> 잘 안찾아짐</a:t>
-            </a:r>
             <a:endParaRPr lang="ko-KR" altLang="en-US"/>
           </a:p>
           <a:p>
@@ -4398,11 +4348,49 @@
             </a:pPr>
             <a:r>
               <a:rPr xmlns:mc="http://schemas.openxmlformats.org/markup-compatibility/2006" xmlns:hp="http://schemas.haansoft.com/office/presentation/8.0" lang="en-US" altLang="ko-KR" b="0" i="0" u="sng" strike="noStrike" mc:Ignorable="hp" hp:hslEmbossed="0">
+                <a:hlinkClick r:id="rId6"/>
+              </a:rPr>
+              <a:t>https://yeolco.tistory.com/80?category=757621</a:t>
+            </a:r>
+            <a:endParaRPr xmlns:mc="http://schemas.openxmlformats.org/markup-compatibility/2006" xmlns:hp="http://schemas.haansoft.com/office/presentation/8.0" lang="en-US" altLang="ko-KR" b="0" i="0" u="sng" strike="noStrike" mc:Ignorable="hp" hp:hslEmbossed="0"/>
+          </a:p>
+          <a:p>
+            <a:pPr marL="0" indent="0" algn="just">
+              <a:lnSpc>
+                <a:spcPct val="160000"/>
+              </a:lnSpc>
+              <a:spcBef>
+                <a:spcPts val="0"/>
+              </a:spcBef>
+              <a:spcAft>
+                <a:spcPts val="0"/>
+              </a:spcAft>
+              <a:buNone/>
+              <a:defRPr/>
+            </a:pPr>
+            <a:r>
+              <a:rPr xmlns:mc="http://schemas.openxmlformats.org/markup-compatibility/2006" xmlns:hp="http://schemas.haansoft.com/office/presentation/8.0" lang="en-US" altLang="ko-KR" b="0" i="0" u="sng" strike="noStrike" mc:Ignorable="hp" hp:hslEmbossed="0">
                 <a:hlinkClick r:id="rId7"/>
               </a:rPr>
-              <a:t>https://yeolco.tistory.com/80?category=757621</a:t>
-            </a:r>
-            <a:endParaRPr lang="ko-KR" altLang="en-US"/>
+              <a:t>https://hyoin1223.tistory.com/entry/%EC%95%88%EB%93%9C%EB%A1%9C%EC%9D%B4%EB%93%9C-%EB%B8%94%EB%A3%A8%ED%88%AC%EC%8A%A4-%ED%94%84%EB%A1%9C%EA%B7%B8%EB%9E%98%EB%B0%8D</a:t>
+            </a:r>
+            <a:endParaRPr xmlns:mc="http://schemas.openxmlformats.org/markup-compatibility/2006" xmlns:hp="http://schemas.haansoft.com/office/presentation/8.0" lang="en-US" altLang="ko-KR" b="0" i="0" u="sng" strike="noStrike" mc:Ignorable="hp" hp:hslEmbossed="0"/>
+          </a:p>
+          <a:p>
+            <a:pPr marL="0" indent="0" algn="just">
+              <a:lnSpc>
+                <a:spcPct val="160000"/>
+              </a:lnSpc>
+              <a:spcBef>
+                <a:spcPts val="0"/>
+              </a:spcBef>
+              <a:spcAft>
+                <a:spcPts val="0"/>
+              </a:spcAft>
+              <a:buNone/>
+              <a:defRPr/>
+            </a:pPr>
+            <a:endParaRPr xmlns:mc="http://schemas.openxmlformats.org/markup-compatibility/2006" xmlns:hp="http://schemas.haansoft.com/office/presentation/8.0" lang="en-US" altLang="ko-KR" b="0" i="0" u="sng" strike="noStrike" mc:Ignorable="hp" hp:hslEmbossed="0"/>
           </a:p>
           <a:p>
             <a:pPr>
@@ -4899,7 +4887,7 @@
         </p:spPr>
         <p:txBody>
           <a:bodyPr>
-            <a:normAutofit fontScale="92500" lnSpcReduction="20000"/>
+            <a:normAutofit fontScale="77500" lnSpcReduction="20000"/>
           </a:bodyPr>
           <a:lstStyle/>
           <a:p>
@@ -5031,9 +5019,39 @@
               <a:defRPr/>
             </a:pPr>
             <a:r>
-              <a:rPr lang="en-US" altLang="ko-KR"/>
+              <a:rPr lang="en-US" altLang="ko-KR">
+                <a:hlinkClick r:id="rId5"/>
+              </a:rPr>
               <a:t>https://yongku.tistory.com/entry/%EC%95%88%EB%93%9C%EB%A1%9C%EC%9D%B4%EB%93%9C-%EC%8A%A4%ED%8A%9C%EB%94%94%EC%98%A4Android-Studio-SQLite%EB%A5%BC-%EC%9D%B4%EC%9A%A9%ED%95%9C-%EB%8D%B0%EC%9D%B4%ED%84%B0%EB%B2%A0%EC%9D%B4%EC%8A%A4DB-%EB%A7%8C%EB%93%A4%EA%B8%B0</a:t>
             </a:r>
+            <a:endParaRPr lang="en-US" altLang="ko-KR"/>
+          </a:p>
+          <a:p>
+            <a:pPr>
+              <a:defRPr/>
+            </a:pPr>
+            <a:r>
+              <a:rPr lang="ko-KR" altLang="en-US"/>
+              <a:t>코드참고</a:t>
+            </a:r>
+            <a:endParaRPr lang="ko-KR" altLang="en-US"/>
+          </a:p>
+          <a:p>
+            <a:pPr>
+              <a:defRPr/>
+            </a:pPr>
+            <a:r>
+              <a:rPr lang="en-US" altLang="ko-KR">
+                <a:hlinkClick r:id="rId6"/>
+              </a:rPr>
+              <a:t>https://github.com/heartyoh/green-fleet/commit/e67498e48569cdb682de0f006d8f690a57007414</a:t>
+            </a:r>
+            <a:endParaRPr lang="en-US" altLang="ko-KR"/>
+          </a:p>
+          <a:p>
+            <a:pPr>
+              <a:defRPr/>
+            </a:pPr>
             <a:endParaRPr lang="en-US" altLang="ko-KR"/>
           </a:p>
           <a:p>
@@ -5084,7 +5102,7 @@
             </a:r>
             <a:r>
               <a:rPr xmlns:mc="http://schemas.openxmlformats.org/markup-compatibility/2006" xmlns:hp="http://schemas.haansoft.com/office/presentation/8.0" lang="EN-US" b="0" i="0" u="sng" strike="noStrike" mc:Ignorable="hp" hp:hslEmbossed="0">
-                <a:hlinkClick r:id="rId5"/>
+                <a:hlinkClick r:id="rId7"/>
               </a:rPr>
               <a:t>https://cos2.tistory.com/962</a:t>
             </a:r>
@@ -5106,11 +5124,27 @@
             </a:pPr>
             <a:r>
               <a:rPr xmlns:mc="http://schemas.openxmlformats.org/markup-compatibility/2006" xmlns:hp="http://schemas.haansoft.com/office/presentation/8.0" lang="EN-US" sz="1764" b="0" i="0" u="sng" strike="noStrike" mc:Ignorable="hp" hp:hslEmbossed="0">
-                <a:hlinkClick r:id="rId6"/>
+                <a:hlinkClick r:id="rId8"/>
               </a:rPr>
               <a:t>https://velog.io/@kjh03160/1-%EC%86%8C%ED%94%84%ED%8A%B8%EC%9B%A8%EC%96%B4-%EC%84%A4%EA%B3%84.-1.-%EC%9A%94%EA%B</a:t>
             </a:r>
-            <a:endParaRPr xmlns:mc="http://schemas.openxmlformats.org/markup-compatibility/2006" xmlns:hp="http://schemas.haansoft.com/office/presentation/8.0" lang="en-US" altLang="ko-KR" sz="1764" b="0" i="0" u="sng" strike="noStrike" mc:Ignorable="hp" hp:hslEmbossed="0"/>
+            <a:endParaRPr xmlns:mc="http://schemas.openxmlformats.org/markup-compatibility/2006" xmlns:hp="http://schemas.haansoft.com/office/presentation/8.0" lang="EN-US" sz="1764" b="0" i="0" u="sng" strike="noStrike" mc:Ignorable="hp" hp:hslEmbossed="0"/>
+          </a:p>
+          <a:p>
+            <a:pPr marL="0" indent="0" algn="just">
+              <a:lnSpc>
+                <a:spcPct val="160000"/>
+              </a:lnSpc>
+              <a:spcBef>
+                <a:spcPts val="0"/>
+              </a:spcBef>
+              <a:spcAft>
+                <a:spcPts val="0"/>
+              </a:spcAft>
+              <a:buNone/>
+              <a:defRPr/>
+            </a:pPr>
+            <a:endParaRPr xmlns:mc="http://schemas.openxmlformats.org/markup-compatibility/2006" xmlns:hp="http://schemas.haansoft.com/office/presentation/8.0" lang="ko-KR" altLang="en-US" sz="1764" b="0" i="0" u="sng" strike="noStrike" mc:Ignorable="hp" hp:hslEmbossed="0"/>
           </a:p>
           <a:p>
             <a:pPr marL="0" indent="0" algn="just">
@@ -6824,7 +6858,7 @@
         </p:spPr>
         <p:txBody>
           <a:bodyPr>
-            <a:normAutofit lnSpcReduction="10000"/>
+            <a:normAutofit/>
           </a:bodyPr>
           <a:lstStyle/>
           <a:p>
@@ -6832,10 +6866,10 @@
               <a:defRPr/>
             </a:pPr>
             <a:r>
-              <a:rPr lang="ko-KR" altLang="en-US" sz="1500"/>
+              <a:rPr lang="ko-KR" altLang="en-US" sz="2000"/>
               <a:t>제공 서비스</a:t>
             </a:r>
-            <a:endParaRPr lang="ko-KR" altLang="en-US" sz="1500"/>
+            <a:endParaRPr lang="ko-KR" altLang="en-US" sz="2000"/>
           </a:p>
           <a:p>
             <a:pPr marL="0" indent="0">
@@ -6843,62 +6877,62 @@
               <a:defRPr/>
             </a:pPr>
             <a:r>
-              <a:rPr lang="ko-KR" altLang="en-US" sz="1500"/>
+              <a:rPr lang="ko-KR" altLang="en-US" sz="2000"/>
               <a:t> </a:t>
             </a:r>
             <a:r>
-              <a:rPr lang="en-US" altLang="ko-KR" sz="1500"/>
+              <a:rPr lang="en-US" altLang="ko-KR" sz="2000"/>
               <a:t>-</a:t>
             </a:r>
             <a:r>
-              <a:rPr lang="ko-KR" altLang="en-US" sz="1500"/>
+              <a:rPr lang="ko-KR" altLang="en-US" sz="2000"/>
               <a:t> 부품별</a:t>
             </a:r>
             <a:r>
-              <a:rPr lang="en-US" altLang="ko-KR" sz="1500"/>
+              <a:rPr lang="en-US" altLang="ko-KR" sz="2000"/>
               <a:t>(ex :</a:t>
             </a:r>
             <a:r>
-              <a:rPr lang="ko-KR" altLang="en-US" sz="1500"/>
+              <a:rPr lang="ko-KR" altLang="en-US" sz="2000"/>
               <a:t> 엔진</a:t>
             </a:r>
             <a:r>
-              <a:rPr lang="en-US" altLang="ko-KR" sz="1500"/>
+              <a:rPr lang="en-US" altLang="ko-KR" sz="2000"/>
               <a:t>,</a:t>
             </a:r>
             <a:r>
-              <a:rPr lang="ko-KR" altLang="en-US" sz="1500"/>
+              <a:rPr lang="ko-KR" altLang="en-US" sz="2000"/>
               <a:t> 타이어</a:t>
             </a:r>
             <a:r>
-              <a:rPr lang="en-US" altLang="ko-KR" sz="1500"/>
+              <a:rPr lang="en-US" altLang="ko-KR" sz="2000"/>
               <a:t>,</a:t>
             </a:r>
             <a:r>
-              <a:rPr lang="ko-KR" altLang="en-US" sz="1500"/>
+              <a:rPr lang="ko-KR" altLang="en-US" sz="2000"/>
               <a:t> 냉각수 등</a:t>
             </a:r>
             <a:r>
-              <a:rPr lang="en-US" altLang="ko-KR" sz="1500"/>
+              <a:rPr lang="en-US" altLang="ko-KR" sz="2000"/>
               <a:t>)</a:t>
             </a:r>
             <a:r>
-              <a:rPr lang="ko-KR" altLang="en-US" sz="1500"/>
+              <a:rPr lang="ko-KR" altLang="en-US" sz="2000"/>
               <a:t> 정비 시점을 알림</a:t>
             </a:r>
             <a:r>
-              <a:rPr lang="en-US" altLang="ko-KR" sz="1500"/>
+              <a:rPr lang="en-US" altLang="ko-KR" sz="2000"/>
               <a:t>(</a:t>
             </a:r>
             <a:r>
-              <a:rPr lang="ko-KR" altLang="en-US" sz="1500"/>
+              <a:rPr lang="ko-KR" altLang="en-US" sz="2000"/>
               <a:t>주행거리로 계산</a:t>
             </a:r>
             <a:r>
-              <a:rPr lang="en-US" altLang="ko-KR" sz="1500"/>
+              <a:rPr lang="en-US" altLang="ko-KR" sz="2000"/>
               <a:t>)</a:t>
             </a:r>
-            <a:endParaRPr lang="en-US" altLang="ko-KR" sz="1500"/>
+            <a:endParaRPr lang="en-US" altLang="ko-KR" sz="2000"/>
           </a:p>
           <a:p>
             <a:pPr marL="0" indent="0">
@@ -6906,18 +6940,18 @@
               <a:defRPr/>
             </a:pPr>
             <a:r>
-              <a:rPr lang="ko-KR" altLang="en-US" sz="1500"/>
+              <a:rPr lang="ko-KR" altLang="en-US" sz="2000"/>
               <a:t> </a:t>
             </a:r>
             <a:r>
-              <a:rPr lang="en-US" altLang="ko-KR" sz="1500"/>
+              <a:rPr lang="en-US" altLang="ko-KR" sz="2000"/>
               <a:t>-</a:t>
             </a:r>
             <a:r>
-              <a:rPr lang="ko-KR" altLang="en-US" sz="1500"/>
+              <a:rPr lang="ko-KR" altLang="en-US" sz="2000"/>
               <a:t> 부품 교체 예상 비용</a:t>
             </a:r>
-            <a:endParaRPr lang="ko-KR" altLang="en-US" sz="1500"/>
+            <a:endParaRPr lang="ko-KR" altLang="en-US" sz="2000"/>
           </a:p>
           <a:p>
             <a:pPr marL="0" indent="0">
@@ -6925,10 +6959,10 @@
               <a:defRPr/>
             </a:pPr>
             <a:r>
-              <a:rPr lang="ko-KR" altLang="en-US" sz="1500"/>
+              <a:rPr lang="ko-KR" altLang="en-US" sz="2000"/>
               <a:t>  └ 부품의 시세 데이터 및 최저가 비교</a:t>
             </a:r>
-            <a:endParaRPr lang="ko-KR" altLang="en-US" sz="1500"/>
+            <a:endParaRPr lang="ko-KR" altLang="en-US" sz="2000"/>
           </a:p>
           <a:p>
             <a:pPr marL="0" indent="0">
@@ -6936,30 +6970,30 @@
               <a:defRPr/>
             </a:pPr>
             <a:r>
-              <a:rPr lang="ko-KR" altLang="en-US" sz="1500"/>
+              <a:rPr lang="ko-KR" altLang="en-US" sz="2000"/>
               <a:t> </a:t>
             </a:r>
             <a:r>
-              <a:rPr lang="en-US" altLang="ko-KR" sz="1500"/>
+              <a:rPr lang="en-US" altLang="ko-KR" sz="2000"/>
               <a:t>-</a:t>
             </a:r>
             <a:r>
-              <a:rPr lang="ko-KR" altLang="en-US" sz="1500"/>
+              <a:rPr lang="ko-KR" altLang="en-US" sz="2000"/>
               <a:t> 달력으로 점검 날짜 알림 및 기록 입력</a:t>
             </a:r>
             <a:r>
-              <a:rPr lang="en-US" altLang="ko-KR" sz="1500"/>
+              <a:rPr lang="en-US" altLang="ko-KR" sz="2000"/>
               <a:t>(</a:t>
             </a:r>
             <a:r>
-              <a:rPr lang="ko-KR" altLang="en-US" sz="1500"/>
+              <a:rPr lang="ko-KR" altLang="en-US" sz="2000"/>
               <a:t>시간으로 계산</a:t>
             </a:r>
             <a:r>
-              <a:rPr lang="en-US" altLang="ko-KR" sz="1500"/>
+              <a:rPr lang="en-US" altLang="ko-KR" sz="2000"/>
               <a:t>)</a:t>
             </a:r>
-            <a:endParaRPr lang="en-US" altLang="ko-KR" sz="1500"/>
+            <a:endParaRPr lang="en-US" altLang="ko-KR" sz="2000"/>
           </a:p>
           <a:p>
             <a:pPr marL="0" indent="0">
@@ -6967,10 +7001,10 @@
               <a:defRPr/>
             </a:pPr>
             <a:r>
-              <a:rPr lang="ko-KR" altLang="en-US" sz="1500"/>
+              <a:rPr lang="ko-KR" altLang="en-US" sz="2000"/>
               <a:t>  └ 달력</a:t>
             </a:r>
-            <a:endParaRPr lang="ko-KR" altLang="en-US" sz="1500"/>
+            <a:endParaRPr lang="ko-KR" altLang="en-US" sz="2000"/>
           </a:p>
           <a:p>
             <a:pPr marL="0" indent="0">
@@ -6978,10 +7012,10 @@
               <a:defRPr/>
             </a:pPr>
             <a:r>
-              <a:rPr lang="ko-KR" altLang="en-US" sz="1500"/>
+              <a:rPr lang="ko-KR" altLang="en-US" sz="2000"/>
               <a:t>  └ 달력에 체크 및 메모</a:t>
             </a:r>
-            <a:endParaRPr lang="ko-KR" altLang="en-US" sz="1500"/>
+            <a:endParaRPr lang="ko-KR" altLang="en-US" sz="2000"/>
           </a:p>
           <a:p>
             <a:pPr marL="0" indent="0">
@@ -6989,18 +7023,18 @@
               <a:defRPr/>
             </a:pPr>
             <a:r>
-              <a:rPr lang="ko-KR" altLang="en-US" sz="1500"/>
+              <a:rPr lang="ko-KR" altLang="en-US" sz="2000"/>
               <a:t> </a:t>
             </a:r>
             <a:r>
-              <a:rPr lang="en-US" altLang="ko-KR" sz="1500"/>
+              <a:rPr lang="en-US" altLang="ko-KR" sz="2000"/>
               <a:t>-</a:t>
             </a:r>
             <a:r>
-              <a:rPr lang="ko-KR" altLang="en-US" sz="1500"/>
+              <a:rPr lang="ko-KR" altLang="en-US" sz="2000"/>
               <a:t> 가까운 정비소 위치 제공</a:t>
             </a:r>
-            <a:endParaRPr lang="ko-KR" altLang="en-US" sz="1500"/>
+            <a:endParaRPr lang="ko-KR" altLang="en-US" sz="2000"/>
           </a:p>
           <a:p>
             <a:pPr marL="0" indent="0">
@@ -7008,18 +7042,18 @@
               <a:defRPr/>
             </a:pPr>
             <a:r>
-              <a:rPr lang="ko-KR" altLang="en-US" sz="1500"/>
+              <a:rPr lang="ko-KR" altLang="en-US" sz="2000"/>
               <a:t> </a:t>
             </a:r>
             <a:r>
-              <a:rPr lang="en-US" altLang="ko-KR" sz="1500"/>
+              <a:rPr lang="en-US" altLang="ko-KR" sz="2000"/>
               <a:t>-</a:t>
             </a:r>
             <a:r>
-              <a:rPr lang="ko-KR" altLang="en-US" sz="1500"/>
+              <a:rPr lang="ko-KR" altLang="en-US" sz="2000"/>
               <a:t> 자동차 관련 소식 제공</a:t>
             </a:r>
-            <a:endParaRPr lang="ko-KR" altLang="en-US" sz="1500"/>
+            <a:endParaRPr lang="ko-KR" altLang="en-US" sz="2000"/>
           </a:p>
           <a:p>
             <a:pPr marL="0" indent="0">
@@ -7027,143 +7061,22 @@
               <a:defRPr/>
             </a:pPr>
             <a:r>
-              <a:rPr lang="ko-KR" altLang="en-US" sz="1500"/>
+              <a:rPr lang="ko-KR" altLang="en-US" sz="2000"/>
               <a:t> </a:t>
             </a:r>
             <a:r>
-              <a:rPr lang="en-US" altLang="ko-KR" sz="1500"/>
+              <a:rPr lang="en-US" altLang="ko-KR" sz="2000"/>
               <a:t>-</a:t>
             </a:r>
             <a:r>
-              <a:rPr lang="ko-KR" altLang="en-US" sz="1500"/>
+              <a:rPr lang="ko-KR" altLang="en-US" sz="2000"/>
               <a:t> 부품 별 관리 </a:t>
             </a:r>
             <a:r>
-              <a:rPr lang="en-US" altLang="ko-KR" sz="1500"/>
+              <a:rPr lang="en-US" altLang="ko-KR" sz="2000"/>
               <a:t>tip</a:t>
             </a:r>
-            <a:endParaRPr lang="en-US" altLang="ko-KR" sz="1500"/>
-          </a:p>
-          <a:p>
-            <a:pPr>
-              <a:defRPr/>
-            </a:pPr>
-            <a:endParaRPr lang="en-US" altLang="ko-KR" sz="1500"/>
-          </a:p>
-          <a:p>
-            <a:pPr>
-              <a:defRPr/>
-            </a:pPr>
-            <a:r>
-              <a:rPr lang="ko-KR" altLang="en-US" sz="1500"/>
-              <a:t>한계점</a:t>
-            </a:r>
-            <a:endParaRPr lang="ko-KR" altLang="en-US" sz="1500"/>
-          </a:p>
-          <a:p>
-            <a:pPr marL="0" indent="0">
-              <a:buNone/>
-              <a:defRPr/>
-            </a:pPr>
-            <a:r>
-              <a:rPr lang="ko-KR" altLang="en-US" sz="1500"/>
-              <a:t> </a:t>
-            </a:r>
-            <a:r>
-              <a:rPr lang="en-US" altLang="ko-KR" sz="1500"/>
-              <a:t>-</a:t>
-            </a:r>
-            <a:r>
-              <a:rPr lang="ko-KR" altLang="en-US" sz="1500"/>
-              <a:t> 관련 어플 다수 존재 </a:t>
-            </a:r>
-            <a:r>
-              <a:rPr lang="en-US" altLang="ko-KR" sz="1500"/>
-              <a:t>(</a:t>
-            </a:r>
-            <a:r>
-              <a:rPr lang="ko-KR" altLang="en-US" sz="1500"/>
-              <a:t>마이클</a:t>
-            </a:r>
-            <a:r>
-              <a:rPr lang="en-US" altLang="ko-KR" sz="1500"/>
-              <a:t>,</a:t>
-            </a:r>
-            <a:r>
-              <a:rPr lang="ko-KR" altLang="en-US" sz="1500"/>
-              <a:t> </a:t>
-            </a:r>
-            <a:r>
-              <a:rPr lang="en-US" altLang="ko-KR" sz="1500"/>
-              <a:t>drivvo,</a:t>
-            </a:r>
-            <a:r>
-              <a:rPr lang="ko-KR" altLang="en-US" sz="1500"/>
-              <a:t> 오일나우</a:t>
-            </a:r>
-            <a:r>
-              <a:rPr lang="en-US" altLang="ko-KR" sz="1500"/>
-              <a:t>,</a:t>
-            </a:r>
-            <a:r>
-              <a:rPr lang="ko-KR" altLang="en-US" sz="1500"/>
-              <a:t> 카닥</a:t>
-            </a:r>
-            <a:r>
-              <a:rPr lang="en-US" altLang="ko-KR" sz="1500"/>
-              <a:t>,</a:t>
-            </a:r>
-            <a:r>
-              <a:rPr lang="ko-KR" altLang="en-US" sz="1500"/>
-              <a:t> 국민차계부</a:t>
-            </a:r>
-            <a:r>
-              <a:rPr lang="en-US" altLang="ko-KR" sz="1500"/>
-              <a:t>)</a:t>
-            </a:r>
-            <a:endParaRPr lang="en-US" altLang="ko-KR" sz="1500"/>
-          </a:p>
-          <a:p>
-            <a:pPr marL="0" indent="0">
-              <a:buNone/>
-              <a:defRPr/>
-            </a:pPr>
-            <a:r>
-              <a:rPr lang="ko-KR" altLang="en-US" sz="1500"/>
-              <a:t> </a:t>
-            </a:r>
-            <a:r>
-              <a:rPr lang="en-US" altLang="ko-KR" sz="1500"/>
-              <a:t>-</a:t>
-            </a:r>
-            <a:r>
-              <a:rPr lang="ko-KR" altLang="en-US" sz="1500"/>
-              <a:t> 운전자의 운전 습관에 따라 부품의 마모 상태 달라짐</a:t>
-            </a:r>
-            <a:endParaRPr lang="ko-KR" altLang="en-US" sz="1500"/>
-          </a:p>
-          <a:p>
-            <a:pPr marL="0" indent="0">
-              <a:buNone/>
-              <a:defRPr/>
-            </a:pPr>
-            <a:r>
-              <a:rPr lang="ko-KR" altLang="en-US" sz="1500"/>
-              <a:t> </a:t>
-            </a:r>
-            <a:r>
-              <a:rPr lang="en-US" altLang="ko-KR" sz="1500"/>
-              <a:t>-</a:t>
-            </a:r>
-            <a:r>
-              <a:rPr lang="ko-KR" altLang="en-US" sz="1500"/>
-              <a:t> 외제차는 수리가 불가한 경우가 있나</a:t>
-            </a:r>
-            <a:r>
-              <a:rPr lang="en-US" altLang="ko-KR" sz="1500"/>
-              <a:t>?</a:t>
-            </a:r>
-            <a:endParaRPr lang="en-US" altLang="ko-KR" sz="1500"/>
+            <a:endParaRPr lang="en-US" altLang="ko-KR" sz="2000"/>
           </a:p>
         </p:txBody>
       </p:sp>
@@ -7184,6 +7097,513 @@
 </file>
 
 <file path=ppt/slides/slide17.xml><?xml version="1.0" encoding="utf-8"?>
+<p:sld xmlns:r="http://schemas.openxmlformats.org/officeDocument/2006/relationships" xmlns:c="http://schemas.openxmlformats.org/drawingml/2006/chart" xmlns:a="http://schemas.openxmlformats.org/drawingml/2006/main" xmlns:dgm="http://schemas.openxmlformats.org/drawingml/2006/diagram" xmlns:dsp="http://schemas.microsoft.com/office/drawing/2008/diagram" xmlns:p="http://schemas.openxmlformats.org/presentationml/2006/main">
+  <p:cSld>
+    <p:spTree>
+      <p:nvGrpSpPr>
+        <p:cNvPr id="1" name=""/>
+        <p:cNvGrpSpPr/>
+        <p:nvPr/>
+      </p:nvGrpSpPr>
+      <p:grpSpPr>
+        <a:xfrm>
+          <a:off x="0" y="0"/>
+          <a:ext cx="0" cy="0"/>
+          <a:chOff x="0" y="0"/>
+          <a:chExt cx="0" cy="0"/>
+        </a:xfrm>
+      </p:grpSpPr>
+      <p:sp>
+        <p:nvSpPr>
+          <p:cNvPr id="4" name="직사각형 9"/>
+          <p:cNvSpPr/>
+          <p:nvPr/>
+        </p:nvSpPr>
+        <p:spPr>
+          <a:xfrm>
+            <a:off x="0" y="0"/>
+            <a:ext cx="12192001" cy="1338109"/>
+          </a:xfrm>
+          <a:prstGeom prst="rect">
+            <a:avLst/>
+          </a:prstGeom>
+          <a:solidFill>
+            <a:schemeClr val="accent1"/>
+          </a:solidFill>
+          <a:ln>
+            <a:noFill/>
+          </a:ln>
+        </p:spPr>
+        <p:style>
+          <a:lnRef idx="2">
+            <a:schemeClr val="accent1">
+              <a:shade val="50000"/>
+            </a:schemeClr>
+          </a:lnRef>
+          <a:fillRef idx="1">
+            <a:schemeClr val="accent1"/>
+          </a:fillRef>
+          <a:effectRef idx="0">
+            <a:schemeClr val="accent1"/>
+          </a:effectRef>
+          <a:fontRef idx="minor">
+            <a:schemeClr val="lt1"/>
+          </a:fontRef>
+        </p:style>
+        <p:txBody>
+          <a:bodyPr anchor="ctr"/>
+          <a:lstStyle/>
+          <a:p>
+            <a:pPr algn="ctr">
+              <a:defRPr/>
+            </a:pPr>
+            <a:endParaRPr kumimoji="1" lang="ko-KR" altLang="en-US"/>
+          </a:p>
+        </p:txBody>
+      </p:sp>
+      <p:sp>
+        <p:nvSpPr>
+          <p:cNvPr id="2" name="제목 1"/>
+          <p:cNvSpPr>
+            <a:spLocks noGrp="1"/>
+          </p:cNvSpPr>
+          <p:nvPr>
+            <p:ph type="title" idx="0"/>
+          </p:nvPr>
+        </p:nvSpPr>
+        <p:spPr>
+          <a:xfrm>
+            <a:off x="0" y="0"/>
+            <a:ext cx="11353800" cy="1325563"/>
+          </a:xfrm>
+        </p:spPr>
+        <p:txBody>
+          <a:bodyPr vert="horz" wrap="square" lIns="91440" tIns="45720" rIns="91440" bIns="45720" anchor="ctr">
+            <a:normAutofit/>
+          </a:bodyPr>
+          <a:lstStyle/>
+          <a:p>
+            <a:pPr>
+              <a:spcBef>
+                <a:spcPts val="0"/>
+              </a:spcBef>
+              <a:defRPr/>
+            </a:pPr>
+            <a:r>
+              <a:rPr lang="en-US" altLang="ko-KR">
+                <a:solidFill>
+                  <a:schemeClr val="lt1"/>
+                </a:solidFill>
+              </a:rPr>
+              <a:t>2-1.</a:t>
+            </a:r>
+            <a:r>
+              <a:rPr lang="ko-KR" altLang="en-US">
+                <a:solidFill>
+                  <a:schemeClr val="lt1"/>
+                </a:solidFill>
+              </a:rPr>
+              <a:t> 제품설명</a:t>
+            </a:r>
+            <a:endParaRPr lang="ko-KR" altLang="en-US">
+              <a:solidFill>
+                <a:schemeClr val="lt1"/>
+              </a:solidFill>
+            </a:endParaRPr>
+          </a:p>
+        </p:txBody>
+      </p:sp>
+      <p:sp>
+        <p:nvSpPr>
+          <p:cNvPr id="3" name="내용 개체 틀 2"/>
+          <p:cNvSpPr>
+            <a:spLocks noGrp="1"/>
+          </p:cNvSpPr>
+          <p:nvPr>
+            <p:ph idx="1"/>
+          </p:nvPr>
+        </p:nvSpPr>
+        <p:spPr>
+          <a:xfrm>
+            <a:off x="0" y="1666874"/>
+            <a:ext cx="12192000" cy="5191125"/>
+          </a:xfrm>
+        </p:spPr>
+        <p:txBody>
+          <a:bodyPr>
+            <a:normAutofit/>
+          </a:bodyPr>
+          <a:lstStyle/>
+          <a:p>
+            <a:pPr>
+              <a:defRPr/>
+            </a:pPr>
+            <a:r>
+              <a:rPr lang="ko-KR" altLang="en-US" sz="2000"/>
+              <a:t>한계점</a:t>
+            </a:r>
+            <a:endParaRPr lang="ko-KR" altLang="en-US" sz="2000"/>
+          </a:p>
+          <a:p>
+            <a:pPr marL="0" indent="0">
+              <a:buNone/>
+              <a:defRPr/>
+            </a:pPr>
+            <a:r>
+              <a:rPr lang="ko-KR" altLang="en-US" sz="2000"/>
+              <a:t> </a:t>
+            </a:r>
+            <a:r>
+              <a:rPr lang="en-US" altLang="ko-KR" sz="2000"/>
+              <a:t>-</a:t>
+            </a:r>
+            <a:r>
+              <a:rPr lang="ko-KR" altLang="en-US" sz="2000"/>
+              <a:t> 관련 어플 다수 존재 </a:t>
+            </a:r>
+            <a:r>
+              <a:rPr lang="en-US" altLang="ko-KR" sz="2000"/>
+              <a:t>(</a:t>
+            </a:r>
+            <a:r>
+              <a:rPr lang="ko-KR" altLang="en-US" sz="2000"/>
+              <a:t>마이클</a:t>
+            </a:r>
+            <a:r>
+              <a:rPr lang="en-US" altLang="ko-KR" sz="2000"/>
+              <a:t>,</a:t>
+            </a:r>
+            <a:r>
+              <a:rPr lang="ko-KR" altLang="en-US" sz="2000"/>
+              <a:t> </a:t>
+            </a:r>
+            <a:r>
+              <a:rPr lang="en-US" altLang="ko-KR" sz="2000"/>
+              <a:t>drivvo,</a:t>
+            </a:r>
+            <a:r>
+              <a:rPr lang="ko-KR" altLang="en-US" sz="2000"/>
+              <a:t> 오일나우</a:t>
+            </a:r>
+            <a:r>
+              <a:rPr lang="en-US" altLang="ko-KR" sz="2000"/>
+              <a:t>,</a:t>
+            </a:r>
+            <a:r>
+              <a:rPr lang="ko-KR" altLang="en-US" sz="2000"/>
+              <a:t> 카닥</a:t>
+            </a:r>
+            <a:r>
+              <a:rPr lang="en-US" altLang="ko-KR" sz="2000"/>
+              <a:t>,</a:t>
+            </a:r>
+            <a:r>
+              <a:rPr lang="ko-KR" altLang="en-US" sz="2000"/>
+              <a:t> 국민차계부</a:t>
+            </a:r>
+            <a:r>
+              <a:rPr lang="en-US" altLang="ko-KR" sz="2000"/>
+              <a:t>)</a:t>
+            </a:r>
+            <a:endParaRPr lang="en-US" altLang="ko-KR" sz="2000"/>
+          </a:p>
+          <a:p>
+            <a:pPr marL="0" indent="0">
+              <a:buNone/>
+              <a:defRPr/>
+            </a:pPr>
+            <a:r>
+              <a:rPr lang="ko-KR" altLang="en-US" sz="2000"/>
+              <a:t> </a:t>
+            </a:r>
+            <a:r>
+              <a:rPr lang="en-US" altLang="ko-KR" sz="2000"/>
+              <a:t>-</a:t>
+            </a:r>
+            <a:r>
+              <a:rPr lang="ko-KR" altLang="en-US" sz="2000"/>
+              <a:t> 운전자의 운전 습관에 따라 부품의 마모 상태 달라짐</a:t>
+            </a:r>
+            <a:endParaRPr lang="ko-KR" altLang="en-US" sz="2000"/>
+          </a:p>
+          <a:p>
+            <a:pPr marL="0" indent="0">
+              <a:buNone/>
+              <a:defRPr/>
+            </a:pPr>
+            <a:r>
+              <a:rPr lang="ko-KR" altLang="en-US" sz="2000"/>
+              <a:t> </a:t>
+            </a:r>
+            <a:r>
+              <a:rPr lang="en-US" altLang="ko-KR" sz="2000"/>
+              <a:t>-</a:t>
+            </a:r>
+            <a:r>
+              <a:rPr lang="ko-KR" altLang="en-US" sz="2000"/>
+              <a:t> 외제차는 수리가 불가한 경우가 있나</a:t>
+            </a:r>
+            <a:r>
+              <a:rPr lang="en-US" altLang="ko-KR" sz="2000"/>
+              <a:t>?</a:t>
+            </a:r>
+            <a:endParaRPr lang="ko-KR" altLang="en-US" sz="2000"/>
+          </a:p>
+          <a:p>
+            <a:pPr lvl="0">
+              <a:defRPr/>
+            </a:pPr>
+            <a:r>
+              <a:rPr lang="ko-KR" altLang="en-US" sz="2000"/>
+              <a:t>차량과 어플 블루투스 연결 어떻게 할건지</a:t>
+            </a:r>
+            <a:r>
+              <a:rPr lang="en-US" altLang="ko-KR" sz="2000"/>
+              <a:t>?</a:t>
+            </a:r>
+            <a:endParaRPr lang="en-US" altLang="ko-KR" sz="2000"/>
+          </a:p>
+          <a:p>
+            <a:pPr lvl="0">
+              <a:defRPr/>
+            </a:pPr>
+            <a:r>
+              <a:rPr lang="ko-KR" altLang="en-US" sz="2000"/>
+              <a:t>연결 된다면 어떻게 원하는 정보만 받을지</a:t>
+            </a:r>
+            <a:r>
+              <a:rPr lang="en-US" altLang="ko-KR" sz="2000"/>
+              <a:t>?</a:t>
+            </a:r>
+            <a:endParaRPr lang="en-US" altLang="ko-KR" sz="2000"/>
+          </a:p>
+          <a:p>
+            <a:pPr marL="0" lvl="0" indent="0">
+              <a:buNone/>
+              <a:defRPr/>
+            </a:pPr>
+            <a:r>
+              <a:rPr lang="ko-KR" altLang="en-US" sz="2000"/>
+              <a:t> </a:t>
+            </a:r>
+            <a:r>
+              <a:rPr lang="en-US" altLang="ko-KR" sz="2000"/>
+              <a:t>-</a:t>
+            </a:r>
+            <a:r>
+              <a:rPr lang="ko-KR" altLang="en-US" sz="2000"/>
+              <a:t> 차량과 어플 블루투스 연결로 받아야 하는 정보 </a:t>
+            </a:r>
+            <a:r>
+              <a:rPr lang="en-US" altLang="ko-KR" sz="2000"/>
+              <a:t>:</a:t>
+            </a:r>
+            <a:r>
+              <a:rPr lang="ko-KR" altLang="en-US" sz="2000"/>
+              <a:t> 주행거리</a:t>
+            </a:r>
+            <a:r>
+              <a:rPr lang="en-US" altLang="ko-KR" sz="2000"/>
+              <a:t>,</a:t>
+            </a:r>
+            <a:r>
+              <a:rPr lang="ko-KR" altLang="en-US" sz="2000"/>
+              <a:t> 주유량</a:t>
+            </a:r>
+            <a:r>
+              <a:rPr lang="en-US" altLang="ko-KR" sz="2000"/>
+              <a:t>,</a:t>
+            </a:r>
+            <a:r>
+              <a:rPr lang="ko-KR" altLang="en-US" sz="2000"/>
+              <a:t> 엔진오일</a:t>
+            </a:r>
+            <a:r>
+              <a:rPr lang="en-US" altLang="ko-KR" sz="2000"/>
+              <a:t>,</a:t>
+            </a:r>
+            <a:r>
+              <a:rPr lang="ko-KR" altLang="en-US" sz="2000"/>
+              <a:t> 냉각수</a:t>
+            </a:r>
+            <a:endParaRPr lang="ko-KR" altLang="en-US" sz="2000"/>
+          </a:p>
+          <a:p>
+            <a:pPr lvl="0">
+              <a:defRPr/>
+            </a:pPr>
+            <a:endParaRPr lang="en-US" altLang="ko-KR" sz="2000"/>
+          </a:p>
+        </p:txBody>
+      </p:sp>
+    </p:spTree>
+  </p:cSld>
+  <p:clrMapOvr>
+    <a:masterClrMapping/>
+  </p:clrMapOvr>
+  <mc:AlternateContent xmlns:mc="http://schemas.openxmlformats.org/markup-compatibility/2006">
+    <mc:Choice xmlns:p14="http://schemas.microsoft.com/office/powerpoint/2010/main" Requires="p14">
+      <p:transition xmlns:mc="http://schemas.openxmlformats.org/markup-compatibility/2006" xmlns:p14="http://schemas.microsoft.com/office/powerpoint/2010/main" mc:Ignorable="p14" p14:dur="500"/>
+    </mc:Choice>
+    <mc:Fallback>
+      <p:transition/>
+    </mc:Fallback>
+  </mc:AlternateContent>
+</p:sld>
+</file>
+
+<file path=ppt/slides/slide18.xml><?xml version="1.0" encoding="utf-8"?>
+<p:sld xmlns:r="http://schemas.openxmlformats.org/officeDocument/2006/relationships" xmlns:c="http://schemas.openxmlformats.org/drawingml/2006/chart" xmlns:a="http://schemas.openxmlformats.org/drawingml/2006/main" xmlns:dgm="http://schemas.openxmlformats.org/drawingml/2006/diagram" xmlns:dsp="http://schemas.microsoft.com/office/drawing/2008/diagram" xmlns:p="http://schemas.openxmlformats.org/presentationml/2006/main">
+  <p:cSld>
+    <p:spTree>
+      <p:nvGrpSpPr>
+        <p:cNvPr id="1" name=""/>
+        <p:cNvGrpSpPr/>
+        <p:nvPr/>
+      </p:nvGrpSpPr>
+      <p:grpSpPr>
+        <a:xfrm>
+          <a:off x="0" y="0"/>
+          <a:ext cx="0" cy="0"/>
+          <a:chOff x="0" y="0"/>
+          <a:chExt cx="0" cy="0"/>
+        </a:xfrm>
+      </p:grpSpPr>
+      <p:sp>
+        <p:nvSpPr>
+          <p:cNvPr id="2" name="제목 1"/>
+          <p:cNvSpPr>
+            <a:spLocks noGrp="1"/>
+          </p:cNvSpPr>
+          <p:nvPr>
+            <p:ph type="title" idx="0"/>
+          </p:nvPr>
+        </p:nvSpPr>
+        <p:spPr/>
+        <p:txBody>
+          <a:bodyPr/>
+          <a:lstStyle/>
+          <a:p>
+            <a:pPr>
+              <a:defRPr/>
+            </a:pPr>
+            <a:r>
+              <a:rPr lang="ko-KR" altLang="en-US"/>
+              <a:t/>
+            </a:r>
+            <a:endParaRPr lang="ko-KR" altLang="en-US"/>
+          </a:p>
+        </p:txBody>
+      </p:sp>
+      <p:sp>
+        <p:nvSpPr>
+          <p:cNvPr id="3" name="내용 개체 틀 2"/>
+          <p:cNvSpPr>
+            <a:spLocks noGrp="1"/>
+          </p:cNvSpPr>
+          <p:nvPr>
+            <p:ph idx="1"/>
+          </p:nvPr>
+        </p:nvSpPr>
+        <p:spPr/>
+        <p:txBody>
+          <a:bodyPr/>
+          <a:lstStyle/>
+          <a:p>
+            <a:pPr lvl="0">
+              <a:defRPr/>
+            </a:pPr>
+            <a:r>
+              <a:rPr lang="ko-KR" altLang="en-US"/>
+              <a:t>차량과 어플 블루투스 연결 어떻게 할건지</a:t>
+            </a:r>
+            <a:r>
+              <a:rPr lang="en-US" altLang="ko-KR"/>
+              <a:t>?</a:t>
+            </a:r>
+            <a:endParaRPr lang="en-US" altLang="ko-KR"/>
+          </a:p>
+          <a:p>
+            <a:pPr lvl="0">
+              <a:defRPr/>
+            </a:pPr>
+            <a:r>
+              <a:rPr lang="ko-KR" altLang="en-US"/>
+              <a:t>연결 된다면 어떻게 원하는 정보만 받을지</a:t>
+            </a:r>
+            <a:r>
+              <a:rPr lang="en-US" altLang="ko-KR"/>
+              <a:t>?</a:t>
+            </a:r>
+            <a:endParaRPr lang="en-US" altLang="ko-KR"/>
+          </a:p>
+          <a:p>
+            <a:pPr lvl="0">
+              <a:defRPr/>
+            </a:pPr>
+            <a:r>
+              <a:rPr lang="ko-KR" altLang="en-US"/>
+              <a:t>차량과 어플 블루투스 연결로 받아야 하는 정보 </a:t>
+            </a:r>
+            <a:r>
+              <a:rPr lang="en-US" altLang="ko-KR"/>
+              <a:t>:</a:t>
+            </a:r>
+            <a:r>
+              <a:rPr lang="ko-KR" altLang="en-US"/>
+              <a:t> 주행거리</a:t>
+            </a:r>
+            <a:r>
+              <a:rPr lang="en-US" altLang="ko-KR"/>
+              <a:t>,</a:t>
+            </a:r>
+            <a:r>
+              <a:rPr lang="ko-KR" altLang="en-US"/>
+              <a:t> 주유량</a:t>
+            </a:r>
+            <a:r>
+              <a:rPr lang="en-US" altLang="ko-KR"/>
+              <a:t>,</a:t>
+            </a:r>
+            <a:r>
+              <a:rPr lang="ko-KR" altLang="en-US"/>
+              <a:t> 엔진오일</a:t>
+            </a:r>
+            <a:r>
+              <a:rPr lang="en-US" altLang="ko-KR"/>
+              <a:t>,</a:t>
+            </a:r>
+            <a:r>
+              <a:rPr lang="ko-KR" altLang="en-US"/>
+              <a:t> 냉각수</a:t>
+            </a:r>
+            <a:endParaRPr lang="ko-KR" altLang="en-US"/>
+          </a:p>
+          <a:p>
+            <a:pPr lvl="0">
+              <a:defRPr/>
+            </a:pPr>
+            <a:endParaRPr lang="ko-KR" altLang="en-US"/>
+          </a:p>
+        </p:txBody>
+      </p:sp>
+    </p:spTree>
+  </p:cSld>
+  <p:clrMapOvr>
+    <a:masterClrMapping/>
+  </p:clrMapOvr>
+  <mc:AlternateContent xmlns:mc="http://schemas.openxmlformats.org/markup-compatibility/2006">
+    <mc:Choice xmlns:p14="http://schemas.microsoft.com/office/powerpoint/2010/main" Requires="p14">
+      <p:transition xmlns:mc="http://schemas.openxmlformats.org/markup-compatibility/2006" xmlns:p14="http://schemas.microsoft.com/office/powerpoint/2010/main" mc:Ignorable="p14" p14:dur="500"/>
+    </mc:Choice>
+    <mc:Fallback>
+      <p:transition/>
+    </mc:Fallback>
+  </mc:AlternateContent>
+</p:sld>
+</file>
+
+<file path=ppt/slides/slide19.xml><?xml version="1.0" encoding="utf-8"?>
 <p:sld xmlns:r="http://schemas.openxmlformats.org/officeDocument/2006/relationships" xmlns:c="http://schemas.openxmlformats.org/drawingml/2006/chart" xmlns:a="http://schemas.openxmlformats.org/drawingml/2006/main" xmlns:dgm="http://schemas.openxmlformats.org/drawingml/2006/diagram" xmlns:dsp="http://schemas.microsoft.com/office/drawing/2008/diagram" xmlns:p="http://schemas.openxmlformats.org/presentationml/2006/main">
   <p:cSld>
     <p:spTree>
@@ -8219,1296 +8639,6 @@
                 <a:schemeClr val="lt1"/>
               </a:solidFill>
             </a:endParaRPr>
-          </a:p>
-        </p:txBody>
-      </p:sp>
-    </p:spTree>
-  </p:cSld>
-  <p:clrMapOvr>
-    <a:masterClrMapping/>
-  </p:clrMapOvr>
-  <mc:AlternateContent xmlns:mc="http://schemas.openxmlformats.org/markup-compatibility/2006">
-    <mc:Choice xmlns:p14="http://schemas.microsoft.com/office/powerpoint/2010/main" Requires="p14">
-      <p:transition xmlns:mc="http://schemas.openxmlformats.org/markup-compatibility/2006" xmlns:p14="http://schemas.microsoft.com/office/powerpoint/2010/main" mc:Ignorable="p14" p14:dur="500"/>
-    </mc:Choice>
-    <mc:Fallback>
-      <p:transition/>
-    </mc:Fallback>
-  </mc:AlternateContent>
-</p:sld>
-</file>
-
-<file path=ppt/slides/slide18.xml><?xml version="1.0" encoding="utf-8"?>
-<p:sld xmlns:r="http://schemas.openxmlformats.org/officeDocument/2006/relationships" xmlns:c="http://schemas.openxmlformats.org/drawingml/2006/chart" xmlns:a="http://schemas.openxmlformats.org/drawingml/2006/main" xmlns:dgm="http://schemas.openxmlformats.org/drawingml/2006/diagram" xmlns:dsp="http://schemas.microsoft.com/office/drawing/2008/diagram" xmlns:p="http://schemas.openxmlformats.org/presentationml/2006/main">
-  <p:cSld>
-    <p:spTree>
-      <p:nvGrpSpPr>
-        <p:cNvPr id="1" name=""/>
-        <p:cNvGrpSpPr/>
-        <p:nvPr/>
-      </p:nvGrpSpPr>
-      <p:grpSpPr>
-        <a:xfrm>
-          <a:off x="0" y="0"/>
-          <a:ext cx="0" cy="0"/>
-          <a:chOff x="0" y="0"/>
-          <a:chExt cx="0" cy="0"/>
-        </a:xfrm>
-      </p:grpSpPr>
-      <p:sp>
-        <p:nvSpPr>
-          <p:cNvPr id="5" name=""/>
-          <p:cNvSpPr/>
-          <p:nvPr/>
-        </p:nvSpPr>
-        <p:spPr>
-          <a:xfrm>
-            <a:off x="0" y="1351682"/>
-            <a:ext cx="12192000" cy="5286510"/>
-          </a:xfrm>
-          <a:prstGeom prst="rect">
-            <a:avLst/>
-          </a:prstGeom>
-          <a:noFill/>
-          <a:ln>
-            <a:noFill/>
-          </a:ln>
-        </p:spPr>
-        <p:style>
-          <a:lnRef idx="2">
-            <a:schemeClr val="accent1">
-              <a:shade val="20000"/>
-            </a:schemeClr>
-          </a:lnRef>
-          <a:fillRef idx="1">
-            <a:schemeClr val="accent1"/>
-          </a:fillRef>
-          <a:effectRef idx="0">
-            <a:schemeClr val="accent1"/>
-          </a:effectRef>
-          <a:fontRef idx="minor">
-            <a:schemeClr val="lt1"/>
-          </a:fontRef>
-        </p:style>
-        <p:txBody>
-          <a:bodyPr anchor="ctr"/>
-          <a:p>
-            <a:pPr>
-              <a:defRPr/>
-            </a:pPr>
-            <a:endParaRPr lang="ko-KR" altLang="en-US">
-              <a:solidFill>
-                <a:schemeClr val="dk1"/>
-              </a:solidFill>
-            </a:endParaRPr>
-          </a:p>
-          <a:p>
-            <a:pPr>
-              <a:defRPr/>
-            </a:pPr>
-            <a:r>
-              <a:rPr lang="ko-KR" altLang="en-US">
-                <a:solidFill>
-                  <a:schemeClr val="dk1"/>
-                </a:solidFill>
-              </a:rPr>
-              <a:t>기능적 요구사항</a:t>
-            </a:r>
-            <a:r>
-              <a:rPr lang="en-US" altLang="ko-KR">
-                <a:solidFill>
-                  <a:schemeClr val="dk1"/>
-                </a:solidFill>
-              </a:rPr>
-              <a:t>(Functional Requirement)</a:t>
-            </a:r>
-            <a:endParaRPr lang="en-US" altLang="ko-KR">
-              <a:solidFill>
-                <a:schemeClr val="dk1"/>
-              </a:solidFill>
-            </a:endParaRPr>
-          </a:p>
-          <a:p>
-            <a:pPr>
-              <a:defRPr/>
-            </a:pPr>
-            <a:endParaRPr lang="en-US" altLang="ko-KR">
-              <a:solidFill>
-                <a:schemeClr val="dk1"/>
-              </a:solidFill>
-            </a:endParaRPr>
-          </a:p>
-          <a:p>
-            <a:pPr>
-              <a:defRPr/>
-            </a:pPr>
-            <a:r>
-              <a:rPr lang="ko-KR" altLang="en-US">
-                <a:solidFill>
-                  <a:schemeClr val="dk1"/>
-                </a:solidFill>
-              </a:rPr>
-              <a:t> </a:t>
-            </a:r>
-            <a:r>
-              <a:rPr lang="en-US" altLang="ko-KR">
-                <a:solidFill>
-                  <a:schemeClr val="dk1"/>
-                </a:solidFill>
-              </a:rPr>
-              <a:t>-</a:t>
-            </a:r>
-            <a:r>
-              <a:rPr lang="ko-KR" altLang="en-US">
-                <a:solidFill>
-                  <a:schemeClr val="dk1"/>
-                </a:solidFill>
-              </a:rPr>
-              <a:t> 회원가입</a:t>
-            </a:r>
-            <a:endParaRPr lang="ko-KR" altLang="en-US">
-              <a:solidFill>
-                <a:schemeClr val="dk1"/>
-              </a:solidFill>
-            </a:endParaRPr>
-          </a:p>
-          <a:p>
-            <a:pPr>
-              <a:defRPr/>
-            </a:pPr>
-            <a:r>
-              <a:rPr lang="ko-KR" altLang="en-US">
-                <a:solidFill>
-                  <a:schemeClr val="dk1"/>
-                </a:solidFill>
-              </a:rPr>
-              <a:t>  └ 회원가입시 아이디</a:t>
-            </a:r>
-            <a:r>
-              <a:rPr lang="en-US" altLang="ko-KR">
-                <a:solidFill>
-                  <a:schemeClr val="dk1"/>
-                </a:solidFill>
-              </a:rPr>
-              <a:t>,</a:t>
-            </a:r>
-            <a:r>
-              <a:rPr lang="ko-KR" altLang="en-US">
-                <a:solidFill>
-                  <a:schemeClr val="dk1"/>
-                </a:solidFill>
-              </a:rPr>
-              <a:t> 비밀번호</a:t>
-            </a:r>
-            <a:r>
-              <a:rPr lang="en-US" altLang="ko-KR">
-                <a:solidFill>
-                  <a:schemeClr val="dk1"/>
-                </a:solidFill>
-              </a:rPr>
-              <a:t>,</a:t>
-            </a:r>
-            <a:r>
-              <a:rPr lang="ko-KR" altLang="en-US">
-                <a:solidFill>
-                  <a:schemeClr val="dk1"/>
-                </a:solidFill>
-              </a:rPr>
-              <a:t> 이름</a:t>
-            </a:r>
-            <a:r>
-              <a:rPr lang="en-US" altLang="ko-KR">
-                <a:solidFill>
-                  <a:schemeClr val="dk1"/>
-                </a:solidFill>
-              </a:rPr>
-              <a:t>,</a:t>
-            </a:r>
-            <a:r>
-              <a:rPr lang="ko-KR" altLang="en-US">
-                <a:solidFill>
-                  <a:schemeClr val="dk1"/>
-                </a:solidFill>
-              </a:rPr>
-              <a:t> 전화번호</a:t>
-            </a:r>
-            <a:r>
-              <a:rPr lang="en-US" altLang="ko-KR">
-                <a:solidFill>
-                  <a:schemeClr val="dk1"/>
-                </a:solidFill>
-              </a:rPr>
-              <a:t>,</a:t>
-            </a:r>
-            <a:r>
-              <a:rPr lang="ko-KR" altLang="en-US">
-                <a:solidFill>
-                  <a:schemeClr val="dk1"/>
-                </a:solidFill>
-              </a:rPr>
-              <a:t> 생년월일</a:t>
-            </a:r>
-            <a:r>
-              <a:rPr lang="en-US" altLang="ko-KR">
-                <a:solidFill>
-                  <a:schemeClr val="dk1"/>
-                </a:solidFill>
-              </a:rPr>
-              <a:t>,</a:t>
-            </a:r>
-            <a:r>
-              <a:rPr lang="ko-KR" altLang="en-US">
-                <a:solidFill>
-                  <a:schemeClr val="dk1"/>
-                </a:solidFill>
-              </a:rPr>
-              <a:t> 차종의 정보를 받아야 한다</a:t>
-            </a:r>
-            <a:r>
-              <a:rPr lang="en-US" altLang="ko-KR">
-                <a:solidFill>
-                  <a:schemeClr val="dk1"/>
-                </a:solidFill>
-              </a:rPr>
-              <a:t>.</a:t>
-            </a:r>
-            <a:endParaRPr lang="en-US" altLang="ko-KR">
-              <a:solidFill>
-                <a:schemeClr val="dk1"/>
-              </a:solidFill>
-            </a:endParaRPr>
-          </a:p>
-          <a:p>
-            <a:pPr>
-              <a:defRPr/>
-            </a:pPr>
-            <a:r>
-              <a:rPr lang="ko-KR" altLang="en-US">
-                <a:solidFill>
-                  <a:schemeClr val="dk1"/>
-                </a:solidFill>
-              </a:rPr>
-              <a:t>  └ 중복되는 아이디는 가입이 되어선 안된다</a:t>
-            </a:r>
-            <a:r>
-              <a:rPr lang="en-US" altLang="ko-KR">
-                <a:solidFill>
-                  <a:schemeClr val="dk1"/>
-                </a:solidFill>
-              </a:rPr>
-              <a:t>.</a:t>
-            </a:r>
-            <a:endParaRPr lang="en-US" altLang="ko-KR">
-              <a:solidFill>
-                <a:schemeClr val="dk1"/>
-              </a:solidFill>
-            </a:endParaRPr>
-          </a:p>
-          <a:p>
-            <a:pPr>
-              <a:defRPr/>
-            </a:pPr>
-            <a:r>
-              <a:rPr lang="ko-KR" altLang="en-US">
-                <a:solidFill>
-                  <a:schemeClr val="dk1"/>
-                </a:solidFill>
-              </a:rPr>
-              <a:t>  └ 중복되는 아이디로 가입시도시 아이디 입력 오류 메세지가 출력되어야 한다</a:t>
-            </a:r>
-            <a:r>
-              <a:rPr lang="en-US" altLang="ko-KR">
-                <a:solidFill>
-                  <a:schemeClr val="dk1"/>
-                </a:solidFill>
-              </a:rPr>
-              <a:t>.</a:t>
-            </a:r>
-            <a:endParaRPr lang="en-US" altLang="ko-KR">
-              <a:solidFill>
-                <a:schemeClr val="dk1"/>
-              </a:solidFill>
-            </a:endParaRPr>
-          </a:p>
-          <a:p>
-            <a:pPr>
-              <a:defRPr/>
-            </a:pPr>
-            <a:r>
-              <a:rPr lang="ko-KR" altLang="en-US">
-                <a:solidFill>
-                  <a:schemeClr val="dk1"/>
-                </a:solidFill>
-              </a:rPr>
-              <a:t>  └ 비밀번호는 특수문자 포함 </a:t>
-            </a:r>
-            <a:r>
-              <a:rPr lang="en-US" altLang="ko-KR">
-                <a:solidFill>
-                  <a:schemeClr val="dk1"/>
-                </a:solidFill>
-              </a:rPr>
-              <a:t>8</a:t>
-            </a:r>
-            <a:r>
-              <a:rPr lang="ko-KR" altLang="en-US">
-                <a:solidFill>
-                  <a:schemeClr val="dk1"/>
-                </a:solidFill>
-              </a:rPr>
-              <a:t>자리 이상 </a:t>
-            </a:r>
-            <a:r>
-              <a:rPr lang="en-US" altLang="ko-KR">
-                <a:solidFill>
-                  <a:schemeClr val="dk1"/>
-                </a:solidFill>
-              </a:rPr>
-              <a:t>12</a:t>
-            </a:r>
-            <a:r>
-              <a:rPr lang="ko-KR" altLang="en-US">
-                <a:solidFill>
-                  <a:schemeClr val="dk1"/>
-                </a:solidFill>
-              </a:rPr>
-              <a:t>자리 이하 이어야 한다</a:t>
-            </a:r>
-            <a:r>
-              <a:rPr lang="en-US" altLang="ko-KR">
-                <a:solidFill>
-                  <a:schemeClr val="dk1"/>
-                </a:solidFill>
-              </a:rPr>
-              <a:t>.</a:t>
-            </a:r>
-            <a:r>
-              <a:rPr lang="ko-KR" altLang="en-US">
-                <a:solidFill>
-                  <a:schemeClr val="dk1"/>
-                </a:solidFill>
-              </a:rPr>
-              <a:t> </a:t>
-            </a:r>
-            <a:endParaRPr lang="ko-KR" altLang="en-US">
-              <a:solidFill>
-                <a:schemeClr val="dk1"/>
-              </a:solidFill>
-            </a:endParaRPr>
-          </a:p>
-          <a:p>
-            <a:pPr>
-              <a:defRPr/>
-            </a:pPr>
-            <a:r>
-              <a:rPr lang="ko-KR" altLang="en-US">
-                <a:solidFill>
-                  <a:schemeClr val="dk1"/>
-                </a:solidFill>
-              </a:rPr>
-              <a:t>  └ 회원가입을 위해 시도한 비밀번호가 </a:t>
-            </a:r>
-            <a:r>
-              <a:rPr lang="en-US" altLang="ko-KR">
-                <a:solidFill>
-                  <a:schemeClr val="dk1"/>
-                </a:solidFill>
-              </a:rPr>
-              <a:t>7</a:t>
-            </a:r>
-            <a:r>
-              <a:rPr lang="ko-KR" altLang="en-US">
-                <a:solidFill>
-                  <a:schemeClr val="dk1"/>
-                </a:solidFill>
-              </a:rPr>
-              <a:t>자리 이하이거나 </a:t>
-            </a:r>
-            <a:r>
-              <a:rPr lang="en-US" altLang="ko-KR">
-                <a:solidFill>
-                  <a:schemeClr val="dk1"/>
-                </a:solidFill>
-              </a:rPr>
-              <a:t>13</a:t>
-            </a:r>
-            <a:r>
-              <a:rPr lang="ko-KR" altLang="en-US">
-                <a:solidFill>
-                  <a:schemeClr val="dk1"/>
-                </a:solidFill>
-              </a:rPr>
-              <a:t>자리 이상일 경우 비밀번호 입력 오류 메세지가 출력되어야 한다</a:t>
-            </a:r>
-            <a:endParaRPr lang="ko-KR" altLang="en-US">
-              <a:solidFill>
-                <a:schemeClr val="dk1"/>
-              </a:solidFill>
-            </a:endParaRPr>
-          </a:p>
-          <a:p>
-            <a:pPr>
-              <a:defRPr/>
-            </a:pPr>
-            <a:endParaRPr lang="ko-KR" altLang="en-US">
-              <a:solidFill>
-                <a:schemeClr val="dk1"/>
-              </a:solidFill>
-            </a:endParaRPr>
-          </a:p>
-          <a:p>
-            <a:pPr>
-              <a:defRPr/>
-            </a:pPr>
-            <a:r>
-              <a:rPr lang="ko-KR" altLang="en-US">
-                <a:solidFill>
-                  <a:schemeClr val="dk1"/>
-                </a:solidFill>
-              </a:rPr>
-              <a:t> </a:t>
-            </a:r>
-            <a:r>
-              <a:rPr lang="en-US" altLang="ko-KR">
-                <a:solidFill>
-                  <a:schemeClr val="dk1"/>
-                </a:solidFill>
-              </a:rPr>
-              <a:t>-</a:t>
-            </a:r>
-            <a:r>
-              <a:rPr lang="ko-KR" altLang="en-US">
-                <a:solidFill>
-                  <a:schemeClr val="dk1"/>
-                </a:solidFill>
-              </a:rPr>
-              <a:t> 사용자 정보를 관리할 </a:t>
-            </a:r>
-            <a:r>
-              <a:rPr lang="en-US" altLang="ko-KR">
-                <a:solidFill>
-                  <a:schemeClr val="dk1"/>
-                </a:solidFill>
-              </a:rPr>
-              <a:t>DB</a:t>
-            </a:r>
-            <a:r>
-              <a:rPr lang="ko-KR" altLang="en-US">
-                <a:solidFill>
-                  <a:schemeClr val="dk1"/>
-                </a:solidFill>
-              </a:rPr>
-              <a:t>의 필요</a:t>
-            </a:r>
-            <a:endParaRPr lang="ko-KR" altLang="en-US">
-              <a:solidFill>
-                <a:schemeClr val="dk1"/>
-              </a:solidFill>
-            </a:endParaRPr>
-          </a:p>
-          <a:p>
-            <a:pPr>
-              <a:defRPr/>
-            </a:pPr>
-            <a:r>
-              <a:rPr lang="ko-KR" altLang="en-US">
-                <a:solidFill>
-                  <a:schemeClr val="dk1"/>
-                </a:solidFill>
-              </a:rPr>
-              <a:t>  └ 회원가입시 필요한 정보 및 소유한 차량의 정보를 포함해야 한다</a:t>
-            </a:r>
-            <a:r>
-              <a:rPr lang="en-US" altLang="ko-KR">
-                <a:solidFill>
-                  <a:schemeClr val="dk1"/>
-                </a:solidFill>
-              </a:rPr>
-              <a:t>.</a:t>
-            </a:r>
-            <a:endParaRPr lang="en-US" altLang="ko-KR">
-              <a:solidFill>
-                <a:schemeClr val="dk1"/>
-              </a:solidFill>
-            </a:endParaRPr>
-          </a:p>
-          <a:p>
-            <a:pPr>
-              <a:defRPr/>
-            </a:pPr>
-            <a:r>
-              <a:rPr lang="ko-KR" altLang="en-US">
-                <a:solidFill>
-                  <a:schemeClr val="dk1"/>
-                </a:solidFill>
-              </a:rPr>
-              <a:t>  └ 소유한 차량이 여러 대의 경우 차량의 정보를 추가할 수 있어야 한다</a:t>
-            </a:r>
-            <a:r>
-              <a:rPr lang="en-US" altLang="ko-KR">
-                <a:solidFill>
-                  <a:schemeClr val="dk1"/>
-                </a:solidFill>
-              </a:rPr>
-              <a:t>.</a:t>
-            </a:r>
-            <a:endParaRPr lang="en-US" altLang="ko-KR">
-              <a:solidFill>
-                <a:schemeClr val="dk1"/>
-              </a:solidFill>
-            </a:endParaRPr>
-          </a:p>
-          <a:p>
-            <a:pPr>
-              <a:defRPr/>
-            </a:pPr>
-            <a:endParaRPr lang="en-US" altLang="ko-KR">
-              <a:solidFill>
-                <a:schemeClr val="dk1"/>
-              </a:solidFill>
-            </a:endParaRPr>
-          </a:p>
-          <a:p>
-            <a:pPr>
-              <a:defRPr/>
-            </a:pPr>
-            <a:r>
-              <a:rPr lang="ko-KR" altLang="en-US">
-                <a:solidFill>
-                  <a:schemeClr val="dk1"/>
-                </a:solidFill>
-              </a:rPr>
-              <a:t> </a:t>
-            </a:r>
-            <a:r>
-              <a:rPr lang="en-US" altLang="ko-KR">
-                <a:solidFill>
-                  <a:schemeClr val="dk1"/>
-                </a:solidFill>
-              </a:rPr>
-              <a:t>-</a:t>
-            </a:r>
-            <a:r>
-              <a:rPr lang="ko-KR" altLang="en-US">
-                <a:solidFill>
-                  <a:schemeClr val="dk1"/>
-                </a:solidFill>
-              </a:rPr>
-              <a:t> 로그인</a:t>
-            </a:r>
-            <a:endParaRPr lang="ko-KR" altLang="en-US">
-              <a:solidFill>
-                <a:schemeClr val="dk1"/>
-              </a:solidFill>
-            </a:endParaRPr>
-          </a:p>
-          <a:p>
-            <a:pPr>
-              <a:defRPr/>
-            </a:pPr>
-            <a:r>
-              <a:rPr lang="ko-KR" altLang="en-US">
-                <a:solidFill>
-                  <a:schemeClr val="dk1"/>
-                </a:solidFill>
-              </a:rPr>
-              <a:t>  └ 알맞은 </a:t>
-            </a:r>
-            <a:r>
-              <a:rPr lang="en-US" altLang="ko-KR">
-                <a:solidFill>
-                  <a:schemeClr val="dk1"/>
-                </a:solidFill>
-              </a:rPr>
-              <a:t>ID</a:t>
-            </a:r>
-            <a:r>
-              <a:rPr lang="ko-KR" altLang="en-US">
-                <a:solidFill>
-                  <a:schemeClr val="dk1"/>
-                </a:solidFill>
-              </a:rPr>
-              <a:t>값과 패스워드 값이 입력 될 경우 그에 맞는 회원 정보가 로그인 되어야 한다</a:t>
-            </a:r>
-            <a:r>
-              <a:rPr lang="en-US" altLang="ko-KR">
-                <a:solidFill>
-                  <a:schemeClr val="dk1"/>
-                </a:solidFill>
-              </a:rPr>
-              <a:t>.</a:t>
-            </a:r>
-            <a:endParaRPr lang="en-US" altLang="ko-KR">
-              <a:solidFill>
-                <a:schemeClr val="dk1"/>
-              </a:solidFill>
-            </a:endParaRPr>
-          </a:p>
-          <a:p>
-            <a:pPr>
-              <a:defRPr/>
-            </a:pPr>
-            <a:r>
-              <a:rPr lang="ko-KR" altLang="en-US">
-                <a:solidFill>
-                  <a:schemeClr val="dk1"/>
-                </a:solidFill>
-              </a:rPr>
-              <a:t>  └ 로그인 실패시 로그인 오류 메세지를 출력해야 한다</a:t>
-            </a:r>
-            <a:r>
-              <a:rPr lang="en-US" altLang="ko-KR">
-                <a:solidFill>
-                  <a:schemeClr val="dk1"/>
-                </a:solidFill>
-              </a:rPr>
-              <a:t>.</a:t>
-            </a:r>
-            <a:endParaRPr lang="en-US" altLang="ko-KR">
-              <a:solidFill>
-                <a:schemeClr val="dk1"/>
-              </a:solidFill>
-            </a:endParaRPr>
-          </a:p>
-          <a:p>
-            <a:pPr>
-              <a:defRPr/>
-            </a:pPr>
-            <a:r>
-              <a:rPr lang="ko-KR" altLang="en-US">
-                <a:solidFill>
-                  <a:schemeClr val="dk1"/>
-                </a:solidFill>
-              </a:rPr>
-              <a:t>  └ 로그인에 성공했다면 로그인 버튼이 아닌 로그 아웃버튼을 보여주어야 한다</a:t>
-            </a:r>
-            <a:r>
-              <a:rPr lang="en-US" altLang="ko-KR">
-                <a:solidFill>
-                  <a:schemeClr val="dk1"/>
-                </a:solidFill>
-              </a:rPr>
-              <a:t>.</a:t>
-            </a:r>
-            <a:endParaRPr lang="en-US" altLang="ko-KR">
-              <a:solidFill>
-                <a:schemeClr val="dk1"/>
-              </a:solidFill>
-            </a:endParaRPr>
-          </a:p>
-        </p:txBody>
-      </p:sp>
-      <p:sp>
-        <p:nvSpPr>
-          <p:cNvPr id="9" name="직사각형 9"/>
-          <p:cNvSpPr/>
-          <p:nvPr/>
-        </p:nvSpPr>
-        <p:spPr>
-          <a:xfrm>
-            <a:off x="0" y="0"/>
-            <a:ext cx="12192001" cy="1338109"/>
-          </a:xfrm>
-          <a:prstGeom prst="rect">
-            <a:avLst/>
-          </a:prstGeom>
-          <a:solidFill>
-            <a:schemeClr val="accent1"/>
-          </a:solidFill>
-          <a:ln>
-            <a:noFill/>
-          </a:ln>
-        </p:spPr>
-        <p:style>
-          <a:lnRef idx="2">
-            <a:schemeClr val="accent1">
-              <a:shade val="50000"/>
-            </a:schemeClr>
-          </a:lnRef>
-          <a:fillRef idx="1">
-            <a:schemeClr val="accent1"/>
-          </a:fillRef>
-          <a:effectRef idx="0">
-            <a:schemeClr val="accent1"/>
-          </a:effectRef>
-          <a:fontRef idx="minor">
-            <a:schemeClr val="lt1"/>
-          </a:fontRef>
-        </p:style>
-        <p:txBody>
-          <a:bodyPr anchor="ctr"/>
-          <a:lstStyle/>
-          <a:p>
-            <a:pPr>
-              <a:defRPr/>
-            </a:pPr>
-            <a:r>
-              <a:rPr kumimoji="1" lang="en-US" altLang="ko-KR" sz="4800"/>
-              <a:t>2-2.</a:t>
-            </a:r>
-            <a:r>
-              <a:rPr kumimoji="1" lang="ko-KR" altLang="en-US" sz="4800"/>
-              <a:t> 요구사항 수집 및 정의</a:t>
-            </a:r>
-            <a:endParaRPr kumimoji="1" lang="ko-KR" altLang="en-US" sz="4800"/>
-          </a:p>
-        </p:txBody>
-      </p:sp>
-    </p:spTree>
-  </p:cSld>
-  <p:clrMapOvr>
-    <a:masterClrMapping/>
-  </p:clrMapOvr>
-  <mc:AlternateContent xmlns:mc="http://schemas.openxmlformats.org/markup-compatibility/2006">
-    <mc:Choice xmlns:p14="http://schemas.microsoft.com/office/powerpoint/2010/main" Requires="p14">
-      <p:transition xmlns:mc="http://schemas.openxmlformats.org/markup-compatibility/2006" xmlns:p14="http://schemas.microsoft.com/office/powerpoint/2010/main" mc:Ignorable="p14" p14:dur="500"/>
-    </mc:Choice>
-    <mc:Fallback>
-      <p:transition/>
-    </mc:Fallback>
-  </mc:AlternateContent>
-</p:sld>
-</file>
-
-<file path=ppt/slides/slide19.xml><?xml version="1.0" encoding="utf-8"?>
-<p:sld xmlns:r="http://schemas.openxmlformats.org/officeDocument/2006/relationships" xmlns:c="http://schemas.openxmlformats.org/drawingml/2006/chart" xmlns:a="http://schemas.openxmlformats.org/drawingml/2006/main" xmlns:dgm="http://schemas.openxmlformats.org/drawingml/2006/diagram" xmlns:dsp="http://schemas.microsoft.com/office/drawing/2008/diagram" xmlns:p="http://schemas.openxmlformats.org/presentationml/2006/main">
-  <p:cSld>
-    <p:spTree>
-      <p:nvGrpSpPr>
-        <p:cNvPr id="1" name=""/>
-        <p:cNvGrpSpPr/>
-        <p:nvPr/>
-      </p:nvGrpSpPr>
-      <p:grpSpPr>
-        <a:xfrm>
-          <a:off x="0" y="0"/>
-          <a:ext cx="0" cy="0"/>
-          <a:chOff x="0" y="0"/>
-          <a:chExt cx="0" cy="0"/>
-        </a:xfrm>
-      </p:grpSpPr>
-      <p:sp>
-        <p:nvSpPr>
-          <p:cNvPr id="5" name=""/>
-          <p:cNvSpPr/>
-          <p:nvPr/>
-        </p:nvSpPr>
-        <p:spPr>
-          <a:xfrm>
-            <a:off x="0" y="1367936"/>
-            <a:ext cx="12192000" cy="5480538"/>
-          </a:xfrm>
-          <a:prstGeom prst="rect">
-            <a:avLst/>
-          </a:prstGeom>
-          <a:noFill/>
-          <a:ln>
-            <a:noFill/>
-          </a:ln>
-        </p:spPr>
-        <p:style>
-          <a:lnRef idx="2">
-            <a:schemeClr val="accent1">
-              <a:shade val="20000"/>
-            </a:schemeClr>
-          </a:lnRef>
-          <a:fillRef idx="1">
-            <a:schemeClr val="accent1"/>
-          </a:fillRef>
-          <a:effectRef idx="0">
-            <a:schemeClr val="accent1"/>
-          </a:effectRef>
-          <a:fontRef idx="minor">
-            <a:schemeClr val="lt1"/>
-          </a:fontRef>
-        </p:style>
-        <p:txBody>
-          <a:bodyPr anchor="ctr"/>
-          <a:p>
-            <a:pPr>
-              <a:defRPr/>
-            </a:pPr>
-            <a:endParaRPr lang="en-US" altLang="ko-KR" sz="2000">
-              <a:solidFill>
-                <a:schemeClr val="dk1"/>
-              </a:solidFill>
-            </a:endParaRPr>
-          </a:p>
-          <a:p>
-            <a:pPr>
-              <a:defRPr/>
-            </a:pPr>
-            <a:r>
-              <a:rPr lang="ko-KR" altLang="en-US" sz="2000">
-                <a:solidFill>
-                  <a:schemeClr val="dk1"/>
-                </a:solidFill>
-              </a:rPr>
-              <a:t> </a:t>
-            </a:r>
-            <a:r>
-              <a:rPr lang="en-US" altLang="ko-KR" sz="2000">
-                <a:solidFill>
-                  <a:schemeClr val="dk1"/>
-                </a:solidFill>
-              </a:rPr>
-              <a:t>-</a:t>
-            </a:r>
-            <a:r>
-              <a:rPr lang="ko-KR" altLang="en-US" sz="2000">
-                <a:solidFill>
-                  <a:schemeClr val="dk1"/>
-                </a:solidFill>
-              </a:rPr>
-              <a:t> 함수의 계산</a:t>
-            </a:r>
-            <a:endParaRPr lang="ko-KR" altLang="en-US" sz="2000">
-              <a:solidFill>
-                <a:schemeClr val="dk1"/>
-              </a:solidFill>
-            </a:endParaRPr>
-          </a:p>
-          <a:p>
-            <a:pPr>
-              <a:defRPr/>
-            </a:pPr>
-            <a:r>
-              <a:rPr lang="ko-KR" altLang="en-US" sz="2000">
-                <a:solidFill>
-                  <a:schemeClr val="dk1"/>
-                </a:solidFill>
-              </a:rPr>
-              <a:t>  └ 할인률</a:t>
-            </a:r>
-            <a:r>
-              <a:rPr lang="en-US" altLang="ko-KR" sz="2000">
-                <a:solidFill>
-                  <a:schemeClr val="dk1"/>
-                </a:solidFill>
-              </a:rPr>
-              <a:t>,</a:t>
-            </a:r>
-            <a:r>
-              <a:rPr lang="ko-KR" altLang="en-US" sz="2000">
-                <a:solidFill>
-                  <a:schemeClr val="dk1"/>
-                </a:solidFill>
-              </a:rPr>
-              <a:t> 총액의 계산 과정에 오류가 있어선 안된다</a:t>
-            </a:r>
-            <a:r>
-              <a:rPr lang="en-US" altLang="ko-KR" sz="2000">
-                <a:solidFill>
-                  <a:schemeClr val="dk1"/>
-                </a:solidFill>
-              </a:rPr>
-              <a:t>.</a:t>
-            </a:r>
-            <a:endParaRPr lang="en-US" altLang="ko-KR" sz="2000">
-              <a:solidFill>
-                <a:schemeClr val="dk1"/>
-              </a:solidFill>
-            </a:endParaRPr>
-          </a:p>
-          <a:p>
-            <a:pPr>
-              <a:defRPr/>
-            </a:pPr>
-            <a:endParaRPr lang="en-US" altLang="ko-KR" sz="2000">
-              <a:solidFill>
-                <a:schemeClr val="dk1"/>
-              </a:solidFill>
-            </a:endParaRPr>
-          </a:p>
-          <a:p>
-            <a:pPr marL="0" indent="0" algn="l" defTabSz="914400" rtl="0" eaLnBrk="1" latinLnBrk="1" hangingPunct="1">
-              <a:lnSpc>
-                <a:spcPct val="100000"/>
-              </a:lnSpc>
-              <a:spcBef>
-                <a:spcPct val="0"/>
-              </a:spcBef>
-              <a:spcAft>
-                <a:spcPts val="0"/>
-              </a:spcAft>
-              <a:buNone/>
-              <a:defRPr/>
-            </a:pPr>
-            <a:r>
-              <a:rPr lang="ko-KR" altLang="en-US" sz="2000">
-                <a:solidFill>
-                  <a:schemeClr val="dk1"/>
-                </a:solidFill>
-              </a:rPr>
-              <a:t> </a:t>
-            </a:r>
-            <a:r>
-              <a:rPr lang="en-US" altLang="ko-KR" sz="2000">
-                <a:solidFill>
-                  <a:schemeClr val="dk1"/>
-                </a:solidFill>
-              </a:rPr>
-              <a:t>-</a:t>
-            </a:r>
-            <a:r>
-              <a:rPr lang="ko-KR" altLang="en-US" sz="2000">
-                <a:solidFill>
-                  <a:schemeClr val="dk1"/>
-                </a:solidFill>
-              </a:rPr>
-              <a:t> 화면 이동</a:t>
-            </a:r>
-            <a:endParaRPr lang="ko-KR" altLang="en-US" sz="2000">
-              <a:solidFill>
-                <a:schemeClr val="dk1"/>
-              </a:solidFill>
-            </a:endParaRPr>
-          </a:p>
-          <a:p>
-            <a:pPr>
-              <a:defRPr/>
-            </a:pPr>
-            <a:r>
-              <a:rPr lang="ko-KR" altLang="en-US" sz="2000">
-                <a:solidFill>
-                  <a:schemeClr val="dk1"/>
-                </a:solidFill>
-              </a:rPr>
-              <a:t>  └ 목차를 만들어 현재화면에서 원하는 화면으로 이동 가능해야 한다</a:t>
-            </a:r>
-            <a:r>
-              <a:rPr lang="en-US" altLang="ko-KR" sz="2000">
-                <a:solidFill>
-                  <a:schemeClr val="dk1"/>
-                </a:solidFill>
-              </a:rPr>
-              <a:t>.</a:t>
-            </a:r>
-            <a:endParaRPr lang="en-US" altLang="ko-KR" sz="2000">
-              <a:solidFill>
-                <a:schemeClr val="dk1"/>
-              </a:solidFill>
-            </a:endParaRPr>
-          </a:p>
-          <a:p>
-            <a:pPr>
-              <a:defRPr/>
-            </a:pPr>
-            <a:r>
-              <a:rPr lang="ko-KR" altLang="en-US" sz="2000">
-                <a:solidFill>
-                  <a:schemeClr val="dk1"/>
-                </a:solidFill>
-              </a:rPr>
-              <a:t>  └ 목차는 모든 페이지에서 이동 가능해야 한다</a:t>
-            </a:r>
-            <a:r>
-              <a:rPr lang="en-US" altLang="ko-KR" sz="2000">
-                <a:solidFill>
-                  <a:schemeClr val="dk1"/>
-                </a:solidFill>
-              </a:rPr>
-              <a:t>.</a:t>
-            </a:r>
-            <a:endParaRPr lang="en-US" altLang="ko-KR" sz="2000">
-              <a:solidFill>
-                <a:schemeClr val="dk1"/>
-              </a:solidFill>
-            </a:endParaRPr>
-          </a:p>
-          <a:p>
-            <a:pPr>
-              <a:defRPr/>
-            </a:pPr>
-            <a:r>
-              <a:rPr lang="ko-KR" altLang="en-US" sz="2000">
-                <a:solidFill>
-                  <a:schemeClr val="dk1"/>
-                </a:solidFill>
-              </a:rPr>
-              <a:t>  └ 화면을 이동할 때 로그인이 해제되지 않아야 한다</a:t>
-            </a:r>
-            <a:r>
-              <a:rPr lang="en-US" altLang="ko-KR" sz="2000">
-                <a:solidFill>
-                  <a:schemeClr val="dk1"/>
-                </a:solidFill>
-              </a:rPr>
-              <a:t>.</a:t>
-            </a:r>
-            <a:endParaRPr lang="en-US" altLang="ko-KR" sz="2000">
-              <a:solidFill>
-                <a:schemeClr val="dk1"/>
-              </a:solidFill>
-            </a:endParaRPr>
-          </a:p>
-          <a:p>
-            <a:pPr marL="0" indent="0" algn="l" defTabSz="914400" rtl="0" eaLnBrk="1" latinLnBrk="1" hangingPunct="1">
-              <a:lnSpc>
-                <a:spcPct val="100000"/>
-              </a:lnSpc>
-              <a:spcBef>
-                <a:spcPct val="0"/>
-              </a:spcBef>
-              <a:spcAft>
-                <a:spcPts val="0"/>
-              </a:spcAft>
-              <a:buNone/>
-              <a:defRPr/>
-            </a:pPr>
-            <a:endParaRPr lang="ko-KR" altLang="en-US" sz="2000">
-              <a:solidFill>
-                <a:schemeClr val="dk1"/>
-              </a:solidFill>
-            </a:endParaRPr>
-          </a:p>
-          <a:p>
-            <a:pPr>
-              <a:defRPr/>
-            </a:pPr>
-            <a:r>
-              <a:rPr lang="ko-KR" altLang="en-US" sz="2000">
-                <a:solidFill>
-                  <a:schemeClr val="dk1"/>
-                </a:solidFill>
-              </a:rPr>
-              <a:t> </a:t>
-            </a:r>
-            <a:r>
-              <a:rPr lang="en-US" altLang="ko-KR" sz="2000">
-                <a:solidFill>
-                  <a:schemeClr val="dk1"/>
-                </a:solidFill>
-              </a:rPr>
-              <a:t>-</a:t>
-            </a:r>
-            <a:r>
-              <a:rPr lang="ko-KR" altLang="en-US" sz="2000">
-                <a:solidFill>
-                  <a:schemeClr val="dk1"/>
-                </a:solidFill>
-              </a:rPr>
-              <a:t> 달력 화면</a:t>
-            </a:r>
-            <a:endParaRPr lang="ko-KR" altLang="en-US" sz="2000">
-              <a:solidFill>
-                <a:schemeClr val="dk1"/>
-              </a:solidFill>
-            </a:endParaRPr>
-          </a:p>
-          <a:p>
-            <a:pPr>
-              <a:defRPr/>
-            </a:pPr>
-            <a:r>
-              <a:rPr lang="ko-KR" altLang="en-US" sz="2000">
-                <a:solidFill>
-                  <a:schemeClr val="dk1"/>
-                </a:solidFill>
-              </a:rPr>
-              <a:t>  └ 정비 날짜를 기록할 수 있도록 다이어리 형식으로 제공해야 한다</a:t>
-            </a:r>
-            <a:r>
-              <a:rPr lang="en-US" altLang="ko-KR" sz="2000">
-                <a:solidFill>
-                  <a:schemeClr val="dk1"/>
-                </a:solidFill>
-              </a:rPr>
-              <a:t>.</a:t>
-            </a:r>
-            <a:endParaRPr lang="en-US" altLang="ko-KR" sz="2000">
-              <a:solidFill>
-                <a:schemeClr val="dk1"/>
-              </a:solidFill>
-            </a:endParaRPr>
-          </a:p>
-          <a:p>
-            <a:pPr>
-              <a:defRPr/>
-            </a:pPr>
-            <a:endParaRPr lang="ko-KR" altLang="en-US" sz="2000">
-              <a:solidFill>
-                <a:schemeClr val="dk1"/>
-              </a:solidFill>
-            </a:endParaRPr>
-          </a:p>
-          <a:p>
-            <a:pPr>
-              <a:defRPr/>
-            </a:pPr>
-            <a:r>
-              <a:rPr lang="ko-KR" altLang="en-US" sz="2000">
-                <a:solidFill>
-                  <a:schemeClr val="dk1"/>
-                </a:solidFill>
-              </a:rPr>
-              <a:t> </a:t>
-            </a:r>
-            <a:r>
-              <a:rPr lang="en-US" altLang="ko-KR" sz="2000">
-                <a:solidFill>
-                  <a:schemeClr val="dk1"/>
-                </a:solidFill>
-              </a:rPr>
-              <a:t>-</a:t>
-            </a:r>
-            <a:r>
-              <a:rPr lang="ko-KR" altLang="en-US" sz="2000">
-                <a:solidFill>
-                  <a:schemeClr val="dk1"/>
-                </a:solidFill>
-              </a:rPr>
-              <a:t> 부품 교체 예상 비용</a:t>
-            </a:r>
-            <a:endParaRPr lang="ko-KR" altLang="en-US" sz="2000">
-              <a:solidFill>
-                <a:schemeClr val="dk1"/>
-              </a:solidFill>
-            </a:endParaRPr>
-          </a:p>
-          <a:p>
-            <a:pPr>
-              <a:defRPr/>
-            </a:pPr>
-            <a:r>
-              <a:rPr lang="ko-KR" altLang="en-US" sz="2000">
-                <a:solidFill>
-                  <a:schemeClr val="dk1"/>
-                </a:solidFill>
-              </a:rPr>
-              <a:t>  └ 교체할 부품을 선택 받아야한다</a:t>
-            </a:r>
-            <a:r>
-              <a:rPr lang="en-US" altLang="ko-KR" sz="2000">
-                <a:solidFill>
-                  <a:schemeClr val="dk1"/>
-                </a:solidFill>
-              </a:rPr>
-              <a:t>.</a:t>
-            </a:r>
-            <a:endParaRPr lang="en-US" altLang="ko-KR" sz="2000">
-              <a:solidFill>
-                <a:schemeClr val="dk1"/>
-              </a:solidFill>
-            </a:endParaRPr>
-          </a:p>
-          <a:p>
-            <a:pPr>
-              <a:defRPr/>
-            </a:pPr>
-            <a:r>
-              <a:rPr lang="ko-KR" altLang="en-US" sz="2000">
-                <a:solidFill>
-                  <a:schemeClr val="dk1"/>
-                </a:solidFill>
-              </a:rPr>
-              <a:t>  └ 선택 된 부품은 값의 변조 없이 알맞은 값이 저장되어야 한다</a:t>
-            </a:r>
-            <a:r>
-              <a:rPr lang="en-US" altLang="ko-KR" sz="2000">
-                <a:solidFill>
-                  <a:schemeClr val="dk1"/>
-                </a:solidFill>
-              </a:rPr>
-              <a:t>.</a:t>
-            </a:r>
-            <a:endParaRPr lang="en-US" altLang="ko-KR" sz="2000">
-              <a:solidFill>
-                <a:schemeClr val="dk1"/>
-              </a:solidFill>
-            </a:endParaRPr>
-          </a:p>
-          <a:p>
-            <a:pPr>
-              <a:defRPr/>
-            </a:pPr>
-            <a:r>
-              <a:rPr lang="ko-KR" altLang="en-US" sz="2000">
-                <a:solidFill>
-                  <a:schemeClr val="dk1"/>
-                </a:solidFill>
-              </a:rPr>
-              <a:t>  └ 부품들의 시세변동을 지속적으로 업데이트 해야 한다</a:t>
-            </a:r>
-            <a:r>
-              <a:rPr lang="en-US" altLang="ko-KR" sz="2000">
-                <a:solidFill>
-                  <a:schemeClr val="dk1"/>
-                </a:solidFill>
-              </a:rPr>
-              <a:t>.</a:t>
-            </a:r>
-            <a:endParaRPr lang="en-US" altLang="ko-KR" sz="2000">
-              <a:solidFill>
-                <a:schemeClr val="dk1"/>
-              </a:solidFill>
-            </a:endParaRPr>
-          </a:p>
-          <a:p>
-            <a:pPr>
-              <a:defRPr/>
-            </a:pPr>
-            <a:endParaRPr lang="en-US" altLang="ko-KR" sz="2000">
-              <a:solidFill>
-                <a:schemeClr val="dk1"/>
-              </a:solidFill>
-            </a:endParaRPr>
-          </a:p>
-        </p:txBody>
-      </p:sp>
-      <p:sp>
-        <p:nvSpPr>
-          <p:cNvPr id="8" name="직사각형 9"/>
-          <p:cNvSpPr/>
-          <p:nvPr/>
-        </p:nvSpPr>
-        <p:spPr>
-          <a:xfrm>
-            <a:off x="0" y="0"/>
-            <a:ext cx="12192001" cy="1338109"/>
-          </a:xfrm>
-          <a:prstGeom prst="rect">
-            <a:avLst/>
-          </a:prstGeom>
-          <a:solidFill>
-            <a:schemeClr val="accent1"/>
-          </a:solidFill>
-          <a:ln>
-            <a:noFill/>
-          </a:ln>
-        </p:spPr>
-        <p:style>
-          <a:lnRef idx="2">
-            <a:schemeClr val="accent1">
-              <a:shade val="50000"/>
-            </a:schemeClr>
-          </a:lnRef>
-          <a:fillRef idx="1">
-            <a:schemeClr val="accent1"/>
-          </a:fillRef>
-          <a:effectRef idx="0">
-            <a:schemeClr val="accent1"/>
-          </a:effectRef>
-          <a:fontRef idx="minor">
-            <a:schemeClr val="lt1"/>
-          </a:fontRef>
-        </p:style>
-        <p:txBody>
-          <a:bodyPr anchor="ctr"/>
-          <a:lstStyle/>
-          <a:p>
-            <a:pPr>
-              <a:defRPr/>
-            </a:pPr>
-            <a:r>
-              <a:rPr kumimoji="1" lang="en-US" altLang="ko-KR" sz="4800"/>
-              <a:t>2-2.</a:t>
-            </a:r>
-            <a:r>
-              <a:rPr kumimoji="1" lang="ko-KR" altLang="en-US" sz="4800"/>
-              <a:t> 요구사항 수집 및 정의</a:t>
-            </a:r>
-            <a:endParaRPr kumimoji="1" lang="ko-KR" altLang="en-US" sz="4800"/>
           </a:p>
         </p:txBody>
       </p:sp>
@@ -11913,8 +11043,8 @@
         </p:nvSpPr>
         <p:spPr>
           <a:xfrm>
-            <a:off x="0" y="1650158"/>
-            <a:ext cx="12192000" cy="5480538"/>
+            <a:off x="0" y="1351682"/>
+            <a:ext cx="12192000" cy="5286510"/>
           </a:xfrm>
           <a:prstGeom prst="rect">
             <a:avLst/>
@@ -11946,51 +11076,33 @@
             <a:pPr>
               <a:defRPr/>
             </a:pPr>
-            <a:endParaRPr lang="en-US" altLang="ko-KR" sz="2000">
+            <a:endParaRPr lang="ko-KR" altLang="en-US">
               <a:solidFill>
                 <a:schemeClr val="dk1"/>
               </a:solidFill>
             </a:endParaRPr>
           </a:p>
           <a:p>
-            <a:pPr marL="0" indent="0" algn="l" defTabSz="914400" rtl="0" eaLnBrk="1" latinLnBrk="1" hangingPunct="1">
-              <a:lnSpc>
-                <a:spcPct val="100000"/>
-              </a:lnSpc>
-              <a:spcBef>
-                <a:spcPct val="0"/>
-              </a:spcBef>
-              <a:spcAft>
-                <a:spcPts val="0"/>
-              </a:spcAft>
-              <a:buNone/>
-              <a:defRPr/>
-            </a:pPr>
-            <a:r>
-              <a:rPr lang="ko-KR" altLang="en-US" sz="2000">
-                <a:solidFill>
-                  <a:schemeClr val="dk1"/>
-                </a:solidFill>
-              </a:rPr>
-              <a:t> </a:t>
-            </a:r>
-            <a:r>
-              <a:rPr lang="en-US" altLang="ko-KR" sz="2000">
-                <a:solidFill>
-                  <a:schemeClr val="dk1"/>
-                </a:solidFill>
-              </a:rPr>
-              <a:t>-</a:t>
-            </a:r>
-            <a:r>
-              <a:rPr lang="ko-KR" altLang="en-US" sz="2000">
-                <a:solidFill>
-                  <a:schemeClr val="dk1"/>
-                </a:solidFill>
-              </a:rPr>
-              <a:t> 게시판 개설</a:t>
-            </a:r>
-            <a:endParaRPr lang="ko-KR" altLang="en-US" sz="2000">
+            <a:pPr>
+              <a:defRPr/>
+            </a:pPr>
+            <a:r>
+              <a:rPr lang="ko-KR" altLang="en-US">
+                <a:solidFill>
+                  <a:schemeClr val="dk1"/>
+                </a:solidFill>
+              </a:rPr>
+              <a:t>기능적 요구사항</a:t>
+            </a:r>
+            <a:r>
+              <a:rPr lang="en-US" altLang="ko-KR">
+                <a:solidFill>
+                  <a:schemeClr val="dk1"/>
+                </a:solidFill>
+              </a:rPr>
+              <a:t>(Functional Requirement)</a:t>
+            </a:r>
+            <a:endParaRPr lang="en-US" altLang="ko-KR">
               <a:solidFill>
                 <a:schemeClr val="dk1"/>
               </a:solidFill>
@@ -12000,23 +11112,7 @@
             <a:pPr>
               <a:defRPr/>
             </a:pPr>
-            <a:r>
-              <a:rPr lang="ko-KR" altLang="en-US" sz="2000">
-                <a:solidFill>
-                  <a:schemeClr val="dk1"/>
-                </a:solidFill>
-              </a:rPr>
-              <a:t>  └ 게시판을 이용하기 위해서는 로그인을 해야 한다</a:t>
-            </a:r>
-            <a:r>
-              <a:rPr lang="en-US" altLang="ko-KR" sz="2000">
-                <a:solidFill>
-                  <a:schemeClr val="dk1"/>
-                </a:solidFill>
-              </a:rPr>
-              <a:t>.</a:t>
-            </a:r>
-            <a:endParaRPr lang="en-US" altLang="ko-KR" sz="2000">
+            <a:endParaRPr lang="en-US" altLang="ko-KR">
               <a:solidFill>
                 <a:schemeClr val="dk1"/>
               </a:solidFill>
@@ -12027,86 +11123,30 @@
               <a:defRPr/>
             </a:pPr>
             <a:r>
-              <a:rPr lang="ko-KR" altLang="en-US" sz="2000">
-                <a:solidFill>
-                  <a:schemeClr val="dk1"/>
-                </a:solidFill>
-              </a:rPr>
-              <a:t>  └ 게시판의 글을 삭제하거나 올리기 위한 </a:t>
-            </a:r>
-            <a:r>
-              <a:rPr lang="en-US" altLang="ko-KR" sz="2000">
-                <a:solidFill>
-                  <a:schemeClr val="dk1"/>
-                </a:solidFill>
-              </a:rPr>
-              <a:t>‘</a:t>
-            </a:r>
-            <a:r>
-              <a:rPr lang="ko-KR" altLang="en-US" sz="2000">
-                <a:solidFill>
-                  <a:schemeClr val="dk1"/>
-                </a:solidFill>
-              </a:rPr>
-              <a:t>글쓰기</a:t>
-            </a:r>
-            <a:r>
-              <a:rPr lang="en-US" altLang="ko-KR" sz="2000">
-                <a:solidFill>
-                  <a:schemeClr val="dk1"/>
-                </a:solidFill>
-              </a:rPr>
-              <a:t>’</a:t>
-            </a:r>
-            <a:r>
-              <a:rPr lang="ko-KR" altLang="en-US" sz="2000">
-                <a:solidFill>
-                  <a:schemeClr val="dk1"/>
-                </a:solidFill>
-              </a:rPr>
-              <a:t>버튼과 </a:t>
-            </a:r>
-            <a:r>
-              <a:rPr lang="en-US" altLang="ko-KR" sz="2000">
-                <a:solidFill>
-                  <a:schemeClr val="dk1"/>
-                </a:solidFill>
-              </a:rPr>
-              <a:t>“</a:t>
-            </a:r>
-            <a:r>
-              <a:rPr lang="ko-KR" altLang="en-US" sz="2000">
-                <a:solidFill>
-                  <a:schemeClr val="dk1"/>
-                </a:solidFill>
-              </a:rPr>
-              <a:t>글 삭제</a:t>
-            </a:r>
-            <a:r>
-              <a:rPr lang="en-US" altLang="ko-KR" sz="2000">
-                <a:solidFill>
-                  <a:schemeClr val="dk1"/>
-                </a:solidFill>
-              </a:rPr>
-              <a:t>”</a:t>
-            </a:r>
-            <a:r>
-              <a:rPr lang="ko-KR" altLang="en-US" sz="2000">
-                <a:solidFill>
-                  <a:schemeClr val="dk1"/>
-                </a:solidFill>
-              </a:rPr>
-              <a:t> 버튼이 있어야 한다</a:t>
-            </a:r>
-            <a:r>
-              <a:rPr lang="en-US" altLang="ko-KR" sz="2000">
-                <a:solidFill>
-                  <a:schemeClr val="dk1"/>
-                </a:solidFill>
-              </a:rPr>
-              <a:t>.</a:t>
-            </a:r>
-            <a:endParaRPr lang="en-US" altLang="ko-KR" sz="2000">
+              <a:rPr lang="ko-KR" altLang="en-US">
+                <a:solidFill>
+                  <a:schemeClr val="dk1"/>
+                </a:solidFill>
+              </a:rPr>
+              <a:t> </a:t>
+            </a:r>
+            <a:r>
+              <a:rPr lang="en-US" altLang="ko-KR">
+                <a:solidFill>
+                  <a:schemeClr val="dk1"/>
+                </a:solidFill>
+              </a:rPr>
+              <a:t>-</a:t>
+            </a:r>
+            <a:r>
+              <a:rPr lang="ko-KR" altLang="en-US">
+                <a:solidFill>
+                  <a:schemeClr val="dk1"/>
+                </a:solidFill>
+              </a:rPr>
+              <a:t> 회원가입</a:t>
+            </a:r>
+            <a:endParaRPr lang="ko-KR" altLang="en-US">
               <a:solidFill>
                 <a:schemeClr val="dk1"/>
               </a:solidFill>
@@ -12117,38 +11157,102 @@
               <a:defRPr/>
             </a:pPr>
             <a:r>
-              <a:rPr lang="ko-KR" altLang="en-US" sz="2000">
-                <a:solidFill>
-                  <a:schemeClr val="dk1"/>
-                </a:solidFill>
-              </a:rPr>
-              <a:t>  └ 게시판의 글들은 페이지당 </a:t>
-            </a:r>
-            <a:r>
-              <a:rPr lang="en-US" altLang="ko-KR" sz="2000">
-                <a:solidFill>
-                  <a:schemeClr val="dk1"/>
-                </a:solidFill>
-              </a:rPr>
-              <a:t>20</a:t>
-            </a:r>
-            <a:r>
-              <a:rPr lang="ko-KR" altLang="en-US" sz="2000">
-                <a:solidFill>
-                  <a:schemeClr val="dk1"/>
-                </a:solidFill>
-              </a:rPr>
-              <a:t>개씩 보여주어야 한다</a:t>
-            </a:r>
-            <a:r>
-              <a:rPr lang="en-US" altLang="ko-KR" sz="2000">
+              <a:rPr lang="ko-KR" altLang="en-US">
+                <a:solidFill>
+                  <a:schemeClr val="dk1"/>
+                </a:solidFill>
+              </a:rPr>
+              <a:t>  └ 회원가입시 아이디</a:t>
+            </a:r>
+            <a:r>
+              <a:rPr lang="en-US" altLang="ko-KR">
+                <a:solidFill>
+                  <a:schemeClr val="dk1"/>
+                </a:solidFill>
+              </a:rPr>
+              <a:t>,</a:t>
+            </a:r>
+            <a:r>
+              <a:rPr lang="ko-KR" altLang="en-US">
+                <a:solidFill>
+                  <a:schemeClr val="dk1"/>
+                </a:solidFill>
+              </a:rPr>
+              <a:t> 비밀번호</a:t>
+            </a:r>
+            <a:r>
+              <a:rPr lang="en-US" altLang="ko-KR">
+                <a:solidFill>
+                  <a:schemeClr val="dk1"/>
+                </a:solidFill>
+              </a:rPr>
+              <a:t>,</a:t>
+            </a:r>
+            <a:r>
+              <a:rPr lang="ko-KR" altLang="en-US">
+                <a:solidFill>
+                  <a:schemeClr val="dk1"/>
+                </a:solidFill>
+              </a:rPr>
+              <a:t> 이름</a:t>
+            </a:r>
+            <a:r>
+              <a:rPr lang="en-US" altLang="ko-KR">
+                <a:solidFill>
+                  <a:schemeClr val="dk1"/>
+                </a:solidFill>
+              </a:rPr>
+              <a:t>,</a:t>
+            </a:r>
+            <a:r>
+              <a:rPr lang="ko-KR" altLang="en-US">
+                <a:solidFill>
+                  <a:schemeClr val="dk1"/>
+                </a:solidFill>
+              </a:rPr>
+              <a:t> 전화번호</a:t>
+            </a:r>
+            <a:r>
+              <a:rPr lang="en-US" altLang="ko-KR">
+                <a:solidFill>
+                  <a:schemeClr val="dk1"/>
+                </a:solidFill>
+              </a:rPr>
+              <a:t>,</a:t>
+            </a:r>
+            <a:r>
+              <a:rPr lang="ko-KR" altLang="en-US">
+                <a:solidFill>
+                  <a:schemeClr val="dk1"/>
+                </a:solidFill>
+              </a:rPr>
+              <a:t> 생년월일</a:t>
+            </a:r>
+            <a:r>
+              <a:rPr lang="en-US" altLang="ko-KR">
+                <a:solidFill>
+                  <a:schemeClr val="dk1"/>
+                </a:solidFill>
+              </a:rPr>
+              <a:t>,</a:t>
+            </a:r>
+            <a:r>
+              <a:rPr lang="ko-KR" altLang="en-US">
+                <a:solidFill>
+                  <a:schemeClr val="dk1"/>
+                </a:solidFill>
+              </a:rPr>
+              <a:t> 차종의 정보를 받아야 한다</a:t>
+            </a:r>
+            <a:r>
+              <a:rPr lang="en-US" altLang="ko-KR">
                 <a:solidFill>
                   <a:schemeClr val="dk1"/>
                 </a:solidFill>
               </a:rPr>
               <a:t>.</a:t>
             </a:r>
-            <a:endParaRPr lang="en-US" altLang="ko-KR" sz="2000">
+            <a:endParaRPr lang="en-US" altLang="ko-KR">
               <a:solidFill>
                 <a:schemeClr val="dk1"/>
               </a:solidFill>
@@ -12158,51 +11262,49 @@
             <a:pPr>
               <a:defRPr/>
             </a:pPr>
-            <a:endParaRPr lang="ko-KR" altLang="en-US" sz="2000">
+            <a:r>
+              <a:rPr lang="ko-KR" altLang="en-US">
+                <a:solidFill>
+                  <a:schemeClr val="dk1"/>
+                </a:solidFill>
+              </a:rPr>
+              <a:t>  └ 중복되는 아이디는 가입이 되어선 안된다</a:t>
+            </a:r>
+            <a:r>
+              <a:rPr lang="en-US" altLang="ko-KR">
+                <a:solidFill>
+                  <a:schemeClr val="dk1"/>
+                </a:solidFill>
+              </a:rPr>
+              <a:t>.</a:t>
+            </a:r>
+            <a:endParaRPr lang="en-US" altLang="ko-KR">
               <a:solidFill>
                 <a:schemeClr val="dk1"/>
               </a:solidFill>
             </a:endParaRPr>
           </a:p>
           <a:p>
-            <a:pPr marL="0" indent="0" algn="l" defTabSz="914400" rtl="0" eaLnBrk="1" latinLnBrk="1" hangingPunct="1">
-              <a:lnSpc>
-                <a:spcPct val="100000"/>
-              </a:lnSpc>
-              <a:spcBef>
-                <a:spcPct val="0"/>
-              </a:spcBef>
-              <a:spcAft>
-                <a:spcPts val="0"/>
-              </a:spcAft>
-              <a:buNone/>
-              <a:defRPr/>
-            </a:pPr>
-            <a:r>
-              <a:rPr lang="ko-KR" altLang="en-US" sz="2000">
-                <a:solidFill>
-                  <a:schemeClr val="dk1"/>
-                </a:solidFill>
-              </a:rPr>
-              <a:t> </a:t>
-            </a:r>
-            <a:r>
-              <a:rPr lang="en-US" altLang="ko-KR" sz="2000">
-                <a:solidFill>
-                  <a:schemeClr val="dk1"/>
-                </a:solidFill>
-              </a:rPr>
-              <a:t>-</a:t>
-            </a:r>
-            <a:r>
-              <a:rPr lang="ko-KR" altLang="en-US" sz="2000">
-                <a:solidFill>
-                  <a:schemeClr val="dk1"/>
-                </a:solidFill>
-              </a:rPr>
-              <a:t> 채팅창 개설</a:t>
-            </a:r>
-            <a:endParaRPr lang="ko-KR" altLang="en-US" sz="2000">
+            <a:pPr>
+              <a:defRPr/>
+            </a:pPr>
+            <a:r>
+              <a:rPr lang="ko-KR" altLang="en-US">
+                <a:solidFill>
+                  <a:schemeClr val="dk1"/>
+                </a:solidFill>
+              </a:rPr>
+              <a:t>  └ 중복되는 아이디로 가입시도시 아이디 입력 오류 메세지가 출력되어야 한다</a:t>
+            </a:r>
+            <a:r>
+              <a:rPr lang="en-US" altLang="ko-KR">
+                <a:solidFill>
+                  <a:schemeClr val="dk1"/>
+                </a:solidFill>
+              </a:rPr>
+              <a:t>.</a:t>
+            </a:r>
+            <a:endParaRPr lang="en-US" altLang="ko-KR">
               <a:solidFill>
                 <a:schemeClr val="dk1"/>
               </a:solidFill>
@@ -12213,22 +11315,62 @@
               <a:defRPr/>
             </a:pPr>
             <a:r>
-              <a:rPr lang="ko-KR" altLang="en-US" sz="2000">
-                <a:solidFill>
-                  <a:schemeClr val="dk1"/>
-                </a:solidFill>
-              </a:rPr>
-              <a:t>  └ 채팅방 및 게시판에 들어가기 위해서는 로그인을 해야 한다</a:t>
-            </a:r>
-            <a:r>
-              <a:rPr lang="en-US" altLang="ko-KR" sz="2000">
+              <a:rPr lang="ko-KR" altLang="en-US">
+                <a:solidFill>
+                  <a:schemeClr val="dk1"/>
+                </a:solidFill>
+              </a:rPr>
+              <a:t>  └ 비밀번호는 특수문자 포함 </a:t>
+            </a:r>
+            <a:r>
+              <a:rPr lang="en-US" altLang="ko-KR">
+                <a:solidFill>
+                  <a:schemeClr val="dk1"/>
+                </a:solidFill>
+              </a:rPr>
+              <a:t>8</a:t>
+            </a:r>
+            <a:r>
+              <a:rPr lang="ko-KR" altLang="en-US">
+                <a:solidFill>
+                  <a:schemeClr val="dk1"/>
+                </a:solidFill>
+              </a:rPr>
+              <a:t>자리 이상 </a:t>
+            </a:r>
+            <a:r>
+              <a:rPr lang="en-US" altLang="ko-KR">
+                <a:solidFill>
+                  <a:schemeClr val="dk1"/>
+                </a:solidFill>
+              </a:rPr>
+              <a:t>12</a:t>
+            </a:r>
+            <a:r>
+              <a:rPr lang="ko-KR" altLang="en-US">
+                <a:solidFill>
+                  <a:schemeClr val="dk1"/>
+                </a:solidFill>
+              </a:rPr>
+              <a:t>자리 이하 이어야 한다</a:t>
+            </a:r>
+            <a:r>
+              <a:rPr lang="en-US" altLang="ko-KR">
                 <a:solidFill>
                   <a:schemeClr val="dk1"/>
                 </a:solidFill>
               </a:rPr>
               <a:t>.</a:t>
             </a:r>
-            <a:endParaRPr lang="en-US" altLang="ko-KR" sz="2000">
+            <a:r>
+              <a:rPr lang="ko-KR" altLang="en-US">
+                <a:solidFill>
+                  <a:schemeClr val="dk1"/>
+                </a:solidFill>
+              </a:rPr>
+              <a:t> </a:t>
+            </a:r>
+            <a:endParaRPr lang="ko-KR" altLang="en-US">
               <a:solidFill>
                 <a:schemeClr val="dk1"/>
               </a:solidFill>
@@ -12239,38 +11381,46 @@
               <a:defRPr/>
             </a:pPr>
             <a:r>
-              <a:rPr lang="ko-KR" altLang="en-US" sz="2000">
-                <a:solidFill>
-                  <a:schemeClr val="dk1"/>
-                </a:solidFill>
-              </a:rPr>
-              <a:t>  └ 로그인 화면을 들어가게 되면 아이디와 비밀번호의 입력 창</a:t>
-            </a:r>
-            <a:r>
-              <a:rPr lang="en-US" altLang="ko-KR" sz="2000">
-                <a:solidFill>
-                  <a:schemeClr val="dk1"/>
-                </a:solidFill>
-              </a:rPr>
-              <a:t>,</a:t>
-            </a:r>
-            <a:r>
-              <a:rPr lang="ko-KR" altLang="en-US" sz="2000">
-                <a:solidFill>
-                  <a:schemeClr val="dk1"/>
-                </a:solidFill>
-              </a:rPr>
-              <a:t> 회원가입 버튼과 로그인 버튼이 나와야 한다</a:t>
-            </a:r>
-            <a:r>
-              <a:rPr lang="en-US" altLang="ko-KR" sz="2000">
-                <a:solidFill>
-                  <a:schemeClr val="dk1"/>
-                </a:solidFill>
-              </a:rPr>
-              <a:t>.</a:t>
-            </a:r>
-            <a:endParaRPr lang="en-US" altLang="ko-KR" sz="2000">
+              <a:rPr lang="ko-KR" altLang="en-US">
+                <a:solidFill>
+                  <a:schemeClr val="dk1"/>
+                </a:solidFill>
+              </a:rPr>
+              <a:t>  └ 회원가입을 위해 시도한 비밀번호가 </a:t>
+            </a:r>
+            <a:r>
+              <a:rPr lang="en-US" altLang="ko-KR">
+                <a:solidFill>
+                  <a:schemeClr val="dk1"/>
+                </a:solidFill>
+              </a:rPr>
+              <a:t>7</a:t>
+            </a:r>
+            <a:r>
+              <a:rPr lang="ko-KR" altLang="en-US">
+                <a:solidFill>
+                  <a:schemeClr val="dk1"/>
+                </a:solidFill>
+              </a:rPr>
+              <a:t>자리 이하이거나 </a:t>
+            </a:r>
+            <a:r>
+              <a:rPr lang="en-US" altLang="ko-KR">
+                <a:solidFill>
+                  <a:schemeClr val="dk1"/>
+                </a:solidFill>
+              </a:rPr>
+              <a:t>13</a:t>
+            </a:r>
+            <a:r>
+              <a:rPr lang="ko-KR" altLang="en-US">
+                <a:solidFill>
+                  <a:schemeClr val="dk1"/>
+                </a:solidFill>
+              </a:rPr>
+              <a:t>자리 이상일 경우 비밀번호 입력 오류 메세지가 출력되어야 한다</a:t>
+            </a:r>
+            <a:endParaRPr lang="ko-KR" altLang="en-US">
               <a:solidFill>
                 <a:schemeClr val="dk1"/>
               </a:solidFill>
@@ -12280,7 +11430,7 @@
             <a:pPr>
               <a:defRPr/>
             </a:pPr>
-            <a:endParaRPr lang="en-US" altLang="ko-KR" sz="2000">
+            <a:endParaRPr lang="ko-KR" altLang="en-US">
               <a:solidFill>
                 <a:schemeClr val="dk1"/>
               </a:solidFill>
@@ -12291,22 +11441,46 @@
               <a:defRPr/>
             </a:pPr>
             <a:r>
-              <a:rPr lang="ko-KR" altLang="en-US" sz="2000">
-                <a:solidFill>
-                  <a:schemeClr val="dk1"/>
-                </a:solidFill>
-              </a:rPr>
-              <a:t>주행 거리별 </a:t>
-            </a:r>
-            <a:r>
-              <a:rPr lang="en-US" altLang="ko-KR" sz="2000">
-                <a:solidFill>
-                  <a:schemeClr val="dk1"/>
-                </a:solidFill>
-              </a:rPr>
-              <a:t>check list</a:t>
-            </a:r>
-            <a:endParaRPr lang="en-US" altLang="ko-KR" sz="2000">
+              <a:rPr lang="ko-KR" altLang="en-US">
+                <a:solidFill>
+                  <a:schemeClr val="dk1"/>
+                </a:solidFill>
+              </a:rPr>
+              <a:t> </a:t>
+            </a:r>
+            <a:r>
+              <a:rPr lang="en-US" altLang="ko-KR">
+                <a:solidFill>
+                  <a:schemeClr val="dk1"/>
+                </a:solidFill>
+              </a:rPr>
+              <a:t>-</a:t>
+            </a:r>
+            <a:r>
+              <a:rPr lang="ko-KR" altLang="en-US">
+                <a:solidFill>
+                  <a:schemeClr val="dk1"/>
+                </a:solidFill>
+              </a:rPr>
+              <a:t> 사용자 정보를 관리할 </a:t>
+            </a:r>
+            <a:r>
+              <a:rPr lang="en-US" altLang="ko-KR">
+                <a:solidFill>
+                  <a:schemeClr val="dk1"/>
+                </a:solidFill>
+              </a:rPr>
+              <a:t>DB</a:t>
+            </a:r>
+            <a:r>
+              <a:rPr lang="ko-KR" altLang="en-US">
+                <a:solidFill>
+                  <a:schemeClr val="dk1"/>
+                </a:solidFill>
+              </a:rPr>
+              <a:t>의 필요</a:t>
+            </a:r>
+            <a:endParaRPr lang="ko-KR" altLang="en-US">
               <a:solidFill>
                 <a:schemeClr val="dk1"/>
               </a:solidFill>
@@ -12317,30 +11491,22 @@
               <a:defRPr/>
             </a:pPr>
             <a:r>
-              <a:rPr lang="en-US" altLang="ko-KR" sz="2000">
-                <a:solidFill>
-                  <a:schemeClr val="dk1"/>
-                </a:solidFill>
-              </a:rPr>
-              <a:t> - </a:t>
-            </a:r>
-            <a:r>
-              <a:rPr lang="ko-KR" altLang="en-US" sz="2000">
-                <a:solidFill>
-                  <a:schemeClr val="dk1"/>
-                </a:solidFill>
-              </a:rPr>
-              <a:t>아이콘을 활용하여 한 눈에 확인하기 쉬워야 한다</a:t>
-            </a:r>
-            <a:r>
-              <a:rPr lang="en-US" altLang="ko-KR" sz="2000">
+              <a:rPr lang="ko-KR" altLang="en-US">
+                <a:solidFill>
+                  <a:schemeClr val="dk1"/>
+                </a:solidFill>
+              </a:rPr>
+              <a:t>  └ 회원가입시 필요한 정보 및 소유한 차량의 정보를 포함해야 한다</a:t>
+            </a:r>
+            <a:r>
+              <a:rPr lang="en-US" altLang="ko-KR">
                 <a:solidFill>
                   <a:schemeClr val="dk1"/>
                 </a:solidFill>
               </a:rPr>
               <a:t>.</a:t>
             </a:r>
-            <a:endParaRPr lang="en-US" altLang="ko-KR" sz="2000">
+            <a:endParaRPr lang="en-US" altLang="ko-KR">
               <a:solidFill>
                 <a:schemeClr val="dk1"/>
               </a:solidFill>
@@ -12351,38 +11517,22 @@
               <a:defRPr/>
             </a:pPr>
             <a:r>
-              <a:rPr lang="ko-KR" altLang="en-US" sz="2000">
-                <a:solidFill>
-                  <a:schemeClr val="dk1"/>
-                </a:solidFill>
-              </a:rPr>
-              <a:t> </a:t>
-            </a:r>
-            <a:r>
-              <a:rPr lang="en-US" altLang="ko-KR" sz="2000">
-                <a:solidFill>
-                  <a:schemeClr val="dk1"/>
-                </a:solidFill>
-              </a:rPr>
-              <a:t>-</a:t>
-            </a:r>
-            <a:r>
-              <a:rPr lang="ko-KR" altLang="en-US" sz="2000">
-                <a:solidFill>
-                  <a:schemeClr val="dk1"/>
-                </a:solidFill>
-              </a:rPr>
-              <a:t> 주행 거리 정보를 받아 계산하여 부품별 주행 거리 수명에 빼서 알려줘야 한다</a:t>
-            </a:r>
-            <a:r>
-              <a:rPr lang="en-US" altLang="ko-KR" sz="2000">
+              <a:rPr lang="ko-KR" altLang="en-US">
+                <a:solidFill>
+                  <a:schemeClr val="dk1"/>
+                </a:solidFill>
+              </a:rPr>
+              <a:t>  └ 소유한 차량이 여러 대의 경우 차량의 정보를 추가할 수 있어야 한다</a:t>
+            </a:r>
+            <a:r>
+              <a:rPr lang="en-US" altLang="ko-KR">
                 <a:solidFill>
                   <a:schemeClr val="dk1"/>
                 </a:solidFill>
               </a:rPr>
               <a:t>.</a:t>
             </a:r>
-            <a:endParaRPr lang="en-US" altLang="ko-KR" sz="2000">
+            <a:endParaRPr lang="en-US" altLang="ko-KR">
               <a:solidFill>
                 <a:schemeClr val="dk1"/>
               </a:solidFill>
@@ -12392,7 +11542,7 @@
             <a:pPr>
               <a:defRPr/>
             </a:pPr>
-            <a:endParaRPr lang="en-US" altLang="ko-KR" sz="2000">
+            <a:endParaRPr lang="en-US" altLang="ko-KR">
               <a:solidFill>
                 <a:schemeClr val="dk1"/>
               </a:solidFill>
@@ -12403,7 +11553,7 @@
               <a:defRPr/>
             </a:pPr>
             <a:r>
-              <a:rPr lang="ko-KR" altLang="en-US" sz="2000">
+              <a:rPr lang="ko-KR" altLang="en-US">
                 <a:solidFill>
                   <a:schemeClr val="dk1"/>
                 </a:solidFill>
@@ -12411,7 +11561,7 @@
               <a:t> </a:t>
             </a:r>
             <a:r>
-              <a:rPr lang="en-US" altLang="ko-KR" sz="2000">
+              <a:rPr lang="en-US" altLang="ko-KR">
                 <a:solidFill>
                   <a:schemeClr val="dk1"/>
                 </a:solidFill>
@@ -12419,14 +11569,14 @@
               <a:t>-</a:t>
             </a:r>
             <a:r>
-              <a:rPr lang="ko-KR" altLang="en-US" sz="2000">
-                <a:solidFill>
-                  <a:schemeClr val="dk1"/>
-                </a:solidFill>
-              </a:rPr>
-              <a:t> 정비소 지도정보</a:t>
-            </a:r>
-            <a:endParaRPr lang="ko-KR" altLang="en-US" sz="2000">
+              <a:rPr lang="ko-KR" altLang="en-US">
+                <a:solidFill>
+                  <a:schemeClr val="dk1"/>
+                </a:solidFill>
+              </a:rPr>
+              <a:t> 로그인</a:t>
+            </a:r>
+            <a:endParaRPr lang="ko-KR" altLang="en-US">
               <a:solidFill>
                 <a:schemeClr val="dk1"/>
               </a:solidFill>
@@ -12437,22 +11587,38 @@
               <a:defRPr/>
             </a:pPr>
             <a:r>
-              <a:rPr lang="ko-KR" altLang="en-US" sz="2000">
-                <a:solidFill>
-                  <a:schemeClr val="dk1"/>
-                </a:solidFill>
-              </a:rPr>
-              <a:t>  └ 정확한 위치의 지도 정보를 받아와야 한다</a:t>
-            </a:r>
-            <a:r>
-              <a:rPr lang="en-US" altLang="ko-KR" sz="2000">
+              <a:rPr lang="ko-KR" altLang="en-US">
+                <a:solidFill>
+                  <a:schemeClr val="dk1"/>
+                </a:solidFill>
+              </a:rPr>
+              <a:t>  └ 알맞은 </a:t>
+            </a:r>
+            <a:r>
+              <a:rPr lang="en-US" altLang="ko-KR">
+                <a:solidFill>
+                  <a:schemeClr val="dk1"/>
+                </a:solidFill>
+              </a:rPr>
+              <a:t>ID</a:t>
+            </a:r>
+            <a:r>
+              <a:rPr lang="ko-KR" altLang="en-US">
+                <a:solidFill>
+                  <a:schemeClr val="dk1"/>
+                </a:solidFill>
+              </a:rPr>
+              <a:t>값과 패스워드 값이 입력 될 경우 그에 맞는 회원 정보가 로그인 되어야 한다</a:t>
+            </a:r>
+            <a:r>
+              <a:rPr lang="en-US" altLang="ko-KR">
                 <a:solidFill>
                   <a:schemeClr val="dk1"/>
                 </a:solidFill>
               </a:rPr>
               <a:t>.</a:t>
             </a:r>
-            <a:endParaRPr lang="en-US" altLang="ko-KR" sz="2000">
+            <a:endParaRPr lang="en-US" altLang="ko-KR">
               <a:solidFill>
                 <a:schemeClr val="dk1"/>
               </a:solidFill>
@@ -12463,22 +11629,22 @@
               <a:defRPr/>
             </a:pPr>
             <a:r>
-              <a:rPr lang="ko-KR" altLang="en-US" sz="2000">
-                <a:solidFill>
-                  <a:schemeClr val="dk1"/>
-                </a:solidFill>
-              </a:rPr>
-              <a:t>  └ 사라지거나 위치가 바뀐 정보를 수시로 업데이트 해야 한다</a:t>
-            </a:r>
-            <a:r>
-              <a:rPr lang="en-US" altLang="ko-KR" sz="2000">
+              <a:rPr lang="ko-KR" altLang="en-US">
+                <a:solidFill>
+                  <a:schemeClr val="dk1"/>
+                </a:solidFill>
+              </a:rPr>
+              <a:t>  └ 로그인 실패시 로그인 오류 메세지를 출력해야 한다</a:t>
+            </a:r>
+            <a:r>
+              <a:rPr lang="en-US" altLang="ko-KR">
                 <a:solidFill>
                   <a:schemeClr val="dk1"/>
                 </a:solidFill>
               </a:rPr>
               <a:t>.</a:t>
             </a:r>
-            <a:endParaRPr lang="en-US" altLang="ko-KR" sz="2000">
+            <a:endParaRPr lang="en-US" altLang="ko-KR">
               <a:solidFill>
                 <a:schemeClr val="dk1"/>
               </a:solidFill>
@@ -12488,37 +11654,33 @@
             <a:pPr>
               <a:defRPr/>
             </a:pPr>
-            <a:endParaRPr lang="en-US" altLang="ko-KR" sz="2000">
+            <a:r>
+              <a:rPr lang="ko-KR" altLang="en-US">
+                <a:solidFill>
+                  <a:schemeClr val="dk1"/>
+                </a:solidFill>
+              </a:rPr>
+              <a:t>  └ 로그인에 성공했다면 로그인 버튼이 아닌 로그 아웃버튼을 보여주어야 한다</a:t>
+            </a:r>
+            <a:r>
+              <a:rPr lang="en-US" altLang="ko-KR">
+                <a:solidFill>
+                  <a:schemeClr val="dk1"/>
+                </a:solidFill>
+              </a:rPr>
+              <a:t>.</a:t>
+            </a:r>
+            <a:endParaRPr lang="en-US" altLang="ko-KR">
               <a:solidFill>
                 <a:schemeClr val="dk1"/>
               </a:solidFill>
             </a:endParaRPr>
           </a:p>
-          <a:p>
-            <a:pPr>
-              <a:defRPr/>
-            </a:pPr>
-            <a:endParaRPr lang="en-US" altLang="ko-KR" sz="2000">
-              <a:solidFill>
-                <a:schemeClr val="dk1"/>
-              </a:solidFill>
-            </a:endParaRPr>
-          </a:p>
-          <a:p>
-            <a:pPr>
-              <a:defRPr/>
-            </a:pPr>
-            <a:endParaRPr lang="en-US" altLang="ko-KR" sz="2000">
-              <a:solidFill>
-                <a:schemeClr val="dk1"/>
-              </a:solidFill>
-            </a:endParaRPr>
-          </a:p>
         </p:txBody>
       </p:sp>
       <p:sp>
         <p:nvSpPr>
-          <p:cNvPr id="8" name="직사각형 9"/>
+          <p:cNvPr id="9" name="직사각형 9"/>
           <p:cNvSpPr/>
           <p:nvPr/>
         </p:nvSpPr>
@@ -12646,22 +11808,6 @@
             <a:pPr>
               <a:defRPr/>
             </a:pPr>
-            <a:r>
-              <a:rPr lang="ko-KR" altLang="en-US" sz="2000">
-                <a:solidFill>
-                  <a:schemeClr val="dk1"/>
-                </a:solidFill>
-              </a:rPr>
-              <a:t>비기능적 요구사항</a:t>
-            </a:r>
-            <a:r>
-              <a:rPr lang="en-US" altLang="ko-KR" sz="2000">
-                <a:solidFill>
-                  <a:schemeClr val="dk1"/>
-                </a:solidFill>
-              </a:rPr>
-              <a:t>(Non-functional Requirements)</a:t>
-            </a:r>
             <a:endParaRPr lang="en-US" altLang="ko-KR" sz="2000">
               <a:solidFill>
                 <a:schemeClr val="dk1"/>
@@ -12672,6 +11818,30 @@
             <a:pPr>
               <a:defRPr/>
             </a:pPr>
+            <a:r>
+              <a:rPr lang="ko-KR" altLang="en-US" sz="2000">
+                <a:solidFill>
+                  <a:schemeClr val="dk1"/>
+                </a:solidFill>
+              </a:rPr>
+              <a:t> </a:t>
+            </a:r>
+            <a:r>
+              <a:rPr lang="en-US" altLang="ko-KR" sz="2000">
+                <a:solidFill>
+                  <a:schemeClr val="dk1"/>
+                </a:solidFill>
+              </a:rPr>
+              <a:t>-</a:t>
+            </a:r>
+            <a:r>
+              <a:rPr lang="ko-KR" altLang="en-US" sz="2000">
+                <a:solidFill>
+                  <a:schemeClr val="dk1"/>
+                </a:solidFill>
+              </a:rPr>
+              <a:t> 함수의 계산</a:t>
+            </a:r>
             <a:endParaRPr lang="ko-KR" altLang="en-US" sz="2000">
               <a:solidFill>
                 <a:schemeClr val="dk1"/>
@@ -12688,7 +11858,85 @@
                   <a:schemeClr val="dk1"/>
                 </a:solidFill>
               </a:rPr>
-              <a:t>보안성</a:t>
+              <a:t>  └ 할인률</a:t>
+            </a:r>
+            <a:r>
+              <a:rPr lang="en-US" altLang="ko-KR" sz="2000">
+                <a:solidFill>
+                  <a:schemeClr val="dk1"/>
+                </a:solidFill>
+              </a:rPr>
+              <a:t>,</a:t>
+            </a:r>
+            <a:r>
+              <a:rPr lang="ko-KR" altLang="en-US" sz="2000">
+                <a:solidFill>
+                  <a:schemeClr val="dk1"/>
+                </a:solidFill>
+              </a:rPr>
+              <a:t> 총액의 계산 과정에 오류가 있어선 안된다</a:t>
+            </a:r>
+            <a:r>
+              <a:rPr lang="en-US" altLang="ko-KR" sz="2000">
+                <a:solidFill>
+                  <a:schemeClr val="dk1"/>
+                </a:solidFill>
+              </a:rPr>
+              <a:t>.</a:t>
+            </a:r>
+            <a:endParaRPr lang="en-US" altLang="ko-KR" sz="2000">
+              <a:solidFill>
+                <a:schemeClr val="dk1"/>
+              </a:solidFill>
+            </a:endParaRPr>
+          </a:p>
+          <a:p>
+            <a:pPr>
+              <a:defRPr/>
+            </a:pPr>
+            <a:endParaRPr lang="en-US" altLang="ko-KR" sz="2000">
+              <a:solidFill>
+                <a:schemeClr val="dk1"/>
+              </a:solidFill>
+            </a:endParaRPr>
+          </a:p>
+          <a:p>
+            <a:pPr marL="0" indent="0" algn="l" defTabSz="914400" rtl="0" eaLnBrk="1" latinLnBrk="1" hangingPunct="1">
+              <a:lnSpc>
+                <a:spcPct val="100000"/>
+              </a:lnSpc>
+              <a:spcBef>
+                <a:spcPct val="0"/>
+              </a:spcBef>
+              <a:spcAft>
+                <a:spcPts val="0"/>
+              </a:spcAft>
+              <a:buNone/>
+              <a:defRPr/>
+            </a:pPr>
+            <a:r>
+              <a:rPr lang="ko-KR" altLang="en-US" sz="2000">
+                <a:solidFill>
+                  <a:schemeClr val="dk1"/>
+                </a:solidFill>
+              </a:rPr>
+              <a:t> </a:t>
+            </a:r>
+            <a:r>
+              <a:rPr lang="en-US" altLang="ko-KR" sz="2000">
+                <a:solidFill>
+                  <a:schemeClr val="dk1"/>
+                </a:solidFill>
+              </a:rPr>
+              <a:t>-</a:t>
+            </a:r>
+            <a:r>
+              <a:rPr lang="ko-KR" altLang="en-US" sz="2000">
+                <a:solidFill>
+                  <a:schemeClr val="dk1"/>
+                </a:solidFill>
+              </a:rPr>
+              <a:t> 화면 이동</a:t>
             </a:r>
             <a:endParaRPr lang="ko-KR" altLang="en-US" sz="2000">
               <a:solidFill>
@@ -12706,23 +11954,7 @@
                   <a:schemeClr val="dk1"/>
                 </a:solidFill>
               </a:rPr>
-              <a:t> </a:t>
-            </a:r>
-            <a:r>
-              <a:rPr lang="en-US" altLang="ko-KR" sz="2000">
-                <a:solidFill>
-                  <a:schemeClr val="dk1"/>
-                </a:solidFill>
-              </a:rPr>
-              <a:t>-</a:t>
-            </a:r>
-            <a:r>
-              <a:rPr lang="ko-KR" altLang="en-US" sz="2000">
-                <a:solidFill>
-                  <a:schemeClr val="dk1"/>
-                </a:solidFill>
-              </a:rPr>
-              <a:t> 등록된 사용자만이 자신이 등록한 차량의 정보를 확인해야 한다</a:t>
+              <a:t>  └ 목차를 만들어 현재화면에서 원하는 화면으로 이동 가능해야 한다</a:t>
             </a:r>
             <a:r>
               <a:rPr lang="en-US" altLang="ko-KR" sz="2000">
@@ -12742,6 +11974,68 @@
             <a:pPr>
               <a:defRPr/>
             </a:pPr>
+            <a:r>
+              <a:rPr lang="ko-KR" altLang="en-US" sz="2000">
+                <a:solidFill>
+                  <a:schemeClr val="dk1"/>
+                </a:solidFill>
+              </a:rPr>
+              <a:t>  └ 목차는 모든 페이지에서 이동 가능해야 한다</a:t>
+            </a:r>
+            <a:r>
+              <a:rPr lang="en-US" altLang="ko-KR" sz="2000">
+                <a:solidFill>
+                  <a:schemeClr val="dk1"/>
+                </a:solidFill>
+              </a:rPr>
+              <a:t>.</a:t>
+            </a:r>
+            <a:endParaRPr lang="en-US" altLang="ko-KR" sz="2000">
+              <a:solidFill>
+                <a:schemeClr val="dk1"/>
+              </a:solidFill>
+            </a:endParaRPr>
+          </a:p>
+          <a:p>
+            <a:pPr>
+              <a:defRPr/>
+            </a:pPr>
+            <a:r>
+              <a:rPr lang="ko-KR" altLang="en-US" sz="2000">
+                <a:solidFill>
+                  <a:schemeClr val="dk1"/>
+                </a:solidFill>
+              </a:rPr>
+              <a:t>  └ 화면을 이동할 때 로그인이 해제되지 않아야 한다</a:t>
+            </a:r>
+            <a:r>
+              <a:rPr lang="en-US" altLang="ko-KR" sz="2000">
+                <a:solidFill>
+                  <a:schemeClr val="dk1"/>
+                </a:solidFill>
+              </a:rPr>
+              <a:t>.</a:t>
+            </a:r>
+            <a:endParaRPr lang="en-US" altLang="ko-KR" sz="2000">
+              <a:solidFill>
+                <a:schemeClr val="dk1"/>
+              </a:solidFill>
+            </a:endParaRPr>
+          </a:p>
+          <a:p>
+            <a:pPr marL="0" indent="0" algn="l" defTabSz="914400" rtl="0" eaLnBrk="1" latinLnBrk="1" hangingPunct="1">
+              <a:lnSpc>
+                <a:spcPct val="100000"/>
+              </a:lnSpc>
+              <a:spcBef>
+                <a:spcPct val="0"/>
+              </a:spcBef>
+              <a:spcAft>
+                <a:spcPts val="0"/>
+              </a:spcAft>
+              <a:buNone/>
+              <a:defRPr/>
+            </a:pPr>
             <a:endParaRPr lang="ko-KR" altLang="en-US" sz="2000">
               <a:solidFill>
                 <a:schemeClr val="dk1"/>
@@ -12758,7 +12052,23 @@
                   <a:schemeClr val="dk1"/>
                 </a:solidFill>
               </a:rPr>
-              <a:t>무결성</a:t>
+              <a:t> </a:t>
+            </a:r>
+            <a:r>
+              <a:rPr lang="en-US" altLang="ko-KR" sz="2000">
+                <a:solidFill>
+                  <a:schemeClr val="dk1"/>
+                </a:solidFill>
+              </a:rPr>
+              <a:t>-</a:t>
+            </a:r>
+            <a:r>
+              <a:rPr lang="ko-KR" altLang="en-US" sz="2000">
+                <a:solidFill>
+                  <a:schemeClr val="dk1"/>
+                </a:solidFill>
+              </a:rPr>
+              <a:t> 달력 화면</a:t>
             </a:r>
             <a:endParaRPr lang="ko-KR" altLang="en-US" sz="2000">
               <a:solidFill>
@@ -12776,23 +12086,7 @@
                   <a:schemeClr val="dk1"/>
                 </a:solidFill>
               </a:rPr>
-              <a:t>  └ </a:t>
-            </a:r>
-            <a:r>
-              <a:rPr lang="en-US" altLang="ko-KR" sz="2000">
-                <a:solidFill>
-                  <a:schemeClr val="dk1"/>
-                </a:solidFill>
-              </a:rPr>
-              <a:t>APP</a:t>
-            </a:r>
-            <a:r>
-              <a:rPr lang="ko-KR" altLang="en-US" sz="2000">
-                <a:solidFill>
-                  <a:schemeClr val="dk1"/>
-                </a:solidFill>
-              </a:rPr>
-              <a:t> 종료시 입력된 데이터는 변조가 없어야 한다</a:t>
+              <a:t>  └ 정비 날짜를 기록할 수 있도록 다이어리 형식으로 제공해야 한다</a:t>
             </a:r>
             <a:r>
               <a:rPr lang="en-US" altLang="ko-KR" sz="2000">
@@ -12812,13 +12106,23 @@
             <a:pPr>
               <a:defRPr/>
             </a:pPr>
+            <a:endParaRPr lang="ko-KR" altLang="en-US" sz="2000">
+              <a:solidFill>
+                <a:schemeClr val="dk1"/>
+              </a:solidFill>
+            </a:endParaRPr>
+          </a:p>
+          <a:p>
+            <a:pPr>
+              <a:defRPr/>
+            </a:pPr>
             <a:r>
               <a:rPr lang="ko-KR" altLang="en-US" sz="2000">
                 <a:solidFill>
                   <a:schemeClr val="dk1"/>
                 </a:solidFill>
               </a:rPr>
-              <a:t>  └ 외부에서 받아오는 정보</a:t>
+              <a:t> </a:t>
             </a:r>
             <a:r>
               <a:rPr lang="en-US" altLang="ko-KR" sz="2000">
@@ -12826,7 +12130,7 @@
                   <a:schemeClr val="dk1"/>
                 </a:solidFill>
               </a:rPr>
-              <a:t>(</a:t>
+              <a:t>-</a:t>
             </a:r>
             <a:r>
               <a:rPr lang="ko-KR" altLang="en-US" sz="2000">
@@ -12834,39 +12138,25 @@
                   <a:schemeClr val="dk1"/>
                 </a:solidFill>
               </a:rPr>
-              <a:t>지도</a:t>
-            </a:r>
-            <a:r>
-              <a:rPr lang="en-US" altLang="ko-KR" sz="2000">
-                <a:solidFill>
-                  <a:schemeClr val="dk1"/>
-                </a:solidFill>
-              </a:rPr>
-              <a:t>,</a:t>
-            </a:r>
+              <a:t> 부품 교체 예상 비용</a:t>
+            </a:r>
+            <a:endParaRPr lang="ko-KR" altLang="en-US" sz="2000">
+              <a:solidFill>
+                <a:schemeClr val="dk1"/>
+              </a:solidFill>
+            </a:endParaRPr>
+          </a:p>
+          <a:p>
+            <a:pPr>
+              <a:defRPr/>
+            </a:pPr>
             <a:r>
               <a:rPr lang="ko-KR" altLang="en-US" sz="2000">
                 <a:solidFill>
                   <a:schemeClr val="dk1"/>
                 </a:solidFill>
               </a:rPr>
-              <a:t> 가격 등</a:t>
-            </a:r>
-            <a:r>
-              <a:rPr lang="en-US" altLang="ko-KR" sz="2000">
-                <a:solidFill>
-                  <a:schemeClr val="dk1"/>
-                </a:solidFill>
-              </a:rPr>
-              <a:t>)</a:t>
-            </a:r>
-            <a:r>
-              <a:rPr lang="ko-KR" altLang="en-US" sz="2000">
-                <a:solidFill>
-                  <a:schemeClr val="dk1"/>
-                </a:solidFill>
-              </a:rPr>
-              <a:t>에 변조가 없어야 한다</a:t>
+              <a:t>  └ 교체할 부품을 선택 받아야한다</a:t>
             </a:r>
             <a:r>
               <a:rPr lang="en-US" altLang="ko-KR" sz="2000">
@@ -12892,7 +12182,7 @@
                   <a:schemeClr val="dk1"/>
                 </a:solidFill>
               </a:rPr>
-              <a:t>  └ 정비 예약을 하는 과정에서 사용자가 선택한 지점과 선택된 지점의 정보가 일치해야 한다</a:t>
+              <a:t>  └ 선택 된 부품은 값의 변조 없이 알맞은 값이 저장되어야 한다</a:t>
             </a:r>
             <a:r>
               <a:rPr lang="en-US" altLang="ko-KR" sz="2000">
@@ -12918,7 +12208,7 @@
                   <a:schemeClr val="dk1"/>
                 </a:solidFill>
               </a:rPr>
-              <a:t>  └ </a:t>
+              <a:t>  └ 부품들의 시세변동을 지속적으로 업데이트 해야 한다</a:t>
             </a:r>
             <a:r>
               <a:rPr lang="en-US" altLang="ko-KR" sz="2000">
@@ -12926,25 +12216,9 @@
                   <a:schemeClr val="dk1"/>
                 </a:solidFill>
               </a:rPr>
-              <a:t>DataBase</a:t>
-            </a:r>
-            <a:r>
-              <a:rPr lang="ko-KR" altLang="en-US" sz="2000">
-                <a:solidFill>
-                  <a:schemeClr val="dk1"/>
-                </a:solidFill>
-              </a:rPr>
-              <a:t>에 저장된 내용들은 변조가 없어야 한다</a:t>
-            </a:r>
-            <a:r>
-              <a:rPr lang="en-US" altLang="ko-KR" sz="2000">
-                <a:solidFill>
-                  <a:schemeClr val="dk1"/>
-                </a:solidFill>
-              </a:rPr>
               <a:t>.</a:t>
             </a:r>
-            <a:endParaRPr lang="ko-KR" altLang="en-US" sz="2000">
+            <a:endParaRPr lang="en-US" altLang="ko-KR" sz="2000">
               <a:solidFill>
                 <a:schemeClr val="dk1"/>
               </a:solidFill>
@@ -12954,7 +12228,7 @@
             <a:pPr>
               <a:defRPr/>
             </a:pPr>
-            <a:endParaRPr lang="ko-KR" altLang="en-US" sz="2000">
+            <a:endParaRPr lang="en-US" altLang="ko-KR" sz="2000">
               <a:solidFill>
                 <a:schemeClr val="dk1"/>
               </a:solidFill>
@@ -13053,7 +12327,618 @@
       </p:grpSpPr>
       <p:sp>
         <p:nvSpPr>
-          <p:cNvPr id="4" name="직사각형 9"/>
+          <p:cNvPr id="5" name=""/>
+          <p:cNvSpPr/>
+          <p:nvPr/>
+        </p:nvSpPr>
+        <p:spPr>
+          <a:xfrm>
+            <a:off x="0" y="1650158"/>
+            <a:ext cx="12192000" cy="5480538"/>
+          </a:xfrm>
+          <a:prstGeom prst="rect">
+            <a:avLst/>
+          </a:prstGeom>
+          <a:noFill/>
+          <a:ln>
+            <a:noFill/>
+          </a:ln>
+        </p:spPr>
+        <p:style>
+          <a:lnRef idx="2">
+            <a:schemeClr val="accent1">
+              <a:shade val="20000"/>
+            </a:schemeClr>
+          </a:lnRef>
+          <a:fillRef idx="1">
+            <a:schemeClr val="accent1"/>
+          </a:fillRef>
+          <a:effectRef idx="0">
+            <a:schemeClr val="accent1"/>
+          </a:effectRef>
+          <a:fontRef idx="minor">
+            <a:schemeClr val="lt1"/>
+          </a:fontRef>
+        </p:style>
+        <p:txBody>
+          <a:bodyPr anchor="ctr"/>
+          <a:p>
+            <a:pPr>
+              <a:defRPr/>
+            </a:pPr>
+            <a:endParaRPr lang="en-US" altLang="ko-KR" sz="2000">
+              <a:solidFill>
+                <a:schemeClr val="dk1"/>
+              </a:solidFill>
+            </a:endParaRPr>
+          </a:p>
+          <a:p>
+            <a:pPr marL="0" indent="0" algn="l" defTabSz="914400" rtl="0" eaLnBrk="1" latinLnBrk="1" hangingPunct="1">
+              <a:lnSpc>
+                <a:spcPct val="100000"/>
+              </a:lnSpc>
+              <a:spcBef>
+                <a:spcPct val="0"/>
+              </a:spcBef>
+              <a:spcAft>
+                <a:spcPts val="0"/>
+              </a:spcAft>
+              <a:buNone/>
+              <a:defRPr/>
+            </a:pPr>
+            <a:r>
+              <a:rPr lang="ko-KR" altLang="en-US" sz="2000">
+                <a:solidFill>
+                  <a:schemeClr val="dk1"/>
+                </a:solidFill>
+              </a:rPr>
+              <a:t> </a:t>
+            </a:r>
+            <a:r>
+              <a:rPr lang="en-US" altLang="ko-KR" sz="2000">
+                <a:solidFill>
+                  <a:schemeClr val="dk1"/>
+                </a:solidFill>
+              </a:rPr>
+              <a:t>-</a:t>
+            </a:r>
+            <a:r>
+              <a:rPr lang="ko-KR" altLang="en-US" sz="2000">
+                <a:solidFill>
+                  <a:schemeClr val="dk1"/>
+                </a:solidFill>
+              </a:rPr>
+              <a:t> 게시판 개설</a:t>
+            </a:r>
+            <a:endParaRPr lang="ko-KR" altLang="en-US" sz="2000">
+              <a:solidFill>
+                <a:schemeClr val="dk1"/>
+              </a:solidFill>
+            </a:endParaRPr>
+          </a:p>
+          <a:p>
+            <a:pPr>
+              <a:defRPr/>
+            </a:pPr>
+            <a:r>
+              <a:rPr lang="ko-KR" altLang="en-US" sz="2000">
+                <a:solidFill>
+                  <a:schemeClr val="dk1"/>
+                </a:solidFill>
+              </a:rPr>
+              <a:t>  └ 게시판을 이용하기 위해서는 로그인을 해야 한다</a:t>
+            </a:r>
+            <a:r>
+              <a:rPr lang="en-US" altLang="ko-KR" sz="2000">
+                <a:solidFill>
+                  <a:schemeClr val="dk1"/>
+                </a:solidFill>
+              </a:rPr>
+              <a:t>.</a:t>
+            </a:r>
+            <a:endParaRPr lang="en-US" altLang="ko-KR" sz="2000">
+              <a:solidFill>
+                <a:schemeClr val="dk1"/>
+              </a:solidFill>
+            </a:endParaRPr>
+          </a:p>
+          <a:p>
+            <a:pPr>
+              <a:defRPr/>
+            </a:pPr>
+            <a:r>
+              <a:rPr lang="ko-KR" altLang="en-US" sz="2000">
+                <a:solidFill>
+                  <a:schemeClr val="dk1"/>
+                </a:solidFill>
+              </a:rPr>
+              <a:t>  └ 게시판의 글을 삭제하거나 올리기 위한 </a:t>
+            </a:r>
+            <a:r>
+              <a:rPr lang="en-US" altLang="ko-KR" sz="2000">
+                <a:solidFill>
+                  <a:schemeClr val="dk1"/>
+                </a:solidFill>
+              </a:rPr>
+              <a:t>‘</a:t>
+            </a:r>
+            <a:r>
+              <a:rPr lang="ko-KR" altLang="en-US" sz="2000">
+                <a:solidFill>
+                  <a:schemeClr val="dk1"/>
+                </a:solidFill>
+              </a:rPr>
+              <a:t>글쓰기</a:t>
+            </a:r>
+            <a:r>
+              <a:rPr lang="en-US" altLang="ko-KR" sz="2000">
+                <a:solidFill>
+                  <a:schemeClr val="dk1"/>
+                </a:solidFill>
+              </a:rPr>
+              <a:t>’</a:t>
+            </a:r>
+            <a:r>
+              <a:rPr lang="ko-KR" altLang="en-US" sz="2000">
+                <a:solidFill>
+                  <a:schemeClr val="dk1"/>
+                </a:solidFill>
+              </a:rPr>
+              <a:t>버튼과 </a:t>
+            </a:r>
+            <a:r>
+              <a:rPr lang="en-US" altLang="ko-KR" sz="2000">
+                <a:solidFill>
+                  <a:schemeClr val="dk1"/>
+                </a:solidFill>
+              </a:rPr>
+              <a:t>“</a:t>
+            </a:r>
+            <a:r>
+              <a:rPr lang="ko-KR" altLang="en-US" sz="2000">
+                <a:solidFill>
+                  <a:schemeClr val="dk1"/>
+                </a:solidFill>
+              </a:rPr>
+              <a:t>글 삭제</a:t>
+            </a:r>
+            <a:r>
+              <a:rPr lang="en-US" altLang="ko-KR" sz="2000">
+                <a:solidFill>
+                  <a:schemeClr val="dk1"/>
+                </a:solidFill>
+              </a:rPr>
+              <a:t>”</a:t>
+            </a:r>
+            <a:r>
+              <a:rPr lang="ko-KR" altLang="en-US" sz="2000">
+                <a:solidFill>
+                  <a:schemeClr val="dk1"/>
+                </a:solidFill>
+              </a:rPr>
+              <a:t> 버튼이 있어야 한다</a:t>
+            </a:r>
+            <a:r>
+              <a:rPr lang="en-US" altLang="ko-KR" sz="2000">
+                <a:solidFill>
+                  <a:schemeClr val="dk1"/>
+                </a:solidFill>
+              </a:rPr>
+              <a:t>.</a:t>
+            </a:r>
+            <a:endParaRPr lang="en-US" altLang="ko-KR" sz="2000">
+              <a:solidFill>
+                <a:schemeClr val="dk1"/>
+              </a:solidFill>
+            </a:endParaRPr>
+          </a:p>
+          <a:p>
+            <a:pPr>
+              <a:defRPr/>
+            </a:pPr>
+            <a:r>
+              <a:rPr lang="ko-KR" altLang="en-US" sz="2000">
+                <a:solidFill>
+                  <a:schemeClr val="dk1"/>
+                </a:solidFill>
+              </a:rPr>
+              <a:t>  └ 게시판의 글들은 페이지당 </a:t>
+            </a:r>
+            <a:r>
+              <a:rPr lang="en-US" altLang="ko-KR" sz="2000">
+                <a:solidFill>
+                  <a:schemeClr val="dk1"/>
+                </a:solidFill>
+              </a:rPr>
+              <a:t>20</a:t>
+            </a:r>
+            <a:r>
+              <a:rPr lang="ko-KR" altLang="en-US" sz="2000">
+                <a:solidFill>
+                  <a:schemeClr val="dk1"/>
+                </a:solidFill>
+              </a:rPr>
+              <a:t>개씩 보여주어야 한다</a:t>
+            </a:r>
+            <a:r>
+              <a:rPr lang="en-US" altLang="ko-KR" sz="2000">
+                <a:solidFill>
+                  <a:schemeClr val="dk1"/>
+                </a:solidFill>
+              </a:rPr>
+              <a:t>.</a:t>
+            </a:r>
+            <a:endParaRPr lang="en-US" altLang="ko-KR" sz="2000">
+              <a:solidFill>
+                <a:schemeClr val="dk1"/>
+              </a:solidFill>
+            </a:endParaRPr>
+          </a:p>
+          <a:p>
+            <a:pPr>
+              <a:defRPr/>
+            </a:pPr>
+            <a:endParaRPr lang="ko-KR" altLang="en-US" sz="2000">
+              <a:solidFill>
+                <a:schemeClr val="dk1"/>
+              </a:solidFill>
+            </a:endParaRPr>
+          </a:p>
+          <a:p>
+            <a:pPr marL="0" indent="0" algn="l" defTabSz="914400" rtl="0" eaLnBrk="1" latinLnBrk="1" hangingPunct="1">
+              <a:lnSpc>
+                <a:spcPct val="100000"/>
+              </a:lnSpc>
+              <a:spcBef>
+                <a:spcPct val="0"/>
+              </a:spcBef>
+              <a:spcAft>
+                <a:spcPts val="0"/>
+              </a:spcAft>
+              <a:buNone/>
+              <a:defRPr/>
+            </a:pPr>
+            <a:r>
+              <a:rPr lang="ko-KR" altLang="en-US" sz="2000">
+                <a:solidFill>
+                  <a:schemeClr val="dk1"/>
+                </a:solidFill>
+              </a:rPr>
+              <a:t> </a:t>
+            </a:r>
+            <a:r>
+              <a:rPr lang="en-US" altLang="ko-KR" sz="2000">
+                <a:solidFill>
+                  <a:schemeClr val="dk1"/>
+                </a:solidFill>
+              </a:rPr>
+              <a:t>-</a:t>
+            </a:r>
+            <a:r>
+              <a:rPr lang="ko-KR" altLang="en-US" sz="2000">
+                <a:solidFill>
+                  <a:schemeClr val="dk1"/>
+                </a:solidFill>
+              </a:rPr>
+              <a:t> 채팅창 개설</a:t>
+            </a:r>
+            <a:endParaRPr lang="ko-KR" altLang="en-US" sz="2000">
+              <a:solidFill>
+                <a:schemeClr val="dk1"/>
+              </a:solidFill>
+            </a:endParaRPr>
+          </a:p>
+          <a:p>
+            <a:pPr>
+              <a:defRPr/>
+            </a:pPr>
+            <a:r>
+              <a:rPr lang="ko-KR" altLang="en-US" sz="2000">
+                <a:solidFill>
+                  <a:schemeClr val="dk1"/>
+                </a:solidFill>
+              </a:rPr>
+              <a:t>  └ 채팅방 및 게시판에 들어가기 위해서는 로그인을 해야 한다</a:t>
+            </a:r>
+            <a:r>
+              <a:rPr lang="en-US" altLang="ko-KR" sz="2000">
+                <a:solidFill>
+                  <a:schemeClr val="dk1"/>
+                </a:solidFill>
+              </a:rPr>
+              <a:t>.</a:t>
+            </a:r>
+            <a:endParaRPr lang="en-US" altLang="ko-KR" sz="2000">
+              <a:solidFill>
+                <a:schemeClr val="dk1"/>
+              </a:solidFill>
+            </a:endParaRPr>
+          </a:p>
+          <a:p>
+            <a:pPr>
+              <a:defRPr/>
+            </a:pPr>
+            <a:r>
+              <a:rPr lang="ko-KR" altLang="en-US" sz="2000">
+                <a:solidFill>
+                  <a:schemeClr val="dk1"/>
+                </a:solidFill>
+              </a:rPr>
+              <a:t>  └ 로그인 화면을 들어가게 되면 아이디와 비밀번호의 입력 창</a:t>
+            </a:r>
+            <a:r>
+              <a:rPr lang="en-US" altLang="ko-KR" sz="2000">
+                <a:solidFill>
+                  <a:schemeClr val="dk1"/>
+                </a:solidFill>
+              </a:rPr>
+              <a:t>,</a:t>
+            </a:r>
+            <a:r>
+              <a:rPr lang="ko-KR" altLang="en-US" sz="2000">
+                <a:solidFill>
+                  <a:schemeClr val="dk1"/>
+                </a:solidFill>
+              </a:rPr>
+              <a:t> 회원가입 버튼과 로그인 버튼이 나와야 한다</a:t>
+            </a:r>
+            <a:r>
+              <a:rPr lang="en-US" altLang="ko-KR" sz="2000">
+                <a:solidFill>
+                  <a:schemeClr val="dk1"/>
+                </a:solidFill>
+              </a:rPr>
+              <a:t>.</a:t>
+            </a:r>
+            <a:endParaRPr lang="en-US" altLang="ko-KR" sz="2000">
+              <a:solidFill>
+                <a:schemeClr val="dk1"/>
+              </a:solidFill>
+            </a:endParaRPr>
+          </a:p>
+          <a:p>
+            <a:pPr>
+              <a:defRPr/>
+            </a:pPr>
+            <a:endParaRPr lang="en-US" altLang="ko-KR" sz="2000">
+              <a:solidFill>
+                <a:schemeClr val="dk1"/>
+              </a:solidFill>
+            </a:endParaRPr>
+          </a:p>
+          <a:p>
+            <a:pPr>
+              <a:defRPr/>
+            </a:pPr>
+            <a:r>
+              <a:rPr lang="ko-KR" altLang="en-US" sz="2000">
+                <a:solidFill>
+                  <a:schemeClr val="dk1"/>
+                </a:solidFill>
+              </a:rPr>
+              <a:t>주행 거리별 </a:t>
+            </a:r>
+            <a:r>
+              <a:rPr lang="en-US" altLang="ko-KR" sz="2000">
+                <a:solidFill>
+                  <a:schemeClr val="dk1"/>
+                </a:solidFill>
+              </a:rPr>
+              <a:t>check list</a:t>
+            </a:r>
+            <a:endParaRPr lang="en-US" altLang="ko-KR" sz="2000">
+              <a:solidFill>
+                <a:schemeClr val="dk1"/>
+              </a:solidFill>
+            </a:endParaRPr>
+          </a:p>
+          <a:p>
+            <a:pPr>
+              <a:defRPr/>
+            </a:pPr>
+            <a:r>
+              <a:rPr lang="en-US" altLang="ko-KR" sz="2000">
+                <a:solidFill>
+                  <a:schemeClr val="dk1"/>
+                </a:solidFill>
+              </a:rPr>
+              <a:t> - </a:t>
+            </a:r>
+            <a:r>
+              <a:rPr lang="ko-KR" altLang="en-US" sz="2000">
+                <a:solidFill>
+                  <a:schemeClr val="dk1"/>
+                </a:solidFill>
+              </a:rPr>
+              <a:t>아이콘을 활용하여 한 눈에 확인하기 쉬워야 한다</a:t>
+            </a:r>
+            <a:r>
+              <a:rPr lang="en-US" altLang="ko-KR" sz="2000">
+                <a:solidFill>
+                  <a:schemeClr val="dk1"/>
+                </a:solidFill>
+              </a:rPr>
+              <a:t>.</a:t>
+            </a:r>
+            <a:endParaRPr lang="en-US" altLang="ko-KR" sz="2000">
+              <a:solidFill>
+                <a:schemeClr val="dk1"/>
+              </a:solidFill>
+            </a:endParaRPr>
+          </a:p>
+          <a:p>
+            <a:pPr>
+              <a:defRPr/>
+            </a:pPr>
+            <a:r>
+              <a:rPr lang="ko-KR" altLang="en-US" sz="2000">
+                <a:solidFill>
+                  <a:schemeClr val="dk1"/>
+                </a:solidFill>
+              </a:rPr>
+              <a:t> </a:t>
+            </a:r>
+            <a:r>
+              <a:rPr lang="en-US" altLang="ko-KR" sz="2000">
+                <a:solidFill>
+                  <a:schemeClr val="dk1"/>
+                </a:solidFill>
+              </a:rPr>
+              <a:t>-</a:t>
+            </a:r>
+            <a:r>
+              <a:rPr lang="ko-KR" altLang="en-US" sz="2000">
+                <a:solidFill>
+                  <a:schemeClr val="dk1"/>
+                </a:solidFill>
+              </a:rPr>
+              <a:t> 주행 거리 정보를 받아 계산하여 부품별 주행 거리 수명에 빼서 알려줘야 한다</a:t>
+            </a:r>
+            <a:r>
+              <a:rPr lang="en-US" altLang="ko-KR" sz="2000">
+                <a:solidFill>
+                  <a:schemeClr val="dk1"/>
+                </a:solidFill>
+              </a:rPr>
+              <a:t>.</a:t>
+            </a:r>
+            <a:endParaRPr lang="en-US" altLang="ko-KR" sz="2000">
+              <a:solidFill>
+                <a:schemeClr val="dk1"/>
+              </a:solidFill>
+            </a:endParaRPr>
+          </a:p>
+          <a:p>
+            <a:pPr>
+              <a:defRPr/>
+            </a:pPr>
+            <a:endParaRPr lang="en-US" altLang="ko-KR" sz="2000">
+              <a:solidFill>
+                <a:schemeClr val="dk1"/>
+              </a:solidFill>
+            </a:endParaRPr>
+          </a:p>
+          <a:p>
+            <a:pPr>
+              <a:defRPr/>
+            </a:pPr>
+            <a:r>
+              <a:rPr lang="ko-KR" altLang="en-US" sz="2000">
+                <a:solidFill>
+                  <a:schemeClr val="dk1"/>
+                </a:solidFill>
+              </a:rPr>
+              <a:t> </a:t>
+            </a:r>
+            <a:r>
+              <a:rPr lang="en-US" altLang="ko-KR" sz="2000">
+                <a:solidFill>
+                  <a:schemeClr val="dk1"/>
+                </a:solidFill>
+              </a:rPr>
+              <a:t>-</a:t>
+            </a:r>
+            <a:r>
+              <a:rPr lang="ko-KR" altLang="en-US" sz="2000">
+                <a:solidFill>
+                  <a:schemeClr val="dk1"/>
+                </a:solidFill>
+              </a:rPr>
+              <a:t> 정비소 지도정보</a:t>
+            </a:r>
+            <a:endParaRPr lang="ko-KR" altLang="en-US" sz="2000">
+              <a:solidFill>
+                <a:schemeClr val="dk1"/>
+              </a:solidFill>
+            </a:endParaRPr>
+          </a:p>
+          <a:p>
+            <a:pPr>
+              <a:defRPr/>
+            </a:pPr>
+            <a:r>
+              <a:rPr lang="ko-KR" altLang="en-US" sz="2000">
+                <a:solidFill>
+                  <a:schemeClr val="dk1"/>
+                </a:solidFill>
+              </a:rPr>
+              <a:t>  └ 정확한 위치의 지도 정보를 받아와야 한다</a:t>
+            </a:r>
+            <a:r>
+              <a:rPr lang="en-US" altLang="ko-KR" sz="2000">
+                <a:solidFill>
+                  <a:schemeClr val="dk1"/>
+                </a:solidFill>
+              </a:rPr>
+              <a:t>.</a:t>
+            </a:r>
+            <a:endParaRPr lang="en-US" altLang="ko-KR" sz="2000">
+              <a:solidFill>
+                <a:schemeClr val="dk1"/>
+              </a:solidFill>
+            </a:endParaRPr>
+          </a:p>
+          <a:p>
+            <a:pPr>
+              <a:defRPr/>
+            </a:pPr>
+            <a:r>
+              <a:rPr lang="ko-KR" altLang="en-US" sz="2000">
+                <a:solidFill>
+                  <a:schemeClr val="dk1"/>
+                </a:solidFill>
+              </a:rPr>
+              <a:t>  └ 사라지거나 위치가 바뀐 정보를 수시로 업데이트 해야 한다</a:t>
+            </a:r>
+            <a:r>
+              <a:rPr lang="en-US" altLang="ko-KR" sz="2000">
+                <a:solidFill>
+                  <a:schemeClr val="dk1"/>
+                </a:solidFill>
+              </a:rPr>
+              <a:t>.</a:t>
+            </a:r>
+            <a:endParaRPr lang="en-US" altLang="ko-KR" sz="2000">
+              <a:solidFill>
+                <a:schemeClr val="dk1"/>
+              </a:solidFill>
+            </a:endParaRPr>
+          </a:p>
+          <a:p>
+            <a:pPr>
+              <a:defRPr/>
+            </a:pPr>
+            <a:endParaRPr lang="en-US" altLang="ko-KR" sz="2000">
+              <a:solidFill>
+                <a:schemeClr val="dk1"/>
+              </a:solidFill>
+            </a:endParaRPr>
+          </a:p>
+          <a:p>
+            <a:pPr>
+              <a:defRPr/>
+            </a:pPr>
+            <a:endParaRPr lang="en-US" altLang="ko-KR" sz="2000">
+              <a:solidFill>
+                <a:schemeClr val="dk1"/>
+              </a:solidFill>
+            </a:endParaRPr>
+          </a:p>
+          <a:p>
+            <a:pPr>
+              <a:defRPr/>
+            </a:pPr>
+            <a:endParaRPr lang="en-US" altLang="ko-KR" sz="2000">
+              <a:solidFill>
+                <a:schemeClr val="dk1"/>
+              </a:solidFill>
+            </a:endParaRPr>
+          </a:p>
+        </p:txBody>
+      </p:sp>
+      <p:sp>
+        <p:nvSpPr>
+          <p:cNvPr id="8" name="직사각형 9"/>
           <p:cNvSpPr/>
           <p:nvPr/>
         </p:nvSpPr>
@@ -13097,643 +12982,13 @@
             </a:pPr>
             <a:r>
               <a:rPr kumimoji="1" lang="en-US" altLang="ko-KR" sz="4800"/>
-              <a:t>2-3.</a:t>
+              <a:t>2-2.</a:t>
             </a:r>
             <a:r>
               <a:rPr kumimoji="1" lang="ko-KR" altLang="en-US" sz="4800"/>
-              <a:t> 요구사항 분석</a:t>
+              <a:t> 요구사항 수집 및 정의</a:t>
             </a:r>
             <a:endParaRPr kumimoji="1" lang="ko-KR" altLang="en-US" sz="4800"/>
-          </a:p>
-        </p:txBody>
-      </p:sp>
-      <p:sp>
-        <p:nvSpPr>
-          <p:cNvPr id="5" name=""/>
-          <p:cNvSpPr/>
-          <p:nvPr/>
-        </p:nvSpPr>
-        <p:spPr>
-          <a:xfrm>
-            <a:off x="0" y="1773630"/>
-            <a:ext cx="12192000" cy="5074844"/>
-          </a:xfrm>
-          <a:prstGeom prst="rect">
-            <a:avLst/>
-          </a:prstGeom>
-          <a:noFill/>
-          <a:ln>
-            <a:noFill/>
-          </a:ln>
-        </p:spPr>
-        <p:style>
-          <a:lnRef idx="2">
-            <a:schemeClr val="accent1">
-              <a:shade val="20000"/>
-            </a:schemeClr>
-          </a:lnRef>
-          <a:fillRef idx="1">
-            <a:schemeClr val="accent1"/>
-          </a:fillRef>
-          <a:effectRef idx="0">
-            <a:schemeClr val="accent1"/>
-          </a:effectRef>
-          <a:fontRef idx="minor">
-            <a:schemeClr val="lt1"/>
-          </a:fontRef>
-        </p:style>
-        <p:txBody>
-          <a:bodyPr anchor="ctr"/>
-          <a:lstStyle/>
-          <a:p>
-            <a:pPr>
-              <a:defRPr/>
-            </a:pPr>
-            <a:r>
-              <a:rPr lang="ko-KR" altLang="en-US" sz="2000">
-                <a:solidFill>
-                  <a:schemeClr val="dk1"/>
-                </a:solidFill>
-              </a:rPr>
-              <a:t>개발에 필요한 요구사항 분석 </a:t>
-            </a:r>
-            <a:r>
-              <a:rPr lang="en-US" altLang="ko-KR" sz="2000">
-                <a:solidFill>
-                  <a:schemeClr val="dk1"/>
-                </a:solidFill>
-              </a:rPr>
-              <a:t>(</a:t>
-            </a:r>
-            <a:r>
-              <a:rPr lang="ko-KR" altLang="en-US" sz="2000">
-                <a:solidFill>
-                  <a:schemeClr val="dk1"/>
-                </a:solidFill>
-              </a:rPr>
-              <a:t>실현성 확인</a:t>
-            </a:r>
-            <a:r>
-              <a:rPr lang="en-US" altLang="ko-KR" sz="2000">
-                <a:solidFill>
-                  <a:schemeClr val="dk1"/>
-                </a:solidFill>
-              </a:rPr>
-              <a:t>)</a:t>
-            </a:r>
-            <a:endParaRPr lang="en-US" altLang="ko-KR" sz="2000">
-              <a:solidFill>
-                <a:schemeClr val="dk1"/>
-              </a:solidFill>
-            </a:endParaRPr>
-          </a:p>
-          <a:p>
-            <a:pPr>
-              <a:defRPr/>
-            </a:pPr>
-            <a:endParaRPr lang="en-US" altLang="ko-KR" sz="2000">
-              <a:solidFill>
-                <a:schemeClr val="dk1"/>
-              </a:solidFill>
-            </a:endParaRPr>
-          </a:p>
-          <a:p>
-            <a:pPr>
-              <a:defRPr/>
-            </a:pPr>
-            <a:r>
-              <a:rPr lang="en-US" altLang="ko-KR" sz="2000">
-                <a:solidFill>
-                  <a:schemeClr val="dk1"/>
-                </a:solidFill>
-              </a:rPr>
-              <a:t>Main</a:t>
-            </a:r>
-            <a:r>
-              <a:rPr lang="ko-KR" altLang="en-US" sz="2000">
-                <a:solidFill>
-                  <a:schemeClr val="dk1"/>
-                </a:solidFill>
-              </a:rPr>
-              <a:t> 화면</a:t>
-            </a:r>
-            <a:endParaRPr lang="ko-KR" altLang="en-US" sz="2000">
-              <a:solidFill>
-                <a:schemeClr val="dk1"/>
-              </a:solidFill>
-            </a:endParaRPr>
-          </a:p>
-          <a:p>
-            <a:pPr>
-              <a:defRPr/>
-            </a:pPr>
-            <a:r>
-              <a:rPr lang="ko-KR" altLang="en-US" sz="2000">
-                <a:solidFill>
-                  <a:schemeClr val="dk1"/>
-                </a:solidFill>
-              </a:rPr>
-              <a:t> </a:t>
-            </a:r>
-            <a:r>
-              <a:rPr lang="en-US" altLang="ko-KR" sz="2000">
-                <a:solidFill>
-                  <a:schemeClr val="dk1"/>
-                </a:solidFill>
-              </a:rPr>
-              <a:t>-</a:t>
-            </a:r>
-            <a:r>
-              <a:rPr lang="ko-KR" altLang="en-US" sz="2000">
-                <a:solidFill>
-                  <a:schemeClr val="dk1"/>
-                </a:solidFill>
-              </a:rPr>
-              <a:t> 차량의 주행거리를 받아 총 주행거리와 정비가 필요한 목록을 보여줌</a:t>
-            </a:r>
-            <a:r>
-              <a:rPr lang="en-US" altLang="ko-KR" sz="2000">
-                <a:solidFill>
-                  <a:schemeClr val="dk1"/>
-                </a:solidFill>
-              </a:rPr>
-              <a:t>.</a:t>
-            </a:r>
-            <a:endParaRPr lang="en-US" altLang="ko-KR" sz="2000">
-              <a:solidFill>
-                <a:schemeClr val="dk1"/>
-              </a:solidFill>
-            </a:endParaRPr>
-          </a:p>
-          <a:p>
-            <a:pPr>
-              <a:defRPr/>
-            </a:pPr>
-            <a:r>
-              <a:rPr lang="ko-KR" altLang="en-US" sz="2000">
-                <a:solidFill>
-                  <a:schemeClr val="dk1"/>
-                </a:solidFill>
-              </a:rPr>
-              <a:t> </a:t>
-            </a:r>
-            <a:r>
-              <a:rPr lang="en-US" altLang="ko-KR" sz="2000">
-                <a:solidFill>
-                  <a:schemeClr val="dk1"/>
-                </a:solidFill>
-              </a:rPr>
-              <a:t>-</a:t>
-            </a:r>
-            <a:r>
-              <a:rPr lang="ko-KR" altLang="en-US" sz="2000">
-                <a:solidFill>
-                  <a:schemeClr val="dk1"/>
-                </a:solidFill>
-              </a:rPr>
-              <a:t> 차량의 주행거리를 자동적으로 </a:t>
-            </a:r>
-            <a:r>
-              <a:rPr lang="en-US" altLang="ko-KR" sz="2000">
-                <a:solidFill>
-                  <a:schemeClr val="dk1"/>
-                </a:solidFill>
-              </a:rPr>
-              <a:t>DB</a:t>
-            </a:r>
-            <a:r>
-              <a:rPr lang="ko-KR" altLang="en-US" sz="2000">
-                <a:solidFill>
-                  <a:schemeClr val="dk1"/>
-                </a:solidFill>
-              </a:rPr>
-              <a:t>로 끌어올 수 있는지</a:t>
-            </a:r>
-            <a:r>
-              <a:rPr lang="en-US" altLang="ko-KR" sz="2000">
-                <a:solidFill>
-                  <a:schemeClr val="dk1"/>
-                </a:solidFill>
-              </a:rPr>
-              <a:t>?</a:t>
-            </a:r>
-            <a:r>
-              <a:rPr lang="ko-KR" altLang="en-US" sz="2000">
-                <a:solidFill>
-                  <a:schemeClr val="dk1"/>
-                </a:solidFill>
-              </a:rPr>
-              <a:t> </a:t>
-            </a:r>
-            <a:r>
-              <a:rPr lang="en-US" altLang="ko-KR" sz="2000">
-                <a:solidFill>
-                  <a:schemeClr val="dk1"/>
-                </a:solidFill>
-              </a:rPr>
-              <a:t>-&gt;</a:t>
-            </a:r>
-            <a:r>
-              <a:rPr lang="ko-KR" altLang="en-US" sz="2000">
-                <a:solidFill>
-                  <a:schemeClr val="dk1"/>
-                </a:solidFill>
-              </a:rPr>
-              <a:t> 핵심 검색해봐야 함</a:t>
-            </a:r>
-            <a:endParaRPr lang="ko-KR" altLang="en-US" sz="2000">
-              <a:solidFill>
-                <a:schemeClr val="dk1"/>
-              </a:solidFill>
-            </a:endParaRPr>
-          </a:p>
-          <a:p>
-            <a:pPr>
-              <a:defRPr/>
-            </a:pPr>
-            <a:endParaRPr lang="ko-KR" altLang="en-US" sz="2000">
-              <a:solidFill>
-                <a:schemeClr val="dk1"/>
-              </a:solidFill>
-            </a:endParaRPr>
-          </a:p>
-          <a:p>
-            <a:pPr>
-              <a:defRPr/>
-            </a:pPr>
-            <a:r>
-              <a:rPr lang="ko-KR" altLang="en-US" sz="2000">
-                <a:solidFill>
-                  <a:schemeClr val="dk1"/>
-                </a:solidFill>
-              </a:rPr>
-              <a:t>목록을 구성하여 각 화면에서 원하는 화면으로 전환</a:t>
-            </a:r>
-            <a:endParaRPr lang="ko-KR" altLang="en-US" sz="2000">
-              <a:solidFill>
-                <a:schemeClr val="dk1"/>
-              </a:solidFill>
-            </a:endParaRPr>
-          </a:p>
-          <a:p>
-            <a:pPr>
-              <a:defRPr/>
-            </a:pPr>
-            <a:r>
-              <a:rPr lang="en-US" altLang="ko-KR" sz="2000">
-                <a:solidFill>
-                  <a:schemeClr val="dk1"/>
-                </a:solidFill>
-              </a:rPr>
-              <a:t>-&gt;</a:t>
-            </a:r>
-            <a:r>
-              <a:rPr lang="ko-KR" altLang="en-US" sz="2000">
-                <a:solidFill>
-                  <a:schemeClr val="dk1"/>
-                </a:solidFill>
-              </a:rPr>
-              <a:t> </a:t>
-            </a:r>
-            <a:r>
-              <a:rPr lang="en-US" altLang="ko-KR" sz="2000">
-                <a:solidFill>
-                  <a:schemeClr val="dk1"/>
-                </a:solidFill>
-              </a:rPr>
-              <a:t>Android Studio - Navigation Drawer Activity</a:t>
-            </a:r>
-            <a:r>
-              <a:rPr lang="ko-KR" altLang="en-US" sz="2000">
-                <a:solidFill>
-                  <a:schemeClr val="dk1"/>
-                </a:solidFill>
-              </a:rPr>
-              <a:t> 활용</a:t>
-            </a:r>
-            <a:endParaRPr lang="ko-KR" altLang="en-US" sz="2000">
-              <a:solidFill>
-                <a:schemeClr val="dk1"/>
-              </a:solidFill>
-            </a:endParaRPr>
-          </a:p>
-          <a:p>
-            <a:pPr>
-              <a:defRPr/>
-            </a:pPr>
-            <a:endParaRPr lang="ko-KR" altLang="en-US" sz="2000">
-              <a:solidFill>
-                <a:schemeClr val="dk1"/>
-              </a:solidFill>
-            </a:endParaRPr>
-          </a:p>
-          <a:p>
-            <a:pPr>
-              <a:defRPr/>
-            </a:pPr>
-            <a:r>
-              <a:rPr lang="ko-KR" altLang="en-US" sz="2000">
-                <a:solidFill>
-                  <a:schemeClr val="dk1"/>
-                </a:solidFill>
-              </a:rPr>
-              <a:t>회원가입</a:t>
-            </a:r>
-            <a:endParaRPr lang="ko-KR" altLang="en-US" sz="2000">
-              <a:solidFill>
-                <a:schemeClr val="dk1"/>
-              </a:solidFill>
-            </a:endParaRPr>
-          </a:p>
-          <a:p>
-            <a:pPr>
-              <a:defRPr/>
-            </a:pPr>
-            <a:r>
-              <a:rPr lang="ko-KR" altLang="en-US" sz="2000">
-                <a:solidFill>
-                  <a:schemeClr val="dk1"/>
-                </a:solidFill>
-              </a:rPr>
-              <a:t> </a:t>
-            </a:r>
-            <a:r>
-              <a:rPr lang="en-US" altLang="ko-KR" sz="2000">
-                <a:solidFill>
-                  <a:schemeClr val="dk1"/>
-                </a:solidFill>
-              </a:rPr>
-              <a:t>-</a:t>
-            </a:r>
-            <a:r>
-              <a:rPr lang="ko-KR" altLang="en-US" sz="2000">
-                <a:solidFill>
-                  <a:schemeClr val="dk1"/>
-                </a:solidFill>
-              </a:rPr>
-              <a:t> </a:t>
-            </a:r>
-            <a:r>
-              <a:rPr lang="en-US" altLang="ko-KR" sz="2000">
-                <a:solidFill>
-                  <a:schemeClr val="dk1"/>
-                </a:solidFill>
-              </a:rPr>
-              <a:t>FireBase DB</a:t>
-            </a:r>
-            <a:r>
-              <a:rPr lang="ko-KR" altLang="en-US" sz="2000">
-                <a:solidFill>
-                  <a:schemeClr val="dk1"/>
-                </a:solidFill>
-              </a:rPr>
-              <a:t>을 활용하여 회원 정보 및 차량 정보 관리</a:t>
-            </a:r>
-            <a:endParaRPr lang="ko-KR" altLang="en-US" sz="2000">
-              <a:solidFill>
-                <a:schemeClr val="dk1"/>
-              </a:solidFill>
-            </a:endParaRPr>
-          </a:p>
-          <a:p>
-            <a:pPr>
-              <a:defRPr/>
-            </a:pPr>
-            <a:endParaRPr lang="ko-KR" altLang="en-US" sz="2000">
-              <a:solidFill>
-                <a:schemeClr val="dk1"/>
-              </a:solidFill>
-            </a:endParaRPr>
-          </a:p>
-          <a:p>
-            <a:pPr>
-              <a:defRPr/>
-            </a:pPr>
-            <a:r>
-              <a:rPr lang="ko-KR" altLang="en-US" sz="2000">
-                <a:solidFill>
-                  <a:schemeClr val="dk1"/>
-                </a:solidFill>
-              </a:rPr>
-              <a:t>채팅창 및 게시판 개설</a:t>
-            </a:r>
-            <a:endParaRPr lang="ko-KR" altLang="en-US" sz="2000">
-              <a:solidFill>
-                <a:schemeClr val="dk1"/>
-              </a:solidFill>
-            </a:endParaRPr>
-          </a:p>
-          <a:p>
-            <a:pPr>
-              <a:defRPr/>
-            </a:pPr>
-            <a:r>
-              <a:rPr lang="ko-KR" altLang="en-US" sz="2000">
-                <a:solidFill>
-                  <a:schemeClr val="dk1"/>
-                </a:solidFill>
-              </a:rPr>
-              <a:t> </a:t>
-            </a:r>
-            <a:r>
-              <a:rPr lang="en-US" altLang="ko-KR" sz="2000">
-                <a:solidFill>
-                  <a:schemeClr val="dk1"/>
-                </a:solidFill>
-              </a:rPr>
-              <a:t>-</a:t>
-            </a:r>
-            <a:r>
-              <a:rPr lang="ko-KR" altLang="en-US" sz="2000">
-                <a:solidFill>
-                  <a:schemeClr val="dk1"/>
-                </a:solidFill>
-              </a:rPr>
-              <a:t> </a:t>
-            </a:r>
-            <a:r>
-              <a:rPr lang="en-US" altLang="ko-KR" sz="2000">
-                <a:solidFill>
-                  <a:schemeClr val="dk1"/>
-                </a:solidFill>
-              </a:rPr>
-              <a:t>FireBase</a:t>
-            </a:r>
-            <a:r>
-              <a:rPr lang="ko-KR" altLang="en-US" sz="2000">
-                <a:solidFill>
-                  <a:schemeClr val="dk1"/>
-                </a:solidFill>
-              </a:rPr>
-              <a:t> </a:t>
-            </a:r>
-            <a:r>
-              <a:rPr lang="en-US" altLang="ko-KR" sz="2000">
-                <a:solidFill>
-                  <a:schemeClr val="dk1"/>
-                </a:solidFill>
-              </a:rPr>
-              <a:t>DB</a:t>
-            </a:r>
-            <a:r>
-              <a:rPr lang="ko-KR" altLang="en-US" sz="2000">
-                <a:solidFill>
-                  <a:schemeClr val="dk1"/>
-                </a:solidFill>
-              </a:rPr>
-              <a:t>을 활용하여 모든 내용을 저장하여 관리</a:t>
-            </a:r>
-            <a:endParaRPr lang="ko-KR" altLang="en-US" sz="2000">
-              <a:solidFill>
-                <a:schemeClr val="dk1"/>
-              </a:solidFill>
-            </a:endParaRPr>
-          </a:p>
-          <a:p>
-            <a:pPr>
-              <a:defRPr/>
-            </a:pPr>
-            <a:endParaRPr lang="en-US" altLang="ko-KR" sz="2000" strike="sngStrike">
-              <a:solidFill>
-                <a:schemeClr val="dk1"/>
-              </a:solidFill>
-            </a:endParaRPr>
-          </a:p>
-          <a:p>
-            <a:pPr>
-              <a:defRPr/>
-            </a:pPr>
-            <a:r>
-              <a:rPr lang="ko-KR" altLang="en-US" sz="2000" strike="sngStrike">
-                <a:solidFill>
-                  <a:schemeClr val="dk1"/>
-                </a:solidFill>
-              </a:rPr>
-              <a:t>가장 가까운 정비소 위치 찾기</a:t>
-            </a:r>
-            <a:endParaRPr lang="ko-KR" altLang="en-US" sz="2000" strike="sngStrike">
-              <a:solidFill>
-                <a:schemeClr val="dk1"/>
-              </a:solidFill>
-            </a:endParaRPr>
-          </a:p>
-          <a:p>
-            <a:pPr>
-              <a:defRPr/>
-            </a:pPr>
-            <a:r>
-              <a:rPr lang="ko-KR" altLang="en-US" sz="2000">
-                <a:solidFill>
-                  <a:schemeClr val="dk1"/>
-                </a:solidFill>
-              </a:rPr>
-              <a:t> </a:t>
-            </a:r>
-            <a:r>
-              <a:rPr lang="en-US" altLang="ko-KR" sz="2000">
-                <a:solidFill>
-                  <a:schemeClr val="dk1"/>
-                </a:solidFill>
-              </a:rPr>
-              <a:t>-</a:t>
-            </a:r>
-            <a:r>
-              <a:rPr lang="ko-KR" altLang="en-US" sz="2000">
-                <a:solidFill>
-                  <a:schemeClr val="dk1"/>
-                </a:solidFill>
-              </a:rPr>
-              <a:t> 데이터 부족</a:t>
-            </a:r>
-            <a:r>
-              <a:rPr lang="en-US" altLang="ko-KR" sz="2000">
-                <a:solidFill>
-                  <a:schemeClr val="dk1"/>
-                </a:solidFill>
-              </a:rPr>
-              <a:t>(</a:t>
-            </a:r>
-            <a:r>
-              <a:rPr lang="ko-KR" altLang="en-US" sz="2000">
-                <a:solidFill>
-                  <a:schemeClr val="dk1"/>
-                </a:solidFill>
-              </a:rPr>
-              <a:t>웹에서 검색 결과 적당한 결과물 </a:t>
-            </a:r>
-            <a:r>
-              <a:rPr lang="en-US" altLang="ko-KR" sz="2000">
-                <a:solidFill>
-                  <a:schemeClr val="dk1"/>
-                </a:solidFill>
-              </a:rPr>
-              <a:t>X,</a:t>
-            </a:r>
-            <a:r>
-              <a:rPr lang="ko-KR" altLang="en-US" sz="2000">
-                <a:solidFill>
-                  <a:schemeClr val="dk1"/>
-                </a:solidFill>
-              </a:rPr>
-              <a:t> 정비소 마다 취급하는 분야가 다른 경우도 있음</a:t>
-            </a:r>
-            <a:r>
-              <a:rPr lang="en-US" altLang="ko-KR" sz="2000">
-                <a:solidFill>
-                  <a:schemeClr val="dk1"/>
-                </a:solidFill>
-              </a:rPr>
-              <a:t>)</a:t>
-            </a:r>
-            <a:endParaRPr lang="en-US" altLang="ko-KR" sz="2000">
-              <a:solidFill>
-                <a:schemeClr val="dk1"/>
-              </a:solidFill>
-            </a:endParaRPr>
-          </a:p>
-          <a:p>
-            <a:pPr>
-              <a:defRPr/>
-            </a:pPr>
-            <a:r>
-              <a:rPr lang="ko-KR" altLang="en-US" sz="2000">
-                <a:solidFill>
-                  <a:schemeClr val="dk1"/>
-                </a:solidFill>
-              </a:rPr>
-              <a:t> </a:t>
-            </a:r>
-            <a:r>
-              <a:rPr lang="en-US" altLang="ko-KR" sz="2000">
-                <a:solidFill>
-                  <a:schemeClr val="dk1"/>
-                </a:solidFill>
-              </a:rPr>
-              <a:t>-</a:t>
-            </a:r>
-            <a:r>
-              <a:rPr lang="ko-KR" altLang="en-US" sz="2000">
-                <a:solidFill>
-                  <a:schemeClr val="dk1"/>
-                </a:solidFill>
-              </a:rPr>
-              <a:t> 실현성 부족</a:t>
-            </a:r>
-            <a:endParaRPr lang="ko-KR" altLang="en-US" sz="2000">
-              <a:solidFill>
-                <a:schemeClr val="dk1"/>
-              </a:solidFill>
-            </a:endParaRPr>
-          </a:p>
-          <a:p>
-            <a:pPr>
-              <a:defRPr/>
-            </a:pPr>
-            <a:endParaRPr lang="ko-KR" altLang="en-US" sz="2000">
-              <a:solidFill>
-                <a:schemeClr val="dk1"/>
-              </a:solidFill>
-            </a:endParaRPr>
           </a:p>
         </p:txBody>
       </p:sp>
@@ -13772,7 +13027,364 @@
       </p:grpSpPr>
       <p:sp>
         <p:nvSpPr>
-          <p:cNvPr id="4" name="직사각형 9"/>
+          <p:cNvPr id="5" name=""/>
+          <p:cNvSpPr/>
+          <p:nvPr/>
+        </p:nvSpPr>
+        <p:spPr>
+          <a:xfrm>
+            <a:off x="0" y="1367936"/>
+            <a:ext cx="12192000" cy="5480538"/>
+          </a:xfrm>
+          <a:prstGeom prst="rect">
+            <a:avLst/>
+          </a:prstGeom>
+          <a:noFill/>
+          <a:ln>
+            <a:noFill/>
+          </a:ln>
+        </p:spPr>
+        <p:style>
+          <a:lnRef idx="2">
+            <a:schemeClr val="accent1">
+              <a:shade val="20000"/>
+            </a:schemeClr>
+          </a:lnRef>
+          <a:fillRef idx="1">
+            <a:schemeClr val="accent1"/>
+          </a:fillRef>
+          <a:effectRef idx="0">
+            <a:schemeClr val="accent1"/>
+          </a:effectRef>
+          <a:fontRef idx="minor">
+            <a:schemeClr val="lt1"/>
+          </a:fontRef>
+        </p:style>
+        <p:txBody>
+          <a:bodyPr anchor="ctr"/>
+          <a:p>
+            <a:pPr>
+              <a:defRPr/>
+            </a:pPr>
+            <a:r>
+              <a:rPr lang="ko-KR" altLang="en-US" sz="2000">
+                <a:solidFill>
+                  <a:schemeClr val="dk1"/>
+                </a:solidFill>
+              </a:rPr>
+              <a:t>비기능적 요구사항</a:t>
+            </a:r>
+            <a:r>
+              <a:rPr lang="en-US" altLang="ko-KR" sz="2000">
+                <a:solidFill>
+                  <a:schemeClr val="dk1"/>
+                </a:solidFill>
+              </a:rPr>
+              <a:t>(Non-functional Requirements)</a:t>
+            </a:r>
+            <a:endParaRPr lang="en-US" altLang="ko-KR" sz="2000">
+              <a:solidFill>
+                <a:schemeClr val="dk1"/>
+              </a:solidFill>
+            </a:endParaRPr>
+          </a:p>
+          <a:p>
+            <a:pPr>
+              <a:defRPr/>
+            </a:pPr>
+            <a:endParaRPr lang="ko-KR" altLang="en-US" sz="2000">
+              <a:solidFill>
+                <a:schemeClr val="dk1"/>
+              </a:solidFill>
+            </a:endParaRPr>
+          </a:p>
+          <a:p>
+            <a:pPr>
+              <a:defRPr/>
+            </a:pPr>
+            <a:r>
+              <a:rPr lang="ko-KR" altLang="en-US" sz="2000">
+                <a:solidFill>
+                  <a:schemeClr val="dk1"/>
+                </a:solidFill>
+              </a:rPr>
+              <a:t>보안성</a:t>
+            </a:r>
+            <a:endParaRPr lang="ko-KR" altLang="en-US" sz="2000">
+              <a:solidFill>
+                <a:schemeClr val="dk1"/>
+              </a:solidFill>
+            </a:endParaRPr>
+          </a:p>
+          <a:p>
+            <a:pPr>
+              <a:defRPr/>
+            </a:pPr>
+            <a:r>
+              <a:rPr lang="ko-KR" altLang="en-US" sz="2000">
+                <a:solidFill>
+                  <a:schemeClr val="dk1"/>
+                </a:solidFill>
+              </a:rPr>
+              <a:t> </a:t>
+            </a:r>
+            <a:r>
+              <a:rPr lang="en-US" altLang="ko-KR" sz="2000">
+                <a:solidFill>
+                  <a:schemeClr val="dk1"/>
+                </a:solidFill>
+              </a:rPr>
+              <a:t>-</a:t>
+            </a:r>
+            <a:r>
+              <a:rPr lang="ko-KR" altLang="en-US" sz="2000">
+                <a:solidFill>
+                  <a:schemeClr val="dk1"/>
+                </a:solidFill>
+              </a:rPr>
+              <a:t> 등록된 사용자만이 자신이 등록한 차량의 정보를 확인해야 한다</a:t>
+            </a:r>
+            <a:r>
+              <a:rPr lang="en-US" altLang="ko-KR" sz="2000">
+                <a:solidFill>
+                  <a:schemeClr val="dk1"/>
+                </a:solidFill>
+              </a:rPr>
+              <a:t>.</a:t>
+            </a:r>
+            <a:endParaRPr lang="en-US" altLang="ko-KR" sz="2000">
+              <a:solidFill>
+                <a:schemeClr val="dk1"/>
+              </a:solidFill>
+            </a:endParaRPr>
+          </a:p>
+          <a:p>
+            <a:pPr>
+              <a:defRPr/>
+            </a:pPr>
+            <a:endParaRPr lang="ko-KR" altLang="en-US" sz="2000">
+              <a:solidFill>
+                <a:schemeClr val="dk1"/>
+              </a:solidFill>
+            </a:endParaRPr>
+          </a:p>
+          <a:p>
+            <a:pPr>
+              <a:defRPr/>
+            </a:pPr>
+            <a:r>
+              <a:rPr lang="ko-KR" altLang="en-US" sz="2000">
+                <a:solidFill>
+                  <a:schemeClr val="dk1"/>
+                </a:solidFill>
+              </a:rPr>
+              <a:t>무결성</a:t>
+            </a:r>
+            <a:endParaRPr lang="ko-KR" altLang="en-US" sz="2000">
+              <a:solidFill>
+                <a:schemeClr val="dk1"/>
+              </a:solidFill>
+            </a:endParaRPr>
+          </a:p>
+          <a:p>
+            <a:pPr>
+              <a:defRPr/>
+            </a:pPr>
+            <a:r>
+              <a:rPr lang="ko-KR" altLang="en-US" sz="2000">
+                <a:solidFill>
+                  <a:schemeClr val="dk1"/>
+                </a:solidFill>
+              </a:rPr>
+              <a:t>  └ </a:t>
+            </a:r>
+            <a:r>
+              <a:rPr lang="en-US" altLang="ko-KR" sz="2000">
+                <a:solidFill>
+                  <a:schemeClr val="dk1"/>
+                </a:solidFill>
+              </a:rPr>
+              <a:t>APP</a:t>
+            </a:r>
+            <a:r>
+              <a:rPr lang="ko-KR" altLang="en-US" sz="2000">
+                <a:solidFill>
+                  <a:schemeClr val="dk1"/>
+                </a:solidFill>
+              </a:rPr>
+              <a:t> 종료시 입력된 데이터는 변조가 없어야 한다</a:t>
+            </a:r>
+            <a:r>
+              <a:rPr lang="en-US" altLang="ko-KR" sz="2000">
+                <a:solidFill>
+                  <a:schemeClr val="dk1"/>
+                </a:solidFill>
+              </a:rPr>
+              <a:t>.</a:t>
+            </a:r>
+            <a:endParaRPr lang="en-US" altLang="ko-KR" sz="2000">
+              <a:solidFill>
+                <a:schemeClr val="dk1"/>
+              </a:solidFill>
+            </a:endParaRPr>
+          </a:p>
+          <a:p>
+            <a:pPr>
+              <a:defRPr/>
+            </a:pPr>
+            <a:r>
+              <a:rPr lang="ko-KR" altLang="en-US" sz="2000">
+                <a:solidFill>
+                  <a:schemeClr val="dk1"/>
+                </a:solidFill>
+              </a:rPr>
+              <a:t>  └ 외부에서 받아오는 정보</a:t>
+            </a:r>
+            <a:r>
+              <a:rPr lang="en-US" altLang="ko-KR" sz="2000">
+                <a:solidFill>
+                  <a:schemeClr val="dk1"/>
+                </a:solidFill>
+              </a:rPr>
+              <a:t>(</a:t>
+            </a:r>
+            <a:r>
+              <a:rPr lang="ko-KR" altLang="en-US" sz="2000">
+                <a:solidFill>
+                  <a:schemeClr val="dk1"/>
+                </a:solidFill>
+              </a:rPr>
+              <a:t>지도</a:t>
+            </a:r>
+            <a:r>
+              <a:rPr lang="en-US" altLang="ko-KR" sz="2000">
+                <a:solidFill>
+                  <a:schemeClr val="dk1"/>
+                </a:solidFill>
+              </a:rPr>
+              <a:t>,</a:t>
+            </a:r>
+            <a:r>
+              <a:rPr lang="ko-KR" altLang="en-US" sz="2000">
+                <a:solidFill>
+                  <a:schemeClr val="dk1"/>
+                </a:solidFill>
+              </a:rPr>
+              <a:t> 가격 등</a:t>
+            </a:r>
+            <a:r>
+              <a:rPr lang="en-US" altLang="ko-KR" sz="2000">
+                <a:solidFill>
+                  <a:schemeClr val="dk1"/>
+                </a:solidFill>
+              </a:rPr>
+              <a:t>)</a:t>
+            </a:r>
+            <a:r>
+              <a:rPr lang="ko-KR" altLang="en-US" sz="2000">
+                <a:solidFill>
+                  <a:schemeClr val="dk1"/>
+                </a:solidFill>
+              </a:rPr>
+              <a:t>에 변조가 없어야 한다</a:t>
+            </a:r>
+            <a:r>
+              <a:rPr lang="en-US" altLang="ko-KR" sz="2000">
+                <a:solidFill>
+                  <a:schemeClr val="dk1"/>
+                </a:solidFill>
+              </a:rPr>
+              <a:t>.</a:t>
+            </a:r>
+            <a:endParaRPr lang="en-US" altLang="ko-KR" sz="2000">
+              <a:solidFill>
+                <a:schemeClr val="dk1"/>
+              </a:solidFill>
+            </a:endParaRPr>
+          </a:p>
+          <a:p>
+            <a:pPr>
+              <a:defRPr/>
+            </a:pPr>
+            <a:r>
+              <a:rPr lang="ko-KR" altLang="en-US" sz="2000">
+                <a:solidFill>
+                  <a:schemeClr val="dk1"/>
+                </a:solidFill>
+              </a:rPr>
+              <a:t>  └ 정비 예약을 하는 과정에서 사용자가 선택한 지점과 선택된 지점의 정보가 일치해야 한다</a:t>
+            </a:r>
+            <a:r>
+              <a:rPr lang="en-US" altLang="ko-KR" sz="2000">
+                <a:solidFill>
+                  <a:schemeClr val="dk1"/>
+                </a:solidFill>
+              </a:rPr>
+              <a:t>.</a:t>
+            </a:r>
+            <a:endParaRPr lang="en-US" altLang="ko-KR" sz="2000">
+              <a:solidFill>
+                <a:schemeClr val="dk1"/>
+              </a:solidFill>
+            </a:endParaRPr>
+          </a:p>
+          <a:p>
+            <a:pPr>
+              <a:defRPr/>
+            </a:pPr>
+            <a:r>
+              <a:rPr lang="ko-KR" altLang="en-US" sz="2000">
+                <a:solidFill>
+                  <a:schemeClr val="dk1"/>
+                </a:solidFill>
+              </a:rPr>
+              <a:t>  └ </a:t>
+            </a:r>
+            <a:r>
+              <a:rPr lang="en-US" altLang="ko-KR" sz="2000">
+                <a:solidFill>
+                  <a:schemeClr val="dk1"/>
+                </a:solidFill>
+              </a:rPr>
+              <a:t>DataBase</a:t>
+            </a:r>
+            <a:r>
+              <a:rPr lang="ko-KR" altLang="en-US" sz="2000">
+                <a:solidFill>
+                  <a:schemeClr val="dk1"/>
+                </a:solidFill>
+              </a:rPr>
+              <a:t>에 저장된 내용들은 변조가 없어야 한다</a:t>
+            </a:r>
+            <a:r>
+              <a:rPr lang="en-US" altLang="ko-KR" sz="2000">
+                <a:solidFill>
+                  <a:schemeClr val="dk1"/>
+                </a:solidFill>
+              </a:rPr>
+              <a:t>.</a:t>
+            </a:r>
+            <a:endParaRPr lang="ko-KR" altLang="en-US" sz="2000">
+              <a:solidFill>
+                <a:schemeClr val="dk1"/>
+              </a:solidFill>
+            </a:endParaRPr>
+          </a:p>
+          <a:p>
+            <a:pPr>
+              <a:defRPr/>
+            </a:pPr>
+            <a:endParaRPr lang="ko-KR" altLang="en-US" sz="2000">
+              <a:solidFill>
+                <a:schemeClr val="dk1"/>
+              </a:solidFill>
+            </a:endParaRPr>
+          </a:p>
+        </p:txBody>
+      </p:sp>
+      <p:sp>
+        <p:nvSpPr>
+          <p:cNvPr id="8" name="직사각형 9"/>
           <p:cNvSpPr/>
           <p:nvPr/>
         </p:nvSpPr>
@@ -13816,201 +13428,13 @@
             </a:pPr>
             <a:r>
               <a:rPr kumimoji="1" lang="en-US" altLang="ko-KR" sz="4800"/>
-              <a:t>2-3.</a:t>
+              <a:t>2-2.</a:t>
             </a:r>
             <a:r>
               <a:rPr kumimoji="1" lang="ko-KR" altLang="en-US" sz="4800"/>
-              <a:t> 요구사항 분석</a:t>
+              <a:t> 요구사항 수집 및 정의</a:t>
             </a:r>
             <a:endParaRPr kumimoji="1" lang="ko-KR" altLang="en-US" sz="4800"/>
-          </a:p>
-        </p:txBody>
-      </p:sp>
-      <p:sp>
-        <p:nvSpPr>
-          <p:cNvPr id="5" name=""/>
-          <p:cNvSpPr/>
-          <p:nvPr/>
-        </p:nvSpPr>
-        <p:spPr>
-          <a:xfrm>
-            <a:off x="0" y="1773630"/>
-            <a:ext cx="12192000" cy="5074844"/>
-          </a:xfrm>
-          <a:prstGeom prst="rect">
-            <a:avLst/>
-          </a:prstGeom>
-          <a:noFill/>
-          <a:ln>
-            <a:noFill/>
-          </a:ln>
-        </p:spPr>
-        <p:style>
-          <a:lnRef idx="2">
-            <a:schemeClr val="accent1">
-              <a:shade val="20000"/>
-            </a:schemeClr>
-          </a:lnRef>
-          <a:fillRef idx="1">
-            <a:schemeClr val="accent1"/>
-          </a:fillRef>
-          <a:effectRef idx="0">
-            <a:schemeClr val="accent1"/>
-          </a:effectRef>
-          <a:fontRef idx="minor">
-            <a:schemeClr val="lt1"/>
-          </a:fontRef>
-        </p:style>
-        <p:txBody>
-          <a:bodyPr anchor="ctr"/>
-          <a:lstStyle/>
-          <a:p>
-            <a:pPr>
-              <a:defRPr/>
-            </a:pPr>
-            <a:r>
-              <a:rPr lang="ko-KR" altLang="en-US" sz="2000">
-                <a:solidFill>
-                  <a:schemeClr val="dk1"/>
-                </a:solidFill>
-              </a:rPr>
-              <a:t>개발에 필요한 요구사항 분석 </a:t>
-            </a:r>
-            <a:r>
-              <a:rPr lang="en-US" altLang="ko-KR" sz="2000">
-                <a:solidFill>
-                  <a:schemeClr val="dk1"/>
-                </a:solidFill>
-              </a:rPr>
-              <a:t>(</a:t>
-            </a:r>
-            <a:r>
-              <a:rPr lang="ko-KR" altLang="en-US" sz="2000">
-                <a:solidFill>
-                  <a:schemeClr val="dk1"/>
-                </a:solidFill>
-              </a:rPr>
-              <a:t>실현성 확인</a:t>
-            </a:r>
-            <a:r>
-              <a:rPr lang="en-US" altLang="ko-KR" sz="2000">
-                <a:solidFill>
-                  <a:schemeClr val="dk1"/>
-                </a:solidFill>
-              </a:rPr>
-              <a:t>)</a:t>
-            </a:r>
-            <a:endParaRPr lang="en-US" altLang="ko-KR" sz="2000">
-              <a:solidFill>
-                <a:schemeClr val="dk1"/>
-              </a:solidFill>
-            </a:endParaRPr>
-          </a:p>
-          <a:p>
-            <a:pPr>
-              <a:defRPr/>
-            </a:pPr>
-            <a:endParaRPr lang="en-US" altLang="ko-KR" sz="2000">
-              <a:solidFill>
-                <a:schemeClr val="dk1"/>
-              </a:solidFill>
-            </a:endParaRPr>
-          </a:p>
-          <a:p>
-            <a:pPr>
-              <a:defRPr/>
-            </a:pPr>
-            <a:r>
-              <a:rPr lang="ko-KR" altLang="en-US" sz="2000" strike="sngStrike">
-                <a:solidFill>
-                  <a:schemeClr val="dk1"/>
-                </a:solidFill>
-              </a:rPr>
-              <a:t>차량 관련 새소식</a:t>
-            </a:r>
-            <a:endParaRPr lang="ko-KR" altLang="en-US" sz="2000">
-              <a:solidFill>
-                <a:schemeClr val="dk1"/>
-              </a:solidFill>
-            </a:endParaRPr>
-          </a:p>
-          <a:p>
-            <a:pPr>
-              <a:defRPr/>
-            </a:pPr>
-            <a:r>
-              <a:rPr lang="ko-KR" altLang="en-US" sz="2000">
-                <a:solidFill>
-                  <a:schemeClr val="dk1"/>
-                </a:solidFill>
-              </a:rPr>
-              <a:t> </a:t>
-            </a:r>
-            <a:r>
-              <a:rPr lang="en-US" altLang="ko-KR" sz="2000">
-                <a:solidFill>
-                  <a:schemeClr val="dk1"/>
-                </a:solidFill>
-              </a:rPr>
-              <a:t>-</a:t>
-            </a:r>
-            <a:r>
-              <a:rPr lang="ko-KR" altLang="en-US" sz="2000">
-                <a:solidFill>
-                  <a:schemeClr val="dk1"/>
-                </a:solidFill>
-              </a:rPr>
-              <a:t> 어플의 취지와 맞지 않는 의견이라 생각됨</a:t>
-            </a:r>
-            <a:endParaRPr lang="ko-KR" altLang="en-US" sz="2000">
-              <a:solidFill>
-                <a:schemeClr val="dk1"/>
-              </a:solidFill>
-            </a:endParaRPr>
-          </a:p>
-          <a:p>
-            <a:pPr>
-              <a:defRPr/>
-            </a:pPr>
-            <a:r>
-              <a:rPr lang="ko-KR" altLang="en-US" sz="2000">
-                <a:solidFill>
-                  <a:schemeClr val="dk1"/>
-                </a:solidFill>
-              </a:rPr>
-              <a:t> </a:t>
-            </a:r>
-            <a:r>
-              <a:rPr lang="en-US" altLang="ko-KR" sz="2000">
-                <a:solidFill>
-                  <a:schemeClr val="dk1"/>
-                </a:solidFill>
-              </a:rPr>
-              <a:t>-</a:t>
-            </a:r>
-            <a:r>
-              <a:rPr lang="ko-KR" altLang="en-US" sz="2000">
-                <a:solidFill>
-                  <a:schemeClr val="dk1"/>
-                </a:solidFill>
-              </a:rPr>
-              <a:t> 삭제 예정</a:t>
-            </a:r>
-            <a:endParaRPr lang="ko-KR" altLang="en-US" sz="2000">
-              <a:solidFill>
-                <a:schemeClr val="dk1"/>
-              </a:solidFill>
-            </a:endParaRPr>
-          </a:p>
-          <a:p>
-            <a:pPr>
-              <a:defRPr/>
-            </a:pPr>
-            <a:endParaRPr lang="ko-KR" altLang="en-US" sz="2000">
-              <a:solidFill>
-                <a:schemeClr val="dk1"/>
-              </a:solidFill>
-            </a:endParaRPr>
           </a:p>
         </p:txBody>
       </p:sp>
@@ -14089,6 +13513,1002 @@
           <a:lstStyle/>
           <a:p>
             <a:pPr>
+              <a:defRPr/>
+            </a:pPr>
+            <a:r>
+              <a:rPr kumimoji="1" lang="en-US" altLang="ko-KR" sz="4800"/>
+              <a:t>2-3.</a:t>
+            </a:r>
+            <a:r>
+              <a:rPr kumimoji="1" lang="ko-KR" altLang="en-US" sz="4800"/>
+              <a:t> 요구사항 분석</a:t>
+            </a:r>
+            <a:endParaRPr kumimoji="1" lang="ko-KR" altLang="en-US" sz="4800"/>
+          </a:p>
+        </p:txBody>
+      </p:sp>
+      <p:sp>
+        <p:nvSpPr>
+          <p:cNvPr id="5" name=""/>
+          <p:cNvSpPr/>
+          <p:nvPr/>
+        </p:nvSpPr>
+        <p:spPr>
+          <a:xfrm>
+            <a:off x="0" y="1773630"/>
+            <a:ext cx="12192000" cy="5074844"/>
+          </a:xfrm>
+          <a:prstGeom prst="rect">
+            <a:avLst/>
+          </a:prstGeom>
+          <a:noFill/>
+          <a:ln>
+            <a:noFill/>
+          </a:ln>
+        </p:spPr>
+        <p:style>
+          <a:lnRef idx="2">
+            <a:schemeClr val="accent1">
+              <a:shade val="20000"/>
+            </a:schemeClr>
+          </a:lnRef>
+          <a:fillRef idx="1">
+            <a:schemeClr val="accent1"/>
+          </a:fillRef>
+          <a:effectRef idx="0">
+            <a:schemeClr val="accent1"/>
+          </a:effectRef>
+          <a:fontRef idx="minor">
+            <a:schemeClr val="lt1"/>
+          </a:fontRef>
+        </p:style>
+        <p:txBody>
+          <a:bodyPr anchor="ctr"/>
+          <a:lstStyle/>
+          <a:p>
+            <a:pPr>
+              <a:defRPr/>
+            </a:pPr>
+            <a:r>
+              <a:rPr lang="ko-KR" altLang="en-US" sz="2000">
+                <a:solidFill>
+                  <a:schemeClr val="dk1"/>
+                </a:solidFill>
+              </a:rPr>
+              <a:t>개발에 필요한 요구사항 분석 </a:t>
+            </a:r>
+            <a:r>
+              <a:rPr lang="en-US" altLang="ko-KR" sz="2000">
+                <a:solidFill>
+                  <a:schemeClr val="dk1"/>
+                </a:solidFill>
+              </a:rPr>
+              <a:t>(</a:t>
+            </a:r>
+            <a:r>
+              <a:rPr lang="ko-KR" altLang="en-US" sz="2000">
+                <a:solidFill>
+                  <a:schemeClr val="dk1"/>
+                </a:solidFill>
+              </a:rPr>
+              <a:t>실현성 확인</a:t>
+            </a:r>
+            <a:r>
+              <a:rPr lang="en-US" altLang="ko-KR" sz="2000">
+                <a:solidFill>
+                  <a:schemeClr val="dk1"/>
+                </a:solidFill>
+              </a:rPr>
+              <a:t>)</a:t>
+            </a:r>
+            <a:endParaRPr lang="en-US" altLang="ko-KR" sz="2000">
+              <a:solidFill>
+                <a:schemeClr val="dk1"/>
+              </a:solidFill>
+            </a:endParaRPr>
+          </a:p>
+          <a:p>
+            <a:pPr>
+              <a:defRPr/>
+            </a:pPr>
+            <a:endParaRPr lang="en-US" altLang="ko-KR" sz="2000">
+              <a:solidFill>
+                <a:schemeClr val="dk1"/>
+              </a:solidFill>
+            </a:endParaRPr>
+          </a:p>
+          <a:p>
+            <a:pPr>
+              <a:defRPr/>
+            </a:pPr>
+            <a:r>
+              <a:rPr lang="en-US" altLang="ko-KR" sz="2000">
+                <a:solidFill>
+                  <a:schemeClr val="dk1"/>
+                </a:solidFill>
+              </a:rPr>
+              <a:t>Main</a:t>
+            </a:r>
+            <a:r>
+              <a:rPr lang="ko-KR" altLang="en-US" sz="2000">
+                <a:solidFill>
+                  <a:schemeClr val="dk1"/>
+                </a:solidFill>
+              </a:rPr>
+              <a:t> 화면</a:t>
+            </a:r>
+            <a:endParaRPr lang="ko-KR" altLang="en-US" sz="2000">
+              <a:solidFill>
+                <a:schemeClr val="dk1"/>
+              </a:solidFill>
+            </a:endParaRPr>
+          </a:p>
+          <a:p>
+            <a:pPr>
+              <a:defRPr/>
+            </a:pPr>
+            <a:r>
+              <a:rPr lang="ko-KR" altLang="en-US" sz="2000">
+                <a:solidFill>
+                  <a:schemeClr val="dk1"/>
+                </a:solidFill>
+              </a:rPr>
+              <a:t> </a:t>
+            </a:r>
+            <a:r>
+              <a:rPr lang="en-US" altLang="ko-KR" sz="2000">
+                <a:solidFill>
+                  <a:schemeClr val="dk1"/>
+                </a:solidFill>
+              </a:rPr>
+              <a:t>-</a:t>
+            </a:r>
+            <a:r>
+              <a:rPr lang="ko-KR" altLang="en-US" sz="2000">
+                <a:solidFill>
+                  <a:schemeClr val="dk1"/>
+                </a:solidFill>
+              </a:rPr>
+              <a:t> 차량의 주행거리를 받아 총 주행거리와 정비가 필요한 목록을 보여줌</a:t>
+            </a:r>
+            <a:r>
+              <a:rPr lang="en-US" altLang="ko-KR" sz="2000">
+                <a:solidFill>
+                  <a:schemeClr val="dk1"/>
+                </a:solidFill>
+              </a:rPr>
+              <a:t>.</a:t>
+            </a:r>
+            <a:endParaRPr lang="en-US" altLang="ko-KR" sz="2000">
+              <a:solidFill>
+                <a:schemeClr val="dk1"/>
+              </a:solidFill>
+            </a:endParaRPr>
+          </a:p>
+          <a:p>
+            <a:pPr>
+              <a:defRPr/>
+            </a:pPr>
+            <a:r>
+              <a:rPr lang="ko-KR" altLang="en-US" sz="2000">
+                <a:solidFill>
+                  <a:schemeClr val="dk1"/>
+                </a:solidFill>
+              </a:rPr>
+              <a:t> </a:t>
+            </a:r>
+            <a:r>
+              <a:rPr lang="en-US" altLang="ko-KR" sz="2000">
+                <a:solidFill>
+                  <a:schemeClr val="dk1"/>
+                </a:solidFill>
+              </a:rPr>
+              <a:t>-</a:t>
+            </a:r>
+            <a:r>
+              <a:rPr lang="ko-KR" altLang="en-US" sz="2000">
+                <a:solidFill>
+                  <a:schemeClr val="dk1"/>
+                </a:solidFill>
+              </a:rPr>
+              <a:t> 차량의 주행거리를 자동적으로 </a:t>
+            </a:r>
+            <a:r>
+              <a:rPr lang="en-US" altLang="ko-KR" sz="2000">
+                <a:solidFill>
+                  <a:schemeClr val="dk1"/>
+                </a:solidFill>
+              </a:rPr>
+              <a:t>DB</a:t>
+            </a:r>
+            <a:r>
+              <a:rPr lang="ko-KR" altLang="en-US" sz="2000">
+                <a:solidFill>
+                  <a:schemeClr val="dk1"/>
+                </a:solidFill>
+              </a:rPr>
+              <a:t>로 끌어올 수 있는지</a:t>
+            </a:r>
+            <a:r>
+              <a:rPr lang="en-US" altLang="ko-KR" sz="2000">
+                <a:solidFill>
+                  <a:schemeClr val="dk1"/>
+                </a:solidFill>
+              </a:rPr>
+              <a:t>?</a:t>
+            </a:r>
+            <a:r>
+              <a:rPr lang="ko-KR" altLang="en-US" sz="2000">
+                <a:solidFill>
+                  <a:schemeClr val="dk1"/>
+                </a:solidFill>
+              </a:rPr>
+              <a:t> </a:t>
+            </a:r>
+            <a:r>
+              <a:rPr lang="en-US" altLang="ko-KR" sz="2000">
+                <a:solidFill>
+                  <a:schemeClr val="dk1"/>
+                </a:solidFill>
+              </a:rPr>
+              <a:t>-&gt;</a:t>
+            </a:r>
+            <a:r>
+              <a:rPr lang="ko-KR" altLang="en-US" sz="2000">
+                <a:solidFill>
+                  <a:schemeClr val="dk1"/>
+                </a:solidFill>
+              </a:rPr>
+              <a:t> 핵심 검색해봐야 함</a:t>
+            </a:r>
+            <a:endParaRPr lang="ko-KR" altLang="en-US" sz="2000">
+              <a:solidFill>
+                <a:schemeClr val="dk1"/>
+              </a:solidFill>
+            </a:endParaRPr>
+          </a:p>
+          <a:p>
+            <a:pPr>
+              <a:defRPr/>
+            </a:pPr>
+            <a:endParaRPr lang="ko-KR" altLang="en-US" sz="2000">
+              <a:solidFill>
+                <a:schemeClr val="dk1"/>
+              </a:solidFill>
+            </a:endParaRPr>
+          </a:p>
+          <a:p>
+            <a:pPr>
+              <a:defRPr/>
+            </a:pPr>
+            <a:r>
+              <a:rPr lang="ko-KR" altLang="en-US" sz="2000">
+                <a:solidFill>
+                  <a:schemeClr val="dk1"/>
+                </a:solidFill>
+              </a:rPr>
+              <a:t>목록을 구성하여 각 화면에서 원하는 화면으로 전환</a:t>
+            </a:r>
+            <a:endParaRPr lang="ko-KR" altLang="en-US" sz="2000">
+              <a:solidFill>
+                <a:schemeClr val="dk1"/>
+              </a:solidFill>
+            </a:endParaRPr>
+          </a:p>
+          <a:p>
+            <a:pPr>
+              <a:defRPr/>
+            </a:pPr>
+            <a:r>
+              <a:rPr lang="en-US" altLang="ko-KR" sz="2000">
+                <a:solidFill>
+                  <a:schemeClr val="dk1"/>
+                </a:solidFill>
+              </a:rPr>
+              <a:t>-&gt;</a:t>
+            </a:r>
+            <a:r>
+              <a:rPr lang="ko-KR" altLang="en-US" sz="2000">
+                <a:solidFill>
+                  <a:schemeClr val="dk1"/>
+                </a:solidFill>
+              </a:rPr>
+              <a:t> </a:t>
+            </a:r>
+            <a:r>
+              <a:rPr lang="en-US" altLang="ko-KR" sz="2000">
+                <a:solidFill>
+                  <a:schemeClr val="dk1"/>
+                </a:solidFill>
+              </a:rPr>
+              <a:t>Android Studio - Navigation Drawer Activity</a:t>
+            </a:r>
+            <a:r>
+              <a:rPr lang="ko-KR" altLang="en-US" sz="2000">
+                <a:solidFill>
+                  <a:schemeClr val="dk1"/>
+                </a:solidFill>
+              </a:rPr>
+              <a:t> 활용</a:t>
+            </a:r>
+            <a:endParaRPr lang="ko-KR" altLang="en-US" sz="2000">
+              <a:solidFill>
+                <a:schemeClr val="dk1"/>
+              </a:solidFill>
+            </a:endParaRPr>
+          </a:p>
+          <a:p>
+            <a:pPr>
+              <a:defRPr/>
+            </a:pPr>
+            <a:endParaRPr lang="ko-KR" altLang="en-US" sz="2000">
+              <a:solidFill>
+                <a:schemeClr val="dk1"/>
+              </a:solidFill>
+            </a:endParaRPr>
+          </a:p>
+          <a:p>
+            <a:pPr>
+              <a:defRPr/>
+            </a:pPr>
+            <a:r>
+              <a:rPr lang="ko-KR" altLang="en-US" sz="2000">
+                <a:solidFill>
+                  <a:schemeClr val="dk1"/>
+                </a:solidFill>
+              </a:rPr>
+              <a:t>회원가입</a:t>
+            </a:r>
+            <a:endParaRPr lang="ko-KR" altLang="en-US" sz="2000">
+              <a:solidFill>
+                <a:schemeClr val="dk1"/>
+              </a:solidFill>
+            </a:endParaRPr>
+          </a:p>
+          <a:p>
+            <a:pPr>
+              <a:defRPr/>
+            </a:pPr>
+            <a:r>
+              <a:rPr lang="ko-KR" altLang="en-US" sz="2000">
+                <a:solidFill>
+                  <a:schemeClr val="dk1"/>
+                </a:solidFill>
+              </a:rPr>
+              <a:t> </a:t>
+            </a:r>
+            <a:r>
+              <a:rPr lang="en-US" altLang="ko-KR" sz="2000">
+                <a:solidFill>
+                  <a:schemeClr val="dk1"/>
+                </a:solidFill>
+              </a:rPr>
+              <a:t>-</a:t>
+            </a:r>
+            <a:r>
+              <a:rPr lang="ko-KR" altLang="en-US" sz="2000">
+                <a:solidFill>
+                  <a:schemeClr val="dk1"/>
+                </a:solidFill>
+              </a:rPr>
+              <a:t> </a:t>
+            </a:r>
+            <a:r>
+              <a:rPr lang="en-US" altLang="ko-KR" sz="2000">
+                <a:solidFill>
+                  <a:schemeClr val="dk1"/>
+                </a:solidFill>
+              </a:rPr>
+              <a:t>FireBase DB</a:t>
+            </a:r>
+            <a:r>
+              <a:rPr lang="ko-KR" altLang="en-US" sz="2000">
+                <a:solidFill>
+                  <a:schemeClr val="dk1"/>
+                </a:solidFill>
+              </a:rPr>
+              <a:t>을 활용하여 회원 정보 및 차량 정보 관리</a:t>
+            </a:r>
+            <a:endParaRPr lang="ko-KR" altLang="en-US" sz="2000">
+              <a:solidFill>
+                <a:schemeClr val="dk1"/>
+              </a:solidFill>
+            </a:endParaRPr>
+          </a:p>
+          <a:p>
+            <a:pPr>
+              <a:defRPr/>
+            </a:pPr>
+            <a:endParaRPr lang="ko-KR" altLang="en-US" sz="2000">
+              <a:solidFill>
+                <a:schemeClr val="dk1"/>
+              </a:solidFill>
+            </a:endParaRPr>
+          </a:p>
+          <a:p>
+            <a:pPr>
+              <a:defRPr/>
+            </a:pPr>
+            <a:r>
+              <a:rPr lang="ko-KR" altLang="en-US" sz="2000">
+                <a:solidFill>
+                  <a:schemeClr val="dk1"/>
+                </a:solidFill>
+              </a:rPr>
+              <a:t>채팅창 및 게시판 개설</a:t>
+            </a:r>
+            <a:endParaRPr lang="ko-KR" altLang="en-US" sz="2000">
+              <a:solidFill>
+                <a:schemeClr val="dk1"/>
+              </a:solidFill>
+            </a:endParaRPr>
+          </a:p>
+          <a:p>
+            <a:pPr>
+              <a:defRPr/>
+            </a:pPr>
+            <a:r>
+              <a:rPr lang="ko-KR" altLang="en-US" sz="2000">
+                <a:solidFill>
+                  <a:schemeClr val="dk1"/>
+                </a:solidFill>
+              </a:rPr>
+              <a:t> </a:t>
+            </a:r>
+            <a:r>
+              <a:rPr lang="en-US" altLang="ko-KR" sz="2000">
+                <a:solidFill>
+                  <a:schemeClr val="dk1"/>
+                </a:solidFill>
+              </a:rPr>
+              <a:t>-</a:t>
+            </a:r>
+            <a:r>
+              <a:rPr lang="ko-KR" altLang="en-US" sz="2000">
+                <a:solidFill>
+                  <a:schemeClr val="dk1"/>
+                </a:solidFill>
+              </a:rPr>
+              <a:t> </a:t>
+            </a:r>
+            <a:r>
+              <a:rPr lang="en-US" altLang="ko-KR" sz="2000">
+                <a:solidFill>
+                  <a:schemeClr val="dk1"/>
+                </a:solidFill>
+              </a:rPr>
+              <a:t>FireBase</a:t>
+            </a:r>
+            <a:r>
+              <a:rPr lang="ko-KR" altLang="en-US" sz="2000">
+                <a:solidFill>
+                  <a:schemeClr val="dk1"/>
+                </a:solidFill>
+              </a:rPr>
+              <a:t> </a:t>
+            </a:r>
+            <a:r>
+              <a:rPr lang="en-US" altLang="ko-KR" sz="2000">
+                <a:solidFill>
+                  <a:schemeClr val="dk1"/>
+                </a:solidFill>
+              </a:rPr>
+              <a:t>DB</a:t>
+            </a:r>
+            <a:r>
+              <a:rPr lang="ko-KR" altLang="en-US" sz="2000">
+                <a:solidFill>
+                  <a:schemeClr val="dk1"/>
+                </a:solidFill>
+              </a:rPr>
+              <a:t>을 활용하여 모든 내용을 저장하여 관리</a:t>
+            </a:r>
+            <a:endParaRPr lang="ko-KR" altLang="en-US" sz="2000">
+              <a:solidFill>
+                <a:schemeClr val="dk1"/>
+              </a:solidFill>
+            </a:endParaRPr>
+          </a:p>
+          <a:p>
+            <a:pPr>
+              <a:defRPr/>
+            </a:pPr>
+            <a:endParaRPr lang="en-US" altLang="ko-KR" sz="2000" strike="sngStrike">
+              <a:solidFill>
+                <a:schemeClr val="dk1"/>
+              </a:solidFill>
+            </a:endParaRPr>
+          </a:p>
+          <a:p>
+            <a:pPr>
+              <a:defRPr/>
+            </a:pPr>
+            <a:r>
+              <a:rPr lang="ko-KR" altLang="en-US" sz="2000" strike="sngStrike">
+                <a:solidFill>
+                  <a:schemeClr val="dk1"/>
+                </a:solidFill>
+              </a:rPr>
+              <a:t>가장 가까운 정비소 위치 찾기</a:t>
+            </a:r>
+            <a:endParaRPr lang="ko-KR" altLang="en-US" sz="2000" strike="sngStrike">
+              <a:solidFill>
+                <a:schemeClr val="dk1"/>
+              </a:solidFill>
+            </a:endParaRPr>
+          </a:p>
+          <a:p>
+            <a:pPr>
+              <a:defRPr/>
+            </a:pPr>
+            <a:r>
+              <a:rPr lang="ko-KR" altLang="en-US" sz="2000">
+                <a:solidFill>
+                  <a:schemeClr val="dk1"/>
+                </a:solidFill>
+              </a:rPr>
+              <a:t> </a:t>
+            </a:r>
+            <a:r>
+              <a:rPr lang="en-US" altLang="ko-KR" sz="2000">
+                <a:solidFill>
+                  <a:schemeClr val="dk1"/>
+                </a:solidFill>
+              </a:rPr>
+              <a:t>-</a:t>
+            </a:r>
+            <a:r>
+              <a:rPr lang="ko-KR" altLang="en-US" sz="2000">
+                <a:solidFill>
+                  <a:schemeClr val="dk1"/>
+                </a:solidFill>
+              </a:rPr>
+              <a:t> 데이터 부족</a:t>
+            </a:r>
+            <a:r>
+              <a:rPr lang="en-US" altLang="ko-KR" sz="2000">
+                <a:solidFill>
+                  <a:schemeClr val="dk1"/>
+                </a:solidFill>
+              </a:rPr>
+              <a:t>(</a:t>
+            </a:r>
+            <a:r>
+              <a:rPr lang="ko-KR" altLang="en-US" sz="2000">
+                <a:solidFill>
+                  <a:schemeClr val="dk1"/>
+                </a:solidFill>
+              </a:rPr>
+              <a:t>웹에서 검색 결과 적당한 결과물 </a:t>
+            </a:r>
+            <a:r>
+              <a:rPr lang="en-US" altLang="ko-KR" sz="2000">
+                <a:solidFill>
+                  <a:schemeClr val="dk1"/>
+                </a:solidFill>
+              </a:rPr>
+              <a:t>X,</a:t>
+            </a:r>
+            <a:r>
+              <a:rPr lang="ko-KR" altLang="en-US" sz="2000">
+                <a:solidFill>
+                  <a:schemeClr val="dk1"/>
+                </a:solidFill>
+              </a:rPr>
+              <a:t> 정비소 마다 취급하는 분야가 다른 경우도 있음</a:t>
+            </a:r>
+            <a:r>
+              <a:rPr lang="en-US" altLang="ko-KR" sz="2000">
+                <a:solidFill>
+                  <a:schemeClr val="dk1"/>
+                </a:solidFill>
+              </a:rPr>
+              <a:t>)</a:t>
+            </a:r>
+            <a:endParaRPr lang="en-US" altLang="ko-KR" sz="2000">
+              <a:solidFill>
+                <a:schemeClr val="dk1"/>
+              </a:solidFill>
+            </a:endParaRPr>
+          </a:p>
+          <a:p>
+            <a:pPr>
+              <a:defRPr/>
+            </a:pPr>
+            <a:r>
+              <a:rPr lang="ko-KR" altLang="en-US" sz="2000">
+                <a:solidFill>
+                  <a:schemeClr val="dk1"/>
+                </a:solidFill>
+              </a:rPr>
+              <a:t> </a:t>
+            </a:r>
+            <a:r>
+              <a:rPr lang="en-US" altLang="ko-KR" sz="2000">
+                <a:solidFill>
+                  <a:schemeClr val="dk1"/>
+                </a:solidFill>
+              </a:rPr>
+              <a:t>-</a:t>
+            </a:r>
+            <a:r>
+              <a:rPr lang="ko-KR" altLang="en-US" sz="2000">
+                <a:solidFill>
+                  <a:schemeClr val="dk1"/>
+                </a:solidFill>
+              </a:rPr>
+              <a:t> 실현성 부족</a:t>
+            </a:r>
+            <a:endParaRPr lang="ko-KR" altLang="en-US" sz="2000">
+              <a:solidFill>
+                <a:schemeClr val="dk1"/>
+              </a:solidFill>
+            </a:endParaRPr>
+          </a:p>
+          <a:p>
+            <a:pPr>
+              <a:defRPr/>
+            </a:pPr>
+            <a:endParaRPr lang="ko-KR" altLang="en-US" sz="2000">
+              <a:solidFill>
+                <a:schemeClr val="dk1"/>
+              </a:solidFill>
+            </a:endParaRPr>
+          </a:p>
+        </p:txBody>
+      </p:sp>
+    </p:spTree>
+  </p:cSld>
+  <p:clrMapOvr>
+    <a:masterClrMapping/>
+  </p:clrMapOvr>
+  <mc:AlternateContent xmlns:mc="http://schemas.openxmlformats.org/markup-compatibility/2006">
+    <mc:Choice xmlns:p14="http://schemas.microsoft.com/office/powerpoint/2010/main" Requires="p14">
+      <p:transition xmlns:mc="http://schemas.openxmlformats.org/markup-compatibility/2006" xmlns:p14="http://schemas.microsoft.com/office/powerpoint/2010/main" mc:Ignorable="p14" p14:dur="500"/>
+    </mc:Choice>
+    <mc:Fallback>
+      <p:transition/>
+    </mc:Fallback>
+  </mc:AlternateContent>
+</p:sld>
+</file>
+
+<file path=ppt/slides/slide25.xml><?xml version="1.0" encoding="utf-8"?>
+<p:sld xmlns:r="http://schemas.openxmlformats.org/officeDocument/2006/relationships" xmlns:c="http://schemas.openxmlformats.org/drawingml/2006/chart" xmlns:a="http://schemas.openxmlformats.org/drawingml/2006/main" xmlns:dgm="http://schemas.openxmlformats.org/drawingml/2006/diagram" xmlns:dsp="http://schemas.microsoft.com/office/drawing/2008/diagram" xmlns:p="http://schemas.openxmlformats.org/presentationml/2006/main">
+  <p:cSld>
+    <p:spTree>
+      <p:nvGrpSpPr>
+        <p:cNvPr id="1" name=""/>
+        <p:cNvGrpSpPr/>
+        <p:nvPr/>
+      </p:nvGrpSpPr>
+      <p:grpSpPr>
+        <a:xfrm>
+          <a:off x="0" y="0"/>
+          <a:ext cx="0" cy="0"/>
+          <a:chOff x="0" y="0"/>
+          <a:chExt cx="0" cy="0"/>
+        </a:xfrm>
+      </p:grpSpPr>
+      <p:sp>
+        <p:nvSpPr>
+          <p:cNvPr id="4" name="직사각형 9"/>
+          <p:cNvSpPr/>
+          <p:nvPr/>
+        </p:nvSpPr>
+        <p:spPr>
+          <a:xfrm>
+            <a:off x="0" y="0"/>
+            <a:ext cx="12192001" cy="1338109"/>
+          </a:xfrm>
+          <a:prstGeom prst="rect">
+            <a:avLst/>
+          </a:prstGeom>
+          <a:solidFill>
+            <a:schemeClr val="accent1"/>
+          </a:solidFill>
+          <a:ln>
+            <a:noFill/>
+          </a:ln>
+        </p:spPr>
+        <p:style>
+          <a:lnRef idx="2">
+            <a:schemeClr val="accent1">
+              <a:shade val="50000"/>
+            </a:schemeClr>
+          </a:lnRef>
+          <a:fillRef idx="1">
+            <a:schemeClr val="accent1"/>
+          </a:fillRef>
+          <a:effectRef idx="0">
+            <a:schemeClr val="accent1"/>
+          </a:effectRef>
+          <a:fontRef idx="minor">
+            <a:schemeClr val="lt1"/>
+          </a:fontRef>
+        </p:style>
+        <p:txBody>
+          <a:bodyPr anchor="ctr"/>
+          <a:lstStyle/>
+          <a:p>
+            <a:pPr>
+              <a:defRPr/>
+            </a:pPr>
+            <a:r>
+              <a:rPr kumimoji="1" lang="en-US" altLang="ko-KR" sz="4800"/>
+              <a:t>2-3.</a:t>
+            </a:r>
+            <a:r>
+              <a:rPr kumimoji="1" lang="ko-KR" altLang="en-US" sz="4800"/>
+              <a:t> 요구사항 분석</a:t>
+            </a:r>
+            <a:endParaRPr kumimoji="1" lang="ko-KR" altLang="en-US" sz="4800"/>
+          </a:p>
+        </p:txBody>
+      </p:sp>
+      <p:sp>
+        <p:nvSpPr>
+          <p:cNvPr id="5" name=""/>
+          <p:cNvSpPr/>
+          <p:nvPr/>
+        </p:nvSpPr>
+        <p:spPr>
+          <a:xfrm>
+            <a:off x="0" y="1773630"/>
+            <a:ext cx="12192000" cy="5074844"/>
+          </a:xfrm>
+          <a:prstGeom prst="rect">
+            <a:avLst/>
+          </a:prstGeom>
+          <a:noFill/>
+          <a:ln>
+            <a:noFill/>
+          </a:ln>
+        </p:spPr>
+        <p:style>
+          <a:lnRef idx="2">
+            <a:schemeClr val="accent1">
+              <a:shade val="20000"/>
+            </a:schemeClr>
+          </a:lnRef>
+          <a:fillRef idx="1">
+            <a:schemeClr val="accent1"/>
+          </a:fillRef>
+          <a:effectRef idx="0">
+            <a:schemeClr val="accent1"/>
+          </a:effectRef>
+          <a:fontRef idx="minor">
+            <a:schemeClr val="lt1"/>
+          </a:fontRef>
+        </p:style>
+        <p:txBody>
+          <a:bodyPr anchor="ctr"/>
+          <a:lstStyle/>
+          <a:p>
+            <a:pPr>
+              <a:defRPr/>
+            </a:pPr>
+            <a:r>
+              <a:rPr lang="ko-KR" altLang="en-US" sz="2000">
+                <a:solidFill>
+                  <a:schemeClr val="dk1"/>
+                </a:solidFill>
+              </a:rPr>
+              <a:t>개발에 필요한 요구사항 분석 </a:t>
+            </a:r>
+            <a:r>
+              <a:rPr lang="en-US" altLang="ko-KR" sz="2000">
+                <a:solidFill>
+                  <a:schemeClr val="dk1"/>
+                </a:solidFill>
+              </a:rPr>
+              <a:t>(</a:t>
+            </a:r>
+            <a:r>
+              <a:rPr lang="ko-KR" altLang="en-US" sz="2000">
+                <a:solidFill>
+                  <a:schemeClr val="dk1"/>
+                </a:solidFill>
+              </a:rPr>
+              <a:t>실현성 확인</a:t>
+            </a:r>
+            <a:r>
+              <a:rPr lang="en-US" altLang="ko-KR" sz="2000">
+                <a:solidFill>
+                  <a:schemeClr val="dk1"/>
+                </a:solidFill>
+              </a:rPr>
+              <a:t>)</a:t>
+            </a:r>
+            <a:endParaRPr lang="en-US" altLang="ko-KR" sz="2000">
+              <a:solidFill>
+                <a:schemeClr val="dk1"/>
+              </a:solidFill>
+            </a:endParaRPr>
+          </a:p>
+          <a:p>
+            <a:pPr>
+              <a:defRPr/>
+            </a:pPr>
+            <a:endParaRPr lang="en-US" altLang="ko-KR" sz="2000">
+              <a:solidFill>
+                <a:schemeClr val="dk1"/>
+              </a:solidFill>
+            </a:endParaRPr>
+          </a:p>
+          <a:p>
+            <a:pPr>
+              <a:defRPr/>
+            </a:pPr>
+            <a:r>
+              <a:rPr lang="ko-KR" altLang="en-US" sz="2000" strike="sngStrike">
+                <a:solidFill>
+                  <a:schemeClr val="dk1"/>
+                </a:solidFill>
+              </a:rPr>
+              <a:t>차량 관련 새소식</a:t>
+            </a:r>
+            <a:endParaRPr lang="ko-KR" altLang="en-US" sz="2000">
+              <a:solidFill>
+                <a:schemeClr val="dk1"/>
+              </a:solidFill>
+            </a:endParaRPr>
+          </a:p>
+          <a:p>
+            <a:pPr>
+              <a:defRPr/>
+            </a:pPr>
+            <a:r>
+              <a:rPr lang="ko-KR" altLang="en-US" sz="2000">
+                <a:solidFill>
+                  <a:schemeClr val="dk1"/>
+                </a:solidFill>
+              </a:rPr>
+              <a:t> </a:t>
+            </a:r>
+            <a:r>
+              <a:rPr lang="en-US" altLang="ko-KR" sz="2000">
+                <a:solidFill>
+                  <a:schemeClr val="dk1"/>
+                </a:solidFill>
+              </a:rPr>
+              <a:t>-</a:t>
+            </a:r>
+            <a:r>
+              <a:rPr lang="ko-KR" altLang="en-US" sz="2000">
+                <a:solidFill>
+                  <a:schemeClr val="dk1"/>
+                </a:solidFill>
+              </a:rPr>
+              <a:t> 어플의 취지와 맞지 않는 의견이라 생각됨</a:t>
+            </a:r>
+            <a:endParaRPr lang="ko-KR" altLang="en-US" sz="2000">
+              <a:solidFill>
+                <a:schemeClr val="dk1"/>
+              </a:solidFill>
+            </a:endParaRPr>
+          </a:p>
+          <a:p>
+            <a:pPr>
+              <a:defRPr/>
+            </a:pPr>
+            <a:r>
+              <a:rPr lang="ko-KR" altLang="en-US" sz="2000">
+                <a:solidFill>
+                  <a:schemeClr val="dk1"/>
+                </a:solidFill>
+              </a:rPr>
+              <a:t> </a:t>
+            </a:r>
+            <a:r>
+              <a:rPr lang="en-US" altLang="ko-KR" sz="2000">
+                <a:solidFill>
+                  <a:schemeClr val="dk1"/>
+                </a:solidFill>
+              </a:rPr>
+              <a:t>-</a:t>
+            </a:r>
+            <a:r>
+              <a:rPr lang="ko-KR" altLang="en-US" sz="2000">
+                <a:solidFill>
+                  <a:schemeClr val="dk1"/>
+                </a:solidFill>
+              </a:rPr>
+              <a:t> 삭제 예정</a:t>
+            </a:r>
+            <a:endParaRPr lang="ko-KR" altLang="en-US" sz="2000">
+              <a:solidFill>
+                <a:schemeClr val="dk1"/>
+              </a:solidFill>
+            </a:endParaRPr>
+          </a:p>
+          <a:p>
+            <a:pPr>
+              <a:defRPr/>
+            </a:pPr>
+            <a:endParaRPr lang="ko-KR" altLang="en-US" sz="2000">
+              <a:solidFill>
+                <a:schemeClr val="dk1"/>
+              </a:solidFill>
+            </a:endParaRPr>
+          </a:p>
+        </p:txBody>
+      </p:sp>
+    </p:spTree>
+  </p:cSld>
+  <p:clrMapOvr>
+    <a:masterClrMapping/>
+  </p:clrMapOvr>
+  <mc:AlternateContent xmlns:mc="http://schemas.openxmlformats.org/markup-compatibility/2006">
+    <mc:Choice xmlns:p14="http://schemas.microsoft.com/office/powerpoint/2010/main" Requires="p14">
+      <p:transition xmlns:mc="http://schemas.openxmlformats.org/markup-compatibility/2006" xmlns:p14="http://schemas.microsoft.com/office/powerpoint/2010/main" mc:Ignorable="p14" p14:dur="500"/>
+    </mc:Choice>
+    <mc:Fallback>
+      <p:transition/>
+    </mc:Fallback>
+  </mc:AlternateContent>
+</p:sld>
+</file>
+
+<file path=ppt/slides/slide26.xml><?xml version="1.0" encoding="utf-8"?>
+<p:sld xmlns:r="http://schemas.openxmlformats.org/officeDocument/2006/relationships" xmlns:c="http://schemas.openxmlformats.org/drawingml/2006/chart" xmlns:a="http://schemas.openxmlformats.org/drawingml/2006/main" xmlns:dgm="http://schemas.openxmlformats.org/drawingml/2006/diagram" xmlns:dsp="http://schemas.microsoft.com/office/drawing/2008/diagram" xmlns:p="http://schemas.openxmlformats.org/presentationml/2006/main">
+  <p:cSld>
+    <p:spTree>
+      <p:nvGrpSpPr>
+        <p:cNvPr id="1" name=""/>
+        <p:cNvGrpSpPr/>
+        <p:nvPr/>
+      </p:nvGrpSpPr>
+      <p:grpSpPr>
+        <a:xfrm>
+          <a:off x="0" y="0"/>
+          <a:ext cx="0" cy="0"/>
+          <a:chOff x="0" y="0"/>
+          <a:chExt cx="0" cy="0"/>
+        </a:xfrm>
+      </p:grpSpPr>
+      <p:sp>
+        <p:nvSpPr>
+          <p:cNvPr id="4" name="직사각형 9"/>
+          <p:cNvSpPr/>
+          <p:nvPr/>
+        </p:nvSpPr>
+        <p:spPr>
+          <a:xfrm>
+            <a:off x="0" y="0"/>
+            <a:ext cx="12192001" cy="1338109"/>
+          </a:xfrm>
+          <a:prstGeom prst="rect">
+            <a:avLst/>
+          </a:prstGeom>
+          <a:solidFill>
+            <a:schemeClr val="accent1"/>
+          </a:solidFill>
+          <a:ln>
+            <a:noFill/>
+          </a:ln>
+        </p:spPr>
+        <p:style>
+          <a:lnRef idx="2">
+            <a:schemeClr val="accent1">
+              <a:shade val="50000"/>
+            </a:schemeClr>
+          </a:lnRef>
+          <a:fillRef idx="1">
+            <a:schemeClr val="accent1"/>
+          </a:fillRef>
+          <a:effectRef idx="0">
+            <a:schemeClr val="accent1"/>
+          </a:effectRef>
+          <a:fontRef idx="minor">
+            <a:schemeClr val="lt1"/>
+          </a:fontRef>
+        </p:style>
+        <p:txBody>
+          <a:bodyPr anchor="ctr"/>
+          <a:lstStyle/>
+          <a:p>
+            <a:pPr>
               <a:tabLst>
                 <a:tab pos="4850694" algn="l"/>
               </a:tabLst>
@@ -14196,7 +14616,7 @@
 </p:sld>
 </file>
 
-<file path=ppt/slides/slide25.xml><?xml version="1.0" encoding="utf-8"?>
+<file path=ppt/slides/slide27.xml><?xml version="1.0" encoding="utf-8"?>
 <p:sld xmlns:a="http://schemas.openxmlformats.org/drawingml/2006/main" xmlns:r="http://schemas.openxmlformats.org/officeDocument/2006/relationships" xmlns:p="http://schemas.openxmlformats.org/presentationml/2006/main">
   <p:cSld>
     <p:spTree>
@@ -14474,7 +14894,7 @@
 </p:sld>
 </file>
 
-<file path=ppt/slides/slide26.xml><?xml version="1.0" encoding="utf-8"?>
+<file path=ppt/slides/slide28.xml><?xml version="1.0" encoding="utf-8"?>
 <p:sld xmlns:r="http://schemas.openxmlformats.org/officeDocument/2006/relationships" xmlns:c="http://schemas.openxmlformats.org/drawingml/2006/chart" xmlns:a="http://schemas.openxmlformats.org/drawingml/2006/main" xmlns:dgm="http://schemas.openxmlformats.org/drawingml/2006/diagram" xmlns:dsp="http://schemas.microsoft.com/office/drawing/2008/diagram" xmlns:p="http://schemas.openxmlformats.org/presentationml/2006/main">
   <p:cSld>
     <p:spTree>
@@ -14599,7 +15019,7 @@
 </p:sld>
 </file>
 
-<file path=ppt/slides/slide27.xml><?xml version="1.0" encoding="utf-8"?>
+<file path=ppt/slides/slide29.xml><?xml version="1.0" encoding="utf-8"?>
 <p:sld xmlns:r="http://schemas.openxmlformats.org/officeDocument/2006/relationships" xmlns:c="http://schemas.openxmlformats.org/drawingml/2006/chart" xmlns:a="http://schemas.openxmlformats.org/drawingml/2006/main" xmlns:dgm="http://schemas.openxmlformats.org/drawingml/2006/diagram" xmlns:dsp="http://schemas.microsoft.com/office/drawing/2008/diagram" xmlns:p="http://schemas.openxmlformats.org/presentationml/2006/main">
   <p:cSld>
     <p:spTree>
@@ -14926,220 +15346,26 @@
             </a:r>
             <a:endParaRPr lang="en-US" altLang="ko-KR"/>
           </a:p>
+          <a:p>
+            <a:pPr lvl="0">
+              <a:defRPr/>
+            </a:pPr>
+            <a:r>
+              <a:rPr lang="en-US" altLang="ko-KR"/>
+              <a:t>4-4.</a:t>
+            </a:r>
+            <a:r>
+              <a:rPr lang="ko-KR" altLang="en-US"/>
+              <a:t> </a:t>
+            </a:r>
+            <a:r>
+              <a:rPr lang="en-US" altLang="ko-KR"/>
+              <a:t>Inner Sequence</a:t>
+            </a:r>
+            <a:endParaRPr lang="en-US" altLang="ko-KR"/>
+          </a:p>
         </p:txBody>
       </p:sp>
-    </p:spTree>
-  </p:cSld>
-  <p:clrMapOvr>
-    <a:masterClrMapping/>
-  </p:clrMapOvr>
-  <mc:AlternateContent xmlns:mc="http://schemas.openxmlformats.org/markup-compatibility/2006">
-    <mc:Choice xmlns:p14="http://schemas.microsoft.com/office/powerpoint/2010/main" Requires="p14">
-      <p:transition xmlns:mc="http://schemas.openxmlformats.org/markup-compatibility/2006" xmlns:p14="http://schemas.microsoft.com/office/powerpoint/2010/main" mc:Ignorable="p14" p14:dur="500"/>
-    </mc:Choice>
-    <mc:Fallback>
-      <p:transition/>
-    </mc:Fallback>
-  </mc:AlternateContent>
-</p:sld>
-</file>
-
-<file path=ppt/slides/slide28.xml><?xml version="1.0" encoding="utf-8"?>
-<p:sld xmlns:a="http://schemas.openxmlformats.org/drawingml/2006/main" xmlns:r="http://schemas.openxmlformats.org/officeDocument/2006/relationships" xmlns:p="http://schemas.openxmlformats.org/presentationml/2006/main">
-  <p:cSld>
-    <p:spTree>
-      <p:nvGrpSpPr>
-        <p:cNvPr id="1" name=""/>
-        <p:cNvGrpSpPr/>
-        <p:nvPr/>
-      </p:nvGrpSpPr>
-      <p:grpSpPr>
-        <a:xfrm>
-          <a:off x="0" y="0"/>
-          <a:ext cx="0" cy="0"/>
-          <a:chOff x="0" y="0"/>
-          <a:chExt cx="0" cy="0"/>
-        </a:xfrm>
-      </p:grpSpPr>
-      <p:sp>
-        <p:nvSpPr>
-          <p:cNvPr id="2" name="제목 1">
-            <a:extLst>
-              <a:ext uri="{FF2B5EF4-FFF2-40B4-BE49-F238E27FC236}">
-                <a16:creationId xmlns:a16="http://schemas.microsoft.com/office/drawing/2014/main" id="{9A1A2E3C-2FD9-439C-87BD-8AE3B27F8C97}"/>
-              </a:ext>
-            </a:extLst>
-          </p:cNvPr>
-          <p:cNvSpPr>
-            <a:spLocks noGrp="1"/>
-          </p:cNvSpPr>
-          <p:nvPr>
-            <p:ph type="title"/>
-          </p:nvPr>
-        </p:nvSpPr>
-        <p:spPr/>
-        <p:txBody>
-          <a:bodyPr/>
-          <a:lstStyle/>
-          <a:p>
-            <a:endParaRPr lang="ko-KR" altLang="en-US"/>
-          </a:p>
-        </p:txBody>
-      </p:sp>
-      <p:sp>
-        <p:nvSpPr>
-          <p:cNvPr id="3" name="내용 개체 틀 2">
-            <a:extLst>
-              <a:ext uri="{FF2B5EF4-FFF2-40B4-BE49-F238E27FC236}">
-                <a16:creationId xmlns:a16="http://schemas.microsoft.com/office/drawing/2014/main" id="{58DC695E-BF5C-4F1A-860C-8BD272E977AA}"/>
-              </a:ext>
-            </a:extLst>
-          </p:cNvPr>
-          <p:cNvSpPr>
-            <a:spLocks noGrp="1"/>
-          </p:cNvSpPr>
-          <p:nvPr>
-            <p:ph idx="1"/>
-          </p:nvPr>
-        </p:nvSpPr>
-        <p:spPr/>
-        <p:txBody>
-          <a:bodyPr/>
-          <a:lstStyle/>
-          <a:p>
-            <a:r>
-              <a:rPr lang="ko-KR" altLang="en-US" dirty="0"/>
-              <a:t>기능정의를 한다</a:t>
-            </a:r>
-            <a:endParaRPr lang="en-US" altLang="ko-KR" dirty="0"/>
-          </a:p>
-          <a:p>
-            <a:r>
-              <a:rPr lang="ko-KR" altLang="en-US" dirty="0"/>
-              <a:t>정의 한 기능에 대해 </a:t>
-            </a:r>
-            <a:r>
-              <a:rPr lang="en-US" altLang="ko-KR" dirty="0"/>
-              <a:t>Flow</a:t>
-            </a:r>
-            <a:r>
-              <a:rPr lang="ko-KR" altLang="en-US" dirty="0"/>
-              <a:t>를 작성한다</a:t>
-            </a:r>
-            <a:r>
-              <a:rPr lang="en-US" altLang="ko-KR" dirty="0"/>
-              <a:t>.</a:t>
-            </a:r>
-            <a:endParaRPr lang="ko-KR" altLang="en-US" dirty="0"/>
-          </a:p>
-        </p:txBody>
-      </p:sp>
-    </p:spTree>
-    <p:extLst>
-      <p:ext uri="{BB962C8B-B14F-4D97-AF65-F5344CB8AC3E}">
-        <p14:creationId xmlns:p14="http://schemas.microsoft.com/office/powerpoint/2010/main" val="3772914977"/>
-      </p:ext>
-    </p:extLst>
-  </p:cSld>
-  <p:clrMapOvr>
-    <a:masterClrMapping/>
-  </p:clrMapOvr>
-</p:sld>
-</file>
-
-<file path=ppt/slides/slide29.xml><?xml version="1.0" encoding="utf-8"?>
-<p:sld xmlns:r="http://schemas.openxmlformats.org/officeDocument/2006/relationships" xmlns:c="http://schemas.openxmlformats.org/drawingml/2006/chart" xmlns:a="http://schemas.openxmlformats.org/drawingml/2006/main" xmlns:dgm="http://schemas.openxmlformats.org/drawingml/2006/diagram" xmlns:dsp="http://schemas.microsoft.com/office/drawing/2008/diagram" xmlns:p="http://schemas.openxmlformats.org/presentationml/2006/main">
-  <p:cSld>
-    <p:spTree>
-      <p:nvGrpSpPr>
-        <p:cNvPr id="1" name=""/>
-        <p:cNvGrpSpPr/>
-        <p:nvPr/>
-      </p:nvGrpSpPr>
-      <p:grpSpPr>
-        <a:xfrm>
-          <a:off x="0" y="0"/>
-          <a:ext cx="0" cy="0"/>
-          <a:chOff x="0" y="0"/>
-          <a:chExt cx="0" cy="0"/>
-        </a:xfrm>
-      </p:grpSpPr>
-      <p:sp>
-        <p:nvSpPr>
-          <p:cNvPr id="4" name="직사각형 9"/>
-          <p:cNvSpPr/>
-          <p:nvPr/>
-        </p:nvSpPr>
-        <p:spPr>
-          <a:xfrm>
-            <a:off x="0" y="0"/>
-            <a:ext cx="12192001" cy="1338109"/>
-          </a:xfrm>
-          <a:prstGeom prst="rect">
-            <a:avLst/>
-          </a:prstGeom>
-          <a:solidFill>
-            <a:schemeClr val="accent1"/>
-          </a:solidFill>
-          <a:ln>
-            <a:noFill/>
-          </a:ln>
-        </p:spPr>
-        <p:style>
-          <a:lnRef idx="2">
-            <a:schemeClr val="accent1">
-              <a:shade val="50000"/>
-            </a:schemeClr>
-          </a:lnRef>
-          <a:fillRef idx="1">
-            <a:schemeClr val="accent1"/>
-          </a:fillRef>
-          <a:effectRef idx="0">
-            <a:schemeClr val="accent1"/>
-          </a:effectRef>
-          <a:fontRef idx="minor">
-            <a:schemeClr val="lt1"/>
-          </a:fontRef>
-        </p:style>
-        <p:txBody>
-          <a:bodyPr anchor="ctr"/>
-          <a:lstStyle/>
-          <a:p>
-            <a:pPr>
-              <a:defRPr/>
-            </a:pPr>
-            <a:r>
-              <a:rPr kumimoji="1" lang="en-US" altLang="ko-KR" sz="4800"/>
-              <a:t>4-1. Menu_Tree</a:t>
-            </a:r>
-            <a:endParaRPr kumimoji="1" lang="en-US" altLang="ko-KR" sz="4800"/>
-          </a:p>
-        </p:txBody>
-      </p:sp>
-      <p:pic>
-        <p:nvPicPr>
-          <p:cNvPr id="6" name=""/>
-          <p:cNvPicPr>
-            <a:picLocks noChangeAspect="1"/>
-          </p:cNvPicPr>
-          <p:nvPr/>
-        </p:nvPicPr>
-        <p:blipFill rotWithShape="1">
-          <a:blip r:embed="rId2"/>
-          <a:stretch>
-            <a:fillRect/>
-          </a:stretch>
-        </p:blipFill>
-        <p:spPr>
-          <a:xfrm>
-            <a:off x="1980879" y="1367790"/>
-            <a:ext cx="8230241" cy="5490210"/>
-          </a:xfrm>
-          <a:prstGeom prst="rect">
-            <a:avLst/>
-          </a:prstGeom>
-        </p:spPr>
-      </p:pic>
     </p:spTree>
   </p:cSld>
   <p:clrMapOvr>
@@ -15435,7 +15661,7 @@
 </file>
 
 <file path=ppt/slides/slide30.xml><?xml version="1.0" encoding="utf-8"?>
-<p:sld xmlns:r="http://schemas.openxmlformats.org/officeDocument/2006/relationships" xmlns:c="http://schemas.openxmlformats.org/drawingml/2006/chart" xmlns:a="http://schemas.openxmlformats.org/drawingml/2006/main" xmlns:dgm="http://schemas.openxmlformats.org/drawingml/2006/diagram" xmlns:dsp="http://schemas.microsoft.com/office/drawing/2008/diagram" xmlns:p="http://schemas.openxmlformats.org/presentationml/2006/main">
+<p:sld xmlns:a="http://schemas.openxmlformats.org/drawingml/2006/main" xmlns:r="http://schemas.openxmlformats.org/officeDocument/2006/relationships" xmlns:p="http://schemas.openxmlformats.org/presentationml/2006/main">
   <p:cSld>
     <p:spTree>
       <p:nvGrpSpPr>
@@ -15453,93 +15679,87 @@
       </p:grpSpPr>
       <p:sp>
         <p:nvSpPr>
-          <p:cNvPr id="4" name="직사각형 9"/>
-          <p:cNvSpPr/>
-          <p:nvPr/>
+          <p:cNvPr id="2" name="제목 1">
+            <a:extLst>
+              <a:ext uri="{FF2B5EF4-FFF2-40B4-BE49-F238E27FC236}">
+                <a16:creationId xmlns:a16="http://schemas.microsoft.com/office/drawing/2014/main" id="{9A1A2E3C-2FD9-439C-87BD-8AE3B27F8C97}"/>
+              </a:ext>
+            </a:extLst>
+          </p:cNvPr>
+          <p:cNvSpPr>
+            <a:spLocks noGrp="1"/>
+          </p:cNvSpPr>
+          <p:nvPr>
+            <p:ph type="title"/>
+          </p:nvPr>
         </p:nvSpPr>
-        <p:spPr>
-          <a:xfrm>
-            <a:off x="0" y="0"/>
-            <a:ext cx="12192001" cy="1338109"/>
-          </a:xfrm>
-          <a:prstGeom prst="rect">
-            <a:avLst/>
-          </a:prstGeom>
-          <a:solidFill>
-            <a:schemeClr val="accent1"/>
-          </a:solidFill>
-          <a:ln>
-            <a:noFill/>
-          </a:ln>
-        </p:spPr>
-        <p:style>
-          <a:lnRef idx="2">
-            <a:schemeClr val="accent1">
-              <a:shade val="50000"/>
-            </a:schemeClr>
-          </a:lnRef>
-          <a:fillRef idx="1">
-            <a:schemeClr val="accent1"/>
-          </a:fillRef>
-          <a:effectRef idx="0">
-            <a:schemeClr val="accent1"/>
-          </a:effectRef>
-          <a:fontRef idx="minor">
-            <a:schemeClr val="lt1"/>
-          </a:fontRef>
-        </p:style>
+        <p:spPr/>
         <p:txBody>
-          <a:bodyPr anchor="ctr"/>
+          <a:bodyPr/>
           <a:lstStyle/>
           <a:p>
-            <a:pPr>
-              <a:defRPr/>
-            </a:pPr>
-            <a:r>
-              <a:rPr kumimoji="1" lang="en-US" altLang="ko-KR" sz="4800"/>
-              <a:t>4-2. Flow_Chart</a:t>
-            </a:r>
-            <a:endParaRPr kumimoji="1" lang="en-US" altLang="ko-KR" sz="4800"/>
+            <a:endParaRPr lang="ko-KR" altLang="en-US"/>
           </a:p>
         </p:txBody>
       </p:sp>
-      <p:pic>
-        <p:nvPicPr>
-          <p:cNvPr id="5" name=""/>
-          <p:cNvPicPr>
-            <a:picLocks noChangeAspect="1"/>
-          </p:cNvPicPr>
-          <p:nvPr/>
-        </p:nvPicPr>
-        <p:blipFill rotWithShape="1">
-          <a:blip r:embed="rId2"/>
-          <a:stretch>
-            <a:fillRect/>
-          </a:stretch>
-        </p:blipFill>
-        <p:spPr>
-          <a:xfrm>
-            <a:off x="2781257" y="1357608"/>
-            <a:ext cx="6629485" cy="5500391"/>
-          </a:xfrm>
-          <a:prstGeom prst="rect">
-            <a:avLst/>
-          </a:prstGeom>
-        </p:spPr>
-      </p:pic>
+      <p:sp>
+        <p:nvSpPr>
+          <p:cNvPr id="3" name="내용 개체 틀 2">
+            <a:extLst>
+              <a:ext uri="{FF2B5EF4-FFF2-40B4-BE49-F238E27FC236}">
+                <a16:creationId xmlns:a16="http://schemas.microsoft.com/office/drawing/2014/main" id="{58DC695E-BF5C-4F1A-860C-8BD272E977AA}"/>
+              </a:ext>
+            </a:extLst>
+          </p:cNvPr>
+          <p:cNvSpPr>
+            <a:spLocks noGrp="1"/>
+          </p:cNvSpPr>
+          <p:nvPr>
+            <p:ph idx="1"/>
+          </p:nvPr>
+        </p:nvSpPr>
+        <p:spPr/>
+        <p:txBody>
+          <a:bodyPr/>
+          <a:lstStyle/>
+          <a:p>
+            <a:r>
+              <a:rPr lang="ko-KR" altLang="en-US" dirty="0"/>
+              <a:t>기능정의를 한다</a:t>
+            </a:r>
+            <a:endParaRPr lang="en-US" altLang="ko-KR" dirty="0"/>
+          </a:p>
+          <a:p>
+            <a:r>
+              <a:rPr lang="ko-KR" altLang="en-US" dirty="0"/>
+              <a:t>정의 한 기능에 대해 </a:t>
+            </a:r>
+            <a:r>
+              <a:rPr lang="en-US" altLang="ko-KR" dirty="0"/>
+              <a:t>Flow</a:t>
+            </a:r>
+            <a:r>
+              <a:rPr lang="ko-KR" altLang="en-US" dirty="0"/>
+              <a:t>를 작성한다</a:t>
+            </a:r>
+            <a:r>
+              <a:rPr lang="en-US" altLang="ko-KR" dirty="0"/>
+              <a:t>.</a:t>
+            </a:r>
+            <a:endParaRPr lang="ko-KR" altLang="en-US" dirty="0"/>
+          </a:p>
+        </p:txBody>
+      </p:sp>
     </p:spTree>
+    <p:extLst>
+      <p:ext uri="{BB962C8B-B14F-4D97-AF65-F5344CB8AC3E}">
+        <p14:creationId xmlns:p14="http://schemas.microsoft.com/office/powerpoint/2010/main" val="3772914977"/>
+      </p:ext>
+    </p:extLst>
   </p:cSld>
   <p:clrMapOvr>
     <a:masterClrMapping/>
   </p:clrMapOvr>
-  <mc:AlternateContent xmlns:mc="http://schemas.openxmlformats.org/markup-compatibility/2006">
-    <mc:Choice xmlns:p14="http://schemas.microsoft.com/office/powerpoint/2010/main" Requires="p14">
-      <p:transition xmlns:mc="http://schemas.openxmlformats.org/markup-compatibility/2006" xmlns:p14="http://schemas.microsoft.com/office/powerpoint/2010/main" mc:Ignorable="p14" p14:dur="500"/>
-    </mc:Choice>
-    <mc:Fallback>
-      <p:transition/>
-    </mc:Fallback>
-  </mc:AlternateContent>
 </p:sld>
 </file>
 
@@ -15606,12 +15826,36 @@
             </a:pPr>
             <a:r>
               <a:rPr kumimoji="1" lang="en-US" altLang="ko-KR" sz="4800"/>
-              <a:t>4-3. Sequence</a:t>
+              <a:t>4-1. Menu_Tree</a:t>
             </a:r>
             <a:endParaRPr kumimoji="1" lang="en-US" altLang="ko-KR" sz="4800"/>
           </a:p>
         </p:txBody>
       </p:sp>
+      <p:pic>
+        <p:nvPicPr>
+          <p:cNvPr id="6" name=""/>
+          <p:cNvPicPr>
+            <a:picLocks noChangeAspect="1"/>
+          </p:cNvPicPr>
+          <p:nvPr/>
+        </p:nvPicPr>
+        <p:blipFill rotWithShape="1">
+          <a:blip r:embed="rId2"/>
+          <a:stretch>
+            <a:fillRect/>
+          </a:stretch>
+        </p:blipFill>
+        <p:spPr>
+          <a:xfrm>
+            <a:off x="1980879" y="1367790"/>
+            <a:ext cx="8230241" cy="5490210"/>
+          </a:xfrm>
+          <a:prstGeom prst="rect">
+            <a:avLst/>
+          </a:prstGeom>
+        </p:spPr>
+      </p:pic>
     </p:spTree>
   </p:cSld>
   <p:clrMapOvr>
@@ -15629,7 +15873,7 @@
 </file>
 
 <file path=ppt/slides/slide32.xml><?xml version="1.0" encoding="utf-8"?>
-<p:sld xmlns:a="http://schemas.openxmlformats.org/drawingml/2006/main" xmlns:r="http://schemas.openxmlformats.org/officeDocument/2006/relationships" xmlns:p="http://schemas.openxmlformats.org/presentationml/2006/main">
+<p:sld xmlns:r="http://schemas.openxmlformats.org/officeDocument/2006/relationships" xmlns:c="http://schemas.openxmlformats.org/drawingml/2006/chart" xmlns:a="http://schemas.openxmlformats.org/drawingml/2006/main" xmlns:dgm="http://schemas.openxmlformats.org/drawingml/2006/diagram" xmlns:dsp="http://schemas.microsoft.com/office/drawing/2008/diagram" xmlns:p="http://schemas.openxmlformats.org/presentationml/2006/main">
   <p:cSld>
     <p:spTree>
       <p:nvGrpSpPr>
@@ -15647,22 +15891,20 @@
       </p:grpSpPr>
       <p:sp>
         <p:nvSpPr>
-          <p:cNvPr id="10" name="직사각형 9"/>
+          <p:cNvPr id="4" name="직사각형 9"/>
           <p:cNvSpPr/>
           <p:nvPr/>
         </p:nvSpPr>
         <p:spPr>
           <a:xfrm>
-            <a:off x="-1" y="2398426"/>
+            <a:off x="0" y="0"/>
             <a:ext cx="12192001" cy="1338109"/>
           </a:xfrm>
           <a:prstGeom prst="rect">
             <a:avLst/>
           </a:prstGeom>
           <a:solidFill>
-            <a:schemeClr val="accent1">
-              <a:lumMod val="75000"/>
-            </a:schemeClr>
+            <a:schemeClr val="accent1"/>
           </a:solidFill>
           <a:ln>
             <a:noFill/>
@@ -15685,270 +15927,62 @@
           </a:fontRef>
         </p:style>
         <p:txBody>
-          <a:bodyPr rtlCol="0" anchor="ctr"/>
+          <a:bodyPr anchor="ctr"/>
           <a:lstStyle/>
           <a:p>
-            <a:pPr algn="ctr"/>
-            <a:endParaRPr kumimoji="1" lang="ko-KR" altLang="en-US" dirty="0"/>
+            <a:pPr>
+              <a:defRPr/>
+            </a:pPr>
+            <a:r>
+              <a:rPr kumimoji="1" lang="en-US" altLang="ko-KR" sz="4800"/>
+              <a:t>4-2. Flow_Chart</a:t>
+            </a:r>
+            <a:endParaRPr kumimoji="1" lang="en-US" altLang="ko-KR" sz="4800"/>
           </a:p>
         </p:txBody>
       </p:sp>
-      <p:sp>
-        <p:nvSpPr>
-          <p:cNvPr id="12" name="부제목 2"/>
-          <p:cNvSpPr txBox="1">
-            <a:spLocks/>
-          </p:cNvSpPr>
+      <p:pic>
+        <p:nvPicPr>
+          <p:cNvPr id="6" name=""/>
+          <p:cNvPicPr>
+            <a:picLocks noChangeAspect="1"/>
+          </p:cNvPicPr>
           <p:nvPr/>
-        </p:nvSpPr>
+        </p:nvPicPr>
+        <p:blipFill rotWithShape="1">
+          <a:blip r:embed="rId2"/>
+          <a:stretch>
+            <a:fillRect/>
+          </a:stretch>
+        </p:blipFill>
         <p:spPr>
           <a:xfrm>
-            <a:off x="1" y="2608234"/>
-            <a:ext cx="12192000" cy="754314"/>
+            <a:off x="1604495" y="1333914"/>
+            <a:ext cx="8983010" cy="5524086"/>
           </a:xfrm>
           <a:prstGeom prst="rect">
             <a:avLst/>
           </a:prstGeom>
         </p:spPr>
-        <p:txBody>
-          <a:bodyPr vert="horz" lIns="91440" tIns="45720" rIns="91440" bIns="45720" rtlCol="0" anchor="ctr">
-            <a:noAutofit/>
-          </a:bodyPr>
-          <a:lstStyle>
-            <a:lvl1pPr marL="0" indent="0" algn="ctr" defTabSz="914423" rtl="0" eaLnBrk="1" latinLnBrk="1" hangingPunct="1">
-              <a:lnSpc>
-                <a:spcPct val="90000"/>
-              </a:lnSpc>
-              <a:spcBef>
-                <a:spcPts val="1001"/>
-              </a:spcBef>
-              <a:buFont typeface="Arial"/>
-              <a:buNone/>
-              <a:defRPr sz="2400" kern="1200">
-                <a:solidFill>
-                  <a:schemeClr val="tx1"/>
-                </a:solidFill>
-                <a:latin typeface="+mn-lt"/>
-                <a:ea typeface="+mn-ea"/>
-                <a:cs typeface="+mn-cs"/>
-              </a:defRPr>
-            </a:lvl1pPr>
-            <a:lvl2pPr marL="457211" indent="0" algn="ctr" defTabSz="914423" rtl="0" eaLnBrk="1" latinLnBrk="1" hangingPunct="1">
-              <a:lnSpc>
-                <a:spcPct val="90000"/>
-              </a:lnSpc>
-              <a:spcBef>
-                <a:spcPts val="500"/>
-              </a:spcBef>
-              <a:buFont typeface="Arial"/>
-              <a:buNone/>
-              <a:defRPr sz="2000" kern="1200">
-                <a:solidFill>
-                  <a:schemeClr val="tx1"/>
-                </a:solidFill>
-                <a:latin typeface="+mn-lt"/>
-                <a:ea typeface="+mn-ea"/>
-                <a:cs typeface="+mn-cs"/>
-              </a:defRPr>
-            </a:lvl2pPr>
-            <a:lvl3pPr marL="914423" indent="0" algn="ctr" defTabSz="914423" rtl="0" eaLnBrk="1" latinLnBrk="1" hangingPunct="1">
-              <a:lnSpc>
-                <a:spcPct val="90000"/>
-              </a:lnSpc>
-              <a:spcBef>
-                <a:spcPts val="500"/>
-              </a:spcBef>
-              <a:buFont typeface="Arial"/>
-              <a:buNone/>
-              <a:defRPr sz="1801" kern="1200">
-                <a:solidFill>
-                  <a:schemeClr val="tx1"/>
-                </a:solidFill>
-                <a:latin typeface="+mn-lt"/>
-                <a:ea typeface="+mn-ea"/>
-                <a:cs typeface="+mn-cs"/>
-              </a:defRPr>
-            </a:lvl3pPr>
-            <a:lvl4pPr marL="1371634" indent="0" algn="ctr" defTabSz="914423" rtl="0" eaLnBrk="1" latinLnBrk="1" hangingPunct="1">
-              <a:lnSpc>
-                <a:spcPct val="90000"/>
-              </a:lnSpc>
-              <a:spcBef>
-                <a:spcPts val="500"/>
-              </a:spcBef>
-              <a:buFont typeface="Arial"/>
-              <a:buNone/>
-              <a:defRPr sz="1600" kern="1200">
-                <a:solidFill>
-                  <a:schemeClr val="tx1"/>
-                </a:solidFill>
-                <a:latin typeface="+mn-lt"/>
-                <a:ea typeface="+mn-ea"/>
-                <a:cs typeface="+mn-cs"/>
-              </a:defRPr>
-            </a:lvl4pPr>
-            <a:lvl5pPr marL="1828846" indent="0" algn="ctr" defTabSz="914423" rtl="0" eaLnBrk="1" latinLnBrk="1" hangingPunct="1">
-              <a:lnSpc>
-                <a:spcPct val="90000"/>
-              </a:lnSpc>
-              <a:spcBef>
-                <a:spcPts val="500"/>
-              </a:spcBef>
-              <a:buFont typeface="Arial"/>
-              <a:buNone/>
-              <a:defRPr sz="1600" kern="1200">
-                <a:solidFill>
-                  <a:schemeClr val="tx1"/>
-                </a:solidFill>
-                <a:latin typeface="+mn-lt"/>
-                <a:ea typeface="+mn-ea"/>
-                <a:cs typeface="+mn-cs"/>
-              </a:defRPr>
-            </a:lvl5pPr>
-            <a:lvl6pPr marL="2286057" indent="0" algn="ctr" defTabSz="914423" rtl="0" eaLnBrk="1" latinLnBrk="1" hangingPunct="1">
-              <a:lnSpc>
-                <a:spcPct val="90000"/>
-              </a:lnSpc>
-              <a:spcBef>
-                <a:spcPts val="500"/>
-              </a:spcBef>
-              <a:buFont typeface="Arial"/>
-              <a:buNone/>
-              <a:defRPr sz="1600" kern="1200">
-                <a:solidFill>
-                  <a:schemeClr val="tx1"/>
-                </a:solidFill>
-                <a:latin typeface="+mn-lt"/>
-                <a:ea typeface="+mn-ea"/>
-                <a:cs typeface="+mn-cs"/>
-              </a:defRPr>
-            </a:lvl6pPr>
-            <a:lvl7pPr marL="2743269" indent="0" algn="ctr" defTabSz="914423" rtl="0" eaLnBrk="1" latinLnBrk="1" hangingPunct="1">
-              <a:lnSpc>
-                <a:spcPct val="90000"/>
-              </a:lnSpc>
-              <a:spcBef>
-                <a:spcPts val="500"/>
-              </a:spcBef>
-              <a:buFont typeface="Arial"/>
-              <a:buNone/>
-              <a:defRPr sz="1600" kern="1200">
-                <a:solidFill>
-                  <a:schemeClr val="tx1"/>
-                </a:solidFill>
-                <a:latin typeface="+mn-lt"/>
-                <a:ea typeface="+mn-ea"/>
-                <a:cs typeface="+mn-cs"/>
-              </a:defRPr>
-            </a:lvl7pPr>
-            <a:lvl8pPr marL="3200480" indent="0" algn="ctr" defTabSz="914423" rtl="0" eaLnBrk="1" latinLnBrk="1" hangingPunct="1">
-              <a:lnSpc>
-                <a:spcPct val="90000"/>
-              </a:lnSpc>
-              <a:spcBef>
-                <a:spcPts val="500"/>
-              </a:spcBef>
-              <a:buFont typeface="Arial"/>
-              <a:buNone/>
-              <a:defRPr sz="1600" kern="1200">
-                <a:solidFill>
-                  <a:schemeClr val="tx1"/>
-                </a:solidFill>
-                <a:latin typeface="+mn-lt"/>
-                <a:ea typeface="+mn-ea"/>
-                <a:cs typeface="+mn-cs"/>
-              </a:defRPr>
-            </a:lvl8pPr>
-            <a:lvl9pPr marL="3657691" indent="0" algn="ctr" defTabSz="914423" rtl="0" eaLnBrk="1" latinLnBrk="1" hangingPunct="1">
-              <a:lnSpc>
-                <a:spcPct val="90000"/>
-              </a:lnSpc>
-              <a:spcBef>
-                <a:spcPts val="500"/>
-              </a:spcBef>
-              <a:buFont typeface="Arial"/>
-              <a:buNone/>
-              <a:defRPr sz="1600" kern="1200">
-                <a:solidFill>
-                  <a:schemeClr val="tx1"/>
-                </a:solidFill>
-                <a:latin typeface="+mn-lt"/>
-                <a:ea typeface="+mn-ea"/>
-                <a:cs typeface="+mn-cs"/>
-              </a:defRPr>
-            </a:lvl9pPr>
-          </a:lstStyle>
-          <a:p>
-            <a:r>
-              <a:rPr lang="ko-KR" altLang="en-US" sz="4800" dirty="0">
-                <a:solidFill>
-                  <a:schemeClr val="bg1"/>
-                </a:solidFill>
-                <a:latin typeface="+mj-lt"/>
-                <a:ea typeface="맑은 고딕" charset="-127"/>
-                <a:cs typeface="맑은 고딕" charset="-127"/>
-              </a:rPr>
-              <a:t>기능 검토 </a:t>
-            </a:r>
-            <a:r>
-              <a:rPr lang="en-US" altLang="ko-KR" sz="4800" dirty="0">
-                <a:solidFill>
-                  <a:schemeClr val="bg1"/>
-                </a:solidFill>
-                <a:latin typeface="+mj-lt"/>
-                <a:ea typeface="맑은 고딕" charset="-127"/>
-                <a:cs typeface="맑은 고딕" charset="-127"/>
-              </a:rPr>
-              <a:t>(</a:t>
-            </a:r>
-            <a:r>
-              <a:rPr lang="ko-KR" altLang="en-US" sz="4800" dirty="0">
-                <a:solidFill>
-                  <a:schemeClr val="bg1"/>
-                </a:solidFill>
-                <a:latin typeface="+mj-lt"/>
-                <a:ea typeface="맑은 고딕" charset="-127"/>
-                <a:cs typeface="맑은 고딕" charset="-127"/>
-              </a:rPr>
-              <a:t>근거자료 및 샘플코드</a:t>
-            </a:r>
-            <a:r>
-              <a:rPr lang="en-US" altLang="ko-KR" sz="4800" dirty="0">
-                <a:solidFill>
-                  <a:schemeClr val="bg1"/>
-                </a:solidFill>
-                <a:latin typeface="+mj-lt"/>
-                <a:ea typeface="맑은 고딕" charset="-127"/>
-                <a:cs typeface="맑은 고딕" charset="-127"/>
-              </a:rPr>
-              <a:t>)</a:t>
-            </a:r>
-            <a:endParaRPr lang="ko-KR" altLang="en-US" sz="4800" dirty="0">
-              <a:solidFill>
-                <a:schemeClr val="bg1"/>
-              </a:solidFill>
-              <a:latin typeface="+mj-lt"/>
-              <a:ea typeface="맑은 고딕" charset="-127"/>
-              <a:cs typeface="맑은 고딕" charset="-127"/>
-            </a:endParaRPr>
-          </a:p>
-        </p:txBody>
-      </p:sp>
+      </p:pic>
     </p:spTree>
-    <p:extLst>
-      <p:ext uri="{BB962C8B-B14F-4D97-AF65-F5344CB8AC3E}">
-        <p14:creationId xmlns:p14="http://schemas.microsoft.com/office/powerpoint/2010/main" val="2800779971"/>
-      </p:ext>
-    </p:extLst>
   </p:cSld>
   <p:clrMapOvr>
     <a:masterClrMapping/>
   </p:clrMapOvr>
+  <mc:AlternateContent xmlns:mc="http://schemas.openxmlformats.org/markup-compatibility/2006">
+    <mc:Choice xmlns:p14="http://schemas.microsoft.com/office/powerpoint/2010/main" Requires="p14">
+      <p:transition xmlns:mc="http://schemas.openxmlformats.org/markup-compatibility/2006" xmlns:p14="http://schemas.microsoft.com/office/powerpoint/2010/main" mc:Ignorable="p14" p14:dur="500"/>
+    </mc:Choice>
+    <mc:Fallback>
+      <p:transition/>
+    </mc:Fallback>
+  </mc:AlternateContent>
 </p:sld>
 </file>
 
 <file path=ppt/slides/slide33.xml><?xml version="1.0" encoding="utf-8"?>
-<p:sld xmlns:a="http://schemas.openxmlformats.org/drawingml/2006/main" xmlns:r="http://schemas.openxmlformats.org/officeDocument/2006/relationships" xmlns:p="http://schemas.openxmlformats.org/presentationml/2006/main">
+<p:sld xmlns:r="http://schemas.openxmlformats.org/officeDocument/2006/relationships" xmlns:c="http://schemas.openxmlformats.org/drawingml/2006/chart" xmlns:a="http://schemas.openxmlformats.org/drawingml/2006/main" xmlns:dgm="http://schemas.openxmlformats.org/drawingml/2006/diagram" xmlns:dsp="http://schemas.microsoft.com/office/drawing/2008/diagram" xmlns:p="http://schemas.openxmlformats.org/presentationml/2006/main">
   <p:cSld>
     <p:spTree>
       <p:nvGrpSpPr>
@@ -15966,82 +16000,69 @@
       </p:grpSpPr>
       <p:sp>
         <p:nvSpPr>
-          <p:cNvPr id="2" name="제목 1">
-            <a:extLst>
-              <a:ext uri="{FF2B5EF4-FFF2-40B4-BE49-F238E27FC236}">
-                <a16:creationId xmlns:a16="http://schemas.microsoft.com/office/drawing/2014/main" id="{CD32A4A8-C5FD-473F-A41F-A660400BC448}"/>
-              </a:ext>
-            </a:extLst>
-          </p:cNvPr>
-          <p:cNvSpPr>
-            <a:spLocks noGrp="1"/>
-          </p:cNvSpPr>
-          <p:nvPr>
-            <p:ph type="title"/>
-          </p:nvPr>
+          <p:cNvPr id="4" name="직사각형 9"/>
+          <p:cNvSpPr/>
+          <p:nvPr/>
         </p:nvSpPr>
-        <p:spPr/>
+        <p:spPr>
+          <a:xfrm>
+            <a:off x="0" y="0"/>
+            <a:ext cx="12192001" cy="1338109"/>
+          </a:xfrm>
+          <a:prstGeom prst="rect">
+            <a:avLst/>
+          </a:prstGeom>
+          <a:solidFill>
+            <a:schemeClr val="accent1"/>
+          </a:solidFill>
+          <a:ln>
+            <a:noFill/>
+          </a:ln>
+        </p:spPr>
+        <p:style>
+          <a:lnRef idx="2">
+            <a:schemeClr val="accent1">
+              <a:shade val="50000"/>
+            </a:schemeClr>
+          </a:lnRef>
+          <a:fillRef idx="1">
+            <a:schemeClr val="accent1"/>
+          </a:fillRef>
+          <a:effectRef idx="0">
+            <a:schemeClr val="accent1"/>
+          </a:effectRef>
+          <a:fontRef idx="minor">
+            <a:schemeClr val="lt1"/>
+          </a:fontRef>
+        </p:style>
         <p:txBody>
-          <a:bodyPr/>
+          <a:bodyPr anchor="ctr"/>
           <a:lstStyle/>
           <a:p>
-            <a:endParaRPr lang="ko-KR" altLang="en-US"/>
-          </a:p>
-        </p:txBody>
-      </p:sp>
-      <p:sp>
-        <p:nvSpPr>
-          <p:cNvPr id="3" name="내용 개체 틀 2">
-            <a:extLst>
-              <a:ext uri="{FF2B5EF4-FFF2-40B4-BE49-F238E27FC236}">
-                <a16:creationId xmlns:a16="http://schemas.microsoft.com/office/drawing/2014/main" id="{FC688E77-0112-474B-BD84-18F7FC4240C7}"/>
-              </a:ext>
-            </a:extLst>
-          </p:cNvPr>
-          <p:cNvSpPr>
-            <a:spLocks noGrp="1"/>
-          </p:cNvSpPr>
-          <p:nvPr>
-            <p:ph idx="1"/>
-          </p:nvPr>
-        </p:nvSpPr>
-        <p:spPr/>
-        <p:txBody>
-          <a:bodyPr/>
-          <a:lstStyle/>
-          <a:p>
-            <a:r>
-              <a:rPr lang="ko-KR" altLang="en-US" dirty="0"/>
-              <a:t>기능 구현에 필요한 기술을 알아본다</a:t>
-            </a:r>
-            <a:endParaRPr lang="en-US" altLang="ko-KR" dirty="0"/>
-          </a:p>
-          <a:p>
-            <a:endParaRPr lang="en-US" altLang="ko-KR" dirty="0"/>
-          </a:p>
-          <a:p>
-            <a:r>
-              <a:rPr lang="ko-KR" altLang="en-US" dirty="0"/>
-              <a:t>샘플 코드를 수집한다</a:t>
-            </a:r>
-            <a:r>
-              <a:rPr lang="en-US" altLang="ko-KR" dirty="0"/>
-              <a:t>.</a:t>
-            </a:r>
-            <a:endParaRPr lang="ko-KR" altLang="en-US" dirty="0"/>
+            <a:pPr>
+              <a:defRPr/>
+            </a:pPr>
+            <a:r>
+              <a:rPr kumimoji="1" lang="en-US" altLang="ko-KR" sz="4800"/>
+              <a:t>4-3. Sequence</a:t>
+            </a:r>
+            <a:endParaRPr kumimoji="1" lang="en-US" altLang="ko-KR" sz="4800"/>
           </a:p>
         </p:txBody>
       </p:sp>
     </p:spTree>
-    <p:extLst>
-      <p:ext uri="{BB962C8B-B14F-4D97-AF65-F5344CB8AC3E}">
-        <p14:creationId xmlns:p14="http://schemas.microsoft.com/office/powerpoint/2010/main" val="414149680"/>
-      </p:ext>
-    </p:extLst>
   </p:cSld>
   <p:clrMapOvr>
     <a:masterClrMapping/>
   </p:clrMapOvr>
+  <mc:AlternateContent xmlns:mc="http://schemas.openxmlformats.org/markup-compatibility/2006">
+    <mc:Choice xmlns:p14="http://schemas.microsoft.com/office/powerpoint/2010/main" Requires="p14">
+      <p:transition xmlns:mc="http://schemas.openxmlformats.org/markup-compatibility/2006" xmlns:p14="http://schemas.microsoft.com/office/powerpoint/2010/main" mc:Ignorable="p14" p14:dur="500"/>
+    </mc:Choice>
+    <mc:Fallback>
+      <p:transition/>
+    </mc:Fallback>
+  </mc:AlternateContent>
 </p:sld>
 </file>
 
@@ -16305,15 +16326,56 @@
                 <a:ea typeface="맑은 고딕" charset="-127"/>
                 <a:cs typeface="맑은 고딕" charset="-127"/>
               </a:rPr>
-              <a:t>스토리보드 제작</a:t>
-            </a:r>
+              <a:t>기능 검토 </a:t>
+            </a:r>
+            <a:r>
+              <a:rPr lang="en-US" altLang="ko-KR" sz="4800" dirty="0">
+                <a:solidFill>
+                  <a:schemeClr val="bg1"/>
+                </a:solidFill>
+                <a:latin typeface="+mj-lt"/>
+                <a:ea typeface="맑은 고딕" charset="-127"/>
+                <a:cs typeface="맑은 고딕" charset="-127"/>
+              </a:rPr>
+              <a:t>(</a:t>
+            </a:r>
+            <a:r>
+              <a:rPr lang="ko-KR" altLang="en-US" sz="4800" dirty="0">
+                <a:solidFill>
+                  <a:schemeClr val="bg1"/>
+                </a:solidFill>
+                <a:latin typeface="+mj-lt"/>
+                <a:ea typeface="맑은 고딕" charset="-127"/>
+                <a:cs typeface="맑은 고딕" charset="-127"/>
+              </a:rPr>
+              <a:t>근거자료 및 샘플코드</a:t>
+            </a:r>
+            <a:r>
+              <a:rPr lang="en-US" altLang="ko-KR" sz="4800" dirty="0">
+                <a:solidFill>
+                  <a:schemeClr val="bg1"/>
+                </a:solidFill>
+                <a:latin typeface="+mj-lt"/>
+                <a:ea typeface="맑은 고딕" charset="-127"/>
+                <a:cs typeface="맑은 고딕" charset="-127"/>
+              </a:rPr>
+              <a:t>)</a:t>
+            </a:r>
+            <a:endParaRPr lang="ko-KR" altLang="en-US" sz="4800" dirty="0">
+              <a:solidFill>
+                <a:schemeClr val="bg1"/>
+              </a:solidFill>
+              <a:latin typeface="+mj-lt"/>
+              <a:ea typeface="맑은 고딕" charset="-127"/>
+              <a:cs typeface="맑은 고딕" charset="-127"/>
+            </a:endParaRPr>
           </a:p>
         </p:txBody>
       </p:sp>
     </p:spTree>
     <p:extLst>
       <p:ext uri="{BB962C8B-B14F-4D97-AF65-F5344CB8AC3E}">
-        <p14:creationId xmlns:p14="http://schemas.microsoft.com/office/powerpoint/2010/main" val="4131486605"/>
+        <p14:creationId xmlns:p14="http://schemas.microsoft.com/office/powerpoint/2010/main" val="2800779971"/>
       </p:ext>
     </p:extLst>
   </p:cSld>
@@ -16342,32 +16404,6 @@
       </p:grpSpPr>
       <p:sp>
         <p:nvSpPr>
-          <p:cNvPr id="2" name="제목 1"/>
-          <p:cNvSpPr>
-            <a:spLocks noGrp="1"/>
-          </p:cNvSpPr>
-          <p:nvPr>
-            <p:ph type="title" idx="0"/>
-          </p:nvPr>
-        </p:nvSpPr>
-        <p:spPr/>
-        <p:txBody>
-          <a:bodyPr/>
-          <a:lstStyle/>
-          <a:p>
-            <a:pPr lvl="0">
-              <a:defRPr/>
-            </a:pPr>
-            <a:r>
-              <a:rPr lang="ko-KR" altLang="en-US"/>
-              <a:t/>
-            </a:r>
-            <a:endParaRPr lang="ko-KR" altLang="en-US"/>
-          </a:p>
-        </p:txBody>
-      </p:sp>
-      <p:sp>
-        <p:nvSpPr>
           <p:cNvPr id="3" name="내용 개체 틀 2"/>
           <p:cNvSpPr>
             <a:spLocks noGrp="1"/>
@@ -16386,7 +16422,7 @@
             </a:pPr>
             <a:r>
               <a:rPr lang="ko-KR" altLang="en-US"/>
-              <a:t>기능 구현에 대한 디자인 구상</a:t>
+              <a:t>기능 구현에 필요한 기술을 알아본다</a:t>
             </a:r>
             <a:endParaRPr lang="ko-KR" altLang="en-US"/>
           </a:p>
@@ -16394,6 +16430,20 @@
             <a:pPr lvl="0">
               <a:defRPr/>
             </a:pPr>
+            <a:endParaRPr lang="ko-KR" altLang="en-US"/>
+          </a:p>
+          <a:p>
+            <a:pPr lvl="0">
+              <a:defRPr/>
+            </a:pPr>
+            <a:r>
+              <a:rPr lang="ko-KR" altLang="en-US"/>
+              <a:t>차량과 어플 블루투스 연결 어떻게 할건지</a:t>
+            </a:r>
+            <a:r>
+              <a:rPr lang="en-US" altLang="ko-KR"/>
+              <a:t>?</a:t>
+            </a:r>
             <a:endParaRPr lang="en-US" altLang="ko-KR"/>
           </a:p>
           <a:p>
@@ -16402,13 +16452,131 @@
             </a:pPr>
             <a:r>
               <a:rPr lang="ko-KR" altLang="en-US"/>
-              <a:t>디자인에 따른 동작을 기술하고 연계 한다</a:t>
+              <a:t>연결 된다면 어떻게 원하는 정보만 받을지</a:t>
+            </a:r>
+            <a:r>
+              <a:rPr lang="en-US" altLang="ko-KR"/>
+              <a:t>?</a:t>
+            </a:r>
+            <a:endParaRPr lang="en-US" altLang="ko-KR"/>
+          </a:p>
+          <a:p>
+            <a:pPr lvl="0">
+              <a:defRPr/>
+            </a:pPr>
+            <a:r>
+              <a:rPr lang="ko-KR" altLang="en-US"/>
+              <a:t>차량과 어플 블루투스 연결로 받아야 하는 정보 </a:t>
+            </a:r>
+            <a:r>
+              <a:rPr lang="en-US" altLang="ko-KR"/>
+              <a:t>:</a:t>
+            </a:r>
+            <a:r>
+              <a:rPr lang="ko-KR" altLang="en-US"/>
+              <a:t> 주행거리</a:t>
+            </a:r>
+            <a:r>
+              <a:rPr lang="en-US" altLang="ko-KR"/>
+              <a:t>,</a:t>
+            </a:r>
+            <a:r>
+              <a:rPr lang="ko-KR" altLang="en-US"/>
+              <a:t> 주유량</a:t>
+            </a:r>
+            <a:r>
+              <a:rPr lang="en-US" altLang="ko-KR"/>
+              <a:t>,</a:t>
+            </a:r>
+            <a:r>
+              <a:rPr lang="ko-KR" altLang="en-US"/>
+              <a:t> 엔진오일</a:t>
+            </a:r>
+            <a:r>
+              <a:rPr lang="en-US" altLang="ko-KR"/>
+              <a:t>,</a:t>
+            </a:r>
+            <a:r>
+              <a:rPr lang="ko-KR" altLang="en-US"/>
+              <a:t> 냉각수</a:t>
+            </a:r>
+            <a:endParaRPr lang="ko-KR" altLang="en-US"/>
+          </a:p>
+          <a:p>
+            <a:pPr lvl="0">
+              <a:defRPr/>
+            </a:pPr>
+            <a:endParaRPr lang="ko-KR" altLang="en-US"/>
+          </a:p>
+          <a:p>
+            <a:pPr lvl="0">
+              <a:defRPr/>
+            </a:pPr>
+            <a:r>
+              <a:rPr lang="ko-KR" altLang="en-US"/>
+              <a:t>샘플 코드를 수집한다</a:t>
             </a:r>
             <a:r>
               <a:rPr lang="en-US" altLang="ko-KR"/>
               <a:t>.</a:t>
             </a:r>
             <a:endParaRPr lang="ko-KR" altLang="en-US"/>
+          </a:p>
+        </p:txBody>
+      </p:sp>
+      <p:sp>
+        <p:nvSpPr>
+          <p:cNvPr id="4" name="직사각형 9"/>
+          <p:cNvSpPr/>
+          <p:nvPr/>
+        </p:nvSpPr>
+        <p:spPr>
+          <a:xfrm>
+            <a:off x="0" y="0"/>
+            <a:ext cx="12192001" cy="1338109"/>
+          </a:xfrm>
+          <a:prstGeom prst="rect">
+            <a:avLst/>
+          </a:prstGeom>
+          <a:solidFill>
+            <a:schemeClr val="accent1"/>
+          </a:solidFill>
+          <a:ln>
+            <a:noFill/>
+          </a:ln>
+        </p:spPr>
+        <p:style>
+          <a:lnRef idx="2">
+            <a:schemeClr val="accent1">
+              <a:shade val="50000"/>
+            </a:schemeClr>
+          </a:lnRef>
+          <a:fillRef idx="1">
+            <a:schemeClr val="accent1"/>
+          </a:fillRef>
+          <a:effectRef idx="0">
+            <a:schemeClr val="accent1"/>
+          </a:effectRef>
+          <a:fontRef idx="minor">
+            <a:schemeClr val="lt1"/>
+          </a:fontRef>
+        </p:style>
+        <p:txBody>
+          <a:bodyPr anchor="ctr"/>
+          <a:lstStyle/>
+          <a:p>
+            <a:pPr>
+              <a:defRPr/>
+            </a:pPr>
+            <a:r>
+              <a:rPr kumimoji="1" lang="en-US" altLang="ko-KR" sz="4800"/>
+              <a:t>5. </a:t>
+            </a:r>
+            <a:r>
+              <a:rPr kumimoji="1" lang="ko-KR" altLang="en-US" sz="4800"/>
+              <a:t>기능검토</a:t>
+            </a:r>
+            <a:endParaRPr kumimoji="1" lang="ko-KR" altLang="en-US" sz="4800"/>
           </a:p>
         </p:txBody>
       </p:sp>
@@ -16688,7 +16856,7 @@
                 <a:ea typeface="맑은 고딕" charset="-127"/>
                 <a:cs typeface="맑은 고딕" charset="-127"/>
               </a:rPr>
-              <a:t>구현</a:t>
+              <a:t>스토리보드 제작</a:t>
             </a:r>
           </a:p>
         </p:txBody>
@@ -16696,7 +16864,7 @@
     </p:spTree>
     <p:extLst>
       <p:ext uri="{BB962C8B-B14F-4D97-AF65-F5344CB8AC3E}">
-        <p14:creationId xmlns:p14="http://schemas.microsoft.com/office/powerpoint/2010/main" val="1697315730"/>
+        <p14:creationId xmlns:p14="http://schemas.microsoft.com/office/powerpoint/2010/main" val="4131486605"/>
       </p:ext>
     </p:extLst>
   </p:cSld>
@@ -16707,7 +16875,7 @@
 </file>
 
 <file path=ppt/slides/slide37.xml><?xml version="1.0" encoding="utf-8"?>
-<p:sld xmlns:a="http://schemas.openxmlformats.org/drawingml/2006/main" xmlns:r="http://schemas.openxmlformats.org/officeDocument/2006/relationships" xmlns:p="http://schemas.openxmlformats.org/presentationml/2006/main">
+<p:sld xmlns:r="http://schemas.openxmlformats.org/officeDocument/2006/relationships" xmlns:c="http://schemas.openxmlformats.org/drawingml/2006/chart" xmlns:a="http://schemas.openxmlformats.org/drawingml/2006/main" xmlns:dgm="http://schemas.openxmlformats.org/drawingml/2006/diagram" xmlns:dsp="http://schemas.microsoft.com/office/drawing/2008/diagram" xmlns:p="http://schemas.openxmlformats.org/presentationml/2006/main">
   <p:cSld>
     <p:spTree>
       <p:nvGrpSpPr>
@@ -16725,18 +16893,12 @@
       </p:grpSpPr>
       <p:sp>
         <p:nvSpPr>
-          <p:cNvPr id="2" name="제목 1">
-            <a:extLst>
-              <a:ext uri="{FF2B5EF4-FFF2-40B4-BE49-F238E27FC236}">
-                <a16:creationId xmlns:a16="http://schemas.microsoft.com/office/drawing/2014/main" id="{2135F92A-65F5-4C7A-8C04-BF5F199039F2}"/>
-              </a:ext>
-            </a:extLst>
-          </p:cNvPr>
+          <p:cNvPr id="2" name="제목 1"/>
           <p:cNvSpPr>
             <a:spLocks noGrp="1"/>
           </p:cNvSpPr>
           <p:nvPr>
-            <p:ph type="title"/>
+            <p:ph type="title" idx="0"/>
           </p:nvPr>
         </p:nvSpPr>
         <p:spPr/>
@@ -16744,19 +16906,20 @@
           <a:bodyPr/>
           <a:lstStyle/>
           <a:p>
+            <a:pPr lvl="0">
+              <a:defRPr/>
+            </a:pPr>
+            <a:r>
+              <a:rPr lang="ko-KR" altLang="en-US"/>
+              <a:t/>
+            </a:r>
             <a:endParaRPr lang="ko-KR" altLang="en-US"/>
           </a:p>
         </p:txBody>
       </p:sp>
       <p:sp>
         <p:nvSpPr>
-          <p:cNvPr id="3" name="내용 개체 틀 2">
-            <a:extLst>
-              <a:ext uri="{FF2B5EF4-FFF2-40B4-BE49-F238E27FC236}">
-                <a16:creationId xmlns:a16="http://schemas.microsoft.com/office/drawing/2014/main" id="{FB21A4AE-E1C2-4042-9B9E-43F419C42235}"/>
-              </a:ext>
-            </a:extLst>
-          </p:cNvPr>
+          <p:cNvPr id="3" name="내용 개체 틀 2"/>
           <p:cNvSpPr>
             <a:spLocks noGrp="1"/>
           </p:cNvSpPr>
@@ -16769,28 +16932,50 @@
           <a:bodyPr/>
           <a:lstStyle/>
           <a:p>
-            <a:r>
-              <a:rPr lang="ko-KR" altLang="en-US" dirty="0"/>
-              <a:t>코드를 작성하고 버그를 수정한다</a:t>
-            </a:r>
-            <a:r>
-              <a:rPr lang="en-US" altLang="ko-KR" dirty="0"/>
+            <a:pPr lvl="0">
+              <a:defRPr/>
+            </a:pPr>
+            <a:r>
+              <a:rPr lang="ko-KR" altLang="en-US"/>
+              <a:t>기능 구현에 대한 디자인 구상</a:t>
+            </a:r>
+            <a:endParaRPr lang="ko-KR" altLang="en-US"/>
+          </a:p>
+          <a:p>
+            <a:pPr lvl="0">
+              <a:defRPr/>
+            </a:pPr>
+            <a:endParaRPr lang="en-US" altLang="ko-KR"/>
+          </a:p>
+          <a:p>
+            <a:pPr lvl="0">
+              <a:defRPr/>
+            </a:pPr>
+            <a:r>
+              <a:rPr lang="ko-KR" altLang="en-US"/>
+              <a:t>디자인에 따른 동작을 기술하고 연계 한다</a:t>
+            </a:r>
+            <a:r>
+              <a:rPr lang="en-US" altLang="ko-KR"/>
               <a:t>.</a:t>
             </a:r>
-            <a:endParaRPr lang="ko-KR" altLang="en-US" dirty="0"/>
+            <a:endParaRPr lang="ko-KR" altLang="en-US"/>
           </a:p>
         </p:txBody>
       </p:sp>
     </p:spTree>
-    <p:extLst>
-      <p:ext uri="{BB962C8B-B14F-4D97-AF65-F5344CB8AC3E}">
-        <p14:creationId xmlns:p14="http://schemas.microsoft.com/office/powerpoint/2010/main" val="1303733429"/>
-      </p:ext>
-    </p:extLst>
   </p:cSld>
   <p:clrMapOvr>
     <a:masterClrMapping/>
   </p:clrMapOvr>
+  <mc:AlternateContent xmlns:mc="http://schemas.openxmlformats.org/markup-compatibility/2006">
+    <mc:Choice xmlns:p14="http://schemas.microsoft.com/office/powerpoint/2010/main" Requires="p14">
+      <p:transition xmlns:mc="http://schemas.openxmlformats.org/markup-compatibility/2006" xmlns:p14="http://schemas.microsoft.com/office/powerpoint/2010/main" mc:Ignorable="p14" p14:dur="500"/>
+    </mc:Choice>
+    <mc:Fallback>
+      <p:transition/>
+    </mc:Fallback>
+  </mc:AlternateContent>
 </p:sld>
 </file>
 
@@ -17054,34 +17239,15 @@
                 <a:ea typeface="맑은 고딕" charset="-127"/>
                 <a:cs typeface="맑은 고딕" charset="-127"/>
               </a:rPr>
-              <a:t>제품 </a:t>
-            </a:r>
-            <a:r>
-              <a:rPr lang="en-US" altLang="ko-KR" sz="4800" dirty="0">
-                <a:solidFill>
-                  <a:schemeClr val="bg1"/>
-                </a:solidFill>
-                <a:latin typeface="+mj-lt"/>
-                <a:ea typeface="맑은 고딕" charset="-127"/>
-                <a:cs typeface="맑은 고딕" charset="-127"/>
-              </a:rPr>
-              <a:t>Review</a:t>
-            </a:r>
-            <a:endParaRPr lang="ko-KR" altLang="en-US" sz="4800" dirty="0">
-              <a:solidFill>
-                <a:schemeClr val="bg1"/>
-              </a:solidFill>
-              <a:latin typeface="+mj-lt"/>
-              <a:ea typeface="맑은 고딕" charset="-127"/>
-              <a:cs typeface="맑은 고딕" charset="-127"/>
-            </a:endParaRPr>
+              <a:t>구현</a:t>
+            </a:r>
           </a:p>
         </p:txBody>
       </p:sp>
     </p:spTree>
     <p:extLst>
       <p:ext uri="{BB962C8B-B14F-4D97-AF65-F5344CB8AC3E}">
-        <p14:creationId xmlns:p14="http://schemas.microsoft.com/office/powerpoint/2010/main" val="3953577241"/>
+        <p14:creationId xmlns:p14="http://schemas.microsoft.com/office/powerpoint/2010/main" val="1697315730"/>
       </p:ext>
     </p:extLst>
   </p:cSld>
@@ -17156,15 +17322,20 @@
           <a:p>
             <a:r>
               <a:rPr lang="ko-KR" altLang="en-US" dirty="0"/>
-              <a:t>목표한 제품이 맞는 검증한다</a:t>
-            </a:r>
+              <a:t>코드를 작성하고 버그를 수정한다</a:t>
+            </a:r>
+            <a:r>
+              <a:rPr lang="en-US" altLang="ko-KR" dirty="0"/>
+              <a:t>.</a:t>
+            </a:r>
+            <a:endParaRPr lang="ko-KR" altLang="en-US" dirty="0"/>
           </a:p>
         </p:txBody>
       </p:sp>
     </p:spTree>
     <p:extLst>
       <p:ext uri="{BB962C8B-B14F-4D97-AF65-F5344CB8AC3E}">
-        <p14:creationId xmlns:p14="http://schemas.microsoft.com/office/powerpoint/2010/main" val="539587114"/>
+        <p14:creationId xmlns:p14="http://schemas.microsoft.com/office/powerpoint/2010/main" val="1303733429"/>
       </p:ext>
     </p:extLst>
   </p:cSld>
@@ -17260,6 +17431,386 @@
       <p:transition/>
     </mc:Fallback>
   </mc:AlternateContent>
+</p:sld>
+</file>
+
+<file path=ppt/slides/slide40.xml><?xml version="1.0" encoding="utf-8"?>
+<p:sld xmlns:a="http://schemas.openxmlformats.org/drawingml/2006/main" xmlns:r="http://schemas.openxmlformats.org/officeDocument/2006/relationships" xmlns:p="http://schemas.openxmlformats.org/presentationml/2006/main">
+  <p:cSld>
+    <p:spTree>
+      <p:nvGrpSpPr>
+        <p:cNvPr id="1" name=""/>
+        <p:cNvGrpSpPr/>
+        <p:nvPr/>
+      </p:nvGrpSpPr>
+      <p:grpSpPr>
+        <a:xfrm>
+          <a:off x="0" y="0"/>
+          <a:ext cx="0" cy="0"/>
+          <a:chOff x="0" y="0"/>
+          <a:chExt cx="0" cy="0"/>
+        </a:xfrm>
+      </p:grpSpPr>
+      <p:sp>
+        <p:nvSpPr>
+          <p:cNvPr id="10" name="직사각형 9"/>
+          <p:cNvSpPr/>
+          <p:nvPr/>
+        </p:nvSpPr>
+        <p:spPr>
+          <a:xfrm>
+            <a:off x="-1" y="2398426"/>
+            <a:ext cx="12192001" cy="1338109"/>
+          </a:xfrm>
+          <a:prstGeom prst="rect">
+            <a:avLst/>
+          </a:prstGeom>
+          <a:solidFill>
+            <a:schemeClr val="accent1">
+              <a:lumMod val="75000"/>
+            </a:schemeClr>
+          </a:solidFill>
+          <a:ln>
+            <a:noFill/>
+          </a:ln>
+        </p:spPr>
+        <p:style>
+          <a:lnRef idx="2">
+            <a:schemeClr val="accent1">
+              <a:shade val="50000"/>
+            </a:schemeClr>
+          </a:lnRef>
+          <a:fillRef idx="1">
+            <a:schemeClr val="accent1"/>
+          </a:fillRef>
+          <a:effectRef idx="0">
+            <a:schemeClr val="accent1"/>
+          </a:effectRef>
+          <a:fontRef idx="minor">
+            <a:schemeClr val="lt1"/>
+          </a:fontRef>
+        </p:style>
+        <p:txBody>
+          <a:bodyPr rtlCol="0" anchor="ctr"/>
+          <a:lstStyle/>
+          <a:p>
+            <a:pPr algn="ctr"/>
+            <a:endParaRPr kumimoji="1" lang="ko-KR" altLang="en-US" dirty="0"/>
+          </a:p>
+        </p:txBody>
+      </p:sp>
+      <p:sp>
+        <p:nvSpPr>
+          <p:cNvPr id="12" name="부제목 2"/>
+          <p:cNvSpPr txBox="1">
+            <a:spLocks/>
+          </p:cNvSpPr>
+          <p:nvPr/>
+        </p:nvSpPr>
+        <p:spPr>
+          <a:xfrm>
+            <a:off x="1" y="2608234"/>
+            <a:ext cx="12192000" cy="754314"/>
+          </a:xfrm>
+          <a:prstGeom prst="rect">
+            <a:avLst/>
+          </a:prstGeom>
+        </p:spPr>
+        <p:txBody>
+          <a:bodyPr vert="horz" lIns="91440" tIns="45720" rIns="91440" bIns="45720" rtlCol="0" anchor="ctr">
+            <a:noAutofit/>
+          </a:bodyPr>
+          <a:lstStyle>
+            <a:lvl1pPr marL="0" indent="0" algn="ctr" defTabSz="914423" rtl="0" eaLnBrk="1" latinLnBrk="1" hangingPunct="1">
+              <a:lnSpc>
+                <a:spcPct val="90000"/>
+              </a:lnSpc>
+              <a:spcBef>
+                <a:spcPts val="1001"/>
+              </a:spcBef>
+              <a:buFont typeface="Arial"/>
+              <a:buNone/>
+              <a:defRPr sz="2400" kern="1200">
+                <a:solidFill>
+                  <a:schemeClr val="tx1"/>
+                </a:solidFill>
+                <a:latin typeface="+mn-lt"/>
+                <a:ea typeface="+mn-ea"/>
+                <a:cs typeface="+mn-cs"/>
+              </a:defRPr>
+            </a:lvl1pPr>
+            <a:lvl2pPr marL="457211" indent="0" algn="ctr" defTabSz="914423" rtl="0" eaLnBrk="1" latinLnBrk="1" hangingPunct="1">
+              <a:lnSpc>
+                <a:spcPct val="90000"/>
+              </a:lnSpc>
+              <a:spcBef>
+                <a:spcPts val="500"/>
+              </a:spcBef>
+              <a:buFont typeface="Arial"/>
+              <a:buNone/>
+              <a:defRPr sz="2000" kern="1200">
+                <a:solidFill>
+                  <a:schemeClr val="tx1"/>
+                </a:solidFill>
+                <a:latin typeface="+mn-lt"/>
+                <a:ea typeface="+mn-ea"/>
+                <a:cs typeface="+mn-cs"/>
+              </a:defRPr>
+            </a:lvl2pPr>
+            <a:lvl3pPr marL="914423" indent="0" algn="ctr" defTabSz="914423" rtl="0" eaLnBrk="1" latinLnBrk="1" hangingPunct="1">
+              <a:lnSpc>
+                <a:spcPct val="90000"/>
+              </a:lnSpc>
+              <a:spcBef>
+                <a:spcPts val="500"/>
+              </a:spcBef>
+              <a:buFont typeface="Arial"/>
+              <a:buNone/>
+              <a:defRPr sz="1801" kern="1200">
+                <a:solidFill>
+                  <a:schemeClr val="tx1"/>
+                </a:solidFill>
+                <a:latin typeface="+mn-lt"/>
+                <a:ea typeface="+mn-ea"/>
+                <a:cs typeface="+mn-cs"/>
+              </a:defRPr>
+            </a:lvl3pPr>
+            <a:lvl4pPr marL="1371634" indent="0" algn="ctr" defTabSz="914423" rtl="0" eaLnBrk="1" latinLnBrk="1" hangingPunct="1">
+              <a:lnSpc>
+                <a:spcPct val="90000"/>
+              </a:lnSpc>
+              <a:spcBef>
+                <a:spcPts val="500"/>
+              </a:spcBef>
+              <a:buFont typeface="Arial"/>
+              <a:buNone/>
+              <a:defRPr sz="1600" kern="1200">
+                <a:solidFill>
+                  <a:schemeClr val="tx1"/>
+                </a:solidFill>
+                <a:latin typeface="+mn-lt"/>
+                <a:ea typeface="+mn-ea"/>
+                <a:cs typeface="+mn-cs"/>
+              </a:defRPr>
+            </a:lvl4pPr>
+            <a:lvl5pPr marL="1828846" indent="0" algn="ctr" defTabSz="914423" rtl="0" eaLnBrk="1" latinLnBrk="1" hangingPunct="1">
+              <a:lnSpc>
+                <a:spcPct val="90000"/>
+              </a:lnSpc>
+              <a:spcBef>
+                <a:spcPts val="500"/>
+              </a:spcBef>
+              <a:buFont typeface="Arial"/>
+              <a:buNone/>
+              <a:defRPr sz="1600" kern="1200">
+                <a:solidFill>
+                  <a:schemeClr val="tx1"/>
+                </a:solidFill>
+                <a:latin typeface="+mn-lt"/>
+                <a:ea typeface="+mn-ea"/>
+                <a:cs typeface="+mn-cs"/>
+              </a:defRPr>
+            </a:lvl5pPr>
+            <a:lvl6pPr marL="2286057" indent="0" algn="ctr" defTabSz="914423" rtl="0" eaLnBrk="1" latinLnBrk="1" hangingPunct="1">
+              <a:lnSpc>
+                <a:spcPct val="90000"/>
+              </a:lnSpc>
+              <a:spcBef>
+                <a:spcPts val="500"/>
+              </a:spcBef>
+              <a:buFont typeface="Arial"/>
+              <a:buNone/>
+              <a:defRPr sz="1600" kern="1200">
+                <a:solidFill>
+                  <a:schemeClr val="tx1"/>
+                </a:solidFill>
+                <a:latin typeface="+mn-lt"/>
+                <a:ea typeface="+mn-ea"/>
+                <a:cs typeface="+mn-cs"/>
+              </a:defRPr>
+            </a:lvl6pPr>
+            <a:lvl7pPr marL="2743269" indent="0" algn="ctr" defTabSz="914423" rtl="0" eaLnBrk="1" latinLnBrk="1" hangingPunct="1">
+              <a:lnSpc>
+                <a:spcPct val="90000"/>
+              </a:lnSpc>
+              <a:spcBef>
+                <a:spcPts val="500"/>
+              </a:spcBef>
+              <a:buFont typeface="Arial"/>
+              <a:buNone/>
+              <a:defRPr sz="1600" kern="1200">
+                <a:solidFill>
+                  <a:schemeClr val="tx1"/>
+                </a:solidFill>
+                <a:latin typeface="+mn-lt"/>
+                <a:ea typeface="+mn-ea"/>
+                <a:cs typeface="+mn-cs"/>
+              </a:defRPr>
+            </a:lvl7pPr>
+            <a:lvl8pPr marL="3200480" indent="0" algn="ctr" defTabSz="914423" rtl="0" eaLnBrk="1" latinLnBrk="1" hangingPunct="1">
+              <a:lnSpc>
+                <a:spcPct val="90000"/>
+              </a:lnSpc>
+              <a:spcBef>
+                <a:spcPts val="500"/>
+              </a:spcBef>
+              <a:buFont typeface="Arial"/>
+              <a:buNone/>
+              <a:defRPr sz="1600" kern="1200">
+                <a:solidFill>
+                  <a:schemeClr val="tx1"/>
+                </a:solidFill>
+                <a:latin typeface="+mn-lt"/>
+                <a:ea typeface="+mn-ea"/>
+                <a:cs typeface="+mn-cs"/>
+              </a:defRPr>
+            </a:lvl8pPr>
+            <a:lvl9pPr marL="3657691" indent="0" algn="ctr" defTabSz="914423" rtl="0" eaLnBrk="1" latinLnBrk="1" hangingPunct="1">
+              <a:lnSpc>
+                <a:spcPct val="90000"/>
+              </a:lnSpc>
+              <a:spcBef>
+                <a:spcPts val="500"/>
+              </a:spcBef>
+              <a:buFont typeface="Arial"/>
+              <a:buNone/>
+              <a:defRPr sz="1600" kern="1200">
+                <a:solidFill>
+                  <a:schemeClr val="tx1"/>
+                </a:solidFill>
+                <a:latin typeface="+mn-lt"/>
+                <a:ea typeface="+mn-ea"/>
+                <a:cs typeface="+mn-cs"/>
+              </a:defRPr>
+            </a:lvl9pPr>
+          </a:lstStyle>
+          <a:p>
+            <a:r>
+              <a:rPr lang="ko-KR" altLang="en-US" sz="4800" dirty="0">
+                <a:solidFill>
+                  <a:schemeClr val="bg1"/>
+                </a:solidFill>
+                <a:latin typeface="+mj-lt"/>
+                <a:ea typeface="맑은 고딕" charset="-127"/>
+                <a:cs typeface="맑은 고딕" charset="-127"/>
+              </a:rPr>
+              <a:t>제품 </a:t>
+            </a:r>
+            <a:r>
+              <a:rPr lang="en-US" altLang="ko-KR" sz="4800" dirty="0">
+                <a:solidFill>
+                  <a:schemeClr val="bg1"/>
+                </a:solidFill>
+                <a:latin typeface="+mj-lt"/>
+                <a:ea typeface="맑은 고딕" charset="-127"/>
+                <a:cs typeface="맑은 고딕" charset="-127"/>
+              </a:rPr>
+              <a:t>Review</a:t>
+            </a:r>
+            <a:endParaRPr lang="ko-KR" altLang="en-US" sz="4800" dirty="0">
+              <a:solidFill>
+                <a:schemeClr val="bg1"/>
+              </a:solidFill>
+              <a:latin typeface="+mj-lt"/>
+              <a:ea typeface="맑은 고딕" charset="-127"/>
+              <a:cs typeface="맑은 고딕" charset="-127"/>
+            </a:endParaRPr>
+          </a:p>
+        </p:txBody>
+      </p:sp>
+    </p:spTree>
+    <p:extLst>
+      <p:ext uri="{BB962C8B-B14F-4D97-AF65-F5344CB8AC3E}">
+        <p14:creationId xmlns:p14="http://schemas.microsoft.com/office/powerpoint/2010/main" val="3953577241"/>
+      </p:ext>
+    </p:extLst>
+  </p:cSld>
+  <p:clrMapOvr>
+    <a:masterClrMapping/>
+  </p:clrMapOvr>
+</p:sld>
+</file>
+
+<file path=ppt/slides/slide41.xml><?xml version="1.0" encoding="utf-8"?>
+<p:sld xmlns:a="http://schemas.openxmlformats.org/drawingml/2006/main" xmlns:r="http://schemas.openxmlformats.org/officeDocument/2006/relationships" xmlns:p="http://schemas.openxmlformats.org/presentationml/2006/main">
+  <p:cSld>
+    <p:spTree>
+      <p:nvGrpSpPr>
+        <p:cNvPr id="1" name=""/>
+        <p:cNvGrpSpPr/>
+        <p:nvPr/>
+      </p:nvGrpSpPr>
+      <p:grpSpPr>
+        <a:xfrm>
+          <a:off x="0" y="0"/>
+          <a:ext cx="0" cy="0"/>
+          <a:chOff x="0" y="0"/>
+          <a:chExt cx="0" cy="0"/>
+        </a:xfrm>
+      </p:grpSpPr>
+      <p:sp>
+        <p:nvSpPr>
+          <p:cNvPr id="2" name="제목 1">
+            <a:extLst>
+              <a:ext uri="{FF2B5EF4-FFF2-40B4-BE49-F238E27FC236}">
+                <a16:creationId xmlns:a16="http://schemas.microsoft.com/office/drawing/2014/main" id="{2135F92A-65F5-4C7A-8C04-BF5F199039F2}"/>
+              </a:ext>
+            </a:extLst>
+          </p:cNvPr>
+          <p:cNvSpPr>
+            <a:spLocks noGrp="1"/>
+          </p:cNvSpPr>
+          <p:nvPr>
+            <p:ph type="title"/>
+          </p:nvPr>
+        </p:nvSpPr>
+        <p:spPr/>
+        <p:txBody>
+          <a:bodyPr/>
+          <a:lstStyle/>
+          <a:p>
+            <a:endParaRPr lang="ko-KR" altLang="en-US"/>
+          </a:p>
+        </p:txBody>
+      </p:sp>
+      <p:sp>
+        <p:nvSpPr>
+          <p:cNvPr id="3" name="내용 개체 틀 2">
+            <a:extLst>
+              <a:ext uri="{FF2B5EF4-FFF2-40B4-BE49-F238E27FC236}">
+                <a16:creationId xmlns:a16="http://schemas.microsoft.com/office/drawing/2014/main" id="{FB21A4AE-E1C2-4042-9B9E-43F419C42235}"/>
+              </a:ext>
+            </a:extLst>
+          </p:cNvPr>
+          <p:cNvSpPr>
+            <a:spLocks noGrp="1"/>
+          </p:cNvSpPr>
+          <p:nvPr>
+            <p:ph idx="1"/>
+          </p:nvPr>
+        </p:nvSpPr>
+        <p:spPr/>
+        <p:txBody>
+          <a:bodyPr/>
+          <a:lstStyle/>
+          <a:p>
+            <a:r>
+              <a:rPr lang="ko-KR" altLang="en-US" dirty="0"/>
+              <a:t>목표한 제품이 맞는 검증한다</a:t>
+            </a:r>
+          </a:p>
+        </p:txBody>
+      </p:sp>
+    </p:spTree>
+    <p:extLst>
+      <p:ext uri="{BB962C8B-B14F-4D97-AF65-F5344CB8AC3E}">
+        <p14:creationId xmlns:p14="http://schemas.microsoft.com/office/powerpoint/2010/main" val="539587114"/>
+      </p:ext>
+    </p:extLst>
+  </p:cSld>
+  <p:clrMapOvr>
+    <a:masterClrMapping/>
+  </p:clrMapOvr>
 </p:sld>
 </file>
 

--- a/2021_Summer/jp.hong/Project_BnC_jph.pptx
+++ b/2021_Summer/jp.hong/Project_BnC_jph.pptx
@@ -2,7 +2,7 @@
 <file path=ppt/presentation.xml><?xml version="1.0" encoding="utf-8"?>
 <p:presentation xmlns:r="http://schemas.openxmlformats.org/officeDocument/2006/relationships" xmlns:c="http://schemas.openxmlformats.org/drawingml/2006/chart" xmlns:a="http://schemas.openxmlformats.org/drawingml/2006/main" xmlns:dgm="http://schemas.openxmlformats.org/drawingml/2006/diagram" xmlns:dsp="http://schemas.microsoft.com/office/drawing/2008/diagram" xmlns:p="http://schemas.openxmlformats.org/presentationml/2006/main">
   <p:sldMasterIdLst>
-    <p:sldMasterId id="2147483674" r:id="rId1"/>
+    <p:sldMasterId id="2147483690" r:id="rId1"/>
   </p:sldMasterIdLst>
   <p:sldIdLst>
     <p:sldId id="261" r:id="rId2"/>
@@ -22,8 +22,8 @@
     <p:sldId id="330" r:id="rId16"/>
     <p:sldId id="331" r:id="rId17"/>
     <p:sldId id="338" r:id="rId18"/>
-    <p:sldId id="339" r:id="rId19"/>
-    <p:sldId id="323" r:id="rId20"/>
+    <p:sldId id="323" r:id="rId19"/>
+    <p:sldId id="340" r:id="rId20"/>
     <p:sldId id="324" r:id="rId21"/>
     <p:sldId id="325" r:id="rId22"/>
     <p:sldId id="326" r:id="rId23"/>
@@ -35,17 +35,18 @@
     <p:sldId id="297" r:id="rId29"/>
     <p:sldId id="290" r:id="rId30"/>
     <p:sldId id="298" r:id="rId31"/>
-    <p:sldId id="335" r:id="rId32"/>
-    <p:sldId id="336" r:id="rId33"/>
-    <p:sldId id="337" r:id="rId34"/>
-    <p:sldId id="291" r:id="rId35"/>
-    <p:sldId id="299" r:id="rId36"/>
-    <p:sldId id="292" r:id="rId37"/>
-    <p:sldId id="300" r:id="rId38"/>
-    <p:sldId id="306" r:id="rId39"/>
-    <p:sldId id="307" r:id="rId40"/>
-    <p:sldId id="294" r:id="rId41"/>
-    <p:sldId id="302" r:id="rId42"/>
+    <p:sldId id="341" r:id="rId32"/>
+    <p:sldId id="335" r:id="rId33"/>
+    <p:sldId id="336" r:id="rId34"/>
+    <p:sldId id="337" r:id="rId35"/>
+    <p:sldId id="291" r:id="rId36"/>
+    <p:sldId id="299" r:id="rId37"/>
+    <p:sldId id="292" r:id="rId38"/>
+    <p:sldId id="300" r:id="rId39"/>
+    <p:sldId id="306" r:id="rId40"/>
+    <p:sldId id="307" r:id="rId41"/>
+    <p:sldId id="294" r:id="rId42"/>
+    <p:sldId id="302" r:id="rId43"/>
   </p:sldIdLst>
   <p:sldSz cx="12192000" cy="6858000"/>
   <p:notesSz cx="7104063" cy="10234613"/>
@@ -5569,7 +5570,7 @@
             </a:r>
             <a:r>
               <a:rPr lang="ko-KR" altLang="en-US"/>
-              <a:t> 요구사항 수집 및 정의</a:t>
+              <a:t> 기능정의</a:t>
             </a:r>
             <a:endParaRPr lang="ko-KR" altLang="en-US"/>
           </a:p>
@@ -5580,6 +5581,20 @@
             <a:r>
               <a:rPr lang="en-US" altLang="ko-KR"/>
               <a:t>2-3</a:t>
+            </a:r>
+            <a:r>
+              <a:rPr lang="ko-KR" altLang="en-US"/>
+              <a:t> 요구사항 수집 및 정의</a:t>
+            </a:r>
+            <a:endParaRPr lang="ko-KR" altLang="en-US"/>
+          </a:p>
+          <a:p>
+            <a:pPr>
+              <a:defRPr/>
+            </a:pPr>
+            <a:r>
+              <a:rPr lang="en-US" altLang="ko-KR"/>
+              <a:t>2-4</a:t>
             </a:r>
             <a:r>
               <a:rPr lang="ko-KR" altLang="en-US"/>
@@ -7453,157 +7468,6 @@
 </file>
 
 <file path=ppt/slides/slide18.xml><?xml version="1.0" encoding="utf-8"?>
-<p:sld xmlns:r="http://schemas.openxmlformats.org/officeDocument/2006/relationships" xmlns:c="http://schemas.openxmlformats.org/drawingml/2006/chart" xmlns:a="http://schemas.openxmlformats.org/drawingml/2006/main" xmlns:dgm="http://schemas.openxmlformats.org/drawingml/2006/diagram" xmlns:dsp="http://schemas.microsoft.com/office/drawing/2008/diagram" xmlns:p="http://schemas.openxmlformats.org/presentationml/2006/main">
-  <p:cSld>
-    <p:spTree>
-      <p:nvGrpSpPr>
-        <p:cNvPr id="1" name=""/>
-        <p:cNvGrpSpPr/>
-        <p:nvPr/>
-      </p:nvGrpSpPr>
-      <p:grpSpPr>
-        <a:xfrm>
-          <a:off x="0" y="0"/>
-          <a:ext cx="0" cy="0"/>
-          <a:chOff x="0" y="0"/>
-          <a:chExt cx="0" cy="0"/>
-        </a:xfrm>
-      </p:grpSpPr>
-      <p:sp>
-        <p:nvSpPr>
-          <p:cNvPr id="2" name="제목 1"/>
-          <p:cNvSpPr>
-            <a:spLocks noGrp="1"/>
-          </p:cNvSpPr>
-          <p:nvPr>
-            <p:ph type="title" idx="0"/>
-          </p:nvPr>
-        </p:nvSpPr>
-        <p:spPr/>
-        <p:txBody>
-          <a:bodyPr/>
-          <a:lstStyle/>
-          <a:p>
-            <a:pPr>
-              <a:defRPr/>
-            </a:pPr>
-            <a:r>
-              <a:rPr lang="ko-KR" altLang="en-US"/>
-              <a:t/>
-            </a:r>
-            <a:endParaRPr lang="ko-KR" altLang="en-US"/>
-          </a:p>
-        </p:txBody>
-      </p:sp>
-      <p:sp>
-        <p:nvSpPr>
-          <p:cNvPr id="3" name="내용 개체 틀 2"/>
-          <p:cNvSpPr>
-            <a:spLocks noGrp="1"/>
-          </p:cNvSpPr>
-          <p:nvPr>
-            <p:ph idx="1"/>
-          </p:nvPr>
-        </p:nvSpPr>
-        <p:spPr/>
-        <p:txBody>
-          <a:bodyPr/>
-          <a:lstStyle/>
-          <a:p>
-            <a:pPr lvl="0">
-              <a:defRPr/>
-            </a:pPr>
-            <a:r>
-              <a:rPr lang="ko-KR" altLang="en-US"/>
-              <a:t>차량과 어플 블루투스 연결 어떻게 할건지</a:t>
-            </a:r>
-            <a:r>
-              <a:rPr lang="en-US" altLang="ko-KR"/>
-              <a:t>?</a:t>
-            </a:r>
-            <a:endParaRPr lang="en-US" altLang="ko-KR"/>
-          </a:p>
-          <a:p>
-            <a:pPr lvl="0">
-              <a:defRPr/>
-            </a:pPr>
-            <a:r>
-              <a:rPr lang="ko-KR" altLang="en-US"/>
-              <a:t>연결 된다면 어떻게 원하는 정보만 받을지</a:t>
-            </a:r>
-            <a:r>
-              <a:rPr lang="en-US" altLang="ko-KR"/>
-              <a:t>?</a:t>
-            </a:r>
-            <a:endParaRPr lang="en-US" altLang="ko-KR"/>
-          </a:p>
-          <a:p>
-            <a:pPr lvl="0">
-              <a:defRPr/>
-            </a:pPr>
-            <a:r>
-              <a:rPr lang="ko-KR" altLang="en-US"/>
-              <a:t>차량과 어플 블루투스 연결로 받아야 하는 정보 </a:t>
-            </a:r>
-            <a:r>
-              <a:rPr lang="en-US" altLang="ko-KR"/>
-              <a:t>:</a:t>
-            </a:r>
-            <a:r>
-              <a:rPr lang="ko-KR" altLang="en-US"/>
-              <a:t> 주행거리</a:t>
-            </a:r>
-            <a:r>
-              <a:rPr lang="en-US" altLang="ko-KR"/>
-              <a:t>,</a:t>
-            </a:r>
-            <a:r>
-              <a:rPr lang="ko-KR" altLang="en-US"/>
-              <a:t> 주유량</a:t>
-            </a:r>
-            <a:r>
-              <a:rPr lang="en-US" altLang="ko-KR"/>
-              <a:t>,</a:t>
-            </a:r>
-            <a:r>
-              <a:rPr lang="ko-KR" altLang="en-US"/>
-              <a:t> 엔진오일</a:t>
-            </a:r>
-            <a:r>
-              <a:rPr lang="en-US" altLang="ko-KR"/>
-              <a:t>,</a:t>
-            </a:r>
-            <a:r>
-              <a:rPr lang="ko-KR" altLang="en-US"/>
-              <a:t> 냉각수</a:t>
-            </a:r>
-            <a:endParaRPr lang="ko-KR" altLang="en-US"/>
-          </a:p>
-          <a:p>
-            <a:pPr lvl="0">
-              <a:defRPr/>
-            </a:pPr>
-            <a:endParaRPr lang="ko-KR" altLang="en-US"/>
-          </a:p>
-        </p:txBody>
-      </p:sp>
-    </p:spTree>
-  </p:cSld>
-  <p:clrMapOvr>
-    <a:masterClrMapping/>
-  </p:clrMapOvr>
-  <mc:AlternateContent xmlns:mc="http://schemas.openxmlformats.org/markup-compatibility/2006">
-    <mc:Choice xmlns:p14="http://schemas.microsoft.com/office/powerpoint/2010/main" Requires="p14">
-      <p:transition xmlns:mc="http://schemas.openxmlformats.org/markup-compatibility/2006" xmlns:p14="http://schemas.microsoft.com/office/powerpoint/2010/main" mc:Ignorable="p14" p14:dur="500"/>
-    </mc:Choice>
-    <mc:Fallback>
-      <p:transition/>
-    </mc:Fallback>
-  </mc:AlternateContent>
-</p:sld>
-</file>
-
-<file path=ppt/slides/slide19.xml><?xml version="1.0" encoding="utf-8"?>
 <p:sld xmlns:r="http://schemas.openxmlformats.org/officeDocument/2006/relationships" xmlns:c="http://schemas.openxmlformats.org/drawingml/2006/chart" xmlns:a="http://schemas.openxmlformats.org/drawingml/2006/main" xmlns:dgm="http://schemas.openxmlformats.org/drawingml/2006/diagram" xmlns:dsp="http://schemas.microsoft.com/office/drawing/2008/diagram" xmlns:p="http://schemas.openxmlformats.org/presentationml/2006/main">
   <p:cSld>
     <p:spTree>
@@ -8642,6 +8506,167 @@
           </a:p>
         </p:txBody>
       </p:sp>
+    </p:spTree>
+  </p:cSld>
+  <p:clrMapOvr>
+    <a:masterClrMapping/>
+  </p:clrMapOvr>
+  <mc:AlternateContent xmlns:mc="http://schemas.openxmlformats.org/markup-compatibility/2006">
+    <mc:Choice xmlns:p14="http://schemas.microsoft.com/office/powerpoint/2010/main" Requires="p14">
+      <p:transition xmlns:mc="http://schemas.openxmlformats.org/markup-compatibility/2006" xmlns:p14="http://schemas.microsoft.com/office/powerpoint/2010/main" mc:Ignorable="p14" p14:dur="500"/>
+    </mc:Choice>
+    <mc:Fallback>
+      <p:transition/>
+    </mc:Fallback>
+  </mc:AlternateContent>
+</p:sld>
+</file>
+
+<file path=ppt/slides/slide19.xml><?xml version="1.0" encoding="utf-8"?>
+<p:sld xmlns:r="http://schemas.openxmlformats.org/officeDocument/2006/relationships" xmlns:c="http://schemas.openxmlformats.org/drawingml/2006/chart" xmlns:a="http://schemas.openxmlformats.org/drawingml/2006/main" xmlns:dgm="http://schemas.openxmlformats.org/drawingml/2006/diagram" xmlns:dsp="http://schemas.microsoft.com/office/drawing/2008/diagram" xmlns:p="http://schemas.openxmlformats.org/presentationml/2006/main">
+  <p:cSld>
+    <p:spTree>
+      <p:nvGrpSpPr>
+        <p:cNvPr id="1" name=""/>
+        <p:cNvGrpSpPr/>
+        <p:nvPr/>
+      </p:nvGrpSpPr>
+      <p:grpSpPr>
+        <a:xfrm>
+          <a:off x="0" y="0"/>
+          <a:ext cx="0" cy="0"/>
+          <a:chOff x="0" y="0"/>
+          <a:chExt cx="0" cy="0"/>
+        </a:xfrm>
+      </p:grpSpPr>
+      <p:sp>
+        <p:nvSpPr>
+          <p:cNvPr id="4" name="제목 1"/>
+          <p:cNvSpPr>
+            <a:spLocks noGrp="1"/>
+          </p:cNvSpPr>
+          <p:nvPr/>
+        </p:nvSpPr>
+        <p:spPr>
+          <a:xfrm>
+            <a:off x="0" y="0"/>
+            <a:ext cx="12192000" cy="963612"/>
+          </a:xfrm>
+          <a:prstGeom prst="rect">
+            <a:avLst/>
+          </a:prstGeom>
+          <a:solidFill>
+            <a:schemeClr val="accent1"/>
+          </a:solidFill>
+        </p:spPr>
+        <p:txBody>
+          <a:bodyPr vert="horz" wrap="square" lIns="91440" tIns="45720" rIns="91440" bIns="45720" anchor="ctr">
+            <a:normAutofit/>
+          </a:bodyPr>
+          <a:p>
+            <a:pPr marL="0" indent="0" algn="l" defTabSz="914400" rtl="0" eaLnBrk="1" latinLnBrk="1" hangingPunct="1">
+              <a:lnSpc>
+                <a:spcPct val="90000"/>
+              </a:lnSpc>
+              <a:spcBef>
+                <a:spcPts val="0"/>
+              </a:spcBef>
+              <a:spcAft>
+                <a:spcPts val="0"/>
+              </a:spcAft>
+              <a:buNone/>
+              <a:defRPr/>
+            </a:pPr>
+            <a:r>
+              <a:rPr xmlns:mc="http://schemas.openxmlformats.org/markup-compatibility/2006" xmlns:hp="http://schemas.haansoft.com/office/presentation/8.0" kumimoji="0" lang="en-US" altLang="ko-KR" sz="4400" b="0" i="0" u="none" strike="noStrike" kern="1200" cap="none" spc="0" normalizeH="0" baseline="0" mc:Ignorable="hp" hp:hslEmbossed="0">
+                <a:solidFill>
+                  <a:schemeClr val="lt1"/>
+                </a:solidFill>
+                <a:latin typeface="+mj-lt"/>
+                <a:ea typeface="+mj-ea"/>
+                <a:cs typeface="+mj-cs"/>
+              </a:rPr>
+              <a:t>2-1.</a:t>
+            </a:r>
+            <a:r>
+              <a:rPr xmlns:mc="http://schemas.openxmlformats.org/markup-compatibility/2006" xmlns:hp="http://schemas.haansoft.com/office/presentation/8.0" kumimoji="0" lang="ko-KR" altLang="en-US" sz="4400" b="0" i="0" u="none" strike="noStrike" kern="1200" cap="none" spc="0" normalizeH="0" baseline="0" mc:Ignorable="hp" hp:hslEmbossed="0">
+                <a:solidFill>
+                  <a:schemeClr val="lt1"/>
+                </a:solidFill>
+                <a:latin typeface="+mj-lt"/>
+                <a:ea typeface="+mj-ea"/>
+                <a:cs typeface="+mj-cs"/>
+              </a:rPr>
+              <a:t> 경쟁 어플 기능 비교 </a:t>
+            </a:r>
+            <a:r>
+              <a:rPr xmlns:mc="http://schemas.openxmlformats.org/markup-compatibility/2006" xmlns:hp="http://schemas.haansoft.com/office/presentation/8.0" kumimoji="0" lang="en-US" altLang="ko-KR" sz="4400" b="0" i="0" u="none" strike="noStrike" kern="1200" cap="none" spc="0" normalizeH="0" baseline="0" mc:Ignorable="hp" hp:hslEmbossed="0">
+                <a:solidFill>
+                  <a:schemeClr val="lt1"/>
+                </a:solidFill>
+                <a:latin typeface="+mj-lt"/>
+                <a:ea typeface="+mj-ea"/>
+                <a:cs typeface="+mj-cs"/>
+              </a:rPr>
+              <a:t>(</a:t>
+            </a:r>
+            <a:r>
+              <a:rPr xmlns:mc="http://schemas.openxmlformats.org/markup-compatibility/2006" xmlns:hp="http://schemas.haansoft.com/office/presentation/8.0" kumimoji="0" lang="ko-KR" altLang="en-US" sz="4400" b="0" i="0" u="none" strike="noStrike" kern="1200" cap="none" spc="0" normalizeH="0" baseline="0" mc:Ignorable="hp" hp:hslEmbossed="0">
+                <a:solidFill>
+                  <a:schemeClr val="lt1"/>
+                </a:solidFill>
+                <a:latin typeface="+mj-lt"/>
+                <a:ea typeface="+mj-ea"/>
+                <a:cs typeface="+mj-cs"/>
+              </a:rPr>
+              <a:t>마이클</a:t>
+            </a:r>
+            <a:r>
+              <a:rPr xmlns:mc="http://schemas.openxmlformats.org/markup-compatibility/2006" xmlns:hp="http://schemas.haansoft.com/office/presentation/8.0" kumimoji="0" lang="en-US" altLang="ko-KR" sz="4400" b="0" i="0" u="none" strike="noStrike" kern="1200" cap="none" spc="0" normalizeH="0" baseline="0" mc:Ignorable="hp" hp:hslEmbossed="0">
+                <a:solidFill>
+                  <a:schemeClr val="lt1"/>
+                </a:solidFill>
+                <a:latin typeface="+mj-lt"/>
+                <a:ea typeface="+mj-ea"/>
+                <a:cs typeface="+mj-cs"/>
+              </a:rPr>
+              <a:t>)</a:t>
+            </a:r>
+            <a:endParaRPr xmlns:mc="http://schemas.openxmlformats.org/markup-compatibility/2006" xmlns:hp="http://schemas.haansoft.com/office/presentation/8.0" kumimoji="0" lang="en-US" altLang="ko-KR" sz="4400" b="0" i="0" u="none" strike="noStrike" kern="1200" cap="none" spc="0" normalizeH="0" baseline="0" mc:Ignorable="hp" hp:hslEmbossed="0">
+              <a:solidFill>
+                <a:schemeClr val="lt1"/>
+              </a:solidFill>
+              <a:latin typeface="+mj-lt"/>
+              <a:ea typeface="+mj-ea"/>
+              <a:cs typeface="+mj-cs"/>
+            </a:endParaRPr>
+          </a:p>
+        </p:txBody>
+      </p:sp>
+      <p:pic>
+        <p:nvPicPr>
+          <p:cNvPr id="6" name=""/>
+          <p:cNvPicPr>
+            <a:picLocks noChangeAspect="1"/>
+          </p:cNvPicPr>
+          <p:nvPr/>
+        </p:nvPicPr>
+        <p:blipFill rotWithShape="1">
+          <a:blip r:embed="rId2"/>
+          <a:stretch>
+            <a:fillRect/>
+          </a:stretch>
+        </p:blipFill>
+        <p:spPr>
+          <a:xfrm>
+            <a:off x="3801578" y="979383"/>
+            <a:ext cx="4588842" cy="5878617"/>
+          </a:xfrm>
+          <a:prstGeom prst="rect">
+            <a:avLst/>
+          </a:prstGeom>
+        </p:spPr>
+      </p:pic>
     </p:spTree>
   </p:cSld>
   <p:clrMapOvr>
@@ -11087,7 +11112,7 @@
               <a:defRPr/>
             </a:pPr>
             <a:r>
-              <a:rPr lang="ko-KR" altLang="en-US">
+              <a:rPr lang="ko-KR" altLang="en-US" b="1">
                 <a:solidFill>
                   <a:schemeClr val="dk1"/>
                 </a:solidFill>
@@ -11095,14 +11120,14 @@
               <a:t>기능적 요구사항</a:t>
             </a:r>
             <a:r>
-              <a:rPr lang="en-US" altLang="ko-KR">
+              <a:rPr lang="en-US" altLang="ko-KR" b="1">
                 <a:solidFill>
                   <a:schemeClr val="dk1"/>
                 </a:solidFill>
               </a:rPr>
               <a:t>(Functional Requirement)</a:t>
             </a:r>
-            <a:endParaRPr lang="en-US" altLang="ko-KR">
+            <a:endParaRPr lang="en-US" altLang="ko-KR" b="1">
               <a:solidFill>
                 <a:schemeClr val="dk1"/>
               </a:solidFill>
@@ -12578,6 +12603,32 @@
             <a:pPr>
               <a:defRPr/>
             </a:pPr>
+            <a:r>
+              <a:rPr lang="ko-KR" altLang="en-US" sz="2000">
+                <a:solidFill>
+                  <a:schemeClr val="dk1"/>
+                </a:solidFill>
+              </a:rPr>
+              <a:t>  └ 수정 기능을 통해 작성했던 글을 수정 할 수 있어야 한다</a:t>
+            </a:r>
+            <a:r>
+              <a:rPr lang="en-US" altLang="ko-KR" sz="2000">
+                <a:solidFill>
+                  <a:schemeClr val="dk1"/>
+                </a:solidFill>
+              </a:rPr>
+              <a:t>.</a:t>
+            </a:r>
+            <a:endParaRPr lang="ko-KR" altLang="en-US" sz="2000">
+              <a:solidFill>
+                <a:schemeClr val="dk1"/>
+              </a:solidFill>
+            </a:endParaRPr>
+          </a:p>
+          <a:p>
+            <a:pPr>
+              <a:defRPr/>
+            </a:pPr>
             <a:endParaRPr lang="ko-KR" altLang="en-US" sz="2000">
               <a:solidFill>
                 <a:schemeClr val="dk1"/>
@@ -13067,7 +13118,7 @@
               <a:defRPr/>
             </a:pPr>
             <a:r>
-              <a:rPr lang="ko-KR" altLang="en-US" sz="2000">
+              <a:rPr lang="ko-KR" altLang="en-US" sz="2000" b="1">
                 <a:solidFill>
                   <a:schemeClr val="dk1"/>
                 </a:solidFill>
@@ -13075,7 +13126,7 @@
               <a:t>비기능적 요구사항</a:t>
             </a:r>
             <a:r>
-              <a:rPr lang="en-US" altLang="ko-KR" sz="2000">
+              <a:rPr lang="en-US" altLang="ko-KR" sz="2000" b="1">
                 <a:solidFill>
                   <a:schemeClr val="dk1"/>
                 </a:solidFill>
@@ -13364,6 +13415,16 @@
               </a:rPr>
               <a:t>.</a:t>
             </a:r>
+            <a:endParaRPr lang="en-US" altLang="ko-KR" sz="2000">
+              <a:solidFill>
+                <a:schemeClr val="dk1"/>
+              </a:solidFill>
+            </a:endParaRPr>
+          </a:p>
+          <a:p>
+            <a:pPr>
+              <a:defRPr/>
+            </a:pPr>
             <a:endParaRPr lang="ko-KR" altLang="en-US" sz="2000">
               <a:solidFill>
                 <a:schemeClr val="dk1"/>
@@ -13374,6 +13435,114 @@
             <a:pPr>
               <a:defRPr/>
             </a:pPr>
+            <a:r>
+              <a:rPr lang="ko-KR" altLang="en-US" sz="2000" b="1">
+                <a:solidFill>
+                  <a:schemeClr val="dk1"/>
+                </a:solidFill>
+              </a:rPr>
+              <a:t>수익적 요소</a:t>
+            </a:r>
+            <a:endParaRPr lang="ko-KR" altLang="en-US" sz="2000">
+              <a:solidFill>
+                <a:schemeClr val="dk1"/>
+              </a:solidFill>
+            </a:endParaRPr>
+          </a:p>
+          <a:p>
+            <a:pPr>
+              <a:defRPr/>
+            </a:pPr>
+            <a:r>
+              <a:rPr lang="ko-KR" altLang="en-US" sz="2000">
+                <a:solidFill>
+                  <a:schemeClr val="dk1"/>
+                </a:solidFill>
+              </a:rPr>
+              <a:t> </a:t>
+            </a:r>
+            <a:r>
+              <a:rPr lang="en-US" altLang="ko-KR" sz="2000">
+                <a:solidFill>
+                  <a:schemeClr val="dk1"/>
+                </a:solidFill>
+              </a:rPr>
+              <a:t>-</a:t>
+            </a:r>
+            <a:r>
+              <a:rPr lang="ko-KR" altLang="en-US" sz="2000">
+                <a:solidFill>
+                  <a:schemeClr val="dk1"/>
+                </a:solidFill>
+              </a:rPr>
+              <a:t> 어플의 예약기능을 통해 예약한 경우 업체로부터 일정 수수료</a:t>
+            </a:r>
+            <a:endParaRPr lang="ko-KR" altLang="en-US" sz="2000">
+              <a:solidFill>
+                <a:schemeClr val="dk1"/>
+              </a:solidFill>
+            </a:endParaRPr>
+          </a:p>
+          <a:p>
+            <a:pPr>
+              <a:defRPr/>
+            </a:pPr>
+            <a:r>
+              <a:rPr lang="ko-KR" altLang="en-US" sz="2000">
+                <a:solidFill>
+                  <a:schemeClr val="dk1"/>
+                </a:solidFill>
+              </a:rPr>
+              <a:t> </a:t>
+            </a:r>
+            <a:r>
+              <a:rPr lang="en-US" altLang="ko-KR" sz="2000">
+                <a:solidFill>
+                  <a:schemeClr val="dk1"/>
+                </a:solidFill>
+              </a:rPr>
+              <a:t>-</a:t>
+            </a:r>
+            <a:r>
+              <a:rPr lang="ko-KR" altLang="en-US" sz="2000">
+                <a:solidFill>
+                  <a:schemeClr val="dk1"/>
+                </a:solidFill>
+              </a:rPr>
+              <a:t> 어플 내 광고 </a:t>
+            </a:r>
+            <a:r>
+              <a:rPr lang="en-US" altLang="ko-KR" sz="2000">
+                <a:solidFill>
+                  <a:schemeClr val="dk1"/>
+                </a:solidFill>
+              </a:rPr>
+              <a:t>ex)</a:t>
+            </a:r>
+            <a:r>
+              <a:rPr lang="ko-KR" altLang="en-US" sz="2000">
+                <a:solidFill>
+                  <a:schemeClr val="dk1"/>
+                </a:solidFill>
+              </a:rPr>
+              <a:t> </a:t>
+            </a:r>
+            <a:r>
+              <a:rPr lang="en-US" altLang="ko-KR" sz="2000">
+                <a:solidFill>
+                  <a:schemeClr val="dk1"/>
+                </a:solidFill>
+              </a:rPr>
+              <a:t>~~</a:t>
+            </a:r>
+            <a:r>
+              <a:rPr lang="ko-KR" altLang="en-US" sz="2000">
+                <a:solidFill>
+                  <a:schemeClr val="dk1"/>
+                </a:solidFill>
+              </a:rPr>
+              <a:t>제품 할인등에 관한 광고</a:t>
+            </a:r>
             <a:endParaRPr lang="ko-KR" altLang="en-US" sz="2000">
               <a:solidFill>
                 <a:schemeClr val="dk1"/>
@@ -13517,7 +13686,7 @@
             </a:pPr>
             <a:r>
               <a:rPr kumimoji="1" lang="en-US" altLang="ko-KR" sz="4800"/>
-              <a:t>2-3.</a:t>
+              <a:t>2-4.</a:t>
             </a:r>
             <a:r>
               <a:rPr kumimoji="1" lang="ko-KR" altLang="en-US" sz="4800"/>
@@ -13570,7 +13739,7 @@
               <a:defRPr/>
             </a:pPr>
             <a:r>
-              <a:rPr lang="ko-KR" altLang="en-US" sz="2000">
+              <a:rPr lang="ko-KR" altLang="en-US" sz="2000" b="1">
                 <a:solidFill>
                   <a:schemeClr val="dk1"/>
                 </a:solidFill>
@@ -13578,7 +13747,7 @@
               <a:t>개발에 필요한 요구사항 분석 </a:t>
             </a:r>
             <a:r>
-              <a:rPr lang="en-US" altLang="ko-KR" sz="2000">
+              <a:rPr lang="en-US" altLang="ko-KR" sz="2000" b="1">
                 <a:solidFill>
                   <a:schemeClr val="dk1"/>
                 </a:solidFill>
@@ -13586,7 +13755,7 @@
               <a:t>(</a:t>
             </a:r>
             <a:r>
-              <a:rPr lang="ko-KR" altLang="en-US" sz="2000">
+              <a:rPr lang="ko-KR" altLang="en-US" sz="2000" b="1">
                 <a:solidFill>
                   <a:schemeClr val="dk1"/>
                 </a:solidFill>
@@ -13594,14 +13763,14 @@
               <a:t>실현성 확인</a:t>
             </a:r>
             <a:r>
-              <a:rPr lang="en-US" altLang="ko-KR" sz="2000">
+              <a:rPr lang="en-US" altLang="ko-KR" sz="2000" b="1">
                 <a:solidFill>
                   <a:schemeClr val="dk1"/>
                 </a:solidFill>
               </a:rPr>
               <a:t>)</a:t>
             </a:r>
-            <a:endParaRPr lang="en-US" altLang="ko-KR" sz="2000">
+            <a:endParaRPr lang="en-US" altLang="ko-KR" sz="2000" b="1">
               <a:solidFill>
                 <a:schemeClr val="dk1"/>
               </a:solidFill>
@@ -14236,7 +14405,7 @@
             </a:pPr>
             <a:r>
               <a:rPr kumimoji="1" lang="en-US" altLang="ko-KR" sz="4800"/>
-              <a:t>2-3.</a:t>
+              <a:t>2-4.</a:t>
             </a:r>
             <a:r>
               <a:rPr kumimoji="1" lang="ko-KR" altLang="en-US" sz="4800"/>
@@ -14254,8 +14423,8 @@
         </p:nvSpPr>
         <p:spPr>
           <a:xfrm>
-            <a:off x="0" y="1773630"/>
-            <a:ext cx="12192000" cy="5074844"/>
+            <a:off x="0" y="1335480"/>
+            <a:ext cx="12192000" cy="5512994"/>
           </a:xfrm>
           <a:prstGeom prst="rect">
             <a:avLst/>
@@ -14289,7 +14458,7 @@
               <a:defRPr/>
             </a:pPr>
             <a:r>
-              <a:rPr lang="ko-KR" altLang="en-US" sz="2000">
+              <a:rPr lang="ko-KR" altLang="en-US" sz="2000" b="1">
                 <a:solidFill>
                   <a:schemeClr val="dk1"/>
                 </a:solidFill>
@@ -14297,7 +14466,7 @@
               <a:t>개발에 필요한 요구사항 분석 </a:t>
             </a:r>
             <a:r>
-              <a:rPr lang="en-US" altLang="ko-KR" sz="2000">
+              <a:rPr lang="en-US" altLang="ko-KR" sz="2000" b="1">
                 <a:solidFill>
                   <a:schemeClr val="dk1"/>
                 </a:solidFill>
@@ -14305,7 +14474,7 @@
               <a:t>(</a:t>
             </a:r>
             <a:r>
-              <a:rPr lang="ko-KR" altLang="en-US" sz="2000">
+              <a:rPr lang="ko-KR" altLang="en-US" sz="2000" b="1">
                 <a:solidFill>
                   <a:schemeClr val="dk1"/>
                 </a:solidFill>
@@ -14313,13 +14482,23 @@
               <a:t>실현성 확인</a:t>
             </a:r>
             <a:r>
-              <a:rPr lang="en-US" altLang="ko-KR" sz="2000">
+              <a:rPr lang="en-US" altLang="ko-KR" sz="2000" b="1">
                 <a:solidFill>
                   <a:schemeClr val="dk1"/>
                 </a:solidFill>
               </a:rPr>
               <a:t>)</a:t>
             </a:r>
+            <a:endParaRPr lang="en-US" altLang="ko-KR" sz="2000" b="1">
+              <a:solidFill>
+                <a:schemeClr val="dk1"/>
+              </a:solidFill>
+            </a:endParaRPr>
+          </a:p>
+          <a:p>
+            <a:pPr>
+              <a:defRPr/>
+            </a:pPr>
             <a:endParaRPr lang="en-US" altLang="ko-KR" sz="2000">
               <a:solidFill>
                 <a:schemeClr val="dk1"/>
@@ -14330,7 +14509,15 @@
             <a:pPr>
               <a:defRPr/>
             </a:pPr>
-            <a:endParaRPr lang="en-US" altLang="ko-KR" sz="2000">
+            <a:r>
+              <a:rPr lang="ko-KR" altLang="en-US" sz="2000" strike="sngStrike">
+                <a:solidFill>
+                  <a:schemeClr val="dk1"/>
+                </a:solidFill>
+              </a:rPr>
+              <a:t>차량 관련 새소식</a:t>
+            </a:r>
+            <a:endParaRPr lang="ko-KR" altLang="en-US" sz="2000" strike="sngStrike">
               <a:solidFill>
                 <a:schemeClr val="dk1"/>
               </a:solidFill>
@@ -14341,12 +14528,28 @@
               <a:defRPr/>
             </a:pPr>
             <a:r>
-              <a:rPr lang="ko-KR" altLang="en-US" sz="2000" strike="sngStrike">
-                <a:solidFill>
-                  <a:schemeClr val="dk1"/>
-                </a:solidFill>
-              </a:rPr>
-              <a:t>차량 관련 새소식</a:t>
+              <a:rPr lang="ko-KR" altLang="en-US" sz="2000">
+                <a:solidFill>
+                  <a:schemeClr val="dk1"/>
+                </a:solidFill>
+              </a:rPr>
+              <a:t> </a:t>
+            </a:r>
+            <a:r>
+              <a:rPr lang="en-US" altLang="ko-KR" sz="2000">
+                <a:solidFill>
+                  <a:schemeClr val="dk1"/>
+                </a:solidFill>
+              </a:rPr>
+              <a:t>-</a:t>
+            </a:r>
+            <a:r>
+              <a:rPr lang="ko-KR" altLang="en-US" sz="2000">
+                <a:solidFill>
+                  <a:schemeClr val="dk1"/>
+                </a:solidFill>
+              </a:rPr>
+              <a:t> 어플의 취지와 맞지 않는 의견이라 생각됨</a:t>
             </a:r>
             <a:endParaRPr lang="ko-KR" altLang="en-US" sz="2000">
               <a:solidFill>
@@ -14380,7 +14583,7 @@
                   <a:schemeClr val="dk1"/>
                 </a:solidFill>
               </a:rPr>
-              <a:t> 어플의 취지와 맞지 않는 의견이라 생각됨</a:t>
+              <a:t> 삭제 예정</a:t>
             </a:r>
             <a:endParaRPr lang="ko-KR" altLang="en-US" sz="2000">
               <a:solidFill>
@@ -14392,6 +14595,34 @@
             <a:pPr>
               <a:defRPr/>
             </a:pPr>
+            <a:endParaRPr lang="ko-KR" altLang="en-US" sz="2000">
+              <a:solidFill>
+                <a:schemeClr val="dk1"/>
+              </a:solidFill>
+            </a:endParaRPr>
+          </a:p>
+          <a:p>
+            <a:pPr>
+              <a:defRPr/>
+            </a:pPr>
+            <a:r>
+              <a:rPr lang="ko-KR" altLang="en-US" sz="2000" strike="sngStrike">
+                <a:solidFill>
+                  <a:schemeClr val="dk1"/>
+                </a:solidFill>
+              </a:rPr>
+              <a:t>채팅창</a:t>
+            </a:r>
+            <a:endParaRPr lang="ko-KR" altLang="en-US" sz="2000">
+              <a:solidFill>
+                <a:schemeClr val="dk1"/>
+              </a:solidFill>
+            </a:endParaRPr>
+          </a:p>
+          <a:p>
+            <a:pPr>
+              <a:defRPr/>
+            </a:pPr>
             <a:r>
               <a:rPr lang="ko-KR" altLang="en-US" sz="2000">
                 <a:solidFill>
@@ -14414,7 +14645,91 @@
                   <a:schemeClr val="dk1"/>
                 </a:solidFill>
               </a:rPr>
-              <a:t> 삭제 예정</a:t>
+              <a:t> 게시판과 기능 겹치는 부분이 많다고 생각됨</a:t>
+            </a:r>
+            <a:endParaRPr lang="ko-KR" altLang="en-US" sz="2000">
+              <a:solidFill>
+                <a:schemeClr val="dk1"/>
+              </a:solidFill>
+            </a:endParaRPr>
+          </a:p>
+          <a:p>
+            <a:pPr>
+              <a:defRPr/>
+            </a:pPr>
+            <a:r>
+              <a:rPr lang="ko-KR" altLang="en-US" sz="2000">
+                <a:solidFill>
+                  <a:schemeClr val="dk1"/>
+                </a:solidFill>
+              </a:rPr>
+              <a:t> </a:t>
+            </a:r>
+            <a:r>
+              <a:rPr lang="en-US" altLang="ko-KR" sz="2000">
+                <a:solidFill>
+                  <a:schemeClr val="dk1"/>
+                </a:solidFill>
+              </a:rPr>
+              <a:t>-</a:t>
+            </a:r>
+            <a:r>
+              <a:rPr lang="ko-KR" altLang="en-US" sz="2000">
+                <a:solidFill>
+                  <a:schemeClr val="dk1"/>
+                </a:solidFill>
+              </a:rPr>
+              <a:t> 게시판의 댓글을 통해 충분히 소통 가능</a:t>
+            </a:r>
+            <a:endParaRPr lang="ko-KR" altLang="en-US" sz="2000">
+              <a:solidFill>
+                <a:schemeClr val="dk1"/>
+              </a:solidFill>
+            </a:endParaRPr>
+          </a:p>
+          <a:p>
+            <a:pPr>
+              <a:defRPr/>
+            </a:pPr>
+            <a:r>
+              <a:rPr lang="ko-KR" altLang="en-US" sz="2000">
+                <a:solidFill>
+                  <a:schemeClr val="dk1"/>
+                </a:solidFill>
+              </a:rPr>
+              <a:t> </a:t>
+            </a:r>
+            <a:r>
+              <a:rPr lang="en-US" altLang="ko-KR" sz="2000">
+                <a:solidFill>
+                  <a:schemeClr val="dk1"/>
+                </a:solidFill>
+              </a:rPr>
+              <a:t>-</a:t>
+            </a:r>
+            <a:r>
+              <a:rPr lang="ko-KR" altLang="en-US" sz="2000">
+                <a:solidFill>
+                  <a:schemeClr val="dk1"/>
+                </a:solidFill>
+              </a:rPr>
+              <a:t> 채팅창이 아닌 쪽지 기능 </a:t>
+            </a:r>
+            <a:r>
+              <a:rPr lang="en-US" altLang="ko-KR" sz="2000">
+                <a:solidFill>
+                  <a:schemeClr val="dk1"/>
+                </a:solidFill>
+              </a:rPr>
+              <a:t>-</a:t>
+            </a:r>
+            <a:r>
+              <a:rPr lang="ko-KR" altLang="en-US" sz="2000">
+                <a:solidFill>
+                  <a:schemeClr val="dk1"/>
+                </a:solidFill>
+              </a:rPr>
+              <a:t> 고려해 볼 점</a:t>
             </a:r>
             <a:endParaRPr lang="ko-KR" altLang="en-US" sz="2000">
               <a:solidFill>
@@ -14617,7 +14932,7 @@
 </file>
 
 <file path=ppt/slides/slide27.xml><?xml version="1.0" encoding="utf-8"?>
-<p:sld xmlns:a="http://schemas.openxmlformats.org/drawingml/2006/main" xmlns:r="http://schemas.openxmlformats.org/officeDocument/2006/relationships" xmlns:p="http://schemas.openxmlformats.org/presentationml/2006/main">
+<p:sld xmlns:r="http://schemas.openxmlformats.org/officeDocument/2006/relationships" xmlns:c="http://schemas.openxmlformats.org/drawingml/2006/chart" xmlns:a="http://schemas.openxmlformats.org/drawingml/2006/main" xmlns:dgm="http://schemas.openxmlformats.org/drawingml/2006/diagram" xmlns:dsp="http://schemas.microsoft.com/office/drawing/2008/diagram" xmlns:p="http://schemas.openxmlformats.org/presentationml/2006/main">
   <p:cSld>
     <p:spTree>
       <p:nvGrpSpPr>
@@ -14673,20 +14988,20 @@
           </a:fontRef>
         </p:style>
         <p:txBody>
-          <a:bodyPr rtlCol="0" anchor="ctr"/>
+          <a:bodyPr anchor="ctr"/>
           <a:lstStyle/>
           <a:p>
-            <a:pPr algn="ctr"/>
-            <a:endParaRPr kumimoji="1" lang="ko-KR" altLang="en-US" dirty="0"/>
+            <a:pPr algn="ctr">
+              <a:defRPr/>
+            </a:pPr>
+            <a:endParaRPr kumimoji="1" lang="ko-KR" altLang="en-US"/>
           </a:p>
         </p:txBody>
       </p:sp>
       <p:sp>
         <p:nvSpPr>
           <p:cNvPr id="12" name="부제목 2"/>
-          <p:cNvSpPr txBox="1">
-            <a:spLocks/>
-          </p:cNvSpPr>
+          <p:cNvSpPr txBox="1"/>
           <p:nvPr/>
         </p:nvSpPr>
         <p:spPr>
@@ -14699,7 +15014,7 @@
           </a:prstGeom>
         </p:spPr>
         <p:txBody>
-          <a:bodyPr vert="horz" lIns="91440" tIns="45720" rIns="91440" bIns="45720" rtlCol="0" anchor="ctr">
+          <a:bodyPr vert="horz" lIns="91440" tIns="45720" rIns="91440" bIns="45720" anchor="ctr">
             <a:noAutofit/>
           </a:bodyPr>
           <a:lstStyle>
@@ -14867,30 +15182,44 @@
             </a:lvl9pPr>
           </a:lstStyle>
           <a:p>
-            <a:r>
-              <a:rPr lang="ko-KR" altLang="en-US" sz="4800" dirty="0">
+            <a:pPr lvl="0">
+              <a:defRPr/>
+            </a:pPr>
+            <a:r>
+              <a:rPr lang="ko-KR" altLang="en-US" sz="4800">
                 <a:solidFill>
                   <a:schemeClr val="bg1"/>
                 </a:solidFill>
                 <a:latin typeface="+mj-lt"/>
-                <a:ea typeface="맑은 고딕" charset="-127"/>
-                <a:cs typeface="맑은 고딕" charset="-127"/>
+                <a:ea typeface="맑은 고딕"/>
+                <a:cs typeface="맑은 고딕"/>
               </a:rPr>
               <a:t>계획 및 일정 수립</a:t>
             </a:r>
+            <a:endParaRPr lang="ko-KR" altLang="en-US" sz="4800">
+              <a:solidFill>
+                <a:schemeClr val="bg1"/>
+              </a:solidFill>
+              <a:latin typeface="+mj-lt"/>
+              <a:ea typeface="맑은 고딕"/>
+              <a:cs typeface="맑은 고딕"/>
+            </a:endParaRPr>
           </a:p>
         </p:txBody>
       </p:sp>
     </p:spTree>
-    <p:extLst>
-      <p:ext uri="{BB962C8B-B14F-4D97-AF65-F5344CB8AC3E}">
-        <p14:creationId xmlns:p14="http://schemas.microsoft.com/office/powerpoint/2010/main" val="641642769"/>
-      </p:ext>
-    </p:extLst>
   </p:cSld>
   <p:clrMapOvr>
     <a:masterClrMapping/>
   </p:clrMapOvr>
+  <mc:AlternateContent xmlns:mc="http://schemas.openxmlformats.org/markup-compatibility/2006">
+    <mc:Choice xmlns:p14="http://schemas.microsoft.com/office/powerpoint/2010/main" Requires="p14">
+      <p:transition xmlns:mc="http://schemas.openxmlformats.org/markup-compatibility/2006" xmlns:p14="http://schemas.microsoft.com/office/powerpoint/2010/main" mc:Ignorable="p14" p14:dur="500"/>
+    </mc:Choice>
+    <mc:Fallback>
+      <p:transition/>
+    </mc:Fallback>
+  </mc:AlternateContent>
 </p:sld>
 </file>
 
@@ -15322,7 +15651,21 @@
             </a:pPr>
             <a:r>
               <a:rPr lang="en-US" altLang="ko-KR"/>
-              <a:t>4-1. Menu_Tree</a:t>
+              <a:t>4-1.</a:t>
+            </a:r>
+            <a:r>
+              <a:rPr lang="ko-KR" altLang="en-US"/>
+              <a:t> 기능 정의</a:t>
+            </a:r>
+            <a:endParaRPr lang="ko-KR" altLang="en-US"/>
+          </a:p>
+          <a:p>
+            <a:pPr lvl="0">
+              <a:defRPr/>
+            </a:pPr>
+            <a:r>
+              <a:rPr lang="en-US" altLang="ko-KR"/>
+              <a:t>4-2. Menu_Tree</a:t>
             </a:r>
             <a:endParaRPr lang="en-US" altLang="ko-KR"/>
           </a:p>
@@ -15332,7 +15675,7 @@
             </a:pPr>
             <a:r>
               <a:rPr lang="en-US" altLang="ko-KR"/>
-              <a:t>4-2. Flow_Chart</a:t>
+              <a:t>4-3. Flow_Chart</a:t>
             </a:r>
             <a:endParaRPr lang="en-US" altLang="ko-KR"/>
           </a:p>
@@ -15342,25 +15685,7 @@
             </a:pPr>
             <a:r>
               <a:rPr lang="en-US" altLang="ko-KR"/>
-              <a:t>4-3. Sequence</a:t>
-            </a:r>
-            <a:endParaRPr lang="en-US" altLang="ko-KR"/>
-          </a:p>
-          <a:p>
-            <a:pPr lvl="0">
-              <a:defRPr/>
-            </a:pPr>
-            <a:r>
-              <a:rPr lang="en-US" altLang="ko-KR"/>
-              <a:t>4-4.</a:t>
-            </a:r>
-            <a:r>
-              <a:rPr lang="ko-KR" altLang="en-US"/>
-              <a:t> </a:t>
-            </a:r>
-            <a:r>
-              <a:rPr lang="en-US" altLang="ko-KR"/>
-              <a:t>Inner Sequence</a:t>
+              <a:t>4-4. Sequence</a:t>
             </a:r>
             <a:endParaRPr lang="en-US" altLang="ko-KR"/>
           </a:p>
@@ -15661,7 +15986,7 @@
 </file>
 
 <file path=ppt/slides/slide30.xml><?xml version="1.0" encoding="utf-8"?>
-<p:sld xmlns:a="http://schemas.openxmlformats.org/drawingml/2006/main" xmlns:r="http://schemas.openxmlformats.org/officeDocument/2006/relationships" xmlns:p="http://schemas.openxmlformats.org/presentationml/2006/main">
+<p:sld xmlns:r="http://schemas.openxmlformats.org/officeDocument/2006/relationships" xmlns:c="http://schemas.openxmlformats.org/drawingml/2006/chart" xmlns:a="http://schemas.openxmlformats.org/drawingml/2006/main" xmlns:dgm="http://schemas.openxmlformats.org/drawingml/2006/diagram" xmlns:dsp="http://schemas.microsoft.com/office/drawing/2008/diagram" xmlns:p="http://schemas.openxmlformats.org/presentationml/2006/main">
   <p:cSld>
     <p:spTree>
       <p:nvGrpSpPr>
@@ -15679,38 +16004,7 @@
       </p:grpSpPr>
       <p:sp>
         <p:nvSpPr>
-          <p:cNvPr id="2" name="제목 1">
-            <a:extLst>
-              <a:ext uri="{FF2B5EF4-FFF2-40B4-BE49-F238E27FC236}">
-                <a16:creationId xmlns:a16="http://schemas.microsoft.com/office/drawing/2014/main" id="{9A1A2E3C-2FD9-439C-87BD-8AE3B27F8C97}"/>
-              </a:ext>
-            </a:extLst>
-          </p:cNvPr>
-          <p:cNvSpPr>
-            <a:spLocks noGrp="1"/>
-          </p:cNvSpPr>
-          <p:nvPr>
-            <p:ph type="title"/>
-          </p:nvPr>
-        </p:nvSpPr>
-        <p:spPr/>
-        <p:txBody>
-          <a:bodyPr/>
-          <a:lstStyle/>
-          <a:p>
-            <a:endParaRPr lang="ko-KR" altLang="en-US"/>
-          </a:p>
-        </p:txBody>
-      </p:sp>
-      <p:sp>
-        <p:nvSpPr>
-          <p:cNvPr id="3" name="내용 개체 틀 2">
-            <a:extLst>
-              <a:ext uri="{FF2B5EF4-FFF2-40B4-BE49-F238E27FC236}">
-                <a16:creationId xmlns:a16="http://schemas.microsoft.com/office/drawing/2014/main" id="{58DC695E-BF5C-4F1A-860C-8BD272E977AA}"/>
-              </a:ext>
-            </a:extLst>
-          </p:cNvPr>
+          <p:cNvPr id="3" name="내용 개체 틀 2"/>
           <p:cNvSpPr>
             <a:spLocks noGrp="1"/>
           </p:cNvSpPr>
@@ -15723,43 +16017,148 @@
           <a:bodyPr/>
           <a:lstStyle/>
           <a:p>
-            <a:r>
-              <a:rPr lang="ko-KR" altLang="en-US" dirty="0"/>
+            <a:pPr lvl="0">
+              <a:defRPr/>
+            </a:pPr>
+            <a:r>
+              <a:rPr lang="ko-KR" altLang="en-US"/>
               <a:t>기능정의를 한다</a:t>
             </a:r>
-            <a:endParaRPr lang="en-US" altLang="ko-KR" dirty="0"/>
-          </a:p>
-          <a:p>
-            <a:r>
-              <a:rPr lang="ko-KR" altLang="en-US" dirty="0"/>
+            <a:endParaRPr lang="ko-KR" altLang="en-US"/>
+          </a:p>
+          <a:p>
+            <a:pPr lvl="0">
+              <a:defRPr/>
+            </a:pPr>
+            <a:r>
+              <a:rPr lang="ko-KR" altLang="en-US"/>
               <a:t>정의 한 기능에 대해 </a:t>
             </a:r>
             <a:r>
-              <a:rPr lang="en-US" altLang="ko-KR" dirty="0"/>
+              <a:rPr lang="en-US" altLang="ko-KR"/>
               <a:t>Flow</a:t>
             </a:r>
             <a:r>
-              <a:rPr lang="ko-KR" altLang="en-US" dirty="0"/>
+              <a:rPr lang="ko-KR" altLang="en-US"/>
               <a:t>를 작성한다</a:t>
             </a:r>
             <a:r>
-              <a:rPr lang="en-US" altLang="ko-KR" dirty="0"/>
+              <a:rPr lang="en-US" altLang="ko-KR"/>
               <a:t>.</a:t>
             </a:r>
-            <a:endParaRPr lang="ko-KR" altLang="en-US" dirty="0"/>
+            <a:endParaRPr lang="ko-KR" altLang="en-US"/>
+          </a:p>
+        </p:txBody>
+      </p:sp>
+      <p:sp>
+        <p:nvSpPr>
+          <p:cNvPr id="4" name="직사각형 9"/>
+          <p:cNvSpPr/>
+          <p:nvPr/>
+        </p:nvSpPr>
+        <p:spPr>
+          <a:xfrm>
+            <a:off x="-1" y="0"/>
+            <a:ext cx="12192001" cy="1338109"/>
+          </a:xfrm>
+          <a:prstGeom prst="rect">
+            <a:avLst/>
+          </a:prstGeom>
+          <a:solidFill>
+            <a:schemeClr val="accent1">
+              <a:lumMod val="75000"/>
+            </a:schemeClr>
+          </a:solidFill>
+          <a:ln>
+            <a:noFill/>
+          </a:ln>
+        </p:spPr>
+        <p:style>
+          <a:lnRef idx="2">
+            <a:schemeClr val="accent1">
+              <a:shade val="50000"/>
+            </a:schemeClr>
+          </a:lnRef>
+          <a:fillRef idx="1">
+            <a:schemeClr val="accent1"/>
+          </a:fillRef>
+          <a:effectRef idx="0">
+            <a:schemeClr val="accent1"/>
+          </a:effectRef>
+          <a:fontRef idx="minor">
+            <a:schemeClr val="lt1"/>
+          </a:fontRef>
+        </p:style>
+        <p:txBody>
+          <a:bodyPr anchor="ctr"/>
+          <a:lstStyle/>
+          <a:p>
+            <a:pPr algn="ctr">
+              <a:defRPr/>
+            </a:pPr>
+            <a:endParaRPr kumimoji="1" lang="ko-KR" altLang="en-US"/>
+          </a:p>
+        </p:txBody>
+      </p:sp>
+      <p:sp>
+        <p:nvSpPr>
+          <p:cNvPr id="5" name="부제목 2"/>
+          <p:cNvSpPr txBox="1"/>
+          <p:nvPr/>
+        </p:nvSpPr>
+        <p:spPr>
+          <a:xfrm>
+            <a:off x="0" y="0"/>
+            <a:ext cx="12192000" cy="1382964"/>
+          </a:xfrm>
+          <a:prstGeom prst="rect">
+            <a:avLst/>
+          </a:prstGeom>
+        </p:spPr>
+        <p:txBody>
+          <a:bodyPr vert="horz" lIns="91440" tIns="45720" rIns="91440" bIns="45720" anchor="ctr">
+            <a:noAutofit/>
+          </a:bodyPr>
+          <a:lstStyle/>
+          <a:p>
+            <a:pPr lvl="0" algn="ctr">
+              <a:defRPr/>
+            </a:pPr>
+            <a:r>
+              <a:rPr lang="ko-KR" altLang="en-US" sz="4800">
+                <a:solidFill>
+                  <a:schemeClr val="bg1"/>
+                </a:solidFill>
+                <a:latin typeface="+mj-lt"/>
+                <a:ea typeface="맑은 고딕"/>
+                <a:cs typeface="맑은 고딕"/>
+              </a:rPr>
+              <a:t>기능 모듈 설계</a:t>
+            </a:r>
+            <a:endParaRPr lang="ko-KR" altLang="en-US" sz="4800">
+              <a:solidFill>
+                <a:schemeClr val="bg1"/>
+              </a:solidFill>
+              <a:latin typeface="+mj-lt"/>
+              <a:ea typeface="맑은 고딕"/>
+              <a:cs typeface="맑은 고딕"/>
+            </a:endParaRPr>
           </a:p>
         </p:txBody>
       </p:sp>
     </p:spTree>
-    <p:extLst>
-      <p:ext uri="{BB962C8B-B14F-4D97-AF65-F5344CB8AC3E}">
-        <p14:creationId xmlns:p14="http://schemas.microsoft.com/office/powerpoint/2010/main" val="3772914977"/>
-      </p:ext>
-    </p:extLst>
   </p:cSld>
   <p:clrMapOvr>
     <a:masterClrMapping/>
   </p:clrMapOvr>
+  <mc:AlternateContent xmlns:mc="http://schemas.openxmlformats.org/markup-compatibility/2006">
+    <mc:Choice xmlns:p14="http://schemas.microsoft.com/office/powerpoint/2010/main" Requires="p14">
+      <p:transition xmlns:mc="http://schemas.openxmlformats.org/markup-compatibility/2006" xmlns:p14="http://schemas.microsoft.com/office/powerpoint/2010/main" mc:Ignorable="p14" p14:dur="500"/>
+    </mc:Choice>
+    <mc:Fallback>
+      <p:transition/>
+    </mc:Fallback>
+  </mc:AlternateContent>
 </p:sld>
 </file>
 
@@ -15782,7 +16181,654 @@
       </p:grpSpPr>
       <p:sp>
         <p:nvSpPr>
-          <p:cNvPr id="4" name="직사각형 9"/>
+          <p:cNvPr id="5" name=""/>
+          <p:cNvSpPr/>
+          <p:nvPr/>
+        </p:nvSpPr>
+        <p:spPr>
+          <a:xfrm>
+            <a:off x="0" y="1351682"/>
+            <a:ext cx="12192000" cy="5286510"/>
+          </a:xfrm>
+          <a:prstGeom prst="rect">
+            <a:avLst/>
+          </a:prstGeom>
+          <a:noFill/>
+          <a:ln>
+            <a:noFill/>
+          </a:ln>
+        </p:spPr>
+        <p:style>
+          <a:lnRef idx="2">
+            <a:schemeClr val="accent1">
+              <a:shade val="20000"/>
+            </a:schemeClr>
+          </a:lnRef>
+          <a:fillRef idx="1">
+            <a:schemeClr val="accent1"/>
+          </a:fillRef>
+          <a:effectRef idx="0">
+            <a:schemeClr val="accent1"/>
+          </a:effectRef>
+          <a:fontRef idx="minor">
+            <a:schemeClr val="lt1"/>
+          </a:fontRef>
+        </p:style>
+        <p:txBody>
+          <a:bodyPr anchor="ctr"/>
+          <a:p>
+            <a:pPr>
+              <a:defRPr/>
+            </a:pPr>
+            <a:r>
+              <a:rPr lang="ko-KR" altLang="en-US" b="1">
+                <a:solidFill>
+                  <a:schemeClr val="dk1"/>
+                </a:solidFill>
+              </a:rPr>
+              <a:t>메인 화면에서 메뉴 목록을 만들어 이동한다</a:t>
+            </a:r>
+            <a:r>
+              <a:rPr lang="en-US" altLang="ko-KR" b="1">
+                <a:solidFill>
+                  <a:schemeClr val="dk1"/>
+                </a:solidFill>
+              </a:rPr>
+              <a:t>.</a:t>
+            </a:r>
+            <a:endParaRPr lang="en-US" altLang="ko-KR">
+              <a:solidFill>
+                <a:schemeClr val="dk1"/>
+              </a:solidFill>
+            </a:endParaRPr>
+          </a:p>
+          <a:p>
+            <a:pPr>
+              <a:defRPr/>
+            </a:pPr>
+            <a:r>
+              <a:rPr lang="ko-KR" altLang="en-US">
+                <a:solidFill>
+                  <a:schemeClr val="dk1"/>
+                </a:solidFill>
+              </a:rPr>
+              <a:t> </a:t>
+            </a:r>
+            <a:r>
+              <a:rPr lang="en-US" altLang="ko-KR">
+                <a:solidFill>
+                  <a:schemeClr val="dk1"/>
+                </a:solidFill>
+              </a:rPr>
+              <a:t>-</a:t>
+            </a:r>
+            <a:r>
+              <a:rPr lang="ko-KR" altLang="en-US">
+                <a:solidFill>
+                  <a:schemeClr val="dk1"/>
+                </a:solidFill>
+              </a:rPr>
+              <a:t> </a:t>
+            </a:r>
+            <a:r>
+              <a:rPr lang="en-US" altLang="ko-KR">
+                <a:solidFill>
+                  <a:schemeClr val="dk1"/>
+                </a:solidFill>
+              </a:rPr>
+              <a:t>ex) </a:t>
+            </a:r>
+            <a:r>
+              <a:rPr lang="ko-KR" altLang="en-US">
+                <a:solidFill>
+                  <a:schemeClr val="dk1"/>
+                </a:solidFill>
+              </a:rPr>
+              <a:t>메인 </a:t>
+            </a:r>
+            <a:r>
+              <a:rPr lang="en-US" altLang="ko-KR">
+                <a:solidFill>
+                  <a:schemeClr val="dk1"/>
+                </a:solidFill>
+              </a:rPr>
+              <a:t>-&gt;</a:t>
+            </a:r>
+            <a:r>
+              <a:rPr lang="ko-KR" altLang="en-US">
+                <a:solidFill>
+                  <a:schemeClr val="dk1"/>
+                </a:solidFill>
+              </a:rPr>
+              <a:t> 목록 </a:t>
+            </a:r>
+            <a:r>
+              <a:rPr lang="en-US" altLang="ko-KR">
+                <a:solidFill>
+                  <a:schemeClr val="dk1"/>
+                </a:solidFill>
+              </a:rPr>
+              <a:t>-&gt;</a:t>
+            </a:r>
+            <a:r>
+              <a:rPr lang="ko-KR" altLang="en-US">
+                <a:solidFill>
+                  <a:schemeClr val="dk1"/>
+                </a:solidFill>
+              </a:rPr>
+              <a:t> 견적</a:t>
+            </a:r>
+            <a:r>
+              <a:rPr lang="en-US" altLang="ko-KR">
+                <a:solidFill>
+                  <a:schemeClr val="dk1"/>
+                </a:solidFill>
+              </a:rPr>
+              <a:t> or calendar, community</a:t>
+            </a:r>
+            <a:r>
+              <a:rPr lang="ko-KR" altLang="en-US">
+                <a:solidFill>
+                  <a:schemeClr val="dk1"/>
+                </a:solidFill>
+              </a:rPr>
+              <a:t> 등</a:t>
+            </a:r>
+            <a:endParaRPr lang="ko-KR" altLang="en-US">
+              <a:solidFill>
+                <a:schemeClr val="dk1"/>
+              </a:solidFill>
+            </a:endParaRPr>
+          </a:p>
+          <a:p>
+            <a:pPr>
+              <a:defRPr/>
+            </a:pPr>
+            <a:endParaRPr lang="ko-KR" altLang="en-US">
+              <a:solidFill>
+                <a:schemeClr val="dk1"/>
+              </a:solidFill>
+            </a:endParaRPr>
+          </a:p>
+          <a:p>
+            <a:pPr>
+              <a:defRPr/>
+            </a:pPr>
+            <a:r>
+              <a:rPr lang="en-US" altLang="ko-KR" b="1">
+                <a:solidFill>
+                  <a:schemeClr val="dk1"/>
+                </a:solidFill>
+              </a:rPr>
+              <a:t>Check List</a:t>
+            </a:r>
+            <a:endParaRPr lang="en-US" altLang="ko-KR">
+              <a:solidFill>
+                <a:schemeClr val="dk1"/>
+              </a:solidFill>
+            </a:endParaRPr>
+          </a:p>
+          <a:p>
+            <a:pPr>
+              <a:defRPr/>
+            </a:pPr>
+            <a:r>
+              <a:rPr lang="en-US" altLang="ko-KR">
+                <a:solidFill>
+                  <a:schemeClr val="dk1"/>
+                </a:solidFill>
+              </a:rPr>
+              <a:t> - </a:t>
+            </a:r>
+            <a:r>
+              <a:rPr lang="ko-KR" altLang="en-US">
+                <a:solidFill>
+                  <a:schemeClr val="dk1"/>
+                </a:solidFill>
+              </a:rPr>
+              <a:t> 아이콘으로 부품별 남은 수명</a:t>
+            </a:r>
+            <a:r>
+              <a:rPr lang="en-US" altLang="ko-KR">
+                <a:solidFill>
+                  <a:schemeClr val="dk1"/>
+                </a:solidFill>
+              </a:rPr>
+              <a:t>(</a:t>
+            </a:r>
+            <a:r>
+              <a:rPr lang="ko-KR" altLang="en-US">
+                <a:solidFill>
+                  <a:schemeClr val="dk1"/>
+                </a:solidFill>
+              </a:rPr>
+              <a:t>주행 거리</a:t>
+            </a:r>
+            <a:r>
+              <a:rPr lang="en-US" altLang="ko-KR">
+                <a:solidFill>
+                  <a:schemeClr val="dk1"/>
+                </a:solidFill>
+              </a:rPr>
+              <a:t>)</a:t>
+            </a:r>
+            <a:r>
+              <a:rPr lang="ko-KR" altLang="en-US">
+                <a:solidFill>
+                  <a:schemeClr val="dk1"/>
+                </a:solidFill>
+              </a:rPr>
+              <a:t>을 보여준다 </a:t>
+            </a:r>
+            <a:endParaRPr lang="ko-KR" altLang="en-US">
+              <a:solidFill>
+                <a:schemeClr val="dk1"/>
+              </a:solidFill>
+            </a:endParaRPr>
+          </a:p>
+          <a:p>
+            <a:pPr>
+              <a:defRPr/>
+            </a:pPr>
+            <a:r>
+              <a:rPr lang="en-US" altLang="ko-KR">
+                <a:solidFill>
+                  <a:schemeClr val="dk1"/>
+                </a:solidFill>
+              </a:rPr>
+              <a:t> - </a:t>
+            </a:r>
+            <a:r>
+              <a:rPr lang="ko-KR" altLang="en-US">
+                <a:solidFill>
+                  <a:schemeClr val="dk1"/>
+                </a:solidFill>
+              </a:rPr>
+              <a:t> 남은 수명의 </a:t>
+            </a:r>
+            <a:r>
+              <a:rPr lang="en-US" altLang="ko-KR">
+                <a:solidFill>
+                  <a:schemeClr val="dk1"/>
+                </a:solidFill>
+              </a:rPr>
+              <a:t>%</a:t>
+            </a:r>
+            <a:r>
+              <a:rPr lang="ko-KR" altLang="en-US">
+                <a:solidFill>
+                  <a:schemeClr val="dk1"/>
+                </a:solidFill>
+              </a:rPr>
+              <a:t>마다 색이 달라진다 </a:t>
+            </a:r>
+            <a:r>
+              <a:rPr lang="en-US" altLang="ko-KR">
+                <a:solidFill>
+                  <a:schemeClr val="dk1"/>
+                </a:solidFill>
+              </a:rPr>
+              <a:t>(1/2</a:t>
+            </a:r>
+            <a:r>
+              <a:rPr lang="ko-KR" altLang="en-US">
+                <a:solidFill>
+                  <a:schemeClr val="dk1"/>
+                </a:solidFill>
+              </a:rPr>
+              <a:t>까지 초록 </a:t>
+            </a:r>
+            <a:r>
+              <a:rPr lang="en-US" altLang="ko-KR">
+                <a:solidFill>
+                  <a:schemeClr val="dk1"/>
+                </a:solidFill>
+              </a:rPr>
+              <a:t>~3/4</a:t>
+            </a:r>
+            <a:r>
+              <a:rPr lang="ko-KR" altLang="en-US">
+                <a:solidFill>
+                  <a:schemeClr val="dk1"/>
+                </a:solidFill>
+              </a:rPr>
+              <a:t> 노랑 </a:t>
+            </a:r>
+            <a:r>
+              <a:rPr lang="en-US" altLang="ko-KR">
+                <a:solidFill>
+                  <a:schemeClr val="dk1"/>
+                </a:solidFill>
+              </a:rPr>
+              <a:t>~</a:t>
+            </a:r>
+            <a:r>
+              <a:rPr lang="ko-KR" altLang="en-US">
+                <a:solidFill>
+                  <a:schemeClr val="dk1"/>
+                </a:solidFill>
+              </a:rPr>
+              <a:t> 빨강</a:t>
+            </a:r>
+            <a:r>
+              <a:rPr lang="en-US" altLang="ko-KR">
+                <a:solidFill>
+                  <a:schemeClr val="dk1"/>
+                </a:solidFill>
+              </a:rPr>
+              <a:t>)</a:t>
+            </a:r>
+            <a:endParaRPr lang="en-US" altLang="ko-KR">
+              <a:solidFill>
+                <a:schemeClr val="dk1"/>
+              </a:solidFill>
+            </a:endParaRPr>
+          </a:p>
+          <a:p>
+            <a:pPr>
+              <a:defRPr/>
+            </a:pPr>
+            <a:r>
+              <a:rPr lang="en-US" altLang="ko-KR" b="1">
+                <a:solidFill>
+                  <a:schemeClr val="dk1"/>
+                </a:solidFill>
+              </a:rPr>
+              <a:t>Diary</a:t>
+            </a:r>
+            <a:r>
+              <a:rPr lang="ko-KR" altLang="en-US">
+                <a:solidFill>
+                  <a:schemeClr val="dk1"/>
+                </a:solidFill>
+              </a:rPr>
+              <a:t> </a:t>
+            </a:r>
+            <a:endParaRPr lang="ko-KR" altLang="en-US">
+              <a:solidFill>
+                <a:schemeClr val="dk1"/>
+              </a:solidFill>
+            </a:endParaRPr>
+          </a:p>
+          <a:p>
+            <a:pPr>
+              <a:defRPr/>
+            </a:pPr>
+            <a:r>
+              <a:rPr lang="ko-KR" altLang="en-US">
+                <a:solidFill>
+                  <a:schemeClr val="dk1"/>
+                </a:solidFill>
+              </a:rPr>
+              <a:t> </a:t>
+            </a:r>
+            <a:r>
+              <a:rPr lang="en-US" altLang="ko-KR">
+                <a:solidFill>
+                  <a:schemeClr val="dk1"/>
+                </a:solidFill>
+              </a:rPr>
+              <a:t>-</a:t>
+            </a:r>
+            <a:r>
+              <a:rPr lang="ko-KR" altLang="en-US">
+                <a:solidFill>
+                  <a:schemeClr val="dk1"/>
+                </a:solidFill>
+              </a:rPr>
+              <a:t>  달력에 정비 받은 날짜를 표시할 수 있다</a:t>
+            </a:r>
+            <a:r>
+              <a:rPr lang="en-US" altLang="ko-KR">
+                <a:solidFill>
+                  <a:schemeClr val="dk1"/>
+                </a:solidFill>
+              </a:rPr>
+              <a:t>.</a:t>
+            </a:r>
+            <a:endParaRPr lang="en-US" altLang="ko-KR">
+              <a:solidFill>
+                <a:schemeClr val="dk1"/>
+              </a:solidFill>
+            </a:endParaRPr>
+          </a:p>
+          <a:p>
+            <a:pPr>
+              <a:defRPr/>
+            </a:pPr>
+            <a:r>
+              <a:rPr lang="ko-KR" altLang="en-US">
+                <a:solidFill>
+                  <a:schemeClr val="dk1"/>
+                </a:solidFill>
+              </a:rPr>
+              <a:t> </a:t>
+            </a:r>
+            <a:r>
+              <a:rPr lang="en-US" altLang="ko-KR">
+                <a:solidFill>
+                  <a:schemeClr val="dk1"/>
+                </a:solidFill>
+              </a:rPr>
+              <a:t>-</a:t>
+            </a:r>
+            <a:r>
+              <a:rPr lang="ko-KR" altLang="en-US">
+                <a:solidFill>
+                  <a:schemeClr val="dk1"/>
+                </a:solidFill>
+              </a:rPr>
+              <a:t>  날짜 체크와 함께 어떤 것을 정비 받았는지 메모할 수 있다</a:t>
+            </a:r>
+            <a:r>
+              <a:rPr lang="en-US" altLang="ko-KR">
+                <a:solidFill>
+                  <a:schemeClr val="dk1"/>
+                </a:solidFill>
+              </a:rPr>
+              <a:t>.</a:t>
+            </a:r>
+            <a:endParaRPr lang="en-US" altLang="ko-KR">
+              <a:solidFill>
+                <a:schemeClr val="dk1"/>
+              </a:solidFill>
+            </a:endParaRPr>
+          </a:p>
+          <a:p>
+            <a:pPr>
+              <a:defRPr/>
+            </a:pPr>
+            <a:r>
+              <a:rPr lang="en-US" altLang="ko-KR" b="1">
+                <a:solidFill>
+                  <a:schemeClr val="dk1"/>
+                </a:solidFill>
+              </a:rPr>
+              <a:t>Community</a:t>
+            </a:r>
+            <a:endParaRPr lang="en-US" altLang="ko-KR">
+              <a:solidFill>
+                <a:schemeClr val="dk1"/>
+              </a:solidFill>
+            </a:endParaRPr>
+          </a:p>
+          <a:p>
+            <a:pPr>
+              <a:defRPr/>
+            </a:pPr>
+            <a:r>
+              <a:rPr lang="ko-KR" altLang="en-US">
+                <a:solidFill>
+                  <a:schemeClr val="dk1"/>
+                </a:solidFill>
+              </a:rPr>
+              <a:t> </a:t>
+            </a:r>
+            <a:r>
+              <a:rPr lang="en-US" altLang="ko-KR">
+                <a:solidFill>
+                  <a:schemeClr val="dk1"/>
+                </a:solidFill>
+              </a:rPr>
+              <a:t>-</a:t>
+            </a:r>
+            <a:r>
+              <a:rPr lang="ko-KR" altLang="en-US">
+                <a:solidFill>
+                  <a:schemeClr val="dk1"/>
+                </a:solidFill>
+              </a:rPr>
+              <a:t> 게시판</a:t>
+            </a:r>
+            <a:endParaRPr lang="ko-KR" altLang="en-US">
+              <a:solidFill>
+                <a:schemeClr val="dk1"/>
+              </a:solidFill>
+            </a:endParaRPr>
+          </a:p>
+          <a:p>
+            <a:pPr>
+              <a:defRPr/>
+            </a:pPr>
+            <a:r>
+              <a:rPr lang="ko-KR" altLang="en-US">
+                <a:solidFill>
+                  <a:schemeClr val="dk1"/>
+                </a:solidFill>
+              </a:rPr>
+              <a:t>   </a:t>
+            </a:r>
+            <a:r>
+              <a:rPr lang="en-US" altLang="ko-KR">
+                <a:solidFill>
+                  <a:schemeClr val="dk1"/>
+                </a:solidFill>
+              </a:rPr>
+              <a:t>-</a:t>
+            </a:r>
+            <a:r>
+              <a:rPr lang="ko-KR" altLang="en-US">
+                <a:solidFill>
+                  <a:schemeClr val="dk1"/>
+                </a:solidFill>
+              </a:rPr>
+              <a:t> 게시판 창을 통해 유저간의 </a:t>
+            </a:r>
+            <a:r>
+              <a:rPr lang="en-US" altLang="ko-KR">
+                <a:solidFill>
+                  <a:schemeClr val="dk1"/>
+                </a:solidFill>
+              </a:rPr>
+              <a:t>tip</a:t>
+            </a:r>
+            <a:r>
+              <a:rPr lang="ko-KR" altLang="en-US">
+                <a:solidFill>
+                  <a:schemeClr val="dk1"/>
+                </a:solidFill>
+              </a:rPr>
+              <a:t> 또는 업체등에 대한 정보를 얻을 수 있다</a:t>
+            </a:r>
+            <a:r>
+              <a:rPr lang="en-US" altLang="ko-KR">
+                <a:solidFill>
+                  <a:schemeClr val="dk1"/>
+                </a:solidFill>
+              </a:rPr>
+              <a:t>.</a:t>
+            </a:r>
+            <a:endParaRPr lang="en-US" altLang="ko-KR">
+              <a:solidFill>
+                <a:schemeClr val="dk1"/>
+              </a:solidFill>
+            </a:endParaRPr>
+          </a:p>
+          <a:p>
+            <a:pPr>
+              <a:defRPr/>
+            </a:pPr>
+            <a:r>
+              <a:rPr lang="ko-KR" altLang="en-US" b="1">
+                <a:solidFill>
+                  <a:schemeClr val="dk1"/>
+                </a:solidFill>
+              </a:rPr>
+              <a:t>견적</a:t>
+            </a:r>
+            <a:endParaRPr lang="ko-KR" altLang="en-US" b="1">
+              <a:solidFill>
+                <a:schemeClr val="dk1"/>
+              </a:solidFill>
+            </a:endParaRPr>
+          </a:p>
+          <a:p>
+            <a:pPr>
+              <a:defRPr/>
+            </a:pPr>
+            <a:r>
+              <a:rPr lang="ko-KR" altLang="en-US">
+                <a:solidFill>
+                  <a:schemeClr val="dk1"/>
+                </a:solidFill>
+              </a:rPr>
+              <a:t> </a:t>
+            </a:r>
+            <a:r>
+              <a:rPr lang="en-US" altLang="ko-KR">
+                <a:solidFill>
+                  <a:schemeClr val="dk1"/>
+                </a:solidFill>
+              </a:rPr>
+              <a:t>-</a:t>
+            </a:r>
+            <a:r>
+              <a:rPr lang="ko-KR" altLang="en-US">
+                <a:solidFill>
+                  <a:schemeClr val="dk1"/>
+                </a:solidFill>
+              </a:rPr>
+              <a:t> 교체하고자 하는 부분을 선택하여 견적 및 정비 가능한 정비소의 목록을 보여준다</a:t>
+            </a:r>
+            <a:r>
+              <a:rPr lang="en-US" altLang="ko-KR">
+                <a:solidFill>
+                  <a:schemeClr val="dk1"/>
+                </a:solidFill>
+              </a:rPr>
+              <a:t>.</a:t>
+            </a:r>
+            <a:endParaRPr lang="en-US" altLang="ko-KR">
+              <a:solidFill>
+                <a:schemeClr val="dk1"/>
+              </a:solidFill>
+            </a:endParaRPr>
+          </a:p>
+          <a:p>
+            <a:pPr>
+              <a:defRPr/>
+            </a:pPr>
+            <a:endParaRPr lang="ko-KR" altLang="en-US">
+              <a:solidFill>
+                <a:schemeClr val="dk1"/>
+              </a:solidFill>
+            </a:endParaRPr>
+          </a:p>
+          <a:p>
+            <a:pPr>
+              <a:defRPr/>
+            </a:pPr>
+            <a:endParaRPr lang="ko-KR" altLang="en-US">
+              <a:solidFill>
+                <a:schemeClr val="dk1"/>
+              </a:solidFill>
+            </a:endParaRPr>
+          </a:p>
+        </p:txBody>
+      </p:sp>
+      <p:sp>
+        <p:nvSpPr>
+          <p:cNvPr id="9" name="직사각형 9"/>
           <p:cNvSpPr/>
           <p:nvPr/>
         </p:nvSpPr>
@@ -15826,36 +16872,745 @@
             </a:pPr>
             <a:r>
               <a:rPr kumimoji="1" lang="en-US" altLang="ko-KR" sz="4800"/>
-              <a:t>4-1. Menu_Tree</a:t>
-            </a:r>
-            <a:endParaRPr kumimoji="1" lang="en-US" altLang="ko-KR" sz="4800"/>
+              <a:t>4-1.</a:t>
+            </a:r>
+            <a:r>
+              <a:rPr kumimoji="1" lang="ko-KR" altLang="en-US" sz="4800"/>
+              <a:t> 기능정의</a:t>
+            </a:r>
+            <a:endParaRPr kumimoji="1" lang="ko-KR" altLang="en-US" sz="4800"/>
           </a:p>
         </p:txBody>
       </p:sp>
-      <p:pic>
-        <p:nvPicPr>
-          <p:cNvPr id="6" name=""/>
-          <p:cNvPicPr>
-            <a:picLocks noChangeAspect="1"/>
-          </p:cNvPicPr>
+      <p:grpSp>
+        <p:nvGrpSpPr>
+          <p:cNvPr id="35" name=""/>
+          <p:cNvGrpSpPr/>
           <p:nvPr/>
-        </p:nvPicPr>
-        <p:blipFill rotWithShape="1">
-          <a:blip r:embed="rId2"/>
-          <a:stretch>
-            <a:fillRect/>
-          </a:stretch>
-        </p:blipFill>
-        <p:spPr>
-          <a:xfrm>
-            <a:off x="1980879" y="1367790"/>
-            <a:ext cx="8230241" cy="5490210"/>
+        </p:nvGrpSpPr>
+        <p:grpSpPr>
+          <a:xfrm rot="0">
+            <a:off x="6727824" y="1746249"/>
+            <a:ext cx="5464176" cy="4740276"/>
+            <a:chOff x="6727824" y="1746249"/>
+            <a:chExt cx="5464176" cy="4740276"/>
           </a:xfrm>
-          <a:prstGeom prst="rect">
-            <a:avLst/>
-          </a:prstGeom>
-        </p:spPr>
-      </p:pic>
+        </p:grpSpPr>
+        <p:grpSp>
+          <p:nvGrpSpPr>
+            <p:cNvPr id="18" name=""/>
+            <p:cNvGrpSpPr/>
+            <p:nvPr/>
+          </p:nvGrpSpPr>
+          <p:grpSpPr>
+            <a:xfrm rot="0">
+              <a:off x="6727824" y="1746249"/>
+              <a:ext cx="5464176" cy="1476375"/>
+              <a:chOff x="6727824" y="1952624"/>
+              <a:chExt cx="5464176" cy="1476375"/>
+            </a:xfrm>
+          </p:grpSpPr>
+          <p:grpSp>
+            <p:nvGrpSpPr>
+              <p:cNvPr id="16" name=""/>
+              <p:cNvGrpSpPr/>
+              <p:nvPr/>
+            </p:nvGrpSpPr>
+            <p:grpSpPr>
+              <a:xfrm rot="0">
+                <a:off x="6727824" y="1952624"/>
+                <a:ext cx="4606925" cy="1444626"/>
+                <a:chOff x="7585074" y="1635124"/>
+                <a:chExt cx="4606925" cy="1444626"/>
+              </a:xfrm>
+            </p:grpSpPr>
+            <p:sp>
+              <p:nvSpPr>
+                <p:cNvPr id="12" name=""/>
+                <p:cNvSpPr/>
+                <p:nvPr/>
+              </p:nvSpPr>
+              <p:spPr>
+                <a:xfrm>
+                  <a:off x="7585074" y="2683199"/>
+                  <a:ext cx="4098925" cy="28251"/>
+                </a:xfrm>
+                <a:prstGeom prst="flowChartTerminator">
+                  <a:avLst/>
+                </a:prstGeom>
+                <a:solidFill>
+                  <a:srgbClr val="9be5c8"/>
+                </a:solidFill>
+                <a:ln>
+                  <a:noFill/>
+                </a:ln>
+              </p:spPr>
+              <p:style>
+                <a:lnRef idx="2">
+                  <a:schemeClr val="accent1">
+                    <a:shade val="20000"/>
+                  </a:schemeClr>
+                </a:lnRef>
+                <a:fillRef idx="1">
+                  <a:schemeClr val="accent1"/>
+                </a:fillRef>
+                <a:effectRef idx="0">
+                  <a:schemeClr val="accent1"/>
+                </a:effectRef>
+                <a:fontRef idx="minor">
+                  <a:schemeClr val="lt1"/>
+                </a:fontRef>
+              </p:style>
+              <p:txBody>
+                <a:bodyPr anchor="ctr"/>
+                <a:p>
+                  <a:pPr algn="ctr">
+                    <a:defRPr/>
+                  </a:pPr>
+                  <a:endParaRPr lang="ko-KR" altLang="en-US"/>
+                </a:p>
+              </p:txBody>
+            </p:sp>
+            <p:pic>
+              <p:nvPicPr>
+                <p:cNvPr id="11" name=""/>
+                <p:cNvPicPr>
+                  <a:picLocks noChangeAspect="1"/>
+                </p:cNvPicPr>
+                <p:nvPr/>
+              </p:nvPicPr>
+              <p:blipFill rotWithShape="1">
+                <a:blip r:embed="rId2"/>
+                <a:stretch>
+                  <a:fillRect/>
+                </a:stretch>
+              </p:blipFill>
+              <p:spPr>
+                <a:xfrm>
+                  <a:off x="8896978" y="2069302"/>
+                  <a:ext cx="1010448" cy="1010448"/>
+                </a:xfrm>
+                <a:prstGeom prst="rect">
+                  <a:avLst/>
+                </a:prstGeom>
+              </p:spPr>
+            </p:pic>
+            <p:grpSp>
+              <p:nvGrpSpPr>
+                <p:cNvPr id="15" name=""/>
+                <p:cNvGrpSpPr/>
+                <p:nvPr/>
+              </p:nvGrpSpPr>
+              <p:grpSpPr>
+                <a:xfrm rot="0">
+                  <a:off x="11684000" y="1635124"/>
+                  <a:ext cx="508000" cy="1079499"/>
+                  <a:chOff x="10890248" y="1746249"/>
+                  <a:chExt cx="508000" cy="1079499"/>
+                </a:xfrm>
+              </p:grpSpPr>
+              <p:sp>
+                <p:nvSpPr>
+                  <p:cNvPr id="13" name=""/>
+                  <p:cNvSpPr/>
+                  <p:nvPr/>
+                </p:nvSpPr>
+                <p:spPr>
+                  <a:xfrm>
+                    <a:off x="10890248" y="1746249"/>
+                    <a:ext cx="508000" cy="412749"/>
+                  </a:xfrm>
+                  <a:prstGeom prst="wave">
+                    <a:avLst>
+                      <a:gd name="adj1" fmla="val 12500"/>
+                      <a:gd name="adj2" fmla="val 0"/>
+                    </a:avLst>
+                  </a:prstGeom>
+                  <a:solidFill>
+                    <a:schemeClr val="dk1"/>
+                  </a:solidFill>
+                  <a:ln>
+                    <a:solidFill>
+                      <a:schemeClr val="dk1"/>
+                    </a:solidFill>
+                  </a:ln>
+                </p:spPr>
+                <p:style>
+                  <a:lnRef idx="2">
+                    <a:schemeClr val="accent1">
+                      <a:shade val="20000"/>
+                    </a:schemeClr>
+                  </a:lnRef>
+                  <a:fillRef idx="1">
+                    <a:schemeClr val="accent1"/>
+                  </a:fillRef>
+                  <a:effectRef idx="0">
+                    <a:schemeClr val="accent1"/>
+                  </a:effectRef>
+                  <a:fontRef idx="minor">
+                    <a:schemeClr val="lt1"/>
+                  </a:fontRef>
+                </p:style>
+                <p:txBody>
+                  <a:bodyPr anchor="ctr"/>
+                  <a:p>
+                    <a:pPr algn="ctr">
+                      <a:defRPr/>
+                    </a:pPr>
+                    <a:endParaRPr lang="ko-KR" altLang="en-US"/>
+                  </a:p>
+                </p:txBody>
+              </p:sp>
+              <p:cxnSp>
+                <p:nvCxnSpPr>
+                  <p:cNvPr id="14" name=""/>
+                  <p:cNvCxnSpPr>
+                    <a:stCxn id="13" idx="1"/>
+                  </p:cNvCxnSpPr>
+                  <p:nvPr/>
+                </p:nvCxnSpPr>
+                <p:spPr>
+                  <a:xfrm rot="16200000" flipH="1" flipV="1">
+                    <a:off x="10453690" y="2389183"/>
+                    <a:ext cx="873124" cy="7"/>
+                  </a:xfrm>
+                  <a:prstGeom prst="line">
+                    <a:avLst/>
+                  </a:prstGeom>
+                  <a:ln>
+                    <a:solidFill>
+                      <a:schemeClr val="dk1"/>
+                    </a:solidFill>
+                  </a:ln>
+                </p:spPr>
+                <p:style>
+                  <a:lnRef idx="1">
+                    <a:schemeClr val="accent1"/>
+                  </a:lnRef>
+                  <a:fillRef idx="0">
+                    <a:schemeClr val="accent1"/>
+                  </a:fillRef>
+                  <a:effectRef idx="0">
+                    <a:schemeClr val="accent1"/>
+                  </a:effectRef>
+                  <a:fontRef idx="minor">
+                    <a:schemeClr val="tx1"/>
+                  </a:fontRef>
+                </p:style>
+              </p:cxnSp>
+            </p:grpSp>
+          </p:grpSp>
+          <p:sp>
+            <p:nvSpPr>
+              <p:cNvPr id="17" name=""/>
+              <p:cNvSpPr txBox="1"/>
+              <p:nvPr/>
+            </p:nvSpPr>
+            <p:spPr>
+              <a:xfrm>
+                <a:off x="9255124" y="3065779"/>
+                <a:ext cx="2936876" cy="363221"/>
+              </a:xfrm>
+              <a:prstGeom prst="rect">
+                <a:avLst/>
+              </a:prstGeom>
+            </p:spPr>
+            <p:txBody>
+              <a:bodyPr wrap="square">
+                <a:spAutoFit/>
+              </a:bodyPr>
+              <a:p>
+                <a:pPr>
+                  <a:defRPr/>
+                </a:pPr>
+                <a:r>
+                  <a:rPr lang="en-US" altLang="ko-KR"/>
+                  <a:t>2400km/5000km (48%)</a:t>
+                </a:r>
+                <a:endParaRPr lang="en-US" altLang="ko-KR"/>
+              </a:p>
+            </p:txBody>
+          </p:sp>
+        </p:grpSp>
+        <p:grpSp>
+          <p:nvGrpSpPr>
+            <p:cNvPr id="19" name=""/>
+            <p:cNvGrpSpPr/>
+            <p:nvPr/>
+          </p:nvGrpSpPr>
+          <p:grpSpPr>
+            <a:xfrm rot="0">
+              <a:off x="6727824" y="3428999"/>
+              <a:ext cx="5464176" cy="1476376"/>
+              <a:chOff x="6727824" y="1952623"/>
+              <a:chExt cx="5464176" cy="1476376"/>
+            </a:xfrm>
+          </p:grpSpPr>
+          <p:grpSp>
+            <p:nvGrpSpPr>
+              <p:cNvPr id="20" name=""/>
+              <p:cNvGrpSpPr/>
+              <p:nvPr/>
+            </p:nvGrpSpPr>
+            <p:grpSpPr>
+              <a:xfrm rot="0">
+                <a:off x="6727824" y="1952623"/>
+                <a:ext cx="4606925" cy="1425576"/>
+                <a:chOff x="7585074" y="1635124"/>
+                <a:chExt cx="4606925" cy="1425576"/>
+              </a:xfrm>
+            </p:grpSpPr>
+            <p:sp>
+              <p:nvSpPr>
+                <p:cNvPr id="21" name=""/>
+                <p:cNvSpPr/>
+                <p:nvPr/>
+              </p:nvSpPr>
+              <p:spPr>
+                <a:xfrm>
+                  <a:off x="7585074" y="2683199"/>
+                  <a:ext cx="4098925" cy="28251"/>
+                </a:xfrm>
+                <a:prstGeom prst="flowChartTerminator">
+                  <a:avLst/>
+                </a:prstGeom>
+                <a:solidFill>
+                  <a:srgbClr val="ffd700"/>
+                </a:solidFill>
+                <a:ln>
+                  <a:noFill/>
+                </a:ln>
+              </p:spPr>
+              <p:style>
+                <a:lnRef idx="2">
+                  <a:schemeClr val="accent1">
+                    <a:shade val="20000"/>
+                  </a:schemeClr>
+                </a:lnRef>
+                <a:fillRef idx="1">
+                  <a:schemeClr val="accent1"/>
+                </a:fillRef>
+                <a:effectRef idx="0">
+                  <a:schemeClr val="accent1"/>
+                </a:effectRef>
+                <a:fontRef idx="minor">
+                  <a:schemeClr val="lt1"/>
+                </a:fontRef>
+              </p:style>
+              <p:txBody>
+                <a:bodyPr anchor="ctr"/>
+                <a:lstStyle/>
+                <a:p>
+                  <a:pPr algn="ctr">
+                    <a:defRPr/>
+                  </a:pPr>
+                  <a:endParaRPr lang="ko-KR" altLang="en-US"/>
+                </a:p>
+              </p:txBody>
+            </p:sp>
+            <p:pic>
+              <p:nvPicPr>
+                <p:cNvPr id="22" name=""/>
+                <p:cNvPicPr>
+                  <a:picLocks noChangeAspect="1"/>
+                </p:cNvPicPr>
+                <p:nvPr/>
+              </p:nvPicPr>
+              <p:blipFill rotWithShape="1">
+                <a:blip r:embed="rId3"/>
+                <a:stretch>
+                  <a:fillRect/>
+                </a:stretch>
+              </p:blipFill>
+              <p:spPr>
+                <a:xfrm>
+                  <a:off x="9697078" y="2050252"/>
+                  <a:ext cx="1010448" cy="1010448"/>
+                </a:xfrm>
+                <a:prstGeom prst="rect">
+                  <a:avLst/>
+                </a:prstGeom>
+              </p:spPr>
+            </p:pic>
+            <p:grpSp>
+              <p:nvGrpSpPr>
+                <p:cNvPr id="23" name=""/>
+                <p:cNvGrpSpPr/>
+                <p:nvPr/>
+              </p:nvGrpSpPr>
+              <p:grpSpPr>
+                <a:xfrm rot="0">
+                  <a:off x="11684000" y="1635124"/>
+                  <a:ext cx="508000" cy="1079499"/>
+                  <a:chOff x="10890248" y="1746249"/>
+                  <a:chExt cx="508000" cy="1079499"/>
+                </a:xfrm>
+              </p:grpSpPr>
+              <p:sp>
+                <p:nvSpPr>
+                  <p:cNvPr id="24" name=""/>
+                  <p:cNvSpPr/>
+                  <p:nvPr/>
+                </p:nvSpPr>
+                <p:spPr>
+                  <a:xfrm>
+                    <a:off x="10890248" y="1746249"/>
+                    <a:ext cx="508000" cy="412749"/>
+                  </a:xfrm>
+                  <a:prstGeom prst="wave">
+                    <a:avLst>
+                      <a:gd name="adj1" fmla="val 12500"/>
+                      <a:gd name="adj2" fmla="val 0"/>
+                    </a:avLst>
+                  </a:prstGeom>
+                  <a:solidFill>
+                    <a:schemeClr val="dk1"/>
+                  </a:solidFill>
+                  <a:ln>
+                    <a:solidFill>
+                      <a:schemeClr val="dk1"/>
+                    </a:solidFill>
+                  </a:ln>
+                </p:spPr>
+                <p:style>
+                  <a:lnRef idx="2">
+                    <a:schemeClr val="accent1">
+                      <a:shade val="20000"/>
+                    </a:schemeClr>
+                  </a:lnRef>
+                  <a:fillRef idx="1">
+                    <a:schemeClr val="accent1"/>
+                  </a:fillRef>
+                  <a:effectRef idx="0">
+                    <a:schemeClr val="accent1"/>
+                  </a:effectRef>
+                  <a:fontRef idx="minor">
+                    <a:schemeClr val="lt1"/>
+                  </a:fontRef>
+                </p:style>
+                <p:txBody>
+                  <a:bodyPr anchor="ctr"/>
+                  <a:lstStyle/>
+                  <a:p>
+                    <a:pPr algn="ctr">
+                      <a:defRPr/>
+                    </a:pPr>
+                    <a:endParaRPr lang="ko-KR" altLang="en-US"/>
+                  </a:p>
+                </p:txBody>
+              </p:sp>
+              <p:cxnSp>
+                <p:nvCxnSpPr>
+                  <p:cNvPr id="25" name=""/>
+                  <p:cNvCxnSpPr>
+                    <a:stCxn id="24" idx="1"/>
+                  </p:cNvCxnSpPr>
+                  <p:nvPr/>
+                </p:nvCxnSpPr>
+                <p:spPr>
+                  <a:xfrm rot="16200000" flipH="1" flipV="1">
+                    <a:off x="10453690" y="2389183"/>
+                    <a:ext cx="873124" cy="7"/>
+                  </a:xfrm>
+                  <a:prstGeom prst="line">
+                    <a:avLst/>
+                  </a:prstGeom>
+                  <a:ln>
+                    <a:solidFill>
+                      <a:schemeClr val="dk1"/>
+                    </a:solidFill>
+                  </a:ln>
+                </p:spPr>
+                <p:style>
+                  <a:lnRef idx="1">
+                    <a:schemeClr val="accent1"/>
+                  </a:lnRef>
+                  <a:fillRef idx="0">
+                    <a:schemeClr val="accent1"/>
+                  </a:fillRef>
+                  <a:effectRef idx="0">
+                    <a:schemeClr val="accent1"/>
+                  </a:effectRef>
+                  <a:fontRef idx="minor">
+                    <a:schemeClr val="tx1"/>
+                  </a:fontRef>
+                </p:style>
+              </p:cxnSp>
+            </p:grpSp>
+          </p:grpSp>
+          <p:sp>
+            <p:nvSpPr>
+              <p:cNvPr id="26" name=""/>
+              <p:cNvSpPr txBox="1"/>
+              <p:nvPr/>
+            </p:nvSpPr>
+            <p:spPr>
+              <a:xfrm>
+                <a:off x="9255124" y="3065779"/>
+                <a:ext cx="2936876" cy="363221"/>
+              </a:xfrm>
+              <a:prstGeom prst="rect">
+                <a:avLst/>
+              </a:prstGeom>
+            </p:spPr>
+            <p:txBody>
+              <a:bodyPr wrap="square">
+                <a:spAutoFit/>
+              </a:bodyPr>
+              <a:lstStyle/>
+              <a:p>
+                <a:pPr>
+                  <a:defRPr/>
+                </a:pPr>
+                <a:r>
+                  <a:rPr lang="en-US" altLang="ko-KR"/>
+                  <a:t>3500km/5000km (70%)</a:t>
+                </a:r>
+                <a:endParaRPr lang="en-US" altLang="ko-KR"/>
+              </a:p>
+            </p:txBody>
+          </p:sp>
+        </p:grpSp>
+        <p:grpSp>
+          <p:nvGrpSpPr>
+            <p:cNvPr id="27" name=""/>
+            <p:cNvGrpSpPr/>
+            <p:nvPr/>
+          </p:nvGrpSpPr>
+          <p:grpSpPr>
+            <a:xfrm rot="0">
+              <a:off x="6727824" y="5010150"/>
+              <a:ext cx="5464176" cy="1476375"/>
+              <a:chOff x="6727824" y="1952624"/>
+              <a:chExt cx="5464176" cy="1476375"/>
+            </a:xfrm>
+          </p:grpSpPr>
+          <p:grpSp>
+            <p:nvGrpSpPr>
+              <p:cNvPr id="28" name=""/>
+              <p:cNvGrpSpPr/>
+              <p:nvPr/>
+            </p:nvGrpSpPr>
+            <p:grpSpPr>
+              <a:xfrm rot="0">
+                <a:off x="6727824" y="1952624"/>
+                <a:ext cx="4606925" cy="1425576"/>
+                <a:chOff x="7585074" y="1635125"/>
+                <a:chExt cx="4606925" cy="1425576"/>
+              </a:xfrm>
+            </p:grpSpPr>
+            <p:sp>
+              <p:nvSpPr>
+                <p:cNvPr id="29" name=""/>
+                <p:cNvSpPr/>
+                <p:nvPr/>
+              </p:nvSpPr>
+              <p:spPr>
+                <a:xfrm>
+                  <a:off x="7585074" y="2683199"/>
+                  <a:ext cx="4098925" cy="28251"/>
+                </a:xfrm>
+                <a:prstGeom prst="flowChartTerminator">
+                  <a:avLst/>
+                </a:prstGeom>
+                <a:solidFill>
+                  <a:srgbClr val="ff0000"/>
+                </a:solidFill>
+                <a:ln>
+                  <a:noFill/>
+                </a:ln>
+              </p:spPr>
+              <p:style>
+                <a:lnRef idx="2">
+                  <a:schemeClr val="accent1">
+                    <a:shade val="20000"/>
+                  </a:schemeClr>
+                </a:lnRef>
+                <a:fillRef idx="1">
+                  <a:schemeClr val="accent1"/>
+                </a:fillRef>
+                <a:effectRef idx="0">
+                  <a:schemeClr val="accent1"/>
+                </a:effectRef>
+                <a:fontRef idx="minor">
+                  <a:schemeClr val="lt1"/>
+                </a:fontRef>
+              </p:style>
+              <p:txBody>
+                <a:bodyPr anchor="ctr"/>
+                <a:lstStyle/>
+                <a:p>
+                  <a:pPr algn="ctr">
+                    <a:defRPr/>
+                  </a:pPr>
+                  <a:endParaRPr lang="ko-KR" altLang="en-US"/>
+                </a:p>
+              </p:txBody>
+            </p:sp>
+            <p:pic>
+              <p:nvPicPr>
+                <p:cNvPr id="30" name=""/>
+                <p:cNvPicPr>
+                  <a:picLocks noChangeAspect="1"/>
+                </p:cNvPicPr>
+                <p:nvPr/>
+              </p:nvPicPr>
+              <p:blipFill rotWithShape="1">
+                <a:blip r:embed="rId4"/>
+                <a:stretch>
+                  <a:fillRect/>
+                </a:stretch>
+              </p:blipFill>
+              <p:spPr>
+                <a:xfrm>
+                  <a:off x="10478128" y="2050252"/>
+                  <a:ext cx="1010448" cy="1010448"/>
+                </a:xfrm>
+                <a:prstGeom prst="rect">
+                  <a:avLst/>
+                </a:prstGeom>
+              </p:spPr>
+            </p:pic>
+            <p:grpSp>
+              <p:nvGrpSpPr>
+                <p:cNvPr id="31" name=""/>
+                <p:cNvGrpSpPr/>
+                <p:nvPr/>
+              </p:nvGrpSpPr>
+              <p:grpSpPr>
+                <a:xfrm rot="0">
+                  <a:off x="11684000" y="1635125"/>
+                  <a:ext cx="508000" cy="1079499"/>
+                  <a:chOff x="10890248" y="1746249"/>
+                  <a:chExt cx="508000" cy="1079499"/>
+                </a:xfrm>
+              </p:grpSpPr>
+              <p:sp>
+                <p:nvSpPr>
+                  <p:cNvPr id="32" name=""/>
+                  <p:cNvSpPr/>
+                  <p:nvPr/>
+                </p:nvSpPr>
+                <p:spPr>
+                  <a:xfrm>
+                    <a:off x="10890248" y="1746249"/>
+                    <a:ext cx="508000" cy="412749"/>
+                  </a:xfrm>
+                  <a:prstGeom prst="wave">
+                    <a:avLst>
+                      <a:gd name="adj1" fmla="val 12500"/>
+                      <a:gd name="adj2" fmla="val 0"/>
+                    </a:avLst>
+                  </a:prstGeom>
+                  <a:solidFill>
+                    <a:schemeClr val="dk1"/>
+                  </a:solidFill>
+                  <a:ln>
+                    <a:solidFill>
+                      <a:schemeClr val="dk1"/>
+                    </a:solidFill>
+                  </a:ln>
+                </p:spPr>
+                <p:style>
+                  <a:lnRef idx="2">
+                    <a:schemeClr val="accent1">
+                      <a:shade val="20000"/>
+                    </a:schemeClr>
+                  </a:lnRef>
+                  <a:fillRef idx="1">
+                    <a:schemeClr val="accent1"/>
+                  </a:fillRef>
+                  <a:effectRef idx="0">
+                    <a:schemeClr val="accent1"/>
+                  </a:effectRef>
+                  <a:fontRef idx="minor">
+                    <a:schemeClr val="lt1"/>
+                  </a:fontRef>
+                </p:style>
+                <p:txBody>
+                  <a:bodyPr anchor="ctr"/>
+                  <a:lstStyle/>
+                  <a:p>
+                    <a:pPr algn="ctr">
+                      <a:defRPr/>
+                    </a:pPr>
+                    <a:endParaRPr lang="ko-KR" altLang="en-US"/>
+                  </a:p>
+                </p:txBody>
+              </p:sp>
+              <p:cxnSp>
+                <p:nvCxnSpPr>
+                  <p:cNvPr id="33" name=""/>
+                  <p:cNvCxnSpPr>
+                    <a:stCxn id="32" idx="1"/>
+                  </p:cNvCxnSpPr>
+                  <p:nvPr/>
+                </p:nvCxnSpPr>
+                <p:spPr>
+                  <a:xfrm rot="16200000" flipH="1" flipV="1">
+                    <a:off x="10453690" y="2389183"/>
+                    <a:ext cx="873124" cy="7"/>
+                  </a:xfrm>
+                  <a:prstGeom prst="line">
+                    <a:avLst/>
+                  </a:prstGeom>
+                  <a:ln>
+                    <a:solidFill>
+                      <a:schemeClr val="dk1"/>
+                    </a:solidFill>
+                  </a:ln>
+                </p:spPr>
+                <p:style>
+                  <a:lnRef idx="1">
+                    <a:schemeClr val="accent1"/>
+                  </a:lnRef>
+                  <a:fillRef idx="0">
+                    <a:schemeClr val="accent1"/>
+                  </a:fillRef>
+                  <a:effectRef idx="0">
+                    <a:schemeClr val="accent1"/>
+                  </a:effectRef>
+                  <a:fontRef idx="minor">
+                    <a:schemeClr val="tx1"/>
+                  </a:fontRef>
+                </p:style>
+              </p:cxnSp>
+            </p:grpSp>
+          </p:grpSp>
+          <p:sp>
+            <p:nvSpPr>
+              <p:cNvPr id="34" name=""/>
+              <p:cNvSpPr txBox="1"/>
+              <p:nvPr/>
+            </p:nvSpPr>
+            <p:spPr>
+              <a:xfrm>
+                <a:off x="9255124" y="3065779"/>
+                <a:ext cx="2936876" cy="363221"/>
+              </a:xfrm>
+              <a:prstGeom prst="rect">
+                <a:avLst/>
+              </a:prstGeom>
+            </p:spPr>
+            <p:txBody>
+              <a:bodyPr wrap="square">
+                <a:spAutoFit/>
+              </a:bodyPr>
+              <a:lstStyle/>
+              <a:p>
+                <a:pPr>
+                  <a:defRPr/>
+                </a:pPr>
+                <a:r>
+                  <a:rPr lang="en-US" altLang="ko-KR"/>
+                  <a:t>4600km/5000km (92%)</a:t>
+                </a:r>
+                <a:endParaRPr lang="en-US" altLang="ko-KR"/>
+              </a:p>
+            </p:txBody>
+          </p:sp>
+        </p:grpSp>
+      </p:grpSp>
     </p:spTree>
   </p:cSld>
   <p:clrMapOvr>
@@ -15935,7 +17690,7 @@
             </a:pPr>
             <a:r>
               <a:rPr kumimoji="1" lang="en-US" altLang="ko-KR" sz="4800"/>
-              <a:t>4-2. Flow_Chart</a:t>
+              <a:t>4-2. Menu_Tree</a:t>
             </a:r>
             <a:endParaRPr kumimoji="1" lang="en-US" altLang="ko-KR" sz="4800"/>
           </a:p>
@@ -15957,8 +17712,8 @@
         </p:blipFill>
         <p:spPr>
           <a:xfrm>
-            <a:off x="1604495" y="1333914"/>
-            <a:ext cx="8983010" cy="5524086"/>
+            <a:off x="1980879" y="1367790"/>
+            <a:ext cx="8230241" cy="5490210"/>
           </a:xfrm>
           <a:prstGeom prst="rect">
             <a:avLst/>
@@ -16044,6 +17799,115 @@
             </a:pPr>
             <a:r>
               <a:rPr kumimoji="1" lang="en-US" altLang="ko-KR" sz="4800"/>
+              <a:t>4-3. Flow_Chart</a:t>
+            </a:r>
+            <a:endParaRPr kumimoji="1" lang="en-US" altLang="ko-KR" sz="4800"/>
+          </a:p>
+        </p:txBody>
+      </p:sp>
+      <p:pic>
+        <p:nvPicPr>
+          <p:cNvPr id="6" name=""/>
+          <p:cNvPicPr>
+            <a:picLocks noChangeAspect="1"/>
+          </p:cNvPicPr>
+          <p:nvPr/>
+        </p:nvPicPr>
+        <p:blipFill rotWithShape="1">
+          <a:blip r:embed="rId2"/>
+          <a:stretch>
+            <a:fillRect/>
+          </a:stretch>
+        </p:blipFill>
+        <p:spPr>
+          <a:xfrm>
+            <a:off x="1604495" y="1333914"/>
+            <a:ext cx="8983010" cy="5524086"/>
+          </a:xfrm>
+          <a:prstGeom prst="rect">
+            <a:avLst/>
+          </a:prstGeom>
+        </p:spPr>
+      </p:pic>
+    </p:spTree>
+  </p:cSld>
+  <p:clrMapOvr>
+    <a:masterClrMapping/>
+  </p:clrMapOvr>
+  <mc:AlternateContent xmlns:mc="http://schemas.openxmlformats.org/markup-compatibility/2006">
+    <mc:Choice xmlns:p14="http://schemas.microsoft.com/office/powerpoint/2010/main" Requires="p14">
+      <p:transition xmlns:mc="http://schemas.openxmlformats.org/markup-compatibility/2006" xmlns:p14="http://schemas.microsoft.com/office/powerpoint/2010/main" mc:Ignorable="p14" p14:dur="500"/>
+    </mc:Choice>
+    <mc:Fallback>
+      <p:transition/>
+    </mc:Fallback>
+  </mc:AlternateContent>
+</p:sld>
+</file>
+
+<file path=ppt/slides/slide34.xml><?xml version="1.0" encoding="utf-8"?>
+<p:sld xmlns:r="http://schemas.openxmlformats.org/officeDocument/2006/relationships" xmlns:c="http://schemas.openxmlformats.org/drawingml/2006/chart" xmlns:a="http://schemas.openxmlformats.org/drawingml/2006/main" xmlns:dgm="http://schemas.openxmlformats.org/drawingml/2006/diagram" xmlns:dsp="http://schemas.microsoft.com/office/drawing/2008/diagram" xmlns:p="http://schemas.openxmlformats.org/presentationml/2006/main">
+  <p:cSld>
+    <p:spTree>
+      <p:nvGrpSpPr>
+        <p:cNvPr id="1" name=""/>
+        <p:cNvGrpSpPr/>
+        <p:nvPr/>
+      </p:nvGrpSpPr>
+      <p:grpSpPr>
+        <a:xfrm>
+          <a:off x="0" y="0"/>
+          <a:ext cx="0" cy="0"/>
+          <a:chOff x="0" y="0"/>
+          <a:chExt cx="0" cy="0"/>
+        </a:xfrm>
+      </p:grpSpPr>
+      <p:sp>
+        <p:nvSpPr>
+          <p:cNvPr id="4" name="직사각형 9"/>
+          <p:cNvSpPr/>
+          <p:nvPr/>
+        </p:nvSpPr>
+        <p:spPr>
+          <a:xfrm>
+            <a:off x="0" y="0"/>
+            <a:ext cx="12192001" cy="1338109"/>
+          </a:xfrm>
+          <a:prstGeom prst="rect">
+            <a:avLst/>
+          </a:prstGeom>
+          <a:solidFill>
+            <a:schemeClr val="accent1"/>
+          </a:solidFill>
+          <a:ln>
+            <a:noFill/>
+          </a:ln>
+        </p:spPr>
+        <p:style>
+          <a:lnRef idx="2">
+            <a:schemeClr val="accent1">
+              <a:shade val="50000"/>
+            </a:schemeClr>
+          </a:lnRef>
+          <a:fillRef idx="1">
+            <a:schemeClr val="accent1"/>
+          </a:fillRef>
+          <a:effectRef idx="0">
+            <a:schemeClr val="accent1"/>
+          </a:effectRef>
+          <a:fontRef idx="minor">
+            <a:schemeClr val="lt1"/>
+          </a:fontRef>
+        </p:style>
+        <p:txBody>
+          <a:bodyPr anchor="ctr"/>
+          <a:lstStyle/>
+          <a:p>
+            <a:pPr>
+              <a:defRPr/>
+            </a:pPr>
+            <a:r>
+              <a:rPr kumimoji="1" lang="en-US" altLang="ko-KR" sz="4800"/>
               <a:t>4-3. Sequence</a:t>
             </a:r>
             <a:endParaRPr kumimoji="1" lang="en-US" altLang="ko-KR" sz="4800"/>
@@ -16066,7 +17930,7 @@
 </p:sld>
 </file>
 
-<file path=ppt/slides/slide34.xml><?xml version="1.0" encoding="utf-8"?>
+<file path=ppt/slides/slide35.xml><?xml version="1.0" encoding="utf-8"?>
 <p:sld xmlns:a="http://schemas.openxmlformats.org/drawingml/2006/main" xmlns:r="http://schemas.openxmlformats.org/officeDocument/2006/relationships" xmlns:p="http://schemas.openxmlformats.org/presentationml/2006/main">
   <p:cSld>
     <p:spTree>
@@ -16385,7 +18249,7 @@
 </p:sld>
 </file>
 
-<file path=ppt/slides/slide35.xml><?xml version="1.0" encoding="utf-8"?>
+<file path=ppt/slides/slide36.xml><?xml version="1.0" encoding="utf-8"?>
 <p:sld xmlns:r="http://schemas.openxmlformats.org/officeDocument/2006/relationships" xmlns:c="http://schemas.openxmlformats.org/drawingml/2006/chart" xmlns:a="http://schemas.openxmlformats.org/drawingml/2006/main" xmlns:dgm="http://schemas.openxmlformats.org/drawingml/2006/diagram" xmlns:dsp="http://schemas.microsoft.com/office/drawing/2008/diagram" xmlns:p="http://schemas.openxmlformats.org/presentationml/2006/main">
   <p:cSld>
     <p:spTree>
@@ -16596,7 +18460,7 @@
 </p:sld>
 </file>
 
-<file path=ppt/slides/slide36.xml><?xml version="1.0" encoding="utf-8"?>
+<file path=ppt/slides/slide37.xml><?xml version="1.0" encoding="utf-8"?>
 <p:sld xmlns:a="http://schemas.openxmlformats.org/drawingml/2006/main" xmlns:r="http://schemas.openxmlformats.org/officeDocument/2006/relationships" xmlns:p="http://schemas.openxmlformats.org/presentationml/2006/main">
   <p:cSld>
     <p:spTree>
@@ -16874,7 +18738,7 @@
 </p:sld>
 </file>
 
-<file path=ppt/slides/slide37.xml><?xml version="1.0" encoding="utf-8"?>
+<file path=ppt/slides/slide38.xml><?xml version="1.0" encoding="utf-8"?>
 <p:sld xmlns:r="http://schemas.openxmlformats.org/officeDocument/2006/relationships" xmlns:c="http://schemas.openxmlformats.org/drawingml/2006/chart" xmlns:a="http://schemas.openxmlformats.org/drawingml/2006/main" xmlns:dgm="http://schemas.openxmlformats.org/drawingml/2006/diagram" xmlns:dsp="http://schemas.microsoft.com/office/drawing/2008/diagram" xmlns:p="http://schemas.openxmlformats.org/presentationml/2006/main">
   <p:cSld>
     <p:spTree>
@@ -16979,7 +18843,7 @@
 </p:sld>
 </file>
 
-<file path=ppt/slides/slide38.xml><?xml version="1.0" encoding="utf-8"?>
+<file path=ppt/slides/slide39.xml><?xml version="1.0" encoding="utf-8"?>
 <p:sld xmlns:a="http://schemas.openxmlformats.org/drawingml/2006/main" xmlns:r="http://schemas.openxmlformats.org/officeDocument/2006/relationships" xmlns:p="http://schemas.openxmlformats.org/presentationml/2006/main">
   <p:cSld>
     <p:spTree>
@@ -17257,7 +19121,96 @@
 </p:sld>
 </file>
 
-<file path=ppt/slides/slide39.xml><?xml version="1.0" encoding="utf-8"?>
+<file path=ppt/slides/slide4.xml><?xml version="1.0" encoding="utf-8"?>
+<p:sld xmlns:r="http://schemas.openxmlformats.org/officeDocument/2006/relationships" xmlns:c="http://schemas.openxmlformats.org/drawingml/2006/chart" xmlns:a="http://schemas.openxmlformats.org/drawingml/2006/main" xmlns:dgm="http://schemas.openxmlformats.org/drawingml/2006/diagram" xmlns:dsp="http://schemas.microsoft.com/office/drawing/2008/diagram" xmlns:p="http://schemas.openxmlformats.org/presentationml/2006/main">
+  <p:cSld>
+    <p:spTree>
+      <p:nvGrpSpPr>
+        <p:cNvPr id="1" name=""/>
+        <p:cNvGrpSpPr/>
+        <p:nvPr/>
+      </p:nvGrpSpPr>
+      <p:grpSpPr>
+        <a:xfrm>
+          <a:off x="0" y="0"/>
+          <a:ext cx="0" cy="0"/>
+          <a:chOff x="0" y="0"/>
+          <a:chExt cx="0" cy="0"/>
+        </a:xfrm>
+      </p:grpSpPr>
+      <p:sp>
+        <p:nvSpPr>
+          <p:cNvPr id="2" name="제목 1"/>
+          <p:cNvSpPr>
+            <a:spLocks noGrp="1"/>
+          </p:cNvSpPr>
+          <p:nvPr>
+            <p:ph type="title" idx="0"/>
+          </p:nvPr>
+        </p:nvSpPr>
+        <p:spPr/>
+        <p:txBody>
+          <a:bodyPr/>
+          <a:lstStyle/>
+          <a:p>
+            <a:pPr lvl="0">
+              <a:defRPr/>
+            </a:pPr>
+            <a:r>
+              <a:rPr lang="ko-KR" altLang="en-US"/>
+              <a:t>아이디어 노트</a:t>
+            </a:r>
+            <a:endParaRPr lang="ko-KR" altLang="en-US"/>
+          </a:p>
+        </p:txBody>
+      </p:sp>
+      <p:sp>
+        <p:nvSpPr>
+          <p:cNvPr id="5" name="내용 개체 틀 4"/>
+          <p:cNvSpPr>
+            <a:spLocks noGrp="1"/>
+          </p:cNvSpPr>
+          <p:nvPr>
+            <p:ph idx="1"/>
+          </p:nvPr>
+        </p:nvSpPr>
+        <p:spPr/>
+        <p:txBody>
+          <a:bodyPr/>
+          <a:lstStyle/>
+          <a:p>
+            <a:pPr lvl="0">
+              <a:defRPr/>
+            </a:pPr>
+            <a:r>
+              <a:rPr lang="ko-KR" altLang="en-US"/>
+              <a:t>개발하고자 하는 아이디어에 대해 기술한다</a:t>
+            </a:r>
+            <a:r>
+              <a:rPr lang="en-US" altLang="ko-KR"/>
+              <a:t>.</a:t>
+            </a:r>
+            <a:endParaRPr lang="ko-KR" altLang="en-US"/>
+          </a:p>
+        </p:txBody>
+      </p:sp>
+    </p:spTree>
+  </p:cSld>
+  <p:clrMapOvr>
+    <a:masterClrMapping/>
+  </p:clrMapOvr>
+  <mc:AlternateContent xmlns:mc="http://schemas.openxmlformats.org/markup-compatibility/2006">
+    <mc:Choice xmlns:p14="http://schemas.microsoft.com/office/powerpoint/2010/main" Requires="p14">
+      <p:transition xmlns:mc="http://schemas.openxmlformats.org/markup-compatibility/2006" xmlns:p14="http://schemas.microsoft.com/office/powerpoint/2010/main" mc:Ignorable="p14" p14:dur="500"/>
+    </mc:Choice>
+    <mc:Fallback>
+      <p:transition/>
+    </mc:Fallback>
+  </mc:AlternateContent>
+</p:sld>
+</file>
+
+<file path=ppt/slides/slide40.xml><?xml version="1.0" encoding="utf-8"?>
 <p:sld xmlns:a="http://schemas.openxmlformats.org/drawingml/2006/main" xmlns:r="http://schemas.openxmlformats.org/officeDocument/2006/relationships" xmlns:p="http://schemas.openxmlformats.org/presentationml/2006/main">
   <p:cSld>
     <p:spTree>
@@ -17345,96 +19298,7 @@
 </p:sld>
 </file>
 
-<file path=ppt/slides/slide4.xml><?xml version="1.0" encoding="utf-8"?>
-<p:sld xmlns:r="http://schemas.openxmlformats.org/officeDocument/2006/relationships" xmlns:c="http://schemas.openxmlformats.org/drawingml/2006/chart" xmlns:a="http://schemas.openxmlformats.org/drawingml/2006/main" xmlns:dgm="http://schemas.openxmlformats.org/drawingml/2006/diagram" xmlns:dsp="http://schemas.microsoft.com/office/drawing/2008/diagram" xmlns:p="http://schemas.openxmlformats.org/presentationml/2006/main">
-  <p:cSld>
-    <p:spTree>
-      <p:nvGrpSpPr>
-        <p:cNvPr id="1" name=""/>
-        <p:cNvGrpSpPr/>
-        <p:nvPr/>
-      </p:nvGrpSpPr>
-      <p:grpSpPr>
-        <a:xfrm>
-          <a:off x="0" y="0"/>
-          <a:ext cx="0" cy="0"/>
-          <a:chOff x="0" y="0"/>
-          <a:chExt cx="0" cy="0"/>
-        </a:xfrm>
-      </p:grpSpPr>
-      <p:sp>
-        <p:nvSpPr>
-          <p:cNvPr id="2" name="제목 1"/>
-          <p:cNvSpPr>
-            <a:spLocks noGrp="1"/>
-          </p:cNvSpPr>
-          <p:nvPr>
-            <p:ph type="title" idx="0"/>
-          </p:nvPr>
-        </p:nvSpPr>
-        <p:spPr/>
-        <p:txBody>
-          <a:bodyPr/>
-          <a:lstStyle/>
-          <a:p>
-            <a:pPr lvl="0">
-              <a:defRPr/>
-            </a:pPr>
-            <a:r>
-              <a:rPr lang="ko-KR" altLang="en-US"/>
-              <a:t>아이디어 노트</a:t>
-            </a:r>
-            <a:endParaRPr lang="ko-KR" altLang="en-US"/>
-          </a:p>
-        </p:txBody>
-      </p:sp>
-      <p:sp>
-        <p:nvSpPr>
-          <p:cNvPr id="5" name="내용 개체 틀 4"/>
-          <p:cNvSpPr>
-            <a:spLocks noGrp="1"/>
-          </p:cNvSpPr>
-          <p:nvPr>
-            <p:ph idx="1"/>
-          </p:nvPr>
-        </p:nvSpPr>
-        <p:spPr/>
-        <p:txBody>
-          <a:bodyPr/>
-          <a:lstStyle/>
-          <a:p>
-            <a:pPr lvl="0">
-              <a:defRPr/>
-            </a:pPr>
-            <a:r>
-              <a:rPr lang="ko-KR" altLang="en-US"/>
-              <a:t>개발하고자 하는 아이디어에 대해 기술한다</a:t>
-            </a:r>
-            <a:r>
-              <a:rPr lang="en-US" altLang="ko-KR"/>
-              <a:t>.</a:t>
-            </a:r>
-            <a:endParaRPr lang="ko-KR" altLang="en-US"/>
-          </a:p>
-        </p:txBody>
-      </p:sp>
-    </p:spTree>
-  </p:cSld>
-  <p:clrMapOvr>
-    <a:masterClrMapping/>
-  </p:clrMapOvr>
-  <mc:AlternateContent xmlns:mc="http://schemas.openxmlformats.org/markup-compatibility/2006">
-    <mc:Choice xmlns:p14="http://schemas.microsoft.com/office/powerpoint/2010/main" Requires="p14">
-      <p:transition xmlns:mc="http://schemas.openxmlformats.org/markup-compatibility/2006" xmlns:p14="http://schemas.microsoft.com/office/powerpoint/2010/main" mc:Ignorable="p14" p14:dur="500"/>
-    </mc:Choice>
-    <mc:Fallback>
-      <p:transition/>
-    </mc:Fallback>
-  </mc:AlternateContent>
-</p:sld>
-</file>
-
-<file path=ppt/slides/slide40.xml><?xml version="1.0" encoding="utf-8"?>
+<file path=ppt/slides/slide41.xml><?xml version="1.0" encoding="utf-8"?>
 <p:sld xmlns:a="http://schemas.openxmlformats.org/drawingml/2006/main" xmlns:r="http://schemas.openxmlformats.org/officeDocument/2006/relationships" xmlns:p="http://schemas.openxmlformats.org/presentationml/2006/main">
   <p:cSld>
     <p:spTree>
@@ -17731,7 +19595,7 @@
 </p:sld>
 </file>
 
-<file path=ppt/slides/slide41.xml><?xml version="1.0" encoding="utf-8"?>
+<file path=ppt/slides/slide42.xml><?xml version="1.0" encoding="utf-8"?>
 <p:sld xmlns:a="http://schemas.openxmlformats.org/drawingml/2006/main" xmlns:r="http://schemas.openxmlformats.org/officeDocument/2006/relationships" xmlns:p="http://schemas.openxmlformats.org/presentationml/2006/main">
   <p:cSld>
     <p:spTree>

--- a/2021_Summer/jp.hong/Project_BnC_jph.pptx
+++ b/2021_Summer/jp.hong/Project_BnC_jph.pptx
@@ -2,7 +2,7 @@
 <file path=ppt/presentation.xml><?xml version="1.0" encoding="utf-8"?>
 <p:presentation xmlns:r="http://schemas.openxmlformats.org/officeDocument/2006/relationships" xmlns:c="http://schemas.openxmlformats.org/drawingml/2006/chart" xmlns:a="http://schemas.openxmlformats.org/drawingml/2006/main" xmlns:dgm="http://schemas.openxmlformats.org/drawingml/2006/diagram" xmlns:dsp="http://schemas.microsoft.com/office/drawing/2008/diagram" xmlns:p="http://schemas.openxmlformats.org/presentationml/2006/main">
   <p:sldMasterIdLst>
-    <p:sldMasterId id="2147483673" r:id="rId1"/>
+    <p:sldMasterId id="2147483670" r:id="rId1"/>
   </p:sldMasterIdLst>
   <p:notesMasterIdLst>
     <p:notesMasterId r:id="rId2"/>
@@ -33,26 +33,28 @@
     <p:sldId id="325" r:id="rId25"/>
     <p:sldId id="326" r:id="rId26"/>
     <p:sldId id="327" r:id="rId27"/>
-    <p:sldId id="329" r:id="rId28"/>
-    <p:sldId id="334" r:id="rId29"/>
-    <p:sldId id="333" r:id="rId30"/>
-    <p:sldId id="289" r:id="rId31"/>
-    <p:sldId id="297" r:id="rId32"/>
-    <p:sldId id="290" r:id="rId33"/>
-    <p:sldId id="344" r:id="rId34"/>
-    <p:sldId id="298" r:id="rId35"/>
-    <p:sldId id="341" r:id="rId36"/>
-    <p:sldId id="335" r:id="rId37"/>
-    <p:sldId id="336" r:id="rId38"/>
-    <p:sldId id="337" r:id="rId39"/>
-    <p:sldId id="291" r:id="rId40"/>
-    <p:sldId id="299" r:id="rId41"/>
-    <p:sldId id="292" r:id="rId42"/>
-    <p:sldId id="300" r:id="rId43"/>
-    <p:sldId id="306" r:id="rId44"/>
-    <p:sldId id="307" r:id="rId45"/>
-    <p:sldId id="294" r:id="rId46"/>
-    <p:sldId id="302" r:id="rId47"/>
+    <p:sldId id="345" r:id="rId28"/>
+    <p:sldId id="329" r:id="rId29"/>
+    <p:sldId id="334" r:id="rId30"/>
+    <p:sldId id="333" r:id="rId31"/>
+    <p:sldId id="289" r:id="rId32"/>
+    <p:sldId id="297" r:id="rId33"/>
+    <p:sldId id="290" r:id="rId34"/>
+    <p:sldId id="344" r:id="rId35"/>
+    <p:sldId id="298" r:id="rId36"/>
+    <p:sldId id="341" r:id="rId37"/>
+    <p:sldId id="346" r:id="rId38"/>
+    <p:sldId id="335" r:id="rId39"/>
+    <p:sldId id="336" r:id="rId40"/>
+    <p:sldId id="337" r:id="rId41"/>
+    <p:sldId id="291" r:id="rId42"/>
+    <p:sldId id="299" r:id="rId43"/>
+    <p:sldId id="292" r:id="rId44"/>
+    <p:sldId id="300" r:id="rId45"/>
+    <p:sldId id="306" r:id="rId46"/>
+    <p:sldId id="307" r:id="rId47"/>
+    <p:sldId id="294" r:id="rId48"/>
+    <p:sldId id="302" r:id="rId49"/>
   </p:sldIdLst>
   <p:sldSz cx="12192000" cy="6858000"/>
   <p:notesSz cx="7104063" cy="10234613"/>
@@ -249,7 +251,7 @@
               <a:pPr lvl="0">
                 <a:defRPr/>
               </a:pPr>
-              <a:t>2021-07-08</a:t>
+              <a:t>2021-07-09</a:t>
             </a:fld>
             <a:endParaRPr lang="ko-KR" altLang="en-US"/>
           </a:p>
@@ -689,7 +691,7 @@
                 <a:buNone/>
                 <a:defRPr/>
               </a:pPr>
-              <a:t>31</a:t>
+              <a:t>32</a:t>
             </a:fld>
             <a:endParaRPr lang="en-US" sz="1200">
               <a:latin typeface="+mn-lt"/>
@@ -8197,32 +8199,6 @@
           <a:chExt cx="0" cy="0"/>
         </a:xfrm>
       </p:grpSpPr>
-      <p:sp>
-        <p:nvSpPr>
-          <p:cNvPr id="2" name="제목 1"/>
-          <p:cNvSpPr>
-            <a:spLocks noGrp="1"/>
-          </p:cNvSpPr>
-          <p:nvPr>
-            <p:ph type="title" idx="0"/>
-          </p:nvPr>
-        </p:nvSpPr>
-        <p:spPr/>
-        <p:txBody>
-          <a:bodyPr/>
-          <a:lstStyle/>
-          <a:p>
-            <a:pPr lvl="0">
-              <a:defRPr/>
-            </a:pPr>
-            <a:r>
-              <a:rPr lang="ko-KR" altLang="en-US"/>
-              <a:t/>
-            </a:r>
-            <a:endParaRPr lang="ko-KR" altLang="en-US"/>
-          </a:p>
-        </p:txBody>
-      </p:sp>
       <p:graphicFrame>
         <p:nvGraphicFramePr>
           <p:cNvPr id="4" name="내용 개체 틀 3"/>
@@ -8234,7 +8210,7 @@
           </p:nvPr>
         </p:nvGraphicFramePr>
         <p:xfrm>
-          <a:off x="1123658" y="2996809"/>
+          <a:off x="1065342" y="1305635"/>
           <a:ext cx="6199402" cy="974724"/>
         </p:xfrm>
         <a:graphic>
@@ -9363,7 +9339,7 @@
           <p:nvPr/>
         </p:nvGraphicFramePr>
         <p:xfrm>
-          <a:off x="1123658" y="4835694"/>
+          <a:off x="1065341" y="2987040"/>
           <a:ext cx="3898900" cy="441960"/>
         </p:xfrm>
         <a:graphic>
@@ -15720,9 +15696,33 @@
           <a:chExt cx="0" cy="0"/>
         </a:xfrm>
       </p:grpSpPr>
+      <p:pic>
+        <p:nvPicPr>
+          <p:cNvPr id="4" name=""/>
+          <p:cNvPicPr>
+            <a:picLocks noChangeAspect="1"/>
+          </p:cNvPicPr>
+          <p:nvPr/>
+        </p:nvPicPr>
+        <p:blipFill rotWithShape="1">
+          <a:blip r:embed="rId2"/>
+          <a:stretch>
+            <a:fillRect/>
+          </a:stretch>
+        </p:blipFill>
+        <p:spPr>
+          <a:xfrm>
+            <a:off x="2557883" y="1336249"/>
+            <a:ext cx="7076235" cy="5521750"/>
+          </a:xfrm>
+          <a:prstGeom prst="rect">
+            <a:avLst/>
+          </a:prstGeom>
+        </p:spPr>
+      </p:pic>
       <p:sp>
         <p:nvSpPr>
-          <p:cNvPr id="4" name="직사각형 9"/>
+          <p:cNvPr id="5" name="직사각형 9"/>
           <p:cNvSpPr/>
           <p:nvPr/>
         </p:nvSpPr>
@@ -15773,636 +15773,6 @@
               <a:t> 요구사항 분석 및 기능 정의</a:t>
             </a:r>
             <a:endParaRPr kumimoji="1" lang="ko-KR" altLang="en-US" sz="4800"/>
-          </a:p>
-        </p:txBody>
-      </p:sp>
-      <p:sp>
-        <p:nvSpPr>
-          <p:cNvPr id="5" name="직사각형 4"/>
-          <p:cNvSpPr/>
-          <p:nvPr/>
-        </p:nvSpPr>
-        <p:spPr>
-          <a:xfrm>
-            <a:off x="0" y="1773630"/>
-            <a:ext cx="12192000" cy="5074844"/>
-          </a:xfrm>
-          <a:prstGeom prst="rect">
-            <a:avLst/>
-          </a:prstGeom>
-          <a:noFill/>
-          <a:ln>
-            <a:noFill/>
-          </a:ln>
-        </p:spPr>
-        <p:style>
-          <a:lnRef idx="2">
-            <a:schemeClr val="accent1">
-              <a:shade val="20000"/>
-            </a:schemeClr>
-          </a:lnRef>
-          <a:fillRef idx="1">
-            <a:schemeClr val="accent1"/>
-          </a:fillRef>
-          <a:effectRef idx="0">
-            <a:schemeClr val="accent1"/>
-          </a:effectRef>
-          <a:fontRef idx="minor">
-            <a:schemeClr val="lt1"/>
-          </a:fontRef>
-        </p:style>
-        <p:txBody>
-          <a:bodyPr anchor="ctr"/>
-          <a:lstStyle/>
-          <a:p>
-            <a:pPr>
-              <a:defRPr/>
-            </a:pPr>
-            <a:r>
-              <a:rPr lang="ko-KR" altLang="en-US" sz="2000" b="1">
-                <a:solidFill>
-                  <a:schemeClr val="dk1"/>
-                </a:solidFill>
-              </a:rPr>
-              <a:t>개발에 필요한 요구사항 분석 </a:t>
-            </a:r>
-            <a:r>
-              <a:rPr lang="en-US" altLang="ko-KR" sz="2000" b="1">
-                <a:solidFill>
-                  <a:schemeClr val="dk1"/>
-                </a:solidFill>
-              </a:rPr>
-              <a:t>(</a:t>
-            </a:r>
-            <a:r>
-              <a:rPr lang="ko-KR" altLang="en-US" sz="2000" b="1">
-                <a:solidFill>
-                  <a:schemeClr val="dk1"/>
-                </a:solidFill>
-              </a:rPr>
-              <a:t>실현성 확인</a:t>
-            </a:r>
-            <a:r>
-              <a:rPr lang="en-US" altLang="ko-KR" sz="2000" b="1">
-                <a:solidFill>
-                  <a:schemeClr val="dk1"/>
-                </a:solidFill>
-              </a:rPr>
-              <a:t>)</a:t>
-            </a:r>
-            <a:endParaRPr lang="en-US" altLang="ko-KR" sz="2000" b="1">
-              <a:solidFill>
-                <a:schemeClr val="dk1"/>
-              </a:solidFill>
-            </a:endParaRPr>
-          </a:p>
-          <a:p>
-            <a:pPr>
-              <a:defRPr/>
-            </a:pPr>
-            <a:endParaRPr lang="en-US" altLang="ko-KR" sz="2000">
-              <a:solidFill>
-                <a:schemeClr val="dk1"/>
-              </a:solidFill>
-            </a:endParaRPr>
-          </a:p>
-          <a:p>
-            <a:pPr>
-              <a:defRPr/>
-            </a:pPr>
-            <a:r>
-              <a:rPr lang="en-US" altLang="ko-KR" sz="2000">
-                <a:solidFill>
-                  <a:schemeClr val="dk1"/>
-                </a:solidFill>
-              </a:rPr>
-              <a:t>Main</a:t>
-            </a:r>
-            <a:r>
-              <a:rPr lang="ko-KR" altLang="en-US" sz="2000">
-                <a:solidFill>
-                  <a:schemeClr val="dk1"/>
-                </a:solidFill>
-              </a:rPr>
-              <a:t> 화면</a:t>
-            </a:r>
-            <a:endParaRPr lang="ko-KR" altLang="en-US" sz="2000">
-              <a:solidFill>
-                <a:schemeClr val="dk1"/>
-              </a:solidFill>
-            </a:endParaRPr>
-          </a:p>
-          <a:p>
-            <a:pPr>
-              <a:defRPr/>
-            </a:pPr>
-            <a:r>
-              <a:rPr lang="ko-KR" altLang="en-US" sz="2000">
-                <a:solidFill>
-                  <a:schemeClr val="dk1"/>
-                </a:solidFill>
-              </a:rPr>
-              <a:t> </a:t>
-            </a:r>
-            <a:r>
-              <a:rPr lang="en-US" altLang="ko-KR" sz="2000">
-                <a:solidFill>
-                  <a:schemeClr val="dk1"/>
-                </a:solidFill>
-              </a:rPr>
-              <a:t>-</a:t>
-            </a:r>
-            <a:r>
-              <a:rPr lang="ko-KR" altLang="en-US" sz="2000">
-                <a:solidFill>
-                  <a:schemeClr val="dk1"/>
-                </a:solidFill>
-              </a:rPr>
-              <a:t> 차량의 주행거리를 받아 총 주행거리와 정비가 필요한 목록을 보여줌</a:t>
-            </a:r>
-            <a:r>
-              <a:rPr lang="en-US" altLang="ko-KR" sz="2000">
-                <a:solidFill>
-                  <a:schemeClr val="dk1"/>
-                </a:solidFill>
-              </a:rPr>
-              <a:t>.</a:t>
-            </a:r>
-            <a:endParaRPr lang="en-US" altLang="ko-KR" sz="2000">
-              <a:solidFill>
-                <a:schemeClr val="dk1"/>
-              </a:solidFill>
-            </a:endParaRPr>
-          </a:p>
-          <a:p>
-            <a:pPr>
-              <a:defRPr/>
-            </a:pPr>
-            <a:r>
-              <a:rPr lang="ko-KR" altLang="en-US" sz="2000">
-                <a:solidFill>
-                  <a:schemeClr val="dk1"/>
-                </a:solidFill>
-              </a:rPr>
-              <a:t> </a:t>
-            </a:r>
-            <a:r>
-              <a:rPr lang="en-US" altLang="ko-KR" sz="2000">
-                <a:solidFill>
-                  <a:schemeClr val="dk1"/>
-                </a:solidFill>
-              </a:rPr>
-              <a:t>-</a:t>
-            </a:r>
-            <a:r>
-              <a:rPr lang="ko-KR" altLang="en-US" sz="2000">
-                <a:solidFill>
-                  <a:schemeClr val="dk1"/>
-                </a:solidFill>
-              </a:rPr>
-              <a:t> 차량의 주행거리를 자동적으로 </a:t>
-            </a:r>
-            <a:r>
-              <a:rPr lang="en-US" altLang="ko-KR" sz="2000">
-                <a:solidFill>
-                  <a:schemeClr val="dk1"/>
-                </a:solidFill>
-              </a:rPr>
-              <a:t>DB</a:t>
-            </a:r>
-            <a:r>
-              <a:rPr lang="ko-KR" altLang="en-US" sz="2000">
-                <a:solidFill>
-                  <a:schemeClr val="dk1"/>
-                </a:solidFill>
-              </a:rPr>
-              <a:t>로 끌어올 수 있는지</a:t>
-            </a:r>
-            <a:r>
-              <a:rPr lang="en-US" altLang="ko-KR" sz="2000">
-                <a:solidFill>
-                  <a:schemeClr val="dk1"/>
-                </a:solidFill>
-              </a:rPr>
-              <a:t>?</a:t>
-            </a:r>
-            <a:r>
-              <a:rPr lang="ko-KR" altLang="en-US" sz="2000">
-                <a:solidFill>
-                  <a:schemeClr val="dk1"/>
-                </a:solidFill>
-              </a:rPr>
-              <a:t> </a:t>
-            </a:r>
-            <a:r>
-              <a:rPr lang="en-US" altLang="ko-KR" sz="2000">
-                <a:solidFill>
-                  <a:schemeClr val="dk1"/>
-                </a:solidFill>
-              </a:rPr>
-              <a:t>-&gt;</a:t>
-            </a:r>
-            <a:r>
-              <a:rPr lang="ko-KR" altLang="en-US" sz="2000">
-                <a:solidFill>
-                  <a:schemeClr val="dk1"/>
-                </a:solidFill>
-              </a:rPr>
-              <a:t> 핵심 검색해봐야 함</a:t>
-            </a:r>
-            <a:endParaRPr lang="ko-KR" altLang="en-US" sz="2000">
-              <a:solidFill>
-                <a:schemeClr val="dk1"/>
-              </a:solidFill>
-            </a:endParaRPr>
-          </a:p>
-          <a:p>
-            <a:pPr>
-              <a:defRPr/>
-            </a:pPr>
-            <a:endParaRPr lang="ko-KR" altLang="en-US" sz="2000">
-              <a:solidFill>
-                <a:schemeClr val="dk1"/>
-              </a:solidFill>
-            </a:endParaRPr>
-          </a:p>
-          <a:p>
-            <a:pPr>
-              <a:defRPr/>
-            </a:pPr>
-            <a:r>
-              <a:rPr lang="ko-KR" altLang="en-US" sz="2000">
-                <a:solidFill>
-                  <a:schemeClr val="dk1"/>
-                </a:solidFill>
-              </a:rPr>
-              <a:t>목록을 구성하여 각 화면에서 원하는 화면으로 전환</a:t>
-            </a:r>
-            <a:endParaRPr lang="ko-KR" altLang="en-US" sz="2000">
-              <a:solidFill>
-                <a:schemeClr val="dk1"/>
-              </a:solidFill>
-            </a:endParaRPr>
-          </a:p>
-          <a:p>
-            <a:pPr>
-              <a:defRPr/>
-            </a:pPr>
-            <a:r>
-              <a:rPr lang="en-US" altLang="ko-KR" sz="2000">
-                <a:solidFill>
-                  <a:schemeClr val="dk1"/>
-                </a:solidFill>
-              </a:rPr>
-              <a:t>-&gt;</a:t>
-            </a:r>
-            <a:r>
-              <a:rPr lang="ko-KR" altLang="en-US" sz="2000">
-                <a:solidFill>
-                  <a:schemeClr val="dk1"/>
-                </a:solidFill>
-              </a:rPr>
-              <a:t> </a:t>
-            </a:r>
-            <a:r>
-              <a:rPr lang="en-US" altLang="ko-KR" sz="2000">
-                <a:solidFill>
-                  <a:schemeClr val="dk1"/>
-                </a:solidFill>
-              </a:rPr>
-              <a:t>Android Studio - Navigation Drawer Activity</a:t>
-            </a:r>
-            <a:r>
-              <a:rPr lang="ko-KR" altLang="en-US" sz="2000">
-                <a:solidFill>
-                  <a:schemeClr val="dk1"/>
-                </a:solidFill>
-              </a:rPr>
-              <a:t> 활용</a:t>
-            </a:r>
-            <a:endParaRPr lang="ko-KR" altLang="en-US" sz="2000">
-              <a:solidFill>
-                <a:schemeClr val="dk1"/>
-              </a:solidFill>
-            </a:endParaRPr>
-          </a:p>
-          <a:p>
-            <a:pPr>
-              <a:defRPr/>
-            </a:pPr>
-            <a:endParaRPr lang="ko-KR" altLang="en-US" sz="2000">
-              <a:solidFill>
-                <a:schemeClr val="dk1"/>
-              </a:solidFill>
-            </a:endParaRPr>
-          </a:p>
-          <a:p>
-            <a:pPr>
-              <a:defRPr/>
-            </a:pPr>
-            <a:r>
-              <a:rPr lang="ko-KR" altLang="en-US" sz="2000">
-                <a:solidFill>
-                  <a:schemeClr val="dk1"/>
-                </a:solidFill>
-              </a:rPr>
-              <a:t>회원가입</a:t>
-            </a:r>
-            <a:endParaRPr lang="ko-KR" altLang="en-US" sz="2000">
-              <a:solidFill>
-                <a:schemeClr val="dk1"/>
-              </a:solidFill>
-            </a:endParaRPr>
-          </a:p>
-          <a:p>
-            <a:pPr>
-              <a:defRPr/>
-            </a:pPr>
-            <a:r>
-              <a:rPr lang="ko-KR" altLang="en-US" sz="2000">
-                <a:solidFill>
-                  <a:schemeClr val="dk1"/>
-                </a:solidFill>
-              </a:rPr>
-              <a:t> </a:t>
-            </a:r>
-            <a:r>
-              <a:rPr lang="en-US" altLang="ko-KR" sz="2000">
-                <a:solidFill>
-                  <a:schemeClr val="dk1"/>
-                </a:solidFill>
-              </a:rPr>
-              <a:t>-</a:t>
-            </a:r>
-            <a:r>
-              <a:rPr lang="ko-KR" altLang="en-US" sz="2000">
-                <a:solidFill>
-                  <a:schemeClr val="dk1"/>
-                </a:solidFill>
-              </a:rPr>
-              <a:t> </a:t>
-            </a:r>
-            <a:r>
-              <a:rPr lang="en-US" altLang="ko-KR" sz="2000">
-                <a:solidFill>
-                  <a:schemeClr val="dk1"/>
-                </a:solidFill>
-              </a:rPr>
-              <a:t>FireBase DB</a:t>
-            </a:r>
-            <a:r>
-              <a:rPr lang="ko-KR" altLang="en-US" sz="2000">
-                <a:solidFill>
-                  <a:schemeClr val="dk1"/>
-                </a:solidFill>
-              </a:rPr>
-              <a:t>을 활용하여 회원 정보 및 차량 정보 관리</a:t>
-            </a:r>
-            <a:endParaRPr lang="ko-KR" altLang="en-US" sz="2000">
-              <a:solidFill>
-                <a:schemeClr val="dk1"/>
-              </a:solidFill>
-            </a:endParaRPr>
-          </a:p>
-          <a:p>
-            <a:pPr>
-              <a:defRPr/>
-            </a:pPr>
-            <a:endParaRPr lang="ko-KR" altLang="en-US" sz="2000">
-              <a:solidFill>
-                <a:schemeClr val="dk1"/>
-              </a:solidFill>
-            </a:endParaRPr>
-          </a:p>
-          <a:p>
-            <a:pPr>
-              <a:defRPr/>
-            </a:pPr>
-            <a:r>
-              <a:rPr lang="ko-KR" altLang="en-US" sz="2000">
-                <a:solidFill>
-                  <a:schemeClr val="dk1"/>
-                </a:solidFill>
-              </a:rPr>
-              <a:t>채팅창 및 게시판 개설</a:t>
-            </a:r>
-            <a:endParaRPr lang="ko-KR" altLang="en-US" sz="2000">
-              <a:solidFill>
-                <a:schemeClr val="dk1"/>
-              </a:solidFill>
-            </a:endParaRPr>
-          </a:p>
-          <a:p>
-            <a:pPr>
-              <a:defRPr/>
-            </a:pPr>
-            <a:r>
-              <a:rPr lang="ko-KR" altLang="en-US" sz="2000">
-                <a:solidFill>
-                  <a:schemeClr val="dk1"/>
-                </a:solidFill>
-              </a:rPr>
-              <a:t> </a:t>
-            </a:r>
-            <a:r>
-              <a:rPr lang="en-US" altLang="ko-KR" sz="2000">
-                <a:solidFill>
-                  <a:schemeClr val="dk1"/>
-                </a:solidFill>
-              </a:rPr>
-              <a:t>-</a:t>
-            </a:r>
-            <a:r>
-              <a:rPr lang="ko-KR" altLang="en-US" sz="2000">
-                <a:solidFill>
-                  <a:schemeClr val="dk1"/>
-                </a:solidFill>
-              </a:rPr>
-              <a:t> </a:t>
-            </a:r>
-            <a:r>
-              <a:rPr lang="en-US" altLang="ko-KR" sz="2000">
-                <a:solidFill>
-                  <a:schemeClr val="dk1"/>
-                </a:solidFill>
-              </a:rPr>
-              <a:t>FireBase</a:t>
-            </a:r>
-            <a:r>
-              <a:rPr lang="ko-KR" altLang="en-US" sz="2000">
-                <a:solidFill>
-                  <a:schemeClr val="dk1"/>
-                </a:solidFill>
-              </a:rPr>
-              <a:t> </a:t>
-            </a:r>
-            <a:r>
-              <a:rPr lang="en-US" altLang="ko-KR" sz="2000">
-                <a:solidFill>
-                  <a:schemeClr val="dk1"/>
-                </a:solidFill>
-              </a:rPr>
-              <a:t>DB</a:t>
-            </a:r>
-            <a:r>
-              <a:rPr lang="ko-KR" altLang="en-US" sz="2000">
-                <a:solidFill>
-                  <a:schemeClr val="dk1"/>
-                </a:solidFill>
-              </a:rPr>
-              <a:t>을 활용하여 모든 내용을 저장하여 관리</a:t>
-            </a:r>
-            <a:endParaRPr lang="ko-KR" altLang="en-US" sz="2000">
-              <a:solidFill>
-                <a:schemeClr val="dk1"/>
-              </a:solidFill>
-            </a:endParaRPr>
-          </a:p>
-          <a:p>
-            <a:pPr>
-              <a:defRPr/>
-            </a:pPr>
-            <a:endParaRPr lang="en-US" altLang="ko-KR" sz="2000" strike="sngStrike">
-              <a:solidFill>
-                <a:schemeClr val="dk1"/>
-              </a:solidFill>
-            </a:endParaRPr>
-          </a:p>
-          <a:p>
-            <a:pPr>
-              <a:defRPr/>
-            </a:pPr>
-            <a:r>
-              <a:rPr lang="ko-KR" altLang="en-US" sz="2000" strike="sngStrike">
-                <a:solidFill>
-                  <a:schemeClr val="dk1"/>
-                </a:solidFill>
-              </a:rPr>
-              <a:t>가장 가까운 정비소 위치 찾기</a:t>
-            </a:r>
-            <a:endParaRPr lang="ko-KR" altLang="en-US" sz="2000" strike="sngStrike">
-              <a:solidFill>
-                <a:schemeClr val="dk1"/>
-              </a:solidFill>
-            </a:endParaRPr>
-          </a:p>
-          <a:p>
-            <a:pPr>
-              <a:defRPr/>
-            </a:pPr>
-            <a:r>
-              <a:rPr lang="ko-KR" altLang="en-US" sz="2000">
-                <a:solidFill>
-                  <a:schemeClr val="dk1"/>
-                </a:solidFill>
-              </a:rPr>
-              <a:t> </a:t>
-            </a:r>
-            <a:r>
-              <a:rPr lang="en-US" altLang="ko-KR" sz="2000">
-                <a:solidFill>
-                  <a:schemeClr val="dk1"/>
-                </a:solidFill>
-              </a:rPr>
-              <a:t>-</a:t>
-            </a:r>
-            <a:r>
-              <a:rPr lang="ko-KR" altLang="en-US" sz="2000">
-                <a:solidFill>
-                  <a:schemeClr val="dk1"/>
-                </a:solidFill>
-              </a:rPr>
-              <a:t> 데이터 부족</a:t>
-            </a:r>
-            <a:r>
-              <a:rPr lang="en-US" altLang="ko-KR" sz="2000">
-                <a:solidFill>
-                  <a:schemeClr val="dk1"/>
-                </a:solidFill>
-              </a:rPr>
-              <a:t>(</a:t>
-            </a:r>
-            <a:r>
-              <a:rPr lang="ko-KR" altLang="en-US" sz="2000">
-                <a:solidFill>
-                  <a:schemeClr val="dk1"/>
-                </a:solidFill>
-              </a:rPr>
-              <a:t>웹에서 검색 결과 적당한 결과물 </a:t>
-            </a:r>
-            <a:r>
-              <a:rPr lang="en-US" altLang="ko-KR" sz="2000">
-                <a:solidFill>
-                  <a:schemeClr val="dk1"/>
-                </a:solidFill>
-              </a:rPr>
-              <a:t>X,</a:t>
-            </a:r>
-            <a:r>
-              <a:rPr lang="ko-KR" altLang="en-US" sz="2000">
-                <a:solidFill>
-                  <a:schemeClr val="dk1"/>
-                </a:solidFill>
-              </a:rPr>
-              <a:t> 정비소 마다 취급하는 분야가 다른 경우도 있음</a:t>
-            </a:r>
-            <a:r>
-              <a:rPr lang="en-US" altLang="ko-KR" sz="2000">
-                <a:solidFill>
-                  <a:schemeClr val="dk1"/>
-                </a:solidFill>
-              </a:rPr>
-              <a:t>)</a:t>
-            </a:r>
-            <a:endParaRPr lang="en-US" altLang="ko-KR" sz="2000">
-              <a:solidFill>
-                <a:schemeClr val="dk1"/>
-              </a:solidFill>
-            </a:endParaRPr>
-          </a:p>
-          <a:p>
-            <a:pPr>
-              <a:defRPr/>
-            </a:pPr>
-            <a:r>
-              <a:rPr lang="ko-KR" altLang="en-US" sz="2000">
-                <a:solidFill>
-                  <a:schemeClr val="dk1"/>
-                </a:solidFill>
-              </a:rPr>
-              <a:t> </a:t>
-            </a:r>
-            <a:r>
-              <a:rPr lang="en-US" altLang="ko-KR" sz="2000">
-                <a:solidFill>
-                  <a:schemeClr val="dk1"/>
-                </a:solidFill>
-              </a:rPr>
-              <a:t>-</a:t>
-            </a:r>
-            <a:r>
-              <a:rPr lang="ko-KR" altLang="en-US" sz="2000">
-                <a:solidFill>
-                  <a:schemeClr val="dk1"/>
-                </a:solidFill>
-              </a:rPr>
-              <a:t> 실현성 부족</a:t>
-            </a:r>
-            <a:endParaRPr lang="ko-KR" altLang="en-US" sz="2000">
-              <a:solidFill>
-                <a:schemeClr val="dk1"/>
-              </a:solidFill>
-            </a:endParaRPr>
-          </a:p>
-          <a:p>
-            <a:pPr>
-              <a:defRPr/>
-            </a:pPr>
-            <a:endParaRPr lang="ko-KR" altLang="en-US" sz="2000">
-              <a:solidFill>
-                <a:schemeClr val="dk1"/>
-              </a:solidFill>
-            </a:endParaRPr>
           </a:p>
         </p:txBody>
       </p:sp>
@@ -16503,8 +15873,8 @@
         </p:nvSpPr>
         <p:spPr>
           <a:xfrm>
-            <a:off x="0" y="1335480"/>
-            <a:ext cx="12192000" cy="5512994"/>
+            <a:off x="0" y="1773630"/>
+            <a:ext cx="12192000" cy="5074844"/>
           </a:xfrm>
           <a:prstGeom prst="rect">
             <a:avLst/>
@@ -16590,12 +15960,414 @@
               <a:defRPr/>
             </a:pPr>
             <a:r>
+              <a:rPr lang="en-US" altLang="ko-KR" sz="2000">
+                <a:solidFill>
+                  <a:schemeClr val="dk1"/>
+                </a:solidFill>
+              </a:rPr>
+              <a:t>Main</a:t>
+            </a:r>
+            <a:r>
+              <a:rPr lang="ko-KR" altLang="en-US" sz="2000">
+                <a:solidFill>
+                  <a:schemeClr val="dk1"/>
+                </a:solidFill>
+              </a:rPr>
+              <a:t> 화면</a:t>
+            </a:r>
+            <a:endParaRPr lang="ko-KR" altLang="en-US" sz="2000">
+              <a:solidFill>
+                <a:schemeClr val="dk1"/>
+              </a:solidFill>
+            </a:endParaRPr>
+          </a:p>
+          <a:p>
+            <a:pPr>
+              <a:defRPr/>
+            </a:pPr>
+            <a:r>
+              <a:rPr lang="ko-KR" altLang="en-US" sz="2000">
+                <a:solidFill>
+                  <a:schemeClr val="dk1"/>
+                </a:solidFill>
+              </a:rPr>
+              <a:t> </a:t>
+            </a:r>
+            <a:r>
+              <a:rPr lang="en-US" altLang="ko-KR" sz="2000">
+                <a:solidFill>
+                  <a:schemeClr val="dk1"/>
+                </a:solidFill>
+              </a:rPr>
+              <a:t>-</a:t>
+            </a:r>
+            <a:r>
+              <a:rPr lang="ko-KR" altLang="en-US" sz="2000">
+                <a:solidFill>
+                  <a:schemeClr val="dk1"/>
+                </a:solidFill>
+              </a:rPr>
+              <a:t> 차량의 주행거리를 받아 총 주행거리와 정비가 필요한 목록을 보여줌</a:t>
+            </a:r>
+            <a:r>
+              <a:rPr lang="en-US" altLang="ko-KR" sz="2000">
+                <a:solidFill>
+                  <a:schemeClr val="dk1"/>
+                </a:solidFill>
+              </a:rPr>
+              <a:t>.</a:t>
+            </a:r>
+            <a:endParaRPr lang="en-US" altLang="ko-KR" sz="2000">
+              <a:solidFill>
+                <a:schemeClr val="dk1"/>
+              </a:solidFill>
+            </a:endParaRPr>
+          </a:p>
+          <a:p>
+            <a:pPr>
+              <a:defRPr/>
+            </a:pPr>
+            <a:r>
+              <a:rPr lang="ko-KR" altLang="en-US" sz="2000">
+                <a:solidFill>
+                  <a:schemeClr val="dk1"/>
+                </a:solidFill>
+              </a:rPr>
+              <a:t> </a:t>
+            </a:r>
+            <a:r>
+              <a:rPr lang="en-US" altLang="ko-KR" sz="2000">
+                <a:solidFill>
+                  <a:schemeClr val="dk1"/>
+                </a:solidFill>
+              </a:rPr>
+              <a:t>-</a:t>
+            </a:r>
+            <a:r>
+              <a:rPr lang="ko-KR" altLang="en-US" sz="2000">
+                <a:solidFill>
+                  <a:schemeClr val="dk1"/>
+                </a:solidFill>
+              </a:rPr>
+              <a:t> 차량의 주행거리를 자동적으로 </a:t>
+            </a:r>
+            <a:r>
+              <a:rPr lang="en-US" altLang="ko-KR" sz="2000">
+                <a:solidFill>
+                  <a:schemeClr val="dk1"/>
+                </a:solidFill>
+              </a:rPr>
+              <a:t>DB</a:t>
+            </a:r>
+            <a:r>
+              <a:rPr lang="ko-KR" altLang="en-US" sz="2000">
+                <a:solidFill>
+                  <a:schemeClr val="dk1"/>
+                </a:solidFill>
+              </a:rPr>
+              <a:t>로 끌어올 수 있는지</a:t>
+            </a:r>
+            <a:r>
+              <a:rPr lang="en-US" altLang="ko-KR" sz="2000">
+                <a:solidFill>
+                  <a:schemeClr val="dk1"/>
+                </a:solidFill>
+              </a:rPr>
+              <a:t>?</a:t>
+            </a:r>
+            <a:r>
+              <a:rPr lang="ko-KR" altLang="en-US" sz="2000">
+                <a:solidFill>
+                  <a:schemeClr val="dk1"/>
+                </a:solidFill>
+              </a:rPr>
+              <a:t> </a:t>
+            </a:r>
+            <a:r>
+              <a:rPr lang="en-US" altLang="ko-KR" sz="2000">
+                <a:solidFill>
+                  <a:schemeClr val="dk1"/>
+                </a:solidFill>
+              </a:rPr>
+              <a:t>-&gt;</a:t>
+            </a:r>
+            <a:r>
+              <a:rPr lang="ko-KR" altLang="en-US" sz="2000">
+                <a:solidFill>
+                  <a:schemeClr val="dk1"/>
+                </a:solidFill>
+              </a:rPr>
+              <a:t> 핵심 검색해봐야 함</a:t>
+            </a:r>
+            <a:endParaRPr lang="ko-KR" altLang="en-US" sz="2000">
+              <a:solidFill>
+                <a:schemeClr val="dk1"/>
+              </a:solidFill>
+            </a:endParaRPr>
+          </a:p>
+          <a:p>
+            <a:pPr>
+              <a:defRPr/>
+            </a:pPr>
+            <a:endParaRPr lang="ko-KR" altLang="en-US" sz="2000">
+              <a:solidFill>
+                <a:schemeClr val="dk1"/>
+              </a:solidFill>
+            </a:endParaRPr>
+          </a:p>
+          <a:p>
+            <a:pPr>
+              <a:defRPr/>
+            </a:pPr>
+            <a:r>
+              <a:rPr lang="ko-KR" altLang="en-US" sz="2000">
+                <a:solidFill>
+                  <a:schemeClr val="dk1"/>
+                </a:solidFill>
+              </a:rPr>
+              <a:t>목록을 구성하여 각 화면에서 원하는 화면으로 전환</a:t>
+            </a:r>
+            <a:endParaRPr lang="ko-KR" altLang="en-US" sz="2000">
+              <a:solidFill>
+                <a:schemeClr val="dk1"/>
+              </a:solidFill>
+            </a:endParaRPr>
+          </a:p>
+          <a:p>
+            <a:pPr>
+              <a:defRPr/>
+            </a:pPr>
+            <a:r>
+              <a:rPr lang="en-US" altLang="ko-KR" sz="2000">
+                <a:solidFill>
+                  <a:schemeClr val="dk1"/>
+                </a:solidFill>
+              </a:rPr>
+              <a:t>-&gt;</a:t>
+            </a:r>
+            <a:r>
+              <a:rPr lang="ko-KR" altLang="en-US" sz="2000">
+                <a:solidFill>
+                  <a:schemeClr val="dk1"/>
+                </a:solidFill>
+              </a:rPr>
+              <a:t> </a:t>
+            </a:r>
+            <a:r>
+              <a:rPr lang="en-US" altLang="ko-KR" sz="2000">
+                <a:solidFill>
+                  <a:schemeClr val="dk1"/>
+                </a:solidFill>
+              </a:rPr>
+              <a:t>Android Studio 